--- a/Project Proposal Ben.pptx
+++ b/Project Proposal Ben.pptx
@@ -108,6 +108,11 @@
       </a:defRPr>
     </a:lvl9pPr>
   </p:defaultTextStyle>
+  <p:extLst>
+    <p:ext uri="{EFAFB233-063F-42B5-8137-9DF3F51BA10A}">
+      <p15:sldGuideLst xmlns:p15="http://schemas.microsoft.com/office/powerpoint/2012/main"/>
+    </p:ext>
+  </p:extLst>
 </p:presentation>
 </file>
 
@@ -260,7 +265,7 @@
           <a:p>
             <a:fld id="{AEE46315-4AAD-410B-89FA-21C15CCB14A3}" type="datetimeFigureOut">
               <a:rPr lang="de-DE" smtClean="0"/>
-              <a:t>07.05.2025</a:t>
+              <a:t>10.05.2025</a:t>
             </a:fld>
             <a:endParaRPr lang="de-DE"/>
           </a:p>
@@ -314,7 +319,7 @@
           <a:p>
             <a:fld id="{76CD8E94-8180-4651-B6B5-5A5ABA3C85A7}" type="slidenum">
               <a:rPr lang="de-DE" smtClean="0"/>
-              <a:t>‹#›</a:t>
+              <a:t>‹Nr.›</a:t>
             </a:fld>
             <a:endParaRPr lang="de-DE"/>
           </a:p>
@@ -460,7 +465,7 @@
           <a:p>
             <a:fld id="{AEE46315-4AAD-410B-89FA-21C15CCB14A3}" type="datetimeFigureOut">
               <a:rPr lang="de-DE" smtClean="0"/>
-              <a:t>07.05.2025</a:t>
+              <a:t>10.05.2025</a:t>
             </a:fld>
             <a:endParaRPr lang="de-DE"/>
           </a:p>
@@ -514,7 +519,7 @@
           <a:p>
             <a:fld id="{76CD8E94-8180-4651-B6B5-5A5ABA3C85A7}" type="slidenum">
               <a:rPr lang="de-DE" smtClean="0"/>
-              <a:t>‹#›</a:t>
+              <a:t>‹Nr.›</a:t>
             </a:fld>
             <a:endParaRPr lang="de-DE"/>
           </a:p>
@@ -670,7 +675,7 @@
           <a:p>
             <a:fld id="{AEE46315-4AAD-410B-89FA-21C15CCB14A3}" type="datetimeFigureOut">
               <a:rPr lang="de-DE" smtClean="0"/>
-              <a:t>07.05.2025</a:t>
+              <a:t>10.05.2025</a:t>
             </a:fld>
             <a:endParaRPr lang="de-DE"/>
           </a:p>
@@ -724,7 +729,7 @@
           <a:p>
             <a:fld id="{76CD8E94-8180-4651-B6B5-5A5ABA3C85A7}" type="slidenum">
               <a:rPr lang="de-DE" smtClean="0"/>
-              <a:t>‹#›</a:t>
+              <a:t>‹Nr.›</a:t>
             </a:fld>
             <a:endParaRPr lang="de-DE"/>
           </a:p>
@@ -870,7 +875,7 @@
           <a:p>
             <a:fld id="{AEE46315-4AAD-410B-89FA-21C15CCB14A3}" type="datetimeFigureOut">
               <a:rPr lang="de-DE" smtClean="0"/>
-              <a:t>07.05.2025</a:t>
+              <a:t>10.05.2025</a:t>
             </a:fld>
             <a:endParaRPr lang="de-DE"/>
           </a:p>
@@ -924,7 +929,7 @@
           <a:p>
             <a:fld id="{76CD8E94-8180-4651-B6B5-5A5ABA3C85A7}" type="slidenum">
               <a:rPr lang="de-DE" smtClean="0"/>
-              <a:t>‹#›</a:t>
+              <a:t>‹Nr.›</a:t>
             </a:fld>
             <a:endParaRPr lang="de-DE"/>
           </a:p>
@@ -1146,7 +1151,7 @@
           <a:p>
             <a:fld id="{AEE46315-4AAD-410B-89FA-21C15CCB14A3}" type="datetimeFigureOut">
               <a:rPr lang="de-DE" smtClean="0"/>
-              <a:t>07.05.2025</a:t>
+              <a:t>10.05.2025</a:t>
             </a:fld>
             <a:endParaRPr lang="de-DE"/>
           </a:p>
@@ -1200,7 +1205,7 @@
           <a:p>
             <a:fld id="{76CD8E94-8180-4651-B6B5-5A5ABA3C85A7}" type="slidenum">
               <a:rPr lang="de-DE" smtClean="0"/>
-              <a:t>‹#›</a:t>
+              <a:t>‹Nr.›</a:t>
             </a:fld>
             <a:endParaRPr lang="de-DE"/>
           </a:p>
@@ -1414,7 +1419,7 @@
           <a:p>
             <a:fld id="{AEE46315-4AAD-410B-89FA-21C15CCB14A3}" type="datetimeFigureOut">
               <a:rPr lang="de-DE" smtClean="0"/>
-              <a:t>07.05.2025</a:t>
+              <a:t>10.05.2025</a:t>
             </a:fld>
             <a:endParaRPr lang="de-DE"/>
           </a:p>
@@ -1468,7 +1473,7 @@
           <a:p>
             <a:fld id="{76CD8E94-8180-4651-B6B5-5A5ABA3C85A7}" type="slidenum">
               <a:rPr lang="de-DE" smtClean="0"/>
-              <a:t>‹#›</a:t>
+              <a:t>‹Nr.›</a:t>
             </a:fld>
             <a:endParaRPr lang="de-DE"/>
           </a:p>
@@ -1829,7 +1834,7 @@
           <a:p>
             <a:fld id="{AEE46315-4AAD-410B-89FA-21C15CCB14A3}" type="datetimeFigureOut">
               <a:rPr lang="de-DE" smtClean="0"/>
-              <a:t>07.05.2025</a:t>
+              <a:t>10.05.2025</a:t>
             </a:fld>
             <a:endParaRPr lang="de-DE"/>
           </a:p>
@@ -1883,7 +1888,7 @@
           <a:p>
             <a:fld id="{76CD8E94-8180-4651-B6B5-5A5ABA3C85A7}" type="slidenum">
               <a:rPr lang="de-DE" smtClean="0"/>
-              <a:t>‹#›</a:t>
+              <a:t>‹Nr.›</a:t>
             </a:fld>
             <a:endParaRPr lang="de-DE"/>
           </a:p>
@@ -1971,7 +1976,7 @@
           <a:p>
             <a:fld id="{AEE46315-4AAD-410B-89FA-21C15CCB14A3}" type="datetimeFigureOut">
               <a:rPr lang="de-DE" smtClean="0"/>
-              <a:t>07.05.2025</a:t>
+              <a:t>10.05.2025</a:t>
             </a:fld>
             <a:endParaRPr lang="de-DE"/>
           </a:p>
@@ -2025,7 +2030,7 @@
           <a:p>
             <a:fld id="{76CD8E94-8180-4651-B6B5-5A5ABA3C85A7}" type="slidenum">
               <a:rPr lang="de-DE" smtClean="0"/>
-              <a:t>‹#›</a:t>
+              <a:t>‹Nr.›</a:t>
             </a:fld>
             <a:endParaRPr lang="de-DE"/>
           </a:p>
@@ -2084,7 +2089,7 @@
           <a:p>
             <a:fld id="{AEE46315-4AAD-410B-89FA-21C15CCB14A3}" type="datetimeFigureOut">
               <a:rPr lang="de-DE" smtClean="0"/>
-              <a:t>07.05.2025</a:t>
+              <a:t>10.05.2025</a:t>
             </a:fld>
             <a:endParaRPr lang="de-DE"/>
           </a:p>
@@ -2138,7 +2143,7 @@
           <a:p>
             <a:fld id="{76CD8E94-8180-4651-B6B5-5A5ABA3C85A7}" type="slidenum">
               <a:rPr lang="de-DE" smtClean="0"/>
-              <a:t>‹#›</a:t>
+              <a:t>‹Nr.›</a:t>
             </a:fld>
             <a:endParaRPr lang="de-DE"/>
           </a:p>
@@ -2397,7 +2402,7 @@
           <a:p>
             <a:fld id="{AEE46315-4AAD-410B-89FA-21C15CCB14A3}" type="datetimeFigureOut">
               <a:rPr lang="de-DE" smtClean="0"/>
-              <a:t>07.05.2025</a:t>
+              <a:t>10.05.2025</a:t>
             </a:fld>
             <a:endParaRPr lang="de-DE"/>
           </a:p>
@@ -2451,7 +2456,7 @@
           <a:p>
             <a:fld id="{76CD8E94-8180-4651-B6B5-5A5ABA3C85A7}" type="slidenum">
               <a:rPr lang="de-DE" smtClean="0"/>
-              <a:t>‹#›</a:t>
+              <a:t>‹Nr.›</a:t>
             </a:fld>
             <a:endParaRPr lang="de-DE"/>
           </a:p>
@@ -2686,7 +2691,7 @@
           <a:p>
             <a:fld id="{AEE46315-4AAD-410B-89FA-21C15CCB14A3}" type="datetimeFigureOut">
               <a:rPr lang="de-DE" smtClean="0"/>
-              <a:t>07.05.2025</a:t>
+              <a:t>10.05.2025</a:t>
             </a:fld>
             <a:endParaRPr lang="de-DE"/>
           </a:p>
@@ -2740,7 +2745,7 @@
           <a:p>
             <a:fld id="{76CD8E94-8180-4651-B6B5-5A5ABA3C85A7}" type="slidenum">
               <a:rPr lang="de-DE" smtClean="0"/>
-              <a:t>‹#›</a:t>
+              <a:t>‹Nr.›</a:t>
             </a:fld>
             <a:endParaRPr lang="de-DE"/>
           </a:p>
@@ -2929,7 +2934,7 @@
           <a:p>
             <a:fld id="{AEE46315-4AAD-410B-89FA-21C15CCB14A3}" type="datetimeFigureOut">
               <a:rPr lang="de-DE" smtClean="0"/>
-              <a:t>07.05.2025</a:t>
+              <a:t>10.05.2025</a:t>
             </a:fld>
             <a:endParaRPr lang="de-DE"/>
           </a:p>
@@ -3019,7 +3024,7 @@
           <a:p>
             <a:fld id="{76CD8E94-8180-4651-B6B5-5A5ABA3C85A7}" type="slidenum">
               <a:rPr lang="de-DE" smtClean="0"/>
-              <a:t>‹#›</a:t>
+              <a:t>‹Nr.›</a:t>
             </a:fld>
             <a:endParaRPr lang="de-DE"/>
           </a:p>
@@ -3428,8 +3433,20 @@
           </a:p>
           <a:p>
             <a:r>
+              <a:rPr lang="en-GB" sz="1800" noProof="0"/>
+              <a:t>Julian Baureis, </a:t>
+            </a:r>
+            <a:r>
               <a:rPr lang="en-GB" sz="1800" noProof="0" dirty="0"/>
-              <a:t>Benjamin Nicklas, Julia Ferdin, Julian, Luise</a:t>
+              <a:t>Julia Ferdin</a:t>
+            </a:r>
+            <a:r>
+              <a:rPr lang="en-GB" sz="1800" noProof="0"/>
+              <a:t>, Benjamin </a:t>
+            </a:r>
+            <a:r>
+              <a:rPr lang="en-GB" sz="1800" noProof="0" dirty="0"/>
+              <a:t>Nicklas, Luisa Wintel</a:t>
             </a:r>
           </a:p>
           <a:p>

--- a/Project Proposal Ben.pptx
+++ b/Project Proposal Ben.pptx
@@ -8,8 +8,10 @@
     <p:sldId id="256" r:id="rId2"/>
     <p:sldId id="257" r:id="rId3"/>
     <p:sldId id="258" r:id="rId4"/>
-    <p:sldId id="259" r:id="rId5"/>
+    <p:sldId id="261" r:id="rId5"/>
     <p:sldId id="260" r:id="rId6"/>
+    <p:sldId id="262" r:id="rId7"/>
+    <p:sldId id="259" r:id="rId8"/>
   </p:sldIdLst>
   <p:sldSz cx="12192000" cy="6858000"/>
   <p:notesSz cx="6858000" cy="9144000"/>
@@ -265,7 +267,7 @@
           <a:p>
             <a:fld id="{AEE46315-4AAD-410B-89FA-21C15CCB14A3}" type="datetimeFigureOut">
               <a:rPr lang="de-DE" smtClean="0"/>
-              <a:t>10.05.2025</a:t>
+              <a:t>11.05.2025</a:t>
             </a:fld>
             <a:endParaRPr lang="de-DE"/>
           </a:p>
@@ -319,7 +321,7 @@
           <a:p>
             <a:fld id="{76CD8E94-8180-4651-B6B5-5A5ABA3C85A7}" type="slidenum">
               <a:rPr lang="de-DE" smtClean="0"/>
-              <a:t>‹Nr.›</a:t>
+              <a:t>‹#›</a:t>
             </a:fld>
             <a:endParaRPr lang="de-DE"/>
           </a:p>
@@ -465,7 +467,7 @@
           <a:p>
             <a:fld id="{AEE46315-4AAD-410B-89FA-21C15CCB14A3}" type="datetimeFigureOut">
               <a:rPr lang="de-DE" smtClean="0"/>
-              <a:t>10.05.2025</a:t>
+              <a:t>11.05.2025</a:t>
             </a:fld>
             <a:endParaRPr lang="de-DE"/>
           </a:p>
@@ -519,7 +521,7 @@
           <a:p>
             <a:fld id="{76CD8E94-8180-4651-B6B5-5A5ABA3C85A7}" type="slidenum">
               <a:rPr lang="de-DE" smtClean="0"/>
-              <a:t>‹Nr.›</a:t>
+              <a:t>‹#›</a:t>
             </a:fld>
             <a:endParaRPr lang="de-DE"/>
           </a:p>
@@ -675,7 +677,7 @@
           <a:p>
             <a:fld id="{AEE46315-4AAD-410B-89FA-21C15CCB14A3}" type="datetimeFigureOut">
               <a:rPr lang="de-DE" smtClean="0"/>
-              <a:t>10.05.2025</a:t>
+              <a:t>11.05.2025</a:t>
             </a:fld>
             <a:endParaRPr lang="de-DE"/>
           </a:p>
@@ -729,7 +731,7 @@
           <a:p>
             <a:fld id="{76CD8E94-8180-4651-B6B5-5A5ABA3C85A7}" type="slidenum">
               <a:rPr lang="de-DE" smtClean="0"/>
-              <a:t>‹Nr.›</a:t>
+              <a:t>‹#›</a:t>
             </a:fld>
             <a:endParaRPr lang="de-DE"/>
           </a:p>
@@ -875,7 +877,7 @@
           <a:p>
             <a:fld id="{AEE46315-4AAD-410B-89FA-21C15CCB14A3}" type="datetimeFigureOut">
               <a:rPr lang="de-DE" smtClean="0"/>
-              <a:t>10.05.2025</a:t>
+              <a:t>11.05.2025</a:t>
             </a:fld>
             <a:endParaRPr lang="de-DE"/>
           </a:p>
@@ -929,7 +931,7 @@
           <a:p>
             <a:fld id="{76CD8E94-8180-4651-B6B5-5A5ABA3C85A7}" type="slidenum">
               <a:rPr lang="de-DE" smtClean="0"/>
-              <a:t>‹Nr.›</a:t>
+              <a:t>‹#›</a:t>
             </a:fld>
             <a:endParaRPr lang="de-DE"/>
           </a:p>
@@ -1151,7 +1153,7 @@
           <a:p>
             <a:fld id="{AEE46315-4AAD-410B-89FA-21C15CCB14A3}" type="datetimeFigureOut">
               <a:rPr lang="de-DE" smtClean="0"/>
-              <a:t>10.05.2025</a:t>
+              <a:t>11.05.2025</a:t>
             </a:fld>
             <a:endParaRPr lang="de-DE"/>
           </a:p>
@@ -1205,7 +1207,7 @@
           <a:p>
             <a:fld id="{76CD8E94-8180-4651-B6B5-5A5ABA3C85A7}" type="slidenum">
               <a:rPr lang="de-DE" smtClean="0"/>
-              <a:t>‹Nr.›</a:t>
+              <a:t>‹#›</a:t>
             </a:fld>
             <a:endParaRPr lang="de-DE"/>
           </a:p>
@@ -1419,7 +1421,7 @@
           <a:p>
             <a:fld id="{AEE46315-4AAD-410B-89FA-21C15CCB14A3}" type="datetimeFigureOut">
               <a:rPr lang="de-DE" smtClean="0"/>
-              <a:t>10.05.2025</a:t>
+              <a:t>11.05.2025</a:t>
             </a:fld>
             <a:endParaRPr lang="de-DE"/>
           </a:p>
@@ -1473,7 +1475,7 @@
           <a:p>
             <a:fld id="{76CD8E94-8180-4651-B6B5-5A5ABA3C85A7}" type="slidenum">
               <a:rPr lang="de-DE" smtClean="0"/>
-              <a:t>‹Nr.›</a:t>
+              <a:t>‹#›</a:t>
             </a:fld>
             <a:endParaRPr lang="de-DE"/>
           </a:p>
@@ -1834,7 +1836,7 @@
           <a:p>
             <a:fld id="{AEE46315-4AAD-410B-89FA-21C15CCB14A3}" type="datetimeFigureOut">
               <a:rPr lang="de-DE" smtClean="0"/>
-              <a:t>10.05.2025</a:t>
+              <a:t>11.05.2025</a:t>
             </a:fld>
             <a:endParaRPr lang="de-DE"/>
           </a:p>
@@ -1888,7 +1890,7 @@
           <a:p>
             <a:fld id="{76CD8E94-8180-4651-B6B5-5A5ABA3C85A7}" type="slidenum">
               <a:rPr lang="de-DE" smtClean="0"/>
-              <a:t>‹Nr.›</a:t>
+              <a:t>‹#›</a:t>
             </a:fld>
             <a:endParaRPr lang="de-DE"/>
           </a:p>
@@ -1976,7 +1978,7 @@
           <a:p>
             <a:fld id="{AEE46315-4AAD-410B-89FA-21C15CCB14A3}" type="datetimeFigureOut">
               <a:rPr lang="de-DE" smtClean="0"/>
-              <a:t>10.05.2025</a:t>
+              <a:t>11.05.2025</a:t>
             </a:fld>
             <a:endParaRPr lang="de-DE"/>
           </a:p>
@@ -2030,7 +2032,7 @@
           <a:p>
             <a:fld id="{76CD8E94-8180-4651-B6B5-5A5ABA3C85A7}" type="slidenum">
               <a:rPr lang="de-DE" smtClean="0"/>
-              <a:t>‹Nr.›</a:t>
+              <a:t>‹#›</a:t>
             </a:fld>
             <a:endParaRPr lang="de-DE"/>
           </a:p>
@@ -2089,7 +2091,7 @@
           <a:p>
             <a:fld id="{AEE46315-4AAD-410B-89FA-21C15CCB14A3}" type="datetimeFigureOut">
               <a:rPr lang="de-DE" smtClean="0"/>
-              <a:t>10.05.2025</a:t>
+              <a:t>11.05.2025</a:t>
             </a:fld>
             <a:endParaRPr lang="de-DE"/>
           </a:p>
@@ -2143,7 +2145,7 @@
           <a:p>
             <a:fld id="{76CD8E94-8180-4651-B6B5-5A5ABA3C85A7}" type="slidenum">
               <a:rPr lang="de-DE" smtClean="0"/>
-              <a:t>‹Nr.›</a:t>
+              <a:t>‹#›</a:t>
             </a:fld>
             <a:endParaRPr lang="de-DE"/>
           </a:p>
@@ -2402,7 +2404,7 @@
           <a:p>
             <a:fld id="{AEE46315-4AAD-410B-89FA-21C15CCB14A3}" type="datetimeFigureOut">
               <a:rPr lang="de-DE" smtClean="0"/>
-              <a:t>10.05.2025</a:t>
+              <a:t>11.05.2025</a:t>
             </a:fld>
             <a:endParaRPr lang="de-DE"/>
           </a:p>
@@ -2456,7 +2458,7 @@
           <a:p>
             <a:fld id="{76CD8E94-8180-4651-B6B5-5A5ABA3C85A7}" type="slidenum">
               <a:rPr lang="de-DE" smtClean="0"/>
-              <a:t>‹Nr.›</a:t>
+              <a:t>‹#›</a:t>
             </a:fld>
             <a:endParaRPr lang="de-DE"/>
           </a:p>
@@ -2691,7 +2693,7 @@
           <a:p>
             <a:fld id="{AEE46315-4AAD-410B-89FA-21C15CCB14A3}" type="datetimeFigureOut">
               <a:rPr lang="de-DE" smtClean="0"/>
-              <a:t>10.05.2025</a:t>
+              <a:t>11.05.2025</a:t>
             </a:fld>
             <a:endParaRPr lang="de-DE"/>
           </a:p>
@@ -2745,7 +2747,7 @@
           <a:p>
             <a:fld id="{76CD8E94-8180-4651-B6B5-5A5ABA3C85A7}" type="slidenum">
               <a:rPr lang="de-DE" smtClean="0"/>
-              <a:t>‹Nr.›</a:t>
+              <a:t>‹#›</a:t>
             </a:fld>
             <a:endParaRPr lang="de-DE"/>
           </a:p>
@@ -2934,7 +2936,7 @@
           <a:p>
             <a:fld id="{AEE46315-4AAD-410B-89FA-21C15CCB14A3}" type="datetimeFigureOut">
               <a:rPr lang="de-DE" smtClean="0"/>
-              <a:t>10.05.2025</a:t>
+              <a:t>11.05.2025</a:t>
             </a:fld>
             <a:endParaRPr lang="de-DE"/>
           </a:p>
@@ -3024,7 +3026,7 @@
           <a:p>
             <a:fld id="{76CD8E94-8180-4651-B6B5-5A5ABA3C85A7}" type="slidenum">
               <a:rPr lang="de-DE" smtClean="0"/>
-              <a:t>‹Nr.›</a:t>
+              <a:t>‹#›</a:t>
             </a:fld>
             <a:endParaRPr lang="de-DE"/>
           </a:p>
@@ -3433,20 +3435,8 @@
           </a:p>
           <a:p>
             <a:r>
-              <a:rPr lang="en-GB" sz="1800" noProof="0"/>
-              <a:t>Julian Baureis, </a:t>
-            </a:r>
-            <a:r>
               <a:rPr lang="en-GB" sz="1800" noProof="0" dirty="0"/>
-              <a:t>Julia Ferdin</a:t>
-            </a:r>
-            <a:r>
-              <a:rPr lang="en-GB" sz="1800" noProof="0"/>
-              <a:t>, Benjamin </a:t>
-            </a:r>
-            <a:r>
-              <a:rPr lang="en-GB" sz="1800" noProof="0" dirty="0"/>
-              <a:t>Nicklas, Luisa Wintel</a:t>
+              <a:t>Julian Baureis, Julia Ferdin, Benjamin Nicklas, Luisa Wintel</a:t>
             </a:r>
           </a:p>
           <a:p>
@@ -3579,15 +3569,15 @@
           <a:lstStyle/>
           <a:p>
             <a:r>
-              <a:rPr lang="en-GB" dirty="0"/>
+              <a:rPr lang="en-GB" noProof="0" dirty="0"/>
               <a:t>Methode: RNA dependence (R-</a:t>
             </a:r>
             <a:r>
-              <a:rPr lang="en-GB" dirty="0" err="1"/>
+              <a:rPr lang="en-GB" noProof="0" dirty="0" err="1"/>
               <a:t>DeeP</a:t>
             </a:r>
             <a:r>
-              <a:rPr lang="en-GB" dirty="0"/>
+              <a:rPr lang="en-GB" noProof="0" dirty="0"/>
               <a:t>)</a:t>
             </a:r>
           </a:p>
@@ -3628,96 +3618,31 @@
           <p:cNvPr id="2" name="Title 1">
             <a:extLst>
               <a:ext uri="{FF2B5EF4-FFF2-40B4-BE49-F238E27FC236}">
-                <a16:creationId xmlns:a16="http://schemas.microsoft.com/office/drawing/2014/main" id="{7DDD5CD0-9213-6901-2300-795ABB73CF18}"/>
-              </a:ext>
-            </a:extLst>
-          </p:cNvPr>
-          <p:cNvSpPr>
-            <a:spLocks noGrp="1"/>
-          </p:cNvSpPr>
-          <p:nvPr>
-            <p:ph type="ctrTitle"/>
-          </p:nvPr>
-        </p:nvSpPr>
-        <p:spPr/>
-        <p:txBody>
-          <a:bodyPr/>
-          <a:lstStyle/>
-          <a:p>
-            <a:r>
-              <a:rPr lang="de-DE" dirty="0"/>
-              <a:t>Time Table</a:t>
-            </a:r>
-          </a:p>
-        </p:txBody>
-      </p:sp>
-      <p:sp>
-        <p:nvSpPr>
-          <p:cNvPr id="3" name="Subtitle 2">
-            <a:extLst>
-              <a:ext uri="{FF2B5EF4-FFF2-40B4-BE49-F238E27FC236}">
-                <a16:creationId xmlns:a16="http://schemas.microsoft.com/office/drawing/2014/main" id="{1690C50E-3847-EA70-3236-BCAA9B915E8E}"/>
-              </a:ext>
-            </a:extLst>
-          </p:cNvPr>
-          <p:cNvSpPr>
-            <a:spLocks noGrp="1"/>
-          </p:cNvSpPr>
-          <p:nvPr>
-            <p:ph type="subTitle" idx="1"/>
+                <a16:creationId xmlns:a16="http://schemas.microsoft.com/office/drawing/2014/main" id="{1C92489D-D876-496E-84EF-78B1EAEBF1DF}"/>
+              </a:ext>
+            </a:extLst>
+          </p:cNvPr>
+          <p:cNvSpPr>
+            <a:spLocks noGrp="1"/>
+          </p:cNvSpPr>
+          <p:nvPr>
+            <p:ph type="title"/>
           </p:nvPr>
         </p:nvSpPr>
         <p:spPr>
           <a:xfrm>
-            <a:off x="1524000" y="3602038"/>
-            <a:ext cx="9144000" cy="2941002"/>
+            <a:off x="838200" y="2766218"/>
+            <a:ext cx="10515600" cy="1325563"/>
           </a:xfrm>
         </p:spPr>
         <p:txBody>
-          <a:bodyPr>
-            <a:normAutofit lnSpcReduction="10000"/>
-          </a:bodyPr>
-          <a:lstStyle/>
-          <a:p>
-            <a:r>
-              <a:rPr lang="de-DE" dirty="0"/>
-              <a:t>19.05-25.05</a:t>
-            </a:r>
-          </a:p>
-          <a:p>
-            <a:r>
-              <a:rPr lang="de-DE" dirty="0"/>
-              <a:t>26.05-01.06</a:t>
-            </a:r>
-          </a:p>
-          <a:p>
-            <a:r>
-              <a:rPr lang="de-DE" dirty="0"/>
-              <a:t>02.06-08.06</a:t>
-            </a:r>
-          </a:p>
-          <a:p>
-            <a:r>
-              <a:rPr lang="de-DE" dirty="0"/>
-              <a:t>09.06-15.06</a:t>
-            </a:r>
-          </a:p>
-          <a:p>
-            <a:r>
-              <a:rPr lang="de-DE" dirty="0"/>
-              <a:t>16.06-22.06</a:t>
-            </a:r>
-          </a:p>
-          <a:p>
-            <a:r>
-              <a:rPr lang="de-DE" dirty="0"/>
-              <a:t>23.06-29.06</a:t>
-            </a:r>
-          </a:p>
-          <a:p>
-            <a:r>
-              <a:rPr lang="de-DE" dirty="0"/>
-              <a:t>30.06-06.07</a:t>
+          <a:bodyPr/>
+          <a:lstStyle/>
+          <a:p>
+            <a:pPr algn="ctr"/>
+            <a:r>
+              <a:rPr lang="en-GB" noProof="0" dirty="0"/>
+              <a:t>Which proteins in the non-synchronized HeLa cells are RNA-binding proteins?</a:t>
             </a:r>
           </a:p>
         </p:txBody>
@@ -3725,7 +3650,7 @@
     </p:spTree>
     <p:extLst>
       <p:ext uri="{BB962C8B-B14F-4D97-AF65-F5344CB8AC3E}">
-        <p14:creationId xmlns:p14="http://schemas.microsoft.com/office/powerpoint/2010/main" val="4114376445"/>
+        <p14:creationId xmlns:p14="http://schemas.microsoft.com/office/powerpoint/2010/main" val="2292762979"/>
       </p:ext>
     </p:extLst>
   </p:cSld>
@@ -3880,7 +3805,7 @@
           <a:p>
             <a:pPr algn="ctr"/>
             <a:r>
-              <a:rPr lang="en-GB" sz="2400" b="1" dirty="0">
+              <a:rPr lang="en-GB" sz="2400" b="1" noProof="0" dirty="0">
                 <a:solidFill>
                   <a:srgbClr val="1F2328"/>
                 </a:solidFill>
@@ -3949,7 +3874,7 @@
           <a:p>
             <a:pPr algn="ctr"/>
             <a:r>
-              <a:rPr lang="en-GB" sz="2400" b="1" dirty="0">
+              <a:rPr lang="en-GB" sz="2400" b="1" noProof="0" dirty="0">
                 <a:solidFill>
                   <a:srgbClr val="1F2328"/>
                 </a:solidFill>
@@ -4030,7 +3955,7 @@
           <a:p>
             <a:pPr algn="ctr"/>
             <a:r>
-              <a:rPr lang="en-GB" sz="1600" dirty="0"/>
+              <a:rPr lang="en-GB" sz="1600" noProof="0" dirty="0"/>
               <a:t>26.05-01.06</a:t>
             </a:r>
           </a:p>
@@ -4070,16 +3995,8 @@
           <a:p>
             <a:pPr algn="ctr"/>
             <a:r>
-              <a:rPr lang="en-GB" sz="1600" dirty="0"/>
-              <a:t>02.06-</a:t>
-            </a:r>
-            <a:r>
-              <a:rPr lang="de-DE" sz="1600" dirty="0"/>
-              <a:t>15</a:t>
-            </a:r>
-            <a:r>
-              <a:rPr lang="en-GB" sz="1600" dirty="0"/>
-              <a:t>.06</a:t>
+              <a:rPr lang="en-GB" sz="1600" noProof="0" dirty="0"/>
+              <a:t>02.06-15.06</a:t>
             </a:r>
           </a:p>
           <a:p>
@@ -4118,7 +4035,7 @@
           <a:p>
             <a:pPr algn="ctr"/>
             <a:r>
-              <a:rPr lang="de-DE" dirty="0"/>
+              <a:rPr lang="en-GB" noProof="0" dirty="0"/>
               <a:t>1. Week</a:t>
             </a:r>
           </a:p>
@@ -4154,7 +4071,7 @@
           <a:p>
             <a:pPr algn="ctr"/>
             <a:r>
-              <a:rPr lang="de-DE" dirty="0"/>
+              <a:rPr lang="en-GB" noProof="0" dirty="0"/>
               <a:t>2. Week</a:t>
             </a:r>
           </a:p>
@@ -4190,7 +4107,7 @@
           <a:p>
             <a:pPr algn="ctr"/>
             <a:r>
-              <a:rPr lang="de-DE" dirty="0"/>
+              <a:rPr lang="en-GB" noProof="0" dirty="0"/>
               <a:t>3./4. Week</a:t>
             </a:r>
           </a:p>
@@ -4229,7 +4146,7 @@
               <a:buChar char="•"/>
             </a:pPr>
             <a:r>
-              <a:rPr lang="en-US" b="0" i="0" dirty="0">
+              <a:rPr lang="en-GB" b="0" i="0" noProof="0" dirty="0">
                 <a:solidFill>
                   <a:srgbClr val="1F2328"/>
                 </a:solidFill>
@@ -4244,7 +4161,7 @@
               <a:buFont typeface="Arial" panose="020B0604020202020204" pitchFamily="34" charset="0"/>
               <a:buChar char="•"/>
             </a:pPr>
-            <a:endParaRPr lang="en-US" b="0" i="0" dirty="0">
+            <a:endParaRPr lang="en-GB" b="0" i="0" noProof="0" dirty="0">
               <a:solidFill>
                 <a:srgbClr val="1F2328"/>
               </a:solidFill>
@@ -4258,7 +4175,7 @@
               <a:buChar char="•"/>
             </a:pPr>
             <a:r>
-              <a:rPr lang="en-US" b="0" i="0" dirty="0">
+              <a:rPr lang="en-GB" b="0" i="0" noProof="0" dirty="0">
                 <a:solidFill>
                   <a:srgbClr val="1F2328"/>
                 </a:solidFill>
@@ -4273,7 +4190,7 @@
               <a:buFont typeface="Arial" panose="020B0604020202020204" pitchFamily="34" charset="0"/>
               <a:buChar char="•"/>
             </a:pPr>
-            <a:endParaRPr lang="en-US" b="0" i="0" dirty="0">
+            <a:endParaRPr lang="en-GB" b="0" i="0" noProof="0" dirty="0">
               <a:solidFill>
                 <a:srgbClr val="1F2328"/>
               </a:solidFill>
@@ -4287,7 +4204,7 @@
               <a:buChar char="•"/>
             </a:pPr>
             <a:r>
-              <a:rPr lang="en-US" b="0" i="0" dirty="0">
+              <a:rPr lang="en-GB" b="0" i="0" noProof="0" dirty="0">
                 <a:solidFill>
                   <a:srgbClr val="1F2328"/>
                 </a:solidFill>
@@ -4302,7 +4219,7 @@
               <a:buFont typeface="Arial" panose="020B0604020202020204" pitchFamily="34" charset="0"/>
               <a:buChar char="•"/>
             </a:pPr>
-            <a:endParaRPr lang="en-US" b="0" i="0" dirty="0">
+            <a:endParaRPr lang="en-GB" b="0" i="0" noProof="0" dirty="0">
               <a:solidFill>
                 <a:srgbClr val="1F2328"/>
               </a:solidFill>
@@ -4316,7 +4233,7 @@
               <a:buChar char="•"/>
             </a:pPr>
             <a:r>
-              <a:rPr lang="en-US" b="0" i="0" dirty="0">
+              <a:rPr lang="en-GB" b="0" i="0" noProof="0" dirty="0">
                 <a:solidFill>
                   <a:srgbClr val="1F2328"/>
                 </a:solidFill>
@@ -4327,7 +4244,7 @@
             </a:r>
           </a:p>
           <a:p>
-            <a:endParaRPr lang="de-DE" dirty="0"/>
+            <a:endParaRPr lang="en-GB" noProof="0" dirty="0"/>
           </a:p>
         </p:txBody>
       </p:sp>
@@ -4346,6 +4263,161 @@
         <p:spPr>
           <a:xfrm>
             <a:off x="4655820" y="4075331"/>
+            <a:ext cx="2880360" cy="2862322"/>
+          </a:xfrm>
+          <a:prstGeom prst="rect">
+            <a:avLst/>
+          </a:prstGeom>
+          <a:noFill/>
+        </p:spPr>
+        <p:txBody>
+          <a:bodyPr wrap="square" rtlCol="0">
+            <a:spAutoFit/>
+          </a:bodyPr>
+          <a:lstStyle/>
+          <a:p>
+            <a:pPr>
+              <a:buFont typeface="Arial" panose="020B0604020202020204" pitchFamily="34" charset="0"/>
+              <a:buChar char="•"/>
+            </a:pPr>
+            <a:r>
+              <a:rPr lang="en-GB" b="0" i="0" noProof="0" dirty="0">
+                <a:solidFill>
+                  <a:srgbClr val="1F2328"/>
+                </a:solidFill>
+                <a:effectLst/>
+                <a:latin typeface="-apple-system"/>
+              </a:rPr>
+              <a:t> inter-dependencies among samples etc.</a:t>
+            </a:r>
+          </a:p>
+          <a:p>
+            <a:pPr>
+              <a:buFont typeface="Arial" panose="020B0604020202020204" pitchFamily="34" charset="0"/>
+              <a:buChar char="•"/>
+            </a:pPr>
+            <a:endParaRPr lang="en-GB" b="0" i="0" noProof="0" dirty="0">
+              <a:solidFill>
+                <a:srgbClr val="1F2328"/>
+              </a:solidFill>
+              <a:effectLst/>
+              <a:latin typeface="-apple-system"/>
+            </a:endParaRPr>
+          </a:p>
+          <a:p>
+            <a:pPr algn="l">
+              <a:buFont typeface="Arial" panose="020B0604020202020204" pitchFamily="34" charset="0"/>
+              <a:buChar char="•"/>
+            </a:pPr>
+            <a:r>
+              <a:rPr lang="en-GB" b="0" i="0" noProof="0" dirty="0">
+                <a:solidFill>
+                  <a:srgbClr val="1F2328"/>
+                </a:solidFill>
+                <a:effectLst/>
+                <a:latin typeface="-apple-system"/>
+              </a:rPr>
+              <a:t> data distribution</a:t>
+            </a:r>
+          </a:p>
+          <a:p>
+            <a:pPr algn="l">
+              <a:buFont typeface="Arial" panose="020B0604020202020204" pitchFamily="34" charset="0"/>
+              <a:buChar char="•"/>
+            </a:pPr>
+            <a:endParaRPr lang="en-GB" b="0" i="0" noProof="0" dirty="0">
+              <a:solidFill>
+                <a:srgbClr val="1F2328"/>
+              </a:solidFill>
+              <a:effectLst/>
+              <a:latin typeface="-apple-system"/>
+            </a:endParaRPr>
+          </a:p>
+          <a:p>
+            <a:pPr>
+              <a:buFont typeface="Arial" panose="020B0604020202020204" pitchFamily="34" charset="0"/>
+              <a:buChar char="•"/>
+            </a:pPr>
+            <a:r>
+              <a:rPr lang="en-GB" noProof="0" dirty="0">
+                <a:solidFill>
+                  <a:srgbClr val="1F2328"/>
+                </a:solidFill>
+                <a:latin typeface="-apple-system"/>
+              </a:rPr>
+              <a:t> t-test</a:t>
+            </a:r>
+          </a:p>
+          <a:p>
+            <a:pPr>
+              <a:buFont typeface="Arial" panose="020B0604020202020204" pitchFamily="34" charset="0"/>
+              <a:buChar char="•"/>
+            </a:pPr>
+            <a:endParaRPr lang="en-GB" noProof="0" dirty="0">
+              <a:solidFill>
+                <a:srgbClr val="1F2328"/>
+              </a:solidFill>
+              <a:latin typeface="-apple-system"/>
+            </a:endParaRPr>
+          </a:p>
+          <a:p>
+            <a:pPr>
+              <a:buFont typeface="Arial" panose="020B0604020202020204" pitchFamily="34" charset="0"/>
+              <a:buChar char="•"/>
+            </a:pPr>
+            <a:r>
+              <a:rPr lang="en-GB" noProof="0" dirty="0">
+                <a:solidFill>
+                  <a:srgbClr val="1F2328"/>
+                </a:solidFill>
+                <a:latin typeface="-apple-system"/>
+              </a:rPr>
+              <a:t> correlation test</a:t>
+            </a:r>
+          </a:p>
+          <a:p>
+            <a:pPr algn="l">
+              <a:buFont typeface="Arial" panose="020B0604020202020204" pitchFamily="34" charset="0"/>
+              <a:buChar char="•"/>
+            </a:pPr>
+            <a:endParaRPr lang="en-GB" b="0" i="0" noProof="0" dirty="0">
+              <a:solidFill>
+                <a:srgbClr val="1F2328"/>
+              </a:solidFill>
+              <a:effectLst/>
+              <a:latin typeface="-apple-system"/>
+            </a:endParaRPr>
+          </a:p>
+          <a:p>
+            <a:pPr algn="l">
+              <a:buFont typeface="Arial" panose="020B0604020202020204" pitchFamily="34" charset="0"/>
+              <a:buChar char="•"/>
+            </a:pPr>
+            <a:endParaRPr lang="en-GB" b="0" i="0" noProof="0" dirty="0">
+              <a:solidFill>
+                <a:srgbClr val="1F2328"/>
+              </a:solidFill>
+              <a:effectLst/>
+              <a:latin typeface="-apple-system"/>
+            </a:endParaRPr>
+          </a:p>
+        </p:txBody>
+      </p:sp>
+      <p:sp>
+        <p:nvSpPr>
+          <p:cNvPr id="16" name="TextBox 15">
+            <a:extLst>
+              <a:ext uri="{FF2B5EF4-FFF2-40B4-BE49-F238E27FC236}">
+                <a16:creationId xmlns:a16="http://schemas.microsoft.com/office/drawing/2014/main" id="{A0C4236A-BAF4-FCDA-8910-27667A62398D}"/>
+              </a:ext>
+            </a:extLst>
+          </p:cNvPr>
+          <p:cNvSpPr txBox="1"/>
+          <p:nvPr/>
+        </p:nvSpPr>
+        <p:spPr>
+          <a:xfrm>
+            <a:off x="8473440" y="4075331"/>
             <a:ext cx="2880360" cy="1477328"/>
           </a:xfrm>
           <a:prstGeom prst="rect">
@@ -4359,27 +4431,27 @@
           </a:bodyPr>
           <a:lstStyle/>
           <a:p>
-            <a:pPr>
+            <a:pPr algn="l">
               <a:buFont typeface="Arial" panose="020B0604020202020204" pitchFamily="34" charset="0"/>
               <a:buChar char="•"/>
             </a:pPr>
             <a:r>
-              <a:rPr lang="en-US" b="0" i="0" dirty="0">
+              <a:rPr lang="en-GB" b="0" i="0" noProof="0" dirty="0">
                 <a:solidFill>
                   <a:srgbClr val="1F2328"/>
                 </a:solidFill>
                 <a:effectLst/>
                 <a:latin typeface="-apple-system"/>
               </a:rPr>
-              <a:t> inter-dependencies among samples etc.</a:t>
-            </a:r>
-          </a:p>
-          <a:p>
-            <a:pPr>
+              <a:t> PCR</a:t>
+            </a:r>
+          </a:p>
+          <a:p>
+            <a:pPr algn="l">
               <a:buFont typeface="Arial" panose="020B0604020202020204" pitchFamily="34" charset="0"/>
               <a:buChar char="•"/>
             </a:pPr>
-            <a:endParaRPr lang="en-US" b="0" i="0" dirty="0">
+            <a:endParaRPr lang="en-GB" b="0" i="0" noProof="0" dirty="0">
               <a:solidFill>
                 <a:srgbClr val="1F2328"/>
               </a:solidFill>
@@ -4393,22 +4465,285 @@
               <a:buChar char="•"/>
             </a:pPr>
             <a:r>
-              <a:rPr lang="en-US" b="0" i="0" dirty="0">
+              <a:rPr lang="en-GB" noProof="0" dirty="0">
+                <a:solidFill>
+                  <a:srgbClr val="1F2328"/>
+                </a:solidFill>
+                <a:latin typeface="-apple-system"/>
+              </a:rPr>
+              <a:t> k-means</a:t>
+            </a:r>
+          </a:p>
+          <a:p>
+            <a:pPr algn="l">
+              <a:buFont typeface="Arial" panose="020B0604020202020204" pitchFamily="34" charset="0"/>
+              <a:buChar char="•"/>
+            </a:pPr>
+            <a:endParaRPr lang="en-GB" noProof="0" dirty="0">
+              <a:solidFill>
+                <a:srgbClr val="1F2328"/>
+              </a:solidFill>
+              <a:latin typeface="-apple-system"/>
+            </a:endParaRPr>
+          </a:p>
+          <a:p>
+            <a:pPr algn="l">
+              <a:buFont typeface="Arial" panose="020B0604020202020204" pitchFamily="34" charset="0"/>
+              <a:buChar char="•"/>
+            </a:pPr>
+            <a:r>
+              <a:rPr lang="en-GB" noProof="0" dirty="0">
+                <a:solidFill>
+                  <a:srgbClr val="1F2328"/>
+                </a:solidFill>
+                <a:latin typeface="-apple-system"/>
+              </a:rPr>
+              <a:t> linear regression analysis</a:t>
+            </a:r>
+          </a:p>
+        </p:txBody>
+      </p:sp>
+    </p:spTree>
+    <p:extLst>
+      <p:ext uri="{BB962C8B-B14F-4D97-AF65-F5344CB8AC3E}">
+        <p14:creationId xmlns:p14="http://schemas.microsoft.com/office/powerpoint/2010/main" val="4084201588"/>
+      </p:ext>
+    </p:extLst>
+  </p:cSld>
+  <p:clrMapOvr>
+    <a:masterClrMapping/>
+  </p:clrMapOvr>
+</p:sld>
+</file>
+
+<file path=ppt/slides/slide6.xml><?xml version="1.0" encoding="utf-8"?>
+<p:sld xmlns:a="http://schemas.openxmlformats.org/drawingml/2006/main" xmlns:r="http://schemas.openxmlformats.org/officeDocument/2006/relationships" xmlns:p="http://schemas.openxmlformats.org/presentationml/2006/main">
+  <p:cSld>
+    <p:spTree>
+      <p:nvGrpSpPr>
+        <p:cNvPr id="1" name=""/>
+        <p:cNvGrpSpPr/>
+        <p:nvPr/>
+      </p:nvGrpSpPr>
+      <p:grpSpPr>
+        <a:xfrm>
+          <a:off x="0" y="0"/>
+          <a:ext cx="0" cy="0"/>
+          <a:chOff x="0" y="0"/>
+          <a:chExt cx="0" cy="0"/>
+        </a:xfrm>
+      </p:grpSpPr>
+      <p:sp>
+        <p:nvSpPr>
+          <p:cNvPr id="2" name="Rectangle: Rounded Corners 1">
+            <a:extLst>
+              <a:ext uri="{FF2B5EF4-FFF2-40B4-BE49-F238E27FC236}">
+                <a16:creationId xmlns:a16="http://schemas.microsoft.com/office/drawing/2014/main" id="{05512F64-50FF-BDB8-648D-F82B3800F2C6}"/>
+              </a:ext>
+            </a:extLst>
+          </p:cNvPr>
+          <p:cNvSpPr/>
+          <p:nvPr/>
+        </p:nvSpPr>
+        <p:spPr>
+          <a:xfrm>
+            <a:off x="2445174" y="1651000"/>
+            <a:ext cx="2880360" cy="1666240"/>
+          </a:xfrm>
+          <a:prstGeom prst="roundRect">
+            <a:avLst/>
+          </a:prstGeom>
+          <a:solidFill>
+            <a:schemeClr val="bg1"/>
+          </a:solidFill>
+          <a:ln w="34925">
+            <a:solidFill>
+              <a:schemeClr val="tx1"/>
+            </a:solidFill>
+          </a:ln>
+          <a:effectLst>
+            <a:outerShdw blurRad="317500" dir="2700000" algn="ctr">
+              <a:srgbClr val="000000">
+                <a:alpha val="43000"/>
+              </a:srgbClr>
+            </a:outerShdw>
+          </a:effectLst>
+        </p:spPr>
+        <p:style>
+          <a:lnRef idx="2">
+            <a:schemeClr val="accent1">
+              <a:shade val="15000"/>
+            </a:schemeClr>
+          </a:lnRef>
+          <a:fillRef idx="1">
+            <a:schemeClr val="accent1"/>
+          </a:fillRef>
+          <a:effectRef idx="0">
+            <a:schemeClr val="accent1"/>
+          </a:effectRef>
+          <a:fontRef idx="minor">
+            <a:schemeClr val="lt1"/>
+          </a:fontRef>
+        </p:style>
+        <p:txBody>
+          <a:bodyPr rtlCol="0" anchor="ctr"/>
+          <a:lstStyle/>
+          <a:p>
+            <a:pPr algn="ctr"/>
+            <a:r>
+              <a:rPr lang="en-GB" sz="2400" b="1" i="0" noProof="0" dirty="0">
                 <a:solidFill>
                   <a:srgbClr val="1F2328"/>
                 </a:solidFill>
                 <a:effectLst/>
                 <a:latin typeface="-apple-system"/>
               </a:rPr>
-              <a:t>data distribution</a:t>
-            </a:r>
-          </a:p>
-          <a:p>
-            <a:pPr algn="l">
-              <a:buFont typeface="Arial" panose="020B0604020202020204" pitchFamily="34" charset="0"/>
-              <a:buChar char="•"/>
-            </a:pPr>
-            <a:endParaRPr lang="en-US" b="0" i="0" dirty="0">
+              <a:t>Data modelling </a:t>
+            </a:r>
+          </a:p>
+        </p:txBody>
+      </p:sp>
+      <p:sp>
+        <p:nvSpPr>
+          <p:cNvPr id="3" name="TextBox 2">
+            <a:extLst>
+              <a:ext uri="{FF2B5EF4-FFF2-40B4-BE49-F238E27FC236}">
+                <a16:creationId xmlns:a16="http://schemas.microsoft.com/office/drawing/2014/main" id="{5916AC6C-6269-2996-591D-B808F78D1ABB}"/>
+              </a:ext>
+            </a:extLst>
+          </p:cNvPr>
+          <p:cNvSpPr txBox="1"/>
+          <p:nvPr/>
+        </p:nvSpPr>
+        <p:spPr>
+          <a:xfrm>
+            <a:off x="3181774" y="3366404"/>
+            <a:ext cx="1407160" cy="338554"/>
+          </a:xfrm>
+          <a:prstGeom prst="rect">
+            <a:avLst/>
+          </a:prstGeom>
+          <a:noFill/>
+        </p:spPr>
+        <p:txBody>
+          <a:bodyPr wrap="square" rtlCol="0">
+            <a:spAutoFit/>
+          </a:bodyPr>
+          <a:lstStyle/>
+          <a:p>
+            <a:pPr algn="ctr"/>
+            <a:r>
+              <a:rPr lang="en-GB" sz="1600" dirty="0"/>
+              <a:t>16.06-29.06</a:t>
+            </a:r>
+            <a:endParaRPr lang="en-GB" sz="1600" noProof="0" dirty="0"/>
+          </a:p>
+        </p:txBody>
+      </p:sp>
+      <p:sp>
+        <p:nvSpPr>
+          <p:cNvPr id="4" name="TextBox 3">
+            <a:extLst>
+              <a:ext uri="{FF2B5EF4-FFF2-40B4-BE49-F238E27FC236}">
+                <a16:creationId xmlns:a16="http://schemas.microsoft.com/office/drawing/2014/main" id="{3BD5B7F8-8F39-B6A1-3091-FF5F0DADBF38}"/>
+              </a:ext>
+            </a:extLst>
+          </p:cNvPr>
+          <p:cNvSpPr txBox="1"/>
+          <p:nvPr/>
+        </p:nvSpPr>
+        <p:spPr>
+          <a:xfrm>
+            <a:off x="7366847" y="1286748"/>
+            <a:ext cx="1879600" cy="369332"/>
+          </a:xfrm>
+          <a:prstGeom prst="rect">
+            <a:avLst/>
+          </a:prstGeom>
+          <a:noFill/>
+        </p:spPr>
+        <p:txBody>
+          <a:bodyPr wrap="square" rtlCol="0">
+            <a:spAutoFit/>
+          </a:bodyPr>
+          <a:lstStyle/>
+          <a:p>
+            <a:pPr algn="ctr"/>
+            <a:r>
+              <a:rPr lang="en-GB" noProof="0" dirty="0"/>
+              <a:t>7. Week</a:t>
+            </a:r>
+          </a:p>
+        </p:txBody>
+      </p:sp>
+      <p:sp>
+        <p:nvSpPr>
+          <p:cNvPr id="5" name="Rectangle: Rounded Corners 4">
+            <a:extLst>
+              <a:ext uri="{FF2B5EF4-FFF2-40B4-BE49-F238E27FC236}">
+                <a16:creationId xmlns:a16="http://schemas.microsoft.com/office/drawing/2014/main" id="{D1778EC7-0FC8-3E35-BCEE-26F938DA1D67}"/>
+              </a:ext>
+            </a:extLst>
+          </p:cNvPr>
+          <p:cNvSpPr/>
+          <p:nvPr/>
+        </p:nvSpPr>
+        <p:spPr>
+          <a:xfrm>
+            <a:off x="6866467" y="1656080"/>
+            <a:ext cx="2880360" cy="1666240"/>
+          </a:xfrm>
+          <a:prstGeom prst="roundRect">
+            <a:avLst/>
+          </a:prstGeom>
+          <a:solidFill>
+            <a:schemeClr val="bg1"/>
+          </a:solidFill>
+          <a:ln w="34925">
+            <a:solidFill>
+              <a:schemeClr val="tx1"/>
+            </a:solidFill>
+          </a:ln>
+          <a:effectLst>
+            <a:outerShdw blurRad="317500" dir="2700000" algn="ctr">
+              <a:srgbClr val="000000">
+                <a:alpha val="43000"/>
+              </a:srgbClr>
+            </a:outerShdw>
+          </a:effectLst>
+        </p:spPr>
+        <p:style>
+          <a:lnRef idx="2">
+            <a:schemeClr val="accent1">
+              <a:shade val="15000"/>
+            </a:schemeClr>
+          </a:lnRef>
+          <a:fillRef idx="1">
+            <a:schemeClr val="accent1"/>
+          </a:fillRef>
+          <a:effectRef idx="0">
+            <a:schemeClr val="accent1"/>
+          </a:effectRef>
+          <a:fontRef idx="minor">
+            <a:schemeClr val="lt1"/>
+          </a:fontRef>
+        </p:style>
+        <p:txBody>
+          <a:bodyPr rtlCol="0" anchor="ctr"/>
+          <a:lstStyle/>
+          <a:p>
+            <a:pPr algn="ctr"/>
+            <a:r>
+              <a:rPr lang="en-GB" sz="2400" b="1" i="0" noProof="0">
+                <a:solidFill>
+                  <a:srgbClr val="1F2328"/>
+                </a:solidFill>
+                <a:effectLst/>
+                <a:latin typeface="-apple-system"/>
+              </a:rPr>
+              <a:t>Data presentation</a:t>
+            </a:r>
+            <a:endParaRPr lang="en-GB" sz="2400" b="1" i="0" noProof="0" dirty="0">
               <a:solidFill>
                 <a:srgbClr val="1F2328"/>
               </a:solidFill>
@@ -4420,10 +4755,10 @@
       </p:sp>
       <p:sp>
         <p:nvSpPr>
-          <p:cNvPr id="16" name="TextBox 15">
-            <a:extLst>
-              <a:ext uri="{FF2B5EF4-FFF2-40B4-BE49-F238E27FC236}">
-                <a16:creationId xmlns:a16="http://schemas.microsoft.com/office/drawing/2014/main" id="{A0C4236A-BAF4-FCDA-8910-27667A62398D}"/>
+          <p:cNvPr id="6" name="TextBox 5">
+            <a:extLst>
+              <a:ext uri="{FF2B5EF4-FFF2-40B4-BE49-F238E27FC236}">
+                <a16:creationId xmlns:a16="http://schemas.microsoft.com/office/drawing/2014/main" id="{764C372E-0176-3994-F48C-A094AF2DAF2B}"/>
               </a:ext>
             </a:extLst>
           </p:cNvPr>
@@ -4432,8 +4767,8 @@
         </p:nvSpPr>
         <p:spPr>
           <a:xfrm>
-            <a:off x="8473440" y="4075331"/>
-            <a:ext cx="2880360" cy="1754326"/>
+            <a:off x="7603067" y="3366404"/>
+            <a:ext cx="1407160" cy="338554"/>
           </a:xfrm>
           <a:prstGeom prst="rect">
             <a:avLst/>
@@ -4446,19 +4781,96 @@
           </a:bodyPr>
           <a:lstStyle/>
           <a:p>
+            <a:pPr algn="ctr"/>
+            <a:r>
+              <a:rPr lang="en-GB" sz="1600" dirty="0"/>
+              <a:t>30.06-06.07</a:t>
+            </a:r>
+            <a:endParaRPr lang="en-GB" sz="1600" noProof="0" dirty="0"/>
+          </a:p>
+        </p:txBody>
+      </p:sp>
+      <p:sp>
+        <p:nvSpPr>
+          <p:cNvPr id="7" name="TextBox 6">
+            <a:extLst>
+              <a:ext uri="{FF2B5EF4-FFF2-40B4-BE49-F238E27FC236}">
+                <a16:creationId xmlns:a16="http://schemas.microsoft.com/office/drawing/2014/main" id="{20645158-6DA7-7F53-1657-FB61DAD109D4}"/>
+              </a:ext>
+            </a:extLst>
+          </p:cNvPr>
+          <p:cNvSpPr txBox="1"/>
+          <p:nvPr/>
+        </p:nvSpPr>
+        <p:spPr>
+          <a:xfrm>
+            <a:off x="2945554" y="1281668"/>
+            <a:ext cx="1879600" cy="369332"/>
+          </a:xfrm>
+          <a:prstGeom prst="rect">
+            <a:avLst/>
+          </a:prstGeom>
+          <a:noFill/>
+        </p:spPr>
+        <p:txBody>
+          <a:bodyPr wrap="square" rtlCol="0">
+            <a:spAutoFit/>
+          </a:bodyPr>
+          <a:lstStyle/>
+          <a:p>
+            <a:pPr algn="ctr"/>
+            <a:r>
+              <a:rPr lang="en-GB" dirty="0"/>
+              <a:t>5</a:t>
+            </a:r>
+            <a:r>
+              <a:rPr lang="en-GB" noProof="0" dirty="0"/>
+              <a:t>./6. Week</a:t>
+            </a:r>
+          </a:p>
+        </p:txBody>
+      </p:sp>
+      <p:sp>
+        <p:nvSpPr>
+          <p:cNvPr id="8" name="TextBox 7">
+            <a:extLst>
+              <a:ext uri="{FF2B5EF4-FFF2-40B4-BE49-F238E27FC236}">
+                <a16:creationId xmlns:a16="http://schemas.microsoft.com/office/drawing/2014/main" id="{559D090E-F8F2-A638-2C03-6C7108CFA6F0}"/>
+              </a:ext>
+            </a:extLst>
+          </p:cNvPr>
+          <p:cNvSpPr txBox="1"/>
+          <p:nvPr/>
+        </p:nvSpPr>
+        <p:spPr>
+          <a:xfrm>
+            <a:off x="6866467" y="3982197"/>
+            <a:ext cx="2880360" cy="923330"/>
+          </a:xfrm>
+          <a:prstGeom prst="rect">
+            <a:avLst/>
+          </a:prstGeom>
+          <a:noFill/>
+        </p:spPr>
+        <p:txBody>
+          <a:bodyPr wrap="square" rtlCol="0">
+            <a:spAutoFit/>
+          </a:bodyPr>
+          <a:lstStyle/>
+          <a:p>
             <a:pPr algn="l">
               <a:buFont typeface="Arial" panose="020B0604020202020204" pitchFamily="34" charset="0"/>
               <a:buChar char="•"/>
             </a:pPr>
             <a:r>
-              <a:rPr lang="en-US" b="0" i="0" dirty="0">
+              <a:rPr lang="en-GB" b="0" i="0" noProof="0" dirty="0">
                 <a:solidFill>
                   <a:srgbClr val="1F2328"/>
                 </a:solidFill>
                 <a:effectLst/>
                 <a:latin typeface="-apple-system"/>
               </a:rPr>
-              <a:t> dimension reduction analysis</a:t>
+              <a:t>poster</a:t>
             </a:r>
           </a:p>
           <a:p>
@@ -4466,14 +4878,58 @@
               <a:buFont typeface="Arial" panose="020B0604020202020204" pitchFamily="34" charset="0"/>
               <a:buChar char="•"/>
             </a:pPr>
-            <a:endParaRPr lang="en-US" b="0" i="0" dirty="0">
+            <a:endParaRPr lang="en-GB" dirty="0">
               <a:solidFill>
                 <a:srgbClr val="1F2328"/>
               </a:solidFill>
-              <a:effectLst/>
               <a:latin typeface="-apple-system"/>
             </a:endParaRPr>
           </a:p>
+          <a:p>
+            <a:pPr algn="l">
+              <a:buFont typeface="Arial" panose="020B0604020202020204" pitchFamily="34" charset="0"/>
+              <a:buChar char="•"/>
+            </a:pPr>
+            <a:r>
+              <a:rPr lang="en-GB" b="0" i="0" noProof="0" dirty="0">
+                <a:solidFill>
+                  <a:srgbClr val="1F2328"/>
+                </a:solidFill>
+                <a:effectLst/>
+                <a:latin typeface="-apple-system"/>
+              </a:rPr>
+              <a:t>Final presentation</a:t>
+            </a:r>
+          </a:p>
+        </p:txBody>
+      </p:sp>
+      <p:sp>
+        <p:nvSpPr>
+          <p:cNvPr id="9" name="TextBox 8">
+            <a:extLst>
+              <a:ext uri="{FF2B5EF4-FFF2-40B4-BE49-F238E27FC236}">
+                <a16:creationId xmlns:a16="http://schemas.microsoft.com/office/drawing/2014/main" id="{22651553-1F68-EF2C-CCFC-698851FBD9F2}"/>
+              </a:ext>
+            </a:extLst>
+          </p:cNvPr>
+          <p:cNvSpPr txBox="1"/>
+          <p:nvPr/>
+        </p:nvSpPr>
+        <p:spPr>
+          <a:xfrm>
+            <a:off x="2445174" y="3982197"/>
+            <a:ext cx="2880360" cy="646331"/>
+          </a:xfrm>
+          <a:prstGeom prst="rect">
+            <a:avLst/>
+          </a:prstGeom>
+          <a:noFill/>
+        </p:spPr>
+        <p:txBody>
+          <a:bodyPr wrap="square" rtlCol="0">
+            <a:spAutoFit/>
+          </a:bodyPr>
+          <a:lstStyle/>
           <a:p>
             <a:pPr algn="l">
               <a:buFont typeface="Arial" panose="020B0604020202020204" pitchFamily="34" charset="0"/>
@@ -4486,42 +4942,150 @@
                 </a:solidFill>
                 <a:latin typeface="-apple-system"/>
               </a:rPr>
-              <a:t> statistical tests</a:t>
-            </a:r>
-          </a:p>
-          <a:p>
-            <a:pPr algn="l">
-              <a:buFont typeface="Arial" panose="020B0604020202020204" pitchFamily="34" charset="0"/>
-              <a:buChar char="•"/>
-            </a:pPr>
-            <a:endParaRPr lang="en-US" dirty="0">
+              <a:t> predict whether a protein is a RBP</a:t>
+            </a:r>
+            <a:endParaRPr lang="en-GB" dirty="0">
               <a:solidFill>
                 <a:srgbClr val="1F2328"/>
               </a:solidFill>
               <a:latin typeface="-apple-system"/>
             </a:endParaRPr>
           </a:p>
-          <a:p>
-            <a:pPr algn="l">
-              <a:buFont typeface="Arial" panose="020B0604020202020204" pitchFamily="34" charset="0"/>
-              <a:buChar char="•"/>
-            </a:pPr>
-            <a:r>
-              <a:rPr lang="en-US" dirty="0">
-                <a:solidFill>
-                  <a:srgbClr val="1F2328"/>
-                </a:solidFill>
-                <a:latin typeface="-apple-system"/>
-              </a:rPr>
-              <a:t> linear regression analysis</a:t>
-            </a:r>
-          </a:p>
         </p:txBody>
       </p:sp>
     </p:spTree>
     <p:extLst>
       <p:ext uri="{BB962C8B-B14F-4D97-AF65-F5344CB8AC3E}">
-        <p14:creationId xmlns:p14="http://schemas.microsoft.com/office/powerpoint/2010/main" val="4084201588"/>
+        <p14:creationId xmlns:p14="http://schemas.microsoft.com/office/powerpoint/2010/main" val="584243160"/>
+      </p:ext>
+    </p:extLst>
+  </p:cSld>
+  <p:clrMapOvr>
+    <a:masterClrMapping/>
+  </p:clrMapOvr>
+</p:sld>
+</file>
+
+<file path=ppt/slides/slide7.xml><?xml version="1.0" encoding="utf-8"?>
+<p:sld xmlns:a="http://schemas.openxmlformats.org/drawingml/2006/main" xmlns:r="http://schemas.openxmlformats.org/officeDocument/2006/relationships" xmlns:p="http://schemas.openxmlformats.org/presentationml/2006/main">
+  <p:cSld>
+    <p:spTree>
+      <p:nvGrpSpPr>
+        <p:cNvPr id="1" name=""/>
+        <p:cNvGrpSpPr/>
+        <p:nvPr/>
+      </p:nvGrpSpPr>
+      <p:grpSpPr>
+        <a:xfrm>
+          <a:off x="0" y="0"/>
+          <a:ext cx="0" cy="0"/>
+          <a:chOff x="0" y="0"/>
+          <a:chExt cx="0" cy="0"/>
+        </a:xfrm>
+      </p:grpSpPr>
+      <p:sp>
+        <p:nvSpPr>
+          <p:cNvPr id="2" name="Title 1">
+            <a:extLst>
+              <a:ext uri="{FF2B5EF4-FFF2-40B4-BE49-F238E27FC236}">
+                <a16:creationId xmlns:a16="http://schemas.microsoft.com/office/drawing/2014/main" id="{7DDD5CD0-9213-6901-2300-795ABB73CF18}"/>
+              </a:ext>
+            </a:extLst>
+          </p:cNvPr>
+          <p:cNvSpPr>
+            <a:spLocks noGrp="1"/>
+          </p:cNvSpPr>
+          <p:nvPr>
+            <p:ph type="ctrTitle"/>
+          </p:nvPr>
+        </p:nvSpPr>
+        <p:spPr/>
+        <p:txBody>
+          <a:bodyPr/>
+          <a:lstStyle/>
+          <a:p>
+            <a:r>
+              <a:rPr lang="en-GB" noProof="0" dirty="0"/>
+              <a:t>Time Table</a:t>
+            </a:r>
+          </a:p>
+        </p:txBody>
+      </p:sp>
+      <p:sp>
+        <p:nvSpPr>
+          <p:cNvPr id="3" name="Subtitle 2">
+            <a:extLst>
+              <a:ext uri="{FF2B5EF4-FFF2-40B4-BE49-F238E27FC236}">
+                <a16:creationId xmlns:a16="http://schemas.microsoft.com/office/drawing/2014/main" id="{1690C50E-3847-EA70-3236-BCAA9B915E8E}"/>
+              </a:ext>
+            </a:extLst>
+          </p:cNvPr>
+          <p:cNvSpPr>
+            <a:spLocks noGrp="1"/>
+          </p:cNvSpPr>
+          <p:nvPr>
+            <p:ph type="subTitle" idx="1"/>
+          </p:nvPr>
+        </p:nvSpPr>
+        <p:spPr>
+          <a:xfrm>
+            <a:off x="1524000" y="3602038"/>
+            <a:ext cx="9144000" cy="2941002"/>
+          </a:xfrm>
+        </p:spPr>
+        <p:txBody>
+          <a:bodyPr>
+            <a:normAutofit lnSpcReduction="10000"/>
+          </a:bodyPr>
+          <a:lstStyle/>
+          <a:p>
+            <a:r>
+              <a:rPr lang="en-GB" noProof="0" dirty="0"/>
+              <a:t>19.05-25.05</a:t>
+            </a:r>
+          </a:p>
+          <a:p>
+            <a:r>
+              <a:rPr lang="en-GB" noProof="0" dirty="0"/>
+              <a:t>26.05-01.06</a:t>
+            </a:r>
+          </a:p>
+          <a:p>
+            <a:r>
+              <a:rPr lang="en-GB" noProof="0" dirty="0"/>
+              <a:t>02.06-08.06</a:t>
+            </a:r>
+          </a:p>
+          <a:p>
+            <a:r>
+              <a:rPr lang="en-GB" noProof="0" dirty="0"/>
+              <a:t>09.06-15.06</a:t>
+            </a:r>
+          </a:p>
+          <a:p>
+            <a:r>
+              <a:rPr lang="en-GB" noProof="0" dirty="0"/>
+              <a:t>16.06-22.06</a:t>
+            </a:r>
+          </a:p>
+          <a:p>
+            <a:r>
+              <a:rPr lang="en-GB" noProof="0" dirty="0"/>
+              <a:t>23.06-29.06</a:t>
+            </a:r>
+          </a:p>
+          <a:p>
+            <a:r>
+              <a:rPr lang="en-GB" noProof="0" dirty="0"/>
+              <a:t>30.06-06.07</a:t>
+            </a:r>
+          </a:p>
+        </p:txBody>
+      </p:sp>
+    </p:spTree>
+    <p:extLst>
+      <p:ext uri="{BB962C8B-B14F-4D97-AF65-F5344CB8AC3E}">
+        <p14:creationId xmlns:p14="http://schemas.microsoft.com/office/powerpoint/2010/main" val="4114376445"/>
       </p:ext>
     </p:extLst>
   </p:cSld>

--- a/Project Proposal Ben.pptx
+++ b/Project Proposal Ben.pptx
@@ -9,9 +9,13 @@
     <p:sldId id="257" r:id="rId3"/>
     <p:sldId id="258" r:id="rId4"/>
     <p:sldId id="261" r:id="rId5"/>
-    <p:sldId id="260" r:id="rId6"/>
-    <p:sldId id="262" r:id="rId7"/>
-    <p:sldId id="259" r:id="rId8"/>
+    <p:sldId id="266" r:id="rId6"/>
+    <p:sldId id="263" r:id="rId7"/>
+    <p:sldId id="264" r:id="rId8"/>
+    <p:sldId id="265" r:id="rId9"/>
+    <p:sldId id="267" r:id="rId10"/>
+    <p:sldId id="262" r:id="rId11"/>
+    <p:sldId id="268" r:id="rId12"/>
   </p:sldIdLst>
   <p:sldSz cx="12192000" cy="6858000"/>
   <p:notesSz cx="6858000" cy="9144000"/>
@@ -3405,7 +3409,7 @@
         </p:spPr>
         <p:txBody>
           <a:bodyPr>
-            <a:normAutofit lnSpcReduction="10000"/>
+            <a:normAutofit/>
           </a:bodyPr>
           <a:lstStyle/>
           <a:p>
@@ -3415,7 +3419,7 @@
             </a:r>
             <a:r>
               <a:rPr lang="en-GB" noProof="0" dirty="0"/>
-              <a:t>RNA-binding proteins (non-synchronized HeLa cells)</a:t>
+              <a:t>RNA-binding proteins in non-synchronized HeLa cells</a:t>
             </a:r>
           </a:p>
           <a:p>
@@ -3429,19 +3433,19 @@
           </a:p>
           <a:p>
             <a:r>
-              <a:rPr lang="en-GB" sz="1800" noProof="0" dirty="0"/>
-              <a:t>Topic 3, Groupe 1</a:t>
-            </a:r>
-          </a:p>
-          <a:p>
-            <a:r>
-              <a:rPr lang="en-GB" sz="1800" noProof="0" dirty="0"/>
+              <a:rPr lang="en-GB" sz="1600" noProof="0" dirty="0"/>
+              <a:t>Topic 3, Group 1</a:t>
+            </a:r>
+          </a:p>
+          <a:p>
+            <a:r>
+              <a:rPr lang="en-GB" sz="1600" noProof="0" dirty="0"/>
               <a:t>Julian Baureis, Julia Ferdin, Benjamin Nicklas, Luisa Wintel</a:t>
             </a:r>
           </a:p>
           <a:p>
             <a:r>
-              <a:rPr lang="en-GB" sz="1800" noProof="0" dirty="0"/>
+              <a:rPr lang="en-GB" sz="1600" noProof="0" dirty="0"/>
               <a:t>Supervisor: Maiwen Caudron-Herger</a:t>
             </a:r>
           </a:p>
@@ -3460,1063 +3464,7 @@
 </p:sld>
 </file>
 
-<file path=ppt/slides/slide2.xml><?xml version="1.0" encoding="utf-8"?>
-<p:sld xmlns:a="http://schemas.openxmlformats.org/drawingml/2006/main" xmlns:r="http://schemas.openxmlformats.org/officeDocument/2006/relationships" xmlns:p="http://schemas.openxmlformats.org/presentationml/2006/main">
-  <p:cSld>
-    <p:spTree>
-      <p:nvGrpSpPr>
-        <p:cNvPr id="1" name=""/>
-        <p:cNvGrpSpPr/>
-        <p:nvPr/>
-      </p:nvGrpSpPr>
-      <p:grpSpPr>
-        <a:xfrm>
-          <a:off x="0" y="0"/>
-          <a:ext cx="0" cy="0"/>
-          <a:chOff x="0" y="0"/>
-          <a:chExt cx="0" cy="0"/>
-        </a:xfrm>
-      </p:grpSpPr>
-      <p:sp>
-        <p:nvSpPr>
-          <p:cNvPr id="2" name="Title 1">
-            <a:extLst>
-              <a:ext uri="{FF2B5EF4-FFF2-40B4-BE49-F238E27FC236}">
-                <a16:creationId xmlns:a16="http://schemas.microsoft.com/office/drawing/2014/main" id="{D89A26B0-4F8D-E47D-CFD4-96C1C5082476}"/>
-              </a:ext>
-            </a:extLst>
-          </p:cNvPr>
-          <p:cNvSpPr>
-            <a:spLocks noGrp="1"/>
-          </p:cNvSpPr>
-          <p:nvPr>
-            <p:ph type="title"/>
-          </p:nvPr>
-        </p:nvSpPr>
-        <p:spPr>
-          <a:xfrm>
-            <a:off x="0" y="365125"/>
-            <a:ext cx="12192000" cy="1325563"/>
-          </a:xfrm>
-        </p:spPr>
-        <p:txBody>
-          <a:bodyPr>
-            <a:normAutofit/>
-          </a:bodyPr>
-          <a:lstStyle/>
-          <a:p>
-            <a:pPr algn="ctr"/>
-            <a:r>
-              <a:rPr lang="en-GB" noProof="0" dirty="0"/>
-              <a:t>RNA-binding proteins (non-synchronized HeLa cells)</a:t>
-            </a:r>
-            <a:br>
-              <a:rPr lang="en-GB" noProof="0" dirty="0"/>
-            </a:br>
-            <a:endParaRPr lang="en-GB" noProof="0" dirty="0"/>
-          </a:p>
-        </p:txBody>
-      </p:sp>
-    </p:spTree>
-    <p:extLst>
-      <p:ext uri="{BB962C8B-B14F-4D97-AF65-F5344CB8AC3E}">
-        <p14:creationId xmlns:p14="http://schemas.microsoft.com/office/powerpoint/2010/main" val="3598213223"/>
-      </p:ext>
-    </p:extLst>
-  </p:cSld>
-  <p:clrMapOvr>
-    <a:masterClrMapping/>
-  </p:clrMapOvr>
-</p:sld>
-</file>
-
-<file path=ppt/slides/slide3.xml><?xml version="1.0" encoding="utf-8"?>
-<p:sld xmlns:a="http://schemas.openxmlformats.org/drawingml/2006/main" xmlns:r="http://schemas.openxmlformats.org/officeDocument/2006/relationships" xmlns:p="http://schemas.openxmlformats.org/presentationml/2006/main">
-  <p:cSld>
-    <p:spTree>
-      <p:nvGrpSpPr>
-        <p:cNvPr id="1" name=""/>
-        <p:cNvGrpSpPr/>
-        <p:nvPr/>
-      </p:nvGrpSpPr>
-      <p:grpSpPr>
-        <a:xfrm>
-          <a:off x="0" y="0"/>
-          <a:ext cx="0" cy="0"/>
-          <a:chOff x="0" y="0"/>
-          <a:chExt cx="0" cy="0"/>
-        </a:xfrm>
-      </p:grpSpPr>
-      <p:sp>
-        <p:nvSpPr>
-          <p:cNvPr id="2" name="Title 1">
-            <a:extLst>
-              <a:ext uri="{FF2B5EF4-FFF2-40B4-BE49-F238E27FC236}">
-                <a16:creationId xmlns:a16="http://schemas.microsoft.com/office/drawing/2014/main" id="{C6304AB4-B326-0B6D-4726-0772130CE670}"/>
-              </a:ext>
-            </a:extLst>
-          </p:cNvPr>
-          <p:cNvSpPr>
-            <a:spLocks noGrp="1"/>
-          </p:cNvSpPr>
-          <p:nvPr>
-            <p:ph type="title"/>
-          </p:nvPr>
-        </p:nvSpPr>
-        <p:spPr/>
-        <p:txBody>
-          <a:bodyPr/>
-          <a:lstStyle/>
-          <a:p>
-            <a:r>
-              <a:rPr lang="en-GB" noProof="0" dirty="0"/>
-              <a:t>Methode: RNA dependence (R-</a:t>
-            </a:r>
-            <a:r>
-              <a:rPr lang="en-GB" noProof="0" dirty="0" err="1"/>
-              <a:t>DeeP</a:t>
-            </a:r>
-            <a:r>
-              <a:rPr lang="en-GB" noProof="0" dirty="0"/>
-              <a:t>)</a:t>
-            </a:r>
-          </a:p>
-        </p:txBody>
-      </p:sp>
-    </p:spTree>
-    <p:extLst>
-      <p:ext uri="{BB962C8B-B14F-4D97-AF65-F5344CB8AC3E}">
-        <p14:creationId xmlns:p14="http://schemas.microsoft.com/office/powerpoint/2010/main" val="3025138055"/>
-      </p:ext>
-    </p:extLst>
-  </p:cSld>
-  <p:clrMapOvr>
-    <a:masterClrMapping/>
-  </p:clrMapOvr>
-</p:sld>
-</file>
-
-<file path=ppt/slides/slide4.xml><?xml version="1.0" encoding="utf-8"?>
-<p:sld xmlns:a="http://schemas.openxmlformats.org/drawingml/2006/main" xmlns:r="http://schemas.openxmlformats.org/officeDocument/2006/relationships" xmlns:p="http://schemas.openxmlformats.org/presentationml/2006/main">
-  <p:cSld>
-    <p:spTree>
-      <p:nvGrpSpPr>
-        <p:cNvPr id="1" name=""/>
-        <p:cNvGrpSpPr/>
-        <p:nvPr/>
-      </p:nvGrpSpPr>
-      <p:grpSpPr>
-        <a:xfrm>
-          <a:off x="0" y="0"/>
-          <a:ext cx="0" cy="0"/>
-          <a:chOff x="0" y="0"/>
-          <a:chExt cx="0" cy="0"/>
-        </a:xfrm>
-      </p:grpSpPr>
-      <p:sp>
-        <p:nvSpPr>
-          <p:cNvPr id="2" name="Title 1">
-            <a:extLst>
-              <a:ext uri="{FF2B5EF4-FFF2-40B4-BE49-F238E27FC236}">
-                <a16:creationId xmlns:a16="http://schemas.microsoft.com/office/drawing/2014/main" id="{1C92489D-D876-496E-84EF-78B1EAEBF1DF}"/>
-              </a:ext>
-            </a:extLst>
-          </p:cNvPr>
-          <p:cNvSpPr>
-            <a:spLocks noGrp="1"/>
-          </p:cNvSpPr>
-          <p:nvPr>
-            <p:ph type="title"/>
-          </p:nvPr>
-        </p:nvSpPr>
-        <p:spPr>
-          <a:xfrm>
-            <a:off x="838200" y="2766218"/>
-            <a:ext cx="10515600" cy="1325563"/>
-          </a:xfrm>
-        </p:spPr>
-        <p:txBody>
-          <a:bodyPr/>
-          <a:lstStyle/>
-          <a:p>
-            <a:pPr algn="ctr"/>
-            <a:r>
-              <a:rPr lang="en-GB" noProof="0" dirty="0"/>
-              <a:t>Which proteins in the non-synchronized HeLa cells are RNA-binding proteins?</a:t>
-            </a:r>
-          </a:p>
-        </p:txBody>
-      </p:sp>
-    </p:spTree>
-    <p:extLst>
-      <p:ext uri="{BB962C8B-B14F-4D97-AF65-F5344CB8AC3E}">
-        <p14:creationId xmlns:p14="http://schemas.microsoft.com/office/powerpoint/2010/main" val="2292762979"/>
-      </p:ext>
-    </p:extLst>
-  </p:cSld>
-  <p:clrMapOvr>
-    <a:masterClrMapping/>
-  </p:clrMapOvr>
-</p:sld>
-</file>
-
-<file path=ppt/slides/slide5.xml><?xml version="1.0" encoding="utf-8"?>
-<p:sld xmlns:a="http://schemas.openxmlformats.org/drawingml/2006/main" xmlns:r="http://schemas.openxmlformats.org/officeDocument/2006/relationships" xmlns:p="http://schemas.openxmlformats.org/presentationml/2006/main">
-  <p:cSld>
-    <p:spTree>
-      <p:nvGrpSpPr>
-        <p:cNvPr id="1" name=""/>
-        <p:cNvGrpSpPr/>
-        <p:nvPr/>
-      </p:nvGrpSpPr>
-      <p:grpSpPr>
-        <a:xfrm>
-          <a:off x="0" y="0"/>
-          <a:ext cx="0" cy="0"/>
-          <a:chOff x="0" y="0"/>
-          <a:chExt cx="0" cy="0"/>
-        </a:xfrm>
-      </p:grpSpPr>
-      <p:sp>
-        <p:nvSpPr>
-          <p:cNvPr id="3" name="Rectangle: Rounded Corners 2">
-            <a:extLst>
-              <a:ext uri="{FF2B5EF4-FFF2-40B4-BE49-F238E27FC236}">
-                <a16:creationId xmlns:a16="http://schemas.microsoft.com/office/drawing/2014/main" id="{6755A0D9-4CD2-7D72-5C97-BC6F1A259B33}"/>
-              </a:ext>
-            </a:extLst>
-          </p:cNvPr>
-          <p:cNvSpPr/>
-          <p:nvPr/>
-        </p:nvSpPr>
-        <p:spPr>
-          <a:xfrm>
-            <a:off x="838200" y="1656080"/>
-            <a:ext cx="2880360" cy="1666240"/>
-          </a:xfrm>
-          <a:prstGeom prst="roundRect">
-            <a:avLst/>
-          </a:prstGeom>
-          <a:solidFill>
-            <a:schemeClr val="bg1"/>
-          </a:solidFill>
-          <a:ln w="34925">
-            <a:solidFill>
-              <a:schemeClr val="tx1"/>
-            </a:solidFill>
-          </a:ln>
-          <a:effectLst>
-            <a:outerShdw blurRad="317500" dir="2700000" algn="ctr">
-              <a:srgbClr val="000000">
-                <a:alpha val="43000"/>
-              </a:srgbClr>
-            </a:outerShdw>
-          </a:effectLst>
-        </p:spPr>
-        <p:style>
-          <a:lnRef idx="2">
-            <a:schemeClr val="accent1">
-              <a:shade val="15000"/>
-            </a:schemeClr>
-          </a:lnRef>
-          <a:fillRef idx="1">
-            <a:schemeClr val="accent1"/>
-          </a:fillRef>
-          <a:effectRef idx="0">
-            <a:schemeClr val="accent1"/>
-          </a:effectRef>
-          <a:fontRef idx="minor">
-            <a:schemeClr val="lt1"/>
-          </a:fontRef>
-        </p:style>
-        <p:txBody>
-          <a:bodyPr rtlCol="0" anchor="ctr"/>
-          <a:lstStyle/>
-          <a:p>
-            <a:pPr algn="ctr"/>
-            <a:r>
-              <a:rPr lang="en-GB" sz="2400" b="1" i="0" noProof="0" dirty="0">
-                <a:solidFill>
-                  <a:srgbClr val="1F2328"/>
-                </a:solidFill>
-                <a:effectLst/>
-                <a:latin typeface="-apple-system"/>
-              </a:rPr>
-              <a:t>Data cleanup</a:t>
-            </a:r>
-          </a:p>
-        </p:txBody>
-      </p:sp>
-      <p:sp>
-        <p:nvSpPr>
-          <p:cNvPr id="4" name="Rectangle: Rounded Corners 3">
-            <a:extLst>
-              <a:ext uri="{FF2B5EF4-FFF2-40B4-BE49-F238E27FC236}">
-                <a16:creationId xmlns:a16="http://schemas.microsoft.com/office/drawing/2014/main" id="{BBB105A8-FD8D-4B71-D713-31B26F6647B0}"/>
-              </a:ext>
-            </a:extLst>
-          </p:cNvPr>
-          <p:cNvSpPr/>
-          <p:nvPr/>
-        </p:nvSpPr>
-        <p:spPr>
-          <a:xfrm>
-            <a:off x="4655820" y="1656080"/>
-            <a:ext cx="2880360" cy="1666240"/>
-          </a:xfrm>
-          <a:prstGeom prst="roundRect">
-            <a:avLst/>
-          </a:prstGeom>
-          <a:solidFill>
-            <a:schemeClr val="bg1"/>
-          </a:solidFill>
-          <a:ln w="34925">
-            <a:solidFill>
-              <a:schemeClr val="tx1"/>
-            </a:solidFill>
-          </a:ln>
-          <a:effectLst>
-            <a:outerShdw blurRad="317500" dir="2700000" algn="ctr">
-              <a:srgbClr val="000000">
-                <a:alpha val="43000"/>
-              </a:srgbClr>
-            </a:outerShdw>
-          </a:effectLst>
-        </p:spPr>
-        <p:style>
-          <a:lnRef idx="2">
-            <a:schemeClr val="accent1">
-              <a:shade val="15000"/>
-            </a:schemeClr>
-          </a:lnRef>
-          <a:fillRef idx="1">
-            <a:schemeClr val="accent1"/>
-          </a:fillRef>
-          <a:effectRef idx="0">
-            <a:schemeClr val="accent1"/>
-          </a:effectRef>
-          <a:fontRef idx="minor">
-            <a:schemeClr val="lt1"/>
-          </a:fontRef>
-        </p:style>
-        <p:txBody>
-          <a:bodyPr rtlCol="0" anchor="ctr"/>
-          <a:lstStyle/>
-          <a:p>
-            <a:pPr algn="ctr"/>
-            <a:r>
-              <a:rPr lang="en-GB" sz="2400" b="1" noProof="0" dirty="0">
-                <a:solidFill>
-                  <a:srgbClr val="1F2328"/>
-                </a:solidFill>
-                <a:latin typeface="-apple-system"/>
-              </a:rPr>
-              <a:t>Data exploration</a:t>
-            </a:r>
-          </a:p>
-        </p:txBody>
-      </p:sp>
-      <p:sp>
-        <p:nvSpPr>
-          <p:cNvPr id="5" name="Rectangle: Rounded Corners 4">
-            <a:extLst>
-              <a:ext uri="{FF2B5EF4-FFF2-40B4-BE49-F238E27FC236}">
-                <a16:creationId xmlns:a16="http://schemas.microsoft.com/office/drawing/2014/main" id="{C622C387-5F71-955C-524D-BAF89579124D}"/>
-              </a:ext>
-            </a:extLst>
-          </p:cNvPr>
-          <p:cNvSpPr/>
-          <p:nvPr/>
-        </p:nvSpPr>
-        <p:spPr>
-          <a:xfrm>
-            <a:off x="8473440" y="1656080"/>
-            <a:ext cx="2880360" cy="1666240"/>
-          </a:xfrm>
-          <a:prstGeom prst="roundRect">
-            <a:avLst/>
-          </a:prstGeom>
-          <a:solidFill>
-            <a:schemeClr val="bg1"/>
-          </a:solidFill>
-          <a:ln w="34925">
-            <a:solidFill>
-              <a:schemeClr val="tx1"/>
-            </a:solidFill>
-          </a:ln>
-          <a:effectLst>
-            <a:outerShdw blurRad="317500" dir="2700000" algn="ctr">
-              <a:srgbClr val="000000">
-                <a:alpha val="43000"/>
-              </a:srgbClr>
-            </a:outerShdw>
-          </a:effectLst>
-        </p:spPr>
-        <p:style>
-          <a:lnRef idx="2">
-            <a:schemeClr val="accent1">
-              <a:shade val="15000"/>
-            </a:schemeClr>
-          </a:lnRef>
-          <a:fillRef idx="1">
-            <a:schemeClr val="accent1"/>
-          </a:fillRef>
-          <a:effectRef idx="0">
-            <a:schemeClr val="accent1"/>
-          </a:effectRef>
-          <a:fontRef idx="minor">
-            <a:schemeClr val="lt1"/>
-          </a:fontRef>
-        </p:style>
-        <p:txBody>
-          <a:bodyPr rtlCol="0" anchor="ctr"/>
-          <a:lstStyle/>
-          <a:p>
-            <a:pPr algn="ctr"/>
-            <a:r>
-              <a:rPr lang="en-GB" sz="2400" b="1" noProof="0" dirty="0">
-                <a:solidFill>
-                  <a:srgbClr val="1F2328"/>
-                </a:solidFill>
-                <a:latin typeface="-apple-system"/>
-              </a:rPr>
-              <a:t>Data reduction</a:t>
-            </a:r>
-          </a:p>
-        </p:txBody>
-      </p:sp>
-      <p:sp>
-        <p:nvSpPr>
-          <p:cNvPr id="6" name="TextBox 5">
-            <a:extLst>
-              <a:ext uri="{FF2B5EF4-FFF2-40B4-BE49-F238E27FC236}">
-                <a16:creationId xmlns:a16="http://schemas.microsoft.com/office/drawing/2014/main" id="{193491E7-A398-F07C-2519-39892C8467C4}"/>
-              </a:ext>
-            </a:extLst>
-          </p:cNvPr>
-          <p:cNvSpPr txBox="1"/>
-          <p:nvPr/>
-        </p:nvSpPr>
-        <p:spPr>
-          <a:xfrm>
-            <a:off x="1574800" y="3429000"/>
-            <a:ext cx="1407160" cy="338554"/>
-          </a:xfrm>
-          <a:prstGeom prst="rect">
-            <a:avLst/>
-          </a:prstGeom>
-          <a:noFill/>
-        </p:spPr>
-        <p:txBody>
-          <a:bodyPr wrap="square" rtlCol="0">
-            <a:spAutoFit/>
-          </a:bodyPr>
-          <a:lstStyle/>
-          <a:p>
-            <a:pPr algn="ctr"/>
-            <a:r>
-              <a:rPr lang="en-GB" sz="1600" noProof="0" dirty="0"/>
-              <a:t>19.05-25.05</a:t>
-            </a:r>
-          </a:p>
-        </p:txBody>
-      </p:sp>
-      <p:sp>
-        <p:nvSpPr>
-          <p:cNvPr id="7" name="TextBox 6">
-            <a:extLst>
-              <a:ext uri="{FF2B5EF4-FFF2-40B4-BE49-F238E27FC236}">
-                <a16:creationId xmlns:a16="http://schemas.microsoft.com/office/drawing/2014/main" id="{A968C44D-925E-68A3-548A-7B4B093F4197}"/>
-              </a:ext>
-            </a:extLst>
-          </p:cNvPr>
-          <p:cNvSpPr txBox="1"/>
-          <p:nvPr/>
-        </p:nvSpPr>
-        <p:spPr>
-          <a:xfrm>
-            <a:off x="4993640" y="3152001"/>
-            <a:ext cx="2204720" cy="923330"/>
-          </a:xfrm>
-          <a:prstGeom prst="rect">
-            <a:avLst/>
-          </a:prstGeom>
-          <a:noFill/>
-        </p:spPr>
-        <p:txBody>
-          <a:bodyPr wrap="square" rtlCol="0">
-            <a:spAutoFit/>
-          </a:bodyPr>
-          <a:lstStyle/>
-          <a:p>
-            <a:pPr algn="ctr"/>
-            <a:endParaRPr lang="en-GB" noProof="0" dirty="0"/>
-          </a:p>
-          <a:p>
-            <a:pPr algn="ctr"/>
-            <a:r>
-              <a:rPr lang="en-GB" sz="1600" noProof="0" dirty="0"/>
-              <a:t>26.05-01.06</a:t>
-            </a:r>
-          </a:p>
-          <a:p>
-            <a:pPr algn="ctr"/>
-            <a:endParaRPr lang="en-GB" noProof="0" dirty="0"/>
-          </a:p>
-        </p:txBody>
-      </p:sp>
-      <p:sp>
-        <p:nvSpPr>
-          <p:cNvPr id="8" name="TextBox 7">
-            <a:extLst>
-              <a:ext uri="{FF2B5EF4-FFF2-40B4-BE49-F238E27FC236}">
-                <a16:creationId xmlns:a16="http://schemas.microsoft.com/office/drawing/2014/main" id="{C3786BCB-A3C5-9C24-51E0-6AE892CBCA92}"/>
-              </a:ext>
-            </a:extLst>
-          </p:cNvPr>
-          <p:cNvSpPr txBox="1"/>
-          <p:nvPr/>
-        </p:nvSpPr>
-        <p:spPr>
-          <a:xfrm>
-            <a:off x="9009380" y="3429000"/>
-            <a:ext cx="1808480" cy="615553"/>
-          </a:xfrm>
-          <a:prstGeom prst="rect">
-            <a:avLst/>
-          </a:prstGeom>
-          <a:noFill/>
-        </p:spPr>
-        <p:txBody>
-          <a:bodyPr wrap="square" rtlCol="0">
-            <a:spAutoFit/>
-          </a:bodyPr>
-          <a:lstStyle/>
-          <a:p>
-            <a:pPr algn="ctr"/>
-            <a:r>
-              <a:rPr lang="en-GB" sz="1600" noProof="0" dirty="0"/>
-              <a:t>02.06-15.06</a:t>
-            </a:r>
-          </a:p>
-          <a:p>
-            <a:pPr algn="ctr"/>
-            <a:endParaRPr lang="en-GB" noProof="0" dirty="0"/>
-          </a:p>
-        </p:txBody>
-      </p:sp>
-      <p:sp>
-        <p:nvSpPr>
-          <p:cNvPr id="11" name="TextBox 10">
-            <a:extLst>
-              <a:ext uri="{FF2B5EF4-FFF2-40B4-BE49-F238E27FC236}">
-                <a16:creationId xmlns:a16="http://schemas.microsoft.com/office/drawing/2014/main" id="{3923150C-3DB6-D1A5-C808-A980B8789DDD}"/>
-              </a:ext>
-            </a:extLst>
-          </p:cNvPr>
-          <p:cNvSpPr txBox="1"/>
-          <p:nvPr/>
-        </p:nvSpPr>
-        <p:spPr>
-          <a:xfrm>
-            <a:off x="1338580" y="1180068"/>
-            <a:ext cx="1879600" cy="369332"/>
-          </a:xfrm>
-          <a:prstGeom prst="rect">
-            <a:avLst/>
-          </a:prstGeom>
-          <a:noFill/>
-        </p:spPr>
-        <p:txBody>
-          <a:bodyPr wrap="square" rtlCol="0">
-            <a:spAutoFit/>
-          </a:bodyPr>
-          <a:lstStyle/>
-          <a:p>
-            <a:pPr algn="ctr"/>
-            <a:r>
-              <a:rPr lang="en-GB" noProof="0" dirty="0"/>
-              <a:t>1. Week</a:t>
-            </a:r>
-          </a:p>
-        </p:txBody>
-      </p:sp>
-      <p:sp>
-        <p:nvSpPr>
-          <p:cNvPr id="12" name="TextBox 11">
-            <a:extLst>
-              <a:ext uri="{FF2B5EF4-FFF2-40B4-BE49-F238E27FC236}">
-                <a16:creationId xmlns:a16="http://schemas.microsoft.com/office/drawing/2014/main" id="{97EB2FFA-4CB5-E85A-2A4C-20EDE0833EDC}"/>
-              </a:ext>
-            </a:extLst>
-          </p:cNvPr>
-          <p:cNvSpPr txBox="1"/>
-          <p:nvPr/>
-        </p:nvSpPr>
-        <p:spPr>
-          <a:xfrm>
-            <a:off x="5156200" y="1166614"/>
-            <a:ext cx="1879600" cy="369332"/>
-          </a:xfrm>
-          <a:prstGeom prst="rect">
-            <a:avLst/>
-          </a:prstGeom>
-          <a:noFill/>
-        </p:spPr>
-        <p:txBody>
-          <a:bodyPr wrap="square" rtlCol="0">
-            <a:spAutoFit/>
-          </a:bodyPr>
-          <a:lstStyle/>
-          <a:p>
-            <a:pPr algn="ctr"/>
-            <a:r>
-              <a:rPr lang="en-GB" noProof="0" dirty="0"/>
-              <a:t>2. Week</a:t>
-            </a:r>
-          </a:p>
-        </p:txBody>
-      </p:sp>
-      <p:sp>
-        <p:nvSpPr>
-          <p:cNvPr id="13" name="TextBox 12">
-            <a:extLst>
-              <a:ext uri="{FF2B5EF4-FFF2-40B4-BE49-F238E27FC236}">
-                <a16:creationId xmlns:a16="http://schemas.microsoft.com/office/drawing/2014/main" id="{7193C9E2-0BA7-BD16-BEFD-633148DC2F6C}"/>
-              </a:ext>
-            </a:extLst>
-          </p:cNvPr>
-          <p:cNvSpPr txBox="1"/>
-          <p:nvPr/>
-        </p:nvSpPr>
-        <p:spPr>
-          <a:xfrm>
-            <a:off x="8973820" y="1166336"/>
-            <a:ext cx="1879600" cy="369332"/>
-          </a:xfrm>
-          <a:prstGeom prst="rect">
-            <a:avLst/>
-          </a:prstGeom>
-          <a:noFill/>
-        </p:spPr>
-        <p:txBody>
-          <a:bodyPr wrap="square" rtlCol="0">
-            <a:spAutoFit/>
-          </a:bodyPr>
-          <a:lstStyle/>
-          <a:p>
-            <a:pPr algn="ctr"/>
-            <a:r>
-              <a:rPr lang="en-GB" noProof="0" dirty="0"/>
-              <a:t>3./4. Week</a:t>
-            </a:r>
-          </a:p>
-        </p:txBody>
-      </p:sp>
-      <p:sp>
-        <p:nvSpPr>
-          <p:cNvPr id="14" name="TextBox 13">
-            <a:extLst>
-              <a:ext uri="{FF2B5EF4-FFF2-40B4-BE49-F238E27FC236}">
-                <a16:creationId xmlns:a16="http://schemas.microsoft.com/office/drawing/2014/main" id="{3BFD7F8F-28EF-185B-7B38-462F15CEF3C5}"/>
-              </a:ext>
-            </a:extLst>
-          </p:cNvPr>
-          <p:cNvSpPr txBox="1"/>
-          <p:nvPr/>
-        </p:nvSpPr>
-        <p:spPr>
-          <a:xfrm>
-            <a:off x="838200" y="4075331"/>
-            <a:ext cx="3048000" cy="2585323"/>
-          </a:xfrm>
-          <a:prstGeom prst="rect">
-            <a:avLst/>
-          </a:prstGeom>
-          <a:noFill/>
-        </p:spPr>
-        <p:txBody>
-          <a:bodyPr wrap="square" rtlCol="0">
-            <a:spAutoFit/>
-          </a:bodyPr>
-          <a:lstStyle/>
-          <a:p>
-            <a:pPr algn="l">
-              <a:buFont typeface="Arial" panose="020B0604020202020204" pitchFamily="34" charset="0"/>
-              <a:buChar char="•"/>
-            </a:pPr>
-            <a:r>
-              <a:rPr lang="en-GB" b="0" i="0" noProof="0" dirty="0">
-                <a:solidFill>
-                  <a:srgbClr val="1F2328"/>
-                </a:solidFill>
-                <a:effectLst/>
-                <a:latin typeface="-apple-system"/>
-              </a:rPr>
-              <a:t> Removing low variance     columns/rows</a:t>
-            </a:r>
-          </a:p>
-          <a:p>
-            <a:pPr algn="l">
-              <a:buFont typeface="Arial" panose="020B0604020202020204" pitchFamily="34" charset="0"/>
-              <a:buChar char="•"/>
-            </a:pPr>
-            <a:endParaRPr lang="en-GB" b="0" i="0" noProof="0" dirty="0">
-              <a:solidFill>
-                <a:srgbClr val="1F2328"/>
-              </a:solidFill>
-              <a:effectLst/>
-              <a:latin typeface="-apple-system"/>
-            </a:endParaRPr>
-          </a:p>
-          <a:p>
-            <a:pPr algn="l">
-              <a:buFont typeface="Arial" panose="020B0604020202020204" pitchFamily="34" charset="0"/>
-              <a:buChar char="•"/>
-            </a:pPr>
-            <a:r>
-              <a:rPr lang="en-GB" b="0" i="0" noProof="0" dirty="0">
-                <a:solidFill>
-                  <a:srgbClr val="1F2328"/>
-                </a:solidFill>
-                <a:effectLst/>
-                <a:latin typeface="-apple-system"/>
-              </a:rPr>
-              <a:t> Removing batch effects</a:t>
-            </a:r>
-          </a:p>
-          <a:p>
-            <a:pPr algn="l">
-              <a:buFont typeface="Arial" panose="020B0604020202020204" pitchFamily="34" charset="0"/>
-              <a:buChar char="•"/>
-            </a:pPr>
-            <a:endParaRPr lang="en-GB" b="0" i="0" noProof="0" dirty="0">
-              <a:solidFill>
-                <a:srgbClr val="1F2328"/>
-              </a:solidFill>
-              <a:effectLst/>
-              <a:latin typeface="-apple-system"/>
-            </a:endParaRPr>
-          </a:p>
-          <a:p>
-            <a:pPr algn="l">
-              <a:buFont typeface="Arial" panose="020B0604020202020204" pitchFamily="34" charset="0"/>
-              <a:buChar char="•"/>
-            </a:pPr>
-            <a:r>
-              <a:rPr lang="en-GB" b="0" i="0" noProof="0" dirty="0">
-                <a:solidFill>
-                  <a:srgbClr val="1F2328"/>
-                </a:solidFill>
-                <a:effectLst/>
-                <a:latin typeface="-apple-system"/>
-              </a:rPr>
-              <a:t> Removing technical outliers</a:t>
-            </a:r>
-          </a:p>
-          <a:p>
-            <a:pPr algn="l">
-              <a:buFont typeface="Arial" panose="020B0604020202020204" pitchFamily="34" charset="0"/>
-              <a:buChar char="•"/>
-            </a:pPr>
-            <a:endParaRPr lang="en-GB" b="0" i="0" noProof="0" dirty="0">
-              <a:solidFill>
-                <a:srgbClr val="1F2328"/>
-              </a:solidFill>
-              <a:effectLst/>
-              <a:latin typeface="-apple-system"/>
-            </a:endParaRPr>
-          </a:p>
-          <a:p>
-            <a:pPr algn="l">
-              <a:buFont typeface="Arial" panose="020B0604020202020204" pitchFamily="34" charset="0"/>
-              <a:buChar char="•"/>
-            </a:pPr>
-            <a:r>
-              <a:rPr lang="en-GB" b="0" i="0" noProof="0" dirty="0">
-                <a:solidFill>
-                  <a:srgbClr val="1F2328"/>
-                </a:solidFill>
-                <a:effectLst/>
-                <a:latin typeface="-apple-system"/>
-              </a:rPr>
-              <a:t> Re-ordering data</a:t>
-            </a:r>
-          </a:p>
-          <a:p>
-            <a:endParaRPr lang="en-GB" noProof="0" dirty="0"/>
-          </a:p>
-        </p:txBody>
-      </p:sp>
-      <p:sp>
-        <p:nvSpPr>
-          <p:cNvPr id="15" name="TextBox 14">
-            <a:extLst>
-              <a:ext uri="{FF2B5EF4-FFF2-40B4-BE49-F238E27FC236}">
-                <a16:creationId xmlns:a16="http://schemas.microsoft.com/office/drawing/2014/main" id="{B232744A-815D-6578-EAF1-B1B424569D4F}"/>
-              </a:ext>
-            </a:extLst>
-          </p:cNvPr>
-          <p:cNvSpPr txBox="1"/>
-          <p:nvPr/>
-        </p:nvSpPr>
-        <p:spPr>
-          <a:xfrm>
-            <a:off x="4655820" y="4075331"/>
-            <a:ext cx="2880360" cy="2862322"/>
-          </a:xfrm>
-          <a:prstGeom prst="rect">
-            <a:avLst/>
-          </a:prstGeom>
-          <a:noFill/>
-        </p:spPr>
-        <p:txBody>
-          <a:bodyPr wrap="square" rtlCol="0">
-            <a:spAutoFit/>
-          </a:bodyPr>
-          <a:lstStyle/>
-          <a:p>
-            <a:pPr>
-              <a:buFont typeface="Arial" panose="020B0604020202020204" pitchFamily="34" charset="0"/>
-              <a:buChar char="•"/>
-            </a:pPr>
-            <a:r>
-              <a:rPr lang="en-GB" b="0" i="0" noProof="0" dirty="0">
-                <a:solidFill>
-                  <a:srgbClr val="1F2328"/>
-                </a:solidFill>
-                <a:effectLst/>
-                <a:latin typeface="-apple-system"/>
-              </a:rPr>
-              <a:t> inter-dependencies among samples etc.</a:t>
-            </a:r>
-          </a:p>
-          <a:p>
-            <a:pPr>
-              <a:buFont typeface="Arial" panose="020B0604020202020204" pitchFamily="34" charset="0"/>
-              <a:buChar char="•"/>
-            </a:pPr>
-            <a:endParaRPr lang="en-GB" b="0" i="0" noProof="0" dirty="0">
-              <a:solidFill>
-                <a:srgbClr val="1F2328"/>
-              </a:solidFill>
-              <a:effectLst/>
-              <a:latin typeface="-apple-system"/>
-            </a:endParaRPr>
-          </a:p>
-          <a:p>
-            <a:pPr algn="l">
-              <a:buFont typeface="Arial" panose="020B0604020202020204" pitchFamily="34" charset="0"/>
-              <a:buChar char="•"/>
-            </a:pPr>
-            <a:r>
-              <a:rPr lang="en-GB" b="0" i="0" noProof="0" dirty="0">
-                <a:solidFill>
-                  <a:srgbClr val="1F2328"/>
-                </a:solidFill>
-                <a:effectLst/>
-                <a:latin typeface="-apple-system"/>
-              </a:rPr>
-              <a:t> data distribution</a:t>
-            </a:r>
-          </a:p>
-          <a:p>
-            <a:pPr algn="l">
-              <a:buFont typeface="Arial" panose="020B0604020202020204" pitchFamily="34" charset="0"/>
-              <a:buChar char="•"/>
-            </a:pPr>
-            <a:endParaRPr lang="en-GB" b="0" i="0" noProof="0" dirty="0">
-              <a:solidFill>
-                <a:srgbClr val="1F2328"/>
-              </a:solidFill>
-              <a:effectLst/>
-              <a:latin typeface="-apple-system"/>
-            </a:endParaRPr>
-          </a:p>
-          <a:p>
-            <a:pPr>
-              <a:buFont typeface="Arial" panose="020B0604020202020204" pitchFamily="34" charset="0"/>
-              <a:buChar char="•"/>
-            </a:pPr>
-            <a:r>
-              <a:rPr lang="en-GB" noProof="0" dirty="0">
-                <a:solidFill>
-                  <a:srgbClr val="1F2328"/>
-                </a:solidFill>
-                <a:latin typeface="-apple-system"/>
-              </a:rPr>
-              <a:t> t-test</a:t>
-            </a:r>
-          </a:p>
-          <a:p>
-            <a:pPr>
-              <a:buFont typeface="Arial" panose="020B0604020202020204" pitchFamily="34" charset="0"/>
-              <a:buChar char="•"/>
-            </a:pPr>
-            <a:endParaRPr lang="en-GB" noProof="0" dirty="0">
-              <a:solidFill>
-                <a:srgbClr val="1F2328"/>
-              </a:solidFill>
-              <a:latin typeface="-apple-system"/>
-            </a:endParaRPr>
-          </a:p>
-          <a:p>
-            <a:pPr>
-              <a:buFont typeface="Arial" panose="020B0604020202020204" pitchFamily="34" charset="0"/>
-              <a:buChar char="•"/>
-            </a:pPr>
-            <a:r>
-              <a:rPr lang="en-GB" noProof="0" dirty="0">
-                <a:solidFill>
-                  <a:srgbClr val="1F2328"/>
-                </a:solidFill>
-                <a:latin typeface="-apple-system"/>
-              </a:rPr>
-              <a:t> correlation test</a:t>
-            </a:r>
-          </a:p>
-          <a:p>
-            <a:pPr algn="l">
-              <a:buFont typeface="Arial" panose="020B0604020202020204" pitchFamily="34" charset="0"/>
-              <a:buChar char="•"/>
-            </a:pPr>
-            <a:endParaRPr lang="en-GB" b="0" i="0" noProof="0" dirty="0">
-              <a:solidFill>
-                <a:srgbClr val="1F2328"/>
-              </a:solidFill>
-              <a:effectLst/>
-              <a:latin typeface="-apple-system"/>
-            </a:endParaRPr>
-          </a:p>
-          <a:p>
-            <a:pPr algn="l">
-              <a:buFont typeface="Arial" panose="020B0604020202020204" pitchFamily="34" charset="0"/>
-              <a:buChar char="•"/>
-            </a:pPr>
-            <a:endParaRPr lang="en-GB" b="0" i="0" noProof="0" dirty="0">
-              <a:solidFill>
-                <a:srgbClr val="1F2328"/>
-              </a:solidFill>
-              <a:effectLst/>
-              <a:latin typeface="-apple-system"/>
-            </a:endParaRPr>
-          </a:p>
-        </p:txBody>
-      </p:sp>
-      <p:sp>
-        <p:nvSpPr>
-          <p:cNvPr id="16" name="TextBox 15">
-            <a:extLst>
-              <a:ext uri="{FF2B5EF4-FFF2-40B4-BE49-F238E27FC236}">
-                <a16:creationId xmlns:a16="http://schemas.microsoft.com/office/drawing/2014/main" id="{A0C4236A-BAF4-FCDA-8910-27667A62398D}"/>
-              </a:ext>
-            </a:extLst>
-          </p:cNvPr>
-          <p:cNvSpPr txBox="1"/>
-          <p:nvPr/>
-        </p:nvSpPr>
-        <p:spPr>
-          <a:xfrm>
-            <a:off x="8473440" y="4075331"/>
-            <a:ext cx="2880360" cy="1477328"/>
-          </a:xfrm>
-          <a:prstGeom prst="rect">
-            <a:avLst/>
-          </a:prstGeom>
-          <a:noFill/>
-        </p:spPr>
-        <p:txBody>
-          <a:bodyPr wrap="square" rtlCol="0">
-            <a:spAutoFit/>
-          </a:bodyPr>
-          <a:lstStyle/>
-          <a:p>
-            <a:pPr algn="l">
-              <a:buFont typeface="Arial" panose="020B0604020202020204" pitchFamily="34" charset="0"/>
-              <a:buChar char="•"/>
-            </a:pPr>
-            <a:r>
-              <a:rPr lang="en-GB" b="0" i="0" noProof="0" dirty="0">
-                <a:solidFill>
-                  <a:srgbClr val="1F2328"/>
-                </a:solidFill>
-                <a:effectLst/>
-                <a:latin typeface="-apple-system"/>
-              </a:rPr>
-              <a:t> PCR</a:t>
-            </a:r>
-          </a:p>
-          <a:p>
-            <a:pPr algn="l">
-              <a:buFont typeface="Arial" panose="020B0604020202020204" pitchFamily="34" charset="0"/>
-              <a:buChar char="•"/>
-            </a:pPr>
-            <a:endParaRPr lang="en-GB" b="0" i="0" noProof="0" dirty="0">
-              <a:solidFill>
-                <a:srgbClr val="1F2328"/>
-              </a:solidFill>
-              <a:effectLst/>
-              <a:latin typeface="-apple-system"/>
-            </a:endParaRPr>
-          </a:p>
-          <a:p>
-            <a:pPr algn="l">
-              <a:buFont typeface="Arial" panose="020B0604020202020204" pitchFamily="34" charset="0"/>
-              <a:buChar char="•"/>
-            </a:pPr>
-            <a:r>
-              <a:rPr lang="en-GB" noProof="0" dirty="0">
-                <a:solidFill>
-                  <a:srgbClr val="1F2328"/>
-                </a:solidFill>
-                <a:latin typeface="-apple-system"/>
-              </a:rPr>
-              <a:t> k-means</a:t>
-            </a:r>
-          </a:p>
-          <a:p>
-            <a:pPr algn="l">
-              <a:buFont typeface="Arial" panose="020B0604020202020204" pitchFamily="34" charset="0"/>
-              <a:buChar char="•"/>
-            </a:pPr>
-            <a:endParaRPr lang="en-GB" noProof="0" dirty="0">
-              <a:solidFill>
-                <a:srgbClr val="1F2328"/>
-              </a:solidFill>
-              <a:latin typeface="-apple-system"/>
-            </a:endParaRPr>
-          </a:p>
-          <a:p>
-            <a:pPr algn="l">
-              <a:buFont typeface="Arial" panose="020B0604020202020204" pitchFamily="34" charset="0"/>
-              <a:buChar char="•"/>
-            </a:pPr>
-            <a:r>
-              <a:rPr lang="en-GB" noProof="0" dirty="0">
-                <a:solidFill>
-                  <a:srgbClr val="1F2328"/>
-                </a:solidFill>
-                <a:latin typeface="-apple-system"/>
-              </a:rPr>
-              <a:t> linear regression analysis</a:t>
-            </a:r>
-          </a:p>
-        </p:txBody>
-      </p:sp>
-    </p:spTree>
-    <p:extLst>
-      <p:ext uri="{BB962C8B-B14F-4D97-AF65-F5344CB8AC3E}">
-        <p14:creationId xmlns:p14="http://schemas.microsoft.com/office/powerpoint/2010/main" val="4084201588"/>
-      </p:ext>
-    </p:extLst>
-  </p:cSld>
-  <p:clrMapOvr>
-    <a:masterClrMapping/>
-  </p:clrMapOvr>
-</p:sld>
-</file>
-
-<file path=ppt/slides/slide6.xml><?xml version="1.0" encoding="utf-8"?>
+<file path=ppt/slides/slide10.xml><?xml version="1.0" encoding="utf-8"?>
 <p:sld xmlns:a="http://schemas.openxmlformats.org/drawingml/2006/main" xmlns:r="http://schemas.openxmlformats.org/officeDocument/2006/relationships" xmlns:p="http://schemas.openxmlformats.org/presentationml/2006/main">
   <p:cSld>
     <p:spTree>
@@ -4605,79 +3553,6 @@
       </p:sp>
       <p:sp>
         <p:nvSpPr>
-          <p:cNvPr id="3" name="TextBox 2">
-            <a:extLst>
-              <a:ext uri="{FF2B5EF4-FFF2-40B4-BE49-F238E27FC236}">
-                <a16:creationId xmlns:a16="http://schemas.microsoft.com/office/drawing/2014/main" id="{5916AC6C-6269-2996-591D-B808F78D1ABB}"/>
-              </a:ext>
-            </a:extLst>
-          </p:cNvPr>
-          <p:cNvSpPr txBox="1"/>
-          <p:nvPr/>
-        </p:nvSpPr>
-        <p:spPr>
-          <a:xfrm>
-            <a:off x="3181774" y="3366404"/>
-            <a:ext cx="1407160" cy="338554"/>
-          </a:xfrm>
-          <a:prstGeom prst="rect">
-            <a:avLst/>
-          </a:prstGeom>
-          <a:noFill/>
-        </p:spPr>
-        <p:txBody>
-          <a:bodyPr wrap="square" rtlCol="0">
-            <a:spAutoFit/>
-          </a:bodyPr>
-          <a:lstStyle/>
-          <a:p>
-            <a:pPr algn="ctr"/>
-            <a:r>
-              <a:rPr lang="en-GB" sz="1600" dirty="0"/>
-              <a:t>16.06-29.06</a:t>
-            </a:r>
-            <a:endParaRPr lang="en-GB" sz="1600" noProof="0" dirty="0"/>
-          </a:p>
-        </p:txBody>
-      </p:sp>
-      <p:sp>
-        <p:nvSpPr>
-          <p:cNvPr id="4" name="TextBox 3">
-            <a:extLst>
-              <a:ext uri="{FF2B5EF4-FFF2-40B4-BE49-F238E27FC236}">
-                <a16:creationId xmlns:a16="http://schemas.microsoft.com/office/drawing/2014/main" id="{3BD5B7F8-8F39-B6A1-3091-FF5F0DADBF38}"/>
-              </a:ext>
-            </a:extLst>
-          </p:cNvPr>
-          <p:cNvSpPr txBox="1"/>
-          <p:nvPr/>
-        </p:nvSpPr>
-        <p:spPr>
-          <a:xfrm>
-            <a:off x="7366847" y="1286748"/>
-            <a:ext cx="1879600" cy="369332"/>
-          </a:xfrm>
-          <a:prstGeom prst="rect">
-            <a:avLst/>
-          </a:prstGeom>
-          <a:noFill/>
-        </p:spPr>
-        <p:txBody>
-          <a:bodyPr wrap="square" rtlCol="0">
-            <a:spAutoFit/>
-          </a:bodyPr>
-          <a:lstStyle/>
-          <a:p>
-            <a:pPr algn="ctr"/>
-            <a:r>
-              <a:rPr lang="en-GB" noProof="0" dirty="0"/>
-              <a:t>7. Week</a:t>
-            </a:r>
-          </a:p>
-        </p:txBody>
-      </p:sp>
-      <p:sp>
-        <p:nvSpPr>
           <p:cNvPr id="5" name="Rectangle: Rounded Corners 4">
             <a:extLst>
               <a:ext uri="{FF2B5EF4-FFF2-40B4-BE49-F238E27FC236}">
@@ -4734,7 +3609,7 @@
           <a:p>
             <a:pPr algn="ctr"/>
             <a:r>
-              <a:rPr lang="en-GB" sz="2400" b="1" i="0" noProof="0">
+              <a:rPr lang="en-GB" sz="2400" b="1" i="0" noProof="0" dirty="0">
                 <a:solidFill>
                   <a:srgbClr val="1F2328"/>
                 </a:solidFill>
@@ -4743,90 +3618,6 @@
               </a:rPr>
               <a:t>Data presentation</a:t>
             </a:r>
-            <a:endParaRPr lang="en-GB" sz="2400" b="1" i="0" noProof="0" dirty="0">
-              <a:solidFill>
-                <a:srgbClr val="1F2328"/>
-              </a:solidFill>
-              <a:effectLst/>
-              <a:latin typeface="-apple-system"/>
-            </a:endParaRPr>
-          </a:p>
-        </p:txBody>
-      </p:sp>
-      <p:sp>
-        <p:nvSpPr>
-          <p:cNvPr id="6" name="TextBox 5">
-            <a:extLst>
-              <a:ext uri="{FF2B5EF4-FFF2-40B4-BE49-F238E27FC236}">
-                <a16:creationId xmlns:a16="http://schemas.microsoft.com/office/drawing/2014/main" id="{764C372E-0176-3994-F48C-A094AF2DAF2B}"/>
-              </a:ext>
-            </a:extLst>
-          </p:cNvPr>
-          <p:cNvSpPr txBox="1"/>
-          <p:nvPr/>
-        </p:nvSpPr>
-        <p:spPr>
-          <a:xfrm>
-            <a:off x="7603067" y="3366404"/>
-            <a:ext cx="1407160" cy="338554"/>
-          </a:xfrm>
-          <a:prstGeom prst="rect">
-            <a:avLst/>
-          </a:prstGeom>
-          <a:noFill/>
-        </p:spPr>
-        <p:txBody>
-          <a:bodyPr wrap="square" rtlCol="0">
-            <a:spAutoFit/>
-          </a:bodyPr>
-          <a:lstStyle/>
-          <a:p>
-            <a:pPr algn="ctr"/>
-            <a:r>
-              <a:rPr lang="en-GB" sz="1600" dirty="0"/>
-              <a:t>30.06-06.07</a:t>
-            </a:r>
-            <a:endParaRPr lang="en-GB" sz="1600" noProof="0" dirty="0"/>
-          </a:p>
-        </p:txBody>
-      </p:sp>
-      <p:sp>
-        <p:nvSpPr>
-          <p:cNvPr id="7" name="TextBox 6">
-            <a:extLst>
-              <a:ext uri="{FF2B5EF4-FFF2-40B4-BE49-F238E27FC236}">
-                <a16:creationId xmlns:a16="http://schemas.microsoft.com/office/drawing/2014/main" id="{20645158-6DA7-7F53-1657-FB61DAD109D4}"/>
-              </a:ext>
-            </a:extLst>
-          </p:cNvPr>
-          <p:cNvSpPr txBox="1"/>
-          <p:nvPr/>
-        </p:nvSpPr>
-        <p:spPr>
-          <a:xfrm>
-            <a:off x="2945554" y="1281668"/>
-            <a:ext cx="1879600" cy="369332"/>
-          </a:xfrm>
-          <a:prstGeom prst="rect">
-            <a:avLst/>
-          </a:prstGeom>
-          <a:noFill/>
-        </p:spPr>
-        <p:txBody>
-          <a:bodyPr wrap="square" rtlCol="0">
-            <a:spAutoFit/>
-          </a:bodyPr>
-          <a:lstStyle/>
-          <a:p>
-            <a:pPr algn="ctr"/>
-            <a:r>
-              <a:rPr lang="en-GB" dirty="0"/>
-              <a:t>5</a:t>
-            </a:r>
-            <a:r>
-              <a:rPr lang="en-GB" noProof="0" dirty="0"/>
-              <a:t>./6. Week</a:t>
-            </a:r>
           </a:p>
         </p:txBody>
       </p:sp>
@@ -4845,7 +3636,7 @@
         <p:spPr>
           <a:xfrm>
             <a:off x="6866467" y="3982197"/>
-            <a:ext cx="2880360" cy="923330"/>
+            <a:ext cx="2880360" cy="1200329"/>
           </a:xfrm>
           <a:prstGeom prst="rect">
             <a:avLst/>
@@ -4870,7 +3661,7 @@
                 <a:effectLst/>
                 <a:latin typeface="-apple-system"/>
               </a:rPr>
-              <a:t>poster</a:t>
+              <a:t> poster</a:t>
             </a:r>
           </a:p>
           <a:p>
@@ -4878,7 +3669,19 @@
               <a:buFont typeface="Arial" panose="020B0604020202020204" pitchFamily="34" charset="0"/>
               <a:buChar char="•"/>
             </a:pPr>
-            <a:endParaRPr lang="en-GB" dirty="0">
+            <a:endParaRPr lang="en-GB" noProof="0" dirty="0">
+              <a:solidFill>
+                <a:srgbClr val="1F2328"/>
+              </a:solidFill>
+              <a:latin typeface="-apple-system"/>
+            </a:endParaRPr>
+          </a:p>
+          <a:p>
+            <a:pPr algn="l">
+              <a:buFont typeface="Arial" panose="020B0604020202020204" pitchFamily="34" charset="0"/>
+              <a:buChar char="•"/>
+            </a:pPr>
+            <a:endParaRPr lang="en-GB" noProof="0" dirty="0">
               <a:solidFill>
                 <a:srgbClr val="1F2328"/>
               </a:solidFill>
@@ -4898,7 +3701,7 @@
                 <a:effectLst/>
                 <a:latin typeface="-apple-system"/>
               </a:rPr>
-              <a:t>Final presentation</a:t>
+              <a:t> final presentation</a:t>
             </a:r>
           </a:p>
         </p:txBody>
@@ -4918,7 +3721,7 @@
         <p:spPr>
           <a:xfrm>
             <a:off x="2445174" y="3982197"/>
-            <a:ext cx="2880360" cy="646331"/>
+            <a:ext cx="2880360" cy="1754326"/>
           </a:xfrm>
           <a:prstGeom prst="rect">
             <a:avLst/>
@@ -4936,20 +3739,191 @@
               <a:buChar char="•"/>
             </a:pPr>
             <a:r>
-              <a:rPr lang="en-US" dirty="0">
+              <a:rPr lang="en-GB" noProof="0" dirty="0">
                 <a:solidFill>
                   <a:srgbClr val="1F2328"/>
                 </a:solidFill>
                 <a:latin typeface="-apple-system"/>
               </a:rPr>
-              <a:t> predict whether a protein is a RBP</a:t>
-            </a:r>
-            <a:endParaRPr lang="en-GB" dirty="0">
+              <a:t> define selection criteria for RNA-dependent proteins</a:t>
+            </a:r>
+          </a:p>
+          <a:p>
+            <a:pPr algn="l">
+              <a:buFont typeface="Arial" panose="020B0604020202020204" pitchFamily="34" charset="0"/>
+              <a:buChar char="•"/>
+            </a:pPr>
+            <a:endParaRPr lang="en-GB" noProof="0" dirty="0">
               <a:solidFill>
                 <a:srgbClr val="1F2328"/>
               </a:solidFill>
               <a:latin typeface="-apple-system"/>
             </a:endParaRPr>
+          </a:p>
+          <a:p>
+            <a:pPr algn="l">
+              <a:buFont typeface="Arial" panose="020B0604020202020204" pitchFamily="34" charset="0"/>
+              <a:buChar char="•"/>
+            </a:pPr>
+            <a:r>
+              <a:rPr lang="en-GB" noProof="0" dirty="0">
+                <a:solidFill>
+                  <a:srgbClr val="1F2328"/>
+                </a:solidFill>
+                <a:latin typeface="-apple-system"/>
+              </a:rPr>
+              <a:t> predict whether a protein is a RNA-dependent proteins</a:t>
+            </a:r>
+          </a:p>
+          <a:p>
+            <a:pPr algn="l">
+              <a:buFont typeface="Arial" panose="020B0604020202020204" pitchFamily="34" charset="0"/>
+              <a:buChar char="•"/>
+            </a:pPr>
+            <a:endParaRPr lang="en-GB" noProof="0" dirty="0">
+              <a:solidFill>
+                <a:srgbClr val="1F2328"/>
+              </a:solidFill>
+              <a:latin typeface="-apple-system"/>
+            </a:endParaRPr>
+          </a:p>
+        </p:txBody>
+      </p:sp>
+      <p:sp>
+        <p:nvSpPr>
+          <p:cNvPr id="12" name="TextBox 11">
+            <a:extLst>
+              <a:ext uri="{FF2B5EF4-FFF2-40B4-BE49-F238E27FC236}">
+                <a16:creationId xmlns:a16="http://schemas.microsoft.com/office/drawing/2014/main" id="{76881924-2317-F59E-6F6D-3364DC7E270F}"/>
+              </a:ext>
+            </a:extLst>
+          </p:cNvPr>
+          <p:cNvSpPr txBox="1"/>
+          <p:nvPr/>
+        </p:nvSpPr>
+        <p:spPr>
+          <a:xfrm>
+            <a:off x="3167062" y="290480"/>
+            <a:ext cx="5857875" cy="769441"/>
+          </a:xfrm>
+          <a:prstGeom prst="rect">
+            <a:avLst/>
+          </a:prstGeom>
+          <a:noFill/>
+        </p:spPr>
+        <p:txBody>
+          <a:bodyPr wrap="square" rtlCol="0">
+            <a:spAutoFit/>
+          </a:bodyPr>
+          <a:lstStyle/>
+          <a:p>
+            <a:pPr algn="ctr"/>
+            <a:r>
+              <a:rPr lang="en-GB" sz="4400" noProof="0" dirty="0"/>
+              <a:t>5.-7. Week</a:t>
+            </a:r>
+          </a:p>
+        </p:txBody>
+      </p:sp>
+      <p:pic>
+        <p:nvPicPr>
+          <p:cNvPr id="14" name="Picture 13" descr="A blue and black text&#10;&#10;AI-generated content may be incorrect.">
+            <a:extLst>
+              <a:ext uri="{FF2B5EF4-FFF2-40B4-BE49-F238E27FC236}">
+                <a16:creationId xmlns:a16="http://schemas.microsoft.com/office/drawing/2014/main" id="{183882A9-EAA2-5700-7C91-3C44AF9BCE35}"/>
+              </a:ext>
+            </a:extLst>
+          </p:cNvPr>
+          <p:cNvPicPr>
+            <a:picLocks noChangeAspect="1"/>
+          </p:cNvPicPr>
+          <p:nvPr/>
+        </p:nvPicPr>
+        <p:blipFill>
+          <a:blip r:embed="rId2">
+            <a:extLst>
+              <a:ext uri="{28A0092B-C50C-407E-A947-70E740481C1C}">
+                <a14:useLocalDpi xmlns:a14="http://schemas.microsoft.com/office/drawing/2010/main" val="0"/>
+              </a:ext>
+            </a:extLst>
+          </a:blip>
+          <a:stretch>
+            <a:fillRect/>
+          </a:stretch>
+        </p:blipFill>
+        <p:spPr>
+          <a:xfrm>
+            <a:off x="2445174" y="5736523"/>
+            <a:ext cx="2880360" cy="766607"/>
+          </a:xfrm>
+          <a:prstGeom prst="rect">
+            <a:avLst/>
+          </a:prstGeom>
+        </p:spPr>
+      </p:pic>
+      <p:pic>
+        <p:nvPicPr>
+          <p:cNvPr id="16" name="Picture 15">
+            <a:extLst>
+              <a:ext uri="{FF2B5EF4-FFF2-40B4-BE49-F238E27FC236}">
+                <a16:creationId xmlns:a16="http://schemas.microsoft.com/office/drawing/2014/main" id="{504C040D-8833-3CC8-125F-72062535AD8F}"/>
+              </a:ext>
+            </a:extLst>
+          </p:cNvPr>
+          <p:cNvPicPr>
+            <a:picLocks noChangeAspect="1"/>
+          </p:cNvPicPr>
+          <p:nvPr/>
+        </p:nvPicPr>
+        <p:blipFill>
+          <a:blip r:embed="rId3"/>
+          <a:stretch>
+            <a:fillRect/>
+          </a:stretch>
+        </p:blipFill>
+        <p:spPr>
+          <a:xfrm>
+            <a:off x="2445174" y="5694318"/>
+            <a:ext cx="2880360" cy="851016"/>
+          </a:xfrm>
+          <a:prstGeom prst="rect">
+            <a:avLst/>
+          </a:prstGeom>
+        </p:spPr>
+      </p:pic>
+      <p:sp>
+        <p:nvSpPr>
+          <p:cNvPr id="17" name="TextBox 16">
+            <a:extLst>
+              <a:ext uri="{FF2B5EF4-FFF2-40B4-BE49-F238E27FC236}">
+                <a16:creationId xmlns:a16="http://schemas.microsoft.com/office/drawing/2014/main" id="{32F8591A-5117-8E99-B93C-9A886013658E}"/>
+              </a:ext>
+            </a:extLst>
+          </p:cNvPr>
+          <p:cNvSpPr txBox="1"/>
+          <p:nvPr/>
+        </p:nvSpPr>
+        <p:spPr>
+          <a:xfrm>
+            <a:off x="5304366" y="1039493"/>
+            <a:ext cx="1583266" cy="369332"/>
+          </a:xfrm>
+          <a:prstGeom prst="rect">
+            <a:avLst/>
+          </a:prstGeom>
+          <a:noFill/>
+        </p:spPr>
+        <p:txBody>
+          <a:bodyPr wrap="square" rtlCol="0">
+            <a:spAutoFit/>
+          </a:bodyPr>
+          <a:lstStyle/>
+          <a:p>
+            <a:pPr algn="ctr"/>
+            <a:r>
+              <a:rPr lang="de-DE" dirty="0"/>
+              <a:t>16.06.-06.07.</a:t>
+            </a:r>
           </a:p>
         </p:txBody>
       </p:sp>
@@ -4963,10 +3937,422 @@
   <p:clrMapOvr>
     <a:masterClrMapping/>
   </p:clrMapOvr>
+  <p:timing>
+    <p:tnLst>
+      <p:par>
+        <p:cTn id="1" dur="indefinite" restart="never" nodeType="tmRoot">
+          <p:childTnLst>
+            <p:seq concurrent="1" nextAc="seek">
+              <p:cTn id="2" dur="indefinite" nodeType="mainSeq">
+                <p:childTnLst>
+                  <p:par>
+                    <p:cTn id="3" fill="hold">
+                      <p:stCondLst>
+                        <p:cond delay="indefinite"/>
+                      </p:stCondLst>
+                      <p:childTnLst>
+                        <p:par>
+                          <p:cTn id="4" fill="hold">
+                            <p:stCondLst>
+                              <p:cond delay="0"/>
+                            </p:stCondLst>
+                            <p:childTnLst>
+                              <p:par>
+                                <p:cTn id="5" presetID="1" presetClass="entr" presetSubtype="0" fill="hold" grpId="0" nodeType="clickEffect">
+                                  <p:stCondLst>
+                                    <p:cond delay="0"/>
+                                  </p:stCondLst>
+                                  <p:childTnLst>
+                                    <p:set>
+                                      <p:cBhvr>
+                                        <p:cTn id="6" dur="1" fill="hold">
+                                          <p:stCondLst>
+                                            <p:cond delay="0"/>
+                                          </p:stCondLst>
+                                        </p:cTn>
+                                        <p:tgtEl>
+                                          <p:spTgt spid="2"/>
+                                        </p:tgtEl>
+                                        <p:attrNameLst>
+                                          <p:attrName>style.visibility</p:attrName>
+                                        </p:attrNameLst>
+                                      </p:cBhvr>
+                                      <p:to>
+                                        <p:strVal val="visible"/>
+                                      </p:to>
+                                    </p:set>
+                                  </p:childTnLst>
+                                </p:cTn>
+                              </p:par>
+                            </p:childTnLst>
+                          </p:cTn>
+                        </p:par>
+                      </p:childTnLst>
+                    </p:cTn>
+                  </p:par>
+                  <p:par>
+                    <p:cTn id="7" fill="hold">
+                      <p:stCondLst>
+                        <p:cond delay="indefinite"/>
+                      </p:stCondLst>
+                      <p:childTnLst>
+                        <p:par>
+                          <p:cTn id="8" fill="hold">
+                            <p:stCondLst>
+                              <p:cond delay="0"/>
+                            </p:stCondLst>
+                            <p:childTnLst>
+                              <p:par>
+                                <p:cTn id="9" presetID="1" presetClass="entr" presetSubtype="0" fill="hold" grpId="0" nodeType="clickEffect">
+                                  <p:stCondLst>
+                                    <p:cond delay="0"/>
+                                  </p:stCondLst>
+                                  <p:childTnLst>
+                                    <p:set>
+                                      <p:cBhvr>
+                                        <p:cTn id="10" dur="1" fill="hold">
+                                          <p:stCondLst>
+                                            <p:cond delay="0"/>
+                                          </p:stCondLst>
+                                        </p:cTn>
+                                        <p:tgtEl>
+                                          <p:spTgt spid="9">
+                                            <p:txEl>
+                                              <p:pRg st="0" end="0"/>
+                                            </p:txEl>
+                                          </p:spTgt>
+                                        </p:tgtEl>
+                                        <p:attrNameLst>
+                                          <p:attrName>style.visibility</p:attrName>
+                                        </p:attrNameLst>
+                                      </p:cBhvr>
+                                      <p:to>
+                                        <p:strVal val="visible"/>
+                                      </p:to>
+                                    </p:set>
+                                  </p:childTnLst>
+                                </p:cTn>
+                              </p:par>
+                            </p:childTnLst>
+                          </p:cTn>
+                        </p:par>
+                      </p:childTnLst>
+                    </p:cTn>
+                  </p:par>
+                  <p:par>
+                    <p:cTn id="11" fill="hold">
+                      <p:stCondLst>
+                        <p:cond delay="indefinite"/>
+                      </p:stCondLst>
+                      <p:childTnLst>
+                        <p:par>
+                          <p:cTn id="12" fill="hold">
+                            <p:stCondLst>
+                              <p:cond delay="0"/>
+                            </p:stCondLst>
+                            <p:childTnLst>
+                              <p:par>
+                                <p:cTn id="13" presetID="1" presetClass="entr" presetSubtype="0" fill="hold" grpId="0" nodeType="clickEffect">
+                                  <p:stCondLst>
+                                    <p:cond delay="0"/>
+                                  </p:stCondLst>
+                                  <p:childTnLst>
+                                    <p:set>
+                                      <p:cBhvr>
+                                        <p:cTn id="14" dur="1" fill="hold">
+                                          <p:stCondLst>
+                                            <p:cond delay="0"/>
+                                          </p:stCondLst>
+                                        </p:cTn>
+                                        <p:tgtEl>
+                                          <p:spTgt spid="9">
+                                            <p:txEl>
+                                              <p:pRg st="2" end="2"/>
+                                            </p:txEl>
+                                          </p:spTgt>
+                                        </p:tgtEl>
+                                        <p:attrNameLst>
+                                          <p:attrName>style.visibility</p:attrName>
+                                        </p:attrNameLst>
+                                      </p:cBhvr>
+                                      <p:to>
+                                        <p:strVal val="visible"/>
+                                      </p:to>
+                                    </p:set>
+                                  </p:childTnLst>
+                                </p:cTn>
+                              </p:par>
+                            </p:childTnLst>
+                          </p:cTn>
+                        </p:par>
+                      </p:childTnLst>
+                    </p:cTn>
+                  </p:par>
+                  <p:par>
+                    <p:cTn id="15" fill="hold">
+                      <p:stCondLst>
+                        <p:cond delay="indefinite"/>
+                      </p:stCondLst>
+                      <p:childTnLst>
+                        <p:par>
+                          <p:cTn id="16" fill="hold">
+                            <p:stCondLst>
+                              <p:cond delay="0"/>
+                            </p:stCondLst>
+                            <p:childTnLst>
+                              <p:par>
+                                <p:cTn id="17" presetID="1" presetClass="entr" presetSubtype="0" fill="hold" nodeType="clickEffect">
+                                  <p:stCondLst>
+                                    <p:cond delay="0"/>
+                                  </p:stCondLst>
+                                  <p:childTnLst>
+                                    <p:set>
+                                      <p:cBhvr>
+                                        <p:cTn id="18" dur="1" fill="hold">
+                                          <p:stCondLst>
+                                            <p:cond delay="0"/>
+                                          </p:stCondLst>
+                                        </p:cTn>
+                                        <p:tgtEl>
+                                          <p:spTgt spid="14"/>
+                                        </p:tgtEl>
+                                        <p:attrNameLst>
+                                          <p:attrName>style.visibility</p:attrName>
+                                        </p:attrNameLst>
+                                      </p:cBhvr>
+                                      <p:to>
+                                        <p:strVal val="visible"/>
+                                      </p:to>
+                                    </p:set>
+                                  </p:childTnLst>
+                                </p:cTn>
+                              </p:par>
+                            </p:childTnLst>
+                          </p:cTn>
+                        </p:par>
+                      </p:childTnLst>
+                    </p:cTn>
+                  </p:par>
+                  <p:par>
+                    <p:cTn id="19" fill="hold">
+                      <p:stCondLst>
+                        <p:cond delay="indefinite"/>
+                      </p:stCondLst>
+                      <p:childTnLst>
+                        <p:par>
+                          <p:cTn id="20" fill="hold">
+                            <p:stCondLst>
+                              <p:cond delay="0"/>
+                            </p:stCondLst>
+                            <p:childTnLst>
+                              <p:par>
+                                <p:cTn id="21" presetID="1" presetClass="entr" presetSubtype="0" fill="hold" nodeType="clickEffect">
+                                  <p:stCondLst>
+                                    <p:cond delay="0"/>
+                                  </p:stCondLst>
+                                  <p:childTnLst>
+                                    <p:set>
+                                      <p:cBhvr>
+                                        <p:cTn id="22" dur="1" fill="hold">
+                                          <p:stCondLst>
+                                            <p:cond delay="0"/>
+                                          </p:stCondLst>
+                                        </p:cTn>
+                                        <p:tgtEl>
+                                          <p:spTgt spid="16"/>
+                                        </p:tgtEl>
+                                        <p:attrNameLst>
+                                          <p:attrName>style.visibility</p:attrName>
+                                        </p:attrNameLst>
+                                      </p:cBhvr>
+                                      <p:to>
+                                        <p:strVal val="visible"/>
+                                      </p:to>
+                                    </p:set>
+                                  </p:childTnLst>
+                                </p:cTn>
+                              </p:par>
+                            </p:childTnLst>
+                          </p:cTn>
+                        </p:par>
+                      </p:childTnLst>
+                    </p:cTn>
+                  </p:par>
+                  <p:par>
+                    <p:cTn id="23" fill="hold">
+                      <p:stCondLst>
+                        <p:cond delay="indefinite"/>
+                      </p:stCondLst>
+                      <p:childTnLst>
+                        <p:par>
+                          <p:cTn id="24" fill="hold">
+                            <p:stCondLst>
+                              <p:cond delay="0"/>
+                            </p:stCondLst>
+                            <p:childTnLst>
+                              <p:par>
+                                <p:cTn id="25" presetID="1" presetClass="entr" presetSubtype="0" fill="hold" grpId="0" nodeType="clickEffect">
+                                  <p:stCondLst>
+                                    <p:cond delay="0"/>
+                                  </p:stCondLst>
+                                  <p:childTnLst>
+                                    <p:set>
+                                      <p:cBhvr>
+                                        <p:cTn id="26" dur="1" fill="hold">
+                                          <p:stCondLst>
+                                            <p:cond delay="0"/>
+                                          </p:stCondLst>
+                                        </p:cTn>
+                                        <p:tgtEl>
+                                          <p:spTgt spid="5"/>
+                                        </p:tgtEl>
+                                        <p:attrNameLst>
+                                          <p:attrName>style.visibility</p:attrName>
+                                        </p:attrNameLst>
+                                      </p:cBhvr>
+                                      <p:to>
+                                        <p:strVal val="visible"/>
+                                      </p:to>
+                                    </p:set>
+                                  </p:childTnLst>
+                                </p:cTn>
+                              </p:par>
+                            </p:childTnLst>
+                          </p:cTn>
+                        </p:par>
+                      </p:childTnLst>
+                    </p:cTn>
+                  </p:par>
+                  <p:par>
+                    <p:cTn id="27" fill="hold">
+                      <p:stCondLst>
+                        <p:cond delay="indefinite"/>
+                      </p:stCondLst>
+                      <p:childTnLst>
+                        <p:par>
+                          <p:cTn id="28" fill="hold">
+                            <p:stCondLst>
+                              <p:cond delay="0"/>
+                            </p:stCondLst>
+                            <p:childTnLst>
+                              <p:par>
+                                <p:cTn id="29" presetID="1" presetClass="entr" presetSubtype="0" fill="hold" grpId="0" nodeType="clickEffect">
+                                  <p:stCondLst>
+                                    <p:cond delay="0"/>
+                                  </p:stCondLst>
+                                  <p:childTnLst>
+                                    <p:set>
+                                      <p:cBhvr>
+                                        <p:cTn id="30" dur="1" fill="hold">
+                                          <p:stCondLst>
+                                            <p:cond delay="0"/>
+                                          </p:stCondLst>
+                                        </p:cTn>
+                                        <p:tgtEl>
+                                          <p:spTgt spid="8">
+                                            <p:txEl>
+                                              <p:pRg st="0" end="0"/>
+                                            </p:txEl>
+                                          </p:spTgt>
+                                        </p:tgtEl>
+                                        <p:attrNameLst>
+                                          <p:attrName>style.visibility</p:attrName>
+                                        </p:attrNameLst>
+                                      </p:cBhvr>
+                                      <p:to>
+                                        <p:strVal val="visible"/>
+                                      </p:to>
+                                    </p:set>
+                                  </p:childTnLst>
+                                </p:cTn>
+                              </p:par>
+                            </p:childTnLst>
+                          </p:cTn>
+                        </p:par>
+                      </p:childTnLst>
+                    </p:cTn>
+                  </p:par>
+                  <p:par>
+                    <p:cTn id="31" fill="hold">
+                      <p:stCondLst>
+                        <p:cond delay="indefinite"/>
+                      </p:stCondLst>
+                      <p:childTnLst>
+                        <p:par>
+                          <p:cTn id="32" fill="hold">
+                            <p:stCondLst>
+                              <p:cond delay="0"/>
+                            </p:stCondLst>
+                            <p:childTnLst>
+                              <p:par>
+                                <p:cTn id="33" presetID="1" presetClass="entr" presetSubtype="0" fill="hold" grpId="0" nodeType="clickEffect">
+                                  <p:stCondLst>
+                                    <p:cond delay="0"/>
+                                  </p:stCondLst>
+                                  <p:childTnLst>
+                                    <p:set>
+                                      <p:cBhvr>
+                                        <p:cTn id="34" dur="1" fill="hold">
+                                          <p:stCondLst>
+                                            <p:cond delay="0"/>
+                                          </p:stCondLst>
+                                        </p:cTn>
+                                        <p:tgtEl>
+                                          <p:spTgt spid="8">
+                                            <p:txEl>
+                                              <p:pRg st="3" end="3"/>
+                                            </p:txEl>
+                                          </p:spTgt>
+                                        </p:tgtEl>
+                                        <p:attrNameLst>
+                                          <p:attrName>style.visibility</p:attrName>
+                                        </p:attrNameLst>
+                                      </p:cBhvr>
+                                      <p:to>
+                                        <p:strVal val="visible"/>
+                                      </p:to>
+                                    </p:set>
+                                  </p:childTnLst>
+                                </p:cTn>
+                              </p:par>
+                            </p:childTnLst>
+                          </p:cTn>
+                        </p:par>
+                      </p:childTnLst>
+                    </p:cTn>
+                  </p:par>
+                </p:childTnLst>
+              </p:cTn>
+              <p:prevCondLst>
+                <p:cond evt="onPrev" delay="0">
+                  <p:tgtEl>
+                    <p:sldTgt/>
+                  </p:tgtEl>
+                </p:cond>
+              </p:prevCondLst>
+              <p:nextCondLst>
+                <p:cond evt="onNext" delay="0">
+                  <p:tgtEl>
+                    <p:sldTgt/>
+                  </p:tgtEl>
+                </p:cond>
+              </p:nextCondLst>
+            </p:seq>
+          </p:childTnLst>
+        </p:cTn>
+      </p:par>
+    </p:tnLst>
+    <p:bldLst>
+      <p:bldP spid="2" grpId="0" animBg="1"/>
+      <p:bldP spid="5" grpId="0" animBg="1"/>
+      <p:bldP spid="8" grpId="0" build="p"/>
+      <p:bldP spid="9" grpId="0" build="p"/>
+    </p:bldLst>
+  </p:timing>
 </p:sld>
 </file>
 
-<file path=ppt/slides/slide7.xml><?xml version="1.0" encoding="utf-8"?>
+<file path=ppt/slides/slide11.xml><?xml version="1.0" encoding="utf-8"?>
 <p:sld xmlns:a="http://schemas.openxmlformats.org/drawingml/2006/main" xmlns:r="http://schemas.openxmlformats.org/officeDocument/2006/relationships" xmlns:p="http://schemas.openxmlformats.org/presentationml/2006/main">
   <p:cSld>
     <p:spTree>
@@ -4988,7 +4374,7 @@
           <p:cNvPr id="2" name="Title 1">
             <a:extLst>
               <a:ext uri="{FF2B5EF4-FFF2-40B4-BE49-F238E27FC236}">
-                <a16:creationId xmlns:a16="http://schemas.microsoft.com/office/drawing/2014/main" id="{7DDD5CD0-9213-6901-2300-795ABB73CF18}"/>
+                <a16:creationId xmlns:a16="http://schemas.microsoft.com/office/drawing/2014/main" id="{81744CF7-E25A-2D30-4C8C-4690CA7E5AC6}"/>
               </a:ext>
             </a:extLst>
           </p:cNvPr>
@@ -4996,27 +4382,65 @@
             <a:spLocks noGrp="1"/>
           </p:cNvSpPr>
           <p:nvPr>
-            <p:ph type="ctrTitle"/>
+            <p:ph type="title"/>
           </p:nvPr>
         </p:nvSpPr>
-        <p:spPr/>
-        <p:txBody>
-          <a:bodyPr/>
+        <p:spPr>
+          <a:xfrm>
+            <a:off x="838200" y="2766218"/>
+            <a:ext cx="10515600" cy="1325563"/>
+          </a:xfrm>
+        </p:spPr>
+        <p:txBody>
+          <a:bodyPr>
+            <a:normAutofit/>
+          </a:bodyPr>
           <a:lstStyle/>
           <a:p>
-            <a:r>
-              <a:rPr lang="en-GB" noProof="0" dirty="0"/>
-              <a:t>Time Table</a:t>
-            </a:r>
-          </a:p>
-        </p:txBody>
-      </p:sp>
-      <p:sp>
-        <p:nvSpPr>
-          <p:cNvPr id="3" name="Subtitle 2">
-            <a:extLst>
-              <a:ext uri="{FF2B5EF4-FFF2-40B4-BE49-F238E27FC236}">
-                <a16:creationId xmlns:a16="http://schemas.microsoft.com/office/drawing/2014/main" id="{1690C50E-3847-EA70-3236-BCAA9B915E8E}"/>
+            <a:pPr algn="ctr"/>
+            <a:r>
+              <a:rPr lang="en-GB" sz="6600" noProof="0" dirty="0"/>
+              <a:t>Thanks for listening</a:t>
+            </a:r>
+          </a:p>
+        </p:txBody>
+      </p:sp>
+    </p:spTree>
+    <p:extLst>
+      <p:ext uri="{BB962C8B-B14F-4D97-AF65-F5344CB8AC3E}">
+        <p14:creationId xmlns:p14="http://schemas.microsoft.com/office/powerpoint/2010/main" val="2899426055"/>
+      </p:ext>
+    </p:extLst>
+  </p:cSld>
+  <p:clrMapOvr>
+    <a:masterClrMapping/>
+  </p:clrMapOvr>
+</p:sld>
+</file>
+
+<file path=ppt/slides/slide2.xml><?xml version="1.0" encoding="utf-8"?>
+<p:sld xmlns:a="http://schemas.openxmlformats.org/drawingml/2006/main" xmlns:r="http://schemas.openxmlformats.org/officeDocument/2006/relationships" xmlns:p="http://schemas.openxmlformats.org/presentationml/2006/main">
+  <p:cSld>
+    <p:spTree>
+      <p:nvGrpSpPr>
+        <p:cNvPr id="1" name=""/>
+        <p:cNvGrpSpPr/>
+        <p:nvPr/>
+      </p:nvGrpSpPr>
+      <p:grpSpPr>
+        <a:xfrm>
+          <a:off x="0" y="0"/>
+          <a:ext cx="0" cy="0"/>
+          <a:chOff x="0" y="0"/>
+          <a:chExt cx="0" cy="0"/>
+        </a:xfrm>
+      </p:grpSpPr>
+      <p:sp>
+        <p:nvSpPr>
+          <p:cNvPr id="2" name="Title 1">
+            <a:extLst>
+              <a:ext uri="{FF2B5EF4-FFF2-40B4-BE49-F238E27FC236}">
+                <a16:creationId xmlns:a16="http://schemas.microsoft.com/office/drawing/2014/main" id="{D89A26B0-4F8D-E47D-CFD4-96C1C5082476}"/>
               </a:ext>
             </a:extLst>
           </p:cNvPr>
@@ -5024,68 +4448,3900 @@
             <a:spLocks noGrp="1"/>
           </p:cNvSpPr>
           <p:nvPr>
-            <p:ph type="subTitle" idx="1"/>
+            <p:ph type="title"/>
           </p:nvPr>
         </p:nvSpPr>
         <p:spPr>
           <a:xfrm>
-            <a:off x="1524000" y="3602038"/>
-            <a:ext cx="9144000" cy="2941002"/>
+            <a:off x="0" y="365125"/>
+            <a:ext cx="12192000" cy="1325563"/>
           </a:xfrm>
         </p:spPr>
         <p:txBody>
           <a:bodyPr>
-            <a:normAutofit lnSpcReduction="10000"/>
+            <a:normAutofit/>
           </a:bodyPr>
           <a:lstStyle/>
           <a:p>
+            <a:pPr algn="ctr"/>
             <a:r>
               <a:rPr lang="en-GB" noProof="0" dirty="0"/>
-              <a:t>19.05-25.05</a:t>
-            </a:r>
-          </a:p>
-          <a:p>
-            <a:r>
+              <a:t>RNA-binding proteins </a:t>
+            </a:r>
+            <a:br>
               <a:rPr lang="en-GB" noProof="0" dirty="0"/>
-              <a:t>26.05-01.06</a:t>
-            </a:r>
-          </a:p>
-          <a:p>
-            <a:r>
-              <a:rPr lang="en-GB" noProof="0" dirty="0"/>
-              <a:t>02.06-08.06</a:t>
-            </a:r>
-          </a:p>
-          <a:p>
-            <a:r>
-              <a:rPr lang="en-GB" noProof="0" dirty="0"/>
-              <a:t>09.06-15.06</a:t>
-            </a:r>
-          </a:p>
-          <a:p>
-            <a:r>
-              <a:rPr lang="en-GB" noProof="0" dirty="0"/>
-              <a:t>16.06-22.06</a:t>
-            </a:r>
-          </a:p>
-          <a:p>
-            <a:r>
-              <a:rPr lang="en-GB" noProof="0" dirty="0"/>
-              <a:t>23.06-29.06</a:t>
-            </a:r>
-          </a:p>
-          <a:p>
-            <a:r>
-              <a:rPr lang="en-GB" noProof="0" dirty="0"/>
-              <a:t>30.06-06.07</a:t>
-            </a:r>
-          </a:p>
-        </p:txBody>
-      </p:sp>
+            </a:br>
+            <a:r>
+              <a:rPr lang="en-GB" sz="2800" noProof="0" dirty="0"/>
+              <a:t>non-synchronized HeLa cells</a:t>
+            </a:r>
+          </a:p>
+        </p:txBody>
+      </p:sp>
+      <p:pic>
+        <p:nvPicPr>
+          <p:cNvPr id="6" name="Picture 5" descr="A cartoon of a ladder and a tree&#10;&#10;AI-generated content may be incorrect.">
+            <a:extLst>
+              <a:ext uri="{FF2B5EF4-FFF2-40B4-BE49-F238E27FC236}">
+                <a16:creationId xmlns:a16="http://schemas.microsoft.com/office/drawing/2014/main" id="{7ED5580A-D0A8-5151-CAD7-3880AA661275}"/>
+              </a:ext>
+            </a:extLst>
+          </p:cNvPr>
+          <p:cNvPicPr>
+            <a:picLocks noChangeAspect="1"/>
+          </p:cNvPicPr>
+          <p:nvPr/>
+        </p:nvPicPr>
+        <p:blipFill>
+          <a:blip r:embed="rId2">
+            <a:extLst>
+              <a:ext uri="{28A0092B-C50C-407E-A947-70E740481C1C}">
+                <a14:useLocalDpi xmlns:a14="http://schemas.microsoft.com/office/drawing/2010/main" val="0"/>
+              </a:ext>
+            </a:extLst>
+          </a:blip>
+          <a:srcRect l="37033" r="1"/>
+          <a:stretch/>
+        </p:blipFill>
+        <p:spPr>
+          <a:xfrm>
+            <a:off x="1262686" y="1690686"/>
+            <a:ext cx="4181380" cy="4648929"/>
+          </a:xfrm>
+          <a:prstGeom prst="rect">
+            <a:avLst/>
+          </a:prstGeom>
+        </p:spPr>
+      </p:pic>
+      <p:pic>
+        <p:nvPicPr>
+          <p:cNvPr id="8" name="Picture 7" descr="A diagram of a ladder and brain&#10;&#10;AI-generated content may be incorrect.">
+            <a:extLst>
+              <a:ext uri="{FF2B5EF4-FFF2-40B4-BE49-F238E27FC236}">
+                <a16:creationId xmlns:a16="http://schemas.microsoft.com/office/drawing/2014/main" id="{73BC274D-CF9B-C798-D489-0CA644AD2152}"/>
+              </a:ext>
+            </a:extLst>
+          </p:cNvPr>
+          <p:cNvPicPr>
+            <a:picLocks noChangeAspect="1"/>
+          </p:cNvPicPr>
+          <p:nvPr/>
+        </p:nvPicPr>
+        <p:blipFill>
+          <a:blip r:embed="rId3">
+            <a:extLst>
+              <a:ext uri="{28A0092B-C50C-407E-A947-70E740481C1C}">
+                <a14:useLocalDpi xmlns:a14="http://schemas.microsoft.com/office/drawing/2010/main" val="0"/>
+              </a:ext>
+            </a:extLst>
+          </a:blip>
+          <a:srcRect l="37040"/>
+          <a:stretch/>
+        </p:blipFill>
+        <p:spPr>
+          <a:xfrm>
+            <a:off x="6747934" y="1690687"/>
+            <a:ext cx="4181380" cy="4648929"/>
+          </a:xfrm>
+          <a:prstGeom prst="rect">
+            <a:avLst/>
+          </a:prstGeom>
+        </p:spPr>
+      </p:pic>
     </p:spTree>
     <p:extLst>
       <p:ext uri="{BB962C8B-B14F-4D97-AF65-F5344CB8AC3E}">
-        <p14:creationId xmlns:p14="http://schemas.microsoft.com/office/powerpoint/2010/main" val="4114376445"/>
+        <p14:creationId xmlns:p14="http://schemas.microsoft.com/office/powerpoint/2010/main" val="3598213223"/>
+      </p:ext>
+    </p:extLst>
+  </p:cSld>
+  <p:clrMapOvr>
+    <a:masterClrMapping/>
+  </p:clrMapOvr>
+  <p:timing>
+    <p:tnLst>
+      <p:par>
+        <p:cTn id="1" dur="indefinite" restart="never" nodeType="tmRoot">
+          <p:childTnLst>
+            <p:seq concurrent="1" nextAc="seek">
+              <p:cTn id="2" dur="indefinite" nodeType="mainSeq">
+                <p:childTnLst>
+                  <p:par>
+                    <p:cTn id="3" fill="hold">
+                      <p:stCondLst>
+                        <p:cond delay="indefinite"/>
+                      </p:stCondLst>
+                      <p:childTnLst>
+                        <p:par>
+                          <p:cTn id="4" fill="hold">
+                            <p:stCondLst>
+                              <p:cond delay="0"/>
+                            </p:stCondLst>
+                            <p:childTnLst>
+                              <p:par>
+                                <p:cTn id="5" presetID="1" presetClass="entr" presetSubtype="0" fill="hold" nodeType="clickEffect">
+                                  <p:stCondLst>
+                                    <p:cond delay="0"/>
+                                  </p:stCondLst>
+                                  <p:childTnLst>
+                                    <p:set>
+                                      <p:cBhvr>
+                                        <p:cTn id="6" dur="1" fill="hold">
+                                          <p:stCondLst>
+                                            <p:cond delay="0"/>
+                                          </p:stCondLst>
+                                        </p:cTn>
+                                        <p:tgtEl>
+                                          <p:spTgt spid="6"/>
+                                        </p:tgtEl>
+                                        <p:attrNameLst>
+                                          <p:attrName>style.visibility</p:attrName>
+                                        </p:attrNameLst>
+                                      </p:cBhvr>
+                                      <p:to>
+                                        <p:strVal val="visible"/>
+                                      </p:to>
+                                    </p:set>
+                                  </p:childTnLst>
+                                </p:cTn>
+                              </p:par>
+                            </p:childTnLst>
+                          </p:cTn>
+                        </p:par>
+                      </p:childTnLst>
+                    </p:cTn>
+                  </p:par>
+                  <p:par>
+                    <p:cTn id="7" fill="hold">
+                      <p:stCondLst>
+                        <p:cond delay="indefinite"/>
+                      </p:stCondLst>
+                      <p:childTnLst>
+                        <p:par>
+                          <p:cTn id="8" fill="hold">
+                            <p:stCondLst>
+                              <p:cond delay="0"/>
+                            </p:stCondLst>
+                            <p:childTnLst>
+                              <p:par>
+                                <p:cTn id="9" presetID="1" presetClass="entr" presetSubtype="0" fill="hold" nodeType="clickEffect">
+                                  <p:stCondLst>
+                                    <p:cond delay="0"/>
+                                  </p:stCondLst>
+                                  <p:childTnLst>
+                                    <p:set>
+                                      <p:cBhvr>
+                                        <p:cTn id="10" dur="1" fill="hold">
+                                          <p:stCondLst>
+                                            <p:cond delay="0"/>
+                                          </p:stCondLst>
+                                        </p:cTn>
+                                        <p:tgtEl>
+                                          <p:spTgt spid="8"/>
+                                        </p:tgtEl>
+                                        <p:attrNameLst>
+                                          <p:attrName>style.visibility</p:attrName>
+                                        </p:attrNameLst>
+                                      </p:cBhvr>
+                                      <p:to>
+                                        <p:strVal val="visible"/>
+                                      </p:to>
+                                    </p:set>
+                                  </p:childTnLst>
+                                </p:cTn>
+                              </p:par>
+                            </p:childTnLst>
+                          </p:cTn>
+                        </p:par>
+                      </p:childTnLst>
+                    </p:cTn>
+                  </p:par>
+                </p:childTnLst>
+              </p:cTn>
+              <p:prevCondLst>
+                <p:cond evt="onPrev" delay="0">
+                  <p:tgtEl>
+                    <p:sldTgt/>
+                  </p:tgtEl>
+                </p:cond>
+              </p:prevCondLst>
+              <p:nextCondLst>
+                <p:cond evt="onNext" delay="0">
+                  <p:tgtEl>
+                    <p:sldTgt/>
+                  </p:tgtEl>
+                </p:cond>
+              </p:nextCondLst>
+            </p:seq>
+          </p:childTnLst>
+        </p:cTn>
+      </p:par>
+    </p:tnLst>
+  </p:timing>
+</p:sld>
+</file>
+
+<file path=ppt/slides/slide3.xml><?xml version="1.0" encoding="utf-8"?>
+<p:sld xmlns:a="http://schemas.openxmlformats.org/drawingml/2006/main" xmlns:r="http://schemas.openxmlformats.org/officeDocument/2006/relationships" xmlns:p="http://schemas.openxmlformats.org/presentationml/2006/main">
+  <p:cSld>
+    <p:spTree>
+      <p:nvGrpSpPr>
+        <p:cNvPr id="1" name=""/>
+        <p:cNvGrpSpPr/>
+        <p:nvPr/>
+      </p:nvGrpSpPr>
+      <p:grpSpPr>
+        <a:xfrm>
+          <a:off x="0" y="0"/>
+          <a:ext cx="0" cy="0"/>
+          <a:chOff x="0" y="0"/>
+          <a:chExt cx="0" cy="0"/>
+        </a:xfrm>
+      </p:grpSpPr>
+      <p:sp>
+        <p:nvSpPr>
+          <p:cNvPr id="2" name="Title 1">
+            <a:extLst>
+              <a:ext uri="{FF2B5EF4-FFF2-40B4-BE49-F238E27FC236}">
+                <a16:creationId xmlns:a16="http://schemas.microsoft.com/office/drawing/2014/main" id="{C6304AB4-B326-0B6D-4726-0772130CE670}"/>
+              </a:ext>
+            </a:extLst>
+          </p:cNvPr>
+          <p:cNvSpPr>
+            <a:spLocks noGrp="1"/>
+          </p:cNvSpPr>
+          <p:nvPr>
+            <p:ph type="title"/>
+          </p:nvPr>
+        </p:nvSpPr>
+        <p:spPr>
+          <a:xfrm>
+            <a:off x="838200" y="0"/>
+            <a:ext cx="10515600" cy="1325563"/>
+          </a:xfrm>
+        </p:spPr>
+        <p:txBody>
+          <a:bodyPr/>
+          <a:lstStyle/>
+          <a:p>
+            <a:pPr algn="ctr"/>
+            <a:r>
+              <a:rPr lang="en-GB" noProof="0" dirty="0"/>
+              <a:t> RNA dependence (R-</a:t>
+            </a:r>
+            <a:r>
+              <a:rPr lang="en-GB" noProof="0" dirty="0" err="1"/>
+              <a:t>DeeP</a:t>
+            </a:r>
+            <a:r>
+              <a:rPr lang="en-GB" noProof="0" dirty="0"/>
+              <a:t>)</a:t>
+            </a:r>
+          </a:p>
+        </p:txBody>
+      </p:sp>
+      <p:pic>
+        <p:nvPicPr>
+          <p:cNvPr id="3" name="Picture 2" descr="A diagram of a test&#10;&#10;AI-generated content may be incorrect.">
+            <a:extLst>
+              <a:ext uri="{FF2B5EF4-FFF2-40B4-BE49-F238E27FC236}">
+                <a16:creationId xmlns:a16="http://schemas.microsoft.com/office/drawing/2014/main" id="{95073083-A2F9-8DCF-393C-27F4178F0C3C}"/>
+              </a:ext>
+            </a:extLst>
+          </p:cNvPr>
+          <p:cNvPicPr>
+            <a:picLocks noChangeAspect="1"/>
+          </p:cNvPicPr>
+          <p:nvPr/>
+        </p:nvPicPr>
+        <p:blipFill>
+          <a:blip r:embed="rId2">
+            <a:extLst>
+              <a:ext uri="{28A0092B-C50C-407E-A947-70E740481C1C}">
+                <a14:useLocalDpi xmlns:a14="http://schemas.microsoft.com/office/drawing/2010/main" val="0"/>
+              </a:ext>
+            </a:extLst>
+          </a:blip>
+          <a:srcRect l="7844"/>
+          <a:stretch/>
+        </p:blipFill>
+        <p:spPr>
+          <a:xfrm>
+            <a:off x="778239" y="1114330"/>
+            <a:ext cx="4029365" cy="5655407"/>
+          </a:xfrm>
+          <a:prstGeom prst="rect">
+            <a:avLst/>
+          </a:prstGeom>
+        </p:spPr>
+      </p:pic>
+      <p:sp>
+        <p:nvSpPr>
+          <p:cNvPr id="12" name="Rectangle 11">
+            <a:extLst>
+              <a:ext uri="{FF2B5EF4-FFF2-40B4-BE49-F238E27FC236}">
+                <a16:creationId xmlns:a16="http://schemas.microsoft.com/office/drawing/2014/main" id="{6F990B62-9FEE-716F-3E04-BB7921195EE1}"/>
+              </a:ext>
+            </a:extLst>
+          </p:cNvPr>
+          <p:cNvSpPr/>
+          <p:nvPr/>
+        </p:nvSpPr>
+        <p:spPr>
+          <a:xfrm>
+            <a:off x="711200" y="2345267"/>
+            <a:ext cx="4096404" cy="1325563"/>
+          </a:xfrm>
+          <a:prstGeom prst="rect">
+            <a:avLst/>
+          </a:prstGeom>
+          <a:solidFill>
+            <a:schemeClr val="bg1"/>
+          </a:solidFill>
+          <a:ln>
+            <a:solidFill>
+              <a:schemeClr val="bg1"/>
+            </a:solidFill>
+          </a:ln>
+        </p:spPr>
+        <p:style>
+          <a:lnRef idx="2">
+            <a:schemeClr val="accent1">
+              <a:shade val="15000"/>
+            </a:schemeClr>
+          </a:lnRef>
+          <a:fillRef idx="1">
+            <a:schemeClr val="accent1"/>
+          </a:fillRef>
+          <a:effectRef idx="0">
+            <a:schemeClr val="accent1"/>
+          </a:effectRef>
+          <a:fontRef idx="minor">
+            <a:schemeClr val="lt1"/>
+          </a:fontRef>
+        </p:style>
+        <p:txBody>
+          <a:bodyPr rtlCol="0" anchor="ctr"/>
+          <a:lstStyle/>
+          <a:p>
+            <a:pPr algn="ctr"/>
+            <a:endParaRPr lang="en-GB" noProof="0" dirty="0"/>
+          </a:p>
+        </p:txBody>
+      </p:sp>
+      <p:sp>
+        <p:nvSpPr>
+          <p:cNvPr id="13" name="Rectangle 12">
+            <a:extLst>
+              <a:ext uri="{FF2B5EF4-FFF2-40B4-BE49-F238E27FC236}">
+                <a16:creationId xmlns:a16="http://schemas.microsoft.com/office/drawing/2014/main" id="{B39F0292-D992-A670-8F46-535602D574AA}"/>
+              </a:ext>
+            </a:extLst>
+          </p:cNvPr>
+          <p:cNvSpPr/>
+          <p:nvPr/>
+        </p:nvSpPr>
+        <p:spPr>
+          <a:xfrm>
+            <a:off x="711200" y="3598333"/>
+            <a:ext cx="2921000" cy="1398060"/>
+          </a:xfrm>
+          <a:prstGeom prst="rect">
+            <a:avLst/>
+          </a:prstGeom>
+          <a:solidFill>
+            <a:schemeClr val="bg1"/>
+          </a:solidFill>
+          <a:ln>
+            <a:solidFill>
+              <a:schemeClr val="bg1"/>
+            </a:solidFill>
+          </a:ln>
+        </p:spPr>
+        <p:style>
+          <a:lnRef idx="2">
+            <a:schemeClr val="accent1">
+              <a:shade val="15000"/>
+            </a:schemeClr>
+          </a:lnRef>
+          <a:fillRef idx="1">
+            <a:schemeClr val="accent1"/>
+          </a:fillRef>
+          <a:effectRef idx="0">
+            <a:schemeClr val="accent1"/>
+          </a:effectRef>
+          <a:fontRef idx="minor">
+            <a:schemeClr val="lt1"/>
+          </a:fontRef>
+        </p:style>
+        <p:txBody>
+          <a:bodyPr rtlCol="0" anchor="ctr"/>
+          <a:lstStyle/>
+          <a:p>
+            <a:pPr algn="ctr"/>
+            <a:endParaRPr lang="en-GB" noProof="0" dirty="0"/>
+          </a:p>
+        </p:txBody>
+      </p:sp>
+      <p:sp>
+        <p:nvSpPr>
+          <p:cNvPr id="14" name="Rectangle 13">
+            <a:extLst>
+              <a:ext uri="{FF2B5EF4-FFF2-40B4-BE49-F238E27FC236}">
+                <a16:creationId xmlns:a16="http://schemas.microsoft.com/office/drawing/2014/main" id="{EE131102-0FDB-07B2-568F-487BC45D0C46}"/>
+              </a:ext>
+            </a:extLst>
+          </p:cNvPr>
+          <p:cNvSpPr/>
+          <p:nvPr/>
+        </p:nvSpPr>
+        <p:spPr>
+          <a:xfrm>
+            <a:off x="3632199" y="3598333"/>
+            <a:ext cx="1242443" cy="1398060"/>
+          </a:xfrm>
+          <a:prstGeom prst="rect">
+            <a:avLst/>
+          </a:prstGeom>
+          <a:solidFill>
+            <a:schemeClr val="bg1"/>
+          </a:solidFill>
+          <a:ln>
+            <a:solidFill>
+              <a:schemeClr val="bg1"/>
+            </a:solidFill>
+          </a:ln>
+        </p:spPr>
+        <p:style>
+          <a:lnRef idx="2">
+            <a:schemeClr val="accent1">
+              <a:shade val="15000"/>
+            </a:schemeClr>
+          </a:lnRef>
+          <a:fillRef idx="1">
+            <a:schemeClr val="accent1"/>
+          </a:fillRef>
+          <a:effectRef idx="0">
+            <a:schemeClr val="accent1"/>
+          </a:effectRef>
+          <a:fontRef idx="minor">
+            <a:schemeClr val="lt1"/>
+          </a:fontRef>
+        </p:style>
+        <p:txBody>
+          <a:bodyPr rtlCol="0" anchor="ctr"/>
+          <a:lstStyle/>
+          <a:p>
+            <a:pPr algn="ctr"/>
+            <a:endParaRPr lang="en-GB" noProof="0" dirty="0"/>
+          </a:p>
+        </p:txBody>
+      </p:sp>
+      <p:sp>
+        <p:nvSpPr>
+          <p:cNvPr id="15" name="Rectangle 14">
+            <a:extLst>
+              <a:ext uri="{FF2B5EF4-FFF2-40B4-BE49-F238E27FC236}">
+                <a16:creationId xmlns:a16="http://schemas.microsoft.com/office/drawing/2014/main" id="{A6EC400D-174F-8729-203B-9B2F36E77A7D}"/>
+              </a:ext>
+            </a:extLst>
+          </p:cNvPr>
+          <p:cNvSpPr/>
+          <p:nvPr/>
+        </p:nvSpPr>
+        <p:spPr>
+          <a:xfrm>
+            <a:off x="711200" y="4979460"/>
+            <a:ext cx="1964267" cy="1790277"/>
+          </a:xfrm>
+          <a:prstGeom prst="rect">
+            <a:avLst/>
+          </a:prstGeom>
+          <a:solidFill>
+            <a:schemeClr val="bg1"/>
+          </a:solidFill>
+          <a:ln>
+            <a:solidFill>
+              <a:schemeClr val="bg1"/>
+            </a:solidFill>
+          </a:ln>
+        </p:spPr>
+        <p:style>
+          <a:lnRef idx="2">
+            <a:schemeClr val="accent1">
+              <a:shade val="15000"/>
+            </a:schemeClr>
+          </a:lnRef>
+          <a:fillRef idx="1">
+            <a:schemeClr val="accent1"/>
+          </a:fillRef>
+          <a:effectRef idx="0">
+            <a:schemeClr val="accent1"/>
+          </a:effectRef>
+          <a:fontRef idx="minor">
+            <a:schemeClr val="lt1"/>
+          </a:fontRef>
+        </p:style>
+        <p:txBody>
+          <a:bodyPr rtlCol="0" anchor="ctr"/>
+          <a:lstStyle/>
+          <a:p>
+            <a:pPr algn="ctr"/>
+            <a:endParaRPr lang="en-GB" noProof="0" dirty="0"/>
+          </a:p>
+        </p:txBody>
+      </p:sp>
+      <p:sp>
+        <p:nvSpPr>
+          <p:cNvPr id="16" name="Rectangle 15">
+            <a:extLst>
+              <a:ext uri="{FF2B5EF4-FFF2-40B4-BE49-F238E27FC236}">
+                <a16:creationId xmlns:a16="http://schemas.microsoft.com/office/drawing/2014/main" id="{E4AE6425-89AA-E30E-3BDC-BD51BB4DD527}"/>
+              </a:ext>
+            </a:extLst>
+          </p:cNvPr>
+          <p:cNvSpPr/>
+          <p:nvPr/>
+        </p:nvSpPr>
+        <p:spPr>
+          <a:xfrm>
+            <a:off x="2675467" y="4923897"/>
+            <a:ext cx="2526568" cy="1862774"/>
+          </a:xfrm>
+          <a:prstGeom prst="rect">
+            <a:avLst/>
+          </a:prstGeom>
+          <a:solidFill>
+            <a:schemeClr val="bg1"/>
+          </a:solidFill>
+          <a:ln>
+            <a:solidFill>
+              <a:schemeClr val="bg1"/>
+            </a:solidFill>
+          </a:ln>
+        </p:spPr>
+        <p:style>
+          <a:lnRef idx="2">
+            <a:schemeClr val="accent1">
+              <a:shade val="15000"/>
+            </a:schemeClr>
+          </a:lnRef>
+          <a:fillRef idx="1">
+            <a:schemeClr val="accent1"/>
+          </a:fillRef>
+          <a:effectRef idx="0">
+            <a:schemeClr val="accent1"/>
+          </a:effectRef>
+          <a:fontRef idx="minor">
+            <a:schemeClr val="lt1"/>
+          </a:fontRef>
+        </p:style>
+        <p:txBody>
+          <a:bodyPr rtlCol="0" anchor="ctr"/>
+          <a:lstStyle/>
+          <a:p>
+            <a:pPr algn="ctr"/>
+            <a:endParaRPr lang="en-GB" noProof="0" dirty="0"/>
+          </a:p>
+        </p:txBody>
+      </p:sp>
+      <p:pic>
+        <p:nvPicPr>
+          <p:cNvPr id="18" name="Picture 17" descr="A graph of a number of fractions&#10;&#10;AI-generated content may be incorrect.">
+            <a:extLst>
+              <a:ext uri="{FF2B5EF4-FFF2-40B4-BE49-F238E27FC236}">
+                <a16:creationId xmlns:a16="http://schemas.microsoft.com/office/drawing/2014/main" id="{30AEE9BE-E700-106B-9549-4232FF8EE917}"/>
+              </a:ext>
+            </a:extLst>
+          </p:cNvPr>
+          <p:cNvPicPr>
+            <a:picLocks noChangeAspect="1"/>
+          </p:cNvPicPr>
+          <p:nvPr/>
+        </p:nvPicPr>
+        <p:blipFill>
+          <a:blip r:embed="rId3">
+            <a:extLst>
+              <a:ext uri="{28A0092B-C50C-407E-A947-70E740481C1C}">
+                <a14:useLocalDpi xmlns:a14="http://schemas.microsoft.com/office/drawing/2010/main" val="0"/>
+              </a:ext>
+            </a:extLst>
+          </a:blip>
+          <a:srcRect l="1926" t="911" r="557" b="3086"/>
+          <a:stretch/>
+        </p:blipFill>
+        <p:spPr>
+          <a:xfrm>
+            <a:off x="5596467" y="1599095"/>
+            <a:ext cx="6090388" cy="4143470"/>
+          </a:xfrm>
+          <a:prstGeom prst="rect">
+            <a:avLst/>
+          </a:prstGeom>
+        </p:spPr>
+      </p:pic>
+      <p:sp>
+        <p:nvSpPr>
+          <p:cNvPr id="19" name="TextBox 18">
+            <a:extLst>
+              <a:ext uri="{FF2B5EF4-FFF2-40B4-BE49-F238E27FC236}">
+                <a16:creationId xmlns:a16="http://schemas.microsoft.com/office/drawing/2014/main" id="{E166E2DB-F762-2FE8-FD5C-F79BF75C793C}"/>
+              </a:ext>
+            </a:extLst>
+          </p:cNvPr>
+          <p:cNvSpPr txBox="1"/>
+          <p:nvPr/>
+        </p:nvSpPr>
+        <p:spPr>
+          <a:xfrm>
+            <a:off x="4806957" y="5874598"/>
+            <a:ext cx="6879898" cy="430887"/>
+          </a:xfrm>
+          <a:prstGeom prst="rect">
+            <a:avLst/>
+          </a:prstGeom>
+          <a:noFill/>
+        </p:spPr>
+        <p:txBody>
+          <a:bodyPr wrap="square" rtlCol="0">
+            <a:spAutoFit/>
+          </a:bodyPr>
+          <a:lstStyle/>
+          <a:p>
+            <a:pPr algn="l"/>
+            <a:r>
+              <a:rPr lang="en-GB" sz="1100" b="0" i="0" noProof="0" dirty="0">
+                <a:effectLst/>
+                <a:latin typeface="-apple-system"/>
+                <a:hlinkClick r:id="rId4">
+                  <a:extLst>
+                    <a:ext uri="{A12FA001-AC4F-418D-AE19-62706E023703}">
+                      <ahyp:hlinkClr xmlns:ahyp="http://schemas.microsoft.com/office/drawing/2018/hyperlinkcolor" val="tx"/>
+                    </a:ext>
+                  </a:extLst>
+                </a:hlinkClick>
+              </a:rPr>
+              <a:t>Caudron-Herger et al., Identification, quantification and bioinformatic analysis of RNA-dependent proteins by RNase treatment and density gradient ultracentrifugation using R-</a:t>
+            </a:r>
+            <a:r>
+              <a:rPr lang="en-GB" sz="1100" b="0" i="0" noProof="0" dirty="0" err="1">
+                <a:effectLst/>
+                <a:latin typeface="-apple-system"/>
+                <a:hlinkClick r:id="rId4">
+                  <a:extLst>
+                    <a:ext uri="{A12FA001-AC4F-418D-AE19-62706E023703}">
+                      <ahyp:hlinkClr xmlns:ahyp="http://schemas.microsoft.com/office/drawing/2018/hyperlinkcolor" val="tx"/>
+                    </a:ext>
+                  </a:extLst>
+                </a:hlinkClick>
+              </a:rPr>
+              <a:t>DeeP</a:t>
+            </a:r>
+            <a:r>
+              <a:rPr lang="en-GB" sz="1100" b="0" i="0" noProof="0" dirty="0">
+                <a:effectLst/>
+                <a:latin typeface="-apple-system"/>
+                <a:hlinkClick r:id="rId4">
+                  <a:extLst>
+                    <a:ext uri="{A12FA001-AC4F-418D-AE19-62706E023703}">
+                      <ahyp:hlinkClr xmlns:ahyp="http://schemas.microsoft.com/office/drawing/2018/hyperlinkcolor" val="tx"/>
+                    </a:ext>
+                  </a:extLst>
+                </a:hlinkClick>
+              </a:rPr>
+              <a:t>, 2020, Nature Protocols</a:t>
+            </a:r>
+            <a:endParaRPr lang="en-GB" sz="1100" b="0" i="0" noProof="0" dirty="0">
+              <a:effectLst/>
+              <a:latin typeface="-apple-system"/>
+            </a:endParaRPr>
+          </a:p>
+        </p:txBody>
+      </p:sp>
+    </p:spTree>
+    <p:extLst>
+      <p:ext uri="{BB962C8B-B14F-4D97-AF65-F5344CB8AC3E}">
+        <p14:creationId xmlns:p14="http://schemas.microsoft.com/office/powerpoint/2010/main" val="3025138055"/>
+      </p:ext>
+    </p:extLst>
+  </p:cSld>
+  <p:clrMapOvr>
+    <a:masterClrMapping/>
+  </p:clrMapOvr>
+  <p:timing>
+    <p:tnLst>
+      <p:par>
+        <p:cTn id="1" dur="indefinite" restart="never" nodeType="tmRoot">
+          <p:childTnLst>
+            <p:seq concurrent="1" nextAc="seek">
+              <p:cTn id="2" dur="indefinite" nodeType="mainSeq">
+                <p:childTnLst>
+                  <p:par>
+                    <p:cTn id="3" fill="hold">
+                      <p:stCondLst>
+                        <p:cond delay="indefinite"/>
+                      </p:stCondLst>
+                      <p:childTnLst>
+                        <p:par>
+                          <p:cTn id="4" fill="hold">
+                            <p:stCondLst>
+                              <p:cond delay="0"/>
+                            </p:stCondLst>
+                            <p:childTnLst>
+                              <p:par>
+                                <p:cTn id="5" presetID="1" presetClass="entr" presetSubtype="0" fill="hold" nodeType="clickEffect">
+                                  <p:stCondLst>
+                                    <p:cond delay="0"/>
+                                  </p:stCondLst>
+                                  <p:childTnLst>
+                                    <p:set>
+                                      <p:cBhvr>
+                                        <p:cTn id="6" dur="1" fill="hold">
+                                          <p:stCondLst>
+                                            <p:cond delay="0"/>
+                                          </p:stCondLst>
+                                        </p:cTn>
+                                        <p:tgtEl>
+                                          <p:spTgt spid="3"/>
+                                        </p:tgtEl>
+                                        <p:attrNameLst>
+                                          <p:attrName>style.visibility</p:attrName>
+                                        </p:attrNameLst>
+                                      </p:cBhvr>
+                                      <p:to>
+                                        <p:strVal val="visible"/>
+                                      </p:to>
+                                    </p:set>
+                                  </p:childTnLst>
+                                </p:cTn>
+                              </p:par>
+                            </p:childTnLst>
+                          </p:cTn>
+                        </p:par>
+                      </p:childTnLst>
+                    </p:cTn>
+                  </p:par>
+                  <p:par>
+                    <p:cTn id="7" fill="hold">
+                      <p:stCondLst>
+                        <p:cond delay="indefinite"/>
+                      </p:stCondLst>
+                      <p:childTnLst>
+                        <p:par>
+                          <p:cTn id="8" fill="hold">
+                            <p:stCondLst>
+                              <p:cond delay="0"/>
+                            </p:stCondLst>
+                            <p:childTnLst>
+                              <p:par>
+                                <p:cTn id="9" presetID="1" presetClass="exit" presetSubtype="0" fill="hold" grpId="0" nodeType="clickEffect">
+                                  <p:stCondLst>
+                                    <p:cond delay="0"/>
+                                  </p:stCondLst>
+                                  <p:childTnLst>
+                                    <p:set>
+                                      <p:cBhvr>
+                                        <p:cTn id="10" dur="1" fill="hold">
+                                          <p:stCondLst>
+                                            <p:cond delay="0"/>
+                                          </p:stCondLst>
+                                        </p:cTn>
+                                        <p:tgtEl>
+                                          <p:spTgt spid="12"/>
+                                        </p:tgtEl>
+                                        <p:attrNameLst>
+                                          <p:attrName>style.visibility</p:attrName>
+                                        </p:attrNameLst>
+                                      </p:cBhvr>
+                                      <p:to>
+                                        <p:strVal val="hidden"/>
+                                      </p:to>
+                                    </p:set>
+                                  </p:childTnLst>
+                                </p:cTn>
+                              </p:par>
+                            </p:childTnLst>
+                          </p:cTn>
+                        </p:par>
+                      </p:childTnLst>
+                    </p:cTn>
+                  </p:par>
+                  <p:par>
+                    <p:cTn id="11" fill="hold">
+                      <p:stCondLst>
+                        <p:cond delay="indefinite"/>
+                      </p:stCondLst>
+                      <p:childTnLst>
+                        <p:par>
+                          <p:cTn id="12" fill="hold">
+                            <p:stCondLst>
+                              <p:cond delay="0"/>
+                            </p:stCondLst>
+                            <p:childTnLst>
+                              <p:par>
+                                <p:cTn id="13" presetID="1" presetClass="exit" presetSubtype="0" fill="hold" grpId="0" nodeType="clickEffect">
+                                  <p:stCondLst>
+                                    <p:cond delay="0"/>
+                                  </p:stCondLst>
+                                  <p:childTnLst>
+                                    <p:set>
+                                      <p:cBhvr>
+                                        <p:cTn id="14" dur="1" fill="hold">
+                                          <p:stCondLst>
+                                            <p:cond delay="0"/>
+                                          </p:stCondLst>
+                                        </p:cTn>
+                                        <p:tgtEl>
+                                          <p:spTgt spid="13"/>
+                                        </p:tgtEl>
+                                        <p:attrNameLst>
+                                          <p:attrName>style.visibility</p:attrName>
+                                        </p:attrNameLst>
+                                      </p:cBhvr>
+                                      <p:to>
+                                        <p:strVal val="hidden"/>
+                                      </p:to>
+                                    </p:set>
+                                  </p:childTnLst>
+                                </p:cTn>
+                              </p:par>
+                            </p:childTnLst>
+                          </p:cTn>
+                        </p:par>
+                      </p:childTnLst>
+                    </p:cTn>
+                  </p:par>
+                  <p:par>
+                    <p:cTn id="15" fill="hold">
+                      <p:stCondLst>
+                        <p:cond delay="indefinite"/>
+                      </p:stCondLst>
+                      <p:childTnLst>
+                        <p:par>
+                          <p:cTn id="16" fill="hold">
+                            <p:stCondLst>
+                              <p:cond delay="0"/>
+                            </p:stCondLst>
+                            <p:childTnLst>
+                              <p:par>
+                                <p:cTn id="17" presetID="1" presetClass="exit" presetSubtype="0" fill="hold" grpId="0" nodeType="clickEffect">
+                                  <p:stCondLst>
+                                    <p:cond delay="0"/>
+                                  </p:stCondLst>
+                                  <p:childTnLst>
+                                    <p:set>
+                                      <p:cBhvr>
+                                        <p:cTn id="18" dur="1" fill="hold">
+                                          <p:stCondLst>
+                                            <p:cond delay="0"/>
+                                          </p:stCondLst>
+                                        </p:cTn>
+                                        <p:tgtEl>
+                                          <p:spTgt spid="15"/>
+                                        </p:tgtEl>
+                                        <p:attrNameLst>
+                                          <p:attrName>style.visibility</p:attrName>
+                                        </p:attrNameLst>
+                                      </p:cBhvr>
+                                      <p:to>
+                                        <p:strVal val="hidden"/>
+                                      </p:to>
+                                    </p:set>
+                                  </p:childTnLst>
+                                </p:cTn>
+                              </p:par>
+                            </p:childTnLst>
+                          </p:cTn>
+                        </p:par>
+                      </p:childTnLst>
+                    </p:cTn>
+                  </p:par>
+                  <p:par>
+                    <p:cTn id="19" fill="hold">
+                      <p:stCondLst>
+                        <p:cond delay="indefinite"/>
+                      </p:stCondLst>
+                      <p:childTnLst>
+                        <p:par>
+                          <p:cTn id="20" fill="hold">
+                            <p:stCondLst>
+                              <p:cond delay="0"/>
+                            </p:stCondLst>
+                            <p:childTnLst>
+                              <p:par>
+                                <p:cTn id="21" presetID="1" presetClass="exit" presetSubtype="0" fill="hold" grpId="0" nodeType="clickEffect">
+                                  <p:stCondLst>
+                                    <p:cond delay="0"/>
+                                  </p:stCondLst>
+                                  <p:childTnLst>
+                                    <p:set>
+                                      <p:cBhvr>
+                                        <p:cTn id="22" dur="1" fill="hold">
+                                          <p:stCondLst>
+                                            <p:cond delay="0"/>
+                                          </p:stCondLst>
+                                        </p:cTn>
+                                        <p:tgtEl>
+                                          <p:spTgt spid="14"/>
+                                        </p:tgtEl>
+                                        <p:attrNameLst>
+                                          <p:attrName>style.visibility</p:attrName>
+                                        </p:attrNameLst>
+                                      </p:cBhvr>
+                                      <p:to>
+                                        <p:strVal val="hidden"/>
+                                      </p:to>
+                                    </p:set>
+                                  </p:childTnLst>
+                                </p:cTn>
+                              </p:par>
+                            </p:childTnLst>
+                          </p:cTn>
+                        </p:par>
+                      </p:childTnLst>
+                    </p:cTn>
+                  </p:par>
+                  <p:par>
+                    <p:cTn id="23" fill="hold">
+                      <p:stCondLst>
+                        <p:cond delay="indefinite"/>
+                      </p:stCondLst>
+                      <p:childTnLst>
+                        <p:par>
+                          <p:cTn id="24" fill="hold">
+                            <p:stCondLst>
+                              <p:cond delay="0"/>
+                            </p:stCondLst>
+                            <p:childTnLst>
+                              <p:par>
+                                <p:cTn id="25" presetID="1" presetClass="exit" presetSubtype="0" fill="hold" grpId="0" nodeType="clickEffect">
+                                  <p:stCondLst>
+                                    <p:cond delay="0"/>
+                                  </p:stCondLst>
+                                  <p:childTnLst>
+                                    <p:set>
+                                      <p:cBhvr>
+                                        <p:cTn id="26" dur="1" fill="hold">
+                                          <p:stCondLst>
+                                            <p:cond delay="0"/>
+                                          </p:stCondLst>
+                                        </p:cTn>
+                                        <p:tgtEl>
+                                          <p:spTgt spid="16"/>
+                                        </p:tgtEl>
+                                        <p:attrNameLst>
+                                          <p:attrName>style.visibility</p:attrName>
+                                        </p:attrNameLst>
+                                      </p:cBhvr>
+                                      <p:to>
+                                        <p:strVal val="hidden"/>
+                                      </p:to>
+                                    </p:set>
+                                  </p:childTnLst>
+                                </p:cTn>
+                              </p:par>
+                            </p:childTnLst>
+                          </p:cTn>
+                        </p:par>
+                      </p:childTnLst>
+                    </p:cTn>
+                  </p:par>
+                  <p:par>
+                    <p:cTn id="27" fill="hold">
+                      <p:stCondLst>
+                        <p:cond delay="indefinite"/>
+                      </p:stCondLst>
+                      <p:childTnLst>
+                        <p:par>
+                          <p:cTn id="28" fill="hold">
+                            <p:stCondLst>
+                              <p:cond delay="0"/>
+                            </p:stCondLst>
+                            <p:childTnLst>
+                              <p:par>
+                                <p:cTn id="29" presetID="1" presetClass="entr" presetSubtype="0" fill="hold" nodeType="clickEffect">
+                                  <p:stCondLst>
+                                    <p:cond delay="0"/>
+                                  </p:stCondLst>
+                                  <p:childTnLst>
+                                    <p:set>
+                                      <p:cBhvr>
+                                        <p:cTn id="30" dur="1" fill="hold">
+                                          <p:stCondLst>
+                                            <p:cond delay="0"/>
+                                          </p:stCondLst>
+                                        </p:cTn>
+                                        <p:tgtEl>
+                                          <p:spTgt spid="18"/>
+                                        </p:tgtEl>
+                                        <p:attrNameLst>
+                                          <p:attrName>style.visibility</p:attrName>
+                                        </p:attrNameLst>
+                                      </p:cBhvr>
+                                      <p:to>
+                                        <p:strVal val="visible"/>
+                                      </p:to>
+                                    </p:set>
+                                  </p:childTnLst>
+                                </p:cTn>
+                              </p:par>
+                            </p:childTnLst>
+                          </p:cTn>
+                        </p:par>
+                      </p:childTnLst>
+                    </p:cTn>
+                  </p:par>
+                </p:childTnLst>
+              </p:cTn>
+              <p:prevCondLst>
+                <p:cond evt="onPrev" delay="0">
+                  <p:tgtEl>
+                    <p:sldTgt/>
+                  </p:tgtEl>
+                </p:cond>
+              </p:prevCondLst>
+              <p:nextCondLst>
+                <p:cond evt="onNext" delay="0">
+                  <p:tgtEl>
+                    <p:sldTgt/>
+                  </p:tgtEl>
+                </p:cond>
+              </p:nextCondLst>
+            </p:seq>
+          </p:childTnLst>
+        </p:cTn>
+      </p:par>
+    </p:tnLst>
+    <p:bldLst>
+      <p:bldP spid="12" grpId="0" animBg="1"/>
+      <p:bldP spid="13" grpId="0" animBg="1"/>
+      <p:bldP spid="14" grpId="0" animBg="1"/>
+      <p:bldP spid="15" grpId="0" animBg="1"/>
+      <p:bldP spid="16" grpId="0" animBg="1"/>
+    </p:bldLst>
+  </p:timing>
+</p:sld>
+</file>
+
+<file path=ppt/slides/slide4.xml><?xml version="1.0" encoding="utf-8"?>
+<p:sld xmlns:a="http://schemas.openxmlformats.org/drawingml/2006/main" xmlns:r="http://schemas.openxmlformats.org/officeDocument/2006/relationships" xmlns:p="http://schemas.openxmlformats.org/presentationml/2006/main">
+  <p:cSld>
+    <p:spTree>
+      <p:nvGrpSpPr>
+        <p:cNvPr id="1" name=""/>
+        <p:cNvGrpSpPr/>
+        <p:nvPr/>
+      </p:nvGrpSpPr>
+      <p:grpSpPr>
+        <a:xfrm>
+          <a:off x="0" y="0"/>
+          <a:ext cx="0" cy="0"/>
+          <a:chOff x="0" y="0"/>
+          <a:chExt cx="0" cy="0"/>
+        </a:xfrm>
+      </p:grpSpPr>
+      <p:sp>
+        <p:nvSpPr>
+          <p:cNvPr id="2" name="Title 1">
+            <a:extLst>
+              <a:ext uri="{FF2B5EF4-FFF2-40B4-BE49-F238E27FC236}">
+                <a16:creationId xmlns:a16="http://schemas.microsoft.com/office/drawing/2014/main" id="{1C92489D-D876-496E-84EF-78B1EAEBF1DF}"/>
+              </a:ext>
+            </a:extLst>
+          </p:cNvPr>
+          <p:cNvSpPr>
+            <a:spLocks noGrp="1"/>
+          </p:cNvSpPr>
+          <p:nvPr>
+            <p:ph type="title"/>
+          </p:nvPr>
+        </p:nvSpPr>
+        <p:spPr>
+          <a:xfrm>
+            <a:off x="838200" y="2766218"/>
+            <a:ext cx="10515600" cy="1325563"/>
+          </a:xfrm>
+        </p:spPr>
+        <p:txBody>
+          <a:bodyPr/>
+          <a:lstStyle/>
+          <a:p>
+            <a:pPr algn="ctr"/>
+            <a:r>
+              <a:rPr lang="en-GB" noProof="0" dirty="0"/>
+              <a:t>Which proteins in the non-synchronized HeLa cells are RNA-binding proteins?</a:t>
+            </a:r>
+          </a:p>
+        </p:txBody>
+      </p:sp>
+    </p:spTree>
+    <p:extLst>
+      <p:ext uri="{BB962C8B-B14F-4D97-AF65-F5344CB8AC3E}">
+        <p14:creationId xmlns:p14="http://schemas.microsoft.com/office/powerpoint/2010/main" val="2292762979"/>
+      </p:ext>
+    </p:extLst>
+  </p:cSld>
+  <p:clrMapOvr>
+    <a:masterClrMapping/>
+  </p:clrMapOvr>
+</p:sld>
+</file>
+
+<file path=ppt/slides/slide5.xml><?xml version="1.0" encoding="utf-8"?>
+<p:sld xmlns:a="http://schemas.openxmlformats.org/drawingml/2006/main" xmlns:r="http://schemas.openxmlformats.org/officeDocument/2006/relationships" xmlns:p="http://schemas.openxmlformats.org/presentationml/2006/main">
+  <p:cSld>
+    <p:spTree>
+      <p:nvGrpSpPr>
+        <p:cNvPr id="1" name=""/>
+        <p:cNvGrpSpPr/>
+        <p:nvPr/>
+      </p:nvGrpSpPr>
+      <p:grpSpPr>
+        <a:xfrm>
+          <a:off x="0" y="0"/>
+          <a:ext cx="0" cy="0"/>
+          <a:chOff x="0" y="0"/>
+          <a:chExt cx="0" cy="0"/>
+        </a:xfrm>
+      </p:grpSpPr>
+      <p:pic>
+        <p:nvPicPr>
+          <p:cNvPr id="1026" name="Picture 2" descr="Kalender 2024 Vorlagen zum Ausdrucken | Canva">
+            <a:extLst>
+              <a:ext uri="{FF2B5EF4-FFF2-40B4-BE49-F238E27FC236}">
+                <a16:creationId xmlns:a16="http://schemas.microsoft.com/office/drawing/2014/main" id="{5F08DA78-EAD2-DE5A-9D63-99779FF01EFD}"/>
+              </a:ext>
+            </a:extLst>
+          </p:cNvPr>
+          <p:cNvPicPr>
+            <a:picLocks noChangeAspect="1" noChangeArrowheads="1"/>
+          </p:cNvPicPr>
+          <p:nvPr/>
+        </p:nvPicPr>
+        <p:blipFill rotWithShape="1">
+          <a:blip r:embed="rId2">
+            <a:alphaModFix amt="35000"/>
+            <a:extLst>
+              <a:ext uri="{28A0092B-C50C-407E-A947-70E740481C1C}">
+                <a14:useLocalDpi xmlns:a14="http://schemas.microsoft.com/office/drawing/2010/main" val="0"/>
+              </a:ext>
+            </a:extLst>
+          </a:blip>
+          <a:srcRect l="3222" t="17012" r="1666" b="5555"/>
+          <a:stretch/>
+        </p:blipFill>
+        <p:spPr bwMode="auto">
+          <a:xfrm>
+            <a:off x="-1657350" y="-169334"/>
+            <a:ext cx="15715173" cy="7196667"/>
+          </a:xfrm>
+          <a:prstGeom prst="rect">
+            <a:avLst/>
+          </a:prstGeom>
+          <a:noFill/>
+          <a:extLst>
+            <a:ext uri="{909E8E84-426E-40DD-AFC4-6F175D3DCCD1}">
+              <a14:hiddenFill xmlns:a14="http://schemas.microsoft.com/office/drawing/2010/main">
+                <a:solidFill>
+                  <a:srgbClr val="FFFFFF"/>
+                </a:solidFill>
+              </a14:hiddenFill>
+            </a:ext>
+          </a:extLst>
+        </p:spPr>
+      </p:pic>
+      <p:sp>
+        <p:nvSpPr>
+          <p:cNvPr id="2" name="Title 1">
+            <a:extLst>
+              <a:ext uri="{FF2B5EF4-FFF2-40B4-BE49-F238E27FC236}">
+                <a16:creationId xmlns:a16="http://schemas.microsoft.com/office/drawing/2014/main" id="{996A37E2-FFAB-23AC-D6BA-0F8AF3AFDDF5}"/>
+              </a:ext>
+            </a:extLst>
+          </p:cNvPr>
+          <p:cNvSpPr>
+            <a:spLocks noGrp="1"/>
+          </p:cNvSpPr>
+          <p:nvPr>
+            <p:ph type="title"/>
+          </p:nvPr>
+        </p:nvSpPr>
+        <p:spPr>
+          <a:xfrm>
+            <a:off x="838200" y="2766218"/>
+            <a:ext cx="10515600" cy="1325563"/>
+          </a:xfrm>
+        </p:spPr>
+        <p:txBody>
+          <a:bodyPr>
+            <a:normAutofit/>
+          </a:bodyPr>
+          <a:lstStyle/>
+          <a:p>
+            <a:pPr algn="ctr"/>
+            <a:r>
+              <a:rPr lang="en-GB" sz="6600" noProof="0" dirty="0"/>
+              <a:t>Time Table</a:t>
+            </a:r>
+          </a:p>
+        </p:txBody>
+      </p:sp>
+      <p:sp>
+        <p:nvSpPr>
+          <p:cNvPr id="3" name="TextBox 2">
+            <a:extLst>
+              <a:ext uri="{FF2B5EF4-FFF2-40B4-BE49-F238E27FC236}">
+                <a16:creationId xmlns:a16="http://schemas.microsoft.com/office/drawing/2014/main" id="{E1DCE2B2-0CC9-E570-98E7-263F58605922}"/>
+              </a:ext>
+            </a:extLst>
+          </p:cNvPr>
+          <p:cNvSpPr txBox="1"/>
+          <p:nvPr/>
+        </p:nvSpPr>
+        <p:spPr>
+          <a:xfrm>
+            <a:off x="0" y="6472240"/>
+            <a:ext cx="12192000" cy="369332"/>
+          </a:xfrm>
+          <a:prstGeom prst="rect">
+            <a:avLst/>
+          </a:prstGeom>
+          <a:noFill/>
+        </p:spPr>
+        <p:txBody>
+          <a:bodyPr wrap="square" rtlCol="0">
+            <a:spAutoFit/>
+          </a:bodyPr>
+          <a:lstStyle/>
+          <a:p>
+            <a:r>
+              <a:rPr lang="en-GB" sz="900" noProof="0" dirty="0">
+                <a:solidFill>
+                  <a:schemeClr val="bg2">
+                    <a:lumMod val="75000"/>
+                  </a:schemeClr>
+                </a:solidFill>
+              </a:rPr>
+              <a:t>https://www.google.com/url?sa=i&amp;url=https%3A%2F%2Fwww.canva.com%2Fde_de%2Fkalender%2Fvorlagen%2F&amp;psig=AOvVaw155hoQifX2EsWfPgBXsQLG&amp;ust=1747057183090000&amp;source=images&amp;cd=vfe&amp;opi=89978449&amp;ved=0CBQQjRxqFwoTCIiCqKzFm40DFQAAAAAdAAAAABAE</a:t>
+            </a:r>
+          </a:p>
+        </p:txBody>
+      </p:sp>
+    </p:spTree>
+    <p:extLst>
+      <p:ext uri="{BB962C8B-B14F-4D97-AF65-F5344CB8AC3E}">
+        <p14:creationId xmlns:p14="http://schemas.microsoft.com/office/powerpoint/2010/main" val="189858056"/>
+      </p:ext>
+    </p:extLst>
+  </p:cSld>
+  <p:clrMapOvr>
+    <a:masterClrMapping/>
+  </p:clrMapOvr>
+</p:sld>
+</file>
+
+<file path=ppt/slides/slide6.xml><?xml version="1.0" encoding="utf-8"?>
+<p:sld xmlns:a="http://schemas.openxmlformats.org/drawingml/2006/main" xmlns:r="http://schemas.openxmlformats.org/officeDocument/2006/relationships" xmlns:p="http://schemas.openxmlformats.org/presentationml/2006/main">
+  <p:cSld>
+    <p:spTree>
+      <p:nvGrpSpPr>
+        <p:cNvPr id="1" name="">
+          <a:extLst>
+            <a:ext uri="{FF2B5EF4-FFF2-40B4-BE49-F238E27FC236}">
+              <a16:creationId xmlns:a16="http://schemas.microsoft.com/office/drawing/2014/main" id="{F550F828-AC37-5A45-A912-F5288234F507}"/>
+            </a:ext>
+          </a:extLst>
+        </p:cNvPr>
+        <p:cNvGrpSpPr/>
+        <p:nvPr/>
+      </p:nvGrpSpPr>
+      <p:grpSpPr>
+        <a:xfrm>
+          <a:off x="0" y="0"/>
+          <a:ext cx="0" cy="0"/>
+          <a:chOff x="0" y="0"/>
+          <a:chExt cx="0" cy="0"/>
+        </a:xfrm>
+      </p:grpSpPr>
+      <p:sp>
+        <p:nvSpPr>
+          <p:cNvPr id="2" name="Rectangle: Rounded Corners 1">
+            <a:extLst>
+              <a:ext uri="{FF2B5EF4-FFF2-40B4-BE49-F238E27FC236}">
+                <a16:creationId xmlns:a16="http://schemas.microsoft.com/office/drawing/2014/main" id="{EAE943B7-332D-15B8-6DD0-BCC89D98BDE5}"/>
+              </a:ext>
+            </a:extLst>
+          </p:cNvPr>
+          <p:cNvSpPr/>
+          <p:nvPr/>
+        </p:nvSpPr>
+        <p:spPr>
+          <a:xfrm>
+            <a:off x="2445174" y="1651000"/>
+            <a:ext cx="2880360" cy="1666240"/>
+          </a:xfrm>
+          <a:prstGeom prst="roundRect">
+            <a:avLst/>
+          </a:prstGeom>
+          <a:solidFill>
+            <a:schemeClr val="bg1"/>
+          </a:solidFill>
+          <a:ln w="34925">
+            <a:solidFill>
+              <a:schemeClr val="tx1"/>
+            </a:solidFill>
+          </a:ln>
+          <a:effectLst>
+            <a:outerShdw blurRad="317500" dir="2700000" algn="ctr">
+              <a:srgbClr val="000000">
+                <a:alpha val="43000"/>
+              </a:srgbClr>
+            </a:outerShdw>
+          </a:effectLst>
+        </p:spPr>
+        <p:style>
+          <a:lnRef idx="2">
+            <a:schemeClr val="accent1">
+              <a:shade val="15000"/>
+            </a:schemeClr>
+          </a:lnRef>
+          <a:fillRef idx="1">
+            <a:schemeClr val="accent1"/>
+          </a:fillRef>
+          <a:effectRef idx="0">
+            <a:schemeClr val="accent1"/>
+          </a:effectRef>
+          <a:fontRef idx="minor">
+            <a:schemeClr val="lt1"/>
+          </a:fontRef>
+        </p:style>
+        <p:txBody>
+          <a:bodyPr rtlCol="0" anchor="ctr"/>
+          <a:lstStyle/>
+          <a:p>
+            <a:pPr algn="ctr"/>
+            <a:r>
+              <a:rPr lang="en-GB" sz="2400" b="1" i="0" noProof="0" dirty="0">
+                <a:solidFill>
+                  <a:srgbClr val="1F2328"/>
+                </a:solidFill>
+                <a:effectLst/>
+                <a:latin typeface="-apple-system"/>
+              </a:rPr>
+              <a:t>Data </a:t>
+            </a:r>
+            <a:r>
+              <a:rPr lang="en-GB" sz="2400" b="1" noProof="0" dirty="0">
+                <a:solidFill>
+                  <a:srgbClr val="1F2328"/>
+                </a:solidFill>
+                <a:latin typeface="-apple-system"/>
+              </a:rPr>
+              <a:t>cleanup</a:t>
+            </a:r>
+            <a:r>
+              <a:rPr lang="en-GB" sz="2400" b="1" i="0" noProof="0" dirty="0">
+                <a:solidFill>
+                  <a:srgbClr val="1F2328"/>
+                </a:solidFill>
+                <a:effectLst/>
+                <a:latin typeface="-apple-system"/>
+              </a:rPr>
+              <a:t> </a:t>
+            </a:r>
+          </a:p>
+        </p:txBody>
+      </p:sp>
+      <p:sp>
+        <p:nvSpPr>
+          <p:cNvPr id="9" name="TextBox 8">
+            <a:extLst>
+              <a:ext uri="{FF2B5EF4-FFF2-40B4-BE49-F238E27FC236}">
+                <a16:creationId xmlns:a16="http://schemas.microsoft.com/office/drawing/2014/main" id="{76136DA4-F1F9-4219-5F33-F9F8F8547B47}"/>
+              </a:ext>
+            </a:extLst>
+          </p:cNvPr>
+          <p:cNvSpPr txBox="1"/>
+          <p:nvPr/>
+        </p:nvSpPr>
+        <p:spPr>
+          <a:xfrm>
+            <a:off x="2445174" y="3982197"/>
+            <a:ext cx="2880360" cy="2585323"/>
+          </a:xfrm>
+          <a:prstGeom prst="rect">
+            <a:avLst/>
+          </a:prstGeom>
+          <a:noFill/>
+        </p:spPr>
+        <p:txBody>
+          <a:bodyPr wrap="square" rtlCol="0">
+            <a:spAutoFit/>
+          </a:bodyPr>
+          <a:lstStyle/>
+          <a:p>
+            <a:pPr>
+              <a:buFont typeface="Arial" panose="020B0604020202020204" pitchFamily="34" charset="0"/>
+              <a:buChar char="•"/>
+            </a:pPr>
+            <a:r>
+              <a:rPr lang="en-GB" noProof="0" dirty="0">
+                <a:solidFill>
+                  <a:srgbClr val="1F2328"/>
+                </a:solidFill>
+                <a:latin typeface="-apple-system"/>
+              </a:rPr>
+              <a:t> Removing low variance     columns/rows</a:t>
+            </a:r>
+          </a:p>
+          <a:p>
+            <a:pPr>
+              <a:buFont typeface="Arial" panose="020B0604020202020204" pitchFamily="34" charset="0"/>
+              <a:buChar char="•"/>
+            </a:pPr>
+            <a:endParaRPr lang="en-GB" noProof="0" dirty="0">
+              <a:solidFill>
+                <a:srgbClr val="1F2328"/>
+              </a:solidFill>
+              <a:latin typeface="-apple-system"/>
+            </a:endParaRPr>
+          </a:p>
+          <a:p>
+            <a:pPr>
+              <a:buFont typeface="Arial" panose="020B0604020202020204" pitchFamily="34" charset="0"/>
+              <a:buChar char="•"/>
+            </a:pPr>
+            <a:r>
+              <a:rPr lang="en-GB" noProof="0" dirty="0">
+                <a:solidFill>
+                  <a:srgbClr val="1F2328"/>
+                </a:solidFill>
+                <a:latin typeface="-apple-system"/>
+              </a:rPr>
+              <a:t> Removing batch effects</a:t>
+            </a:r>
+          </a:p>
+          <a:p>
+            <a:pPr>
+              <a:buFont typeface="Arial" panose="020B0604020202020204" pitchFamily="34" charset="0"/>
+              <a:buChar char="•"/>
+            </a:pPr>
+            <a:endParaRPr lang="en-GB" noProof="0" dirty="0">
+              <a:solidFill>
+                <a:srgbClr val="1F2328"/>
+              </a:solidFill>
+              <a:latin typeface="-apple-system"/>
+            </a:endParaRPr>
+          </a:p>
+          <a:p>
+            <a:pPr>
+              <a:buFont typeface="Arial" panose="020B0604020202020204" pitchFamily="34" charset="0"/>
+              <a:buChar char="•"/>
+            </a:pPr>
+            <a:r>
+              <a:rPr lang="en-GB" noProof="0" dirty="0">
+                <a:solidFill>
+                  <a:srgbClr val="1F2328"/>
+                </a:solidFill>
+                <a:latin typeface="-apple-system"/>
+              </a:rPr>
+              <a:t> Removing technical outliers</a:t>
+            </a:r>
+          </a:p>
+          <a:p>
+            <a:pPr>
+              <a:buFont typeface="Arial" panose="020B0604020202020204" pitchFamily="34" charset="0"/>
+              <a:buChar char="•"/>
+            </a:pPr>
+            <a:endParaRPr lang="en-GB" noProof="0" dirty="0">
+              <a:solidFill>
+                <a:srgbClr val="1F2328"/>
+              </a:solidFill>
+              <a:latin typeface="-apple-system"/>
+            </a:endParaRPr>
+          </a:p>
+          <a:p>
+            <a:pPr>
+              <a:buFont typeface="Arial" panose="020B0604020202020204" pitchFamily="34" charset="0"/>
+              <a:buChar char="•"/>
+            </a:pPr>
+            <a:r>
+              <a:rPr lang="en-GB" noProof="0" dirty="0">
+                <a:solidFill>
+                  <a:srgbClr val="1F2328"/>
+                </a:solidFill>
+                <a:latin typeface="-apple-system"/>
+              </a:rPr>
+              <a:t> Re-ordering data</a:t>
+            </a:r>
+          </a:p>
+          <a:p>
+            <a:pPr algn="l">
+              <a:buFont typeface="Arial" panose="020B0604020202020204" pitchFamily="34" charset="0"/>
+              <a:buChar char="•"/>
+            </a:pPr>
+            <a:endParaRPr lang="en-GB" noProof="0" dirty="0">
+              <a:solidFill>
+                <a:srgbClr val="1F2328"/>
+              </a:solidFill>
+              <a:latin typeface="-apple-system"/>
+            </a:endParaRPr>
+          </a:p>
+        </p:txBody>
+      </p:sp>
+      <p:sp>
+        <p:nvSpPr>
+          <p:cNvPr id="10" name="TextBox 9">
+            <a:extLst>
+              <a:ext uri="{FF2B5EF4-FFF2-40B4-BE49-F238E27FC236}">
+                <a16:creationId xmlns:a16="http://schemas.microsoft.com/office/drawing/2014/main" id="{D1C53C33-5E9F-048D-5E7F-B0F57CA230C7}"/>
+              </a:ext>
+            </a:extLst>
+          </p:cNvPr>
+          <p:cNvSpPr txBox="1"/>
+          <p:nvPr/>
+        </p:nvSpPr>
+        <p:spPr>
+          <a:xfrm>
+            <a:off x="3167062" y="290480"/>
+            <a:ext cx="5857875" cy="769441"/>
+          </a:xfrm>
+          <a:prstGeom prst="rect">
+            <a:avLst/>
+          </a:prstGeom>
+          <a:noFill/>
+        </p:spPr>
+        <p:txBody>
+          <a:bodyPr wrap="square" rtlCol="0">
+            <a:spAutoFit/>
+          </a:bodyPr>
+          <a:lstStyle/>
+          <a:p>
+            <a:pPr algn="ctr"/>
+            <a:r>
+              <a:rPr lang="en-GB" sz="4400" noProof="0" dirty="0"/>
+              <a:t>1. Week</a:t>
+            </a:r>
+          </a:p>
+        </p:txBody>
+      </p:sp>
+      <p:pic>
+        <p:nvPicPr>
+          <p:cNvPr id="12" name="Picture 11" descr="A table with numbers and letters&#10;&#10;AI-generated content may be incorrect.">
+            <a:extLst>
+              <a:ext uri="{FF2B5EF4-FFF2-40B4-BE49-F238E27FC236}">
+                <a16:creationId xmlns:a16="http://schemas.microsoft.com/office/drawing/2014/main" id="{CA1C5BB0-671D-3DF9-A154-8DD46F38202F}"/>
+              </a:ext>
+            </a:extLst>
+          </p:cNvPr>
+          <p:cNvPicPr>
+            <a:picLocks noChangeAspect="1"/>
+          </p:cNvPicPr>
+          <p:nvPr/>
+        </p:nvPicPr>
+        <p:blipFill>
+          <a:blip r:embed="rId2">
+            <a:extLst>
+              <a:ext uri="{28A0092B-C50C-407E-A947-70E740481C1C}">
+                <a14:useLocalDpi xmlns:a14="http://schemas.microsoft.com/office/drawing/2010/main" val="0"/>
+              </a:ext>
+            </a:extLst>
+          </a:blip>
+          <a:stretch>
+            <a:fillRect/>
+          </a:stretch>
+        </p:blipFill>
+        <p:spPr>
+          <a:xfrm>
+            <a:off x="6095999" y="1532666"/>
+            <a:ext cx="6072706" cy="2954500"/>
+          </a:xfrm>
+          <a:prstGeom prst="rect">
+            <a:avLst/>
+          </a:prstGeom>
+        </p:spPr>
+      </p:pic>
+      <p:sp>
+        <p:nvSpPr>
+          <p:cNvPr id="15" name="Circle: Hollow 14">
+            <a:extLst>
+              <a:ext uri="{FF2B5EF4-FFF2-40B4-BE49-F238E27FC236}">
+                <a16:creationId xmlns:a16="http://schemas.microsoft.com/office/drawing/2014/main" id="{F0F4146A-1EA9-8A06-CAB8-D85E007D0F83}"/>
+              </a:ext>
+            </a:extLst>
+          </p:cNvPr>
+          <p:cNvSpPr/>
+          <p:nvPr/>
+        </p:nvSpPr>
+        <p:spPr>
+          <a:xfrm>
+            <a:off x="9382688" y="2823650"/>
+            <a:ext cx="712893" cy="698484"/>
+          </a:xfrm>
+          <a:prstGeom prst="donut">
+            <a:avLst>
+              <a:gd name="adj" fmla="val 1954"/>
+            </a:avLst>
+          </a:prstGeom>
+          <a:solidFill>
+            <a:srgbClr val="FF0000"/>
+          </a:solidFill>
+          <a:ln>
+            <a:solidFill>
+              <a:srgbClr val="FF0000"/>
+            </a:solidFill>
+          </a:ln>
+        </p:spPr>
+        <p:style>
+          <a:lnRef idx="2">
+            <a:schemeClr val="accent1">
+              <a:shade val="15000"/>
+            </a:schemeClr>
+          </a:lnRef>
+          <a:fillRef idx="1">
+            <a:schemeClr val="accent1"/>
+          </a:fillRef>
+          <a:effectRef idx="0">
+            <a:schemeClr val="accent1"/>
+          </a:effectRef>
+          <a:fontRef idx="minor">
+            <a:schemeClr val="lt1"/>
+          </a:fontRef>
+        </p:style>
+        <p:txBody>
+          <a:bodyPr rtlCol="0" anchor="ctr"/>
+          <a:lstStyle/>
+          <a:p>
+            <a:pPr algn="ctr"/>
+            <a:endParaRPr lang="en-GB" noProof="0" dirty="0">
+              <a:solidFill>
+                <a:schemeClr val="tx1"/>
+              </a:solidFill>
+            </a:endParaRPr>
+          </a:p>
+        </p:txBody>
+      </p:sp>
+      <p:pic>
+        <p:nvPicPr>
+          <p:cNvPr id="14" name="Picture 13" descr="A graph with black dots&#10;&#10;AI-generated content may be incorrect.">
+            <a:extLst>
+              <a:ext uri="{FF2B5EF4-FFF2-40B4-BE49-F238E27FC236}">
+                <a16:creationId xmlns:a16="http://schemas.microsoft.com/office/drawing/2014/main" id="{6EEB7CD8-020B-0D09-414F-9D55973E8AA5}"/>
+              </a:ext>
+            </a:extLst>
+          </p:cNvPr>
+          <p:cNvPicPr>
+            <a:picLocks noChangeAspect="1"/>
+          </p:cNvPicPr>
+          <p:nvPr/>
+        </p:nvPicPr>
+        <p:blipFill>
+          <a:blip r:embed="rId3">
+            <a:extLst>
+              <a:ext uri="{28A0092B-C50C-407E-A947-70E740481C1C}">
+                <a14:useLocalDpi xmlns:a14="http://schemas.microsoft.com/office/drawing/2010/main" val="0"/>
+              </a:ext>
+            </a:extLst>
+          </a:blip>
+          <a:srcRect t="1604"/>
+          <a:stretch/>
+        </p:blipFill>
+        <p:spPr>
+          <a:xfrm>
+            <a:off x="5921670" y="1532666"/>
+            <a:ext cx="6206534" cy="3727112"/>
+          </a:xfrm>
+          <a:prstGeom prst="rect">
+            <a:avLst/>
+          </a:prstGeom>
+        </p:spPr>
+      </p:pic>
+      <p:sp>
+        <p:nvSpPr>
+          <p:cNvPr id="16" name="TextBox 15">
+            <a:extLst>
+              <a:ext uri="{FF2B5EF4-FFF2-40B4-BE49-F238E27FC236}">
+                <a16:creationId xmlns:a16="http://schemas.microsoft.com/office/drawing/2014/main" id="{246E2B49-F04F-2143-6374-5DE723839653}"/>
+              </a:ext>
+            </a:extLst>
+          </p:cNvPr>
+          <p:cNvSpPr txBox="1"/>
+          <p:nvPr/>
+        </p:nvSpPr>
+        <p:spPr>
+          <a:xfrm>
+            <a:off x="6095999" y="5259778"/>
+            <a:ext cx="4572000" cy="246221"/>
+          </a:xfrm>
+          <a:prstGeom prst="rect">
+            <a:avLst/>
+          </a:prstGeom>
+          <a:noFill/>
+        </p:spPr>
+        <p:txBody>
+          <a:bodyPr wrap="square" rtlCol="0">
+            <a:spAutoFit/>
+          </a:bodyPr>
+          <a:lstStyle/>
+          <a:p>
+            <a:r>
+              <a:rPr lang="en-GB" sz="1000" u="sng" noProof="0" dirty="0" err="1"/>
+              <a:t>Bioinfo</a:t>
+            </a:r>
+            <a:r>
+              <a:rPr lang="en-GB" sz="1000" u="sng" noProof="0" dirty="0"/>
+              <a:t>-Slides </a:t>
+            </a:r>
+            <a:r>
+              <a:rPr lang="en-GB" sz="1000" u="sng" noProof="0" dirty="0" err="1"/>
+              <a:t>aus</a:t>
+            </a:r>
+            <a:r>
+              <a:rPr lang="en-GB" sz="1000" u="sng" noProof="0" dirty="0"/>
+              <a:t> </a:t>
+            </a:r>
+            <a:r>
+              <a:rPr lang="en-GB" sz="1000" u="sng" noProof="0" dirty="0" err="1"/>
+              <a:t>dem</a:t>
+            </a:r>
+            <a:r>
+              <a:rPr lang="en-GB" sz="1000" u="sng" noProof="0" dirty="0"/>
+              <a:t> 3. Semester</a:t>
+            </a:r>
+          </a:p>
+        </p:txBody>
+      </p:sp>
+      <p:sp>
+        <p:nvSpPr>
+          <p:cNvPr id="17" name="TextBox 16">
+            <a:extLst>
+              <a:ext uri="{FF2B5EF4-FFF2-40B4-BE49-F238E27FC236}">
+                <a16:creationId xmlns:a16="http://schemas.microsoft.com/office/drawing/2014/main" id="{FBD522B7-9B53-8303-2E5A-DA990EA68968}"/>
+              </a:ext>
+            </a:extLst>
+          </p:cNvPr>
+          <p:cNvSpPr txBox="1"/>
+          <p:nvPr/>
+        </p:nvSpPr>
+        <p:spPr>
+          <a:xfrm>
+            <a:off x="5304366" y="1039493"/>
+            <a:ext cx="1583266" cy="369332"/>
+          </a:xfrm>
+          <a:prstGeom prst="rect">
+            <a:avLst/>
+          </a:prstGeom>
+          <a:noFill/>
+        </p:spPr>
+        <p:txBody>
+          <a:bodyPr wrap="square" rtlCol="0">
+            <a:spAutoFit/>
+          </a:bodyPr>
+          <a:lstStyle/>
+          <a:p>
+            <a:pPr algn="ctr"/>
+            <a:r>
+              <a:rPr lang="de-DE" dirty="0"/>
+              <a:t>19.05.-25.05.</a:t>
+            </a:r>
+          </a:p>
+        </p:txBody>
+      </p:sp>
+    </p:spTree>
+    <p:extLst>
+      <p:ext uri="{BB962C8B-B14F-4D97-AF65-F5344CB8AC3E}">
+        <p14:creationId xmlns:p14="http://schemas.microsoft.com/office/powerpoint/2010/main" val="596613793"/>
+      </p:ext>
+    </p:extLst>
+  </p:cSld>
+  <p:clrMapOvr>
+    <a:masterClrMapping/>
+  </p:clrMapOvr>
+  <p:timing>
+    <p:tnLst>
+      <p:par>
+        <p:cTn id="1" dur="indefinite" restart="never" nodeType="tmRoot">
+          <p:childTnLst>
+            <p:seq concurrent="1" nextAc="seek">
+              <p:cTn id="2" dur="indefinite" nodeType="mainSeq">
+                <p:childTnLst>
+                  <p:par>
+                    <p:cTn id="3" fill="hold">
+                      <p:stCondLst>
+                        <p:cond delay="indefinite"/>
+                      </p:stCondLst>
+                      <p:childTnLst>
+                        <p:par>
+                          <p:cTn id="4" fill="hold">
+                            <p:stCondLst>
+                              <p:cond delay="0"/>
+                            </p:stCondLst>
+                            <p:childTnLst>
+                              <p:par>
+                                <p:cTn id="5" presetID="1" presetClass="entr" presetSubtype="0" fill="hold" grpId="0" nodeType="clickEffect">
+                                  <p:stCondLst>
+                                    <p:cond delay="0"/>
+                                  </p:stCondLst>
+                                  <p:childTnLst>
+                                    <p:set>
+                                      <p:cBhvr>
+                                        <p:cTn id="6" dur="1" fill="hold">
+                                          <p:stCondLst>
+                                            <p:cond delay="0"/>
+                                          </p:stCondLst>
+                                        </p:cTn>
+                                        <p:tgtEl>
+                                          <p:spTgt spid="2"/>
+                                        </p:tgtEl>
+                                        <p:attrNameLst>
+                                          <p:attrName>style.visibility</p:attrName>
+                                        </p:attrNameLst>
+                                      </p:cBhvr>
+                                      <p:to>
+                                        <p:strVal val="visible"/>
+                                      </p:to>
+                                    </p:set>
+                                  </p:childTnLst>
+                                </p:cTn>
+                              </p:par>
+                            </p:childTnLst>
+                          </p:cTn>
+                        </p:par>
+                      </p:childTnLst>
+                    </p:cTn>
+                  </p:par>
+                  <p:par>
+                    <p:cTn id="7" fill="hold">
+                      <p:stCondLst>
+                        <p:cond delay="indefinite"/>
+                      </p:stCondLst>
+                      <p:childTnLst>
+                        <p:par>
+                          <p:cTn id="8" fill="hold">
+                            <p:stCondLst>
+                              <p:cond delay="0"/>
+                            </p:stCondLst>
+                            <p:childTnLst>
+                              <p:par>
+                                <p:cTn id="9" presetID="1" presetClass="entr" presetSubtype="0" fill="hold" grpId="0" nodeType="clickEffect">
+                                  <p:stCondLst>
+                                    <p:cond delay="0"/>
+                                  </p:stCondLst>
+                                  <p:childTnLst>
+                                    <p:set>
+                                      <p:cBhvr>
+                                        <p:cTn id="10" dur="1" fill="hold">
+                                          <p:stCondLst>
+                                            <p:cond delay="0"/>
+                                          </p:stCondLst>
+                                        </p:cTn>
+                                        <p:tgtEl>
+                                          <p:spTgt spid="9">
+                                            <p:txEl>
+                                              <p:pRg st="0" end="0"/>
+                                            </p:txEl>
+                                          </p:spTgt>
+                                        </p:tgtEl>
+                                        <p:attrNameLst>
+                                          <p:attrName>style.visibility</p:attrName>
+                                        </p:attrNameLst>
+                                      </p:cBhvr>
+                                      <p:to>
+                                        <p:strVal val="visible"/>
+                                      </p:to>
+                                    </p:set>
+                                  </p:childTnLst>
+                                </p:cTn>
+                              </p:par>
+                            </p:childTnLst>
+                          </p:cTn>
+                        </p:par>
+                      </p:childTnLst>
+                    </p:cTn>
+                  </p:par>
+                  <p:par>
+                    <p:cTn id="11" fill="hold">
+                      <p:stCondLst>
+                        <p:cond delay="indefinite"/>
+                      </p:stCondLst>
+                      <p:childTnLst>
+                        <p:par>
+                          <p:cTn id="12" fill="hold">
+                            <p:stCondLst>
+                              <p:cond delay="0"/>
+                            </p:stCondLst>
+                            <p:childTnLst>
+                              <p:par>
+                                <p:cTn id="13" presetID="1" presetClass="entr" presetSubtype="0" fill="hold" grpId="0" nodeType="clickEffect">
+                                  <p:stCondLst>
+                                    <p:cond delay="0"/>
+                                  </p:stCondLst>
+                                  <p:childTnLst>
+                                    <p:set>
+                                      <p:cBhvr>
+                                        <p:cTn id="14" dur="1" fill="hold">
+                                          <p:stCondLst>
+                                            <p:cond delay="0"/>
+                                          </p:stCondLst>
+                                        </p:cTn>
+                                        <p:tgtEl>
+                                          <p:spTgt spid="9">
+                                            <p:txEl>
+                                              <p:pRg st="2" end="2"/>
+                                            </p:txEl>
+                                          </p:spTgt>
+                                        </p:tgtEl>
+                                        <p:attrNameLst>
+                                          <p:attrName>style.visibility</p:attrName>
+                                        </p:attrNameLst>
+                                      </p:cBhvr>
+                                      <p:to>
+                                        <p:strVal val="visible"/>
+                                      </p:to>
+                                    </p:set>
+                                  </p:childTnLst>
+                                </p:cTn>
+                              </p:par>
+                            </p:childTnLst>
+                          </p:cTn>
+                        </p:par>
+                      </p:childTnLst>
+                    </p:cTn>
+                  </p:par>
+                  <p:par>
+                    <p:cTn id="15" fill="hold">
+                      <p:stCondLst>
+                        <p:cond delay="indefinite"/>
+                      </p:stCondLst>
+                      <p:childTnLst>
+                        <p:par>
+                          <p:cTn id="16" fill="hold">
+                            <p:stCondLst>
+                              <p:cond delay="0"/>
+                            </p:stCondLst>
+                            <p:childTnLst>
+                              <p:par>
+                                <p:cTn id="17" presetID="1" presetClass="entr" presetSubtype="0" fill="hold" grpId="0" nodeType="clickEffect">
+                                  <p:stCondLst>
+                                    <p:cond delay="0"/>
+                                  </p:stCondLst>
+                                  <p:childTnLst>
+                                    <p:set>
+                                      <p:cBhvr>
+                                        <p:cTn id="18" dur="1" fill="hold">
+                                          <p:stCondLst>
+                                            <p:cond delay="0"/>
+                                          </p:stCondLst>
+                                        </p:cTn>
+                                        <p:tgtEl>
+                                          <p:spTgt spid="9">
+                                            <p:txEl>
+                                              <p:pRg st="4" end="4"/>
+                                            </p:txEl>
+                                          </p:spTgt>
+                                        </p:tgtEl>
+                                        <p:attrNameLst>
+                                          <p:attrName>style.visibility</p:attrName>
+                                        </p:attrNameLst>
+                                      </p:cBhvr>
+                                      <p:to>
+                                        <p:strVal val="visible"/>
+                                      </p:to>
+                                    </p:set>
+                                  </p:childTnLst>
+                                </p:cTn>
+                              </p:par>
+                            </p:childTnLst>
+                          </p:cTn>
+                        </p:par>
+                      </p:childTnLst>
+                    </p:cTn>
+                  </p:par>
+                  <p:par>
+                    <p:cTn id="19" fill="hold">
+                      <p:stCondLst>
+                        <p:cond delay="indefinite"/>
+                      </p:stCondLst>
+                      <p:childTnLst>
+                        <p:par>
+                          <p:cTn id="20" fill="hold">
+                            <p:stCondLst>
+                              <p:cond delay="0"/>
+                            </p:stCondLst>
+                            <p:childTnLst>
+                              <p:par>
+                                <p:cTn id="21" presetID="1" presetClass="entr" presetSubtype="0" fill="hold" grpId="0" nodeType="clickEffect">
+                                  <p:stCondLst>
+                                    <p:cond delay="0"/>
+                                  </p:stCondLst>
+                                  <p:childTnLst>
+                                    <p:set>
+                                      <p:cBhvr>
+                                        <p:cTn id="22" dur="1" fill="hold">
+                                          <p:stCondLst>
+                                            <p:cond delay="0"/>
+                                          </p:stCondLst>
+                                        </p:cTn>
+                                        <p:tgtEl>
+                                          <p:spTgt spid="9">
+                                            <p:txEl>
+                                              <p:pRg st="6" end="6"/>
+                                            </p:txEl>
+                                          </p:spTgt>
+                                        </p:tgtEl>
+                                        <p:attrNameLst>
+                                          <p:attrName>style.visibility</p:attrName>
+                                        </p:attrNameLst>
+                                      </p:cBhvr>
+                                      <p:to>
+                                        <p:strVal val="visible"/>
+                                      </p:to>
+                                    </p:set>
+                                  </p:childTnLst>
+                                </p:cTn>
+                              </p:par>
+                            </p:childTnLst>
+                          </p:cTn>
+                        </p:par>
+                      </p:childTnLst>
+                    </p:cTn>
+                  </p:par>
+                  <p:par>
+                    <p:cTn id="23" fill="hold">
+                      <p:stCondLst>
+                        <p:cond delay="indefinite"/>
+                      </p:stCondLst>
+                      <p:childTnLst>
+                        <p:par>
+                          <p:cTn id="24" fill="hold">
+                            <p:stCondLst>
+                              <p:cond delay="0"/>
+                            </p:stCondLst>
+                            <p:childTnLst>
+                              <p:par>
+                                <p:cTn id="25" presetID="1" presetClass="entr" presetSubtype="0" fill="hold" nodeType="clickEffect">
+                                  <p:stCondLst>
+                                    <p:cond delay="0"/>
+                                  </p:stCondLst>
+                                  <p:childTnLst>
+                                    <p:set>
+                                      <p:cBhvr>
+                                        <p:cTn id="26" dur="1" fill="hold">
+                                          <p:stCondLst>
+                                            <p:cond delay="0"/>
+                                          </p:stCondLst>
+                                        </p:cTn>
+                                        <p:tgtEl>
+                                          <p:spTgt spid="12"/>
+                                        </p:tgtEl>
+                                        <p:attrNameLst>
+                                          <p:attrName>style.visibility</p:attrName>
+                                        </p:attrNameLst>
+                                      </p:cBhvr>
+                                      <p:to>
+                                        <p:strVal val="visible"/>
+                                      </p:to>
+                                    </p:set>
+                                  </p:childTnLst>
+                                </p:cTn>
+                              </p:par>
+                            </p:childTnLst>
+                          </p:cTn>
+                        </p:par>
+                      </p:childTnLst>
+                    </p:cTn>
+                  </p:par>
+                  <p:par>
+                    <p:cTn id="27" fill="hold">
+                      <p:stCondLst>
+                        <p:cond delay="indefinite"/>
+                      </p:stCondLst>
+                      <p:childTnLst>
+                        <p:par>
+                          <p:cTn id="28" fill="hold">
+                            <p:stCondLst>
+                              <p:cond delay="0"/>
+                            </p:stCondLst>
+                            <p:childTnLst>
+                              <p:par>
+                                <p:cTn id="29" presetID="1" presetClass="entr" presetSubtype="0" fill="hold" grpId="0" nodeType="clickEffect">
+                                  <p:stCondLst>
+                                    <p:cond delay="0"/>
+                                  </p:stCondLst>
+                                  <p:childTnLst>
+                                    <p:set>
+                                      <p:cBhvr>
+                                        <p:cTn id="30" dur="1" fill="hold">
+                                          <p:stCondLst>
+                                            <p:cond delay="0"/>
+                                          </p:stCondLst>
+                                        </p:cTn>
+                                        <p:tgtEl>
+                                          <p:spTgt spid="15"/>
+                                        </p:tgtEl>
+                                        <p:attrNameLst>
+                                          <p:attrName>style.visibility</p:attrName>
+                                        </p:attrNameLst>
+                                      </p:cBhvr>
+                                      <p:to>
+                                        <p:strVal val="visible"/>
+                                      </p:to>
+                                    </p:set>
+                                  </p:childTnLst>
+                                </p:cTn>
+                              </p:par>
+                            </p:childTnLst>
+                          </p:cTn>
+                        </p:par>
+                      </p:childTnLst>
+                    </p:cTn>
+                  </p:par>
+                  <p:par>
+                    <p:cTn id="31" fill="hold">
+                      <p:stCondLst>
+                        <p:cond delay="indefinite"/>
+                      </p:stCondLst>
+                      <p:childTnLst>
+                        <p:par>
+                          <p:cTn id="32" fill="hold">
+                            <p:stCondLst>
+                              <p:cond delay="0"/>
+                            </p:stCondLst>
+                            <p:childTnLst>
+                              <p:par>
+                                <p:cTn id="33" presetID="1" presetClass="entr" presetSubtype="0" fill="hold" nodeType="clickEffect">
+                                  <p:stCondLst>
+                                    <p:cond delay="0"/>
+                                  </p:stCondLst>
+                                  <p:childTnLst>
+                                    <p:set>
+                                      <p:cBhvr>
+                                        <p:cTn id="34" dur="1" fill="hold">
+                                          <p:stCondLst>
+                                            <p:cond delay="0"/>
+                                          </p:stCondLst>
+                                        </p:cTn>
+                                        <p:tgtEl>
+                                          <p:spTgt spid="14"/>
+                                        </p:tgtEl>
+                                        <p:attrNameLst>
+                                          <p:attrName>style.visibility</p:attrName>
+                                        </p:attrNameLst>
+                                      </p:cBhvr>
+                                      <p:to>
+                                        <p:strVal val="visible"/>
+                                      </p:to>
+                                    </p:set>
+                                  </p:childTnLst>
+                                </p:cTn>
+                              </p:par>
+                            </p:childTnLst>
+                          </p:cTn>
+                        </p:par>
+                      </p:childTnLst>
+                    </p:cTn>
+                  </p:par>
+                </p:childTnLst>
+              </p:cTn>
+              <p:prevCondLst>
+                <p:cond evt="onPrev" delay="0">
+                  <p:tgtEl>
+                    <p:sldTgt/>
+                  </p:tgtEl>
+                </p:cond>
+              </p:prevCondLst>
+              <p:nextCondLst>
+                <p:cond evt="onNext" delay="0">
+                  <p:tgtEl>
+                    <p:sldTgt/>
+                  </p:tgtEl>
+                </p:cond>
+              </p:nextCondLst>
+            </p:seq>
+          </p:childTnLst>
+        </p:cTn>
+      </p:par>
+    </p:tnLst>
+    <p:bldLst>
+      <p:bldP spid="2" grpId="0" animBg="1"/>
+      <p:bldP spid="9" grpId="0" build="p"/>
+      <p:bldP spid="15" grpId="0" animBg="1"/>
+    </p:bldLst>
+  </p:timing>
+</p:sld>
+</file>
+
+<file path=ppt/slides/slide7.xml><?xml version="1.0" encoding="utf-8"?>
+<p:sld xmlns:a="http://schemas.openxmlformats.org/drawingml/2006/main" xmlns:r="http://schemas.openxmlformats.org/officeDocument/2006/relationships" xmlns:p="http://schemas.openxmlformats.org/presentationml/2006/main">
+  <p:cSld>
+    <p:spTree>
+      <p:nvGrpSpPr>
+        <p:cNvPr id="1" name="">
+          <a:extLst>
+            <a:ext uri="{FF2B5EF4-FFF2-40B4-BE49-F238E27FC236}">
+              <a16:creationId xmlns:a16="http://schemas.microsoft.com/office/drawing/2014/main" id="{B2A0950C-468A-1FB7-BE4E-ED5B26429893}"/>
+            </a:ext>
+          </a:extLst>
+        </p:cNvPr>
+        <p:cNvGrpSpPr/>
+        <p:nvPr/>
+      </p:nvGrpSpPr>
+      <p:grpSpPr>
+        <a:xfrm>
+          <a:off x="0" y="0"/>
+          <a:ext cx="0" cy="0"/>
+          <a:chOff x="0" y="0"/>
+          <a:chExt cx="0" cy="0"/>
+        </a:xfrm>
+      </p:grpSpPr>
+      <p:sp>
+        <p:nvSpPr>
+          <p:cNvPr id="2" name="Rectangle: Rounded Corners 1">
+            <a:extLst>
+              <a:ext uri="{FF2B5EF4-FFF2-40B4-BE49-F238E27FC236}">
+                <a16:creationId xmlns:a16="http://schemas.microsoft.com/office/drawing/2014/main" id="{9CB6C3DF-4F7E-1679-4EFF-613AB3F0EBAF}"/>
+              </a:ext>
+            </a:extLst>
+          </p:cNvPr>
+          <p:cNvSpPr/>
+          <p:nvPr/>
+        </p:nvSpPr>
+        <p:spPr>
+          <a:xfrm>
+            <a:off x="2445174" y="1651000"/>
+            <a:ext cx="2880360" cy="1666240"/>
+          </a:xfrm>
+          <a:prstGeom prst="roundRect">
+            <a:avLst/>
+          </a:prstGeom>
+          <a:solidFill>
+            <a:schemeClr val="bg1"/>
+          </a:solidFill>
+          <a:ln w="34925">
+            <a:solidFill>
+              <a:schemeClr val="tx1"/>
+            </a:solidFill>
+          </a:ln>
+          <a:effectLst>
+            <a:outerShdw blurRad="317500" dir="2700000" algn="ctr">
+              <a:srgbClr val="000000">
+                <a:alpha val="43000"/>
+              </a:srgbClr>
+            </a:outerShdw>
+          </a:effectLst>
+        </p:spPr>
+        <p:style>
+          <a:lnRef idx="2">
+            <a:schemeClr val="accent1">
+              <a:shade val="15000"/>
+            </a:schemeClr>
+          </a:lnRef>
+          <a:fillRef idx="1">
+            <a:schemeClr val="accent1"/>
+          </a:fillRef>
+          <a:effectRef idx="0">
+            <a:schemeClr val="accent1"/>
+          </a:effectRef>
+          <a:fontRef idx="minor">
+            <a:schemeClr val="lt1"/>
+          </a:fontRef>
+        </p:style>
+        <p:txBody>
+          <a:bodyPr rtlCol="0" anchor="ctr"/>
+          <a:lstStyle/>
+          <a:p>
+            <a:pPr algn="ctr"/>
+            <a:r>
+              <a:rPr lang="en-GB" sz="2400" b="1" i="0" noProof="0" dirty="0">
+                <a:solidFill>
+                  <a:srgbClr val="1F2328"/>
+                </a:solidFill>
+                <a:effectLst/>
+                <a:latin typeface="-apple-system"/>
+              </a:rPr>
+              <a:t>Data </a:t>
+            </a:r>
+            <a:r>
+              <a:rPr lang="en-GB" sz="2400" b="1" noProof="0" dirty="0">
+                <a:solidFill>
+                  <a:srgbClr val="1F2328"/>
+                </a:solidFill>
+                <a:latin typeface="-apple-system"/>
+              </a:rPr>
+              <a:t>exploration</a:t>
+            </a:r>
+            <a:r>
+              <a:rPr lang="en-GB" sz="2400" b="1" i="0" noProof="0" dirty="0">
+                <a:solidFill>
+                  <a:srgbClr val="1F2328"/>
+                </a:solidFill>
+                <a:effectLst/>
+                <a:latin typeface="-apple-system"/>
+              </a:rPr>
+              <a:t> </a:t>
+            </a:r>
+          </a:p>
+        </p:txBody>
+      </p:sp>
+      <p:sp>
+        <p:nvSpPr>
+          <p:cNvPr id="9" name="TextBox 8">
+            <a:extLst>
+              <a:ext uri="{FF2B5EF4-FFF2-40B4-BE49-F238E27FC236}">
+                <a16:creationId xmlns:a16="http://schemas.microsoft.com/office/drawing/2014/main" id="{DBF766CB-E004-24D0-2F17-56FE88CFC9D4}"/>
+              </a:ext>
+            </a:extLst>
+          </p:cNvPr>
+          <p:cNvSpPr txBox="1"/>
+          <p:nvPr/>
+        </p:nvSpPr>
+        <p:spPr>
+          <a:xfrm>
+            <a:off x="2445174" y="3982197"/>
+            <a:ext cx="2880360" cy="1477328"/>
+          </a:xfrm>
+          <a:prstGeom prst="rect">
+            <a:avLst/>
+          </a:prstGeom>
+          <a:noFill/>
+        </p:spPr>
+        <p:txBody>
+          <a:bodyPr wrap="square" rtlCol="0">
+            <a:spAutoFit/>
+          </a:bodyPr>
+          <a:lstStyle/>
+          <a:p>
+            <a:pPr>
+              <a:buFont typeface="Arial" panose="020B0604020202020204" pitchFamily="34" charset="0"/>
+              <a:buChar char="•"/>
+            </a:pPr>
+            <a:r>
+              <a:rPr lang="en-GB" noProof="0" dirty="0">
+                <a:solidFill>
+                  <a:srgbClr val="1F2328"/>
+                </a:solidFill>
+                <a:latin typeface="-apple-system"/>
+              </a:rPr>
+              <a:t> data distribution</a:t>
+            </a:r>
+          </a:p>
+          <a:p>
+            <a:endParaRPr lang="en-GB" noProof="0" dirty="0">
+              <a:solidFill>
+                <a:srgbClr val="1F2328"/>
+              </a:solidFill>
+              <a:latin typeface="-apple-system"/>
+            </a:endParaRPr>
+          </a:p>
+          <a:p>
+            <a:pPr>
+              <a:buFont typeface="Arial" panose="020B0604020202020204" pitchFamily="34" charset="0"/>
+              <a:buChar char="•"/>
+            </a:pPr>
+            <a:r>
+              <a:rPr lang="en-GB" noProof="0" dirty="0">
+                <a:solidFill>
+                  <a:srgbClr val="1F2328"/>
+                </a:solidFill>
+                <a:latin typeface="-apple-system"/>
+              </a:rPr>
+              <a:t> t-test</a:t>
+            </a:r>
+          </a:p>
+          <a:p>
+            <a:pPr>
+              <a:buFont typeface="Arial" panose="020B0604020202020204" pitchFamily="34" charset="0"/>
+              <a:buChar char="•"/>
+            </a:pPr>
+            <a:endParaRPr lang="en-GB" noProof="0" dirty="0">
+              <a:solidFill>
+                <a:srgbClr val="1F2328"/>
+              </a:solidFill>
+              <a:latin typeface="-apple-system"/>
+            </a:endParaRPr>
+          </a:p>
+          <a:p>
+            <a:pPr>
+              <a:buFont typeface="Arial" panose="020B0604020202020204" pitchFamily="34" charset="0"/>
+              <a:buChar char="•"/>
+            </a:pPr>
+            <a:r>
+              <a:rPr lang="en-GB" noProof="0" dirty="0">
+                <a:solidFill>
+                  <a:srgbClr val="1F2328"/>
+                </a:solidFill>
+                <a:latin typeface="-apple-system"/>
+              </a:rPr>
+              <a:t> </a:t>
+            </a:r>
+            <a:r>
+              <a:rPr lang="en-GB" noProof="0" dirty="0"/>
+              <a:t>proportion test</a:t>
+            </a:r>
+            <a:endParaRPr lang="en-GB" b="0" i="0" noProof="0" dirty="0">
+              <a:solidFill>
+                <a:srgbClr val="1F2328"/>
+              </a:solidFill>
+              <a:effectLst/>
+              <a:latin typeface="-apple-system"/>
+            </a:endParaRPr>
+          </a:p>
+        </p:txBody>
+      </p:sp>
+      <p:sp>
+        <p:nvSpPr>
+          <p:cNvPr id="3" name="TextBox 2">
+            <a:extLst>
+              <a:ext uri="{FF2B5EF4-FFF2-40B4-BE49-F238E27FC236}">
+                <a16:creationId xmlns:a16="http://schemas.microsoft.com/office/drawing/2014/main" id="{376371ED-5A2F-9E06-1972-862C8BABD8E1}"/>
+              </a:ext>
+            </a:extLst>
+          </p:cNvPr>
+          <p:cNvSpPr txBox="1"/>
+          <p:nvPr/>
+        </p:nvSpPr>
+        <p:spPr>
+          <a:xfrm>
+            <a:off x="3167062" y="290480"/>
+            <a:ext cx="5857875" cy="769441"/>
+          </a:xfrm>
+          <a:prstGeom prst="rect">
+            <a:avLst/>
+          </a:prstGeom>
+          <a:noFill/>
+        </p:spPr>
+        <p:txBody>
+          <a:bodyPr wrap="square" rtlCol="0">
+            <a:spAutoFit/>
+          </a:bodyPr>
+          <a:lstStyle/>
+          <a:p>
+            <a:pPr algn="ctr"/>
+            <a:r>
+              <a:rPr lang="en-GB" sz="4400" noProof="0" dirty="0"/>
+              <a:t>2. Week</a:t>
+            </a:r>
+          </a:p>
+        </p:txBody>
+      </p:sp>
+      <p:pic>
+        <p:nvPicPr>
+          <p:cNvPr id="4" name="Picture 3" descr="A graph of a number of fractions&#10;&#10;AI-generated content may be incorrect.">
+            <a:extLst>
+              <a:ext uri="{FF2B5EF4-FFF2-40B4-BE49-F238E27FC236}">
+                <a16:creationId xmlns:a16="http://schemas.microsoft.com/office/drawing/2014/main" id="{1C2167BF-4344-F634-F9D7-A7CC50667E10}"/>
+              </a:ext>
+            </a:extLst>
+          </p:cNvPr>
+          <p:cNvPicPr>
+            <a:picLocks noChangeAspect="1"/>
+          </p:cNvPicPr>
+          <p:nvPr/>
+        </p:nvPicPr>
+        <p:blipFill>
+          <a:blip r:embed="rId2">
+            <a:extLst>
+              <a:ext uri="{28A0092B-C50C-407E-A947-70E740481C1C}">
+                <a14:useLocalDpi xmlns:a14="http://schemas.microsoft.com/office/drawing/2010/main" val="0"/>
+              </a:ext>
+            </a:extLst>
+          </a:blip>
+          <a:srcRect l="1926" t="911" r="557" b="3086"/>
+          <a:stretch/>
+        </p:blipFill>
+        <p:spPr>
+          <a:xfrm>
+            <a:off x="6017678" y="1651000"/>
+            <a:ext cx="5598060" cy="3808525"/>
+          </a:xfrm>
+          <a:prstGeom prst="rect">
+            <a:avLst/>
+          </a:prstGeom>
+        </p:spPr>
+      </p:pic>
+      <p:pic>
+        <p:nvPicPr>
+          <p:cNvPr id="6" name="Picture 5" descr="A screenshot of a computer&#10;&#10;AI-generated content may be incorrect.">
+            <a:extLst>
+              <a:ext uri="{FF2B5EF4-FFF2-40B4-BE49-F238E27FC236}">
+                <a16:creationId xmlns:a16="http://schemas.microsoft.com/office/drawing/2014/main" id="{C38385E9-76DF-9EEC-4BBA-CA52B6B2AFF8}"/>
+              </a:ext>
+            </a:extLst>
+          </p:cNvPr>
+          <p:cNvPicPr>
+            <a:picLocks noChangeAspect="1"/>
+          </p:cNvPicPr>
+          <p:nvPr/>
+        </p:nvPicPr>
+        <p:blipFill>
+          <a:blip r:embed="rId3">
+            <a:extLst>
+              <a:ext uri="{28A0092B-C50C-407E-A947-70E740481C1C}">
+                <a14:useLocalDpi xmlns:a14="http://schemas.microsoft.com/office/drawing/2010/main" val="0"/>
+              </a:ext>
+            </a:extLst>
+          </a:blip>
+          <a:srcRect b="8917"/>
+          <a:stretch/>
+        </p:blipFill>
+        <p:spPr>
+          <a:xfrm>
+            <a:off x="6017677" y="1407919"/>
+            <a:ext cx="5789455" cy="4256282"/>
+          </a:xfrm>
+          <a:prstGeom prst="rect">
+            <a:avLst/>
+          </a:prstGeom>
+        </p:spPr>
+      </p:pic>
+      <p:pic>
+        <p:nvPicPr>
+          <p:cNvPr id="10" name="Picture 9" descr="A blue screen with black text&#10;&#10;AI-generated content may be incorrect.">
+            <a:extLst>
+              <a:ext uri="{FF2B5EF4-FFF2-40B4-BE49-F238E27FC236}">
+                <a16:creationId xmlns:a16="http://schemas.microsoft.com/office/drawing/2014/main" id="{C6A6EDF5-5A94-3215-64CE-13024C5DEDAD}"/>
+              </a:ext>
+            </a:extLst>
+          </p:cNvPr>
+          <p:cNvPicPr>
+            <a:picLocks noChangeAspect="1"/>
+          </p:cNvPicPr>
+          <p:nvPr/>
+        </p:nvPicPr>
+        <p:blipFill>
+          <a:blip r:embed="rId4">
+            <a:extLst>
+              <a:ext uri="{28A0092B-C50C-407E-A947-70E740481C1C}">
+                <a14:useLocalDpi xmlns:a14="http://schemas.microsoft.com/office/drawing/2010/main" val="0"/>
+              </a:ext>
+            </a:extLst>
+          </a:blip>
+          <a:stretch>
+            <a:fillRect/>
+          </a:stretch>
+        </p:blipFill>
+        <p:spPr>
+          <a:xfrm>
+            <a:off x="6017675" y="1407918"/>
+            <a:ext cx="5789455" cy="4347031"/>
+          </a:xfrm>
+          <a:prstGeom prst="rect">
+            <a:avLst/>
+          </a:prstGeom>
+        </p:spPr>
+      </p:pic>
+      <p:sp>
+        <p:nvSpPr>
+          <p:cNvPr id="11" name="TextBox 10">
+            <a:extLst>
+              <a:ext uri="{FF2B5EF4-FFF2-40B4-BE49-F238E27FC236}">
+                <a16:creationId xmlns:a16="http://schemas.microsoft.com/office/drawing/2014/main" id="{D1391C38-F372-C4F9-4D6F-D27F3BBD9796}"/>
+              </a:ext>
+            </a:extLst>
+          </p:cNvPr>
+          <p:cNvSpPr txBox="1"/>
+          <p:nvPr/>
+        </p:nvSpPr>
+        <p:spPr>
+          <a:xfrm>
+            <a:off x="6095999" y="5907282"/>
+            <a:ext cx="4572000" cy="246221"/>
+          </a:xfrm>
+          <a:prstGeom prst="rect">
+            <a:avLst/>
+          </a:prstGeom>
+          <a:noFill/>
+        </p:spPr>
+        <p:txBody>
+          <a:bodyPr wrap="square" rtlCol="0">
+            <a:spAutoFit/>
+          </a:bodyPr>
+          <a:lstStyle/>
+          <a:p>
+            <a:r>
+              <a:rPr lang="en-GB" sz="1000" u="sng" noProof="0" dirty="0" err="1"/>
+              <a:t>Bioinfo</a:t>
+            </a:r>
+            <a:r>
+              <a:rPr lang="en-GB" sz="1000" u="sng" noProof="0" dirty="0"/>
+              <a:t>-Slides </a:t>
+            </a:r>
+            <a:r>
+              <a:rPr lang="en-GB" sz="1000" u="sng" noProof="0" dirty="0" err="1"/>
+              <a:t>aus</a:t>
+            </a:r>
+            <a:r>
+              <a:rPr lang="en-GB" sz="1000" u="sng" noProof="0" dirty="0"/>
+              <a:t> </a:t>
+            </a:r>
+            <a:r>
+              <a:rPr lang="en-GB" sz="1000" u="sng" noProof="0" dirty="0" err="1"/>
+              <a:t>dem</a:t>
+            </a:r>
+            <a:r>
+              <a:rPr lang="en-GB" sz="1000" u="sng" noProof="0" dirty="0"/>
+              <a:t> 3. Semester</a:t>
+            </a:r>
+          </a:p>
+        </p:txBody>
+      </p:sp>
+      <p:sp>
+        <p:nvSpPr>
+          <p:cNvPr id="12" name="TextBox 11">
+            <a:extLst>
+              <a:ext uri="{FF2B5EF4-FFF2-40B4-BE49-F238E27FC236}">
+                <a16:creationId xmlns:a16="http://schemas.microsoft.com/office/drawing/2014/main" id="{18516BCB-FEFF-C657-2697-D65337814EBC}"/>
+              </a:ext>
+            </a:extLst>
+          </p:cNvPr>
+          <p:cNvSpPr txBox="1"/>
+          <p:nvPr/>
+        </p:nvSpPr>
+        <p:spPr>
+          <a:xfrm>
+            <a:off x="5304366" y="1039493"/>
+            <a:ext cx="1583266" cy="369332"/>
+          </a:xfrm>
+          <a:prstGeom prst="rect">
+            <a:avLst/>
+          </a:prstGeom>
+          <a:noFill/>
+        </p:spPr>
+        <p:txBody>
+          <a:bodyPr wrap="square" rtlCol="0">
+            <a:spAutoFit/>
+          </a:bodyPr>
+          <a:lstStyle/>
+          <a:p>
+            <a:pPr algn="ctr"/>
+            <a:r>
+              <a:rPr lang="de-DE" dirty="0"/>
+              <a:t>26.05.-01.06.</a:t>
+            </a:r>
+          </a:p>
+        </p:txBody>
+      </p:sp>
+    </p:spTree>
+    <p:extLst>
+      <p:ext uri="{BB962C8B-B14F-4D97-AF65-F5344CB8AC3E}">
+        <p14:creationId xmlns:p14="http://schemas.microsoft.com/office/powerpoint/2010/main" val="2246163662"/>
+      </p:ext>
+    </p:extLst>
+  </p:cSld>
+  <p:clrMapOvr>
+    <a:masterClrMapping/>
+  </p:clrMapOvr>
+  <p:timing>
+    <p:tnLst>
+      <p:par>
+        <p:cTn id="1" dur="indefinite" restart="never" nodeType="tmRoot">
+          <p:childTnLst>
+            <p:seq concurrent="1" nextAc="seek">
+              <p:cTn id="2" dur="indefinite" nodeType="mainSeq">
+                <p:childTnLst>
+                  <p:par>
+                    <p:cTn id="3" fill="hold">
+                      <p:stCondLst>
+                        <p:cond delay="indefinite"/>
+                      </p:stCondLst>
+                      <p:childTnLst>
+                        <p:par>
+                          <p:cTn id="4" fill="hold">
+                            <p:stCondLst>
+                              <p:cond delay="0"/>
+                            </p:stCondLst>
+                            <p:childTnLst>
+                              <p:par>
+                                <p:cTn id="5" presetID="1" presetClass="entr" presetSubtype="0" fill="hold" grpId="0" nodeType="clickEffect">
+                                  <p:stCondLst>
+                                    <p:cond delay="0"/>
+                                  </p:stCondLst>
+                                  <p:childTnLst>
+                                    <p:set>
+                                      <p:cBhvr>
+                                        <p:cTn id="6" dur="1" fill="hold">
+                                          <p:stCondLst>
+                                            <p:cond delay="0"/>
+                                          </p:stCondLst>
+                                        </p:cTn>
+                                        <p:tgtEl>
+                                          <p:spTgt spid="2"/>
+                                        </p:tgtEl>
+                                        <p:attrNameLst>
+                                          <p:attrName>style.visibility</p:attrName>
+                                        </p:attrNameLst>
+                                      </p:cBhvr>
+                                      <p:to>
+                                        <p:strVal val="visible"/>
+                                      </p:to>
+                                    </p:set>
+                                  </p:childTnLst>
+                                </p:cTn>
+                              </p:par>
+                            </p:childTnLst>
+                          </p:cTn>
+                        </p:par>
+                      </p:childTnLst>
+                    </p:cTn>
+                  </p:par>
+                  <p:par>
+                    <p:cTn id="7" fill="hold">
+                      <p:stCondLst>
+                        <p:cond delay="indefinite"/>
+                      </p:stCondLst>
+                      <p:childTnLst>
+                        <p:par>
+                          <p:cTn id="8" fill="hold">
+                            <p:stCondLst>
+                              <p:cond delay="0"/>
+                            </p:stCondLst>
+                            <p:childTnLst>
+                              <p:par>
+                                <p:cTn id="9" presetID="1" presetClass="entr" presetSubtype="0" fill="hold" grpId="0" nodeType="clickEffect">
+                                  <p:stCondLst>
+                                    <p:cond delay="0"/>
+                                  </p:stCondLst>
+                                  <p:childTnLst>
+                                    <p:set>
+                                      <p:cBhvr>
+                                        <p:cTn id="10" dur="1" fill="hold">
+                                          <p:stCondLst>
+                                            <p:cond delay="0"/>
+                                          </p:stCondLst>
+                                        </p:cTn>
+                                        <p:tgtEl>
+                                          <p:spTgt spid="9">
+                                            <p:txEl>
+                                              <p:pRg st="0" end="0"/>
+                                            </p:txEl>
+                                          </p:spTgt>
+                                        </p:tgtEl>
+                                        <p:attrNameLst>
+                                          <p:attrName>style.visibility</p:attrName>
+                                        </p:attrNameLst>
+                                      </p:cBhvr>
+                                      <p:to>
+                                        <p:strVal val="visible"/>
+                                      </p:to>
+                                    </p:set>
+                                  </p:childTnLst>
+                                </p:cTn>
+                              </p:par>
+                            </p:childTnLst>
+                          </p:cTn>
+                        </p:par>
+                      </p:childTnLst>
+                    </p:cTn>
+                  </p:par>
+                  <p:par>
+                    <p:cTn id="11" fill="hold">
+                      <p:stCondLst>
+                        <p:cond delay="indefinite"/>
+                      </p:stCondLst>
+                      <p:childTnLst>
+                        <p:par>
+                          <p:cTn id="12" fill="hold">
+                            <p:stCondLst>
+                              <p:cond delay="0"/>
+                            </p:stCondLst>
+                            <p:childTnLst>
+                              <p:par>
+                                <p:cTn id="13" presetID="1" presetClass="entr" presetSubtype="0" fill="hold" grpId="0" nodeType="clickEffect">
+                                  <p:stCondLst>
+                                    <p:cond delay="0"/>
+                                  </p:stCondLst>
+                                  <p:childTnLst>
+                                    <p:set>
+                                      <p:cBhvr>
+                                        <p:cTn id="14" dur="1" fill="hold">
+                                          <p:stCondLst>
+                                            <p:cond delay="0"/>
+                                          </p:stCondLst>
+                                        </p:cTn>
+                                        <p:tgtEl>
+                                          <p:spTgt spid="9">
+                                            <p:txEl>
+                                              <p:pRg st="2" end="2"/>
+                                            </p:txEl>
+                                          </p:spTgt>
+                                        </p:tgtEl>
+                                        <p:attrNameLst>
+                                          <p:attrName>style.visibility</p:attrName>
+                                        </p:attrNameLst>
+                                      </p:cBhvr>
+                                      <p:to>
+                                        <p:strVal val="visible"/>
+                                      </p:to>
+                                    </p:set>
+                                  </p:childTnLst>
+                                </p:cTn>
+                              </p:par>
+                            </p:childTnLst>
+                          </p:cTn>
+                        </p:par>
+                      </p:childTnLst>
+                    </p:cTn>
+                  </p:par>
+                  <p:par>
+                    <p:cTn id="15" fill="hold">
+                      <p:stCondLst>
+                        <p:cond delay="indefinite"/>
+                      </p:stCondLst>
+                      <p:childTnLst>
+                        <p:par>
+                          <p:cTn id="16" fill="hold">
+                            <p:stCondLst>
+                              <p:cond delay="0"/>
+                            </p:stCondLst>
+                            <p:childTnLst>
+                              <p:par>
+                                <p:cTn id="17" presetID="1" presetClass="entr" presetSubtype="0" fill="hold" grpId="0" nodeType="clickEffect">
+                                  <p:stCondLst>
+                                    <p:cond delay="0"/>
+                                  </p:stCondLst>
+                                  <p:childTnLst>
+                                    <p:set>
+                                      <p:cBhvr>
+                                        <p:cTn id="18" dur="1" fill="hold">
+                                          <p:stCondLst>
+                                            <p:cond delay="0"/>
+                                          </p:stCondLst>
+                                        </p:cTn>
+                                        <p:tgtEl>
+                                          <p:spTgt spid="9">
+                                            <p:txEl>
+                                              <p:pRg st="4" end="4"/>
+                                            </p:txEl>
+                                          </p:spTgt>
+                                        </p:tgtEl>
+                                        <p:attrNameLst>
+                                          <p:attrName>style.visibility</p:attrName>
+                                        </p:attrNameLst>
+                                      </p:cBhvr>
+                                      <p:to>
+                                        <p:strVal val="visible"/>
+                                      </p:to>
+                                    </p:set>
+                                  </p:childTnLst>
+                                </p:cTn>
+                              </p:par>
+                            </p:childTnLst>
+                          </p:cTn>
+                        </p:par>
+                      </p:childTnLst>
+                    </p:cTn>
+                  </p:par>
+                  <p:par>
+                    <p:cTn id="19" fill="hold">
+                      <p:stCondLst>
+                        <p:cond delay="indefinite"/>
+                      </p:stCondLst>
+                      <p:childTnLst>
+                        <p:par>
+                          <p:cTn id="20" fill="hold">
+                            <p:stCondLst>
+                              <p:cond delay="0"/>
+                            </p:stCondLst>
+                            <p:childTnLst>
+                              <p:par>
+                                <p:cTn id="21" presetID="1" presetClass="entr" presetSubtype="0" fill="hold" nodeType="clickEffect">
+                                  <p:stCondLst>
+                                    <p:cond delay="0"/>
+                                  </p:stCondLst>
+                                  <p:childTnLst>
+                                    <p:set>
+                                      <p:cBhvr>
+                                        <p:cTn id="22" dur="1" fill="hold">
+                                          <p:stCondLst>
+                                            <p:cond delay="0"/>
+                                          </p:stCondLst>
+                                        </p:cTn>
+                                        <p:tgtEl>
+                                          <p:spTgt spid="4"/>
+                                        </p:tgtEl>
+                                        <p:attrNameLst>
+                                          <p:attrName>style.visibility</p:attrName>
+                                        </p:attrNameLst>
+                                      </p:cBhvr>
+                                      <p:to>
+                                        <p:strVal val="visible"/>
+                                      </p:to>
+                                    </p:set>
+                                  </p:childTnLst>
+                                </p:cTn>
+                              </p:par>
+                            </p:childTnLst>
+                          </p:cTn>
+                        </p:par>
+                      </p:childTnLst>
+                    </p:cTn>
+                  </p:par>
+                  <p:par>
+                    <p:cTn id="23" fill="hold">
+                      <p:stCondLst>
+                        <p:cond delay="indefinite"/>
+                      </p:stCondLst>
+                      <p:childTnLst>
+                        <p:par>
+                          <p:cTn id="24" fill="hold">
+                            <p:stCondLst>
+                              <p:cond delay="0"/>
+                            </p:stCondLst>
+                            <p:childTnLst>
+                              <p:par>
+                                <p:cTn id="25" presetID="1" presetClass="entr" presetSubtype="0" fill="hold" nodeType="clickEffect">
+                                  <p:stCondLst>
+                                    <p:cond delay="0"/>
+                                  </p:stCondLst>
+                                  <p:childTnLst>
+                                    <p:set>
+                                      <p:cBhvr>
+                                        <p:cTn id="26" dur="1" fill="hold">
+                                          <p:stCondLst>
+                                            <p:cond delay="0"/>
+                                          </p:stCondLst>
+                                        </p:cTn>
+                                        <p:tgtEl>
+                                          <p:spTgt spid="6"/>
+                                        </p:tgtEl>
+                                        <p:attrNameLst>
+                                          <p:attrName>style.visibility</p:attrName>
+                                        </p:attrNameLst>
+                                      </p:cBhvr>
+                                      <p:to>
+                                        <p:strVal val="visible"/>
+                                      </p:to>
+                                    </p:set>
+                                  </p:childTnLst>
+                                </p:cTn>
+                              </p:par>
+                            </p:childTnLst>
+                          </p:cTn>
+                        </p:par>
+                      </p:childTnLst>
+                    </p:cTn>
+                  </p:par>
+                  <p:par>
+                    <p:cTn id="27" fill="hold">
+                      <p:stCondLst>
+                        <p:cond delay="indefinite"/>
+                      </p:stCondLst>
+                      <p:childTnLst>
+                        <p:par>
+                          <p:cTn id="28" fill="hold">
+                            <p:stCondLst>
+                              <p:cond delay="0"/>
+                            </p:stCondLst>
+                            <p:childTnLst>
+                              <p:par>
+                                <p:cTn id="29" presetID="1" presetClass="entr" presetSubtype="0" fill="hold" nodeType="clickEffect">
+                                  <p:stCondLst>
+                                    <p:cond delay="0"/>
+                                  </p:stCondLst>
+                                  <p:childTnLst>
+                                    <p:set>
+                                      <p:cBhvr>
+                                        <p:cTn id="30" dur="1" fill="hold">
+                                          <p:stCondLst>
+                                            <p:cond delay="0"/>
+                                          </p:stCondLst>
+                                        </p:cTn>
+                                        <p:tgtEl>
+                                          <p:spTgt spid="10"/>
+                                        </p:tgtEl>
+                                        <p:attrNameLst>
+                                          <p:attrName>style.visibility</p:attrName>
+                                        </p:attrNameLst>
+                                      </p:cBhvr>
+                                      <p:to>
+                                        <p:strVal val="visible"/>
+                                      </p:to>
+                                    </p:set>
+                                  </p:childTnLst>
+                                </p:cTn>
+                              </p:par>
+                            </p:childTnLst>
+                          </p:cTn>
+                        </p:par>
+                      </p:childTnLst>
+                    </p:cTn>
+                  </p:par>
+                </p:childTnLst>
+              </p:cTn>
+              <p:prevCondLst>
+                <p:cond evt="onPrev" delay="0">
+                  <p:tgtEl>
+                    <p:sldTgt/>
+                  </p:tgtEl>
+                </p:cond>
+              </p:prevCondLst>
+              <p:nextCondLst>
+                <p:cond evt="onNext" delay="0">
+                  <p:tgtEl>
+                    <p:sldTgt/>
+                  </p:tgtEl>
+                </p:cond>
+              </p:nextCondLst>
+            </p:seq>
+          </p:childTnLst>
+        </p:cTn>
+      </p:par>
+    </p:tnLst>
+    <p:bldLst>
+      <p:bldP spid="2" grpId="0" animBg="1"/>
+      <p:bldP spid="9" grpId="0" build="p"/>
+    </p:bldLst>
+  </p:timing>
+</p:sld>
+</file>
+
+<file path=ppt/slides/slide8.xml><?xml version="1.0" encoding="utf-8"?>
+<p:sld xmlns:a="http://schemas.openxmlformats.org/drawingml/2006/main" xmlns:r="http://schemas.openxmlformats.org/officeDocument/2006/relationships" xmlns:p="http://schemas.openxmlformats.org/presentationml/2006/main">
+  <p:cSld>
+    <p:spTree>
+      <p:nvGrpSpPr>
+        <p:cNvPr id="1" name="">
+          <a:extLst>
+            <a:ext uri="{FF2B5EF4-FFF2-40B4-BE49-F238E27FC236}">
+              <a16:creationId xmlns:a16="http://schemas.microsoft.com/office/drawing/2014/main" id="{A5123623-6B83-791E-82A5-AEAE78ACCFF9}"/>
+            </a:ext>
+          </a:extLst>
+        </p:cNvPr>
+        <p:cNvGrpSpPr/>
+        <p:nvPr/>
+      </p:nvGrpSpPr>
+      <p:grpSpPr>
+        <a:xfrm>
+          <a:off x="0" y="0"/>
+          <a:ext cx="0" cy="0"/>
+          <a:chOff x="0" y="0"/>
+          <a:chExt cx="0" cy="0"/>
+        </a:xfrm>
+      </p:grpSpPr>
+      <p:sp>
+        <p:nvSpPr>
+          <p:cNvPr id="2" name="Rectangle: Rounded Corners 1">
+            <a:extLst>
+              <a:ext uri="{FF2B5EF4-FFF2-40B4-BE49-F238E27FC236}">
+                <a16:creationId xmlns:a16="http://schemas.microsoft.com/office/drawing/2014/main" id="{C0A07907-8A7B-94B8-832B-F1495A56C62A}"/>
+              </a:ext>
+            </a:extLst>
+          </p:cNvPr>
+          <p:cNvSpPr/>
+          <p:nvPr/>
+        </p:nvSpPr>
+        <p:spPr>
+          <a:xfrm>
+            <a:off x="2445174" y="1651000"/>
+            <a:ext cx="2880360" cy="1666240"/>
+          </a:xfrm>
+          <a:prstGeom prst="roundRect">
+            <a:avLst/>
+          </a:prstGeom>
+          <a:solidFill>
+            <a:schemeClr val="bg1"/>
+          </a:solidFill>
+          <a:ln w="34925">
+            <a:solidFill>
+              <a:schemeClr val="tx1"/>
+            </a:solidFill>
+          </a:ln>
+          <a:effectLst>
+            <a:outerShdw blurRad="317500" dir="2700000" algn="ctr">
+              <a:srgbClr val="000000">
+                <a:alpha val="43000"/>
+              </a:srgbClr>
+            </a:outerShdw>
+          </a:effectLst>
+        </p:spPr>
+        <p:style>
+          <a:lnRef idx="2">
+            <a:schemeClr val="accent1">
+              <a:shade val="15000"/>
+            </a:schemeClr>
+          </a:lnRef>
+          <a:fillRef idx="1">
+            <a:schemeClr val="accent1"/>
+          </a:fillRef>
+          <a:effectRef idx="0">
+            <a:schemeClr val="accent1"/>
+          </a:effectRef>
+          <a:fontRef idx="minor">
+            <a:schemeClr val="lt1"/>
+          </a:fontRef>
+        </p:style>
+        <p:txBody>
+          <a:bodyPr rtlCol="0" anchor="ctr"/>
+          <a:lstStyle/>
+          <a:p>
+            <a:pPr algn="ctr"/>
+            <a:r>
+              <a:rPr lang="en-GB" sz="2400" b="1" i="0" noProof="0" dirty="0">
+                <a:solidFill>
+                  <a:srgbClr val="1F2328"/>
+                </a:solidFill>
+                <a:effectLst/>
+                <a:latin typeface="-apple-system"/>
+              </a:rPr>
+              <a:t>Data </a:t>
+            </a:r>
+            <a:r>
+              <a:rPr lang="en-GB" sz="2400" b="1" noProof="0" dirty="0">
+                <a:solidFill>
+                  <a:srgbClr val="1F2328"/>
+                </a:solidFill>
+                <a:latin typeface="-apple-system"/>
+              </a:rPr>
+              <a:t>reduction</a:t>
+            </a:r>
+            <a:r>
+              <a:rPr lang="en-GB" sz="2400" b="1" i="0" noProof="0" dirty="0">
+                <a:solidFill>
+                  <a:srgbClr val="1F2328"/>
+                </a:solidFill>
+                <a:effectLst/>
+                <a:latin typeface="-apple-system"/>
+              </a:rPr>
+              <a:t> </a:t>
+            </a:r>
+          </a:p>
+        </p:txBody>
+      </p:sp>
+      <p:sp>
+        <p:nvSpPr>
+          <p:cNvPr id="9" name="TextBox 8">
+            <a:extLst>
+              <a:ext uri="{FF2B5EF4-FFF2-40B4-BE49-F238E27FC236}">
+                <a16:creationId xmlns:a16="http://schemas.microsoft.com/office/drawing/2014/main" id="{C6DA3AEC-8478-DDFC-D8D1-A399B33948FD}"/>
+              </a:ext>
+            </a:extLst>
+          </p:cNvPr>
+          <p:cNvSpPr txBox="1"/>
+          <p:nvPr/>
+        </p:nvSpPr>
+        <p:spPr>
+          <a:xfrm>
+            <a:off x="2445174" y="3982197"/>
+            <a:ext cx="2880360" cy="1477328"/>
+          </a:xfrm>
+          <a:prstGeom prst="rect">
+            <a:avLst/>
+          </a:prstGeom>
+          <a:noFill/>
+        </p:spPr>
+        <p:txBody>
+          <a:bodyPr wrap="square" rtlCol="0">
+            <a:spAutoFit/>
+          </a:bodyPr>
+          <a:lstStyle/>
+          <a:p>
+            <a:pPr algn="l">
+              <a:buFont typeface="Arial" panose="020B0604020202020204" pitchFamily="34" charset="0"/>
+              <a:buChar char="•"/>
+            </a:pPr>
+            <a:r>
+              <a:rPr lang="en-GB" b="0" i="0" noProof="0" dirty="0">
+                <a:solidFill>
+                  <a:srgbClr val="1F2328"/>
+                </a:solidFill>
+                <a:effectLst/>
+                <a:latin typeface="-apple-system"/>
+              </a:rPr>
+              <a:t> PCR</a:t>
+            </a:r>
+          </a:p>
+          <a:p>
+            <a:pPr algn="l"/>
+            <a:endParaRPr lang="en-GB" b="0" i="0" noProof="0" dirty="0">
+              <a:solidFill>
+                <a:srgbClr val="1F2328"/>
+              </a:solidFill>
+              <a:effectLst/>
+              <a:latin typeface="-apple-system"/>
+            </a:endParaRPr>
+          </a:p>
+          <a:p>
+            <a:pPr algn="l">
+              <a:buFont typeface="Arial" panose="020B0604020202020204" pitchFamily="34" charset="0"/>
+              <a:buChar char="•"/>
+            </a:pPr>
+            <a:r>
+              <a:rPr lang="en-GB" noProof="0" dirty="0">
+                <a:solidFill>
+                  <a:srgbClr val="1F2328"/>
+                </a:solidFill>
+                <a:latin typeface="-apple-system"/>
+              </a:rPr>
+              <a:t> k-means</a:t>
+            </a:r>
+          </a:p>
+          <a:p>
+            <a:pPr algn="l">
+              <a:buFont typeface="Arial" panose="020B0604020202020204" pitchFamily="34" charset="0"/>
+              <a:buChar char="•"/>
+            </a:pPr>
+            <a:endParaRPr lang="en-GB" noProof="0" dirty="0">
+              <a:solidFill>
+                <a:srgbClr val="1F2328"/>
+              </a:solidFill>
+              <a:latin typeface="-apple-system"/>
+            </a:endParaRPr>
+          </a:p>
+          <a:p>
+            <a:pPr algn="l">
+              <a:buFont typeface="Arial" panose="020B0604020202020204" pitchFamily="34" charset="0"/>
+              <a:buChar char="•"/>
+            </a:pPr>
+            <a:r>
+              <a:rPr lang="en-GB" noProof="0" dirty="0">
+                <a:solidFill>
+                  <a:srgbClr val="1F2328"/>
+                </a:solidFill>
+                <a:latin typeface="-apple-system"/>
+              </a:rPr>
+              <a:t> linear regression analysis</a:t>
+            </a:r>
+          </a:p>
+        </p:txBody>
+      </p:sp>
+      <p:sp>
+        <p:nvSpPr>
+          <p:cNvPr id="3" name="TextBox 2">
+            <a:extLst>
+              <a:ext uri="{FF2B5EF4-FFF2-40B4-BE49-F238E27FC236}">
+                <a16:creationId xmlns:a16="http://schemas.microsoft.com/office/drawing/2014/main" id="{719F5976-1FBB-37CE-9A28-84BB95E34E1F}"/>
+              </a:ext>
+            </a:extLst>
+          </p:cNvPr>
+          <p:cNvSpPr txBox="1"/>
+          <p:nvPr/>
+        </p:nvSpPr>
+        <p:spPr>
+          <a:xfrm>
+            <a:off x="3167062" y="290480"/>
+            <a:ext cx="5857875" cy="769441"/>
+          </a:xfrm>
+          <a:prstGeom prst="rect">
+            <a:avLst/>
+          </a:prstGeom>
+          <a:noFill/>
+        </p:spPr>
+        <p:txBody>
+          <a:bodyPr wrap="square" rtlCol="0">
+            <a:spAutoFit/>
+          </a:bodyPr>
+          <a:lstStyle/>
+          <a:p>
+            <a:pPr algn="ctr"/>
+            <a:r>
+              <a:rPr lang="en-GB" sz="4400" noProof="0" dirty="0"/>
+              <a:t>3./4. Week</a:t>
+            </a:r>
+          </a:p>
+        </p:txBody>
+      </p:sp>
+      <p:pic>
+        <p:nvPicPr>
+          <p:cNvPr id="8" name="Picture 7" descr="A graph with red and blue dots&#10;&#10;AI-generated content may be incorrect.">
+            <a:extLst>
+              <a:ext uri="{FF2B5EF4-FFF2-40B4-BE49-F238E27FC236}">
+                <a16:creationId xmlns:a16="http://schemas.microsoft.com/office/drawing/2014/main" id="{F5E8DA1F-4232-EEFA-2EAD-9958096A0365}"/>
+              </a:ext>
+            </a:extLst>
+          </p:cNvPr>
+          <p:cNvPicPr>
+            <a:picLocks noChangeAspect="1"/>
+          </p:cNvPicPr>
+          <p:nvPr/>
+        </p:nvPicPr>
+        <p:blipFill>
+          <a:blip r:embed="rId2">
+            <a:extLst>
+              <a:ext uri="{28A0092B-C50C-407E-A947-70E740481C1C}">
+                <a14:useLocalDpi xmlns:a14="http://schemas.microsoft.com/office/drawing/2010/main" val="0"/>
+              </a:ext>
+            </a:extLst>
+          </a:blip>
+          <a:stretch>
+            <a:fillRect/>
+          </a:stretch>
+        </p:blipFill>
+        <p:spPr>
+          <a:xfrm>
+            <a:off x="7239001" y="1650999"/>
+            <a:ext cx="4953000" cy="4664477"/>
+          </a:xfrm>
+          <a:prstGeom prst="rect">
+            <a:avLst/>
+          </a:prstGeom>
+        </p:spPr>
+      </p:pic>
+      <p:pic>
+        <p:nvPicPr>
+          <p:cNvPr id="5" name="Picture 4" descr="A graph of a graph&#10;&#10;AI-generated content may be incorrect.">
+            <a:extLst>
+              <a:ext uri="{FF2B5EF4-FFF2-40B4-BE49-F238E27FC236}">
+                <a16:creationId xmlns:a16="http://schemas.microsoft.com/office/drawing/2014/main" id="{8413892F-AFAF-C00D-2048-2DB3A0070D1F}"/>
+              </a:ext>
+            </a:extLst>
+          </p:cNvPr>
+          <p:cNvPicPr>
+            <a:picLocks noChangeAspect="1"/>
+          </p:cNvPicPr>
+          <p:nvPr/>
+        </p:nvPicPr>
+        <p:blipFill>
+          <a:blip r:embed="rId3">
+            <a:extLst>
+              <a:ext uri="{28A0092B-C50C-407E-A947-70E740481C1C}">
+                <a14:useLocalDpi xmlns:a14="http://schemas.microsoft.com/office/drawing/2010/main" val="0"/>
+              </a:ext>
+            </a:extLst>
+          </a:blip>
+          <a:srcRect l="442"/>
+          <a:stretch/>
+        </p:blipFill>
+        <p:spPr>
+          <a:xfrm>
+            <a:off x="6045201" y="1650999"/>
+            <a:ext cx="6062135" cy="4607908"/>
+          </a:xfrm>
+          <a:prstGeom prst="rect">
+            <a:avLst/>
+          </a:prstGeom>
+        </p:spPr>
+      </p:pic>
+      <p:sp>
+        <p:nvSpPr>
+          <p:cNvPr id="12" name="TextBox 11">
+            <a:extLst>
+              <a:ext uri="{FF2B5EF4-FFF2-40B4-BE49-F238E27FC236}">
+                <a16:creationId xmlns:a16="http://schemas.microsoft.com/office/drawing/2014/main" id="{8B8886D3-46DB-A5F2-B828-DF4FBE419632}"/>
+              </a:ext>
+            </a:extLst>
+          </p:cNvPr>
+          <p:cNvSpPr txBox="1"/>
+          <p:nvPr/>
+        </p:nvSpPr>
+        <p:spPr>
+          <a:xfrm>
+            <a:off x="6045201" y="6429020"/>
+            <a:ext cx="4572000" cy="246221"/>
+          </a:xfrm>
+          <a:prstGeom prst="rect">
+            <a:avLst/>
+          </a:prstGeom>
+          <a:noFill/>
+        </p:spPr>
+        <p:txBody>
+          <a:bodyPr wrap="square" rtlCol="0">
+            <a:spAutoFit/>
+          </a:bodyPr>
+          <a:lstStyle/>
+          <a:p>
+            <a:r>
+              <a:rPr lang="en-GB" sz="1000" u="sng" noProof="0" dirty="0" err="1"/>
+              <a:t>Bioinfo</a:t>
+            </a:r>
+            <a:r>
+              <a:rPr lang="en-GB" sz="1000" u="sng" noProof="0" dirty="0"/>
+              <a:t>-Slides </a:t>
+            </a:r>
+            <a:r>
+              <a:rPr lang="en-GB" sz="1000" u="sng" noProof="0" dirty="0" err="1"/>
+              <a:t>aus</a:t>
+            </a:r>
+            <a:r>
+              <a:rPr lang="en-GB" sz="1000" u="sng" noProof="0" dirty="0"/>
+              <a:t> </a:t>
+            </a:r>
+            <a:r>
+              <a:rPr lang="en-GB" sz="1000" u="sng" noProof="0" dirty="0" err="1"/>
+              <a:t>dem</a:t>
+            </a:r>
+            <a:r>
+              <a:rPr lang="en-GB" sz="1000" u="sng" noProof="0" dirty="0"/>
+              <a:t> 3. Semester</a:t>
+            </a:r>
+          </a:p>
+        </p:txBody>
+      </p:sp>
+      <p:sp>
+        <p:nvSpPr>
+          <p:cNvPr id="13" name="TextBox 12">
+            <a:extLst>
+              <a:ext uri="{FF2B5EF4-FFF2-40B4-BE49-F238E27FC236}">
+                <a16:creationId xmlns:a16="http://schemas.microsoft.com/office/drawing/2014/main" id="{35712DFF-DC77-C3A8-95B8-5E727EB42BA2}"/>
+              </a:ext>
+            </a:extLst>
+          </p:cNvPr>
+          <p:cNvSpPr txBox="1"/>
+          <p:nvPr/>
+        </p:nvSpPr>
+        <p:spPr>
+          <a:xfrm>
+            <a:off x="5304366" y="1039493"/>
+            <a:ext cx="1583266" cy="369332"/>
+          </a:xfrm>
+          <a:prstGeom prst="rect">
+            <a:avLst/>
+          </a:prstGeom>
+          <a:noFill/>
+        </p:spPr>
+        <p:txBody>
+          <a:bodyPr wrap="square" rtlCol="0">
+            <a:spAutoFit/>
+          </a:bodyPr>
+          <a:lstStyle/>
+          <a:p>
+            <a:pPr algn="ctr"/>
+            <a:r>
+              <a:rPr lang="de-DE" dirty="0"/>
+              <a:t>02.06.-15.06.</a:t>
+            </a:r>
+          </a:p>
+        </p:txBody>
+      </p:sp>
+    </p:spTree>
+    <p:extLst>
+      <p:ext uri="{BB962C8B-B14F-4D97-AF65-F5344CB8AC3E}">
+        <p14:creationId xmlns:p14="http://schemas.microsoft.com/office/powerpoint/2010/main" val="695571366"/>
+      </p:ext>
+    </p:extLst>
+  </p:cSld>
+  <p:clrMapOvr>
+    <a:masterClrMapping/>
+  </p:clrMapOvr>
+  <p:timing>
+    <p:tnLst>
+      <p:par>
+        <p:cTn id="1" dur="indefinite" restart="never" nodeType="tmRoot">
+          <p:childTnLst>
+            <p:seq concurrent="1" nextAc="seek">
+              <p:cTn id="2" dur="indefinite" nodeType="mainSeq">
+                <p:childTnLst>
+                  <p:par>
+                    <p:cTn id="3" fill="hold">
+                      <p:stCondLst>
+                        <p:cond delay="indefinite"/>
+                      </p:stCondLst>
+                      <p:childTnLst>
+                        <p:par>
+                          <p:cTn id="4" fill="hold">
+                            <p:stCondLst>
+                              <p:cond delay="0"/>
+                            </p:stCondLst>
+                            <p:childTnLst>
+                              <p:par>
+                                <p:cTn id="5" presetID="1" presetClass="entr" presetSubtype="0" fill="hold" grpId="0" nodeType="clickEffect">
+                                  <p:stCondLst>
+                                    <p:cond delay="0"/>
+                                  </p:stCondLst>
+                                  <p:childTnLst>
+                                    <p:set>
+                                      <p:cBhvr>
+                                        <p:cTn id="6" dur="1" fill="hold">
+                                          <p:stCondLst>
+                                            <p:cond delay="0"/>
+                                          </p:stCondLst>
+                                        </p:cTn>
+                                        <p:tgtEl>
+                                          <p:spTgt spid="2"/>
+                                        </p:tgtEl>
+                                        <p:attrNameLst>
+                                          <p:attrName>style.visibility</p:attrName>
+                                        </p:attrNameLst>
+                                      </p:cBhvr>
+                                      <p:to>
+                                        <p:strVal val="visible"/>
+                                      </p:to>
+                                    </p:set>
+                                  </p:childTnLst>
+                                </p:cTn>
+                              </p:par>
+                            </p:childTnLst>
+                          </p:cTn>
+                        </p:par>
+                      </p:childTnLst>
+                    </p:cTn>
+                  </p:par>
+                  <p:par>
+                    <p:cTn id="7" fill="hold">
+                      <p:stCondLst>
+                        <p:cond delay="indefinite"/>
+                      </p:stCondLst>
+                      <p:childTnLst>
+                        <p:par>
+                          <p:cTn id="8" fill="hold">
+                            <p:stCondLst>
+                              <p:cond delay="0"/>
+                            </p:stCondLst>
+                            <p:childTnLst>
+                              <p:par>
+                                <p:cTn id="9" presetID="1" presetClass="entr" presetSubtype="0" fill="hold" grpId="0" nodeType="clickEffect">
+                                  <p:stCondLst>
+                                    <p:cond delay="0"/>
+                                  </p:stCondLst>
+                                  <p:childTnLst>
+                                    <p:set>
+                                      <p:cBhvr>
+                                        <p:cTn id="10" dur="1" fill="hold">
+                                          <p:stCondLst>
+                                            <p:cond delay="0"/>
+                                          </p:stCondLst>
+                                        </p:cTn>
+                                        <p:tgtEl>
+                                          <p:spTgt spid="9">
+                                            <p:txEl>
+                                              <p:pRg st="0" end="0"/>
+                                            </p:txEl>
+                                          </p:spTgt>
+                                        </p:tgtEl>
+                                        <p:attrNameLst>
+                                          <p:attrName>style.visibility</p:attrName>
+                                        </p:attrNameLst>
+                                      </p:cBhvr>
+                                      <p:to>
+                                        <p:strVal val="visible"/>
+                                      </p:to>
+                                    </p:set>
+                                  </p:childTnLst>
+                                </p:cTn>
+                              </p:par>
+                            </p:childTnLst>
+                          </p:cTn>
+                        </p:par>
+                      </p:childTnLst>
+                    </p:cTn>
+                  </p:par>
+                  <p:par>
+                    <p:cTn id="11" fill="hold">
+                      <p:stCondLst>
+                        <p:cond delay="indefinite"/>
+                      </p:stCondLst>
+                      <p:childTnLst>
+                        <p:par>
+                          <p:cTn id="12" fill="hold">
+                            <p:stCondLst>
+                              <p:cond delay="0"/>
+                            </p:stCondLst>
+                            <p:childTnLst>
+                              <p:par>
+                                <p:cTn id="13" presetID="1" presetClass="entr" presetSubtype="0" fill="hold" grpId="0" nodeType="clickEffect">
+                                  <p:stCondLst>
+                                    <p:cond delay="0"/>
+                                  </p:stCondLst>
+                                  <p:childTnLst>
+                                    <p:set>
+                                      <p:cBhvr>
+                                        <p:cTn id="14" dur="1" fill="hold">
+                                          <p:stCondLst>
+                                            <p:cond delay="0"/>
+                                          </p:stCondLst>
+                                        </p:cTn>
+                                        <p:tgtEl>
+                                          <p:spTgt spid="9">
+                                            <p:txEl>
+                                              <p:pRg st="2" end="2"/>
+                                            </p:txEl>
+                                          </p:spTgt>
+                                        </p:tgtEl>
+                                        <p:attrNameLst>
+                                          <p:attrName>style.visibility</p:attrName>
+                                        </p:attrNameLst>
+                                      </p:cBhvr>
+                                      <p:to>
+                                        <p:strVal val="visible"/>
+                                      </p:to>
+                                    </p:set>
+                                  </p:childTnLst>
+                                </p:cTn>
+                              </p:par>
+                            </p:childTnLst>
+                          </p:cTn>
+                        </p:par>
+                      </p:childTnLst>
+                    </p:cTn>
+                  </p:par>
+                  <p:par>
+                    <p:cTn id="15" fill="hold">
+                      <p:stCondLst>
+                        <p:cond delay="indefinite"/>
+                      </p:stCondLst>
+                      <p:childTnLst>
+                        <p:par>
+                          <p:cTn id="16" fill="hold">
+                            <p:stCondLst>
+                              <p:cond delay="0"/>
+                            </p:stCondLst>
+                            <p:childTnLst>
+                              <p:par>
+                                <p:cTn id="17" presetID="1" presetClass="entr" presetSubtype="0" fill="hold" grpId="0" nodeType="clickEffect">
+                                  <p:stCondLst>
+                                    <p:cond delay="0"/>
+                                  </p:stCondLst>
+                                  <p:childTnLst>
+                                    <p:set>
+                                      <p:cBhvr>
+                                        <p:cTn id="18" dur="1" fill="hold">
+                                          <p:stCondLst>
+                                            <p:cond delay="0"/>
+                                          </p:stCondLst>
+                                        </p:cTn>
+                                        <p:tgtEl>
+                                          <p:spTgt spid="9">
+                                            <p:txEl>
+                                              <p:pRg st="4" end="4"/>
+                                            </p:txEl>
+                                          </p:spTgt>
+                                        </p:tgtEl>
+                                        <p:attrNameLst>
+                                          <p:attrName>style.visibility</p:attrName>
+                                        </p:attrNameLst>
+                                      </p:cBhvr>
+                                      <p:to>
+                                        <p:strVal val="visible"/>
+                                      </p:to>
+                                    </p:set>
+                                  </p:childTnLst>
+                                </p:cTn>
+                              </p:par>
+                            </p:childTnLst>
+                          </p:cTn>
+                        </p:par>
+                      </p:childTnLst>
+                    </p:cTn>
+                  </p:par>
+                  <p:par>
+                    <p:cTn id="19" fill="hold">
+                      <p:stCondLst>
+                        <p:cond delay="indefinite"/>
+                      </p:stCondLst>
+                      <p:childTnLst>
+                        <p:par>
+                          <p:cTn id="20" fill="hold">
+                            <p:stCondLst>
+                              <p:cond delay="0"/>
+                            </p:stCondLst>
+                            <p:childTnLst>
+                              <p:par>
+                                <p:cTn id="21" presetID="1" presetClass="entr" presetSubtype="0" fill="hold" nodeType="clickEffect">
+                                  <p:stCondLst>
+                                    <p:cond delay="0"/>
+                                  </p:stCondLst>
+                                  <p:childTnLst>
+                                    <p:set>
+                                      <p:cBhvr>
+                                        <p:cTn id="22" dur="1" fill="hold">
+                                          <p:stCondLst>
+                                            <p:cond delay="0"/>
+                                          </p:stCondLst>
+                                        </p:cTn>
+                                        <p:tgtEl>
+                                          <p:spTgt spid="8"/>
+                                        </p:tgtEl>
+                                        <p:attrNameLst>
+                                          <p:attrName>style.visibility</p:attrName>
+                                        </p:attrNameLst>
+                                      </p:cBhvr>
+                                      <p:to>
+                                        <p:strVal val="visible"/>
+                                      </p:to>
+                                    </p:set>
+                                  </p:childTnLst>
+                                </p:cTn>
+                              </p:par>
+                            </p:childTnLst>
+                          </p:cTn>
+                        </p:par>
+                      </p:childTnLst>
+                    </p:cTn>
+                  </p:par>
+                  <p:par>
+                    <p:cTn id="23" fill="hold">
+                      <p:stCondLst>
+                        <p:cond delay="indefinite"/>
+                      </p:stCondLst>
+                      <p:childTnLst>
+                        <p:par>
+                          <p:cTn id="24" fill="hold">
+                            <p:stCondLst>
+                              <p:cond delay="0"/>
+                            </p:stCondLst>
+                            <p:childTnLst>
+                              <p:par>
+                                <p:cTn id="25" presetID="1" presetClass="entr" presetSubtype="0" fill="hold" nodeType="clickEffect">
+                                  <p:stCondLst>
+                                    <p:cond delay="0"/>
+                                  </p:stCondLst>
+                                  <p:childTnLst>
+                                    <p:set>
+                                      <p:cBhvr>
+                                        <p:cTn id="26" dur="1" fill="hold">
+                                          <p:stCondLst>
+                                            <p:cond delay="0"/>
+                                          </p:stCondLst>
+                                        </p:cTn>
+                                        <p:tgtEl>
+                                          <p:spTgt spid="5"/>
+                                        </p:tgtEl>
+                                        <p:attrNameLst>
+                                          <p:attrName>style.visibility</p:attrName>
+                                        </p:attrNameLst>
+                                      </p:cBhvr>
+                                      <p:to>
+                                        <p:strVal val="visible"/>
+                                      </p:to>
+                                    </p:set>
+                                  </p:childTnLst>
+                                </p:cTn>
+                              </p:par>
+                            </p:childTnLst>
+                          </p:cTn>
+                        </p:par>
+                      </p:childTnLst>
+                    </p:cTn>
+                  </p:par>
+                </p:childTnLst>
+              </p:cTn>
+              <p:prevCondLst>
+                <p:cond evt="onPrev" delay="0">
+                  <p:tgtEl>
+                    <p:sldTgt/>
+                  </p:tgtEl>
+                </p:cond>
+              </p:prevCondLst>
+              <p:nextCondLst>
+                <p:cond evt="onNext" delay="0">
+                  <p:tgtEl>
+                    <p:sldTgt/>
+                  </p:tgtEl>
+                </p:cond>
+              </p:nextCondLst>
+            </p:seq>
+          </p:childTnLst>
+        </p:cTn>
+      </p:par>
+    </p:tnLst>
+    <p:bldLst>
+      <p:bldP spid="2" grpId="0" animBg="1"/>
+      <p:bldP spid="9" grpId="0" build="p"/>
+    </p:bldLst>
+  </p:timing>
+</p:sld>
+</file>
+
+<file path=ppt/slides/slide9.xml><?xml version="1.0" encoding="utf-8"?>
+<p:sld xmlns:a="http://schemas.openxmlformats.org/drawingml/2006/main" xmlns:r="http://schemas.openxmlformats.org/officeDocument/2006/relationships" xmlns:p="http://schemas.openxmlformats.org/presentationml/2006/main">
+  <p:cSld>
+    <p:spTree>
+      <p:nvGrpSpPr>
+        <p:cNvPr id="1" name=""/>
+        <p:cNvGrpSpPr/>
+        <p:nvPr/>
+      </p:nvGrpSpPr>
+      <p:grpSpPr>
+        <a:xfrm>
+          <a:off x="0" y="0"/>
+          <a:ext cx="0" cy="0"/>
+          <a:chOff x="0" y="0"/>
+          <a:chExt cx="0" cy="0"/>
+        </a:xfrm>
+      </p:grpSpPr>
+      <p:pic>
+        <p:nvPicPr>
+          <p:cNvPr id="2" name="Picture 1" descr="A comparison of a graph&#10;&#10;AI-generated content may be incorrect.">
+            <a:extLst>
+              <a:ext uri="{FF2B5EF4-FFF2-40B4-BE49-F238E27FC236}">
+                <a16:creationId xmlns:a16="http://schemas.microsoft.com/office/drawing/2014/main" id="{4A73FD8A-1DFB-7CC1-7CFB-C06F98CBF7F8}"/>
+              </a:ext>
+            </a:extLst>
+          </p:cNvPr>
+          <p:cNvPicPr>
+            <a:picLocks noChangeAspect="1"/>
+          </p:cNvPicPr>
+          <p:nvPr/>
+        </p:nvPicPr>
+        <p:blipFill>
+          <a:blip r:embed="rId2">
+            <a:extLst>
+              <a:ext uri="{28A0092B-C50C-407E-A947-70E740481C1C}">
+                <a14:useLocalDpi xmlns:a14="http://schemas.microsoft.com/office/drawing/2010/main" val="0"/>
+              </a:ext>
+            </a:extLst>
+          </a:blip>
+          <a:srcRect t="5391"/>
+          <a:stretch/>
+        </p:blipFill>
+        <p:spPr>
+          <a:xfrm>
+            <a:off x="860288" y="1253880"/>
+            <a:ext cx="10471424" cy="4350240"/>
+          </a:xfrm>
+          <a:prstGeom prst="rect">
+            <a:avLst/>
+          </a:prstGeom>
+        </p:spPr>
+      </p:pic>
+      <p:sp>
+        <p:nvSpPr>
+          <p:cNvPr id="3" name="TextBox 2">
+            <a:extLst>
+              <a:ext uri="{FF2B5EF4-FFF2-40B4-BE49-F238E27FC236}">
+                <a16:creationId xmlns:a16="http://schemas.microsoft.com/office/drawing/2014/main" id="{6D65A147-8C7A-6117-BA6C-A252DC013A91}"/>
+              </a:ext>
+            </a:extLst>
+          </p:cNvPr>
+          <p:cNvSpPr txBox="1"/>
+          <p:nvPr/>
+        </p:nvSpPr>
+        <p:spPr>
+          <a:xfrm>
+            <a:off x="860288" y="5716978"/>
+            <a:ext cx="4572000" cy="246221"/>
+          </a:xfrm>
+          <a:prstGeom prst="rect">
+            <a:avLst/>
+          </a:prstGeom>
+          <a:noFill/>
+        </p:spPr>
+        <p:txBody>
+          <a:bodyPr wrap="square" rtlCol="0">
+            <a:spAutoFit/>
+          </a:bodyPr>
+          <a:lstStyle/>
+          <a:p>
+            <a:r>
+              <a:rPr lang="en-GB" sz="1000" u="sng" noProof="0" dirty="0" err="1"/>
+              <a:t>Bioinfo</a:t>
+            </a:r>
+            <a:r>
+              <a:rPr lang="en-GB" sz="1000" u="sng" noProof="0" dirty="0"/>
+              <a:t>-Slides </a:t>
+            </a:r>
+            <a:r>
+              <a:rPr lang="en-GB" sz="1000" u="sng" noProof="0" dirty="0" err="1"/>
+              <a:t>aus</a:t>
+            </a:r>
+            <a:r>
+              <a:rPr lang="en-GB" sz="1000" u="sng" noProof="0" dirty="0"/>
+              <a:t> </a:t>
+            </a:r>
+            <a:r>
+              <a:rPr lang="en-GB" sz="1000" u="sng" noProof="0" dirty="0" err="1"/>
+              <a:t>dem</a:t>
+            </a:r>
+            <a:r>
+              <a:rPr lang="en-GB" sz="1000" u="sng" noProof="0" dirty="0"/>
+              <a:t> 3. Semester</a:t>
+            </a:r>
+          </a:p>
+        </p:txBody>
+      </p:sp>
+    </p:spTree>
+    <p:extLst>
+      <p:ext uri="{BB962C8B-B14F-4D97-AF65-F5344CB8AC3E}">
+        <p14:creationId xmlns:p14="http://schemas.microsoft.com/office/powerpoint/2010/main" val="3608344811"/>
       </p:ext>
     </p:extLst>
   </p:cSld>

--- a/Project Proposal Ben.pptx
+++ b/Project Proposal Ben.pptx
@@ -8,14 +8,18 @@
     <p:sldId id="256" r:id="rId2"/>
     <p:sldId id="257" r:id="rId3"/>
     <p:sldId id="258" r:id="rId4"/>
-    <p:sldId id="261" r:id="rId5"/>
-    <p:sldId id="266" r:id="rId6"/>
-    <p:sldId id="263" r:id="rId7"/>
-    <p:sldId id="264" r:id="rId8"/>
-    <p:sldId id="265" r:id="rId9"/>
-    <p:sldId id="267" r:id="rId10"/>
-    <p:sldId id="262" r:id="rId11"/>
-    <p:sldId id="268" r:id="rId12"/>
+    <p:sldId id="269" r:id="rId5"/>
+    <p:sldId id="270" r:id="rId6"/>
+    <p:sldId id="271" r:id="rId7"/>
+    <p:sldId id="260" r:id="rId8"/>
+    <p:sldId id="261" r:id="rId9"/>
+    <p:sldId id="266" r:id="rId10"/>
+    <p:sldId id="263" r:id="rId11"/>
+    <p:sldId id="264" r:id="rId12"/>
+    <p:sldId id="265" r:id="rId13"/>
+    <p:sldId id="267" r:id="rId14"/>
+    <p:sldId id="262" r:id="rId15"/>
+    <p:sldId id="268" r:id="rId16"/>
   </p:sldIdLst>
   <p:sldSz cx="12192000" cy="6858000"/>
   <p:notesSz cx="6858000" cy="9144000"/>
@@ -325,7 +329,7 @@
           <a:p>
             <a:fld id="{76CD8E94-8180-4651-B6B5-5A5ABA3C85A7}" type="slidenum">
               <a:rPr lang="de-DE" smtClean="0"/>
-              <a:t>‹#›</a:t>
+              <a:t>‹Nr.›</a:t>
             </a:fld>
             <a:endParaRPr lang="de-DE"/>
           </a:p>
@@ -525,7 +529,7 @@
           <a:p>
             <a:fld id="{76CD8E94-8180-4651-B6B5-5A5ABA3C85A7}" type="slidenum">
               <a:rPr lang="de-DE" smtClean="0"/>
-              <a:t>‹#›</a:t>
+              <a:t>‹Nr.›</a:t>
             </a:fld>
             <a:endParaRPr lang="de-DE"/>
           </a:p>
@@ -735,7 +739,7 @@
           <a:p>
             <a:fld id="{76CD8E94-8180-4651-B6B5-5A5ABA3C85A7}" type="slidenum">
               <a:rPr lang="de-DE" smtClean="0"/>
-              <a:t>‹#›</a:t>
+              <a:t>‹Nr.›</a:t>
             </a:fld>
             <a:endParaRPr lang="de-DE"/>
           </a:p>
@@ -935,7 +939,7 @@
           <a:p>
             <a:fld id="{76CD8E94-8180-4651-B6B5-5A5ABA3C85A7}" type="slidenum">
               <a:rPr lang="de-DE" smtClean="0"/>
-              <a:t>‹#›</a:t>
+              <a:t>‹Nr.›</a:t>
             </a:fld>
             <a:endParaRPr lang="de-DE"/>
           </a:p>
@@ -1211,7 +1215,7 @@
           <a:p>
             <a:fld id="{76CD8E94-8180-4651-B6B5-5A5ABA3C85A7}" type="slidenum">
               <a:rPr lang="de-DE" smtClean="0"/>
-              <a:t>‹#›</a:t>
+              <a:t>‹Nr.›</a:t>
             </a:fld>
             <a:endParaRPr lang="de-DE"/>
           </a:p>
@@ -1479,7 +1483,7 @@
           <a:p>
             <a:fld id="{76CD8E94-8180-4651-B6B5-5A5ABA3C85A7}" type="slidenum">
               <a:rPr lang="de-DE" smtClean="0"/>
-              <a:t>‹#›</a:t>
+              <a:t>‹Nr.›</a:t>
             </a:fld>
             <a:endParaRPr lang="de-DE"/>
           </a:p>
@@ -1894,7 +1898,7 @@
           <a:p>
             <a:fld id="{76CD8E94-8180-4651-B6B5-5A5ABA3C85A7}" type="slidenum">
               <a:rPr lang="de-DE" smtClean="0"/>
-              <a:t>‹#›</a:t>
+              <a:t>‹Nr.›</a:t>
             </a:fld>
             <a:endParaRPr lang="de-DE"/>
           </a:p>
@@ -2036,7 +2040,7 @@
           <a:p>
             <a:fld id="{76CD8E94-8180-4651-B6B5-5A5ABA3C85A7}" type="slidenum">
               <a:rPr lang="de-DE" smtClean="0"/>
-              <a:t>‹#›</a:t>
+              <a:t>‹Nr.›</a:t>
             </a:fld>
             <a:endParaRPr lang="de-DE"/>
           </a:p>
@@ -2149,7 +2153,7 @@
           <a:p>
             <a:fld id="{76CD8E94-8180-4651-B6B5-5A5ABA3C85A7}" type="slidenum">
               <a:rPr lang="de-DE" smtClean="0"/>
-              <a:t>‹#›</a:t>
+              <a:t>‹Nr.›</a:t>
             </a:fld>
             <a:endParaRPr lang="de-DE"/>
           </a:p>
@@ -2462,7 +2466,7 @@
           <a:p>
             <a:fld id="{76CD8E94-8180-4651-B6B5-5A5ABA3C85A7}" type="slidenum">
               <a:rPr lang="de-DE" smtClean="0"/>
-              <a:t>‹#›</a:t>
+              <a:t>‹Nr.›</a:t>
             </a:fld>
             <a:endParaRPr lang="de-DE"/>
           </a:p>
@@ -2751,7 +2755,7 @@
           <a:p>
             <a:fld id="{76CD8E94-8180-4651-B6B5-5A5ABA3C85A7}" type="slidenum">
               <a:rPr lang="de-DE" smtClean="0"/>
-              <a:t>‹#›</a:t>
+              <a:t>‹Nr.›</a:t>
             </a:fld>
             <a:endParaRPr lang="de-DE"/>
           </a:p>
@@ -3030,7 +3034,7 @@
           <a:p>
             <a:fld id="{76CD8E94-8180-4651-B6B5-5A5ABA3C85A7}" type="slidenum">
               <a:rPr lang="de-DE" smtClean="0"/>
-              <a:t>‹#›</a:t>
+              <a:t>‹Nr.›</a:t>
             </a:fld>
             <a:endParaRPr lang="de-DE"/>
           </a:p>
@@ -3465,6 +3469,2617 @@
 </file>
 
 <file path=ppt/slides/slide10.xml><?xml version="1.0" encoding="utf-8"?>
+<p:sld xmlns:a="http://schemas.openxmlformats.org/drawingml/2006/main" xmlns:r="http://schemas.openxmlformats.org/officeDocument/2006/relationships" xmlns:p="http://schemas.openxmlformats.org/presentationml/2006/main">
+  <p:cSld>
+    <p:spTree>
+      <p:nvGrpSpPr>
+        <p:cNvPr id="1" name="">
+          <a:extLst>
+            <a:ext uri="{FF2B5EF4-FFF2-40B4-BE49-F238E27FC236}">
+              <a16:creationId xmlns:a16="http://schemas.microsoft.com/office/drawing/2014/main" id="{F550F828-AC37-5A45-A912-F5288234F507}"/>
+            </a:ext>
+          </a:extLst>
+        </p:cNvPr>
+        <p:cNvGrpSpPr/>
+        <p:nvPr/>
+      </p:nvGrpSpPr>
+      <p:grpSpPr>
+        <a:xfrm>
+          <a:off x="0" y="0"/>
+          <a:ext cx="0" cy="0"/>
+          <a:chOff x="0" y="0"/>
+          <a:chExt cx="0" cy="0"/>
+        </a:xfrm>
+      </p:grpSpPr>
+      <p:sp>
+        <p:nvSpPr>
+          <p:cNvPr id="2" name="Rectangle: Rounded Corners 1">
+            <a:extLst>
+              <a:ext uri="{FF2B5EF4-FFF2-40B4-BE49-F238E27FC236}">
+                <a16:creationId xmlns:a16="http://schemas.microsoft.com/office/drawing/2014/main" id="{EAE943B7-332D-15B8-6DD0-BCC89D98BDE5}"/>
+              </a:ext>
+            </a:extLst>
+          </p:cNvPr>
+          <p:cNvSpPr/>
+          <p:nvPr/>
+        </p:nvSpPr>
+        <p:spPr>
+          <a:xfrm>
+            <a:off x="2445174" y="1651000"/>
+            <a:ext cx="2880360" cy="1666240"/>
+          </a:xfrm>
+          <a:prstGeom prst="roundRect">
+            <a:avLst/>
+          </a:prstGeom>
+          <a:solidFill>
+            <a:schemeClr val="bg1"/>
+          </a:solidFill>
+          <a:ln w="34925">
+            <a:solidFill>
+              <a:schemeClr val="tx1"/>
+            </a:solidFill>
+          </a:ln>
+          <a:effectLst>
+            <a:outerShdw blurRad="317500" dir="2700000" algn="ctr">
+              <a:srgbClr val="000000">
+                <a:alpha val="43000"/>
+              </a:srgbClr>
+            </a:outerShdw>
+          </a:effectLst>
+        </p:spPr>
+        <p:style>
+          <a:lnRef idx="2">
+            <a:schemeClr val="accent1">
+              <a:shade val="15000"/>
+            </a:schemeClr>
+          </a:lnRef>
+          <a:fillRef idx="1">
+            <a:schemeClr val="accent1"/>
+          </a:fillRef>
+          <a:effectRef idx="0">
+            <a:schemeClr val="accent1"/>
+          </a:effectRef>
+          <a:fontRef idx="minor">
+            <a:schemeClr val="lt1"/>
+          </a:fontRef>
+        </p:style>
+        <p:txBody>
+          <a:bodyPr rtlCol="0" anchor="ctr"/>
+          <a:lstStyle/>
+          <a:p>
+            <a:pPr algn="ctr"/>
+            <a:r>
+              <a:rPr lang="en-GB" sz="2400" b="1" i="0" noProof="0" dirty="0">
+                <a:solidFill>
+                  <a:srgbClr val="1F2328"/>
+                </a:solidFill>
+                <a:effectLst/>
+                <a:latin typeface="-apple-system"/>
+              </a:rPr>
+              <a:t>Data </a:t>
+            </a:r>
+            <a:r>
+              <a:rPr lang="en-GB" sz="2400" b="1" noProof="0" dirty="0">
+                <a:solidFill>
+                  <a:srgbClr val="1F2328"/>
+                </a:solidFill>
+                <a:latin typeface="-apple-system"/>
+              </a:rPr>
+              <a:t>cleanup</a:t>
+            </a:r>
+            <a:r>
+              <a:rPr lang="en-GB" sz="2400" b="1" i="0" noProof="0" dirty="0">
+                <a:solidFill>
+                  <a:srgbClr val="1F2328"/>
+                </a:solidFill>
+                <a:effectLst/>
+                <a:latin typeface="-apple-system"/>
+              </a:rPr>
+              <a:t> </a:t>
+            </a:r>
+          </a:p>
+        </p:txBody>
+      </p:sp>
+      <p:sp>
+        <p:nvSpPr>
+          <p:cNvPr id="9" name="TextBox 8">
+            <a:extLst>
+              <a:ext uri="{FF2B5EF4-FFF2-40B4-BE49-F238E27FC236}">
+                <a16:creationId xmlns:a16="http://schemas.microsoft.com/office/drawing/2014/main" id="{76136DA4-F1F9-4219-5F33-F9F8F8547B47}"/>
+              </a:ext>
+            </a:extLst>
+          </p:cNvPr>
+          <p:cNvSpPr txBox="1"/>
+          <p:nvPr/>
+        </p:nvSpPr>
+        <p:spPr>
+          <a:xfrm>
+            <a:off x="2445174" y="3982197"/>
+            <a:ext cx="2880360" cy="2585323"/>
+          </a:xfrm>
+          <a:prstGeom prst="rect">
+            <a:avLst/>
+          </a:prstGeom>
+          <a:noFill/>
+        </p:spPr>
+        <p:txBody>
+          <a:bodyPr wrap="square" rtlCol="0">
+            <a:spAutoFit/>
+          </a:bodyPr>
+          <a:lstStyle/>
+          <a:p>
+            <a:pPr>
+              <a:buFont typeface="Arial" panose="020B0604020202020204" pitchFamily="34" charset="0"/>
+              <a:buChar char="•"/>
+            </a:pPr>
+            <a:r>
+              <a:rPr lang="en-GB" noProof="0" dirty="0">
+                <a:solidFill>
+                  <a:srgbClr val="1F2328"/>
+                </a:solidFill>
+                <a:latin typeface="-apple-system"/>
+              </a:rPr>
+              <a:t> Removing low variance     columns/rows</a:t>
+            </a:r>
+          </a:p>
+          <a:p>
+            <a:pPr>
+              <a:buFont typeface="Arial" panose="020B0604020202020204" pitchFamily="34" charset="0"/>
+              <a:buChar char="•"/>
+            </a:pPr>
+            <a:endParaRPr lang="en-GB" noProof="0" dirty="0">
+              <a:solidFill>
+                <a:srgbClr val="1F2328"/>
+              </a:solidFill>
+              <a:latin typeface="-apple-system"/>
+            </a:endParaRPr>
+          </a:p>
+          <a:p>
+            <a:pPr>
+              <a:buFont typeface="Arial" panose="020B0604020202020204" pitchFamily="34" charset="0"/>
+              <a:buChar char="•"/>
+            </a:pPr>
+            <a:r>
+              <a:rPr lang="en-GB" noProof="0" dirty="0">
+                <a:solidFill>
+                  <a:srgbClr val="1F2328"/>
+                </a:solidFill>
+                <a:latin typeface="-apple-system"/>
+              </a:rPr>
+              <a:t> Removing batch effects</a:t>
+            </a:r>
+          </a:p>
+          <a:p>
+            <a:pPr>
+              <a:buFont typeface="Arial" panose="020B0604020202020204" pitchFamily="34" charset="0"/>
+              <a:buChar char="•"/>
+            </a:pPr>
+            <a:endParaRPr lang="en-GB" noProof="0" dirty="0">
+              <a:solidFill>
+                <a:srgbClr val="1F2328"/>
+              </a:solidFill>
+              <a:latin typeface="-apple-system"/>
+            </a:endParaRPr>
+          </a:p>
+          <a:p>
+            <a:pPr>
+              <a:buFont typeface="Arial" panose="020B0604020202020204" pitchFamily="34" charset="0"/>
+              <a:buChar char="•"/>
+            </a:pPr>
+            <a:r>
+              <a:rPr lang="en-GB" noProof="0" dirty="0">
+                <a:solidFill>
+                  <a:srgbClr val="1F2328"/>
+                </a:solidFill>
+                <a:latin typeface="-apple-system"/>
+              </a:rPr>
+              <a:t> Removing technical outliers</a:t>
+            </a:r>
+          </a:p>
+          <a:p>
+            <a:pPr>
+              <a:buFont typeface="Arial" panose="020B0604020202020204" pitchFamily="34" charset="0"/>
+              <a:buChar char="•"/>
+            </a:pPr>
+            <a:endParaRPr lang="en-GB" noProof="0" dirty="0">
+              <a:solidFill>
+                <a:srgbClr val="1F2328"/>
+              </a:solidFill>
+              <a:latin typeface="-apple-system"/>
+            </a:endParaRPr>
+          </a:p>
+          <a:p>
+            <a:pPr>
+              <a:buFont typeface="Arial" panose="020B0604020202020204" pitchFamily="34" charset="0"/>
+              <a:buChar char="•"/>
+            </a:pPr>
+            <a:r>
+              <a:rPr lang="en-GB" noProof="0" dirty="0">
+                <a:solidFill>
+                  <a:srgbClr val="1F2328"/>
+                </a:solidFill>
+                <a:latin typeface="-apple-system"/>
+              </a:rPr>
+              <a:t> Re-ordering data</a:t>
+            </a:r>
+          </a:p>
+          <a:p>
+            <a:pPr algn="l">
+              <a:buFont typeface="Arial" panose="020B0604020202020204" pitchFamily="34" charset="0"/>
+              <a:buChar char="•"/>
+            </a:pPr>
+            <a:endParaRPr lang="en-GB" noProof="0" dirty="0">
+              <a:solidFill>
+                <a:srgbClr val="1F2328"/>
+              </a:solidFill>
+              <a:latin typeface="-apple-system"/>
+            </a:endParaRPr>
+          </a:p>
+        </p:txBody>
+      </p:sp>
+      <p:sp>
+        <p:nvSpPr>
+          <p:cNvPr id="10" name="TextBox 9">
+            <a:extLst>
+              <a:ext uri="{FF2B5EF4-FFF2-40B4-BE49-F238E27FC236}">
+                <a16:creationId xmlns:a16="http://schemas.microsoft.com/office/drawing/2014/main" id="{D1C53C33-5E9F-048D-5E7F-B0F57CA230C7}"/>
+              </a:ext>
+            </a:extLst>
+          </p:cNvPr>
+          <p:cNvSpPr txBox="1"/>
+          <p:nvPr/>
+        </p:nvSpPr>
+        <p:spPr>
+          <a:xfrm>
+            <a:off x="3167062" y="290480"/>
+            <a:ext cx="5857875" cy="769441"/>
+          </a:xfrm>
+          <a:prstGeom prst="rect">
+            <a:avLst/>
+          </a:prstGeom>
+          <a:noFill/>
+        </p:spPr>
+        <p:txBody>
+          <a:bodyPr wrap="square" rtlCol="0">
+            <a:spAutoFit/>
+          </a:bodyPr>
+          <a:lstStyle/>
+          <a:p>
+            <a:pPr algn="ctr"/>
+            <a:r>
+              <a:rPr lang="en-GB" sz="4400" noProof="0" dirty="0"/>
+              <a:t>1. Week</a:t>
+            </a:r>
+          </a:p>
+        </p:txBody>
+      </p:sp>
+      <p:pic>
+        <p:nvPicPr>
+          <p:cNvPr id="12" name="Picture 11" descr="A table with numbers and letters&#10;&#10;AI-generated content may be incorrect.">
+            <a:extLst>
+              <a:ext uri="{FF2B5EF4-FFF2-40B4-BE49-F238E27FC236}">
+                <a16:creationId xmlns:a16="http://schemas.microsoft.com/office/drawing/2014/main" id="{CA1C5BB0-671D-3DF9-A154-8DD46F38202F}"/>
+              </a:ext>
+            </a:extLst>
+          </p:cNvPr>
+          <p:cNvPicPr>
+            <a:picLocks noChangeAspect="1"/>
+          </p:cNvPicPr>
+          <p:nvPr/>
+        </p:nvPicPr>
+        <p:blipFill>
+          <a:blip r:embed="rId2">
+            <a:extLst>
+              <a:ext uri="{28A0092B-C50C-407E-A947-70E740481C1C}">
+                <a14:useLocalDpi xmlns:a14="http://schemas.microsoft.com/office/drawing/2010/main" val="0"/>
+              </a:ext>
+            </a:extLst>
+          </a:blip>
+          <a:stretch>
+            <a:fillRect/>
+          </a:stretch>
+        </p:blipFill>
+        <p:spPr>
+          <a:xfrm>
+            <a:off x="6095999" y="1532666"/>
+            <a:ext cx="6072706" cy="2954500"/>
+          </a:xfrm>
+          <a:prstGeom prst="rect">
+            <a:avLst/>
+          </a:prstGeom>
+        </p:spPr>
+      </p:pic>
+      <p:sp>
+        <p:nvSpPr>
+          <p:cNvPr id="15" name="Circle: Hollow 14">
+            <a:extLst>
+              <a:ext uri="{FF2B5EF4-FFF2-40B4-BE49-F238E27FC236}">
+                <a16:creationId xmlns:a16="http://schemas.microsoft.com/office/drawing/2014/main" id="{F0F4146A-1EA9-8A06-CAB8-D85E007D0F83}"/>
+              </a:ext>
+            </a:extLst>
+          </p:cNvPr>
+          <p:cNvSpPr/>
+          <p:nvPr/>
+        </p:nvSpPr>
+        <p:spPr>
+          <a:xfrm>
+            <a:off x="9382688" y="2823650"/>
+            <a:ext cx="712893" cy="698484"/>
+          </a:xfrm>
+          <a:prstGeom prst="donut">
+            <a:avLst>
+              <a:gd name="adj" fmla="val 1954"/>
+            </a:avLst>
+          </a:prstGeom>
+          <a:solidFill>
+            <a:srgbClr val="FF0000"/>
+          </a:solidFill>
+          <a:ln>
+            <a:solidFill>
+              <a:srgbClr val="FF0000"/>
+            </a:solidFill>
+          </a:ln>
+        </p:spPr>
+        <p:style>
+          <a:lnRef idx="2">
+            <a:schemeClr val="accent1">
+              <a:shade val="15000"/>
+            </a:schemeClr>
+          </a:lnRef>
+          <a:fillRef idx="1">
+            <a:schemeClr val="accent1"/>
+          </a:fillRef>
+          <a:effectRef idx="0">
+            <a:schemeClr val="accent1"/>
+          </a:effectRef>
+          <a:fontRef idx="minor">
+            <a:schemeClr val="lt1"/>
+          </a:fontRef>
+        </p:style>
+        <p:txBody>
+          <a:bodyPr rtlCol="0" anchor="ctr"/>
+          <a:lstStyle/>
+          <a:p>
+            <a:pPr algn="ctr"/>
+            <a:endParaRPr lang="en-GB" noProof="0" dirty="0">
+              <a:solidFill>
+                <a:schemeClr val="tx1"/>
+              </a:solidFill>
+            </a:endParaRPr>
+          </a:p>
+        </p:txBody>
+      </p:sp>
+      <p:pic>
+        <p:nvPicPr>
+          <p:cNvPr id="14" name="Picture 13" descr="A graph with black dots&#10;&#10;AI-generated content may be incorrect.">
+            <a:extLst>
+              <a:ext uri="{FF2B5EF4-FFF2-40B4-BE49-F238E27FC236}">
+                <a16:creationId xmlns:a16="http://schemas.microsoft.com/office/drawing/2014/main" id="{6EEB7CD8-020B-0D09-414F-9D55973E8AA5}"/>
+              </a:ext>
+            </a:extLst>
+          </p:cNvPr>
+          <p:cNvPicPr>
+            <a:picLocks noChangeAspect="1"/>
+          </p:cNvPicPr>
+          <p:nvPr/>
+        </p:nvPicPr>
+        <p:blipFill>
+          <a:blip r:embed="rId3">
+            <a:extLst>
+              <a:ext uri="{28A0092B-C50C-407E-A947-70E740481C1C}">
+                <a14:useLocalDpi xmlns:a14="http://schemas.microsoft.com/office/drawing/2010/main" val="0"/>
+              </a:ext>
+            </a:extLst>
+          </a:blip>
+          <a:srcRect t="1604"/>
+          <a:stretch/>
+        </p:blipFill>
+        <p:spPr>
+          <a:xfrm>
+            <a:off x="5921670" y="1532666"/>
+            <a:ext cx="6206534" cy="3727112"/>
+          </a:xfrm>
+          <a:prstGeom prst="rect">
+            <a:avLst/>
+          </a:prstGeom>
+        </p:spPr>
+      </p:pic>
+      <p:sp>
+        <p:nvSpPr>
+          <p:cNvPr id="16" name="TextBox 15">
+            <a:extLst>
+              <a:ext uri="{FF2B5EF4-FFF2-40B4-BE49-F238E27FC236}">
+                <a16:creationId xmlns:a16="http://schemas.microsoft.com/office/drawing/2014/main" id="{246E2B49-F04F-2143-6374-5DE723839653}"/>
+              </a:ext>
+            </a:extLst>
+          </p:cNvPr>
+          <p:cNvSpPr txBox="1"/>
+          <p:nvPr/>
+        </p:nvSpPr>
+        <p:spPr>
+          <a:xfrm>
+            <a:off x="6095999" y="5259778"/>
+            <a:ext cx="4572000" cy="246221"/>
+          </a:xfrm>
+          <a:prstGeom prst="rect">
+            <a:avLst/>
+          </a:prstGeom>
+          <a:noFill/>
+        </p:spPr>
+        <p:txBody>
+          <a:bodyPr wrap="square" rtlCol="0">
+            <a:spAutoFit/>
+          </a:bodyPr>
+          <a:lstStyle/>
+          <a:p>
+            <a:r>
+              <a:rPr lang="en-GB" sz="1000" u="sng" noProof="0" dirty="0" err="1"/>
+              <a:t>Bioinfo</a:t>
+            </a:r>
+            <a:r>
+              <a:rPr lang="en-GB" sz="1000" u="sng" noProof="0" dirty="0"/>
+              <a:t>-Slides </a:t>
+            </a:r>
+            <a:r>
+              <a:rPr lang="en-GB" sz="1000" u="sng" noProof="0" dirty="0" err="1"/>
+              <a:t>aus</a:t>
+            </a:r>
+            <a:r>
+              <a:rPr lang="en-GB" sz="1000" u="sng" noProof="0" dirty="0"/>
+              <a:t> </a:t>
+            </a:r>
+            <a:r>
+              <a:rPr lang="en-GB" sz="1000" u="sng" noProof="0" dirty="0" err="1"/>
+              <a:t>dem</a:t>
+            </a:r>
+            <a:r>
+              <a:rPr lang="en-GB" sz="1000" u="sng" noProof="0" dirty="0"/>
+              <a:t> 3. Semester</a:t>
+            </a:r>
+          </a:p>
+        </p:txBody>
+      </p:sp>
+      <p:sp>
+        <p:nvSpPr>
+          <p:cNvPr id="17" name="TextBox 16">
+            <a:extLst>
+              <a:ext uri="{FF2B5EF4-FFF2-40B4-BE49-F238E27FC236}">
+                <a16:creationId xmlns:a16="http://schemas.microsoft.com/office/drawing/2014/main" id="{FBD522B7-9B53-8303-2E5A-DA990EA68968}"/>
+              </a:ext>
+            </a:extLst>
+          </p:cNvPr>
+          <p:cNvSpPr txBox="1"/>
+          <p:nvPr/>
+        </p:nvSpPr>
+        <p:spPr>
+          <a:xfrm>
+            <a:off x="5304366" y="1039493"/>
+            <a:ext cx="1583266" cy="369332"/>
+          </a:xfrm>
+          <a:prstGeom prst="rect">
+            <a:avLst/>
+          </a:prstGeom>
+          <a:noFill/>
+        </p:spPr>
+        <p:txBody>
+          <a:bodyPr wrap="square" rtlCol="0">
+            <a:spAutoFit/>
+          </a:bodyPr>
+          <a:lstStyle/>
+          <a:p>
+            <a:pPr algn="ctr"/>
+            <a:r>
+              <a:rPr lang="de-DE" dirty="0"/>
+              <a:t>19.05.-25.05.</a:t>
+            </a:r>
+          </a:p>
+        </p:txBody>
+      </p:sp>
+    </p:spTree>
+    <p:extLst>
+      <p:ext uri="{BB962C8B-B14F-4D97-AF65-F5344CB8AC3E}">
+        <p14:creationId xmlns:p14="http://schemas.microsoft.com/office/powerpoint/2010/main" val="596613793"/>
+      </p:ext>
+    </p:extLst>
+  </p:cSld>
+  <p:clrMapOvr>
+    <a:masterClrMapping/>
+  </p:clrMapOvr>
+  <p:timing>
+    <p:tnLst>
+      <p:par>
+        <p:cTn id="1" dur="indefinite" restart="never" nodeType="tmRoot">
+          <p:childTnLst>
+            <p:seq concurrent="1" nextAc="seek">
+              <p:cTn id="2" dur="indefinite" nodeType="mainSeq">
+                <p:childTnLst>
+                  <p:par>
+                    <p:cTn id="3" fill="hold">
+                      <p:stCondLst>
+                        <p:cond delay="indefinite"/>
+                      </p:stCondLst>
+                      <p:childTnLst>
+                        <p:par>
+                          <p:cTn id="4" fill="hold">
+                            <p:stCondLst>
+                              <p:cond delay="0"/>
+                            </p:stCondLst>
+                            <p:childTnLst>
+                              <p:par>
+                                <p:cTn id="5" presetID="1" presetClass="entr" presetSubtype="0" fill="hold" grpId="0" nodeType="clickEffect">
+                                  <p:stCondLst>
+                                    <p:cond delay="0"/>
+                                  </p:stCondLst>
+                                  <p:childTnLst>
+                                    <p:set>
+                                      <p:cBhvr>
+                                        <p:cTn id="6" dur="1" fill="hold">
+                                          <p:stCondLst>
+                                            <p:cond delay="0"/>
+                                          </p:stCondLst>
+                                        </p:cTn>
+                                        <p:tgtEl>
+                                          <p:spTgt spid="2"/>
+                                        </p:tgtEl>
+                                        <p:attrNameLst>
+                                          <p:attrName>style.visibility</p:attrName>
+                                        </p:attrNameLst>
+                                      </p:cBhvr>
+                                      <p:to>
+                                        <p:strVal val="visible"/>
+                                      </p:to>
+                                    </p:set>
+                                  </p:childTnLst>
+                                </p:cTn>
+                              </p:par>
+                            </p:childTnLst>
+                          </p:cTn>
+                        </p:par>
+                      </p:childTnLst>
+                    </p:cTn>
+                  </p:par>
+                  <p:par>
+                    <p:cTn id="7" fill="hold">
+                      <p:stCondLst>
+                        <p:cond delay="indefinite"/>
+                      </p:stCondLst>
+                      <p:childTnLst>
+                        <p:par>
+                          <p:cTn id="8" fill="hold">
+                            <p:stCondLst>
+                              <p:cond delay="0"/>
+                            </p:stCondLst>
+                            <p:childTnLst>
+                              <p:par>
+                                <p:cTn id="9" presetID="1" presetClass="entr" presetSubtype="0" fill="hold" grpId="0" nodeType="clickEffect">
+                                  <p:stCondLst>
+                                    <p:cond delay="0"/>
+                                  </p:stCondLst>
+                                  <p:childTnLst>
+                                    <p:set>
+                                      <p:cBhvr>
+                                        <p:cTn id="10" dur="1" fill="hold">
+                                          <p:stCondLst>
+                                            <p:cond delay="0"/>
+                                          </p:stCondLst>
+                                        </p:cTn>
+                                        <p:tgtEl>
+                                          <p:spTgt spid="9">
+                                            <p:txEl>
+                                              <p:pRg st="0" end="0"/>
+                                            </p:txEl>
+                                          </p:spTgt>
+                                        </p:tgtEl>
+                                        <p:attrNameLst>
+                                          <p:attrName>style.visibility</p:attrName>
+                                        </p:attrNameLst>
+                                      </p:cBhvr>
+                                      <p:to>
+                                        <p:strVal val="visible"/>
+                                      </p:to>
+                                    </p:set>
+                                  </p:childTnLst>
+                                </p:cTn>
+                              </p:par>
+                            </p:childTnLst>
+                          </p:cTn>
+                        </p:par>
+                      </p:childTnLst>
+                    </p:cTn>
+                  </p:par>
+                  <p:par>
+                    <p:cTn id="11" fill="hold">
+                      <p:stCondLst>
+                        <p:cond delay="indefinite"/>
+                      </p:stCondLst>
+                      <p:childTnLst>
+                        <p:par>
+                          <p:cTn id="12" fill="hold">
+                            <p:stCondLst>
+                              <p:cond delay="0"/>
+                            </p:stCondLst>
+                            <p:childTnLst>
+                              <p:par>
+                                <p:cTn id="13" presetID="1" presetClass="entr" presetSubtype="0" fill="hold" grpId="0" nodeType="clickEffect">
+                                  <p:stCondLst>
+                                    <p:cond delay="0"/>
+                                  </p:stCondLst>
+                                  <p:childTnLst>
+                                    <p:set>
+                                      <p:cBhvr>
+                                        <p:cTn id="14" dur="1" fill="hold">
+                                          <p:stCondLst>
+                                            <p:cond delay="0"/>
+                                          </p:stCondLst>
+                                        </p:cTn>
+                                        <p:tgtEl>
+                                          <p:spTgt spid="9">
+                                            <p:txEl>
+                                              <p:pRg st="2" end="2"/>
+                                            </p:txEl>
+                                          </p:spTgt>
+                                        </p:tgtEl>
+                                        <p:attrNameLst>
+                                          <p:attrName>style.visibility</p:attrName>
+                                        </p:attrNameLst>
+                                      </p:cBhvr>
+                                      <p:to>
+                                        <p:strVal val="visible"/>
+                                      </p:to>
+                                    </p:set>
+                                  </p:childTnLst>
+                                </p:cTn>
+                              </p:par>
+                            </p:childTnLst>
+                          </p:cTn>
+                        </p:par>
+                      </p:childTnLst>
+                    </p:cTn>
+                  </p:par>
+                  <p:par>
+                    <p:cTn id="15" fill="hold">
+                      <p:stCondLst>
+                        <p:cond delay="indefinite"/>
+                      </p:stCondLst>
+                      <p:childTnLst>
+                        <p:par>
+                          <p:cTn id="16" fill="hold">
+                            <p:stCondLst>
+                              <p:cond delay="0"/>
+                            </p:stCondLst>
+                            <p:childTnLst>
+                              <p:par>
+                                <p:cTn id="17" presetID="1" presetClass="entr" presetSubtype="0" fill="hold" grpId="0" nodeType="clickEffect">
+                                  <p:stCondLst>
+                                    <p:cond delay="0"/>
+                                  </p:stCondLst>
+                                  <p:childTnLst>
+                                    <p:set>
+                                      <p:cBhvr>
+                                        <p:cTn id="18" dur="1" fill="hold">
+                                          <p:stCondLst>
+                                            <p:cond delay="0"/>
+                                          </p:stCondLst>
+                                        </p:cTn>
+                                        <p:tgtEl>
+                                          <p:spTgt spid="9">
+                                            <p:txEl>
+                                              <p:pRg st="4" end="4"/>
+                                            </p:txEl>
+                                          </p:spTgt>
+                                        </p:tgtEl>
+                                        <p:attrNameLst>
+                                          <p:attrName>style.visibility</p:attrName>
+                                        </p:attrNameLst>
+                                      </p:cBhvr>
+                                      <p:to>
+                                        <p:strVal val="visible"/>
+                                      </p:to>
+                                    </p:set>
+                                  </p:childTnLst>
+                                </p:cTn>
+                              </p:par>
+                            </p:childTnLst>
+                          </p:cTn>
+                        </p:par>
+                      </p:childTnLst>
+                    </p:cTn>
+                  </p:par>
+                  <p:par>
+                    <p:cTn id="19" fill="hold">
+                      <p:stCondLst>
+                        <p:cond delay="indefinite"/>
+                      </p:stCondLst>
+                      <p:childTnLst>
+                        <p:par>
+                          <p:cTn id="20" fill="hold">
+                            <p:stCondLst>
+                              <p:cond delay="0"/>
+                            </p:stCondLst>
+                            <p:childTnLst>
+                              <p:par>
+                                <p:cTn id="21" presetID="1" presetClass="entr" presetSubtype="0" fill="hold" grpId="0" nodeType="clickEffect">
+                                  <p:stCondLst>
+                                    <p:cond delay="0"/>
+                                  </p:stCondLst>
+                                  <p:childTnLst>
+                                    <p:set>
+                                      <p:cBhvr>
+                                        <p:cTn id="22" dur="1" fill="hold">
+                                          <p:stCondLst>
+                                            <p:cond delay="0"/>
+                                          </p:stCondLst>
+                                        </p:cTn>
+                                        <p:tgtEl>
+                                          <p:spTgt spid="9">
+                                            <p:txEl>
+                                              <p:pRg st="6" end="6"/>
+                                            </p:txEl>
+                                          </p:spTgt>
+                                        </p:tgtEl>
+                                        <p:attrNameLst>
+                                          <p:attrName>style.visibility</p:attrName>
+                                        </p:attrNameLst>
+                                      </p:cBhvr>
+                                      <p:to>
+                                        <p:strVal val="visible"/>
+                                      </p:to>
+                                    </p:set>
+                                  </p:childTnLst>
+                                </p:cTn>
+                              </p:par>
+                            </p:childTnLst>
+                          </p:cTn>
+                        </p:par>
+                      </p:childTnLst>
+                    </p:cTn>
+                  </p:par>
+                  <p:par>
+                    <p:cTn id="23" fill="hold">
+                      <p:stCondLst>
+                        <p:cond delay="indefinite"/>
+                      </p:stCondLst>
+                      <p:childTnLst>
+                        <p:par>
+                          <p:cTn id="24" fill="hold">
+                            <p:stCondLst>
+                              <p:cond delay="0"/>
+                            </p:stCondLst>
+                            <p:childTnLst>
+                              <p:par>
+                                <p:cTn id="25" presetID="1" presetClass="entr" presetSubtype="0" fill="hold" nodeType="clickEffect">
+                                  <p:stCondLst>
+                                    <p:cond delay="0"/>
+                                  </p:stCondLst>
+                                  <p:childTnLst>
+                                    <p:set>
+                                      <p:cBhvr>
+                                        <p:cTn id="26" dur="1" fill="hold">
+                                          <p:stCondLst>
+                                            <p:cond delay="0"/>
+                                          </p:stCondLst>
+                                        </p:cTn>
+                                        <p:tgtEl>
+                                          <p:spTgt spid="12"/>
+                                        </p:tgtEl>
+                                        <p:attrNameLst>
+                                          <p:attrName>style.visibility</p:attrName>
+                                        </p:attrNameLst>
+                                      </p:cBhvr>
+                                      <p:to>
+                                        <p:strVal val="visible"/>
+                                      </p:to>
+                                    </p:set>
+                                  </p:childTnLst>
+                                </p:cTn>
+                              </p:par>
+                            </p:childTnLst>
+                          </p:cTn>
+                        </p:par>
+                      </p:childTnLst>
+                    </p:cTn>
+                  </p:par>
+                  <p:par>
+                    <p:cTn id="27" fill="hold">
+                      <p:stCondLst>
+                        <p:cond delay="indefinite"/>
+                      </p:stCondLst>
+                      <p:childTnLst>
+                        <p:par>
+                          <p:cTn id="28" fill="hold">
+                            <p:stCondLst>
+                              <p:cond delay="0"/>
+                            </p:stCondLst>
+                            <p:childTnLst>
+                              <p:par>
+                                <p:cTn id="29" presetID="1" presetClass="entr" presetSubtype="0" fill="hold" grpId="0" nodeType="clickEffect">
+                                  <p:stCondLst>
+                                    <p:cond delay="0"/>
+                                  </p:stCondLst>
+                                  <p:childTnLst>
+                                    <p:set>
+                                      <p:cBhvr>
+                                        <p:cTn id="30" dur="1" fill="hold">
+                                          <p:stCondLst>
+                                            <p:cond delay="0"/>
+                                          </p:stCondLst>
+                                        </p:cTn>
+                                        <p:tgtEl>
+                                          <p:spTgt spid="15"/>
+                                        </p:tgtEl>
+                                        <p:attrNameLst>
+                                          <p:attrName>style.visibility</p:attrName>
+                                        </p:attrNameLst>
+                                      </p:cBhvr>
+                                      <p:to>
+                                        <p:strVal val="visible"/>
+                                      </p:to>
+                                    </p:set>
+                                  </p:childTnLst>
+                                </p:cTn>
+                              </p:par>
+                            </p:childTnLst>
+                          </p:cTn>
+                        </p:par>
+                      </p:childTnLst>
+                    </p:cTn>
+                  </p:par>
+                  <p:par>
+                    <p:cTn id="31" fill="hold">
+                      <p:stCondLst>
+                        <p:cond delay="indefinite"/>
+                      </p:stCondLst>
+                      <p:childTnLst>
+                        <p:par>
+                          <p:cTn id="32" fill="hold">
+                            <p:stCondLst>
+                              <p:cond delay="0"/>
+                            </p:stCondLst>
+                            <p:childTnLst>
+                              <p:par>
+                                <p:cTn id="33" presetID="1" presetClass="entr" presetSubtype="0" fill="hold" nodeType="clickEffect">
+                                  <p:stCondLst>
+                                    <p:cond delay="0"/>
+                                  </p:stCondLst>
+                                  <p:childTnLst>
+                                    <p:set>
+                                      <p:cBhvr>
+                                        <p:cTn id="34" dur="1" fill="hold">
+                                          <p:stCondLst>
+                                            <p:cond delay="0"/>
+                                          </p:stCondLst>
+                                        </p:cTn>
+                                        <p:tgtEl>
+                                          <p:spTgt spid="14"/>
+                                        </p:tgtEl>
+                                        <p:attrNameLst>
+                                          <p:attrName>style.visibility</p:attrName>
+                                        </p:attrNameLst>
+                                      </p:cBhvr>
+                                      <p:to>
+                                        <p:strVal val="visible"/>
+                                      </p:to>
+                                    </p:set>
+                                  </p:childTnLst>
+                                </p:cTn>
+                              </p:par>
+                            </p:childTnLst>
+                          </p:cTn>
+                        </p:par>
+                      </p:childTnLst>
+                    </p:cTn>
+                  </p:par>
+                </p:childTnLst>
+              </p:cTn>
+              <p:prevCondLst>
+                <p:cond evt="onPrev" delay="0">
+                  <p:tgtEl>
+                    <p:sldTgt/>
+                  </p:tgtEl>
+                </p:cond>
+              </p:prevCondLst>
+              <p:nextCondLst>
+                <p:cond evt="onNext" delay="0">
+                  <p:tgtEl>
+                    <p:sldTgt/>
+                  </p:tgtEl>
+                </p:cond>
+              </p:nextCondLst>
+            </p:seq>
+          </p:childTnLst>
+        </p:cTn>
+      </p:par>
+    </p:tnLst>
+    <p:bldLst>
+      <p:bldP spid="2" grpId="0" animBg="1"/>
+      <p:bldP spid="9" grpId="0" build="p"/>
+      <p:bldP spid="15" grpId="0" animBg="1"/>
+    </p:bldLst>
+  </p:timing>
+</p:sld>
+</file>
+
+<file path=ppt/slides/slide11.xml><?xml version="1.0" encoding="utf-8"?>
+<p:sld xmlns:a="http://schemas.openxmlformats.org/drawingml/2006/main" xmlns:r="http://schemas.openxmlformats.org/officeDocument/2006/relationships" xmlns:p="http://schemas.openxmlformats.org/presentationml/2006/main">
+  <p:cSld>
+    <p:spTree>
+      <p:nvGrpSpPr>
+        <p:cNvPr id="1" name="">
+          <a:extLst>
+            <a:ext uri="{FF2B5EF4-FFF2-40B4-BE49-F238E27FC236}">
+              <a16:creationId xmlns:a16="http://schemas.microsoft.com/office/drawing/2014/main" id="{B2A0950C-468A-1FB7-BE4E-ED5B26429893}"/>
+            </a:ext>
+          </a:extLst>
+        </p:cNvPr>
+        <p:cNvGrpSpPr/>
+        <p:nvPr/>
+      </p:nvGrpSpPr>
+      <p:grpSpPr>
+        <a:xfrm>
+          <a:off x="0" y="0"/>
+          <a:ext cx="0" cy="0"/>
+          <a:chOff x="0" y="0"/>
+          <a:chExt cx="0" cy="0"/>
+        </a:xfrm>
+      </p:grpSpPr>
+      <p:sp>
+        <p:nvSpPr>
+          <p:cNvPr id="2" name="Rectangle: Rounded Corners 1">
+            <a:extLst>
+              <a:ext uri="{FF2B5EF4-FFF2-40B4-BE49-F238E27FC236}">
+                <a16:creationId xmlns:a16="http://schemas.microsoft.com/office/drawing/2014/main" id="{9CB6C3DF-4F7E-1679-4EFF-613AB3F0EBAF}"/>
+              </a:ext>
+            </a:extLst>
+          </p:cNvPr>
+          <p:cNvSpPr/>
+          <p:nvPr/>
+        </p:nvSpPr>
+        <p:spPr>
+          <a:xfrm>
+            <a:off x="2445174" y="1651000"/>
+            <a:ext cx="2880360" cy="1666240"/>
+          </a:xfrm>
+          <a:prstGeom prst="roundRect">
+            <a:avLst/>
+          </a:prstGeom>
+          <a:solidFill>
+            <a:schemeClr val="bg1"/>
+          </a:solidFill>
+          <a:ln w="34925">
+            <a:solidFill>
+              <a:schemeClr val="tx1"/>
+            </a:solidFill>
+          </a:ln>
+          <a:effectLst>
+            <a:outerShdw blurRad="317500" dir="2700000" algn="ctr">
+              <a:srgbClr val="000000">
+                <a:alpha val="43000"/>
+              </a:srgbClr>
+            </a:outerShdw>
+          </a:effectLst>
+        </p:spPr>
+        <p:style>
+          <a:lnRef idx="2">
+            <a:schemeClr val="accent1">
+              <a:shade val="15000"/>
+            </a:schemeClr>
+          </a:lnRef>
+          <a:fillRef idx="1">
+            <a:schemeClr val="accent1"/>
+          </a:fillRef>
+          <a:effectRef idx="0">
+            <a:schemeClr val="accent1"/>
+          </a:effectRef>
+          <a:fontRef idx="minor">
+            <a:schemeClr val="lt1"/>
+          </a:fontRef>
+        </p:style>
+        <p:txBody>
+          <a:bodyPr rtlCol="0" anchor="ctr"/>
+          <a:lstStyle/>
+          <a:p>
+            <a:pPr algn="ctr"/>
+            <a:r>
+              <a:rPr lang="en-GB" sz="2400" b="1" i="0" noProof="0" dirty="0">
+                <a:solidFill>
+                  <a:srgbClr val="1F2328"/>
+                </a:solidFill>
+                <a:effectLst/>
+                <a:latin typeface="-apple-system"/>
+              </a:rPr>
+              <a:t>Data </a:t>
+            </a:r>
+            <a:r>
+              <a:rPr lang="en-GB" sz="2400" b="1" noProof="0" dirty="0">
+                <a:solidFill>
+                  <a:srgbClr val="1F2328"/>
+                </a:solidFill>
+                <a:latin typeface="-apple-system"/>
+              </a:rPr>
+              <a:t>exploration</a:t>
+            </a:r>
+            <a:r>
+              <a:rPr lang="en-GB" sz="2400" b="1" i="0" noProof="0" dirty="0">
+                <a:solidFill>
+                  <a:srgbClr val="1F2328"/>
+                </a:solidFill>
+                <a:effectLst/>
+                <a:latin typeface="-apple-system"/>
+              </a:rPr>
+              <a:t> </a:t>
+            </a:r>
+          </a:p>
+        </p:txBody>
+      </p:sp>
+      <p:sp>
+        <p:nvSpPr>
+          <p:cNvPr id="9" name="TextBox 8">
+            <a:extLst>
+              <a:ext uri="{FF2B5EF4-FFF2-40B4-BE49-F238E27FC236}">
+                <a16:creationId xmlns:a16="http://schemas.microsoft.com/office/drawing/2014/main" id="{DBF766CB-E004-24D0-2F17-56FE88CFC9D4}"/>
+              </a:ext>
+            </a:extLst>
+          </p:cNvPr>
+          <p:cNvSpPr txBox="1"/>
+          <p:nvPr/>
+        </p:nvSpPr>
+        <p:spPr>
+          <a:xfrm>
+            <a:off x="2445174" y="3982197"/>
+            <a:ext cx="2880360" cy="1477328"/>
+          </a:xfrm>
+          <a:prstGeom prst="rect">
+            <a:avLst/>
+          </a:prstGeom>
+          <a:noFill/>
+        </p:spPr>
+        <p:txBody>
+          <a:bodyPr wrap="square" rtlCol="0">
+            <a:spAutoFit/>
+          </a:bodyPr>
+          <a:lstStyle/>
+          <a:p>
+            <a:pPr>
+              <a:buFont typeface="Arial" panose="020B0604020202020204" pitchFamily="34" charset="0"/>
+              <a:buChar char="•"/>
+            </a:pPr>
+            <a:r>
+              <a:rPr lang="en-GB" noProof="0" dirty="0">
+                <a:solidFill>
+                  <a:srgbClr val="1F2328"/>
+                </a:solidFill>
+                <a:latin typeface="-apple-system"/>
+              </a:rPr>
+              <a:t> data distribution</a:t>
+            </a:r>
+          </a:p>
+          <a:p>
+            <a:endParaRPr lang="en-GB" noProof="0" dirty="0">
+              <a:solidFill>
+                <a:srgbClr val="1F2328"/>
+              </a:solidFill>
+              <a:latin typeface="-apple-system"/>
+            </a:endParaRPr>
+          </a:p>
+          <a:p>
+            <a:pPr>
+              <a:buFont typeface="Arial" panose="020B0604020202020204" pitchFamily="34" charset="0"/>
+              <a:buChar char="•"/>
+            </a:pPr>
+            <a:r>
+              <a:rPr lang="en-GB" noProof="0" dirty="0">
+                <a:solidFill>
+                  <a:srgbClr val="1F2328"/>
+                </a:solidFill>
+                <a:latin typeface="-apple-system"/>
+              </a:rPr>
+              <a:t> t-test</a:t>
+            </a:r>
+          </a:p>
+          <a:p>
+            <a:pPr>
+              <a:buFont typeface="Arial" panose="020B0604020202020204" pitchFamily="34" charset="0"/>
+              <a:buChar char="•"/>
+            </a:pPr>
+            <a:endParaRPr lang="en-GB" noProof="0" dirty="0">
+              <a:solidFill>
+                <a:srgbClr val="1F2328"/>
+              </a:solidFill>
+              <a:latin typeface="-apple-system"/>
+            </a:endParaRPr>
+          </a:p>
+          <a:p>
+            <a:pPr>
+              <a:buFont typeface="Arial" panose="020B0604020202020204" pitchFamily="34" charset="0"/>
+              <a:buChar char="•"/>
+            </a:pPr>
+            <a:r>
+              <a:rPr lang="en-GB" noProof="0" dirty="0">
+                <a:solidFill>
+                  <a:srgbClr val="1F2328"/>
+                </a:solidFill>
+                <a:latin typeface="-apple-system"/>
+              </a:rPr>
+              <a:t> </a:t>
+            </a:r>
+            <a:r>
+              <a:rPr lang="en-GB" noProof="0" dirty="0"/>
+              <a:t>proportion test</a:t>
+            </a:r>
+            <a:endParaRPr lang="en-GB" b="0" i="0" noProof="0" dirty="0">
+              <a:solidFill>
+                <a:srgbClr val="1F2328"/>
+              </a:solidFill>
+              <a:effectLst/>
+              <a:latin typeface="-apple-system"/>
+            </a:endParaRPr>
+          </a:p>
+        </p:txBody>
+      </p:sp>
+      <p:sp>
+        <p:nvSpPr>
+          <p:cNvPr id="3" name="TextBox 2">
+            <a:extLst>
+              <a:ext uri="{FF2B5EF4-FFF2-40B4-BE49-F238E27FC236}">
+                <a16:creationId xmlns:a16="http://schemas.microsoft.com/office/drawing/2014/main" id="{376371ED-5A2F-9E06-1972-862C8BABD8E1}"/>
+              </a:ext>
+            </a:extLst>
+          </p:cNvPr>
+          <p:cNvSpPr txBox="1"/>
+          <p:nvPr/>
+        </p:nvSpPr>
+        <p:spPr>
+          <a:xfrm>
+            <a:off x="3167062" y="290480"/>
+            <a:ext cx="5857875" cy="769441"/>
+          </a:xfrm>
+          <a:prstGeom prst="rect">
+            <a:avLst/>
+          </a:prstGeom>
+          <a:noFill/>
+        </p:spPr>
+        <p:txBody>
+          <a:bodyPr wrap="square" rtlCol="0">
+            <a:spAutoFit/>
+          </a:bodyPr>
+          <a:lstStyle/>
+          <a:p>
+            <a:pPr algn="ctr"/>
+            <a:r>
+              <a:rPr lang="en-GB" sz="4400" noProof="0" dirty="0"/>
+              <a:t>2. Week</a:t>
+            </a:r>
+          </a:p>
+        </p:txBody>
+      </p:sp>
+      <p:pic>
+        <p:nvPicPr>
+          <p:cNvPr id="4" name="Picture 3" descr="A graph of a number of fractions&#10;&#10;AI-generated content may be incorrect.">
+            <a:extLst>
+              <a:ext uri="{FF2B5EF4-FFF2-40B4-BE49-F238E27FC236}">
+                <a16:creationId xmlns:a16="http://schemas.microsoft.com/office/drawing/2014/main" id="{1C2167BF-4344-F634-F9D7-A7CC50667E10}"/>
+              </a:ext>
+            </a:extLst>
+          </p:cNvPr>
+          <p:cNvPicPr>
+            <a:picLocks noChangeAspect="1"/>
+          </p:cNvPicPr>
+          <p:nvPr/>
+        </p:nvPicPr>
+        <p:blipFill>
+          <a:blip r:embed="rId2">
+            <a:extLst>
+              <a:ext uri="{28A0092B-C50C-407E-A947-70E740481C1C}">
+                <a14:useLocalDpi xmlns:a14="http://schemas.microsoft.com/office/drawing/2010/main" val="0"/>
+              </a:ext>
+            </a:extLst>
+          </a:blip>
+          <a:srcRect l="1926" t="911" r="557" b="3086"/>
+          <a:stretch/>
+        </p:blipFill>
+        <p:spPr>
+          <a:xfrm>
+            <a:off x="6017678" y="1651000"/>
+            <a:ext cx="5598060" cy="3808525"/>
+          </a:xfrm>
+          <a:prstGeom prst="rect">
+            <a:avLst/>
+          </a:prstGeom>
+        </p:spPr>
+      </p:pic>
+      <p:pic>
+        <p:nvPicPr>
+          <p:cNvPr id="6" name="Picture 5" descr="A screenshot of a computer&#10;&#10;AI-generated content may be incorrect.">
+            <a:extLst>
+              <a:ext uri="{FF2B5EF4-FFF2-40B4-BE49-F238E27FC236}">
+                <a16:creationId xmlns:a16="http://schemas.microsoft.com/office/drawing/2014/main" id="{C38385E9-76DF-9EEC-4BBA-CA52B6B2AFF8}"/>
+              </a:ext>
+            </a:extLst>
+          </p:cNvPr>
+          <p:cNvPicPr>
+            <a:picLocks noChangeAspect="1"/>
+          </p:cNvPicPr>
+          <p:nvPr/>
+        </p:nvPicPr>
+        <p:blipFill>
+          <a:blip r:embed="rId3">
+            <a:extLst>
+              <a:ext uri="{28A0092B-C50C-407E-A947-70E740481C1C}">
+                <a14:useLocalDpi xmlns:a14="http://schemas.microsoft.com/office/drawing/2010/main" val="0"/>
+              </a:ext>
+            </a:extLst>
+          </a:blip>
+          <a:srcRect b="8917"/>
+          <a:stretch/>
+        </p:blipFill>
+        <p:spPr>
+          <a:xfrm>
+            <a:off x="6017677" y="1407919"/>
+            <a:ext cx="5789455" cy="4256282"/>
+          </a:xfrm>
+          <a:prstGeom prst="rect">
+            <a:avLst/>
+          </a:prstGeom>
+        </p:spPr>
+      </p:pic>
+      <p:pic>
+        <p:nvPicPr>
+          <p:cNvPr id="10" name="Picture 9" descr="A blue screen with black text&#10;&#10;AI-generated content may be incorrect.">
+            <a:extLst>
+              <a:ext uri="{FF2B5EF4-FFF2-40B4-BE49-F238E27FC236}">
+                <a16:creationId xmlns:a16="http://schemas.microsoft.com/office/drawing/2014/main" id="{C6A6EDF5-5A94-3215-64CE-13024C5DEDAD}"/>
+              </a:ext>
+            </a:extLst>
+          </p:cNvPr>
+          <p:cNvPicPr>
+            <a:picLocks noChangeAspect="1"/>
+          </p:cNvPicPr>
+          <p:nvPr/>
+        </p:nvPicPr>
+        <p:blipFill>
+          <a:blip r:embed="rId4">
+            <a:extLst>
+              <a:ext uri="{28A0092B-C50C-407E-A947-70E740481C1C}">
+                <a14:useLocalDpi xmlns:a14="http://schemas.microsoft.com/office/drawing/2010/main" val="0"/>
+              </a:ext>
+            </a:extLst>
+          </a:blip>
+          <a:stretch>
+            <a:fillRect/>
+          </a:stretch>
+        </p:blipFill>
+        <p:spPr>
+          <a:xfrm>
+            <a:off x="6017675" y="1407918"/>
+            <a:ext cx="5789455" cy="4347031"/>
+          </a:xfrm>
+          <a:prstGeom prst="rect">
+            <a:avLst/>
+          </a:prstGeom>
+        </p:spPr>
+      </p:pic>
+      <p:sp>
+        <p:nvSpPr>
+          <p:cNvPr id="11" name="TextBox 10">
+            <a:extLst>
+              <a:ext uri="{FF2B5EF4-FFF2-40B4-BE49-F238E27FC236}">
+                <a16:creationId xmlns:a16="http://schemas.microsoft.com/office/drawing/2014/main" id="{D1391C38-F372-C4F9-4D6F-D27F3BBD9796}"/>
+              </a:ext>
+            </a:extLst>
+          </p:cNvPr>
+          <p:cNvSpPr txBox="1"/>
+          <p:nvPr/>
+        </p:nvSpPr>
+        <p:spPr>
+          <a:xfrm>
+            <a:off x="6095999" y="5907282"/>
+            <a:ext cx="4572000" cy="246221"/>
+          </a:xfrm>
+          <a:prstGeom prst="rect">
+            <a:avLst/>
+          </a:prstGeom>
+          <a:noFill/>
+        </p:spPr>
+        <p:txBody>
+          <a:bodyPr wrap="square" rtlCol="0">
+            <a:spAutoFit/>
+          </a:bodyPr>
+          <a:lstStyle/>
+          <a:p>
+            <a:r>
+              <a:rPr lang="en-GB" sz="1000" u="sng" noProof="0" dirty="0" err="1"/>
+              <a:t>Bioinfo</a:t>
+            </a:r>
+            <a:r>
+              <a:rPr lang="en-GB" sz="1000" u="sng" noProof="0" dirty="0"/>
+              <a:t>-Slides </a:t>
+            </a:r>
+            <a:r>
+              <a:rPr lang="en-GB" sz="1000" u="sng" noProof="0" dirty="0" err="1"/>
+              <a:t>aus</a:t>
+            </a:r>
+            <a:r>
+              <a:rPr lang="en-GB" sz="1000" u="sng" noProof="0" dirty="0"/>
+              <a:t> </a:t>
+            </a:r>
+            <a:r>
+              <a:rPr lang="en-GB" sz="1000" u="sng" noProof="0" dirty="0" err="1"/>
+              <a:t>dem</a:t>
+            </a:r>
+            <a:r>
+              <a:rPr lang="en-GB" sz="1000" u="sng" noProof="0" dirty="0"/>
+              <a:t> 3. Semester</a:t>
+            </a:r>
+          </a:p>
+        </p:txBody>
+      </p:sp>
+      <p:sp>
+        <p:nvSpPr>
+          <p:cNvPr id="12" name="TextBox 11">
+            <a:extLst>
+              <a:ext uri="{FF2B5EF4-FFF2-40B4-BE49-F238E27FC236}">
+                <a16:creationId xmlns:a16="http://schemas.microsoft.com/office/drawing/2014/main" id="{18516BCB-FEFF-C657-2697-D65337814EBC}"/>
+              </a:ext>
+            </a:extLst>
+          </p:cNvPr>
+          <p:cNvSpPr txBox="1"/>
+          <p:nvPr/>
+        </p:nvSpPr>
+        <p:spPr>
+          <a:xfrm>
+            <a:off x="5304366" y="1039493"/>
+            <a:ext cx="1583266" cy="369332"/>
+          </a:xfrm>
+          <a:prstGeom prst="rect">
+            <a:avLst/>
+          </a:prstGeom>
+          <a:noFill/>
+        </p:spPr>
+        <p:txBody>
+          <a:bodyPr wrap="square" rtlCol="0">
+            <a:spAutoFit/>
+          </a:bodyPr>
+          <a:lstStyle/>
+          <a:p>
+            <a:pPr algn="ctr"/>
+            <a:r>
+              <a:rPr lang="de-DE" dirty="0"/>
+              <a:t>26.05.-01.06.</a:t>
+            </a:r>
+          </a:p>
+        </p:txBody>
+      </p:sp>
+    </p:spTree>
+    <p:extLst>
+      <p:ext uri="{BB962C8B-B14F-4D97-AF65-F5344CB8AC3E}">
+        <p14:creationId xmlns:p14="http://schemas.microsoft.com/office/powerpoint/2010/main" val="2246163662"/>
+      </p:ext>
+    </p:extLst>
+  </p:cSld>
+  <p:clrMapOvr>
+    <a:masterClrMapping/>
+  </p:clrMapOvr>
+  <p:timing>
+    <p:tnLst>
+      <p:par>
+        <p:cTn id="1" dur="indefinite" restart="never" nodeType="tmRoot">
+          <p:childTnLst>
+            <p:seq concurrent="1" nextAc="seek">
+              <p:cTn id="2" dur="indefinite" nodeType="mainSeq">
+                <p:childTnLst>
+                  <p:par>
+                    <p:cTn id="3" fill="hold">
+                      <p:stCondLst>
+                        <p:cond delay="indefinite"/>
+                      </p:stCondLst>
+                      <p:childTnLst>
+                        <p:par>
+                          <p:cTn id="4" fill="hold">
+                            <p:stCondLst>
+                              <p:cond delay="0"/>
+                            </p:stCondLst>
+                            <p:childTnLst>
+                              <p:par>
+                                <p:cTn id="5" presetID="1" presetClass="entr" presetSubtype="0" fill="hold" grpId="0" nodeType="clickEffect">
+                                  <p:stCondLst>
+                                    <p:cond delay="0"/>
+                                  </p:stCondLst>
+                                  <p:childTnLst>
+                                    <p:set>
+                                      <p:cBhvr>
+                                        <p:cTn id="6" dur="1" fill="hold">
+                                          <p:stCondLst>
+                                            <p:cond delay="0"/>
+                                          </p:stCondLst>
+                                        </p:cTn>
+                                        <p:tgtEl>
+                                          <p:spTgt spid="2"/>
+                                        </p:tgtEl>
+                                        <p:attrNameLst>
+                                          <p:attrName>style.visibility</p:attrName>
+                                        </p:attrNameLst>
+                                      </p:cBhvr>
+                                      <p:to>
+                                        <p:strVal val="visible"/>
+                                      </p:to>
+                                    </p:set>
+                                  </p:childTnLst>
+                                </p:cTn>
+                              </p:par>
+                            </p:childTnLst>
+                          </p:cTn>
+                        </p:par>
+                      </p:childTnLst>
+                    </p:cTn>
+                  </p:par>
+                  <p:par>
+                    <p:cTn id="7" fill="hold">
+                      <p:stCondLst>
+                        <p:cond delay="indefinite"/>
+                      </p:stCondLst>
+                      <p:childTnLst>
+                        <p:par>
+                          <p:cTn id="8" fill="hold">
+                            <p:stCondLst>
+                              <p:cond delay="0"/>
+                            </p:stCondLst>
+                            <p:childTnLst>
+                              <p:par>
+                                <p:cTn id="9" presetID="1" presetClass="entr" presetSubtype="0" fill="hold" grpId="0" nodeType="clickEffect">
+                                  <p:stCondLst>
+                                    <p:cond delay="0"/>
+                                  </p:stCondLst>
+                                  <p:childTnLst>
+                                    <p:set>
+                                      <p:cBhvr>
+                                        <p:cTn id="10" dur="1" fill="hold">
+                                          <p:stCondLst>
+                                            <p:cond delay="0"/>
+                                          </p:stCondLst>
+                                        </p:cTn>
+                                        <p:tgtEl>
+                                          <p:spTgt spid="9">
+                                            <p:txEl>
+                                              <p:pRg st="0" end="0"/>
+                                            </p:txEl>
+                                          </p:spTgt>
+                                        </p:tgtEl>
+                                        <p:attrNameLst>
+                                          <p:attrName>style.visibility</p:attrName>
+                                        </p:attrNameLst>
+                                      </p:cBhvr>
+                                      <p:to>
+                                        <p:strVal val="visible"/>
+                                      </p:to>
+                                    </p:set>
+                                  </p:childTnLst>
+                                </p:cTn>
+                              </p:par>
+                            </p:childTnLst>
+                          </p:cTn>
+                        </p:par>
+                      </p:childTnLst>
+                    </p:cTn>
+                  </p:par>
+                  <p:par>
+                    <p:cTn id="11" fill="hold">
+                      <p:stCondLst>
+                        <p:cond delay="indefinite"/>
+                      </p:stCondLst>
+                      <p:childTnLst>
+                        <p:par>
+                          <p:cTn id="12" fill="hold">
+                            <p:stCondLst>
+                              <p:cond delay="0"/>
+                            </p:stCondLst>
+                            <p:childTnLst>
+                              <p:par>
+                                <p:cTn id="13" presetID="1" presetClass="entr" presetSubtype="0" fill="hold" grpId="0" nodeType="clickEffect">
+                                  <p:stCondLst>
+                                    <p:cond delay="0"/>
+                                  </p:stCondLst>
+                                  <p:childTnLst>
+                                    <p:set>
+                                      <p:cBhvr>
+                                        <p:cTn id="14" dur="1" fill="hold">
+                                          <p:stCondLst>
+                                            <p:cond delay="0"/>
+                                          </p:stCondLst>
+                                        </p:cTn>
+                                        <p:tgtEl>
+                                          <p:spTgt spid="9">
+                                            <p:txEl>
+                                              <p:pRg st="2" end="2"/>
+                                            </p:txEl>
+                                          </p:spTgt>
+                                        </p:tgtEl>
+                                        <p:attrNameLst>
+                                          <p:attrName>style.visibility</p:attrName>
+                                        </p:attrNameLst>
+                                      </p:cBhvr>
+                                      <p:to>
+                                        <p:strVal val="visible"/>
+                                      </p:to>
+                                    </p:set>
+                                  </p:childTnLst>
+                                </p:cTn>
+                              </p:par>
+                            </p:childTnLst>
+                          </p:cTn>
+                        </p:par>
+                      </p:childTnLst>
+                    </p:cTn>
+                  </p:par>
+                  <p:par>
+                    <p:cTn id="15" fill="hold">
+                      <p:stCondLst>
+                        <p:cond delay="indefinite"/>
+                      </p:stCondLst>
+                      <p:childTnLst>
+                        <p:par>
+                          <p:cTn id="16" fill="hold">
+                            <p:stCondLst>
+                              <p:cond delay="0"/>
+                            </p:stCondLst>
+                            <p:childTnLst>
+                              <p:par>
+                                <p:cTn id="17" presetID="1" presetClass="entr" presetSubtype="0" fill="hold" grpId="0" nodeType="clickEffect">
+                                  <p:stCondLst>
+                                    <p:cond delay="0"/>
+                                  </p:stCondLst>
+                                  <p:childTnLst>
+                                    <p:set>
+                                      <p:cBhvr>
+                                        <p:cTn id="18" dur="1" fill="hold">
+                                          <p:stCondLst>
+                                            <p:cond delay="0"/>
+                                          </p:stCondLst>
+                                        </p:cTn>
+                                        <p:tgtEl>
+                                          <p:spTgt spid="9">
+                                            <p:txEl>
+                                              <p:pRg st="4" end="4"/>
+                                            </p:txEl>
+                                          </p:spTgt>
+                                        </p:tgtEl>
+                                        <p:attrNameLst>
+                                          <p:attrName>style.visibility</p:attrName>
+                                        </p:attrNameLst>
+                                      </p:cBhvr>
+                                      <p:to>
+                                        <p:strVal val="visible"/>
+                                      </p:to>
+                                    </p:set>
+                                  </p:childTnLst>
+                                </p:cTn>
+                              </p:par>
+                            </p:childTnLst>
+                          </p:cTn>
+                        </p:par>
+                      </p:childTnLst>
+                    </p:cTn>
+                  </p:par>
+                  <p:par>
+                    <p:cTn id="19" fill="hold">
+                      <p:stCondLst>
+                        <p:cond delay="indefinite"/>
+                      </p:stCondLst>
+                      <p:childTnLst>
+                        <p:par>
+                          <p:cTn id="20" fill="hold">
+                            <p:stCondLst>
+                              <p:cond delay="0"/>
+                            </p:stCondLst>
+                            <p:childTnLst>
+                              <p:par>
+                                <p:cTn id="21" presetID="1" presetClass="entr" presetSubtype="0" fill="hold" nodeType="clickEffect">
+                                  <p:stCondLst>
+                                    <p:cond delay="0"/>
+                                  </p:stCondLst>
+                                  <p:childTnLst>
+                                    <p:set>
+                                      <p:cBhvr>
+                                        <p:cTn id="22" dur="1" fill="hold">
+                                          <p:stCondLst>
+                                            <p:cond delay="0"/>
+                                          </p:stCondLst>
+                                        </p:cTn>
+                                        <p:tgtEl>
+                                          <p:spTgt spid="4"/>
+                                        </p:tgtEl>
+                                        <p:attrNameLst>
+                                          <p:attrName>style.visibility</p:attrName>
+                                        </p:attrNameLst>
+                                      </p:cBhvr>
+                                      <p:to>
+                                        <p:strVal val="visible"/>
+                                      </p:to>
+                                    </p:set>
+                                  </p:childTnLst>
+                                </p:cTn>
+                              </p:par>
+                            </p:childTnLst>
+                          </p:cTn>
+                        </p:par>
+                      </p:childTnLst>
+                    </p:cTn>
+                  </p:par>
+                  <p:par>
+                    <p:cTn id="23" fill="hold">
+                      <p:stCondLst>
+                        <p:cond delay="indefinite"/>
+                      </p:stCondLst>
+                      <p:childTnLst>
+                        <p:par>
+                          <p:cTn id="24" fill="hold">
+                            <p:stCondLst>
+                              <p:cond delay="0"/>
+                            </p:stCondLst>
+                            <p:childTnLst>
+                              <p:par>
+                                <p:cTn id="25" presetID="1" presetClass="entr" presetSubtype="0" fill="hold" nodeType="clickEffect">
+                                  <p:stCondLst>
+                                    <p:cond delay="0"/>
+                                  </p:stCondLst>
+                                  <p:childTnLst>
+                                    <p:set>
+                                      <p:cBhvr>
+                                        <p:cTn id="26" dur="1" fill="hold">
+                                          <p:stCondLst>
+                                            <p:cond delay="0"/>
+                                          </p:stCondLst>
+                                        </p:cTn>
+                                        <p:tgtEl>
+                                          <p:spTgt spid="6"/>
+                                        </p:tgtEl>
+                                        <p:attrNameLst>
+                                          <p:attrName>style.visibility</p:attrName>
+                                        </p:attrNameLst>
+                                      </p:cBhvr>
+                                      <p:to>
+                                        <p:strVal val="visible"/>
+                                      </p:to>
+                                    </p:set>
+                                  </p:childTnLst>
+                                </p:cTn>
+                              </p:par>
+                            </p:childTnLst>
+                          </p:cTn>
+                        </p:par>
+                      </p:childTnLst>
+                    </p:cTn>
+                  </p:par>
+                  <p:par>
+                    <p:cTn id="27" fill="hold">
+                      <p:stCondLst>
+                        <p:cond delay="indefinite"/>
+                      </p:stCondLst>
+                      <p:childTnLst>
+                        <p:par>
+                          <p:cTn id="28" fill="hold">
+                            <p:stCondLst>
+                              <p:cond delay="0"/>
+                            </p:stCondLst>
+                            <p:childTnLst>
+                              <p:par>
+                                <p:cTn id="29" presetID="1" presetClass="entr" presetSubtype="0" fill="hold" nodeType="clickEffect">
+                                  <p:stCondLst>
+                                    <p:cond delay="0"/>
+                                  </p:stCondLst>
+                                  <p:childTnLst>
+                                    <p:set>
+                                      <p:cBhvr>
+                                        <p:cTn id="30" dur="1" fill="hold">
+                                          <p:stCondLst>
+                                            <p:cond delay="0"/>
+                                          </p:stCondLst>
+                                        </p:cTn>
+                                        <p:tgtEl>
+                                          <p:spTgt spid="10"/>
+                                        </p:tgtEl>
+                                        <p:attrNameLst>
+                                          <p:attrName>style.visibility</p:attrName>
+                                        </p:attrNameLst>
+                                      </p:cBhvr>
+                                      <p:to>
+                                        <p:strVal val="visible"/>
+                                      </p:to>
+                                    </p:set>
+                                  </p:childTnLst>
+                                </p:cTn>
+                              </p:par>
+                            </p:childTnLst>
+                          </p:cTn>
+                        </p:par>
+                      </p:childTnLst>
+                    </p:cTn>
+                  </p:par>
+                </p:childTnLst>
+              </p:cTn>
+              <p:prevCondLst>
+                <p:cond evt="onPrev" delay="0">
+                  <p:tgtEl>
+                    <p:sldTgt/>
+                  </p:tgtEl>
+                </p:cond>
+              </p:prevCondLst>
+              <p:nextCondLst>
+                <p:cond evt="onNext" delay="0">
+                  <p:tgtEl>
+                    <p:sldTgt/>
+                  </p:tgtEl>
+                </p:cond>
+              </p:nextCondLst>
+            </p:seq>
+          </p:childTnLst>
+        </p:cTn>
+      </p:par>
+    </p:tnLst>
+    <p:bldLst>
+      <p:bldP spid="2" grpId="0" animBg="1"/>
+      <p:bldP spid="9" grpId="0" build="p"/>
+    </p:bldLst>
+  </p:timing>
+</p:sld>
+</file>
+
+<file path=ppt/slides/slide12.xml><?xml version="1.0" encoding="utf-8"?>
+<p:sld xmlns:a="http://schemas.openxmlformats.org/drawingml/2006/main" xmlns:r="http://schemas.openxmlformats.org/officeDocument/2006/relationships" xmlns:p="http://schemas.openxmlformats.org/presentationml/2006/main">
+  <p:cSld>
+    <p:spTree>
+      <p:nvGrpSpPr>
+        <p:cNvPr id="1" name="">
+          <a:extLst>
+            <a:ext uri="{FF2B5EF4-FFF2-40B4-BE49-F238E27FC236}">
+              <a16:creationId xmlns:a16="http://schemas.microsoft.com/office/drawing/2014/main" id="{A5123623-6B83-791E-82A5-AEAE78ACCFF9}"/>
+            </a:ext>
+          </a:extLst>
+        </p:cNvPr>
+        <p:cNvGrpSpPr/>
+        <p:nvPr/>
+      </p:nvGrpSpPr>
+      <p:grpSpPr>
+        <a:xfrm>
+          <a:off x="0" y="0"/>
+          <a:ext cx="0" cy="0"/>
+          <a:chOff x="0" y="0"/>
+          <a:chExt cx="0" cy="0"/>
+        </a:xfrm>
+      </p:grpSpPr>
+      <p:sp>
+        <p:nvSpPr>
+          <p:cNvPr id="2" name="Rectangle: Rounded Corners 1">
+            <a:extLst>
+              <a:ext uri="{FF2B5EF4-FFF2-40B4-BE49-F238E27FC236}">
+                <a16:creationId xmlns:a16="http://schemas.microsoft.com/office/drawing/2014/main" id="{C0A07907-8A7B-94B8-832B-F1495A56C62A}"/>
+              </a:ext>
+            </a:extLst>
+          </p:cNvPr>
+          <p:cNvSpPr/>
+          <p:nvPr/>
+        </p:nvSpPr>
+        <p:spPr>
+          <a:xfrm>
+            <a:off x="2445174" y="1651000"/>
+            <a:ext cx="2880360" cy="1666240"/>
+          </a:xfrm>
+          <a:prstGeom prst="roundRect">
+            <a:avLst/>
+          </a:prstGeom>
+          <a:solidFill>
+            <a:schemeClr val="bg1"/>
+          </a:solidFill>
+          <a:ln w="34925">
+            <a:solidFill>
+              <a:schemeClr val="tx1"/>
+            </a:solidFill>
+          </a:ln>
+          <a:effectLst>
+            <a:outerShdw blurRad="317500" dir="2700000" algn="ctr">
+              <a:srgbClr val="000000">
+                <a:alpha val="43000"/>
+              </a:srgbClr>
+            </a:outerShdw>
+          </a:effectLst>
+        </p:spPr>
+        <p:style>
+          <a:lnRef idx="2">
+            <a:schemeClr val="accent1">
+              <a:shade val="15000"/>
+            </a:schemeClr>
+          </a:lnRef>
+          <a:fillRef idx="1">
+            <a:schemeClr val="accent1"/>
+          </a:fillRef>
+          <a:effectRef idx="0">
+            <a:schemeClr val="accent1"/>
+          </a:effectRef>
+          <a:fontRef idx="minor">
+            <a:schemeClr val="lt1"/>
+          </a:fontRef>
+        </p:style>
+        <p:txBody>
+          <a:bodyPr rtlCol="0" anchor="ctr"/>
+          <a:lstStyle/>
+          <a:p>
+            <a:pPr algn="ctr"/>
+            <a:r>
+              <a:rPr lang="en-GB" sz="2400" b="1" i="0" noProof="0" dirty="0">
+                <a:solidFill>
+                  <a:srgbClr val="1F2328"/>
+                </a:solidFill>
+                <a:effectLst/>
+                <a:latin typeface="-apple-system"/>
+              </a:rPr>
+              <a:t>Data </a:t>
+            </a:r>
+            <a:r>
+              <a:rPr lang="en-GB" sz="2400" b="1" noProof="0" dirty="0">
+                <a:solidFill>
+                  <a:srgbClr val="1F2328"/>
+                </a:solidFill>
+                <a:latin typeface="-apple-system"/>
+              </a:rPr>
+              <a:t>reduction</a:t>
+            </a:r>
+            <a:r>
+              <a:rPr lang="en-GB" sz="2400" b="1" i="0" noProof="0" dirty="0">
+                <a:solidFill>
+                  <a:srgbClr val="1F2328"/>
+                </a:solidFill>
+                <a:effectLst/>
+                <a:latin typeface="-apple-system"/>
+              </a:rPr>
+              <a:t> </a:t>
+            </a:r>
+          </a:p>
+        </p:txBody>
+      </p:sp>
+      <p:sp>
+        <p:nvSpPr>
+          <p:cNvPr id="9" name="TextBox 8">
+            <a:extLst>
+              <a:ext uri="{FF2B5EF4-FFF2-40B4-BE49-F238E27FC236}">
+                <a16:creationId xmlns:a16="http://schemas.microsoft.com/office/drawing/2014/main" id="{C6DA3AEC-8478-DDFC-D8D1-A399B33948FD}"/>
+              </a:ext>
+            </a:extLst>
+          </p:cNvPr>
+          <p:cNvSpPr txBox="1"/>
+          <p:nvPr/>
+        </p:nvSpPr>
+        <p:spPr>
+          <a:xfrm>
+            <a:off x="2445174" y="3982197"/>
+            <a:ext cx="2880360" cy="1477328"/>
+          </a:xfrm>
+          <a:prstGeom prst="rect">
+            <a:avLst/>
+          </a:prstGeom>
+          <a:noFill/>
+        </p:spPr>
+        <p:txBody>
+          <a:bodyPr wrap="square" rtlCol="0">
+            <a:spAutoFit/>
+          </a:bodyPr>
+          <a:lstStyle/>
+          <a:p>
+            <a:pPr algn="l">
+              <a:buFont typeface="Arial" panose="020B0604020202020204" pitchFamily="34" charset="0"/>
+              <a:buChar char="•"/>
+            </a:pPr>
+            <a:r>
+              <a:rPr lang="en-GB" b="0" i="0" noProof="0" dirty="0">
+                <a:solidFill>
+                  <a:srgbClr val="1F2328"/>
+                </a:solidFill>
+                <a:effectLst/>
+                <a:latin typeface="-apple-system"/>
+              </a:rPr>
+              <a:t> PCR</a:t>
+            </a:r>
+          </a:p>
+          <a:p>
+            <a:pPr algn="l"/>
+            <a:endParaRPr lang="en-GB" b="0" i="0" noProof="0" dirty="0">
+              <a:solidFill>
+                <a:srgbClr val="1F2328"/>
+              </a:solidFill>
+              <a:effectLst/>
+              <a:latin typeface="-apple-system"/>
+            </a:endParaRPr>
+          </a:p>
+          <a:p>
+            <a:pPr algn="l">
+              <a:buFont typeface="Arial" panose="020B0604020202020204" pitchFamily="34" charset="0"/>
+              <a:buChar char="•"/>
+            </a:pPr>
+            <a:r>
+              <a:rPr lang="en-GB" noProof="0" dirty="0">
+                <a:solidFill>
+                  <a:srgbClr val="1F2328"/>
+                </a:solidFill>
+                <a:latin typeface="-apple-system"/>
+              </a:rPr>
+              <a:t> k-means</a:t>
+            </a:r>
+          </a:p>
+          <a:p>
+            <a:pPr algn="l">
+              <a:buFont typeface="Arial" panose="020B0604020202020204" pitchFamily="34" charset="0"/>
+              <a:buChar char="•"/>
+            </a:pPr>
+            <a:endParaRPr lang="en-GB" noProof="0" dirty="0">
+              <a:solidFill>
+                <a:srgbClr val="1F2328"/>
+              </a:solidFill>
+              <a:latin typeface="-apple-system"/>
+            </a:endParaRPr>
+          </a:p>
+          <a:p>
+            <a:pPr algn="l">
+              <a:buFont typeface="Arial" panose="020B0604020202020204" pitchFamily="34" charset="0"/>
+              <a:buChar char="•"/>
+            </a:pPr>
+            <a:r>
+              <a:rPr lang="en-GB" noProof="0" dirty="0">
+                <a:solidFill>
+                  <a:srgbClr val="1F2328"/>
+                </a:solidFill>
+                <a:latin typeface="-apple-system"/>
+              </a:rPr>
+              <a:t> linear regression analysis</a:t>
+            </a:r>
+          </a:p>
+        </p:txBody>
+      </p:sp>
+      <p:sp>
+        <p:nvSpPr>
+          <p:cNvPr id="3" name="TextBox 2">
+            <a:extLst>
+              <a:ext uri="{FF2B5EF4-FFF2-40B4-BE49-F238E27FC236}">
+                <a16:creationId xmlns:a16="http://schemas.microsoft.com/office/drawing/2014/main" id="{719F5976-1FBB-37CE-9A28-84BB95E34E1F}"/>
+              </a:ext>
+            </a:extLst>
+          </p:cNvPr>
+          <p:cNvSpPr txBox="1"/>
+          <p:nvPr/>
+        </p:nvSpPr>
+        <p:spPr>
+          <a:xfrm>
+            <a:off x="3167062" y="290480"/>
+            <a:ext cx="5857875" cy="769441"/>
+          </a:xfrm>
+          <a:prstGeom prst="rect">
+            <a:avLst/>
+          </a:prstGeom>
+          <a:noFill/>
+        </p:spPr>
+        <p:txBody>
+          <a:bodyPr wrap="square" rtlCol="0">
+            <a:spAutoFit/>
+          </a:bodyPr>
+          <a:lstStyle/>
+          <a:p>
+            <a:pPr algn="ctr"/>
+            <a:r>
+              <a:rPr lang="en-GB" sz="4400" noProof="0" dirty="0"/>
+              <a:t>3./4. Week</a:t>
+            </a:r>
+          </a:p>
+        </p:txBody>
+      </p:sp>
+      <p:pic>
+        <p:nvPicPr>
+          <p:cNvPr id="8" name="Picture 7" descr="A graph with red and blue dots&#10;&#10;AI-generated content may be incorrect.">
+            <a:extLst>
+              <a:ext uri="{FF2B5EF4-FFF2-40B4-BE49-F238E27FC236}">
+                <a16:creationId xmlns:a16="http://schemas.microsoft.com/office/drawing/2014/main" id="{F5E8DA1F-4232-EEFA-2EAD-9958096A0365}"/>
+              </a:ext>
+            </a:extLst>
+          </p:cNvPr>
+          <p:cNvPicPr>
+            <a:picLocks noChangeAspect="1"/>
+          </p:cNvPicPr>
+          <p:nvPr/>
+        </p:nvPicPr>
+        <p:blipFill>
+          <a:blip r:embed="rId2">
+            <a:extLst>
+              <a:ext uri="{28A0092B-C50C-407E-A947-70E740481C1C}">
+                <a14:useLocalDpi xmlns:a14="http://schemas.microsoft.com/office/drawing/2010/main" val="0"/>
+              </a:ext>
+            </a:extLst>
+          </a:blip>
+          <a:stretch>
+            <a:fillRect/>
+          </a:stretch>
+        </p:blipFill>
+        <p:spPr>
+          <a:xfrm>
+            <a:off x="7239001" y="1650999"/>
+            <a:ext cx="4953000" cy="4664477"/>
+          </a:xfrm>
+          <a:prstGeom prst="rect">
+            <a:avLst/>
+          </a:prstGeom>
+        </p:spPr>
+      </p:pic>
+      <p:pic>
+        <p:nvPicPr>
+          <p:cNvPr id="5" name="Picture 4" descr="A graph of a graph&#10;&#10;AI-generated content may be incorrect.">
+            <a:extLst>
+              <a:ext uri="{FF2B5EF4-FFF2-40B4-BE49-F238E27FC236}">
+                <a16:creationId xmlns:a16="http://schemas.microsoft.com/office/drawing/2014/main" id="{8413892F-AFAF-C00D-2048-2DB3A0070D1F}"/>
+              </a:ext>
+            </a:extLst>
+          </p:cNvPr>
+          <p:cNvPicPr>
+            <a:picLocks noChangeAspect="1"/>
+          </p:cNvPicPr>
+          <p:nvPr/>
+        </p:nvPicPr>
+        <p:blipFill>
+          <a:blip r:embed="rId3">
+            <a:extLst>
+              <a:ext uri="{28A0092B-C50C-407E-A947-70E740481C1C}">
+                <a14:useLocalDpi xmlns:a14="http://schemas.microsoft.com/office/drawing/2010/main" val="0"/>
+              </a:ext>
+            </a:extLst>
+          </a:blip>
+          <a:srcRect l="442"/>
+          <a:stretch/>
+        </p:blipFill>
+        <p:spPr>
+          <a:xfrm>
+            <a:off x="6045201" y="1650999"/>
+            <a:ext cx="6062135" cy="4607908"/>
+          </a:xfrm>
+          <a:prstGeom prst="rect">
+            <a:avLst/>
+          </a:prstGeom>
+        </p:spPr>
+      </p:pic>
+      <p:sp>
+        <p:nvSpPr>
+          <p:cNvPr id="12" name="TextBox 11">
+            <a:extLst>
+              <a:ext uri="{FF2B5EF4-FFF2-40B4-BE49-F238E27FC236}">
+                <a16:creationId xmlns:a16="http://schemas.microsoft.com/office/drawing/2014/main" id="{8B8886D3-46DB-A5F2-B828-DF4FBE419632}"/>
+              </a:ext>
+            </a:extLst>
+          </p:cNvPr>
+          <p:cNvSpPr txBox="1"/>
+          <p:nvPr/>
+        </p:nvSpPr>
+        <p:spPr>
+          <a:xfrm>
+            <a:off x="6045201" y="6429020"/>
+            <a:ext cx="4572000" cy="246221"/>
+          </a:xfrm>
+          <a:prstGeom prst="rect">
+            <a:avLst/>
+          </a:prstGeom>
+          <a:noFill/>
+        </p:spPr>
+        <p:txBody>
+          <a:bodyPr wrap="square" rtlCol="0">
+            <a:spAutoFit/>
+          </a:bodyPr>
+          <a:lstStyle/>
+          <a:p>
+            <a:r>
+              <a:rPr lang="en-GB" sz="1000" u="sng" noProof="0" dirty="0" err="1"/>
+              <a:t>Bioinfo</a:t>
+            </a:r>
+            <a:r>
+              <a:rPr lang="en-GB" sz="1000" u="sng" noProof="0" dirty="0"/>
+              <a:t>-Slides </a:t>
+            </a:r>
+            <a:r>
+              <a:rPr lang="en-GB" sz="1000" u="sng" noProof="0" dirty="0" err="1"/>
+              <a:t>aus</a:t>
+            </a:r>
+            <a:r>
+              <a:rPr lang="en-GB" sz="1000" u="sng" noProof="0" dirty="0"/>
+              <a:t> </a:t>
+            </a:r>
+            <a:r>
+              <a:rPr lang="en-GB" sz="1000" u="sng" noProof="0" dirty="0" err="1"/>
+              <a:t>dem</a:t>
+            </a:r>
+            <a:r>
+              <a:rPr lang="en-GB" sz="1000" u="sng" noProof="0" dirty="0"/>
+              <a:t> 3. Semester</a:t>
+            </a:r>
+          </a:p>
+        </p:txBody>
+      </p:sp>
+      <p:sp>
+        <p:nvSpPr>
+          <p:cNvPr id="13" name="TextBox 12">
+            <a:extLst>
+              <a:ext uri="{FF2B5EF4-FFF2-40B4-BE49-F238E27FC236}">
+                <a16:creationId xmlns:a16="http://schemas.microsoft.com/office/drawing/2014/main" id="{35712DFF-DC77-C3A8-95B8-5E727EB42BA2}"/>
+              </a:ext>
+            </a:extLst>
+          </p:cNvPr>
+          <p:cNvSpPr txBox="1"/>
+          <p:nvPr/>
+        </p:nvSpPr>
+        <p:spPr>
+          <a:xfrm>
+            <a:off x="5304366" y="1039493"/>
+            <a:ext cx="1583266" cy="369332"/>
+          </a:xfrm>
+          <a:prstGeom prst="rect">
+            <a:avLst/>
+          </a:prstGeom>
+          <a:noFill/>
+        </p:spPr>
+        <p:txBody>
+          <a:bodyPr wrap="square" rtlCol="0">
+            <a:spAutoFit/>
+          </a:bodyPr>
+          <a:lstStyle/>
+          <a:p>
+            <a:pPr algn="ctr"/>
+            <a:r>
+              <a:rPr lang="de-DE" dirty="0"/>
+              <a:t>02.06.-15.06.</a:t>
+            </a:r>
+          </a:p>
+        </p:txBody>
+      </p:sp>
+    </p:spTree>
+    <p:extLst>
+      <p:ext uri="{BB962C8B-B14F-4D97-AF65-F5344CB8AC3E}">
+        <p14:creationId xmlns:p14="http://schemas.microsoft.com/office/powerpoint/2010/main" val="695571366"/>
+      </p:ext>
+    </p:extLst>
+  </p:cSld>
+  <p:clrMapOvr>
+    <a:masterClrMapping/>
+  </p:clrMapOvr>
+  <p:timing>
+    <p:tnLst>
+      <p:par>
+        <p:cTn id="1" dur="indefinite" restart="never" nodeType="tmRoot">
+          <p:childTnLst>
+            <p:seq concurrent="1" nextAc="seek">
+              <p:cTn id="2" dur="indefinite" nodeType="mainSeq">
+                <p:childTnLst>
+                  <p:par>
+                    <p:cTn id="3" fill="hold">
+                      <p:stCondLst>
+                        <p:cond delay="indefinite"/>
+                      </p:stCondLst>
+                      <p:childTnLst>
+                        <p:par>
+                          <p:cTn id="4" fill="hold">
+                            <p:stCondLst>
+                              <p:cond delay="0"/>
+                            </p:stCondLst>
+                            <p:childTnLst>
+                              <p:par>
+                                <p:cTn id="5" presetID="1" presetClass="entr" presetSubtype="0" fill="hold" grpId="0" nodeType="clickEffect">
+                                  <p:stCondLst>
+                                    <p:cond delay="0"/>
+                                  </p:stCondLst>
+                                  <p:childTnLst>
+                                    <p:set>
+                                      <p:cBhvr>
+                                        <p:cTn id="6" dur="1" fill="hold">
+                                          <p:stCondLst>
+                                            <p:cond delay="0"/>
+                                          </p:stCondLst>
+                                        </p:cTn>
+                                        <p:tgtEl>
+                                          <p:spTgt spid="2"/>
+                                        </p:tgtEl>
+                                        <p:attrNameLst>
+                                          <p:attrName>style.visibility</p:attrName>
+                                        </p:attrNameLst>
+                                      </p:cBhvr>
+                                      <p:to>
+                                        <p:strVal val="visible"/>
+                                      </p:to>
+                                    </p:set>
+                                  </p:childTnLst>
+                                </p:cTn>
+                              </p:par>
+                            </p:childTnLst>
+                          </p:cTn>
+                        </p:par>
+                      </p:childTnLst>
+                    </p:cTn>
+                  </p:par>
+                  <p:par>
+                    <p:cTn id="7" fill="hold">
+                      <p:stCondLst>
+                        <p:cond delay="indefinite"/>
+                      </p:stCondLst>
+                      <p:childTnLst>
+                        <p:par>
+                          <p:cTn id="8" fill="hold">
+                            <p:stCondLst>
+                              <p:cond delay="0"/>
+                            </p:stCondLst>
+                            <p:childTnLst>
+                              <p:par>
+                                <p:cTn id="9" presetID="1" presetClass="entr" presetSubtype="0" fill="hold" grpId="0" nodeType="clickEffect">
+                                  <p:stCondLst>
+                                    <p:cond delay="0"/>
+                                  </p:stCondLst>
+                                  <p:childTnLst>
+                                    <p:set>
+                                      <p:cBhvr>
+                                        <p:cTn id="10" dur="1" fill="hold">
+                                          <p:stCondLst>
+                                            <p:cond delay="0"/>
+                                          </p:stCondLst>
+                                        </p:cTn>
+                                        <p:tgtEl>
+                                          <p:spTgt spid="9">
+                                            <p:txEl>
+                                              <p:pRg st="0" end="0"/>
+                                            </p:txEl>
+                                          </p:spTgt>
+                                        </p:tgtEl>
+                                        <p:attrNameLst>
+                                          <p:attrName>style.visibility</p:attrName>
+                                        </p:attrNameLst>
+                                      </p:cBhvr>
+                                      <p:to>
+                                        <p:strVal val="visible"/>
+                                      </p:to>
+                                    </p:set>
+                                  </p:childTnLst>
+                                </p:cTn>
+                              </p:par>
+                            </p:childTnLst>
+                          </p:cTn>
+                        </p:par>
+                      </p:childTnLst>
+                    </p:cTn>
+                  </p:par>
+                  <p:par>
+                    <p:cTn id="11" fill="hold">
+                      <p:stCondLst>
+                        <p:cond delay="indefinite"/>
+                      </p:stCondLst>
+                      <p:childTnLst>
+                        <p:par>
+                          <p:cTn id="12" fill="hold">
+                            <p:stCondLst>
+                              <p:cond delay="0"/>
+                            </p:stCondLst>
+                            <p:childTnLst>
+                              <p:par>
+                                <p:cTn id="13" presetID="1" presetClass="entr" presetSubtype="0" fill="hold" grpId="0" nodeType="clickEffect">
+                                  <p:stCondLst>
+                                    <p:cond delay="0"/>
+                                  </p:stCondLst>
+                                  <p:childTnLst>
+                                    <p:set>
+                                      <p:cBhvr>
+                                        <p:cTn id="14" dur="1" fill="hold">
+                                          <p:stCondLst>
+                                            <p:cond delay="0"/>
+                                          </p:stCondLst>
+                                        </p:cTn>
+                                        <p:tgtEl>
+                                          <p:spTgt spid="9">
+                                            <p:txEl>
+                                              <p:pRg st="2" end="2"/>
+                                            </p:txEl>
+                                          </p:spTgt>
+                                        </p:tgtEl>
+                                        <p:attrNameLst>
+                                          <p:attrName>style.visibility</p:attrName>
+                                        </p:attrNameLst>
+                                      </p:cBhvr>
+                                      <p:to>
+                                        <p:strVal val="visible"/>
+                                      </p:to>
+                                    </p:set>
+                                  </p:childTnLst>
+                                </p:cTn>
+                              </p:par>
+                            </p:childTnLst>
+                          </p:cTn>
+                        </p:par>
+                      </p:childTnLst>
+                    </p:cTn>
+                  </p:par>
+                  <p:par>
+                    <p:cTn id="15" fill="hold">
+                      <p:stCondLst>
+                        <p:cond delay="indefinite"/>
+                      </p:stCondLst>
+                      <p:childTnLst>
+                        <p:par>
+                          <p:cTn id="16" fill="hold">
+                            <p:stCondLst>
+                              <p:cond delay="0"/>
+                            </p:stCondLst>
+                            <p:childTnLst>
+                              <p:par>
+                                <p:cTn id="17" presetID="1" presetClass="entr" presetSubtype="0" fill="hold" grpId="0" nodeType="clickEffect">
+                                  <p:stCondLst>
+                                    <p:cond delay="0"/>
+                                  </p:stCondLst>
+                                  <p:childTnLst>
+                                    <p:set>
+                                      <p:cBhvr>
+                                        <p:cTn id="18" dur="1" fill="hold">
+                                          <p:stCondLst>
+                                            <p:cond delay="0"/>
+                                          </p:stCondLst>
+                                        </p:cTn>
+                                        <p:tgtEl>
+                                          <p:spTgt spid="9">
+                                            <p:txEl>
+                                              <p:pRg st="4" end="4"/>
+                                            </p:txEl>
+                                          </p:spTgt>
+                                        </p:tgtEl>
+                                        <p:attrNameLst>
+                                          <p:attrName>style.visibility</p:attrName>
+                                        </p:attrNameLst>
+                                      </p:cBhvr>
+                                      <p:to>
+                                        <p:strVal val="visible"/>
+                                      </p:to>
+                                    </p:set>
+                                  </p:childTnLst>
+                                </p:cTn>
+                              </p:par>
+                            </p:childTnLst>
+                          </p:cTn>
+                        </p:par>
+                      </p:childTnLst>
+                    </p:cTn>
+                  </p:par>
+                  <p:par>
+                    <p:cTn id="19" fill="hold">
+                      <p:stCondLst>
+                        <p:cond delay="indefinite"/>
+                      </p:stCondLst>
+                      <p:childTnLst>
+                        <p:par>
+                          <p:cTn id="20" fill="hold">
+                            <p:stCondLst>
+                              <p:cond delay="0"/>
+                            </p:stCondLst>
+                            <p:childTnLst>
+                              <p:par>
+                                <p:cTn id="21" presetID="1" presetClass="entr" presetSubtype="0" fill="hold" nodeType="clickEffect">
+                                  <p:stCondLst>
+                                    <p:cond delay="0"/>
+                                  </p:stCondLst>
+                                  <p:childTnLst>
+                                    <p:set>
+                                      <p:cBhvr>
+                                        <p:cTn id="22" dur="1" fill="hold">
+                                          <p:stCondLst>
+                                            <p:cond delay="0"/>
+                                          </p:stCondLst>
+                                        </p:cTn>
+                                        <p:tgtEl>
+                                          <p:spTgt spid="8"/>
+                                        </p:tgtEl>
+                                        <p:attrNameLst>
+                                          <p:attrName>style.visibility</p:attrName>
+                                        </p:attrNameLst>
+                                      </p:cBhvr>
+                                      <p:to>
+                                        <p:strVal val="visible"/>
+                                      </p:to>
+                                    </p:set>
+                                  </p:childTnLst>
+                                </p:cTn>
+                              </p:par>
+                            </p:childTnLst>
+                          </p:cTn>
+                        </p:par>
+                      </p:childTnLst>
+                    </p:cTn>
+                  </p:par>
+                  <p:par>
+                    <p:cTn id="23" fill="hold">
+                      <p:stCondLst>
+                        <p:cond delay="indefinite"/>
+                      </p:stCondLst>
+                      <p:childTnLst>
+                        <p:par>
+                          <p:cTn id="24" fill="hold">
+                            <p:stCondLst>
+                              <p:cond delay="0"/>
+                            </p:stCondLst>
+                            <p:childTnLst>
+                              <p:par>
+                                <p:cTn id="25" presetID="1" presetClass="entr" presetSubtype="0" fill="hold" nodeType="clickEffect">
+                                  <p:stCondLst>
+                                    <p:cond delay="0"/>
+                                  </p:stCondLst>
+                                  <p:childTnLst>
+                                    <p:set>
+                                      <p:cBhvr>
+                                        <p:cTn id="26" dur="1" fill="hold">
+                                          <p:stCondLst>
+                                            <p:cond delay="0"/>
+                                          </p:stCondLst>
+                                        </p:cTn>
+                                        <p:tgtEl>
+                                          <p:spTgt spid="5"/>
+                                        </p:tgtEl>
+                                        <p:attrNameLst>
+                                          <p:attrName>style.visibility</p:attrName>
+                                        </p:attrNameLst>
+                                      </p:cBhvr>
+                                      <p:to>
+                                        <p:strVal val="visible"/>
+                                      </p:to>
+                                    </p:set>
+                                  </p:childTnLst>
+                                </p:cTn>
+                              </p:par>
+                            </p:childTnLst>
+                          </p:cTn>
+                        </p:par>
+                      </p:childTnLst>
+                    </p:cTn>
+                  </p:par>
+                </p:childTnLst>
+              </p:cTn>
+              <p:prevCondLst>
+                <p:cond evt="onPrev" delay="0">
+                  <p:tgtEl>
+                    <p:sldTgt/>
+                  </p:tgtEl>
+                </p:cond>
+              </p:prevCondLst>
+              <p:nextCondLst>
+                <p:cond evt="onNext" delay="0">
+                  <p:tgtEl>
+                    <p:sldTgt/>
+                  </p:tgtEl>
+                </p:cond>
+              </p:nextCondLst>
+            </p:seq>
+          </p:childTnLst>
+        </p:cTn>
+      </p:par>
+    </p:tnLst>
+    <p:bldLst>
+      <p:bldP spid="2" grpId="0" animBg="1"/>
+      <p:bldP spid="9" grpId="0" build="p"/>
+    </p:bldLst>
+  </p:timing>
+</p:sld>
+</file>
+
+<file path=ppt/slides/slide13.xml><?xml version="1.0" encoding="utf-8"?>
+<p:sld xmlns:a="http://schemas.openxmlformats.org/drawingml/2006/main" xmlns:r="http://schemas.openxmlformats.org/officeDocument/2006/relationships" xmlns:p="http://schemas.openxmlformats.org/presentationml/2006/main">
+  <p:cSld>
+    <p:spTree>
+      <p:nvGrpSpPr>
+        <p:cNvPr id="1" name=""/>
+        <p:cNvGrpSpPr/>
+        <p:nvPr/>
+      </p:nvGrpSpPr>
+      <p:grpSpPr>
+        <a:xfrm>
+          <a:off x="0" y="0"/>
+          <a:ext cx="0" cy="0"/>
+          <a:chOff x="0" y="0"/>
+          <a:chExt cx="0" cy="0"/>
+        </a:xfrm>
+      </p:grpSpPr>
+      <p:pic>
+        <p:nvPicPr>
+          <p:cNvPr id="2" name="Picture 1" descr="A comparison of a graph&#10;&#10;AI-generated content may be incorrect.">
+            <a:extLst>
+              <a:ext uri="{FF2B5EF4-FFF2-40B4-BE49-F238E27FC236}">
+                <a16:creationId xmlns:a16="http://schemas.microsoft.com/office/drawing/2014/main" id="{4A73FD8A-1DFB-7CC1-7CFB-C06F98CBF7F8}"/>
+              </a:ext>
+            </a:extLst>
+          </p:cNvPr>
+          <p:cNvPicPr>
+            <a:picLocks noChangeAspect="1"/>
+          </p:cNvPicPr>
+          <p:nvPr/>
+        </p:nvPicPr>
+        <p:blipFill>
+          <a:blip r:embed="rId2">
+            <a:extLst>
+              <a:ext uri="{28A0092B-C50C-407E-A947-70E740481C1C}">
+                <a14:useLocalDpi xmlns:a14="http://schemas.microsoft.com/office/drawing/2010/main" val="0"/>
+              </a:ext>
+            </a:extLst>
+          </a:blip>
+          <a:srcRect t="5391"/>
+          <a:stretch/>
+        </p:blipFill>
+        <p:spPr>
+          <a:xfrm>
+            <a:off x="860288" y="1253880"/>
+            <a:ext cx="10471424" cy="4350240"/>
+          </a:xfrm>
+          <a:prstGeom prst="rect">
+            <a:avLst/>
+          </a:prstGeom>
+        </p:spPr>
+      </p:pic>
+      <p:sp>
+        <p:nvSpPr>
+          <p:cNvPr id="3" name="TextBox 2">
+            <a:extLst>
+              <a:ext uri="{FF2B5EF4-FFF2-40B4-BE49-F238E27FC236}">
+                <a16:creationId xmlns:a16="http://schemas.microsoft.com/office/drawing/2014/main" id="{6D65A147-8C7A-6117-BA6C-A252DC013A91}"/>
+              </a:ext>
+            </a:extLst>
+          </p:cNvPr>
+          <p:cNvSpPr txBox="1"/>
+          <p:nvPr/>
+        </p:nvSpPr>
+        <p:spPr>
+          <a:xfrm>
+            <a:off x="860288" y="5716978"/>
+            <a:ext cx="4572000" cy="246221"/>
+          </a:xfrm>
+          <a:prstGeom prst="rect">
+            <a:avLst/>
+          </a:prstGeom>
+          <a:noFill/>
+        </p:spPr>
+        <p:txBody>
+          <a:bodyPr wrap="square" rtlCol="0">
+            <a:spAutoFit/>
+          </a:bodyPr>
+          <a:lstStyle/>
+          <a:p>
+            <a:r>
+              <a:rPr lang="en-GB" sz="1000" u="sng" noProof="0" dirty="0" err="1"/>
+              <a:t>Bioinfo</a:t>
+            </a:r>
+            <a:r>
+              <a:rPr lang="en-GB" sz="1000" u="sng" noProof="0" dirty="0"/>
+              <a:t>-Slides </a:t>
+            </a:r>
+            <a:r>
+              <a:rPr lang="en-GB" sz="1000" u="sng" noProof="0" dirty="0" err="1"/>
+              <a:t>aus</a:t>
+            </a:r>
+            <a:r>
+              <a:rPr lang="en-GB" sz="1000" u="sng" noProof="0" dirty="0"/>
+              <a:t> </a:t>
+            </a:r>
+            <a:r>
+              <a:rPr lang="en-GB" sz="1000" u="sng" noProof="0" dirty="0" err="1"/>
+              <a:t>dem</a:t>
+            </a:r>
+            <a:r>
+              <a:rPr lang="en-GB" sz="1000" u="sng" noProof="0" dirty="0"/>
+              <a:t> 3. Semester</a:t>
+            </a:r>
+          </a:p>
+        </p:txBody>
+      </p:sp>
+    </p:spTree>
+    <p:extLst>
+      <p:ext uri="{BB962C8B-B14F-4D97-AF65-F5344CB8AC3E}">
+        <p14:creationId xmlns:p14="http://schemas.microsoft.com/office/powerpoint/2010/main" val="3608344811"/>
+      </p:ext>
+    </p:extLst>
+  </p:cSld>
+  <p:clrMapOvr>
+    <a:masterClrMapping/>
+  </p:clrMapOvr>
+</p:sld>
+</file>
+
+<file path=ppt/slides/slide14.xml><?xml version="1.0" encoding="utf-8"?>
 <p:sld xmlns:a="http://schemas.openxmlformats.org/drawingml/2006/main" xmlns:r="http://schemas.openxmlformats.org/officeDocument/2006/relationships" xmlns:p="http://schemas.openxmlformats.org/presentationml/2006/main">
   <p:cSld>
     <p:spTree>
@@ -4352,7 +6967,7 @@
 </p:sld>
 </file>
 
-<file path=ppt/slides/slide11.xml><?xml version="1.0" encoding="utf-8"?>
+<file path=ppt/slides/slide15.xml><?xml version="1.0" encoding="utf-8"?>
 <p:sld xmlns:a="http://schemas.openxmlformats.org/drawingml/2006/main" xmlns:r="http://schemas.openxmlformats.org/officeDocument/2006/relationships" xmlns:p="http://schemas.openxmlformats.org/presentationml/2006/main">
   <p:cSld>
     <p:spTree>
@@ -4767,7 +7382,7 @@
         </p:blipFill>
         <p:spPr>
           <a:xfrm>
-            <a:off x="778239" y="1114330"/>
+            <a:off x="777592" y="1121432"/>
             <a:ext cx="4029365" cy="5655407"/>
           </a:xfrm>
           <a:prstGeom prst="rect">
@@ -5542,6 +8157,2618 @@
       </p:grpSpPr>
       <p:sp>
         <p:nvSpPr>
+          <p:cNvPr id="3" name="Inhaltsplatzhalter 2">
+            <a:extLst>
+              <a:ext uri="{FF2B5EF4-FFF2-40B4-BE49-F238E27FC236}">
+                <a16:creationId xmlns:a16="http://schemas.microsoft.com/office/drawing/2014/main" id="{115C18D8-C9D5-F800-76C7-B4DCF73D1E8E}"/>
+              </a:ext>
+            </a:extLst>
+          </p:cNvPr>
+          <p:cNvSpPr>
+            <a:spLocks noGrp="1"/>
+          </p:cNvSpPr>
+          <p:nvPr>
+            <p:ph idx="1"/>
+          </p:nvPr>
+        </p:nvSpPr>
+        <p:spPr>
+          <a:xfrm>
+            <a:off x="693345" y="3920149"/>
+            <a:ext cx="10515600" cy="3089731"/>
+          </a:xfrm>
+        </p:spPr>
+        <p:txBody>
+          <a:bodyPr>
+            <a:normAutofit/>
+          </a:bodyPr>
+          <a:lstStyle/>
+          <a:p>
+            <a:r>
+              <a:rPr lang="de-DE" dirty="0"/>
+              <a:t>Vorteile: Enrichment-</a:t>
+            </a:r>
+            <a:r>
+              <a:rPr lang="de-DE" dirty="0" err="1"/>
+              <a:t>free</a:t>
+            </a:r>
+            <a:r>
+              <a:rPr lang="de-DE" dirty="0"/>
+              <a:t>: Basiert nicht auf den Unterschieden von Affinität oder Eigenschaften der einzelnen Proteine, auch nicht auf bestimmten RNA/Protein-Sequenzen, liefert quantitative Aussagen über den Anteil jedes </a:t>
+            </a:r>
+            <a:r>
+              <a:rPr lang="de-DE" dirty="0" err="1"/>
+              <a:t>RBP</a:t>
+            </a:r>
+            <a:r>
+              <a:rPr lang="de-DE" dirty="0"/>
+              <a:t>, der tatsächlich an die RNA angelagert ist</a:t>
+            </a:r>
+          </a:p>
+          <a:p>
+            <a:r>
+              <a:rPr lang="de-DE" dirty="0"/>
+              <a:t>Limitationen: Identifiziert nicht die </a:t>
+            </a:r>
+            <a:r>
+              <a:rPr lang="de-DE" dirty="0" err="1"/>
+              <a:t>binding</a:t>
+            </a:r>
+            <a:r>
+              <a:rPr lang="de-DE" dirty="0"/>
+              <a:t> </a:t>
+            </a:r>
+            <a:r>
+              <a:rPr lang="de-DE" dirty="0" err="1"/>
+              <a:t>sites</a:t>
+            </a:r>
+            <a:r>
+              <a:rPr lang="de-DE" dirty="0"/>
+              <a:t>, keine Unterscheidung zwischen direkten und indirekten Interaktionen</a:t>
+            </a:r>
+          </a:p>
+          <a:p>
+            <a:pPr marL="0" indent="0">
+              <a:buNone/>
+            </a:pPr>
+            <a:endParaRPr lang="de-DE" dirty="0"/>
+          </a:p>
+        </p:txBody>
+      </p:sp>
+      <p:sp>
+        <p:nvSpPr>
+          <p:cNvPr id="9" name="Textfeld 8">
+            <a:extLst>
+              <a:ext uri="{FF2B5EF4-FFF2-40B4-BE49-F238E27FC236}">
+                <a16:creationId xmlns:a16="http://schemas.microsoft.com/office/drawing/2014/main" id="{7F20E539-8754-BA68-A4EF-17CDD02A551E}"/>
+              </a:ext>
+            </a:extLst>
+          </p:cNvPr>
+          <p:cNvSpPr txBox="1"/>
+          <p:nvPr/>
+        </p:nvSpPr>
+        <p:spPr>
+          <a:xfrm>
+            <a:off x="941560" y="1665838"/>
+            <a:ext cx="10339058" cy="923330"/>
+          </a:xfrm>
+          <a:prstGeom prst="rect">
+            <a:avLst/>
+          </a:prstGeom>
+          <a:noFill/>
+        </p:spPr>
+        <p:txBody>
+          <a:bodyPr wrap="square" rtlCol="0">
+            <a:spAutoFit/>
+          </a:bodyPr>
+          <a:lstStyle/>
+          <a:p>
+            <a:r>
+              <a:rPr lang="de-DE" dirty="0" err="1"/>
+              <a:t>Detection</a:t>
+            </a:r>
+            <a:r>
+              <a:rPr lang="de-DE" dirty="0"/>
+              <a:t> </a:t>
+            </a:r>
+            <a:r>
+              <a:rPr lang="de-DE" dirty="0" err="1"/>
+              <a:t>of</a:t>
+            </a:r>
+            <a:r>
+              <a:rPr lang="de-DE" dirty="0"/>
+              <a:t> all RNA-</a:t>
+            </a:r>
+            <a:r>
+              <a:rPr lang="de-DE" dirty="0" err="1"/>
+              <a:t>dependent</a:t>
+            </a:r>
+            <a:r>
+              <a:rPr lang="de-DE" dirty="0"/>
+              <a:t> </a:t>
+            </a:r>
+            <a:r>
+              <a:rPr lang="de-DE" dirty="0" err="1"/>
+              <a:t>proteins</a:t>
+            </a:r>
+            <a:r>
+              <a:rPr lang="de-DE" dirty="0"/>
+              <a:t>, </a:t>
+            </a:r>
+            <a:r>
+              <a:rPr lang="de-DE" dirty="0" err="1"/>
+              <a:t>that</a:t>
+            </a:r>
+            <a:r>
+              <a:rPr lang="de-DE" dirty="0"/>
+              <a:t> </a:t>
+            </a:r>
+            <a:r>
+              <a:rPr lang="de-DE" dirty="0" err="1"/>
+              <a:t>interact</a:t>
+            </a:r>
+            <a:r>
+              <a:rPr lang="de-DE" dirty="0"/>
+              <a:t> </a:t>
+            </a:r>
+            <a:r>
+              <a:rPr lang="de-DE" dirty="0" err="1"/>
+              <a:t>direclty</a:t>
+            </a:r>
+            <a:r>
+              <a:rPr lang="de-DE" dirty="0"/>
+              <a:t> </a:t>
+            </a:r>
+            <a:r>
+              <a:rPr lang="de-DE" dirty="0" err="1"/>
+              <a:t>or</a:t>
+            </a:r>
+            <a:r>
+              <a:rPr lang="de-DE" dirty="0"/>
+              <a:t> </a:t>
+            </a:r>
+            <a:r>
+              <a:rPr lang="de-DE" dirty="0" err="1"/>
+              <a:t>indirectly</a:t>
+            </a:r>
+            <a:r>
+              <a:rPr lang="de-DE" dirty="0"/>
+              <a:t> </a:t>
+            </a:r>
+            <a:r>
+              <a:rPr lang="de-DE" dirty="0" err="1"/>
+              <a:t>with</a:t>
+            </a:r>
+            <a:r>
+              <a:rPr lang="de-DE" dirty="0"/>
+              <a:t> RNA</a:t>
+            </a:r>
+          </a:p>
+          <a:p>
+            <a:endParaRPr lang="de-DE" dirty="0"/>
+          </a:p>
+          <a:p>
+            <a:r>
+              <a:rPr lang="de-DE" dirty="0" err="1"/>
+              <a:t>Proteome-wide</a:t>
+            </a:r>
+            <a:r>
+              <a:rPr lang="de-DE" dirty="0"/>
+              <a:t>, </a:t>
+            </a:r>
+            <a:r>
+              <a:rPr lang="de-DE" dirty="0" err="1"/>
+              <a:t>unbiased</a:t>
+            </a:r>
+            <a:r>
+              <a:rPr lang="de-DE" dirty="0"/>
+              <a:t>, </a:t>
+            </a:r>
+            <a:r>
+              <a:rPr lang="de-DE" dirty="0" err="1"/>
+              <a:t>enrichment-free</a:t>
+            </a:r>
+            <a:r>
+              <a:rPr lang="de-DE" dirty="0"/>
+              <a:t> screen </a:t>
+            </a:r>
+          </a:p>
+        </p:txBody>
+      </p:sp>
+    </p:spTree>
+    <p:extLst>
+      <p:ext uri="{BB962C8B-B14F-4D97-AF65-F5344CB8AC3E}">
+        <p14:creationId xmlns:p14="http://schemas.microsoft.com/office/powerpoint/2010/main" val="4033259709"/>
+      </p:ext>
+    </p:extLst>
+  </p:cSld>
+  <p:clrMapOvr>
+    <a:masterClrMapping/>
+  </p:clrMapOvr>
+</p:sld>
+</file>
+
+<file path=ppt/slides/slide5.xml><?xml version="1.0" encoding="utf-8"?>
+<p:sld xmlns:a="http://schemas.openxmlformats.org/drawingml/2006/main" xmlns:r="http://schemas.openxmlformats.org/officeDocument/2006/relationships" xmlns:p="http://schemas.openxmlformats.org/presentationml/2006/main">
+  <p:cSld>
+    <p:spTree>
+      <p:nvGrpSpPr>
+        <p:cNvPr id="1" name="">
+          <a:extLst>
+            <a:ext uri="{FF2B5EF4-FFF2-40B4-BE49-F238E27FC236}">
+              <a16:creationId xmlns:a16="http://schemas.microsoft.com/office/drawing/2014/main" id="{321B6A4F-2666-3D27-E198-AE0F72A47203}"/>
+            </a:ext>
+          </a:extLst>
+        </p:cNvPr>
+        <p:cNvGrpSpPr/>
+        <p:nvPr/>
+      </p:nvGrpSpPr>
+      <p:grpSpPr>
+        <a:xfrm>
+          <a:off x="0" y="0"/>
+          <a:ext cx="0" cy="0"/>
+          <a:chOff x="0" y="0"/>
+          <a:chExt cx="0" cy="0"/>
+        </a:xfrm>
+      </p:grpSpPr>
+      <p:pic>
+        <p:nvPicPr>
+          <p:cNvPr id="4" name="Grafik 3" descr="Ein Bild, das Text, Diagramm, Screenshot, Design enthält.&#10;&#10;KI-generierte Inhalte können fehlerhaft sein.">
+            <a:extLst>
+              <a:ext uri="{FF2B5EF4-FFF2-40B4-BE49-F238E27FC236}">
+                <a16:creationId xmlns:a16="http://schemas.microsoft.com/office/drawing/2014/main" id="{997DE43D-1819-DD0B-55D2-479467DA46CD}"/>
+              </a:ext>
+            </a:extLst>
+          </p:cNvPr>
+          <p:cNvPicPr>
+            <a:picLocks noChangeAspect="1"/>
+          </p:cNvPicPr>
+          <p:nvPr/>
+        </p:nvPicPr>
+        <p:blipFill>
+          <a:blip r:embed="rId2">
+            <a:extLst>
+              <a:ext uri="{28A0092B-C50C-407E-A947-70E740481C1C}">
+                <a14:useLocalDpi xmlns:a14="http://schemas.microsoft.com/office/drawing/2010/main" val="0"/>
+              </a:ext>
+            </a:extLst>
+          </a:blip>
+          <a:stretch>
+            <a:fillRect/>
+          </a:stretch>
+        </p:blipFill>
+        <p:spPr>
+          <a:xfrm>
+            <a:off x="5540722" y="1332657"/>
+            <a:ext cx="6497370" cy="3913801"/>
+          </a:xfrm>
+          <a:prstGeom prst="rect">
+            <a:avLst/>
+          </a:prstGeom>
+        </p:spPr>
+      </p:pic>
+      <p:sp>
+        <p:nvSpPr>
+          <p:cNvPr id="2" name="Titel 1">
+            <a:extLst>
+              <a:ext uri="{FF2B5EF4-FFF2-40B4-BE49-F238E27FC236}">
+                <a16:creationId xmlns:a16="http://schemas.microsoft.com/office/drawing/2014/main" id="{477B7808-70D0-F6E0-E832-BB6EBAE69C1D}"/>
+              </a:ext>
+            </a:extLst>
+          </p:cNvPr>
+          <p:cNvSpPr>
+            <a:spLocks noGrp="1"/>
+          </p:cNvSpPr>
+          <p:nvPr>
+            <p:ph type="title"/>
+          </p:nvPr>
+        </p:nvSpPr>
+        <p:spPr>
+          <a:xfrm>
+            <a:off x="247650" y="142892"/>
+            <a:ext cx="4418091" cy="1325563"/>
+          </a:xfrm>
+        </p:spPr>
+        <p:txBody>
+          <a:bodyPr/>
+          <a:lstStyle/>
+          <a:p>
+            <a:pPr algn="ctr"/>
+            <a:r>
+              <a:rPr lang="de-DE" dirty="0"/>
+              <a:t>R-</a:t>
+            </a:r>
+            <a:r>
+              <a:rPr lang="de-DE" dirty="0" err="1"/>
+              <a:t>DeeP</a:t>
+            </a:r>
+            <a:r>
+              <a:rPr lang="de-DE" dirty="0"/>
+              <a:t> – </a:t>
+            </a:r>
+            <a:r>
+              <a:rPr lang="de-DE" dirty="0" err="1"/>
+              <a:t>Principle</a:t>
+            </a:r>
+            <a:r>
+              <a:rPr lang="de-DE" dirty="0"/>
+              <a:t> </a:t>
+            </a:r>
+          </a:p>
+        </p:txBody>
+      </p:sp>
+      <p:sp>
+        <p:nvSpPr>
+          <p:cNvPr id="3" name="Inhaltsplatzhalter 2">
+            <a:extLst>
+              <a:ext uri="{FF2B5EF4-FFF2-40B4-BE49-F238E27FC236}">
+                <a16:creationId xmlns:a16="http://schemas.microsoft.com/office/drawing/2014/main" id="{4839FC2C-A47E-87D3-0C01-06F523A4721F}"/>
+              </a:ext>
+            </a:extLst>
+          </p:cNvPr>
+          <p:cNvSpPr>
+            <a:spLocks noGrp="1"/>
+          </p:cNvSpPr>
+          <p:nvPr>
+            <p:ph idx="1"/>
+          </p:nvPr>
+        </p:nvSpPr>
+        <p:spPr>
+          <a:xfrm>
+            <a:off x="316872" y="1434841"/>
+            <a:ext cx="5296277" cy="4030606"/>
+          </a:xfrm>
+        </p:spPr>
+        <p:txBody>
+          <a:bodyPr>
+            <a:noAutofit/>
+          </a:bodyPr>
+          <a:lstStyle/>
+          <a:p>
+            <a:pPr marL="0" indent="0">
+              <a:lnSpc>
+                <a:spcPct val="120000"/>
+              </a:lnSpc>
+              <a:buNone/>
+            </a:pPr>
+            <a:r>
+              <a:rPr lang="de-DE" sz="2000" dirty="0">
+                <a:sym typeface="Wingdings" panose="05000000000000000000" pitchFamily="2" charset="2"/>
+              </a:rPr>
+              <a:t>RNA </a:t>
+            </a:r>
+            <a:r>
+              <a:rPr lang="de-DE" sz="2000" dirty="0" err="1">
+                <a:sym typeface="Wingdings" panose="05000000000000000000" pitchFamily="2" charset="2"/>
+              </a:rPr>
+              <a:t>degradation</a:t>
+            </a:r>
+            <a:r>
+              <a:rPr lang="de-DE" sz="2000" dirty="0">
+                <a:sym typeface="Wingdings" panose="05000000000000000000" pitchFamily="2" charset="2"/>
+              </a:rPr>
+              <a:t> </a:t>
+            </a:r>
+            <a:r>
+              <a:rPr lang="de-DE" sz="2000" dirty="0" err="1">
+                <a:sym typeface="Wingdings" panose="05000000000000000000" pitchFamily="2" charset="2"/>
+              </a:rPr>
+              <a:t>leads</a:t>
+            </a:r>
+            <a:r>
+              <a:rPr lang="de-DE" sz="2000" dirty="0">
+                <a:sym typeface="Wingdings" panose="05000000000000000000" pitchFamily="2" charset="2"/>
+              </a:rPr>
+              <a:t> </a:t>
+            </a:r>
+            <a:r>
+              <a:rPr lang="de-DE" sz="2000" dirty="0" err="1">
+                <a:sym typeface="Wingdings" panose="05000000000000000000" pitchFamily="2" charset="2"/>
+              </a:rPr>
+              <a:t>to</a:t>
+            </a:r>
+            <a:r>
+              <a:rPr lang="de-DE" sz="2000" dirty="0">
+                <a:sym typeface="Wingdings" panose="05000000000000000000" pitchFamily="2" charset="2"/>
+              </a:rPr>
+              <a:t> </a:t>
+            </a:r>
+            <a:r>
+              <a:rPr lang="de-DE" sz="2000" dirty="0" err="1">
+                <a:sym typeface="Wingdings" panose="05000000000000000000" pitchFamily="2" charset="2"/>
+              </a:rPr>
+              <a:t>dissolved</a:t>
+            </a:r>
+            <a:r>
+              <a:rPr lang="de-DE" sz="2000" dirty="0">
+                <a:sym typeface="Wingdings" panose="05000000000000000000" pitchFamily="2" charset="2"/>
+              </a:rPr>
+              <a:t> </a:t>
+            </a:r>
+            <a:r>
+              <a:rPr lang="de-DE" sz="2000" dirty="0" err="1">
+                <a:sym typeface="Wingdings" panose="05000000000000000000" pitchFamily="2" charset="2"/>
+              </a:rPr>
+              <a:t>RNP</a:t>
+            </a:r>
+            <a:r>
+              <a:rPr lang="de-DE" sz="2000" dirty="0">
+                <a:sym typeface="Wingdings" panose="05000000000000000000" pitchFamily="2" charset="2"/>
+              </a:rPr>
+              <a:t>- </a:t>
+            </a:r>
+            <a:r>
+              <a:rPr lang="de-DE" sz="2000" dirty="0" err="1">
+                <a:sym typeface="Wingdings" panose="05000000000000000000" pitchFamily="2" charset="2"/>
+              </a:rPr>
+              <a:t>complexes</a:t>
+            </a:r>
+            <a:r>
+              <a:rPr lang="de-DE" sz="2000" dirty="0">
+                <a:sym typeface="Wingdings" panose="05000000000000000000" pitchFamily="2" charset="2"/>
+              </a:rPr>
+              <a:t> </a:t>
+            </a:r>
+          </a:p>
+          <a:p>
+            <a:pPr>
+              <a:lnSpc>
+                <a:spcPct val="120000"/>
+              </a:lnSpc>
+              <a:buFont typeface="Wingdings" panose="05000000000000000000" pitchFamily="2" charset="2"/>
+              <a:buChar char="à"/>
+            </a:pPr>
+            <a:r>
+              <a:rPr lang="de-DE" sz="2000" dirty="0" err="1">
+                <a:sym typeface="Wingdings" panose="05000000000000000000" pitchFamily="2" charset="2"/>
+              </a:rPr>
+              <a:t>Released</a:t>
+            </a:r>
+            <a:r>
+              <a:rPr lang="de-DE" sz="2000" dirty="0">
+                <a:sym typeface="Wingdings" panose="05000000000000000000" pitchFamily="2" charset="2"/>
+              </a:rPr>
+              <a:t> </a:t>
+            </a:r>
+            <a:r>
+              <a:rPr lang="de-DE" sz="2000" dirty="0" err="1">
+                <a:sym typeface="Wingdings" panose="05000000000000000000" pitchFamily="2" charset="2"/>
+              </a:rPr>
+              <a:t>proteins</a:t>
+            </a:r>
+            <a:r>
+              <a:rPr lang="de-DE" sz="2000" dirty="0">
+                <a:sym typeface="Wingdings" panose="05000000000000000000" pitchFamily="2" charset="2"/>
+              </a:rPr>
+              <a:t> </a:t>
+            </a:r>
+            <a:r>
+              <a:rPr lang="de-DE" sz="2000" dirty="0" err="1">
+                <a:sym typeface="Wingdings" panose="05000000000000000000" pitchFamily="2" charset="2"/>
+              </a:rPr>
+              <a:t>migrate</a:t>
+            </a:r>
+            <a:r>
+              <a:rPr lang="de-DE" sz="2000" dirty="0">
+                <a:sym typeface="Wingdings" panose="05000000000000000000" pitchFamily="2" charset="2"/>
+              </a:rPr>
+              <a:t> </a:t>
+            </a:r>
+            <a:r>
+              <a:rPr lang="de-DE" sz="2000" dirty="0" err="1">
+                <a:sym typeface="Wingdings" panose="05000000000000000000" pitchFamily="2" charset="2"/>
+              </a:rPr>
+              <a:t>into</a:t>
+            </a:r>
+            <a:r>
+              <a:rPr lang="de-DE" sz="2000" dirty="0">
+                <a:sym typeface="Wingdings" panose="05000000000000000000" pitchFamily="2" charset="2"/>
+              </a:rPr>
+              <a:t> different </a:t>
+            </a:r>
+            <a:br>
+              <a:rPr lang="de-DE" sz="2000" dirty="0">
+                <a:sym typeface="Wingdings" panose="05000000000000000000" pitchFamily="2" charset="2"/>
+              </a:rPr>
+            </a:br>
+            <a:r>
+              <a:rPr lang="de-DE" sz="2000" dirty="0">
+                <a:sym typeface="Wingdings" panose="05000000000000000000" pitchFamily="2" charset="2"/>
+              </a:rPr>
+              <a:t> </a:t>
+            </a:r>
+            <a:r>
+              <a:rPr lang="de-DE" sz="2000" dirty="0" err="1">
+                <a:sym typeface="Wingdings" panose="05000000000000000000" pitchFamily="2" charset="2"/>
+              </a:rPr>
+              <a:t>density</a:t>
+            </a:r>
+            <a:r>
+              <a:rPr lang="de-DE" sz="2000" dirty="0">
+                <a:sym typeface="Wingdings" panose="05000000000000000000" pitchFamily="2" charset="2"/>
+              </a:rPr>
+              <a:t> </a:t>
+            </a:r>
+            <a:r>
+              <a:rPr lang="de-DE" sz="2000" dirty="0" err="1">
+                <a:sym typeface="Wingdings" panose="05000000000000000000" pitchFamily="2" charset="2"/>
+              </a:rPr>
+              <a:t>fractions</a:t>
+            </a:r>
+            <a:r>
+              <a:rPr lang="de-DE" sz="2000" dirty="0">
+                <a:sym typeface="Wingdings" panose="05000000000000000000" pitchFamily="2" charset="2"/>
+              </a:rPr>
+              <a:t> </a:t>
+            </a:r>
+          </a:p>
+          <a:p>
+            <a:pPr marL="0" indent="0">
+              <a:lnSpc>
+                <a:spcPct val="120000"/>
+              </a:lnSpc>
+              <a:buNone/>
+            </a:pPr>
+            <a:endParaRPr lang="de-DE" sz="800" dirty="0"/>
+          </a:p>
+          <a:p>
+            <a:pPr marL="0" indent="0">
+              <a:lnSpc>
+                <a:spcPct val="120000"/>
+              </a:lnSpc>
+              <a:buNone/>
+            </a:pPr>
+            <a:r>
+              <a:rPr lang="de-DE" sz="2000" dirty="0" err="1">
+                <a:sym typeface="Wingdings" panose="05000000000000000000" pitchFamily="2" charset="2"/>
+              </a:rPr>
+              <a:t>Elucidation</a:t>
+            </a:r>
+            <a:r>
+              <a:rPr lang="de-DE" sz="2000" dirty="0">
+                <a:sym typeface="Wingdings" panose="05000000000000000000" pitchFamily="2" charset="2"/>
+              </a:rPr>
+              <a:t> </a:t>
+            </a:r>
+            <a:r>
+              <a:rPr lang="de-DE" sz="2000" dirty="0" err="1">
+                <a:sym typeface="Wingdings" panose="05000000000000000000" pitchFamily="2" charset="2"/>
+              </a:rPr>
+              <a:t>of</a:t>
+            </a:r>
+            <a:r>
+              <a:rPr lang="de-DE" sz="2000" dirty="0">
+                <a:sym typeface="Wingdings" panose="05000000000000000000" pitchFamily="2" charset="2"/>
+              </a:rPr>
+              <a:t> </a:t>
+            </a:r>
+            <a:r>
+              <a:rPr lang="de-DE" sz="2000" dirty="0" err="1">
+                <a:sym typeface="Wingdings" panose="05000000000000000000" pitchFamily="2" charset="2"/>
+              </a:rPr>
+              <a:t>altered</a:t>
+            </a:r>
+            <a:r>
+              <a:rPr lang="de-DE" sz="2000" dirty="0">
+                <a:sym typeface="Wingdings" panose="05000000000000000000" pitchFamily="2" charset="2"/>
+              </a:rPr>
+              <a:t> </a:t>
+            </a:r>
+            <a:r>
+              <a:rPr lang="de-DE" sz="2000" dirty="0" err="1">
+                <a:sym typeface="Wingdings" panose="05000000000000000000" pitchFamily="2" charset="2"/>
+              </a:rPr>
+              <a:t>migration</a:t>
+            </a:r>
+            <a:r>
+              <a:rPr lang="de-DE" sz="2000" dirty="0">
+                <a:sym typeface="Wingdings" panose="05000000000000000000" pitchFamily="2" charset="2"/>
+              </a:rPr>
+              <a:t> </a:t>
+            </a:r>
+            <a:r>
+              <a:rPr lang="de-DE" sz="2000" dirty="0" err="1">
+                <a:sym typeface="Wingdings" panose="05000000000000000000" pitchFamily="2" charset="2"/>
+              </a:rPr>
+              <a:t>by</a:t>
+            </a:r>
+            <a:r>
+              <a:rPr lang="de-DE" sz="2000" dirty="0">
+                <a:sym typeface="Wingdings" panose="05000000000000000000" pitchFamily="2" charset="2"/>
+              </a:rPr>
+              <a:t> western </a:t>
+            </a:r>
+            <a:r>
+              <a:rPr lang="de-DE" sz="2000" dirty="0" err="1">
+                <a:sym typeface="Wingdings" panose="05000000000000000000" pitchFamily="2" charset="2"/>
+              </a:rPr>
+              <a:t>blotting</a:t>
+            </a:r>
+            <a:r>
+              <a:rPr lang="de-DE" sz="2000" dirty="0">
+                <a:sym typeface="Wingdings" panose="05000000000000000000" pitchFamily="2" charset="2"/>
+              </a:rPr>
+              <a:t> </a:t>
+            </a:r>
+            <a:r>
+              <a:rPr lang="de-DE" sz="2000" dirty="0" err="1">
+                <a:sym typeface="Wingdings" panose="05000000000000000000" pitchFamily="2" charset="2"/>
+              </a:rPr>
+              <a:t>or</a:t>
+            </a:r>
+            <a:r>
+              <a:rPr lang="de-DE" sz="2000" dirty="0">
+                <a:sym typeface="Wingdings" panose="05000000000000000000" pitchFamily="2" charset="2"/>
+              </a:rPr>
+              <a:t> </a:t>
+            </a:r>
+            <a:r>
+              <a:rPr lang="de-DE" sz="2000" dirty="0" err="1">
+                <a:sym typeface="Wingdings" panose="05000000000000000000" pitchFamily="2" charset="2"/>
+              </a:rPr>
+              <a:t>mass</a:t>
+            </a:r>
+            <a:r>
+              <a:rPr lang="de-DE" sz="2000" dirty="0">
+                <a:sym typeface="Wingdings" panose="05000000000000000000" pitchFamily="2" charset="2"/>
+              </a:rPr>
+              <a:t> </a:t>
+            </a:r>
+            <a:r>
+              <a:rPr lang="de-DE" sz="2000" dirty="0" err="1">
+                <a:sym typeface="Wingdings" panose="05000000000000000000" pitchFamily="2" charset="2"/>
+              </a:rPr>
+              <a:t>spectrometry</a:t>
+            </a:r>
+            <a:r>
+              <a:rPr lang="de-DE" sz="2000" dirty="0">
+                <a:sym typeface="Wingdings" panose="05000000000000000000" pitchFamily="2" charset="2"/>
+              </a:rPr>
+              <a:t> </a:t>
+            </a:r>
+          </a:p>
+          <a:p>
+            <a:pPr>
+              <a:lnSpc>
+                <a:spcPct val="120000"/>
+              </a:lnSpc>
+              <a:buFont typeface="Wingdings" panose="05000000000000000000" pitchFamily="2" charset="2"/>
+              <a:buChar char="à"/>
+            </a:pPr>
+            <a:r>
+              <a:rPr lang="de-DE" sz="2000" dirty="0" err="1">
+                <a:sym typeface="Wingdings" panose="05000000000000000000" pitchFamily="2" charset="2"/>
+              </a:rPr>
+              <a:t>Identify</a:t>
+            </a:r>
+            <a:r>
+              <a:rPr lang="de-DE" sz="2000" dirty="0">
+                <a:sym typeface="Wingdings" panose="05000000000000000000" pitchFamily="2" charset="2"/>
+              </a:rPr>
+              <a:t> </a:t>
+            </a:r>
+            <a:r>
+              <a:rPr lang="de-DE" sz="2000" dirty="0" err="1">
+                <a:sym typeface="Wingdings" panose="05000000000000000000" pitchFamily="2" charset="2"/>
+              </a:rPr>
+              <a:t>the</a:t>
+            </a:r>
+            <a:r>
+              <a:rPr lang="de-DE" sz="2000" dirty="0">
+                <a:sym typeface="Wingdings" panose="05000000000000000000" pitchFamily="2" charset="2"/>
+              </a:rPr>
+              <a:t> </a:t>
+            </a:r>
+            <a:r>
+              <a:rPr lang="de-DE" sz="2000" dirty="0" err="1">
+                <a:sym typeface="Wingdings" panose="05000000000000000000" pitchFamily="2" charset="2"/>
+              </a:rPr>
+              <a:t>quantity</a:t>
+            </a:r>
+            <a:r>
+              <a:rPr lang="de-DE" sz="2000" dirty="0">
+                <a:sym typeface="Wingdings" panose="05000000000000000000" pitchFamily="2" charset="2"/>
+              </a:rPr>
+              <a:t> </a:t>
+            </a:r>
+            <a:r>
+              <a:rPr lang="de-DE" sz="2000" dirty="0" err="1">
+                <a:sym typeface="Wingdings" panose="05000000000000000000" pitchFamily="2" charset="2"/>
+              </a:rPr>
+              <a:t>of</a:t>
+            </a:r>
+            <a:r>
+              <a:rPr lang="de-DE" sz="2000" dirty="0">
+                <a:sym typeface="Wingdings" panose="05000000000000000000" pitchFamily="2" charset="2"/>
+              </a:rPr>
+              <a:t> </a:t>
+            </a:r>
+            <a:r>
+              <a:rPr lang="de-DE" sz="2000" dirty="0" err="1">
+                <a:sym typeface="Wingdings" panose="05000000000000000000" pitchFamily="2" charset="2"/>
+              </a:rPr>
+              <a:t>peptides</a:t>
+            </a:r>
+            <a:r>
+              <a:rPr lang="de-DE" sz="2000" dirty="0">
+                <a:sym typeface="Wingdings" panose="05000000000000000000" pitchFamily="2" charset="2"/>
+              </a:rPr>
+              <a:t> in </a:t>
+            </a:r>
+            <a:r>
+              <a:rPr lang="de-DE" sz="2000" dirty="0" err="1">
+                <a:sym typeface="Wingdings" panose="05000000000000000000" pitchFamily="2" charset="2"/>
+              </a:rPr>
+              <a:t>the</a:t>
+            </a:r>
+            <a:r>
+              <a:rPr lang="de-DE" sz="2000" dirty="0">
+                <a:sym typeface="Wingdings" panose="05000000000000000000" pitchFamily="2" charset="2"/>
+              </a:rPr>
+              <a:t> </a:t>
+            </a:r>
+            <a:br>
+              <a:rPr lang="de-DE" sz="2000" dirty="0">
+                <a:sym typeface="Wingdings" panose="05000000000000000000" pitchFamily="2" charset="2"/>
+              </a:rPr>
+            </a:br>
+            <a:r>
+              <a:rPr lang="de-DE" sz="2000" dirty="0">
+                <a:sym typeface="Wingdings" panose="05000000000000000000" pitchFamily="2" charset="2"/>
+              </a:rPr>
+              <a:t>individual </a:t>
+            </a:r>
+            <a:r>
+              <a:rPr lang="de-DE" sz="2000" dirty="0" err="1">
+                <a:sym typeface="Wingdings" panose="05000000000000000000" pitchFamily="2" charset="2"/>
+              </a:rPr>
+              <a:t>density</a:t>
+            </a:r>
+            <a:r>
+              <a:rPr lang="de-DE" sz="2000" dirty="0">
+                <a:sym typeface="Wingdings" panose="05000000000000000000" pitchFamily="2" charset="2"/>
+              </a:rPr>
+              <a:t> </a:t>
+            </a:r>
+            <a:r>
+              <a:rPr lang="de-DE" sz="2000" dirty="0" err="1">
+                <a:sym typeface="Wingdings" panose="05000000000000000000" pitchFamily="2" charset="2"/>
+              </a:rPr>
+              <a:t>fractions</a:t>
+            </a:r>
+            <a:r>
+              <a:rPr lang="de-DE" sz="2000" dirty="0">
+                <a:sym typeface="Wingdings" panose="05000000000000000000" pitchFamily="2" charset="2"/>
+              </a:rPr>
+              <a:t> </a:t>
+            </a:r>
+            <a:r>
+              <a:rPr lang="de-DE" sz="2000" dirty="0" err="1">
+                <a:sym typeface="Wingdings" panose="05000000000000000000" pitchFamily="2" charset="2"/>
+              </a:rPr>
+              <a:t>of</a:t>
+            </a:r>
+            <a:r>
+              <a:rPr lang="de-DE" sz="2000" dirty="0">
+                <a:sym typeface="Wingdings" panose="05000000000000000000" pitchFamily="2" charset="2"/>
+              </a:rPr>
+              <a:t> </a:t>
+            </a:r>
+            <a:r>
+              <a:rPr lang="de-DE" sz="2000" dirty="0" err="1">
+                <a:sym typeface="Wingdings" panose="05000000000000000000" pitchFamily="2" charset="2"/>
+              </a:rPr>
+              <a:t>control</a:t>
+            </a:r>
+            <a:r>
+              <a:rPr lang="de-DE" sz="2000" dirty="0">
+                <a:sym typeface="Wingdings" panose="05000000000000000000" pitchFamily="2" charset="2"/>
+              </a:rPr>
+              <a:t> </a:t>
+            </a:r>
+            <a:br>
+              <a:rPr lang="de-DE" sz="2000" dirty="0">
+                <a:sym typeface="Wingdings" panose="05000000000000000000" pitchFamily="2" charset="2"/>
+              </a:rPr>
+            </a:br>
+            <a:r>
+              <a:rPr lang="de-DE" sz="2000" dirty="0">
+                <a:sym typeface="Wingdings" panose="05000000000000000000" pitchFamily="2" charset="2"/>
+              </a:rPr>
+              <a:t>and </a:t>
+            </a:r>
+            <a:r>
+              <a:rPr lang="de-DE" sz="2000" dirty="0" err="1">
+                <a:sym typeface="Wingdings" panose="05000000000000000000" pitchFamily="2" charset="2"/>
+              </a:rPr>
+              <a:t>RNase</a:t>
+            </a:r>
+            <a:endParaRPr lang="de-DE" sz="2000" dirty="0"/>
+          </a:p>
+        </p:txBody>
+      </p:sp>
+      <p:cxnSp>
+        <p:nvCxnSpPr>
+          <p:cNvPr id="6" name="Gerader Verbinder 5">
+            <a:extLst>
+              <a:ext uri="{FF2B5EF4-FFF2-40B4-BE49-F238E27FC236}">
+                <a16:creationId xmlns:a16="http://schemas.microsoft.com/office/drawing/2014/main" id="{BD6F128C-D586-56A0-7BAA-B2CA81F8BDFF}"/>
+              </a:ext>
+            </a:extLst>
+          </p:cNvPr>
+          <p:cNvCxnSpPr>
+            <a:cxnSpLocks/>
+          </p:cNvCxnSpPr>
+          <p:nvPr/>
+        </p:nvCxnSpPr>
+        <p:spPr>
+          <a:xfrm>
+            <a:off x="316872" y="1120960"/>
+            <a:ext cx="4245509" cy="0"/>
+          </a:xfrm>
+          <a:prstGeom prst="line">
+            <a:avLst/>
+          </a:prstGeom>
+        </p:spPr>
+        <p:style>
+          <a:lnRef idx="2">
+            <a:schemeClr val="accent2"/>
+          </a:lnRef>
+          <a:fillRef idx="0">
+            <a:schemeClr val="accent2"/>
+          </a:fillRef>
+          <a:effectRef idx="1">
+            <a:schemeClr val="accent2"/>
+          </a:effectRef>
+          <a:fontRef idx="minor">
+            <a:schemeClr val="tx1"/>
+          </a:fontRef>
+        </p:style>
+      </p:cxnSp>
+      <p:sp>
+        <p:nvSpPr>
+          <p:cNvPr id="12" name="Textfeld 11">
+            <a:extLst>
+              <a:ext uri="{FF2B5EF4-FFF2-40B4-BE49-F238E27FC236}">
+                <a16:creationId xmlns:a16="http://schemas.microsoft.com/office/drawing/2014/main" id="{3A2A2CB9-E6C1-26AC-C7D4-0222466F906D}"/>
+              </a:ext>
+            </a:extLst>
+          </p:cNvPr>
+          <p:cNvSpPr txBox="1"/>
+          <p:nvPr/>
+        </p:nvSpPr>
+        <p:spPr>
+          <a:xfrm>
+            <a:off x="2220225" y="5513689"/>
+            <a:ext cx="7751550" cy="569642"/>
+          </a:xfrm>
+          <a:prstGeom prst="rect">
+            <a:avLst/>
+          </a:prstGeom>
+          <a:noFill/>
+          <a:ln w="28575">
+            <a:solidFill>
+              <a:schemeClr val="accent2"/>
+            </a:solidFill>
+          </a:ln>
+        </p:spPr>
+        <p:txBody>
+          <a:bodyPr wrap="square" rtlCol="0">
+            <a:noAutofit/>
+          </a:bodyPr>
+          <a:lstStyle/>
+          <a:p>
+            <a:r>
+              <a:rPr lang="de-DE" sz="2400" dirty="0"/>
+              <a:t>An RNA-</a:t>
+            </a:r>
+            <a:r>
+              <a:rPr lang="de-DE" sz="2400" dirty="0" err="1"/>
+              <a:t>dependent</a:t>
+            </a:r>
+            <a:r>
+              <a:rPr lang="de-DE" sz="2400" dirty="0"/>
+              <a:t> </a:t>
+            </a:r>
+            <a:r>
+              <a:rPr lang="de-DE" sz="2400" dirty="0" err="1"/>
+              <a:t>protein</a:t>
+            </a:r>
+            <a:r>
+              <a:rPr lang="de-DE" sz="2400" dirty="0"/>
+              <a:t> </a:t>
+            </a:r>
+            <a:r>
+              <a:rPr lang="de-DE" sz="2400" dirty="0" err="1"/>
+              <a:t>must</a:t>
+            </a:r>
+            <a:r>
+              <a:rPr lang="de-DE" sz="2400" dirty="0"/>
+              <a:t> </a:t>
+            </a:r>
+            <a:r>
+              <a:rPr lang="de-DE" sz="2400" dirty="0" err="1"/>
+              <a:t>exhibit</a:t>
+            </a:r>
+            <a:r>
+              <a:rPr lang="de-DE" sz="2400" dirty="0"/>
+              <a:t> a </a:t>
+            </a:r>
+            <a:r>
+              <a:rPr lang="de-DE" sz="2400" dirty="0" err="1"/>
+              <a:t>significant</a:t>
+            </a:r>
+            <a:r>
+              <a:rPr lang="de-DE" sz="2400" dirty="0"/>
+              <a:t> shift </a:t>
+            </a:r>
+          </a:p>
+        </p:txBody>
+      </p:sp>
+      <p:sp>
+        <p:nvSpPr>
+          <p:cNvPr id="5" name="Textfeld 4">
+            <a:extLst>
+              <a:ext uri="{FF2B5EF4-FFF2-40B4-BE49-F238E27FC236}">
+                <a16:creationId xmlns:a16="http://schemas.microsoft.com/office/drawing/2014/main" id="{5DE04C1E-6F13-96A5-D1B6-68466FA2E914}"/>
+              </a:ext>
+            </a:extLst>
+          </p:cNvPr>
+          <p:cNvSpPr txBox="1"/>
+          <p:nvPr/>
+        </p:nvSpPr>
+        <p:spPr>
+          <a:xfrm>
+            <a:off x="316872" y="6396335"/>
+            <a:ext cx="11389259" cy="461665"/>
+          </a:xfrm>
+          <a:prstGeom prst="rect">
+            <a:avLst/>
+          </a:prstGeom>
+          <a:noFill/>
+        </p:spPr>
+        <p:txBody>
+          <a:bodyPr wrap="square" rtlCol="0">
+            <a:spAutoFit/>
+          </a:bodyPr>
+          <a:lstStyle/>
+          <a:p>
+            <a:r>
+              <a:rPr lang="de-DE" sz="1200" dirty="0" err="1">
+                <a:solidFill>
+                  <a:schemeClr val="bg1">
+                    <a:lumMod val="65000"/>
+                  </a:schemeClr>
+                </a:solidFill>
+              </a:rPr>
+              <a:t>Adapted</a:t>
+            </a:r>
+            <a:r>
+              <a:rPr lang="de-DE" sz="1200" dirty="0">
+                <a:solidFill>
+                  <a:schemeClr val="bg1">
+                    <a:lumMod val="65000"/>
+                  </a:schemeClr>
+                </a:solidFill>
+              </a:rPr>
+              <a:t> </a:t>
+            </a:r>
+            <a:r>
+              <a:rPr lang="de-DE" sz="1200" dirty="0" err="1">
+                <a:solidFill>
+                  <a:schemeClr val="bg1">
+                    <a:lumMod val="65000"/>
+                  </a:schemeClr>
+                </a:solidFill>
+              </a:rPr>
+              <a:t>from</a:t>
+            </a:r>
+            <a:r>
+              <a:rPr lang="de-DE" sz="1200" dirty="0">
+                <a:solidFill>
+                  <a:schemeClr val="bg1">
+                    <a:lumMod val="65000"/>
+                  </a:schemeClr>
+                </a:solidFill>
+              </a:rPr>
+              <a:t>: Caudron-Herger, M., </a:t>
+            </a:r>
+            <a:r>
+              <a:rPr lang="de-DE" sz="1200" dirty="0" err="1">
+                <a:solidFill>
+                  <a:schemeClr val="bg1">
+                    <a:lumMod val="65000"/>
+                  </a:schemeClr>
+                </a:solidFill>
+              </a:rPr>
+              <a:t>Rusin</a:t>
+            </a:r>
+            <a:r>
+              <a:rPr lang="de-DE" sz="1200" dirty="0">
+                <a:solidFill>
+                  <a:schemeClr val="bg1">
+                    <a:lumMod val="65000"/>
+                  </a:schemeClr>
+                </a:solidFill>
+              </a:rPr>
+              <a:t>, </a:t>
+            </a:r>
+            <a:r>
+              <a:rPr lang="de-DE" sz="1200" dirty="0" err="1">
+                <a:solidFill>
+                  <a:schemeClr val="bg1">
+                    <a:lumMod val="65000"/>
+                  </a:schemeClr>
+                </a:solidFill>
+              </a:rPr>
+              <a:t>S.F</a:t>
+            </a:r>
+            <a:r>
+              <a:rPr lang="de-DE" sz="1200" dirty="0">
+                <a:solidFill>
+                  <a:schemeClr val="bg1">
+                    <a:lumMod val="65000"/>
+                  </a:schemeClr>
+                </a:solidFill>
+              </a:rPr>
+              <a:t>., Adamo, M.E., Seiler, J., Schmid, </a:t>
+            </a:r>
+            <a:r>
+              <a:rPr lang="de-DE" sz="1200" dirty="0" err="1">
+                <a:solidFill>
+                  <a:schemeClr val="bg1">
+                    <a:lumMod val="65000"/>
+                  </a:schemeClr>
+                </a:solidFill>
+              </a:rPr>
+              <a:t>V.K</a:t>
+            </a:r>
+            <a:r>
+              <a:rPr lang="de-DE" sz="1200" dirty="0">
+                <a:solidFill>
+                  <a:schemeClr val="bg1">
+                    <a:lumMod val="65000"/>
+                  </a:schemeClr>
+                </a:solidFill>
+              </a:rPr>
+              <a:t>., </a:t>
+            </a:r>
+            <a:r>
+              <a:rPr lang="de-DE" sz="1200" dirty="0" err="1">
+                <a:solidFill>
+                  <a:schemeClr val="bg1">
+                    <a:lumMod val="65000"/>
+                  </a:schemeClr>
+                </a:solidFill>
+              </a:rPr>
+              <a:t>Barreau</a:t>
+            </a:r>
+            <a:r>
+              <a:rPr lang="de-DE" sz="1200" dirty="0">
+                <a:solidFill>
+                  <a:schemeClr val="bg1">
+                    <a:lumMod val="65000"/>
+                  </a:schemeClr>
+                </a:solidFill>
+              </a:rPr>
+              <a:t>, E., Kettenbach, A.N., and Diederichs, S. (2019). R-</a:t>
+            </a:r>
+            <a:r>
+              <a:rPr lang="de-DE" sz="1200" dirty="0" err="1">
+                <a:solidFill>
+                  <a:schemeClr val="bg1">
+                    <a:lumMod val="65000"/>
+                  </a:schemeClr>
+                </a:solidFill>
+              </a:rPr>
+              <a:t>DeeP</a:t>
+            </a:r>
+            <a:r>
+              <a:rPr lang="de-DE" sz="1200" dirty="0">
+                <a:solidFill>
+                  <a:schemeClr val="bg1">
+                    <a:lumMod val="65000"/>
+                  </a:schemeClr>
+                </a:solidFill>
+              </a:rPr>
+              <a:t>: </a:t>
+            </a:r>
+            <a:r>
+              <a:rPr lang="de-DE" sz="1200" dirty="0" err="1">
+                <a:solidFill>
+                  <a:schemeClr val="bg1">
+                    <a:lumMod val="65000"/>
+                  </a:schemeClr>
+                </a:solidFill>
+              </a:rPr>
+              <a:t>Proteome-wide</a:t>
+            </a:r>
+            <a:r>
+              <a:rPr lang="de-DE" sz="1200" dirty="0">
+                <a:solidFill>
+                  <a:schemeClr val="bg1">
+                    <a:lumMod val="65000"/>
+                  </a:schemeClr>
+                </a:solidFill>
+              </a:rPr>
+              <a:t> and Quantitative </a:t>
+            </a:r>
+            <a:r>
+              <a:rPr lang="de-DE" sz="1200" dirty="0" err="1">
+                <a:solidFill>
+                  <a:schemeClr val="bg1">
+                    <a:lumMod val="65000"/>
+                  </a:schemeClr>
+                </a:solidFill>
+              </a:rPr>
+              <a:t>Identification</a:t>
+            </a:r>
+            <a:r>
+              <a:rPr lang="de-DE" sz="1200" dirty="0">
+                <a:solidFill>
+                  <a:schemeClr val="bg1">
+                    <a:lumMod val="65000"/>
+                  </a:schemeClr>
+                </a:solidFill>
+              </a:rPr>
+              <a:t> </a:t>
+            </a:r>
+            <a:r>
+              <a:rPr lang="de-DE" sz="1200" dirty="0" err="1">
+                <a:solidFill>
+                  <a:schemeClr val="bg1">
+                    <a:lumMod val="65000"/>
+                  </a:schemeClr>
+                </a:solidFill>
+              </a:rPr>
+              <a:t>of</a:t>
+            </a:r>
+            <a:r>
+              <a:rPr lang="de-DE" sz="1200" dirty="0">
+                <a:solidFill>
+                  <a:schemeClr val="bg1">
+                    <a:lumMod val="65000"/>
+                  </a:schemeClr>
+                </a:solidFill>
+              </a:rPr>
+              <a:t> RNA-</a:t>
+            </a:r>
+            <a:r>
+              <a:rPr lang="de-DE" sz="1200" dirty="0" err="1">
+                <a:solidFill>
+                  <a:schemeClr val="bg1">
+                    <a:lumMod val="65000"/>
+                  </a:schemeClr>
+                </a:solidFill>
+              </a:rPr>
+              <a:t>Dependent</a:t>
+            </a:r>
+            <a:r>
+              <a:rPr lang="de-DE" sz="1200" dirty="0">
+                <a:solidFill>
+                  <a:schemeClr val="bg1">
+                    <a:lumMod val="65000"/>
+                  </a:schemeClr>
+                </a:solidFill>
+              </a:rPr>
+              <a:t> Proteins </a:t>
+            </a:r>
+            <a:r>
+              <a:rPr lang="de-DE" sz="1200" dirty="0" err="1">
+                <a:solidFill>
+                  <a:schemeClr val="bg1">
+                    <a:lumMod val="65000"/>
+                  </a:schemeClr>
+                </a:solidFill>
+              </a:rPr>
+              <a:t>by</a:t>
+            </a:r>
+            <a:r>
+              <a:rPr lang="de-DE" sz="1200" dirty="0">
+                <a:solidFill>
+                  <a:schemeClr val="bg1">
+                    <a:lumMod val="65000"/>
+                  </a:schemeClr>
+                </a:solidFill>
+              </a:rPr>
+              <a:t> Density Gradient </a:t>
+            </a:r>
+            <a:r>
+              <a:rPr lang="de-DE" sz="1200" dirty="0" err="1">
+                <a:solidFill>
+                  <a:schemeClr val="bg1">
+                    <a:lumMod val="65000"/>
+                  </a:schemeClr>
+                </a:solidFill>
+              </a:rPr>
+              <a:t>Ultracentrifugation</a:t>
+            </a:r>
+            <a:r>
+              <a:rPr lang="de-DE" sz="1200" dirty="0">
+                <a:solidFill>
+                  <a:schemeClr val="bg1">
+                    <a:lumMod val="65000"/>
+                  </a:schemeClr>
+                </a:solidFill>
+              </a:rPr>
+              <a:t>. </a:t>
+            </a:r>
+            <a:r>
+              <a:rPr lang="de-DE" sz="1200" dirty="0" err="1">
+                <a:solidFill>
+                  <a:schemeClr val="bg1">
+                    <a:lumMod val="65000"/>
+                  </a:schemeClr>
+                </a:solidFill>
+              </a:rPr>
+              <a:t>Molecular</a:t>
+            </a:r>
+            <a:r>
+              <a:rPr lang="de-DE" sz="1200" dirty="0">
+                <a:solidFill>
+                  <a:schemeClr val="bg1">
+                    <a:lumMod val="65000"/>
+                  </a:schemeClr>
+                </a:solidFill>
+              </a:rPr>
+              <a:t> </a:t>
+            </a:r>
+            <a:r>
+              <a:rPr lang="de-DE" sz="1200" dirty="0" err="1">
+                <a:solidFill>
+                  <a:schemeClr val="bg1">
+                    <a:lumMod val="65000"/>
+                  </a:schemeClr>
+                </a:solidFill>
+              </a:rPr>
+              <a:t>Cell</a:t>
+            </a:r>
+            <a:r>
+              <a:rPr lang="de-DE" sz="1200" dirty="0">
+                <a:solidFill>
+                  <a:schemeClr val="bg1">
+                    <a:lumMod val="65000"/>
+                  </a:schemeClr>
+                </a:solidFill>
+              </a:rPr>
+              <a:t> </a:t>
+            </a:r>
+            <a:r>
+              <a:rPr lang="de-DE" sz="1200" i="1" dirty="0">
+                <a:solidFill>
+                  <a:schemeClr val="bg1">
+                    <a:lumMod val="65000"/>
+                  </a:schemeClr>
+                </a:solidFill>
+              </a:rPr>
+              <a:t>75</a:t>
+            </a:r>
+            <a:r>
+              <a:rPr lang="de-DE" sz="1200" i="0" dirty="0">
+                <a:solidFill>
+                  <a:schemeClr val="bg1">
+                    <a:lumMod val="65000"/>
+                  </a:schemeClr>
+                </a:solidFill>
+              </a:rPr>
+              <a:t>, 184-199.e110.</a:t>
+            </a:r>
+            <a:endParaRPr lang="de-DE" sz="1200" dirty="0">
+              <a:solidFill>
+                <a:schemeClr val="bg1">
+                  <a:lumMod val="65000"/>
+                </a:schemeClr>
+              </a:solidFill>
+            </a:endParaRPr>
+          </a:p>
+        </p:txBody>
+      </p:sp>
+    </p:spTree>
+    <p:extLst>
+      <p:ext uri="{BB962C8B-B14F-4D97-AF65-F5344CB8AC3E}">
+        <p14:creationId xmlns:p14="http://schemas.microsoft.com/office/powerpoint/2010/main" val="880778979"/>
+      </p:ext>
+    </p:extLst>
+  </p:cSld>
+  <p:clrMapOvr>
+    <a:masterClrMapping/>
+  </p:clrMapOvr>
+</p:sld>
+</file>
+
+<file path=ppt/slides/slide6.xml><?xml version="1.0" encoding="utf-8"?>
+<p:sld xmlns:a="http://schemas.openxmlformats.org/drawingml/2006/main" xmlns:r="http://schemas.openxmlformats.org/officeDocument/2006/relationships" xmlns:p="http://schemas.openxmlformats.org/presentationml/2006/main">
+  <p:cSld>
+    <p:spTree>
+      <p:nvGrpSpPr>
+        <p:cNvPr id="1" name=""/>
+        <p:cNvGrpSpPr/>
+        <p:nvPr/>
+      </p:nvGrpSpPr>
+      <p:grpSpPr>
+        <a:xfrm>
+          <a:off x="0" y="0"/>
+          <a:ext cx="0" cy="0"/>
+          <a:chOff x="0" y="0"/>
+          <a:chExt cx="0" cy="0"/>
+        </a:xfrm>
+      </p:grpSpPr>
+      <p:sp>
+        <p:nvSpPr>
+          <p:cNvPr id="12" name="Titel 1">
+            <a:extLst>
+              <a:ext uri="{FF2B5EF4-FFF2-40B4-BE49-F238E27FC236}">
+                <a16:creationId xmlns:a16="http://schemas.microsoft.com/office/drawing/2014/main" id="{3497EEF2-7038-0B1A-725F-A66BC7575940}"/>
+              </a:ext>
+            </a:extLst>
+          </p:cNvPr>
+          <p:cNvSpPr>
+            <a:spLocks noGrp="1"/>
+          </p:cNvSpPr>
+          <p:nvPr>
+            <p:ph type="title"/>
+          </p:nvPr>
+        </p:nvSpPr>
+        <p:spPr>
+          <a:xfrm>
+            <a:off x="247650" y="142892"/>
+            <a:ext cx="5220643" cy="1325563"/>
+          </a:xfrm>
+        </p:spPr>
+        <p:txBody>
+          <a:bodyPr/>
+          <a:lstStyle/>
+          <a:p>
+            <a:r>
+              <a:rPr lang="de-DE" dirty="0" err="1"/>
+              <a:t>Meaning</a:t>
+            </a:r>
+            <a:r>
+              <a:rPr lang="de-DE" dirty="0"/>
+              <a:t> </a:t>
+            </a:r>
+            <a:r>
+              <a:rPr lang="de-DE" dirty="0" err="1"/>
+              <a:t>of</a:t>
+            </a:r>
+            <a:r>
+              <a:rPr lang="de-DE" dirty="0"/>
+              <a:t> </a:t>
+            </a:r>
+            <a:r>
+              <a:rPr lang="de-DE" dirty="0" err="1"/>
+              <a:t>the</a:t>
+            </a:r>
+            <a:r>
+              <a:rPr lang="de-DE" dirty="0"/>
+              <a:t> </a:t>
+            </a:r>
+            <a:r>
+              <a:rPr lang="de-DE" dirty="0" err="1"/>
+              <a:t>shifts</a:t>
+            </a:r>
+            <a:r>
+              <a:rPr lang="de-DE" dirty="0"/>
+              <a:t>  </a:t>
+            </a:r>
+          </a:p>
+        </p:txBody>
+      </p:sp>
+      <p:cxnSp>
+        <p:nvCxnSpPr>
+          <p:cNvPr id="13" name="Gerader Verbinder 12">
+            <a:extLst>
+              <a:ext uri="{FF2B5EF4-FFF2-40B4-BE49-F238E27FC236}">
+                <a16:creationId xmlns:a16="http://schemas.microsoft.com/office/drawing/2014/main" id="{04D2F787-C468-DF0E-4792-3B46C1A3F1A2}"/>
+              </a:ext>
+            </a:extLst>
+          </p:cNvPr>
+          <p:cNvCxnSpPr>
+            <a:cxnSpLocks/>
+          </p:cNvCxnSpPr>
+          <p:nvPr/>
+        </p:nvCxnSpPr>
+        <p:spPr>
+          <a:xfrm>
+            <a:off x="316872" y="1120960"/>
+            <a:ext cx="4773811" cy="0"/>
+          </a:xfrm>
+          <a:prstGeom prst="line">
+            <a:avLst/>
+          </a:prstGeom>
+        </p:spPr>
+        <p:style>
+          <a:lnRef idx="2">
+            <a:schemeClr val="accent2"/>
+          </a:lnRef>
+          <a:fillRef idx="0">
+            <a:schemeClr val="accent2"/>
+          </a:fillRef>
+          <a:effectRef idx="1">
+            <a:schemeClr val="accent2"/>
+          </a:effectRef>
+          <a:fontRef idx="minor">
+            <a:schemeClr val="tx1"/>
+          </a:fontRef>
+        </p:style>
+      </p:cxnSp>
+      <p:pic>
+        <p:nvPicPr>
+          <p:cNvPr id="2050" name="Picture 2">
+            <a:extLst>
+              <a:ext uri="{FF2B5EF4-FFF2-40B4-BE49-F238E27FC236}">
+                <a16:creationId xmlns:a16="http://schemas.microsoft.com/office/drawing/2014/main" id="{DCA5435A-84BC-F671-EB37-805D4DEB7B49}"/>
+              </a:ext>
+            </a:extLst>
+          </p:cNvPr>
+          <p:cNvPicPr>
+            <a:picLocks noChangeAspect="1" noChangeArrowheads="1"/>
+          </p:cNvPicPr>
+          <p:nvPr/>
+        </p:nvPicPr>
+        <p:blipFill>
+          <a:blip r:embed="rId2">
+            <a:extLst>
+              <a:ext uri="{28A0092B-C50C-407E-A947-70E740481C1C}">
+                <a14:useLocalDpi xmlns:a14="http://schemas.microsoft.com/office/drawing/2010/main" val="0"/>
+              </a:ext>
+            </a:extLst>
+          </a:blip>
+          <a:srcRect/>
+          <a:stretch>
+            <a:fillRect/>
+          </a:stretch>
+        </p:blipFill>
+        <p:spPr bwMode="auto">
+          <a:xfrm>
+            <a:off x="3792839" y="2266609"/>
+            <a:ext cx="3599524" cy="1536828"/>
+          </a:xfrm>
+          <a:prstGeom prst="rect">
+            <a:avLst/>
+          </a:prstGeom>
+          <a:noFill/>
+          <a:extLst>
+            <a:ext uri="{909E8E84-426E-40DD-AFC4-6F175D3DCCD1}">
+              <a14:hiddenFill xmlns:a14="http://schemas.microsoft.com/office/drawing/2010/main">
+                <a:solidFill>
+                  <a:srgbClr val="FFFFFF"/>
+                </a:solidFill>
+              </a14:hiddenFill>
+            </a:ext>
+          </a:extLst>
+        </p:spPr>
+      </p:pic>
+      <p:sp>
+        <p:nvSpPr>
+          <p:cNvPr id="16" name="Textfeld 15">
+            <a:extLst>
+              <a:ext uri="{FF2B5EF4-FFF2-40B4-BE49-F238E27FC236}">
+                <a16:creationId xmlns:a16="http://schemas.microsoft.com/office/drawing/2014/main" id="{7B677E12-AF70-6795-F96E-B40C1E37C807}"/>
+              </a:ext>
+            </a:extLst>
+          </p:cNvPr>
+          <p:cNvSpPr txBox="1"/>
+          <p:nvPr/>
+        </p:nvSpPr>
+        <p:spPr>
+          <a:xfrm>
+            <a:off x="316872" y="1192365"/>
+            <a:ext cx="4414885" cy="400110"/>
+          </a:xfrm>
+          <a:prstGeom prst="rect">
+            <a:avLst/>
+          </a:prstGeom>
+          <a:noFill/>
+        </p:spPr>
+        <p:txBody>
+          <a:bodyPr wrap="square" rtlCol="0">
+            <a:spAutoFit/>
+          </a:bodyPr>
+          <a:lstStyle/>
+          <a:p>
+            <a:r>
+              <a:rPr lang="de-DE" sz="2000" dirty="0"/>
+              <a:t>= apparent </a:t>
+            </a:r>
+            <a:r>
+              <a:rPr lang="de-DE" sz="2000" dirty="0" err="1"/>
+              <a:t>molecular</a:t>
+            </a:r>
+            <a:r>
+              <a:rPr lang="de-DE" sz="2000" dirty="0"/>
+              <a:t> </a:t>
+            </a:r>
+            <a:r>
+              <a:rPr lang="de-DE" sz="2000" dirty="0" err="1"/>
+              <a:t>weight</a:t>
+            </a:r>
+            <a:r>
+              <a:rPr lang="de-DE" sz="2000" dirty="0"/>
+              <a:t> </a:t>
+            </a:r>
+            <a:r>
+              <a:rPr lang="de-DE" sz="2000" dirty="0" err="1"/>
+              <a:t>changed</a:t>
+            </a:r>
+            <a:r>
+              <a:rPr lang="de-DE" sz="2000" dirty="0"/>
+              <a:t> </a:t>
+            </a:r>
+          </a:p>
+        </p:txBody>
+      </p:sp>
+      <p:sp>
+        <p:nvSpPr>
+          <p:cNvPr id="17" name="Textfeld 16">
+            <a:extLst>
+              <a:ext uri="{FF2B5EF4-FFF2-40B4-BE49-F238E27FC236}">
+                <a16:creationId xmlns:a16="http://schemas.microsoft.com/office/drawing/2014/main" id="{93CDF70F-7EBC-9832-CE8B-932AC3B791C0}"/>
+              </a:ext>
+            </a:extLst>
+          </p:cNvPr>
+          <p:cNvSpPr txBox="1"/>
+          <p:nvPr/>
+        </p:nvSpPr>
+        <p:spPr>
+          <a:xfrm>
+            <a:off x="542847" y="5849908"/>
+            <a:ext cx="1195057" cy="369332"/>
+          </a:xfrm>
+          <a:prstGeom prst="rect">
+            <a:avLst/>
+          </a:prstGeom>
+          <a:noFill/>
+        </p:spPr>
+        <p:txBody>
+          <a:bodyPr wrap="square" rtlCol="0">
+            <a:spAutoFit/>
+          </a:bodyPr>
+          <a:lstStyle/>
+          <a:p>
+            <a:r>
+              <a:rPr lang="de-DE" dirty="0" err="1"/>
+              <a:t>Left</a:t>
+            </a:r>
+            <a:r>
+              <a:rPr lang="de-DE" dirty="0"/>
+              <a:t> shift</a:t>
+            </a:r>
+          </a:p>
+        </p:txBody>
+      </p:sp>
+      <p:pic>
+        <p:nvPicPr>
+          <p:cNvPr id="2052" name="Picture 4">
+            <a:extLst>
+              <a:ext uri="{FF2B5EF4-FFF2-40B4-BE49-F238E27FC236}">
+                <a16:creationId xmlns:a16="http://schemas.microsoft.com/office/drawing/2014/main" id="{A2AE5049-C3AD-0749-F1FF-3633373C1C70}"/>
+              </a:ext>
+            </a:extLst>
+          </p:cNvPr>
+          <p:cNvPicPr>
+            <a:picLocks noChangeAspect="1" noChangeArrowheads="1"/>
+          </p:cNvPicPr>
+          <p:nvPr/>
+        </p:nvPicPr>
+        <p:blipFill>
+          <a:blip r:embed="rId3">
+            <a:extLst>
+              <a:ext uri="{28A0092B-C50C-407E-A947-70E740481C1C}">
+                <a14:useLocalDpi xmlns:a14="http://schemas.microsoft.com/office/drawing/2010/main" val="0"/>
+              </a:ext>
+            </a:extLst>
+          </a:blip>
+          <a:srcRect/>
+          <a:stretch>
+            <a:fillRect/>
+          </a:stretch>
+        </p:blipFill>
+        <p:spPr bwMode="auto">
+          <a:xfrm>
+            <a:off x="455879" y="4294773"/>
+            <a:ext cx="3577461" cy="1527408"/>
+          </a:xfrm>
+          <a:prstGeom prst="rect">
+            <a:avLst/>
+          </a:prstGeom>
+          <a:noFill/>
+          <a:extLst>
+            <a:ext uri="{909E8E84-426E-40DD-AFC4-6F175D3DCCD1}">
+              <a14:hiddenFill xmlns:a14="http://schemas.microsoft.com/office/drawing/2010/main">
+                <a:solidFill>
+                  <a:srgbClr val="FFFFFF"/>
+                </a:solidFill>
+              </a14:hiddenFill>
+            </a:ext>
+          </a:extLst>
+        </p:spPr>
+      </p:pic>
+      <p:sp>
+        <p:nvSpPr>
+          <p:cNvPr id="18" name="Textfeld 17">
+            <a:extLst>
+              <a:ext uri="{FF2B5EF4-FFF2-40B4-BE49-F238E27FC236}">
+                <a16:creationId xmlns:a16="http://schemas.microsoft.com/office/drawing/2014/main" id="{3AAA3A6C-61BD-28C7-69CE-92EC94CE3E6E}"/>
+              </a:ext>
+            </a:extLst>
+          </p:cNvPr>
+          <p:cNvSpPr txBox="1"/>
+          <p:nvPr/>
+        </p:nvSpPr>
+        <p:spPr>
+          <a:xfrm>
+            <a:off x="3843267" y="3682145"/>
+            <a:ext cx="1247416" cy="369332"/>
+          </a:xfrm>
+          <a:prstGeom prst="rect">
+            <a:avLst/>
+          </a:prstGeom>
+          <a:noFill/>
+        </p:spPr>
+        <p:txBody>
+          <a:bodyPr wrap="square" rtlCol="0">
+            <a:spAutoFit/>
+          </a:bodyPr>
+          <a:lstStyle/>
+          <a:p>
+            <a:r>
+              <a:rPr lang="de-DE" dirty="0"/>
+              <a:t>Right shift</a:t>
+            </a:r>
+          </a:p>
+        </p:txBody>
+      </p:sp>
+      <p:pic>
+        <p:nvPicPr>
+          <p:cNvPr id="2054" name="Picture 6">
+            <a:extLst>
+              <a:ext uri="{FF2B5EF4-FFF2-40B4-BE49-F238E27FC236}">
+                <a16:creationId xmlns:a16="http://schemas.microsoft.com/office/drawing/2014/main" id="{C96818F3-FF1D-F619-D645-893349B68003}"/>
+              </a:ext>
+            </a:extLst>
+          </p:cNvPr>
+          <p:cNvPicPr>
+            <a:picLocks noChangeAspect="1" noChangeArrowheads="1"/>
+          </p:cNvPicPr>
+          <p:nvPr/>
+        </p:nvPicPr>
+        <p:blipFill>
+          <a:blip r:embed="rId4">
+            <a:extLst>
+              <a:ext uri="{28A0092B-C50C-407E-A947-70E740481C1C}">
+                <a14:useLocalDpi xmlns:a14="http://schemas.microsoft.com/office/drawing/2010/main" val="0"/>
+              </a:ext>
+            </a:extLst>
+          </a:blip>
+          <a:srcRect/>
+          <a:stretch>
+            <a:fillRect/>
+          </a:stretch>
+        </p:blipFill>
+        <p:spPr bwMode="auto">
+          <a:xfrm>
+            <a:off x="468740" y="2261088"/>
+            <a:ext cx="3324099" cy="1419234"/>
+          </a:xfrm>
+          <a:prstGeom prst="rect">
+            <a:avLst/>
+          </a:prstGeom>
+          <a:noFill/>
+          <a:extLst>
+            <a:ext uri="{909E8E84-426E-40DD-AFC4-6F175D3DCCD1}">
+              <a14:hiddenFill xmlns:a14="http://schemas.microsoft.com/office/drawing/2010/main">
+                <a:solidFill>
+                  <a:srgbClr val="FFFFFF"/>
+                </a:solidFill>
+              </a14:hiddenFill>
+            </a:ext>
+          </a:extLst>
+        </p:spPr>
+      </p:pic>
+      <p:sp>
+        <p:nvSpPr>
+          <p:cNvPr id="19" name="Textfeld 18">
+            <a:extLst>
+              <a:ext uri="{FF2B5EF4-FFF2-40B4-BE49-F238E27FC236}">
+                <a16:creationId xmlns:a16="http://schemas.microsoft.com/office/drawing/2014/main" id="{FD7B8FB3-8A10-9417-D4A0-A1CBF07D47EB}"/>
+              </a:ext>
+            </a:extLst>
+          </p:cNvPr>
+          <p:cNvSpPr txBox="1"/>
+          <p:nvPr/>
+        </p:nvSpPr>
+        <p:spPr>
+          <a:xfrm>
+            <a:off x="537962" y="3672508"/>
+            <a:ext cx="973605" cy="369332"/>
+          </a:xfrm>
+          <a:prstGeom prst="rect">
+            <a:avLst/>
+          </a:prstGeom>
+          <a:noFill/>
+        </p:spPr>
+        <p:txBody>
+          <a:bodyPr wrap="square" rtlCol="0">
+            <a:spAutoFit/>
+          </a:bodyPr>
+          <a:lstStyle/>
+          <a:p>
+            <a:r>
+              <a:rPr lang="de-DE" dirty="0" err="1"/>
+              <a:t>No</a:t>
+            </a:r>
+            <a:r>
+              <a:rPr lang="de-DE" dirty="0"/>
+              <a:t> shift</a:t>
+            </a:r>
+          </a:p>
+        </p:txBody>
+      </p:sp>
+      <p:pic>
+        <p:nvPicPr>
+          <p:cNvPr id="2056" name="Picture 8">
+            <a:extLst>
+              <a:ext uri="{FF2B5EF4-FFF2-40B4-BE49-F238E27FC236}">
+                <a16:creationId xmlns:a16="http://schemas.microsoft.com/office/drawing/2014/main" id="{0ADC97CF-4A40-930C-8584-2F4082C88205}"/>
+              </a:ext>
+            </a:extLst>
+          </p:cNvPr>
+          <p:cNvPicPr>
+            <a:picLocks noChangeAspect="1" noChangeArrowheads="1"/>
+          </p:cNvPicPr>
+          <p:nvPr/>
+        </p:nvPicPr>
+        <p:blipFill>
+          <a:blip r:embed="rId5">
+            <a:extLst>
+              <a:ext uri="{28A0092B-C50C-407E-A947-70E740481C1C}">
+                <a14:useLocalDpi xmlns:a14="http://schemas.microsoft.com/office/drawing/2010/main" val="0"/>
+              </a:ext>
+            </a:extLst>
+          </a:blip>
+          <a:srcRect/>
+          <a:stretch>
+            <a:fillRect/>
+          </a:stretch>
+        </p:blipFill>
+        <p:spPr bwMode="auto">
+          <a:xfrm>
+            <a:off x="3843267" y="4294773"/>
+            <a:ext cx="3515282" cy="1527408"/>
+          </a:xfrm>
+          <a:prstGeom prst="rect">
+            <a:avLst/>
+          </a:prstGeom>
+          <a:noFill/>
+          <a:extLst>
+            <a:ext uri="{909E8E84-426E-40DD-AFC4-6F175D3DCCD1}">
+              <a14:hiddenFill xmlns:a14="http://schemas.microsoft.com/office/drawing/2010/main">
+                <a:solidFill>
+                  <a:srgbClr val="FFFFFF"/>
+                </a:solidFill>
+              </a14:hiddenFill>
+            </a:ext>
+          </a:extLst>
+        </p:spPr>
+      </p:pic>
+      <p:sp>
+        <p:nvSpPr>
+          <p:cNvPr id="20" name="Textfeld 19">
+            <a:extLst>
+              <a:ext uri="{FF2B5EF4-FFF2-40B4-BE49-F238E27FC236}">
+                <a16:creationId xmlns:a16="http://schemas.microsoft.com/office/drawing/2014/main" id="{DD9312CD-B2D8-2B4E-317E-EBAFFAAD4298}"/>
+              </a:ext>
+            </a:extLst>
+          </p:cNvPr>
+          <p:cNvSpPr txBox="1"/>
+          <p:nvPr/>
+        </p:nvSpPr>
+        <p:spPr>
+          <a:xfrm>
+            <a:off x="3911692" y="5847861"/>
+            <a:ext cx="1420912" cy="369332"/>
+          </a:xfrm>
+          <a:prstGeom prst="rect">
+            <a:avLst/>
+          </a:prstGeom>
+          <a:noFill/>
+        </p:spPr>
+        <p:txBody>
+          <a:bodyPr wrap="square" rtlCol="0">
+            <a:spAutoFit/>
+          </a:bodyPr>
+          <a:lstStyle/>
+          <a:p>
+            <a:r>
+              <a:rPr lang="de-DE" dirty="0"/>
+              <a:t>Partial shift </a:t>
+            </a:r>
+          </a:p>
+        </p:txBody>
+      </p:sp>
+      <p:pic>
+        <p:nvPicPr>
+          <p:cNvPr id="2058" name="Picture 10">
+            <a:extLst>
+              <a:ext uri="{FF2B5EF4-FFF2-40B4-BE49-F238E27FC236}">
+                <a16:creationId xmlns:a16="http://schemas.microsoft.com/office/drawing/2014/main" id="{C45730DC-CC82-A3BC-9850-AD24F192FBEB}"/>
+              </a:ext>
+            </a:extLst>
+          </p:cNvPr>
+          <p:cNvPicPr>
+            <a:picLocks noChangeAspect="1" noChangeArrowheads="1"/>
+          </p:cNvPicPr>
+          <p:nvPr/>
+        </p:nvPicPr>
+        <p:blipFill>
+          <a:blip r:embed="rId6">
+            <a:extLst>
+              <a:ext uri="{28A0092B-C50C-407E-A947-70E740481C1C}">
+                <a14:useLocalDpi xmlns:a14="http://schemas.microsoft.com/office/drawing/2010/main" val="0"/>
+              </a:ext>
+            </a:extLst>
+          </a:blip>
+          <a:srcRect/>
+          <a:stretch>
+            <a:fillRect/>
+          </a:stretch>
+        </p:blipFill>
+        <p:spPr bwMode="auto">
+          <a:xfrm>
+            <a:off x="7422383" y="2316545"/>
+            <a:ext cx="3482565" cy="1486892"/>
+          </a:xfrm>
+          <a:prstGeom prst="rect">
+            <a:avLst/>
+          </a:prstGeom>
+          <a:noFill/>
+          <a:extLst>
+            <a:ext uri="{909E8E84-426E-40DD-AFC4-6F175D3DCCD1}">
+              <a14:hiddenFill xmlns:a14="http://schemas.microsoft.com/office/drawing/2010/main">
+                <a:solidFill>
+                  <a:srgbClr val="FFFFFF"/>
+                </a:solidFill>
+              </a14:hiddenFill>
+            </a:ext>
+          </a:extLst>
+        </p:spPr>
+      </p:pic>
+      <p:sp>
+        <p:nvSpPr>
+          <p:cNvPr id="21" name="Textfeld 20">
+            <a:extLst>
+              <a:ext uri="{FF2B5EF4-FFF2-40B4-BE49-F238E27FC236}">
+                <a16:creationId xmlns:a16="http://schemas.microsoft.com/office/drawing/2014/main" id="{F9A20321-783A-5EF6-58B8-96E0889DC906}"/>
+              </a:ext>
+            </a:extLst>
+          </p:cNvPr>
+          <p:cNvSpPr txBox="1"/>
+          <p:nvPr/>
+        </p:nvSpPr>
+        <p:spPr>
+          <a:xfrm>
+            <a:off x="7190413" y="3668032"/>
+            <a:ext cx="1647731" cy="369332"/>
+          </a:xfrm>
+          <a:prstGeom prst="rect">
+            <a:avLst/>
+          </a:prstGeom>
+          <a:noFill/>
+        </p:spPr>
+        <p:txBody>
+          <a:bodyPr wrap="square" rtlCol="0">
+            <a:spAutoFit/>
+          </a:bodyPr>
+          <a:lstStyle/>
+          <a:p>
+            <a:r>
+              <a:rPr lang="de-DE" dirty="0" err="1"/>
+              <a:t>precipitated</a:t>
+            </a:r>
+            <a:endParaRPr lang="de-DE" dirty="0"/>
+          </a:p>
+        </p:txBody>
+      </p:sp>
+      <p:sp>
+        <p:nvSpPr>
+          <p:cNvPr id="22" name="Textfeld 21">
+            <a:extLst>
+              <a:ext uri="{FF2B5EF4-FFF2-40B4-BE49-F238E27FC236}">
+                <a16:creationId xmlns:a16="http://schemas.microsoft.com/office/drawing/2014/main" id="{4ABB5EAA-3A83-DC26-49AE-1B4272222484}"/>
+              </a:ext>
+            </a:extLst>
+          </p:cNvPr>
+          <p:cNvSpPr txBox="1"/>
+          <p:nvPr/>
+        </p:nvSpPr>
+        <p:spPr>
+          <a:xfrm>
+            <a:off x="7506392" y="4469291"/>
+            <a:ext cx="3856795" cy="1938992"/>
+          </a:xfrm>
+          <a:prstGeom prst="rect">
+            <a:avLst/>
+          </a:prstGeom>
+          <a:noFill/>
+          <a:ln w="28575">
+            <a:solidFill>
+              <a:schemeClr val="accent2"/>
+            </a:solidFill>
+          </a:ln>
+        </p:spPr>
+        <p:txBody>
+          <a:bodyPr wrap="square" rtlCol="0">
+            <a:spAutoFit/>
+          </a:bodyPr>
+          <a:lstStyle/>
+          <a:p>
+            <a:r>
+              <a:rPr lang="de-DE" sz="2400" dirty="0"/>
+              <a:t>Classification </a:t>
+            </a:r>
+            <a:r>
+              <a:rPr lang="de-DE" sz="2400" dirty="0" err="1"/>
+              <a:t>of</a:t>
+            </a:r>
+            <a:r>
+              <a:rPr lang="de-DE" sz="2400" dirty="0"/>
+              <a:t> Proteins:</a:t>
+            </a:r>
+          </a:p>
+          <a:p>
+            <a:endParaRPr lang="de-DE" sz="800" dirty="0"/>
+          </a:p>
+          <a:p>
+            <a:r>
+              <a:rPr lang="de-DE" sz="2400" dirty="0"/>
+              <a:t>1. RNA-</a:t>
+            </a:r>
+            <a:r>
+              <a:rPr lang="de-DE" sz="2400" dirty="0" err="1"/>
+              <a:t>dependent</a:t>
+            </a:r>
+            <a:endParaRPr lang="de-DE" sz="2400" dirty="0"/>
+          </a:p>
+          <a:p>
+            <a:endParaRPr lang="de-DE" sz="800" dirty="0"/>
+          </a:p>
+          <a:p>
+            <a:r>
+              <a:rPr lang="de-DE" sz="2400" dirty="0"/>
+              <a:t>2. </a:t>
+            </a:r>
+            <a:r>
+              <a:rPr lang="de-DE" sz="2400" dirty="0" err="1"/>
+              <a:t>Partially</a:t>
+            </a:r>
+            <a:r>
+              <a:rPr lang="de-DE" sz="2400" dirty="0"/>
+              <a:t> RNA-</a:t>
+            </a:r>
+            <a:r>
+              <a:rPr lang="de-DE" sz="2400" dirty="0" err="1"/>
+              <a:t>dependent</a:t>
+            </a:r>
+            <a:endParaRPr lang="de-DE" sz="2400" dirty="0"/>
+          </a:p>
+          <a:p>
+            <a:endParaRPr lang="de-DE" sz="800" dirty="0"/>
+          </a:p>
+          <a:p>
+            <a:r>
+              <a:rPr lang="de-DE" sz="2400" dirty="0"/>
+              <a:t>3. Not RNA-</a:t>
+            </a:r>
+            <a:r>
+              <a:rPr lang="de-DE" sz="2400" dirty="0" err="1"/>
+              <a:t>dependent</a:t>
+            </a:r>
+            <a:r>
+              <a:rPr lang="de-DE" sz="2400" dirty="0"/>
+              <a:t> </a:t>
+            </a:r>
+          </a:p>
+        </p:txBody>
+      </p:sp>
+    </p:spTree>
+    <p:extLst>
+      <p:ext uri="{BB962C8B-B14F-4D97-AF65-F5344CB8AC3E}">
+        <p14:creationId xmlns:p14="http://schemas.microsoft.com/office/powerpoint/2010/main" val="3069477431"/>
+      </p:ext>
+    </p:extLst>
+  </p:cSld>
+  <p:clrMapOvr>
+    <a:masterClrMapping/>
+  </p:clrMapOvr>
+</p:sld>
+</file>
+
+<file path=ppt/slides/slide7.xml><?xml version="1.0" encoding="utf-8"?>
+<p:sld xmlns:a="http://schemas.openxmlformats.org/drawingml/2006/main" xmlns:r="http://schemas.openxmlformats.org/officeDocument/2006/relationships" xmlns:p="http://schemas.openxmlformats.org/presentationml/2006/main">
+  <p:cSld>
+    <p:spTree>
+      <p:nvGrpSpPr>
+        <p:cNvPr id="1" name=""/>
+        <p:cNvGrpSpPr/>
+        <p:nvPr/>
+      </p:nvGrpSpPr>
+      <p:grpSpPr>
+        <a:xfrm>
+          <a:off x="0" y="0"/>
+          <a:ext cx="0" cy="0"/>
+          <a:chOff x="0" y="0"/>
+          <a:chExt cx="0" cy="0"/>
+        </a:xfrm>
+      </p:grpSpPr>
+      <p:sp>
+        <p:nvSpPr>
+          <p:cNvPr id="3" name="Inhaltsplatzhalter 2">
+            <a:extLst>
+              <a:ext uri="{FF2B5EF4-FFF2-40B4-BE49-F238E27FC236}">
+                <a16:creationId xmlns:a16="http://schemas.microsoft.com/office/drawing/2014/main" id="{13A586E4-39C7-9E9C-E89F-268A630D08B0}"/>
+              </a:ext>
+            </a:extLst>
+          </p:cNvPr>
+          <p:cNvSpPr>
+            <a:spLocks noGrp="1"/>
+          </p:cNvSpPr>
+          <p:nvPr>
+            <p:ph idx="1"/>
+          </p:nvPr>
+        </p:nvSpPr>
+        <p:spPr>
+          <a:xfrm>
+            <a:off x="758982" y="4680402"/>
+            <a:ext cx="10674035" cy="1946736"/>
+          </a:xfrm>
+        </p:spPr>
+        <p:txBody>
+          <a:bodyPr>
+            <a:normAutofit fontScale="92500"/>
+          </a:bodyPr>
+          <a:lstStyle/>
+          <a:p>
+            <a:r>
+              <a:rPr lang="de-DE" sz="2400" dirty="0"/>
+              <a:t>Shows </a:t>
+            </a:r>
+            <a:r>
+              <a:rPr lang="de-DE" sz="2400" dirty="0" err="1"/>
+              <a:t>mass</a:t>
+            </a:r>
+            <a:r>
+              <a:rPr lang="de-DE" sz="2400" dirty="0"/>
+              <a:t> </a:t>
+            </a:r>
+            <a:r>
+              <a:rPr lang="de-DE" sz="2400" dirty="0" err="1"/>
+              <a:t>spectrometric</a:t>
+            </a:r>
+            <a:r>
+              <a:rPr lang="de-DE" sz="2400" dirty="0"/>
+              <a:t> quantitative </a:t>
+            </a:r>
+            <a:r>
+              <a:rPr lang="de-DE" sz="2400" dirty="0" err="1"/>
+              <a:t>results</a:t>
+            </a:r>
+            <a:r>
+              <a:rPr lang="de-DE" sz="2400" dirty="0"/>
+              <a:t> per </a:t>
+            </a:r>
+            <a:r>
+              <a:rPr lang="de-DE" sz="2400" dirty="0" err="1"/>
+              <a:t>protein</a:t>
+            </a:r>
+            <a:r>
+              <a:rPr lang="de-DE" sz="2400" dirty="0"/>
+              <a:t> per </a:t>
+            </a:r>
+            <a:r>
+              <a:rPr lang="de-DE" sz="2400" dirty="0" err="1"/>
+              <a:t>fraction</a:t>
+            </a:r>
+            <a:endParaRPr lang="de-DE" sz="2400" dirty="0"/>
+          </a:p>
+          <a:p>
+            <a:pPr marL="0" indent="0">
+              <a:buNone/>
+            </a:pPr>
+            <a:endParaRPr lang="de-DE" sz="1500" dirty="0"/>
+          </a:p>
+          <a:p>
+            <a:r>
+              <a:rPr lang="de-DE" sz="2400" dirty="0" err="1"/>
+              <a:t>Allows</a:t>
+            </a:r>
+            <a:r>
+              <a:rPr lang="de-DE" sz="2400" dirty="0"/>
+              <a:t> relative </a:t>
+            </a:r>
+            <a:r>
+              <a:rPr lang="de-DE" sz="2400" dirty="0" err="1"/>
+              <a:t>comparison</a:t>
+            </a:r>
+            <a:r>
+              <a:rPr lang="de-DE" sz="2400" dirty="0"/>
+              <a:t> </a:t>
+            </a:r>
+            <a:r>
+              <a:rPr lang="de-DE" sz="2400" dirty="0" err="1"/>
+              <a:t>of</a:t>
+            </a:r>
+            <a:r>
+              <a:rPr lang="de-DE" sz="2400" dirty="0"/>
+              <a:t> </a:t>
+            </a:r>
+            <a:r>
+              <a:rPr lang="de-DE" sz="2400" dirty="0" err="1"/>
+              <a:t>the</a:t>
+            </a:r>
+            <a:r>
+              <a:rPr lang="de-DE" sz="2400" dirty="0"/>
+              <a:t> </a:t>
+            </a:r>
+            <a:r>
+              <a:rPr lang="de-DE" sz="2400" dirty="0" err="1"/>
+              <a:t>occurence</a:t>
+            </a:r>
+            <a:r>
+              <a:rPr lang="de-DE" sz="2400" dirty="0"/>
+              <a:t> </a:t>
+            </a:r>
+            <a:r>
+              <a:rPr lang="de-DE" sz="2400" dirty="0" err="1"/>
+              <a:t>of</a:t>
+            </a:r>
+            <a:r>
+              <a:rPr lang="de-DE" sz="2400" dirty="0"/>
+              <a:t> </a:t>
+            </a:r>
+            <a:r>
+              <a:rPr lang="de-DE" sz="2400" dirty="0" err="1"/>
+              <a:t>proteins</a:t>
+            </a:r>
+            <a:r>
+              <a:rPr lang="de-DE" sz="2400" dirty="0"/>
+              <a:t> in </a:t>
+            </a:r>
+            <a:r>
+              <a:rPr lang="de-DE" sz="2400" dirty="0" err="1"/>
+              <a:t>the</a:t>
+            </a:r>
+            <a:r>
+              <a:rPr lang="de-DE" sz="2400" dirty="0"/>
+              <a:t> different </a:t>
+            </a:r>
+            <a:r>
+              <a:rPr lang="de-DE" sz="2400" dirty="0" err="1"/>
+              <a:t>fractions</a:t>
+            </a:r>
+            <a:endParaRPr lang="de-DE" sz="2400" dirty="0"/>
+          </a:p>
+          <a:p>
+            <a:pPr marL="0" indent="0">
+              <a:buNone/>
+            </a:pPr>
+            <a:endParaRPr lang="de-DE" sz="1500" dirty="0"/>
+          </a:p>
+          <a:p>
+            <a:pPr marL="0" indent="0">
+              <a:buNone/>
+            </a:pPr>
+            <a:r>
+              <a:rPr lang="de-DE" sz="2400" b="1" dirty="0">
+                <a:sym typeface="Wingdings" panose="05000000000000000000" pitchFamily="2" charset="2"/>
+              </a:rPr>
+              <a:t> </a:t>
+            </a:r>
+            <a:r>
+              <a:rPr lang="de-DE" sz="2400" b="1" dirty="0" err="1">
+                <a:sym typeface="Wingdings" panose="05000000000000000000" pitchFamily="2" charset="2"/>
+              </a:rPr>
+              <a:t>Differences</a:t>
+            </a:r>
+            <a:r>
+              <a:rPr lang="de-DE" sz="2400" b="1" dirty="0">
+                <a:sym typeface="Wingdings" panose="05000000000000000000" pitchFamily="2" charset="2"/>
+              </a:rPr>
+              <a:t> in Control- and </a:t>
+            </a:r>
+            <a:r>
+              <a:rPr lang="de-DE" sz="2400" b="1" dirty="0" err="1">
+                <a:sym typeface="Wingdings" panose="05000000000000000000" pitchFamily="2" charset="2"/>
+              </a:rPr>
+              <a:t>RNase</a:t>
+            </a:r>
+            <a:r>
+              <a:rPr lang="de-DE" sz="2400" b="1" dirty="0">
+                <a:sym typeface="Wingdings" panose="05000000000000000000" pitchFamily="2" charset="2"/>
+              </a:rPr>
+              <a:t>-samples?</a:t>
+            </a:r>
+            <a:endParaRPr lang="de-DE" sz="2400" b="1" dirty="0"/>
+          </a:p>
+          <a:p>
+            <a:pPr marL="0" indent="0">
+              <a:buNone/>
+            </a:pPr>
+            <a:endParaRPr lang="de-DE" dirty="0"/>
+          </a:p>
+          <a:p>
+            <a:pPr marL="0" indent="0">
+              <a:buNone/>
+            </a:pPr>
+            <a:endParaRPr lang="de-DE" dirty="0"/>
+          </a:p>
+          <a:p>
+            <a:pPr marL="0" indent="0">
+              <a:buNone/>
+            </a:pPr>
+            <a:endParaRPr lang="de-DE" dirty="0"/>
+          </a:p>
+        </p:txBody>
+      </p:sp>
+      <p:cxnSp>
+        <p:nvCxnSpPr>
+          <p:cNvPr id="5" name="Gerade Verbindung mit Pfeil 4">
+            <a:extLst>
+              <a:ext uri="{FF2B5EF4-FFF2-40B4-BE49-F238E27FC236}">
+                <a16:creationId xmlns:a16="http://schemas.microsoft.com/office/drawing/2014/main" id="{0EA39C12-7386-B987-EDC1-DF8F69E5621A}"/>
+              </a:ext>
+            </a:extLst>
+          </p:cNvPr>
+          <p:cNvCxnSpPr>
+            <a:cxnSpLocks/>
+          </p:cNvCxnSpPr>
+          <p:nvPr/>
+        </p:nvCxnSpPr>
+        <p:spPr>
+          <a:xfrm>
+            <a:off x="1892174" y="2465193"/>
+            <a:ext cx="0" cy="1835203"/>
+          </a:xfrm>
+          <a:prstGeom prst="straightConnector1">
+            <a:avLst/>
+          </a:prstGeom>
+          <a:ln>
+            <a:tailEnd type="triangle"/>
+          </a:ln>
+        </p:spPr>
+        <p:style>
+          <a:lnRef idx="2">
+            <a:schemeClr val="dk1"/>
+          </a:lnRef>
+          <a:fillRef idx="0">
+            <a:schemeClr val="dk1"/>
+          </a:fillRef>
+          <a:effectRef idx="1">
+            <a:schemeClr val="dk1"/>
+          </a:effectRef>
+          <a:fontRef idx="minor">
+            <a:schemeClr val="tx1"/>
+          </a:fontRef>
+        </p:style>
+      </p:cxnSp>
+      <p:cxnSp>
+        <p:nvCxnSpPr>
+          <p:cNvPr id="8" name="Gerade Verbindung mit Pfeil 7">
+            <a:extLst>
+              <a:ext uri="{FF2B5EF4-FFF2-40B4-BE49-F238E27FC236}">
+                <a16:creationId xmlns:a16="http://schemas.microsoft.com/office/drawing/2014/main" id="{325D7CE8-F0A1-4876-214F-85DA1A76F0A0}"/>
+              </a:ext>
+            </a:extLst>
+          </p:cNvPr>
+          <p:cNvCxnSpPr>
+            <a:cxnSpLocks/>
+          </p:cNvCxnSpPr>
+          <p:nvPr/>
+        </p:nvCxnSpPr>
+        <p:spPr>
+          <a:xfrm>
+            <a:off x="1892174" y="2465193"/>
+            <a:ext cx="2127565" cy="0"/>
+          </a:xfrm>
+          <a:prstGeom prst="straightConnector1">
+            <a:avLst/>
+          </a:prstGeom>
+          <a:ln>
+            <a:tailEnd type="triangle"/>
+          </a:ln>
+        </p:spPr>
+        <p:style>
+          <a:lnRef idx="2">
+            <a:schemeClr val="dk1"/>
+          </a:lnRef>
+          <a:fillRef idx="0">
+            <a:schemeClr val="dk1"/>
+          </a:fillRef>
+          <a:effectRef idx="1">
+            <a:schemeClr val="dk1"/>
+          </a:effectRef>
+          <a:fontRef idx="minor">
+            <a:schemeClr val="tx1"/>
+          </a:fontRef>
+        </p:style>
+      </p:cxnSp>
+      <p:sp>
+        <p:nvSpPr>
+          <p:cNvPr id="10" name="Textfeld 9">
+            <a:extLst>
+              <a:ext uri="{FF2B5EF4-FFF2-40B4-BE49-F238E27FC236}">
+                <a16:creationId xmlns:a16="http://schemas.microsoft.com/office/drawing/2014/main" id="{2CD3A042-51DF-0A67-6CBF-8BEF64315534}"/>
+              </a:ext>
+            </a:extLst>
+          </p:cNvPr>
+          <p:cNvSpPr txBox="1"/>
+          <p:nvPr/>
+        </p:nvSpPr>
+        <p:spPr>
+          <a:xfrm>
+            <a:off x="1892174" y="1818306"/>
+            <a:ext cx="2480650" cy="523220"/>
+          </a:xfrm>
+          <a:prstGeom prst="rect">
+            <a:avLst/>
+          </a:prstGeom>
+          <a:noFill/>
+        </p:spPr>
+        <p:txBody>
+          <a:bodyPr wrap="square" rtlCol="0">
+            <a:spAutoFit/>
+          </a:bodyPr>
+          <a:lstStyle/>
+          <a:p>
+            <a:pPr algn="ctr"/>
+            <a:r>
+              <a:rPr lang="de-DE" sz="1400" dirty="0"/>
+              <a:t>Control and </a:t>
+            </a:r>
+            <a:r>
+              <a:rPr lang="de-DE" sz="1400" dirty="0" err="1"/>
+              <a:t>RNase</a:t>
+            </a:r>
+            <a:r>
+              <a:rPr lang="de-DE" sz="1400" dirty="0"/>
+              <a:t> </a:t>
+            </a:r>
+            <a:r>
+              <a:rPr lang="de-DE" sz="1400" dirty="0" err="1"/>
+              <a:t>fractions</a:t>
+            </a:r>
+            <a:r>
+              <a:rPr lang="de-DE" sz="1400" dirty="0"/>
+              <a:t> 1-25 in </a:t>
+            </a:r>
+            <a:r>
+              <a:rPr lang="de-DE" sz="1400" dirty="0" err="1"/>
+              <a:t>triplicates</a:t>
+            </a:r>
+            <a:r>
+              <a:rPr lang="de-DE" sz="1400" dirty="0"/>
+              <a:t> </a:t>
+            </a:r>
+          </a:p>
+        </p:txBody>
+      </p:sp>
+      <p:sp>
+        <p:nvSpPr>
+          <p:cNvPr id="11" name="Textfeld 10">
+            <a:extLst>
+              <a:ext uri="{FF2B5EF4-FFF2-40B4-BE49-F238E27FC236}">
+                <a16:creationId xmlns:a16="http://schemas.microsoft.com/office/drawing/2014/main" id="{56013741-01E6-3FBF-11C1-80D20AA8E896}"/>
+              </a:ext>
+            </a:extLst>
+          </p:cNvPr>
+          <p:cNvSpPr txBox="1"/>
+          <p:nvPr/>
+        </p:nvSpPr>
+        <p:spPr>
+          <a:xfrm>
+            <a:off x="941561" y="3167390"/>
+            <a:ext cx="1113576" cy="523220"/>
+          </a:xfrm>
+          <a:prstGeom prst="rect">
+            <a:avLst/>
+          </a:prstGeom>
+          <a:noFill/>
+        </p:spPr>
+        <p:txBody>
+          <a:bodyPr wrap="square" rtlCol="0">
+            <a:spAutoFit/>
+          </a:bodyPr>
+          <a:lstStyle/>
+          <a:p>
+            <a:r>
+              <a:rPr lang="de-DE" sz="1400" dirty="0"/>
+              <a:t>Different Proteins </a:t>
+            </a:r>
+          </a:p>
+        </p:txBody>
+      </p:sp>
+      <p:sp>
+        <p:nvSpPr>
+          <p:cNvPr id="12" name="Textfeld 11">
+            <a:extLst>
+              <a:ext uri="{FF2B5EF4-FFF2-40B4-BE49-F238E27FC236}">
+                <a16:creationId xmlns:a16="http://schemas.microsoft.com/office/drawing/2014/main" id="{25FC5F56-76F4-5ECB-B7F6-36F9B9DDBBC3}"/>
+              </a:ext>
+            </a:extLst>
+          </p:cNvPr>
+          <p:cNvSpPr txBox="1"/>
+          <p:nvPr/>
+        </p:nvSpPr>
+        <p:spPr>
+          <a:xfrm>
+            <a:off x="4802865" y="2883635"/>
+            <a:ext cx="2421797" cy="369332"/>
+          </a:xfrm>
+          <a:prstGeom prst="rect">
+            <a:avLst/>
+          </a:prstGeom>
+          <a:noFill/>
+        </p:spPr>
+        <p:txBody>
+          <a:bodyPr wrap="square" rtlCol="0">
+            <a:spAutoFit/>
+          </a:bodyPr>
+          <a:lstStyle/>
+          <a:p>
+            <a:r>
+              <a:rPr lang="de-DE" dirty="0"/>
+              <a:t>Dimension: 4765 x 150</a:t>
+            </a:r>
+          </a:p>
+        </p:txBody>
+      </p:sp>
+      <p:sp>
+        <p:nvSpPr>
+          <p:cNvPr id="22" name="Titel 1">
+            <a:extLst>
+              <a:ext uri="{FF2B5EF4-FFF2-40B4-BE49-F238E27FC236}">
+                <a16:creationId xmlns:a16="http://schemas.microsoft.com/office/drawing/2014/main" id="{C1405740-2635-40C6-1EE7-94757BED2C3C}"/>
+              </a:ext>
+            </a:extLst>
+          </p:cNvPr>
+          <p:cNvSpPr>
+            <a:spLocks noGrp="1"/>
+          </p:cNvSpPr>
+          <p:nvPr>
+            <p:ph type="title"/>
+          </p:nvPr>
+        </p:nvSpPr>
+        <p:spPr>
+          <a:xfrm>
+            <a:off x="247650" y="142892"/>
+            <a:ext cx="6977011" cy="1325563"/>
+          </a:xfrm>
+        </p:spPr>
+        <p:txBody>
+          <a:bodyPr/>
+          <a:lstStyle/>
+          <a:p>
+            <a:pPr algn="ctr"/>
+            <a:r>
+              <a:rPr lang="de-DE" dirty="0" err="1"/>
+              <a:t>What</a:t>
+            </a:r>
+            <a:r>
+              <a:rPr lang="de-DE" dirty="0"/>
+              <a:t> </a:t>
+            </a:r>
+            <a:r>
+              <a:rPr lang="de-DE" dirty="0" err="1"/>
+              <a:t>is</a:t>
+            </a:r>
+            <a:r>
+              <a:rPr lang="de-DE" dirty="0"/>
+              <a:t> </a:t>
+            </a:r>
+            <a:r>
+              <a:rPr lang="de-DE" dirty="0" err="1"/>
+              <a:t>our</a:t>
+            </a:r>
+            <a:r>
+              <a:rPr lang="de-DE" dirty="0"/>
+              <a:t> </a:t>
+            </a:r>
+            <a:r>
+              <a:rPr lang="de-DE" dirty="0" err="1"/>
+              <a:t>data</a:t>
+            </a:r>
+            <a:r>
+              <a:rPr lang="de-DE" dirty="0"/>
+              <a:t> </a:t>
+            </a:r>
+            <a:r>
+              <a:rPr lang="de-DE" dirty="0" err="1"/>
+              <a:t>set</a:t>
+            </a:r>
+            <a:r>
+              <a:rPr lang="de-DE" dirty="0"/>
+              <a:t> </a:t>
+            </a:r>
+            <a:r>
+              <a:rPr lang="de-DE" dirty="0" err="1"/>
+              <a:t>showing</a:t>
+            </a:r>
+            <a:r>
+              <a:rPr lang="de-DE" dirty="0"/>
+              <a:t>?  </a:t>
+            </a:r>
+          </a:p>
+        </p:txBody>
+      </p:sp>
+      <p:cxnSp>
+        <p:nvCxnSpPr>
+          <p:cNvPr id="23" name="Gerader Verbinder 22">
+            <a:extLst>
+              <a:ext uri="{FF2B5EF4-FFF2-40B4-BE49-F238E27FC236}">
+                <a16:creationId xmlns:a16="http://schemas.microsoft.com/office/drawing/2014/main" id="{4C9B2F2E-B985-A014-040C-C3B4FD8CEC94}"/>
+              </a:ext>
+            </a:extLst>
+          </p:cNvPr>
+          <p:cNvCxnSpPr>
+            <a:cxnSpLocks/>
+          </p:cNvCxnSpPr>
+          <p:nvPr/>
+        </p:nvCxnSpPr>
+        <p:spPr>
+          <a:xfrm>
+            <a:off x="316872" y="1120960"/>
+            <a:ext cx="6808205" cy="0"/>
+          </a:xfrm>
+          <a:prstGeom prst="line">
+            <a:avLst/>
+          </a:prstGeom>
+        </p:spPr>
+        <p:style>
+          <a:lnRef idx="2">
+            <a:schemeClr val="accent2"/>
+          </a:lnRef>
+          <a:fillRef idx="0">
+            <a:schemeClr val="accent2"/>
+          </a:fillRef>
+          <a:effectRef idx="1">
+            <a:schemeClr val="accent2"/>
+          </a:effectRef>
+          <a:fontRef idx="minor">
+            <a:schemeClr val="tx1"/>
+          </a:fontRef>
+        </p:style>
+      </p:cxnSp>
+    </p:spTree>
+    <p:extLst>
+      <p:ext uri="{BB962C8B-B14F-4D97-AF65-F5344CB8AC3E}">
+        <p14:creationId xmlns:p14="http://schemas.microsoft.com/office/powerpoint/2010/main" val="2179508459"/>
+      </p:ext>
+    </p:extLst>
+  </p:cSld>
+  <p:clrMapOvr>
+    <a:masterClrMapping/>
+  </p:clrMapOvr>
+</p:sld>
+</file>
+
+<file path=ppt/slides/slide8.xml><?xml version="1.0" encoding="utf-8"?>
+<p:sld xmlns:a="http://schemas.openxmlformats.org/drawingml/2006/main" xmlns:r="http://schemas.openxmlformats.org/officeDocument/2006/relationships" xmlns:p="http://schemas.openxmlformats.org/presentationml/2006/main">
+  <p:cSld>
+    <p:spTree>
+      <p:nvGrpSpPr>
+        <p:cNvPr id="1" name=""/>
+        <p:cNvGrpSpPr/>
+        <p:nvPr/>
+      </p:nvGrpSpPr>
+      <p:grpSpPr>
+        <a:xfrm>
+          <a:off x="0" y="0"/>
+          <a:ext cx="0" cy="0"/>
+          <a:chOff x="0" y="0"/>
+          <a:chExt cx="0" cy="0"/>
+        </a:xfrm>
+      </p:grpSpPr>
+      <p:sp>
+        <p:nvSpPr>
           <p:cNvPr id="2" name="Title 1">
             <a:extLst>
               <a:ext uri="{FF2B5EF4-FFF2-40B4-BE49-F238E27FC236}">
@@ -5587,7 +10814,7 @@
 </p:sld>
 </file>
 
-<file path=ppt/slides/slide5.xml><?xml version="1.0" encoding="utf-8"?>
+<file path=ppt/slides/slide9.xml><?xml version="1.0" encoding="utf-8"?>
 <p:sld xmlns:a="http://schemas.openxmlformats.org/drawingml/2006/main" xmlns:r="http://schemas.openxmlformats.org/officeDocument/2006/relationships" xmlns:p="http://schemas.openxmlformats.org/presentationml/2006/main">
   <p:cSld>
     <p:spTree>
@@ -5731,2617 +10958,6 @@
     <p:extLst>
       <p:ext uri="{BB962C8B-B14F-4D97-AF65-F5344CB8AC3E}">
         <p14:creationId xmlns:p14="http://schemas.microsoft.com/office/powerpoint/2010/main" val="189858056"/>
-      </p:ext>
-    </p:extLst>
-  </p:cSld>
-  <p:clrMapOvr>
-    <a:masterClrMapping/>
-  </p:clrMapOvr>
-</p:sld>
-</file>
-
-<file path=ppt/slides/slide6.xml><?xml version="1.0" encoding="utf-8"?>
-<p:sld xmlns:a="http://schemas.openxmlformats.org/drawingml/2006/main" xmlns:r="http://schemas.openxmlformats.org/officeDocument/2006/relationships" xmlns:p="http://schemas.openxmlformats.org/presentationml/2006/main">
-  <p:cSld>
-    <p:spTree>
-      <p:nvGrpSpPr>
-        <p:cNvPr id="1" name="">
-          <a:extLst>
-            <a:ext uri="{FF2B5EF4-FFF2-40B4-BE49-F238E27FC236}">
-              <a16:creationId xmlns:a16="http://schemas.microsoft.com/office/drawing/2014/main" id="{F550F828-AC37-5A45-A912-F5288234F507}"/>
-            </a:ext>
-          </a:extLst>
-        </p:cNvPr>
-        <p:cNvGrpSpPr/>
-        <p:nvPr/>
-      </p:nvGrpSpPr>
-      <p:grpSpPr>
-        <a:xfrm>
-          <a:off x="0" y="0"/>
-          <a:ext cx="0" cy="0"/>
-          <a:chOff x="0" y="0"/>
-          <a:chExt cx="0" cy="0"/>
-        </a:xfrm>
-      </p:grpSpPr>
-      <p:sp>
-        <p:nvSpPr>
-          <p:cNvPr id="2" name="Rectangle: Rounded Corners 1">
-            <a:extLst>
-              <a:ext uri="{FF2B5EF4-FFF2-40B4-BE49-F238E27FC236}">
-                <a16:creationId xmlns:a16="http://schemas.microsoft.com/office/drawing/2014/main" id="{EAE943B7-332D-15B8-6DD0-BCC89D98BDE5}"/>
-              </a:ext>
-            </a:extLst>
-          </p:cNvPr>
-          <p:cNvSpPr/>
-          <p:nvPr/>
-        </p:nvSpPr>
-        <p:spPr>
-          <a:xfrm>
-            <a:off x="2445174" y="1651000"/>
-            <a:ext cx="2880360" cy="1666240"/>
-          </a:xfrm>
-          <a:prstGeom prst="roundRect">
-            <a:avLst/>
-          </a:prstGeom>
-          <a:solidFill>
-            <a:schemeClr val="bg1"/>
-          </a:solidFill>
-          <a:ln w="34925">
-            <a:solidFill>
-              <a:schemeClr val="tx1"/>
-            </a:solidFill>
-          </a:ln>
-          <a:effectLst>
-            <a:outerShdw blurRad="317500" dir="2700000" algn="ctr">
-              <a:srgbClr val="000000">
-                <a:alpha val="43000"/>
-              </a:srgbClr>
-            </a:outerShdw>
-          </a:effectLst>
-        </p:spPr>
-        <p:style>
-          <a:lnRef idx="2">
-            <a:schemeClr val="accent1">
-              <a:shade val="15000"/>
-            </a:schemeClr>
-          </a:lnRef>
-          <a:fillRef idx="1">
-            <a:schemeClr val="accent1"/>
-          </a:fillRef>
-          <a:effectRef idx="0">
-            <a:schemeClr val="accent1"/>
-          </a:effectRef>
-          <a:fontRef idx="minor">
-            <a:schemeClr val="lt1"/>
-          </a:fontRef>
-        </p:style>
-        <p:txBody>
-          <a:bodyPr rtlCol="0" anchor="ctr"/>
-          <a:lstStyle/>
-          <a:p>
-            <a:pPr algn="ctr"/>
-            <a:r>
-              <a:rPr lang="en-GB" sz="2400" b="1" i="0" noProof="0" dirty="0">
-                <a:solidFill>
-                  <a:srgbClr val="1F2328"/>
-                </a:solidFill>
-                <a:effectLst/>
-                <a:latin typeface="-apple-system"/>
-              </a:rPr>
-              <a:t>Data </a:t>
-            </a:r>
-            <a:r>
-              <a:rPr lang="en-GB" sz="2400" b="1" noProof="0" dirty="0">
-                <a:solidFill>
-                  <a:srgbClr val="1F2328"/>
-                </a:solidFill>
-                <a:latin typeface="-apple-system"/>
-              </a:rPr>
-              <a:t>cleanup</a:t>
-            </a:r>
-            <a:r>
-              <a:rPr lang="en-GB" sz="2400" b="1" i="0" noProof="0" dirty="0">
-                <a:solidFill>
-                  <a:srgbClr val="1F2328"/>
-                </a:solidFill>
-                <a:effectLst/>
-                <a:latin typeface="-apple-system"/>
-              </a:rPr>
-              <a:t> </a:t>
-            </a:r>
-          </a:p>
-        </p:txBody>
-      </p:sp>
-      <p:sp>
-        <p:nvSpPr>
-          <p:cNvPr id="9" name="TextBox 8">
-            <a:extLst>
-              <a:ext uri="{FF2B5EF4-FFF2-40B4-BE49-F238E27FC236}">
-                <a16:creationId xmlns:a16="http://schemas.microsoft.com/office/drawing/2014/main" id="{76136DA4-F1F9-4219-5F33-F9F8F8547B47}"/>
-              </a:ext>
-            </a:extLst>
-          </p:cNvPr>
-          <p:cNvSpPr txBox="1"/>
-          <p:nvPr/>
-        </p:nvSpPr>
-        <p:spPr>
-          <a:xfrm>
-            <a:off x="2445174" y="3982197"/>
-            <a:ext cx="2880360" cy="2585323"/>
-          </a:xfrm>
-          <a:prstGeom prst="rect">
-            <a:avLst/>
-          </a:prstGeom>
-          <a:noFill/>
-        </p:spPr>
-        <p:txBody>
-          <a:bodyPr wrap="square" rtlCol="0">
-            <a:spAutoFit/>
-          </a:bodyPr>
-          <a:lstStyle/>
-          <a:p>
-            <a:pPr>
-              <a:buFont typeface="Arial" panose="020B0604020202020204" pitchFamily="34" charset="0"/>
-              <a:buChar char="•"/>
-            </a:pPr>
-            <a:r>
-              <a:rPr lang="en-GB" noProof="0" dirty="0">
-                <a:solidFill>
-                  <a:srgbClr val="1F2328"/>
-                </a:solidFill>
-                <a:latin typeface="-apple-system"/>
-              </a:rPr>
-              <a:t> Removing low variance     columns/rows</a:t>
-            </a:r>
-          </a:p>
-          <a:p>
-            <a:pPr>
-              <a:buFont typeface="Arial" panose="020B0604020202020204" pitchFamily="34" charset="0"/>
-              <a:buChar char="•"/>
-            </a:pPr>
-            <a:endParaRPr lang="en-GB" noProof="0" dirty="0">
-              <a:solidFill>
-                <a:srgbClr val="1F2328"/>
-              </a:solidFill>
-              <a:latin typeface="-apple-system"/>
-            </a:endParaRPr>
-          </a:p>
-          <a:p>
-            <a:pPr>
-              <a:buFont typeface="Arial" panose="020B0604020202020204" pitchFamily="34" charset="0"/>
-              <a:buChar char="•"/>
-            </a:pPr>
-            <a:r>
-              <a:rPr lang="en-GB" noProof="0" dirty="0">
-                <a:solidFill>
-                  <a:srgbClr val="1F2328"/>
-                </a:solidFill>
-                <a:latin typeface="-apple-system"/>
-              </a:rPr>
-              <a:t> Removing batch effects</a:t>
-            </a:r>
-          </a:p>
-          <a:p>
-            <a:pPr>
-              <a:buFont typeface="Arial" panose="020B0604020202020204" pitchFamily="34" charset="0"/>
-              <a:buChar char="•"/>
-            </a:pPr>
-            <a:endParaRPr lang="en-GB" noProof="0" dirty="0">
-              <a:solidFill>
-                <a:srgbClr val="1F2328"/>
-              </a:solidFill>
-              <a:latin typeface="-apple-system"/>
-            </a:endParaRPr>
-          </a:p>
-          <a:p>
-            <a:pPr>
-              <a:buFont typeface="Arial" panose="020B0604020202020204" pitchFamily="34" charset="0"/>
-              <a:buChar char="•"/>
-            </a:pPr>
-            <a:r>
-              <a:rPr lang="en-GB" noProof="0" dirty="0">
-                <a:solidFill>
-                  <a:srgbClr val="1F2328"/>
-                </a:solidFill>
-                <a:latin typeface="-apple-system"/>
-              </a:rPr>
-              <a:t> Removing technical outliers</a:t>
-            </a:r>
-          </a:p>
-          <a:p>
-            <a:pPr>
-              <a:buFont typeface="Arial" panose="020B0604020202020204" pitchFamily="34" charset="0"/>
-              <a:buChar char="•"/>
-            </a:pPr>
-            <a:endParaRPr lang="en-GB" noProof="0" dirty="0">
-              <a:solidFill>
-                <a:srgbClr val="1F2328"/>
-              </a:solidFill>
-              <a:latin typeface="-apple-system"/>
-            </a:endParaRPr>
-          </a:p>
-          <a:p>
-            <a:pPr>
-              <a:buFont typeface="Arial" panose="020B0604020202020204" pitchFamily="34" charset="0"/>
-              <a:buChar char="•"/>
-            </a:pPr>
-            <a:r>
-              <a:rPr lang="en-GB" noProof="0" dirty="0">
-                <a:solidFill>
-                  <a:srgbClr val="1F2328"/>
-                </a:solidFill>
-                <a:latin typeface="-apple-system"/>
-              </a:rPr>
-              <a:t> Re-ordering data</a:t>
-            </a:r>
-          </a:p>
-          <a:p>
-            <a:pPr algn="l">
-              <a:buFont typeface="Arial" panose="020B0604020202020204" pitchFamily="34" charset="0"/>
-              <a:buChar char="•"/>
-            </a:pPr>
-            <a:endParaRPr lang="en-GB" noProof="0" dirty="0">
-              <a:solidFill>
-                <a:srgbClr val="1F2328"/>
-              </a:solidFill>
-              <a:latin typeface="-apple-system"/>
-            </a:endParaRPr>
-          </a:p>
-        </p:txBody>
-      </p:sp>
-      <p:sp>
-        <p:nvSpPr>
-          <p:cNvPr id="10" name="TextBox 9">
-            <a:extLst>
-              <a:ext uri="{FF2B5EF4-FFF2-40B4-BE49-F238E27FC236}">
-                <a16:creationId xmlns:a16="http://schemas.microsoft.com/office/drawing/2014/main" id="{D1C53C33-5E9F-048D-5E7F-B0F57CA230C7}"/>
-              </a:ext>
-            </a:extLst>
-          </p:cNvPr>
-          <p:cNvSpPr txBox="1"/>
-          <p:nvPr/>
-        </p:nvSpPr>
-        <p:spPr>
-          <a:xfrm>
-            <a:off x="3167062" y="290480"/>
-            <a:ext cx="5857875" cy="769441"/>
-          </a:xfrm>
-          <a:prstGeom prst="rect">
-            <a:avLst/>
-          </a:prstGeom>
-          <a:noFill/>
-        </p:spPr>
-        <p:txBody>
-          <a:bodyPr wrap="square" rtlCol="0">
-            <a:spAutoFit/>
-          </a:bodyPr>
-          <a:lstStyle/>
-          <a:p>
-            <a:pPr algn="ctr"/>
-            <a:r>
-              <a:rPr lang="en-GB" sz="4400" noProof="0" dirty="0"/>
-              <a:t>1. Week</a:t>
-            </a:r>
-          </a:p>
-        </p:txBody>
-      </p:sp>
-      <p:pic>
-        <p:nvPicPr>
-          <p:cNvPr id="12" name="Picture 11" descr="A table with numbers and letters&#10;&#10;AI-generated content may be incorrect.">
-            <a:extLst>
-              <a:ext uri="{FF2B5EF4-FFF2-40B4-BE49-F238E27FC236}">
-                <a16:creationId xmlns:a16="http://schemas.microsoft.com/office/drawing/2014/main" id="{CA1C5BB0-671D-3DF9-A154-8DD46F38202F}"/>
-              </a:ext>
-            </a:extLst>
-          </p:cNvPr>
-          <p:cNvPicPr>
-            <a:picLocks noChangeAspect="1"/>
-          </p:cNvPicPr>
-          <p:nvPr/>
-        </p:nvPicPr>
-        <p:blipFill>
-          <a:blip r:embed="rId2">
-            <a:extLst>
-              <a:ext uri="{28A0092B-C50C-407E-A947-70E740481C1C}">
-                <a14:useLocalDpi xmlns:a14="http://schemas.microsoft.com/office/drawing/2010/main" val="0"/>
-              </a:ext>
-            </a:extLst>
-          </a:blip>
-          <a:stretch>
-            <a:fillRect/>
-          </a:stretch>
-        </p:blipFill>
-        <p:spPr>
-          <a:xfrm>
-            <a:off x="6095999" y="1532666"/>
-            <a:ext cx="6072706" cy="2954500"/>
-          </a:xfrm>
-          <a:prstGeom prst="rect">
-            <a:avLst/>
-          </a:prstGeom>
-        </p:spPr>
-      </p:pic>
-      <p:sp>
-        <p:nvSpPr>
-          <p:cNvPr id="15" name="Circle: Hollow 14">
-            <a:extLst>
-              <a:ext uri="{FF2B5EF4-FFF2-40B4-BE49-F238E27FC236}">
-                <a16:creationId xmlns:a16="http://schemas.microsoft.com/office/drawing/2014/main" id="{F0F4146A-1EA9-8A06-CAB8-D85E007D0F83}"/>
-              </a:ext>
-            </a:extLst>
-          </p:cNvPr>
-          <p:cNvSpPr/>
-          <p:nvPr/>
-        </p:nvSpPr>
-        <p:spPr>
-          <a:xfrm>
-            <a:off x="9382688" y="2823650"/>
-            <a:ext cx="712893" cy="698484"/>
-          </a:xfrm>
-          <a:prstGeom prst="donut">
-            <a:avLst>
-              <a:gd name="adj" fmla="val 1954"/>
-            </a:avLst>
-          </a:prstGeom>
-          <a:solidFill>
-            <a:srgbClr val="FF0000"/>
-          </a:solidFill>
-          <a:ln>
-            <a:solidFill>
-              <a:srgbClr val="FF0000"/>
-            </a:solidFill>
-          </a:ln>
-        </p:spPr>
-        <p:style>
-          <a:lnRef idx="2">
-            <a:schemeClr val="accent1">
-              <a:shade val="15000"/>
-            </a:schemeClr>
-          </a:lnRef>
-          <a:fillRef idx="1">
-            <a:schemeClr val="accent1"/>
-          </a:fillRef>
-          <a:effectRef idx="0">
-            <a:schemeClr val="accent1"/>
-          </a:effectRef>
-          <a:fontRef idx="minor">
-            <a:schemeClr val="lt1"/>
-          </a:fontRef>
-        </p:style>
-        <p:txBody>
-          <a:bodyPr rtlCol="0" anchor="ctr"/>
-          <a:lstStyle/>
-          <a:p>
-            <a:pPr algn="ctr"/>
-            <a:endParaRPr lang="en-GB" noProof="0" dirty="0">
-              <a:solidFill>
-                <a:schemeClr val="tx1"/>
-              </a:solidFill>
-            </a:endParaRPr>
-          </a:p>
-        </p:txBody>
-      </p:sp>
-      <p:pic>
-        <p:nvPicPr>
-          <p:cNvPr id="14" name="Picture 13" descr="A graph with black dots&#10;&#10;AI-generated content may be incorrect.">
-            <a:extLst>
-              <a:ext uri="{FF2B5EF4-FFF2-40B4-BE49-F238E27FC236}">
-                <a16:creationId xmlns:a16="http://schemas.microsoft.com/office/drawing/2014/main" id="{6EEB7CD8-020B-0D09-414F-9D55973E8AA5}"/>
-              </a:ext>
-            </a:extLst>
-          </p:cNvPr>
-          <p:cNvPicPr>
-            <a:picLocks noChangeAspect="1"/>
-          </p:cNvPicPr>
-          <p:nvPr/>
-        </p:nvPicPr>
-        <p:blipFill>
-          <a:blip r:embed="rId3">
-            <a:extLst>
-              <a:ext uri="{28A0092B-C50C-407E-A947-70E740481C1C}">
-                <a14:useLocalDpi xmlns:a14="http://schemas.microsoft.com/office/drawing/2010/main" val="0"/>
-              </a:ext>
-            </a:extLst>
-          </a:blip>
-          <a:srcRect t="1604"/>
-          <a:stretch/>
-        </p:blipFill>
-        <p:spPr>
-          <a:xfrm>
-            <a:off x="5921670" y="1532666"/>
-            <a:ext cx="6206534" cy="3727112"/>
-          </a:xfrm>
-          <a:prstGeom prst="rect">
-            <a:avLst/>
-          </a:prstGeom>
-        </p:spPr>
-      </p:pic>
-      <p:sp>
-        <p:nvSpPr>
-          <p:cNvPr id="16" name="TextBox 15">
-            <a:extLst>
-              <a:ext uri="{FF2B5EF4-FFF2-40B4-BE49-F238E27FC236}">
-                <a16:creationId xmlns:a16="http://schemas.microsoft.com/office/drawing/2014/main" id="{246E2B49-F04F-2143-6374-5DE723839653}"/>
-              </a:ext>
-            </a:extLst>
-          </p:cNvPr>
-          <p:cNvSpPr txBox="1"/>
-          <p:nvPr/>
-        </p:nvSpPr>
-        <p:spPr>
-          <a:xfrm>
-            <a:off x="6095999" y="5259778"/>
-            <a:ext cx="4572000" cy="246221"/>
-          </a:xfrm>
-          <a:prstGeom prst="rect">
-            <a:avLst/>
-          </a:prstGeom>
-          <a:noFill/>
-        </p:spPr>
-        <p:txBody>
-          <a:bodyPr wrap="square" rtlCol="0">
-            <a:spAutoFit/>
-          </a:bodyPr>
-          <a:lstStyle/>
-          <a:p>
-            <a:r>
-              <a:rPr lang="en-GB" sz="1000" u="sng" noProof="0" dirty="0" err="1"/>
-              <a:t>Bioinfo</a:t>
-            </a:r>
-            <a:r>
-              <a:rPr lang="en-GB" sz="1000" u="sng" noProof="0" dirty="0"/>
-              <a:t>-Slides </a:t>
-            </a:r>
-            <a:r>
-              <a:rPr lang="en-GB" sz="1000" u="sng" noProof="0" dirty="0" err="1"/>
-              <a:t>aus</a:t>
-            </a:r>
-            <a:r>
-              <a:rPr lang="en-GB" sz="1000" u="sng" noProof="0" dirty="0"/>
-              <a:t> </a:t>
-            </a:r>
-            <a:r>
-              <a:rPr lang="en-GB" sz="1000" u="sng" noProof="0" dirty="0" err="1"/>
-              <a:t>dem</a:t>
-            </a:r>
-            <a:r>
-              <a:rPr lang="en-GB" sz="1000" u="sng" noProof="0" dirty="0"/>
-              <a:t> 3. Semester</a:t>
-            </a:r>
-          </a:p>
-        </p:txBody>
-      </p:sp>
-      <p:sp>
-        <p:nvSpPr>
-          <p:cNvPr id="17" name="TextBox 16">
-            <a:extLst>
-              <a:ext uri="{FF2B5EF4-FFF2-40B4-BE49-F238E27FC236}">
-                <a16:creationId xmlns:a16="http://schemas.microsoft.com/office/drawing/2014/main" id="{FBD522B7-9B53-8303-2E5A-DA990EA68968}"/>
-              </a:ext>
-            </a:extLst>
-          </p:cNvPr>
-          <p:cNvSpPr txBox="1"/>
-          <p:nvPr/>
-        </p:nvSpPr>
-        <p:spPr>
-          <a:xfrm>
-            <a:off x="5304366" y="1039493"/>
-            <a:ext cx="1583266" cy="369332"/>
-          </a:xfrm>
-          <a:prstGeom prst="rect">
-            <a:avLst/>
-          </a:prstGeom>
-          <a:noFill/>
-        </p:spPr>
-        <p:txBody>
-          <a:bodyPr wrap="square" rtlCol="0">
-            <a:spAutoFit/>
-          </a:bodyPr>
-          <a:lstStyle/>
-          <a:p>
-            <a:pPr algn="ctr"/>
-            <a:r>
-              <a:rPr lang="de-DE" dirty="0"/>
-              <a:t>19.05.-25.05.</a:t>
-            </a:r>
-          </a:p>
-        </p:txBody>
-      </p:sp>
-    </p:spTree>
-    <p:extLst>
-      <p:ext uri="{BB962C8B-B14F-4D97-AF65-F5344CB8AC3E}">
-        <p14:creationId xmlns:p14="http://schemas.microsoft.com/office/powerpoint/2010/main" val="596613793"/>
-      </p:ext>
-    </p:extLst>
-  </p:cSld>
-  <p:clrMapOvr>
-    <a:masterClrMapping/>
-  </p:clrMapOvr>
-  <p:timing>
-    <p:tnLst>
-      <p:par>
-        <p:cTn id="1" dur="indefinite" restart="never" nodeType="tmRoot">
-          <p:childTnLst>
-            <p:seq concurrent="1" nextAc="seek">
-              <p:cTn id="2" dur="indefinite" nodeType="mainSeq">
-                <p:childTnLst>
-                  <p:par>
-                    <p:cTn id="3" fill="hold">
-                      <p:stCondLst>
-                        <p:cond delay="indefinite"/>
-                      </p:stCondLst>
-                      <p:childTnLst>
-                        <p:par>
-                          <p:cTn id="4" fill="hold">
-                            <p:stCondLst>
-                              <p:cond delay="0"/>
-                            </p:stCondLst>
-                            <p:childTnLst>
-                              <p:par>
-                                <p:cTn id="5" presetID="1" presetClass="entr" presetSubtype="0" fill="hold" grpId="0" nodeType="clickEffect">
-                                  <p:stCondLst>
-                                    <p:cond delay="0"/>
-                                  </p:stCondLst>
-                                  <p:childTnLst>
-                                    <p:set>
-                                      <p:cBhvr>
-                                        <p:cTn id="6" dur="1" fill="hold">
-                                          <p:stCondLst>
-                                            <p:cond delay="0"/>
-                                          </p:stCondLst>
-                                        </p:cTn>
-                                        <p:tgtEl>
-                                          <p:spTgt spid="2"/>
-                                        </p:tgtEl>
-                                        <p:attrNameLst>
-                                          <p:attrName>style.visibility</p:attrName>
-                                        </p:attrNameLst>
-                                      </p:cBhvr>
-                                      <p:to>
-                                        <p:strVal val="visible"/>
-                                      </p:to>
-                                    </p:set>
-                                  </p:childTnLst>
-                                </p:cTn>
-                              </p:par>
-                            </p:childTnLst>
-                          </p:cTn>
-                        </p:par>
-                      </p:childTnLst>
-                    </p:cTn>
-                  </p:par>
-                  <p:par>
-                    <p:cTn id="7" fill="hold">
-                      <p:stCondLst>
-                        <p:cond delay="indefinite"/>
-                      </p:stCondLst>
-                      <p:childTnLst>
-                        <p:par>
-                          <p:cTn id="8" fill="hold">
-                            <p:stCondLst>
-                              <p:cond delay="0"/>
-                            </p:stCondLst>
-                            <p:childTnLst>
-                              <p:par>
-                                <p:cTn id="9" presetID="1" presetClass="entr" presetSubtype="0" fill="hold" grpId="0" nodeType="clickEffect">
-                                  <p:stCondLst>
-                                    <p:cond delay="0"/>
-                                  </p:stCondLst>
-                                  <p:childTnLst>
-                                    <p:set>
-                                      <p:cBhvr>
-                                        <p:cTn id="10" dur="1" fill="hold">
-                                          <p:stCondLst>
-                                            <p:cond delay="0"/>
-                                          </p:stCondLst>
-                                        </p:cTn>
-                                        <p:tgtEl>
-                                          <p:spTgt spid="9">
-                                            <p:txEl>
-                                              <p:pRg st="0" end="0"/>
-                                            </p:txEl>
-                                          </p:spTgt>
-                                        </p:tgtEl>
-                                        <p:attrNameLst>
-                                          <p:attrName>style.visibility</p:attrName>
-                                        </p:attrNameLst>
-                                      </p:cBhvr>
-                                      <p:to>
-                                        <p:strVal val="visible"/>
-                                      </p:to>
-                                    </p:set>
-                                  </p:childTnLst>
-                                </p:cTn>
-                              </p:par>
-                            </p:childTnLst>
-                          </p:cTn>
-                        </p:par>
-                      </p:childTnLst>
-                    </p:cTn>
-                  </p:par>
-                  <p:par>
-                    <p:cTn id="11" fill="hold">
-                      <p:stCondLst>
-                        <p:cond delay="indefinite"/>
-                      </p:stCondLst>
-                      <p:childTnLst>
-                        <p:par>
-                          <p:cTn id="12" fill="hold">
-                            <p:stCondLst>
-                              <p:cond delay="0"/>
-                            </p:stCondLst>
-                            <p:childTnLst>
-                              <p:par>
-                                <p:cTn id="13" presetID="1" presetClass="entr" presetSubtype="0" fill="hold" grpId="0" nodeType="clickEffect">
-                                  <p:stCondLst>
-                                    <p:cond delay="0"/>
-                                  </p:stCondLst>
-                                  <p:childTnLst>
-                                    <p:set>
-                                      <p:cBhvr>
-                                        <p:cTn id="14" dur="1" fill="hold">
-                                          <p:stCondLst>
-                                            <p:cond delay="0"/>
-                                          </p:stCondLst>
-                                        </p:cTn>
-                                        <p:tgtEl>
-                                          <p:spTgt spid="9">
-                                            <p:txEl>
-                                              <p:pRg st="2" end="2"/>
-                                            </p:txEl>
-                                          </p:spTgt>
-                                        </p:tgtEl>
-                                        <p:attrNameLst>
-                                          <p:attrName>style.visibility</p:attrName>
-                                        </p:attrNameLst>
-                                      </p:cBhvr>
-                                      <p:to>
-                                        <p:strVal val="visible"/>
-                                      </p:to>
-                                    </p:set>
-                                  </p:childTnLst>
-                                </p:cTn>
-                              </p:par>
-                            </p:childTnLst>
-                          </p:cTn>
-                        </p:par>
-                      </p:childTnLst>
-                    </p:cTn>
-                  </p:par>
-                  <p:par>
-                    <p:cTn id="15" fill="hold">
-                      <p:stCondLst>
-                        <p:cond delay="indefinite"/>
-                      </p:stCondLst>
-                      <p:childTnLst>
-                        <p:par>
-                          <p:cTn id="16" fill="hold">
-                            <p:stCondLst>
-                              <p:cond delay="0"/>
-                            </p:stCondLst>
-                            <p:childTnLst>
-                              <p:par>
-                                <p:cTn id="17" presetID="1" presetClass="entr" presetSubtype="0" fill="hold" grpId="0" nodeType="clickEffect">
-                                  <p:stCondLst>
-                                    <p:cond delay="0"/>
-                                  </p:stCondLst>
-                                  <p:childTnLst>
-                                    <p:set>
-                                      <p:cBhvr>
-                                        <p:cTn id="18" dur="1" fill="hold">
-                                          <p:stCondLst>
-                                            <p:cond delay="0"/>
-                                          </p:stCondLst>
-                                        </p:cTn>
-                                        <p:tgtEl>
-                                          <p:spTgt spid="9">
-                                            <p:txEl>
-                                              <p:pRg st="4" end="4"/>
-                                            </p:txEl>
-                                          </p:spTgt>
-                                        </p:tgtEl>
-                                        <p:attrNameLst>
-                                          <p:attrName>style.visibility</p:attrName>
-                                        </p:attrNameLst>
-                                      </p:cBhvr>
-                                      <p:to>
-                                        <p:strVal val="visible"/>
-                                      </p:to>
-                                    </p:set>
-                                  </p:childTnLst>
-                                </p:cTn>
-                              </p:par>
-                            </p:childTnLst>
-                          </p:cTn>
-                        </p:par>
-                      </p:childTnLst>
-                    </p:cTn>
-                  </p:par>
-                  <p:par>
-                    <p:cTn id="19" fill="hold">
-                      <p:stCondLst>
-                        <p:cond delay="indefinite"/>
-                      </p:stCondLst>
-                      <p:childTnLst>
-                        <p:par>
-                          <p:cTn id="20" fill="hold">
-                            <p:stCondLst>
-                              <p:cond delay="0"/>
-                            </p:stCondLst>
-                            <p:childTnLst>
-                              <p:par>
-                                <p:cTn id="21" presetID="1" presetClass="entr" presetSubtype="0" fill="hold" grpId="0" nodeType="clickEffect">
-                                  <p:stCondLst>
-                                    <p:cond delay="0"/>
-                                  </p:stCondLst>
-                                  <p:childTnLst>
-                                    <p:set>
-                                      <p:cBhvr>
-                                        <p:cTn id="22" dur="1" fill="hold">
-                                          <p:stCondLst>
-                                            <p:cond delay="0"/>
-                                          </p:stCondLst>
-                                        </p:cTn>
-                                        <p:tgtEl>
-                                          <p:spTgt spid="9">
-                                            <p:txEl>
-                                              <p:pRg st="6" end="6"/>
-                                            </p:txEl>
-                                          </p:spTgt>
-                                        </p:tgtEl>
-                                        <p:attrNameLst>
-                                          <p:attrName>style.visibility</p:attrName>
-                                        </p:attrNameLst>
-                                      </p:cBhvr>
-                                      <p:to>
-                                        <p:strVal val="visible"/>
-                                      </p:to>
-                                    </p:set>
-                                  </p:childTnLst>
-                                </p:cTn>
-                              </p:par>
-                            </p:childTnLst>
-                          </p:cTn>
-                        </p:par>
-                      </p:childTnLst>
-                    </p:cTn>
-                  </p:par>
-                  <p:par>
-                    <p:cTn id="23" fill="hold">
-                      <p:stCondLst>
-                        <p:cond delay="indefinite"/>
-                      </p:stCondLst>
-                      <p:childTnLst>
-                        <p:par>
-                          <p:cTn id="24" fill="hold">
-                            <p:stCondLst>
-                              <p:cond delay="0"/>
-                            </p:stCondLst>
-                            <p:childTnLst>
-                              <p:par>
-                                <p:cTn id="25" presetID="1" presetClass="entr" presetSubtype="0" fill="hold" nodeType="clickEffect">
-                                  <p:stCondLst>
-                                    <p:cond delay="0"/>
-                                  </p:stCondLst>
-                                  <p:childTnLst>
-                                    <p:set>
-                                      <p:cBhvr>
-                                        <p:cTn id="26" dur="1" fill="hold">
-                                          <p:stCondLst>
-                                            <p:cond delay="0"/>
-                                          </p:stCondLst>
-                                        </p:cTn>
-                                        <p:tgtEl>
-                                          <p:spTgt spid="12"/>
-                                        </p:tgtEl>
-                                        <p:attrNameLst>
-                                          <p:attrName>style.visibility</p:attrName>
-                                        </p:attrNameLst>
-                                      </p:cBhvr>
-                                      <p:to>
-                                        <p:strVal val="visible"/>
-                                      </p:to>
-                                    </p:set>
-                                  </p:childTnLst>
-                                </p:cTn>
-                              </p:par>
-                            </p:childTnLst>
-                          </p:cTn>
-                        </p:par>
-                      </p:childTnLst>
-                    </p:cTn>
-                  </p:par>
-                  <p:par>
-                    <p:cTn id="27" fill="hold">
-                      <p:stCondLst>
-                        <p:cond delay="indefinite"/>
-                      </p:stCondLst>
-                      <p:childTnLst>
-                        <p:par>
-                          <p:cTn id="28" fill="hold">
-                            <p:stCondLst>
-                              <p:cond delay="0"/>
-                            </p:stCondLst>
-                            <p:childTnLst>
-                              <p:par>
-                                <p:cTn id="29" presetID="1" presetClass="entr" presetSubtype="0" fill="hold" grpId="0" nodeType="clickEffect">
-                                  <p:stCondLst>
-                                    <p:cond delay="0"/>
-                                  </p:stCondLst>
-                                  <p:childTnLst>
-                                    <p:set>
-                                      <p:cBhvr>
-                                        <p:cTn id="30" dur="1" fill="hold">
-                                          <p:stCondLst>
-                                            <p:cond delay="0"/>
-                                          </p:stCondLst>
-                                        </p:cTn>
-                                        <p:tgtEl>
-                                          <p:spTgt spid="15"/>
-                                        </p:tgtEl>
-                                        <p:attrNameLst>
-                                          <p:attrName>style.visibility</p:attrName>
-                                        </p:attrNameLst>
-                                      </p:cBhvr>
-                                      <p:to>
-                                        <p:strVal val="visible"/>
-                                      </p:to>
-                                    </p:set>
-                                  </p:childTnLst>
-                                </p:cTn>
-                              </p:par>
-                            </p:childTnLst>
-                          </p:cTn>
-                        </p:par>
-                      </p:childTnLst>
-                    </p:cTn>
-                  </p:par>
-                  <p:par>
-                    <p:cTn id="31" fill="hold">
-                      <p:stCondLst>
-                        <p:cond delay="indefinite"/>
-                      </p:stCondLst>
-                      <p:childTnLst>
-                        <p:par>
-                          <p:cTn id="32" fill="hold">
-                            <p:stCondLst>
-                              <p:cond delay="0"/>
-                            </p:stCondLst>
-                            <p:childTnLst>
-                              <p:par>
-                                <p:cTn id="33" presetID="1" presetClass="entr" presetSubtype="0" fill="hold" nodeType="clickEffect">
-                                  <p:stCondLst>
-                                    <p:cond delay="0"/>
-                                  </p:stCondLst>
-                                  <p:childTnLst>
-                                    <p:set>
-                                      <p:cBhvr>
-                                        <p:cTn id="34" dur="1" fill="hold">
-                                          <p:stCondLst>
-                                            <p:cond delay="0"/>
-                                          </p:stCondLst>
-                                        </p:cTn>
-                                        <p:tgtEl>
-                                          <p:spTgt spid="14"/>
-                                        </p:tgtEl>
-                                        <p:attrNameLst>
-                                          <p:attrName>style.visibility</p:attrName>
-                                        </p:attrNameLst>
-                                      </p:cBhvr>
-                                      <p:to>
-                                        <p:strVal val="visible"/>
-                                      </p:to>
-                                    </p:set>
-                                  </p:childTnLst>
-                                </p:cTn>
-                              </p:par>
-                            </p:childTnLst>
-                          </p:cTn>
-                        </p:par>
-                      </p:childTnLst>
-                    </p:cTn>
-                  </p:par>
-                </p:childTnLst>
-              </p:cTn>
-              <p:prevCondLst>
-                <p:cond evt="onPrev" delay="0">
-                  <p:tgtEl>
-                    <p:sldTgt/>
-                  </p:tgtEl>
-                </p:cond>
-              </p:prevCondLst>
-              <p:nextCondLst>
-                <p:cond evt="onNext" delay="0">
-                  <p:tgtEl>
-                    <p:sldTgt/>
-                  </p:tgtEl>
-                </p:cond>
-              </p:nextCondLst>
-            </p:seq>
-          </p:childTnLst>
-        </p:cTn>
-      </p:par>
-    </p:tnLst>
-    <p:bldLst>
-      <p:bldP spid="2" grpId="0" animBg="1"/>
-      <p:bldP spid="9" grpId="0" build="p"/>
-      <p:bldP spid="15" grpId="0" animBg="1"/>
-    </p:bldLst>
-  </p:timing>
-</p:sld>
-</file>
-
-<file path=ppt/slides/slide7.xml><?xml version="1.0" encoding="utf-8"?>
-<p:sld xmlns:a="http://schemas.openxmlformats.org/drawingml/2006/main" xmlns:r="http://schemas.openxmlformats.org/officeDocument/2006/relationships" xmlns:p="http://schemas.openxmlformats.org/presentationml/2006/main">
-  <p:cSld>
-    <p:spTree>
-      <p:nvGrpSpPr>
-        <p:cNvPr id="1" name="">
-          <a:extLst>
-            <a:ext uri="{FF2B5EF4-FFF2-40B4-BE49-F238E27FC236}">
-              <a16:creationId xmlns:a16="http://schemas.microsoft.com/office/drawing/2014/main" id="{B2A0950C-468A-1FB7-BE4E-ED5B26429893}"/>
-            </a:ext>
-          </a:extLst>
-        </p:cNvPr>
-        <p:cNvGrpSpPr/>
-        <p:nvPr/>
-      </p:nvGrpSpPr>
-      <p:grpSpPr>
-        <a:xfrm>
-          <a:off x="0" y="0"/>
-          <a:ext cx="0" cy="0"/>
-          <a:chOff x="0" y="0"/>
-          <a:chExt cx="0" cy="0"/>
-        </a:xfrm>
-      </p:grpSpPr>
-      <p:sp>
-        <p:nvSpPr>
-          <p:cNvPr id="2" name="Rectangle: Rounded Corners 1">
-            <a:extLst>
-              <a:ext uri="{FF2B5EF4-FFF2-40B4-BE49-F238E27FC236}">
-                <a16:creationId xmlns:a16="http://schemas.microsoft.com/office/drawing/2014/main" id="{9CB6C3DF-4F7E-1679-4EFF-613AB3F0EBAF}"/>
-              </a:ext>
-            </a:extLst>
-          </p:cNvPr>
-          <p:cNvSpPr/>
-          <p:nvPr/>
-        </p:nvSpPr>
-        <p:spPr>
-          <a:xfrm>
-            <a:off x="2445174" y="1651000"/>
-            <a:ext cx="2880360" cy="1666240"/>
-          </a:xfrm>
-          <a:prstGeom prst="roundRect">
-            <a:avLst/>
-          </a:prstGeom>
-          <a:solidFill>
-            <a:schemeClr val="bg1"/>
-          </a:solidFill>
-          <a:ln w="34925">
-            <a:solidFill>
-              <a:schemeClr val="tx1"/>
-            </a:solidFill>
-          </a:ln>
-          <a:effectLst>
-            <a:outerShdw blurRad="317500" dir="2700000" algn="ctr">
-              <a:srgbClr val="000000">
-                <a:alpha val="43000"/>
-              </a:srgbClr>
-            </a:outerShdw>
-          </a:effectLst>
-        </p:spPr>
-        <p:style>
-          <a:lnRef idx="2">
-            <a:schemeClr val="accent1">
-              <a:shade val="15000"/>
-            </a:schemeClr>
-          </a:lnRef>
-          <a:fillRef idx="1">
-            <a:schemeClr val="accent1"/>
-          </a:fillRef>
-          <a:effectRef idx="0">
-            <a:schemeClr val="accent1"/>
-          </a:effectRef>
-          <a:fontRef idx="minor">
-            <a:schemeClr val="lt1"/>
-          </a:fontRef>
-        </p:style>
-        <p:txBody>
-          <a:bodyPr rtlCol="0" anchor="ctr"/>
-          <a:lstStyle/>
-          <a:p>
-            <a:pPr algn="ctr"/>
-            <a:r>
-              <a:rPr lang="en-GB" sz="2400" b="1" i="0" noProof="0" dirty="0">
-                <a:solidFill>
-                  <a:srgbClr val="1F2328"/>
-                </a:solidFill>
-                <a:effectLst/>
-                <a:latin typeface="-apple-system"/>
-              </a:rPr>
-              <a:t>Data </a:t>
-            </a:r>
-            <a:r>
-              <a:rPr lang="en-GB" sz="2400" b="1" noProof="0" dirty="0">
-                <a:solidFill>
-                  <a:srgbClr val="1F2328"/>
-                </a:solidFill>
-                <a:latin typeface="-apple-system"/>
-              </a:rPr>
-              <a:t>exploration</a:t>
-            </a:r>
-            <a:r>
-              <a:rPr lang="en-GB" sz="2400" b="1" i="0" noProof="0" dirty="0">
-                <a:solidFill>
-                  <a:srgbClr val="1F2328"/>
-                </a:solidFill>
-                <a:effectLst/>
-                <a:latin typeface="-apple-system"/>
-              </a:rPr>
-              <a:t> </a:t>
-            </a:r>
-          </a:p>
-        </p:txBody>
-      </p:sp>
-      <p:sp>
-        <p:nvSpPr>
-          <p:cNvPr id="9" name="TextBox 8">
-            <a:extLst>
-              <a:ext uri="{FF2B5EF4-FFF2-40B4-BE49-F238E27FC236}">
-                <a16:creationId xmlns:a16="http://schemas.microsoft.com/office/drawing/2014/main" id="{DBF766CB-E004-24D0-2F17-56FE88CFC9D4}"/>
-              </a:ext>
-            </a:extLst>
-          </p:cNvPr>
-          <p:cNvSpPr txBox="1"/>
-          <p:nvPr/>
-        </p:nvSpPr>
-        <p:spPr>
-          <a:xfrm>
-            <a:off x="2445174" y="3982197"/>
-            <a:ext cx="2880360" cy="1477328"/>
-          </a:xfrm>
-          <a:prstGeom prst="rect">
-            <a:avLst/>
-          </a:prstGeom>
-          <a:noFill/>
-        </p:spPr>
-        <p:txBody>
-          <a:bodyPr wrap="square" rtlCol="0">
-            <a:spAutoFit/>
-          </a:bodyPr>
-          <a:lstStyle/>
-          <a:p>
-            <a:pPr>
-              <a:buFont typeface="Arial" panose="020B0604020202020204" pitchFamily="34" charset="0"/>
-              <a:buChar char="•"/>
-            </a:pPr>
-            <a:r>
-              <a:rPr lang="en-GB" noProof="0" dirty="0">
-                <a:solidFill>
-                  <a:srgbClr val="1F2328"/>
-                </a:solidFill>
-                <a:latin typeface="-apple-system"/>
-              </a:rPr>
-              <a:t> data distribution</a:t>
-            </a:r>
-          </a:p>
-          <a:p>
-            <a:endParaRPr lang="en-GB" noProof="0" dirty="0">
-              <a:solidFill>
-                <a:srgbClr val="1F2328"/>
-              </a:solidFill>
-              <a:latin typeface="-apple-system"/>
-            </a:endParaRPr>
-          </a:p>
-          <a:p>
-            <a:pPr>
-              <a:buFont typeface="Arial" panose="020B0604020202020204" pitchFamily="34" charset="0"/>
-              <a:buChar char="•"/>
-            </a:pPr>
-            <a:r>
-              <a:rPr lang="en-GB" noProof="0" dirty="0">
-                <a:solidFill>
-                  <a:srgbClr val="1F2328"/>
-                </a:solidFill>
-                <a:latin typeface="-apple-system"/>
-              </a:rPr>
-              <a:t> t-test</a:t>
-            </a:r>
-          </a:p>
-          <a:p>
-            <a:pPr>
-              <a:buFont typeface="Arial" panose="020B0604020202020204" pitchFamily="34" charset="0"/>
-              <a:buChar char="•"/>
-            </a:pPr>
-            <a:endParaRPr lang="en-GB" noProof="0" dirty="0">
-              <a:solidFill>
-                <a:srgbClr val="1F2328"/>
-              </a:solidFill>
-              <a:latin typeface="-apple-system"/>
-            </a:endParaRPr>
-          </a:p>
-          <a:p>
-            <a:pPr>
-              <a:buFont typeface="Arial" panose="020B0604020202020204" pitchFamily="34" charset="0"/>
-              <a:buChar char="•"/>
-            </a:pPr>
-            <a:r>
-              <a:rPr lang="en-GB" noProof="0" dirty="0">
-                <a:solidFill>
-                  <a:srgbClr val="1F2328"/>
-                </a:solidFill>
-                <a:latin typeface="-apple-system"/>
-              </a:rPr>
-              <a:t> </a:t>
-            </a:r>
-            <a:r>
-              <a:rPr lang="en-GB" noProof="0" dirty="0"/>
-              <a:t>proportion test</a:t>
-            </a:r>
-            <a:endParaRPr lang="en-GB" b="0" i="0" noProof="0" dirty="0">
-              <a:solidFill>
-                <a:srgbClr val="1F2328"/>
-              </a:solidFill>
-              <a:effectLst/>
-              <a:latin typeface="-apple-system"/>
-            </a:endParaRPr>
-          </a:p>
-        </p:txBody>
-      </p:sp>
-      <p:sp>
-        <p:nvSpPr>
-          <p:cNvPr id="3" name="TextBox 2">
-            <a:extLst>
-              <a:ext uri="{FF2B5EF4-FFF2-40B4-BE49-F238E27FC236}">
-                <a16:creationId xmlns:a16="http://schemas.microsoft.com/office/drawing/2014/main" id="{376371ED-5A2F-9E06-1972-862C8BABD8E1}"/>
-              </a:ext>
-            </a:extLst>
-          </p:cNvPr>
-          <p:cNvSpPr txBox="1"/>
-          <p:nvPr/>
-        </p:nvSpPr>
-        <p:spPr>
-          <a:xfrm>
-            <a:off x="3167062" y="290480"/>
-            <a:ext cx="5857875" cy="769441"/>
-          </a:xfrm>
-          <a:prstGeom prst="rect">
-            <a:avLst/>
-          </a:prstGeom>
-          <a:noFill/>
-        </p:spPr>
-        <p:txBody>
-          <a:bodyPr wrap="square" rtlCol="0">
-            <a:spAutoFit/>
-          </a:bodyPr>
-          <a:lstStyle/>
-          <a:p>
-            <a:pPr algn="ctr"/>
-            <a:r>
-              <a:rPr lang="en-GB" sz="4400" noProof="0" dirty="0"/>
-              <a:t>2. Week</a:t>
-            </a:r>
-          </a:p>
-        </p:txBody>
-      </p:sp>
-      <p:pic>
-        <p:nvPicPr>
-          <p:cNvPr id="4" name="Picture 3" descr="A graph of a number of fractions&#10;&#10;AI-generated content may be incorrect.">
-            <a:extLst>
-              <a:ext uri="{FF2B5EF4-FFF2-40B4-BE49-F238E27FC236}">
-                <a16:creationId xmlns:a16="http://schemas.microsoft.com/office/drawing/2014/main" id="{1C2167BF-4344-F634-F9D7-A7CC50667E10}"/>
-              </a:ext>
-            </a:extLst>
-          </p:cNvPr>
-          <p:cNvPicPr>
-            <a:picLocks noChangeAspect="1"/>
-          </p:cNvPicPr>
-          <p:nvPr/>
-        </p:nvPicPr>
-        <p:blipFill>
-          <a:blip r:embed="rId2">
-            <a:extLst>
-              <a:ext uri="{28A0092B-C50C-407E-A947-70E740481C1C}">
-                <a14:useLocalDpi xmlns:a14="http://schemas.microsoft.com/office/drawing/2010/main" val="0"/>
-              </a:ext>
-            </a:extLst>
-          </a:blip>
-          <a:srcRect l="1926" t="911" r="557" b="3086"/>
-          <a:stretch/>
-        </p:blipFill>
-        <p:spPr>
-          <a:xfrm>
-            <a:off x="6017678" y="1651000"/>
-            <a:ext cx="5598060" cy="3808525"/>
-          </a:xfrm>
-          <a:prstGeom prst="rect">
-            <a:avLst/>
-          </a:prstGeom>
-        </p:spPr>
-      </p:pic>
-      <p:pic>
-        <p:nvPicPr>
-          <p:cNvPr id="6" name="Picture 5" descr="A screenshot of a computer&#10;&#10;AI-generated content may be incorrect.">
-            <a:extLst>
-              <a:ext uri="{FF2B5EF4-FFF2-40B4-BE49-F238E27FC236}">
-                <a16:creationId xmlns:a16="http://schemas.microsoft.com/office/drawing/2014/main" id="{C38385E9-76DF-9EEC-4BBA-CA52B6B2AFF8}"/>
-              </a:ext>
-            </a:extLst>
-          </p:cNvPr>
-          <p:cNvPicPr>
-            <a:picLocks noChangeAspect="1"/>
-          </p:cNvPicPr>
-          <p:nvPr/>
-        </p:nvPicPr>
-        <p:blipFill>
-          <a:blip r:embed="rId3">
-            <a:extLst>
-              <a:ext uri="{28A0092B-C50C-407E-A947-70E740481C1C}">
-                <a14:useLocalDpi xmlns:a14="http://schemas.microsoft.com/office/drawing/2010/main" val="0"/>
-              </a:ext>
-            </a:extLst>
-          </a:blip>
-          <a:srcRect b="8917"/>
-          <a:stretch/>
-        </p:blipFill>
-        <p:spPr>
-          <a:xfrm>
-            <a:off x="6017677" y="1407919"/>
-            <a:ext cx="5789455" cy="4256282"/>
-          </a:xfrm>
-          <a:prstGeom prst="rect">
-            <a:avLst/>
-          </a:prstGeom>
-        </p:spPr>
-      </p:pic>
-      <p:pic>
-        <p:nvPicPr>
-          <p:cNvPr id="10" name="Picture 9" descr="A blue screen with black text&#10;&#10;AI-generated content may be incorrect.">
-            <a:extLst>
-              <a:ext uri="{FF2B5EF4-FFF2-40B4-BE49-F238E27FC236}">
-                <a16:creationId xmlns:a16="http://schemas.microsoft.com/office/drawing/2014/main" id="{C6A6EDF5-5A94-3215-64CE-13024C5DEDAD}"/>
-              </a:ext>
-            </a:extLst>
-          </p:cNvPr>
-          <p:cNvPicPr>
-            <a:picLocks noChangeAspect="1"/>
-          </p:cNvPicPr>
-          <p:nvPr/>
-        </p:nvPicPr>
-        <p:blipFill>
-          <a:blip r:embed="rId4">
-            <a:extLst>
-              <a:ext uri="{28A0092B-C50C-407E-A947-70E740481C1C}">
-                <a14:useLocalDpi xmlns:a14="http://schemas.microsoft.com/office/drawing/2010/main" val="0"/>
-              </a:ext>
-            </a:extLst>
-          </a:blip>
-          <a:stretch>
-            <a:fillRect/>
-          </a:stretch>
-        </p:blipFill>
-        <p:spPr>
-          <a:xfrm>
-            <a:off x="6017675" y="1407918"/>
-            <a:ext cx="5789455" cy="4347031"/>
-          </a:xfrm>
-          <a:prstGeom prst="rect">
-            <a:avLst/>
-          </a:prstGeom>
-        </p:spPr>
-      </p:pic>
-      <p:sp>
-        <p:nvSpPr>
-          <p:cNvPr id="11" name="TextBox 10">
-            <a:extLst>
-              <a:ext uri="{FF2B5EF4-FFF2-40B4-BE49-F238E27FC236}">
-                <a16:creationId xmlns:a16="http://schemas.microsoft.com/office/drawing/2014/main" id="{D1391C38-F372-C4F9-4D6F-D27F3BBD9796}"/>
-              </a:ext>
-            </a:extLst>
-          </p:cNvPr>
-          <p:cNvSpPr txBox="1"/>
-          <p:nvPr/>
-        </p:nvSpPr>
-        <p:spPr>
-          <a:xfrm>
-            <a:off x="6095999" y="5907282"/>
-            <a:ext cx="4572000" cy="246221"/>
-          </a:xfrm>
-          <a:prstGeom prst="rect">
-            <a:avLst/>
-          </a:prstGeom>
-          <a:noFill/>
-        </p:spPr>
-        <p:txBody>
-          <a:bodyPr wrap="square" rtlCol="0">
-            <a:spAutoFit/>
-          </a:bodyPr>
-          <a:lstStyle/>
-          <a:p>
-            <a:r>
-              <a:rPr lang="en-GB" sz="1000" u="sng" noProof="0" dirty="0" err="1"/>
-              <a:t>Bioinfo</a:t>
-            </a:r>
-            <a:r>
-              <a:rPr lang="en-GB" sz="1000" u="sng" noProof="0" dirty="0"/>
-              <a:t>-Slides </a:t>
-            </a:r>
-            <a:r>
-              <a:rPr lang="en-GB" sz="1000" u="sng" noProof="0" dirty="0" err="1"/>
-              <a:t>aus</a:t>
-            </a:r>
-            <a:r>
-              <a:rPr lang="en-GB" sz="1000" u="sng" noProof="0" dirty="0"/>
-              <a:t> </a:t>
-            </a:r>
-            <a:r>
-              <a:rPr lang="en-GB" sz="1000" u="sng" noProof="0" dirty="0" err="1"/>
-              <a:t>dem</a:t>
-            </a:r>
-            <a:r>
-              <a:rPr lang="en-GB" sz="1000" u="sng" noProof="0" dirty="0"/>
-              <a:t> 3. Semester</a:t>
-            </a:r>
-          </a:p>
-        </p:txBody>
-      </p:sp>
-      <p:sp>
-        <p:nvSpPr>
-          <p:cNvPr id="12" name="TextBox 11">
-            <a:extLst>
-              <a:ext uri="{FF2B5EF4-FFF2-40B4-BE49-F238E27FC236}">
-                <a16:creationId xmlns:a16="http://schemas.microsoft.com/office/drawing/2014/main" id="{18516BCB-FEFF-C657-2697-D65337814EBC}"/>
-              </a:ext>
-            </a:extLst>
-          </p:cNvPr>
-          <p:cNvSpPr txBox="1"/>
-          <p:nvPr/>
-        </p:nvSpPr>
-        <p:spPr>
-          <a:xfrm>
-            <a:off x="5304366" y="1039493"/>
-            <a:ext cx="1583266" cy="369332"/>
-          </a:xfrm>
-          <a:prstGeom prst="rect">
-            <a:avLst/>
-          </a:prstGeom>
-          <a:noFill/>
-        </p:spPr>
-        <p:txBody>
-          <a:bodyPr wrap="square" rtlCol="0">
-            <a:spAutoFit/>
-          </a:bodyPr>
-          <a:lstStyle/>
-          <a:p>
-            <a:pPr algn="ctr"/>
-            <a:r>
-              <a:rPr lang="de-DE" dirty="0"/>
-              <a:t>26.05.-01.06.</a:t>
-            </a:r>
-          </a:p>
-        </p:txBody>
-      </p:sp>
-    </p:spTree>
-    <p:extLst>
-      <p:ext uri="{BB962C8B-B14F-4D97-AF65-F5344CB8AC3E}">
-        <p14:creationId xmlns:p14="http://schemas.microsoft.com/office/powerpoint/2010/main" val="2246163662"/>
-      </p:ext>
-    </p:extLst>
-  </p:cSld>
-  <p:clrMapOvr>
-    <a:masterClrMapping/>
-  </p:clrMapOvr>
-  <p:timing>
-    <p:tnLst>
-      <p:par>
-        <p:cTn id="1" dur="indefinite" restart="never" nodeType="tmRoot">
-          <p:childTnLst>
-            <p:seq concurrent="1" nextAc="seek">
-              <p:cTn id="2" dur="indefinite" nodeType="mainSeq">
-                <p:childTnLst>
-                  <p:par>
-                    <p:cTn id="3" fill="hold">
-                      <p:stCondLst>
-                        <p:cond delay="indefinite"/>
-                      </p:stCondLst>
-                      <p:childTnLst>
-                        <p:par>
-                          <p:cTn id="4" fill="hold">
-                            <p:stCondLst>
-                              <p:cond delay="0"/>
-                            </p:stCondLst>
-                            <p:childTnLst>
-                              <p:par>
-                                <p:cTn id="5" presetID="1" presetClass="entr" presetSubtype="0" fill="hold" grpId="0" nodeType="clickEffect">
-                                  <p:stCondLst>
-                                    <p:cond delay="0"/>
-                                  </p:stCondLst>
-                                  <p:childTnLst>
-                                    <p:set>
-                                      <p:cBhvr>
-                                        <p:cTn id="6" dur="1" fill="hold">
-                                          <p:stCondLst>
-                                            <p:cond delay="0"/>
-                                          </p:stCondLst>
-                                        </p:cTn>
-                                        <p:tgtEl>
-                                          <p:spTgt spid="2"/>
-                                        </p:tgtEl>
-                                        <p:attrNameLst>
-                                          <p:attrName>style.visibility</p:attrName>
-                                        </p:attrNameLst>
-                                      </p:cBhvr>
-                                      <p:to>
-                                        <p:strVal val="visible"/>
-                                      </p:to>
-                                    </p:set>
-                                  </p:childTnLst>
-                                </p:cTn>
-                              </p:par>
-                            </p:childTnLst>
-                          </p:cTn>
-                        </p:par>
-                      </p:childTnLst>
-                    </p:cTn>
-                  </p:par>
-                  <p:par>
-                    <p:cTn id="7" fill="hold">
-                      <p:stCondLst>
-                        <p:cond delay="indefinite"/>
-                      </p:stCondLst>
-                      <p:childTnLst>
-                        <p:par>
-                          <p:cTn id="8" fill="hold">
-                            <p:stCondLst>
-                              <p:cond delay="0"/>
-                            </p:stCondLst>
-                            <p:childTnLst>
-                              <p:par>
-                                <p:cTn id="9" presetID="1" presetClass="entr" presetSubtype="0" fill="hold" grpId="0" nodeType="clickEffect">
-                                  <p:stCondLst>
-                                    <p:cond delay="0"/>
-                                  </p:stCondLst>
-                                  <p:childTnLst>
-                                    <p:set>
-                                      <p:cBhvr>
-                                        <p:cTn id="10" dur="1" fill="hold">
-                                          <p:stCondLst>
-                                            <p:cond delay="0"/>
-                                          </p:stCondLst>
-                                        </p:cTn>
-                                        <p:tgtEl>
-                                          <p:spTgt spid="9">
-                                            <p:txEl>
-                                              <p:pRg st="0" end="0"/>
-                                            </p:txEl>
-                                          </p:spTgt>
-                                        </p:tgtEl>
-                                        <p:attrNameLst>
-                                          <p:attrName>style.visibility</p:attrName>
-                                        </p:attrNameLst>
-                                      </p:cBhvr>
-                                      <p:to>
-                                        <p:strVal val="visible"/>
-                                      </p:to>
-                                    </p:set>
-                                  </p:childTnLst>
-                                </p:cTn>
-                              </p:par>
-                            </p:childTnLst>
-                          </p:cTn>
-                        </p:par>
-                      </p:childTnLst>
-                    </p:cTn>
-                  </p:par>
-                  <p:par>
-                    <p:cTn id="11" fill="hold">
-                      <p:stCondLst>
-                        <p:cond delay="indefinite"/>
-                      </p:stCondLst>
-                      <p:childTnLst>
-                        <p:par>
-                          <p:cTn id="12" fill="hold">
-                            <p:stCondLst>
-                              <p:cond delay="0"/>
-                            </p:stCondLst>
-                            <p:childTnLst>
-                              <p:par>
-                                <p:cTn id="13" presetID="1" presetClass="entr" presetSubtype="0" fill="hold" grpId="0" nodeType="clickEffect">
-                                  <p:stCondLst>
-                                    <p:cond delay="0"/>
-                                  </p:stCondLst>
-                                  <p:childTnLst>
-                                    <p:set>
-                                      <p:cBhvr>
-                                        <p:cTn id="14" dur="1" fill="hold">
-                                          <p:stCondLst>
-                                            <p:cond delay="0"/>
-                                          </p:stCondLst>
-                                        </p:cTn>
-                                        <p:tgtEl>
-                                          <p:spTgt spid="9">
-                                            <p:txEl>
-                                              <p:pRg st="2" end="2"/>
-                                            </p:txEl>
-                                          </p:spTgt>
-                                        </p:tgtEl>
-                                        <p:attrNameLst>
-                                          <p:attrName>style.visibility</p:attrName>
-                                        </p:attrNameLst>
-                                      </p:cBhvr>
-                                      <p:to>
-                                        <p:strVal val="visible"/>
-                                      </p:to>
-                                    </p:set>
-                                  </p:childTnLst>
-                                </p:cTn>
-                              </p:par>
-                            </p:childTnLst>
-                          </p:cTn>
-                        </p:par>
-                      </p:childTnLst>
-                    </p:cTn>
-                  </p:par>
-                  <p:par>
-                    <p:cTn id="15" fill="hold">
-                      <p:stCondLst>
-                        <p:cond delay="indefinite"/>
-                      </p:stCondLst>
-                      <p:childTnLst>
-                        <p:par>
-                          <p:cTn id="16" fill="hold">
-                            <p:stCondLst>
-                              <p:cond delay="0"/>
-                            </p:stCondLst>
-                            <p:childTnLst>
-                              <p:par>
-                                <p:cTn id="17" presetID="1" presetClass="entr" presetSubtype="0" fill="hold" grpId="0" nodeType="clickEffect">
-                                  <p:stCondLst>
-                                    <p:cond delay="0"/>
-                                  </p:stCondLst>
-                                  <p:childTnLst>
-                                    <p:set>
-                                      <p:cBhvr>
-                                        <p:cTn id="18" dur="1" fill="hold">
-                                          <p:stCondLst>
-                                            <p:cond delay="0"/>
-                                          </p:stCondLst>
-                                        </p:cTn>
-                                        <p:tgtEl>
-                                          <p:spTgt spid="9">
-                                            <p:txEl>
-                                              <p:pRg st="4" end="4"/>
-                                            </p:txEl>
-                                          </p:spTgt>
-                                        </p:tgtEl>
-                                        <p:attrNameLst>
-                                          <p:attrName>style.visibility</p:attrName>
-                                        </p:attrNameLst>
-                                      </p:cBhvr>
-                                      <p:to>
-                                        <p:strVal val="visible"/>
-                                      </p:to>
-                                    </p:set>
-                                  </p:childTnLst>
-                                </p:cTn>
-                              </p:par>
-                            </p:childTnLst>
-                          </p:cTn>
-                        </p:par>
-                      </p:childTnLst>
-                    </p:cTn>
-                  </p:par>
-                  <p:par>
-                    <p:cTn id="19" fill="hold">
-                      <p:stCondLst>
-                        <p:cond delay="indefinite"/>
-                      </p:stCondLst>
-                      <p:childTnLst>
-                        <p:par>
-                          <p:cTn id="20" fill="hold">
-                            <p:stCondLst>
-                              <p:cond delay="0"/>
-                            </p:stCondLst>
-                            <p:childTnLst>
-                              <p:par>
-                                <p:cTn id="21" presetID="1" presetClass="entr" presetSubtype="0" fill="hold" nodeType="clickEffect">
-                                  <p:stCondLst>
-                                    <p:cond delay="0"/>
-                                  </p:stCondLst>
-                                  <p:childTnLst>
-                                    <p:set>
-                                      <p:cBhvr>
-                                        <p:cTn id="22" dur="1" fill="hold">
-                                          <p:stCondLst>
-                                            <p:cond delay="0"/>
-                                          </p:stCondLst>
-                                        </p:cTn>
-                                        <p:tgtEl>
-                                          <p:spTgt spid="4"/>
-                                        </p:tgtEl>
-                                        <p:attrNameLst>
-                                          <p:attrName>style.visibility</p:attrName>
-                                        </p:attrNameLst>
-                                      </p:cBhvr>
-                                      <p:to>
-                                        <p:strVal val="visible"/>
-                                      </p:to>
-                                    </p:set>
-                                  </p:childTnLst>
-                                </p:cTn>
-                              </p:par>
-                            </p:childTnLst>
-                          </p:cTn>
-                        </p:par>
-                      </p:childTnLst>
-                    </p:cTn>
-                  </p:par>
-                  <p:par>
-                    <p:cTn id="23" fill="hold">
-                      <p:stCondLst>
-                        <p:cond delay="indefinite"/>
-                      </p:stCondLst>
-                      <p:childTnLst>
-                        <p:par>
-                          <p:cTn id="24" fill="hold">
-                            <p:stCondLst>
-                              <p:cond delay="0"/>
-                            </p:stCondLst>
-                            <p:childTnLst>
-                              <p:par>
-                                <p:cTn id="25" presetID="1" presetClass="entr" presetSubtype="0" fill="hold" nodeType="clickEffect">
-                                  <p:stCondLst>
-                                    <p:cond delay="0"/>
-                                  </p:stCondLst>
-                                  <p:childTnLst>
-                                    <p:set>
-                                      <p:cBhvr>
-                                        <p:cTn id="26" dur="1" fill="hold">
-                                          <p:stCondLst>
-                                            <p:cond delay="0"/>
-                                          </p:stCondLst>
-                                        </p:cTn>
-                                        <p:tgtEl>
-                                          <p:spTgt spid="6"/>
-                                        </p:tgtEl>
-                                        <p:attrNameLst>
-                                          <p:attrName>style.visibility</p:attrName>
-                                        </p:attrNameLst>
-                                      </p:cBhvr>
-                                      <p:to>
-                                        <p:strVal val="visible"/>
-                                      </p:to>
-                                    </p:set>
-                                  </p:childTnLst>
-                                </p:cTn>
-                              </p:par>
-                            </p:childTnLst>
-                          </p:cTn>
-                        </p:par>
-                      </p:childTnLst>
-                    </p:cTn>
-                  </p:par>
-                  <p:par>
-                    <p:cTn id="27" fill="hold">
-                      <p:stCondLst>
-                        <p:cond delay="indefinite"/>
-                      </p:stCondLst>
-                      <p:childTnLst>
-                        <p:par>
-                          <p:cTn id="28" fill="hold">
-                            <p:stCondLst>
-                              <p:cond delay="0"/>
-                            </p:stCondLst>
-                            <p:childTnLst>
-                              <p:par>
-                                <p:cTn id="29" presetID="1" presetClass="entr" presetSubtype="0" fill="hold" nodeType="clickEffect">
-                                  <p:stCondLst>
-                                    <p:cond delay="0"/>
-                                  </p:stCondLst>
-                                  <p:childTnLst>
-                                    <p:set>
-                                      <p:cBhvr>
-                                        <p:cTn id="30" dur="1" fill="hold">
-                                          <p:stCondLst>
-                                            <p:cond delay="0"/>
-                                          </p:stCondLst>
-                                        </p:cTn>
-                                        <p:tgtEl>
-                                          <p:spTgt spid="10"/>
-                                        </p:tgtEl>
-                                        <p:attrNameLst>
-                                          <p:attrName>style.visibility</p:attrName>
-                                        </p:attrNameLst>
-                                      </p:cBhvr>
-                                      <p:to>
-                                        <p:strVal val="visible"/>
-                                      </p:to>
-                                    </p:set>
-                                  </p:childTnLst>
-                                </p:cTn>
-                              </p:par>
-                            </p:childTnLst>
-                          </p:cTn>
-                        </p:par>
-                      </p:childTnLst>
-                    </p:cTn>
-                  </p:par>
-                </p:childTnLst>
-              </p:cTn>
-              <p:prevCondLst>
-                <p:cond evt="onPrev" delay="0">
-                  <p:tgtEl>
-                    <p:sldTgt/>
-                  </p:tgtEl>
-                </p:cond>
-              </p:prevCondLst>
-              <p:nextCondLst>
-                <p:cond evt="onNext" delay="0">
-                  <p:tgtEl>
-                    <p:sldTgt/>
-                  </p:tgtEl>
-                </p:cond>
-              </p:nextCondLst>
-            </p:seq>
-          </p:childTnLst>
-        </p:cTn>
-      </p:par>
-    </p:tnLst>
-    <p:bldLst>
-      <p:bldP spid="2" grpId="0" animBg="1"/>
-      <p:bldP spid="9" grpId="0" build="p"/>
-    </p:bldLst>
-  </p:timing>
-</p:sld>
-</file>
-
-<file path=ppt/slides/slide8.xml><?xml version="1.0" encoding="utf-8"?>
-<p:sld xmlns:a="http://schemas.openxmlformats.org/drawingml/2006/main" xmlns:r="http://schemas.openxmlformats.org/officeDocument/2006/relationships" xmlns:p="http://schemas.openxmlformats.org/presentationml/2006/main">
-  <p:cSld>
-    <p:spTree>
-      <p:nvGrpSpPr>
-        <p:cNvPr id="1" name="">
-          <a:extLst>
-            <a:ext uri="{FF2B5EF4-FFF2-40B4-BE49-F238E27FC236}">
-              <a16:creationId xmlns:a16="http://schemas.microsoft.com/office/drawing/2014/main" id="{A5123623-6B83-791E-82A5-AEAE78ACCFF9}"/>
-            </a:ext>
-          </a:extLst>
-        </p:cNvPr>
-        <p:cNvGrpSpPr/>
-        <p:nvPr/>
-      </p:nvGrpSpPr>
-      <p:grpSpPr>
-        <a:xfrm>
-          <a:off x="0" y="0"/>
-          <a:ext cx="0" cy="0"/>
-          <a:chOff x="0" y="0"/>
-          <a:chExt cx="0" cy="0"/>
-        </a:xfrm>
-      </p:grpSpPr>
-      <p:sp>
-        <p:nvSpPr>
-          <p:cNvPr id="2" name="Rectangle: Rounded Corners 1">
-            <a:extLst>
-              <a:ext uri="{FF2B5EF4-FFF2-40B4-BE49-F238E27FC236}">
-                <a16:creationId xmlns:a16="http://schemas.microsoft.com/office/drawing/2014/main" id="{C0A07907-8A7B-94B8-832B-F1495A56C62A}"/>
-              </a:ext>
-            </a:extLst>
-          </p:cNvPr>
-          <p:cNvSpPr/>
-          <p:nvPr/>
-        </p:nvSpPr>
-        <p:spPr>
-          <a:xfrm>
-            <a:off x="2445174" y="1651000"/>
-            <a:ext cx="2880360" cy="1666240"/>
-          </a:xfrm>
-          <a:prstGeom prst="roundRect">
-            <a:avLst/>
-          </a:prstGeom>
-          <a:solidFill>
-            <a:schemeClr val="bg1"/>
-          </a:solidFill>
-          <a:ln w="34925">
-            <a:solidFill>
-              <a:schemeClr val="tx1"/>
-            </a:solidFill>
-          </a:ln>
-          <a:effectLst>
-            <a:outerShdw blurRad="317500" dir="2700000" algn="ctr">
-              <a:srgbClr val="000000">
-                <a:alpha val="43000"/>
-              </a:srgbClr>
-            </a:outerShdw>
-          </a:effectLst>
-        </p:spPr>
-        <p:style>
-          <a:lnRef idx="2">
-            <a:schemeClr val="accent1">
-              <a:shade val="15000"/>
-            </a:schemeClr>
-          </a:lnRef>
-          <a:fillRef idx="1">
-            <a:schemeClr val="accent1"/>
-          </a:fillRef>
-          <a:effectRef idx="0">
-            <a:schemeClr val="accent1"/>
-          </a:effectRef>
-          <a:fontRef idx="minor">
-            <a:schemeClr val="lt1"/>
-          </a:fontRef>
-        </p:style>
-        <p:txBody>
-          <a:bodyPr rtlCol="0" anchor="ctr"/>
-          <a:lstStyle/>
-          <a:p>
-            <a:pPr algn="ctr"/>
-            <a:r>
-              <a:rPr lang="en-GB" sz="2400" b="1" i="0" noProof="0" dirty="0">
-                <a:solidFill>
-                  <a:srgbClr val="1F2328"/>
-                </a:solidFill>
-                <a:effectLst/>
-                <a:latin typeface="-apple-system"/>
-              </a:rPr>
-              <a:t>Data </a:t>
-            </a:r>
-            <a:r>
-              <a:rPr lang="en-GB" sz="2400" b="1" noProof="0" dirty="0">
-                <a:solidFill>
-                  <a:srgbClr val="1F2328"/>
-                </a:solidFill>
-                <a:latin typeface="-apple-system"/>
-              </a:rPr>
-              <a:t>reduction</a:t>
-            </a:r>
-            <a:r>
-              <a:rPr lang="en-GB" sz="2400" b="1" i="0" noProof="0" dirty="0">
-                <a:solidFill>
-                  <a:srgbClr val="1F2328"/>
-                </a:solidFill>
-                <a:effectLst/>
-                <a:latin typeface="-apple-system"/>
-              </a:rPr>
-              <a:t> </a:t>
-            </a:r>
-          </a:p>
-        </p:txBody>
-      </p:sp>
-      <p:sp>
-        <p:nvSpPr>
-          <p:cNvPr id="9" name="TextBox 8">
-            <a:extLst>
-              <a:ext uri="{FF2B5EF4-FFF2-40B4-BE49-F238E27FC236}">
-                <a16:creationId xmlns:a16="http://schemas.microsoft.com/office/drawing/2014/main" id="{C6DA3AEC-8478-DDFC-D8D1-A399B33948FD}"/>
-              </a:ext>
-            </a:extLst>
-          </p:cNvPr>
-          <p:cNvSpPr txBox="1"/>
-          <p:nvPr/>
-        </p:nvSpPr>
-        <p:spPr>
-          <a:xfrm>
-            <a:off x="2445174" y="3982197"/>
-            <a:ext cx="2880360" cy="1477328"/>
-          </a:xfrm>
-          <a:prstGeom prst="rect">
-            <a:avLst/>
-          </a:prstGeom>
-          <a:noFill/>
-        </p:spPr>
-        <p:txBody>
-          <a:bodyPr wrap="square" rtlCol="0">
-            <a:spAutoFit/>
-          </a:bodyPr>
-          <a:lstStyle/>
-          <a:p>
-            <a:pPr algn="l">
-              <a:buFont typeface="Arial" panose="020B0604020202020204" pitchFamily="34" charset="0"/>
-              <a:buChar char="•"/>
-            </a:pPr>
-            <a:r>
-              <a:rPr lang="en-GB" b="0" i="0" noProof="0" dirty="0">
-                <a:solidFill>
-                  <a:srgbClr val="1F2328"/>
-                </a:solidFill>
-                <a:effectLst/>
-                <a:latin typeface="-apple-system"/>
-              </a:rPr>
-              <a:t> PCR</a:t>
-            </a:r>
-          </a:p>
-          <a:p>
-            <a:pPr algn="l"/>
-            <a:endParaRPr lang="en-GB" b="0" i="0" noProof="0" dirty="0">
-              <a:solidFill>
-                <a:srgbClr val="1F2328"/>
-              </a:solidFill>
-              <a:effectLst/>
-              <a:latin typeface="-apple-system"/>
-            </a:endParaRPr>
-          </a:p>
-          <a:p>
-            <a:pPr algn="l">
-              <a:buFont typeface="Arial" panose="020B0604020202020204" pitchFamily="34" charset="0"/>
-              <a:buChar char="•"/>
-            </a:pPr>
-            <a:r>
-              <a:rPr lang="en-GB" noProof="0" dirty="0">
-                <a:solidFill>
-                  <a:srgbClr val="1F2328"/>
-                </a:solidFill>
-                <a:latin typeface="-apple-system"/>
-              </a:rPr>
-              <a:t> k-means</a:t>
-            </a:r>
-          </a:p>
-          <a:p>
-            <a:pPr algn="l">
-              <a:buFont typeface="Arial" panose="020B0604020202020204" pitchFamily="34" charset="0"/>
-              <a:buChar char="•"/>
-            </a:pPr>
-            <a:endParaRPr lang="en-GB" noProof="0" dirty="0">
-              <a:solidFill>
-                <a:srgbClr val="1F2328"/>
-              </a:solidFill>
-              <a:latin typeface="-apple-system"/>
-            </a:endParaRPr>
-          </a:p>
-          <a:p>
-            <a:pPr algn="l">
-              <a:buFont typeface="Arial" panose="020B0604020202020204" pitchFamily="34" charset="0"/>
-              <a:buChar char="•"/>
-            </a:pPr>
-            <a:r>
-              <a:rPr lang="en-GB" noProof="0" dirty="0">
-                <a:solidFill>
-                  <a:srgbClr val="1F2328"/>
-                </a:solidFill>
-                <a:latin typeface="-apple-system"/>
-              </a:rPr>
-              <a:t> linear regression analysis</a:t>
-            </a:r>
-          </a:p>
-        </p:txBody>
-      </p:sp>
-      <p:sp>
-        <p:nvSpPr>
-          <p:cNvPr id="3" name="TextBox 2">
-            <a:extLst>
-              <a:ext uri="{FF2B5EF4-FFF2-40B4-BE49-F238E27FC236}">
-                <a16:creationId xmlns:a16="http://schemas.microsoft.com/office/drawing/2014/main" id="{719F5976-1FBB-37CE-9A28-84BB95E34E1F}"/>
-              </a:ext>
-            </a:extLst>
-          </p:cNvPr>
-          <p:cNvSpPr txBox="1"/>
-          <p:nvPr/>
-        </p:nvSpPr>
-        <p:spPr>
-          <a:xfrm>
-            <a:off x="3167062" y="290480"/>
-            <a:ext cx="5857875" cy="769441"/>
-          </a:xfrm>
-          <a:prstGeom prst="rect">
-            <a:avLst/>
-          </a:prstGeom>
-          <a:noFill/>
-        </p:spPr>
-        <p:txBody>
-          <a:bodyPr wrap="square" rtlCol="0">
-            <a:spAutoFit/>
-          </a:bodyPr>
-          <a:lstStyle/>
-          <a:p>
-            <a:pPr algn="ctr"/>
-            <a:r>
-              <a:rPr lang="en-GB" sz="4400" noProof="0" dirty="0"/>
-              <a:t>3./4. Week</a:t>
-            </a:r>
-          </a:p>
-        </p:txBody>
-      </p:sp>
-      <p:pic>
-        <p:nvPicPr>
-          <p:cNvPr id="8" name="Picture 7" descr="A graph with red and blue dots&#10;&#10;AI-generated content may be incorrect.">
-            <a:extLst>
-              <a:ext uri="{FF2B5EF4-FFF2-40B4-BE49-F238E27FC236}">
-                <a16:creationId xmlns:a16="http://schemas.microsoft.com/office/drawing/2014/main" id="{F5E8DA1F-4232-EEFA-2EAD-9958096A0365}"/>
-              </a:ext>
-            </a:extLst>
-          </p:cNvPr>
-          <p:cNvPicPr>
-            <a:picLocks noChangeAspect="1"/>
-          </p:cNvPicPr>
-          <p:nvPr/>
-        </p:nvPicPr>
-        <p:blipFill>
-          <a:blip r:embed="rId2">
-            <a:extLst>
-              <a:ext uri="{28A0092B-C50C-407E-A947-70E740481C1C}">
-                <a14:useLocalDpi xmlns:a14="http://schemas.microsoft.com/office/drawing/2010/main" val="0"/>
-              </a:ext>
-            </a:extLst>
-          </a:blip>
-          <a:stretch>
-            <a:fillRect/>
-          </a:stretch>
-        </p:blipFill>
-        <p:spPr>
-          <a:xfrm>
-            <a:off x="7239001" y="1650999"/>
-            <a:ext cx="4953000" cy="4664477"/>
-          </a:xfrm>
-          <a:prstGeom prst="rect">
-            <a:avLst/>
-          </a:prstGeom>
-        </p:spPr>
-      </p:pic>
-      <p:pic>
-        <p:nvPicPr>
-          <p:cNvPr id="5" name="Picture 4" descr="A graph of a graph&#10;&#10;AI-generated content may be incorrect.">
-            <a:extLst>
-              <a:ext uri="{FF2B5EF4-FFF2-40B4-BE49-F238E27FC236}">
-                <a16:creationId xmlns:a16="http://schemas.microsoft.com/office/drawing/2014/main" id="{8413892F-AFAF-C00D-2048-2DB3A0070D1F}"/>
-              </a:ext>
-            </a:extLst>
-          </p:cNvPr>
-          <p:cNvPicPr>
-            <a:picLocks noChangeAspect="1"/>
-          </p:cNvPicPr>
-          <p:nvPr/>
-        </p:nvPicPr>
-        <p:blipFill>
-          <a:blip r:embed="rId3">
-            <a:extLst>
-              <a:ext uri="{28A0092B-C50C-407E-A947-70E740481C1C}">
-                <a14:useLocalDpi xmlns:a14="http://schemas.microsoft.com/office/drawing/2010/main" val="0"/>
-              </a:ext>
-            </a:extLst>
-          </a:blip>
-          <a:srcRect l="442"/>
-          <a:stretch/>
-        </p:blipFill>
-        <p:spPr>
-          <a:xfrm>
-            <a:off x="6045201" y="1650999"/>
-            <a:ext cx="6062135" cy="4607908"/>
-          </a:xfrm>
-          <a:prstGeom prst="rect">
-            <a:avLst/>
-          </a:prstGeom>
-        </p:spPr>
-      </p:pic>
-      <p:sp>
-        <p:nvSpPr>
-          <p:cNvPr id="12" name="TextBox 11">
-            <a:extLst>
-              <a:ext uri="{FF2B5EF4-FFF2-40B4-BE49-F238E27FC236}">
-                <a16:creationId xmlns:a16="http://schemas.microsoft.com/office/drawing/2014/main" id="{8B8886D3-46DB-A5F2-B828-DF4FBE419632}"/>
-              </a:ext>
-            </a:extLst>
-          </p:cNvPr>
-          <p:cNvSpPr txBox="1"/>
-          <p:nvPr/>
-        </p:nvSpPr>
-        <p:spPr>
-          <a:xfrm>
-            <a:off x="6045201" y="6429020"/>
-            <a:ext cx="4572000" cy="246221"/>
-          </a:xfrm>
-          <a:prstGeom prst="rect">
-            <a:avLst/>
-          </a:prstGeom>
-          <a:noFill/>
-        </p:spPr>
-        <p:txBody>
-          <a:bodyPr wrap="square" rtlCol="0">
-            <a:spAutoFit/>
-          </a:bodyPr>
-          <a:lstStyle/>
-          <a:p>
-            <a:r>
-              <a:rPr lang="en-GB" sz="1000" u="sng" noProof="0" dirty="0" err="1"/>
-              <a:t>Bioinfo</a:t>
-            </a:r>
-            <a:r>
-              <a:rPr lang="en-GB" sz="1000" u="sng" noProof="0" dirty="0"/>
-              <a:t>-Slides </a:t>
-            </a:r>
-            <a:r>
-              <a:rPr lang="en-GB" sz="1000" u="sng" noProof="0" dirty="0" err="1"/>
-              <a:t>aus</a:t>
-            </a:r>
-            <a:r>
-              <a:rPr lang="en-GB" sz="1000" u="sng" noProof="0" dirty="0"/>
-              <a:t> </a:t>
-            </a:r>
-            <a:r>
-              <a:rPr lang="en-GB" sz="1000" u="sng" noProof="0" dirty="0" err="1"/>
-              <a:t>dem</a:t>
-            </a:r>
-            <a:r>
-              <a:rPr lang="en-GB" sz="1000" u="sng" noProof="0" dirty="0"/>
-              <a:t> 3. Semester</a:t>
-            </a:r>
-          </a:p>
-        </p:txBody>
-      </p:sp>
-      <p:sp>
-        <p:nvSpPr>
-          <p:cNvPr id="13" name="TextBox 12">
-            <a:extLst>
-              <a:ext uri="{FF2B5EF4-FFF2-40B4-BE49-F238E27FC236}">
-                <a16:creationId xmlns:a16="http://schemas.microsoft.com/office/drawing/2014/main" id="{35712DFF-DC77-C3A8-95B8-5E727EB42BA2}"/>
-              </a:ext>
-            </a:extLst>
-          </p:cNvPr>
-          <p:cNvSpPr txBox="1"/>
-          <p:nvPr/>
-        </p:nvSpPr>
-        <p:spPr>
-          <a:xfrm>
-            <a:off x="5304366" y="1039493"/>
-            <a:ext cx="1583266" cy="369332"/>
-          </a:xfrm>
-          <a:prstGeom prst="rect">
-            <a:avLst/>
-          </a:prstGeom>
-          <a:noFill/>
-        </p:spPr>
-        <p:txBody>
-          <a:bodyPr wrap="square" rtlCol="0">
-            <a:spAutoFit/>
-          </a:bodyPr>
-          <a:lstStyle/>
-          <a:p>
-            <a:pPr algn="ctr"/>
-            <a:r>
-              <a:rPr lang="de-DE" dirty="0"/>
-              <a:t>02.06.-15.06.</a:t>
-            </a:r>
-          </a:p>
-        </p:txBody>
-      </p:sp>
-    </p:spTree>
-    <p:extLst>
-      <p:ext uri="{BB962C8B-B14F-4D97-AF65-F5344CB8AC3E}">
-        <p14:creationId xmlns:p14="http://schemas.microsoft.com/office/powerpoint/2010/main" val="695571366"/>
-      </p:ext>
-    </p:extLst>
-  </p:cSld>
-  <p:clrMapOvr>
-    <a:masterClrMapping/>
-  </p:clrMapOvr>
-  <p:timing>
-    <p:tnLst>
-      <p:par>
-        <p:cTn id="1" dur="indefinite" restart="never" nodeType="tmRoot">
-          <p:childTnLst>
-            <p:seq concurrent="1" nextAc="seek">
-              <p:cTn id="2" dur="indefinite" nodeType="mainSeq">
-                <p:childTnLst>
-                  <p:par>
-                    <p:cTn id="3" fill="hold">
-                      <p:stCondLst>
-                        <p:cond delay="indefinite"/>
-                      </p:stCondLst>
-                      <p:childTnLst>
-                        <p:par>
-                          <p:cTn id="4" fill="hold">
-                            <p:stCondLst>
-                              <p:cond delay="0"/>
-                            </p:stCondLst>
-                            <p:childTnLst>
-                              <p:par>
-                                <p:cTn id="5" presetID="1" presetClass="entr" presetSubtype="0" fill="hold" grpId="0" nodeType="clickEffect">
-                                  <p:stCondLst>
-                                    <p:cond delay="0"/>
-                                  </p:stCondLst>
-                                  <p:childTnLst>
-                                    <p:set>
-                                      <p:cBhvr>
-                                        <p:cTn id="6" dur="1" fill="hold">
-                                          <p:stCondLst>
-                                            <p:cond delay="0"/>
-                                          </p:stCondLst>
-                                        </p:cTn>
-                                        <p:tgtEl>
-                                          <p:spTgt spid="2"/>
-                                        </p:tgtEl>
-                                        <p:attrNameLst>
-                                          <p:attrName>style.visibility</p:attrName>
-                                        </p:attrNameLst>
-                                      </p:cBhvr>
-                                      <p:to>
-                                        <p:strVal val="visible"/>
-                                      </p:to>
-                                    </p:set>
-                                  </p:childTnLst>
-                                </p:cTn>
-                              </p:par>
-                            </p:childTnLst>
-                          </p:cTn>
-                        </p:par>
-                      </p:childTnLst>
-                    </p:cTn>
-                  </p:par>
-                  <p:par>
-                    <p:cTn id="7" fill="hold">
-                      <p:stCondLst>
-                        <p:cond delay="indefinite"/>
-                      </p:stCondLst>
-                      <p:childTnLst>
-                        <p:par>
-                          <p:cTn id="8" fill="hold">
-                            <p:stCondLst>
-                              <p:cond delay="0"/>
-                            </p:stCondLst>
-                            <p:childTnLst>
-                              <p:par>
-                                <p:cTn id="9" presetID="1" presetClass="entr" presetSubtype="0" fill="hold" grpId="0" nodeType="clickEffect">
-                                  <p:stCondLst>
-                                    <p:cond delay="0"/>
-                                  </p:stCondLst>
-                                  <p:childTnLst>
-                                    <p:set>
-                                      <p:cBhvr>
-                                        <p:cTn id="10" dur="1" fill="hold">
-                                          <p:stCondLst>
-                                            <p:cond delay="0"/>
-                                          </p:stCondLst>
-                                        </p:cTn>
-                                        <p:tgtEl>
-                                          <p:spTgt spid="9">
-                                            <p:txEl>
-                                              <p:pRg st="0" end="0"/>
-                                            </p:txEl>
-                                          </p:spTgt>
-                                        </p:tgtEl>
-                                        <p:attrNameLst>
-                                          <p:attrName>style.visibility</p:attrName>
-                                        </p:attrNameLst>
-                                      </p:cBhvr>
-                                      <p:to>
-                                        <p:strVal val="visible"/>
-                                      </p:to>
-                                    </p:set>
-                                  </p:childTnLst>
-                                </p:cTn>
-                              </p:par>
-                            </p:childTnLst>
-                          </p:cTn>
-                        </p:par>
-                      </p:childTnLst>
-                    </p:cTn>
-                  </p:par>
-                  <p:par>
-                    <p:cTn id="11" fill="hold">
-                      <p:stCondLst>
-                        <p:cond delay="indefinite"/>
-                      </p:stCondLst>
-                      <p:childTnLst>
-                        <p:par>
-                          <p:cTn id="12" fill="hold">
-                            <p:stCondLst>
-                              <p:cond delay="0"/>
-                            </p:stCondLst>
-                            <p:childTnLst>
-                              <p:par>
-                                <p:cTn id="13" presetID="1" presetClass="entr" presetSubtype="0" fill="hold" grpId="0" nodeType="clickEffect">
-                                  <p:stCondLst>
-                                    <p:cond delay="0"/>
-                                  </p:stCondLst>
-                                  <p:childTnLst>
-                                    <p:set>
-                                      <p:cBhvr>
-                                        <p:cTn id="14" dur="1" fill="hold">
-                                          <p:stCondLst>
-                                            <p:cond delay="0"/>
-                                          </p:stCondLst>
-                                        </p:cTn>
-                                        <p:tgtEl>
-                                          <p:spTgt spid="9">
-                                            <p:txEl>
-                                              <p:pRg st="2" end="2"/>
-                                            </p:txEl>
-                                          </p:spTgt>
-                                        </p:tgtEl>
-                                        <p:attrNameLst>
-                                          <p:attrName>style.visibility</p:attrName>
-                                        </p:attrNameLst>
-                                      </p:cBhvr>
-                                      <p:to>
-                                        <p:strVal val="visible"/>
-                                      </p:to>
-                                    </p:set>
-                                  </p:childTnLst>
-                                </p:cTn>
-                              </p:par>
-                            </p:childTnLst>
-                          </p:cTn>
-                        </p:par>
-                      </p:childTnLst>
-                    </p:cTn>
-                  </p:par>
-                  <p:par>
-                    <p:cTn id="15" fill="hold">
-                      <p:stCondLst>
-                        <p:cond delay="indefinite"/>
-                      </p:stCondLst>
-                      <p:childTnLst>
-                        <p:par>
-                          <p:cTn id="16" fill="hold">
-                            <p:stCondLst>
-                              <p:cond delay="0"/>
-                            </p:stCondLst>
-                            <p:childTnLst>
-                              <p:par>
-                                <p:cTn id="17" presetID="1" presetClass="entr" presetSubtype="0" fill="hold" grpId="0" nodeType="clickEffect">
-                                  <p:stCondLst>
-                                    <p:cond delay="0"/>
-                                  </p:stCondLst>
-                                  <p:childTnLst>
-                                    <p:set>
-                                      <p:cBhvr>
-                                        <p:cTn id="18" dur="1" fill="hold">
-                                          <p:stCondLst>
-                                            <p:cond delay="0"/>
-                                          </p:stCondLst>
-                                        </p:cTn>
-                                        <p:tgtEl>
-                                          <p:spTgt spid="9">
-                                            <p:txEl>
-                                              <p:pRg st="4" end="4"/>
-                                            </p:txEl>
-                                          </p:spTgt>
-                                        </p:tgtEl>
-                                        <p:attrNameLst>
-                                          <p:attrName>style.visibility</p:attrName>
-                                        </p:attrNameLst>
-                                      </p:cBhvr>
-                                      <p:to>
-                                        <p:strVal val="visible"/>
-                                      </p:to>
-                                    </p:set>
-                                  </p:childTnLst>
-                                </p:cTn>
-                              </p:par>
-                            </p:childTnLst>
-                          </p:cTn>
-                        </p:par>
-                      </p:childTnLst>
-                    </p:cTn>
-                  </p:par>
-                  <p:par>
-                    <p:cTn id="19" fill="hold">
-                      <p:stCondLst>
-                        <p:cond delay="indefinite"/>
-                      </p:stCondLst>
-                      <p:childTnLst>
-                        <p:par>
-                          <p:cTn id="20" fill="hold">
-                            <p:stCondLst>
-                              <p:cond delay="0"/>
-                            </p:stCondLst>
-                            <p:childTnLst>
-                              <p:par>
-                                <p:cTn id="21" presetID="1" presetClass="entr" presetSubtype="0" fill="hold" nodeType="clickEffect">
-                                  <p:stCondLst>
-                                    <p:cond delay="0"/>
-                                  </p:stCondLst>
-                                  <p:childTnLst>
-                                    <p:set>
-                                      <p:cBhvr>
-                                        <p:cTn id="22" dur="1" fill="hold">
-                                          <p:stCondLst>
-                                            <p:cond delay="0"/>
-                                          </p:stCondLst>
-                                        </p:cTn>
-                                        <p:tgtEl>
-                                          <p:spTgt spid="8"/>
-                                        </p:tgtEl>
-                                        <p:attrNameLst>
-                                          <p:attrName>style.visibility</p:attrName>
-                                        </p:attrNameLst>
-                                      </p:cBhvr>
-                                      <p:to>
-                                        <p:strVal val="visible"/>
-                                      </p:to>
-                                    </p:set>
-                                  </p:childTnLst>
-                                </p:cTn>
-                              </p:par>
-                            </p:childTnLst>
-                          </p:cTn>
-                        </p:par>
-                      </p:childTnLst>
-                    </p:cTn>
-                  </p:par>
-                  <p:par>
-                    <p:cTn id="23" fill="hold">
-                      <p:stCondLst>
-                        <p:cond delay="indefinite"/>
-                      </p:stCondLst>
-                      <p:childTnLst>
-                        <p:par>
-                          <p:cTn id="24" fill="hold">
-                            <p:stCondLst>
-                              <p:cond delay="0"/>
-                            </p:stCondLst>
-                            <p:childTnLst>
-                              <p:par>
-                                <p:cTn id="25" presetID="1" presetClass="entr" presetSubtype="0" fill="hold" nodeType="clickEffect">
-                                  <p:stCondLst>
-                                    <p:cond delay="0"/>
-                                  </p:stCondLst>
-                                  <p:childTnLst>
-                                    <p:set>
-                                      <p:cBhvr>
-                                        <p:cTn id="26" dur="1" fill="hold">
-                                          <p:stCondLst>
-                                            <p:cond delay="0"/>
-                                          </p:stCondLst>
-                                        </p:cTn>
-                                        <p:tgtEl>
-                                          <p:spTgt spid="5"/>
-                                        </p:tgtEl>
-                                        <p:attrNameLst>
-                                          <p:attrName>style.visibility</p:attrName>
-                                        </p:attrNameLst>
-                                      </p:cBhvr>
-                                      <p:to>
-                                        <p:strVal val="visible"/>
-                                      </p:to>
-                                    </p:set>
-                                  </p:childTnLst>
-                                </p:cTn>
-                              </p:par>
-                            </p:childTnLst>
-                          </p:cTn>
-                        </p:par>
-                      </p:childTnLst>
-                    </p:cTn>
-                  </p:par>
-                </p:childTnLst>
-              </p:cTn>
-              <p:prevCondLst>
-                <p:cond evt="onPrev" delay="0">
-                  <p:tgtEl>
-                    <p:sldTgt/>
-                  </p:tgtEl>
-                </p:cond>
-              </p:prevCondLst>
-              <p:nextCondLst>
-                <p:cond evt="onNext" delay="0">
-                  <p:tgtEl>
-                    <p:sldTgt/>
-                  </p:tgtEl>
-                </p:cond>
-              </p:nextCondLst>
-            </p:seq>
-          </p:childTnLst>
-        </p:cTn>
-      </p:par>
-    </p:tnLst>
-    <p:bldLst>
-      <p:bldP spid="2" grpId="0" animBg="1"/>
-      <p:bldP spid="9" grpId="0" build="p"/>
-    </p:bldLst>
-  </p:timing>
-</p:sld>
-</file>
-
-<file path=ppt/slides/slide9.xml><?xml version="1.0" encoding="utf-8"?>
-<p:sld xmlns:a="http://schemas.openxmlformats.org/drawingml/2006/main" xmlns:r="http://schemas.openxmlformats.org/officeDocument/2006/relationships" xmlns:p="http://schemas.openxmlformats.org/presentationml/2006/main">
-  <p:cSld>
-    <p:spTree>
-      <p:nvGrpSpPr>
-        <p:cNvPr id="1" name=""/>
-        <p:cNvGrpSpPr/>
-        <p:nvPr/>
-      </p:nvGrpSpPr>
-      <p:grpSpPr>
-        <a:xfrm>
-          <a:off x="0" y="0"/>
-          <a:ext cx="0" cy="0"/>
-          <a:chOff x="0" y="0"/>
-          <a:chExt cx="0" cy="0"/>
-        </a:xfrm>
-      </p:grpSpPr>
-      <p:pic>
-        <p:nvPicPr>
-          <p:cNvPr id="2" name="Picture 1" descr="A comparison of a graph&#10;&#10;AI-generated content may be incorrect.">
-            <a:extLst>
-              <a:ext uri="{FF2B5EF4-FFF2-40B4-BE49-F238E27FC236}">
-                <a16:creationId xmlns:a16="http://schemas.microsoft.com/office/drawing/2014/main" id="{4A73FD8A-1DFB-7CC1-7CFB-C06F98CBF7F8}"/>
-              </a:ext>
-            </a:extLst>
-          </p:cNvPr>
-          <p:cNvPicPr>
-            <a:picLocks noChangeAspect="1"/>
-          </p:cNvPicPr>
-          <p:nvPr/>
-        </p:nvPicPr>
-        <p:blipFill>
-          <a:blip r:embed="rId2">
-            <a:extLst>
-              <a:ext uri="{28A0092B-C50C-407E-A947-70E740481C1C}">
-                <a14:useLocalDpi xmlns:a14="http://schemas.microsoft.com/office/drawing/2010/main" val="0"/>
-              </a:ext>
-            </a:extLst>
-          </a:blip>
-          <a:srcRect t="5391"/>
-          <a:stretch/>
-        </p:blipFill>
-        <p:spPr>
-          <a:xfrm>
-            <a:off x="860288" y="1253880"/>
-            <a:ext cx="10471424" cy="4350240"/>
-          </a:xfrm>
-          <a:prstGeom prst="rect">
-            <a:avLst/>
-          </a:prstGeom>
-        </p:spPr>
-      </p:pic>
-      <p:sp>
-        <p:nvSpPr>
-          <p:cNvPr id="3" name="TextBox 2">
-            <a:extLst>
-              <a:ext uri="{FF2B5EF4-FFF2-40B4-BE49-F238E27FC236}">
-                <a16:creationId xmlns:a16="http://schemas.microsoft.com/office/drawing/2014/main" id="{6D65A147-8C7A-6117-BA6C-A252DC013A91}"/>
-              </a:ext>
-            </a:extLst>
-          </p:cNvPr>
-          <p:cNvSpPr txBox="1"/>
-          <p:nvPr/>
-        </p:nvSpPr>
-        <p:spPr>
-          <a:xfrm>
-            <a:off x="860288" y="5716978"/>
-            <a:ext cx="4572000" cy="246221"/>
-          </a:xfrm>
-          <a:prstGeom prst="rect">
-            <a:avLst/>
-          </a:prstGeom>
-          <a:noFill/>
-        </p:spPr>
-        <p:txBody>
-          <a:bodyPr wrap="square" rtlCol="0">
-            <a:spAutoFit/>
-          </a:bodyPr>
-          <a:lstStyle/>
-          <a:p>
-            <a:r>
-              <a:rPr lang="en-GB" sz="1000" u="sng" noProof="0" dirty="0" err="1"/>
-              <a:t>Bioinfo</a:t>
-            </a:r>
-            <a:r>
-              <a:rPr lang="en-GB" sz="1000" u="sng" noProof="0" dirty="0"/>
-              <a:t>-Slides </a:t>
-            </a:r>
-            <a:r>
-              <a:rPr lang="en-GB" sz="1000" u="sng" noProof="0" dirty="0" err="1"/>
-              <a:t>aus</a:t>
-            </a:r>
-            <a:r>
-              <a:rPr lang="en-GB" sz="1000" u="sng" noProof="0" dirty="0"/>
-              <a:t> </a:t>
-            </a:r>
-            <a:r>
-              <a:rPr lang="en-GB" sz="1000" u="sng" noProof="0" dirty="0" err="1"/>
-              <a:t>dem</a:t>
-            </a:r>
-            <a:r>
-              <a:rPr lang="en-GB" sz="1000" u="sng" noProof="0" dirty="0"/>
-              <a:t> 3. Semester</a:t>
-            </a:r>
-          </a:p>
-        </p:txBody>
-      </p:sp>
-    </p:spTree>
-    <p:extLst>
-      <p:ext uri="{BB962C8B-B14F-4D97-AF65-F5344CB8AC3E}">
-        <p14:creationId xmlns:p14="http://schemas.microsoft.com/office/powerpoint/2010/main" val="3608344811"/>
       </p:ext>
     </p:extLst>
   </p:cSld>

--- a/Project Proposal Ben.pptx
+++ b/Project Proposal Ben.pptx
@@ -6,20 +6,20 @@
   </p:sldMasterIdLst>
   <p:sldIdLst>
     <p:sldId id="256" r:id="rId2"/>
-    <p:sldId id="257" r:id="rId3"/>
-    <p:sldId id="258" r:id="rId4"/>
-    <p:sldId id="269" r:id="rId5"/>
-    <p:sldId id="270" r:id="rId6"/>
-    <p:sldId id="271" r:id="rId7"/>
-    <p:sldId id="260" r:id="rId8"/>
-    <p:sldId id="261" r:id="rId9"/>
-    <p:sldId id="266" r:id="rId10"/>
-    <p:sldId id="263" r:id="rId11"/>
-    <p:sldId id="264" r:id="rId12"/>
-    <p:sldId id="265" r:id="rId13"/>
-    <p:sldId id="267" r:id="rId14"/>
-    <p:sldId id="262" r:id="rId15"/>
-    <p:sldId id="268" r:id="rId16"/>
+    <p:sldId id="269" r:id="rId3"/>
+    <p:sldId id="270" r:id="rId4"/>
+    <p:sldId id="271" r:id="rId5"/>
+    <p:sldId id="260" r:id="rId6"/>
+    <p:sldId id="261" r:id="rId7"/>
+    <p:sldId id="266" r:id="rId8"/>
+    <p:sldId id="263" r:id="rId9"/>
+    <p:sldId id="264" r:id="rId10"/>
+    <p:sldId id="265" r:id="rId11"/>
+    <p:sldId id="267" r:id="rId12"/>
+    <p:sldId id="262" r:id="rId13"/>
+    <p:sldId id="268" r:id="rId14"/>
+    <p:sldId id="257" r:id="rId15"/>
+    <p:sldId id="258" r:id="rId16"/>
   </p:sldIdLst>
   <p:sldSz cx="12192000" cy="6858000"/>
   <p:notesSz cx="6858000" cy="9144000"/>
@@ -329,7 +329,7 @@
           <a:p>
             <a:fld id="{76CD8E94-8180-4651-B6B5-5A5ABA3C85A7}" type="slidenum">
               <a:rPr lang="de-DE" smtClean="0"/>
-              <a:t>‹Nr.›</a:t>
+              <a:t>‹#›</a:t>
             </a:fld>
             <a:endParaRPr lang="de-DE"/>
           </a:p>
@@ -529,7 +529,7 @@
           <a:p>
             <a:fld id="{76CD8E94-8180-4651-B6B5-5A5ABA3C85A7}" type="slidenum">
               <a:rPr lang="de-DE" smtClean="0"/>
-              <a:t>‹Nr.›</a:t>
+              <a:t>‹#›</a:t>
             </a:fld>
             <a:endParaRPr lang="de-DE"/>
           </a:p>
@@ -739,7 +739,7 @@
           <a:p>
             <a:fld id="{76CD8E94-8180-4651-B6B5-5A5ABA3C85A7}" type="slidenum">
               <a:rPr lang="de-DE" smtClean="0"/>
-              <a:t>‹Nr.›</a:t>
+              <a:t>‹#›</a:t>
             </a:fld>
             <a:endParaRPr lang="de-DE"/>
           </a:p>
@@ -939,7 +939,7 @@
           <a:p>
             <a:fld id="{76CD8E94-8180-4651-B6B5-5A5ABA3C85A7}" type="slidenum">
               <a:rPr lang="de-DE" smtClean="0"/>
-              <a:t>‹Nr.›</a:t>
+              <a:t>‹#›</a:t>
             </a:fld>
             <a:endParaRPr lang="de-DE"/>
           </a:p>
@@ -1215,7 +1215,7 @@
           <a:p>
             <a:fld id="{76CD8E94-8180-4651-B6B5-5A5ABA3C85A7}" type="slidenum">
               <a:rPr lang="de-DE" smtClean="0"/>
-              <a:t>‹Nr.›</a:t>
+              <a:t>‹#›</a:t>
             </a:fld>
             <a:endParaRPr lang="de-DE"/>
           </a:p>
@@ -1483,7 +1483,7 @@
           <a:p>
             <a:fld id="{76CD8E94-8180-4651-B6B5-5A5ABA3C85A7}" type="slidenum">
               <a:rPr lang="de-DE" smtClean="0"/>
-              <a:t>‹Nr.›</a:t>
+              <a:t>‹#›</a:t>
             </a:fld>
             <a:endParaRPr lang="de-DE"/>
           </a:p>
@@ -1898,7 +1898,7 @@
           <a:p>
             <a:fld id="{76CD8E94-8180-4651-B6B5-5A5ABA3C85A7}" type="slidenum">
               <a:rPr lang="de-DE" smtClean="0"/>
-              <a:t>‹Nr.›</a:t>
+              <a:t>‹#›</a:t>
             </a:fld>
             <a:endParaRPr lang="de-DE"/>
           </a:p>
@@ -2040,7 +2040,7 @@
           <a:p>
             <a:fld id="{76CD8E94-8180-4651-B6B5-5A5ABA3C85A7}" type="slidenum">
               <a:rPr lang="de-DE" smtClean="0"/>
-              <a:t>‹Nr.›</a:t>
+              <a:t>‹#›</a:t>
             </a:fld>
             <a:endParaRPr lang="de-DE"/>
           </a:p>
@@ -2153,7 +2153,7 @@
           <a:p>
             <a:fld id="{76CD8E94-8180-4651-B6B5-5A5ABA3C85A7}" type="slidenum">
               <a:rPr lang="de-DE" smtClean="0"/>
-              <a:t>‹Nr.›</a:t>
+              <a:t>‹#›</a:t>
             </a:fld>
             <a:endParaRPr lang="de-DE"/>
           </a:p>
@@ -2466,7 +2466,7 @@
           <a:p>
             <a:fld id="{76CD8E94-8180-4651-B6B5-5A5ABA3C85A7}" type="slidenum">
               <a:rPr lang="de-DE" smtClean="0"/>
-              <a:t>‹Nr.›</a:t>
+              <a:t>‹#›</a:t>
             </a:fld>
             <a:endParaRPr lang="de-DE"/>
           </a:p>
@@ -2755,7 +2755,7 @@
           <a:p>
             <a:fld id="{76CD8E94-8180-4651-B6B5-5A5ABA3C85A7}" type="slidenum">
               <a:rPr lang="de-DE" smtClean="0"/>
-              <a:t>‹Nr.›</a:t>
+              <a:t>‹#›</a:t>
             </a:fld>
             <a:endParaRPr lang="de-DE"/>
           </a:p>
@@ -3034,7 +3034,7 @@
           <a:p>
             <a:fld id="{76CD8E94-8180-4651-B6B5-5A5ABA3C85A7}" type="slidenum">
               <a:rPr lang="de-DE" smtClean="0"/>
-              <a:t>‹Nr.›</a:t>
+              <a:t>‹#›</a:t>
             </a:fld>
             <a:endParaRPr lang="de-DE"/>
           </a:p>
@@ -3469,1761 +3469,6 @@
 </file>
 
 <file path=ppt/slides/slide10.xml><?xml version="1.0" encoding="utf-8"?>
-<p:sld xmlns:a="http://schemas.openxmlformats.org/drawingml/2006/main" xmlns:r="http://schemas.openxmlformats.org/officeDocument/2006/relationships" xmlns:p="http://schemas.openxmlformats.org/presentationml/2006/main">
-  <p:cSld>
-    <p:spTree>
-      <p:nvGrpSpPr>
-        <p:cNvPr id="1" name="">
-          <a:extLst>
-            <a:ext uri="{FF2B5EF4-FFF2-40B4-BE49-F238E27FC236}">
-              <a16:creationId xmlns:a16="http://schemas.microsoft.com/office/drawing/2014/main" id="{F550F828-AC37-5A45-A912-F5288234F507}"/>
-            </a:ext>
-          </a:extLst>
-        </p:cNvPr>
-        <p:cNvGrpSpPr/>
-        <p:nvPr/>
-      </p:nvGrpSpPr>
-      <p:grpSpPr>
-        <a:xfrm>
-          <a:off x="0" y="0"/>
-          <a:ext cx="0" cy="0"/>
-          <a:chOff x="0" y="0"/>
-          <a:chExt cx="0" cy="0"/>
-        </a:xfrm>
-      </p:grpSpPr>
-      <p:sp>
-        <p:nvSpPr>
-          <p:cNvPr id="2" name="Rectangle: Rounded Corners 1">
-            <a:extLst>
-              <a:ext uri="{FF2B5EF4-FFF2-40B4-BE49-F238E27FC236}">
-                <a16:creationId xmlns:a16="http://schemas.microsoft.com/office/drawing/2014/main" id="{EAE943B7-332D-15B8-6DD0-BCC89D98BDE5}"/>
-              </a:ext>
-            </a:extLst>
-          </p:cNvPr>
-          <p:cNvSpPr/>
-          <p:nvPr/>
-        </p:nvSpPr>
-        <p:spPr>
-          <a:xfrm>
-            <a:off x="2445174" y="1651000"/>
-            <a:ext cx="2880360" cy="1666240"/>
-          </a:xfrm>
-          <a:prstGeom prst="roundRect">
-            <a:avLst/>
-          </a:prstGeom>
-          <a:solidFill>
-            <a:schemeClr val="bg1"/>
-          </a:solidFill>
-          <a:ln w="34925">
-            <a:solidFill>
-              <a:schemeClr val="tx1"/>
-            </a:solidFill>
-          </a:ln>
-          <a:effectLst>
-            <a:outerShdw blurRad="317500" dir="2700000" algn="ctr">
-              <a:srgbClr val="000000">
-                <a:alpha val="43000"/>
-              </a:srgbClr>
-            </a:outerShdw>
-          </a:effectLst>
-        </p:spPr>
-        <p:style>
-          <a:lnRef idx="2">
-            <a:schemeClr val="accent1">
-              <a:shade val="15000"/>
-            </a:schemeClr>
-          </a:lnRef>
-          <a:fillRef idx="1">
-            <a:schemeClr val="accent1"/>
-          </a:fillRef>
-          <a:effectRef idx="0">
-            <a:schemeClr val="accent1"/>
-          </a:effectRef>
-          <a:fontRef idx="minor">
-            <a:schemeClr val="lt1"/>
-          </a:fontRef>
-        </p:style>
-        <p:txBody>
-          <a:bodyPr rtlCol="0" anchor="ctr"/>
-          <a:lstStyle/>
-          <a:p>
-            <a:pPr algn="ctr"/>
-            <a:r>
-              <a:rPr lang="en-GB" sz="2400" b="1" i="0" noProof="0" dirty="0">
-                <a:solidFill>
-                  <a:srgbClr val="1F2328"/>
-                </a:solidFill>
-                <a:effectLst/>
-                <a:latin typeface="-apple-system"/>
-              </a:rPr>
-              <a:t>Data </a:t>
-            </a:r>
-            <a:r>
-              <a:rPr lang="en-GB" sz="2400" b="1" noProof="0" dirty="0">
-                <a:solidFill>
-                  <a:srgbClr val="1F2328"/>
-                </a:solidFill>
-                <a:latin typeface="-apple-system"/>
-              </a:rPr>
-              <a:t>cleanup</a:t>
-            </a:r>
-            <a:r>
-              <a:rPr lang="en-GB" sz="2400" b="1" i="0" noProof="0" dirty="0">
-                <a:solidFill>
-                  <a:srgbClr val="1F2328"/>
-                </a:solidFill>
-                <a:effectLst/>
-                <a:latin typeface="-apple-system"/>
-              </a:rPr>
-              <a:t> </a:t>
-            </a:r>
-          </a:p>
-        </p:txBody>
-      </p:sp>
-      <p:sp>
-        <p:nvSpPr>
-          <p:cNvPr id="9" name="TextBox 8">
-            <a:extLst>
-              <a:ext uri="{FF2B5EF4-FFF2-40B4-BE49-F238E27FC236}">
-                <a16:creationId xmlns:a16="http://schemas.microsoft.com/office/drawing/2014/main" id="{76136DA4-F1F9-4219-5F33-F9F8F8547B47}"/>
-              </a:ext>
-            </a:extLst>
-          </p:cNvPr>
-          <p:cNvSpPr txBox="1"/>
-          <p:nvPr/>
-        </p:nvSpPr>
-        <p:spPr>
-          <a:xfrm>
-            <a:off x="2445174" y="3982197"/>
-            <a:ext cx="2880360" cy="2585323"/>
-          </a:xfrm>
-          <a:prstGeom prst="rect">
-            <a:avLst/>
-          </a:prstGeom>
-          <a:noFill/>
-        </p:spPr>
-        <p:txBody>
-          <a:bodyPr wrap="square" rtlCol="0">
-            <a:spAutoFit/>
-          </a:bodyPr>
-          <a:lstStyle/>
-          <a:p>
-            <a:pPr>
-              <a:buFont typeface="Arial" panose="020B0604020202020204" pitchFamily="34" charset="0"/>
-              <a:buChar char="•"/>
-            </a:pPr>
-            <a:r>
-              <a:rPr lang="en-GB" noProof="0" dirty="0">
-                <a:solidFill>
-                  <a:srgbClr val="1F2328"/>
-                </a:solidFill>
-                <a:latin typeface="-apple-system"/>
-              </a:rPr>
-              <a:t> Removing low variance     columns/rows</a:t>
-            </a:r>
-          </a:p>
-          <a:p>
-            <a:pPr>
-              <a:buFont typeface="Arial" panose="020B0604020202020204" pitchFamily="34" charset="0"/>
-              <a:buChar char="•"/>
-            </a:pPr>
-            <a:endParaRPr lang="en-GB" noProof="0" dirty="0">
-              <a:solidFill>
-                <a:srgbClr val="1F2328"/>
-              </a:solidFill>
-              <a:latin typeface="-apple-system"/>
-            </a:endParaRPr>
-          </a:p>
-          <a:p>
-            <a:pPr>
-              <a:buFont typeface="Arial" panose="020B0604020202020204" pitchFamily="34" charset="0"/>
-              <a:buChar char="•"/>
-            </a:pPr>
-            <a:r>
-              <a:rPr lang="en-GB" noProof="0" dirty="0">
-                <a:solidFill>
-                  <a:srgbClr val="1F2328"/>
-                </a:solidFill>
-                <a:latin typeface="-apple-system"/>
-              </a:rPr>
-              <a:t> Removing batch effects</a:t>
-            </a:r>
-          </a:p>
-          <a:p>
-            <a:pPr>
-              <a:buFont typeface="Arial" panose="020B0604020202020204" pitchFamily="34" charset="0"/>
-              <a:buChar char="•"/>
-            </a:pPr>
-            <a:endParaRPr lang="en-GB" noProof="0" dirty="0">
-              <a:solidFill>
-                <a:srgbClr val="1F2328"/>
-              </a:solidFill>
-              <a:latin typeface="-apple-system"/>
-            </a:endParaRPr>
-          </a:p>
-          <a:p>
-            <a:pPr>
-              <a:buFont typeface="Arial" panose="020B0604020202020204" pitchFamily="34" charset="0"/>
-              <a:buChar char="•"/>
-            </a:pPr>
-            <a:r>
-              <a:rPr lang="en-GB" noProof="0" dirty="0">
-                <a:solidFill>
-                  <a:srgbClr val="1F2328"/>
-                </a:solidFill>
-                <a:latin typeface="-apple-system"/>
-              </a:rPr>
-              <a:t> Removing technical outliers</a:t>
-            </a:r>
-          </a:p>
-          <a:p>
-            <a:pPr>
-              <a:buFont typeface="Arial" panose="020B0604020202020204" pitchFamily="34" charset="0"/>
-              <a:buChar char="•"/>
-            </a:pPr>
-            <a:endParaRPr lang="en-GB" noProof="0" dirty="0">
-              <a:solidFill>
-                <a:srgbClr val="1F2328"/>
-              </a:solidFill>
-              <a:latin typeface="-apple-system"/>
-            </a:endParaRPr>
-          </a:p>
-          <a:p>
-            <a:pPr>
-              <a:buFont typeface="Arial" panose="020B0604020202020204" pitchFamily="34" charset="0"/>
-              <a:buChar char="•"/>
-            </a:pPr>
-            <a:r>
-              <a:rPr lang="en-GB" noProof="0" dirty="0">
-                <a:solidFill>
-                  <a:srgbClr val="1F2328"/>
-                </a:solidFill>
-                <a:latin typeface="-apple-system"/>
-              </a:rPr>
-              <a:t> Re-ordering data</a:t>
-            </a:r>
-          </a:p>
-          <a:p>
-            <a:pPr algn="l">
-              <a:buFont typeface="Arial" panose="020B0604020202020204" pitchFamily="34" charset="0"/>
-              <a:buChar char="•"/>
-            </a:pPr>
-            <a:endParaRPr lang="en-GB" noProof="0" dirty="0">
-              <a:solidFill>
-                <a:srgbClr val="1F2328"/>
-              </a:solidFill>
-              <a:latin typeface="-apple-system"/>
-            </a:endParaRPr>
-          </a:p>
-        </p:txBody>
-      </p:sp>
-      <p:sp>
-        <p:nvSpPr>
-          <p:cNvPr id="10" name="TextBox 9">
-            <a:extLst>
-              <a:ext uri="{FF2B5EF4-FFF2-40B4-BE49-F238E27FC236}">
-                <a16:creationId xmlns:a16="http://schemas.microsoft.com/office/drawing/2014/main" id="{D1C53C33-5E9F-048D-5E7F-B0F57CA230C7}"/>
-              </a:ext>
-            </a:extLst>
-          </p:cNvPr>
-          <p:cNvSpPr txBox="1"/>
-          <p:nvPr/>
-        </p:nvSpPr>
-        <p:spPr>
-          <a:xfrm>
-            <a:off x="3167062" y="290480"/>
-            <a:ext cx="5857875" cy="769441"/>
-          </a:xfrm>
-          <a:prstGeom prst="rect">
-            <a:avLst/>
-          </a:prstGeom>
-          <a:noFill/>
-        </p:spPr>
-        <p:txBody>
-          <a:bodyPr wrap="square" rtlCol="0">
-            <a:spAutoFit/>
-          </a:bodyPr>
-          <a:lstStyle/>
-          <a:p>
-            <a:pPr algn="ctr"/>
-            <a:r>
-              <a:rPr lang="en-GB" sz="4400" noProof="0" dirty="0"/>
-              <a:t>1. Week</a:t>
-            </a:r>
-          </a:p>
-        </p:txBody>
-      </p:sp>
-      <p:pic>
-        <p:nvPicPr>
-          <p:cNvPr id="12" name="Picture 11" descr="A table with numbers and letters&#10;&#10;AI-generated content may be incorrect.">
-            <a:extLst>
-              <a:ext uri="{FF2B5EF4-FFF2-40B4-BE49-F238E27FC236}">
-                <a16:creationId xmlns:a16="http://schemas.microsoft.com/office/drawing/2014/main" id="{CA1C5BB0-671D-3DF9-A154-8DD46F38202F}"/>
-              </a:ext>
-            </a:extLst>
-          </p:cNvPr>
-          <p:cNvPicPr>
-            <a:picLocks noChangeAspect="1"/>
-          </p:cNvPicPr>
-          <p:nvPr/>
-        </p:nvPicPr>
-        <p:blipFill>
-          <a:blip r:embed="rId2">
-            <a:extLst>
-              <a:ext uri="{28A0092B-C50C-407E-A947-70E740481C1C}">
-                <a14:useLocalDpi xmlns:a14="http://schemas.microsoft.com/office/drawing/2010/main" val="0"/>
-              </a:ext>
-            </a:extLst>
-          </a:blip>
-          <a:stretch>
-            <a:fillRect/>
-          </a:stretch>
-        </p:blipFill>
-        <p:spPr>
-          <a:xfrm>
-            <a:off x="6095999" y="1532666"/>
-            <a:ext cx="6072706" cy="2954500"/>
-          </a:xfrm>
-          <a:prstGeom prst="rect">
-            <a:avLst/>
-          </a:prstGeom>
-        </p:spPr>
-      </p:pic>
-      <p:sp>
-        <p:nvSpPr>
-          <p:cNvPr id="15" name="Circle: Hollow 14">
-            <a:extLst>
-              <a:ext uri="{FF2B5EF4-FFF2-40B4-BE49-F238E27FC236}">
-                <a16:creationId xmlns:a16="http://schemas.microsoft.com/office/drawing/2014/main" id="{F0F4146A-1EA9-8A06-CAB8-D85E007D0F83}"/>
-              </a:ext>
-            </a:extLst>
-          </p:cNvPr>
-          <p:cNvSpPr/>
-          <p:nvPr/>
-        </p:nvSpPr>
-        <p:spPr>
-          <a:xfrm>
-            <a:off x="9382688" y="2823650"/>
-            <a:ext cx="712893" cy="698484"/>
-          </a:xfrm>
-          <a:prstGeom prst="donut">
-            <a:avLst>
-              <a:gd name="adj" fmla="val 1954"/>
-            </a:avLst>
-          </a:prstGeom>
-          <a:solidFill>
-            <a:srgbClr val="FF0000"/>
-          </a:solidFill>
-          <a:ln>
-            <a:solidFill>
-              <a:srgbClr val="FF0000"/>
-            </a:solidFill>
-          </a:ln>
-        </p:spPr>
-        <p:style>
-          <a:lnRef idx="2">
-            <a:schemeClr val="accent1">
-              <a:shade val="15000"/>
-            </a:schemeClr>
-          </a:lnRef>
-          <a:fillRef idx="1">
-            <a:schemeClr val="accent1"/>
-          </a:fillRef>
-          <a:effectRef idx="0">
-            <a:schemeClr val="accent1"/>
-          </a:effectRef>
-          <a:fontRef idx="minor">
-            <a:schemeClr val="lt1"/>
-          </a:fontRef>
-        </p:style>
-        <p:txBody>
-          <a:bodyPr rtlCol="0" anchor="ctr"/>
-          <a:lstStyle/>
-          <a:p>
-            <a:pPr algn="ctr"/>
-            <a:endParaRPr lang="en-GB" noProof="0" dirty="0">
-              <a:solidFill>
-                <a:schemeClr val="tx1"/>
-              </a:solidFill>
-            </a:endParaRPr>
-          </a:p>
-        </p:txBody>
-      </p:sp>
-      <p:pic>
-        <p:nvPicPr>
-          <p:cNvPr id="14" name="Picture 13" descr="A graph with black dots&#10;&#10;AI-generated content may be incorrect.">
-            <a:extLst>
-              <a:ext uri="{FF2B5EF4-FFF2-40B4-BE49-F238E27FC236}">
-                <a16:creationId xmlns:a16="http://schemas.microsoft.com/office/drawing/2014/main" id="{6EEB7CD8-020B-0D09-414F-9D55973E8AA5}"/>
-              </a:ext>
-            </a:extLst>
-          </p:cNvPr>
-          <p:cNvPicPr>
-            <a:picLocks noChangeAspect="1"/>
-          </p:cNvPicPr>
-          <p:nvPr/>
-        </p:nvPicPr>
-        <p:blipFill>
-          <a:blip r:embed="rId3">
-            <a:extLst>
-              <a:ext uri="{28A0092B-C50C-407E-A947-70E740481C1C}">
-                <a14:useLocalDpi xmlns:a14="http://schemas.microsoft.com/office/drawing/2010/main" val="0"/>
-              </a:ext>
-            </a:extLst>
-          </a:blip>
-          <a:srcRect t="1604"/>
-          <a:stretch/>
-        </p:blipFill>
-        <p:spPr>
-          <a:xfrm>
-            <a:off x="5921670" y="1532666"/>
-            <a:ext cx="6206534" cy="3727112"/>
-          </a:xfrm>
-          <a:prstGeom prst="rect">
-            <a:avLst/>
-          </a:prstGeom>
-        </p:spPr>
-      </p:pic>
-      <p:sp>
-        <p:nvSpPr>
-          <p:cNvPr id="16" name="TextBox 15">
-            <a:extLst>
-              <a:ext uri="{FF2B5EF4-FFF2-40B4-BE49-F238E27FC236}">
-                <a16:creationId xmlns:a16="http://schemas.microsoft.com/office/drawing/2014/main" id="{246E2B49-F04F-2143-6374-5DE723839653}"/>
-              </a:ext>
-            </a:extLst>
-          </p:cNvPr>
-          <p:cNvSpPr txBox="1"/>
-          <p:nvPr/>
-        </p:nvSpPr>
-        <p:spPr>
-          <a:xfrm>
-            <a:off x="6095999" y="5259778"/>
-            <a:ext cx="4572000" cy="246221"/>
-          </a:xfrm>
-          <a:prstGeom prst="rect">
-            <a:avLst/>
-          </a:prstGeom>
-          <a:noFill/>
-        </p:spPr>
-        <p:txBody>
-          <a:bodyPr wrap="square" rtlCol="0">
-            <a:spAutoFit/>
-          </a:bodyPr>
-          <a:lstStyle/>
-          <a:p>
-            <a:r>
-              <a:rPr lang="en-GB" sz="1000" u="sng" noProof="0" dirty="0" err="1"/>
-              <a:t>Bioinfo</a:t>
-            </a:r>
-            <a:r>
-              <a:rPr lang="en-GB" sz="1000" u="sng" noProof="0" dirty="0"/>
-              <a:t>-Slides </a:t>
-            </a:r>
-            <a:r>
-              <a:rPr lang="en-GB" sz="1000" u="sng" noProof="0" dirty="0" err="1"/>
-              <a:t>aus</a:t>
-            </a:r>
-            <a:r>
-              <a:rPr lang="en-GB" sz="1000" u="sng" noProof="0" dirty="0"/>
-              <a:t> </a:t>
-            </a:r>
-            <a:r>
-              <a:rPr lang="en-GB" sz="1000" u="sng" noProof="0" dirty="0" err="1"/>
-              <a:t>dem</a:t>
-            </a:r>
-            <a:r>
-              <a:rPr lang="en-GB" sz="1000" u="sng" noProof="0" dirty="0"/>
-              <a:t> 3. Semester</a:t>
-            </a:r>
-          </a:p>
-        </p:txBody>
-      </p:sp>
-      <p:sp>
-        <p:nvSpPr>
-          <p:cNvPr id="17" name="TextBox 16">
-            <a:extLst>
-              <a:ext uri="{FF2B5EF4-FFF2-40B4-BE49-F238E27FC236}">
-                <a16:creationId xmlns:a16="http://schemas.microsoft.com/office/drawing/2014/main" id="{FBD522B7-9B53-8303-2E5A-DA990EA68968}"/>
-              </a:ext>
-            </a:extLst>
-          </p:cNvPr>
-          <p:cNvSpPr txBox="1"/>
-          <p:nvPr/>
-        </p:nvSpPr>
-        <p:spPr>
-          <a:xfrm>
-            <a:off x="5304366" y="1039493"/>
-            <a:ext cx="1583266" cy="369332"/>
-          </a:xfrm>
-          <a:prstGeom prst="rect">
-            <a:avLst/>
-          </a:prstGeom>
-          <a:noFill/>
-        </p:spPr>
-        <p:txBody>
-          <a:bodyPr wrap="square" rtlCol="0">
-            <a:spAutoFit/>
-          </a:bodyPr>
-          <a:lstStyle/>
-          <a:p>
-            <a:pPr algn="ctr"/>
-            <a:r>
-              <a:rPr lang="de-DE" dirty="0"/>
-              <a:t>19.05.-25.05.</a:t>
-            </a:r>
-          </a:p>
-        </p:txBody>
-      </p:sp>
-    </p:spTree>
-    <p:extLst>
-      <p:ext uri="{BB962C8B-B14F-4D97-AF65-F5344CB8AC3E}">
-        <p14:creationId xmlns:p14="http://schemas.microsoft.com/office/powerpoint/2010/main" val="596613793"/>
-      </p:ext>
-    </p:extLst>
-  </p:cSld>
-  <p:clrMapOvr>
-    <a:masterClrMapping/>
-  </p:clrMapOvr>
-  <p:timing>
-    <p:tnLst>
-      <p:par>
-        <p:cTn id="1" dur="indefinite" restart="never" nodeType="tmRoot">
-          <p:childTnLst>
-            <p:seq concurrent="1" nextAc="seek">
-              <p:cTn id="2" dur="indefinite" nodeType="mainSeq">
-                <p:childTnLst>
-                  <p:par>
-                    <p:cTn id="3" fill="hold">
-                      <p:stCondLst>
-                        <p:cond delay="indefinite"/>
-                      </p:stCondLst>
-                      <p:childTnLst>
-                        <p:par>
-                          <p:cTn id="4" fill="hold">
-                            <p:stCondLst>
-                              <p:cond delay="0"/>
-                            </p:stCondLst>
-                            <p:childTnLst>
-                              <p:par>
-                                <p:cTn id="5" presetID="1" presetClass="entr" presetSubtype="0" fill="hold" grpId="0" nodeType="clickEffect">
-                                  <p:stCondLst>
-                                    <p:cond delay="0"/>
-                                  </p:stCondLst>
-                                  <p:childTnLst>
-                                    <p:set>
-                                      <p:cBhvr>
-                                        <p:cTn id="6" dur="1" fill="hold">
-                                          <p:stCondLst>
-                                            <p:cond delay="0"/>
-                                          </p:stCondLst>
-                                        </p:cTn>
-                                        <p:tgtEl>
-                                          <p:spTgt spid="2"/>
-                                        </p:tgtEl>
-                                        <p:attrNameLst>
-                                          <p:attrName>style.visibility</p:attrName>
-                                        </p:attrNameLst>
-                                      </p:cBhvr>
-                                      <p:to>
-                                        <p:strVal val="visible"/>
-                                      </p:to>
-                                    </p:set>
-                                  </p:childTnLst>
-                                </p:cTn>
-                              </p:par>
-                            </p:childTnLst>
-                          </p:cTn>
-                        </p:par>
-                      </p:childTnLst>
-                    </p:cTn>
-                  </p:par>
-                  <p:par>
-                    <p:cTn id="7" fill="hold">
-                      <p:stCondLst>
-                        <p:cond delay="indefinite"/>
-                      </p:stCondLst>
-                      <p:childTnLst>
-                        <p:par>
-                          <p:cTn id="8" fill="hold">
-                            <p:stCondLst>
-                              <p:cond delay="0"/>
-                            </p:stCondLst>
-                            <p:childTnLst>
-                              <p:par>
-                                <p:cTn id="9" presetID="1" presetClass="entr" presetSubtype="0" fill="hold" grpId="0" nodeType="clickEffect">
-                                  <p:stCondLst>
-                                    <p:cond delay="0"/>
-                                  </p:stCondLst>
-                                  <p:childTnLst>
-                                    <p:set>
-                                      <p:cBhvr>
-                                        <p:cTn id="10" dur="1" fill="hold">
-                                          <p:stCondLst>
-                                            <p:cond delay="0"/>
-                                          </p:stCondLst>
-                                        </p:cTn>
-                                        <p:tgtEl>
-                                          <p:spTgt spid="9">
-                                            <p:txEl>
-                                              <p:pRg st="0" end="0"/>
-                                            </p:txEl>
-                                          </p:spTgt>
-                                        </p:tgtEl>
-                                        <p:attrNameLst>
-                                          <p:attrName>style.visibility</p:attrName>
-                                        </p:attrNameLst>
-                                      </p:cBhvr>
-                                      <p:to>
-                                        <p:strVal val="visible"/>
-                                      </p:to>
-                                    </p:set>
-                                  </p:childTnLst>
-                                </p:cTn>
-                              </p:par>
-                            </p:childTnLst>
-                          </p:cTn>
-                        </p:par>
-                      </p:childTnLst>
-                    </p:cTn>
-                  </p:par>
-                  <p:par>
-                    <p:cTn id="11" fill="hold">
-                      <p:stCondLst>
-                        <p:cond delay="indefinite"/>
-                      </p:stCondLst>
-                      <p:childTnLst>
-                        <p:par>
-                          <p:cTn id="12" fill="hold">
-                            <p:stCondLst>
-                              <p:cond delay="0"/>
-                            </p:stCondLst>
-                            <p:childTnLst>
-                              <p:par>
-                                <p:cTn id="13" presetID="1" presetClass="entr" presetSubtype="0" fill="hold" grpId="0" nodeType="clickEffect">
-                                  <p:stCondLst>
-                                    <p:cond delay="0"/>
-                                  </p:stCondLst>
-                                  <p:childTnLst>
-                                    <p:set>
-                                      <p:cBhvr>
-                                        <p:cTn id="14" dur="1" fill="hold">
-                                          <p:stCondLst>
-                                            <p:cond delay="0"/>
-                                          </p:stCondLst>
-                                        </p:cTn>
-                                        <p:tgtEl>
-                                          <p:spTgt spid="9">
-                                            <p:txEl>
-                                              <p:pRg st="2" end="2"/>
-                                            </p:txEl>
-                                          </p:spTgt>
-                                        </p:tgtEl>
-                                        <p:attrNameLst>
-                                          <p:attrName>style.visibility</p:attrName>
-                                        </p:attrNameLst>
-                                      </p:cBhvr>
-                                      <p:to>
-                                        <p:strVal val="visible"/>
-                                      </p:to>
-                                    </p:set>
-                                  </p:childTnLst>
-                                </p:cTn>
-                              </p:par>
-                            </p:childTnLst>
-                          </p:cTn>
-                        </p:par>
-                      </p:childTnLst>
-                    </p:cTn>
-                  </p:par>
-                  <p:par>
-                    <p:cTn id="15" fill="hold">
-                      <p:stCondLst>
-                        <p:cond delay="indefinite"/>
-                      </p:stCondLst>
-                      <p:childTnLst>
-                        <p:par>
-                          <p:cTn id="16" fill="hold">
-                            <p:stCondLst>
-                              <p:cond delay="0"/>
-                            </p:stCondLst>
-                            <p:childTnLst>
-                              <p:par>
-                                <p:cTn id="17" presetID="1" presetClass="entr" presetSubtype="0" fill="hold" grpId="0" nodeType="clickEffect">
-                                  <p:stCondLst>
-                                    <p:cond delay="0"/>
-                                  </p:stCondLst>
-                                  <p:childTnLst>
-                                    <p:set>
-                                      <p:cBhvr>
-                                        <p:cTn id="18" dur="1" fill="hold">
-                                          <p:stCondLst>
-                                            <p:cond delay="0"/>
-                                          </p:stCondLst>
-                                        </p:cTn>
-                                        <p:tgtEl>
-                                          <p:spTgt spid="9">
-                                            <p:txEl>
-                                              <p:pRg st="4" end="4"/>
-                                            </p:txEl>
-                                          </p:spTgt>
-                                        </p:tgtEl>
-                                        <p:attrNameLst>
-                                          <p:attrName>style.visibility</p:attrName>
-                                        </p:attrNameLst>
-                                      </p:cBhvr>
-                                      <p:to>
-                                        <p:strVal val="visible"/>
-                                      </p:to>
-                                    </p:set>
-                                  </p:childTnLst>
-                                </p:cTn>
-                              </p:par>
-                            </p:childTnLst>
-                          </p:cTn>
-                        </p:par>
-                      </p:childTnLst>
-                    </p:cTn>
-                  </p:par>
-                  <p:par>
-                    <p:cTn id="19" fill="hold">
-                      <p:stCondLst>
-                        <p:cond delay="indefinite"/>
-                      </p:stCondLst>
-                      <p:childTnLst>
-                        <p:par>
-                          <p:cTn id="20" fill="hold">
-                            <p:stCondLst>
-                              <p:cond delay="0"/>
-                            </p:stCondLst>
-                            <p:childTnLst>
-                              <p:par>
-                                <p:cTn id="21" presetID="1" presetClass="entr" presetSubtype="0" fill="hold" grpId="0" nodeType="clickEffect">
-                                  <p:stCondLst>
-                                    <p:cond delay="0"/>
-                                  </p:stCondLst>
-                                  <p:childTnLst>
-                                    <p:set>
-                                      <p:cBhvr>
-                                        <p:cTn id="22" dur="1" fill="hold">
-                                          <p:stCondLst>
-                                            <p:cond delay="0"/>
-                                          </p:stCondLst>
-                                        </p:cTn>
-                                        <p:tgtEl>
-                                          <p:spTgt spid="9">
-                                            <p:txEl>
-                                              <p:pRg st="6" end="6"/>
-                                            </p:txEl>
-                                          </p:spTgt>
-                                        </p:tgtEl>
-                                        <p:attrNameLst>
-                                          <p:attrName>style.visibility</p:attrName>
-                                        </p:attrNameLst>
-                                      </p:cBhvr>
-                                      <p:to>
-                                        <p:strVal val="visible"/>
-                                      </p:to>
-                                    </p:set>
-                                  </p:childTnLst>
-                                </p:cTn>
-                              </p:par>
-                            </p:childTnLst>
-                          </p:cTn>
-                        </p:par>
-                      </p:childTnLst>
-                    </p:cTn>
-                  </p:par>
-                  <p:par>
-                    <p:cTn id="23" fill="hold">
-                      <p:stCondLst>
-                        <p:cond delay="indefinite"/>
-                      </p:stCondLst>
-                      <p:childTnLst>
-                        <p:par>
-                          <p:cTn id="24" fill="hold">
-                            <p:stCondLst>
-                              <p:cond delay="0"/>
-                            </p:stCondLst>
-                            <p:childTnLst>
-                              <p:par>
-                                <p:cTn id="25" presetID="1" presetClass="entr" presetSubtype="0" fill="hold" nodeType="clickEffect">
-                                  <p:stCondLst>
-                                    <p:cond delay="0"/>
-                                  </p:stCondLst>
-                                  <p:childTnLst>
-                                    <p:set>
-                                      <p:cBhvr>
-                                        <p:cTn id="26" dur="1" fill="hold">
-                                          <p:stCondLst>
-                                            <p:cond delay="0"/>
-                                          </p:stCondLst>
-                                        </p:cTn>
-                                        <p:tgtEl>
-                                          <p:spTgt spid="12"/>
-                                        </p:tgtEl>
-                                        <p:attrNameLst>
-                                          <p:attrName>style.visibility</p:attrName>
-                                        </p:attrNameLst>
-                                      </p:cBhvr>
-                                      <p:to>
-                                        <p:strVal val="visible"/>
-                                      </p:to>
-                                    </p:set>
-                                  </p:childTnLst>
-                                </p:cTn>
-                              </p:par>
-                            </p:childTnLst>
-                          </p:cTn>
-                        </p:par>
-                      </p:childTnLst>
-                    </p:cTn>
-                  </p:par>
-                  <p:par>
-                    <p:cTn id="27" fill="hold">
-                      <p:stCondLst>
-                        <p:cond delay="indefinite"/>
-                      </p:stCondLst>
-                      <p:childTnLst>
-                        <p:par>
-                          <p:cTn id="28" fill="hold">
-                            <p:stCondLst>
-                              <p:cond delay="0"/>
-                            </p:stCondLst>
-                            <p:childTnLst>
-                              <p:par>
-                                <p:cTn id="29" presetID="1" presetClass="entr" presetSubtype="0" fill="hold" grpId="0" nodeType="clickEffect">
-                                  <p:stCondLst>
-                                    <p:cond delay="0"/>
-                                  </p:stCondLst>
-                                  <p:childTnLst>
-                                    <p:set>
-                                      <p:cBhvr>
-                                        <p:cTn id="30" dur="1" fill="hold">
-                                          <p:stCondLst>
-                                            <p:cond delay="0"/>
-                                          </p:stCondLst>
-                                        </p:cTn>
-                                        <p:tgtEl>
-                                          <p:spTgt spid="15"/>
-                                        </p:tgtEl>
-                                        <p:attrNameLst>
-                                          <p:attrName>style.visibility</p:attrName>
-                                        </p:attrNameLst>
-                                      </p:cBhvr>
-                                      <p:to>
-                                        <p:strVal val="visible"/>
-                                      </p:to>
-                                    </p:set>
-                                  </p:childTnLst>
-                                </p:cTn>
-                              </p:par>
-                            </p:childTnLst>
-                          </p:cTn>
-                        </p:par>
-                      </p:childTnLst>
-                    </p:cTn>
-                  </p:par>
-                  <p:par>
-                    <p:cTn id="31" fill="hold">
-                      <p:stCondLst>
-                        <p:cond delay="indefinite"/>
-                      </p:stCondLst>
-                      <p:childTnLst>
-                        <p:par>
-                          <p:cTn id="32" fill="hold">
-                            <p:stCondLst>
-                              <p:cond delay="0"/>
-                            </p:stCondLst>
-                            <p:childTnLst>
-                              <p:par>
-                                <p:cTn id="33" presetID="1" presetClass="entr" presetSubtype="0" fill="hold" nodeType="clickEffect">
-                                  <p:stCondLst>
-                                    <p:cond delay="0"/>
-                                  </p:stCondLst>
-                                  <p:childTnLst>
-                                    <p:set>
-                                      <p:cBhvr>
-                                        <p:cTn id="34" dur="1" fill="hold">
-                                          <p:stCondLst>
-                                            <p:cond delay="0"/>
-                                          </p:stCondLst>
-                                        </p:cTn>
-                                        <p:tgtEl>
-                                          <p:spTgt spid="14"/>
-                                        </p:tgtEl>
-                                        <p:attrNameLst>
-                                          <p:attrName>style.visibility</p:attrName>
-                                        </p:attrNameLst>
-                                      </p:cBhvr>
-                                      <p:to>
-                                        <p:strVal val="visible"/>
-                                      </p:to>
-                                    </p:set>
-                                  </p:childTnLst>
-                                </p:cTn>
-                              </p:par>
-                            </p:childTnLst>
-                          </p:cTn>
-                        </p:par>
-                      </p:childTnLst>
-                    </p:cTn>
-                  </p:par>
-                </p:childTnLst>
-              </p:cTn>
-              <p:prevCondLst>
-                <p:cond evt="onPrev" delay="0">
-                  <p:tgtEl>
-                    <p:sldTgt/>
-                  </p:tgtEl>
-                </p:cond>
-              </p:prevCondLst>
-              <p:nextCondLst>
-                <p:cond evt="onNext" delay="0">
-                  <p:tgtEl>
-                    <p:sldTgt/>
-                  </p:tgtEl>
-                </p:cond>
-              </p:nextCondLst>
-            </p:seq>
-          </p:childTnLst>
-        </p:cTn>
-      </p:par>
-    </p:tnLst>
-    <p:bldLst>
-      <p:bldP spid="2" grpId="0" animBg="1"/>
-      <p:bldP spid="9" grpId="0" build="p"/>
-      <p:bldP spid="15" grpId="0" animBg="1"/>
-    </p:bldLst>
-  </p:timing>
-</p:sld>
-</file>
-
-<file path=ppt/slides/slide11.xml><?xml version="1.0" encoding="utf-8"?>
-<p:sld xmlns:a="http://schemas.openxmlformats.org/drawingml/2006/main" xmlns:r="http://schemas.openxmlformats.org/officeDocument/2006/relationships" xmlns:p="http://schemas.openxmlformats.org/presentationml/2006/main">
-  <p:cSld>
-    <p:spTree>
-      <p:nvGrpSpPr>
-        <p:cNvPr id="1" name="">
-          <a:extLst>
-            <a:ext uri="{FF2B5EF4-FFF2-40B4-BE49-F238E27FC236}">
-              <a16:creationId xmlns:a16="http://schemas.microsoft.com/office/drawing/2014/main" id="{B2A0950C-468A-1FB7-BE4E-ED5B26429893}"/>
-            </a:ext>
-          </a:extLst>
-        </p:cNvPr>
-        <p:cNvGrpSpPr/>
-        <p:nvPr/>
-      </p:nvGrpSpPr>
-      <p:grpSpPr>
-        <a:xfrm>
-          <a:off x="0" y="0"/>
-          <a:ext cx="0" cy="0"/>
-          <a:chOff x="0" y="0"/>
-          <a:chExt cx="0" cy="0"/>
-        </a:xfrm>
-      </p:grpSpPr>
-      <p:sp>
-        <p:nvSpPr>
-          <p:cNvPr id="2" name="Rectangle: Rounded Corners 1">
-            <a:extLst>
-              <a:ext uri="{FF2B5EF4-FFF2-40B4-BE49-F238E27FC236}">
-                <a16:creationId xmlns:a16="http://schemas.microsoft.com/office/drawing/2014/main" id="{9CB6C3DF-4F7E-1679-4EFF-613AB3F0EBAF}"/>
-              </a:ext>
-            </a:extLst>
-          </p:cNvPr>
-          <p:cNvSpPr/>
-          <p:nvPr/>
-        </p:nvSpPr>
-        <p:spPr>
-          <a:xfrm>
-            <a:off x="2445174" y="1651000"/>
-            <a:ext cx="2880360" cy="1666240"/>
-          </a:xfrm>
-          <a:prstGeom prst="roundRect">
-            <a:avLst/>
-          </a:prstGeom>
-          <a:solidFill>
-            <a:schemeClr val="bg1"/>
-          </a:solidFill>
-          <a:ln w="34925">
-            <a:solidFill>
-              <a:schemeClr val="tx1"/>
-            </a:solidFill>
-          </a:ln>
-          <a:effectLst>
-            <a:outerShdw blurRad="317500" dir="2700000" algn="ctr">
-              <a:srgbClr val="000000">
-                <a:alpha val="43000"/>
-              </a:srgbClr>
-            </a:outerShdw>
-          </a:effectLst>
-        </p:spPr>
-        <p:style>
-          <a:lnRef idx="2">
-            <a:schemeClr val="accent1">
-              <a:shade val="15000"/>
-            </a:schemeClr>
-          </a:lnRef>
-          <a:fillRef idx="1">
-            <a:schemeClr val="accent1"/>
-          </a:fillRef>
-          <a:effectRef idx="0">
-            <a:schemeClr val="accent1"/>
-          </a:effectRef>
-          <a:fontRef idx="minor">
-            <a:schemeClr val="lt1"/>
-          </a:fontRef>
-        </p:style>
-        <p:txBody>
-          <a:bodyPr rtlCol="0" anchor="ctr"/>
-          <a:lstStyle/>
-          <a:p>
-            <a:pPr algn="ctr"/>
-            <a:r>
-              <a:rPr lang="en-GB" sz="2400" b="1" i="0" noProof="0" dirty="0">
-                <a:solidFill>
-                  <a:srgbClr val="1F2328"/>
-                </a:solidFill>
-                <a:effectLst/>
-                <a:latin typeface="-apple-system"/>
-              </a:rPr>
-              <a:t>Data </a:t>
-            </a:r>
-            <a:r>
-              <a:rPr lang="en-GB" sz="2400" b="1" noProof="0" dirty="0">
-                <a:solidFill>
-                  <a:srgbClr val="1F2328"/>
-                </a:solidFill>
-                <a:latin typeface="-apple-system"/>
-              </a:rPr>
-              <a:t>exploration</a:t>
-            </a:r>
-            <a:r>
-              <a:rPr lang="en-GB" sz="2400" b="1" i="0" noProof="0" dirty="0">
-                <a:solidFill>
-                  <a:srgbClr val="1F2328"/>
-                </a:solidFill>
-                <a:effectLst/>
-                <a:latin typeface="-apple-system"/>
-              </a:rPr>
-              <a:t> </a:t>
-            </a:r>
-          </a:p>
-        </p:txBody>
-      </p:sp>
-      <p:sp>
-        <p:nvSpPr>
-          <p:cNvPr id="9" name="TextBox 8">
-            <a:extLst>
-              <a:ext uri="{FF2B5EF4-FFF2-40B4-BE49-F238E27FC236}">
-                <a16:creationId xmlns:a16="http://schemas.microsoft.com/office/drawing/2014/main" id="{DBF766CB-E004-24D0-2F17-56FE88CFC9D4}"/>
-              </a:ext>
-            </a:extLst>
-          </p:cNvPr>
-          <p:cNvSpPr txBox="1"/>
-          <p:nvPr/>
-        </p:nvSpPr>
-        <p:spPr>
-          <a:xfrm>
-            <a:off x="2445174" y="3982197"/>
-            <a:ext cx="2880360" cy="1477328"/>
-          </a:xfrm>
-          <a:prstGeom prst="rect">
-            <a:avLst/>
-          </a:prstGeom>
-          <a:noFill/>
-        </p:spPr>
-        <p:txBody>
-          <a:bodyPr wrap="square" rtlCol="0">
-            <a:spAutoFit/>
-          </a:bodyPr>
-          <a:lstStyle/>
-          <a:p>
-            <a:pPr>
-              <a:buFont typeface="Arial" panose="020B0604020202020204" pitchFamily="34" charset="0"/>
-              <a:buChar char="•"/>
-            </a:pPr>
-            <a:r>
-              <a:rPr lang="en-GB" noProof="0" dirty="0">
-                <a:solidFill>
-                  <a:srgbClr val="1F2328"/>
-                </a:solidFill>
-                <a:latin typeface="-apple-system"/>
-              </a:rPr>
-              <a:t> data distribution</a:t>
-            </a:r>
-          </a:p>
-          <a:p>
-            <a:endParaRPr lang="en-GB" noProof="0" dirty="0">
-              <a:solidFill>
-                <a:srgbClr val="1F2328"/>
-              </a:solidFill>
-              <a:latin typeface="-apple-system"/>
-            </a:endParaRPr>
-          </a:p>
-          <a:p>
-            <a:pPr>
-              <a:buFont typeface="Arial" panose="020B0604020202020204" pitchFamily="34" charset="0"/>
-              <a:buChar char="•"/>
-            </a:pPr>
-            <a:r>
-              <a:rPr lang="en-GB" noProof="0" dirty="0">
-                <a:solidFill>
-                  <a:srgbClr val="1F2328"/>
-                </a:solidFill>
-                <a:latin typeface="-apple-system"/>
-              </a:rPr>
-              <a:t> t-test</a:t>
-            </a:r>
-          </a:p>
-          <a:p>
-            <a:pPr>
-              <a:buFont typeface="Arial" panose="020B0604020202020204" pitchFamily="34" charset="0"/>
-              <a:buChar char="•"/>
-            </a:pPr>
-            <a:endParaRPr lang="en-GB" noProof="0" dirty="0">
-              <a:solidFill>
-                <a:srgbClr val="1F2328"/>
-              </a:solidFill>
-              <a:latin typeface="-apple-system"/>
-            </a:endParaRPr>
-          </a:p>
-          <a:p>
-            <a:pPr>
-              <a:buFont typeface="Arial" panose="020B0604020202020204" pitchFamily="34" charset="0"/>
-              <a:buChar char="•"/>
-            </a:pPr>
-            <a:r>
-              <a:rPr lang="en-GB" noProof="0" dirty="0">
-                <a:solidFill>
-                  <a:srgbClr val="1F2328"/>
-                </a:solidFill>
-                <a:latin typeface="-apple-system"/>
-              </a:rPr>
-              <a:t> </a:t>
-            </a:r>
-            <a:r>
-              <a:rPr lang="en-GB" noProof="0" dirty="0"/>
-              <a:t>proportion test</a:t>
-            </a:r>
-            <a:endParaRPr lang="en-GB" b="0" i="0" noProof="0" dirty="0">
-              <a:solidFill>
-                <a:srgbClr val="1F2328"/>
-              </a:solidFill>
-              <a:effectLst/>
-              <a:latin typeface="-apple-system"/>
-            </a:endParaRPr>
-          </a:p>
-        </p:txBody>
-      </p:sp>
-      <p:sp>
-        <p:nvSpPr>
-          <p:cNvPr id="3" name="TextBox 2">
-            <a:extLst>
-              <a:ext uri="{FF2B5EF4-FFF2-40B4-BE49-F238E27FC236}">
-                <a16:creationId xmlns:a16="http://schemas.microsoft.com/office/drawing/2014/main" id="{376371ED-5A2F-9E06-1972-862C8BABD8E1}"/>
-              </a:ext>
-            </a:extLst>
-          </p:cNvPr>
-          <p:cNvSpPr txBox="1"/>
-          <p:nvPr/>
-        </p:nvSpPr>
-        <p:spPr>
-          <a:xfrm>
-            <a:off x="3167062" y="290480"/>
-            <a:ext cx="5857875" cy="769441"/>
-          </a:xfrm>
-          <a:prstGeom prst="rect">
-            <a:avLst/>
-          </a:prstGeom>
-          <a:noFill/>
-        </p:spPr>
-        <p:txBody>
-          <a:bodyPr wrap="square" rtlCol="0">
-            <a:spAutoFit/>
-          </a:bodyPr>
-          <a:lstStyle/>
-          <a:p>
-            <a:pPr algn="ctr"/>
-            <a:r>
-              <a:rPr lang="en-GB" sz="4400" noProof="0" dirty="0"/>
-              <a:t>2. Week</a:t>
-            </a:r>
-          </a:p>
-        </p:txBody>
-      </p:sp>
-      <p:pic>
-        <p:nvPicPr>
-          <p:cNvPr id="4" name="Picture 3" descr="A graph of a number of fractions&#10;&#10;AI-generated content may be incorrect.">
-            <a:extLst>
-              <a:ext uri="{FF2B5EF4-FFF2-40B4-BE49-F238E27FC236}">
-                <a16:creationId xmlns:a16="http://schemas.microsoft.com/office/drawing/2014/main" id="{1C2167BF-4344-F634-F9D7-A7CC50667E10}"/>
-              </a:ext>
-            </a:extLst>
-          </p:cNvPr>
-          <p:cNvPicPr>
-            <a:picLocks noChangeAspect="1"/>
-          </p:cNvPicPr>
-          <p:nvPr/>
-        </p:nvPicPr>
-        <p:blipFill>
-          <a:blip r:embed="rId2">
-            <a:extLst>
-              <a:ext uri="{28A0092B-C50C-407E-A947-70E740481C1C}">
-                <a14:useLocalDpi xmlns:a14="http://schemas.microsoft.com/office/drawing/2010/main" val="0"/>
-              </a:ext>
-            </a:extLst>
-          </a:blip>
-          <a:srcRect l="1926" t="911" r="557" b="3086"/>
-          <a:stretch/>
-        </p:blipFill>
-        <p:spPr>
-          <a:xfrm>
-            <a:off x="6017678" y="1651000"/>
-            <a:ext cx="5598060" cy="3808525"/>
-          </a:xfrm>
-          <a:prstGeom prst="rect">
-            <a:avLst/>
-          </a:prstGeom>
-        </p:spPr>
-      </p:pic>
-      <p:pic>
-        <p:nvPicPr>
-          <p:cNvPr id="6" name="Picture 5" descr="A screenshot of a computer&#10;&#10;AI-generated content may be incorrect.">
-            <a:extLst>
-              <a:ext uri="{FF2B5EF4-FFF2-40B4-BE49-F238E27FC236}">
-                <a16:creationId xmlns:a16="http://schemas.microsoft.com/office/drawing/2014/main" id="{C38385E9-76DF-9EEC-4BBA-CA52B6B2AFF8}"/>
-              </a:ext>
-            </a:extLst>
-          </p:cNvPr>
-          <p:cNvPicPr>
-            <a:picLocks noChangeAspect="1"/>
-          </p:cNvPicPr>
-          <p:nvPr/>
-        </p:nvPicPr>
-        <p:blipFill>
-          <a:blip r:embed="rId3">
-            <a:extLst>
-              <a:ext uri="{28A0092B-C50C-407E-A947-70E740481C1C}">
-                <a14:useLocalDpi xmlns:a14="http://schemas.microsoft.com/office/drawing/2010/main" val="0"/>
-              </a:ext>
-            </a:extLst>
-          </a:blip>
-          <a:srcRect b="8917"/>
-          <a:stretch/>
-        </p:blipFill>
-        <p:spPr>
-          <a:xfrm>
-            <a:off x="6017677" y="1407919"/>
-            <a:ext cx="5789455" cy="4256282"/>
-          </a:xfrm>
-          <a:prstGeom prst="rect">
-            <a:avLst/>
-          </a:prstGeom>
-        </p:spPr>
-      </p:pic>
-      <p:pic>
-        <p:nvPicPr>
-          <p:cNvPr id="10" name="Picture 9" descr="A blue screen with black text&#10;&#10;AI-generated content may be incorrect.">
-            <a:extLst>
-              <a:ext uri="{FF2B5EF4-FFF2-40B4-BE49-F238E27FC236}">
-                <a16:creationId xmlns:a16="http://schemas.microsoft.com/office/drawing/2014/main" id="{C6A6EDF5-5A94-3215-64CE-13024C5DEDAD}"/>
-              </a:ext>
-            </a:extLst>
-          </p:cNvPr>
-          <p:cNvPicPr>
-            <a:picLocks noChangeAspect="1"/>
-          </p:cNvPicPr>
-          <p:nvPr/>
-        </p:nvPicPr>
-        <p:blipFill>
-          <a:blip r:embed="rId4">
-            <a:extLst>
-              <a:ext uri="{28A0092B-C50C-407E-A947-70E740481C1C}">
-                <a14:useLocalDpi xmlns:a14="http://schemas.microsoft.com/office/drawing/2010/main" val="0"/>
-              </a:ext>
-            </a:extLst>
-          </a:blip>
-          <a:stretch>
-            <a:fillRect/>
-          </a:stretch>
-        </p:blipFill>
-        <p:spPr>
-          <a:xfrm>
-            <a:off x="6017675" y="1407918"/>
-            <a:ext cx="5789455" cy="4347031"/>
-          </a:xfrm>
-          <a:prstGeom prst="rect">
-            <a:avLst/>
-          </a:prstGeom>
-        </p:spPr>
-      </p:pic>
-      <p:sp>
-        <p:nvSpPr>
-          <p:cNvPr id="11" name="TextBox 10">
-            <a:extLst>
-              <a:ext uri="{FF2B5EF4-FFF2-40B4-BE49-F238E27FC236}">
-                <a16:creationId xmlns:a16="http://schemas.microsoft.com/office/drawing/2014/main" id="{D1391C38-F372-C4F9-4D6F-D27F3BBD9796}"/>
-              </a:ext>
-            </a:extLst>
-          </p:cNvPr>
-          <p:cNvSpPr txBox="1"/>
-          <p:nvPr/>
-        </p:nvSpPr>
-        <p:spPr>
-          <a:xfrm>
-            <a:off x="6095999" y="5907282"/>
-            <a:ext cx="4572000" cy="246221"/>
-          </a:xfrm>
-          <a:prstGeom prst="rect">
-            <a:avLst/>
-          </a:prstGeom>
-          <a:noFill/>
-        </p:spPr>
-        <p:txBody>
-          <a:bodyPr wrap="square" rtlCol="0">
-            <a:spAutoFit/>
-          </a:bodyPr>
-          <a:lstStyle/>
-          <a:p>
-            <a:r>
-              <a:rPr lang="en-GB" sz="1000" u="sng" noProof="0" dirty="0" err="1"/>
-              <a:t>Bioinfo</a:t>
-            </a:r>
-            <a:r>
-              <a:rPr lang="en-GB" sz="1000" u="sng" noProof="0" dirty="0"/>
-              <a:t>-Slides </a:t>
-            </a:r>
-            <a:r>
-              <a:rPr lang="en-GB" sz="1000" u="sng" noProof="0" dirty="0" err="1"/>
-              <a:t>aus</a:t>
-            </a:r>
-            <a:r>
-              <a:rPr lang="en-GB" sz="1000" u="sng" noProof="0" dirty="0"/>
-              <a:t> </a:t>
-            </a:r>
-            <a:r>
-              <a:rPr lang="en-GB" sz="1000" u="sng" noProof="0" dirty="0" err="1"/>
-              <a:t>dem</a:t>
-            </a:r>
-            <a:r>
-              <a:rPr lang="en-GB" sz="1000" u="sng" noProof="0" dirty="0"/>
-              <a:t> 3. Semester</a:t>
-            </a:r>
-          </a:p>
-        </p:txBody>
-      </p:sp>
-      <p:sp>
-        <p:nvSpPr>
-          <p:cNvPr id="12" name="TextBox 11">
-            <a:extLst>
-              <a:ext uri="{FF2B5EF4-FFF2-40B4-BE49-F238E27FC236}">
-                <a16:creationId xmlns:a16="http://schemas.microsoft.com/office/drawing/2014/main" id="{18516BCB-FEFF-C657-2697-D65337814EBC}"/>
-              </a:ext>
-            </a:extLst>
-          </p:cNvPr>
-          <p:cNvSpPr txBox="1"/>
-          <p:nvPr/>
-        </p:nvSpPr>
-        <p:spPr>
-          <a:xfrm>
-            <a:off x="5304366" y="1039493"/>
-            <a:ext cx="1583266" cy="369332"/>
-          </a:xfrm>
-          <a:prstGeom prst="rect">
-            <a:avLst/>
-          </a:prstGeom>
-          <a:noFill/>
-        </p:spPr>
-        <p:txBody>
-          <a:bodyPr wrap="square" rtlCol="0">
-            <a:spAutoFit/>
-          </a:bodyPr>
-          <a:lstStyle/>
-          <a:p>
-            <a:pPr algn="ctr"/>
-            <a:r>
-              <a:rPr lang="de-DE" dirty="0"/>
-              <a:t>26.05.-01.06.</a:t>
-            </a:r>
-          </a:p>
-        </p:txBody>
-      </p:sp>
-    </p:spTree>
-    <p:extLst>
-      <p:ext uri="{BB962C8B-B14F-4D97-AF65-F5344CB8AC3E}">
-        <p14:creationId xmlns:p14="http://schemas.microsoft.com/office/powerpoint/2010/main" val="2246163662"/>
-      </p:ext>
-    </p:extLst>
-  </p:cSld>
-  <p:clrMapOvr>
-    <a:masterClrMapping/>
-  </p:clrMapOvr>
-  <p:timing>
-    <p:tnLst>
-      <p:par>
-        <p:cTn id="1" dur="indefinite" restart="never" nodeType="tmRoot">
-          <p:childTnLst>
-            <p:seq concurrent="1" nextAc="seek">
-              <p:cTn id="2" dur="indefinite" nodeType="mainSeq">
-                <p:childTnLst>
-                  <p:par>
-                    <p:cTn id="3" fill="hold">
-                      <p:stCondLst>
-                        <p:cond delay="indefinite"/>
-                      </p:stCondLst>
-                      <p:childTnLst>
-                        <p:par>
-                          <p:cTn id="4" fill="hold">
-                            <p:stCondLst>
-                              <p:cond delay="0"/>
-                            </p:stCondLst>
-                            <p:childTnLst>
-                              <p:par>
-                                <p:cTn id="5" presetID="1" presetClass="entr" presetSubtype="0" fill="hold" grpId="0" nodeType="clickEffect">
-                                  <p:stCondLst>
-                                    <p:cond delay="0"/>
-                                  </p:stCondLst>
-                                  <p:childTnLst>
-                                    <p:set>
-                                      <p:cBhvr>
-                                        <p:cTn id="6" dur="1" fill="hold">
-                                          <p:stCondLst>
-                                            <p:cond delay="0"/>
-                                          </p:stCondLst>
-                                        </p:cTn>
-                                        <p:tgtEl>
-                                          <p:spTgt spid="2"/>
-                                        </p:tgtEl>
-                                        <p:attrNameLst>
-                                          <p:attrName>style.visibility</p:attrName>
-                                        </p:attrNameLst>
-                                      </p:cBhvr>
-                                      <p:to>
-                                        <p:strVal val="visible"/>
-                                      </p:to>
-                                    </p:set>
-                                  </p:childTnLst>
-                                </p:cTn>
-                              </p:par>
-                            </p:childTnLst>
-                          </p:cTn>
-                        </p:par>
-                      </p:childTnLst>
-                    </p:cTn>
-                  </p:par>
-                  <p:par>
-                    <p:cTn id="7" fill="hold">
-                      <p:stCondLst>
-                        <p:cond delay="indefinite"/>
-                      </p:stCondLst>
-                      <p:childTnLst>
-                        <p:par>
-                          <p:cTn id="8" fill="hold">
-                            <p:stCondLst>
-                              <p:cond delay="0"/>
-                            </p:stCondLst>
-                            <p:childTnLst>
-                              <p:par>
-                                <p:cTn id="9" presetID="1" presetClass="entr" presetSubtype="0" fill="hold" grpId="0" nodeType="clickEffect">
-                                  <p:stCondLst>
-                                    <p:cond delay="0"/>
-                                  </p:stCondLst>
-                                  <p:childTnLst>
-                                    <p:set>
-                                      <p:cBhvr>
-                                        <p:cTn id="10" dur="1" fill="hold">
-                                          <p:stCondLst>
-                                            <p:cond delay="0"/>
-                                          </p:stCondLst>
-                                        </p:cTn>
-                                        <p:tgtEl>
-                                          <p:spTgt spid="9">
-                                            <p:txEl>
-                                              <p:pRg st="0" end="0"/>
-                                            </p:txEl>
-                                          </p:spTgt>
-                                        </p:tgtEl>
-                                        <p:attrNameLst>
-                                          <p:attrName>style.visibility</p:attrName>
-                                        </p:attrNameLst>
-                                      </p:cBhvr>
-                                      <p:to>
-                                        <p:strVal val="visible"/>
-                                      </p:to>
-                                    </p:set>
-                                  </p:childTnLst>
-                                </p:cTn>
-                              </p:par>
-                            </p:childTnLst>
-                          </p:cTn>
-                        </p:par>
-                      </p:childTnLst>
-                    </p:cTn>
-                  </p:par>
-                  <p:par>
-                    <p:cTn id="11" fill="hold">
-                      <p:stCondLst>
-                        <p:cond delay="indefinite"/>
-                      </p:stCondLst>
-                      <p:childTnLst>
-                        <p:par>
-                          <p:cTn id="12" fill="hold">
-                            <p:stCondLst>
-                              <p:cond delay="0"/>
-                            </p:stCondLst>
-                            <p:childTnLst>
-                              <p:par>
-                                <p:cTn id="13" presetID="1" presetClass="entr" presetSubtype="0" fill="hold" grpId="0" nodeType="clickEffect">
-                                  <p:stCondLst>
-                                    <p:cond delay="0"/>
-                                  </p:stCondLst>
-                                  <p:childTnLst>
-                                    <p:set>
-                                      <p:cBhvr>
-                                        <p:cTn id="14" dur="1" fill="hold">
-                                          <p:stCondLst>
-                                            <p:cond delay="0"/>
-                                          </p:stCondLst>
-                                        </p:cTn>
-                                        <p:tgtEl>
-                                          <p:spTgt spid="9">
-                                            <p:txEl>
-                                              <p:pRg st="2" end="2"/>
-                                            </p:txEl>
-                                          </p:spTgt>
-                                        </p:tgtEl>
-                                        <p:attrNameLst>
-                                          <p:attrName>style.visibility</p:attrName>
-                                        </p:attrNameLst>
-                                      </p:cBhvr>
-                                      <p:to>
-                                        <p:strVal val="visible"/>
-                                      </p:to>
-                                    </p:set>
-                                  </p:childTnLst>
-                                </p:cTn>
-                              </p:par>
-                            </p:childTnLst>
-                          </p:cTn>
-                        </p:par>
-                      </p:childTnLst>
-                    </p:cTn>
-                  </p:par>
-                  <p:par>
-                    <p:cTn id="15" fill="hold">
-                      <p:stCondLst>
-                        <p:cond delay="indefinite"/>
-                      </p:stCondLst>
-                      <p:childTnLst>
-                        <p:par>
-                          <p:cTn id="16" fill="hold">
-                            <p:stCondLst>
-                              <p:cond delay="0"/>
-                            </p:stCondLst>
-                            <p:childTnLst>
-                              <p:par>
-                                <p:cTn id="17" presetID="1" presetClass="entr" presetSubtype="0" fill="hold" grpId="0" nodeType="clickEffect">
-                                  <p:stCondLst>
-                                    <p:cond delay="0"/>
-                                  </p:stCondLst>
-                                  <p:childTnLst>
-                                    <p:set>
-                                      <p:cBhvr>
-                                        <p:cTn id="18" dur="1" fill="hold">
-                                          <p:stCondLst>
-                                            <p:cond delay="0"/>
-                                          </p:stCondLst>
-                                        </p:cTn>
-                                        <p:tgtEl>
-                                          <p:spTgt spid="9">
-                                            <p:txEl>
-                                              <p:pRg st="4" end="4"/>
-                                            </p:txEl>
-                                          </p:spTgt>
-                                        </p:tgtEl>
-                                        <p:attrNameLst>
-                                          <p:attrName>style.visibility</p:attrName>
-                                        </p:attrNameLst>
-                                      </p:cBhvr>
-                                      <p:to>
-                                        <p:strVal val="visible"/>
-                                      </p:to>
-                                    </p:set>
-                                  </p:childTnLst>
-                                </p:cTn>
-                              </p:par>
-                            </p:childTnLst>
-                          </p:cTn>
-                        </p:par>
-                      </p:childTnLst>
-                    </p:cTn>
-                  </p:par>
-                  <p:par>
-                    <p:cTn id="19" fill="hold">
-                      <p:stCondLst>
-                        <p:cond delay="indefinite"/>
-                      </p:stCondLst>
-                      <p:childTnLst>
-                        <p:par>
-                          <p:cTn id="20" fill="hold">
-                            <p:stCondLst>
-                              <p:cond delay="0"/>
-                            </p:stCondLst>
-                            <p:childTnLst>
-                              <p:par>
-                                <p:cTn id="21" presetID="1" presetClass="entr" presetSubtype="0" fill="hold" nodeType="clickEffect">
-                                  <p:stCondLst>
-                                    <p:cond delay="0"/>
-                                  </p:stCondLst>
-                                  <p:childTnLst>
-                                    <p:set>
-                                      <p:cBhvr>
-                                        <p:cTn id="22" dur="1" fill="hold">
-                                          <p:stCondLst>
-                                            <p:cond delay="0"/>
-                                          </p:stCondLst>
-                                        </p:cTn>
-                                        <p:tgtEl>
-                                          <p:spTgt spid="4"/>
-                                        </p:tgtEl>
-                                        <p:attrNameLst>
-                                          <p:attrName>style.visibility</p:attrName>
-                                        </p:attrNameLst>
-                                      </p:cBhvr>
-                                      <p:to>
-                                        <p:strVal val="visible"/>
-                                      </p:to>
-                                    </p:set>
-                                  </p:childTnLst>
-                                </p:cTn>
-                              </p:par>
-                            </p:childTnLst>
-                          </p:cTn>
-                        </p:par>
-                      </p:childTnLst>
-                    </p:cTn>
-                  </p:par>
-                  <p:par>
-                    <p:cTn id="23" fill="hold">
-                      <p:stCondLst>
-                        <p:cond delay="indefinite"/>
-                      </p:stCondLst>
-                      <p:childTnLst>
-                        <p:par>
-                          <p:cTn id="24" fill="hold">
-                            <p:stCondLst>
-                              <p:cond delay="0"/>
-                            </p:stCondLst>
-                            <p:childTnLst>
-                              <p:par>
-                                <p:cTn id="25" presetID="1" presetClass="entr" presetSubtype="0" fill="hold" nodeType="clickEffect">
-                                  <p:stCondLst>
-                                    <p:cond delay="0"/>
-                                  </p:stCondLst>
-                                  <p:childTnLst>
-                                    <p:set>
-                                      <p:cBhvr>
-                                        <p:cTn id="26" dur="1" fill="hold">
-                                          <p:stCondLst>
-                                            <p:cond delay="0"/>
-                                          </p:stCondLst>
-                                        </p:cTn>
-                                        <p:tgtEl>
-                                          <p:spTgt spid="6"/>
-                                        </p:tgtEl>
-                                        <p:attrNameLst>
-                                          <p:attrName>style.visibility</p:attrName>
-                                        </p:attrNameLst>
-                                      </p:cBhvr>
-                                      <p:to>
-                                        <p:strVal val="visible"/>
-                                      </p:to>
-                                    </p:set>
-                                  </p:childTnLst>
-                                </p:cTn>
-                              </p:par>
-                            </p:childTnLst>
-                          </p:cTn>
-                        </p:par>
-                      </p:childTnLst>
-                    </p:cTn>
-                  </p:par>
-                  <p:par>
-                    <p:cTn id="27" fill="hold">
-                      <p:stCondLst>
-                        <p:cond delay="indefinite"/>
-                      </p:stCondLst>
-                      <p:childTnLst>
-                        <p:par>
-                          <p:cTn id="28" fill="hold">
-                            <p:stCondLst>
-                              <p:cond delay="0"/>
-                            </p:stCondLst>
-                            <p:childTnLst>
-                              <p:par>
-                                <p:cTn id="29" presetID="1" presetClass="entr" presetSubtype="0" fill="hold" nodeType="clickEffect">
-                                  <p:stCondLst>
-                                    <p:cond delay="0"/>
-                                  </p:stCondLst>
-                                  <p:childTnLst>
-                                    <p:set>
-                                      <p:cBhvr>
-                                        <p:cTn id="30" dur="1" fill="hold">
-                                          <p:stCondLst>
-                                            <p:cond delay="0"/>
-                                          </p:stCondLst>
-                                        </p:cTn>
-                                        <p:tgtEl>
-                                          <p:spTgt spid="10"/>
-                                        </p:tgtEl>
-                                        <p:attrNameLst>
-                                          <p:attrName>style.visibility</p:attrName>
-                                        </p:attrNameLst>
-                                      </p:cBhvr>
-                                      <p:to>
-                                        <p:strVal val="visible"/>
-                                      </p:to>
-                                    </p:set>
-                                  </p:childTnLst>
-                                </p:cTn>
-                              </p:par>
-                            </p:childTnLst>
-                          </p:cTn>
-                        </p:par>
-                      </p:childTnLst>
-                    </p:cTn>
-                  </p:par>
-                </p:childTnLst>
-              </p:cTn>
-              <p:prevCondLst>
-                <p:cond evt="onPrev" delay="0">
-                  <p:tgtEl>
-                    <p:sldTgt/>
-                  </p:tgtEl>
-                </p:cond>
-              </p:prevCondLst>
-              <p:nextCondLst>
-                <p:cond evt="onNext" delay="0">
-                  <p:tgtEl>
-                    <p:sldTgt/>
-                  </p:tgtEl>
-                </p:cond>
-              </p:nextCondLst>
-            </p:seq>
-          </p:childTnLst>
-        </p:cTn>
-      </p:par>
-    </p:tnLst>
-    <p:bldLst>
-      <p:bldP spid="2" grpId="0" animBg="1"/>
-      <p:bldP spid="9" grpId="0" build="p"/>
-    </p:bldLst>
-  </p:timing>
-</p:sld>
-</file>
-
-<file path=ppt/slides/slide12.xml><?xml version="1.0" encoding="utf-8"?>
 <p:sld xmlns:a="http://schemas.openxmlformats.org/drawingml/2006/main" xmlns:r="http://schemas.openxmlformats.org/officeDocument/2006/relationships" xmlns:p="http://schemas.openxmlformats.org/presentationml/2006/main">
   <p:cSld>
     <p:spTree>
@@ -5959,7 +4204,7 @@
 </p:sld>
 </file>
 
-<file path=ppt/slides/slide13.xml><?xml version="1.0" encoding="utf-8"?>
+<file path=ppt/slides/slide11.xml><?xml version="1.0" encoding="utf-8"?>
 <p:sld xmlns:a="http://schemas.openxmlformats.org/drawingml/2006/main" xmlns:r="http://schemas.openxmlformats.org/officeDocument/2006/relationships" xmlns:p="http://schemas.openxmlformats.org/presentationml/2006/main">
   <p:cSld>
     <p:spTree>
@@ -6079,7 +4324,7 @@
 </p:sld>
 </file>
 
-<file path=ppt/slides/slide14.xml><?xml version="1.0" encoding="utf-8"?>
+<file path=ppt/slides/slide12.xml><?xml version="1.0" encoding="utf-8"?>
 <p:sld xmlns:a="http://schemas.openxmlformats.org/drawingml/2006/main" xmlns:r="http://schemas.openxmlformats.org/officeDocument/2006/relationships" xmlns:p="http://schemas.openxmlformats.org/presentationml/2006/main">
   <p:cSld>
     <p:spTree>
@@ -6967,7 +5212,7 @@
 </p:sld>
 </file>
 
-<file path=ppt/slides/slide15.xml><?xml version="1.0" encoding="utf-8"?>
+<file path=ppt/slides/slide13.xml><?xml version="1.0" encoding="utf-8"?>
 <p:sld xmlns:a="http://schemas.openxmlformats.org/drawingml/2006/main" xmlns:r="http://schemas.openxmlformats.org/officeDocument/2006/relationships" xmlns:p="http://schemas.openxmlformats.org/presentationml/2006/main">
   <p:cSld>
     <p:spTree>
@@ -7033,7 +5278,7 @@
 </p:sld>
 </file>
 
-<file path=ppt/slides/slide2.xml><?xml version="1.0" encoding="utf-8"?>
+<file path=ppt/slides/slide14.xml><?xml version="1.0" encoding="utf-8"?>
 <p:sld xmlns:a="http://schemas.openxmlformats.org/drawingml/2006/main" xmlns:r="http://schemas.openxmlformats.org/officeDocument/2006/relationships" xmlns:p="http://schemas.openxmlformats.org/presentationml/2006/main">
   <p:cSld>
     <p:spTree>
@@ -7296,7 +5541,7 @@
 </p:sld>
 </file>
 
-<file path=ppt/slides/slide3.xml><?xml version="1.0" encoding="utf-8"?>
+<file path=ppt/slides/slide15.xml><?xml version="1.0" encoding="utf-8"?>
 <p:sld xmlns:a="http://schemas.openxmlformats.org/drawingml/2006/main" xmlns:r="http://schemas.openxmlformats.org/officeDocument/2006/relationships" xmlns:p="http://schemas.openxmlformats.org/presentationml/2006/main">
   <p:cSld>
     <p:spTree>
@@ -8138,7 +6383,7 @@
 </p:sld>
 </file>
 
-<file path=ppt/slides/slide4.xml><?xml version="1.0" encoding="utf-8"?>
+<file path=ppt/slides/slide2.xml><?xml version="1.0" encoding="utf-8"?>
 <p:sld xmlns:a="http://schemas.openxmlformats.org/drawingml/2006/main" xmlns:r="http://schemas.openxmlformats.org/officeDocument/2006/relationships" xmlns:p="http://schemas.openxmlformats.org/presentationml/2006/main">
   <p:cSld>
     <p:spTree>
@@ -8387,7 +6632,7 @@
 </p:sld>
 </file>
 
-<file path=ppt/slides/slide5.xml><?xml version="1.0" encoding="utf-8"?>
+<file path=ppt/slides/slide3.xml><?xml version="1.0" encoding="utf-8"?>
 <p:sld xmlns:a="http://schemas.openxmlformats.org/drawingml/2006/main" xmlns:r="http://schemas.openxmlformats.org/officeDocument/2006/relationships" xmlns:p="http://schemas.openxmlformats.org/presentationml/2006/main">
   <p:cSld>
     <p:spTree>
@@ -9475,7 +7720,7 @@
 </p:sld>
 </file>
 
-<file path=ppt/slides/slide6.xml><?xml version="1.0" encoding="utf-8"?>
+<file path=ppt/slides/slide4.xml><?xml version="1.0" encoding="utf-8"?>
 <p:sld xmlns:a="http://schemas.openxmlformats.org/drawingml/2006/main" xmlns:r="http://schemas.openxmlformats.org/officeDocument/2006/relationships" xmlns:p="http://schemas.openxmlformats.org/presentationml/2006/main">
   <p:cSld>
     <p:spTree>
@@ -10047,7 +8292,7 @@
         </p:nvSpPr>
         <p:spPr>
           <a:xfrm>
-            <a:off x="7190413" y="3668032"/>
+            <a:off x="7515934" y="3720630"/>
             <a:ext cx="1647731" cy="369332"/>
           </a:xfrm>
           <a:prstGeom prst="rect">
@@ -10183,7 +8428,7 @@
 </p:sld>
 </file>
 
-<file path=ppt/slides/slide7.xml><?xml version="1.0" encoding="utf-8"?>
+<file path=ppt/slides/slide5.xml><?xml version="1.0" encoding="utf-8"?>
 <p:sld xmlns:a="http://schemas.openxmlformats.org/drawingml/2006/main" xmlns:r="http://schemas.openxmlformats.org/officeDocument/2006/relationships" xmlns:p="http://schemas.openxmlformats.org/presentationml/2006/main">
   <p:cSld>
     <p:spTree>
@@ -10750,7 +8995,7 @@
 </p:sld>
 </file>
 
-<file path=ppt/slides/slide8.xml><?xml version="1.0" encoding="utf-8"?>
+<file path=ppt/slides/slide6.xml><?xml version="1.0" encoding="utf-8"?>
 <p:sld xmlns:a="http://schemas.openxmlformats.org/drawingml/2006/main" xmlns:r="http://schemas.openxmlformats.org/officeDocument/2006/relationships" xmlns:p="http://schemas.openxmlformats.org/presentationml/2006/main">
   <p:cSld>
     <p:spTree>
@@ -10796,7 +9041,7 @@
             <a:pPr algn="ctr"/>
             <a:r>
               <a:rPr lang="en-GB" noProof="0" dirty="0"/>
-              <a:t>Which proteins in the non-synchronized HeLa cells are RNA-binding proteins?</a:t>
+              <a:t>Which proteins in the non-synchronized HeLa cells are RNA-dependent proteins?</a:t>
             </a:r>
           </a:p>
         </p:txBody>
@@ -10814,7 +9059,7 @@
 </p:sld>
 </file>
 
-<file path=ppt/slides/slide9.xml><?xml version="1.0" encoding="utf-8"?>
+<file path=ppt/slides/slide7.xml><?xml version="1.0" encoding="utf-8"?>
 <p:sld xmlns:a="http://schemas.openxmlformats.org/drawingml/2006/main" xmlns:r="http://schemas.openxmlformats.org/officeDocument/2006/relationships" xmlns:p="http://schemas.openxmlformats.org/presentationml/2006/main">
   <p:cSld>
     <p:spTree>
@@ -10964,6 +9209,1761 @@
   <p:clrMapOvr>
     <a:masterClrMapping/>
   </p:clrMapOvr>
+</p:sld>
+</file>
+
+<file path=ppt/slides/slide8.xml><?xml version="1.0" encoding="utf-8"?>
+<p:sld xmlns:a="http://schemas.openxmlformats.org/drawingml/2006/main" xmlns:r="http://schemas.openxmlformats.org/officeDocument/2006/relationships" xmlns:p="http://schemas.openxmlformats.org/presentationml/2006/main">
+  <p:cSld>
+    <p:spTree>
+      <p:nvGrpSpPr>
+        <p:cNvPr id="1" name="">
+          <a:extLst>
+            <a:ext uri="{FF2B5EF4-FFF2-40B4-BE49-F238E27FC236}">
+              <a16:creationId xmlns:a16="http://schemas.microsoft.com/office/drawing/2014/main" id="{F550F828-AC37-5A45-A912-F5288234F507}"/>
+            </a:ext>
+          </a:extLst>
+        </p:cNvPr>
+        <p:cNvGrpSpPr/>
+        <p:nvPr/>
+      </p:nvGrpSpPr>
+      <p:grpSpPr>
+        <a:xfrm>
+          <a:off x="0" y="0"/>
+          <a:ext cx="0" cy="0"/>
+          <a:chOff x="0" y="0"/>
+          <a:chExt cx="0" cy="0"/>
+        </a:xfrm>
+      </p:grpSpPr>
+      <p:sp>
+        <p:nvSpPr>
+          <p:cNvPr id="2" name="Rectangle: Rounded Corners 1">
+            <a:extLst>
+              <a:ext uri="{FF2B5EF4-FFF2-40B4-BE49-F238E27FC236}">
+                <a16:creationId xmlns:a16="http://schemas.microsoft.com/office/drawing/2014/main" id="{EAE943B7-332D-15B8-6DD0-BCC89D98BDE5}"/>
+              </a:ext>
+            </a:extLst>
+          </p:cNvPr>
+          <p:cNvSpPr/>
+          <p:nvPr/>
+        </p:nvSpPr>
+        <p:spPr>
+          <a:xfrm>
+            <a:off x="2445174" y="1651000"/>
+            <a:ext cx="2880360" cy="1666240"/>
+          </a:xfrm>
+          <a:prstGeom prst="roundRect">
+            <a:avLst/>
+          </a:prstGeom>
+          <a:solidFill>
+            <a:schemeClr val="bg1"/>
+          </a:solidFill>
+          <a:ln w="34925">
+            <a:solidFill>
+              <a:schemeClr val="tx1"/>
+            </a:solidFill>
+          </a:ln>
+          <a:effectLst>
+            <a:outerShdw blurRad="317500" dir="2700000" algn="ctr">
+              <a:srgbClr val="000000">
+                <a:alpha val="43000"/>
+              </a:srgbClr>
+            </a:outerShdw>
+          </a:effectLst>
+        </p:spPr>
+        <p:style>
+          <a:lnRef idx="2">
+            <a:schemeClr val="accent1">
+              <a:shade val="15000"/>
+            </a:schemeClr>
+          </a:lnRef>
+          <a:fillRef idx="1">
+            <a:schemeClr val="accent1"/>
+          </a:fillRef>
+          <a:effectRef idx="0">
+            <a:schemeClr val="accent1"/>
+          </a:effectRef>
+          <a:fontRef idx="minor">
+            <a:schemeClr val="lt1"/>
+          </a:fontRef>
+        </p:style>
+        <p:txBody>
+          <a:bodyPr rtlCol="0" anchor="ctr"/>
+          <a:lstStyle/>
+          <a:p>
+            <a:pPr algn="ctr"/>
+            <a:r>
+              <a:rPr lang="en-GB" sz="2400" b="1" i="0" noProof="0" dirty="0">
+                <a:solidFill>
+                  <a:srgbClr val="1F2328"/>
+                </a:solidFill>
+                <a:effectLst/>
+                <a:latin typeface="-apple-system"/>
+              </a:rPr>
+              <a:t>Data </a:t>
+            </a:r>
+            <a:r>
+              <a:rPr lang="en-GB" sz="2400" b="1" noProof="0" dirty="0">
+                <a:solidFill>
+                  <a:srgbClr val="1F2328"/>
+                </a:solidFill>
+                <a:latin typeface="-apple-system"/>
+              </a:rPr>
+              <a:t>cleanup</a:t>
+            </a:r>
+            <a:r>
+              <a:rPr lang="en-GB" sz="2400" b="1" i="0" noProof="0" dirty="0">
+                <a:solidFill>
+                  <a:srgbClr val="1F2328"/>
+                </a:solidFill>
+                <a:effectLst/>
+                <a:latin typeface="-apple-system"/>
+              </a:rPr>
+              <a:t> </a:t>
+            </a:r>
+          </a:p>
+        </p:txBody>
+      </p:sp>
+      <p:sp>
+        <p:nvSpPr>
+          <p:cNvPr id="9" name="TextBox 8">
+            <a:extLst>
+              <a:ext uri="{FF2B5EF4-FFF2-40B4-BE49-F238E27FC236}">
+                <a16:creationId xmlns:a16="http://schemas.microsoft.com/office/drawing/2014/main" id="{76136DA4-F1F9-4219-5F33-F9F8F8547B47}"/>
+              </a:ext>
+            </a:extLst>
+          </p:cNvPr>
+          <p:cNvSpPr txBox="1"/>
+          <p:nvPr/>
+        </p:nvSpPr>
+        <p:spPr>
+          <a:xfrm>
+            <a:off x="2445174" y="3982197"/>
+            <a:ext cx="2880360" cy="2585323"/>
+          </a:xfrm>
+          <a:prstGeom prst="rect">
+            <a:avLst/>
+          </a:prstGeom>
+          <a:noFill/>
+        </p:spPr>
+        <p:txBody>
+          <a:bodyPr wrap="square" rtlCol="0">
+            <a:spAutoFit/>
+          </a:bodyPr>
+          <a:lstStyle/>
+          <a:p>
+            <a:pPr>
+              <a:buFont typeface="Arial" panose="020B0604020202020204" pitchFamily="34" charset="0"/>
+              <a:buChar char="•"/>
+            </a:pPr>
+            <a:r>
+              <a:rPr lang="en-GB" noProof="0" dirty="0">
+                <a:solidFill>
+                  <a:srgbClr val="1F2328"/>
+                </a:solidFill>
+                <a:latin typeface="-apple-system"/>
+              </a:rPr>
+              <a:t> Removing low variance     columns/rows</a:t>
+            </a:r>
+          </a:p>
+          <a:p>
+            <a:pPr>
+              <a:buFont typeface="Arial" panose="020B0604020202020204" pitchFamily="34" charset="0"/>
+              <a:buChar char="•"/>
+            </a:pPr>
+            <a:endParaRPr lang="en-GB" noProof="0" dirty="0">
+              <a:solidFill>
+                <a:srgbClr val="1F2328"/>
+              </a:solidFill>
+              <a:latin typeface="-apple-system"/>
+            </a:endParaRPr>
+          </a:p>
+          <a:p>
+            <a:pPr>
+              <a:buFont typeface="Arial" panose="020B0604020202020204" pitchFamily="34" charset="0"/>
+              <a:buChar char="•"/>
+            </a:pPr>
+            <a:r>
+              <a:rPr lang="en-GB" noProof="0" dirty="0">
+                <a:solidFill>
+                  <a:srgbClr val="1F2328"/>
+                </a:solidFill>
+                <a:latin typeface="-apple-system"/>
+              </a:rPr>
+              <a:t> Removing batch effects</a:t>
+            </a:r>
+          </a:p>
+          <a:p>
+            <a:pPr>
+              <a:buFont typeface="Arial" panose="020B0604020202020204" pitchFamily="34" charset="0"/>
+              <a:buChar char="•"/>
+            </a:pPr>
+            <a:endParaRPr lang="en-GB" noProof="0" dirty="0">
+              <a:solidFill>
+                <a:srgbClr val="1F2328"/>
+              </a:solidFill>
+              <a:latin typeface="-apple-system"/>
+            </a:endParaRPr>
+          </a:p>
+          <a:p>
+            <a:pPr>
+              <a:buFont typeface="Arial" panose="020B0604020202020204" pitchFamily="34" charset="0"/>
+              <a:buChar char="•"/>
+            </a:pPr>
+            <a:r>
+              <a:rPr lang="en-GB" noProof="0" dirty="0">
+                <a:solidFill>
+                  <a:srgbClr val="1F2328"/>
+                </a:solidFill>
+                <a:latin typeface="-apple-system"/>
+              </a:rPr>
+              <a:t> Removing technical outliers</a:t>
+            </a:r>
+          </a:p>
+          <a:p>
+            <a:pPr>
+              <a:buFont typeface="Arial" panose="020B0604020202020204" pitchFamily="34" charset="0"/>
+              <a:buChar char="•"/>
+            </a:pPr>
+            <a:endParaRPr lang="en-GB" noProof="0" dirty="0">
+              <a:solidFill>
+                <a:srgbClr val="1F2328"/>
+              </a:solidFill>
+              <a:latin typeface="-apple-system"/>
+            </a:endParaRPr>
+          </a:p>
+          <a:p>
+            <a:pPr>
+              <a:buFont typeface="Arial" panose="020B0604020202020204" pitchFamily="34" charset="0"/>
+              <a:buChar char="•"/>
+            </a:pPr>
+            <a:r>
+              <a:rPr lang="en-GB" noProof="0" dirty="0">
+                <a:solidFill>
+                  <a:srgbClr val="1F2328"/>
+                </a:solidFill>
+                <a:latin typeface="-apple-system"/>
+              </a:rPr>
+              <a:t> Re-ordering data</a:t>
+            </a:r>
+          </a:p>
+          <a:p>
+            <a:pPr algn="l">
+              <a:buFont typeface="Arial" panose="020B0604020202020204" pitchFamily="34" charset="0"/>
+              <a:buChar char="•"/>
+            </a:pPr>
+            <a:endParaRPr lang="en-GB" noProof="0" dirty="0">
+              <a:solidFill>
+                <a:srgbClr val="1F2328"/>
+              </a:solidFill>
+              <a:latin typeface="-apple-system"/>
+            </a:endParaRPr>
+          </a:p>
+        </p:txBody>
+      </p:sp>
+      <p:sp>
+        <p:nvSpPr>
+          <p:cNvPr id="10" name="TextBox 9">
+            <a:extLst>
+              <a:ext uri="{FF2B5EF4-FFF2-40B4-BE49-F238E27FC236}">
+                <a16:creationId xmlns:a16="http://schemas.microsoft.com/office/drawing/2014/main" id="{D1C53C33-5E9F-048D-5E7F-B0F57CA230C7}"/>
+              </a:ext>
+            </a:extLst>
+          </p:cNvPr>
+          <p:cNvSpPr txBox="1"/>
+          <p:nvPr/>
+        </p:nvSpPr>
+        <p:spPr>
+          <a:xfrm>
+            <a:off x="3167062" y="290480"/>
+            <a:ext cx="5857875" cy="769441"/>
+          </a:xfrm>
+          <a:prstGeom prst="rect">
+            <a:avLst/>
+          </a:prstGeom>
+          <a:noFill/>
+        </p:spPr>
+        <p:txBody>
+          <a:bodyPr wrap="square" rtlCol="0">
+            <a:spAutoFit/>
+          </a:bodyPr>
+          <a:lstStyle/>
+          <a:p>
+            <a:pPr algn="ctr"/>
+            <a:r>
+              <a:rPr lang="en-GB" sz="4400" noProof="0" dirty="0"/>
+              <a:t>1. Week</a:t>
+            </a:r>
+          </a:p>
+        </p:txBody>
+      </p:sp>
+      <p:pic>
+        <p:nvPicPr>
+          <p:cNvPr id="12" name="Picture 11" descr="A table with numbers and letters&#10;&#10;AI-generated content may be incorrect.">
+            <a:extLst>
+              <a:ext uri="{FF2B5EF4-FFF2-40B4-BE49-F238E27FC236}">
+                <a16:creationId xmlns:a16="http://schemas.microsoft.com/office/drawing/2014/main" id="{CA1C5BB0-671D-3DF9-A154-8DD46F38202F}"/>
+              </a:ext>
+            </a:extLst>
+          </p:cNvPr>
+          <p:cNvPicPr>
+            <a:picLocks noChangeAspect="1"/>
+          </p:cNvPicPr>
+          <p:nvPr/>
+        </p:nvPicPr>
+        <p:blipFill>
+          <a:blip r:embed="rId2">
+            <a:extLst>
+              <a:ext uri="{28A0092B-C50C-407E-A947-70E740481C1C}">
+                <a14:useLocalDpi xmlns:a14="http://schemas.microsoft.com/office/drawing/2010/main" val="0"/>
+              </a:ext>
+            </a:extLst>
+          </a:blip>
+          <a:stretch>
+            <a:fillRect/>
+          </a:stretch>
+        </p:blipFill>
+        <p:spPr>
+          <a:xfrm>
+            <a:off x="6095999" y="1532666"/>
+            <a:ext cx="6072706" cy="2954500"/>
+          </a:xfrm>
+          <a:prstGeom prst="rect">
+            <a:avLst/>
+          </a:prstGeom>
+        </p:spPr>
+      </p:pic>
+      <p:sp>
+        <p:nvSpPr>
+          <p:cNvPr id="15" name="Circle: Hollow 14">
+            <a:extLst>
+              <a:ext uri="{FF2B5EF4-FFF2-40B4-BE49-F238E27FC236}">
+                <a16:creationId xmlns:a16="http://schemas.microsoft.com/office/drawing/2014/main" id="{F0F4146A-1EA9-8A06-CAB8-D85E007D0F83}"/>
+              </a:ext>
+            </a:extLst>
+          </p:cNvPr>
+          <p:cNvSpPr/>
+          <p:nvPr/>
+        </p:nvSpPr>
+        <p:spPr>
+          <a:xfrm>
+            <a:off x="9382688" y="2823650"/>
+            <a:ext cx="712893" cy="698484"/>
+          </a:xfrm>
+          <a:prstGeom prst="donut">
+            <a:avLst>
+              <a:gd name="adj" fmla="val 1954"/>
+            </a:avLst>
+          </a:prstGeom>
+          <a:solidFill>
+            <a:srgbClr val="FF0000"/>
+          </a:solidFill>
+          <a:ln>
+            <a:solidFill>
+              <a:srgbClr val="FF0000"/>
+            </a:solidFill>
+          </a:ln>
+        </p:spPr>
+        <p:style>
+          <a:lnRef idx="2">
+            <a:schemeClr val="accent1">
+              <a:shade val="15000"/>
+            </a:schemeClr>
+          </a:lnRef>
+          <a:fillRef idx="1">
+            <a:schemeClr val="accent1"/>
+          </a:fillRef>
+          <a:effectRef idx="0">
+            <a:schemeClr val="accent1"/>
+          </a:effectRef>
+          <a:fontRef idx="minor">
+            <a:schemeClr val="lt1"/>
+          </a:fontRef>
+        </p:style>
+        <p:txBody>
+          <a:bodyPr rtlCol="0" anchor="ctr"/>
+          <a:lstStyle/>
+          <a:p>
+            <a:pPr algn="ctr"/>
+            <a:endParaRPr lang="en-GB" noProof="0" dirty="0">
+              <a:solidFill>
+                <a:schemeClr val="tx1"/>
+              </a:solidFill>
+            </a:endParaRPr>
+          </a:p>
+        </p:txBody>
+      </p:sp>
+      <p:pic>
+        <p:nvPicPr>
+          <p:cNvPr id="14" name="Picture 13" descr="A graph with black dots&#10;&#10;AI-generated content may be incorrect.">
+            <a:extLst>
+              <a:ext uri="{FF2B5EF4-FFF2-40B4-BE49-F238E27FC236}">
+                <a16:creationId xmlns:a16="http://schemas.microsoft.com/office/drawing/2014/main" id="{6EEB7CD8-020B-0D09-414F-9D55973E8AA5}"/>
+              </a:ext>
+            </a:extLst>
+          </p:cNvPr>
+          <p:cNvPicPr>
+            <a:picLocks noChangeAspect="1"/>
+          </p:cNvPicPr>
+          <p:nvPr/>
+        </p:nvPicPr>
+        <p:blipFill>
+          <a:blip r:embed="rId3">
+            <a:extLst>
+              <a:ext uri="{28A0092B-C50C-407E-A947-70E740481C1C}">
+                <a14:useLocalDpi xmlns:a14="http://schemas.microsoft.com/office/drawing/2010/main" val="0"/>
+              </a:ext>
+            </a:extLst>
+          </a:blip>
+          <a:srcRect t="1604"/>
+          <a:stretch/>
+        </p:blipFill>
+        <p:spPr>
+          <a:xfrm>
+            <a:off x="5921670" y="1532666"/>
+            <a:ext cx="6206534" cy="3727112"/>
+          </a:xfrm>
+          <a:prstGeom prst="rect">
+            <a:avLst/>
+          </a:prstGeom>
+        </p:spPr>
+      </p:pic>
+      <p:sp>
+        <p:nvSpPr>
+          <p:cNvPr id="16" name="TextBox 15">
+            <a:extLst>
+              <a:ext uri="{FF2B5EF4-FFF2-40B4-BE49-F238E27FC236}">
+                <a16:creationId xmlns:a16="http://schemas.microsoft.com/office/drawing/2014/main" id="{246E2B49-F04F-2143-6374-5DE723839653}"/>
+              </a:ext>
+            </a:extLst>
+          </p:cNvPr>
+          <p:cNvSpPr txBox="1"/>
+          <p:nvPr/>
+        </p:nvSpPr>
+        <p:spPr>
+          <a:xfrm>
+            <a:off x="6095999" y="5259778"/>
+            <a:ext cx="4572000" cy="246221"/>
+          </a:xfrm>
+          <a:prstGeom prst="rect">
+            <a:avLst/>
+          </a:prstGeom>
+          <a:noFill/>
+        </p:spPr>
+        <p:txBody>
+          <a:bodyPr wrap="square" rtlCol="0">
+            <a:spAutoFit/>
+          </a:bodyPr>
+          <a:lstStyle/>
+          <a:p>
+            <a:r>
+              <a:rPr lang="en-GB" sz="1000" u="sng" noProof="0" dirty="0" err="1"/>
+              <a:t>Bioinfo</a:t>
+            </a:r>
+            <a:r>
+              <a:rPr lang="en-GB" sz="1000" u="sng" noProof="0" dirty="0"/>
+              <a:t>-Slides </a:t>
+            </a:r>
+            <a:r>
+              <a:rPr lang="en-GB" sz="1000" u="sng" noProof="0" dirty="0" err="1"/>
+              <a:t>aus</a:t>
+            </a:r>
+            <a:r>
+              <a:rPr lang="en-GB" sz="1000" u="sng" noProof="0" dirty="0"/>
+              <a:t> </a:t>
+            </a:r>
+            <a:r>
+              <a:rPr lang="en-GB" sz="1000" u="sng" noProof="0" dirty="0" err="1"/>
+              <a:t>dem</a:t>
+            </a:r>
+            <a:r>
+              <a:rPr lang="en-GB" sz="1000" u="sng" noProof="0" dirty="0"/>
+              <a:t> 3. Semester</a:t>
+            </a:r>
+          </a:p>
+        </p:txBody>
+      </p:sp>
+      <p:sp>
+        <p:nvSpPr>
+          <p:cNvPr id="17" name="TextBox 16">
+            <a:extLst>
+              <a:ext uri="{FF2B5EF4-FFF2-40B4-BE49-F238E27FC236}">
+                <a16:creationId xmlns:a16="http://schemas.microsoft.com/office/drawing/2014/main" id="{FBD522B7-9B53-8303-2E5A-DA990EA68968}"/>
+              </a:ext>
+            </a:extLst>
+          </p:cNvPr>
+          <p:cNvSpPr txBox="1"/>
+          <p:nvPr/>
+        </p:nvSpPr>
+        <p:spPr>
+          <a:xfrm>
+            <a:off x="5304366" y="1039493"/>
+            <a:ext cx="1583266" cy="369332"/>
+          </a:xfrm>
+          <a:prstGeom prst="rect">
+            <a:avLst/>
+          </a:prstGeom>
+          <a:noFill/>
+        </p:spPr>
+        <p:txBody>
+          <a:bodyPr wrap="square" rtlCol="0">
+            <a:spAutoFit/>
+          </a:bodyPr>
+          <a:lstStyle/>
+          <a:p>
+            <a:pPr algn="ctr"/>
+            <a:r>
+              <a:rPr lang="de-DE" dirty="0"/>
+              <a:t>19.05.-25.05.</a:t>
+            </a:r>
+          </a:p>
+        </p:txBody>
+      </p:sp>
+    </p:spTree>
+    <p:extLst>
+      <p:ext uri="{BB962C8B-B14F-4D97-AF65-F5344CB8AC3E}">
+        <p14:creationId xmlns:p14="http://schemas.microsoft.com/office/powerpoint/2010/main" val="596613793"/>
+      </p:ext>
+    </p:extLst>
+  </p:cSld>
+  <p:clrMapOvr>
+    <a:masterClrMapping/>
+  </p:clrMapOvr>
+  <p:timing>
+    <p:tnLst>
+      <p:par>
+        <p:cTn id="1" dur="indefinite" restart="never" nodeType="tmRoot">
+          <p:childTnLst>
+            <p:seq concurrent="1" nextAc="seek">
+              <p:cTn id="2" dur="indefinite" nodeType="mainSeq">
+                <p:childTnLst>
+                  <p:par>
+                    <p:cTn id="3" fill="hold">
+                      <p:stCondLst>
+                        <p:cond delay="indefinite"/>
+                      </p:stCondLst>
+                      <p:childTnLst>
+                        <p:par>
+                          <p:cTn id="4" fill="hold">
+                            <p:stCondLst>
+                              <p:cond delay="0"/>
+                            </p:stCondLst>
+                            <p:childTnLst>
+                              <p:par>
+                                <p:cTn id="5" presetID="1" presetClass="entr" presetSubtype="0" fill="hold" grpId="0" nodeType="clickEffect">
+                                  <p:stCondLst>
+                                    <p:cond delay="0"/>
+                                  </p:stCondLst>
+                                  <p:childTnLst>
+                                    <p:set>
+                                      <p:cBhvr>
+                                        <p:cTn id="6" dur="1" fill="hold">
+                                          <p:stCondLst>
+                                            <p:cond delay="0"/>
+                                          </p:stCondLst>
+                                        </p:cTn>
+                                        <p:tgtEl>
+                                          <p:spTgt spid="2"/>
+                                        </p:tgtEl>
+                                        <p:attrNameLst>
+                                          <p:attrName>style.visibility</p:attrName>
+                                        </p:attrNameLst>
+                                      </p:cBhvr>
+                                      <p:to>
+                                        <p:strVal val="visible"/>
+                                      </p:to>
+                                    </p:set>
+                                  </p:childTnLst>
+                                </p:cTn>
+                              </p:par>
+                            </p:childTnLst>
+                          </p:cTn>
+                        </p:par>
+                      </p:childTnLst>
+                    </p:cTn>
+                  </p:par>
+                  <p:par>
+                    <p:cTn id="7" fill="hold">
+                      <p:stCondLst>
+                        <p:cond delay="indefinite"/>
+                      </p:stCondLst>
+                      <p:childTnLst>
+                        <p:par>
+                          <p:cTn id="8" fill="hold">
+                            <p:stCondLst>
+                              <p:cond delay="0"/>
+                            </p:stCondLst>
+                            <p:childTnLst>
+                              <p:par>
+                                <p:cTn id="9" presetID="1" presetClass="entr" presetSubtype="0" fill="hold" grpId="0" nodeType="clickEffect">
+                                  <p:stCondLst>
+                                    <p:cond delay="0"/>
+                                  </p:stCondLst>
+                                  <p:childTnLst>
+                                    <p:set>
+                                      <p:cBhvr>
+                                        <p:cTn id="10" dur="1" fill="hold">
+                                          <p:stCondLst>
+                                            <p:cond delay="0"/>
+                                          </p:stCondLst>
+                                        </p:cTn>
+                                        <p:tgtEl>
+                                          <p:spTgt spid="9">
+                                            <p:txEl>
+                                              <p:pRg st="0" end="0"/>
+                                            </p:txEl>
+                                          </p:spTgt>
+                                        </p:tgtEl>
+                                        <p:attrNameLst>
+                                          <p:attrName>style.visibility</p:attrName>
+                                        </p:attrNameLst>
+                                      </p:cBhvr>
+                                      <p:to>
+                                        <p:strVal val="visible"/>
+                                      </p:to>
+                                    </p:set>
+                                  </p:childTnLst>
+                                </p:cTn>
+                              </p:par>
+                            </p:childTnLst>
+                          </p:cTn>
+                        </p:par>
+                      </p:childTnLst>
+                    </p:cTn>
+                  </p:par>
+                  <p:par>
+                    <p:cTn id="11" fill="hold">
+                      <p:stCondLst>
+                        <p:cond delay="indefinite"/>
+                      </p:stCondLst>
+                      <p:childTnLst>
+                        <p:par>
+                          <p:cTn id="12" fill="hold">
+                            <p:stCondLst>
+                              <p:cond delay="0"/>
+                            </p:stCondLst>
+                            <p:childTnLst>
+                              <p:par>
+                                <p:cTn id="13" presetID="1" presetClass="entr" presetSubtype="0" fill="hold" grpId="0" nodeType="clickEffect">
+                                  <p:stCondLst>
+                                    <p:cond delay="0"/>
+                                  </p:stCondLst>
+                                  <p:childTnLst>
+                                    <p:set>
+                                      <p:cBhvr>
+                                        <p:cTn id="14" dur="1" fill="hold">
+                                          <p:stCondLst>
+                                            <p:cond delay="0"/>
+                                          </p:stCondLst>
+                                        </p:cTn>
+                                        <p:tgtEl>
+                                          <p:spTgt spid="9">
+                                            <p:txEl>
+                                              <p:pRg st="2" end="2"/>
+                                            </p:txEl>
+                                          </p:spTgt>
+                                        </p:tgtEl>
+                                        <p:attrNameLst>
+                                          <p:attrName>style.visibility</p:attrName>
+                                        </p:attrNameLst>
+                                      </p:cBhvr>
+                                      <p:to>
+                                        <p:strVal val="visible"/>
+                                      </p:to>
+                                    </p:set>
+                                  </p:childTnLst>
+                                </p:cTn>
+                              </p:par>
+                            </p:childTnLst>
+                          </p:cTn>
+                        </p:par>
+                      </p:childTnLst>
+                    </p:cTn>
+                  </p:par>
+                  <p:par>
+                    <p:cTn id="15" fill="hold">
+                      <p:stCondLst>
+                        <p:cond delay="indefinite"/>
+                      </p:stCondLst>
+                      <p:childTnLst>
+                        <p:par>
+                          <p:cTn id="16" fill="hold">
+                            <p:stCondLst>
+                              <p:cond delay="0"/>
+                            </p:stCondLst>
+                            <p:childTnLst>
+                              <p:par>
+                                <p:cTn id="17" presetID="1" presetClass="entr" presetSubtype="0" fill="hold" grpId="0" nodeType="clickEffect">
+                                  <p:stCondLst>
+                                    <p:cond delay="0"/>
+                                  </p:stCondLst>
+                                  <p:childTnLst>
+                                    <p:set>
+                                      <p:cBhvr>
+                                        <p:cTn id="18" dur="1" fill="hold">
+                                          <p:stCondLst>
+                                            <p:cond delay="0"/>
+                                          </p:stCondLst>
+                                        </p:cTn>
+                                        <p:tgtEl>
+                                          <p:spTgt spid="9">
+                                            <p:txEl>
+                                              <p:pRg st="4" end="4"/>
+                                            </p:txEl>
+                                          </p:spTgt>
+                                        </p:tgtEl>
+                                        <p:attrNameLst>
+                                          <p:attrName>style.visibility</p:attrName>
+                                        </p:attrNameLst>
+                                      </p:cBhvr>
+                                      <p:to>
+                                        <p:strVal val="visible"/>
+                                      </p:to>
+                                    </p:set>
+                                  </p:childTnLst>
+                                </p:cTn>
+                              </p:par>
+                            </p:childTnLst>
+                          </p:cTn>
+                        </p:par>
+                      </p:childTnLst>
+                    </p:cTn>
+                  </p:par>
+                  <p:par>
+                    <p:cTn id="19" fill="hold">
+                      <p:stCondLst>
+                        <p:cond delay="indefinite"/>
+                      </p:stCondLst>
+                      <p:childTnLst>
+                        <p:par>
+                          <p:cTn id="20" fill="hold">
+                            <p:stCondLst>
+                              <p:cond delay="0"/>
+                            </p:stCondLst>
+                            <p:childTnLst>
+                              <p:par>
+                                <p:cTn id="21" presetID="1" presetClass="entr" presetSubtype="0" fill="hold" grpId="0" nodeType="clickEffect">
+                                  <p:stCondLst>
+                                    <p:cond delay="0"/>
+                                  </p:stCondLst>
+                                  <p:childTnLst>
+                                    <p:set>
+                                      <p:cBhvr>
+                                        <p:cTn id="22" dur="1" fill="hold">
+                                          <p:stCondLst>
+                                            <p:cond delay="0"/>
+                                          </p:stCondLst>
+                                        </p:cTn>
+                                        <p:tgtEl>
+                                          <p:spTgt spid="9">
+                                            <p:txEl>
+                                              <p:pRg st="6" end="6"/>
+                                            </p:txEl>
+                                          </p:spTgt>
+                                        </p:tgtEl>
+                                        <p:attrNameLst>
+                                          <p:attrName>style.visibility</p:attrName>
+                                        </p:attrNameLst>
+                                      </p:cBhvr>
+                                      <p:to>
+                                        <p:strVal val="visible"/>
+                                      </p:to>
+                                    </p:set>
+                                  </p:childTnLst>
+                                </p:cTn>
+                              </p:par>
+                            </p:childTnLst>
+                          </p:cTn>
+                        </p:par>
+                      </p:childTnLst>
+                    </p:cTn>
+                  </p:par>
+                  <p:par>
+                    <p:cTn id="23" fill="hold">
+                      <p:stCondLst>
+                        <p:cond delay="indefinite"/>
+                      </p:stCondLst>
+                      <p:childTnLst>
+                        <p:par>
+                          <p:cTn id="24" fill="hold">
+                            <p:stCondLst>
+                              <p:cond delay="0"/>
+                            </p:stCondLst>
+                            <p:childTnLst>
+                              <p:par>
+                                <p:cTn id="25" presetID="1" presetClass="entr" presetSubtype="0" fill="hold" nodeType="clickEffect">
+                                  <p:stCondLst>
+                                    <p:cond delay="0"/>
+                                  </p:stCondLst>
+                                  <p:childTnLst>
+                                    <p:set>
+                                      <p:cBhvr>
+                                        <p:cTn id="26" dur="1" fill="hold">
+                                          <p:stCondLst>
+                                            <p:cond delay="0"/>
+                                          </p:stCondLst>
+                                        </p:cTn>
+                                        <p:tgtEl>
+                                          <p:spTgt spid="12"/>
+                                        </p:tgtEl>
+                                        <p:attrNameLst>
+                                          <p:attrName>style.visibility</p:attrName>
+                                        </p:attrNameLst>
+                                      </p:cBhvr>
+                                      <p:to>
+                                        <p:strVal val="visible"/>
+                                      </p:to>
+                                    </p:set>
+                                  </p:childTnLst>
+                                </p:cTn>
+                              </p:par>
+                            </p:childTnLst>
+                          </p:cTn>
+                        </p:par>
+                      </p:childTnLst>
+                    </p:cTn>
+                  </p:par>
+                  <p:par>
+                    <p:cTn id="27" fill="hold">
+                      <p:stCondLst>
+                        <p:cond delay="indefinite"/>
+                      </p:stCondLst>
+                      <p:childTnLst>
+                        <p:par>
+                          <p:cTn id="28" fill="hold">
+                            <p:stCondLst>
+                              <p:cond delay="0"/>
+                            </p:stCondLst>
+                            <p:childTnLst>
+                              <p:par>
+                                <p:cTn id="29" presetID="1" presetClass="entr" presetSubtype="0" fill="hold" grpId="0" nodeType="clickEffect">
+                                  <p:stCondLst>
+                                    <p:cond delay="0"/>
+                                  </p:stCondLst>
+                                  <p:childTnLst>
+                                    <p:set>
+                                      <p:cBhvr>
+                                        <p:cTn id="30" dur="1" fill="hold">
+                                          <p:stCondLst>
+                                            <p:cond delay="0"/>
+                                          </p:stCondLst>
+                                        </p:cTn>
+                                        <p:tgtEl>
+                                          <p:spTgt spid="15"/>
+                                        </p:tgtEl>
+                                        <p:attrNameLst>
+                                          <p:attrName>style.visibility</p:attrName>
+                                        </p:attrNameLst>
+                                      </p:cBhvr>
+                                      <p:to>
+                                        <p:strVal val="visible"/>
+                                      </p:to>
+                                    </p:set>
+                                  </p:childTnLst>
+                                </p:cTn>
+                              </p:par>
+                            </p:childTnLst>
+                          </p:cTn>
+                        </p:par>
+                      </p:childTnLst>
+                    </p:cTn>
+                  </p:par>
+                  <p:par>
+                    <p:cTn id="31" fill="hold">
+                      <p:stCondLst>
+                        <p:cond delay="indefinite"/>
+                      </p:stCondLst>
+                      <p:childTnLst>
+                        <p:par>
+                          <p:cTn id="32" fill="hold">
+                            <p:stCondLst>
+                              <p:cond delay="0"/>
+                            </p:stCondLst>
+                            <p:childTnLst>
+                              <p:par>
+                                <p:cTn id="33" presetID="1" presetClass="entr" presetSubtype="0" fill="hold" nodeType="clickEffect">
+                                  <p:stCondLst>
+                                    <p:cond delay="0"/>
+                                  </p:stCondLst>
+                                  <p:childTnLst>
+                                    <p:set>
+                                      <p:cBhvr>
+                                        <p:cTn id="34" dur="1" fill="hold">
+                                          <p:stCondLst>
+                                            <p:cond delay="0"/>
+                                          </p:stCondLst>
+                                        </p:cTn>
+                                        <p:tgtEl>
+                                          <p:spTgt spid="14"/>
+                                        </p:tgtEl>
+                                        <p:attrNameLst>
+                                          <p:attrName>style.visibility</p:attrName>
+                                        </p:attrNameLst>
+                                      </p:cBhvr>
+                                      <p:to>
+                                        <p:strVal val="visible"/>
+                                      </p:to>
+                                    </p:set>
+                                  </p:childTnLst>
+                                </p:cTn>
+                              </p:par>
+                            </p:childTnLst>
+                          </p:cTn>
+                        </p:par>
+                      </p:childTnLst>
+                    </p:cTn>
+                  </p:par>
+                </p:childTnLst>
+              </p:cTn>
+              <p:prevCondLst>
+                <p:cond evt="onPrev" delay="0">
+                  <p:tgtEl>
+                    <p:sldTgt/>
+                  </p:tgtEl>
+                </p:cond>
+              </p:prevCondLst>
+              <p:nextCondLst>
+                <p:cond evt="onNext" delay="0">
+                  <p:tgtEl>
+                    <p:sldTgt/>
+                  </p:tgtEl>
+                </p:cond>
+              </p:nextCondLst>
+            </p:seq>
+          </p:childTnLst>
+        </p:cTn>
+      </p:par>
+    </p:tnLst>
+    <p:bldLst>
+      <p:bldP spid="2" grpId="0" animBg="1"/>
+      <p:bldP spid="9" grpId="0" build="p"/>
+      <p:bldP spid="15" grpId="0" animBg="1"/>
+    </p:bldLst>
+  </p:timing>
+</p:sld>
+</file>
+
+<file path=ppt/slides/slide9.xml><?xml version="1.0" encoding="utf-8"?>
+<p:sld xmlns:a="http://schemas.openxmlformats.org/drawingml/2006/main" xmlns:r="http://schemas.openxmlformats.org/officeDocument/2006/relationships" xmlns:p="http://schemas.openxmlformats.org/presentationml/2006/main">
+  <p:cSld>
+    <p:spTree>
+      <p:nvGrpSpPr>
+        <p:cNvPr id="1" name="">
+          <a:extLst>
+            <a:ext uri="{FF2B5EF4-FFF2-40B4-BE49-F238E27FC236}">
+              <a16:creationId xmlns:a16="http://schemas.microsoft.com/office/drawing/2014/main" id="{B2A0950C-468A-1FB7-BE4E-ED5B26429893}"/>
+            </a:ext>
+          </a:extLst>
+        </p:cNvPr>
+        <p:cNvGrpSpPr/>
+        <p:nvPr/>
+      </p:nvGrpSpPr>
+      <p:grpSpPr>
+        <a:xfrm>
+          <a:off x="0" y="0"/>
+          <a:ext cx="0" cy="0"/>
+          <a:chOff x="0" y="0"/>
+          <a:chExt cx="0" cy="0"/>
+        </a:xfrm>
+      </p:grpSpPr>
+      <p:sp>
+        <p:nvSpPr>
+          <p:cNvPr id="2" name="Rectangle: Rounded Corners 1">
+            <a:extLst>
+              <a:ext uri="{FF2B5EF4-FFF2-40B4-BE49-F238E27FC236}">
+                <a16:creationId xmlns:a16="http://schemas.microsoft.com/office/drawing/2014/main" id="{9CB6C3DF-4F7E-1679-4EFF-613AB3F0EBAF}"/>
+              </a:ext>
+            </a:extLst>
+          </p:cNvPr>
+          <p:cNvSpPr/>
+          <p:nvPr/>
+        </p:nvSpPr>
+        <p:spPr>
+          <a:xfrm>
+            <a:off x="2445174" y="1651000"/>
+            <a:ext cx="2880360" cy="1666240"/>
+          </a:xfrm>
+          <a:prstGeom prst="roundRect">
+            <a:avLst/>
+          </a:prstGeom>
+          <a:solidFill>
+            <a:schemeClr val="bg1"/>
+          </a:solidFill>
+          <a:ln w="34925">
+            <a:solidFill>
+              <a:schemeClr val="tx1"/>
+            </a:solidFill>
+          </a:ln>
+          <a:effectLst>
+            <a:outerShdw blurRad="317500" dir="2700000" algn="ctr">
+              <a:srgbClr val="000000">
+                <a:alpha val="43000"/>
+              </a:srgbClr>
+            </a:outerShdw>
+          </a:effectLst>
+        </p:spPr>
+        <p:style>
+          <a:lnRef idx="2">
+            <a:schemeClr val="accent1">
+              <a:shade val="15000"/>
+            </a:schemeClr>
+          </a:lnRef>
+          <a:fillRef idx="1">
+            <a:schemeClr val="accent1"/>
+          </a:fillRef>
+          <a:effectRef idx="0">
+            <a:schemeClr val="accent1"/>
+          </a:effectRef>
+          <a:fontRef idx="minor">
+            <a:schemeClr val="lt1"/>
+          </a:fontRef>
+        </p:style>
+        <p:txBody>
+          <a:bodyPr rtlCol="0" anchor="ctr"/>
+          <a:lstStyle/>
+          <a:p>
+            <a:pPr algn="ctr"/>
+            <a:r>
+              <a:rPr lang="en-GB" sz="2400" b="1" i="0" noProof="0" dirty="0">
+                <a:solidFill>
+                  <a:srgbClr val="1F2328"/>
+                </a:solidFill>
+                <a:effectLst/>
+                <a:latin typeface="-apple-system"/>
+              </a:rPr>
+              <a:t>Data </a:t>
+            </a:r>
+            <a:r>
+              <a:rPr lang="en-GB" sz="2400" b="1" noProof="0" dirty="0">
+                <a:solidFill>
+                  <a:srgbClr val="1F2328"/>
+                </a:solidFill>
+                <a:latin typeface="-apple-system"/>
+              </a:rPr>
+              <a:t>exploration</a:t>
+            </a:r>
+            <a:r>
+              <a:rPr lang="en-GB" sz="2400" b="1" i="0" noProof="0" dirty="0">
+                <a:solidFill>
+                  <a:srgbClr val="1F2328"/>
+                </a:solidFill>
+                <a:effectLst/>
+                <a:latin typeface="-apple-system"/>
+              </a:rPr>
+              <a:t> </a:t>
+            </a:r>
+          </a:p>
+        </p:txBody>
+      </p:sp>
+      <p:sp>
+        <p:nvSpPr>
+          <p:cNvPr id="9" name="TextBox 8">
+            <a:extLst>
+              <a:ext uri="{FF2B5EF4-FFF2-40B4-BE49-F238E27FC236}">
+                <a16:creationId xmlns:a16="http://schemas.microsoft.com/office/drawing/2014/main" id="{DBF766CB-E004-24D0-2F17-56FE88CFC9D4}"/>
+              </a:ext>
+            </a:extLst>
+          </p:cNvPr>
+          <p:cNvSpPr txBox="1"/>
+          <p:nvPr/>
+        </p:nvSpPr>
+        <p:spPr>
+          <a:xfrm>
+            <a:off x="2445174" y="3982197"/>
+            <a:ext cx="2880360" cy="1477328"/>
+          </a:xfrm>
+          <a:prstGeom prst="rect">
+            <a:avLst/>
+          </a:prstGeom>
+          <a:noFill/>
+        </p:spPr>
+        <p:txBody>
+          <a:bodyPr wrap="square" rtlCol="0">
+            <a:spAutoFit/>
+          </a:bodyPr>
+          <a:lstStyle/>
+          <a:p>
+            <a:pPr>
+              <a:buFont typeface="Arial" panose="020B0604020202020204" pitchFamily="34" charset="0"/>
+              <a:buChar char="•"/>
+            </a:pPr>
+            <a:r>
+              <a:rPr lang="en-GB" noProof="0" dirty="0">
+                <a:solidFill>
+                  <a:srgbClr val="1F2328"/>
+                </a:solidFill>
+                <a:latin typeface="-apple-system"/>
+              </a:rPr>
+              <a:t> data distribution</a:t>
+            </a:r>
+          </a:p>
+          <a:p>
+            <a:endParaRPr lang="en-GB" noProof="0" dirty="0">
+              <a:solidFill>
+                <a:srgbClr val="1F2328"/>
+              </a:solidFill>
+              <a:latin typeface="-apple-system"/>
+            </a:endParaRPr>
+          </a:p>
+          <a:p>
+            <a:pPr>
+              <a:buFont typeface="Arial" panose="020B0604020202020204" pitchFamily="34" charset="0"/>
+              <a:buChar char="•"/>
+            </a:pPr>
+            <a:r>
+              <a:rPr lang="en-GB" noProof="0" dirty="0">
+                <a:solidFill>
+                  <a:srgbClr val="1F2328"/>
+                </a:solidFill>
+                <a:latin typeface="-apple-system"/>
+              </a:rPr>
+              <a:t> t-test</a:t>
+            </a:r>
+          </a:p>
+          <a:p>
+            <a:pPr>
+              <a:buFont typeface="Arial" panose="020B0604020202020204" pitchFamily="34" charset="0"/>
+              <a:buChar char="•"/>
+            </a:pPr>
+            <a:endParaRPr lang="en-GB" noProof="0" dirty="0">
+              <a:solidFill>
+                <a:srgbClr val="1F2328"/>
+              </a:solidFill>
+              <a:latin typeface="-apple-system"/>
+            </a:endParaRPr>
+          </a:p>
+          <a:p>
+            <a:pPr>
+              <a:buFont typeface="Arial" panose="020B0604020202020204" pitchFamily="34" charset="0"/>
+              <a:buChar char="•"/>
+            </a:pPr>
+            <a:r>
+              <a:rPr lang="en-GB" noProof="0" dirty="0">
+                <a:solidFill>
+                  <a:srgbClr val="1F2328"/>
+                </a:solidFill>
+                <a:latin typeface="-apple-system"/>
+              </a:rPr>
+              <a:t> </a:t>
+            </a:r>
+            <a:r>
+              <a:rPr lang="en-GB" noProof="0" dirty="0"/>
+              <a:t>proportion test</a:t>
+            </a:r>
+            <a:endParaRPr lang="en-GB" b="0" i="0" noProof="0" dirty="0">
+              <a:solidFill>
+                <a:srgbClr val="1F2328"/>
+              </a:solidFill>
+              <a:effectLst/>
+              <a:latin typeface="-apple-system"/>
+            </a:endParaRPr>
+          </a:p>
+        </p:txBody>
+      </p:sp>
+      <p:sp>
+        <p:nvSpPr>
+          <p:cNvPr id="3" name="TextBox 2">
+            <a:extLst>
+              <a:ext uri="{FF2B5EF4-FFF2-40B4-BE49-F238E27FC236}">
+                <a16:creationId xmlns:a16="http://schemas.microsoft.com/office/drawing/2014/main" id="{376371ED-5A2F-9E06-1972-862C8BABD8E1}"/>
+              </a:ext>
+            </a:extLst>
+          </p:cNvPr>
+          <p:cNvSpPr txBox="1"/>
+          <p:nvPr/>
+        </p:nvSpPr>
+        <p:spPr>
+          <a:xfrm>
+            <a:off x="3167062" y="290480"/>
+            <a:ext cx="5857875" cy="769441"/>
+          </a:xfrm>
+          <a:prstGeom prst="rect">
+            <a:avLst/>
+          </a:prstGeom>
+          <a:noFill/>
+        </p:spPr>
+        <p:txBody>
+          <a:bodyPr wrap="square" rtlCol="0">
+            <a:spAutoFit/>
+          </a:bodyPr>
+          <a:lstStyle/>
+          <a:p>
+            <a:pPr algn="ctr"/>
+            <a:r>
+              <a:rPr lang="en-GB" sz="4400" noProof="0" dirty="0"/>
+              <a:t>2. Week</a:t>
+            </a:r>
+          </a:p>
+        </p:txBody>
+      </p:sp>
+      <p:pic>
+        <p:nvPicPr>
+          <p:cNvPr id="4" name="Picture 3" descr="A graph of a number of fractions&#10;&#10;AI-generated content may be incorrect.">
+            <a:extLst>
+              <a:ext uri="{FF2B5EF4-FFF2-40B4-BE49-F238E27FC236}">
+                <a16:creationId xmlns:a16="http://schemas.microsoft.com/office/drawing/2014/main" id="{1C2167BF-4344-F634-F9D7-A7CC50667E10}"/>
+              </a:ext>
+            </a:extLst>
+          </p:cNvPr>
+          <p:cNvPicPr>
+            <a:picLocks noChangeAspect="1"/>
+          </p:cNvPicPr>
+          <p:nvPr/>
+        </p:nvPicPr>
+        <p:blipFill>
+          <a:blip r:embed="rId2">
+            <a:extLst>
+              <a:ext uri="{28A0092B-C50C-407E-A947-70E740481C1C}">
+                <a14:useLocalDpi xmlns:a14="http://schemas.microsoft.com/office/drawing/2010/main" val="0"/>
+              </a:ext>
+            </a:extLst>
+          </a:blip>
+          <a:srcRect l="1926" t="911" r="557" b="3086"/>
+          <a:stretch/>
+        </p:blipFill>
+        <p:spPr>
+          <a:xfrm>
+            <a:off x="6017678" y="1651000"/>
+            <a:ext cx="5598060" cy="3808525"/>
+          </a:xfrm>
+          <a:prstGeom prst="rect">
+            <a:avLst/>
+          </a:prstGeom>
+        </p:spPr>
+      </p:pic>
+      <p:pic>
+        <p:nvPicPr>
+          <p:cNvPr id="6" name="Picture 5" descr="A screenshot of a computer&#10;&#10;AI-generated content may be incorrect.">
+            <a:extLst>
+              <a:ext uri="{FF2B5EF4-FFF2-40B4-BE49-F238E27FC236}">
+                <a16:creationId xmlns:a16="http://schemas.microsoft.com/office/drawing/2014/main" id="{C38385E9-76DF-9EEC-4BBA-CA52B6B2AFF8}"/>
+              </a:ext>
+            </a:extLst>
+          </p:cNvPr>
+          <p:cNvPicPr>
+            <a:picLocks noChangeAspect="1"/>
+          </p:cNvPicPr>
+          <p:nvPr/>
+        </p:nvPicPr>
+        <p:blipFill>
+          <a:blip r:embed="rId3">
+            <a:extLst>
+              <a:ext uri="{28A0092B-C50C-407E-A947-70E740481C1C}">
+                <a14:useLocalDpi xmlns:a14="http://schemas.microsoft.com/office/drawing/2010/main" val="0"/>
+              </a:ext>
+            </a:extLst>
+          </a:blip>
+          <a:srcRect b="8917"/>
+          <a:stretch/>
+        </p:blipFill>
+        <p:spPr>
+          <a:xfrm>
+            <a:off x="6017677" y="1407919"/>
+            <a:ext cx="5789455" cy="4256282"/>
+          </a:xfrm>
+          <a:prstGeom prst="rect">
+            <a:avLst/>
+          </a:prstGeom>
+        </p:spPr>
+      </p:pic>
+      <p:pic>
+        <p:nvPicPr>
+          <p:cNvPr id="10" name="Picture 9" descr="A blue screen with black text&#10;&#10;AI-generated content may be incorrect.">
+            <a:extLst>
+              <a:ext uri="{FF2B5EF4-FFF2-40B4-BE49-F238E27FC236}">
+                <a16:creationId xmlns:a16="http://schemas.microsoft.com/office/drawing/2014/main" id="{C6A6EDF5-5A94-3215-64CE-13024C5DEDAD}"/>
+              </a:ext>
+            </a:extLst>
+          </p:cNvPr>
+          <p:cNvPicPr>
+            <a:picLocks noChangeAspect="1"/>
+          </p:cNvPicPr>
+          <p:nvPr/>
+        </p:nvPicPr>
+        <p:blipFill>
+          <a:blip r:embed="rId4">
+            <a:extLst>
+              <a:ext uri="{28A0092B-C50C-407E-A947-70E740481C1C}">
+                <a14:useLocalDpi xmlns:a14="http://schemas.microsoft.com/office/drawing/2010/main" val="0"/>
+              </a:ext>
+            </a:extLst>
+          </a:blip>
+          <a:stretch>
+            <a:fillRect/>
+          </a:stretch>
+        </p:blipFill>
+        <p:spPr>
+          <a:xfrm>
+            <a:off x="6017675" y="1407918"/>
+            <a:ext cx="5789455" cy="4347031"/>
+          </a:xfrm>
+          <a:prstGeom prst="rect">
+            <a:avLst/>
+          </a:prstGeom>
+        </p:spPr>
+      </p:pic>
+      <p:sp>
+        <p:nvSpPr>
+          <p:cNvPr id="11" name="TextBox 10">
+            <a:extLst>
+              <a:ext uri="{FF2B5EF4-FFF2-40B4-BE49-F238E27FC236}">
+                <a16:creationId xmlns:a16="http://schemas.microsoft.com/office/drawing/2014/main" id="{D1391C38-F372-C4F9-4D6F-D27F3BBD9796}"/>
+              </a:ext>
+            </a:extLst>
+          </p:cNvPr>
+          <p:cNvSpPr txBox="1"/>
+          <p:nvPr/>
+        </p:nvSpPr>
+        <p:spPr>
+          <a:xfrm>
+            <a:off x="6095999" y="5907282"/>
+            <a:ext cx="4572000" cy="246221"/>
+          </a:xfrm>
+          <a:prstGeom prst="rect">
+            <a:avLst/>
+          </a:prstGeom>
+          <a:noFill/>
+        </p:spPr>
+        <p:txBody>
+          <a:bodyPr wrap="square" rtlCol="0">
+            <a:spAutoFit/>
+          </a:bodyPr>
+          <a:lstStyle/>
+          <a:p>
+            <a:r>
+              <a:rPr lang="en-GB" sz="1000" u="sng" noProof="0" dirty="0" err="1"/>
+              <a:t>Bioinfo</a:t>
+            </a:r>
+            <a:r>
+              <a:rPr lang="en-GB" sz="1000" u="sng" noProof="0" dirty="0"/>
+              <a:t>-Slides </a:t>
+            </a:r>
+            <a:r>
+              <a:rPr lang="en-GB" sz="1000" u="sng" noProof="0" dirty="0" err="1"/>
+              <a:t>aus</a:t>
+            </a:r>
+            <a:r>
+              <a:rPr lang="en-GB" sz="1000" u="sng" noProof="0" dirty="0"/>
+              <a:t> </a:t>
+            </a:r>
+            <a:r>
+              <a:rPr lang="en-GB" sz="1000" u="sng" noProof="0" dirty="0" err="1"/>
+              <a:t>dem</a:t>
+            </a:r>
+            <a:r>
+              <a:rPr lang="en-GB" sz="1000" u="sng" noProof="0" dirty="0"/>
+              <a:t> 3. Semester</a:t>
+            </a:r>
+          </a:p>
+        </p:txBody>
+      </p:sp>
+      <p:sp>
+        <p:nvSpPr>
+          <p:cNvPr id="12" name="TextBox 11">
+            <a:extLst>
+              <a:ext uri="{FF2B5EF4-FFF2-40B4-BE49-F238E27FC236}">
+                <a16:creationId xmlns:a16="http://schemas.microsoft.com/office/drawing/2014/main" id="{18516BCB-FEFF-C657-2697-D65337814EBC}"/>
+              </a:ext>
+            </a:extLst>
+          </p:cNvPr>
+          <p:cNvSpPr txBox="1"/>
+          <p:nvPr/>
+        </p:nvSpPr>
+        <p:spPr>
+          <a:xfrm>
+            <a:off x="5304366" y="1039493"/>
+            <a:ext cx="1583266" cy="369332"/>
+          </a:xfrm>
+          <a:prstGeom prst="rect">
+            <a:avLst/>
+          </a:prstGeom>
+          <a:noFill/>
+        </p:spPr>
+        <p:txBody>
+          <a:bodyPr wrap="square" rtlCol="0">
+            <a:spAutoFit/>
+          </a:bodyPr>
+          <a:lstStyle/>
+          <a:p>
+            <a:pPr algn="ctr"/>
+            <a:r>
+              <a:rPr lang="de-DE" dirty="0"/>
+              <a:t>26.05.-01.06.</a:t>
+            </a:r>
+          </a:p>
+        </p:txBody>
+      </p:sp>
+    </p:spTree>
+    <p:extLst>
+      <p:ext uri="{BB962C8B-B14F-4D97-AF65-F5344CB8AC3E}">
+        <p14:creationId xmlns:p14="http://schemas.microsoft.com/office/powerpoint/2010/main" val="2246163662"/>
+      </p:ext>
+    </p:extLst>
+  </p:cSld>
+  <p:clrMapOvr>
+    <a:masterClrMapping/>
+  </p:clrMapOvr>
+  <p:timing>
+    <p:tnLst>
+      <p:par>
+        <p:cTn id="1" dur="indefinite" restart="never" nodeType="tmRoot">
+          <p:childTnLst>
+            <p:seq concurrent="1" nextAc="seek">
+              <p:cTn id="2" dur="indefinite" nodeType="mainSeq">
+                <p:childTnLst>
+                  <p:par>
+                    <p:cTn id="3" fill="hold">
+                      <p:stCondLst>
+                        <p:cond delay="indefinite"/>
+                      </p:stCondLst>
+                      <p:childTnLst>
+                        <p:par>
+                          <p:cTn id="4" fill="hold">
+                            <p:stCondLst>
+                              <p:cond delay="0"/>
+                            </p:stCondLst>
+                            <p:childTnLst>
+                              <p:par>
+                                <p:cTn id="5" presetID="1" presetClass="entr" presetSubtype="0" fill="hold" grpId="0" nodeType="clickEffect">
+                                  <p:stCondLst>
+                                    <p:cond delay="0"/>
+                                  </p:stCondLst>
+                                  <p:childTnLst>
+                                    <p:set>
+                                      <p:cBhvr>
+                                        <p:cTn id="6" dur="1" fill="hold">
+                                          <p:stCondLst>
+                                            <p:cond delay="0"/>
+                                          </p:stCondLst>
+                                        </p:cTn>
+                                        <p:tgtEl>
+                                          <p:spTgt spid="2"/>
+                                        </p:tgtEl>
+                                        <p:attrNameLst>
+                                          <p:attrName>style.visibility</p:attrName>
+                                        </p:attrNameLst>
+                                      </p:cBhvr>
+                                      <p:to>
+                                        <p:strVal val="visible"/>
+                                      </p:to>
+                                    </p:set>
+                                  </p:childTnLst>
+                                </p:cTn>
+                              </p:par>
+                            </p:childTnLst>
+                          </p:cTn>
+                        </p:par>
+                      </p:childTnLst>
+                    </p:cTn>
+                  </p:par>
+                  <p:par>
+                    <p:cTn id="7" fill="hold">
+                      <p:stCondLst>
+                        <p:cond delay="indefinite"/>
+                      </p:stCondLst>
+                      <p:childTnLst>
+                        <p:par>
+                          <p:cTn id="8" fill="hold">
+                            <p:stCondLst>
+                              <p:cond delay="0"/>
+                            </p:stCondLst>
+                            <p:childTnLst>
+                              <p:par>
+                                <p:cTn id="9" presetID="1" presetClass="entr" presetSubtype="0" fill="hold" grpId="0" nodeType="clickEffect">
+                                  <p:stCondLst>
+                                    <p:cond delay="0"/>
+                                  </p:stCondLst>
+                                  <p:childTnLst>
+                                    <p:set>
+                                      <p:cBhvr>
+                                        <p:cTn id="10" dur="1" fill="hold">
+                                          <p:stCondLst>
+                                            <p:cond delay="0"/>
+                                          </p:stCondLst>
+                                        </p:cTn>
+                                        <p:tgtEl>
+                                          <p:spTgt spid="9">
+                                            <p:txEl>
+                                              <p:pRg st="0" end="0"/>
+                                            </p:txEl>
+                                          </p:spTgt>
+                                        </p:tgtEl>
+                                        <p:attrNameLst>
+                                          <p:attrName>style.visibility</p:attrName>
+                                        </p:attrNameLst>
+                                      </p:cBhvr>
+                                      <p:to>
+                                        <p:strVal val="visible"/>
+                                      </p:to>
+                                    </p:set>
+                                  </p:childTnLst>
+                                </p:cTn>
+                              </p:par>
+                            </p:childTnLst>
+                          </p:cTn>
+                        </p:par>
+                      </p:childTnLst>
+                    </p:cTn>
+                  </p:par>
+                  <p:par>
+                    <p:cTn id="11" fill="hold">
+                      <p:stCondLst>
+                        <p:cond delay="indefinite"/>
+                      </p:stCondLst>
+                      <p:childTnLst>
+                        <p:par>
+                          <p:cTn id="12" fill="hold">
+                            <p:stCondLst>
+                              <p:cond delay="0"/>
+                            </p:stCondLst>
+                            <p:childTnLst>
+                              <p:par>
+                                <p:cTn id="13" presetID="1" presetClass="entr" presetSubtype="0" fill="hold" grpId="0" nodeType="clickEffect">
+                                  <p:stCondLst>
+                                    <p:cond delay="0"/>
+                                  </p:stCondLst>
+                                  <p:childTnLst>
+                                    <p:set>
+                                      <p:cBhvr>
+                                        <p:cTn id="14" dur="1" fill="hold">
+                                          <p:stCondLst>
+                                            <p:cond delay="0"/>
+                                          </p:stCondLst>
+                                        </p:cTn>
+                                        <p:tgtEl>
+                                          <p:spTgt spid="9">
+                                            <p:txEl>
+                                              <p:pRg st="2" end="2"/>
+                                            </p:txEl>
+                                          </p:spTgt>
+                                        </p:tgtEl>
+                                        <p:attrNameLst>
+                                          <p:attrName>style.visibility</p:attrName>
+                                        </p:attrNameLst>
+                                      </p:cBhvr>
+                                      <p:to>
+                                        <p:strVal val="visible"/>
+                                      </p:to>
+                                    </p:set>
+                                  </p:childTnLst>
+                                </p:cTn>
+                              </p:par>
+                            </p:childTnLst>
+                          </p:cTn>
+                        </p:par>
+                      </p:childTnLst>
+                    </p:cTn>
+                  </p:par>
+                  <p:par>
+                    <p:cTn id="15" fill="hold">
+                      <p:stCondLst>
+                        <p:cond delay="indefinite"/>
+                      </p:stCondLst>
+                      <p:childTnLst>
+                        <p:par>
+                          <p:cTn id="16" fill="hold">
+                            <p:stCondLst>
+                              <p:cond delay="0"/>
+                            </p:stCondLst>
+                            <p:childTnLst>
+                              <p:par>
+                                <p:cTn id="17" presetID="1" presetClass="entr" presetSubtype="0" fill="hold" grpId="0" nodeType="clickEffect">
+                                  <p:stCondLst>
+                                    <p:cond delay="0"/>
+                                  </p:stCondLst>
+                                  <p:childTnLst>
+                                    <p:set>
+                                      <p:cBhvr>
+                                        <p:cTn id="18" dur="1" fill="hold">
+                                          <p:stCondLst>
+                                            <p:cond delay="0"/>
+                                          </p:stCondLst>
+                                        </p:cTn>
+                                        <p:tgtEl>
+                                          <p:spTgt spid="9">
+                                            <p:txEl>
+                                              <p:pRg st="4" end="4"/>
+                                            </p:txEl>
+                                          </p:spTgt>
+                                        </p:tgtEl>
+                                        <p:attrNameLst>
+                                          <p:attrName>style.visibility</p:attrName>
+                                        </p:attrNameLst>
+                                      </p:cBhvr>
+                                      <p:to>
+                                        <p:strVal val="visible"/>
+                                      </p:to>
+                                    </p:set>
+                                  </p:childTnLst>
+                                </p:cTn>
+                              </p:par>
+                            </p:childTnLst>
+                          </p:cTn>
+                        </p:par>
+                      </p:childTnLst>
+                    </p:cTn>
+                  </p:par>
+                  <p:par>
+                    <p:cTn id="19" fill="hold">
+                      <p:stCondLst>
+                        <p:cond delay="indefinite"/>
+                      </p:stCondLst>
+                      <p:childTnLst>
+                        <p:par>
+                          <p:cTn id="20" fill="hold">
+                            <p:stCondLst>
+                              <p:cond delay="0"/>
+                            </p:stCondLst>
+                            <p:childTnLst>
+                              <p:par>
+                                <p:cTn id="21" presetID="1" presetClass="entr" presetSubtype="0" fill="hold" nodeType="clickEffect">
+                                  <p:stCondLst>
+                                    <p:cond delay="0"/>
+                                  </p:stCondLst>
+                                  <p:childTnLst>
+                                    <p:set>
+                                      <p:cBhvr>
+                                        <p:cTn id="22" dur="1" fill="hold">
+                                          <p:stCondLst>
+                                            <p:cond delay="0"/>
+                                          </p:stCondLst>
+                                        </p:cTn>
+                                        <p:tgtEl>
+                                          <p:spTgt spid="4"/>
+                                        </p:tgtEl>
+                                        <p:attrNameLst>
+                                          <p:attrName>style.visibility</p:attrName>
+                                        </p:attrNameLst>
+                                      </p:cBhvr>
+                                      <p:to>
+                                        <p:strVal val="visible"/>
+                                      </p:to>
+                                    </p:set>
+                                  </p:childTnLst>
+                                </p:cTn>
+                              </p:par>
+                            </p:childTnLst>
+                          </p:cTn>
+                        </p:par>
+                      </p:childTnLst>
+                    </p:cTn>
+                  </p:par>
+                  <p:par>
+                    <p:cTn id="23" fill="hold">
+                      <p:stCondLst>
+                        <p:cond delay="indefinite"/>
+                      </p:stCondLst>
+                      <p:childTnLst>
+                        <p:par>
+                          <p:cTn id="24" fill="hold">
+                            <p:stCondLst>
+                              <p:cond delay="0"/>
+                            </p:stCondLst>
+                            <p:childTnLst>
+                              <p:par>
+                                <p:cTn id="25" presetID="1" presetClass="entr" presetSubtype="0" fill="hold" nodeType="clickEffect">
+                                  <p:stCondLst>
+                                    <p:cond delay="0"/>
+                                  </p:stCondLst>
+                                  <p:childTnLst>
+                                    <p:set>
+                                      <p:cBhvr>
+                                        <p:cTn id="26" dur="1" fill="hold">
+                                          <p:stCondLst>
+                                            <p:cond delay="0"/>
+                                          </p:stCondLst>
+                                        </p:cTn>
+                                        <p:tgtEl>
+                                          <p:spTgt spid="6"/>
+                                        </p:tgtEl>
+                                        <p:attrNameLst>
+                                          <p:attrName>style.visibility</p:attrName>
+                                        </p:attrNameLst>
+                                      </p:cBhvr>
+                                      <p:to>
+                                        <p:strVal val="visible"/>
+                                      </p:to>
+                                    </p:set>
+                                  </p:childTnLst>
+                                </p:cTn>
+                              </p:par>
+                            </p:childTnLst>
+                          </p:cTn>
+                        </p:par>
+                      </p:childTnLst>
+                    </p:cTn>
+                  </p:par>
+                  <p:par>
+                    <p:cTn id="27" fill="hold">
+                      <p:stCondLst>
+                        <p:cond delay="indefinite"/>
+                      </p:stCondLst>
+                      <p:childTnLst>
+                        <p:par>
+                          <p:cTn id="28" fill="hold">
+                            <p:stCondLst>
+                              <p:cond delay="0"/>
+                            </p:stCondLst>
+                            <p:childTnLst>
+                              <p:par>
+                                <p:cTn id="29" presetID="1" presetClass="entr" presetSubtype="0" fill="hold" nodeType="clickEffect">
+                                  <p:stCondLst>
+                                    <p:cond delay="0"/>
+                                  </p:stCondLst>
+                                  <p:childTnLst>
+                                    <p:set>
+                                      <p:cBhvr>
+                                        <p:cTn id="30" dur="1" fill="hold">
+                                          <p:stCondLst>
+                                            <p:cond delay="0"/>
+                                          </p:stCondLst>
+                                        </p:cTn>
+                                        <p:tgtEl>
+                                          <p:spTgt spid="10"/>
+                                        </p:tgtEl>
+                                        <p:attrNameLst>
+                                          <p:attrName>style.visibility</p:attrName>
+                                        </p:attrNameLst>
+                                      </p:cBhvr>
+                                      <p:to>
+                                        <p:strVal val="visible"/>
+                                      </p:to>
+                                    </p:set>
+                                  </p:childTnLst>
+                                </p:cTn>
+                              </p:par>
+                            </p:childTnLst>
+                          </p:cTn>
+                        </p:par>
+                      </p:childTnLst>
+                    </p:cTn>
+                  </p:par>
+                </p:childTnLst>
+              </p:cTn>
+              <p:prevCondLst>
+                <p:cond evt="onPrev" delay="0">
+                  <p:tgtEl>
+                    <p:sldTgt/>
+                  </p:tgtEl>
+                </p:cond>
+              </p:prevCondLst>
+              <p:nextCondLst>
+                <p:cond evt="onNext" delay="0">
+                  <p:tgtEl>
+                    <p:sldTgt/>
+                  </p:tgtEl>
+                </p:cond>
+              </p:nextCondLst>
+            </p:seq>
+          </p:childTnLst>
+        </p:cTn>
+      </p:par>
+    </p:tnLst>
+    <p:bldLst>
+      <p:bldP spid="2" grpId="0" animBg="1"/>
+      <p:bldP spid="9" grpId="0" build="p"/>
+    </p:bldLst>
+  </p:timing>
 </p:sld>
 </file>
 

--- a/Project Proposal Ben.pptx
+++ b/Project Proposal Ben.pptx
@@ -6,20 +6,19 @@
   </p:sldMasterIdLst>
   <p:sldIdLst>
     <p:sldId id="256" r:id="rId2"/>
-    <p:sldId id="269" r:id="rId3"/>
-    <p:sldId id="270" r:id="rId4"/>
-    <p:sldId id="271" r:id="rId5"/>
-    <p:sldId id="260" r:id="rId6"/>
-    <p:sldId id="261" r:id="rId7"/>
-    <p:sldId id="266" r:id="rId8"/>
-    <p:sldId id="263" r:id="rId9"/>
-    <p:sldId id="264" r:id="rId10"/>
-    <p:sldId id="265" r:id="rId11"/>
-    <p:sldId id="267" r:id="rId12"/>
-    <p:sldId id="262" r:id="rId13"/>
-    <p:sldId id="268" r:id="rId14"/>
-    <p:sldId id="257" r:id="rId15"/>
-    <p:sldId id="258" r:id="rId16"/>
+    <p:sldId id="270" r:id="rId3"/>
+    <p:sldId id="271" r:id="rId4"/>
+    <p:sldId id="260" r:id="rId5"/>
+    <p:sldId id="266" r:id="rId6"/>
+    <p:sldId id="263" r:id="rId7"/>
+    <p:sldId id="264" r:id="rId8"/>
+    <p:sldId id="265" r:id="rId9"/>
+    <p:sldId id="267" r:id="rId10"/>
+    <p:sldId id="262" r:id="rId11"/>
+    <p:sldId id="268" r:id="rId12"/>
+    <p:sldId id="269" r:id="rId13"/>
+    <p:sldId id="257" r:id="rId14"/>
+    <p:sldId id="258" r:id="rId15"/>
   </p:sldIdLst>
   <p:sldSz cx="12192000" cy="6858000"/>
   <p:notesSz cx="6858000" cy="9144000"/>
@@ -329,7 +328,7 @@
           <a:p>
             <a:fld id="{76CD8E94-8180-4651-B6B5-5A5ABA3C85A7}" type="slidenum">
               <a:rPr lang="de-DE" smtClean="0"/>
-              <a:t>‹#›</a:t>
+              <a:t>‹Nr.›</a:t>
             </a:fld>
             <a:endParaRPr lang="de-DE"/>
           </a:p>
@@ -529,7 +528,7 @@
           <a:p>
             <a:fld id="{76CD8E94-8180-4651-B6B5-5A5ABA3C85A7}" type="slidenum">
               <a:rPr lang="de-DE" smtClean="0"/>
-              <a:t>‹#›</a:t>
+              <a:t>‹Nr.›</a:t>
             </a:fld>
             <a:endParaRPr lang="de-DE"/>
           </a:p>
@@ -739,7 +738,7 @@
           <a:p>
             <a:fld id="{76CD8E94-8180-4651-B6B5-5A5ABA3C85A7}" type="slidenum">
               <a:rPr lang="de-DE" smtClean="0"/>
-              <a:t>‹#›</a:t>
+              <a:t>‹Nr.›</a:t>
             </a:fld>
             <a:endParaRPr lang="de-DE"/>
           </a:p>
@@ -939,7 +938,7 @@
           <a:p>
             <a:fld id="{76CD8E94-8180-4651-B6B5-5A5ABA3C85A7}" type="slidenum">
               <a:rPr lang="de-DE" smtClean="0"/>
-              <a:t>‹#›</a:t>
+              <a:t>‹Nr.›</a:t>
             </a:fld>
             <a:endParaRPr lang="de-DE"/>
           </a:p>
@@ -1215,7 +1214,7 @@
           <a:p>
             <a:fld id="{76CD8E94-8180-4651-B6B5-5A5ABA3C85A7}" type="slidenum">
               <a:rPr lang="de-DE" smtClean="0"/>
-              <a:t>‹#›</a:t>
+              <a:t>‹Nr.›</a:t>
             </a:fld>
             <a:endParaRPr lang="de-DE"/>
           </a:p>
@@ -1483,7 +1482,7 @@
           <a:p>
             <a:fld id="{76CD8E94-8180-4651-B6B5-5A5ABA3C85A7}" type="slidenum">
               <a:rPr lang="de-DE" smtClean="0"/>
-              <a:t>‹#›</a:t>
+              <a:t>‹Nr.›</a:t>
             </a:fld>
             <a:endParaRPr lang="de-DE"/>
           </a:p>
@@ -1898,7 +1897,7 @@
           <a:p>
             <a:fld id="{76CD8E94-8180-4651-B6B5-5A5ABA3C85A7}" type="slidenum">
               <a:rPr lang="de-DE" smtClean="0"/>
-              <a:t>‹#›</a:t>
+              <a:t>‹Nr.›</a:t>
             </a:fld>
             <a:endParaRPr lang="de-DE"/>
           </a:p>
@@ -2040,7 +2039,7 @@
           <a:p>
             <a:fld id="{76CD8E94-8180-4651-B6B5-5A5ABA3C85A7}" type="slidenum">
               <a:rPr lang="de-DE" smtClean="0"/>
-              <a:t>‹#›</a:t>
+              <a:t>‹Nr.›</a:t>
             </a:fld>
             <a:endParaRPr lang="de-DE"/>
           </a:p>
@@ -2153,7 +2152,7 @@
           <a:p>
             <a:fld id="{76CD8E94-8180-4651-B6B5-5A5ABA3C85A7}" type="slidenum">
               <a:rPr lang="de-DE" smtClean="0"/>
-              <a:t>‹#›</a:t>
+              <a:t>‹Nr.›</a:t>
             </a:fld>
             <a:endParaRPr lang="de-DE"/>
           </a:p>
@@ -2466,7 +2465,7 @@
           <a:p>
             <a:fld id="{76CD8E94-8180-4651-B6B5-5A5ABA3C85A7}" type="slidenum">
               <a:rPr lang="de-DE" smtClean="0"/>
-              <a:t>‹#›</a:t>
+              <a:t>‹Nr.›</a:t>
             </a:fld>
             <a:endParaRPr lang="de-DE"/>
           </a:p>
@@ -2755,7 +2754,7 @@
           <a:p>
             <a:fld id="{76CD8E94-8180-4651-B6B5-5A5ABA3C85A7}" type="slidenum">
               <a:rPr lang="de-DE" smtClean="0"/>
-              <a:t>‹#›</a:t>
+              <a:t>‹Nr.›</a:t>
             </a:fld>
             <a:endParaRPr lang="de-DE"/>
           </a:p>
@@ -3034,7 +3033,7 @@
           <a:p>
             <a:fld id="{76CD8E94-8180-4651-B6B5-5A5ABA3C85A7}" type="slidenum">
               <a:rPr lang="de-DE" smtClean="0"/>
-              <a:t>‹#›</a:t>
+              <a:t>‹Nr.›</a:t>
             </a:fld>
             <a:endParaRPr lang="de-DE"/>
           </a:p>
@@ -3469,862 +3468,6 @@
 </file>
 
 <file path=ppt/slides/slide10.xml><?xml version="1.0" encoding="utf-8"?>
-<p:sld xmlns:a="http://schemas.openxmlformats.org/drawingml/2006/main" xmlns:r="http://schemas.openxmlformats.org/officeDocument/2006/relationships" xmlns:p="http://schemas.openxmlformats.org/presentationml/2006/main">
-  <p:cSld>
-    <p:spTree>
-      <p:nvGrpSpPr>
-        <p:cNvPr id="1" name="">
-          <a:extLst>
-            <a:ext uri="{FF2B5EF4-FFF2-40B4-BE49-F238E27FC236}">
-              <a16:creationId xmlns:a16="http://schemas.microsoft.com/office/drawing/2014/main" id="{A5123623-6B83-791E-82A5-AEAE78ACCFF9}"/>
-            </a:ext>
-          </a:extLst>
-        </p:cNvPr>
-        <p:cNvGrpSpPr/>
-        <p:nvPr/>
-      </p:nvGrpSpPr>
-      <p:grpSpPr>
-        <a:xfrm>
-          <a:off x="0" y="0"/>
-          <a:ext cx="0" cy="0"/>
-          <a:chOff x="0" y="0"/>
-          <a:chExt cx="0" cy="0"/>
-        </a:xfrm>
-      </p:grpSpPr>
-      <p:sp>
-        <p:nvSpPr>
-          <p:cNvPr id="2" name="Rectangle: Rounded Corners 1">
-            <a:extLst>
-              <a:ext uri="{FF2B5EF4-FFF2-40B4-BE49-F238E27FC236}">
-                <a16:creationId xmlns:a16="http://schemas.microsoft.com/office/drawing/2014/main" id="{C0A07907-8A7B-94B8-832B-F1495A56C62A}"/>
-              </a:ext>
-            </a:extLst>
-          </p:cNvPr>
-          <p:cNvSpPr/>
-          <p:nvPr/>
-        </p:nvSpPr>
-        <p:spPr>
-          <a:xfrm>
-            <a:off x="2445174" y="1651000"/>
-            <a:ext cx="2880360" cy="1666240"/>
-          </a:xfrm>
-          <a:prstGeom prst="roundRect">
-            <a:avLst/>
-          </a:prstGeom>
-          <a:solidFill>
-            <a:schemeClr val="bg1"/>
-          </a:solidFill>
-          <a:ln w="34925">
-            <a:solidFill>
-              <a:schemeClr val="tx1"/>
-            </a:solidFill>
-          </a:ln>
-          <a:effectLst>
-            <a:outerShdw blurRad="317500" dir="2700000" algn="ctr">
-              <a:srgbClr val="000000">
-                <a:alpha val="43000"/>
-              </a:srgbClr>
-            </a:outerShdw>
-          </a:effectLst>
-        </p:spPr>
-        <p:style>
-          <a:lnRef idx="2">
-            <a:schemeClr val="accent1">
-              <a:shade val="15000"/>
-            </a:schemeClr>
-          </a:lnRef>
-          <a:fillRef idx="1">
-            <a:schemeClr val="accent1"/>
-          </a:fillRef>
-          <a:effectRef idx="0">
-            <a:schemeClr val="accent1"/>
-          </a:effectRef>
-          <a:fontRef idx="minor">
-            <a:schemeClr val="lt1"/>
-          </a:fontRef>
-        </p:style>
-        <p:txBody>
-          <a:bodyPr rtlCol="0" anchor="ctr"/>
-          <a:lstStyle/>
-          <a:p>
-            <a:pPr algn="ctr"/>
-            <a:r>
-              <a:rPr lang="en-GB" sz="2400" b="1" i="0" noProof="0" dirty="0">
-                <a:solidFill>
-                  <a:srgbClr val="1F2328"/>
-                </a:solidFill>
-                <a:effectLst/>
-                <a:latin typeface="-apple-system"/>
-              </a:rPr>
-              <a:t>Data </a:t>
-            </a:r>
-            <a:r>
-              <a:rPr lang="en-GB" sz="2400" b="1" noProof="0" dirty="0">
-                <a:solidFill>
-                  <a:srgbClr val="1F2328"/>
-                </a:solidFill>
-                <a:latin typeface="-apple-system"/>
-              </a:rPr>
-              <a:t>reduction</a:t>
-            </a:r>
-            <a:r>
-              <a:rPr lang="en-GB" sz="2400" b="1" i="0" noProof="0" dirty="0">
-                <a:solidFill>
-                  <a:srgbClr val="1F2328"/>
-                </a:solidFill>
-                <a:effectLst/>
-                <a:latin typeface="-apple-system"/>
-              </a:rPr>
-              <a:t> </a:t>
-            </a:r>
-          </a:p>
-        </p:txBody>
-      </p:sp>
-      <p:sp>
-        <p:nvSpPr>
-          <p:cNvPr id="9" name="TextBox 8">
-            <a:extLst>
-              <a:ext uri="{FF2B5EF4-FFF2-40B4-BE49-F238E27FC236}">
-                <a16:creationId xmlns:a16="http://schemas.microsoft.com/office/drawing/2014/main" id="{C6DA3AEC-8478-DDFC-D8D1-A399B33948FD}"/>
-              </a:ext>
-            </a:extLst>
-          </p:cNvPr>
-          <p:cNvSpPr txBox="1"/>
-          <p:nvPr/>
-        </p:nvSpPr>
-        <p:spPr>
-          <a:xfrm>
-            <a:off x="2445174" y="3982197"/>
-            <a:ext cx="2880360" cy="1477328"/>
-          </a:xfrm>
-          <a:prstGeom prst="rect">
-            <a:avLst/>
-          </a:prstGeom>
-          <a:noFill/>
-        </p:spPr>
-        <p:txBody>
-          <a:bodyPr wrap="square" rtlCol="0">
-            <a:spAutoFit/>
-          </a:bodyPr>
-          <a:lstStyle/>
-          <a:p>
-            <a:pPr algn="l">
-              <a:buFont typeface="Arial" panose="020B0604020202020204" pitchFamily="34" charset="0"/>
-              <a:buChar char="•"/>
-            </a:pPr>
-            <a:r>
-              <a:rPr lang="en-GB" b="0" i="0" noProof="0" dirty="0">
-                <a:solidFill>
-                  <a:srgbClr val="1F2328"/>
-                </a:solidFill>
-                <a:effectLst/>
-                <a:latin typeface="-apple-system"/>
-              </a:rPr>
-              <a:t> PCR</a:t>
-            </a:r>
-          </a:p>
-          <a:p>
-            <a:pPr algn="l"/>
-            <a:endParaRPr lang="en-GB" b="0" i="0" noProof="0" dirty="0">
-              <a:solidFill>
-                <a:srgbClr val="1F2328"/>
-              </a:solidFill>
-              <a:effectLst/>
-              <a:latin typeface="-apple-system"/>
-            </a:endParaRPr>
-          </a:p>
-          <a:p>
-            <a:pPr algn="l">
-              <a:buFont typeface="Arial" panose="020B0604020202020204" pitchFamily="34" charset="0"/>
-              <a:buChar char="•"/>
-            </a:pPr>
-            <a:r>
-              <a:rPr lang="en-GB" noProof="0" dirty="0">
-                <a:solidFill>
-                  <a:srgbClr val="1F2328"/>
-                </a:solidFill>
-                <a:latin typeface="-apple-system"/>
-              </a:rPr>
-              <a:t> k-means</a:t>
-            </a:r>
-          </a:p>
-          <a:p>
-            <a:pPr algn="l">
-              <a:buFont typeface="Arial" panose="020B0604020202020204" pitchFamily="34" charset="0"/>
-              <a:buChar char="•"/>
-            </a:pPr>
-            <a:endParaRPr lang="en-GB" noProof="0" dirty="0">
-              <a:solidFill>
-                <a:srgbClr val="1F2328"/>
-              </a:solidFill>
-              <a:latin typeface="-apple-system"/>
-            </a:endParaRPr>
-          </a:p>
-          <a:p>
-            <a:pPr algn="l">
-              <a:buFont typeface="Arial" panose="020B0604020202020204" pitchFamily="34" charset="0"/>
-              <a:buChar char="•"/>
-            </a:pPr>
-            <a:r>
-              <a:rPr lang="en-GB" noProof="0" dirty="0">
-                <a:solidFill>
-                  <a:srgbClr val="1F2328"/>
-                </a:solidFill>
-                <a:latin typeface="-apple-system"/>
-              </a:rPr>
-              <a:t> linear regression analysis</a:t>
-            </a:r>
-          </a:p>
-        </p:txBody>
-      </p:sp>
-      <p:sp>
-        <p:nvSpPr>
-          <p:cNvPr id="3" name="TextBox 2">
-            <a:extLst>
-              <a:ext uri="{FF2B5EF4-FFF2-40B4-BE49-F238E27FC236}">
-                <a16:creationId xmlns:a16="http://schemas.microsoft.com/office/drawing/2014/main" id="{719F5976-1FBB-37CE-9A28-84BB95E34E1F}"/>
-              </a:ext>
-            </a:extLst>
-          </p:cNvPr>
-          <p:cNvSpPr txBox="1"/>
-          <p:nvPr/>
-        </p:nvSpPr>
-        <p:spPr>
-          <a:xfrm>
-            <a:off x="3167062" y="290480"/>
-            <a:ext cx="5857875" cy="769441"/>
-          </a:xfrm>
-          <a:prstGeom prst="rect">
-            <a:avLst/>
-          </a:prstGeom>
-          <a:noFill/>
-        </p:spPr>
-        <p:txBody>
-          <a:bodyPr wrap="square" rtlCol="0">
-            <a:spAutoFit/>
-          </a:bodyPr>
-          <a:lstStyle/>
-          <a:p>
-            <a:pPr algn="ctr"/>
-            <a:r>
-              <a:rPr lang="en-GB" sz="4400" noProof="0" dirty="0"/>
-              <a:t>3./4. Week</a:t>
-            </a:r>
-          </a:p>
-        </p:txBody>
-      </p:sp>
-      <p:pic>
-        <p:nvPicPr>
-          <p:cNvPr id="8" name="Picture 7" descr="A graph with red and blue dots&#10;&#10;AI-generated content may be incorrect.">
-            <a:extLst>
-              <a:ext uri="{FF2B5EF4-FFF2-40B4-BE49-F238E27FC236}">
-                <a16:creationId xmlns:a16="http://schemas.microsoft.com/office/drawing/2014/main" id="{F5E8DA1F-4232-EEFA-2EAD-9958096A0365}"/>
-              </a:ext>
-            </a:extLst>
-          </p:cNvPr>
-          <p:cNvPicPr>
-            <a:picLocks noChangeAspect="1"/>
-          </p:cNvPicPr>
-          <p:nvPr/>
-        </p:nvPicPr>
-        <p:blipFill>
-          <a:blip r:embed="rId2">
-            <a:extLst>
-              <a:ext uri="{28A0092B-C50C-407E-A947-70E740481C1C}">
-                <a14:useLocalDpi xmlns:a14="http://schemas.microsoft.com/office/drawing/2010/main" val="0"/>
-              </a:ext>
-            </a:extLst>
-          </a:blip>
-          <a:stretch>
-            <a:fillRect/>
-          </a:stretch>
-        </p:blipFill>
-        <p:spPr>
-          <a:xfrm>
-            <a:off x="7239001" y="1650999"/>
-            <a:ext cx="4953000" cy="4664477"/>
-          </a:xfrm>
-          <a:prstGeom prst="rect">
-            <a:avLst/>
-          </a:prstGeom>
-        </p:spPr>
-      </p:pic>
-      <p:pic>
-        <p:nvPicPr>
-          <p:cNvPr id="5" name="Picture 4" descr="A graph of a graph&#10;&#10;AI-generated content may be incorrect.">
-            <a:extLst>
-              <a:ext uri="{FF2B5EF4-FFF2-40B4-BE49-F238E27FC236}">
-                <a16:creationId xmlns:a16="http://schemas.microsoft.com/office/drawing/2014/main" id="{8413892F-AFAF-C00D-2048-2DB3A0070D1F}"/>
-              </a:ext>
-            </a:extLst>
-          </p:cNvPr>
-          <p:cNvPicPr>
-            <a:picLocks noChangeAspect="1"/>
-          </p:cNvPicPr>
-          <p:nvPr/>
-        </p:nvPicPr>
-        <p:blipFill>
-          <a:blip r:embed="rId3">
-            <a:extLst>
-              <a:ext uri="{28A0092B-C50C-407E-A947-70E740481C1C}">
-                <a14:useLocalDpi xmlns:a14="http://schemas.microsoft.com/office/drawing/2010/main" val="0"/>
-              </a:ext>
-            </a:extLst>
-          </a:blip>
-          <a:srcRect l="442"/>
-          <a:stretch/>
-        </p:blipFill>
-        <p:spPr>
-          <a:xfrm>
-            <a:off x="6045201" y="1650999"/>
-            <a:ext cx="6062135" cy="4607908"/>
-          </a:xfrm>
-          <a:prstGeom prst="rect">
-            <a:avLst/>
-          </a:prstGeom>
-        </p:spPr>
-      </p:pic>
-      <p:sp>
-        <p:nvSpPr>
-          <p:cNvPr id="12" name="TextBox 11">
-            <a:extLst>
-              <a:ext uri="{FF2B5EF4-FFF2-40B4-BE49-F238E27FC236}">
-                <a16:creationId xmlns:a16="http://schemas.microsoft.com/office/drawing/2014/main" id="{8B8886D3-46DB-A5F2-B828-DF4FBE419632}"/>
-              </a:ext>
-            </a:extLst>
-          </p:cNvPr>
-          <p:cNvSpPr txBox="1"/>
-          <p:nvPr/>
-        </p:nvSpPr>
-        <p:spPr>
-          <a:xfrm>
-            <a:off x="6045201" y="6429020"/>
-            <a:ext cx="4572000" cy="246221"/>
-          </a:xfrm>
-          <a:prstGeom prst="rect">
-            <a:avLst/>
-          </a:prstGeom>
-          <a:noFill/>
-        </p:spPr>
-        <p:txBody>
-          <a:bodyPr wrap="square" rtlCol="0">
-            <a:spAutoFit/>
-          </a:bodyPr>
-          <a:lstStyle/>
-          <a:p>
-            <a:r>
-              <a:rPr lang="en-GB" sz="1000" u="sng" noProof="0" dirty="0" err="1"/>
-              <a:t>Bioinfo</a:t>
-            </a:r>
-            <a:r>
-              <a:rPr lang="en-GB" sz="1000" u="sng" noProof="0" dirty="0"/>
-              <a:t>-Slides </a:t>
-            </a:r>
-            <a:r>
-              <a:rPr lang="en-GB" sz="1000" u="sng" noProof="0" dirty="0" err="1"/>
-              <a:t>aus</a:t>
-            </a:r>
-            <a:r>
-              <a:rPr lang="en-GB" sz="1000" u="sng" noProof="0" dirty="0"/>
-              <a:t> </a:t>
-            </a:r>
-            <a:r>
-              <a:rPr lang="en-GB" sz="1000" u="sng" noProof="0" dirty="0" err="1"/>
-              <a:t>dem</a:t>
-            </a:r>
-            <a:r>
-              <a:rPr lang="en-GB" sz="1000" u="sng" noProof="0" dirty="0"/>
-              <a:t> 3. Semester</a:t>
-            </a:r>
-          </a:p>
-        </p:txBody>
-      </p:sp>
-      <p:sp>
-        <p:nvSpPr>
-          <p:cNvPr id="13" name="TextBox 12">
-            <a:extLst>
-              <a:ext uri="{FF2B5EF4-FFF2-40B4-BE49-F238E27FC236}">
-                <a16:creationId xmlns:a16="http://schemas.microsoft.com/office/drawing/2014/main" id="{35712DFF-DC77-C3A8-95B8-5E727EB42BA2}"/>
-              </a:ext>
-            </a:extLst>
-          </p:cNvPr>
-          <p:cNvSpPr txBox="1"/>
-          <p:nvPr/>
-        </p:nvSpPr>
-        <p:spPr>
-          <a:xfrm>
-            <a:off x="5304366" y="1039493"/>
-            <a:ext cx="1583266" cy="369332"/>
-          </a:xfrm>
-          <a:prstGeom prst="rect">
-            <a:avLst/>
-          </a:prstGeom>
-          <a:noFill/>
-        </p:spPr>
-        <p:txBody>
-          <a:bodyPr wrap="square" rtlCol="0">
-            <a:spAutoFit/>
-          </a:bodyPr>
-          <a:lstStyle/>
-          <a:p>
-            <a:pPr algn="ctr"/>
-            <a:r>
-              <a:rPr lang="de-DE" dirty="0"/>
-              <a:t>02.06.-15.06.</a:t>
-            </a:r>
-          </a:p>
-        </p:txBody>
-      </p:sp>
-    </p:spTree>
-    <p:extLst>
-      <p:ext uri="{BB962C8B-B14F-4D97-AF65-F5344CB8AC3E}">
-        <p14:creationId xmlns:p14="http://schemas.microsoft.com/office/powerpoint/2010/main" val="695571366"/>
-      </p:ext>
-    </p:extLst>
-  </p:cSld>
-  <p:clrMapOvr>
-    <a:masterClrMapping/>
-  </p:clrMapOvr>
-  <p:timing>
-    <p:tnLst>
-      <p:par>
-        <p:cTn id="1" dur="indefinite" restart="never" nodeType="tmRoot">
-          <p:childTnLst>
-            <p:seq concurrent="1" nextAc="seek">
-              <p:cTn id="2" dur="indefinite" nodeType="mainSeq">
-                <p:childTnLst>
-                  <p:par>
-                    <p:cTn id="3" fill="hold">
-                      <p:stCondLst>
-                        <p:cond delay="indefinite"/>
-                      </p:stCondLst>
-                      <p:childTnLst>
-                        <p:par>
-                          <p:cTn id="4" fill="hold">
-                            <p:stCondLst>
-                              <p:cond delay="0"/>
-                            </p:stCondLst>
-                            <p:childTnLst>
-                              <p:par>
-                                <p:cTn id="5" presetID="1" presetClass="entr" presetSubtype="0" fill="hold" grpId="0" nodeType="clickEffect">
-                                  <p:stCondLst>
-                                    <p:cond delay="0"/>
-                                  </p:stCondLst>
-                                  <p:childTnLst>
-                                    <p:set>
-                                      <p:cBhvr>
-                                        <p:cTn id="6" dur="1" fill="hold">
-                                          <p:stCondLst>
-                                            <p:cond delay="0"/>
-                                          </p:stCondLst>
-                                        </p:cTn>
-                                        <p:tgtEl>
-                                          <p:spTgt spid="2"/>
-                                        </p:tgtEl>
-                                        <p:attrNameLst>
-                                          <p:attrName>style.visibility</p:attrName>
-                                        </p:attrNameLst>
-                                      </p:cBhvr>
-                                      <p:to>
-                                        <p:strVal val="visible"/>
-                                      </p:to>
-                                    </p:set>
-                                  </p:childTnLst>
-                                </p:cTn>
-                              </p:par>
-                            </p:childTnLst>
-                          </p:cTn>
-                        </p:par>
-                      </p:childTnLst>
-                    </p:cTn>
-                  </p:par>
-                  <p:par>
-                    <p:cTn id="7" fill="hold">
-                      <p:stCondLst>
-                        <p:cond delay="indefinite"/>
-                      </p:stCondLst>
-                      <p:childTnLst>
-                        <p:par>
-                          <p:cTn id="8" fill="hold">
-                            <p:stCondLst>
-                              <p:cond delay="0"/>
-                            </p:stCondLst>
-                            <p:childTnLst>
-                              <p:par>
-                                <p:cTn id="9" presetID="1" presetClass="entr" presetSubtype="0" fill="hold" grpId="0" nodeType="clickEffect">
-                                  <p:stCondLst>
-                                    <p:cond delay="0"/>
-                                  </p:stCondLst>
-                                  <p:childTnLst>
-                                    <p:set>
-                                      <p:cBhvr>
-                                        <p:cTn id="10" dur="1" fill="hold">
-                                          <p:stCondLst>
-                                            <p:cond delay="0"/>
-                                          </p:stCondLst>
-                                        </p:cTn>
-                                        <p:tgtEl>
-                                          <p:spTgt spid="9">
-                                            <p:txEl>
-                                              <p:pRg st="0" end="0"/>
-                                            </p:txEl>
-                                          </p:spTgt>
-                                        </p:tgtEl>
-                                        <p:attrNameLst>
-                                          <p:attrName>style.visibility</p:attrName>
-                                        </p:attrNameLst>
-                                      </p:cBhvr>
-                                      <p:to>
-                                        <p:strVal val="visible"/>
-                                      </p:to>
-                                    </p:set>
-                                  </p:childTnLst>
-                                </p:cTn>
-                              </p:par>
-                            </p:childTnLst>
-                          </p:cTn>
-                        </p:par>
-                      </p:childTnLst>
-                    </p:cTn>
-                  </p:par>
-                  <p:par>
-                    <p:cTn id="11" fill="hold">
-                      <p:stCondLst>
-                        <p:cond delay="indefinite"/>
-                      </p:stCondLst>
-                      <p:childTnLst>
-                        <p:par>
-                          <p:cTn id="12" fill="hold">
-                            <p:stCondLst>
-                              <p:cond delay="0"/>
-                            </p:stCondLst>
-                            <p:childTnLst>
-                              <p:par>
-                                <p:cTn id="13" presetID="1" presetClass="entr" presetSubtype="0" fill="hold" grpId="0" nodeType="clickEffect">
-                                  <p:stCondLst>
-                                    <p:cond delay="0"/>
-                                  </p:stCondLst>
-                                  <p:childTnLst>
-                                    <p:set>
-                                      <p:cBhvr>
-                                        <p:cTn id="14" dur="1" fill="hold">
-                                          <p:stCondLst>
-                                            <p:cond delay="0"/>
-                                          </p:stCondLst>
-                                        </p:cTn>
-                                        <p:tgtEl>
-                                          <p:spTgt spid="9">
-                                            <p:txEl>
-                                              <p:pRg st="2" end="2"/>
-                                            </p:txEl>
-                                          </p:spTgt>
-                                        </p:tgtEl>
-                                        <p:attrNameLst>
-                                          <p:attrName>style.visibility</p:attrName>
-                                        </p:attrNameLst>
-                                      </p:cBhvr>
-                                      <p:to>
-                                        <p:strVal val="visible"/>
-                                      </p:to>
-                                    </p:set>
-                                  </p:childTnLst>
-                                </p:cTn>
-                              </p:par>
-                            </p:childTnLst>
-                          </p:cTn>
-                        </p:par>
-                      </p:childTnLst>
-                    </p:cTn>
-                  </p:par>
-                  <p:par>
-                    <p:cTn id="15" fill="hold">
-                      <p:stCondLst>
-                        <p:cond delay="indefinite"/>
-                      </p:stCondLst>
-                      <p:childTnLst>
-                        <p:par>
-                          <p:cTn id="16" fill="hold">
-                            <p:stCondLst>
-                              <p:cond delay="0"/>
-                            </p:stCondLst>
-                            <p:childTnLst>
-                              <p:par>
-                                <p:cTn id="17" presetID="1" presetClass="entr" presetSubtype="0" fill="hold" grpId="0" nodeType="clickEffect">
-                                  <p:stCondLst>
-                                    <p:cond delay="0"/>
-                                  </p:stCondLst>
-                                  <p:childTnLst>
-                                    <p:set>
-                                      <p:cBhvr>
-                                        <p:cTn id="18" dur="1" fill="hold">
-                                          <p:stCondLst>
-                                            <p:cond delay="0"/>
-                                          </p:stCondLst>
-                                        </p:cTn>
-                                        <p:tgtEl>
-                                          <p:spTgt spid="9">
-                                            <p:txEl>
-                                              <p:pRg st="4" end="4"/>
-                                            </p:txEl>
-                                          </p:spTgt>
-                                        </p:tgtEl>
-                                        <p:attrNameLst>
-                                          <p:attrName>style.visibility</p:attrName>
-                                        </p:attrNameLst>
-                                      </p:cBhvr>
-                                      <p:to>
-                                        <p:strVal val="visible"/>
-                                      </p:to>
-                                    </p:set>
-                                  </p:childTnLst>
-                                </p:cTn>
-                              </p:par>
-                            </p:childTnLst>
-                          </p:cTn>
-                        </p:par>
-                      </p:childTnLst>
-                    </p:cTn>
-                  </p:par>
-                  <p:par>
-                    <p:cTn id="19" fill="hold">
-                      <p:stCondLst>
-                        <p:cond delay="indefinite"/>
-                      </p:stCondLst>
-                      <p:childTnLst>
-                        <p:par>
-                          <p:cTn id="20" fill="hold">
-                            <p:stCondLst>
-                              <p:cond delay="0"/>
-                            </p:stCondLst>
-                            <p:childTnLst>
-                              <p:par>
-                                <p:cTn id="21" presetID="1" presetClass="entr" presetSubtype="0" fill="hold" nodeType="clickEffect">
-                                  <p:stCondLst>
-                                    <p:cond delay="0"/>
-                                  </p:stCondLst>
-                                  <p:childTnLst>
-                                    <p:set>
-                                      <p:cBhvr>
-                                        <p:cTn id="22" dur="1" fill="hold">
-                                          <p:stCondLst>
-                                            <p:cond delay="0"/>
-                                          </p:stCondLst>
-                                        </p:cTn>
-                                        <p:tgtEl>
-                                          <p:spTgt spid="8"/>
-                                        </p:tgtEl>
-                                        <p:attrNameLst>
-                                          <p:attrName>style.visibility</p:attrName>
-                                        </p:attrNameLst>
-                                      </p:cBhvr>
-                                      <p:to>
-                                        <p:strVal val="visible"/>
-                                      </p:to>
-                                    </p:set>
-                                  </p:childTnLst>
-                                </p:cTn>
-                              </p:par>
-                            </p:childTnLst>
-                          </p:cTn>
-                        </p:par>
-                      </p:childTnLst>
-                    </p:cTn>
-                  </p:par>
-                  <p:par>
-                    <p:cTn id="23" fill="hold">
-                      <p:stCondLst>
-                        <p:cond delay="indefinite"/>
-                      </p:stCondLst>
-                      <p:childTnLst>
-                        <p:par>
-                          <p:cTn id="24" fill="hold">
-                            <p:stCondLst>
-                              <p:cond delay="0"/>
-                            </p:stCondLst>
-                            <p:childTnLst>
-                              <p:par>
-                                <p:cTn id="25" presetID="1" presetClass="entr" presetSubtype="0" fill="hold" nodeType="clickEffect">
-                                  <p:stCondLst>
-                                    <p:cond delay="0"/>
-                                  </p:stCondLst>
-                                  <p:childTnLst>
-                                    <p:set>
-                                      <p:cBhvr>
-                                        <p:cTn id="26" dur="1" fill="hold">
-                                          <p:stCondLst>
-                                            <p:cond delay="0"/>
-                                          </p:stCondLst>
-                                        </p:cTn>
-                                        <p:tgtEl>
-                                          <p:spTgt spid="5"/>
-                                        </p:tgtEl>
-                                        <p:attrNameLst>
-                                          <p:attrName>style.visibility</p:attrName>
-                                        </p:attrNameLst>
-                                      </p:cBhvr>
-                                      <p:to>
-                                        <p:strVal val="visible"/>
-                                      </p:to>
-                                    </p:set>
-                                  </p:childTnLst>
-                                </p:cTn>
-                              </p:par>
-                            </p:childTnLst>
-                          </p:cTn>
-                        </p:par>
-                      </p:childTnLst>
-                    </p:cTn>
-                  </p:par>
-                </p:childTnLst>
-              </p:cTn>
-              <p:prevCondLst>
-                <p:cond evt="onPrev" delay="0">
-                  <p:tgtEl>
-                    <p:sldTgt/>
-                  </p:tgtEl>
-                </p:cond>
-              </p:prevCondLst>
-              <p:nextCondLst>
-                <p:cond evt="onNext" delay="0">
-                  <p:tgtEl>
-                    <p:sldTgt/>
-                  </p:tgtEl>
-                </p:cond>
-              </p:nextCondLst>
-            </p:seq>
-          </p:childTnLst>
-        </p:cTn>
-      </p:par>
-    </p:tnLst>
-    <p:bldLst>
-      <p:bldP spid="2" grpId="0" animBg="1"/>
-      <p:bldP spid="9" grpId="0" build="p"/>
-    </p:bldLst>
-  </p:timing>
-</p:sld>
-</file>
-
-<file path=ppt/slides/slide11.xml><?xml version="1.0" encoding="utf-8"?>
-<p:sld xmlns:a="http://schemas.openxmlformats.org/drawingml/2006/main" xmlns:r="http://schemas.openxmlformats.org/officeDocument/2006/relationships" xmlns:p="http://schemas.openxmlformats.org/presentationml/2006/main">
-  <p:cSld>
-    <p:spTree>
-      <p:nvGrpSpPr>
-        <p:cNvPr id="1" name=""/>
-        <p:cNvGrpSpPr/>
-        <p:nvPr/>
-      </p:nvGrpSpPr>
-      <p:grpSpPr>
-        <a:xfrm>
-          <a:off x="0" y="0"/>
-          <a:ext cx="0" cy="0"/>
-          <a:chOff x="0" y="0"/>
-          <a:chExt cx="0" cy="0"/>
-        </a:xfrm>
-      </p:grpSpPr>
-      <p:pic>
-        <p:nvPicPr>
-          <p:cNvPr id="2" name="Picture 1" descr="A comparison of a graph&#10;&#10;AI-generated content may be incorrect.">
-            <a:extLst>
-              <a:ext uri="{FF2B5EF4-FFF2-40B4-BE49-F238E27FC236}">
-                <a16:creationId xmlns:a16="http://schemas.microsoft.com/office/drawing/2014/main" id="{4A73FD8A-1DFB-7CC1-7CFB-C06F98CBF7F8}"/>
-              </a:ext>
-            </a:extLst>
-          </p:cNvPr>
-          <p:cNvPicPr>
-            <a:picLocks noChangeAspect="1"/>
-          </p:cNvPicPr>
-          <p:nvPr/>
-        </p:nvPicPr>
-        <p:blipFill>
-          <a:blip r:embed="rId2">
-            <a:extLst>
-              <a:ext uri="{28A0092B-C50C-407E-A947-70E740481C1C}">
-                <a14:useLocalDpi xmlns:a14="http://schemas.microsoft.com/office/drawing/2010/main" val="0"/>
-              </a:ext>
-            </a:extLst>
-          </a:blip>
-          <a:srcRect t="5391"/>
-          <a:stretch/>
-        </p:blipFill>
-        <p:spPr>
-          <a:xfrm>
-            <a:off x="860288" y="1253880"/>
-            <a:ext cx="10471424" cy="4350240"/>
-          </a:xfrm>
-          <a:prstGeom prst="rect">
-            <a:avLst/>
-          </a:prstGeom>
-        </p:spPr>
-      </p:pic>
-      <p:sp>
-        <p:nvSpPr>
-          <p:cNvPr id="3" name="TextBox 2">
-            <a:extLst>
-              <a:ext uri="{FF2B5EF4-FFF2-40B4-BE49-F238E27FC236}">
-                <a16:creationId xmlns:a16="http://schemas.microsoft.com/office/drawing/2014/main" id="{6D65A147-8C7A-6117-BA6C-A252DC013A91}"/>
-              </a:ext>
-            </a:extLst>
-          </p:cNvPr>
-          <p:cNvSpPr txBox="1"/>
-          <p:nvPr/>
-        </p:nvSpPr>
-        <p:spPr>
-          <a:xfrm>
-            <a:off x="860288" y="5716978"/>
-            <a:ext cx="4572000" cy="246221"/>
-          </a:xfrm>
-          <a:prstGeom prst="rect">
-            <a:avLst/>
-          </a:prstGeom>
-          <a:noFill/>
-        </p:spPr>
-        <p:txBody>
-          <a:bodyPr wrap="square" rtlCol="0">
-            <a:spAutoFit/>
-          </a:bodyPr>
-          <a:lstStyle/>
-          <a:p>
-            <a:r>
-              <a:rPr lang="en-GB" sz="1000" u="sng" noProof="0" dirty="0" err="1"/>
-              <a:t>Bioinfo</a:t>
-            </a:r>
-            <a:r>
-              <a:rPr lang="en-GB" sz="1000" u="sng" noProof="0" dirty="0"/>
-              <a:t>-Slides </a:t>
-            </a:r>
-            <a:r>
-              <a:rPr lang="en-GB" sz="1000" u="sng" noProof="0" dirty="0" err="1"/>
-              <a:t>aus</a:t>
-            </a:r>
-            <a:r>
-              <a:rPr lang="en-GB" sz="1000" u="sng" noProof="0" dirty="0"/>
-              <a:t> </a:t>
-            </a:r>
-            <a:r>
-              <a:rPr lang="en-GB" sz="1000" u="sng" noProof="0" dirty="0" err="1"/>
-              <a:t>dem</a:t>
-            </a:r>
-            <a:r>
-              <a:rPr lang="en-GB" sz="1000" u="sng" noProof="0" dirty="0"/>
-              <a:t> 3. Semester</a:t>
-            </a:r>
-          </a:p>
-        </p:txBody>
-      </p:sp>
-    </p:spTree>
-    <p:extLst>
-      <p:ext uri="{BB962C8B-B14F-4D97-AF65-F5344CB8AC3E}">
-        <p14:creationId xmlns:p14="http://schemas.microsoft.com/office/powerpoint/2010/main" val="3608344811"/>
-      </p:ext>
-    </p:extLst>
-  </p:cSld>
-  <p:clrMapOvr>
-    <a:masterClrMapping/>
-  </p:clrMapOvr>
-</p:sld>
-</file>
-
-<file path=ppt/slides/slide12.xml><?xml version="1.0" encoding="utf-8"?>
 <p:sld xmlns:a="http://schemas.openxmlformats.org/drawingml/2006/main" xmlns:r="http://schemas.openxmlformats.org/officeDocument/2006/relationships" xmlns:p="http://schemas.openxmlformats.org/presentationml/2006/main">
   <p:cSld>
     <p:spTree>
@@ -5212,7 +4355,7 @@
 </p:sld>
 </file>
 
-<file path=ppt/slides/slide13.xml><?xml version="1.0" encoding="utf-8"?>
+<file path=ppt/slides/slide11.xml><?xml version="1.0" encoding="utf-8"?>
 <p:sld xmlns:a="http://schemas.openxmlformats.org/drawingml/2006/main" xmlns:r="http://schemas.openxmlformats.org/officeDocument/2006/relationships" xmlns:p="http://schemas.openxmlformats.org/presentationml/2006/main">
   <p:cSld>
     <p:spTree>
@@ -5278,7 +4421,256 @@
 </p:sld>
 </file>
 
-<file path=ppt/slides/slide14.xml><?xml version="1.0" encoding="utf-8"?>
+<file path=ppt/slides/slide12.xml><?xml version="1.0" encoding="utf-8"?>
+<p:sld xmlns:a="http://schemas.openxmlformats.org/drawingml/2006/main" xmlns:r="http://schemas.openxmlformats.org/officeDocument/2006/relationships" xmlns:p="http://schemas.openxmlformats.org/presentationml/2006/main">
+  <p:cSld>
+    <p:spTree>
+      <p:nvGrpSpPr>
+        <p:cNvPr id="1" name=""/>
+        <p:cNvGrpSpPr/>
+        <p:nvPr/>
+      </p:nvGrpSpPr>
+      <p:grpSpPr>
+        <a:xfrm>
+          <a:off x="0" y="0"/>
+          <a:ext cx="0" cy="0"/>
+          <a:chOff x="0" y="0"/>
+          <a:chExt cx="0" cy="0"/>
+        </a:xfrm>
+      </p:grpSpPr>
+      <p:sp>
+        <p:nvSpPr>
+          <p:cNvPr id="3" name="Inhaltsplatzhalter 2">
+            <a:extLst>
+              <a:ext uri="{FF2B5EF4-FFF2-40B4-BE49-F238E27FC236}">
+                <a16:creationId xmlns:a16="http://schemas.microsoft.com/office/drawing/2014/main" id="{115C18D8-C9D5-F800-76C7-B4DCF73D1E8E}"/>
+              </a:ext>
+            </a:extLst>
+          </p:cNvPr>
+          <p:cNvSpPr>
+            <a:spLocks noGrp="1"/>
+          </p:cNvSpPr>
+          <p:nvPr>
+            <p:ph idx="1"/>
+          </p:nvPr>
+        </p:nvSpPr>
+        <p:spPr>
+          <a:xfrm>
+            <a:off x="693345" y="3920149"/>
+            <a:ext cx="10515600" cy="3089731"/>
+          </a:xfrm>
+        </p:spPr>
+        <p:txBody>
+          <a:bodyPr>
+            <a:normAutofit/>
+          </a:bodyPr>
+          <a:lstStyle/>
+          <a:p>
+            <a:r>
+              <a:rPr lang="de-DE" dirty="0"/>
+              <a:t>Vorteile: Enrichment-</a:t>
+            </a:r>
+            <a:r>
+              <a:rPr lang="de-DE" dirty="0" err="1"/>
+              <a:t>free</a:t>
+            </a:r>
+            <a:r>
+              <a:rPr lang="de-DE" dirty="0"/>
+              <a:t>: Basiert nicht auf den Unterschieden von Affinität oder Eigenschaften der einzelnen Proteine, auch nicht auf bestimmten RNA/Protein-Sequenzen, liefert quantitative Aussagen über den Anteil jedes </a:t>
+            </a:r>
+            <a:r>
+              <a:rPr lang="de-DE" dirty="0" err="1"/>
+              <a:t>RBP</a:t>
+            </a:r>
+            <a:r>
+              <a:rPr lang="de-DE" dirty="0"/>
+              <a:t>, der tatsächlich an die RNA angelagert ist</a:t>
+            </a:r>
+          </a:p>
+          <a:p>
+            <a:r>
+              <a:rPr lang="de-DE" dirty="0"/>
+              <a:t>Limitationen: Identifiziert nicht die </a:t>
+            </a:r>
+            <a:r>
+              <a:rPr lang="de-DE" dirty="0" err="1"/>
+              <a:t>binding</a:t>
+            </a:r>
+            <a:r>
+              <a:rPr lang="de-DE" dirty="0"/>
+              <a:t> </a:t>
+            </a:r>
+            <a:r>
+              <a:rPr lang="de-DE" dirty="0" err="1"/>
+              <a:t>sites</a:t>
+            </a:r>
+            <a:r>
+              <a:rPr lang="de-DE" dirty="0"/>
+              <a:t>, keine Unterscheidung zwischen direkten und indirekten Interaktionen</a:t>
+            </a:r>
+          </a:p>
+          <a:p>
+            <a:pPr marL="0" indent="0">
+              <a:buNone/>
+            </a:pPr>
+            <a:endParaRPr lang="de-DE" dirty="0"/>
+          </a:p>
+        </p:txBody>
+      </p:sp>
+      <p:sp>
+        <p:nvSpPr>
+          <p:cNvPr id="9" name="Textfeld 8">
+            <a:extLst>
+              <a:ext uri="{FF2B5EF4-FFF2-40B4-BE49-F238E27FC236}">
+                <a16:creationId xmlns:a16="http://schemas.microsoft.com/office/drawing/2014/main" id="{7F20E539-8754-BA68-A4EF-17CDD02A551E}"/>
+              </a:ext>
+            </a:extLst>
+          </p:cNvPr>
+          <p:cNvSpPr txBox="1"/>
+          <p:nvPr/>
+        </p:nvSpPr>
+        <p:spPr>
+          <a:xfrm>
+            <a:off x="941560" y="1665838"/>
+            <a:ext cx="10339058" cy="923330"/>
+          </a:xfrm>
+          <a:prstGeom prst="rect">
+            <a:avLst/>
+          </a:prstGeom>
+          <a:noFill/>
+        </p:spPr>
+        <p:txBody>
+          <a:bodyPr wrap="square" rtlCol="0">
+            <a:spAutoFit/>
+          </a:bodyPr>
+          <a:lstStyle/>
+          <a:p>
+            <a:r>
+              <a:rPr lang="de-DE" dirty="0" err="1"/>
+              <a:t>Detection</a:t>
+            </a:r>
+            <a:r>
+              <a:rPr lang="de-DE" dirty="0"/>
+              <a:t> </a:t>
+            </a:r>
+            <a:r>
+              <a:rPr lang="de-DE" dirty="0" err="1"/>
+              <a:t>of</a:t>
+            </a:r>
+            <a:r>
+              <a:rPr lang="de-DE" dirty="0"/>
+              <a:t> all RNA-</a:t>
+            </a:r>
+            <a:r>
+              <a:rPr lang="de-DE" dirty="0" err="1"/>
+              <a:t>dependent</a:t>
+            </a:r>
+            <a:r>
+              <a:rPr lang="de-DE" dirty="0"/>
+              <a:t> </a:t>
+            </a:r>
+            <a:r>
+              <a:rPr lang="de-DE" dirty="0" err="1"/>
+              <a:t>proteins</a:t>
+            </a:r>
+            <a:r>
+              <a:rPr lang="de-DE" dirty="0"/>
+              <a:t>, </a:t>
+            </a:r>
+            <a:r>
+              <a:rPr lang="de-DE" dirty="0" err="1"/>
+              <a:t>that</a:t>
+            </a:r>
+            <a:r>
+              <a:rPr lang="de-DE" dirty="0"/>
+              <a:t> </a:t>
+            </a:r>
+            <a:r>
+              <a:rPr lang="de-DE" dirty="0" err="1"/>
+              <a:t>interact</a:t>
+            </a:r>
+            <a:r>
+              <a:rPr lang="de-DE" dirty="0"/>
+              <a:t> </a:t>
+            </a:r>
+            <a:r>
+              <a:rPr lang="de-DE" dirty="0" err="1"/>
+              <a:t>direclty</a:t>
+            </a:r>
+            <a:r>
+              <a:rPr lang="de-DE" dirty="0"/>
+              <a:t> </a:t>
+            </a:r>
+            <a:r>
+              <a:rPr lang="de-DE" dirty="0" err="1"/>
+              <a:t>or</a:t>
+            </a:r>
+            <a:r>
+              <a:rPr lang="de-DE" dirty="0"/>
+              <a:t> </a:t>
+            </a:r>
+            <a:r>
+              <a:rPr lang="de-DE" dirty="0" err="1"/>
+              <a:t>indirectly</a:t>
+            </a:r>
+            <a:r>
+              <a:rPr lang="de-DE" dirty="0"/>
+              <a:t> </a:t>
+            </a:r>
+            <a:r>
+              <a:rPr lang="de-DE" dirty="0" err="1"/>
+              <a:t>with</a:t>
+            </a:r>
+            <a:r>
+              <a:rPr lang="de-DE" dirty="0"/>
+              <a:t> RNA</a:t>
+            </a:r>
+          </a:p>
+          <a:p>
+            <a:endParaRPr lang="de-DE" dirty="0"/>
+          </a:p>
+          <a:p>
+            <a:r>
+              <a:rPr lang="de-DE" dirty="0" err="1"/>
+              <a:t>Proteome-wide</a:t>
+            </a:r>
+            <a:r>
+              <a:rPr lang="de-DE" dirty="0"/>
+              <a:t>, </a:t>
+            </a:r>
+            <a:r>
+              <a:rPr lang="de-DE" dirty="0" err="1"/>
+              <a:t>unbiased</a:t>
+            </a:r>
+            <a:r>
+              <a:rPr lang="de-DE" dirty="0"/>
+              <a:t>, </a:t>
+            </a:r>
+            <a:r>
+              <a:rPr lang="de-DE" dirty="0" err="1"/>
+              <a:t>enrichment-free</a:t>
+            </a:r>
+            <a:r>
+              <a:rPr lang="de-DE" dirty="0"/>
+              <a:t> screen </a:t>
+            </a:r>
+          </a:p>
+        </p:txBody>
+      </p:sp>
+    </p:spTree>
+    <p:extLst>
+      <p:ext uri="{BB962C8B-B14F-4D97-AF65-F5344CB8AC3E}">
+        <p14:creationId xmlns:p14="http://schemas.microsoft.com/office/powerpoint/2010/main" val="4033259709"/>
+      </p:ext>
+    </p:extLst>
+  </p:cSld>
+  <p:clrMapOvr>
+    <a:masterClrMapping/>
+  </p:clrMapOvr>
+</p:sld>
+</file>
+
+<file path=ppt/slides/slide13.xml><?xml version="1.0" encoding="utf-8"?>
 <p:sld xmlns:a="http://schemas.openxmlformats.org/drawingml/2006/main" xmlns:r="http://schemas.openxmlformats.org/officeDocument/2006/relationships" xmlns:p="http://schemas.openxmlformats.org/presentationml/2006/main">
   <p:cSld>
     <p:spTree>
@@ -5541,7 +4933,7 @@
 </p:sld>
 </file>
 
-<file path=ppt/slides/slide15.xml><?xml version="1.0" encoding="utf-8"?>
+<file path=ppt/slides/slide14.xml><?xml version="1.0" encoding="utf-8"?>
 <p:sld xmlns:a="http://schemas.openxmlformats.org/drawingml/2006/main" xmlns:r="http://schemas.openxmlformats.org/officeDocument/2006/relationships" xmlns:p="http://schemas.openxmlformats.org/presentationml/2006/main">
   <p:cSld>
     <p:spTree>
@@ -6388,255 +5780,6 @@
   <p:cSld>
     <p:spTree>
       <p:nvGrpSpPr>
-        <p:cNvPr id="1" name=""/>
-        <p:cNvGrpSpPr/>
-        <p:nvPr/>
-      </p:nvGrpSpPr>
-      <p:grpSpPr>
-        <a:xfrm>
-          <a:off x="0" y="0"/>
-          <a:ext cx="0" cy="0"/>
-          <a:chOff x="0" y="0"/>
-          <a:chExt cx="0" cy="0"/>
-        </a:xfrm>
-      </p:grpSpPr>
-      <p:sp>
-        <p:nvSpPr>
-          <p:cNvPr id="3" name="Inhaltsplatzhalter 2">
-            <a:extLst>
-              <a:ext uri="{FF2B5EF4-FFF2-40B4-BE49-F238E27FC236}">
-                <a16:creationId xmlns:a16="http://schemas.microsoft.com/office/drawing/2014/main" id="{115C18D8-C9D5-F800-76C7-B4DCF73D1E8E}"/>
-              </a:ext>
-            </a:extLst>
-          </p:cNvPr>
-          <p:cNvSpPr>
-            <a:spLocks noGrp="1"/>
-          </p:cNvSpPr>
-          <p:nvPr>
-            <p:ph idx="1"/>
-          </p:nvPr>
-        </p:nvSpPr>
-        <p:spPr>
-          <a:xfrm>
-            <a:off x="693345" y="3920149"/>
-            <a:ext cx="10515600" cy="3089731"/>
-          </a:xfrm>
-        </p:spPr>
-        <p:txBody>
-          <a:bodyPr>
-            <a:normAutofit/>
-          </a:bodyPr>
-          <a:lstStyle/>
-          <a:p>
-            <a:r>
-              <a:rPr lang="de-DE" dirty="0"/>
-              <a:t>Vorteile: Enrichment-</a:t>
-            </a:r>
-            <a:r>
-              <a:rPr lang="de-DE" dirty="0" err="1"/>
-              <a:t>free</a:t>
-            </a:r>
-            <a:r>
-              <a:rPr lang="de-DE" dirty="0"/>
-              <a:t>: Basiert nicht auf den Unterschieden von Affinität oder Eigenschaften der einzelnen Proteine, auch nicht auf bestimmten RNA/Protein-Sequenzen, liefert quantitative Aussagen über den Anteil jedes </a:t>
-            </a:r>
-            <a:r>
-              <a:rPr lang="de-DE" dirty="0" err="1"/>
-              <a:t>RBP</a:t>
-            </a:r>
-            <a:r>
-              <a:rPr lang="de-DE" dirty="0"/>
-              <a:t>, der tatsächlich an die RNA angelagert ist</a:t>
-            </a:r>
-          </a:p>
-          <a:p>
-            <a:r>
-              <a:rPr lang="de-DE" dirty="0"/>
-              <a:t>Limitationen: Identifiziert nicht die </a:t>
-            </a:r>
-            <a:r>
-              <a:rPr lang="de-DE" dirty="0" err="1"/>
-              <a:t>binding</a:t>
-            </a:r>
-            <a:r>
-              <a:rPr lang="de-DE" dirty="0"/>
-              <a:t> </a:t>
-            </a:r>
-            <a:r>
-              <a:rPr lang="de-DE" dirty="0" err="1"/>
-              <a:t>sites</a:t>
-            </a:r>
-            <a:r>
-              <a:rPr lang="de-DE" dirty="0"/>
-              <a:t>, keine Unterscheidung zwischen direkten und indirekten Interaktionen</a:t>
-            </a:r>
-          </a:p>
-          <a:p>
-            <a:pPr marL="0" indent="0">
-              <a:buNone/>
-            </a:pPr>
-            <a:endParaRPr lang="de-DE" dirty="0"/>
-          </a:p>
-        </p:txBody>
-      </p:sp>
-      <p:sp>
-        <p:nvSpPr>
-          <p:cNvPr id="9" name="Textfeld 8">
-            <a:extLst>
-              <a:ext uri="{FF2B5EF4-FFF2-40B4-BE49-F238E27FC236}">
-                <a16:creationId xmlns:a16="http://schemas.microsoft.com/office/drawing/2014/main" id="{7F20E539-8754-BA68-A4EF-17CDD02A551E}"/>
-              </a:ext>
-            </a:extLst>
-          </p:cNvPr>
-          <p:cNvSpPr txBox="1"/>
-          <p:nvPr/>
-        </p:nvSpPr>
-        <p:spPr>
-          <a:xfrm>
-            <a:off x="941560" y="1665838"/>
-            <a:ext cx="10339058" cy="923330"/>
-          </a:xfrm>
-          <a:prstGeom prst="rect">
-            <a:avLst/>
-          </a:prstGeom>
-          <a:noFill/>
-        </p:spPr>
-        <p:txBody>
-          <a:bodyPr wrap="square" rtlCol="0">
-            <a:spAutoFit/>
-          </a:bodyPr>
-          <a:lstStyle/>
-          <a:p>
-            <a:r>
-              <a:rPr lang="de-DE" dirty="0" err="1"/>
-              <a:t>Detection</a:t>
-            </a:r>
-            <a:r>
-              <a:rPr lang="de-DE" dirty="0"/>
-              <a:t> </a:t>
-            </a:r>
-            <a:r>
-              <a:rPr lang="de-DE" dirty="0" err="1"/>
-              <a:t>of</a:t>
-            </a:r>
-            <a:r>
-              <a:rPr lang="de-DE" dirty="0"/>
-              <a:t> all RNA-</a:t>
-            </a:r>
-            <a:r>
-              <a:rPr lang="de-DE" dirty="0" err="1"/>
-              <a:t>dependent</a:t>
-            </a:r>
-            <a:r>
-              <a:rPr lang="de-DE" dirty="0"/>
-              <a:t> </a:t>
-            </a:r>
-            <a:r>
-              <a:rPr lang="de-DE" dirty="0" err="1"/>
-              <a:t>proteins</a:t>
-            </a:r>
-            <a:r>
-              <a:rPr lang="de-DE" dirty="0"/>
-              <a:t>, </a:t>
-            </a:r>
-            <a:r>
-              <a:rPr lang="de-DE" dirty="0" err="1"/>
-              <a:t>that</a:t>
-            </a:r>
-            <a:r>
-              <a:rPr lang="de-DE" dirty="0"/>
-              <a:t> </a:t>
-            </a:r>
-            <a:r>
-              <a:rPr lang="de-DE" dirty="0" err="1"/>
-              <a:t>interact</a:t>
-            </a:r>
-            <a:r>
-              <a:rPr lang="de-DE" dirty="0"/>
-              <a:t> </a:t>
-            </a:r>
-            <a:r>
-              <a:rPr lang="de-DE" dirty="0" err="1"/>
-              <a:t>direclty</a:t>
-            </a:r>
-            <a:r>
-              <a:rPr lang="de-DE" dirty="0"/>
-              <a:t> </a:t>
-            </a:r>
-            <a:r>
-              <a:rPr lang="de-DE" dirty="0" err="1"/>
-              <a:t>or</a:t>
-            </a:r>
-            <a:r>
-              <a:rPr lang="de-DE" dirty="0"/>
-              <a:t> </a:t>
-            </a:r>
-            <a:r>
-              <a:rPr lang="de-DE" dirty="0" err="1"/>
-              <a:t>indirectly</a:t>
-            </a:r>
-            <a:r>
-              <a:rPr lang="de-DE" dirty="0"/>
-              <a:t> </a:t>
-            </a:r>
-            <a:r>
-              <a:rPr lang="de-DE" dirty="0" err="1"/>
-              <a:t>with</a:t>
-            </a:r>
-            <a:r>
-              <a:rPr lang="de-DE" dirty="0"/>
-              <a:t> RNA</a:t>
-            </a:r>
-          </a:p>
-          <a:p>
-            <a:endParaRPr lang="de-DE" dirty="0"/>
-          </a:p>
-          <a:p>
-            <a:r>
-              <a:rPr lang="de-DE" dirty="0" err="1"/>
-              <a:t>Proteome-wide</a:t>
-            </a:r>
-            <a:r>
-              <a:rPr lang="de-DE" dirty="0"/>
-              <a:t>, </a:t>
-            </a:r>
-            <a:r>
-              <a:rPr lang="de-DE" dirty="0" err="1"/>
-              <a:t>unbiased</a:t>
-            </a:r>
-            <a:r>
-              <a:rPr lang="de-DE" dirty="0"/>
-              <a:t>, </a:t>
-            </a:r>
-            <a:r>
-              <a:rPr lang="de-DE" dirty="0" err="1"/>
-              <a:t>enrichment-free</a:t>
-            </a:r>
-            <a:r>
-              <a:rPr lang="de-DE" dirty="0"/>
-              <a:t> screen </a:t>
-            </a:r>
-          </a:p>
-        </p:txBody>
-      </p:sp>
-    </p:spTree>
-    <p:extLst>
-      <p:ext uri="{BB962C8B-B14F-4D97-AF65-F5344CB8AC3E}">
-        <p14:creationId xmlns:p14="http://schemas.microsoft.com/office/powerpoint/2010/main" val="4033259709"/>
-      </p:ext>
-    </p:extLst>
-  </p:cSld>
-  <p:clrMapOvr>
-    <a:masterClrMapping/>
-  </p:clrMapOvr>
-</p:sld>
-</file>
-
-<file path=ppt/slides/slide3.xml><?xml version="1.0" encoding="utf-8"?>
-<p:sld xmlns:a="http://schemas.openxmlformats.org/drawingml/2006/main" xmlns:r="http://schemas.openxmlformats.org/officeDocument/2006/relationships" xmlns:p="http://schemas.openxmlformats.org/presentationml/2006/main">
-  <p:cSld>
-    <p:spTree>
-      <p:nvGrpSpPr>
         <p:cNvPr id="1" name="">
           <a:extLst>
             <a:ext uri="{FF2B5EF4-FFF2-40B4-BE49-F238E27FC236}">
@@ -6759,8 +5902,8 @@
         </p:nvSpPr>
         <p:spPr>
           <a:xfrm>
-            <a:off x="316872" y="1434841"/>
-            <a:ext cx="5296277" cy="4030606"/>
+            <a:off x="316872" y="1611542"/>
+            <a:ext cx="4992547" cy="3634916"/>
           </a:xfrm>
         </p:spPr>
         <p:txBody>
@@ -6768,6 +5911,79 @@
             <a:noAutofit/>
           </a:bodyPr>
           <a:lstStyle/>
+          <a:p>
+            <a:pPr>
+              <a:lnSpc>
+                <a:spcPct val="120000"/>
+              </a:lnSpc>
+            </a:pPr>
+            <a:r>
+              <a:rPr lang="de-DE" sz="2000" dirty="0">
+                <a:sym typeface="Wingdings" panose="05000000000000000000" pitchFamily="2" charset="2"/>
+              </a:rPr>
+              <a:t>RNA </a:t>
+            </a:r>
+            <a:r>
+              <a:rPr lang="de-DE" sz="2000" dirty="0" err="1">
+                <a:sym typeface="Wingdings" panose="05000000000000000000" pitchFamily="2" charset="2"/>
+              </a:rPr>
+              <a:t>degradation</a:t>
+            </a:r>
+            <a:r>
+              <a:rPr lang="de-DE" sz="2000" dirty="0">
+                <a:sym typeface="Wingdings" panose="05000000000000000000" pitchFamily="2" charset="2"/>
+              </a:rPr>
+              <a:t> </a:t>
+            </a:r>
+            <a:r>
+              <a:rPr lang="de-DE" sz="2000" dirty="0" err="1">
+                <a:sym typeface="Wingdings" panose="05000000000000000000" pitchFamily="2" charset="2"/>
+              </a:rPr>
+              <a:t>leads</a:t>
+            </a:r>
+            <a:r>
+              <a:rPr lang="de-DE" sz="2000" dirty="0">
+                <a:sym typeface="Wingdings" panose="05000000000000000000" pitchFamily="2" charset="2"/>
+              </a:rPr>
+              <a:t> </a:t>
+            </a:r>
+            <a:r>
+              <a:rPr lang="de-DE" sz="2000" dirty="0" err="1">
+                <a:sym typeface="Wingdings" panose="05000000000000000000" pitchFamily="2" charset="2"/>
+              </a:rPr>
+              <a:t>to</a:t>
+            </a:r>
+            <a:r>
+              <a:rPr lang="de-DE" sz="2000" dirty="0">
+                <a:sym typeface="Wingdings" panose="05000000000000000000" pitchFamily="2" charset="2"/>
+              </a:rPr>
+              <a:t> </a:t>
+            </a:r>
+            <a:r>
+              <a:rPr lang="de-DE" sz="2000" dirty="0" err="1">
+                <a:sym typeface="Wingdings" panose="05000000000000000000" pitchFamily="2" charset="2"/>
+              </a:rPr>
+              <a:t>dissolved</a:t>
+            </a:r>
+            <a:r>
+              <a:rPr lang="de-DE" sz="2000" dirty="0">
+                <a:sym typeface="Wingdings" panose="05000000000000000000" pitchFamily="2" charset="2"/>
+              </a:rPr>
+              <a:t> RNP-</a:t>
+            </a:r>
+            <a:r>
+              <a:rPr lang="de-DE" sz="2000" dirty="0" err="1">
+                <a:sym typeface="Wingdings" panose="05000000000000000000" pitchFamily="2" charset="2"/>
+              </a:rPr>
+              <a:t>complexes</a:t>
+            </a:r>
+            <a:r>
+              <a:rPr lang="de-DE" sz="2000" dirty="0">
+                <a:sym typeface="Wingdings" panose="05000000000000000000" pitchFamily="2" charset="2"/>
+              </a:rPr>
+              <a:t> </a:t>
+            </a:r>
+          </a:p>
           <a:p>
             <a:pPr marL="0" indent="0">
               <a:lnSpc>
@@ -6775,92 +5991,15 @@
               </a:lnSpc>
               <a:buNone/>
             </a:pPr>
-            <a:r>
-              <a:rPr lang="de-DE" sz="2000" dirty="0">
-                <a:sym typeface="Wingdings" panose="05000000000000000000" pitchFamily="2" charset="2"/>
-              </a:rPr>
-              <a:t>RNA </a:t>
-            </a:r>
-            <a:r>
-              <a:rPr lang="de-DE" sz="2000" dirty="0" err="1">
-                <a:sym typeface="Wingdings" panose="05000000000000000000" pitchFamily="2" charset="2"/>
-              </a:rPr>
-              <a:t>degradation</a:t>
-            </a:r>
-            <a:r>
-              <a:rPr lang="de-DE" sz="2000" dirty="0">
-                <a:sym typeface="Wingdings" panose="05000000000000000000" pitchFamily="2" charset="2"/>
-              </a:rPr>
-              <a:t> </a:t>
-            </a:r>
-            <a:r>
-              <a:rPr lang="de-DE" sz="2000" dirty="0" err="1">
-                <a:sym typeface="Wingdings" panose="05000000000000000000" pitchFamily="2" charset="2"/>
-              </a:rPr>
-              <a:t>leads</a:t>
-            </a:r>
-            <a:r>
-              <a:rPr lang="de-DE" sz="2000" dirty="0">
-                <a:sym typeface="Wingdings" panose="05000000000000000000" pitchFamily="2" charset="2"/>
-              </a:rPr>
-              <a:t> </a:t>
-            </a:r>
-            <a:r>
-              <a:rPr lang="de-DE" sz="2000" dirty="0" err="1">
-                <a:sym typeface="Wingdings" panose="05000000000000000000" pitchFamily="2" charset="2"/>
-              </a:rPr>
-              <a:t>to</a:t>
-            </a:r>
-            <a:r>
-              <a:rPr lang="de-DE" sz="2000" dirty="0">
-                <a:sym typeface="Wingdings" panose="05000000000000000000" pitchFamily="2" charset="2"/>
-              </a:rPr>
-              <a:t> </a:t>
-            </a:r>
-            <a:r>
-              <a:rPr lang="de-DE" sz="2000" dirty="0" err="1">
-                <a:sym typeface="Wingdings" panose="05000000000000000000" pitchFamily="2" charset="2"/>
-              </a:rPr>
-              <a:t>dissolved</a:t>
-            </a:r>
-            <a:r>
-              <a:rPr lang="de-DE" sz="2000" dirty="0">
-                <a:sym typeface="Wingdings" panose="05000000000000000000" pitchFamily="2" charset="2"/>
-              </a:rPr>
-              <a:t> </a:t>
-            </a:r>
-            <a:r>
-              <a:rPr lang="de-DE" sz="2000" dirty="0" err="1">
-                <a:sym typeface="Wingdings" panose="05000000000000000000" pitchFamily="2" charset="2"/>
-              </a:rPr>
-              <a:t>RNP</a:t>
-            </a:r>
-            <a:r>
-              <a:rPr lang="de-DE" sz="2000" dirty="0">
-                <a:sym typeface="Wingdings" panose="05000000000000000000" pitchFamily="2" charset="2"/>
-              </a:rPr>
-              <a:t>- </a:t>
-            </a:r>
-            <a:r>
-              <a:rPr lang="de-DE" sz="2000" dirty="0" err="1">
-                <a:sym typeface="Wingdings" panose="05000000000000000000" pitchFamily="2" charset="2"/>
-              </a:rPr>
-              <a:t>complexes</a:t>
-            </a:r>
-            <a:r>
-              <a:rPr lang="de-DE" sz="2000" dirty="0">
-                <a:sym typeface="Wingdings" panose="05000000000000000000" pitchFamily="2" charset="2"/>
-              </a:rPr>
-              <a:t> </a:t>
-            </a:r>
+            <a:endParaRPr lang="de-DE" sz="800" dirty="0">
+              <a:sym typeface="Wingdings" panose="05000000000000000000" pitchFamily="2" charset="2"/>
+            </a:endParaRPr>
           </a:p>
           <a:p>
             <a:pPr>
               <a:lnSpc>
                 <a:spcPct val="120000"/>
               </a:lnSpc>
-              <a:buFont typeface="Wingdings" panose="05000000000000000000" pitchFamily="2" charset="2"/>
-              <a:buChar char="à"/>
             </a:pPr>
             <a:r>
               <a:rPr lang="de-DE" sz="2000" dirty="0" err="1">
@@ -6915,12 +6054,6 @@
                 <a:sym typeface="Wingdings" panose="05000000000000000000" pitchFamily="2" charset="2"/>
               </a:rPr>
             </a:br>
-            <a:r>
-              <a:rPr lang="de-DE" sz="2000" dirty="0">
-                <a:sym typeface="Wingdings" panose="05000000000000000000" pitchFamily="2" charset="2"/>
-              </a:rPr>
-              <a:t> </a:t>
-            </a:r>
             <a:r>
               <a:rPr lang="de-DE" sz="2000" dirty="0" err="1">
                 <a:sym typeface="Wingdings" panose="05000000000000000000" pitchFamily="2" charset="2"/>
@@ -6956,17 +6089,16 @@
             <a:endParaRPr lang="de-DE" sz="800" dirty="0"/>
           </a:p>
           <a:p>
-            <a:pPr marL="0" indent="0">
+            <a:pPr>
               <a:lnSpc>
                 <a:spcPct val="120000"/>
               </a:lnSpc>
-              <a:buNone/>
             </a:pPr>
             <a:r>
               <a:rPr lang="de-DE" sz="2000" dirty="0" err="1">
                 <a:sym typeface="Wingdings" panose="05000000000000000000" pitchFamily="2" charset="2"/>
               </a:rPr>
-              <a:t>Elucidation</a:t>
+              <a:t>Quantity</a:t>
             </a:r>
             <a:r>
               <a:rPr lang="de-DE" sz="2000" dirty="0">
@@ -6990,7 +6122,31 @@
               <a:rPr lang="de-DE" sz="2000" dirty="0" err="1">
                 <a:sym typeface="Wingdings" panose="05000000000000000000" pitchFamily="2" charset="2"/>
               </a:rPr>
-              <a:t>altered</a:t>
+              <a:t>peptides</a:t>
+            </a:r>
+            <a:r>
+              <a:rPr lang="de-DE" sz="2000" dirty="0">
+                <a:sym typeface="Wingdings" panose="05000000000000000000" pitchFamily="2" charset="2"/>
+              </a:rPr>
+              <a:t> in </a:t>
+            </a:r>
+            <a:r>
+              <a:rPr lang="de-DE" sz="2000" dirty="0" err="1">
+                <a:sym typeface="Wingdings" panose="05000000000000000000" pitchFamily="2" charset="2"/>
+              </a:rPr>
+              <a:t>the</a:t>
+            </a:r>
+            <a:r>
+              <a:rPr lang="de-DE" sz="2000" dirty="0">
+                <a:sym typeface="Wingdings" panose="05000000000000000000" pitchFamily="2" charset="2"/>
+              </a:rPr>
+              <a:t> individual </a:t>
+            </a:r>
+            <a:r>
+              <a:rPr lang="de-DE" sz="2000" dirty="0" err="1">
+                <a:sym typeface="Wingdings" panose="05000000000000000000" pitchFamily="2" charset="2"/>
+              </a:rPr>
+              <a:t>density</a:t>
             </a:r>
             <a:r>
               <a:rPr lang="de-DE" sz="2000" dirty="0">
@@ -7002,7 +6158,7 @@
               <a:rPr lang="de-DE" sz="2000" dirty="0" err="1">
                 <a:sym typeface="Wingdings" panose="05000000000000000000" pitchFamily="2" charset="2"/>
               </a:rPr>
-              <a:t>migration</a:t>
+              <a:t>fractions</a:t>
             </a:r>
             <a:r>
               <a:rPr lang="de-DE" sz="2000" dirty="0">
@@ -7014,6 +6170,18 @@
               <a:rPr lang="de-DE" sz="2000" dirty="0" err="1">
                 <a:sym typeface="Wingdings" panose="05000000000000000000" pitchFamily="2" charset="2"/>
               </a:rPr>
+              <a:t>analyzed</a:t>
+            </a:r>
+            <a:r>
+              <a:rPr lang="de-DE" sz="2000" dirty="0">
+                <a:sym typeface="Wingdings" panose="05000000000000000000" pitchFamily="2" charset="2"/>
+              </a:rPr>
+              <a:t> </a:t>
+            </a:r>
+            <a:r>
+              <a:rPr lang="de-DE" sz="2000" dirty="0" err="1">
+                <a:sym typeface="Wingdings" panose="05000000000000000000" pitchFamily="2" charset="2"/>
+              </a:rPr>
               <a:t>by</a:t>
             </a:r>
             <a:r>
@@ -7069,163 +6237,6 @@
                 <a:sym typeface="Wingdings" panose="05000000000000000000" pitchFamily="2" charset="2"/>
               </a:rPr>
               <a:t> </a:t>
-            </a:r>
-          </a:p>
-          <a:p>
-            <a:pPr>
-              <a:lnSpc>
-                <a:spcPct val="120000"/>
-              </a:lnSpc>
-              <a:buFont typeface="Wingdings" panose="05000000000000000000" pitchFamily="2" charset="2"/>
-              <a:buChar char="à"/>
-            </a:pPr>
-            <a:r>
-              <a:rPr lang="de-DE" sz="2000" dirty="0" err="1">
-                <a:sym typeface="Wingdings" panose="05000000000000000000" pitchFamily="2" charset="2"/>
-              </a:rPr>
-              <a:t>Identify</a:t>
-            </a:r>
-            <a:r>
-              <a:rPr lang="de-DE" sz="2000" dirty="0">
-                <a:sym typeface="Wingdings" panose="05000000000000000000" pitchFamily="2" charset="2"/>
-              </a:rPr>
-              <a:t> </a:t>
-            </a:r>
-            <a:r>
-              <a:rPr lang="de-DE" sz="2000" dirty="0" err="1">
-                <a:sym typeface="Wingdings" panose="05000000000000000000" pitchFamily="2" charset="2"/>
-              </a:rPr>
-              <a:t>the</a:t>
-            </a:r>
-            <a:r>
-              <a:rPr lang="de-DE" sz="2000" dirty="0">
-                <a:sym typeface="Wingdings" panose="05000000000000000000" pitchFamily="2" charset="2"/>
-              </a:rPr>
-              <a:t> </a:t>
-            </a:r>
-            <a:r>
-              <a:rPr lang="de-DE" sz="2000" dirty="0" err="1">
-                <a:sym typeface="Wingdings" panose="05000000000000000000" pitchFamily="2" charset="2"/>
-              </a:rPr>
-              <a:t>quantity</a:t>
-            </a:r>
-            <a:r>
-              <a:rPr lang="de-DE" sz="2000" dirty="0">
-                <a:sym typeface="Wingdings" panose="05000000000000000000" pitchFamily="2" charset="2"/>
-              </a:rPr>
-              <a:t> </a:t>
-            </a:r>
-            <a:r>
-              <a:rPr lang="de-DE" sz="2000" dirty="0" err="1">
-                <a:sym typeface="Wingdings" panose="05000000000000000000" pitchFamily="2" charset="2"/>
-              </a:rPr>
-              <a:t>of</a:t>
-            </a:r>
-            <a:r>
-              <a:rPr lang="de-DE" sz="2000" dirty="0">
-                <a:sym typeface="Wingdings" panose="05000000000000000000" pitchFamily="2" charset="2"/>
-              </a:rPr>
-              <a:t> </a:t>
-            </a:r>
-            <a:r>
-              <a:rPr lang="de-DE" sz="2000" dirty="0" err="1">
-                <a:sym typeface="Wingdings" panose="05000000000000000000" pitchFamily="2" charset="2"/>
-              </a:rPr>
-              <a:t>peptides</a:t>
-            </a:r>
-            <a:r>
-              <a:rPr lang="de-DE" sz="2000" dirty="0">
-                <a:sym typeface="Wingdings" panose="05000000000000000000" pitchFamily="2" charset="2"/>
-              </a:rPr>
-              <a:t> in </a:t>
-            </a:r>
-            <a:r>
-              <a:rPr lang="de-DE" sz="2000" dirty="0" err="1">
-                <a:sym typeface="Wingdings" panose="05000000000000000000" pitchFamily="2" charset="2"/>
-              </a:rPr>
-              <a:t>the</a:t>
-            </a:r>
-            <a:r>
-              <a:rPr lang="de-DE" sz="2000" dirty="0">
-                <a:sym typeface="Wingdings" panose="05000000000000000000" pitchFamily="2" charset="2"/>
-              </a:rPr>
-              <a:t> </a:t>
-            </a:r>
-            <a:br>
-              <a:rPr lang="de-DE" sz="2000" dirty="0">
-                <a:sym typeface="Wingdings" panose="05000000000000000000" pitchFamily="2" charset="2"/>
-              </a:rPr>
-            </a:br>
-            <a:r>
-              <a:rPr lang="de-DE" sz="2000" dirty="0">
-                <a:sym typeface="Wingdings" panose="05000000000000000000" pitchFamily="2" charset="2"/>
-              </a:rPr>
-              <a:t>individual </a:t>
-            </a:r>
-            <a:r>
-              <a:rPr lang="de-DE" sz="2000" dirty="0" err="1">
-                <a:sym typeface="Wingdings" panose="05000000000000000000" pitchFamily="2" charset="2"/>
-              </a:rPr>
-              <a:t>density</a:t>
-            </a:r>
-            <a:r>
-              <a:rPr lang="de-DE" sz="2000" dirty="0">
-                <a:sym typeface="Wingdings" panose="05000000000000000000" pitchFamily="2" charset="2"/>
-              </a:rPr>
-              <a:t> </a:t>
-            </a:r>
-            <a:r>
-              <a:rPr lang="de-DE" sz="2000" dirty="0" err="1">
-                <a:sym typeface="Wingdings" panose="05000000000000000000" pitchFamily="2" charset="2"/>
-              </a:rPr>
-              <a:t>fractions</a:t>
-            </a:r>
-            <a:r>
-              <a:rPr lang="de-DE" sz="2000" dirty="0">
-                <a:sym typeface="Wingdings" panose="05000000000000000000" pitchFamily="2" charset="2"/>
-              </a:rPr>
-              <a:t> </a:t>
-            </a:r>
-            <a:r>
-              <a:rPr lang="de-DE" sz="2000" dirty="0" err="1">
-                <a:sym typeface="Wingdings" panose="05000000000000000000" pitchFamily="2" charset="2"/>
-              </a:rPr>
-              <a:t>of</a:t>
-            </a:r>
-            <a:r>
-              <a:rPr lang="de-DE" sz="2000" dirty="0">
-                <a:sym typeface="Wingdings" panose="05000000000000000000" pitchFamily="2" charset="2"/>
-              </a:rPr>
-              <a:t> </a:t>
-            </a:r>
-            <a:r>
-              <a:rPr lang="de-DE" sz="2000" dirty="0" err="1">
-                <a:sym typeface="Wingdings" panose="05000000000000000000" pitchFamily="2" charset="2"/>
-              </a:rPr>
-              <a:t>control</a:t>
-            </a:r>
-            <a:r>
-              <a:rPr lang="de-DE" sz="2000" dirty="0">
-                <a:sym typeface="Wingdings" panose="05000000000000000000" pitchFamily="2" charset="2"/>
-              </a:rPr>
-              <a:t> </a:t>
-            </a:r>
-            <a:br>
-              <a:rPr lang="de-DE" sz="2000" dirty="0">
-                <a:sym typeface="Wingdings" panose="05000000000000000000" pitchFamily="2" charset="2"/>
-              </a:rPr>
-            </a:br>
-            <a:r>
-              <a:rPr lang="de-DE" sz="2000" dirty="0">
-                <a:sym typeface="Wingdings" panose="05000000000000000000" pitchFamily="2" charset="2"/>
-              </a:rPr>
-              <a:t>and </a:t>
-            </a:r>
-            <a:r>
-              <a:rPr lang="de-DE" sz="2000" dirty="0" err="1">
-                <a:sym typeface="Wingdings" panose="05000000000000000000" pitchFamily="2" charset="2"/>
-              </a:rPr>
-              <a:t>RNase</a:t>
             </a:r>
             <a:endParaRPr lang="de-DE" sz="2000" dirty="0"/>
           </a:p>
@@ -7720,7 +6731,7 @@
 </p:sld>
 </file>
 
-<file path=ppt/slides/slide4.xml><?xml version="1.0" encoding="utf-8"?>
+<file path=ppt/slides/slide3.xml><?xml version="1.0" encoding="utf-8"?>
 <p:sld xmlns:a="http://schemas.openxmlformats.org/drawingml/2006/main" xmlns:r="http://schemas.openxmlformats.org/officeDocument/2006/relationships" xmlns:p="http://schemas.openxmlformats.org/presentationml/2006/main">
   <p:cSld>
     <p:spTree>
@@ -7957,7 +6968,7 @@
         <p:spPr>
           <a:xfrm>
             <a:off x="542847" y="5849908"/>
-            <a:ext cx="1195057" cy="369332"/>
+            <a:ext cx="1541592" cy="369332"/>
           </a:xfrm>
           <a:prstGeom prst="rect">
             <a:avLst/>
@@ -7976,7 +6987,7 @@
             </a:r>
             <a:r>
               <a:rPr lang="de-DE" dirty="0"/>
-              <a:t> shift</a:t>
+              <a:t> shift (1.)</a:t>
             </a:r>
           </a:p>
         </p:txBody>
@@ -8042,8 +7053,8 @@
         </p:nvSpPr>
         <p:spPr>
           <a:xfrm>
-            <a:off x="3843267" y="3682145"/>
-            <a:ext cx="1247416" cy="369332"/>
+            <a:off x="3792839" y="3720630"/>
+            <a:ext cx="1625026" cy="369332"/>
           </a:xfrm>
           <a:prstGeom prst="rect">
             <a:avLst/>
@@ -8058,7 +7069,7 @@
           <a:p>
             <a:r>
               <a:rPr lang="de-DE" dirty="0"/>
-              <a:t>Right shift</a:t>
+              <a:t>Right shift (1.)</a:t>
             </a:r>
           </a:p>
         </p:txBody>
@@ -8125,7 +7136,7 @@
         <p:spPr>
           <a:xfrm>
             <a:off x="537962" y="3672508"/>
-            <a:ext cx="973605" cy="369332"/>
+            <a:ext cx="1398993" cy="369332"/>
           </a:xfrm>
           <a:prstGeom prst="rect">
             <a:avLst/>
@@ -8144,7 +7155,7 @@
             </a:r>
             <a:r>
               <a:rPr lang="de-DE" dirty="0"/>
-              <a:t> shift</a:t>
+              <a:t> shift (3.)</a:t>
             </a:r>
           </a:p>
         </p:txBody>
@@ -8211,7 +7222,7 @@
         <p:spPr>
           <a:xfrm>
             <a:off x="3911692" y="5847861"/>
-            <a:ext cx="1420912" cy="369332"/>
+            <a:ext cx="1800850" cy="369332"/>
           </a:xfrm>
           <a:prstGeom prst="rect">
             <a:avLst/>
@@ -8226,7 +7237,7 @@
           <a:p>
             <a:r>
               <a:rPr lang="de-DE" dirty="0"/>
-              <a:t>Partial shift </a:t>
+              <a:t>Partial shift (2.) </a:t>
             </a:r>
           </a:p>
         </p:txBody>
@@ -8292,8 +7303,8 @@
         </p:nvSpPr>
         <p:spPr>
           <a:xfrm>
-            <a:off x="7515934" y="3720630"/>
-            <a:ext cx="1647731" cy="369332"/>
+            <a:off x="7422383" y="3767032"/>
+            <a:ext cx="1825864" cy="369332"/>
           </a:xfrm>
           <a:prstGeom prst="rect">
             <a:avLst/>
@@ -8308,9 +7319,12 @@
           <a:p>
             <a:r>
               <a:rPr lang="de-DE" dirty="0" err="1"/>
-              <a:t>precipitated</a:t>
-            </a:r>
-            <a:endParaRPr lang="de-DE" dirty="0"/>
+              <a:t>Precipitated</a:t>
+            </a:r>
+            <a:r>
+              <a:rPr lang="de-DE" dirty="0"/>
+              <a:t> (1.)</a:t>
+            </a:r>
           </a:p>
         </p:txBody>
       </p:sp>
@@ -8329,7 +7343,7 @@
         <p:spPr>
           <a:xfrm>
             <a:off x="7506392" y="4469291"/>
-            <a:ext cx="3856795" cy="1938992"/>
+            <a:ext cx="3856795" cy="1877437"/>
           </a:xfrm>
           <a:prstGeom prst="rect">
             <a:avLst/>
@@ -8348,68 +7362,68 @@
           <a:lstStyle/>
           <a:p>
             <a:r>
-              <a:rPr lang="de-DE" sz="2400" dirty="0"/>
+              <a:rPr lang="de-DE" sz="2000" dirty="0"/>
               <a:t>Classification </a:t>
             </a:r>
             <a:r>
-              <a:rPr lang="de-DE" sz="2400" dirty="0" err="1"/>
+              <a:rPr lang="de-DE" sz="2000" dirty="0" err="1"/>
               <a:t>of</a:t>
             </a:r>
             <a:r>
-              <a:rPr lang="de-DE" sz="2400" dirty="0"/>
+              <a:rPr lang="de-DE" sz="2000" dirty="0"/>
               <a:t> Proteins:</a:t>
             </a:r>
           </a:p>
           <a:p>
+            <a:endParaRPr lang="de-DE" sz="2000" dirty="0"/>
+          </a:p>
+          <a:p>
+            <a:r>
+              <a:rPr lang="de-DE" sz="2000" dirty="0"/>
+              <a:t>1. RNA-</a:t>
+            </a:r>
+            <a:r>
+              <a:rPr lang="de-DE" sz="2000" dirty="0" err="1"/>
+              <a:t>dependent</a:t>
+            </a:r>
+            <a:endParaRPr lang="de-DE" sz="2000" dirty="0"/>
+          </a:p>
+          <a:p>
             <a:endParaRPr lang="de-DE" sz="800" dirty="0"/>
           </a:p>
           <a:p>
             <a:r>
-              <a:rPr lang="de-DE" sz="2400" dirty="0"/>
-              <a:t>1. RNA-</a:t>
-            </a:r>
-            <a:r>
-              <a:rPr lang="de-DE" sz="2400" dirty="0" err="1"/>
+              <a:rPr lang="de-DE" sz="2000" dirty="0"/>
+              <a:t>2. </a:t>
+            </a:r>
+            <a:r>
+              <a:rPr lang="de-DE" sz="2000" dirty="0" err="1"/>
+              <a:t>Partially</a:t>
+            </a:r>
+            <a:r>
+              <a:rPr lang="de-DE" sz="2000" dirty="0"/>
+              <a:t> RNA-</a:t>
+            </a:r>
+            <a:r>
+              <a:rPr lang="de-DE" sz="2000" dirty="0" err="1"/>
               <a:t>dependent</a:t>
             </a:r>
-            <a:endParaRPr lang="de-DE" sz="2400" dirty="0"/>
+            <a:endParaRPr lang="de-DE" sz="2000" dirty="0"/>
           </a:p>
           <a:p>
             <a:endParaRPr lang="de-DE" sz="800" dirty="0"/>
           </a:p>
           <a:p>
             <a:r>
-              <a:rPr lang="de-DE" sz="2400" dirty="0"/>
-              <a:t>2. </a:t>
-            </a:r>
-            <a:r>
-              <a:rPr lang="de-DE" sz="2400" dirty="0" err="1"/>
-              <a:t>Partially</a:t>
-            </a:r>
-            <a:r>
-              <a:rPr lang="de-DE" sz="2400" dirty="0"/>
-              <a:t> RNA-</a:t>
-            </a:r>
-            <a:r>
-              <a:rPr lang="de-DE" sz="2400" dirty="0" err="1"/>
+              <a:rPr lang="de-DE" sz="2000" dirty="0"/>
+              <a:t>3. Not RNA-</a:t>
+            </a:r>
+            <a:r>
+              <a:rPr lang="de-DE" sz="2000" dirty="0" err="1"/>
               <a:t>dependent</a:t>
             </a:r>
-            <a:endParaRPr lang="de-DE" sz="2400" dirty="0"/>
-          </a:p>
-          <a:p>
-            <a:endParaRPr lang="de-DE" sz="800" dirty="0"/>
-          </a:p>
-          <a:p>
-            <a:r>
-              <a:rPr lang="de-DE" sz="2400" dirty="0"/>
-              <a:t>3. Not RNA-</a:t>
-            </a:r>
-            <a:r>
-              <a:rPr lang="de-DE" sz="2400" dirty="0" err="1"/>
-              <a:t>dependent</a:t>
-            </a:r>
-            <a:r>
-              <a:rPr lang="de-DE" sz="2400" dirty="0"/>
+            <a:r>
+              <a:rPr lang="de-DE" sz="2000" dirty="0"/>
               <a:t> </a:t>
             </a:r>
           </a:p>
@@ -8428,7 +7442,7 @@
 </p:sld>
 </file>
 
-<file path=ppt/slides/slide5.xml><?xml version="1.0" encoding="utf-8"?>
+<file path=ppt/slides/slide4.xml><?xml version="1.0" encoding="utf-8"?>
 <p:sld xmlns:a="http://schemas.openxmlformats.org/drawingml/2006/main" xmlns:r="http://schemas.openxmlformats.org/officeDocument/2006/relationships" xmlns:p="http://schemas.openxmlformats.org/presentationml/2006/main">
   <p:cSld>
     <p:spTree>
@@ -8463,182 +7477,144 @@
         </p:nvSpPr>
         <p:spPr>
           <a:xfrm>
-            <a:off x="758982" y="4680402"/>
-            <a:ext cx="10674035" cy="1946736"/>
+            <a:off x="758982" y="4473925"/>
+            <a:ext cx="10852912" cy="1946736"/>
           </a:xfrm>
         </p:spPr>
         <p:txBody>
           <a:bodyPr>
-            <a:normAutofit fontScale="92500"/>
+            <a:noAutofit/>
           </a:bodyPr>
           <a:lstStyle/>
           <a:p>
             <a:r>
-              <a:rPr lang="de-DE" sz="2400" dirty="0"/>
-              <a:t>Shows </a:t>
-            </a:r>
-            <a:r>
-              <a:rPr lang="de-DE" sz="2400" dirty="0" err="1"/>
-              <a:t>mass</a:t>
-            </a:r>
-            <a:r>
-              <a:rPr lang="de-DE" sz="2400" dirty="0"/>
+              <a:rPr lang="de-DE" sz="2000" dirty="0" err="1"/>
+              <a:t>Mass</a:t>
+            </a:r>
+            <a:r>
+              <a:rPr lang="de-DE" sz="2000" dirty="0"/>
               <a:t> </a:t>
             </a:r>
             <a:r>
-              <a:rPr lang="de-DE" sz="2400" dirty="0" err="1"/>
+              <a:rPr lang="de-DE" sz="2000" dirty="0" err="1"/>
               <a:t>spectrometric</a:t>
             </a:r>
             <a:r>
-              <a:rPr lang="de-DE" sz="2400" dirty="0"/>
+              <a:rPr lang="de-DE" sz="2000" dirty="0"/>
               <a:t> quantitative </a:t>
             </a:r>
             <a:r>
-              <a:rPr lang="de-DE" sz="2400" dirty="0" err="1"/>
+              <a:rPr lang="de-DE" sz="2000" dirty="0" err="1"/>
               <a:t>results</a:t>
             </a:r>
             <a:r>
-              <a:rPr lang="de-DE" sz="2400" dirty="0"/>
+              <a:rPr lang="de-DE" sz="2000" dirty="0"/>
               <a:t> per </a:t>
             </a:r>
             <a:r>
-              <a:rPr lang="de-DE" sz="2400" dirty="0" err="1"/>
+              <a:rPr lang="de-DE" sz="2000" dirty="0" err="1"/>
               <a:t>protein</a:t>
             </a:r>
             <a:r>
-              <a:rPr lang="de-DE" sz="2400" dirty="0"/>
+              <a:rPr lang="de-DE" sz="2000" dirty="0"/>
               <a:t> per </a:t>
             </a:r>
             <a:r>
-              <a:rPr lang="de-DE" sz="2400" dirty="0" err="1"/>
+              <a:rPr lang="de-DE" sz="2000" dirty="0" err="1"/>
               <a:t>fraction</a:t>
             </a:r>
-            <a:endParaRPr lang="de-DE" sz="2400" dirty="0"/>
+            <a:endParaRPr lang="de-DE" sz="2000" dirty="0"/>
           </a:p>
           <a:p>
             <a:pPr marL="0" indent="0">
               <a:buNone/>
             </a:pPr>
-            <a:endParaRPr lang="de-DE" sz="1500" dirty="0"/>
-          </a:p>
-          <a:p>
-            <a:r>
-              <a:rPr lang="de-DE" sz="2400" dirty="0" err="1"/>
+            <a:endParaRPr lang="de-DE" sz="800" dirty="0"/>
+          </a:p>
+          <a:p>
+            <a:r>
+              <a:rPr lang="de-DE" sz="2000" dirty="0" err="1"/>
               <a:t>Allows</a:t>
             </a:r>
             <a:r>
-              <a:rPr lang="de-DE" sz="2400" dirty="0"/>
+              <a:rPr lang="de-DE" sz="2000" dirty="0"/>
               <a:t> relative </a:t>
             </a:r>
             <a:r>
-              <a:rPr lang="de-DE" sz="2400" dirty="0" err="1"/>
+              <a:rPr lang="de-DE" sz="2000" dirty="0" err="1"/>
               <a:t>comparison</a:t>
             </a:r>
             <a:r>
-              <a:rPr lang="de-DE" sz="2400" dirty="0"/>
+              <a:rPr lang="de-DE" sz="2000" dirty="0"/>
               <a:t> </a:t>
             </a:r>
             <a:r>
-              <a:rPr lang="de-DE" sz="2400" dirty="0" err="1"/>
+              <a:rPr lang="de-DE" sz="2000" dirty="0" err="1"/>
               <a:t>of</a:t>
             </a:r>
             <a:r>
-              <a:rPr lang="de-DE" sz="2400" dirty="0"/>
+              <a:rPr lang="de-DE" sz="2000" dirty="0"/>
               <a:t> </a:t>
             </a:r>
             <a:r>
-              <a:rPr lang="de-DE" sz="2400" dirty="0" err="1"/>
+              <a:rPr lang="de-DE" sz="2000" dirty="0" err="1"/>
               <a:t>the</a:t>
             </a:r>
             <a:r>
-              <a:rPr lang="de-DE" sz="2400" dirty="0"/>
+              <a:rPr lang="de-DE" sz="2000" dirty="0"/>
               <a:t> </a:t>
             </a:r>
             <a:r>
-              <a:rPr lang="de-DE" sz="2400" dirty="0" err="1"/>
+              <a:rPr lang="de-DE" sz="2000" dirty="0" err="1"/>
               <a:t>occurence</a:t>
             </a:r>
             <a:r>
-              <a:rPr lang="de-DE" sz="2400" dirty="0"/>
+              <a:rPr lang="de-DE" sz="2000" dirty="0"/>
               <a:t> </a:t>
             </a:r>
             <a:r>
-              <a:rPr lang="de-DE" sz="2400" dirty="0" err="1"/>
+              <a:rPr lang="de-DE" sz="2000" dirty="0" err="1"/>
               <a:t>of</a:t>
             </a:r>
             <a:r>
-              <a:rPr lang="de-DE" sz="2400" dirty="0"/>
+              <a:rPr lang="de-DE" sz="2000" dirty="0"/>
               <a:t> </a:t>
             </a:r>
             <a:r>
-              <a:rPr lang="de-DE" sz="2400" dirty="0" err="1"/>
+              <a:rPr lang="de-DE" sz="2000" dirty="0" err="1"/>
               <a:t>proteins</a:t>
             </a:r>
             <a:r>
-              <a:rPr lang="de-DE" sz="2400" dirty="0"/>
-              <a:t> in </a:t>
-            </a:r>
-            <a:r>
-              <a:rPr lang="de-DE" sz="2400" dirty="0" err="1"/>
-              <a:t>the</a:t>
-            </a:r>
-            <a:r>
-              <a:rPr lang="de-DE" sz="2400" dirty="0"/>
-              <a:t> different </a:t>
-            </a:r>
-            <a:r>
-              <a:rPr lang="de-DE" sz="2400" dirty="0" err="1"/>
+              <a:rPr lang="de-DE" sz="2000" dirty="0"/>
+              <a:t> in different </a:t>
+            </a:r>
+            <a:r>
+              <a:rPr lang="de-DE" sz="2000" dirty="0" err="1"/>
               <a:t>fractions</a:t>
             </a:r>
-            <a:endParaRPr lang="de-DE" sz="2400" dirty="0"/>
+            <a:endParaRPr lang="de-DE" sz="2000" dirty="0"/>
           </a:p>
           <a:p>
             <a:pPr marL="0" indent="0">
               <a:buNone/>
             </a:pPr>
-            <a:endParaRPr lang="de-DE" sz="1500" dirty="0"/>
+            <a:endParaRPr lang="de-DE" sz="800" dirty="0"/>
           </a:p>
           <a:p>
             <a:pPr marL="0" indent="0">
               <a:buNone/>
             </a:pPr>
             <a:r>
-              <a:rPr lang="de-DE" sz="2400" b="1" dirty="0">
+              <a:rPr lang="de-DE" sz="2000" b="1" dirty="0">
                 <a:sym typeface="Wingdings" panose="05000000000000000000" pitchFamily="2" charset="2"/>
               </a:rPr>
               <a:t> </a:t>
             </a:r>
             <a:r>
-              <a:rPr lang="de-DE" sz="2400" b="1" dirty="0" err="1">
-                <a:sym typeface="Wingdings" panose="05000000000000000000" pitchFamily="2" charset="2"/>
-              </a:rPr>
-              <a:t>Differences</a:t>
-            </a:r>
-            <a:r>
-              <a:rPr lang="de-DE" sz="2400" b="1" dirty="0">
-                <a:sym typeface="Wingdings" panose="05000000000000000000" pitchFamily="2" charset="2"/>
-              </a:rPr>
-              <a:t> in Control- and </a:t>
-            </a:r>
-            <a:r>
-              <a:rPr lang="de-DE" sz="2400" b="1" dirty="0" err="1">
-                <a:sym typeface="Wingdings" panose="05000000000000000000" pitchFamily="2" charset="2"/>
-              </a:rPr>
-              <a:t>RNase</a:t>
-            </a:r>
-            <a:r>
-              <a:rPr lang="de-DE" sz="2400" b="1" dirty="0">
-                <a:sym typeface="Wingdings" panose="05000000000000000000" pitchFamily="2" charset="2"/>
-              </a:rPr>
-              <a:t>-samples?</a:t>
-            </a:r>
-            <a:endParaRPr lang="de-DE" sz="2400" b="1" dirty="0"/>
-          </a:p>
-          <a:p>
-            <a:pPr marL="0" indent="0">
-              <a:buNone/>
-            </a:pPr>
-            <a:endParaRPr lang="de-DE" dirty="0"/>
+              <a:rPr lang="en-GB" sz="2000" b="1" noProof="0" dirty="0"/>
+              <a:t>Which proteins in the non-synchronized HeLa cells are RNA-dependent proteins?</a:t>
+            </a:r>
+            <a:endParaRPr lang="de-DE" sz="2000" b="1" dirty="0"/>
           </a:p>
           <a:p>
             <a:pPr marL="0" indent="0">
@@ -8670,7 +7646,7 @@
         </p:nvCxnSpPr>
         <p:spPr>
           <a:xfrm>
-            <a:off x="1892174" y="2465193"/>
+            <a:off x="1892174" y="2130900"/>
             <a:ext cx="0" cy="1835203"/>
           </a:xfrm>
           <a:prstGeom prst="straightConnector1">
@@ -8711,7 +7687,7 @@
         </p:nvCxnSpPr>
         <p:spPr>
           <a:xfrm>
-            <a:off x="1892174" y="2465193"/>
+            <a:off x="1892174" y="2130900"/>
             <a:ext cx="2127565" cy="0"/>
           </a:xfrm>
           <a:prstGeom prst="straightConnector1">
@@ -8750,7 +7726,7 @@
         </p:nvSpPr>
         <p:spPr>
           <a:xfrm>
-            <a:off x="1892174" y="1818306"/>
+            <a:off x="1892174" y="1484013"/>
             <a:ext cx="2480650" cy="523220"/>
           </a:xfrm>
           <a:prstGeom prst="rect">
@@ -8810,7 +7786,7 @@
         </p:nvSpPr>
         <p:spPr>
           <a:xfrm>
-            <a:off x="941561" y="3167390"/>
+            <a:off x="941561" y="2833097"/>
             <a:ext cx="1113576" cy="523220"/>
           </a:xfrm>
           <a:prstGeom prst="rect">
@@ -8845,7 +7821,7 @@
         </p:nvSpPr>
         <p:spPr>
           <a:xfrm>
-            <a:off x="4802865" y="2883635"/>
+            <a:off x="4802865" y="2549342"/>
             <a:ext cx="2421797" cy="369332"/>
           </a:xfrm>
           <a:prstGeom prst="rect">
@@ -8995,71 +7971,7 @@
 </p:sld>
 </file>
 
-<file path=ppt/slides/slide6.xml><?xml version="1.0" encoding="utf-8"?>
-<p:sld xmlns:a="http://schemas.openxmlformats.org/drawingml/2006/main" xmlns:r="http://schemas.openxmlformats.org/officeDocument/2006/relationships" xmlns:p="http://schemas.openxmlformats.org/presentationml/2006/main">
-  <p:cSld>
-    <p:spTree>
-      <p:nvGrpSpPr>
-        <p:cNvPr id="1" name=""/>
-        <p:cNvGrpSpPr/>
-        <p:nvPr/>
-      </p:nvGrpSpPr>
-      <p:grpSpPr>
-        <a:xfrm>
-          <a:off x="0" y="0"/>
-          <a:ext cx="0" cy="0"/>
-          <a:chOff x="0" y="0"/>
-          <a:chExt cx="0" cy="0"/>
-        </a:xfrm>
-      </p:grpSpPr>
-      <p:sp>
-        <p:nvSpPr>
-          <p:cNvPr id="2" name="Title 1">
-            <a:extLst>
-              <a:ext uri="{FF2B5EF4-FFF2-40B4-BE49-F238E27FC236}">
-                <a16:creationId xmlns:a16="http://schemas.microsoft.com/office/drawing/2014/main" id="{1C92489D-D876-496E-84EF-78B1EAEBF1DF}"/>
-              </a:ext>
-            </a:extLst>
-          </p:cNvPr>
-          <p:cNvSpPr>
-            <a:spLocks noGrp="1"/>
-          </p:cNvSpPr>
-          <p:nvPr>
-            <p:ph type="title"/>
-          </p:nvPr>
-        </p:nvSpPr>
-        <p:spPr>
-          <a:xfrm>
-            <a:off x="838200" y="2766218"/>
-            <a:ext cx="10515600" cy="1325563"/>
-          </a:xfrm>
-        </p:spPr>
-        <p:txBody>
-          <a:bodyPr/>
-          <a:lstStyle/>
-          <a:p>
-            <a:pPr algn="ctr"/>
-            <a:r>
-              <a:rPr lang="en-GB" noProof="0" dirty="0"/>
-              <a:t>Which proteins in the non-synchronized HeLa cells are RNA-dependent proteins?</a:t>
-            </a:r>
-          </a:p>
-        </p:txBody>
-      </p:sp>
-    </p:spTree>
-    <p:extLst>
-      <p:ext uri="{BB962C8B-B14F-4D97-AF65-F5344CB8AC3E}">
-        <p14:creationId xmlns:p14="http://schemas.microsoft.com/office/powerpoint/2010/main" val="2292762979"/>
-      </p:ext>
-    </p:extLst>
-  </p:cSld>
-  <p:clrMapOvr>
-    <a:masterClrMapping/>
-  </p:clrMapOvr>
-</p:sld>
-</file>
-
-<file path=ppt/slides/slide7.xml><?xml version="1.0" encoding="utf-8"?>
+<file path=ppt/slides/slide5.xml><?xml version="1.0" encoding="utf-8"?>
 <p:sld xmlns:a="http://schemas.openxmlformats.org/drawingml/2006/main" xmlns:r="http://schemas.openxmlformats.org/officeDocument/2006/relationships" xmlns:p="http://schemas.openxmlformats.org/presentationml/2006/main">
   <p:cSld>
     <p:spTree>
@@ -9212,7 +8124,7 @@
 </p:sld>
 </file>
 
-<file path=ppt/slides/slide8.xml><?xml version="1.0" encoding="utf-8"?>
+<file path=ppt/slides/slide6.xml><?xml version="1.0" encoding="utf-8"?>
 <p:sld xmlns:a="http://schemas.openxmlformats.org/drawingml/2006/main" xmlns:r="http://schemas.openxmlformats.org/officeDocument/2006/relationships" xmlns:p="http://schemas.openxmlformats.org/presentationml/2006/main">
   <p:cSld>
     <p:spTree>
@@ -10143,7 +9055,7 @@
 </p:sld>
 </file>
 
-<file path=ppt/slides/slide9.xml><?xml version="1.0" encoding="utf-8"?>
+<file path=ppt/slides/slide7.xml><?xml version="1.0" encoding="utf-8"?>
 <p:sld xmlns:a="http://schemas.openxmlformats.org/drawingml/2006/main" xmlns:r="http://schemas.openxmlformats.org/officeDocument/2006/relationships" xmlns:p="http://schemas.openxmlformats.org/presentationml/2006/main">
   <p:cSld>
     <p:spTree>
@@ -10967,6 +9879,862 @@
 </p:sld>
 </file>
 
+<file path=ppt/slides/slide8.xml><?xml version="1.0" encoding="utf-8"?>
+<p:sld xmlns:a="http://schemas.openxmlformats.org/drawingml/2006/main" xmlns:r="http://schemas.openxmlformats.org/officeDocument/2006/relationships" xmlns:p="http://schemas.openxmlformats.org/presentationml/2006/main">
+  <p:cSld>
+    <p:spTree>
+      <p:nvGrpSpPr>
+        <p:cNvPr id="1" name="">
+          <a:extLst>
+            <a:ext uri="{FF2B5EF4-FFF2-40B4-BE49-F238E27FC236}">
+              <a16:creationId xmlns:a16="http://schemas.microsoft.com/office/drawing/2014/main" id="{A5123623-6B83-791E-82A5-AEAE78ACCFF9}"/>
+            </a:ext>
+          </a:extLst>
+        </p:cNvPr>
+        <p:cNvGrpSpPr/>
+        <p:nvPr/>
+      </p:nvGrpSpPr>
+      <p:grpSpPr>
+        <a:xfrm>
+          <a:off x="0" y="0"/>
+          <a:ext cx="0" cy="0"/>
+          <a:chOff x="0" y="0"/>
+          <a:chExt cx="0" cy="0"/>
+        </a:xfrm>
+      </p:grpSpPr>
+      <p:sp>
+        <p:nvSpPr>
+          <p:cNvPr id="2" name="Rectangle: Rounded Corners 1">
+            <a:extLst>
+              <a:ext uri="{FF2B5EF4-FFF2-40B4-BE49-F238E27FC236}">
+                <a16:creationId xmlns:a16="http://schemas.microsoft.com/office/drawing/2014/main" id="{C0A07907-8A7B-94B8-832B-F1495A56C62A}"/>
+              </a:ext>
+            </a:extLst>
+          </p:cNvPr>
+          <p:cNvSpPr/>
+          <p:nvPr/>
+        </p:nvSpPr>
+        <p:spPr>
+          <a:xfrm>
+            <a:off x="2445174" y="1651000"/>
+            <a:ext cx="2880360" cy="1666240"/>
+          </a:xfrm>
+          <a:prstGeom prst="roundRect">
+            <a:avLst/>
+          </a:prstGeom>
+          <a:solidFill>
+            <a:schemeClr val="bg1"/>
+          </a:solidFill>
+          <a:ln w="34925">
+            <a:solidFill>
+              <a:schemeClr val="tx1"/>
+            </a:solidFill>
+          </a:ln>
+          <a:effectLst>
+            <a:outerShdw blurRad="317500" dir="2700000" algn="ctr">
+              <a:srgbClr val="000000">
+                <a:alpha val="43000"/>
+              </a:srgbClr>
+            </a:outerShdw>
+          </a:effectLst>
+        </p:spPr>
+        <p:style>
+          <a:lnRef idx="2">
+            <a:schemeClr val="accent1">
+              <a:shade val="15000"/>
+            </a:schemeClr>
+          </a:lnRef>
+          <a:fillRef idx="1">
+            <a:schemeClr val="accent1"/>
+          </a:fillRef>
+          <a:effectRef idx="0">
+            <a:schemeClr val="accent1"/>
+          </a:effectRef>
+          <a:fontRef idx="minor">
+            <a:schemeClr val="lt1"/>
+          </a:fontRef>
+        </p:style>
+        <p:txBody>
+          <a:bodyPr rtlCol="0" anchor="ctr"/>
+          <a:lstStyle/>
+          <a:p>
+            <a:pPr algn="ctr"/>
+            <a:r>
+              <a:rPr lang="en-GB" sz="2400" b="1" i="0" noProof="0" dirty="0">
+                <a:solidFill>
+                  <a:srgbClr val="1F2328"/>
+                </a:solidFill>
+                <a:effectLst/>
+                <a:latin typeface="-apple-system"/>
+              </a:rPr>
+              <a:t>Data </a:t>
+            </a:r>
+            <a:r>
+              <a:rPr lang="en-GB" sz="2400" b="1" noProof="0" dirty="0">
+                <a:solidFill>
+                  <a:srgbClr val="1F2328"/>
+                </a:solidFill>
+                <a:latin typeface="-apple-system"/>
+              </a:rPr>
+              <a:t>reduction</a:t>
+            </a:r>
+            <a:r>
+              <a:rPr lang="en-GB" sz="2400" b="1" i="0" noProof="0" dirty="0">
+                <a:solidFill>
+                  <a:srgbClr val="1F2328"/>
+                </a:solidFill>
+                <a:effectLst/>
+                <a:latin typeface="-apple-system"/>
+              </a:rPr>
+              <a:t> </a:t>
+            </a:r>
+          </a:p>
+        </p:txBody>
+      </p:sp>
+      <p:sp>
+        <p:nvSpPr>
+          <p:cNvPr id="9" name="TextBox 8">
+            <a:extLst>
+              <a:ext uri="{FF2B5EF4-FFF2-40B4-BE49-F238E27FC236}">
+                <a16:creationId xmlns:a16="http://schemas.microsoft.com/office/drawing/2014/main" id="{C6DA3AEC-8478-DDFC-D8D1-A399B33948FD}"/>
+              </a:ext>
+            </a:extLst>
+          </p:cNvPr>
+          <p:cNvSpPr txBox="1"/>
+          <p:nvPr/>
+        </p:nvSpPr>
+        <p:spPr>
+          <a:xfrm>
+            <a:off x="2445174" y="3982197"/>
+            <a:ext cx="2880360" cy="1477328"/>
+          </a:xfrm>
+          <a:prstGeom prst="rect">
+            <a:avLst/>
+          </a:prstGeom>
+          <a:noFill/>
+        </p:spPr>
+        <p:txBody>
+          <a:bodyPr wrap="square" rtlCol="0">
+            <a:spAutoFit/>
+          </a:bodyPr>
+          <a:lstStyle/>
+          <a:p>
+            <a:pPr algn="l">
+              <a:buFont typeface="Arial" panose="020B0604020202020204" pitchFamily="34" charset="0"/>
+              <a:buChar char="•"/>
+            </a:pPr>
+            <a:r>
+              <a:rPr lang="en-GB" b="0" i="0" noProof="0" dirty="0">
+                <a:solidFill>
+                  <a:srgbClr val="1F2328"/>
+                </a:solidFill>
+                <a:effectLst/>
+                <a:latin typeface="-apple-system"/>
+              </a:rPr>
+              <a:t> PCR</a:t>
+            </a:r>
+          </a:p>
+          <a:p>
+            <a:pPr algn="l"/>
+            <a:endParaRPr lang="en-GB" b="0" i="0" noProof="0" dirty="0">
+              <a:solidFill>
+                <a:srgbClr val="1F2328"/>
+              </a:solidFill>
+              <a:effectLst/>
+              <a:latin typeface="-apple-system"/>
+            </a:endParaRPr>
+          </a:p>
+          <a:p>
+            <a:pPr algn="l">
+              <a:buFont typeface="Arial" panose="020B0604020202020204" pitchFamily="34" charset="0"/>
+              <a:buChar char="•"/>
+            </a:pPr>
+            <a:r>
+              <a:rPr lang="en-GB" noProof="0" dirty="0">
+                <a:solidFill>
+                  <a:srgbClr val="1F2328"/>
+                </a:solidFill>
+                <a:latin typeface="-apple-system"/>
+              </a:rPr>
+              <a:t> k-means</a:t>
+            </a:r>
+          </a:p>
+          <a:p>
+            <a:pPr algn="l">
+              <a:buFont typeface="Arial" panose="020B0604020202020204" pitchFamily="34" charset="0"/>
+              <a:buChar char="•"/>
+            </a:pPr>
+            <a:endParaRPr lang="en-GB" noProof="0" dirty="0">
+              <a:solidFill>
+                <a:srgbClr val="1F2328"/>
+              </a:solidFill>
+              <a:latin typeface="-apple-system"/>
+            </a:endParaRPr>
+          </a:p>
+          <a:p>
+            <a:pPr algn="l">
+              <a:buFont typeface="Arial" panose="020B0604020202020204" pitchFamily="34" charset="0"/>
+              <a:buChar char="•"/>
+            </a:pPr>
+            <a:r>
+              <a:rPr lang="en-GB" noProof="0" dirty="0">
+                <a:solidFill>
+                  <a:srgbClr val="1F2328"/>
+                </a:solidFill>
+                <a:latin typeface="-apple-system"/>
+              </a:rPr>
+              <a:t> linear regression analysis</a:t>
+            </a:r>
+          </a:p>
+        </p:txBody>
+      </p:sp>
+      <p:sp>
+        <p:nvSpPr>
+          <p:cNvPr id="3" name="TextBox 2">
+            <a:extLst>
+              <a:ext uri="{FF2B5EF4-FFF2-40B4-BE49-F238E27FC236}">
+                <a16:creationId xmlns:a16="http://schemas.microsoft.com/office/drawing/2014/main" id="{719F5976-1FBB-37CE-9A28-84BB95E34E1F}"/>
+              </a:ext>
+            </a:extLst>
+          </p:cNvPr>
+          <p:cNvSpPr txBox="1"/>
+          <p:nvPr/>
+        </p:nvSpPr>
+        <p:spPr>
+          <a:xfrm>
+            <a:off x="3167062" y="290480"/>
+            <a:ext cx="5857875" cy="769441"/>
+          </a:xfrm>
+          <a:prstGeom prst="rect">
+            <a:avLst/>
+          </a:prstGeom>
+          <a:noFill/>
+        </p:spPr>
+        <p:txBody>
+          <a:bodyPr wrap="square" rtlCol="0">
+            <a:spAutoFit/>
+          </a:bodyPr>
+          <a:lstStyle/>
+          <a:p>
+            <a:pPr algn="ctr"/>
+            <a:r>
+              <a:rPr lang="en-GB" sz="4400" noProof="0" dirty="0"/>
+              <a:t>3./4. Week</a:t>
+            </a:r>
+          </a:p>
+        </p:txBody>
+      </p:sp>
+      <p:pic>
+        <p:nvPicPr>
+          <p:cNvPr id="8" name="Picture 7" descr="A graph with red and blue dots&#10;&#10;AI-generated content may be incorrect.">
+            <a:extLst>
+              <a:ext uri="{FF2B5EF4-FFF2-40B4-BE49-F238E27FC236}">
+                <a16:creationId xmlns:a16="http://schemas.microsoft.com/office/drawing/2014/main" id="{F5E8DA1F-4232-EEFA-2EAD-9958096A0365}"/>
+              </a:ext>
+            </a:extLst>
+          </p:cNvPr>
+          <p:cNvPicPr>
+            <a:picLocks noChangeAspect="1"/>
+          </p:cNvPicPr>
+          <p:nvPr/>
+        </p:nvPicPr>
+        <p:blipFill>
+          <a:blip r:embed="rId2">
+            <a:extLst>
+              <a:ext uri="{28A0092B-C50C-407E-A947-70E740481C1C}">
+                <a14:useLocalDpi xmlns:a14="http://schemas.microsoft.com/office/drawing/2010/main" val="0"/>
+              </a:ext>
+            </a:extLst>
+          </a:blip>
+          <a:stretch>
+            <a:fillRect/>
+          </a:stretch>
+        </p:blipFill>
+        <p:spPr>
+          <a:xfrm>
+            <a:off x="7239001" y="1650999"/>
+            <a:ext cx="4953000" cy="4664477"/>
+          </a:xfrm>
+          <a:prstGeom prst="rect">
+            <a:avLst/>
+          </a:prstGeom>
+        </p:spPr>
+      </p:pic>
+      <p:pic>
+        <p:nvPicPr>
+          <p:cNvPr id="5" name="Picture 4" descr="A graph of a graph&#10;&#10;AI-generated content may be incorrect.">
+            <a:extLst>
+              <a:ext uri="{FF2B5EF4-FFF2-40B4-BE49-F238E27FC236}">
+                <a16:creationId xmlns:a16="http://schemas.microsoft.com/office/drawing/2014/main" id="{8413892F-AFAF-C00D-2048-2DB3A0070D1F}"/>
+              </a:ext>
+            </a:extLst>
+          </p:cNvPr>
+          <p:cNvPicPr>
+            <a:picLocks noChangeAspect="1"/>
+          </p:cNvPicPr>
+          <p:nvPr/>
+        </p:nvPicPr>
+        <p:blipFill>
+          <a:blip r:embed="rId3">
+            <a:extLst>
+              <a:ext uri="{28A0092B-C50C-407E-A947-70E740481C1C}">
+                <a14:useLocalDpi xmlns:a14="http://schemas.microsoft.com/office/drawing/2010/main" val="0"/>
+              </a:ext>
+            </a:extLst>
+          </a:blip>
+          <a:srcRect l="442"/>
+          <a:stretch/>
+        </p:blipFill>
+        <p:spPr>
+          <a:xfrm>
+            <a:off x="6045201" y="1650999"/>
+            <a:ext cx="6062135" cy="4607908"/>
+          </a:xfrm>
+          <a:prstGeom prst="rect">
+            <a:avLst/>
+          </a:prstGeom>
+        </p:spPr>
+      </p:pic>
+      <p:sp>
+        <p:nvSpPr>
+          <p:cNvPr id="12" name="TextBox 11">
+            <a:extLst>
+              <a:ext uri="{FF2B5EF4-FFF2-40B4-BE49-F238E27FC236}">
+                <a16:creationId xmlns:a16="http://schemas.microsoft.com/office/drawing/2014/main" id="{8B8886D3-46DB-A5F2-B828-DF4FBE419632}"/>
+              </a:ext>
+            </a:extLst>
+          </p:cNvPr>
+          <p:cNvSpPr txBox="1"/>
+          <p:nvPr/>
+        </p:nvSpPr>
+        <p:spPr>
+          <a:xfrm>
+            <a:off x="6045201" y="6429020"/>
+            <a:ext cx="4572000" cy="246221"/>
+          </a:xfrm>
+          <a:prstGeom prst="rect">
+            <a:avLst/>
+          </a:prstGeom>
+          <a:noFill/>
+        </p:spPr>
+        <p:txBody>
+          <a:bodyPr wrap="square" rtlCol="0">
+            <a:spAutoFit/>
+          </a:bodyPr>
+          <a:lstStyle/>
+          <a:p>
+            <a:r>
+              <a:rPr lang="en-GB" sz="1000" u="sng" noProof="0" dirty="0" err="1"/>
+              <a:t>Bioinfo</a:t>
+            </a:r>
+            <a:r>
+              <a:rPr lang="en-GB" sz="1000" u="sng" noProof="0" dirty="0"/>
+              <a:t>-Slides </a:t>
+            </a:r>
+            <a:r>
+              <a:rPr lang="en-GB" sz="1000" u="sng" noProof="0" dirty="0" err="1"/>
+              <a:t>aus</a:t>
+            </a:r>
+            <a:r>
+              <a:rPr lang="en-GB" sz="1000" u="sng" noProof="0" dirty="0"/>
+              <a:t> </a:t>
+            </a:r>
+            <a:r>
+              <a:rPr lang="en-GB" sz="1000" u="sng" noProof="0" dirty="0" err="1"/>
+              <a:t>dem</a:t>
+            </a:r>
+            <a:r>
+              <a:rPr lang="en-GB" sz="1000" u="sng" noProof="0" dirty="0"/>
+              <a:t> 3. Semester</a:t>
+            </a:r>
+          </a:p>
+        </p:txBody>
+      </p:sp>
+      <p:sp>
+        <p:nvSpPr>
+          <p:cNvPr id="13" name="TextBox 12">
+            <a:extLst>
+              <a:ext uri="{FF2B5EF4-FFF2-40B4-BE49-F238E27FC236}">
+                <a16:creationId xmlns:a16="http://schemas.microsoft.com/office/drawing/2014/main" id="{35712DFF-DC77-C3A8-95B8-5E727EB42BA2}"/>
+              </a:ext>
+            </a:extLst>
+          </p:cNvPr>
+          <p:cNvSpPr txBox="1"/>
+          <p:nvPr/>
+        </p:nvSpPr>
+        <p:spPr>
+          <a:xfrm>
+            <a:off x="5304366" y="1039493"/>
+            <a:ext cx="1583266" cy="369332"/>
+          </a:xfrm>
+          <a:prstGeom prst="rect">
+            <a:avLst/>
+          </a:prstGeom>
+          <a:noFill/>
+        </p:spPr>
+        <p:txBody>
+          <a:bodyPr wrap="square" rtlCol="0">
+            <a:spAutoFit/>
+          </a:bodyPr>
+          <a:lstStyle/>
+          <a:p>
+            <a:pPr algn="ctr"/>
+            <a:r>
+              <a:rPr lang="de-DE" dirty="0"/>
+              <a:t>02.06.-15.06.</a:t>
+            </a:r>
+          </a:p>
+        </p:txBody>
+      </p:sp>
+    </p:spTree>
+    <p:extLst>
+      <p:ext uri="{BB962C8B-B14F-4D97-AF65-F5344CB8AC3E}">
+        <p14:creationId xmlns:p14="http://schemas.microsoft.com/office/powerpoint/2010/main" val="695571366"/>
+      </p:ext>
+    </p:extLst>
+  </p:cSld>
+  <p:clrMapOvr>
+    <a:masterClrMapping/>
+  </p:clrMapOvr>
+  <p:timing>
+    <p:tnLst>
+      <p:par>
+        <p:cTn id="1" dur="indefinite" restart="never" nodeType="tmRoot">
+          <p:childTnLst>
+            <p:seq concurrent="1" nextAc="seek">
+              <p:cTn id="2" dur="indefinite" nodeType="mainSeq">
+                <p:childTnLst>
+                  <p:par>
+                    <p:cTn id="3" fill="hold">
+                      <p:stCondLst>
+                        <p:cond delay="indefinite"/>
+                      </p:stCondLst>
+                      <p:childTnLst>
+                        <p:par>
+                          <p:cTn id="4" fill="hold">
+                            <p:stCondLst>
+                              <p:cond delay="0"/>
+                            </p:stCondLst>
+                            <p:childTnLst>
+                              <p:par>
+                                <p:cTn id="5" presetID="1" presetClass="entr" presetSubtype="0" fill="hold" grpId="0" nodeType="clickEffect">
+                                  <p:stCondLst>
+                                    <p:cond delay="0"/>
+                                  </p:stCondLst>
+                                  <p:childTnLst>
+                                    <p:set>
+                                      <p:cBhvr>
+                                        <p:cTn id="6" dur="1" fill="hold">
+                                          <p:stCondLst>
+                                            <p:cond delay="0"/>
+                                          </p:stCondLst>
+                                        </p:cTn>
+                                        <p:tgtEl>
+                                          <p:spTgt spid="2"/>
+                                        </p:tgtEl>
+                                        <p:attrNameLst>
+                                          <p:attrName>style.visibility</p:attrName>
+                                        </p:attrNameLst>
+                                      </p:cBhvr>
+                                      <p:to>
+                                        <p:strVal val="visible"/>
+                                      </p:to>
+                                    </p:set>
+                                  </p:childTnLst>
+                                </p:cTn>
+                              </p:par>
+                            </p:childTnLst>
+                          </p:cTn>
+                        </p:par>
+                      </p:childTnLst>
+                    </p:cTn>
+                  </p:par>
+                  <p:par>
+                    <p:cTn id="7" fill="hold">
+                      <p:stCondLst>
+                        <p:cond delay="indefinite"/>
+                      </p:stCondLst>
+                      <p:childTnLst>
+                        <p:par>
+                          <p:cTn id="8" fill="hold">
+                            <p:stCondLst>
+                              <p:cond delay="0"/>
+                            </p:stCondLst>
+                            <p:childTnLst>
+                              <p:par>
+                                <p:cTn id="9" presetID="1" presetClass="entr" presetSubtype="0" fill="hold" grpId="0" nodeType="clickEffect">
+                                  <p:stCondLst>
+                                    <p:cond delay="0"/>
+                                  </p:stCondLst>
+                                  <p:childTnLst>
+                                    <p:set>
+                                      <p:cBhvr>
+                                        <p:cTn id="10" dur="1" fill="hold">
+                                          <p:stCondLst>
+                                            <p:cond delay="0"/>
+                                          </p:stCondLst>
+                                        </p:cTn>
+                                        <p:tgtEl>
+                                          <p:spTgt spid="9">
+                                            <p:txEl>
+                                              <p:pRg st="0" end="0"/>
+                                            </p:txEl>
+                                          </p:spTgt>
+                                        </p:tgtEl>
+                                        <p:attrNameLst>
+                                          <p:attrName>style.visibility</p:attrName>
+                                        </p:attrNameLst>
+                                      </p:cBhvr>
+                                      <p:to>
+                                        <p:strVal val="visible"/>
+                                      </p:to>
+                                    </p:set>
+                                  </p:childTnLst>
+                                </p:cTn>
+                              </p:par>
+                            </p:childTnLst>
+                          </p:cTn>
+                        </p:par>
+                      </p:childTnLst>
+                    </p:cTn>
+                  </p:par>
+                  <p:par>
+                    <p:cTn id="11" fill="hold">
+                      <p:stCondLst>
+                        <p:cond delay="indefinite"/>
+                      </p:stCondLst>
+                      <p:childTnLst>
+                        <p:par>
+                          <p:cTn id="12" fill="hold">
+                            <p:stCondLst>
+                              <p:cond delay="0"/>
+                            </p:stCondLst>
+                            <p:childTnLst>
+                              <p:par>
+                                <p:cTn id="13" presetID="1" presetClass="entr" presetSubtype="0" fill="hold" grpId="0" nodeType="clickEffect">
+                                  <p:stCondLst>
+                                    <p:cond delay="0"/>
+                                  </p:stCondLst>
+                                  <p:childTnLst>
+                                    <p:set>
+                                      <p:cBhvr>
+                                        <p:cTn id="14" dur="1" fill="hold">
+                                          <p:stCondLst>
+                                            <p:cond delay="0"/>
+                                          </p:stCondLst>
+                                        </p:cTn>
+                                        <p:tgtEl>
+                                          <p:spTgt spid="9">
+                                            <p:txEl>
+                                              <p:pRg st="2" end="2"/>
+                                            </p:txEl>
+                                          </p:spTgt>
+                                        </p:tgtEl>
+                                        <p:attrNameLst>
+                                          <p:attrName>style.visibility</p:attrName>
+                                        </p:attrNameLst>
+                                      </p:cBhvr>
+                                      <p:to>
+                                        <p:strVal val="visible"/>
+                                      </p:to>
+                                    </p:set>
+                                  </p:childTnLst>
+                                </p:cTn>
+                              </p:par>
+                            </p:childTnLst>
+                          </p:cTn>
+                        </p:par>
+                      </p:childTnLst>
+                    </p:cTn>
+                  </p:par>
+                  <p:par>
+                    <p:cTn id="15" fill="hold">
+                      <p:stCondLst>
+                        <p:cond delay="indefinite"/>
+                      </p:stCondLst>
+                      <p:childTnLst>
+                        <p:par>
+                          <p:cTn id="16" fill="hold">
+                            <p:stCondLst>
+                              <p:cond delay="0"/>
+                            </p:stCondLst>
+                            <p:childTnLst>
+                              <p:par>
+                                <p:cTn id="17" presetID="1" presetClass="entr" presetSubtype="0" fill="hold" grpId="0" nodeType="clickEffect">
+                                  <p:stCondLst>
+                                    <p:cond delay="0"/>
+                                  </p:stCondLst>
+                                  <p:childTnLst>
+                                    <p:set>
+                                      <p:cBhvr>
+                                        <p:cTn id="18" dur="1" fill="hold">
+                                          <p:stCondLst>
+                                            <p:cond delay="0"/>
+                                          </p:stCondLst>
+                                        </p:cTn>
+                                        <p:tgtEl>
+                                          <p:spTgt spid="9">
+                                            <p:txEl>
+                                              <p:pRg st="4" end="4"/>
+                                            </p:txEl>
+                                          </p:spTgt>
+                                        </p:tgtEl>
+                                        <p:attrNameLst>
+                                          <p:attrName>style.visibility</p:attrName>
+                                        </p:attrNameLst>
+                                      </p:cBhvr>
+                                      <p:to>
+                                        <p:strVal val="visible"/>
+                                      </p:to>
+                                    </p:set>
+                                  </p:childTnLst>
+                                </p:cTn>
+                              </p:par>
+                            </p:childTnLst>
+                          </p:cTn>
+                        </p:par>
+                      </p:childTnLst>
+                    </p:cTn>
+                  </p:par>
+                  <p:par>
+                    <p:cTn id="19" fill="hold">
+                      <p:stCondLst>
+                        <p:cond delay="indefinite"/>
+                      </p:stCondLst>
+                      <p:childTnLst>
+                        <p:par>
+                          <p:cTn id="20" fill="hold">
+                            <p:stCondLst>
+                              <p:cond delay="0"/>
+                            </p:stCondLst>
+                            <p:childTnLst>
+                              <p:par>
+                                <p:cTn id="21" presetID="1" presetClass="entr" presetSubtype="0" fill="hold" nodeType="clickEffect">
+                                  <p:stCondLst>
+                                    <p:cond delay="0"/>
+                                  </p:stCondLst>
+                                  <p:childTnLst>
+                                    <p:set>
+                                      <p:cBhvr>
+                                        <p:cTn id="22" dur="1" fill="hold">
+                                          <p:stCondLst>
+                                            <p:cond delay="0"/>
+                                          </p:stCondLst>
+                                        </p:cTn>
+                                        <p:tgtEl>
+                                          <p:spTgt spid="8"/>
+                                        </p:tgtEl>
+                                        <p:attrNameLst>
+                                          <p:attrName>style.visibility</p:attrName>
+                                        </p:attrNameLst>
+                                      </p:cBhvr>
+                                      <p:to>
+                                        <p:strVal val="visible"/>
+                                      </p:to>
+                                    </p:set>
+                                  </p:childTnLst>
+                                </p:cTn>
+                              </p:par>
+                            </p:childTnLst>
+                          </p:cTn>
+                        </p:par>
+                      </p:childTnLst>
+                    </p:cTn>
+                  </p:par>
+                  <p:par>
+                    <p:cTn id="23" fill="hold">
+                      <p:stCondLst>
+                        <p:cond delay="indefinite"/>
+                      </p:stCondLst>
+                      <p:childTnLst>
+                        <p:par>
+                          <p:cTn id="24" fill="hold">
+                            <p:stCondLst>
+                              <p:cond delay="0"/>
+                            </p:stCondLst>
+                            <p:childTnLst>
+                              <p:par>
+                                <p:cTn id="25" presetID="1" presetClass="entr" presetSubtype="0" fill="hold" nodeType="clickEffect">
+                                  <p:stCondLst>
+                                    <p:cond delay="0"/>
+                                  </p:stCondLst>
+                                  <p:childTnLst>
+                                    <p:set>
+                                      <p:cBhvr>
+                                        <p:cTn id="26" dur="1" fill="hold">
+                                          <p:stCondLst>
+                                            <p:cond delay="0"/>
+                                          </p:stCondLst>
+                                        </p:cTn>
+                                        <p:tgtEl>
+                                          <p:spTgt spid="5"/>
+                                        </p:tgtEl>
+                                        <p:attrNameLst>
+                                          <p:attrName>style.visibility</p:attrName>
+                                        </p:attrNameLst>
+                                      </p:cBhvr>
+                                      <p:to>
+                                        <p:strVal val="visible"/>
+                                      </p:to>
+                                    </p:set>
+                                  </p:childTnLst>
+                                </p:cTn>
+                              </p:par>
+                            </p:childTnLst>
+                          </p:cTn>
+                        </p:par>
+                      </p:childTnLst>
+                    </p:cTn>
+                  </p:par>
+                </p:childTnLst>
+              </p:cTn>
+              <p:prevCondLst>
+                <p:cond evt="onPrev" delay="0">
+                  <p:tgtEl>
+                    <p:sldTgt/>
+                  </p:tgtEl>
+                </p:cond>
+              </p:prevCondLst>
+              <p:nextCondLst>
+                <p:cond evt="onNext" delay="0">
+                  <p:tgtEl>
+                    <p:sldTgt/>
+                  </p:tgtEl>
+                </p:cond>
+              </p:nextCondLst>
+            </p:seq>
+          </p:childTnLst>
+        </p:cTn>
+      </p:par>
+    </p:tnLst>
+    <p:bldLst>
+      <p:bldP spid="2" grpId="0" animBg="1"/>
+      <p:bldP spid="9" grpId="0" build="p"/>
+    </p:bldLst>
+  </p:timing>
+</p:sld>
+</file>
+
+<file path=ppt/slides/slide9.xml><?xml version="1.0" encoding="utf-8"?>
+<p:sld xmlns:a="http://schemas.openxmlformats.org/drawingml/2006/main" xmlns:r="http://schemas.openxmlformats.org/officeDocument/2006/relationships" xmlns:p="http://schemas.openxmlformats.org/presentationml/2006/main">
+  <p:cSld>
+    <p:spTree>
+      <p:nvGrpSpPr>
+        <p:cNvPr id="1" name=""/>
+        <p:cNvGrpSpPr/>
+        <p:nvPr/>
+      </p:nvGrpSpPr>
+      <p:grpSpPr>
+        <a:xfrm>
+          <a:off x="0" y="0"/>
+          <a:ext cx="0" cy="0"/>
+          <a:chOff x="0" y="0"/>
+          <a:chExt cx="0" cy="0"/>
+        </a:xfrm>
+      </p:grpSpPr>
+      <p:pic>
+        <p:nvPicPr>
+          <p:cNvPr id="2" name="Picture 1" descr="A comparison of a graph&#10;&#10;AI-generated content may be incorrect.">
+            <a:extLst>
+              <a:ext uri="{FF2B5EF4-FFF2-40B4-BE49-F238E27FC236}">
+                <a16:creationId xmlns:a16="http://schemas.microsoft.com/office/drawing/2014/main" id="{4A73FD8A-1DFB-7CC1-7CFB-C06F98CBF7F8}"/>
+              </a:ext>
+            </a:extLst>
+          </p:cNvPr>
+          <p:cNvPicPr>
+            <a:picLocks noChangeAspect="1"/>
+          </p:cNvPicPr>
+          <p:nvPr/>
+        </p:nvPicPr>
+        <p:blipFill>
+          <a:blip r:embed="rId2">
+            <a:extLst>
+              <a:ext uri="{28A0092B-C50C-407E-A947-70E740481C1C}">
+                <a14:useLocalDpi xmlns:a14="http://schemas.microsoft.com/office/drawing/2010/main" val="0"/>
+              </a:ext>
+            </a:extLst>
+          </a:blip>
+          <a:srcRect t="5391"/>
+          <a:stretch/>
+        </p:blipFill>
+        <p:spPr>
+          <a:xfrm>
+            <a:off x="860288" y="1253880"/>
+            <a:ext cx="10471424" cy="4350240"/>
+          </a:xfrm>
+          <a:prstGeom prst="rect">
+            <a:avLst/>
+          </a:prstGeom>
+        </p:spPr>
+      </p:pic>
+      <p:sp>
+        <p:nvSpPr>
+          <p:cNvPr id="3" name="TextBox 2">
+            <a:extLst>
+              <a:ext uri="{FF2B5EF4-FFF2-40B4-BE49-F238E27FC236}">
+                <a16:creationId xmlns:a16="http://schemas.microsoft.com/office/drawing/2014/main" id="{6D65A147-8C7A-6117-BA6C-A252DC013A91}"/>
+              </a:ext>
+            </a:extLst>
+          </p:cNvPr>
+          <p:cNvSpPr txBox="1"/>
+          <p:nvPr/>
+        </p:nvSpPr>
+        <p:spPr>
+          <a:xfrm>
+            <a:off x="860288" y="5716978"/>
+            <a:ext cx="4572000" cy="246221"/>
+          </a:xfrm>
+          <a:prstGeom prst="rect">
+            <a:avLst/>
+          </a:prstGeom>
+          <a:noFill/>
+        </p:spPr>
+        <p:txBody>
+          <a:bodyPr wrap="square" rtlCol="0">
+            <a:spAutoFit/>
+          </a:bodyPr>
+          <a:lstStyle/>
+          <a:p>
+            <a:r>
+              <a:rPr lang="en-GB" sz="1000" u="sng" noProof="0" dirty="0" err="1"/>
+              <a:t>Bioinfo</a:t>
+            </a:r>
+            <a:r>
+              <a:rPr lang="en-GB" sz="1000" u="sng" noProof="0" dirty="0"/>
+              <a:t>-Slides </a:t>
+            </a:r>
+            <a:r>
+              <a:rPr lang="en-GB" sz="1000" u="sng" noProof="0" dirty="0" err="1"/>
+              <a:t>aus</a:t>
+            </a:r>
+            <a:r>
+              <a:rPr lang="en-GB" sz="1000" u="sng" noProof="0" dirty="0"/>
+              <a:t> </a:t>
+            </a:r>
+            <a:r>
+              <a:rPr lang="en-GB" sz="1000" u="sng" noProof="0" dirty="0" err="1"/>
+              <a:t>dem</a:t>
+            </a:r>
+            <a:r>
+              <a:rPr lang="en-GB" sz="1000" u="sng" noProof="0" dirty="0"/>
+              <a:t> 3. Semester</a:t>
+            </a:r>
+          </a:p>
+        </p:txBody>
+      </p:sp>
+    </p:spTree>
+    <p:extLst>
+      <p:ext uri="{BB962C8B-B14F-4D97-AF65-F5344CB8AC3E}">
+        <p14:creationId xmlns:p14="http://schemas.microsoft.com/office/powerpoint/2010/main" val="3608344811"/>
+      </p:ext>
+    </p:extLst>
+  </p:cSld>
+  <p:clrMapOvr>
+    <a:masterClrMapping/>
+  </p:clrMapOvr>
+</p:sld>
+</file>
+
 <file path=ppt/theme/theme1.xml><?xml version="1.0" encoding="utf-8"?>
 <a:theme xmlns:a="http://schemas.openxmlformats.org/drawingml/2006/main" name="Office Theme">
   <a:themeElements>

--- a/Project Proposal Ben.pptx
+++ b/Project Proposal Ben.pptx
@@ -6876,7 +6876,7 @@
         </p:blipFill>
         <p:spPr bwMode="auto">
           <a:xfrm>
-            <a:off x="3792839" y="2266609"/>
+            <a:off x="3792840" y="2206804"/>
             <a:ext cx="3599524" cy="1536828"/>
           </a:xfrm>
           <a:prstGeom prst="rect">
@@ -6896,10 +6896,10 @@
       </p:pic>
       <p:sp>
         <p:nvSpPr>
-          <p:cNvPr id="16" name="Textfeld 15">
-            <a:extLst>
-              <a:ext uri="{FF2B5EF4-FFF2-40B4-BE49-F238E27FC236}">
-                <a16:creationId xmlns:a16="http://schemas.microsoft.com/office/drawing/2014/main" id="{7B677E12-AF70-6795-F96E-B40C1E37C807}"/>
+          <p:cNvPr id="17" name="Textfeld 16">
+            <a:extLst>
+              <a:ext uri="{FF2B5EF4-FFF2-40B4-BE49-F238E27FC236}">
+                <a16:creationId xmlns:a16="http://schemas.microsoft.com/office/drawing/2014/main" id="{93CDF70F-7EBC-9832-CE8B-932AC3B791C0}"/>
               </a:ext>
             </a:extLst>
           </p:cNvPr>
@@ -6908,66 +6908,7 @@
         </p:nvSpPr>
         <p:spPr>
           <a:xfrm>
-            <a:off x="316872" y="1192365"/>
-            <a:ext cx="4414885" cy="400110"/>
-          </a:xfrm>
-          <a:prstGeom prst="rect">
-            <a:avLst/>
-          </a:prstGeom>
-          <a:noFill/>
-        </p:spPr>
-        <p:txBody>
-          <a:bodyPr wrap="square" rtlCol="0">
-            <a:spAutoFit/>
-          </a:bodyPr>
-          <a:lstStyle/>
-          <a:p>
-            <a:r>
-              <a:rPr lang="de-DE" sz="2000" dirty="0"/>
-              <a:t>= apparent </a:t>
-            </a:r>
-            <a:r>
-              <a:rPr lang="de-DE" sz="2000" dirty="0" err="1"/>
-              <a:t>molecular</a:t>
-            </a:r>
-            <a:r>
-              <a:rPr lang="de-DE" sz="2000" dirty="0"/>
-              <a:t> </a:t>
-            </a:r>
-            <a:r>
-              <a:rPr lang="de-DE" sz="2000" dirty="0" err="1"/>
-              <a:t>weight</a:t>
-            </a:r>
-            <a:r>
-              <a:rPr lang="de-DE" sz="2000" dirty="0"/>
-              <a:t> </a:t>
-            </a:r>
-            <a:r>
-              <a:rPr lang="de-DE" sz="2000" dirty="0" err="1"/>
-              <a:t>changed</a:t>
-            </a:r>
-            <a:r>
-              <a:rPr lang="de-DE" sz="2000" dirty="0"/>
-              <a:t> </a:t>
-            </a:r>
-          </a:p>
-        </p:txBody>
-      </p:sp>
-      <p:sp>
-        <p:nvSpPr>
-          <p:cNvPr id="17" name="Textfeld 16">
-            <a:extLst>
-              <a:ext uri="{FF2B5EF4-FFF2-40B4-BE49-F238E27FC236}">
-                <a16:creationId xmlns:a16="http://schemas.microsoft.com/office/drawing/2014/main" id="{93CDF70F-7EBC-9832-CE8B-932AC3B791C0}"/>
-              </a:ext>
-            </a:extLst>
-          </p:cNvPr>
-          <p:cNvSpPr txBox="1"/>
-          <p:nvPr/>
-        </p:nvSpPr>
-        <p:spPr>
-          <a:xfrm>
-            <a:off x="542847" y="5849908"/>
+            <a:off x="542848" y="5790103"/>
             <a:ext cx="1541592" cy="369332"/>
           </a:xfrm>
           <a:prstGeom prst="rect">
@@ -7021,7 +6962,7 @@
         </p:blipFill>
         <p:spPr bwMode="auto">
           <a:xfrm>
-            <a:off x="455879" y="4294773"/>
+            <a:off x="455880" y="4234968"/>
             <a:ext cx="3577461" cy="1527408"/>
           </a:xfrm>
           <a:prstGeom prst="rect">
@@ -7053,7 +6994,7 @@
         </p:nvSpPr>
         <p:spPr>
           <a:xfrm>
-            <a:off x="3792839" y="3720630"/>
+            <a:off x="3792840" y="3660825"/>
             <a:ext cx="1625026" cy="369332"/>
           </a:xfrm>
           <a:prstGeom prst="rect">
@@ -7103,7 +7044,7 @@
         </p:blipFill>
         <p:spPr bwMode="auto">
           <a:xfrm>
-            <a:off x="468740" y="2261088"/>
+            <a:off x="468741" y="2201283"/>
             <a:ext cx="3324099" cy="1419234"/>
           </a:xfrm>
           <a:prstGeom prst="rect">
@@ -7135,7 +7076,7 @@
         </p:nvSpPr>
         <p:spPr>
           <a:xfrm>
-            <a:off x="537962" y="3672508"/>
+            <a:off x="537963" y="3612703"/>
             <a:ext cx="1398993" cy="369332"/>
           </a:xfrm>
           <a:prstGeom prst="rect">
@@ -7189,7 +7130,7 @@
         </p:blipFill>
         <p:spPr bwMode="auto">
           <a:xfrm>
-            <a:off x="3843267" y="4294773"/>
+            <a:off x="3843268" y="4234968"/>
             <a:ext cx="3515282" cy="1527408"/>
           </a:xfrm>
           <a:prstGeom prst="rect">
@@ -7221,7 +7162,7 @@
         </p:nvSpPr>
         <p:spPr>
           <a:xfrm>
-            <a:off x="3911692" y="5847861"/>
+            <a:off x="3911693" y="5788056"/>
             <a:ext cx="1800850" cy="369332"/>
           </a:xfrm>
           <a:prstGeom prst="rect">
@@ -7271,7 +7212,7 @@
         </p:blipFill>
         <p:spPr bwMode="auto">
           <a:xfrm>
-            <a:off x="7422383" y="2316545"/>
+            <a:off x="7422384" y="2256740"/>
             <a:ext cx="3482565" cy="1486892"/>
           </a:xfrm>
           <a:prstGeom prst="rect">
@@ -7303,7 +7244,7 @@
         </p:nvSpPr>
         <p:spPr>
           <a:xfrm>
-            <a:off x="7422383" y="3767032"/>
+            <a:off x="7422384" y="3707227"/>
             <a:ext cx="1825864" cy="369332"/>
           </a:xfrm>
           <a:prstGeom prst="rect">
@@ -7342,7 +7283,7 @@
         </p:nvSpPr>
         <p:spPr>
           <a:xfrm>
-            <a:off x="7506392" y="4469291"/>
+            <a:off x="7506393" y="4409486"/>
             <a:ext cx="3856795" cy="1877437"/>
           </a:xfrm>
           <a:prstGeom prst="rect">
@@ -7477,8 +7418,8 @@
         </p:nvSpPr>
         <p:spPr>
           <a:xfrm>
-            <a:off x="758982" y="4473925"/>
-            <a:ext cx="10852912" cy="1946736"/>
+            <a:off x="454181" y="4670570"/>
+            <a:ext cx="11944291" cy="1946736"/>
           </a:xfrm>
         </p:spPr>
         <p:txBody>
@@ -7605,16 +7546,16 @@
               <a:buNone/>
             </a:pPr>
             <a:r>
-              <a:rPr lang="de-DE" sz="2000" b="1" dirty="0">
+              <a:rPr lang="de-DE" sz="2400" b="1" dirty="0">
                 <a:sym typeface="Wingdings" panose="05000000000000000000" pitchFamily="2" charset="2"/>
               </a:rPr>
               <a:t> </a:t>
             </a:r>
             <a:r>
-              <a:rPr lang="en-GB" sz="2000" b="1" noProof="0" dirty="0"/>
+              <a:rPr lang="en-GB" sz="2400" b="1" noProof="0" dirty="0"/>
               <a:t>Which proteins in the non-synchronized HeLa cells are RNA-dependent proteins?</a:t>
             </a:r>
-            <a:endParaRPr lang="de-DE" sz="2000" b="1" dirty="0"/>
+            <a:endParaRPr lang="de-DE" sz="2400" b="1" dirty="0"/>
           </a:p>
           <a:p>
             <a:pPr marL="0" indent="0">
@@ -7646,7 +7587,7 @@
         </p:nvCxnSpPr>
         <p:spPr>
           <a:xfrm>
-            <a:off x="1892174" y="2130900"/>
+            <a:off x="1892174" y="2327545"/>
             <a:ext cx="0" cy="1835203"/>
           </a:xfrm>
           <a:prstGeom prst="straightConnector1">
@@ -7687,7 +7628,7 @@
         </p:nvCxnSpPr>
         <p:spPr>
           <a:xfrm>
-            <a:off x="1892174" y="2130900"/>
+            <a:off x="1892174" y="2327545"/>
             <a:ext cx="2127565" cy="0"/>
           </a:xfrm>
           <a:prstGeom prst="straightConnector1">
@@ -7726,7 +7667,7 @@
         </p:nvSpPr>
         <p:spPr>
           <a:xfrm>
-            <a:off x="1892174" y="1484013"/>
+            <a:off x="1892174" y="1680658"/>
             <a:ext cx="2480650" cy="523220"/>
           </a:xfrm>
           <a:prstGeom prst="rect">
@@ -7786,7 +7727,7 @@
         </p:nvSpPr>
         <p:spPr>
           <a:xfrm>
-            <a:off x="941561" y="2833097"/>
+            <a:off x="941561" y="3029742"/>
             <a:ext cx="1113576" cy="523220"/>
           </a:xfrm>
           <a:prstGeom prst="rect">
@@ -7821,7 +7762,7 @@
         </p:nvSpPr>
         <p:spPr>
           <a:xfrm>
-            <a:off x="4802865" y="2549342"/>
+            <a:off x="4802865" y="2745987"/>
             <a:ext cx="2421797" cy="369332"/>
           </a:xfrm>
           <a:prstGeom prst="rect">

--- a/Project Proposal Ben.pptx
+++ b/Project Proposal Ben.pptx
@@ -19,6 +19,9 @@
     <p:sldId id="269" r:id="rId13"/>
     <p:sldId id="257" r:id="rId14"/>
     <p:sldId id="258" r:id="rId15"/>
+    <p:sldId id="272" r:id="rId16"/>
+    <p:sldId id="273" r:id="rId17"/>
+    <p:sldId id="274" r:id="rId18"/>
   </p:sldIdLst>
   <p:sldSz cx="12192000" cy="6858000"/>
   <p:notesSz cx="6858000" cy="9144000"/>
@@ -274,7 +277,7 @@
           <a:p>
             <a:fld id="{AEE46315-4AAD-410B-89FA-21C15CCB14A3}" type="datetimeFigureOut">
               <a:rPr lang="de-DE" smtClean="0"/>
-              <a:t>11.05.2025</a:t>
+              <a:t>12.05.2025</a:t>
             </a:fld>
             <a:endParaRPr lang="de-DE"/>
           </a:p>
@@ -474,7 +477,7 @@
           <a:p>
             <a:fld id="{AEE46315-4AAD-410B-89FA-21C15CCB14A3}" type="datetimeFigureOut">
               <a:rPr lang="de-DE" smtClean="0"/>
-              <a:t>11.05.2025</a:t>
+              <a:t>12.05.2025</a:t>
             </a:fld>
             <a:endParaRPr lang="de-DE"/>
           </a:p>
@@ -684,7 +687,7 @@
           <a:p>
             <a:fld id="{AEE46315-4AAD-410B-89FA-21C15CCB14A3}" type="datetimeFigureOut">
               <a:rPr lang="de-DE" smtClean="0"/>
-              <a:t>11.05.2025</a:t>
+              <a:t>12.05.2025</a:t>
             </a:fld>
             <a:endParaRPr lang="de-DE"/>
           </a:p>
@@ -884,7 +887,7 @@
           <a:p>
             <a:fld id="{AEE46315-4AAD-410B-89FA-21C15CCB14A3}" type="datetimeFigureOut">
               <a:rPr lang="de-DE" smtClean="0"/>
-              <a:t>11.05.2025</a:t>
+              <a:t>12.05.2025</a:t>
             </a:fld>
             <a:endParaRPr lang="de-DE"/>
           </a:p>
@@ -1160,7 +1163,7 @@
           <a:p>
             <a:fld id="{AEE46315-4AAD-410B-89FA-21C15CCB14A3}" type="datetimeFigureOut">
               <a:rPr lang="de-DE" smtClean="0"/>
-              <a:t>11.05.2025</a:t>
+              <a:t>12.05.2025</a:t>
             </a:fld>
             <a:endParaRPr lang="de-DE"/>
           </a:p>
@@ -1428,7 +1431,7 @@
           <a:p>
             <a:fld id="{AEE46315-4AAD-410B-89FA-21C15CCB14A3}" type="datetimeFigureOut">
               <a:rPr lang="de-DE" smtClean="0"/>
-              <a:t>11.05.2025</a:t>
+              <a:t>12.05.2025</a:t>
             </a:fld>
             <a:endParaRPr lang="de-DE"/>
           </a:p>
@@ -1843,7 +1846,7 @@
           <a:p>
             <a:fld id="{AEE46315-4AAD-410B-89FA-21C15CCB14A3}" type="datetimeFigureOut">
               <a:rPr lang="de-DE" smtClean="0"/>
-              <a:t>11.05.2025</a:t>
+              <a:t>12.05.2025</a:t>
             </a:fld>
             <a:endParaRPr lang="de-DE"/>
           </a:p>
@@ -1985,7 +1988,7 @@
           <a:p>
             <a:fld id="{AEE46315-4AAD-410B-89FA-21C15CCB14A3}" type="datetimeFigureOut">
               <a:rPr lang="de-DE" smtClean="0"/>
-              <a:t>11.05.2025</a:t>
+              <a:t>12.05.2025</a:t>
             </a:fld>
             <a:endParaRPr lang="de-DE"/>
           </a:p>
@@ -2098,7 +2101,7 @@
           <a:p>
             <a:fld id="{AEE46315-4AAD-410B-89FA-21C15CCB14A3}" type="datetimeFigureOut">
               <a:rPr lang="de-DE" smtClean="0"/>
-              <a:t>11.05.2025</a:t>
+              <a:t>12.05.2025</a:t>
             </a:fld>
             <a:endParaRPr lang="de-DE"/>
           </a:p>
@@ -2411,7 +2414,7 @@
           <a:p>
             <a:fld id="{AEE46315-4AAD-410B-89FA-21C15CCB14A3}" type="datetimeFigureOut">
               <a:rPr lang="de-DE" smtClean="0"/>
-              <a:t>11.05.2025</a:t>
+              <a:t>12.05.2025</a:t>
             </a:fld>
             <a:endParaRPr lang="de-DE"/>
           </a:p>
@@ -2700,7 +2703,7 @@
           <a:p>
             <a:fld id="{AEE46315-4AAD-410B-89FA-21C15CCB14A3}" type="datetimeFigureOut">
               <a:rPr lang="de-DE" smtClean="0"/>
-              <a:t>11.05.2025</a:t>
+              <a:t>12.05.2025</a:t>
             </a:fld>
             <a:endParaRPr lang="de-DE"/>
           </a:p>
@@ -2943,7 +2946,7 @@
           <a:p>
             <a:fld id="{AEE46315-4AAD-410B-89FA-21C15CCB14A3}" type="datetimeFigureOut">
               <a:rPr lang="de-DE" smtClean="0"/>
-              <a:t>11.05.2025</a:t>
+              <a:t>12.05.2025</a:t>
             </a:fld>
             <a:endParaRPr lang="de-DE"/>
           </a:p>
@@ -5775,7 +5778,7 @@
 </p:sld>
 </file>
 
-<file path=ppt/slides/slide2.xml><?xml version="1.0" encoding="utf-8"?>
+<file path=ppt/slides/slide15.xml><?xml version="1.0" encoding="utf-8"?>
 <p:sld xmlns:a="http://schemas.openxmlformats.org/drawingml/2006/main" xmlns:r="http://schemas.openxmlformats.org/officeDocument/2006/relationships" xmlns:p="http://schemas.openxmlformats.org/presentationml/2006/main">
   <p:cSld>
     <p:spTree>
@@ -5783,7 +5786,7 @@
         <p:cNvPr id="1" name="">
           <a:extLst>
             <a:ext uri="{FF2B5EF4-FFF2-40B4-BE49-F238E27FC236}">
-              <a16:creationId xmlns:a16="http://schemas.microsoft.com/office/drawing/2014/main" id="{321B6A4F-2666-3D27-E198-AE0F72A47203}"/>
+              <a16:creationId xmlns:a16="http://schemas.microsoft.com/office/drawing/2014/main" id="{1098AC0D-9A74-B377-0135-6D106A0943C8}"/>
             </a:ext>
           </a:extLst>
         </p:cNvPr>
@@ -5803,7 +5806,7 @@
           <p:cNvPr id="4" name="Grafik 3" descr="Ein Bild, das Text, Diagramm, Screenshot, Design enthält.&#10;&#10;KI-generierte Inhalte können fehlerhaft sein.">
             <a:extLst>
               <a:ext uri="{FF2B5EF4-FFF2-40B4-BE49-F238E27FC236}">
-                <a16:creationId xmlns:a16="http://schemas.microsoft.com/office/drawing/2014/main" id="{997DE43D-1819-DD0B-55D2-479467DA46CD}"/>
+                <a16:creationId xmlns:a16="http://schemas.microsoft.com/office/drawing/2014/main" id="{C28A3944-BB6F-D501-ED67-0018592C000B}"/>
               </a:ext>
             </a:extLst>
           </p:cNvPr>
@@ -5839,7 +5842,7 @@
           <p:cNvPr id="2" name="Titel 1">
             <a:extLst>
               <a:ext uri="{FF2B5EF4-FFF2-40B4-BE49-F238E27FC236}">
-                <a16:creationId xmlns:a16="http://schemas.microsoft.com/office/drawing/2014/main" id="{477B7808-70D0-F6E0-E832-BB6EBAE69C1D}"/>
+                <a16:creationId xmlns:a16="http://schemas.microsoft.com/office/drawing/2014/main" id="{05E69005-65B2-17C7-2A56-6F509B25123A}"/>
               </a:ext>
             </a:extLst>
           </p:cNvPr>
@@ -5889,7 +5892,7 @@
           <p:cNvPr id="3" name="Inhaltsplatzhalter 2">
             <a:extLst>
               <a:ext uri="{FF2B5EF4-FFF2-40B4-BE49-F238E27FC236}">
-                <a16:creationId xmlns:a16="http://schemas.microsoft.com/office/drawing/2014/main" id="{4839FC2C-A47E-87D3-0C01-06F523A4721F}"/>
+                <a16:creationId xmlns:a16="http://schemas.microsoft.com/office/drawing/2014/main" id="{8BDB15C7-4713-4BAC-67D0-3AC6E3D83CA9}"/>
               </a:ext>
             </a:extLst>
           </p:cNvPr>
@@ -6247,7 +6250,7 @@
           <p:cNvPr id="6" name="Gerader Verbinder 5">
             <a:extLst>
               <a:ext uri="{FF2B5EF4-FFF2-40B4-BE49-F238E27FC236}">
-                <a16:creationId xmlns:a16="http://schemas.microsoft.com/office/drawing/2014/main" id="{BD6F128C-D586-56A0-7BAA-B2CA81F8BDFF}"/>
+                <a16:creationId xmlns:a16="http://schemas.microsoft.com/office/drawing/2014/main" id="{96B62D74-D3EA-DE7C-4B0B-D1B4FBC27568}"/>
               </a:ext>
             </a:extLst>
           </p:cNvPr>
@@ -6285,7 +6288,7 @@
           <p:cNvPr id="12" name="Textfeld 11">
             <a:extLst>
               <a:ext uri="{FF2B5EF4-FFF2-40B4-BE49-F238E27FC236}">
-                <a16:creationId xmlns:a16="http://schemas.microsoft.com/office/drawing/2014/main" id="{3A2A2CB9-E6C1-26AC-C7D4-0222466F906D}"/>
+                <a16:creationId xmlns:a16="http://schemas.microsoft.com/office/drawing/2014/main" id="{440B87C7-4641-3E96-9D00-7CDA5D20B1FE}"/>
               </a:ext>
             </a:extLst>
           </p:cNvPr>
@@ -6365,7 +6368,7 @@
           <p:cNvPr id="5" name="Textfeld 4">
             <a:extLst>
               <a:ext uri="{FF2B5EF4-FFF2-40B4-BE49-F238E27FC236}">
-                <a16:creationId xmlns:a16="http://schemas.microsoft.com/office/drawing/2014/main" id="{5DE04C1E-6F13-96A5-D1B6-68466FA2E914}"/>
+                <a16:creationId xmlns:a16="http://schemas.microsoft.com/office/drawing/2014/main" id="{4E75FCC4-1D67-57BF-0231-AB8301F89EDA}"/>
               </a:ext>
             </a:extLst>
           </p:cNvPr>
@@ -6721,7 +6724,7 @@
     </p:spTree>
     <p:extLst>
       <p:ext uri="{BB962C8B-B14F-4D97-AF65-F5344CB8AC3E}">
-        <p14:creationId xmlns:p14="http://schemas.microsoft.com/office/powerpoint/2010/main" val="880778979"/>
+        <p14:creationId xmlns:p14="http://schemas.microsoft.com/office/powerpoint/2010/main" val="1583884658"/>
       </p:ext>
     </p:extLst>
   </p:cSld>
@@ -6731,12 +6734,18 @@
 </p:sld>
 </file>
 
-<file path=ppt/slides/slide3.xml><?xml version="1.0" encoding="utf-8"?>
+<file path=ppt/slides/slide16.xml><?xml version="1.0" encoding="utf-8"?>
 <p:sld xmlns:a="http://schemas.openxmlformats.org/drawingml/2006/main" xmlns:r="http://schemas.openxmlformats.org/officeDocument/2006/relationships" xmlns:p="http://schemas.openxmlformats.org/presentationml/2006/main">
   <p:cSld>
     <p:spTree>
       <p:nvGrpSpPr>
-        <p:cNvPr id="1" name=""/>
+        <p:cNvPr id="1" name="">
+          <a:extLst>
+            <a:ext uri="{FF2B5EF4-FFF2-40B4-BE49-F238E27FC236}">
+              <a16:creationId xmlns:a16="http://schemas.microsoft.com/office/drawing/2014/main" id="{647B276E-4645-DEAF-3F65-B220E600522C}"/>
+            </a:ext>
+          </a:extLst>
+        </p:cNvPr>
         <p:cNvGrpSpPr/>
         <p:nvPr/>
       </p:nvGrpSpPr>
@@ -6753,7 +6762,7 @@
           <p:cNvPr id="12" name="Titel 1">
             <a:extLst>
               <a:ext uri="{FF2B5EF4-FFF2-40B4-BE49-F238E27FC236}">
-                <a16:creationId xmlns:a16="http://schemas.microsoft.com/office/drawing/2014/main" id="{3497EEF2-7038-0B1A-725F-A66BC7575940}"/>
+                <a16:creationId xmlns:a16="http://schemas.microsoft.com/office/drawing/2014/main" id="{831343A1-DC0C-6F3C-C255-3C81B49A5C2A}"/>
               </a:ext>
             </a:extLst>
           </p:cNvPr>
@@ -6814,7 +6823,7 @@
           <p:cNvPr id="13" name="Gerader Verbinder 12">
             <a:extLst>
               <a:ext uri="{FF2B5EF4-FFF2-40B4-BE49-F238E27FC236}">
-                <a16:creationId xmlns:a16="http://schemas.microsoft.com/office/drawing/2014/main" id="{04D2F787-C468-DF0E-4792-3B46C1A3F1A2}"/>
+                <a16:creationId xmlns:a16="http://schemas.microsoft.com/office/drawing/2014/main" id="{179ED1C4-8AAD-EAB4-CCBD-C7F92D096BAB}"/>
               </a:ext>
             </a:extLst>
           </p:cNvPr>
@@ -6852,7 +6861,7 @@
           <p:cNvPr id="2050" name="Picture 2">
             <a:extLst>
               <a:ext uri="{FF2B5EF4-FFF2-40B4-BE49-F238E27FC236}">
-                <a16:creationId xmlns:a16="http://schemas.microsoft.com/office/drawing/2014/main" id="{DCA5435A-84BC-F671-EB37-805D4DEB7B49}"/>
+                <a16:creationId xmlns:a16="http://schemas.microsoft.com/office/drawing/2014/main" id="{9BB6FE9E-64A8-17B6-D063-A13468FE7A08}"/>
               </a:ext>
             </a:extLst>
           </p:cNvPr>
@@ -6899,7 +6908,7 @@
           <p:cNvPr id="17" name="Textfeld 16">
             <a:extLst>
               <a:ext uri="{FF2B5EF4-FFF2-40B4-BE49-F238E27FC236}">
-                <a16:creationId xmlns:a16="http://schemas.microsoft.com/office/drawing/2014/main" id="{93CDF70F-7EBC-9832-CE8B-932AC3B791C0}"/>
+                <a16:creationId xmlns:a16="http://schemas.microsoft.com/office/drawing/2014/main" id="{4E4CFEA2-78C2-7E02-041E-E3AAA31214B7}"/>
               </a:ext>
             </a:extLst>
           </p:cNvPr>
@@ -6938,7 +6947,7 @@
           <p:cNvPr id="2052" name="Picture 4">
             <a:extLst>
               <a:ext uri="{FF2B5EF4-FFF2-40B4-BE49-F238E27FC236}">
-                <a16:creationId xmlns:a16="http://schemas.microsoft.com/office/drawing/2014/main" id="{A2AE5049-C3AD-0749-F1FF-3633373C1C70}"/>
+                <a16:creationId xmlns:a16="http://schemas.microsoft.com/office/drawing/2014/main" id="{139F89F9-3C12-FDE1-0F84-B04D945DAB90}"/>
               </a:ext>
             </a:extLst>
           </p:cNvPr>
@@ -6985,7 +6994,7 @@
           <p:cNvPr id="18" name="Textfeld 17">
             <a:extLst>
               <a:ext uri="{FF2B5EF4-FFF2-40B4-BE49-F238E27FC236}">
-                <a16:creationId xmlns:a16="http://schemas.microsoft.com/office/drawing/2014/main" id="{3AAA3A6C-61BD-28C7-69CE-92EC94CE3E6E}"/>
+                <a16:creationId xmlns:a16="http://schemas.microsoft.com/office/drawing/2014/main" id="{4BB4D71E-891A-2B02-0080-50C92F5E0332}"/>
               </a:ext>
             </a:extLst>
           </p:cNvPr>
@@ -7020,7 +7029,7 @@
           <p:cNvPr id="2054" name="Picture 6">
             <a:extLst>
               <a:ext uri="{FF2B5EF4-FFF2-40B4-BE49-F238E27FC236}">
-                <a16:creationId xmlns:a16="http://schemas.microsoft.com/office/drawing/2014/main" id="{C96818F3-FF1D-F619-D645-893349B68003}"/>
+                <a16:creationId xmlns:a16="http://schemas.microsoft.com/office/drawing/2014/main" id="{C7360EEF-0648-14C1-76FE-9608E680E32C}"/>
               </a:ext>
             </a:extLst>
           </p:cNvPr>
@@ -7067,7 +7076,7 @@
           <p:cNvPr id="19" name="Textfeld 18">
             <a:extLst>
               <a:ext uri="{FF2B5EF4-FFF2-40B4-BE49-F238E27FC236}">
-                <a16:creationId xmlns:a16="http://schemas.microsoft.com/office/drawing/2014/main" id="{FD7B8FB3-8A10-9417-D4A0-A1CBF07D47EB}"/>
+                <a16:creationId xmlns:a16="http://schemas.microsoft.com/office/drawing/2014/main" id="{95710C86-FD8E-BF68-23AA-7EA439926695}"/>
               </a:ext>
             </a:extLst>
           </p:cNvPr>
@@ -7106,7 +7115,7 @@
           <p:cNvPr id="2056" name="Picture 8">
             <a:extLst>
               <a:ext uri="{FF2B5EF4-FFF2-40B4-BE49-F238E27FC236}">
-                <a16:creationId xmlns:a16="http://schemas.microsoft.com/office/drawing/2014/main" id="{0ADC97CF-4A40-930C-8584-2F4082C88205}"/>
+                <a16:creationId xmlns:a16="http://schemas.microsoft.com/office/drawing/2014/main" id="{B3AD0012-D5B1-89F7-0FFD-1C765FCF6F3E}"/>
               </a:ext>
             </a:extLst>
           </p:cNvPr>
@@ -7153,7 +7162,7 @@
           <p:cNvPr id="20" name="Textfeld 19">
             <a:extLst>
               <a:ext uri="{FF2B5EF4-FFF2-40B4-BE49-F238E27FC236}">
-                <a16:creationId xmlns:a16="http://schemas.microsoft.com/office/drawing/2014/main" id="{DD9312CD-B2D8-2B4E-317E-EBAFFAAD4298}"/>
+                <a16:creationId xmlns:a16="http://schemas.microsoft.com/office/drawing/2014/main" id="{6F994C99-DC61-AD8D-BC6A-147780C28FE5}"/>
               </a:ext>
             </a:extLst>
           </p:cNvPr>
@@ -7188,7 +7197,7 @@
           <p:cNvPr id="2058" name="Picture 10">
             <a:extLst>
               <a:ext uri="{FF2B5EF4-FFF2-40B4-BE49-F238E27FC236}">
-                <a16:creationId xmlns:a16="http://schemas.microsoft.com/office/drawing/2014/main" id="{C45730DC-CC82-A3BC-9850-AD24F192FBEB}"/>
+                <a16:creationId xmlns:a16="http://schemas.microsoft.com/office/drawing/2014/main" id="{85E9F68B-639C-6285-3A57-0D9A353336D2}"/>
               </a:ext>
             </a:extLst>
           </p:cNvPr>
@@ -7235,7 +7244,7 @@
           <p:cNvPr id="21" name="Textfeld 20">
             <a:extLst>
               <a:ext uri="{FF2B5EF4-FFF2-40B4-BE49-F238E27FC236}">
-                <a16:creationId xmlns:a16="http://schemas.microsoft.com/office/drawing/2014/main" id="{F9A20321-783A-5EF6-58B8-96E0889DC906}"/>
+                <a16:creationId xmlns:a16="http://schemas.microsoft.com/office/drawing/2014/main" id="{0F08E389-1717-D45C-D922-81DCCCB1CF7D}"/>
               </a:ext>
             </a:extLst>
           </p:cNvPr>
@@ -7274,7 +7283,7 @@
           <p:cNvPr id="22" name="Textfeld 21">
             <a:extLst>
               <a:ext uri="{FF2B5EF4-FFF2-40B4-BE49-F238E27FC236}">
-                <a16:creationId xmlns:a16="http://schemas.microsoft.com/office/drawing/2014/main" id="{4ABB5EAA-3A83-DC26-49AE-1B4272222484}"/>
+                <a16:creationId xmlns:a16="http://schemas.microsoft.com/office/drawing/2014/main" id="{A3F0F336-0EC3-4D19-4498-F7B7A94A6A53}"/>
               </a:ext>
             </a:extLst>
           </p:cNvPr>
@@ -7373,7 +7382,7 @@
     </p:spTree>
     <p:extLst>
       <p:ext uri="{BB962C8B-B14F-4D97-AF65-F5344CB8AC3E}">
-        <p14:creationId xmlns:p14="http://schemas.microsoft.com/office/powerpoint/2010/main" val="3069477431"/>
+        <p14:creationId xmlns:p14="http://schemas.microsoft.com/office/powerpoint/2010/main" val="2268388141"/>
       </p:ext>
     </p:extLst>
   </p:cSld>
@@ -7383,12 +7392,18 @@
 </p:sld>
 </file>
 
-<file path=ppt/slides/slide4.xml><?xml version="1.0" encoding="utf-8"?>
+<file path=ppt/slides/slide17.xml><?xml version="1.0" encoding="utf-8"?>
 <p:sld xmlns:a="http://schemas.openxmlformats.org/drawingml/2006/main" xmlns:r="http://schemas.openxmlformats.org/officeDocument/2006/relationships" xmlns:p="http://schemas.openxmlformats.org/presentationml/2006/main">
   <p:cSld>
     <p:spTree>
       <p:nvGrpSpPr>
-        <p:cNvPr id="1" name=""/>
+        <p:cNvPr id="1" name="">
+          <a:extLst>
+            <a:ext uri="{FF2B5EF4-FFF2-40B4-BE49-F238E27FC236}">
+              <a16:creationId xmlns:a16="http://schemas.microsoft.com/office/drawing/2014/main" id="{A699E5E1-7EC9-834E-2038-B4B2529A5524}"/>
+            </a:ext>
+          </a:extLst>
+        </p:cNvPr>
         <p:cNvGrpSpPr/>
         <p:nvPr/>
       </p:nvGrpSpPr>
@@ -7405,7 +7420,7 @@
           <p:cNvPr id="3" name="Inhaltsplatzhalter 2">
             <a:extLst>
               <a:ext uri="{FF2B5EF4-FFF2-40B4-BE49-F238E27FC236}">
-                <a16:creationId xmlns:a16="http://schemas.microsoft.com/office/drawing/2014/main" id="{13A586E4-39C7-9E9C-E89F-268A630D08B0}"/>
+                <a16:creationId xmlns:a16="http://schemas.microsoft.com/office/drawing/2014/main" id="{F68DB007-095E-AC33-B474-65F81C037BB5}"/>
               </a:ext>
             </a:extLst>
           </p:cNvPr>
@@ -7576,7 +7591,7 @@
           <p:cNvPr id="5" name="Gerade Verbindung mit Pfeil 4">
             <a:extLst>
               <a:ext uri="{FF2B5EF4-FFF2-40B4-BE49-F238E27FC236}">
-                <a16:creationId xmlns:a16="http://schemas.microsoft.com/office/drawing/2014/main" id="{0EA39C12-7386-B987-EDC1-DF8F69E5621A}"/>
+                <a16:creationId xmlns:a16="http://schemas.microsoft.com/office/drawing/2014/main" id="{3AAD3DFF-A92C-8E6C-666F-4965C7A1A4EE}"/>
               </a:ext>
             </a:extLst>
           </p:cNvPr>
@@ -7617,7 +7632,7 @@
           <p:cNvPr id="8" name="Gerade Verbindung mit Pfeil 7">
             <a:extLst>
               <a:ext uri="{FF2B5EF4-FFF2-40B4-BE49-F238E27FC236}">
-                <a16:creationId xmlns:a16="http://schemas.microsoft.com/office/drawing/2014/main" id="{325D7CE8-F0A1-4876-214F-85DA1A76F0A0}"/>
+                <a16:creationId xmlns:a16="http://schemas.microsoft.com/office/drawing/2014/main" id="{97345C81-F665-9109-9CD1-D37FD4A537F8}"/>
               </a:ext>
             </a:extLst>
           </p:cNvPr>
@@ -7658,7 +7673,7 @@
           <p:cNvPr id="10" name="Textfeld 9">
             <a:extLst>
               <a:ext uri="{FF2B5EF4-FFF2-40B4-BE49-F238E27FC236}">
-                <a16:creationId xmlns:a16="http://schemas.microsoft.com/office/drawing/2014/main" id="{2CD3A042-51DF-0A67-6CBF-8BEF64315534}"/>
+                <a16:creationId xmlns:a16="http://schemas.microsoft.com/office/drawing/2014/main" id="{2E2AE4A9-B31A-D613-699B-9D7FF214167F}"/>
               </a:ext>
             </a:extLst>
           </p:cNvPr>
@@ -7718,7 +7733,7 @@
           <p:cNvPr id="11" name="Textfeld 10">
             <a:extLst>
               <a:ext uri="{FF2B5EF4-FFF2-40B4-BE49-F238E27FC236}">
-                <a16:creationId xmlns:a16="http://schemas.microsoft.com/office/drawing/2014/main" id="{56013741-01E6-3FBF-11C1-80D20AA8E896}"/>
+                <a16:creationId xmlns:a16="http://schemas.microsoft.com/office/drawing/2014/main" id="{A71A6496-A698-BE3C-B449-9359B3198E6D}"/>
               </a:ext>
             </a:extLst>
           </p:cNvPr>
@@ -7753,7 +7768,7 @@
           <p:cNvPr id="12" name="Textfeld 11">
             <a:extLst>
               <a:ext uri="{FF2B5EF4-FFF2-40B4-BE49-F238E27FC236}">
-                <a16:creationId xmlns:a16="http://schemas.microsoft.com/office/drawing/2014/main" id="{25FC5F56-76F4-5ECB-B7F6-36F9B9DDBBC3}"/>
+                <a16:creationId xmlns:a16="http://schemas.microsoft.com/office/drawing/2014/main" id="{1637A941-4710-FF12-F798-DA691FFF5497}"/>
               </a:ext>
             </a:extLst>
           </p:cNvPr>
@@ -7788,7 +7803,7 @@
           <p:cNvPr id="22" name="Titel 1">
             <a:extLst>
               <a:ext uri="{FF2B5EF4-FFF2-40B4-BE49-F238E27FC236}">
-                <a16:creationId xmlns:a16="http://schemas.microsoft.com/office/drawing/2014/main" id="{C1405740-2635-40C6-1EE7-94757BED2C3C}"/>
+                <a16:creationId xmlns:a16="http://schemas.microsoft.com/office/drawing/2014/main" id="{DA73CB3B-DC43-4FE6-162E-7555B268082F}"/>
               </a:ext>
             </a:extLst>
           </p:cNvPr>
@@ -7866,7 +7881,7 @@
           <p:cNvPr id="23" name="Gerader Verbinder 22">
             <a:extLst>
               <a:ext uri="{FF2B5EF4-FFF2-40B4-BE49-F238E27FC236}">
-                <a16:creationId xmlns:a16="http://schemas.microsoft.com/office/drawing/2014/main" id="{4C9B2F2E-B985-A014-040C-C3B4FD8CEC94}"/>
+                <a16:creationId xmlns:a16="http://schemas.microsoft.com/office/drawing/2014/main" id="{511C887D-B74E-3333-A4BE-DAFE32B25397}"/>
               </a:ext>
             </a:extLst>
           </p:cNvPr>
@@ -7902,6 +7917,2761 @@
     </p:spTree>
     <p:extLst>
       <p:ext uri="{BB962C8B-B14F-4D97-AF65-F5344CB8AC3E}">
+        <p14:creationId xmlns:p14="http://schemas.microsoft.com/office/powerpoint/2010/main" val="878392794"/>
+      </p:ext>
+    </p:extLst>
+  </p:cSld>
+  <p:clrMapOvr>
+    <a:masterClrMapping/>
+  </p:clrMapOvr>
+</p:sld>
+</file>
+
+<file path=ppt/slides/slide2.xml><?xml version="1.0" encoding="utf-8"?>
+<p:sld xmlns:a="http://schemas.openxmlformats.org/drawingml/2006/main" xmlns:r="http://schemas.openxmlformats.org/officeDocument/2006/relationships" xmlns:p="http://schemas.openxmlformats.org/presentationml/2006/main">
+  <p:cSld>
+    <p:spTree>
+      <p:nvGrpSpPr>
+        <p:cNvPr id="1" name="">
+          <a:extLst>
+            <a:ext uri="{FF2B5EF4-FFF2-40B4-BE49-F238E27FC236}">
+              <a16:creationId xmlns:a16="http://schemas.microsoft.com/office/drawing/2014/main" id="{321B6A4F-2666-3D27-E198-AE0F72A47203}"/>
+            </a:ext>
+          </a:extLst>
+        </p:cNvPr>
+        <p:cNvGrpSpPr/>
+        <p:nvPr/>
+      </p:nvGrpSpPr>
+      <p:grpSpPr>
+        <a:xfrm>
+          <a:off x="0" y="0"/>
+          <a:ext cx="0" cy="0"/>
+          <a:chOff x="0" y="0"/>
+          <a:chExt cx="0" cy="0"/>
+        </a:xfrm>
+      </p:grpSpPr>
+      <p:pic>
+        <p:nvPicPr>
+          <p:cNvPr id="4" name="Grafik 3" descr="Ein Bild, das Text, Diagramm, Screenshot, Design enthält.&#10;&#10;KI-generierte Inhalte können fehlerhaft sein.">
+            <a:extLst>
+              <a:ext uri="{FF2B5EF4-FFF2-40B4-BE49-F238E27FC236}">
+                <a16:creationId xmlns:a16="http://schemas.microsoft.com/office/drawing/2014/main" id="{997DE43D-1819-DD0B-55D2-479467DA46CD}"/>
+              </a:ext>
+            </a:extLst>
+          </p:cNvPr>
+          <p:cNvPicPr>
+            <a:picLocks noChangeAspect="1"/>
+          </p:cNvPicPr>
+          <p:nvPr/>
+        </p:nvPicPr>
+        <p:blipFill>
+          <a:blip r:embed="rId2">
+            <a:extLst>
+              <a:ext uri="{28A0092B-C50C-407E-A947-70E740481C1C}">
+                <a14:useLocalDpi xmlns:a14="http://schemas.microsoft.com/office/drawing/2010/main" val="0"/>
+              </a:ext>
+            </a:extLst>
+          </a:blip>
+          <a:stretch>
+            <a:fillRect/>
+          </a:stretch>
+        </p:blipFill>
+        <p:spPr>
+          <a:xfrm>
+            <a:off x="5309419" y="1332657"/>
+            <a:ext cx="6728673" cy="4053130"/>
+          </a:xfrm>
+          <a:prstGeom prst="rect">
+            <a:avLst/>
+          </a:prstGeom>
+        </p:spPr>
+      </p:pic>
+      <p:sp>
+        <p:nvSpPr>
+          <p:cNvPr id="2" name="Titel 1">
+            <a:extLst>
+              <a:ext uri="{FF2B5EF4-FFF2-40B4-BE49-F238E27FC236}">
+                <a16:creationId xmlns:a16="http://schemas.microsoft.com/office/drawing/2014/main" id="{477B7808-70D0-F6E0-E832-BB6EBAE69C1D}"/>
+              </a:ext>
+            </a:extLst>
+          </p:cNvPr>
+          <p:cNvSpPr>
+            <a:spLocks noGrp="1"/>
+          </p:cNvSpPr>
+          <p:nvPr>
+            <p:ph type="title"/>
+          </p:nvPr>
+        </p:nvSpPr>
+        <p:spPr>
+          <a:xfrm>
+            <a:off x="247650" y="142892"/>
+            <a:ext cx="4418091" cy="1325563"/>
+          </a:xfrm>
+        </p:spPr>
+        <p:txBody>
+          <a:bodyPr/>
+          <a:lstStyle/>
+          <a:p>
+            <a:pPr algn="ctr"/>
+            <a:r>
+              <a:rPr lang="de-DE" dirty="0"/>
+              <a:t>R-</a:t>
+            </a:r>
+            <a:r>
+              <a:rPr lang="de-DE" dirty="0" err="1"/>
+              <a:t>DeeP</a:t>
+            </a:r>
+            <a:r>
+              <a:rPr lang="de-DE" dirty="0"/>
+              <a:t> – </a:t>
+            </a:r>
+            <a:r>
+              <a:rPr lang="de-DE" dirty="0" err="1"/>
+              <a:t>Principle</a:t>
+            </a:r>
+            <a:r>
+              <a:rPr lang="de-DE" dirty="0"/>
+              <a:t> </a:t>
+            </a:r>
+          </a:p>
+        </p:txBody>
+      </p:sp>
+      <p:sp>
+        <p:nvSpPr>
+          <p:cNvPr id="3" name="Inhaltsplatzhalter 2">
+            <a:extLst>
+              <a:ext uri="{FF2B5EF4-FFF2-40B4-BE49-F238E27FC236}">
+                <a16:creationId xmlns:a16="http://schemas.microsoft.com/office/drawing/2014/main" id="{4839FC2C-A47E-87D3-0C01-06F523A4721F}"/>
+              </a:ext>
+            </a:extLst>
+          </p:cNvPr>
+          <p:cNvSpPr>
+            <a:spLocks noGrp="1"/>
+          </p:cNvSpPr>
+          <p:nvPr>
+            <p:ph idx="1"/>
+          </p:nvPr>
+        </p:nvSpPr>
+        <p:spPr>
+          <a:xfrm>
+            <a:off x="316872" y="1863523"/>
+            <a:ext cx="4992547" cy="3255098"/>
+          </a:xfrm>
+        </p:spPr>
+        <p:txBody>
+          <a:bodyPr>
+            <a:noAutofit/>
+          </a:bodyPr>
+          <a:lstStyle/>
+          <a:p>
+            <a:pPr>
+              <a:lnSpc>
+                <a:spcPct val="120000"/>
+              </a:lnSpc>
+            </a:pPr>
+            <a:r>
+              <a:rPr lang="de-DE" sz="2000" dirty="0">
+                <a:sym typeface="Wingdings" panose="05000000000000000000" pitchFamily="2" charset="2"/>
+              </a:rPr>
+              <a:t>RNA </a:t>
+            </a:r>
+            <a:r>
+              <a:rPr lang="de-DE" sz="2000" dirty="0" err="1">
+                <a:sym typeface="Wingdings" panose="05000000000000000000" pitchFamily="2" charset="2"/>
+              </a:rPr>
+              <a:t>degradation</a:t>
+            </a:r>
+            <a:r>
+              <a:rPr lang="de-DE" sz="2000" dirty="0">
+                <a:sym typeface="Wingdings" panose="05000000000000000000" pitchFamily="2" charset="2"/>
+              </a:rPr>
+              <a:t> </a:t>
+            </a:r>
+            <a:r>
+              <a:rPr lang="de-DE" sz="2000" dirty="0" err="1">
+                <a:sym typeface="Wingdings" panose="05000000000000000000" pitchFamily="2" charset="2"/>
+              </a:rPr>
+              <a:t>leads</a:t>
+            </a:r>
+            <a:r>
+              <a:rPr lang="de-DE" sz="2000" dirty="0">
+                <a:sym typeface="Wingdings" panose="05000000000000000000" pitchFamily="2" charset="2"/>
+              </a:rPr>
+              <a:t> </a:t>
+            </a:r>
+            <a:r>
+              <a:rPr lang="de-DE" sz="2000" dirty="0" err="1">
+                <a:sym typeface="Wingdings" panose="05000000000000000000" pitchFamily="2" charset="2"/>
+              </a:rPr>
+              <a:t>to</a:t>
+            </a:r>
+            <a:r>
+              <a:rPr lang="de-DE" sz="2000" dirty="0">
+                <a:sym typeface="Wingdings" panose="05000000000000000000" pitchFamily="2" charset="2"/>
+              </a:rPr>
+              <a:t> </a:t>
+            </a:r>
+            <a:r>
+              <a:rPr lang="de-DE" sz="2000" dirty="0" err="1">
+                <a:sym typeface="Wingdings" panose="05000000000000000000" pitchFamily="2" charset="2"/>
+              </a:rPr>
+              <a:t>dissolved</a:t>
+            </a:r>
+            <a:r>
+              <a:rPr lang="de-DE" sz="2000" dirty="0">
+                <a:sym typeface="Wingdings" panose="05000000000000000000" pitchFamily="2" charset="2"/>
+              </a:rPr>
+              <a:t> RNP-</a:t>
+            </a:r>
+            <a:r>
+              <a:rPr lang="de-DE" sz="2000" dirty="0" err="1">
+                <a:sym typeface="Wingdings" panose="05000000000000000000" pitchFamily="2" charset="2"/>
+              </a:rPr>
+              <a:t>complexes</a:t>
+            </a:r>
+            <a:r>
+              <a:rPr lang="de-DE" sz="2000" dirty="0">
+                <a:sym typeface="Wingdings" panose="05000000000000000000" pitchFamily="2" charset="2"/>
+              </a:rPr>
+              <a:t> </a:t>
+            </a:r>
+          </a:p>
+          <a:p>
+            <a:pPr marL="0" indent="0">
+              <a:lnSpc>
+                <a:spcPct val="120000"/>
+              </a:lnSpc>
+              <a:buNone/>
+            </a:pPr>
+            <a:endParaRPr lang="de-DE" sz="800" dirty="0">
+              <a:sym typeface="Wingdings" panose="05000000000000000000" pitchFamily="2" charset="2"/>
+            </a:endParaRPr>
+          </a:p>
+          <a:p>
+            <a:pPr>
+              <a:lnSpc>
+                <a:spcPct val="120000"/>
+              </a:lnSpc>
+            </a:pPr>
+            <a:r>
+              <a:rPr lang="de-DE" sz="2000" dirty="0" err="1">
+                <a:sym typeface="Wingdings" panose="05000000000000000000" pitchFamily="2" charset="2"/>
+              </a:rPr>
+              <a:t>Released</a:t>
+            </a:r>
+            <a:r>
+              <a:rPr lang="de-DE" sz="2000" dirty="0">
+                <a:sym typeface="Wingdings" panose="05000000000000000000" pitchFamily="2" charset="2"/>
+              </a:rPr>
+              <a:t> </a:t>
+            </a:r>
+            <a:r>
+              <a:rPr lang="de-DE" sz="2000" dirty="0" err="1">
+                <a:sym typeface="Wingdings" panose="05000000000000000000" pitchFamily="2" charset="2"/>
+              </a:rPr>
+              <a:t>proteins</a:t>
+            </a:r>
+            <a:r>
+              <a:rPr lang="de-DE" sz="2000" dirty="0">
+                <a:sym typeface="Wingdings" panose="05000000000000000000" pitchFamily="2" charset="2"/>
+              </a:rPr>
+              <a:t> </a:t>
+            </a:r>
+            <a:r>
+              <a:rPr lang="de-DE" sz="2000" dirty="0" err="1">
+                <a:sym typeface="Wingdings" panose="05000000000000000000" pitchFamily="2" charset="2"/>
+              </a:rPr>
+              <a:t>migrate</a:t>
+            </a:r>
+            <a:r>
+              <a:rPr lang="de-DE" sz="2000" dirty="0">
+                <a:sym typeface="Wingdings" panose="05000000000000000000" pitchFamily="2" charset="2"/>
+              </a:rPr>
+              <a:t> </a:t>
+            </a:r>
+            <a:r>
+              <a:rPr lang="de-DE" sz="2000" dirty="0" err="1">
+                <a:sym typeface="Wingdings" panose="05000000000000000000" pitchFamily="2" charset="2"/>
+              </a:rPr>
+              <a:t>into</a:t>
+            </a:r>
+            <a:r>
+              <a:rPr lang="de-DE" sz="2000" dirty="0">
+                <a:sym typeface="Wingdings" panose="05000000000000000000" pitchFamily="2" charset="2"/>
+              </a:rPr>
+              <a:t> different </a:t>
+            </a:r>
+            <a:br>
+              <a:rPr lang="de-DE" sz="2000" dirty="0">
+                <a:sym typeface="Wingdings" panose="05000000000000000000" pitchFamily="2" charset="2"/>
+              </a:rPr>
+            </a:br>
+            <a:r>
+              <a:rPr lang="de-DE" sz="2000" dirty="0" err="1">
+                <a:sym typeface="Wingdings" panose="05000000000000000000" pitchFamily="2" charset="2"/>
+              </a:rPr>
+              <a:t>density</a:t>
+            </a:r>
+            <a:r>
+              <a:rPr lang="de-DE" sz="2000" dirty="0">
+                <a:sym typeface="Wingdings" panose="05000000000000000000" pitchFamily="2" charset="2"/>
+              </a:rPr>
+              <a:t> </a:t>
+            </a:r>
+            <a:r>
+              <a:rPr lang="de-DE" sz="2000" dirty="0" err="1">
+                <a:sym typeface="Wingdings" panose="05000000000000000000" pitchFamily="2" charset="2"/>
+              </a:rPr>
+              <a:t>fractions</a:t>
+            </a:r>
+            <a:r>
+              <a:rPr lang="de-DE" sz="2000" dirty="0">
+                <a:sym typeface="Wingdings" panose="05000000000000000000" pitchFamily="2" charset="2"/>
+              </a:rPr>
+              <a:t> </a:t>
+            </a:r>
+          </a:p>
+          <a:p>
+            <a:pPr marL="0" indent="0">
+              <a:lnSpc>
+                <a:spcPct val="120000"/>
+              </a:lnSpc>
+              <a:buNone/>
+            </a:pPr>
+            <a:endParaRPr lang="de-DE" sz="800" dirty="0"/>
+          </a:p>
+          <a:p>
+            <a:pPr>
+              <a:lnSpc>
+                <a:spcPct val="120000"/>
+              </a:lnSpc>
+            </a:pPr>
+            <a:r>
+              <a:rPr lang="de-DE" sz="2000" dirty="0" err="1">
+                <a:sym typeface="Wingdings" panose="05000000000000000000" pitchFamily="2" charset="2"/>
+              </a:rPr>
+              <a:t>Quantity</a:t>
+            </a:r>
+            <a:r>
+              <a:rPr lang="de-DE" sz="2000" dirty="0">
+                <a:sym typeface="Wingdings" panose="05000000000000000000" pitchFamily="2" charset="2"/>
+              </a:rPr>
+              <a:t> </a:t>
+            </a:r>
+            <a:r>
+              <a:rPr lang="de-DE" sz="2000" dirty="0" err="1">
+                <a:sym typeface="Wingdings" panose="05000000000000000000" pitchFamily="2" charset="2"/>
+              </a:rPr>
+              <a:t>of</a:t>
+            </a:r>
+            <a:r>
+              <a:rPr lang="de-DE" sz="2000" dirty="0">
+                <a:sym typeface="Wingdings" panose="05000000000000000000" pitchFamily="2" charset="2"/>
+              </a:rPr>
+              <a:t> </a:t>
+            </a:r>
+            <a:r>
+              <a:rPr lang="de-DE" sz="2000" dirty="0" err="1">
+                <a:sym typeface="Wingdings" panose="05000000000000000000" pitchFamily="2" charset="2"/>
+              </a:rPr>
+              <a:t>peptides</a:t>
+            </a:r>
+            <a:r>
+              <a:rPr lang="de-DE" sz="2000" dirty="0">
+                <a:sym typeface="Wingdings" panose="05000000000000000000" pitchFamily="2" charset="2"/>
+              </a:rPr>
+              <a:t> in </a:t>
+            </a:r>
+            <a:r>
+              <a:rPr lang="de-DE" sz="2000" dirty="0" err="1">
+                <a:sym typeface="Wingdings" panose="05000000000000000000" pitchFamily="2" charset="2"/>
+              </a:rPr>
+              <a:t>the</a:t>
+            </a:r>
+            <a:r>
+              <a:rPr lang="de-DE" sz="2000" dirty="0">
+                <a:sym typeface="Wingdings" panose="05000000000000000000" pitchFamily="2" charset="2"/>
+              </a:rPr>
+              <a:t> different </a:t>
+            </a:r>
+            <a:r>
+              <a:rPr lang="de-DE" sz="2000" dirty="0" err="1">
+                <a:sym typeface="Wingdings" panose="05000000000000000000" pitchFamily="2" charset="2"/>
+              </a:rPr>
+              <a:t>density</a:t>
+            </a:r>
+            <a:r>
+              <a:rPr lang="de-DE" sz="2000" dirty="0">
+                <a:sym typeface="Wingdings" panose="05000000000000000000" pitchFamily="2" charset="2"/>
+              </a:rPr>
+              <a:t> </a:t>
+            </a:r>
+            <a:r>
+              <a:rPr lang="de-DE" sz="2000" dirty="0" err="1">
+                <a:sym typeface="Wingdings" panose="05000000000000000000" pitchFamily="2" charset="2"/>
+              </a:rPr>
+              <a:t>fractions</a:t>
+            </a:r>
+            <a:r>
+              <a:rPr lang="de-DE" sz="2000" dirty="0">
+                <a:sym typeface="Wingdings" panose="05000000000000000000" pitchFamily="2" charset="2"/>
+              </a:rPr>
+              <a:t> </a:t>
+            </a:r>
+            <a:r>
+              <a:rPr lang="de-DE" sz="2000" dirty="0" err="1">
+                <a:sym typeface="Wingdings" panose="05000000000000000000" pitchFamily="2" charset="2"/>
+              </a:rPr>
+              <a:t>is</a:t>
+            </a:r>
+            <a:r>
+              <a:rPr lang="de-DE" sz="2000" dirty="0">
+                <a:sym typeface="Wingdings" panose="05000000000000000000" pitchFamily="2" charset="2"/>
+              </a:rPr>
+              <a:t> </a:t>
+            </a:r>
+            <a:r>
+              <a:rPr lang="de-DE" sz="2000" dirty="0" err="1">
+                <a:sym typeface="Wingdings" panose="05000000000000000000" pitchFamily="2" charset="2"/>
+              </a:rPr>
+              <a:t>analyzed</a:t>
+            </a:r>
+            <a:endParaRPr lang="de-DE" sz="2000" dirty="0"/>
+          </a:p>
+        </p:txBody>
+      </p:sp>
+      <p:sp>
+        <p:nvSpPr>
+          <p:cNvPr id="12" name="Textfeld 11">
+            <a:extLst>
+              <a:ext uri="{FF2B5EF4-FFF2-40B4-BE49-F238E27FC236}">
+                <a16:creationId xmlns:a16="http://schemas.microsoft.com/office/drawing/2014/main" id="{3A2A2CB9-E6C1-26AC-C7D4-0222466F906D}"/>
+              </a:ext>
+            </a:extLst>
+          </p:cNvPr>
+          <p:cNvSpPr txBox="1"/>
+          <p:nvPr/>
+        </p:nvSpPr>
+        <p:spPr>
+          <a:xfrm>
+            <a:off x="2220225" y="5564489"/>
+            <a:ext cx="7675615" cy="551831"/>
+          </a:xfrm>
+          <a:prstGeom prst="rect">
+            <a:avLst/>
+          </a:prstGeom>
+          <a:noFill/>
+          <a:ln w="28575">
+            <a:solidFill>
+              <a:schemeClr val="accent2"/>
+            </a:solidFill>
+          </a:ln>
+        </p:spPr>
+        <p:txBody>
+          <a:bodyPr wrap="square" rtlCol="0">
+            <a:noAutofit/>
+          </a:bodyPr>
+          <a:lstStyle/>
+          <a:p>
+            <a:r>
+              <a:rPr lang="de-DE" sz="2400" dirty="0"/>
+              <a:t>An RNA-</a:t>
+            </a:r>
+            <a:r>
+              <a:rPr lang="de-DE" sz="2400" dirty="0" err="1"/>
+              <a:t>dependent</a:t>
+            </a:r>
+            <a:r>
+              <a:rPr lang="de-DE" sz="2400" dirty="0"/>
+              <a:t> </a:t>
+            </a:r>
+            <a:r>
+              <a:rPr lang="de-DE" sz="2400" dirty="0" err="1"/>
+              <a:t>protein</a:t>
+            </a:r>
+            <a:r>
+              <a:rPr lang="de-DE" sz="2400" dirty="0"/>
+              <a:t> </a:t>
+            </a:r>
+            <a:r>
+              <a:rPr lang="de-DE" sz="2400" dirty="0" err="1"/>
+              <a:t>must</a:t>
+            </a:r>
+            <a:r>
+              <a:rPr lang="de-DE" sz="2400" dirty="0"/>
+              <a:t> </a:t>
+            </a:r>
+            <a:r>
+              <a:rPr lang="de-DE" sz="2400" dirty="0" err="1"/>
+              <a:t>exhibit</a:t>
+            </a:r>
+            <a:r>
+              <a:rPr lang="de-DE" sz="2400" dirty="0"/>
+              <a:t> a </a:t>
+            </a:r>
+            <a:r>
+              <a:rPr lang="de-DE" sz="2400" dirty="0" err="1"/>
+              <a:t>significant</a:t>
+            </a:r>
+            <a:r>
+              <a:rPr lang="de-DE" sz="2400" dirty="0"/>
+              <a:t> shift </a:t>
+            </a:r>
+          </a:p>
+        </p:txBody>
+      </p:sp>
+      <p:sp>
+        <p:nvSpPr>
+          <p:cNvPr id="5" name="Textfeld 4">
+            <a:extLst>
+              <a:ext uri="{FF2B5EF4-FFF2-40B4-BE49-F238E27FC236}">
+                <a16:creationId xmlns:a16="http://schemas.microsoft.com/office/drawing/2014/main" id="{5DE04C1E-6F13-96A5-D1B6-68466FA2E914}"/>
+              </a:ext>
+            </a:extLst>
+          </p:cNvPr>
+          <p:cNvSpPr txBox="1"/>
+          <p:nvPr/>
+        </p:nvSpPr>
+        <p:spPr>
+          <a:xfrm>
+            <a:off x="316872" y="6396335"/>
+            <a:ext cx="11389259" cy="461665"/>
+          </a:xfrm>
+          <a:prstGeom prst="rect">
+            <a:avLst/>
+          </a:prstGeom>
+          <a:noFill/>
+        </p:spPr>
+        <p:txBody>
+          <a:bodyPr wrap="square" rtlCol="0">
+            <a:spAutoFit/>
+          </a:bodyPr>
+          <a:lstStyle/>
+          <a:p>
+            <a:r>
+              <a:rPr lang="de-DE" sz="1200" dirty="0" err="1">
+                <a:solidFill>
+                  <a:schemeClr val="bg1">
+                    <a:lumMod val="65000"/>
+                  </a:schemeClr>
+                </a:solidFill>
+              </a:rPr>
+              <a:t>Adapted</a:t>
+            </a:r>
+            <a:r>
+              <a:rPr lang="de-DE" sz="1200" dirty="0">
+                <a:solidFill>
+                  <a:schemeClr val="bg1">
+                    <a:lumMod val="65000"/>
+                  </a:schemeClr>
+                </a:solidFill>
+              </a:rPr>
+              <a:t> </a:t>
+            </a:r>
+            <a:r>
+              <a:rPr lang="de-DE" sz="1200" dirty="0" err="1">
+                <a:solidFill>
+                  <a:schemeClr val="bg1">
+                    <a:lumMod val="65000"/>
+                  </a:schemeClr>
+                </a:solidFill>
+              </a:rPr>
+              <a:t>from</a:t>
+            </a:r>
+            <a:r>
+              <a:rPr lang="de-DE" sz="1200" dirty="0">
+                <a:solidFill>
+                  <a:schemeClr val="bg1">
+                    <a:lumMod val="65000"/>
+                  </a:schemeClr>
+                </a:solidFill>
+              </a:rPr>
+              <a:t>: Caudron-Herger, M., </a:t>
+            </a:r>
+            <a:r>
+              <a:rPr lang="de-DE" sz="1200" dirty="0" err="1">
+                <a:solidFill>
+                  <a:schemeClr val="bg1">
+                    <a:lumMod val="65000"/>
+                  </a:schemeClr>
+                </a:solidFill>
+              </a:rPr>
+              <a:t>Rusin</a:t>
+            </a:r>
+            <a:r>
+              <a:rPr lang="de-DE" sz="1200" dirty="0">
+                <a:solidFill>
+                  <a:schemeClr val="bg1">
+                    <a:lumMod val="65000"/>
+                  </a:schemeClr>
+                </a:solidFill>
+              </a:rPr>
+              <a:t>, </a:t>
+            </a:r>
+            <a:r>
+              <a:rPr lang="de-DE" sz="1200" dirty="0" err="1">
+                <a:solidFill>
+                  <a:schemeClr val="bg1">
+                    <a:lumMod val="65000"/>
+                  </a:schemeClr>
+                </a:solidFill>
+              </a:rPr>
+              <a:t>S.F</a:t>
+            </a:r>
+            <a:r>
+              <a:rPr lang="de-DE" sz="1200" dirty="0">
+                <a:solidFill>
+                  <a:schemeClr val="bg1">
+                    <a:lumMod val="65000"/>
+                  </a:schemeClr>
+                </a:solidFill>
+              </a:rPr>
+              <a:t>., Adamo, M.E., Seiler, J., Schmid, </a:t>
+            </a:r>
+            <a:r>
+              <a:rPr lang="de-DE" sz="1200" dirty="0" err="1">
+                <a:solidFill>
+                  <a:schemeClr val="bg1">
+                    <a:lumMod val="65000"/>
+                  </a:schemeClr>
+                </a:solidFill>
+              </a:rPr>
+              <a:t>V.K</a:t>
+            </a:r>
+            <a:r>
+              <a:rPr lang="de-DE" sz="1200" dirty="0">
+                <a:solidFill>
+                  <a:schemeClr val="bg1">
+                    <a:lumMod val="65000"/>
+                  </a:schemeClr>
+                </a:solidFill>
+              </a:rPr>
+              <a:t>., </a:t>
+            </a:r>
+            <a:r>
+              <a:rPr lang="de-DE" sz="1200" dirty="0" err="1">
+                <a:solidFill>
+                  <a:schemeClr val="bg1">
+                    <a:lumMod val="65000"/>
+                  </a:schemeClr>
+                </a:solidFill>
+              </a:rPr>
+              <a:t>Barreau</a:t>
+            </a:r>
+            <a:r>
+              <a:rPr lang="de-DE" sz="1200" dirty="0">
+                <a:solidFill>
+                  <a:schemeClr val="bg1">
+                    <a:lumMod val="65000"/>
+                  </a:schemeClr>
+                </a:solidFill>
+              </a:rPr>
+              <a:t>, E., Kettenbach, A.N., and Diederichs, S. (2019). R-</a:t>
+            </a:r>
+            <a:r>
+              <a:rPr lang="de-DE" sz="1200" dirty="0" err="1">
+                <a:solidFill>
+                  <a:schemeClr val="bg1">
+                    <a:lumMod val="65000"/>
+                  </a:schemeClr>
+                </a:solidFill>
+              </a:rPr>
+              <a:t>DeeP</a:t>
+            </a:r>
+            <a:r>
+              <a:rPr lang="de-DE" sz="1200" dirty="0">
+                <a:solidFill>
+                  <a:schemeClr val="bg1">
+                    <a:lumMod val="65000"/>
+                  </a:schemeClr>
+                </a:solidFill>
+              </a:rPr>
+              <a:t>: </a:t>
+            </a:r>
+            <a:r>
+              <a:rPr lang="de-DE" sz="1200" dirty="0" err="1">
+                <a:solidFill>
+                  <a:schemeClr val="bg1">
+                    <a:lumMod val="65000"/>
+                  </a:schemeClr>
+                </a:solidFill>
+              </a:rPr>
+              <a:t>Proteome-wide</a:t>
+            </a:r>
+            <a:r>
+              <a:rPr lang="de-DE" sz="1200" dirty="0">
+                <a:solidFill>
+                  <a:schemeClr val="bg1">
+                    <a:lumMod val="65000"/>
+                  </a:schemeClr>
+                </a:solidFill>
+              </a:rPr>
+              <a:t> and Quantitative </a:t>
+            </a:r>
+            <a:r>
+              <a:rPr lang="de-DE" sz="1200" dirty="0" err="1">
+                <a:solidFill>
+                  <a:schemeClr val="bg1">
+                    <a:lumMod val="65000"/>
+                  </a:schemeClr>
+                </a:solidFill>
+              </a:rPr>
+              <a:t>Identification</a:t>
+            </a:r>
+            <a:r>
+              <a:rPr lang="de-DE" sz="1200" dirty="0">
+                <a:solidFill>
+                  <a:schemeClr val="bg1">
+                    <a:lumMod val="65000"/>
+                  </a:schemeClr>
+                </a:solidFill>
+              </a:rPr>
+              <a:t> </a:t>
+            </a:r>
+            <a:r>
+              <a:rPr lang="de-DE" sz="1200" dirty="0" err="1">
+                <a:solidFill>
+                  <a:schemeClr val="bg1">
+                    <a:lumMod val="65000"/>
+                  </a:schemeClr>
+                </a:solidFill>
+              </a:rPr>
+              <a:t>of</a:t>
+            </a:r>
+            <a:r>
+              <a:rPr lang="de-DE" sz="1200" dirty="0">
+                <a:solidFill>
+                  <a:schemeClr val="bg1">
+                    <a:lumMod val="65000"/>
+                  </a:schemeClr>
+                </a:solidFill>
+              </a:rPr>
+              <a:t> RNA-</a:t>
+            </a:r>
+            <a:r>
+              <a:rPr lang="de-DE" sz="1200" dirty="0" err="1">
+                <a:solidFill>
+                  <a:schemeClr val="bg1">
+                    <a:lumMod val="65000"/>
+                  </a:schemeClr>
+                </a:solidFill>
+              </a:rPr>
+              <a:t>Dependent</a:t>
+            </a:r>
+            <a:r>
+              <a:rPr lang="de-DE" sz="1200" dirty="0">
+                <a:solidFill>
+                  <a:schemeClr val="bg1">
+                    <a:lumMod val="65000"/>
+                  </a:schemeClr>
+                </a:solidFill>
+              </a:rPr>
+              <a:t> Proteins </a:t>
+            </a:r>
+            <a:r>
+              <a:rPr lang="de-DE" sz="1200" dirty="0" err="1">
+                <a:solidFill>
+                  <a:schemeClr val="bg1">
+                    <a:lumMod val="65000"/>
+                  </a:schemeClr>
+                </a:solidFill>
+              </a:rPr>
+              <a:t>by</a:t>
+            </a:r>
+            <a:r>
+              <a:rPr lang="de-DE" sz="1200" dirty="0">
+                <a:solidFill>
+                  <a:schemeClr val="bg1">
+                    <a:lumMod val="65000"/>
+                  </a:schemeClr>
+                </a:solidFill>
+              </a:rPr>
+              <a:t> Density Gradient </a:t>
+            </a:r>
+            <a:r>
+              <a:rPr lang="de-DE" sz="1200" dirty="0" err="1">
+                <a:solidFill>
+                  <a:schemeClr val="bg1">
+                    <a:lumMod val="65000"/>
+                  </a:schemeClr>
+                </a:solidFill>
+              </a:rPr>
+              <a:t>Ultracentrifugation</a:t>
+            </a:r>
+            <a:r>
+              <a:rPr lang="de-DE" sz="1200" dirty="0">
+                <a:solidFill>
+                  <a:schemeClr val="bg1">
+                    <a:lumMod val="65000"/>
+                  </a:schemeClr>
+                </a:solidFill>
+              </a:rPr>
+              <a:t>. </a:t>
+            </a:r>
+            <a:r>
+              <a:rPr lang="de-DE" sz="1200" dirty="0" err="1">
+                <a:solidFill>
+                  <a:schemeClr val="bg1">
+                    <a:lumMod val="65000"/>
+                  </a:schemeClr>
+                </a:solidFill>
+              </a:rPr>
+              <a:t>Molecular</a:t>
+            </a:r>
+            <a:r>
+              <a:rPr lang="de-DE" sz="1200" dirty="0">
+                <a:solidFill>
+                  <a:schemeClr val="bg1">
+                    <a:lumMod val="65000"/>
+                  </a:schemeClr>
+                </a:solidFill>
+              </a:rPr>
+              <a:t> </a:t>
+            </a:r>
+            <a:r>
+              <a:rPr lang="de-DE" sz="1200" dirty="0" err="1">
+                <a:solidFill>
+                  <a:schemeClr val="bg1">
+                    <a:lumMod val="65000"/>
+                  </a:schemeClr>
+                </a:solidFill>
+              </a:rPr>
+              <a:t>Cell</a:t>
+            </a:r>
+            <a:r>
+              <a:rPr lang="de-DE" sz="1200" dirty="0">
+                <a:solidFill>
+                  <a:schemeClr val="bg1">
+                    <a:lumMod val="65000"/>
+                  </a:schemeClr>
+                </a:solidFill>
+              </a:rPr>
+              <a:t> </a:t>
+            </a:r>
+            <a:r>
+              <a:rPr lang="de-DE" sz="1200" i="1" dirty="0">
+                <a:solidFill>
+                  <a:schemeClr val="bg1">
+                    <a:lumMod val="65000"/>
+                  </a:schemeClr>
+                </a:solidFill>
+              </a:rPr>
+              <a:t>75</a:t>
+            </a:r>
+            <a:r>
+              <a:rPr lang="de-DE" sz="1200" i="0" dirty="0">
+                <a:solidFill>
+                  <a:schemeClr val="bg1">
+                    <a:lumMod val="65000"/>
+                  </a:schemeClr>
+                </a:solidFill>
+              </a:rPr>
+              <a:t>, 184-199.e110.</a:t>
+            </a:r>
+            <a:endParaRPr lang="de-DE" sz="1200" dirty="0">
+              <a:solidFill>
+                <a:schemeClr val="bg1">
+                  <a:lumMod val="65000"/>
+                </a:schemeClr>
+              </a:solidFill>
+            </a:endParaRPr>
+          </a:p>
+        </p:txBody>
+      </p:sp>
+      <p:sp>
+        <p:nvSpPr>
+          <p:cNvPr id="8" name="Textfeld 7">
+            <a:extLst>
+              <a:ext uri="{FF2B5EF4-FFF2-40B4-BE49-F238E27FC236}">
+                <a16:creationId xmlns:a16="http://schemas.microsoft.com/office/drawing/2014/main" id="{0B9E307B-5A98-EAE7-CDD8-920B140D3753}"/>
+              </a:ext>
+            </a:extLst>
+          </p:cNvPr>
+          <p:cNvSpPr txBox="1"/>
+          <p:nvPr/>
+        </p:nvSpPr>
+        <p:spPr>
+          <a:xfrm>
+            <a:off x="5309419" y="1332657"/>
+            <a:ext cx="227781" cy="369332"/>
+          </a:xfrm>
+          <a:prstGeom prst="rect">
+            <a:avLst/>
+          </a:prstGeom>
+          <a:solidFill>
+            <a:schemeClr val="bg1"/>
+          </a:solidFill>
+        </p:spPr>
+        <p:txBody>
+          <a:bodyPr wrap="square" rtlCol="0">
+            <a:spAutoFit/>
+          </a:bodyPr>
+          <a:lstStyle/>
+          <a:p>
+            <a:endParaRPr lang="de-DE" dirty="0"/>
+          </a:p>
+        </p:txBody>
+      </p:sp>
+    </p:spTree>
+    <p:extLst>
+      <p:ext uri="{BB962C8B-B14F-4D97-AF65-F5344CB8AC3E}">
+        <p14:creationId xmlns:p14="http://schemas.microsoft.com/office/powerpoint/2010/main" val="880778979"/>
+      </p:ext>
+    </p:extLst>
+  </p:cSld>
+  <p:clrMapOvr>
+    <a:masterClrMapping/>
+  </p:clrMapOvr>
+  <p:timing>
+    <p:tnLst>
+      <p:par>
+        <p:cTn id="1" dur="indefinite" restart="never" nodeType="tmRoot">
+          <p:childTnLst>
+            <p:seq concurrent="1" nextAc="seek">
+              <p:cTn id="2" dur="indefinite" nodeType="mainSeq">
+                <p:childTnLst>
+                  <p:par>
+                    <p:cTn id="3" fill="hold">
+                      <p:stCondLst>
+                        <p:cond delay="indefinite"/>
+                      </p:stCondLst>
+                      <p:childTnLst>
+                        <p:par>
+                          <p:cTn id="4" fill="hold">
+                            <p:stCondLst>
+                              <p:cond delay="0"/>
+                            </p:stCondLst>
+                            <p:childTnLst>
+                              <p:par>
+                                <p:cTn id="5" presetID="1" presetClass="entr" presetSubtype="0" fill="hold" nodeType="clickEffect">
+                                  <p:stCondLst>
+                                    <p:cond delay="0"/>
+                                  </p:stCondLst>
+                                  <p:childTnLst>
+                                    <p:set>
+                                      <p:cBhvr>
+                                        <p:cTn id="6" dur="1" fill="hold">
+                                          <p:stCondLst>
+                                            <p:cond delay="0"/>
+                                          </p:stCondLst>
+                                        </p:cTn>
+                                        <p:tgtEl>
+                                          <p:spTgt spid="4"/>
+                                        </p:tgtEl>
+                                        <p:attrNameLst>
+                                          <p:attrName>style.visibility</p:attrName>
+                                        </p:attrNameLst>
+                                      </p:cBhvr>
+                                      <p:to>
+                                        <p:strVal val="visible"/>
+                                      </p:to>
+                                    </p:set>
+                                  </p:childTnLst>
+                                </p:cTn>
+                              </p:par>
+                              <p:par>
+                                <p:cTn id="7" presetID="1" presetClass="entr" presetSubtype="0" fill="hold" grpId="0" nodeType="withEffect">
+                                  <p:stCondLst>
+                                    <p:cond delay="0"/>
+                                  </p:stCondLst>
+                                  <p:childTnLst>
+                                    <p:set>
+                                      <p:cBhvr>
+                                        <p:cTn id="8" dur="1" fill="hold">
+                                          <p:stCondLst>
+                                            <p:cond delay="0"/>
+                                          </p:stCondLst>
+                                        </p:cTn>
+                                        <p:tgtEl>
+                                          <p:spTgt spid="5"/>
+                                        </p:tgtEl>
+                                        <p:attrNameLst>
+                                          <p:attrName>style.visibility</p:attrName>
+                                        </p:attrNameLst>
+                                      </p:cBhvr>
+                                      <p:to>
+                                        <p:strVal val="visible"/>
+                                      </p:to>
+                                    </p:set>
+                                  </p:childTnLst>
+                                </p:cTn>
+                              </p:par>
+                            </p:childTnLst>
+                          </p:cTn>
+                        </p:par>
+                      </p:childTnLst>
+                    </p:cTn>
+                  </p:par>
+                  <p:par>
+                    <p:cTn id="9" fill="hold">
+                      <p:stCondLst>
+                        <p:cond delay="indefinite"/>
+                      </p:stCondLst>
+                      <p:childTnLst>
+                        <p:par>
+                          <p:cTn id="10" fill="hold">
+                            <p:stCondLst>
+                              <p:cond delay="0"/>
+                            </p:stCondLst>
+                            <p:childTnLst>
+                              <p:par>
+                                <p:cTn id="11" presetID="1" presetClass="entr" presetSubtype="0" fill="hold" nodeType="clickEffect">
+                                  <p:stCondLst>
+                                    <p:cond delay="0"/>
+                                  </p:stCondLst>
+                                  <p:childTnLst>
+                                    <p:set>
+                                      <p:cBhvr>
+                                        <p:cTn id="12" dur="1" fill="hold">
+                                          <p:stCondLst>
+                                            <p:cond delay="0"/>
+                                          </p:stCondLst>
+                                        </p:cTn>
+                                        <p:tgtEl>
+                                          <p:spTgt spid="3">
+                                            <p:txEl>
+                                              <p:pRg st="0" end="0"/>
+                                            </p:txEl>
+                                          </p:spTgt>
+                                        </p:tgtEl>
+                                        <p:attrNameLst>
+                                          <p:attrName>style.visibility</p:attrName>
+                                        </p:attrNameLst>
+                                      </p:cBhvr>
+                                      <p:to>
+                                        <p:strVal val="visible"/>
+                                      </p:to>
+                                    </p:set>
+                                  </p:childTnLst>
+                                </p:cTn>
+                              </p:par>
+                            </p:childTnLst>
+                          </p:cTn>
+                        </p:par>
+                      </p:childTnLst>
+                    </p:cTn>
+                  </p:par>
+                  <p:par>
+                    <p:cTn id="13" fill="hold">
+                      <p:stCondLst>
+                        <p:cond delay="indefinite"/>
+                      </p:stCondLst>
+                      <p:childTnLst>
+                        <p:par>
+                          <p:cTn id="14" fill="hold">
+                            <p:stCondLst>
+                              <p:cond delay="0"/>
+                            </p:stCondLst>
+                            <p:childTnLst>
+                              <p:par>
+                                <p:cTn id="15" presetID="1" presetClass="entr" presetSubtype="0" fill="hold" nodeType="clickEffect">
+                                  <p:stCondLst>
+                                    <p:cond delay="0"/>
+                                  </p:stCondLst>
+                                  <p:childTnLst>
+                                    <p:set>
+                                      <p:cBhvr>
+                                        <p:cTn id="16" dur="1" fill="hold">
+                                          <p:stCondLst>
+                                            <p:cond delay="0"/>
+                                          </p:stCondLst>
+                                        </p:cTn>
+                                        <p:tgtEl>
+                                          <p:spTgt spid="3">
+                                            <p:txEl>
+                                              <p:pRg st="2" end="2"/>
+                                            </p:txEl>
+                                          </p:spTgt>
+                                        </p:tgtEl>
+                                        <p:attrNameLst>
+                                          <p:attrName>style.visibility</p:attrName>
+                                        </p:attrNameLst>
+                                      </p:cBhvr>
+                                      <p:to>
+                                        <p:strVal val="visible"/>
+                                      </p:to>
+                                    </p:set>
+                                  </p:childTnLst>
+                                </p:cTn>
+                              </p:par>
+                            </p:childTnLst>
+                          </p:cTn>
+                        </p:par>
+                      </p:childTnLst>
+                    </p:cTn>
+                  </p:par>
+                  <p:par>
+                    <p:cTn id="17" fill="hold">
+                      <p:stCondLst>
+                        <p:cond delay="indefinite"/>
+                      </p:stCondLst>
+                      <p:childTnLst>
+                        <p:par>
+                          <p:cTn id="18" fill="hold">
+                            <p:stCondLst>
+                              <p:cond delay="0"/>
+                            </p:stCondLst>
+                            <p:childTnLst>
+                              <p:par>
+                                <p:cTn id="19" presetID="1" presetClass="entr" presetSubtype="0" fill="hold" nodeType="clickEffect">
+                                  <p:stCondLst>
+                                    <p:cond delay="0"/>
+                                  </p:stCondLst>
+                                  <p:childTnLst>
+                                    <p:set>
+                                      <p:cBhvr>
+                                        <p:cTn id="20" dur="1" fill="hold">
+                                          <p:stCondLst>
+                                            <p:cond delay="0"/>
+                                          </p:stCondLst>
+                                        </p:cTn>
+                                        <p:tgtEl>
+                                          <p:spTgt spid="3">
+                                            <p:txEl>
+                                              <p:pRg st="4" end="4"/>
+                                            </p:txEl>
+                                          </p:spTgt>
+                                        </p:tgtEl>
+                                        <p:attrNameLst>
+                                          <p:attrName>style.visibility</p:attrName>
+                                        </p:attrNameLst>
+                                      </p:cBhvr>
+                                      <p:to>
+                                        <p:strVal val="visible"/>
+                                      </p:to>
+                                    </p:set>
+                                  </p:childTnLst>
+                                </p:cTn>
+                              </p:par>
+                            </p:childTnLst>
+                          </p:cTn>
+                        </p:par>
+                      </p:childTnLst>
+                    </p:cTn>
+                  </p:par>
+                  <p:par>
+                    <p:cTn id="21" fill="hold">
+                      <p:stCondLst>
+                        <p:cond delay="indefinite"/>
+                      </p:stCondLst>
+                      <p:childTnLst>
+                        <p:par>
+                          <p:cTn id="22" fill="hold">
+                            <p:stCondLst>
+                              <p:cond delay="0"/>
+                            </p:stCondLst>
+                            <p:childTnLst>
+                              <p:par>
+                                <p:cTn id="23" presetID="1" presetClass="entr" presetSubtype="0" fill="hold" grpId="0" nodeType="clickEffect">
+                                  <p:stCondLst>
+                                    <p:cond delay="0"/>
+                                  </p:stCondLst>
+                                  <p:childTnLst>
+                                    <p:set>
+                                      <p:cBhvr>
+                                        <p:cTn id="24" dur="1" fill="hold">
+                                          <p:stCondLst>
+                                            <p:cond delay="0"/>
+                                          </p:stCondLst>
+                                        </p:cTn>
+                                        <p:tgtEl>
+                                          <p:spTgt spid="12"/>
+                                        </p:tgtEl>
+                                        <p:attrNameLst>
+                                          <p:attrName>style.visibility</p:attrName>
+                                        </p:attrNameLst>
+                                      </p:cBhvr>
+                                      <p:to>
+                                        <p:strVal val="visible"/>
+                                      </p:to>
+                                    </p:set>
+                                  </p:childTnLst>
+                                </p:cTn>
+                              </p:par>
+                            </p:childTnLst>
+                          </p:cTn>
+                        </p:par>
+                      </p:childTnLst>
+                    </p:cTn>
+                  </p:par>
+                </p:childTnLst>
+              </p:cTn>
+              <p:prevCondLst>
+                <p:cond evt="onPrev" delay="0">
+                  <p:tgtEl>
+                    <p:sldTgt/>
+                  </p:tgtEl>
+                </p:cond>
+              </p:prevCondLst>
+              <p:nextCondLst>
+                <p:cond evt="onNext" delay="0">
+                  <p:tgtEl>
+                    <p:sldTgt/>
+                  </p:tgtEl>
+                </p:cond>
+              </p:nextCondLst>
+            </p:seq>
+          </p:childTnLst>
+        </p:cTn>
+      </p:par>
+    </p:tnLst>
+    <p:bldLst>
+      <p:bldP spid="12" grpId="0" animBg="1"/>
+      <p:bldP spid="5" grpId="0"/>
+    </p:bldLst>
+  </p:timing>
+</p:sld>
+</file>
+
+<file path=ppt/slides/slide3.xml><?xml version="1.0" encoding="utf-8"?>
+<p:sld xmlns:a="http://schemas.openxmlformats.org/drawingml/2006/main" xmlns:r="http://schemas.openxmlformats.org/officeDocument/2006/relationships" xmlns:p="http://schemas.openxmlformats.org/presentationml/2006/main">
+  <p:cSld>
+    <p:spTree>
+      <p:nvGrpSpPr>
+        <p:cNvPr id="1" name=""/>
+        <p:cNvGrpSpPr/>
+        <p:nvPr/>
+      </p:nvGrpSpPr>
+      <p:grpSpPr>
+        <a:xfrm>
+          <a:off x="0" y="0"/>
+          <a:ext cx="0" cy="0"/>
+          <a:chOff x="0" y="0"/>
+          <a:chExt cx="0" cy="0"/>
+        </a:xfrm>
+      </p:grpSpPr>
+      <p:sp>
+        <p:nvSpPr>
+          <p:cNvPr id="12" name="Titel 1">
+            <a:extLst>
+              <a:ext uri="{FF2B5EF4-FFF2-40B4-BE49-F238E27FC236}">
+                <a16:creationId xmlns:a16="http://schemas.microsoft.com/office/drawing/2014/main" id="{3497EEF2-7038-0B1A-725F-A66BC7575940}"/>
+              </a:ext>
+            </a:extLst>
+          </p:cNvPr>
+          <p:cNvSpPr>
+            <a:spLocks noGrp="1"/>
+          </p:cNvSpPr>
+          <p:nvPr>
+            <p:ph type="title"/>
+          </p:nvPr>
+        </p:nvSpPr>
+        <p:spPr>
+          <a:xfrm>
+            <a:off x="247650" y="142892"/>
+            <a:ext cx="5220643" cy="1325563"/>
+          </a:xfrm>
+        </p:spPr>
+        <p:txBody>
+          <a:bodyPr/>
+          <a:lstStyle/>
+          <a:p>
+            <a:r>
+              <a:rPr lang="de-DE" dirty="0" err="1"/>
+              <a:t>Meaning</a:t>
+            </a:r>
+            <a:r>
+              <a:rPr lang="de-DE" dirty="0"/>
+              <a:t> </a:t>
+            </a:r>
+            <a:r>
+              <a:rPr lang="de-DE" dirty="0" err="1"/>
+              <a:t>of</a:t>
+            </a:r>
+            <a:r>
+              <a:rPr lang="de-DE" dirty="0"/>
+              <a:t> </a:t>
+            </a:r>
+            <a:r>
+              <a:rPr lang="de-DE" dirty="0" err="1"/>
+              <a:t>the</a:t>
+            </a:r>
+            <a:r>
+              <a:rPr lang="de-DE" dirty="0"/>
+              <a:t> </a:t>
+            </a:r>
+            <a:r>
+              <a:rPr lang="de-DE" dirty="0" err="1"/>
+              <a:t>shifts</a:t>
+            </a:r>
+            <a:r>
+              <a:rPr lang="de-DE" dirty="0"/>
+              <a:t>  </a:t>
+            </a:r>
+          </a:p>
+        </p:txBody>
+      </p:sp>
+      <p:pic>
+        <p:nvPicPr>
+          <p:cNvPr id="2050" name="Picture 2">
+            <a:extLst>
+              <a:ext uri="{FF2B5EF4-FFF2-40B4-BE49-F238E27FC236}">
+                <a16:creationId xmlns:a16="http://schemas.microsoft.com/office/drawing/2014/main" id="{DCA5435A-84BC-F671-EB37-805D4DEB7B49}"/>
+              </a:ext>
+            </a:extLst>
+          </p:cNvPr>
+          <p:cNvPicPr>
+            <a:picLocks noChangeAspect="1" noChangeArrowheads="1"/>
+          </p:cNvPicPr>
+          <p:nvPr/>
+        </p:nvPicPr>
+        <p:blipFill>
+          <a:blip r:embed="rId2">
+            <a:extLst>
+              <a:ext uri="{28A0092B-C50C-407E-A947-70E740481C1C}">
+                <a14:useLocalDpi xmlns:a14="http://schemas.microsoft.com/office/drawing/2010/main" val="0"/>
+              </a:ext>
+            </a:extLst>
+          </a:blip>
+          <a:srcRect/>
+          <a:stretch>
+            <a:fillRect/>
+          </a:stretch>
+        </p:blipFill>
+        <p:spPr bwMode="auto">
+          <a:xfrm>
+            <a:off x="3792840" y="2206804"/>
+            <a:ext cx="3599524" cy="1536828"/>
+          </a:xfrm>
+          <a:prstGeom prst="rect">
+            <a:avLst/>
+          </a:prstGeom>
+          <a:noFill/>
+          <a:extLst>
+            <a:ext uri="{909E8E84-426E-40DD-AFC4-6F175D3DCCD1}">
+              <a14:hiddenFill xmlns:a14="http://schemas.microsoft.com/office/drawing/2010/main">
+                <a:solidFill>
+                  <a:srgbClr val="FFFFFF"/>
+                </a:solidFill>
+              </a14:hiddenFill>
+            </a:ext>
+          </a:extLst>
+        </p:spPr>
+      </p:pic>
+      <p:sp>
+        <p:nvSpPr>
+          <p:cNvPr id="17" name="Textfeld 16">
+            <a:extLst>
+              <a:ext uri="{FF2B5EF4-FFF2-40B4-BE49-F238E27FC236}">
+                <a16:creationId xmlns:a16="http://schemas.microsoft.com/office/drawing/2014/main" id="{93CDF70F-7EBC-9832-CE8B-932AC3B791C0}"/>
+              </a:ext>
+            </a:extLst>
+          </p:cNvPr>
+          <p:cNvSpPr txBox="1"/>
+          <p:nvPr/>
+        </p:nvSpPr>
+        <p:spPr>
+          <a:xfrm>
+            <a:off x="542848" y="5790103"/>
+            <a:ext cx="1541592" cy="369332"/>
+          </a:xfrm>
+          <a:prstGeom prst="rect">
+            <a:avLst/>
+          </a:prstGeom>
+          <a:noFill/>
+        </p:spPr>
+        <p:txBody>
+          <a:bodyPr wrap="square" rtlCol="0">
+            <a:spAutoFit/>
+          </a:bodyPr>
+          <a:lstStyle/>
+          <a:p>
+            <a:r>
+              <a:rPr lang="de-DE" dirty="0" err="1"/>
+              <a:t>Left</a:t>
+            </a:r>
+            <a:r>
+              <a:rPr lang="de-DE" dirty="0"/>
+              <a:t> shift (1.)</a:t>
+            </a:r>
+          </a:p>
+        </p:txBody>
+      </p:sp>
+      <p:pic>
+        <p:nvPicPr>
+          <p:cNvPr id="2052" name="Picture 4">
+            <a:extLst>
+              <a:ext uri="{FF2B5EF4-FFF2-40B4-BE49-F238E27FC236}">
+                <a16:creationId xmlns:a16="http://schemas.microsoft.com/office/drawing/2014/main" id="{A2AE5049-C3AD-0749-F1FF-3633373C1C70}"/>
+              </a:ext>
+            </a:extLst>
+          </p:cNvPr>
+          <p:cNvPicPr>
+            <a:picLocks noChangeAspect="1" noChangeArrowheads="1"/>
+          </p:cNvPicPr>
+          <p:nvPr/>
+        </p:nvPicPr>
+        <p:blipFill>
+          <a:blip r:embed="rId3">
+            <a:extLst>
+              <a:ext uri="{28A0092B-C50C-407E-A947-70E740481C1C}">
+                <a14:useLocalDpi xmlns:a14="http://schemas.microsoft.com/office/drawing/2010/main" val="0"/>
+              </a:ext>
+            </a:extLst>
+          </a:blip>
+          <a:srcRect/>
+          <a:stretch>
+            <a:fillRect/>
+          </a:stretch>
+        </p:blipFill>
+        <p:spPr bwMode="auto">
+          <a:xfrm>
+            <a:off x="455880" y="4234968"/>
+            <a:ext cx="3577461" cy="1527408"/>
+          </a:xfrm>
+          <a:prstGeom prst="rect">
+            <a:avLst/>
+          </a:prstGeom>
+          <a:noFill/>
+          <a:extLst>
+            <a:ext uri="{909E8E84-426E-40DD-AFC4-6F175D3DCCD1}">
+              <a14:hiddenFill xmlns:a14="http://schemas.microsoft.com/office/drawing/2010/main">
+                <a:solidFill>
+                  <a:srgbClr val="FFFFFF"/>
+                </a:solidFill>
+              </a14:hiddenFill>
+            </a:ext>
+          </a:extLst>
+        </p:spPr>
+      </p:pic>
+      <p:sp>
+        <p:nvSpPr>
+          <p:cNvPr id="18" name="Textfeld 17">
+            <a:extLst>
+              <a:ext uri="{FF2B5EF4-FFF2-40B4-BE49-F238E27FC236}">
+                <a16:creationId xmlns:a16="http://schemas.microsoft.com/office/drawing/2014/main" id="{3AAA3A6C-61BD-28C7-69CE-92EC94CE3E6E}"/>
+              </a:ext>
+            </a:extLst>
+          </p:cNvPr>
+          <p:cNvSpPr txBox="1"/>
+          <p:nvPr/>
+        </p:nvSpPr>
+        <p:spPr>
+          <a:xfrm>
+            <a:off x="3792840" y="3660825"/>
+            <a:ext cx="1625026" cy="369332"/>
+          </a:xfrm>
+          <a:prstGeom prst="rect">
+            <a:avLst/>
+          </a:prstGeom>
+          <a:noFill/>
+        </p:spPr>
+        <p:txBody>
+          <a:bodyPr wrap="square" rtlCol="0">
+            <a:spAutoFit/>
+          </a:bodyPr>
+          <a:lstStyle/>
+          <a:p>
+            <a:r>
+              <a:rPr lang="de-DE" dirty="0"/>
+              <a:t>Right shift (1.)</a:t>
+            </a:r>
+          </a:p>
+        </p:txBody>
+      </p:sp>
+      <p:pic>
+        <p:nvPicPr>
+          <p:cNvPr id="2054" name="Picture 6">
+            <a:extLst>
+              <a:ext uri="{FF2B5EF4-FFF2-40B4-BE49-F238E27FC236}">
+                <a16:creationId xmlns:a16="http://schemas.microsoft.com/office/drawing/2014/main" id="{C96818F3-FF1D-F619-D645-893349B68003}"/>
+              </a:ext>
+            </a:extLst>
+          </p:cNvPr>
+          <p:cNvPicPr>
+            <a:picLocks noChangeAspect="1" noChangeArrowheads="1"/>
+          </p:cNvPicPr>
+          <p:nvPr/>
+        </p:nvPicPr>
+        <p:blipFill>
+          <a:blip r:embed="rId4">
+            <a:extLst>
+              <a:ext uri="{28A0092B-C50C-407E-A947-70E740481C1C}">
+                <a14:useLocalDpi xmlns:a14="http://schemas.microsoft.com/office/drawing/2010/main" val="0"/>
+              </a:ext>
+            </a:extLst>
+          </a:blip>
+          <a:srcRect/>
+          <a:stretch>
+            <a:fillRect/>
+          </a:stretch>
+        </p:blipFill>
+        <p:spPr bwMode="auto">
+          <a:xfrm>
+            <a:off x="468741" y="2201283"/>
+            <a:ext cx="3324099" cy="1419234"/>
+          </a:xfrm>
+          <a:prstGeom prst="rect">
+            <a:avLst/>
+          </a:prstGeom>
+          <a:noFill/>
+          <a:extLst>
+            <a:ext uri="{909E8E84-426E-40DD-AFC4-6F175D3DCCD1}">
+              <a14:hiddenFill xmlns:a14="http://schemas.microsoft.com/office/drawing/2010/main">
+                <a:solidFill>
+                  <a:srgbClr val="FFFFFF"/>
+                </a:solidFill>
+              </a14:hiddenFill>
+            </a:ext>
+          </a:extLst>
+        </p:spPr>
+      </p:pic>
+      <p:sp>
+        <p:nvSpPr>
+          <p:cNvPr id="19" name="Textfeld 18">
+            <a:extLst>
+              <a:ext uri="{FF2B5EF4-FFF2-40B4-BE49-F238E27FC236}">
+                <a16:creationId xmlns:a16="http://schemas.microsoft.com/office/drawing/2014/main" id="{FD7B8FB3-8A10-9417-D4A0-A1CBF07D47EB}"/>
+              </a:ext>
+            </a:extLst>
+          </p:cNvPr>
+          <p:cNvSpPr txBox="1"/>
+          <p:nvPr/>
+        </p:nvSpPr>
+        <p:spPr>
+          <a:xfrm>
+            <a:off x="537963" y="3612703"/>
+            <a:ext cx="1398993" cy="369332"/>
+          </a:xfrm>
+          <a:prstGeom prst="rect">
+            <a:avLst/>
+          </a:prstGeom>
+          <a:noFill/>
+        </p:spPr>
+        <p:txBody>
+          <a:bodyPr wrap="square" rtlCol="0">
+            <a:spAutoFit/>
+          </a:bodyPr>
+          <a:lstStyle/>
+          <a:p>
+            <a:r>
+              <a:rPr lang="de-DE" dirty="0" err="1"/>
+              <a:t>No</a:t>
+            </a:r>
+            <a:r>
+              <a:rPr lang="de-DE" dirty="0"/>
+              <a:t> shift (3.)</a:t>
+            </a:r>
+          </a:p>
+        </p:txBody>
+      </p:sp>
+      <p:pic>
+        <p:nvPicPr>
+          <p:cNvPr id="2056" name="Picture 8">
+            <a:extLst>
+              <a:ext uri="{FF2B5EF4-FFF2-40B4-BE49-F238E27FC236}">
+                <a16:creationId xmlns:a16="http://schemas.microsoft.com/office/drawing/2014/main" id="{0ADC97CF-4A40-930C-8584-2F4082C88205}"/>
+              </a:ext>
+            </a:extLst>
+          </p:cNvPr>
+          <p:cNvPicPr>
+            <a:picLocks noChangeAspect="1" noChangeArrowheads="1"/>
+          </p:cNvPicPr>
+          <p:nvPr/>
+        </p:nvPicPr>
+        <p:blipFill>
+          <a:blip r:embed="rId5">
+            <a:extLst>
+              <a:ext uri="{28A0092B-C50C-407E-A947-70E740481C1C}">
+                <a14:useLocalDpi xmlns:a14="http://schemas.microsoft.com/office/drawing/2010/main" val="0"/>
+              </a:ext>
+            </a:extLst>
+          </a:blip>
+          <a:srcRect/>
+          <a:stretch>
+            <a:fillRect/>
+          </a:stretch>
+        </p:blipFill>
+        <p:spPr bwMode="auto">
+          <a:xfrm>
+            <a:off x="3843268" y="4234968"/>
+            <a:ext cx="3515282" cy="1527408"/>
+          </a:xfrm>
+          <a:prstGeom prst="rect">
+            <a:avLst/>
+          </a:prstGeom>
+          <a:noFill/>
+          <a:extLst>
+            <a:ext uri="{909E8E84-426E-40DD-AFC4-6F175D3DCCD1}">
+              <a14:hiddenFill xmlns:a14="http://schemas.microsoft.com/office/drawing/2010/main">
+                <a:solidFill>
+                  <a:srgbClr val="FFFFFF"/>
+                </a:solidFill>
+              </a14:hiddenFill>
+            </a:ext>
+          </a:extLst>
+        </p:spPr>
+      </p:pic>
+      <p:sp>
+        <p:nvSpPr>
+          <p:cNvPr id="20" name="Textfeld 19">
+            <a:extLst>
+              <a:ext uri="{FF2B5EF4-FFF2-40B4-BE49-F238E27FC236}">
+                <a16:creationId xmlns:a16="http://schemas.microsoft.com/office/drawing/2014/main" id="{DD9312CD-B2D8-2B4E-317E-EBAFFAAD4298}"/>
+              </a:ext>
+            </a:extLst>
+          </p:cNvPr>
+          <p:cNvSpPr txBox="1"/>
+          <p:nvPr/>
+        </p:nvSpPr>
+        <p:spPr>
+          <a:xfrm>
+            <a:off x="3911693" y="5788056"/>
+            <a:ext cx="1800850" cy="369332"/>
+          </a:xfrm>
+          <a:prstGeom prst="rect">
+            <a:avLst/>
+          </a:prstGeom>
+          <a:noFill/>
+        </p:spPr>
+        <p:txBody>
+          <a:bodyPr wrap="square" rtlCol="0">
+            <a:spAutoFit/>
+          </a:bodyPr>
+          <a:lstStyle/>
+          <a:p>
+            <a:r>
+              <a:rPr lang="de-DE" dirty="0"/>
+              <a:t>Partial shift (2.) </a:t>
+            </a:r>
+          </a:p>
+        </p:txBody>
+      </p:sp>
+      <p:pic>
+        <p:nvPicPr>
+          <p:cNvPr id="2058" name="Picture 10">
+            <a:extLst>
+              <a:ext uri="{FF2B5EF4-FFF2-40B4-BE49-F238E27FC236}">
+                <a16:creationId xmlns:a16="http://schemas.microsoft.com/office/drawing/2014/main" id="{C45730DC-CC82-A3BC-9850-AD24F192FBEB}"/>
+              </a:ext>
+            </a:extLst>
+          </p:cNvPr>
+          <p:cNvPicPr>
+            <a:picLocks noChangeAspect="1" noChangeArrowheads="1"/>
+          </p:cNvPicPr>
+          <p:nvPr/>
+        </p:nvPicPr>
+        <p:blipFill>
+          <a:blip r:embed="rId6">
+            <a:extLst>
+              <a:ext uri="{28A0092B-C50C-407E-A947-70E740481C1C}">
+                <a14:useLocalDpi xmlns:a14="http://schemas.microsoft.com/office/drawing/2010/main" val="0"/>
+              </a:ext>
+            </a:extLst>
+          </a:blip>
+          <a:srcRect/>
+          <a:stretch>
+            <a:fillRect/>
+          </a:stretch>
+        </p:blipFill>
+        <p:spPr bwMode="auto">
+          <a:xfrm>
+            <a:off x="7422384" y="2256740"/>
+            <a:ext cx="3482565" cy="1486892"/>
+          </a:xfrm>
+          <a:prstGeom prst="rect">
+            <a:avLst/>
+          </a:prstGeom>
+          <a:noFill/>
+          <a:extLst>
+            <a:ext uri="{909E8E84-426E-40DD-AFC4-6F175D3DCCD1}">
+              <a14:hiddenFill xmlns:a14="http://schemas.microsoft.com/office/drawing/2010/main">
+                <a:solidFill>
+                  <a:srgbClr val="FFFFFF"/>
+                </a:solidFill>
+              </a14:hiddenFill>
+            </a:ext>
+          </a:extLst>
+        </p:spPr>
+      </p:pic>
+      <p:sp>
+        <p:nvSpPr>
+          <p:cNvPr id="21" name="Textfeld 20">
+            <a:extLst>
+              <a:ext uri="{FF2B5EF4-FFF2-40B4-BE49-F238E27FC236}">
+                <a16:creationId xmlns:a16="http://schemas.microsoft.com/office/drawing/2014/main" id="{F9A20321-783A-5EF6-58B8-96E0889DC906}"/>
+              </a:ext>
+            </a:extLst>
+          </p:cNvPr>
+          <p:cNvSpPr txBox="1"/>
+          <p:nvPr/>
+        </p:nvSpPr>
+        <p:spPr>
+          <a:xfrm>
+            <a:off x="7422384" y="3707227"/>
+            <a:ext cx="1825864" cy="369332"/>
+          </a:xfrm>
+          <a:prstGeom prst="rect">
+            <a:avLst/>
+          </a:prstGeom>
+          <a:noFill/>
+        </p:spPr>
+        <p:txBody>
+          <a:bodyPr wrap="square" rtlCol="0">
+            <a:spAutoFit/>
+          </a:bodyPr>
+          <a:lstStyle/>
+          <a:p>
+            <a:r>
+              <a:rPr lang="de-DE" dirty="0" err="1"/>
+              <a:t>Precipitated</a:t>
+            </a:r>
+            <a:r>
+              <a:rPr lang="de-DE" dirty="0"/>
+              <a:t> (1.)</a:t>
+            </a:r>
+          </a:p>
+        </p:txBody>
+      </p:sp>
+      <p:sp>
+        <p:nvSpPr>
+          <p:cNvPr id="22" name="Textfeld 21">
+            <a:extLst>
+              <a:ext uri="{FF2B5EF4-FFF2-40B4-BE49-F238E27FC236}">
+                <a16:creationId xmlns:a16="http://schemas.microsoft.com/office/drawing/2014/main" id="{4ABB5EAA-3A83-DC26-49AE-1B4272222484}"/>
+              </a:ext>
+            </a:extLst>
+          </p:cNvPr>
+          <p:cNvSpPr txBox="1"/>
+          <p:nvPr/>
+        </p:nvSpPr>
+        <p:spPr>
+          <a:xfrm>
+            <a:off x="7506393" y="4409486"/>
+            <a:ext cx="3856795" cy="1877437"/>
+          </a:xfrm>
+          <a:prstGeom prst="rect">
+            <a:avLst/>
+          </a:prstGeom>
+          <a:noFill/>
+          <a:ln w="28575">
+            <a:solidFill>
+              <a:schemeClr val="accent2"/>
+            </a:solidFill>
+          </a:ln>
+        </p:spPr>
+        <p:txBody>
+          <a:bodyPr wrap="square" rtlCol="0">
+            <a:spAutoFit/>
+          </a:bodyPr>
+          <a:lstStyle/>
+          <a:p>
+            <a:r>
+              <a:rPr lang="de-DE" sz="2000" dirty="0"/>
+              <a:t>Classification </a:t>
+            </a:r>
+            <a:r>
+              <a:rPr lang="de-DE" sz="2000" dirty="0" err="1"/>
+              <a:t>of</a:t>
+            </a:r>
+            <a:r>
+              <a:rPr lang="de-DE" sz="2000" dirty="0"/>
+              <a:t> </a:t>
+            </a:r>
+            <a:r>
+              <a:rPr lang="de-DE" sz="2000" dirty="0" err="1"/>
+              <a:t>proteins</a:t>
+            </a:r>
+            <a:r>
+              <a:rPr lang="de-DE" sz="2000" dirty="0"/>
+              <a:t>:</a:t>
+            </a:r>
+          </a:p>
+          <a:p>
+            <a:endParaRPr lang="de-DE" sz="2000" dirty="0"/>
+          </a:p>
+          <a:p>
+            <a:r>
+              <a:rPr lang="de-DE" sz="2000" dirty="0"/>
+              <a:t>1. RNA-</a:t>
+            </a:r>
+            <a:r>
+              <a:rPr lang="de-DE" sz="2000" dirty="0" err="1"/>
+              <a:t>dependent</a:t>
+            </a:r>
+            <a:endParaRPr lang="de-DE" sz="2000" dirty="0"/>
+          </a:p>
+          <a:p>
+            <a:endParaRPr lang="de-DE" sz="800" dirty="0"/>
+          </a:p>
+          <a:p>
+            <a:r>
+              <a:rPr lang="de-DE" sz="2000" dirty="0"/>
+              <a:t>2. </a:t>
+            </a:r>
+            <a:r>
+              <a:rPr lang="de-DE" sz="2000" dirty="0" err="1"/>
+              <a:t>Partially</a:t>
+            </a:r>
+            <a:r>
+              <a:rPr lang="de-DE" sz="2000" dirty="0"/>
+              <a:t> RNA-</a:t>
+            </a:r>
+            <a:r>
+              <a:rPr lang="de-DE" sz="2000" dirty="0" err="1"/>
+              <a:t>dependent</a:t>
+            </a:r>
+            <a:endParaRPr lang="de-DE" sz="2000" dirty="0"/>
+          </a:p>
+          <a:p>
+            <a:endParaRPr lang="de-DE" sz="800" dirty="0"/>
+          </a:p>
+          <a:p>
+            <a:r>
+              <a:rPr lang="de-DE" sz="2000" dirty="0"/>
+              <a:t>3. Not RNA-</a:t>
+            </a:r>
+            <a:r>
+              <a:rPr lang="de-DE" sz="2000" dirty="0" err="1"/>
+              <a:t>dependent</a:t>
+            </a:r>
+            <a:r>
+              <a:rPr lang="de-DE" sz="2000" dirty="0"/>
+              <a:t> </a:t>
+            </a:r>
+          </a:p>
+        </p:txBody>
+      </p:sp>
+    </p:spTree>
+    <p:extLst>
+      <p:ext uri="{BB962C8B-B14F-4D97-AF65-F5344CB8AC3E}">
+        <p14:creationId xmlns:p14="http://schemas.microsoft.com/office/powerpoint/2010/main" val="3069477431"/>
+      </p:ext>
+    </p:extLst>
+  </p:cSld>
+  <p:clrMapOvr>
+    <a:masterClrMapping/>
+  </p:clrMapOvr>
+  <p:timing>
+    <p:tnLst>
+      <p:par>
+        <p:cTn id="1" dur="indefinite" restart="never" nodeType="tmRoot">
+          <p:childTnLst>
+            <p:seq concurrent="1" nextAc="seek">
+              <p:cTn id="2" dur="indefinite" nodeType="mainSeq">
+                <p:childTnLst>
+                  <p:par>
+                    <p:cTn id="3" fill="hold">
+                      <p:stCondLst>
+                        <p:cond delay="indefinite"/>
+                      </p:stCondLst>
+                      <p:childTnLst>
+                        <p:par>
+                          <p:cTn id="4" fill="hold">
+                            <p:stCondLst>
+                              <p:cond delay="0"/>
+                            </p:stCondLst>
+                            <p:childTnLst>
+                              <p:par>
+                                <p:cTn id="5" presetID="1" presetClass="entr" presetSubtype="0" fill="hold" grpId="0" nodeType="clickEffect">
+                                  <p:stCondLst>
+                                    <p:cond delay="0"/>
+                                  </p:stCondLst>
+                                  <p:childTnLst>
+                                    <p:set>
+                                      <p:cBhvr>
+                                        <p:cTn id="6" dur="1" fill="hold">
+                                          <p:stCondLst>
+                                            <p:cond delay="0"/>
+                                          </p:stCondLst>
+                                        </p:cTn>
+                                        <p:tgtEl>
+                                          <p:spTgt spid="22"/>
+                                        </p:tgtEl>
+                                        <p:attrNameLst>
+                                          <p:attrName>style.visibility</p:attrName>
+                                        </p:attrNameLst>
+                                      </p:cBhvr>
+                                      <p:to>
+                                        <p:strVal val="visible"/>
+                                      </p:to>
+                                    </p:set>
+                                  </p:childTnLst>
+                                </p:cTn>
+                              </p:par>
+                            </p:childTnLst>
+                          </p:cTn>
+                        </p:par>
+                      </p:childTnLst>
+                    </p:cTn>
+                  </p:par>
+                  <p:par>
+                    <p:cTn id="7" fill="hold">
+                      <p:stCondLst>
+                        <p:cond delay="indefinite"/>
+                      </p:stCondLst>
+                      <p:childTnLst>
+                        <p:par>
+                          <p:cTn id="8" fill="hold">
+                            <p:stCondLst>
+                              <p:cond delay="0"/>
+                            </p:stCondLst>
+                            <p:childTnLst>
+                              <p:par>
+                                <p:cTn id="9" presetID="1" presetClass="entr" presetSubtype="0" fill="hold" nodeType="clickEffect">
+                                  <p:stCondLst>
+                                    <p:cond delay="0"/>
+                                  </p:stCondLst>
+                                  <p:childTnLst>
+                                    <p:set>
+                                      <p:cBhvr>
+                                        <p:cTn id="10" dur="1" fill="hold">
+                                          <p:stCondLst>
+                                            <p:cond delay="0"/>
+                                          </p:stCondLst>
+                                        </p:cTn>
+                                        <p:tgtEl>
+                                          <p:spTgt spid="2054"/>
+                                        </p:tgtEl>
+                                        <p:attrNameLst>
+                                          <p:attrName>style.visibility</p:attrName>
+                                        </p:attrNameLst>
+                                      </p:cBhvr>
+                                      <p:to>
+                                        <p:strVal val="visible"/>
+                                      </p:to>
+                                    </p:set>
+                                  </p:childTnLst>
+                                </p:cTn>
+                              </p:par>
+                              <p:par>
+                                <p:cTn id="11" presetID="1" presetClass="entr" presetSubtype="0" fill="hold" grpId="0" nodeType="withEffect">
+                                  <p:stCondLst>
+                                    <p:cond delay="0"/>
+                                  </p:stCondLst>
+                                  <p:childTnLst>
+                                    <p:set>
+                                      <p:cBhvr>
+                                        <p:cTn id="12" dur="1" fill="hold">
+                                          <p:stCondLst>
+                                            <p:cond delay="0"/>
+                                          </p:stCondLst>
+                                        </p:cTn>
+                                        <p:tgtEl>
+                                          <p:spTgt spid="19"/>
+                                        </p:tgtEl>
+                                        <p:attrNameLst>
+                                          <p:attrName>style.visibility</p:attrName>
+                                        </p:attrNameLst>
+                                      </p:cBhvr>
+                                      <p:to>
+                                        <p:strVal val="visible"/>
+                                      </p:to>
+                                    </p:set>
+                                  </p:childTnLst>
+                                </p:cTn>
+                              </p:par>
+                            </p:childTnLst>
+                          </p:cTn>
+                        </p:par>
+                      </p:childTnLst>
+                    </p:cTn>
+                  </p:par>
+                  <p:par>
+                    <p:cTn id="13" fill="hold">
+                      <p:stCondLst>
+                        <p:cond delay="indefinite"/>
+                      </p:stCondLst>
+                      <p:childTnLst>
+                        <p:par>
+                          <p:cTn id="14" fill="hold">
+                            <p:stCondLst>
+                              <p:cond delay="0"/>
+                            </p:stCondLst>
+                            <p:childTnLst>
+                              <p:par>
+                                <p:cTn id="15" presetID="1" presetClass="entr" presetSubtype="0" fill="hold" nodeType="clickEffect">
+                                  <p:stCondLst>
+                                    <p:cond delay="0"/>
+                                  </p:stCondLst>
+                                  <p:childTnLst>
+                                    <p:set>
+                                      <p:cBhvr>
+                                        <p:cTn id="16" dur="1" fill="hold">
+                                          <p:stCondLst>
+                                            <p:cond delay="0"/>
+                                          </p:stCondLst>
+                                        </p:cTn>
+                                        <p:tgtEl>
+                                          <p:spTgt spid="2052"/>
+                                        </p:tgtEl>
+                                        <p:attrNameLst>
+                                          <p:attrName>style.visibility</p:attrName>
+                                        </p:attrNameLst>
+                                      </p:cBhvr>
+                                      <p:to>
+                                        <p:strVal val="visible"/>
+                                      </p:to>
+                                    </p:set>
+                                  </p:childTnLst>
+                                </p:cTn>
+                              </p:par>
+                              <p:par>
+                                <p:cTn id="17" presetID="1" presetClass="entr" presetSubtype="0" fill="hold" grpId="0" nodeType="withEffect">
+                                  <p:stCondLst>
+                                    <p:cond delay="0"/>
+                                  </p:stCondLst>
+                                  <p:childTnLst>
+                                    <p:set>
+                                      <p:cBhvr>
+                                        <p:cTn id="18" dur="1" fill="hold">
+                                          <p:stCondLst>
+                                            <p:cond delay="0"/>
+                                          </p:stCondLst>
+                                        </p:cTn>
+                                        <p:tgtEl>
+                                          <p:spTgt spid="17"/>
+                                        </p:tgtEl>
+                                        <p:attrNameLst>
+                                          <p:attrName>style.visibility</p:attrName>
+                                        </p:attrNameLst>
+                                      </p:cBhvr>
+                                      <p:to>
+                                        <p:strVal val="visible"/>
+                                      </p:to>
+                                    </p:set>
+                                  </p:childTnLst>
+                                </p:cTn>
+                              </p:par>
+                            </p:childTnLst>
+                          </p:cTn>
+                        </p:par>
+                      </p:childTnLst>
+                    </p:cTn>
+                  </p:par>
+                  <p:par>
+                    <p:cTn id="19" fill="hold">
+                      <p:stCondLst>
+                        <p:cond delay="indefinite"/>
+                      </p:stCondLst>
+                      <p:childTnLst>
+                        <p:par>
+                          <p:cTn id="20" fill="hold">
+                            <p:stCondLst>
+                              <p:cond delay="0"/>
+                            </p:stCondLst>
+                            <p:childTnLst>
+                              <p:par>
+                                <p:cTn id="21" presetID="1" presetClass="entr" presetSubtype="0" fill="hold" nodeType="clickEffect">
+                                  <p:stCondLst>
+                                    <p:cond delay="0"/>
+                                  </p:stCondLst>
+                                  <p:childTnLst>
+                                    <p:set>
+                                      <p:cBhvr>
+                                        <p:cTn id="22" dur="1" fill="hold">
+                                          <p:stCondLst>
+                                            <p:cond delay="0"/>
+                                          </p:stCondLst>
+                                        </p:cTn>
+                                        <p:tgtEl>
+                                          <p:spTgt spid="2050"/>
+                                        </p:tgtEl>
+                                        <p:attrNameLst>
+                                          <p:attrName>style.visibility</p:attrName>
+                                        </p:attrNameLst>
+                                      </p:cBhvr>
+                                      <p:to>
+                                        <p:strVal val="visible"/>
+                                      </p:to>
+                                    </p:set>
+                                  </p:childTnLst>
+                                </p:cTn>
+                              </p:par>
+                              <p:par>
+                                <p:cTn id="23" presetID="1" presetClass="entr" presetSubtype="0" fill="hold" grpId="0" nodeType="withEffect">
+                                  <p:stCondLst>
+                                    <p:cond delay="0"/>
+                                  </p:stCondLst>
+                                  <p:childTnLst>
+                                    <p:set>
+                                      <p:cBhvr>
+                                        <p:cTn id="24" dur="1" fill="hold">
+                                          <p:stCondLst>
+                                            <p:cond delay="0"/>
+                                          </p:stCondLst>
+                                        </p:cTn>
+                                        <p:tgtEl>
+                                          <p:spTgt spid="18"/>
+                                        </p:tgtEl>
+                                        <p:attrNameLst>
+                                          <p:attrName>style.visibility</p:attrName>
+                                        </p:attrNameLst>
+                                      </p:cBhvr>
+                                      <p:to>
+                                        <p:strVal val="visible"/>
+                                      </p:to>
+                                    </p:set>
+                                  </p:childTnLst>
+                                </p:cTn>
+                              </p:par>
+                            </p:childTnLst>
+                          </p:cTn>
+                        </p:par>
+                      </p:childTnLst>
+                    </p:cTn>
+                  </p:par>
+                  <p:par>
+                    <p:cTn id="25" fill="hold">
+                      <p:stCondLst>
+                        <p:cond delay="indefinite"/>
+                      </p:stCondLst>
+                      <p:childTnLst>
+                        <p:par>
+                          <p:cTn id="26" fill="hold">
+                            <p:stCondLst>
+                              <p:cond delay="0"/>
+                            </p:stCondLst>
+                            <p:childTnLst>
+                              <p:par>
+                                <p:cTn id="27" presetID="1" presetClass="entr" presetSubtype="0" fill="hold" nodeType="clickEffect">
+                                  <p:stCondLst>
+                                    <p:cond delay="0"/>
+                                  </p:stCondLst>
+                                  <p:childTnLst>
+                                    <p:set>
+                                      <p:cBhvr>
+                                        <p:cTn id="28" dur="1" fill="hold">
+                                          <p:stCondLst>
+                                            <p:cond delay="0"/>
+                                          </p:stCondLst>
+                                        </p:cTn>
+                                        <p:tgtEl>
+                                          <p:spTgt spid="2056"/>
+                                        </p:tgtEl>
+                                        <p:attrNameLst>
+                                          <p:attrName>style.visibility</p:attrName>
+                                        </p:attrNameLst>
+                                      </p:cBhvr>
+                                      <p:to>
+                                        <p:strVal val="visible"/>
+                                      </p:to>
+                                    </p:set>
+                                  </p:childTnLst>
+                                </p:cTn>
+                              </p:par>
+                              <p:par>
+                                <p:cTn id="29" presetID="1" presetClass="entr" presetSubtype="0" fill="hold" grpId="0" nodeType="withEffect">
+                                  <p:stCondLst>
+                                    <p:cond delay="0"/>
+                                  </p:stCondLst>
+                                  <p:childTnLst>
+                                    <p:set>
+                                      <p:cBhvr>
+                                        <p:cTn id="30" dur="1" fill="hold">
+                                          <p:stCondLst>
+                                            <p:cond delay="0"/>
+                                          </p:stCondLst>
+                                        </p:cTn>
+                                        <p:tgtEl>
+                                          <p:spTgt spid="20"/>
+                                        </p:tgtEl>
+                                        <p:attrNameLst>
+                                          <p:attrName>style.visibility</p:attrName>
+                                        </p:attrNameLst>
+                                      </p:cBhvr>
+                                      <p:to>
+                                        <p:strVal val="visible"/>
+                                      </p:to>
+                                    </p:set>
+                                  </p:childTnLst>
+                                </p:cTn>
+                              </p:par>
+                            </p:childTnLst>
+                          </p:cTn>
+                        </p:par>
+                      </p:childTnLst>
+                    </p:cTn>
+                  </p:par>
+                  <p:par>
+                    <p:cTn id="31" fill="hold">
+                      <p:stCondLst>
+                        <p:cond delay="indefinite"/>
+                      </p:stCondLst>
+                      <p:childTnLst>
+                        <p:par>
+                          <p:cTn id="32" fill="hold">
+                            <p:stCondLst>
+                              <p:cond delay="0"/>
+                            </p:stCondLst>
+                            <p:childTnLst>
+                              <p:par>
+                                <p:cTn id="33" presetID="1" presetClass="entr" presetSubtype="0" fill="hold" nodeType="clickEffect">
+                                  <p:stCondLst>
+                                    <p:cond delay="0"/>
+                                  </p:stCondLst>
+                                  <p:childTnLst>
+                                    <p:set>
+                                      <p:cBhvr>
+                                        <p:cTn id="34" dur="1" fill="hold">
+                                          <p:stCondLst>
+                                            <p:cond delay="0"/>
+                                          </p:stCondLst>
+                                        </p:cTn>
+                                        <p:tgtEl>
+                                          <p:spTgt spid="2058"/>
+                                        </p:tgtEl>
+                                        <p:attrNameLst>
+                                          <p:attrName>style.visibility</p:attrName>
+                                        </p:attrNameLst>
+                                      </p:cBhvr>
+                                      <p:to>
+                                        <p:strVal val="visible"/>
+                                      </p:to>
+                                    </p:set>
+                                  </p:childTnLst>
+                                </p:cTn>
+                              </p:par>
+                              <p:par>
+                                <p:cTn id="35" presetID="1" presetClass="entr" presetSubtype="0" fill="hold" grpId="0" nodeType="withEffect">
+                                  <p:stCondLst>
+                                    <p:cond delay="0"/>
+                                  </p:stCondLst>
+                                  <p:childTnLst>
+                                    <p:set>
+                                      <p:cBhvr>
+                                        <p:cTn id="36" dur="1" fill="hold">
+                                          <p:stCondLst>
+                                            <p:cond delay="0"/>
+                                          </p:stCondLst>
+                                        </p:cTn>
+                                        <p:tgtEl>
+                                          <p:spTgt spid="21"/>
+                                        </p:tgtEl>
+                                        <p:attrNameLst>
+                                          <p:attrName>style.visibility</p:attrName>
+                                        </p:attrNameLst>
+                                      </p:cBhvr>
+                                      <p:to>
+                                        <p:strVal val="visible"/>
+                                      </p:to>
+                                    </p:set>
+                                  </p:childTnLst>
+                                </p:cTn>
+                              </p:par>
+                            </p:childTnLst>
+                          </p:cTn>
+                        </p:par>
+                      </p:childTnLst>
+                    </p:cTn>
+                  </p:par>
+                </p:childTnLst>
+              </p:cTn>
+              <p:prevCondLst>
+                <p:cond evt="onPrev" delay="0">
+                  <p:tgtEl>
+                    <p:sldTgt/>
+                  </p:tgtEl>
+                </p:cond>
+              </p:prevCondLst>
+              <p:nextCondLst>
+                <p:cond evt="onNext" delay="0">
+                  <p:tgtEl>
+                    <p:sldTgt/>
+                  </p:tgtEl>
+                </p:cond>
+              </p:nextCondLst>
+            </p:seq>
+          </p:childTnLst>
+        </p:cTn>
+      </p:par>
+    </p:tnLst>
+    <p:bldLst>
+      <p:bldP spid="17" grpId="0"/>
+      <p:bldP spid="18" grpId="0"/>
+      <p:bldP spid="19" grpId="0"/>
+      <p:bldP spid="20" grpId="0"/>
+      <p:bldP spid="21" grpId="0"/>
+      <p:bldP spid="22" grpId="0" animBg="1"/>
+    </p:bldLst>
+  </p:timing>
+</p:sld>
+</file>
+
+<file path=ppt/slides/slide4.xml><?xml version="1.0" encoding="utf-8"?>
+<p:sld xmlns:a="http://schemas.openxmlformats.org/drawingml/2006/main" xmlns:r="http://schemas.openxmlformats.org/officeDocument/2006/relationships" xmlns:p="http://schemas.openxmlformats.org/presentationml/2006/main">
+  <p:cSld>
+    <p:spTree>
+      <p:nvGrpSpPr>
+        <p:cNvPr id="1" name=""/>
+        <p:cNvGrpSpPr/>
+        <p:nvPr/>
+      </p:nvGrpSpPr>
+      <p:grpSpPr>
+        <a:xfrm>
+          <a:off x="0" y="0"/>
+          <a:ext cx="0" cy="0"/>
+          <a:chOff x="0" y="0"/>
+          <a:chExt cx="0" cy="0"/>
+        </a:xfrm>
+      </p:grpSpPr>
+      <p:sp>
+        <p:nvSpPr>
+          <p:cNvPr id="3" name="Inhaltsplatzhalter 2">
+            <a:extLst>
+              <a:ext uri="{FF2B5EF4-FFF2-40B4-BE49-F238E27FC236}">
+                <a16:creationId xmlns:a16="http://schemas.microsoft.com/office/drawing/2014/main" id="{13A586E4-39C7-9E9C-E89F-268A630D08B0}"/>
+              </a:ext>
+            </a:extLst>
+          </p:cNvPr>
+          <p:cNvSpPr>
+            <a:spLocks noGrp="1"/>
+          </p:cNvSpPr>
+          <p:nvPr>
+            <p:ph idx="1"/>
+          </p:nvPr>
+        </p:nvSpPr>
+        <p:spPr>
+          <a:xfrm>
+            <a:off x="433861" y="4412053"/>
+            <a:ext cx="9726139" cy="1946736"/>
+          </a:xfrm>
+        </p:spPr>
+        <p:txBody>
+          <a:bodyPr>
+            <a:noAutofit/>
+          </a:bodyPr>
+          <a:lstStyle/>
+          <a:p>
+            <a:r>
+              <a:rPr lang="de-DE" sz="2000" dirty="0" err="1"/>
+              <a:t>Mass</a:t>
+            </a:r>
+            <a:r>
+              <a:rPr lang="de-DE" sz="2000" dirty="0"/>
+              <a:t> </a:t>
+            </a:r>
+            <a:r>
+              <a:rPr lang="de-DE" sz="2000" dirty="0" err="1"/>
+              <a:t>spectrometric</a:t>
+            </a:r>
+            <a:r>
+              <a:rPr lang="de-DE" sz="2000" dirty="0"/>
+              <a:t> quantitative </a:t>
+            </a:r>
+            <a:r>
+              <a:rPr lang="de-DE" sz="2000" dirty="0" err="1"/>
+              <a:t>results</a:t>
+            </a:r>
+            <a:r>
+              <a:rPr lang="de-DE" sz="2000" dirty="0"/>
+              <a:t> per </a:t>
+            </a:r>
+            <a:r>
+              <a:rPr lang="de-DE" sz="2000" dirty="0" err="1"/>
+              <a:t>protein</a:t>
+            </a:r>
+            <a:r>
+              <a:rPr lang="de-DE" sz="2000" dirty="0"/>
+              <a:t> per </a:t>
+            </a:r>
+            <a:r>
+              <a:rPr lang="de-DE" sz="2000" dirty="0" err="1"/>
+              <a:t>fraction</a:t>
+            </a:r>
+            <a:endParaRPr lang="de-DE" sz="2000" dirty="0"/>
+          </a:p>
+          <a:p>
+            <a:pPr marL="0" indent="0">
+              <a:buNone/>
+            </a:pPr>
+            <a:endParaRPr lang="de-DE" sz="800" dirty="0"/>
+          </a:p>
+          <a:p>
+            <a:r>
+              <a:rPr lang="de-DE" sz="2000" dirty="0" err="1"/>
+              <a:t>Comparison</a:t>
+            </a:r>
+            <a:r>
+              <a:rPr lang="de-DE" sz="2000" dirty="0"/>
+              <a:t> </a:t>
+            </a:r>
+            <a:r>
+              <a:rPr lang="de-DE" sz="2000" dirty="0" err="1"/>
+              <a:t>of</a:t>
+            </a:r>
+            <a:r>
+              <a:rPr lang="de-DE" sz="2000" dirty="0"/>
+              <a:t> </a:t>
+            </a:r>
+            <a:r>
+              <a:rPr lang="de-DE" sz="2000" dirty="0" err="1"/>
+              <a:t>the</a:t>
+            </a:r>
+            <a:r>
+              <a:rPr lang="de-DE" sz="2000" dirty="0"/>
+              <a:t> </a:t>
+            </a:r>
+            <a:r>
+              <a:rPr lang="de-DE" sz="2000" dirty="0" err="1"/>
+              <a:t>occurence</a:t>
+            </a:r>
+            <a:r>
+              <a:rPr lang="de-DE" sz="2000" dirty="0"/>
+              <a:t> </a:t>
+            </a:r>
+            <a:r>
+              <a:rPr lang="de-DE" sz="2000" dirty="0" err="1"/>
+              <a:t>of</a:t>
+            </a:r>
+            <a:r>
+              <a:rPr lang="de-DE" sz="2000" dirty="0"/>
+              <a:t> </a:t>
+            </a:r>
+            <a:r>
+              <a:rPr lang="de-DE" sz="2000" dirty="0" err="1"/>
+              <a:t>proteins</a:t>
+            </a:r>
+            <a:r>
+              <a:rPr lang="de-DE" sz="2000" dirty="0"/>
+              <a:t> in different </a:t>
+            </a:r>
+            <a:r>
+              <a:rPr lang="de-DE" sz="2000" dirty="0" err="1"/>
+              <a:t>fractions</a:t>
+            </a:r>
+            <a:r>
+              <a:rPr lang="de-DE" sz="2000" dirty="0"/>
+              <a:t> </a:t>
+            </a:r>
+            <a:r>
+              <a:rPr lang="de-DE" sz="2000" dirty="0" err="1"/>
+              <a:t>of</a:t>
+            </a:r>
+            <a:r>
+              <a:rPr lang="de-DE" sz="2000" dirty="0"/>
+              <a:t> Control and </a:t>
+            </a:r>
+            <a:r>
+              <a:rPr lang="de-DE" sz="2000" dirty="0" err="1"/>
+              <a:t>RNase</a:t>
+            </a:r>
+            <a:r>
+              <a:rPr lang="de-DE" sz="2000" dirty="0"/>
+              <a:t> </a:t>
+            </a:r>
+          </a:p>
+          <a:p>
+            <a:endParaRPr lang="de-DE" sz="800" dirty="0"/>
+          </a:p>
+          <a:p>
+            <a:endParaRPr lang="de-DE" sz="800" dirty="0"/>
+          </a:p>
+          <a:p>
+            <a:pPr marL="0" indent="0">
+              <a:buNone/>
+            </a:pPr>
+            <a:r>
+              <a:rPr lang="de-DE" b="1" dirty="0">
+                <a:sym typeface="Wingdings" panose="05000000000000000000" pitchFamily="2" charset="2"/>
+              </a:rPr>
+              <a:t> </a:t>
+            </a:r>
+            <a:r>
+              <a:rPr lang="en-GB" b="1" noProof="0" dirty="0"/>
+              <a:t>Which proteins are RNA-dependent?</a:t>
+            </a:r>
+            <a:endParaRPr lang="de-DE" b="1" dirty="0"/>
+          </a:p>
+          <a:p>
+            <a:pPr marL="0" indent="0">
+              <a:buNone/>
+            </a:pPr>
+            <a:endParaRPr lang="de-DE" dirty="0"/>
+          </a:p>
+          <a:p>
+            <a:pPr marL="0" indent="0">
+              <a:buNone/>
+            </a:pPr>
+            <a:endParaRPr lang="de-DE" dirty="0"/>
+          </a:p>
+        </p:txBody>
+      </p:sp>
+      <p:cxnSp>
+        <p:nvCxnSpPr>
+          <p:cNvPr id="5" name="Gerade Verbindung mit Pfeil 4">
+            <a:extLst>
+              <a:ext uri="{FF2B5EF4-FFF2-40B4-BE49-F238E27FC236}">
+                <a16:creationId xmlns:a16="http://schemas.microsoft.com/office/drawing/2014/main" id="{0EA39C12-7386-B987-EDC1-DF8F69E5621A}"/>
+              </a:ext>
+            </a:extLst>
+          </p:cNvPr>
+          <p:cNvCxnSpPr>
+            <a:cxnSpLocks/>
+          </p:cNvCxnSpPr>
+          <p:nvPr/>
+        </p:nvCxnSpPr>
+        <p:spPr>
+          <a:xfrm>
+            <a:off x="1892174" y="2164985"/>
+            <a:ext cx="0" cy="1835203"/>
+          </a:xfrm>
+          <a:prstGeom prst="straightConnector1">
+            <a:avLst/>
+          </a:prstGeom>
+          <a:ln>
+            <a:tailEnd type="triangle"/>
+          </a:ln>
+        </p:spPr>
+        <p:style>
+          <a:lnRef idx="2">
+            <a:schemeClr val="dk1"/>
+          </a:lnRef>
+          <a:fillRef idx="0">
+            <a:schemeClr val="dk1"/>
+          </a:fillRef>
+          <a:effectRef idx="1">
+            <a:schemeClr val="dk1"/>
+          </a:effectRef>
+          <a:fontRef idx="minor">
+            <a:schemeClr val="tx1"/>
+          </a:fontRef>
+        </p:style>
+      </p:cxnSp>
+      <p:cxnSp>
+        <p:nvCxnSpPr>
+          <p:cNvPr id="8" name="Gerade Verbindung mit Pfeil 7">
+            <a:extLst>
+              <a:ext uri="{FF2B5EF4-FFF2-40B4-BE49-F238E27FC236}">
+                <a16:creationId xmlns:a16="http://schemas.microsoft.com/office/drawing/2014/main" id="{325D7CE8-F0A1-4876-214F-85DA1A76F0A0}"/>
+              </a:ext>
+            </a:extLst>
+          </p:cNvPr>
+          <p:cNvCxnSpPr>
+            <a:cxnSpLocks/>
+          </p:cNvCxnSpPr>
+          <p:nvPr/>
+        </p:nvCxnSpPr>
+        <p:spPr>
+          <a:xfrm>
+            <a:off x="1892174" y="2164985"/>
+            <a:ext cx="2127565" cy="0"/>
+          </a:xfrm>
+          <a:prstGeom prst="straightConnector1">
+            <a:avLst/>
+          </a:prstGeom>
+          <a:ln>
+            <a:tailEnd type="triangle"/>
+          </a:ln>
+        </p:spPr>
+        <p:style>
+          <a:lnRef idx="2">
+            <a:schemeClr val="dk1"/>
+          </a:lnRef>
+          <a:fillRef idx="0">
+            <a:schemeClr val="dk1"/>
+          </a:fillRef>
+          <a:effectRef idx="1">
+            <a:schemeClr val="dk1"/>
+          </a:effectRef>
+          <a:fontRef idx="minor">
+            <a:schemeClr val="tx1"/>
+          </a:fontRef>
+        </p:style>
+      </p:cxnSp>
+      <p:sp>
+        <p:nvSpPr>
+          <p:cNvPr id="10" name="Textfeld 9">
+            <a:extLst>
+              <a:ext uri="{FF2B5EF4-FFF2-40B4-BE49-F238E27FC236}">
+                <a16:creationId xmlns:a16="http://schemas.microsoft.com/office/drawing/2014/main" id="{2CD3A042-51DF-0A67-6CBF-8BEF64315534}"/>
+              </a:ext>
+            </a:extLst>
+          </p:cNvPr>
+          <p:cNvSpPr txBox="1"/>
+          <p:nvPr/>
+        </p:nvSpPr>
+        <p:spPr>
+          <a:xfrm>
+            <a:off x="1892174" y="1700314"/>
+            <a:ext cx="2480650" cy="307777"/>
+          </a:xfrm>
+          <a:prstGeom prst="rect">
+            <a:avLst/>
+          </a:prstGeom>
+          <a:noFill/>
+        </p:spPr>
+        <p:txBody>
+          <a:bodyPr wrap="square" rtlCol="0">
+            <a:spAutoFit/>
+          </a:bodyPr>
+          <a:lstStyle/>
+          <a:p>
+            <a:pPr algn="ctr"/>
+            <a:r>
+              <a:rPr lang="de-DE" sz="1400" dirty="0"/>
+              <a:t>Control and </a:t>
+            </a:r>
+            <a:r>
+              <a:rPr lang="de-DE" sz="1400" dirty="0" err="1"/>
+              <a:t>RNase</a:t>
+            </a:r>
+            <a:r>
+              <a:rPr lang="de-DE" sz="1400" dirty="0"/>
+              <a:t> </a:t>
+            </a:r>
+            <a:r>
+              <a:rPr lang="de-DE" sz="1400" dirty="0" err="1"/>
+              <a:t>fractions</a:t>
+            </a:r>
+            <a:r>
+              <a:rPr lang="de-DE" sz="1400" dirty="0"/>
+              <a:t> </a:t>
+            </a:r>
+          </a:p>
+        </p:txBody>
+      </p:sp>
+      <p:sp>
+        <p:nvSpPr>
+          <p:cNvPr id="11" name="Textfeld 10">
+            <a:extLst>
+              <a:ext uri="{FF2B5EF4-FFF2-40B4-BE49-F238E27FC236}">
+                <a16:creationId xmlns:a16="http://schemas.microsoft.com/office/drawing/2014/main" id="{56013741-01E6-3FBF-11C1-80D20AA8E896}"/>
+              </a:ext>
+            </a:extLst>
+          </p:cNvPr>
+          <p:cNvSpPr txBox="1"/>
+          <p:nvPr/>
+        </p:nvSpPr>
+        <p:spPr>
+          <a:xfrm>
+            <a:off x="941561" y="2867182"/>
+            <a:ext cx="1113576" cy="523220"/>
+          </a:xfrm>
+          <a:prstGeom prst="rect">
+            <a:avLst/>
+          </a:prstGeom>
+          <a:noFill/>
+        </p:spPr>
+        <p:txBody>
+          <a:bodyPr wrap="square" rtlCol="0">
+            <a:spAutoFit/>
+          </a:bodyPr>
+          <a:lstStyle/>
+          <a:p>
+            <a:r>
+              <a:rPr lang="de-DE" sz="1400" dirty="0"/>
+              <a:t>Different Proteins </a:t>
+            </a:r>
+          </a:p>
+        </p:txBody>
+      </p:sp>
+      <p:sp>
+        <p:nvSpPr>
+          <p:cNvPr id="12" name="Textfeld 11">
+            <a:extLst>
+              <a:ext uri="{FF2B5EF4-FFF2-40B4-BE49-F238E27FC236}">
+                <a16:creationId xmlns:a16="http://schemas.microsoft.com/office/drawing/2014/main" id="{25FC5F56-76F4-5ECB-B7F6-36F9B9DDBBC3}"/>
+              </a:ext>
+            </a:extLst>
+          </p:cNvPr>
+          <p:cNvSpPr txBox="1"/>
+          <p:nvPr/>
+        </p:nvSpPr>
+        <p:spPr>
+          <a:xfrm>
+            <a:off x="2525256" y="2782500"/>
+            <a:ext cx="2421797" cy="369332"/>
+          </a:xfrm>
+          <a:prstGeom prst="rect">
+            <a:avLst/>
+          </a:prstGeom>
+          <a:noFill/>
+        </p:spPr>
+        <p:txBody>
+          <a:bodyPr wrap="square" rtlCol="0">
+            <a:spAutoFit/>
+          </a:bodyPr>
+          <a:lstStyle/>
+          <a:p>
+            <a:r>
+              <a:rPr lang="de-DE" dirty="0"/>
+              <a:t>Dimension: 4765 x 150</a:t>
+            </a:r>
+          </a:p>
+        </p:txBody>
+      </p:sp>
+      <p:sp>
+        <p:nvSpPr>
+          <p:cNvPr id="22" name="Titel 1">
+            <a:extLst>
+              <a:ext uri="{FF2B5EF4-FFF2-40B4-BE49-F238E27FC236}">
+                <a16:creationId xmlns:a16="http://schemas.microsoft.com/office/drawing/2014/main" id="{C1405740-2635-40C6-1EE7-94757BED2C3C}"/>
+              </a:ext>
+            </a:extLst>
+          </p:cNvPr>
+          <p:cNvSpPr>
+            <a:spLocks noGrp="1"/>
+          </p:cNvSpPr>
+          <p:nvPr>
+            <p:ph type="title"/>
+          </p:nvPr>
+        </p:nvSpPr>
+        <p:spPr>
+          <a:xfrm>
+            <a:off x="247650" y="142892"/>
+            <a:ext cx="6977011" cy="1325563"/>
+          </a:xfrm>
+        </p:spPr>
+        <p:txBody>
+          <a:bodyPr/>
+          <a:lstStyle/>
+          <a:p>
+            <a:pPr algn="ctr"/>
+            <a:r>
+              <a:rPr lang="de-DE" dirty="0" err="1"/>
+              <a:t>What</a:t>
+            </a:r>
+            <a:r>
+              <a:rPr lang="de-DE" dirty="0"/>
+              <a:t> </a:t>
+            </a:r>
+            <a:r>
+              <a:rPr lang="de-DE" dirty="0" err="1"/>
+              <a:t>is</a:t>
+            </a:r>
+            <a:r>
+              <a:rPr lang="de-DE" dirty="0"/>
+              <a:t> </a:t>
+            </a:r>
+            <a:r>
+              <a:rPr lang="de-DE" dirty="0" err="1"/>
+              <a:t>our</a:t>
+            </a:r>
+            <a:r>
+              <a:rPr lang="de-DE" dirty="0"/>
+              <a:t> </a:t>
+            </a:r>
+            <a:r>
+              <a:rPr lang="de-DE" dirty="0" err="1"/>
+              <a:t>data</a:t>
+            </a:r>
+            <a:r>
+              <a:rPr lang="de-DE" dirty="0"/>
+              <a:t> </a:t>
+            </a:r>
+            <a:r>
+              <a:rPr lang="de-DE" dirty="0" err="1"/>
+              <a:t>set</a:t>
+            </a:r>
+            <a:r>
+              <a:rPr lang="de-DE" dirty="0"/>
+              <a:t> </a:t>
+            </a:r>
+            <a:r>
+              <a:rPr lang="de-DE" dirty="0" err="1"/>
+              <a:t>showing</a:t>
+            </a:r>
+            <a:r>
+              <a:rPr lang="de-DE" dirty="0"/>
+              <a:t>?  </a:t>
+            </a:r>
+          </a:p>
+        </p:txBody>
+      </p:sp>
+    </p:spTree>
+    <p:extLst>
+      <p:ext uri="{BB962C8B-B14F-4D97-AF65-F5344CB8AC3E}">
         <p14:creationId xmlns:p14="http://schemas.microsoft.com/office/powerpoint/2010/main" val="2179508459"/>
       </p:ext>
     </p:extLst>
@@ -7909,6 +10679,323 @@
   <p:clrMapOvr>
     <a:masterClrMapping/>
   </p:clrMapOvr>
+  <p:timing>
+    <p:tnLst>
+      <p:par>
+        <p:cTn id="1" dur="indefinite" restart="never" nodeType="tmRoot">
+          <p:childTnLst>
+            <p:seq concurrent="1" nextAc="seek">
+              <p:cTn id="2" dur="indefinite" nodeType="mainSeq">
+                <p:childTnLst>
+                  <p:par>
+                    <p:cTn id="3" fill="hold">
+                      <p:stCondLst>
+                        <p:cond delay="indefinite"/>
+                      </p:stCondLst>
+                      <p:childTnLst>
+                        <p:par>
+                          <p:cTn id="4" fill="hold">
+                            <p:stCondLst>
+                              <p:cond delay="0"/>
+                            </p:stCondLst>
+                            <p:childTnLst>
+                              <p:par>
+                                <p:cTn id="5" presetID="1" presetClass="entr" presetSubtype="0" fill="hold" nodeType="clickEffect">
+                                  <p:stCondLst>
+                                    <p:cond delay="0"/>
+                                  </p:stCondLst>
+                                  <p:childTnLst>
+                                    <p:set>
+                                      <p:cBhvr>
+                                        <p:cTn id="6" dur="1" fill="hold">
+                                          <p:stCondLst>
+                                            <p:cond delay="0"/>
+                                          </p:stCondLst>
+                                        </p:cTn>
+                                        <p:tgtEl>
+                                          <p:spTgt spid="5"/>
+                                        </p:tgtEl>
+                                        <p:attrNameLst>
+                                          <p:attrName>style.visibility</p:attrName>
+                                        </p:attrNameLst>
+                                      </p:cBhvr>
+                                      <p:to>
+                                        <p:strVal val="visible"/>
+                                      </p:to>
+                                    </p:set>
+                                  </p:childTnLst>
+                                </p:cTn>
+                              </p:par>
+                              <p:par>
+                                <p:cTn id="7" presetID="1" presetClass="entr" presetSubtype="0" fill="hold" grpId="0" nodeType="withEffect">
+                                  <p:stCondLst>
+                                    <p:cond delay="0"/>
+                                  </p:stCondLst>
+                                  <p:childTnLst>
+                                    <p:set>
+                                      <p:cBhvr>
+                                        <p:cTn id="8" dur="1" fill="hold">
+                                          <p:stCondLst>
+                                            <p:cond delay="0"/>
+                                          </p:stCondLst>
+                                        </p:cTn>
+                                        <p:tgtEl>
+                                          <p:spTgt spid="11"/>
+                                        </p:tgtEl>
+                                        <p:attrNameLst>
+                                          <p:attrName>style.visibility</p:attrName>
+                                        </p:attrNameLst>
+                                      </p:cBhvr>
+                                      <p:to>
+                                        <p:strVal val="visible"/>
+                                      </p:to>
+                                    </p:set>
+                                  </p:childTnLst>
+                                </p:cTn>
+                              </p:par>
+                              <p:par>
+                                <p:cTn id="9" presetID="1" presetClass="entr" presetSubtype="0" fill="hold" grpId="0" nodeType="withEffect">
+                                  <p:stCondLst>
+                                    <p:cond delay="0"/>
+                                  </p:stCondLst>
+                                  <p:childTnLst>
+                                    <p:set>
+                                      <p:cBhvr>
+                                        <p:cTn id="10" dur="1" fill="hold">
+                                          <p:stCondLst>
+                                            <p:cond delay="0"/>
+                                          </p:stCondLst>
+                                        </p:cTn>
+                                        <p:tgtEl>
+                                          <p:spTgt spid="12"/>
+                                        </p:tgtEl>
+                                        <p:attrNameLst>
+                                          <p:attrName>style.visibility</p:attrName>
+                                        </p:attrNameLst>
+                                      </p:cBhvr>
+                                      <p:to>
+                                        <p:strVal val="visible"/>
+                                      </p:to>
+                                    </p:set>
+                                  </p:childTnLst>
+                                </p:cTn>
+                              </p:par>
+                              <p:par>
+                                <p:cTn id="11" presetID="1" presetClass="entr" presetSubtype="0" fill="hold" grpId="0" nodeType="withEffect">
+                                  <p:stCondLst>
+                                    <p:cond delay="0"/>
+                                  </p:stCondLst>
+                                  <p:childTnLst>
+                                    <p:set>
+                                      <p:cBhvr>
+                                        <p:cTn id="12" dur="1" fill="hold">
+                                          <p:stCondLst>
+                                            <p:cond delay="0"/>
+                                          </p:stCondLst>
+                                        </p:cTn>
+                                        <p:tgtEl>
+                                          <p:spTgt spid="10"/>
+                                        </p:tgtEl>
+                                        <p:attrNameLst>
+                                          <p:attrName>style.visibility</p:attrName>
+                                        </p:attrNameLst>
+                                      </p:cBhvr>
+                                      <p:to>
+                                        <p:strVal val="visible"/>
+                                      </p:to>
+                                    </p:set>
+                                  </p:childTnLst>
+                                </p:cTn>
+                              </p:par>
+                              <p:par>
+                                <p:cTn id="13" presetID="1" presetClass="entr" presetSubtype="0" fill="hold" nodeType="withEffect">
+                                  <p:stCondLst>
+                                    <p:cond delay="0"/>
+                                  </p:stCondLst>
+                                  <p:childTnLst>
+                                    <p:set>
+                                      <p:cBhvr>
+                                        <p:cTn id="14" dur="1" fill="hold">
+                                          <p:stCondLst>
+                                            <p:cond delay="0"/>
+                                          </p:stCondLst>
+                                        </p:cTn>
+                                        <p:tgtEl>
+                                          <p:spTgt spid="8"/>
+                                        </p:tgtEl>
+                                        <p:attrNameLst>
+                                          <p:attrName>style.visibility</p:attrName>
+                                        </p:attrNameLst>
+                                      </p:cBhvr>
+                                      <p:to>
+                                        <p:strVal val="visible"/>
+                                      </p:to>
+                                    </p:set>
+                                  </p:childTnLst>
+                                </p:cTn>
+                              </p:par>
+                            </p:childTnLst>
+                          </p:cTn>
+                        </p:par>
+                      </p:childTnLst>
+                    </p:cTn>
+                  </p:par>
+                  <p:par>
+                    <p:cTn id="15" fill="hold">
+                      <p:stCondLst>
+                        <p:cond delay="indefinite"/>
+                      </p:stCondLst>
+                      <p:childTnLst>
+                        <p:par>
+                          <p:cTn id="16" fill="hold">
+                            <p:stCondLst>
+                              <p:cond delay="0"/>
+                            </p:stCondLst>
+                            <p:childTnLst>
+                              <p:par>
+                                <p:cTn id="17" presetID="1" presetClass="entr" presetSubtype="0" fill="hold" nodeType="clickEffect">
+                                  <p:stCondLst>
+                                    <p:cond delay="0"/>
+                                  </p:stCondLst>
+                                  <p:childTnLst>
+                                    <p:set>
+                                      <p:cBhvr>
+                                        <p:cTn id="18" dur="1" fill="hold">
+                                          <p:stCondLst>
+                                            <p:cond delay="0"/>
+                                          </p:stCondLst>
+                                        </p:cTn>
+                                        <p:tgtEl>
+                                          <p:spTgt spid="3">
+                                            <p:txEl>
+                                              <p:pRg st="0" end="0"/>
+                                            </p:txEl>
+                                          </p:spTgt>
+                                        </p:tgtEl>
+                                        <p:attrNameLst>
+                                          <p:attrName>style.visibility</p:attrName>
+                                        </p:attrNameLst>
+                                      </p:cBhvr>
+                                      <p:to>
+                                        <p:strVal val="visible"/>
+                                      </p:to>
+                                    </p:set>
+                                  </p:childTnLst>
+                                </p:cTn>
+                              </p:par>
+                              <p:par>
+                                <p:cTn id="19" presetID="1" presetClass="entr" presetSubtype="0" fill="hold" nodeType="withEffect">
+                                  <p:stCondLst>
+                                    <p:cond delay="0"/>
+                                  </p:stCondLst>
+                                  <p:childTnLst>
+                                    <p:set>
+                                      <p:cBhvr>
+                                        <p:cTn id="20" dur="1" fill="hold">
+                                          <p:stCondLst>
+                                            <p:cond delay="0"/>
+                                          </p:stCondLst>
+                                        </p:cTn>
+                                        <p:tgtEl>
+                                          <p:spTgt spid="3">
+                                            <p:txEl>
+                                              <p:pRg st="2" end="2"/>
+                                            </p:txEl>
+                                          </p:spTgt>
+                                        </p:tgtEl>
+                                        <p:attrNameLst>
+                                          <p:attrName>style.visibility</p:attrName>
+                                        </p:attrNameLst>
+                                      </p:cBhvr>
+                                      <p:to>
+                                        <p:strVal val="visible"/>
+                                      </p:to>
+                                    </p:set>
+                                  </p:childTnLst>
+                                </p:cTn>
+                              </p:par>
+                            </p:childTnLst>
+                          </p:cTn>
+                        </p:par>
+                      </p:childTnLst>
+                    </p:cTn>
+                  </p:par>
+                  <p:par>
+                    <p:cTn id="21" fill="hold">
+                      <p:stCondLst>
+                        <p:cond delay="indefinite"/>
+                      </p:stCondLst>
+                      <p:childTnLst>
+                        <p:par>
+                          <p:cTn id="22" fill="hold">
+                            <p:stCondLst>
+                              <p:cond delay="0"/>
+                            </p:stCondLst>
+                            <p:childTnLst>
+                              <p:par>
+                                <p:cTn id="23" presetID="1" presetClass="entr" presetSubtype="0" fill="hold" nodeType="clickEffect">
+                                  <p:stCondLst>
+                                    <p:cond delay="0"/>
+                                  </p:stCondLst>
+                                  <p:childTnLst>
+                                    <p:set>
+                                      <p:cBhvr>
+                                        <p:cTn id="24" dur="1" fill="hold">
+                                          <p:stCondLst>
+                                            <p:cond delay="0"/>
+                                          </p:stCondLst>
+                                        </p:cTn>
+                                        <p:tgtEl>
+                                          <p:spTgt spid="3">
+                                            <p:txEl>
+                                              <p:pRg st="5" end="5"/>
+                                            </p:txEl>
+                                          </p:spTgt>
+                                        </p:tgtEl>
+                                        <p:attrNameLst>
+                                          <p:attrName>style.visibility</p:attrName>
+                                        </p:attrNameLst>
+                                      </p:cBhvr>
+                                      <p:to>
+                                        <p:strVal val="visible"/>
+                                      </p:to>
+                                    </p:set>
+                                  </p:childTnLst>
+                                </p:cTn>
+                              </p:par>
+                            </p:childTnLst>
+                          </p:cTn>
+                        </p:par>
+                      </p:childTnLst>
+                    </p:cTn>
+                  </p:par>
+                </p:childTnLst>
+              </p:cTn>
+              <p:prevCondLst>
+                <p:cond evt="onPrev" delay="0">
+                  <p:tgtEl>
+                    <p:sldTgt/>
+                  </p:tgtEl>
+                </p:cond>
+              </p:prevCondLst>
+              <p:nextCondLst>
+                <p:cond evt="onNext" delay="0">
+                  <p:tgtEl>
+                    <p:sldTgt/>
+                  </p:tgtEl>
+                </p:cond>
+              </p:nextCondLst>
+            </p:seq>
+          </p:childTnLst>
+        </p:cTn>
+      </p:par>
+    </p:tnLst>
+    <p:bldLst>
+      <p:bldP spid="10" grpId="0"/>
+      <p:bldP spid="11" grpId="0"/>
+      <p:bldP spid="12" grpId="0"/>
+    </p:bldLst>
+  </p:timing>
 </p:sld>
 </file>
 

--- a/Project Proposal Ben.pptx
+++ b/Project Proposal Ben.pptx
@@ -10700,7 +10700,7 @@
                             </p:stCondLst>
                             <p:childTnLst>
                               <p:par>
-                                <p:cTn id="5" presetID="1" presetClass="entr" presetSubtype="0" fill="hold" nodeType="clickEffect">
+                                <p:cTn id="5" presetID="1" presetClass="entr" presetSubtype="0" fill="hold" grpId="0" nodeType="clickEffect">
                                   <p:stCondLst>
                                     <p:cond delay="0"/>
                                   </p:stCondLst>
@@ -10713,7 +10713,7 @@
                                           </p:stCondLst>
                                         </p:cTn>
                                         <p:tgtEl>
-                                          <p:spTgt spid="5"/>
+                                          <p:spTgt spid="10"/>
                                         </p:tgtEl>
                                         <p:attrNameLst>
                                           <p:attrName>style.visibility</p:attrName>
@@ -10727,7 +10727,7 @@
                                 </p:cTn>
                               </p:par>
                               <p:par>
-                                <p:cTn id="7" presetID="1" presetClass="entr" presetSubtype="0" fill="hold" grpId="0" nodeType="withEffect">
+                                <p:cTn id="7" presetID="1" presetClass="entr" presetSubtype="0" fill="hold" nodeType="withEffect">
                                   <p:stCondLst>
                                     <p:cond delay="0"/>
                                   </p:stCondLst>
@@ -10740,7 +10740,7 @@
                                           </p:stCondLst>
                                         </p:cTn>
                                         <p:tgtEl>
-                                          <p:spTgt spid="11"/>
+                                          <p:spTgt spid="8"/>
                                         </p:tgtEl>
                                         <p:attrNameLst>
                                           <p:attrName>style.visibility</p:attrName>
@@ -10754,7 +10754,7 @@
                                 </p:cTn>
                               </p:par>
                               <p:par>
-                                <p:cTn id="9" presetID="1" presetClass="entr" presetSubtype="0" fill="hold" grpId="0" nodeType="withEffect">
+                                <p:cTn id="9" presetID="1" presetClass="entr" presetSubtype="0" fill="hold" nodeType="withEffect">
                                   <p:stCondLst>
                                     <p:cond delay="0"/>
                                   </p:stCondLst>
@@ -10767,7 +10767,7 @@
                                           </p:stCondLst>
                                         </p:cTn>
                                         <p:tgtEl>
-                                          <p:spTgt spid="12"/>
+                                          <p:spTgt spid="5"/>
                                         </p:tgtEl>
                                         <p:attrNameLst>
                                           <p:attrName>style.visibility</p:attrName>
@@ -10794,7 +10794,7 @@
                                           </p:stCondLst>
                                         </p:cTn>
                                         <p:tgtEl>
-                                          <p:spTgt spid="10"/>
+                                          <p:spTgt spid="11"/>
                                         </p:tgtEl>
                                         <p:attrNameLst>
                                           <p:attrName>style.visibility</p:attrName>
@@ -10808,7 +10808,7 @@
                                 </p:cTn>
                               </p:par>
                               <p:par>
-                                <p:cTn id="13" presetID="1" presetClass="entr" presetSubtype="0" fill="hold" nodeType="withEffect">
+                                <p:cTn id="13" presetID="1" presetClass="entr" presetSubtype="0" fill="hold" grpId="0" nodeType="withEffect">
                                   <p:stCondLst>
                                     <p:cond delay="0"/>
                                   </p:stCondLst>
@@ -10821,7 +10821,7 @@
                                           </p:stCondLst>
                                         </p:cTn>
                                         <p:tgtEl>
-                                          <p:spTgt spid="8"/>
+                                          <p:spTgt spid="12"/>
                                         </p:tgtEl>
                                         <p:attrNameLst>
                                           <p:attrName>style.visibility</p:attrName>
@@ -10883,15 +10883,33 @@
                                   </p:childTnLst>
                                 </p:cTn>
                               </p:par>
+                            </p:childTnLst>
+                          </p:cTn>
+                        </p:par>
+                      </p:childTnLst>
+                    </p:cTn>
+                  </p:par>
+                  <p:par>
+                    <p:cTn id="19" fill="hold">
+                      <p:stCondLst>
+                        <p:cond delay="indefinite"/>
+                      </p:stCondLst>
+                      <p:childTnLst>
+                        <p:par>
+                          <p:cTn id="20" fill="hold">
+                            <p:stCondLst>
+                              <p:cond delay="0"/>
+                            </p:stCondLst>
+                            <p:childTnLst>
                               <p:par>
-                                <p:cTn id="19" presetID="1" presetClass="entr" presetSubtype="0" fill="hold" nodeType="withEffect">
+                                <p:cTn id="21" presetID="1" presetClass="entr" presetSubtype="0" fill="hold" nodeType="clickEffect">
                                   <p:stCondLst>
                                     <p:cond delay="0"/>
                                   </p:stCondLst>
                                   <p:childTnLst>
                                     <p:set>
                                       <p:cBhvr>
-                                        <p:cTn id="20" dur="1" fill="hold">
+                                        <p:cTn id="22" dur="1" fill="hold">
                                           <p:stCondLst>
                                             <p:cond delay="0"/>
                                           </p:stCondLst>
@@ -10921,26 +10939,26 @@
                     </p:cTn>
                   </p:par>
                   <p:par>
-                    <p:cTn id="21" fill="hold">
+                    <p:cTn id="23" fill="hold">
                       <p:stCondLst>
                         <p:cond delay="indefinite"/>
                       </p:stCondLst>
                       <p:childTnLst>
                         <p:par>
-                          <p:cTn id="22" fill="hold">
+                          <p:cTn id="24" fill="hold">
                             <p:stCondLst>
                               <p:cond delay="0"/>
                             </p:stCondLst>
                             <p:childTnLst>
                               <p:par>
-                                <p:cTn id="23" presetID="1" presetClass="entr" presetSubtype="0" fill="hold" nodeType="clickEffect">
+                                <p:cTn id="25" presetID="1" presetClass="entr" presetSubtype="0" fill="hold" nodeType="clickEffect">
                                   <p:stCondLst>
                                     <p:cond delay="0"/>
                                   </p:stCondLst>
                                   <p:childTnLst>
                                     <p:set>
                                       <p:cBhvr>
-                                        <p:cTn id="24" dur="1" fill="hold">
+                                        <p:cTn id="26" dur="1" fill="hold">
                                           <p:stCondLst>
                                             <p:cond delay="0"/>
                                           </p:stCondLst>

--- a/Project Proposal Ben.pptx
+++ b/Project Proposal Ben.pptx
@@ -9638,7 +9638,7 @@
         <p:spPr>
           <a:xfrm>
             <a:off x="7506393" y="4409486"/>
-            <a:ext cx="3856795" cy="1877437"/>
+            <a:ext cx="3482565" cy="1877437"/>
           </a:xfrm>
           <a:prstGeom prst="rect">
             <a:avLst/>

--- a/Project Proposal Ben.pptx
+++ b/Project Proposal Ben.pptx
@@ -18,9 +18,9 @@
     <p:sldId id="268" r:id="rId12"/>
     <p:sldId id="269" r:id="rId13"/>
     <p:sldId id="257" r:id="rId14"/>
-    <p:sldId id="258" r:id="rId15"/>
-    <p:sldId id="272" r:id="rId16"/>
-    <p:sldId id="273" r:id="rId17"/>
+    <p:sldId id="275" r:id="rId15"/>
+    <p:sldId id="276" r:id="rId16"/>
+    <p:sldId id="277" r:id="rId17"/>
     <p:sldId id="274" r:id="rId18"/>
   </p:sldIdLst>
   <p:sldSz cx="12192000" cy="6858000"/>
@@ -4941,7 +4941,13 @@
   <p:cSld>
     <p:spTree>
       <p:nvGrpSpPr>
-        <p:cNvPr id="1" name=""/>
+        <p:cNvPr id="1" name="">
+          <a:extLst>
+            <a:ext uri="{FF2B5EF4-FFF2-40B4-BE49-F238E27FC236}">
+              <a16:creationId xmlns:a16="http://schemas.microsoft.com/office/drawing/2014/main" id="{5A1E19BD-E22C-B919-86AF-426925AFC208}"/>
+            </a:ext>
+          </a:extLst>
+        </p:cNvPr>
         <p:cNvGrpSpPr/>
         <p:nvPr/>
       </p:nvGrpSpPr>
@@ -4953,12 +4959,48 @@
           <a:chExt cx="0" cy="0"/>
         </a:xfrm>
       </p:grpSpPr>
+      <p:pic>
+        <p:nvPicPr>
+          <p:cNvPr id="4" name="Grafik 3" descr="Ein Bild, das Text, Diagramm, Screenshot, Design enthält.&#10;&#10;KI-generierte Inhalte können fehlerhaft sein.">
+            <a:extLst>
+              <a:ext uri="{FF2B5EF4-FFF2-40B4-BE49-F238E27FC236}">
+                <a16:creationId xmlns:a16="http://schemas.microsoft.com/office/drawing/2014/main" id="{5FAD5CB3-9B28-159F-4E92-819E1B568130}"/>
+              </a:ext>
+            </a:extLst>
+          </p:cNvPr>
+          <p:cNvPicPr>
+            <a:picLocks noChangeAspect="1"/>
+          </p:cNvPicPr>
+          <p:nvPr/>
+        </p:nvPicPr>
+        <p:blipFill>
+          <a:blip r:embed="rId2">
+            <a:extLst>
+              <a:ext uri="{28A0092B-C50C-407E-A947-70E740481C1C}">
+                <a14:useLocalDpi xmlns:a14="http://schemas.microsoft.com/office/drawing/2010/main" val="0"/>
+              </a:ext>
+            </a:extLst>
+          </a:blip>
+          <a:stretch>
+            <a:fillRect/>
+          </a:stretch>
+        </p:blipFill>
+        <p:spPr>
+          <a:xfrm>
+            <a:off x="5309419" y="1332657"/>
+            <a:ext cx="6728673" cy="4053130"/>
+          </a:xfrm>
+          <a:prstGeom prst="rect">
+            <a:avLst/>
+          </a:prstGeom>
+        </p:spPr>
+      </p:pic>
       <p:sp>
         <p:nvSpPr>
-          <p:cNvPr id="2" name="Title 1">
-            <a:extLst>
-              <a:ext uri="{FF2B5EF4-FFF2-40B4-BE49-F238E27FC236}">
-                <a16:creationId xmlns:a16="http://schemas.microsoft.com/office/drawing/2014/main" id="{C6304AB4-B326-0B6D-4726-0772130CE670}"/>
+          <p:cNvPr id="2" name="Titel 1">
+            <a:extLst>
+              <a:ext uri="{FF2B5EF4-FFF2-40B4-BE49-F238E27FC236}">
+                <a16:creationId xmlns:a16="http://schemas.microsoft.com/office/drawing/2014/main" id="{B3D0D20E-A5CC-7786-E838-84BD4C07E723}"/>
               </a:ext>
             </a:extLst>
           </p:cNvPr>
@@ -4971,8 +5013,8 @@
         </p:nvSpPr>
         <p:spPr>
           <a:xfrm>
-            <a:off x="838200" y="0"/>
-            <a:ext cx="10515600" cy="1325563"/>
+            <a:off x="247650" y="142892"/>
+            <a:ext cx="4418091" cy="1325563"/>
           </a:xfrm>
         </p:spPr>
         <p:txBody>
@@ -4981,366 +5023,338 @@
           <a:p>
             <a:pPr algn="ctr"/>
             <a:r>
-              <a:rPr lang="en-GB" noProof="0" dirty="0"/>
-              <a:t> RNA dependence (R-</a:t>
-            </a:r>
-            <a:r>
-              <a:rPr lang="en-GB" noProof="0" dirty="0" err="1"/>
+              <a:rPr lang="de-DE" dirty="0"/>
+              <a:t>R-</a:t>
+            </a:r>
+            <a:r>
+              <a:rPr lang="de-DE" dirty="0" err="1"/>
               <a:t>DeeP</a:t>
             </a:r>
             <a:r>
-              <a:rPr lang="en-GB" noProof="0" dirty="0"/>
-              <a:t>)</a:t>
-            </a:r>
-          </a:p>
-        </p:txBody>
-      </p:sp>
-      <p:pic>
-        <p:nvPicPr>
-          <p:cNvPr id="3" name="Picture 2" descr="A diagram of a test&#10;&#10;AI-generated content may be incorrect.">
-            <a:extLst>
-              <a:ext uri="{FF2B5EF4-FFF2-40B4-BE49-F238E27FC236}">
-                <a16:creationId xmlns:a16="http://schemas.microsoft.com/office/drawing/2014/main" id="{95073083-A2F9-8DCF-393C-27F4178F0C3C}"/>
-              </a:ext>
-            </a:extLst>
-          </p:cNvPr>
-          <p:cNvPicPr>
-            <a:picLocks noChangeAspect="1"/>
-          </p:cNvPicPr>
-          <p:nvPr/>
-        </p:nvPicPr>
-        <p:blipFill>
-          <a:blip r:embed="rId2">
-            <a:extLst>
-              <a:ext uri="{28A0092B-C50C-407E-A947-70E740481C1C}">
-                <a14:useLocalDpi xmlns:a14="http://schemas.microsoft.com/office/drawing/2010/main" val="0"/>
-              </a:ext>
-            </a:extLst>
-          </a:blip>
-          <a:srcRect l="7844"/>
-          <a:stretch/>
-        </p:blipFill>
-        <p:spPr>
-          <a:xfrm>
-            <a:off x="777592" y="1121432"/>
-            <a:ext cx="4029365" cy="5655407"/>
-          </a:xfrm>
-          <a:prstGeom prst="rect">
-            <a:avLst/>
-          </a:prstGeom>
-        </p:spPr>
-      </p:pic>
-      <p:sp>
-        <p:nvSpPr>
-          <p:cNvPr id="12" name="Rectangle 11">
-            <a:extLst>
-              <a:ext uri="{FF2B5EF4-FFF2-40B4-BE49-F238E27FC236}">
-                <a16:creationId xmlns:a16="http://schemas.microsoft.com/office/drawing/2014/main" id="{6F990B62-9FEE-716F-3E04-BB7921195EE1}"/>
-              </a:ext>
-            </a:extLst>
-          </p:cNvPr>
-          <p:cNvSpPr/>
-          <p:nvPr/>
-        </p:nvSpPr>
-        <p:spPr>
-          <a:xfrm>
-            <a:off x="711200" y="2345267"/>
-            <a:ext cx="4096404" cy="1325563"/>
-          </a:xfrm>
-          <a:prstGeom prst="rect">
-            <a:avLst/>
-          </a:prstGeom>
-          <a:solidFill>
-            <a:schemeClr val="bg1"/>
-          </a:solidFill>
-          <a:ln>
-            <a:solidFill>
-              <a:schemeClr val="bg1"/>
-            </a:solidFill>
-          </a:ln>
-        </p:spPr>
-        <p:style>
-          <a:lnRef idx="2">
-            <a:schemeClr val="accent1">
-              <a:shade val="15000"/>
-            </a:schemeClr>
-          </a:lnRef>
-          <a:fillRef idx="1">
-            <a:schemeClr val="accent1"/>
-          </a:fillRef>
-          <a:effectRef idx="0">
-            <a:schemeClr val="accent1"/>
-          </a:effectRef>
-          <a:fontRef idx="minor">
-            <a:schemeClr val="lt1"/>
-          </a:fontRef>
-        </p:style>
-        <p:txBody>
-          <a:bodyPr rtlCol="0" anchor="ctr"/>
-          <a:lstStyle/>
-          <a:p>
-            <a:pPr algn="ctr"/>
-            <a:endParaRPr lang="en-GB" noProof="0" dirty="0"/>
+              <a:rPr lang="de-DE" dirty="0"/>
+              <a:t> – </a:t>
+            </a:r>
+            <a:r>
+              <a:rPr lang="de-DE" dirty="0" err="1"/>
+              <a:t>Principle</a:t>
+            </a:r>
+            <a:r>
+              <a:rPr lang="de-DE" dirty="0"/>
+              <a:t> </a:t>
+            </a:r>
           </a:p>
         </p:txBody>
       </p:sp>
       <p:sp>
         <p:nvSpPr>
-          <p:cNvPr id="13" name="Rectangle 12">
-            <a:extLst>
-              <a:ext uri="{FF2B5EF4-FFF2-40B4-BE49-F238E27FC236}">
-                <a16:creationId xmlns:a16="http://schemas.microsoft.com/office/drawing/2014/main" id="{B39F0292-D992-A670-8F46-535602D574AA}"/>
-              </a:ext>
-            </a:extLst>
-          </p:cNvPr>
-          <p:cNvSpPr/>
-          <p:nvPr/>
+          <p:cNvPr id="3" name="Inhaltsplatzhalter 2">
+            <a:extLst>
+              <a:ext uri="{FF2B5EF4-FFF2-40B4-BE49-F238E27FC236}">
+                <a16:creationId xmlns:a16="http://schemas.microsoft.com/office/drawing/2014/main" id="{58FE83EE-A0BE-725F-A59E-D999BE19910B}"/>
+              </a:ext>
+            </a:extLst>
+          </p:cNvPr>
+          <p:cNvSpPr>
+            <a:spLocks noGrp="1"/>
+          </p:cNvSpPr>
+          <p:nvPr>
+            <p:ph idx="1"/>
+          </p:nvPr>
         </p:nvSpPr>
         <p:spPr>
           <a:xfrm>
-            <a:off x="711200" y="3598333"/>
-            <a:ext cx="2921000" cy="1398060"/>
+            <a:off x="316872" y="1863523"/>
+            <a:ext cx="4992547" cy="3255098"/>
           </a:xfrm>
-          <a:prstGeom prst="rect">
-            <a:avLst/>
-          </a:prstGeom>
-          <a:solidFill>
-            <a:schemeClr val="bg1"/>
-          </a:solidFill>
-          <a:ln>
-            <a:solidFill>
-              <a:schemeClr val="bg1"/>
-            </a:solidFill>
-          </a:ln>
         </p:spPr>
-        <p:style>
-          <a:lnRef idx="2">
-            <a:schemeClr val="accent1">
-              <a:shade val="15000"/>
-            </a:schemeClr>
-          </a:lnRef>
-          <a:fillRef idx="1">
-            <a:schemeClr val="accent1"/>
-          </a:fillRef>
-          <a:effectRef idx="0">
-            <a:schemeClr val="accent1"/>
-          </a:effectRef>
-          <a:fontRef idx="minor">
-            <a:schemeClr val="lt1"/>
-          </a:fontRef>
-        </p:style>
         <p:txBody>
-          <a:bodyPr rtlCol="0" anchor="ctr"/>
+          <a:bodyPr>
+            <a:noAutofit/>
+          </a:bodyPr>
           <a:lstStyle/>
           <a:p>
-            <a:pPr algn="ctr"/>
-            <a:endParaRPr lang="en-GB" noProof="0" dirty="0"/>
+            <a:pPr>
+              <a:lnSpc>
+                <a:spcPct val="120000"/>
+              </a:lnSpc>
+            </a:pPr>
+            <a:r>
+              <a:rPr lang="de-DE" sz="2000" dirty="0">
+                <a:sym typeface="Wingdings" panose="05000000000000000000" pitchFamily="2" charset="2"/>
+              </a:rPr>
+              <a:t>RNA </a:t>
+            </a:r>
+            <a:r>
+              <a:rPr lang="de-DE" sz="2000" dirty="0" err="1">
+                <a:sym typeface="Wingdings" panose="05000000000000000000" pitchFamily="2" charset="2"/>
+              </a:rPr>
+              <a:t>degradation</a:t>
+            </a:r>
+            <a:r>
+              <a:rPr lang="de-DE" sz="2000" dirty="0">
+                <a:sym typeface="Wingdings" panose="05000000000000000000" pitchFamily="2" charset="2"/>
+              </a:rPr>
+              <a:t> </a:t>
+            </a:r>
+            <a:r>
+              <a:rPr lang="de-DE" sz="2000" dirty="0" err="1">
+                <a:sym typeface="Wingdings" panose="05000000000000000000" pitchFamily="2" charset="2"/>
+              </a:rPr>
+              <a:t>leads</a:t>
+            </a:r>
+            <a:r>
+              <a:rPr lang="de-DE" sz="2000" dirty="0">
+                <a:sym typeface="Wingdings" panose="05000000000000000000" pitchFamily="2" charset="2"/>
+              </a:rPr>
+              <a:t> </a:t>
+            </a:r>
+            <a:r>
+              <a:rPr lang="de-DE" sz="2000" dirty="0" err="1">
+                <a:sym typeface="Wingdings" panose="05000000000000000000" pitchFamily="2" charset="2"/>
+              </a:rPr>
+              <a:t>to</a:t>
+            </a:r>
+            <a:r>
+              <a:rPr lang="de-DE" sz="2000" dirty="0">
+                <a:sym typeface="Wingdings" panose="05000000000000000000" pitchFamily="2" charset="2"/>
+              </a:rPr>
+              <a:t> </a:t>
+            </a:r>
+            <a:r>
+              <a:rPr lang="de-DE" sz="2000" dirty="0" err="1">
+                <a:sym typeface="Wingdings" panose="05000000000000000000" pitchFamily="2" charset="2"/>
+              </a:rPr>
+              <a:t>dissolved</a:t>
+            </a:r>
+            <a:r>
+              <a:rPr lang="de-DE" sz="2000" dirty="0">
+                <a:sym typeface="Wingdings" panose="05000000000000000000" pitchFamily="2" charset="2"/>
+              </a:rPr>
+              <a:t> RNP-</a:t>
+            </a:r>
+            <a:r>
+              <a:rPr lang="de-DE" sz="2000" dirty="0" err="1">
+                <a:sym typeface="Wingdings" panose="05000000000000000000" pitchFamily="2" charset="2"/>
+              </a:rPr>
+              <a:t>complexes</a:t>
+            </a:r>
+            <a:r>
+              <a:rPr lang="de-DE" sz="2000" dirty="0">
+                <a:sym typeface="Wingdings" panose="05000000000000000000" pitchFamily="2" charset="2"/>
+              </a:rPr>
+              <a:t> </a:t>
+            </a:r>
+          </a:p>
+          <a:p>
+            <a:pPr marL="0" indent="0">
+              <a:lnSpc>
+                <a:spcPct val="120000"/>
+              </a:lnSpc>
+              <a:buNone/>
+            </a:pPr>
+            <a:endParaRPr lang="de-DE" sz="800" dirty="0">
+              <a:sym typeface="Wingdings" panose="05000000000000000000" pitchFamily="2" charset="2"/>
+            </a:endParaRPr>
+          </a:p>
+          <a:p>
+            <a:pPr>
+              <a:lnSpc>
+                <a:spcPct val="120000"/>
+              </a:lnSpc>
+            </a:pPr>
+            <a:r>
+              <a:rPr lang="de-DE" sz="2000" dirty="0" err="1">
+                <a:sym typeface="Wingdings" panose="05000000000000000000" pitchFamily="2" charset="2"/>
+              </a:rPr>
+              <a:t>Released</a:t>
+            </a:r>
+            <a:r>
+              <a:rPr lang="de-DE" sz="2000" dirty="0">
+                <a:sym typeface="Wingdings" panose="05000000000000000000" pitchFamily="2" charset="2"/>
+              </a:rPr>
+              <a:t> </a:t>
+            </a:r>
+            <a:r>
+              <a:rPr lang="de-DE" sz="2000" dirty="0" err="1">
+                <a:sym typeface="Wingdings" panose="05000000000000000000" pitchFamily="2" charset="2"/>
+              </a:rPr>
+              <a:t>proteins</a:t>
+            </a:r>
+            <a:r>
+              <a:rPr lang="de-DE" sz="2000" dirty="0">
+                <a:sym typeface="Wingdings" panose="05000000000000000000" pitchFamily="2" charset="2"/>
+              </a:rPr>
+              <a:t> </a:t>
+            </a:r>
+            <a:r>
+              <a:rPr lang="de-DE" sz="2000" dirty="0" err="1">
+                <a:sym typeface="Wingdings" panose="05000000000000000000" pitchFamily="2" charset="2"/>
+              </a:rPr>
+              <a:t>migrate</a:t>
+            </a:r>
+            <a:r>
+              <a:rPr lang="de-DE" sz="2000" dirty="0">
+                <a:sym typeface="Wingdings" panose="05000000000000000000" pitchFamily="2" charset="2"/>
+              </a:rPr>
+              <a:t> </a:t>
+            </a:r>
+            <a:r>
+              <a:rPr lang="de-DE" sz="2000" dirty="0" err="1">
+                <a:sym typeface="Wingdings" panose="05000000000000000000" pitchFamily="2" charset="2"/>
+              </a:rPr>
+              <a:t>into</a:t>
+            </a:r>
+            <a:r>
+              <a:rPr lang="de-DE" sz="2000" dirty="0">
+                <a:sym typeface="Wingdings" panose="05000000000000000000" pitchFamily="2" charset="2"/>
+              </a:rPr>
+              <a:t> different </a:t>
+            </a:r>
+            <a:br>
+              <a:rPr lang="de-DE" sz="2000" dirty="0">
+                <a:sym typeface="Wingdings" panose="05000000000000000000" pitchFamily="2" charset="2"/>
+              </a:rPr>
+            </a:br>
+            <a:r>
+              <a:rPr lang="de-DE" sz="2000" dirty="0" err="1">
+                <a:sym typeface="Wingdings" panose="05000000000000000000" pitchFamily="2" charset="2"/>
+              </a:rPr>
+              <a:t>density</a:t>
+            </a:r>
+            <a:r>
+              <a:rPr lang="de-DE" sz="2000" dirty="0">
+                <a:sym typeface="Wingdings" panose="05000000000000000000" pitchFamily="2" charset="2"/>
+              </a:rPr>
+              <a:t> </a:t>
+            </a:r>
+            <a:r>
+              <a:rPr lang="de-DE" sz="2000" dirty="0" err="1">
+                <a:sym typeface="Wingdings" panose="05000000000000000000" pitchFamily="2" charset="2"/>
+              </a:rPr>
+              <a:t>fractions</a:t>
+            </a:r>
+            <a:r>
+              <a:rPr lang="de-DE" sz="2000" dirty="0">
+                <a:sym typeface="Wingdings" panose="05000000000000000000" pitchFamily="2" charset="2"/>
+              </a:rPr>
+              <a:t> </a:t>
+            </a:r>
+          </a:p>
+          <a:p>
+            <a:pPr marL="0" indent="0">
+              <a:lnSpc>
+                <a:spcPct val="120000"/>
+              </a:lnSpc>
+              <a:buNone/>
+            </a:pPr>
+            <a:endParaRPr lang="de-DE" sz="800" dirty="0"/>
+          </a:p>
+          <a:p>
+            <a:pPr>
+              <a:lnSpc>
+                <a:spcPct val="120000"/>
+              </a:lnSpc>
+            </a:pPr>
+            <a:r>
+              <a:rPr lang="de-DE" sz="2000" dirty="0" err="1">
+                <a:sym typeface="Wingdings" panose="05000000000000000000" pitchFamily="2" charset="2"/>
+              </a:rPr>
+              <a:t>Quantity</a:t>
+            </a:r>
+            <a:r>
+              <a:rPr lang="de-DE" sz="2000" dirty="0">
+                <a:sym typeface="Wingdings" panose="05000000000000000000" pitchFamily="2" charset="2"/>
+              </a:rPr>
+              <a:t> </a:t>
+            </a:r>
+            <a:r>
+              <a:rPr lang="de-DE" sz="2000" dirty="0" err="1">
+                <a:sym typeface="Wingdings" panose="05000000000000000000" pitchFamily="2" charset="2"/>
+              </a:rPr>
+              <a:t>of</a:t>
+            </a:r>
+            <a:r>
+              <a:rPr lang="de-DE" sz="2000" dirty="0">
+                <a:sym typeface="Wingdings" panose="05000000000000000000" pitchFamily="2" charset="2"/>
+              </a:rPr>
+              <a:t> </a:t>
+            </a:r>
+            <a:r>
+              <a:rPr lang="de-DE" sz="2000" dirty="0" err="1">
+                <a:sym typeface="Wingdings" panose="05000000000000000000" pitchFamily="2" charset="2"/>
+              </a:rPr>
+              <a:t>peptides</a:t>
+            </a:r>
+            <a:r>
+              <a:rPr lang="de-DE" sz="2000" dirty="0">
+                <a:sym typeface="Wingdings" panose="05000000000000000000" pitchFamily="2" charset="2"/>
+              </a:rPr>
+              <a:t> in </a:t>
+            </a:r>
+            <a:r>
+              <a:rPr lang="de-DE" sz="2000" dirty="0" err="1">
+                <a:sym typeface="Wingdings" panose="05000000000000000000" pitchFamily="2" charset="2"/>
+              </a:rPr>
+              <a:t>the</a:t>
+            </a:r>
+            <a:r>
+              <a:rPr lang="de-DE" sz="2000" dirty="0">
+                <a:sym typeface="Wingdings" panose="05000000000000000000" pitchFamily="2" charset="2"/>
+              </a:rPr>
+              <a:t> different </a:t>
+            </a:r>
+            <a:r>
+              <a:rPr lang="de-DE" sz="2000" dirty="0" err="1">
+                <a:sym typeface="Wingdings" panose="05000000000000000000" pitchFamily="2" charset="2"/>
+              </a:rPr>
+              <a:t>density</a:t>
+            </a:r>
+            <a:r>
+              <a:rPr lang="de-DE" sz="2000" dirty="0">
+                <a:sym typeface="Wingdings" panose="05000000000000000000" pitchFamily="2" charset="2"/>
+              </a:rPr>
+              <a:t> </a:t>
+            </a:r>
+            <a:r>
+              <a:rPr lang="de-DE" sz="2000" dirty="0" err="1">
+                <a:sym typeface="Wingdings" panose="05000000000000000000" pitchFamily="2" charset="2"/>
+              </a:rPr>
+              <a:t>fractions</a:t>
+            </a:r>
+            <a:r>
+              <a:rPr lang="de-DE" sz="2000" dirty="0">
+                <a:sym typeface="Wingdings" panose="05000000000000000000" pitchFamily="2" charset="2"/>
+              </a:rPr>
+              <a:t> </a:t>
+            </a:r>
+            <a:r>
+              <a:rPr lang="de-DE" sz="2000" dirty="0" err="1">
+                <a:sym typeface="Wingdings" panose="05000000000000000000" pitchFamily="2" charset="2"/>
+              </a:rPr>
+              <a:t>is</a:t>
+            </a:r>
+            <a:r>
+              <a:rPr lang="de-DE" sz="2000" dirty="0">
+                <a:sym typeface="Wingdings" panose="05000000000000000000" pitchFamily="2" charset="2"/>
+              </a:rPr>
+              <a:t> </a:t>
+            </a:r>
+            <a:r>
+              <a:rPr lang="de-DE" sz="2000" dirty="0" err="1">
+                <a:sym typeface="Wingdings" panose="05000000000000000000" pitchFamily="2" charset="2"/>
+              </a:rPr>
+              <a:t>analyzed</a:t>
+            </a:r>
+            <a:endParaRPr lang="de-DE" sz="2000" dirty="0"/>
           </a:p>
         </p:txBody>
       </p:sp>
       <p:sp>
         <p:nvSpPr>
-          <p:cNvPr id="14" name="Rectangle 13">
-            <a:extLst>
-              <a:ext uri="{FF2B5EF4-FFF2-40B4-BE49-F238E27FC236}">
-                <a16:creationId xmlns:a16="http://schemas.microsoft.com/office/drawing/2014/main" id="{EE131102-0FDB-07B2-568F-487BC45D0C46}"/>
-              </a:ext>
-            </a:extLst>
-          </p:cNvPr>
-          <p:cNvSpPr/>
-          <p:nvPr/>
-        </p:nvSpPr>
-        <p:spPr>
-          <a:xfrm>
-            <a:off x="3632199" y="3598333"/>
-            <a:ext cx="1242443" cy="1398060"/>
-          </a:xfrm>
-          <a:prstGeom prst="rect">
-            <a:avLst/>
-          </a:prstGeom>
-          <a:solidFill>
-            <a:schemeClr val="bg1"/>
-          </a:solidFill>
-          <a:ln>
-            <a:solidFill>
-              <a:schemeClr val="bg1"/>
-            </a:solidFill>
-          </a:ln>
-        </p:spPr>
-        <p:style>
-          <a:lnRef idx="2">
-            <a:schemeClr val="accent1">
-              <a:shade val="15000"/>
-            </a:schemeClr>
-          </a:lnRef>
-          <a:fillRef idx="1">
-            <a:schemeClr val="accent1"/>
-          </a:fillRef>
-          <a:effectRef idx="0">
-            <a:schemeClr val="accent1"/>
-          </a:effectRef>
-          <a:fontRef idx="minor">
-            <a:schemeClr val="lt1"/>
-          </a:fontRef>
-        </p:style>
-        <p:txBody>
-          <a:bodyPr rtlCol="0" anchor="ctr"/>
-          <a:lstStyle/>
-          <a:p>
-            <a:pPr algn="ctr"/>
-            <a:endParaRPr lang="en-GB" noProof="0" dirty="0"/>
-          </a:p>
-        </p:txBody>
-      </p:sp>
-      <p:sp>
-        <p:nvSpPr>
-          <p:cNvPr id="15" name="Rectangle 14">
-            <a:extLst>
-              <a:ext uri="{FF2B5EF4-FFF2-40B4-BE49-F238E27FC236}">
-                <a16:creationId xmlns:a16="http://schemas.microsoft.com/office/drawing/2014/main" id="{A6EC400D-174F-8729-203B-9B2F36E77A7D}"/>
-              </a:ext>
-            </a:extLst>
-          </p:cNvPr>
-          <p:cNvSpPr/>
-          <p:nvPr/>
-        </p:nvSpPr>
-        <p:spPr>
-          <a:xfrm>
-            <a:off x="711200" y="4979460"/>
-            <a:ext cx="1964267" cy="1790277"/>
-          </a:xfrm>
-          <a:prstGeom prst="rect">
-            <a:avLst/>
-          </a:prstGeom>
-          <a:solidFill>
-            <a:schemeClr val="bg1"/>
-          </a:solidFill>
-          <a:ln>
-            <a:solidFill>
-              <a:schemeClr val="bg1"/>
-            </a:solidFill>
-          </a:ln>
-        </p:spPr>
-        <p:style>
-          <a:lnRef idx="2">
-            <a:schemeClr val="accent1">
-              <a:shade val="15000"/>
-            </a:schemeClr>
-          </a:lnRef>
-          <a:fillRef idx="1">
-            <a:schemeClr val="accent1"/>
-          </a:fillRef>
-          <a:effectRef idx="0">
-            <a:schemeClr val="accent1"/>
-          </a:effectRef>
-          <a:fontRef idx="minor">
-            <a:schemeClr val="lt1"/>
-          </a:fontRef>
-        </p:style>
-        <p:txBody>
-          <a:bodyPr rtlCol="0" anchor="ctr"/>
-          <a:lstStyle/>
-          <a:p>
-            <a:pPr algn="ctr"/>
-            <a:endParaRPr lang="en-GB" noProof="0" dirty="0"/>
-          </a:p>
-        </p:txBody>
-      </p:sp>
-      <p:sp>
-        <p:nvSpPr>
-          <p:cNvPr id="16" name="Rectangle 15">
-            <a:extLst>
-              <a:ext uri="{FF2B5EF4-FFF2-40B4-BE49-F238E27FC236}">
-                <a16:creationId xmlns:a16="http://schemas.microsoft.com/office/drawing/2014/main" id="{E4AE6425-89AA-E30E-3BDC-BD51BB4DD527}"/>
-              </a:ext>
-            </a:extLst>
-          </p:cNvPr>
-          <p:cNvSpPr/>
-          <p:nvPr/>
-        </p:nvSpPr>
-        <p:spPr>
-          <a:xfrm>
-            <a:off x="2675467" y="4923897"/>
-            <a:ext cx="2526568" cy="1862774"/>
-          </a:xfrm>
-          <a:prstGeom prst="rect">
-            <a:avLst/>
-          </a:prstGeom>
-          <a:solidFill>
-            <a:schemeClr val="bg1"/>
-          </a:solidFill>
-          <a:ln>
-            <a:solidFill>
-              <a:schemeClr val="bg1"/>
-            </a:solidFill>
-          </a:ln>
-        </p:spPr>
-        <p:style>
-          <a:lnRef idx="2">
-            <a:schemeClr val="accent1">
-              <a:shade val="15000"/>
-            </a:schemeClr>
-          </a:lnRef>
-          <a:fillRef idx="1">
-            <a:schemeClr val="accent1"/>
-          </a:fillRef>
-          <a:effectRef idx="0">
-            <a:schemeClr val="accent1"/>
-          </a:effectRef>
-          <a:fontRef idx="minor">
-            <a:schemeClr val="lt1"/>
-          </a:fontRef>
-        </p:style>
-        <p:txBody>
-          <a:bodyPr rtlCol="0" anchor="ctr"/>
-          <a:lstStyle/>
-          <a:p>
-            <a:pPr algn="ctr"/>
-            <a:endParaRPr lang="en-GB" noProof="0" dirty="0"/>
-          </a:p>
-        </p:txBody>
-      </p:sp>
-      <p:pic>
-        <p:nvPicPr>
-          <p:cNvPr id="18" name="Picture 17" descr="A graph of a number of fractions&#10;&#10;AI-generated content may be incorrect.">
-            <a:extLst>
-              <a:ext uri="{FF2B5EF4-FFF2-40B4-BE49-F238E27FC236}">
-                <a16:creationId xmlns:a16="http://schemas.microsoft.com/office/drawing/2014/main" id="{30AEE9BE-E700-106B-9549-4232FF8EE917}"/>
-              </a:ext>
-            </a:extLst>
-          </p:cNvPr>
-          <p:cNvPicPr>
-            <a:picLocks noChangeAspect="1"/>
-          </p:cNvPicPr>
-          <p:nvPr/>
-        </p:nvPicPr>
-        <p:blipFill>
-          <a:blip r:embed="rId3">
-            <a:extLst>
-              <a:ext uri="{28A0092B-C50C-407E-A947-70E740481C1C}">
-                <a14:useLocalDpi xmlns:a14="http://schemas.microsoft.com/office/drawing/2010/main" val="0"/>
-              </a:ext>
-            </a:extLst>
-          </a:blip>
-          <a:srcRect l="1926" t="911" r="557" b="3086"/>
-          <a:stretch/>
-        </p:blipFill>
-        <p:spPr>
-          <a:xfrm>
-            <a:off x="5596467" y="1599095"/>
-            <a:ext cx="6090388" cy="4143470"/>
-          </a:xfrm>
-          <a:prstGeom prst="rect">
-            <a:avLst/>
-          </a:prstGeom>
-        </p:spPr>
-      </p:pic>
-      <p:sp>
-        <p:nvSpPr>
-          <p:cNvPr id="19" name="TextBox 18">
-            <a:extLst>
-              <a:ext uri="{FF2B5EF4-FFF2-40B4-BE49-F238E27FC236}">
-                <a16:creationId xmlns:a16="http://schemas.microsoft.com/office/drawing/2014/main" id="{E166E2DB-F762-2FE8-FD5C-F79BF75C793C}"/>
+          <p:cNvPr id="12" name="Textfeld 11">
+            <a:extLst>
+              <a:ext uri="{FF2B5EF4-FFF2-40B4-BE49-F238E27FC236}">
+                <a16:creationId xmlns:a16="http://schemas.microsoft.com/office/drawing/2014/main" id="{A9CD41F9-C6EC-5722-6546-953B43679807}"/>
               </a:ext>
             </a:extLst>
           </p:cNvPr>
@@ -5349,8 +5363,88 @@
         </p:nvSpPr>
         <p:spPr>
           <a:xfrm>
-            <a:off x="4806957" y="5874598"/>
-            <a:ext cx="6879898" cy="430887"/>
+            <a:off x="2220225" y="5564489"/>
+            <a:ext cx="7675615" cy="551831"/>
+          </a:xfrm>
+          <a:prstGeom prst="rect">
+            <a:avLst/>
+          </a:prstGeom>
+          <a:noFill/>
+          <a:ln w="28575">
+            <a:solidFill>
+              <a:schemeClr val="accent2"/>
+            </a:solidFill>
+          </a:ln>
+        </p:spPr>
+        <p:txBody>
+          <a:bodyPr wrap="square" rtlCol="0">
+            <a:noAutofit/>
+          </a:bodyPr>
+          <a:lstStyle/>
+          <a:p>
+            <a:r>
+              <a:rPr lang="de-DE" sz="2400" dirty="0"/>
+              <a:t>An RNA-</a:t>
+            </a:r>
+            <a:r>
+              <a:rPr lang="de-DE" sz="2400" dirty="0" err="1"/>
+              <a:t>dependent</a:t>
+            </a:r>
+            <a:r>
+              <a:rPr lang="de-DE" sz="2400" dirty="0"/>
+              <a:t> </a:t>
+            </a:r>
+            <a:r>
+              <a:rPr lang="de-DE" sz="2400" dirty="0" err="1"/>
+              <a:t>protein</a:t>
+            </a:r>
+            <a:r>
+              <a:rPr lang="de-DE" sz="2400" dirty="0"/>
+              <a:t> </a:t>
+            </a:r>
+            <a:r>
+              <a:rPr lang="de-DE" sz="2400" dirty="0" err="1"/>
+              <a:t>must</a:t>
+            </a:r>
+            <a:r>
+              <a:rPr lang="de-DE" sz="2400" dirty="0"/>
+              <a:t> </a:t>
+            </a:r>
+            <a:r>
+              <a:rPr lang="de-DE" sz="2400" dirty="0" err="1"/>
+              <a:t>exhibit</a:t>
+            </a:r>
+            <a:r>
+              <a:rPr lang="de-DE" sz="2400" dirty="0"/>
+              <a:t> a </a:t>
+            </a:r>
+            <a:r>
+              <a:rPr lang="de-DE" sz="2400" dirty="0" err="1"/>
+              <a:t>significant</a:t>
+            </a:r>
+            <a:r>
+              <a:rPr lang="de-DE" sz="2400" dirty="0"/>
+              <a:t> shift </a:t>
+            </a:r>
+          </a:p>
+        </p:txBody>
+      </p:sp>
+      <p:sp>
+        <p:nvSpPr>
+          <p:cNvPr id="5" name="Textfeld 4">
+            <a:extLst>
+              <a:ext uri="{FF2B5EF4-FFF2-40B4-BE49-F238E27FC236}">
+                <a16:creationId xmlns:a16="http://schemas.microsoft.com/office/drawing/2014/main" id="{5C295DFE-EE43-047A-B10E-DAF6927DB887}"/>
+              </a:ext>
+            </a:extLst>
+          </p:cNvPr>
+          <p:cNvSpPr txBox="1"/>
+          <p:nvPr/>
+        </p:nvSpPr>
+        <p:spPr>
+          <a:xfrm>
+            <a:off x="316872" y="6396335"/>
+            <a:ext cx="11389259" cy="461665"/>
           </a:xfrm>
           <a:prstGeom prst="rect">
             <a:avLst/>
@@ -5363,60 +5457,374 @@
           </a:bodyPr>
           <a:lstStyle/>
           <a:p>
-            <a:pPr algn="l"/>
-            <a:r>
-              <a:rPr lang="en-GB" sz="1100" b="0" i="0" noProof="0" dirty="0">
-                <a:effectLst/>
-                <a:latin typeface="-apple-system"/>
-                <a:hlinkClick r:id="rId4">
-                  <a:extLst>
-                    <a:ext uri="{A12FA001-AC4F-418D-AE19-62706E023703}">
-                      <ahyp:hlinkClr xmlns:ahyp="http://schemas.microsoft.com/office/drawing/2018/hyperlinkcolor" val="tx"/>
-                    </a:ext>
-                  </a:extLst>
-                </a:hlinkClick>
-              </a:rPr>
-              <a:t>Caudron-Herger et al., Identification, quantification and bioinformatic analysis of RNA-dependent proteins by RNase treatment and density gradient ultracentrifugation using R-</a:t>
-            </a:r>
-            <a:r>
-              <a:rPr lang="en-GB" sz="1100" b="0" i="0" noProof="0" dirty="0" err="1">
-                <a:effectLst/>
-                <a:latin typeface="-apple-system"/>
-                <a:hlinkClick r:id="rId4">
-                  <a:extLst>
-                    <a:ext uri="{A12FA001-AC4F-418D-AE19-62706E023703}">
-                      <ahyp:hlinkClr xmlns:ahyp="http://schemas.microsoft.com/office/drawing/2018/hyperlinkcolor" val="tx"/>
-                    </a:ext>
-                  </a:extLst>
-                </a:hlinkClick>
+            <a:r>
+              <a:rPr lang="de-DE" sz="1200" dirty="0" err="1">
+                <a:solidFill>
+                  <a:schemeClr val="bg1">
+                    <a:lumMod val="65000"/>
+                  </a:schemeClr>
+                </a:solidFill>
+              </a:rPr>
+              <a:t>Adapted</a:t>
+            </a:r>
+            <a:r>
+              <a:rPr lang="de-DE" sz="1200" dirty="0">
+                <a:solidFill>
+                  <a:schemeClr val="bg1">
+                    <a:lumMod val="65000"/>
+                  </a:schemeClr>
+                </a:solidFill>
+              </a:rPr>
+              <a:t> </a:t>
+            </a:r>
+            <a:r>
+              <a:rPr lang="de-DE" sz="1200" dirty="0" err="1">
+                <a:solidFill>
+                  <a:schemeClr val="bg1">
+                    <a:lumMod val="65000"/>
+                  </a:schemeClr>
+                </a:solidFill>
+              </a:rPr>
+              <a:t>from</a:t>
+            </a:r>
+            <a:r>
+              <a:rPr lang="de-DE" sz="1200" dirty="0">
+                <a:solidFill>
+                  <a:schemeClr val="bg1">
+                    <a:lumMod val="65000"/>
+                  </a:schemeClr>
+                </a:solidFill>
+              </a:rPr>
+              <a:t>: Caudron-Herger, M., </a:t>
+            </a:r>
+            <a:r>
+              <a:rPr lang="de-DE" sz="1200" dirty="0" err="1">
+                <a:solidFill>
+                  <a:schemeClr val="bg1">
+                    <a:lumMod val="65000"/>
+                  </a:schemeClr>
+                </a:solidFill>
+              </a:rPr>
+              <a:t>Rusin</a:t>
+            </a:r>
+            <a:r>
+              <a:rPr lang="de-DE" sz="1200" dirty="0">
+                <a:solidFill>
+                  <a:schemeClr val="bg1">
+                    <a:lumMod val="65000"/>
+                  </a:schemeClr>
+                </a:solidFill>
+              </a:rPr>
+              <a:t>, </a:t>
+            </a:r>
+            <a:r>
+              <a:rPr lang="de-DE" sz="1200" dirty="0" err="1">
+                <a:solidFill>
+                  <a:schemeClr val="bg1">
+                    <a:lumMod val="65000"/>
+                  </a:schemeClr>
+                </a:solidFill>
+              </a:rPr>
+              <a:t>S.F</a:t>
+            </a:r>
+            <a:r>
+              <a:rPr lang="de-DE" sz="1200" dirty="0">
+                <a:solidFill>
+                  <a:schemeClr val="bg1">
+                    <a:lumMod val="65000"/>
+                  </a:schemeClr>
+                </a:solidFill>
+              </a:rPr>
+              <a:t>., Adamo, M.E., Seiler, J., Schmid, </a:t>
+            </a:r>
+            <a:r>
+              <a:rPr lang="de-DE" sz="1200" dirty="0" err="1">
+                <a:solidFill>
+                  <a:schemeClr val="bg1">
+                    <a:lumMod val="65000"/>
+                  </a:schemeClr>
+                </a:solidFill>
+              </a:rPr>
+              <a:t>V.K</a:t>
+            </a:r>
+            <a:r>
+              <a:rPr lang="de-DE" sz="1200" dirty="0">
+                <a:solidFill>
+                  <a:schemeClr val="bg1">
+                    <a:lumMod val="65000"/>
+                  </a:schemeClr>
+                </a:solidFill>
+              </a:rPr>
+              <a:t>., </a:t>
+            </a:r>
+            <a:r>
+              <a:rPr lang="de-DE" sz="1200" dirty="0" err="1">
+                <a:solidFill>
+                  <a:schemeClr val="bg1">
+                    <a:lumMod val="65000"/>
+                  </a:schemeClr>
+                </a:solidFill>
+              </a:rPr>
+              <a:t>Barreau</a:t>
+            </a:r>
+            <a:r>
+              <a:rPr lang="de-DE" sz="1200" dirty="0">
+                <a:solidFill>
+                  <a:schemeClr val="bg1">
+                    <a:lumMod val="65000"/>
+                  </a:schemeClr>
+                </a:solidFill>
+              </a:rPr>
+              <a:t>, E., Kettenbach, A.N., and Diederichs, S. (2019). R-</a:t>
+            </a:r>
+            <a:r>
+              <a:rPr lang="de-DE" sz="1200" dirty="0" err="1">
+                <a:solidFill>
+                  <a:schemeClr val="bg1">
+                    <a:lumMod val="65000"/>
+                  </a:schemeClr>
+                </a:solidFill>
               </a:rPr>
               <a:t>DeeP</a:t>
             </a:r>
             <a:r>
-              <a:rPr lang="en-GB" sz="1100" b="0" i="0" noProof="0" dirty="0">
-                <a:effectLst/>
-                <a:latin typeface="-apple-system"/>
-                <a:hlinkClick r:id="rId4">
-                  <a:extLst>
-                    <a:ext uri="{A12FA001-AC4F-418D-AE19-62706E023703}">
-                      <ahyp:hlinkClr xmlns:ahyp="http://schemas.microsoft.com/office/drawing/2018/hyperlinkcolor" val="tx"/>
-                    </a:ext>
-                  </a:extLst>
-                </a:hlinkClick>
-              </a:rPr>
-              <a:t>, 2020, Nature Protocols</a:t>
-            </a:r>
-            <a:endParaRPr lang="en-GB" sz="1100" b="0" i="0" noProof="0" dirty="0">
-              <a:effectLst/>
-              <a:latin typeface="-apple-system"/>
+              <a:rPr lang="de-DE" sz="1200" dirty="0">
+                <a:solidFill>
+                  <a:schemeClr val="bg1">
+                    <a:lumMod val="65000"/>
+                  </a:schemeClr>
+                </a:solidFill>
+              </a:rPr>
+              <a:t>: </a:t>
+            </a:r>
+            <a:r>
+              <a:rPr lang="de-DE" sz="1200" dirty="0" err="1">
+                <a:solidFill>
+                  <a:schemeClr val="bg1">
+                    <a:lumMod val="65000"/>
+                  </a:schemeClr>
+                </a:solidFill>
+              </a:rPr>
+              <a:t>Proteome-wide</a:t>
+            </a:r>
+            <a:r>
+              <a:rPr lang="de-DE" sz="1200" dirty="0">
+                <a:solidFill>
+                  <a:schemeClr val="bg1">
+                    <a:lumMod val="65000"/>
+                  </a:schemeClr>
+                </a:solidFill>
+              </a:rPr>
+              <a:t> and Quantitative </a:t>
+            </a:r>
+            <a:r>
+              <a:rPr lang="de-DE" sz="1200" dirty="0" err="1">
+                <a:solidFill>
+                  <a:schemeClr val="bg1">
+                    <a:lumMod val="65000"/>
+                  </a:schemeClr>
+                </a:solidFill>
+              </a:rPr>
+              <a:t>Identification</a:t>
+            </a:r>
+            <a:r>
+              <a:rPr lang="de-DE" sz="1200" dirty="0">
+                <a:solidFill>
+                  <a:schemeClr val="bg1">
+                    <a:lumMod val="65000"/>
+                  </a:schemeClr>
+                </a:solidFill>
+              </a:rPr>
+              <a:t> </a:t>
+            </a:r>
+            <a:r>
+              <a:rPr lang="de-DE" sz="1200" dirty="0" err="1">
+                <a:solidFill>
+                  <a:schemeClr val="bg1">
+                    <a:lumMod val="65000"/>
+                  </a:schemeClr>
+                </a:solidFill>
+              </a:rPr>
+              <a:t>of</a:t>
+            </a:r>
+            <a:r>
+              <a:rPr lang="de-DE" sz="1200" dirty="0">
+                <a:solidFill>
+                  <a:schemeClr val="bg1">
+                    <a:lumMod val="65000"/>
+                  </a:schemeClr>
+                </a:solidFill>
+              </a:rPr>
+              <a:t> RNA-</a:t>
+            </a:r>
+            <a:r>
+              <a:rPr lang="de-DE" sz="1200" dirty="0" err="1">
+                <a:solidFill>
+                  <a:schemeClr val="bg1">
+                    <a:lumMod val="65000"/>
+                  </a:schemeClr>
+                </a:solidFill>
+              </a:rPr>
+              <a:t>Dependent</a:t>
+            </a:r>
+            <a:r>
+              <a:rPr lang="de-DE" sz="1200" dirty="0">
+                <a:solidFill>
+                  <a:schemeClr val="bg1">
+                    <a:lumMod val="65000"/>
+                  </a:schemeClr>
+                </a:solidFill>
+              </a:rPr>
+              <a:t> Proteins </a:t>
+            </a:r>
+            <a:r>
+              <a:rPr lang="de-DE" sz="1200" dirty="0" err="1">
+                <a:solidFill>
+                  <a:schemeClr val="bg1">
+                    <a:lumMod val="65000"/>
+                  </a:schemeClr>
+                </a:solidFill>
+              </a:rPr>
+              <a:t>by</a:t>
+            </a:r>
+            <a:r>
+              <a:rPr lang="de-DE" sz="1200" dirty="0">
+                <a:solidFill>
+                  <a:schemeClr val="bg1">
+                    <a:lumMod val="65000"/>
+                  </a:schemeClr>
+                </a:solidFill>
+              </a:rPr>
+              <a:t> Density Gradient </a:t>
+            </a:r>
+            <a:r>
+              <a:rPr lang="de-DE" sz="1200" dirty="0" err="1">
+                <a:solidFill>
+                  <a:schemeClr val="bg1">
+                    <a:lumMod val="65000"/>
+                  </a:schemeClr>
+                </a:solidFill>
+              </a:rPr>
+              <a:t>Ultracentrifugation</a:t>
+            </a:r>
+            <a:r>
+              <a:rPr lang="de-DE" sz="1200" dirty="0">
+                <a:solidFill>
+                  <a:schemeClr val="bg1">
+                    <a:lumMod val="65000"/>
+                  </a:schemeClr>
+                </a:solidFill>
+              </a:rPr>
+              <a:t>. </a:t>
+            </a:r>
+            <a:r>
+              <a:rPr lang="de-DE" sz="1200" dirty="0" err="1">
+                <a:solidFill>
+                  <a:schemeClr val="bg1">
+                    <a:lumMod val="65000"/>
+                  </a:schemeClr>
+                </a:solidFill>
+              </a:rPr>
+              <a:t>Molecular</a:t>
+            </a:r>
+            <a:r>
+              <a:rPr lang="de-DE" sz="1200" dirty="0">
+                <a:solidFill>
+                  <a:schemeClr val="bg1">
+                    <a:lumMod val="65000"/>
+                  </a:schemeClr>
+                </a:solidFill>
+              </a:rPr>
+              <a:t> </a:t>
+            </a:r>
+            <a:r>
+              <a:rPr lang="de-DE" sz="1200" dirty="0" err="1">
+                <a:solidFill>
+                  <a:schemeClr val="bg1">
+                    <a:lumMod val="65000"/>
+                  </a:schemeClr>
+                </a:solidFill>
+              </a:rPr>
+              <a:t>Cell</a:t>
+            </a:r>
+            <a:r>
+              <a:rPr lang="de-DE" sz="1200" dirty="0">
+                <a:solidFill>
+                  <a:schemeClr val="bg1">
+                    <a:lumMod val="65000"/>
+                  </a:schemeClr>
+                </a:solidFill>
+              </a:rPr>
+              <a:t> </a:t>
+            </a:r>
+            <a:r>
+              <a:rPr lang="de-DE" sz="1200" i="1" dirty="0">
+                <a:solidFill>
+                  <a:schemeClr val="bg1">
+                    <a:lumMod val="65000"/>
+                  </a:schemeClr>
+                </a:solidFill>
+              </a:rPr>
+              <a:t>75</a:t>
+            </a:r>
+            <a:r>
+              <a:rPr lang="de-DE" sz="1200" i="0" dirty="0">
+                <a:solidFill>
+                  <a:schemeClr val="bg1">
+                    <a:lumMod val="65000"/>
+                  </a:schemeClr>
+                </a:solidFill>
+              </a:rPr>
+              <a:t>, 184-199.e110.</a:t>
+            </a:r>
+            <a:endParaRPr lang="de-DE" sz="1200" dirty="0">
+              <a:solidFill>
+                <a:schemeClr val="bg1">
+                  <a:lumMod val="65000"/>
+                </a:schemeClr>
+              </a:solidFill>
             </a:endParaRPr>
+          </a:p>
+        </p:txBody>
+      </p:sp>
+      <p:sp>
+        <p:nvSpPr>
+          <p:cNvPr id="8" name="Textfeld 7">
+            <a:extLst>
+              <a:ext uri="{FF2B5EF4-FFF2-40B4-BE49-F238E27FC236}">
+                <a16:creationId xmlns:a16="http://schemas.microsoft.com/office/drawing/2014/main" id="{E4C78763-B640-13F5-A7F6-B5EFCC486C03}"/>
+              </a:ext>
+            </a:extLst>
+          </p:cNvPr>
+          <p:cNvSpPr txBox="1"/>
+          <p:nvPr/>
+        </p:nvSpPr>
+        <p:spPr>
+          <a:xfrm>
+            <a:off x="5309419" y="1332657"/>
+            <a:ext cx="227781" cy="369332"/>
+          </a:xfrm>
+          <a:prstGeom prst="rect">
+            <a:avLst/>
+          </a:prstGeom>
+          <a:solidFill>
+            <a:schemeClr val="bg1"/>
+          </a:solidFill>
+        </p:spPr>
+        <p:txBody>
+          <a:bodyPr wrap="square" rtlCol="0">
+            <a:spAutoFit/>
+          </a:bodyPr>
+          <a:lstStyle/>
+          <a:p>
+            <a:endParaRPr lang="de-DE" dirty="0"/>
           </a:p>
         </p:txBody>
       </p:sp>
     </p:spTree>
     <p:extLst>
       <p:ext uri="{BB962C8B-B14F-4D97-AF65-F5344CB8AC3E}">
-        <p14:creationId xmlns:p14="http://schemas.microsoft.com/office/powerpoint/2010/main" val="3025138055"/>
+        <p14:creationId xmlns:p14="http://schemas.microsoft.com/office/powerpoint/2010/main" val="1980714736"/>
       </p:ext>
     </p:extLst>
   </p:cSld>
@@ -5457,7 +5865,34 @@
                                           </p:stCondLst>
                                         </p:cTn>
                                         <p:tgtEl>
-                                          <p:spTgt spid="3"/>
+                                          <p:spTgt spid="4"/>
+                                        </p:tgtEl>
+                                        <p:attrNameLst>
+                                          <p:attrName>style.visibility</p:attrName>
+                                        </p:attrNameLst>
+                                      </p:cBhvr>
+                                      <p:to>
+                                        <p:strVal val="visible"/>
+                                      </p:to>
+                                    </p:set>
+                                  </p:childTnLst>
+                                </p:cTn>
+                              </p:par>
+                              <p:par>
+                                <p:cTn id="7" presetID="1" presetClass="entr" presetSubtype="0" fill="hold" grpId="0" nodeType="withEffect">
+                                  <p:stCondLst>
+                                    <p:cond delay="0"/>
+                                  </p:stCondLst>
+                                  <p:childTnLst>
+                                    <p:set>
+                                      <p:cBhvr>
+                                        <p:cTn id="8" dur="1" fill="hold">
+                                          <p:stCondLst>
+                                            <p:cond delay="0"/>
+                                          </p:stCondLst>
+                                        </p:cTn>
+                                        <p:tgtEl>
+                                          <p:spTgt spid="5"/>
                                         </p:tgtEl>
                                         <p:attrNameLst>
                                           <p:attrName>style.visibility</p:attrName>
@@ -5477,39 +5912,43 @@
                     </p:cTn>
                   </p:par>
                   <p:par>
-                    <p:cTn id="7" fill="hold">
+                    <p:cTn id="9" fill="hold">
                       <p:stCondLst>
                         <p:cond delay="indefinite"/>
                       </p:stCondLst>
                       <p:childTnLst>
                         <p:par>
-                          <p:cTn id="8" fill="hold">
+                          <p:cTn id="10" fill="hold">
                             <p:stCondLst>
                               <p:cond delay="0"/>
                             </p:stCondLst>
                             <p:childTnLst>
                               <p:par>
-                                <p:cTn id="9" presetID="1" presetClass="exit" presetSubtype="0" fill="hold" grpId="0" nodeType="clickEffect">
+                                <p:cTn id="11" presetID="1" presetClass="entr" presetSubtype="0" fill="hold" nodeType="clickEffect">
                                   <p:stCondLst>
                                     <p:cond delay="0"/>
                                   </p:stCondLst>
                                   <p:childTnLst>
                                     <p:set>
                                       <p:cBhvr>
-                                        <p:cTn id="10" dur="1" fill="hold">
+                                        <p:cTn id="12" dur="1" fill="hold">
                                           <p:stCondLst>
                                             <p:cond delay="0"/>
                                           </p:stCondLst>
                                         </p:cTn>
                                         <p:tgtEl>
-                                          <p:spTgt spid="12"/>
+                                          <p:spTgt spid="3">
+                                            <p:txEl>
+                                              <p:pRg st="0" end="0"/>
+                                            </p:txEl>
+                                          </p:spTgt>
                                         </p:tgtEl>
                                         <p:attrNameLst>
                                           <p:attrName>style.visibility</p:attrName>
                                         </p:attrNameLst>
                                       </p:cBhvr>
                                       <p:to>
-                                        <p:strVal val="hidden"/>
+                                        <p:strVal val="visible"/>
                                       </p:to>
                                     </p:set>
                                   </p:childTnLst>
@@ -5522,39 +5961,43 @@
                     </p:cTn>
                   </p:par>
                   <p:par>
-                    <p:cTn id="11" fill="hold">
+                    <p:cTn id="13" fill="hold">
                       <p:stCondLst>
                         <p:cond delay="indefinite"/>
                       </p:stCondLst>
                       <p:childTnLst>
                         <p:par>
-                          <p:cTn id="12" fill="hold">
+                          <p:cTn id="14" fill="hold">
                             <p:stCondLst>
                               <p:cond delay="0"/>
                             </p:stCondLst>
                             <p:childTnLst>
                               <p:par>
-                                <p:cTn id="13" presetID="1" presetClass="exit" presetSubtype="0" fill="hold" grpId="0" nodeType="clickEffect">
+                                <p:cTn id="15" presetID="1" presetClass="entr" presetSubtype="0" fill="hold" nodeType="clickEffect">
                                   <p:stCondLst>
                                     <p:cond delay="0"/>
                                   </p:stCondLst>
                                   <p:childTnLst>
                                     <p:set>
                                       <p:cBhvr>
-                                        <p:cTn id="14" dur="1" fill="hold">
+                                        <p:cTn id="16" dur="1" fill="hold">
                                           <p:stCondLst>
                                             <p:cond delay="0"/>
                                           </p:stCondLst>
                                         </p:cTn>
                                         <p:tgtEl>
-                                          <p:spTgt spid="13"/>
+                                          <p:spTgt spid="3">
+                                            <p:txEl>
+                                              <p:pRg st="2" end="2"/>
+                                            </p:txEl>
+                                          </p:spTgt>
                                         </p:tgtEl>
                                         <p:attrNameLst>
                                           <p:attrName>style.visibility</p:attrName>
                                         </p:attrNameLst>
                                       </p:cBhvr>
                                       <p:to>
-                                        <p:strVal val="hidden"/>
+                                        <p:strVal val="visible"/>
                                       </p:to>
                                     </p:set>
                                   </p:childTnLst>
@@ -5567,39 +6010,43 @@
                     </p:cTn>
                   </p:par>
                   <p:par>
-                    <p:cTn id="15" fill="hold">
+                    <p:cTn id="17" fill="hold">
                       <p:stCondLst>
                         <p:cond delay="indefinite"/>
                       </p:stCondLst>
                       <p:childTnLst>
                         <p:par>
-                          <p:cTn id="16" fill="hold">
+                          <p:cTn id="18" fill="hold">
                             <p:stCondLst>
                               <p:cond delay="0"/>
                             </p:stCondLst>
                             <p:childTnLst>
                               <p:par>
-                                <p:cTn id="17" presetID="1" presetClass="exit" presetSubtype="0" fill="hold" grpId="0" nodeType="clickEffect">
+                                <p:cTn id="19" presetID="1" presetClass="entr" presetSubtype="0" fill="hold" nodeType="clickEffect">
                                   <p:stCondLst>
                                     <p:cond delay="0"/>
                                   </p:stCondLst>
                                   <p:childTnLst>
                                     <p:set>
                                       <p:cBhvr>
-                                        <p:cTn id="18" dur="1" fill="hold">
+                                        <p:cTn id="20" dur="1" fill="hold">
                                           <p:stCondLst>
                                             <p:cond delay="0"/>
                                           </p:stCondLst>
                                         </p:cTn>
                                         <p:tgtEl>
-                                          <p:spTgt spid="15"/>
+                                          <p:spTgt spid="3">
+                                            <p:txEl>
+                                              <p:pRg st="4" end="4"/>
+                                            </p:txEl>
+                                          </p:spTgt>
                                         </p:tgtEl>
                                         <p:attrNameLst>
                                           <p:attrName>style.visibility</p:attrName>
                                         </p:attrNameLst>
                                       </p:cBhvr>
                                       <p:to>
-                                        <p:strVal val="hidden"/>
+                                        <p:strVal val="visible"/>
                                       </p:to>
                                     </p:set>
                                   </p:childTnLst>
@@ -5612,122 +6059,32 @@
                     </p:cTn>
                   </p:par>
                   <p:par>
-                    <p:cTn id="19" fill="hold">
+                    <p:cTn id="21" fill="hold">
                       <p:stCondLst>
                         <p:cond delay="indefinite"/>
                       </p:stCondLst>
                       <p:childTnLst>
                         <p:par>
-                          <p:cTn id="20" fill="hold">
+                          <p:cTn id="22" fill="hold">
                             <p:stCondLst>
                               <p:cond delay="0"/>
                             </p:stCondLst>
                             <p:childTnLst>
                               <p:par>
-                                <p:cTn id="21" presetID="1" presetClass="exit" presetSubtype="0" fill="hold" grpId="0" nodeType="clickEffect">
+                                <p:cTn id="23" presetID="1" presetClass="entr" presetSubtype="0" fill="hold" grpId="0" nodeType="clickEffect">
                                   <p:stCondLst>
                                     <p:cond delay="0"/>
                                   </p:stCondLst>
                                   <p:childTnLst>
                                     <p:set>
                                       <p:cBhvr>
-                                        <p:cTn id="22" dur="1" fill="hold">
+                                        <p:cTn id="24" dur="1" fill="hold">
                                           <p:stCondLst>
                                             <p:cond delay="0"/>
                                           </p:stCondLst>
                                         </p:cTn>
                                         <p:tgtEl>
-                                          <p:spTgt spid="14"/>
-                                        </p:tgtEl>
-                                        <p:attrNameLst>
-                                          <p:attrName>style.visibility</p:attrName>
-                                        </p:attrNameLst>
-                                      </p:cBhvr>
-                                      <p:to>
-                                        <p:strVal val="hidden"/>
-                                      </p:to>
-                                    </p:set>
-                                  </p:childTnLst>
-                                </p:cTn>
-                              </p:par>
-                            </p:childTnLst>
-                          </p:cTn>
-                        </p:par>
-                      </p:childTnLst>
-                    </p:cTn>
-                  </p:par>
-                  <p:par>
-                    <p:cTn id="23" fill="hold">
-                      <p:stCondLst>
-                        <p:cond delay="indefinite"/>
-                      </p:stCondLst>
-                      <p:childTnLst>
-                        <p:par>
-                          <p:cTn id="24" fill="hold">
-                            <p:stCondLst>
-                              <p:cond delay="0"/>
-                            </p:stCondLst>
-                            <p:childTnLst>
-                              <p:par>
-                                <p:cTn id="25" presetID="1" presetClass="exit" presetSubtype="0" fill="hold" grpId="0" nodeType="clickEffect">
-                                  <p:stCondLst>
-                                    <p:cond delay="0"/>
-                                  </p:stCondLst>
-                                  <p:childTnLst>
-                                    <p:set>
-                                      <p:cBhvr>
-                                        <p:cTn id="26" dur="1" fill="hold">
-                                          <p:stCondLst>
-                                            <p:cond delay="0"/>
-                                          </p:stCondLst>
-                                        </p:cTn>
-                                        <p:tgtEl>
-                                          <p:spTgt spid="16"/>
-                                        </p:tgtEl>
-                                        <p:attrNameLst>
-                                          <p:attrName>style.visibility</p:attrName>
-                                        </p:attrNameLst>
-                                      </p:cBhvr>
-                                      <p:to>
-                                        <p:strVal val="hidden"/>
-                                      </p:to>
-                                    </p:set>
-                                  </p:childTnLst>
-                                </p:cTn>
-                              </p:par>
-                            </p:childTnLst>
-                          </p:cTn>
-                        </p:par>
-                      </p:childTnLst>
-                    </p:cTn>
-                  </p:par>
-                  <p:par>
-                    <p:cTn id="27" fill="hold">
-                      <p:stCondLst>
-                        <p:cond delay="indefinite"/>
-                      </p:stCondLst>
-                      <p:childTnLst>
-                        <p:par>
-                          <p:cTn id="28" fill="hold">
-                            <p:stCondLst>
-                              <p:cond delay="0"/>
-                            </p:stCondLst>
-                            <p:childTnLst>
-                              <p:par>
-                                <p:cTn id="29" presetID="1" presetClass="entr" presetSubtype="0" fill="hold" nodeType="clickEffect">
-                                  <p:stCondLst>
-                                    <p:cond delay="0"/>
-                                  </p:stCondLst>
-                                  <p:childTnLst>
-                                    <p:set>
-                                      <p:cBhvr>
-                                        <p:cTn id="30" dur="1" fill="hold">
-                                          <p:stCondLst>
-                                            <p:cond delay="0"/>
-                                          </p:stCondLst>
-                                        </p:cTn>
-                                        <p:tgtEl>
-                                          <p:spTgt spid="18"/>
+                                          <p:spTgt spid="12"/>
                                         </p:tgtEl>
                                         <p:attrNameLst>
                                           <p:attrName>style.visibility</p:attrName>
@@ -5769,10 +6126,7 @@
     </p:tnLst>
     <p:bldLst>
       <p:bldP spid="12" grpId="0" animBg="1"/>
-      <p:bldP spid="13" grpId="0" animBg="1"/>
-      <p:bldP spid="14" grpId="0" animBg="1"/>
-      <p:bldP spid="15" grpId="0" animBg="1"/>
-      <p:bldP spid="16" grpId="0" animBg="1"/>
+      <p:bldP spid="5" grpId="0"/>
     </p:bldLst>
   </p:timing>
 </p:sld>
@@ -5786,963 +6140,7 @@
         <p:cNvPr id="1" name="">
           <a:extLst>
             <a:ext uri="{FF2B5EF4-FFF2-40B4-BE49-F238E27FC236}">
-              <a16:creationId xmlns:a16="http://schemas.microsoft.com/office/drawing/2014/main" id="{1098AC0D-9A74-B377-0135-6D106A0943C8}"/>
-            </a:ext>
-          </a:extLst>
-        </p:cNvPr>
-        <p:cNvGrpSpPr/>
-        <p:nvPr/>
-      </p:nvGrpSpPr>
-      <p:grpSpPr>
-        <a:xfrm>
-          <a:off x="0" y="0"/>
-          <a:ext cx="0" cy="0"/>
-          <a:chOff x="0" y="0"/>
-          <a:chExt cx="0" cy="0"/>
-        </a:xfrm>
-      </p:grpSpPr>
-      <p:pic>
-        <p:nvPicPr>
-          <p:cNvPr id="4" name="Grafik 3" descr="Ein Bild, das Text, Diagramm, Screenshot, Design enthält.&#10;&#10;KI-generierte Inhalte können fehlerhaft sein.">
-            <a:extLst>
-              <a:ext uri="{FF2B5EF4-FFF2-40B4-BE49-F238E27FC236}">
-                <a16:creationId xmlns:a16="http://schemas.microsoft.com/office/drawing/2014/main" id="{C28A3944-BB6F-D501-ED67-0018592C000B}"/>
-              </a:ext>
-            </a:extLst>
-          </p:cNvPr>
-          <p:cNvPicPr>
-            <a:picLocks noChangeAspect="1"/>
-          </p:cNvPicPr>
-          <p:nvPr/>
-        </p:nvPicPr>
-        <p:blipFill>
-          <a:blip r:embed="rId2">
-            <a:extLst>
-              <a:ext uri="{28A0092B-C50C-407E-A947-70E740481C1C}">
-                <a14:useLocalDpi xmlns:a14="http://schemas.microsoft.com/office/drawing/2010/main" val="0"/>
-              </a:ext>
-            </a:extLst>
-          </a:blip>
-          <a:stretch>
-            <a:fillRect/>
-          </a:stretch>
-        </p:blipFill>
-        <p:spPr>
-          <a:xfrm>
-            <a:off x="5540722" y="1332657"/>
-            <a:ext cx="6497370" cy="3913801"/>
-          </a:xfrm>
-          <a:prstGeom prst="rect">
-            <a:avLst/>
-          </a:prstGeom>
-        </p:spPr>
-      </p:pic>
-      <p:sp>
-        <p:nvSpPr>
-          <p:cNvPr id="2" name="Titel 1">
-            <a:extLst>
-              <a:ext uri="{FF2B5EF4-FFF2-40B4-BE49-F238E27FC236}">
-                <a16:creationId xmlns:a16="http://schemas.microsoft.com/office/drawing/2014/main" id="{05E69005-65B2-17C7-2A56-6F509B25123A}"/>
-              </a:ext>
-            </a:extLst>
-          </p:cNvPr>
-          <p:cNvSpPr>
-            <a:spLocks noGrp="1"/>
-          </p:cNvSpPr>
-          <p:nvPr>
-            <p:ph type="title"/>
-          </p:nvPr>
-        </p:nvSpPr>
-        <p:spPr>
-          <a:xfrm>
-            <a:off x="247650" y="142892"/>
-            <a:ext cx="4418091" cy="1325563"/>
-          </a:xfrm>
-        </p:spPr>
-        <p:txBody>
-          <a:bodyPr/>
-          <a:lstStyle/>
-          <a:p>
-            <a:pPr algn="ctr"/>
-            <a:r>
-              <a:rPr lang="de-DE" dirty="0"/>
-              <a:t>R-</a:t>
-            </a:r>
-            <a:r>
-              <a:rPr lang="de-DE" dirty="0" err="1"/>
-              <a:t>DeeP</a:t>
-            </a:r>
-            <a:r>
-              <a:rPr lang="de-DE" dirty="0"/>
-              <a:t> – </a:t>
-            </a:r>
-            <a:r>
-              <a:rPr lang="de-DE" dirty="0" err="1"/>
-              <a:t>Principle</a:t>
-            </a:r>
-            <a:r>
-              <a:rPr lang="de-DE" dirty="0"/>
-              <a:t> </a:t>
-            </a:r>
-          </a:p>
-        </p:txBody>
-      </p:sp>
-      <p:sp>
-        <p:nvSpPr>
-          <p:cNvPr id="3" name="Inhaltsplatzhalter 2">
-            <a:extLst>
-              <a:ext uri="{FF2B5EF4-FFF2-40B4-BE49-F238E27FC236}">
-                <a16:creationId xmlns:a16="http://schemas.microsoft.com/office/drawing/2014/main" id="{8BDB15C7-4713-4BAC-67D0-3AC6E3D83CA9}"/>
-              </a:ext>
-            </a:extLst>
-          </p:cNvPr>
-          <p:cNvSpPr>
-            <a:spLocks noGrp="1"/>
-          </p:cNvSpPr>
-          <p:nvPr>
-            <p:ph idx="1"/>
-          </p:nvPr>
-        </p:nvSpPr>
-        <p:spPr>
-          <a:xfrm>
-            <a:off x="316872" y="1611542"/>
-            <a:ext cx="4992547" cy="3634916"/>
-          </a:xfrm>
-        </p:spPr>
-        <p:txBody>
-          <a:bodyPr>
-            <a:noAutofit/>
-          </a:bodyPr>
-          <a:lstStyle/>
-          <a:p>
-            <a:pPr>
-              <a:lnSpc>
-                <a:spcPct val="120000"/>
-              </a:lnSpc>
-            </a:pPr>
-            <a:r>
-              <a:rPr lang="de-DE" sz="2000" dirty="0">
-                <a:sym typeface="Wingdings" panose="05000000000000000000" pitchFamily="2" charset="2"/>
-              </a:rPr>
-              <a:t>RNA </a:t>
-            </a:r>
-            <a:r>
-              <a:rPr lang="de-DE" sz="2000" dirty="0" err="1">
-                <a:sym typeface="Wingdings" panose="05000000000000000000" pitchFamily="2" charset="2"/>
-              </a:rPr>
-              <a:t>degradation</a:t>
-            </a:r>
-            <a:r>
-              <a:rPr lang="de-DE" sz="2000" dirty="0">
-                <a:sym typeface="Wingdings" panose="05000000000000000000" pitchFamily="2" charset="2"/>
-              </a:rPr>
-              <a:t> </a:t>
-            </a:r>
-            <a:r>
-              <a:rPr lang="de-DE" sz="2000" dirty="0" err="1">
-                <a:sym typeface="Wingdings" panose="05000000000000000000" pitchFamily="2" charset="2"/>
-              </a:rPr>
-              <a:t>leads</a:t>
-            </a:r>
-            <a:r>
-              <a:rPr lang="de-DE" sz="2000" dirty="0">
-                <a:sym typeface="Wingdings" panose="05000000000000000000" pitchFamily="2" charset="2"/>
-              </a:rPr>
-              <a:t> </a:t>
-            </a:r>
-            <a:r>
-              <a:rPr lang="de-DE" sz="2000" dirty="0" err="1">
-                <a:sym typeface="Wingdings" panose="05000000000000000000" pitchFamily="2" charset="2"/>
-              </a:rPr>
-              <a:t>to</a:t>
-            </a:r>
-            <a:r>
-              <a:rPr lang="de-DE" sz="2000" dirty="0">
-                <a:sym typeface="Wingdings" panose="05000000000000000000" pitchFamily="2" charset="2"/>
-              </a:rPr>
-              <a:t> </a:t>
-            </a:r>
-            <a:r>
-              <a:rPr lang="de-DE" sz="2000" dirty="0" err="1">
-                <a:sym typeface="Wingdings" panose="05000000000000000000" pitchFamily="2" charset="2"/>
-              </a:rPr>
-              <a:t>dissolved</a:t>
-            </a:r>
-            <a:r>
-              <a:rPr lang="de-DE" sz="2000" dirty="0">
-                <a:sym typeface="Wingdings" panose="05000000000000000000" pitchFamily="2" charset="2"/>
-              </a:rPr>
-              <a:t> RNP-</a:t>
-            </a:r>
-            <a:r>
-              <a:rPr lang="de-DE" sz="2000" dirty="0" err="1">
-                <a:sym typeface="Wingdings" panose="05000000000000000000" pitchFamily="2" charset="2"/>
-              </a:rPr>
-              <a:t>complexes</a:t>
-            </a:r>
-            <a:r>
-              <a:rPr lang="de-DE" sz="2000" dirty="0">
-                <a:sym typeface="Wingdings" panose="05000000000000000000" pitchFamily="2" charset="2"/>
-              </a:rPr>
-              <a:t> </a:t>
-            </a:r>
-          </a:p>
-          <a:p>
-            <a:pPr marL="0" indent="0">
-              <a:lnSpc>
-                <a:spcPct val="120000"/>
-              </a:lnSpc>
-              <a:buNone/>
-            </a:pPr>
-            <a:endParaRPr lang="de-DE" sz="800" dirty="0">
-              <a:sym typeface="Wingdings" panose="05000000000000000000" pitchFamily="2" charset="2"/>
-            </a:endParaRPr>
-          </a:p>
-          <a:p>
-            <a:pPr>
-              <a:lnSpc>
-                <a:spcPct val="120000"/>
-              </a:lnSpc>
-            </a:pPr>
-            <a:r>
-              <a:rPr lang="de-DE" sz="2000" dirty="0" err="1">
-                <a:sym typeface="Wingdings" panose="05000000000000000000" pitchFamily="2" charset="2"/>
-              </a:rPr>
-              <a:t>Released</a:t>
-            </a:r>
-            <a:r>
-              <a:rPr lang="de-DE" sz="2000" dirty="0">
-                <a:sym typeface="Wingdings" panose="05000000000000000000" pitchFamily="2" charset="2"/>
-              </a:rPr>
-              <a:t> </a:t>
-            </a:r>
-            <a:r>
-              <a:rPr lang="de-DE" sz="2000" dirty="0" err="1">
-                <a:sym typeface="Wingdings" panose="05000000000000000000" pitchFamily="2" charset="2"/>
-              </a:rPr>
-              <a:t>proteins</a:t>
-            </a:r>
-            <a:r>
-              <a:rPr lang="de-DE" sz="2000" dirty="0">
-                <a:sym typeface="Wingdings" panose="05000000000000000000" pitchFamily="2" charset="2"/>
-              </a:rPr>
-              <a:t> </a:t>
-            </a:r>
-            <a:r>
-              <a:rPr lang="de-DE" sz="2000" dirty="0" err="1">
-                <a:sym typeface="Wingdings" panose="05000000000000000000" pitchFamily="2" charset="2"/>
-              </a:rPr>
-              <a:t>migrate</a:t>
-            </a:r>
-            <a:r>
-              <a:rPr lang="de-DE" sz="2000" dirty="0">
-                <a:sym typeface="Wingdings" panose="05000000000000000000" pitchFamily="2" charset="2"/>
-              </a:rPr>
-              <a:t> </a:t>
-            </a:r>
-            <a:r>
-              <a:rPr lang="de-DE" sz="2000" dirty="0" err="1">
-                <a:sym typeface="Wingdings" panose="05000000000000000000" pitchFamily="2" charset="2"/>
-              </a:rPr>
-              <a:t>into</a:t>
-            </a:r>
-            <a:r>
-              <a:rPr lang="de-DE" sz="2000" dirty="0">
-                <a:sym typeface="Wingdings" panose="05000000000000000000" pitchFamily="2" charset="2"/>
-              </a:rPr>
-              <a:t> different </a:t>
-            </a:r>
-            <a:br>
-              <a:rPr lang="de-DE" sz="2000" dirty="0">
-                <a:sym typeface="Wingdings" panose="05000000000000000000" pitchFamily="2" charset="2"/>
-              </a:rPr>
-            </a:br>
-            <a:r>
-              <a:rPr lang="de-DE" sz="2000" dirty="0" err="1">
-                <a:sym typeface="Wingdings" panose="05000000000000000000" pitchFamily="2" charset="2"/>
-              </a:rPr>
-              <a:t>density</a:t>
-            </a:r>
-            <a:r>
-              <a:rPr lang="de-DE" sz="2000" dirty="0">
-                <a:sym typeface="Wingdings" panose="05000000000000000000" pitchFamily="2" charset="2"/>
-              </a:rPr>
-              <a:t> </a:t>
-            </a:r>
-            <a:r>
-              <a:rPr lang="de-DE" sz="2000" dirty="0" err="1">
-                <a:sym typeface="Wingdings" panose="05000000000000000000" pitchFamily="2" charset="2"/>
-              </a:rPr>
-              <a:t>fractions</a:t>
-            </a:r>
-            <a:r>
-              <a:rPr lang="de-DE" sz="2000" dirty="0">
-                <a:sym typeface="Wingdings" panose="05000000000000000000" pitchFamily="2" charset="2"/>
-              </a:rPr>
-              <a:t> </a:t>
-            </a:r>
-          </a:p>
-          <a:p>
-            <a:pPr marL="0" indent="0">
-              <a:lnSpc>
-                <a:spcPct val="120000"/>
-              </a:lnSpc>
-              <a:buNone/>
-            </a:pPr>
-            <a:endParaRPr lang="de-DE" sz="800" dirty="0"/>
-          </a:p>
-          <a:p>
-            <a:pPr>
-              <a:lnSpc>
-                <a:spcPct val="120000"/>
-              </a:lnSpc>
-            </a:pPr>
-            <a:r>
-              <a:rPr lang="de-DE" sz="2000" dirty="0" err="1">
-                <a:sym typeface="Wingdings" panose="05000000000000000000" pitchFamily="2" charset="2"/>
-              </a:rPr>
-              <a:t>Quantity</a:t>
-            </a:r>
-            <a:r>
-              <a:rPr lang="de-DE" sz="2000" dirty="0">
-                <a:sym typeface="Wingdings" panose="05000000000000000000" pitchFamily="2" charset="2"/>
-              </a:rPr>
-              <a:t> </a:t>
-            </a:r>
-            <a:r>
-              <a:rPr lang="de-DE" sz="2000" dirty="0" err="1">
-                <a:sym typeface="Wingdings" panose="05000000000000000000" pitchFamily="2" charset="2"/>
-              </a:rPr>
-              <a:t>of</a:t>
-            </a:r>
-            <a:r>
-              <a:rPr lang="de-DE" sz="2000" dirty="0">
-                <a:sym typeface="Wingdings" panose="05000000000000000000" pitchFamily="2" charset="2"/>
-              </a:rPr>
-              <a:t> </a:t>
-            </a:r>
-            <a:r>
-              <a:rPr lang="de-DE" sz="2000" dirty="0" err="1">
-                <a:sym typeface="Wingdings" panose="05000000000000000000" pitchFamily="2" charset="2"/>
-              </a:rPr>
-              <a:t>peptides</a:t>
-            </a:r>
-            <a:r>
-              <a:rPr lang="de-DE" sz="2000" dirty="0">
-                <a:sym typeface="Wingdings" panose="05000000000000000000" pitchFamily="2" charset="2"/>
-              </a:rPr>
-              <a:t> in </a:t>
-            </a:r>
-            <a:r>
-              <a:rPr lang="de-DE" sz="2000" dirty="0" err="1">
-                <a:sym typeface="Wingdings" panose="05000000000000000000" pitchFamily="2" charset="2"/>
-              </a:rPr>
-              <a:t>the</a:t>
-            </a:r>
-            <a:r>
-              <a:rPr lang="de-DE" sz="2000" dirty="0">
-                <a:sym typeface="Wingdings" panose="05000000000000000000" pitchFamily="2" charset="2"/>
-              </a:rPr>
-              <a:t> individual </a:t>
-            </a:r>
-            <a:r>
-              <a:rPr lang="de-DE" sz="2000" dirty="0" err="1">
-                <a:sym typeface="Wingdings" panose="05000000000000000000" pitchFamily="2" charset="2"/>
-              </a:rPr>
-              <a:t>density</a:t>
-            </a:r>
-            <a:r>
-              <a:rPr lang="de-DE" sz="2000" dirty="0">
-                <a:sym typeface="Wingdings" panose="05000000000000000000" pitchFamily="2" charset="2"/>
-              </a:rPr>
-              <a:t> </a:t>
-            </a:r>
-            <a:r>
-              <a:rPr lang="de-DE" sz="2000" dirty="0" err="1">
-                <a:sym typeface="Wingdings" panose="05000000000000000000" pitchFamily="2" charset="2"/>
-              </a:rPr>
-              <a:t>fractions</a:t>
-            </a:r>
-            <a:r>
-              <a:rPr lang="de-DE" sz="2000" dirty="0">
-                <a:sym typeface="Wingdings" panose="05000000000000000000" pitchFamily="2" charset="2"/>
-              </a:rPr>
-              <a:t> </a:t>
-            </a:r>
-            <a:r>
-              <a:rPr lang="de-DE" sz="2000" dirty="0" err="1">
-                <a:sym typeface="Wingdings" panose="05000000000000000000" pitchFamily="2" charset="2"/>
-              </a:rPr>
-              <a:t>analyzed</a:t>
-            </a:r>
-            <a:r>
-              <a:rPr lang="de-DE" sz="2000" dirty="0">
-                <a:sym typeface="Wingdings" panose="05000000000000000000" pitchFamily="2" charset="2"/>
-              </a:rPr>
-              <a:t> </a:t>
-            </a:r>
-            <a:r>
-              <a:rPr lang="de-DE" sz="2000" dirty="0" err="1">
-                <a:sym typeface="Wingdings" panose="05000000000000000000" pitchFamily="2" charset="2"/>
-              </a:rPr>
-              <a:t>by</a:t>
-            </a:r>
-            <a:r>
-              <a:rPr lang="de-DE" sz="2000" dirty="0">
-                <a:sym typeface="Wingdings" panose="05000000000000000000" pitchFamily="2" charset="2"/>
-              </a:rPr>
-              <a:t> western </a:t>
-            </a:r>
-            <a:r>
-              <a:rPr lang="de-DE" sz="2000" dirty="0" err="1">
-                <a:sym typeface="Wingdings" panose="05000000000000000000" pitchFamily="2" charset="2"/>
-              </a:rPr>
-              <a:t>blotting</a:t>
-            </a:r>
-            <a:r>
-              <a:rPr lang="de-DE" sz="2000" dirty="0">
-                <a:sym typeface="Wingdings" panose="05000000000000000000" pitchFamily="2" charset="2"/>
-              </a:rPr>
-              <a:t> </a:t>
-            </a:r>
-            <a:r>
-              <a:rPr lang="de-DE" sz="2000" dirty="0" err="1">
-                <a:sym typeface="Wingdings" panose="05000000000000000000" pitchFamily="2" charset="2"/>
-              </a:rPr>
-              <a:t>or</a:t>
-            </a:r>
-            <a:r>
-              <a:rPr lang="de-DE" sz="2000" dirty="0">
-                <a:sym typeface="Wingdings" panose="05000000000000000000" pitchFamily="2" charset="2"/>
-              </a:rPr>
-              <a:t> </a:t>
-            </a:r>
-            <a:r>
-              <a:rPr lang="de-DE" sz="2000" dirty="0" err="1">
-                <a:sym typeface="Wingdings" panose="05000000000000000000" pitchFamily="2" charset="2"/>
-              </a:rPr>
-              <a:t>mass</a:t>
-            </a:r>
-            <a:r>
-              <a:rPr lang="de-DE" sz="2000" dirty="0">
-                <a:sym typeface="Wingdings" panose="05000000000000000000" pitchFamily="2" charset="2"/>
-              </a:rPr>
-              <a:t> </a:t>
-            </a:r>
-            <a:r>
-              <a:rPr lang="de-DE" sz="2000" dirty="0" err="1">
-                <a:sym typeface="Wingdings" panose="05000000000000000000" pitchFamily="2" charset="2"/>
-              </a:rPr>
-              <a:t>spectrometry</a:t>
-            </a:r>
-            <a:r>
-              <a:rPr lang="de-DE" sz="2000" dirty="0">
-                <a:sym typeface="Wingdings" panose="05000000000000000000" pitchFamily="2" charset="2"/>
-              </a:rPr>
-              <a:t> </a:t>
-            </a:r>
-            <a:endParaRPr lang="de-DE" sz="2000" dirty="0"/>
-          </a:p>
-        </p:txBody>
-      </p:sp>
-      <p:cxnSp>
-        <p:nvCxnSpPr>
-          <p:cNvPr id="6" name="Gerader Verbinder 5">
-            <a:extLst>
-              <a:ext uri="{FF2B5EF4-FFF2-40B4-BE49-F238E27FC236}">
-                <a16:creationId xmlns:a16="http://schemas.microsoft.com/office/drawing/2014/main" id="{96B62D74-D3EA-DE7C-4B0B-D1B4FBC27568}"/>
-              </a:ext>
-            </a:extLst>
-          </p:cNvPr>
-          <p:cNvCxnSpPr>
-            <a:cxnSpLocks/>
-          </p:cNvCxnSpPr>
-          <p:nvPr/>
-        </p:nvCxnSpPr>
-        <p:spPr>
-          <a:xfrm>
-            <a:off x="316872" y="1120960"/>
-            <a:ext cx="4245509" cy="0"/>
-          </a:xfrm>
-          <a:prstGeom prst="line">
-            <a:avLst/>
-          </a:prstGeom>
-        </p:spPr>
-        <p:style>
-          <a:lnRef idx="2">
-            <a:schemeClr val="accent2"/>
-          </a:lnRef>
-          <a:fillRef idx="0">
-            <a:schemeClr val="accent2"/>
-          </a:fillRef>
-          <a:effectRef idx="1">
-            <a:schemeClr val="accent2"/>
-          </a:effectRef>
-          <a:fontRef idx="minor">
-            <a:schemeClr val="tx1"/>
-          </a:fontRef>
-        </p:style>
-      </p:cxnSp>
-      <p:sp>
-        <p:nvSpPr>
-          <p:cNvPr id="12" name="Textfeld 11">
-            <a:extLst>
-              <a:ext uri="{FF2B5EF4-FFF2-40B4-BE49-F238E27FC236}">
-                <a16:creationId xmlns:a16="http://schemas.microsoft.com/office/drawing/2014/main" id="{440B87C7-4641-3E96-9D00-7CDA5D20B1FE}"/>
-              </a:ext>
-            </a:extLst>
-          </p:cNvPr>
-          <p:cNvSpPr txBox="1"/>
-          <p:nvPr/>
-        </p:nvSpPr>
-        <p:spPr>
-          <a:xfrm>
-            <a:off x="2220225" y="5513689"/>
-            <a:ext cx="7751550" cy="569642"/>
-          </a:xfrm>
-          <a:prstGeom prst="rect">
-            <a:avLst/>
-          </a:prstGeom>
-          <a:noFill/>
-          <a:ln w="28575">
-            <a:solidFill>
-              <a:schemeClr val="accent2"/>
-            </a:solidFill>
-          </a:ln>
-        </p:spPr>
-        <p:txBody>
-          <a:bodyPr wrap="square" rtlCol="0">
-            <a:noAutofit/>
-          </a:bodyPr>
-          <a:lstStyle/>
-          <a:p>
-            <a:r>
-              <a:rPr lang="de-DE" sz="2400" dirty="0"/>
-              <a:t>An RNA-</a:t>
-            </a:r>
-            <a:r>
-              <a:rPr lang="de-DE" sz="2400" dirty="0" err="1"/>
-              <a:t>dependent</a:t>
-            </a:r>
-            <a:r>
-              <a:rPr lang="de-DE" sz="2400" dirty="0"/>
-              <a:t> </a:t>
-            </a:r>
-            <a:r>
-              <a:rPr lang="de-DE" sz="2400" dirty="0" err="1"/>
-              <a:t>protein</a:t>
-            </a:r>
-            <a:r>
-              <a:rPr lang="de-DE" sz="2400" dirty="0"/>
-              <a:t> </a:t>
-            </a:r>
-            <a:r>
-              <a:rPr lang="de-DE" sz="2400" dirty="0" err="1"/>
-              <a:t>must</a:t>
-            </a:r>
-            <a:r>
-              <a:rPr lang="de-DE" sz="2400" dirty="0"/>
-              <a:t> </a:t>
-            </a:r>
-            <a:r>
-              <a:rPr lang="de-DE" sz="2400" dirty="0" err="1"/>
-              <a:t>exhibit</a:t>
-            </a:r>
-            <a:r>
-              <a:rPr lang="de-DE" sz="2400" dirty="0"/>
-              <a:t> a </a:t>
-            </a:r>
-            <a:r>
-              <a:rPr lang="de-DE" sz="2400" dirty="0" err="1"/>
-              <a:t>significant</a:t>
-            </a:r>
-            <a:r>
-              <a:rPr lang="de-DE" sz="2400" dirty="0"/>
-              <a:t> shift </a:t>
-            </a:r>
-          </a:p>
-        </p:txBody>
-      </p:sp>
-      <p:sp>
-        <p:nvSpPr>
-          <p:cNvPr id="5" name="Textfeld 4">
-            <a:extLst>
-              <a:ext uri="{FF2B5EF4-FFF2-40B4-BE49-F238E27FC236}">
-                <a16:creationId xmlns:a16="http://schemas.microsoft.com/office/drawing/2014/main" id="{4E75FCC4-1D67-57BF-0231-AB8301F89EDA}"/>
-              </a:ext>
-            </a:extLst>
-          </p:cNvPr>
-          <p:cNvSpPr txBox="1"/>
-          <p:nvPr/>
-        </p:nvSpPr>
-        <p:spPr>
-          <a:xfrm>
-            <a:off x="316872" y="6396335"/>
-            <a:ext cx="11389259" cy="461665"/>
-          </a:xfrm>
-          <a:prstGeom prst="rect">
-            <a:avLst/>
-          </a:prstGeom>
-          <a:noFill/>
-        </p:spPr>
-        <p:txBody>
-          <a:bodyPr wrap="square" rtlCol="0">
-            <a:spAutoFit/>
-          </a:bodyPr>
-          <a:lstStyle/>
-          <a:p>
-            <a:r>
-              <a:rPr lang="de-DE" sz="1200" dirty="0" err="1">
-                <a:solidFill>
-                  <a:schemeClr val="bg1">
-                    <a:lumMod val="65000"/>
-                  </a:schemeClr>
-                </a:solidFill>
-              </a:rPr>
-              <a:t>Adapted</a:t>
-            </a:r>
-            <a:r>
-              <a:rPr lang="de-DE" sz="1200" dirty="0">
-                <a:solidFill>
-                  <a:schemeClr val="bg1">
-                    <a:lumMod val="65000"/>
-                  </a:schemeClr>
-                </a:solidFill>
-              </a:rPr>
-              <a:t> </a:t>
-            </a:r>
-            <a:r>
-              <a:rPr lang="de-DE" sz="1200" dirty="0" err="1">
-                <a:solidFill>
-                  <a:schemeClr val="bg1">
-                    <a:lumMod val="65000"/>
-                  </a:schemeClr>
-                </a:solidFill>
-              </a:rPr>
-              <a:t>from</a:t>
-            </a:r>
-            <a:r>
-              <a:rPr lang="de-DE" sz="1200" dirty="0">
-                <a:solidFill>
-                  <a:schemeClr val="bg1">
-                    <a:lumMod val="65000"/>
-                  </a:schemeClr>
-                </a:solidFill>
-              </a:rPr>
-              <a:t>: Caudron-Herger, M., </a:t>
-            </a:r>
-            <a:r>
-              <a:rPr lang="de-DE" sz="1200" dirty="0" err="1">
-                <a:solidFill>
-                  <a:schemeClr val="bg1">
-                    <a:lumMod val="65000"/>
-                  </a:schemeClr>
-                </a:solidFill>
-              </a:rPr>
-              <a:t>Rusin</a:t>
-            </a:r>
-            <a:r>
-              <a:rPr lang="de-DE" sz="1200" dirty="0">
-                <a:solidFill>
-                  <a:schemeClr val="bg1">
-                    <a:lumMod val="65000"/>
-                  </a:schemeClr>
-                </a:solidFill>
-              </a:rPr>
-              <a:t>, </a:t>
-            </a:r>
-            <a:r>
-              <a:rPr lang="de-DE" sz="1200" dirty="0" err="1">
-                <a:solidFill>
-                  <a:schemeClr val="bg1">
-                    <a:lumMod val="65000"/>
-                  </a:schemeClr>
-                </a:solidFill>
-              </a:rPr>
-              <a:t>S.F</a:t>
-            </a:r>
-            <a:r>
-              <a:rPr lang="de-DE" sz="1200" dirty="0">
-                <a:solidFill>
-                  <a:schemeClr val="bg1">
-                    <a:lumMod val="65000"/>
-                  </a:schemeClr>
-                </a:solidFill>
-              </a:rPr>
-              <a:t>., Adamo, M.E., Seiler, J., Schmid, </a:t>
-            </a:r>
-            <a:r>
-              <a:rPr lang="de-DE" sz="1200" dirty="0" err="1">
-                <a:solidFill>
-                  <a:schemeClr val="bg1">
-                    <a:lumMod val="65000"/>
-                  </a:schemeClr>
-                </a:solidFill>
-              </a:rPr>
-              <a:t>V.K</a:t>
-            </a:r>
-            <a:r>
-              <a:rPr lang="de-DE" sz="1200" dirty="0">
-                <a:solidFill>
-                  <a:schemeClr val="bg1">
-                    <a:lumMod val="65000"/>
-                  </a:schemeClr>
-                </a:solidFill>
-              </a:rPr>
-              <a:t>., </a:t>
-            </a:r>
-            <a:r>
-              <a:rPr lang="de-DE" sz="1200" dirty="0" err="1">
-                <a:solidFill>
-                  <a:schemeClr val="bg1">
-                    <a:lumMod val="65000"/>
-                  </a:schemeClr>
-                </a:solidFill>
-              </a:rPr>
-              <a:t>Barreau</a:t>
-            </a:r>
-            <a:r>
-              <a:rPr lang="de-DE" sz="1200" dirty="0">
-                <a:solidFill>
-                  <a:schemeClr val="bg1">
-                    <a:lumMod val="65000"/>
-                  </a:schemeClr>
-                </a:solidFill>
-              </a:rPr>
-              <a:t>, E., Kettenbach, A.N., and Diederichs, S. (2019). R-</a:t>
-            </a:r>
-            <a:r>
-              <a:rPr lang="de-DE" sz="1200" dirty="0" err="1">
-                <a:solidFill>
-                  <a:schemeClr val="bg1">
-                    <a:lumMod val="65000"/>
-                  </a:schemeClr>
-                </a:solidFill>
-              </a:rPr>
-              <a:t>DeeP</a:t>
-            </a:r>
-            <a:r>
-              <a:rPr lang="de-DE" sz="1200" dirty="0">
-                <a:solidFill>
-                  <a:schemeClr val="bg1">
-                    <a:lumMod val="65000"/>
-                  </a:schemeClr>
-                </a:solidFill>
-              </a:rPr>
-              <a:t>: </a:t>
-            </a:r>
-            <a:r>
-              <a:rPr lang="de-DE" sz="1200" dirty="0" err="1">
-                <a:solidFill>
-                  <a:schemeClr val="bg1">
-                    <a:lumMod val="65000"/>
-                  </a:schemeClr>
-                </a:solidFill>
-              </a:rPr>
-              <a:t>Proteome-wide</a:t>
-            </a:r>
-            <a:r>
-              <a:rPr lang="de-DE" sz="1200" dirty="0">
-                <a:solidFill>
-                  <a:schemeClr val="bg1">
-                    <a:lumMod val="65000"/>
-                  </a:schemeClr>
-                </a:solidFill>
-              </a:rPr>
-              <a:t> and Quantitative </a:t>
-            </a:r>
-            <a:r>
-              <a:rPr lang="de-DE" sz="1200" dirty="0" err="1">
-                <a:solidFill>
-                  <a:schemeClr val="bg1">
-                    <a:lumMod val="65000"/>
-                  </a:schemeClr>
-                </a:solidFill>
-              </a:rPr>
-              <a:t>Identification</a:t>
-            </a:r>
-            <a:r>
-              <a:rPr lang="de-DE" sz="1200" dirty="0">
-                <a:solidFill>
-                  <a:schemeClr val="bg1">
-                    <a:lumMod val="65000"/>
-                  </a:schemeClr>
-                </a:solidFill>
-              </a:rPr>
-              <a:t> </a:t>
-            </a:r>
-            <a:r>
-              <a:rPr lang="de-DE" sz="1200" dirty="0" err="1">
-                <a:solidFill>
-                  <a:schemeClr val="bg1">
-                    <a:lumMod val="65000"/>
-                  </a:schemeClr>
-                </a:solidFill>
-              </a:rPr>
-              <a:t>of</a:t>
-            </a:r>
-            <a:r>
-              <a:rPr lang="de-DE" sz="1200" dirty="0">
-                <a:solidFill>
-                  <a:schemeClr val="bg1">
-                    <a:lumMod val="65000"/>
-                  </a:schemeClr>
-                </a:solidFill>
-              </a:rPr>
-              <a:t> RNA-</a:t>
-            </a:r>
-            <a:r>
-              <a:rPr lang="de-DE" sz="1200" dirty="0" err="1">
-                <a:solidFill>
-                  <a:schemeClr val="bg1">
-                    <a:lumMod val="65000"/>
-                  </a:schemeClr>
-                </a:solidFill>
-              </a:rPr>
-              <a:t>Dependent</a:t>
-            </a:r>
-            <a:r>
-              <a:rPr lang="de-DE" sz="1200" dirty="0">
-                <a:solidFill>
-                  <a:schemeClr val="bg1">
-                    <a:lumMod val="65000"/>
-                  </a:schemeClr>
-                </a:solidFill>
-              </a:rPr>
-              <a:t> Proteins </a:t>
-            </a:r>
-            <a:r>
-              <a:rPr lang="de-DE" sz="1200" dirty="0" err="1">
-                <a:solidFill>
-                  <a:schemeClr val="bg1">
-                    <a:lumMod val="65000"/>
-                  </a:schemeClr>
-                </a:solidFill>
-              </a:rPr>
-              <a:t>by</a:t>
-            </a:r>
-            <a:r>
-              <a:rPr lang="de-DE" sz="1200" dirty="0">
-                <a:solidFill>
-                  <a:schemeClr val="bg1">
-                    <a:lumMod val="65000"/>
-                  </a:schemeClr>
-                </a:solidFill>
-              </a:rPr>
-              <a:t> Density Gradient </a:t>
-            </a:r>
-            <a:r>
-              <a:rPr lang="de-DE" sz="1200" dirty="0" err="1">
-                <a:solidFill>
-                  <a:schemeClr val="bg1">
-                    <a:lumMod val="65000"/>
-                  </a:schemeClr>
-                </a:solidFill>
-              </a:rPr>
-              <a:t>Ultracentrifugation</a:t>
-            </a:r>
-            <a:r>
-              <a:rPr lang="de-DE" sz="1200" dirty="0">
-                <a:solidFill>
-                  <a:schemeClr val="bg1">
-                    <a:lumMod val="65000"/>
-                  </a:schemeClr>
-                </a:solidFill>
-              </a:rPr>
-              <a:t>. </a:t>
-            </a:r>
-            <a:r>
-              <a:rPr lang="de-DE" sz="1200" dirty="0" err="1">
-                <a:solidFill>
-                  <a:schemeClr val="bg1">
-                    <a:lumMod val="65000"/>
-                  </a:schemeClr>
-                </a:solidFill>
-              </a:rPr>
-              <a:t>Molecular</a:t>
-            </a:r>
-            <a:r>
-              <a:rPr lang="de-DE" sz="1200" dirty="0">
-                <a:solidFill>
-                  <a:schemeClr val="bg1">
-                    <a:lumMod val="65000"/>
-                  </a:schemeClr>
-                </a:solidFill>
-              </a:rPr>
-              <a:t> </a:t>
-            </a:r>
-            <a:r>
-              <a:rPr lang="de-DE" sz="1200" dirty="0" err="1">
-                <a:solidFill>
-                  <a:schemeClr val="bg1">
-                    <a:lumMod val="65000"/>
-                  </a:schemeClr>
-                </a:solidFill>
-              </a:rPr>
-              <a:t>Cell</a:t>
-            </a:r>
-            <a:r>
-              <a:rPr lang="de-DE" sz="1200" dirty="0">
-                <a:solidFill>
-                  <a:schemeClr val="bg1">
-                    <a:lumMod val="65000"/>
-                  </a:schemeClr>
-                </a:solidFill>
-              </a:rPr>
-              <a:t> </a:t>
-            </a:r>
-            <a:r>
-              <a:rPr lang="de-DE" sz="1200" i="1" dirty="0">
-                <a:solidFill>
-                  <a:schemeClr val="bg1">
-                    <a:lumMod val="65000"/>
-                  </a:schemeClr>
-                </a:solidFill>
-              </a:rPr>
-              <a:t>75</a:t>
-            </a:r>
-            <a:r>
-              <a:rPr lang="de-DE" sz="1200" i="0" dirty="0">
-                <a:solidFill>
-                  <a:schemeClr val="bg1">
-                    <a:lumMod val="65000"/>
-                  </a:schemeClr>
-                </a:solidFill>
-              </a:rPr>
-              <a:t>, 184-199.e110.</a:t>
-            </a:r>
-            <a:endParaRPr lang="de-DE" sz="1200" dirty="0">
-              <a:solidFill>
-                <a:schemeClr val="bg1">
-                  <a:lumMod val="65000"/>
-                </a:schemeClr>
-              </a:solidFill>
-            </a:endParaRPr>
-          </a:p>
-        </p:txBody>
-      </p:sp>
-    </p:spTree>
-    <p:extLst>
-      <p:ext uri="{BB962C8B-B14F-4D97-AF65-F5344CB8AC3E}">
-        <p14:creationId xmlns:p14="http://schemas.microsoft.com/office/powerpoint/2010/main" val="1583884658"/>
-      </p:ext>
-    </p:extLst>
-  </p:cSld>
-  <p:clrMapOvr>
-    <a:masterClrMapping/>
-  </p:clrMapOvr>
-</p:sld>
-</file>
-
-<file path=ppt/slides/slide16.xml><?xml version="1.0" encoding="utf-8"?>
-<p:sld xmlns:a="http://schemas.openxmlformats.org/drawingml/2006/main" xmlns:r="http://schemas.openxmlformats.org/officeDocument/2006/relationships" xmlns:p="http://schemas.openxmlformats.org/presentationml/2006/main">
-  <p:cSld>
-    <p:spTree>
-      <p:nvGrpSpPr>
-        <p:cNvPr id="1" name="">
-          <a:extLst>
-            <a:ext uri="{FF2B5EF4-FFF2-40B4-BE49-F238E27FC236}">
-              <a16:creationId xmlns:a16="http://schemas.microsoft.com/office/drawing/2014/main" id="{647B276E-4645-DEAF-3F65-B220E600522C}"/>
+              <a16:creationId xmlns:a16="http://schemas.microsoft.com/office/drawing/2014/main" id="{24F38D33-8FCB-FB8E-9A62-669D17A3EC0A}"/>
             </a:ext>
           </a:extLst>
         </p:cNvPr>
@@ -6762,7 +6160,7 @@
           <p:cNvPr id="12" name="Titel 1">
             <a:extLst>
               <a:ext uri="{FF2B5EF4-FFF2-40B4-BE49-F238E27FC236}">
-                <a16:creationId xmlns:a16="http://schemas.microsoft.com/office/drawing/2014/main" id="{831343A1-DC0C-6F3C-C255-3C81B49A5C2A}"/>
+                <a16:creationId xmlns:a16="http://schemas.microsoft.com/office/drawing/2014/main" id="{F03421AF-9D41-6A9D-CBA4-6E407B9AFC87}"/>
               </a:ext>
             </a:extLst>
           </p:cNvPr>
@@ -6818,50 +6216,12 @@
           </a:p>
         </p:txBody>
       </p:sp>
-      <p:cxnSp>
-        <p:nvCxnSpPr>
-          <p:cNvPr id="13" name="Gerader Verbinder 12">
-            <a:extLst>
-              <a:ext uri="{FF2B5EF4-FFF2-40B4-BE49-F238E27FC236}">
-                <a16:creationId xmlns:a16="http://schemas.microsoft.com/office/drawing/2014/main" id="{179ED1C4-8AAD-EAB4-CCBD-C7F92D096BAB}"/>
-              </a:ext>
-            </a:extLst>
-          </p:cNvPr>
-          <p:cNvCxnSpPr>
-            <a:cxnSpLocks/>
-          </p:cNvCxnSpPr>
-          <p:nvPr/>
-        </p:nvCxnSpPr>
-        <p:spPr>
-          <a:xfrm>
-            <a:off x="316872" y="1120960"/>
-            <a:ext cx="4773811" cy="0"/>
-          </a:xfrm>
-          <a:prstGeom prst="line">
-            <a:avLst/>
-          </a:prstGeom>
-        </p:spPr>
-        <p:style>
-          <a:lnRef idx="2">
-            <a:schemeClr val="accent2"/>
-          </a:lnRef>
-          <a:fillRef idx="0">
-            <a:schemeClr val="accent2"/>
-          </a:fillRef>
-          <a:effectRef idx="1">
-            <a:schemeClr val="accent2"/>
-          </a:effectRef>
-          <a:fontRef idx="minor">
-            <a:schemeClr val="tx1"/>
-          </a:fontRef>
-        </p:style>
-      </p:cxnSp>
       <p:pic>
         <p:nvPicPr>
           <p:cNvPr id="2050" name="Picture 2">
             <a:extLst>
               <a:ext uri="{FF2B5EF4-FFF2-40B4-BE49-F238E27FC236}">
-                <a16:creationId xmlns:a16="http://schemas.microsoft.com/office/drawing/2014/main" id="{9BB6FE9E-64A8-17B6-D063-A13468FE7A08}"/>
+                <a16:creationId xmlns:a16="http://schemas.microsoft.com/office/drawing/2014/main" id="{844BB5D2-CDAB-C570-8E4F-0BE060C8BC94}"/>
               </a:ext>
             </a:extLst>
           </p:cNvPr>
@@ -6908,7 +6268,7 @@
           <p:cNvPr id="17" name="Textfeld 16">
             <a:extLst>
               <a:ext uri="{FF2B5EF4-FFF2-40B4-BE49-F238E27FC236}">
-                <a16:creationId xmlns:a16="http://schemas.microsoft.com/office/drawing/2014/main" id="{4E4CFEA2-78C2-7E02-041E-E3AAA31214B7}"/>
+                <a16:creationId xmlns:a16="http://schemas.microsoft.com/office/drawing/2014/main" id="{25EDADAA-7BC3-8473-3ED5-B4CAB057CA96}"/>
               </a:ext>
             </a:extLst>
           </p:cNvPr>
@@ -6947,7 +6307,7 @@
           <p:cNvPr id="2052" name="Picture 4">
             <a:extLst>
               <a:ext uri="{FF2B5EF4-FFF2-40B4-BE49-F238E27FC236}">
-                <a16:creationId xmlns:a16="http://schemas.microsoft.com/office/drawing/2014/main" id="{139F89F9-3C12-FDE1-0F84-B04D945DAB90}"/>
+                <a16:creationId xmlns:a16="http://schemas.microsoft.com/office/drawing/2014/main" id="{76DF4355-8CC2-46FE-D5BE-D451A065F8E0}"/>
               </a:ext>
             </a:extLst>
           </p:cNvPr>
@@ -6994,7 +6354,7 @@
           <p:cNvPr id="18" name="Textfeld 17">
             <a:extLst>
               <a:ext uri="{FF2B5EF4-FFF2-40B4-BE49-F238E27FC236}">
-                <a16:creationId xmlns:a16="http://schemas.microsoft.com/office/drawing/2014/main" id="{4BB4D71E-891A-2B02-0080-50C92F5E0332}"/>
+                <a16:creationId xmlns:a16="http://schemas.microsoft.com/office/drawing/2014/main" id="{A54DE0DC-3B33-A941-B193-6467E873F27E}"/>
               </a:ext>
             </a:extLst>
           </p:cNvPr>
@@ -7029,7 +6389,7 @@
           <p:cNvPr id="2054" name="Picture 6">
             <a:extLst>
               <a:ext uri="{FF2B5EF4-FFF2-40B4-BE49-F238E27FC236}">
-                <a16:creationId xmlns:a16="http://schemas.microsoft.com/office/drawing/2014/main" id="{C7360EEF-0648-14C1-76FE-9608E680E32C}"/>
+                <a16:creationId xmlns:a16="http://schemas.microsoft.com/office/drawing/2014/main" id="{CDD4B391-2EF2-1572-2BD5-91EF01EE83F9}"/>
               </a:ext>
             </a:extLst>
           </p:cNvPr>
@@ -7076,7 +6436,7 @@
           <p:cNvPr id="19" name="Textfeld 18">
             <a:extLst>
               <a:ext uri="{FF2B5EF4-FFF2-40B4-BE49-F238E27FC236}">
-                <a16:creationId xmlns:a16="http://schemas.microsoft.com/office/drawing/2014/main" id="{95710C86-FD8E-BF68-23AA-7EA439926695}"/>
+                <a16:creationId xmlns:a16="http://schemas.microsoft.com/office/drawing/2014/main" id="{BC1CC062-B9B9-C2A4-80FF-FCFBE3217FF5}"/>
               </a:ext>
             </a:extLst>
           </p:cNvPr>
@@ -7115,7 +6475,7 @@
           <p:cNvPr id="2056" name="Picture 8">
             <a:extLst>
               <a:ext uri="{FF2B5EF4-FFF2-40B4-BE49-F238E27FC236}">
-                <a16:creationId xmlns:a16="http://schemas.microsoft.com/office/drawing/2014/main" id="{B3AD0012-D5B1-89F7-0FFD-1C765FCF6F3E}"/>
+                <a16:creationId xmlns:a16="http://schemas.microsoft.com/office/drawing/2014/main" id="{75CDDAF3-84A9-AF61-9D37-02932CA287A2}"/>
               </a:ext>
             </a:extLst>
           </p:cNvPr>
@@ -7162,7 +6522,7 @@
           <p:cNvPr id="20" name="Textfeld 19">
             <a:extLst>
               <a:ext uri="{FF2B5EF4-FFF2-40B4-BE49-F238E27FC236}">
-                <a16:creationId xmlns:a16="http://schemas.microsoft.com/office/drawing/2014/main" id="{6F994C99-DC61-AD8D-BC6A-147780C28FE5}"/>
+                <a16:creationId xmlns:a16="http://schemas.microsoft.com/office/drawing/2014/main" id="{80BA2653-D167-FF84-4C62-2818378AB078}"/>
               </a:ext>
             </a:extLst>
           </p:cNvPr>
@@ -7197,7 +6557,7 @@
           <p:cNvPr id="2058" name="Picture 10">
             <a:extLst>
               <a:ext uri="{FF2B5EF4-FFF2-40B4-BE49-F238E27FC236}">
-                <a16:creationId xmlns:a16="http://schemas.microsoft.com/office/drawing/2014/main" id="{85E9F68B-639C-6285-3A57-0D9A353336D2}"/>
+                <a16:creationId xmlns:a16="http://schemas.microsoft.com/office/drawing/2014/main" id="{11DEE1F8-43B3-B7AB-8044-64EE4E70F425}"/>
               </a:ext>
             </a:extLst>
           </p:cNvPr>
@@ -7244,7 +6604,7 @@
           <p:cNvPr id="21" name="Textfeld 20">
             <a:extLst>
               <a:ext uri="{FF2B5EF4-FFF2-40B4-BE49-F238E27FC236}">
-                <a16:creationId xmlns:a16="http://schemas.microsoft.com/office/drawing/2014/main" id="{0F08E389-1717-D45C-D922-81DCCCB1CF7D}"/>
+                <a16:creationId xmlns:a16="http://schemas.microsoft.com/office/drawing/2014/main" id="{A17F2000-2743-AD03-BDD6-B2A996CCBFB1}"/>
               </a:ext>
             </a:extLst>
           </p:cNvPr>
@@ -7283,7 +6643,7 @@
           <p:cNvPr id="22" name="Textfeld 21">
             <a:extLst>
               <a:ext uri="{FF2B5EF4-FFF2-40B4-BE49-F238E27FC236}">
-                <a16:creationId xmlns:a16="http://schemas.microsoft.com/office/drawing/2014/main" id="{A3F0F336-0EC3-4D19-4498-F7B7A94A6A53}"/>
+                <a16:creationId xmlns:a16="http://schemas.microsoft.com/office/drawing/2014/main" id="{1F66DA46-D7B7-1AAA-D933-71015EA61851}"/>
               </a:ext>
             </a:extLst>
           </p:cNvPr>
@@ -7293,7 +6653,7 @@
         <p:spPr>
           <a:xfrm>
             <a:off x="7506393" y="4409486"/>
-            <a:ext cx="3856795" cy="1877437"/>
+            <a:ext cx="3482565" cy="1877437"/>
           </a:xfrm>
           <a:prstGeom prst="rect">
             <a:avLst/>
@@ -7321,7 +6681,15 @@
             </a:r>
             <a:r>
               <a:rPr lang="de-DE" sz="2000" dirty="0"/>
-              <a:t> Proteins:</a:t>
+              <a:t> </a:t>
+            </a:r>
+            <a:r>
+              <a:rPr lang="de-DE" sz="2000" dirty="0" err="1"/>
+              <a:t>proteins</a:t>
+            </a:r>
+            <a:r>
+              <a:rPr lang="de-DE" sz="2000" dirty="0"/>
+              <a:t>:</a:t>
             </a:r>
           </a:p>
           <a:p>
@@ -7382,13 +6750,1291 @@
     </p:spTree>
     <p:extLst>
       <p:ext uri="{BB962C8B-B14F-4D97-AF65-F5344CB8AC3E}">
-        <p14:creationId xmlns:p14="http://schemas.microsoft.com/office/powerpoint/2010/main" val="2268388141"/>
+        <p14:creationId xmlns:p14="http://schemas.microsoft.com/office/powerpoint/2010/main" val="1321472450"/>
       </p:ext>
     </p:extLst>
   </p:cSld>
   <p:clrMapOvr>
     <a:masterClrMapping/>
   </p:clrMapOvr>
+  <p:timing>
+    <p:tnLst>
+      <p:par>
+        <p:cTn id="1" dur="indefinite" restart="never" nodeType="tmRoot">
+          <p:childTnLst>
+            <p:seq concurrent="1" nextAc="seek">
+              <p:cTn id="2" dur="indefinite" nodeType="mainSeq">
+                <p:childTnLst>
+                  <p:par>
+                    <p:cTn id="3" fill="hold">
+                      <p:stCondLst>
+                        <p:cond delay="indefinite"/>
+                      </p:stCondLst>
+                      <p:childTnLst>
+                        <p:par>
+                          <p:cTn id="4" fill="hold">
+                            <p:stCondLst>
+                              <p:cond delay="0"/>
+                            </p:stCondLst>
+                            <p:childTnLst>
+                              <p:par>
+                                <p:cTn id="5" presetID="1" presetClass="entr" presetSubtype="0" fill="hold" grpId="0" nodeType="clickEffect">
+                                  <p:stCondLst>
+                                    <p:cond delay="0"/>
+                                  </p:stCondLst>
+                                  <p:childTnLst>
+                                    <p:set>
+                                      <p:cBhvr>
+                                        <p:cTn id="6" dur="1" fill="hold">
+                                          <p:stCondLst>
+                                            <p:cond delay="0"/>
+                                          </p:stCondLst>
+                                        </p:cTn>
+                                        <p:tgtEl>
+                                          <p:spTgt spid="22"/>
+                                        </p:tgtEl>
+                                        <p:attrNameLst>
+                                          <p:attrName>style.visibility</p:attrName>
+                                        </p:attrNameLst>
+                                      </p:cBhvr>
+                                      <p:to>
+                                        <p:strVal val="visible"/>
+                                      </p:to>
+                                    </p:set>
+                                  </p:childTnLst>
+                                </p:cTn>
+                              </p:par>
+                            </p:childTnLst>
+                          </p:cTn>
+                        </p:par>
+                      </p:childTnLst>
+                    </p:cTn>
+                  </p:par>
+                  <p:par>
+                    <p:cTn id="7" fill="hold">
+                      <p:stCondLst>
+                        <p:cond delay="indefinite"/>
+                      </p:stCondLst>
+                      <p:childTnLst>
+                        <p:par>
+                          <p:cTn id="8" fill="hold">
+                            <p:stCondLst>
+                              <p:cond delay="0"/>
+                            </p:stCondLst>
+                            <p:childTnLst>
+                              <p:par>
+                                <p:cTn id="9" presetID="1" presetClass="entr" presetSubtype="0" fill="hold" nodeType="clickEffect">
+                                  <p:stCondLst>
+                                    <p:cond delay="0"/>
+                                  </p:stCondLst>
+                                  <p:childTnLst>
+                                    <p:set>
+                                      <p:cBhvr>
+                                        <p:cTn id="10" dur="1" fill="hold">
+                                          <p:stCondLst>
+                                            <p:cond delay="0"/>
+                                          </p:stCondLst>
+                                        </p:cTn>
+                                        <p:tgtEl>
+                                          <p:spTgt spid="2054"/>
+                                        </p:tgtEl>
+                                        <p:attrNameLst>
+                                          <p:attrName>style.visibility</p:attrName>
+                                        </p:attrNameLst>
+                                      </p:cBhvr>
+                                      <p:to>
+                                        <p:strVal val="visible"/>
+                                      </p:to>
+                                    </p:set>
+                                  </p:childTnLst>
+                                </p:cTn>
+                              </p:par>
+                              <p:par>
+                                <p:cTn id="11" presetID="1" presetClass="entr" presetSubtype="0" fill="hold" grpId="0" nodeType="withEffect">
+                                  <p:stCondLst>
+                                    <p:cond delay="0"/>
+                                  </p:stCondLst>
+                                  <p:childTnLst>
+                                    <p:set>
+                                      <p:cBhvr>
+                                        <p:cTn id="12" dur="1" fill="hold">
+                                          <p:stCondLst>
+                                            <p:cond delay="0"/>
+                                          </p:stCondLst>
+                                        </p:cTn>
+                                        <p:tgtEl>
+                                          <p:spTgt spid="19"/>
+                                        </p:tgtEl>
+                                        <p:attrNameLst>
+                                          <p:attrName>style.visibility</p:attrName>
+                                        </p:attrNameLst>
+                                      </p:cBhvr>
+                                      <p:to>
+                                        <p:strVal val="visible"/>
+                                      </p:to>
+                                    </p:set>
+                                  </p:childTnLst>
+                                </p:cTn>
+                              </p:par>
+                            </p:childTnLst>
+                          </p:cTn>
+                        </p:par>
+                      </p:childTnLst>
+                    </p:cTn>
+                  </p:par>
+                  <p:par>
+                    <p:cTn id="13" fill="hold">
+                      <p:stCondLst>
+                        <p:cond delay="indefinite"/>
+                      </p:stCondLst>
+                      <p:childTnLst>
+                        <p:par>
+                          <p:cTn id="14" fill="hold">
+                            <p:stCondLst>
+                              <p:cond delay="0"/>
+                            </p:stCondLst>
+                            <p:childTnLst>
+                              <p:par>
+                                <p:cTn id="15" presetID="1" presetClass="entr" presetSubtype="0" fill="hold" nodeType="clickEffect">
+                                  <p:stCondLst>
+                                    <p:cond delay="0"/>
+                                  </p:stCondLst>
+                                  <p:childTnLst>
+                                    <p:set>
+                                      <p:cBhvr>
+                                        <p:cTn id="16" dur="1" fill="hold">
+                                          <p:stCondLst>
+                                            <p:cond delay="0"/>
+                                          </p:stCondLst>
+                                        </p:cTn>
+                                        <p:tgtEl>
+                                          <p:spTgt spid="2052"/>
+                                        </p:tgtEl>
+                                        <p:attrNameLst>
+                                          <p:attrName>style.visibility</p:attrName>
+                                        </p:attrNameLst>
+                                      </p:cBhvr>
+                                      <p:to>
+                                        <p:strVal val="visible"/>
+                                      </p:to>
+                                    </p:set>
+                                  </p:childTnLst>
+                                </p:cTn>
+                              </p:par>
+                              <p:par>
+                                <p:cTn id="17" presetID="1" presetClass="entr" presetSubtype="0" fill="hold" grpId="0" nodeType="withEffect">
+                                  <p:stCondLst>
+                                    <p:cond delay="0"/>
+                                  </p:stCondLst>
+                                  <p:childTnLst>
+                                    <p:set>
+                                      <p:cBhvr>
+                                        <p:cTn id="18" dur="1" fill="hold">
+                                          <p:stCondLst>
+                                            <p:cond delay="0"/>
+                                          </p:stCondLst>
+                                        </p:cTn>
+                                        <p:tgtEl>
+                                          <p:spTgt spid="17"/>
+                                        </p:tgtEl>
+                                        <p:attrNameLst>
+                                          <p:attrName>style.visibility</p:attrName>
+                                        </p:attrNameLst>
+                                      </p:cBhvr>
+                                      <p:to>
+                                        <p:strVal val="visible"/>
+                                      </p:to>
+                                    </p:set>
+                                  </p:childTnLst>
+                                </p:cTn>
+                              </p:par>
+                            </p:childTnLst>
+                          </p:cTn>
+                        </p:par>
+                      </p:childTnLst>
+                    </p:cTn>
+                  </p:par>
+                  <p:par>
+                    <p:cTn id="19" fill="hold">
+                      <p:stCondLst>
+                        <p:cond delay="indefinite"/>
+                      </p:stCondLst>
+                      <p:childTnLst>
+                        <p:par>
+                          <p:cTn id="20" fill="hold">
+                            <p:stCondLst>
+                              <p:cond delay="0"/>
+                            </p:stCondLst>
+                            <p:childTnLst>
+                              <p:par>
+                                <p:cTn id="21" presetID="1" presetClass="entr" presetSubtype="0" fill="hold" nodeType="clickEffect">
+                                  <p:stCondLst>
+                                    <p:cond delay="0"/>
+                                  </p:stCondLst>
+                                  <p:childTnLst>
+                                    <p:set>
+                                      <p:cBhvr>
+                                        <p:cTn id="22" dur="1" fill="hold">
+                                          <p:stCondLst>
+                                            <p:cond delay="0"/>
+                                          </p:stCondLst>
+                                        </p:cTn>
+                                        <p:tgtEl>
+                                          <p:spTgt spid="2050"/>
+                                        </p:tgtEl>
+                                        <p:attrNameLst>
+                                          <p:attrName>style.visibility</p:attrName>
+                                        </p:attrNameLst>
+                                      </p:cBhvr>
+                                      <p:to>
+                                        <p:strVal val="visible"/>
+                                      </p:to>
+                                    </p:set>
+                                  </p:childTnLst>
+                                </p:cTn>
+                              </p:par>
+                              <p:par>
+                                <p:cTn id="23" presetID="1" presetClass="entr" presetSubtype="0" fill="hold" grpId="0" nodeType="withEffect">
+                                  <p:stCondLst>
+                                    <p:cond delay="0"/>
+                                  </p:stCondLst>
+                                  <p:childTnLst>
+                                    <p:set>
+                                      <p:cBhvr>
+                                        <p:cTn id="24" dur="1" fill="hold">
+                                          <p:stCondLst>
+                                            <p:cond delay="0"/>
+                                          </p:stCondLst>
+                                        </p:cTn>
+                                        <p:tgtEl>
+                                          <p:spTgt spid="18"/>
+                                        </p:tgtEl>
+                                        <p:attrNameLst>
+                                          <p:attrName>style.visibility</p:attrName>
+                                        </p:attrNameLst>
+                                      </p:cBhvr>
+                                      <p:to>
+                                        <p:strVal val="visible"/>
+                                      </p:to>
+                                    </p:set>
+                                  </p:childTnLst>
+                                </p:cTn>
+                              </p:par>
+                            </p:childTnLst>
+                          </p:cTn>
+                        </p:par>
+                      </p:childTnLst>
+                    </p:cTn>
+                  </p:par>
+                  <p:par>
+                    <p:cTn id="25" fill="hold">
+                      <p:stCondLst>
+                        <p:cond delay="indefinite"/>
+                      </p:stCondLst>
+                      <p:childTnLst>
+                        <p:par>
+                          <p:cTn id="26" fill="hold">
+                            <p:stCondLst>
+                              <p:cond delay="0"/>
+                            </p:stCondLst>
+                            <p:childTnLst>
+                              <p:par>
+                                <p:cTn id="27" presetID="1" presetClass="entr" presetSubtype="0" fill="hold" nodeType="clickEffect">
+                                  <p:stCondLst>
+                                    <p:cond delay="0"/>
+                                  </p:stCondLst>
+                                  <p:childTnLst>
+                                    <p:set>
+                                      <p:cBhvr>
+                                        <p:cTn id="28" dur="1" fill="hold">
+                                          <p:stCondLst>
+                                            <p:cond delay="0"/>
+                                          </p:stCondLst>
+                                        </p:cTn>
+                                        <p:tgtEl>
+                                          <p:spTgt spid="2056"/>
+                                        </p:tgtEl>
+                                        <p:attrNameLst>
+                                          <p:attrName>style.visibility</p:attrName>
+                                        </p:attrNameLst>
+                                      </p:cBhvr>
+                                      <p:to>
+                                        <p:strVal val="visible"/>
+                                      </p:to>
+                                    </p:set>
+                                  </p:childTnLst>
+                                </p:cTn>
+                              </p:par>
+                              <p:par>
+                                <p:cTn id="29" presetID="1" presetClass="entr" presetSubtype="0" fill="hold" grpId="0" nodeType="withEffect">
+                                  <p:stCondLst>
+                                    <p:cond delay="0"/>
+                                  </p:stCondLst>
+                                  <p:childTnLst>
+                                    <p:set>
+                                      <p:cBhvr>
+                                        <p:cTn id="30" dur="1" fill="hold">
+                                          <p:stCondLst>
+                                            <p:cond delay="0"/>
+                                          </p:stCondLst>
+                                        </p:cTn>
+                                        <p:tgtEl>
+                                          <p:spTgt spid="20"/>
+                                        </p:tgtEl>
+                                        <p:attrNameLst>
+                                          <p:attrName>style.visibility</p:attrName>
+                                        </p:attrNameLst>
+                                      </p:cBhvr>
+                                      <p:to>
+                                        <p:strVal val="visible"/>
+                                      </p:to>
+                                    </p:set>
+                                  </p:childTnLst>
+                                </p:cTn>
+                              </p:par>
+                            </p:childTnLst>
+                          </p:cTn>
+                        </p:par>
+                      </p:childTnLst>
+                    </p:cTn>
+                  </p:par>
+                  <p:par>
+                    <p:cTn id="31" fill="hold">
+                      <p:stCondLst>
+                        <p:cond delay="indefinite"/>
+                      </p:stCondLst>
+                      <p:childTnLst>
+                        <p:par>
+                          <p:cTn id="32" fill="hold">
+                            <p:stCondLst>
+                              <p:cond delay="0"/>
+                            </p:stCondLst>
+                            <p:childTnLst>
+                              <p:par>
+                                <p:cTn id="33" presetID="1" presetClass="entr" presetSubtype="0" fill="hold" nodeType="clickEffect">
+                                  <p:stCondLst>
+                                    <p:cond delay="0"/>
+                                  </p:stCondLst>
+                                  <p:childTnLst>
+                                    <p:set>
+                                      <p:cBhvr>
+                                        <p:cTn id="34" dur="1" fill="hold">
+                                          <p:stCondLst>
+                                            <p:cond delay="0"/>
+                                          </p:stCondLst>
+                                        </p:cTn>
+                                        <p:tgtEl>
+                                          <p:spTgt spid="2058"/>
+                                        </p:tgtEl>
+                                        <p:attrNameLst>
+                                          <p:attrName>style.visibility</p:attrName>
+                                        </p:attrNameLst>
+                                      </p:cBhvr>
+                                      <p:to>
+                                        <p:strVal val="visible"/>
+                                      </p:to>
+                                    </p:set>
+                                  </p:childTnLst>
+                                </p:cTn>
+                              </p:par>
+                              <p:par>
+                                <p:cTn id="35" presetID="1" presetClass="entr" presetSubtype="0" fill="hold" grpId="0" nodeType="withEffect">
+                                  <p:stCondLst>
+                                    <p:cond delay="0"/>
+                                  </p:stCondLst>
+                                  <p:childTnLst>
+                                    <p:set>
+                                      <p:cBhvr>
+                                        <p:cTn id="36" dur="1" fill="hold">
+                                          <p:stCondLst>
+                                            <p:cond delay="0"/>
+                                          </p:stCondLst>
+                                        </p:cTn>
+                                        <p:tgtEl>
+                                          <p:spTgt spid="21"/>
+                                        </p:tgtEl>
+                                        <p:attrNameLst>
+                                          <p:attrName>style.visibility</p:attrName>
+                                        </p:attrNameLst>
+                                      </p:cBhvr>
+                                      <p:to>
+                                        <p:strVal val="visible"/>
+                                      </p:to>
+                                    </p:set>
+                                  </p:childTnLst>
+                                </p:cTn>
+                              </p:par>
+                            </p:childTnLst>
+                          </p:cTn>
+                        </p:par>
+                      </p:childTnLst>
+                    </p:cTn>
+                  </p:par>
+                </p:childTnLst>
+              </p:cTn>
+              <p:prevCondLst>
+                <p:cond evt="onPrev" delay="0">
+                  <p:tgtEl>
+                    <p:sldTgt/>
+                  </p:tgtEl>
+                </p:cond>
+              </p:prevCondLst>
+              <p:nextCondLst>
+                <p:cond evt="onNext" delay="0">
+                  <p:tgtEl>
+                    <p:sldTgt/>
+                  </p:tgtEl>
+                </p:cond>
+              </p:nextCondLst>
+            </p:seq>
+          </p:childTnLst>
+        </p:cTn>
+      </p:par>
+    </p:tnLst>
+    <p:bldLst>
+      <p:bldP spid="17" grpId="0"/>
+      <p:bldP spid="18" grpId="0"/>
+      <p:bldP spid="19" grpId="0"/>
+      <p:bldP spid="20" grpId="0"/>
+      <p:bldP spid="21" grpId="0"/>
+      <p:bldP spid="22" grpId="0" animBg="1"/>
+    </p:bldLst>
+  </p:timing>
+</p:sld>
+</file>
+
+<file path=ppt/slides/slide16.xml><?xml version="1.0" encoding="utf-8"?>
+<p:sld xmlns:a="http://schemas.openxmlformats.org/drawingml/2006/main" xmlns:r="http://schemas.openxmlformats.org/officeDocument/2006/relationships" xmlns:p="http://schemas.openxmlformats.org/presentationml/2006/main">
+  <p:cSld>
+    <p:spTree>
+      <p:nvGrpSpPr>
+        <p:cNvPr id="1" name="">
+          <a:extLst>
+            <a:ext uri="{FF2B5EF4-FFF2-40B4-BE49-F238E27FC236}">
+              <a16:creationId xmlns:a16="http://schemas.microsoft.com/office/drawing/2014/main" id="{8D486DE1-B373-02CD-2917-C223935DEA92}"/>
+            </a:ext>
+          </a:extLst>
+        </p:cNvPr>
+        <p:cNvGrpSpPr/>
+        <p:nvPr/>
+      </p:nvGrpSpPr>
+      <p:grpSpPr>
+        <a:xfrm>
+          <a:off x="0" y="0"/>
+          <a:ext cx="0" cy="0"/>
+          <a:chOff x="0" y="0"/>
+          <a:chExt cx="0" cy="0"/>
+        </a:xfrm>
+      </p:grpSpPr>
+      <p:sp>
+        <p:nvSpPr>
+          <p:cNvPr id="3" name="Inhaltsplatzhalter 2">
+            <a:extLst>
+              <a:ext uri="{FF2B5EF4-FFF2-40B4-BE49-F238E27FC236}">
+                <a16:creationId xmlns:a16="http://schemas.microsoft.com/office/drawing/2014/main" id="{B63B3422-754C-1AC6-933A-B27094E820DE}"/>
+              </a:ext>
+            </a:extLst>
+          </p:cNvPr>
+          <p:cNvSpPr>
+            <a:spLocks noGrp="1"/>
+          </p:cNvSpPr>
+          <p:nvPr>
+            <p:ph idx="1"/>
+          </p:nvPr>
+        </p:nvSpPr>
+        <p:spPr>
+          <a:xfrm>
+            <a:off x="433861" y="4412053"/>
+            <a:ext cx="9726139" cy="1946736"/>
+          </a:xfrm>
+        </p:spPr>
+        <p:txBody>
+          <a:bodyPr>
+            <a:noAutofit/>
+          </a:bodyPr>
+          <a:lstStyle/>
+          <a:p>
+            <a:r>
+              <a:rPr lang="de-DE" sz="2000" dirty="0" err="1"/>
+              <a:t>Mass</a:t>
+            </a:r>
+            <a:r>
+              <a:rPr lang="de-DE" sz="2000" dirty="0"/>
+              <a:t> </a:t>
+            </a:r>
+            <a:r>
+              <a:rPr lang="de-DE" sz="2000" dirty="0" err="1"/>
+              <a:t>spectrometric</a:t>
+            </a:r>
+            <a:r>
+              <a:rPr lang="de-DE" sz="2000" dirty="0"/>
+              <a:t> quantitative </a:t>
+            </a:r>
+            <a:r>
+              <a:rPr lang="de-DE" sz="2000" dirty="0" err="1"/>
+              <a:t>results</a:t>
+            </a:r>
+            <a:r>
+              <a:rPr lang="de-DE" sz="2000" dirty="0"/>
+              <a:t> per </a:t>
+            </a:r>
+            <a:r>
+              <a:rPr lang="de-DE" sz="2000" dirty="0" err="1"/>
+              <a:t>protein</a:t>
+            </a:r>
+            <a:r>
+              <a:rPr lang="de-DE" sz="2000" dirty="0"/>
+              <a:t> per </a:t>
+            </a:r>
+            <a:r>
+              <a:rPr lang="de-DE" sz="2000" dirty="0" err="1"/>
+              <a:t>fraction</a:t>
+            </a:r>
+            <a:endParaRPr lang="de-DE" sz="2000" dirty="0"/>
+          </a:p>
+          <a:p>
+            <a:pPr marL="0" indent="0">
+              <a:buNone/>
+            </a:pPr>
+            <a:endParaRPr lang="de-DE" sz="800" dirty="0"/>
+          </a:p>
+          <a:p>
+            <a:r>
+              <a:rPr lang="de-DE" sz="2000" dirty="0" err="1"/>
+              <a:t>Comparison</a:t>
+            </a:r>
+            <a:r>
+              <a:rPr lang="de-DE" sz="2000" dirty="0"/>
+              <a:t> </a:t>
+            </a:r>
+            <a:r>
+              <a:rPr lang="de-DE" sz="2000" dirty="0" err="1"/>
+              <a:t>of</a:t>
+            </a:r>
+            <a:r>
+              <a:rPr lang="de-DE" sz="2000" dirty="0"/>
+              <a:t> </a:t>
+            </a:r>
+            <a:r>
+              <a:rPr lang="de-DE" sz="2000" dirty="0" err="1"/>
+              <a:t>the</a:t>
+            </a:r>
+            <a:r>
+              <a:rPr lang="de-DE" sz="2000" dirty="0"/>
+              <a:t> </a:t>
+            </a:r>
+            <a:r>
+              <a:rPr lang="de-DE" sz="2000" dirty="0" err="1"/>
+              <a:t>occurence</a:t>
+            </a:r>
+            <a:r>
+              <a:rPr lang="de-DE" sz="2000" dirty="0"/>
+              <a:t> </a:t>
+            </a:r>
+            <a:r>
+              <a:rPr lang="de-DE" sz="2000" dirty="0" err="1"/>
+              <a:t>of</a:t>
+            </a:r>
+            <a:r>
+              <a:rPr lang="de-DE" sz="2000" dirty="0"/>
+              <a:t> </a:t>
+            </a:r>
+            <a:r>
+              <a:rPr lang="de-DE" sz="2000" dirty="0" err="1"/>
+              <a:t>proteins</a:t>
+            </a:r>
+            <a:r>
+              <a:rPr lang="de-DE" sz="2000" dirty="0"/>
+              <a:t> in different </a:t>
+            </a:r>
+            <a:r>
+              <a:rPr lang="de-DE" sz="2000" dirty="0" err="1"/>
+              <a:t>fractions</a:t>
+            </a:r>
+            <a:r>
+              <a:rPr lang="de-DE" sz="2000" dirty="0"/>
+              <a:t> </a:t>
+            </a:r>
+            <a:r>
+              <a:rPr lang="de-DE" sz="2000" dirty="0" err="1"/>
+              <a:t>of</a:t>
+            </a:r>
+            <a:r>
+              <a:rPr lang="de-DE" sz="2000" dirty="0"/>
+              <a:t> Control and </a:t>
+            </a:r>
+            <a:r>
+              <a:rPr lang="de-DE" sz="2000" dirty="0" err="1"/>
+              <a:t>RNase</a:t>
+            </a:r>
+            <a:r>
+              <a:rPr lang="de-DE" sz="2000" dirty="0"/>
+              <a:t> </a:t>
+            </a:r>
+          </a:p>
+          <a:p>
+            <a:endParaRPr lang="de-DE" sz="800" dirty="0"/>
+          </a:p>
+          <a:p>
+            <a:endParaRPr lang="de-DE" sz="800" dirty="0"/>
+          </a:p>
+          <a:p>
+            <a:pPr marL="0" indent="0">
+              <a:buNone/>
+            </a:pPr>
+            <a:r>
+              <a:rPr lang="de-DE" b="1" dirty="0">
+                <a:sym typeface="Wingdings" panose="05000000000000000000" pitchFamily="2" charset="2"/>
+              </a:rPr>
+              <a:t> </a:t>
+            </a:r>
+            <a:r>
+              <a:rPr lang="en-GB" b="1" noProof="0" dirty="0"/>
+              <a:t>Which proteins are RNA-dependent?</a:t>
+            </a:r>
+            <a:endParaRPr lang="de-DE" b="1" dirty="0"/>
+          </a:p>
+          <a:p>
+            <a:pPr marL="0" indent="0">
+              <a:buNone/>
+            </a:pPr>
+            <a:endParaRPr lang="de-DE" dirty="0"/>
+          </a:p>
+          <a:p>
+            <a:pPr marL="0" indent="0">
+              <a:buNone/>
+            </a:pPr>
+            <a:endParaRPr lang="de-DE" dirty="0"/>
+          </a:p>
+        </p:txBody>
+      </p:sp>
+      <p:cxnSp>
+        <p:nvCxnSpPr>
+          <p:cNvPr id="5" name="Gerade Verbindung mit Pfeil 4">
+            <a:extLst>
+              <a:ext uri="{FF2B5EF4-FFF2-40B4-BE49-F238E27FC236}">
+                <a16:creationId xmlns:a16="http://schemas.microsoft.com/office/drawing/2014/main" id="{B8873F2D-4A4F-5619-DC79-373E254C99BE}"/>
+              </a:ext>
+            </a:extLst>
+          </p:cNvPr>
+          <p:cNvCxnSpPr>
+            <a:cxnSpLocks/>
+          </p:cNvCxnSpPr>
+          <p:nvPr/>
+        </p:nvCxnSpPr>
+        <p:spPr>
+          <a:xfrm>
+            <a:off x="1892174" y="2164985"/>
+            <a:ext cx="0" cy="1835203"/>
+          </a:xfrm>
+          <a:prstGeom prst="straightConnector1">
+            <a:avLst/>
+          </a:prstGeom>
+          <a:ln>
+            <a:tailEnd type="triangle"/>
+          </a:ln>
+        </p:spPr>
+        <p:style>
+          <a:lnRef idx="2">
+            <a:schemeClr val="dk1"/>
+          </a:lnRef>
+          <a:fillRef idx="0">
+            <a:schemeClr val="dk1"/>
+          </a:fillRef>
+          <a:effectRef idx="1">
+            <a:schemeClr val="dk1"/>
+          </a:effectRef>
+          <a:fontRef idx="minor">
+            <a:schemeClr val="tx1"/>
+          </a:fontRef>
+        </p:style>
+      </p:cxnSp>
+      <p:cxnSp>
+        <p:nvCxnSpPr>
+          <p:cNvPr id="8" name="Gerade Verbindung mit Pfeil 7">
+            <a:extLst>
+              <a:ext uri="{FF2B5EF4-FFF2-40B4-BE49-F238E27FC236}">
+                <a16:creationId xmlns:a16="http://schemas.microsoft.com/office/drawing/2014/main" id="{916F78CD-367D-971F-8572-A4AED0E43B00}"/>
+              </a:ext>
+            </a:extLst>
+          </p:cNvPr>
+          <p:cNvCxnSpPr>
+            <a:cxnSpLocks/>
+          </p:cNvCxnSpPr>
+          <p:nvPr/>
+        </p:nvCxnSpPr>
+        <p:spPr>
+          <a:xfrm>
+            <a:off x="1892174" y="2164985"/>
+            <a:ext cx="2127565" cy="0"/>
+          </a:xfrm>
+          <a:prstGeom prst="straightConnector1">
+            <a:avLst/>
+          </a:prstGeom>
+          <a:ln>
+            <a:tailEnd type="triangle"/>
+          </a:ln>
+        </p:spPr>
+        <p:style>
+          <a:lnRef idx="2">
+            <a:schemeClr val="dk1"/>
+          </a:lnRef>
+          <a:fillRef idx="0">
+            <a:schemeClr val="dk1"/>
+          </a:fillRef>
+          <a:effectRef idx="1">
+            <a:schemeClr val="dk1"/>
+          </a:effectRef>
+          <a:fontRef idx="minor">
+            <a:schemeClr val="tx1"/>
+          </a:fontRef>
+        </p:style>
+      </p:cxnSp>
+      <p:sp>
+        <p:nvSpPr>
+          <p:cNvPr id="10" name="Textfeld 9">
+            <a:extLst>
+              <a:ext uri="{FF2B5EF4-FFF2-40B4-BE49-F238E27FC236}">
+                <a16:creationId xmlns:a16="http://schemas.microsoft.com/office/drawing/2014/main" id="{3E3F1D6C-3306-7AD9-AE71-6E4D4BE5D25D}"/>
+              </a:ext>
+            </a:extLst>
+          </p:cNvPr>
+          <p:cNvSpPr txBox="1"/>
+          <p:nvPr/>
+        </p:nvSpPr>
+        <p:spPr>
+          <a:xfrm>
+            <a:off x="1892174" y="1700314"/>
+            <a:ext cx="2480650" cy="307777"/>
+          </a:xfrm>
+          <a:prstGeom prst="rect">
+            <a:avLst/>
+          </a:prstGeom>
+          <a:noFill/>
+        </p:spPr>
+        <p:txBody>
+          <a:bodyPr wrap="square" rtlCol="0">
+            <a:spAutoFit/>
+          </a:bodyPr>
+          <a:lstStyle/>
+          <a:p>
+            <a:pPr algn="ctr"/>
+            <a:r>
+              <a:rPr lang="de-DE" sz="1400" dirty="0"/>
+              <a:t>Control and </a:t>
+            </a:r>
+            <a:r>
+              <a:rPr lang="de-DE" sz="1400" dirty="0" err="1"/>
+              <a:t>RNase</a:t>
+            </a:r>
+            <a:r>
+              <a:rPr lang="de-DE" sz="1400" dirty="0"/>
+              <a:t> </a:t>
+            </a:r>
+            <a:r>
+              <a:rPr lang="de-DE" sz="1400" dirty="0" err="1"/>
+              <a:t>fractions</a:t>
+            </a:r>
+            <a:r>
+              <a:rPr lang="de-DE" sz="1400" dirty="0"/>
+              <a:t> </a:t>
+            </a:r>
+          </a:p>
+        </p:txBody>
+      </p:sp>
+      <p:sp>
+        <p:nvSpPr>
+          <p:cNvPr id="11" name="Textfeld 10">
+            <a:extLst>
+              <a:ext uri="{FF2B5EF4-FFF2-40B4-BE49-F238E27FC236}">
+                <a16:creationId xmlns:a16="http://schemas.microsoft.com/office/drawing/2014/main" id="{7BAF76A4-3ABB-A20B-6E47-1313EB1B280B}"/>
+              </a:ext>
+            </a:extLst>
+          </p:cNvPr>
+          <p:cNvSpPr txBox="1"/>
+          <p:nvPr/>
+        </p:nvSpPr>
+        <p:spPr>
+          <a:xfrm>
+            <a:off x="941561" y="2867182"/>
+            <a:ext cx="1113576" cy="523220"/>
+          </a:xfrm>
+          <a:prstGeom prst="rect">
+            <a:avLst/>
+          </a:prstGeom>
+          <a:noFill/>
+        </p:spPr>
+        <p:txBody>
+          <a:bodyPr wrap="square" rtlCol="0">
+            <a:spAutoFit/>
+          </a:bodyPr>
+          <a:lstStyle/>
+          <a:p>
+            <a:r>
+              <a:rPr lang="de-DE" sz="1400" dirty="0"/>
+              <a:t>Different Proteins </a:t>
+            </a:r>
+          </a:p>
+        </p:txBody>
+      </p:sp>
+      <p:sp>
+        <p:nvSpPr>
+          <p:cNvPr id="12" name="Textfeld 11">
+            <a:extLst>
+              <a:ext uri="{FF2B5EF4-FFF2-40B4-BE49-F238E27FC236}">
+                <a16:creationId xmlns:a16="http://schemas.microsoft.com/office/drawing/2014/main" id="{AF27933B-E1C9-A3DB-011B-636C58192292}"/>
+              </a:ext>
+            </a:extLst>
+          </p:cNvPr>
+          <p:cNvSpPr txBox="1"/>
+          <p:nvPr/>
+        </p:nvSpPr>
+        <p:spPr>
+          <a:xfrm>
+            <a:off x="2525256" y="2782500"/>
+            <a:ext cx="2421797" cy="369332"/>
+          </a:xfrm>
+          <a:prstGeom prst="rect">
+            <a:avLst/>
+          </a:prstGeom>
+          <a:noFill/>
+        </p:spPr>
+        <p:txBody>
+          <a:bodyPr wrap="square" rtlCol="0">
+            <a:spAutoFit/>
+          </a:bodyPr>
+          <a:lstStyle/>
+          <a:p>
+            <a:r>
+              <a:rPr lang="de-DE" dirty="0"/>
+              <a:t>Dimension: 4765 x 150</a:t>
+            </a:r>
+          </a:p>
+        </p:txBody>
+      </p:sp>
+      <p:sp>
+        <p:nvSpPr>
+          <p:cNvPr id="22" name="Titel 1">
+            <a:extLst>
+              <a:ext uri="{FF2B5EF4-FFF2-40B4-BE49-F238E27FC236}">
+                <a16:creationId xmlns:a16="http://schemas.microsoft.com/office/drawing/2014/main" id="{14D05AE2-A0E1-402B-989A-6CFEEBA4FE43}"/>
+              </a:ext>
+            </a:extLst>
+          </p:cNvPr>
+          <p:cNvSpPr>
+            <a:spLocks noGrp="1"/>
+          </p:cNvSpPr>
+          <p:nvPr>
+            <p:ph type="title"/>
+          </p:nvPr>
+        </p:nvSpPr>
+        <p:spPr>
+          <a:xfrm>
+            <a:off x="247650" y="142892"/>
+            <a:ext cx="6977011" cy="1325563"/>
+          </a:xfrm>
+        </p:spPr>
+        <p:txBody>
+          <a:bodyPr/>
+          <a:lstStyle/>
+          <a:p>
+            <a:pPr algn="ctr"/>
+            <a:r>
+              <a:rPr lang="de-DE" dirty="0" err="1"/>
+              <a:t>What</a:t>
+            </a:r>
+            <a:r>
+              <a:rPr lang="de-DE" dirty="0"/>
+              <a:t> </a:t>
+            </a:r>
+            <a:r>
+              <a:rPr lang="de-DE" dirty="0" err="1"/>
+              <a:t>is</a:t>
+            </a:r>
+            <a:r>
+              <a:rPr lang="de-DE" dirty="0"/>
+              <a:t> </a:t>
+            </a:r>
+            <a:r>
+              <a:rPr lang="de-DE" dirty="0" err="1"/>
+              <a:t>our</a:t>
+            </a:r>
+            <a:r>
+              <a:rPr lang="de-DE" dirty="0"/>
+              <a:t> </a:t>
+            </a:r>
+            <a:r>
+              <a:rPr lang="de-DE" dirty="0" err="1"/>
+              <a:t>data</a:t>
+            </a:r>
+            <a:r>
+              <a:rPr lang="de-DE" dirty="0"/>
+              <a:t> </a:t>
+            </a:r>
+            <a:r>
+              <a:rPr lang="de-DE" dirty="0" err="1"/>
+              <a:t>set</a:t>
+            </a:r>
+            <a:r>
+              <a:rPr lang="de-DE" dirty="0"/>
+              <a:t> </a:t>
+            </a:r>
+            <a:r>
+              <a:rPr lang="de-DE" dirty="0" err="1"/>
+              <a:t>showing</a:t>
+            </a:r>
+            <a:r>
+              <a:rPr lang="de-DE" dirty="0"/>
+              <a:t>?  </a:t>
+            </a:r>
+          </a:p>
+        </p:txBody>
+      </p:sp>
+    </p:spTree>
+    <p:extLst>
+      <p:ext uri="{BB962C8B-B14F-4D97-AF65-F5344CB8AC3E}">
+        <p14:creationId xmlns:p14="http://schemas.microsoft.com/office/powerpoint/2010/main" val="1439278623"/>
+      </p:ext>
+    </p:extLst>
+  </p:cSld>
+  <p:clrMapOvr>
+    <a:masterClrMapping/>
+  </p:clrMapOvr>
+  <p:timing>
+    <p:tnLst>
+      <p:par>
+        <p:cTn id="1" dur="indefinite" restart="never" nodeType="tmRoot">
+          <p:childTnLst>
+            <p:seq concurrent="1" nextAc="seek">
+              <p:cTn id="2" dur="indefinite" nodeType="mainSeq">
+                <p:childTnLst>
+                  <p:par>
+                    <p:cTn id="3" fill="hold">
+                      <p:stCondLst>
+                        <p:cond delay="indefinite"/>
+                      </p:stCondLst>
+                      <p:childTnLst>
+                        <p:par>
+                          <p:cTn id="4" fill="hold">
+                            <p:stCondLst>
+                              <p:cond delay="0"/>
+                            </p:stCondLst>
+                            <p:childTnLst>
+                              <p:par>
+                                <p:cTn id="5" presetID="1" presetClass="entr" presetSubtype="0" fill="hold" grpId="0" nodeType="clickEffect">
+                                  <p:stCondLst>
+                                    <p:cond delay="0"/>
+                                  </p:stCondLst>
+                                  <p:childTnLst>
+                                    <p:set>
+                                      <p:cBhvr>
+                                        <p:cTn id="6" dur="1" fill="hold">
+                                          <p:stCondLst>
+                                            <p:cond delay="0"/>
+                                          </p:stCondLst>
+                                        </p:cTn>
+                                        <p:tgtEl>
+                                          <p:spTgt spid="10"/>
+                                        </p:tgtEl>
+                                        <p:attrNameLst>
+                                          <p:attrName>style.visibility</p:attrName>
+                                        </p:attrNameLst>
+                                      </p:cBhvr>
+                                      <p:to>
+                                        <p:strVal val="visible"/>
+                                      </p:to>
+                                    </p:set>
+                                  </p:childTnLst>
+                                </p:cTn>
+                              </p:par>
+                              <p:par>
+                                <p:cTn id="7" presetID="1" presetClass="entr" presetSubtype="0" fill="hold" nodeType="withEffect">
+                                  <p:stCondLst>
+                                    <p:cond delay="0"/>
+                                  </p:stCondLst>
+                                  <p:childTnLst>
+                                    <p:set>
+                                      <p:cBhvr>
+                                        <p:cTn id="8" dur="1" fill="hold">
+                                          <p:stCondLst>
+                                            <p:cond delay="0"/>
+                                          </p:stCondLst>
+                                        </p:cTn>
+                                        <p:tgtEl>
+                                          <p:spTgt spid="8"/>
+                                        </p:tgtEl>
+                                        <p:attrNameLst>
+                                          <p:attrName>style.visibility</p:attrName>
+                                        </p:attrNameLst>
+                                      </p:cBhvr>
+                                      <p:to>
+                                        <p:strVal val="visible"/>
+                                      </p:to>
+                                    </p:set>
+                                  </p:childTnLst>
+                                </p:cTn>
+                              </p:par>
+                              <p:par>
+                                <p:cTn id="9" presetID="1" presetClass="entr" presetSubtype="0" fill="hold" nodeType="withEffect">
+                                  <p:stCondLst>
+                                    <p:cond delay="0"/>
+                                  </p:stCondLst>
+                                  <p:childTnLst>
+                                    <p:set>
+                                      <p:cBhvr>
+                                        <p:cTn id="10" dur="1" fill="hold">
+                                          <p:stCondLst>
+                                            <p:cond delay="0"/>
+                                          </p:stCondLst>
+                                        </p:cTn>
+                                        <p:tgtEl>
+                                          <p:spTgt spid="5"/>
+                                        </p:tgtEl>
+                                        <p:attrNameLst>
+                                          <p:attrName>style.visibility</p:attrName>
+                                        </p:attrNameLst>
+                                      </p:cBhvr>
+                                      <p:to>
+                                        <p:strVal val="visible"/>
+                                      </p:to>
+                                    </p:set>
+                                  </p:childTnLst>
+                                </p:cTn>
+                              </p:par>
+                              <p:par>
+                                <p:cTn id="11" presetID="1" presetClass="entr" presetSubtype="0" fill="hold" grpId="0" nodeType="withEffect">
+                                  <p:stCondLst>
+                                    <p:cond delay="0"/>
+                                  </p:stCondLst>
+                                  <p:childTnLst>
+                                    <p:set>
+                                      <p:cBhvr>
+                                        <p:cTn id="12" dur="1" fill="hold">
+                                          <p:stCondLst>
+                                            <p:cond delay="0"/>
+                                          </p:stCondLst>
+                                        </p:cTn>
+                                        <p:tgtEl>
+                                          <p:spTgt spid="11"/>
+                                        </p:tgtEl>
+                                        <p:attrNameLst>
+                                          <p:attrName>style.visibility</p:attrName>
+                                        </p:attrNameLst>
+                                      </p:cBhvr>
+                                      <p:to>
+                                        <p:strVal val="visible"/>
+                                      </p:to>
+                                    </p:set>
+                                  </p:childTnLst>
+                                </p:cTn>
+                              </p:par>
+                              <p:par>
+                                <p:cTn id="13" presetID="1" presetClass="entr" presetSubtype="0" fill="hold" grpId="0" nodeType="withEffect">
+                                  <p:stCondLst>
+                                    <p:cond delay="0"/>
+                                  </p:stCondLst>
+                                  <p:childTnLst>
+                                    <p:set>
+                                      <p:cBhvr>
+                                        <p:cTn id="14" dur="1" fill="hold">
+                                          <p:stCondLst>
+                                            <p:cond delay="0"/>
+                                          </p:stCondLst>
+                                        </p:cTn>
+                                        <p:tgtEl>
+                                          <p:spTgt spid="12"/>
+                                        </p:tgtEl>
+                                        <p:attrNameLst>
+                                          <p:attrName>style.visibility</p:attrName>
+                                        </p:attrNameLst>
+                                      </p:cBhvr>
+                                      <p:to>
+                                        <p:strVal val="visible"/>
+                                      </p:to>
+                                    </p:set>
+                                  </p:childTnLst>
+                                </p:cTn>
+                              </p:par>
+                            </p:childTnLst>
+                          </p:cTn>
+                        </p:par>
+                      </p:childTnLst>
+                    </p:cTn>
+                  </p:par>
+                  <p:par>
+                    <p:cTn id="15" fill="hold">
+                      <p:stCondLst>
+                        <p:cond delay="indefinite"/>
+                      </p:stCondLst>
+                      <p:childTnLst>
+                        <p:par>
+                          <p:cTn id="16" fill="hold">
+                            <p:stCondLst>
+                              <p:cond delay="0"/>
+                            </p:stCondLst>
+                            <p:childTnLst>
+                              <p:par>
+                                <p:cTn id="17" presetID="1" presetClass="entr" presetSubtype="0" fill="hold" nodeType="clickEffect">
+                                  <p:stCondLst>
+                                    <p:cond delay="0"/>
+                                  </p:stCondLst>
+                                  <p:childTnLst>
+                                    <p:set>
+                                      <p:cBhvr>
+                                        <p:cTn id="18" dur="1" fill="hold">
+                                          <p:stCondLst>
+                                            <p:cond delay="0"/>
+                                          </p:stCondLst>
+                                        </p:cTn>
+                                        <p:tgtEl>
+                                          <p:spTgt spid="3">
+                                            <p:txEl>
+                                              <p:pRg st="0" end="0"/>
+                                            </p:txEl>
+                                          </p:spTgt>
+                                        </p:tgtEl>
+                                        <p:attrNameLst>
+                                          <p:attrName>style.visibility</p:attrName>
+                                        </p:attrNameLst>
+                                      </p:cBhvr>
+                                      <p:to>
+                                        <p:strVal val="visible"/>
+                                      </p:to>
+                                    </p:set>
+                                  </p:childTnLst>
+                                </p:cTn>
+                              </p:par>
+                            </p:childTnLst>
+                          </p:cTn>
+                        </p:par>
+                      </p:childTnLst>
+                    </p:cTn>
+                  </p:par>
+                  <p:par>
+                    <p:cTn id="19" fill="hold">
+                      <p:stCondLst>
+                        <p:cond delay="indefinite"/>
+                      </p:stCondLst>
+                      <p:childTnLst>
+                        <p:par>
+                          <p:cTn id="20" fill="hold">
+                            <p:stCondLst>
+                              <p:cond delay="0"/>
+                            </p:stCondLst>
+                            <p:childTnLst>
+                              <p:par>
+                                <p:cTn id="21" presetID="1" presetClass="entr" presetSubtype="0" fill="hold" nodeType="clickEffect">
+                                  <p:stCondLst>
+                                    <p:cond delay="0"/>
+                                  </p:stCondLst>
+                                  <p:childTnLst>
+                                    <p:set>
+                                      <p:cBhvr>
+                                        <p:cTn id="22" dur="1" fill="hold">
+                                          <p:stCondLst>
+                                            <p:cond delay="0"/>
+                                          </p:stCondLst>
+                                        </p:cTn>
+                                        <p:tgtEl>
+                                          <p:spTgt spid="3">
+                                            <p:txEl>
+                                              <p:pRg st="2" end="2"/>
+                                            </p:txEl>
+                                          </p:spTgt>
+                                        </p:tgtEl>
+                                        <p:attrNameLst>
+                                          <p:attrName>style.visibility</p:attrName>
+                                        </p:attrNameLst>
+                                      </p:cBhvr>
+                                      <p:to>
+                                        <p:strVal val="visible"/>
+                                      </p:to>
+                                    </p:set>
+                                  </p:childTnLst>
+                                </p:cTn>
+                              </p:par>
+                            </p:childTnLst>
+                          </p:cTn>
+                        </p:par>
+                      </p:childTnLst>
+                    </p:cTn>
+                  </p:par>
+                  <p:par>
+                    <p:cTn id="23" fill="hold">
+                      <p:stCondLst>
+                        <p:cond delay="indefinite"/>
+                      </p:stCondLst>
+                      <p:childTnLst>
+                        <p:par>
+                          <p:cTn id="24" fill="hold">
+                            <p:stCondLst>
+                              <p:cond delay="0"/>
+                            </p:stCondLst>
+                            <p:childTnLst>
+                              <p:par>
+                                <p:cTn id="25" presetID="1" presetClass="entr" presetSubtype="0" fill="hold" nodeType="clickEffect">
+                                  <p:stCondLst>
+                                    <p:cond delay="0"/>
+                                  </p:stCondLst>
+                                  <p:childTnLst>
+                                    <p:set>
+                                      <p:cBhvr>
+                                        <p:cTn id="26" dur="1" fill="hold">
+                                          <p:stCondLst>
+                                            <p:cond delay="0"/>
+                                          </p:stCondLst>
+                                        </p:cTn>
+                                        <p:tgtEl>
+                                          <p:spTgt spid="3">
+                                            <p:txEl>
+                                              <p:pRg st="5" end="5"/>
+                                            </p:txEl>
+                                          </p:spTgt>
+                                        </p:tgtEl>
+                                        <p:attrNameLst>
+                                          <p:attrName>style.visibility</p:attrName>
+                                        </p:attrNameLst>
+                                      </p:cBhvr>
+                                      <p:to>
+                                        <p:strVal val="visible"/>
+                                      </p:to>
+                                    </p:set>
+                                  </p:childTnLst>
+                                </p:cTn>
+                              </p:par>
+                            </p:childTnLst>
+                          </p:cTn>
+                        </p:par>
+                      </p:childTnLst>
+                    </p:cTn>
+                  </p:par>
+                </p:childTnLst>
+              </p:cTn>
+              <p:prevCondLst>
+                <p:cond evt="onPrev" delay="0">
+                  <p:tgtEl>
+                    <p:sldTgt/>
+                  </p:tgtEl>
+                </p:cond>
+              </p:prevCondLst>
+              <p:nextCondLst>
+                <p:cond evt="onNext" delay="0">
+                  <p:tgtEl>
+                    <p:sldTgt/>
+                  </p:tgtEl>
+                </p:cond>
+              </p:nextCondLst>
+            </p:seq>
+          </p:childTnLst>
+        </p:cTn>
+      </p:par>
+    </p:tnLst>
+    <p:bldLst>
+      <p:bldP spid="10" grpId="0"/>
+      <p:bldP spid="11" grpId="0"/>
+      <p:bldP spid="12" grpId="0"/>
+    </p:bldLst>
+  </p:timing>
 </p:sld>
 </file>
 
@@ -8004,8 +8650,8 @@
         </p:nvSpPr>
         <p:spPr>
           <a:xfrm>
-            <a:off x="247650" y="142892"/>
-            <a:ext cx="4418091" cy="1325563"/>
+            <a:off x="0" y="142892"/>
+            <a:ext cx="12192000" cy="1325563"/>
           </a:xfrm>
         </p:spPr>
         <p:txBody>
@@ -9158,14 +9804,15 @@
         </p:nvSpPr>
         <p:spPr>
           <a:xfrm>
-            <a:off x="247650" y="142892"/>
-            <a:ext cx="5220643" cy="1325563"/>
+            <a:off x="0" y="142892"/>
+            <a:ext cx="12192000" cy="1325563"/>
           </a:xfrm>
         </p:spPr>
         <p:txBody>
           <a:bodyPr/>
           <a:lstStyle/>
           <a:p>
+            <a:pPr algn="ctr"/>
             <a:r>
               <a:rPr lang="de-DE" dirty="0" err="1"/>
               <a:t>Meaning</a:t>
@@ -9230,7 +9877,7 @@
         </p:blipFill>
         <p:spPr bwMode="auto">
           <a:xfrm>
-            <a:off x="3792840" y="2206804"/>
+            <a:off x="4068136" y="2206804"/>
             <a:ext cx="3599524" cy="1536828"/>
           </a:xfrm>
           <a:prstGeom prst="rect">
@@ -9262,7 +9909,7 @@
         </p:nvSpPr>
         <p:spPr>
           <a:xfrm>
-            <a:off x="542848" y="5790103"/>
+            <a:off x="818144" y="5790103"/>
             <a:ext cx="1541592" cy="369332"/>
           </a:xfrm>
           <a:prstGeom prst="rect">
@@ -9316,7 +9963,7 @@
         </p:blipFill>
         <p:spPr bwMode="auto">
           <a:xfrm>
-            <a:off x="455880" y="4234968"/>
+            <a:off x="731176" y="4234968"/>
             <a:ext cx="3577461" cy="1527408"/>
           </a:xfrm>
           <a:prstGeom prst="rect">
@@ -9348,7 +9995,7 @@
         </p:nvSpPr>
         <p:spPr>
           <a:xfrm>
-            <a:off x="3792840" y="3660825"/>
+            <a:off x="4068136" y="3660825"/>
             <a:ext cx="1625026" cy="369332"/>
           </a:xfrm>
           <a:prstGeom prst="rect">
@@ -9398,7 +10045,7 @@
         </p:blipFill>
         <p:spPr bwMode="auto">
           <a:xfrm>
-            <a:off x="468741" y="2201283"/>
+            <a:off x="744037" y="2201283"/>
             <a:ext cx="3324099" cy="1419234"/>
           </a:xfrm>
           <a:prstGeom prst="rect">
@@ -9430,7 +10077,7 @@
         </p:nvSpPr>
         <p:spPr>
           <a:xfrm>
-            <a:off x="537963" y="3612703"/>
+            <a:off x="813259" y="3612703"/>
             <a:ext cx="1398993" cy="369332"/>
           </a:xfrm>
           <a:prstGeom prst="rect">
@@ -9484,7 +10131,7 @@
         </p:blipFill>
         <p:spPr bwMode="auto">
           <a:xfrm>
-            <a:off x="3843268" y="4234968"/>
+            <a:off x="4118564" y="4234968"/>
             <a:ext cx="3515282" cy="1527408"/>
           </a:xfrm>
           <a:prstGeom prst="rect">
@@ -9516,7 +10163,7 @@
         </p:nvSpPr>
         <p:spPr>
           <a:xfrm>
-            <a:off x="3911693" y="5788056"/>
+            <a:off x="4186989" y="5788056"/>
             <a:ext cx="1800850" cy="369332"/>
           </a:xfrm>
           <a:prstGeom prst="rect">
@@ -9566,7 +10213,7 @@
         </p:blipFill>
         <p:spPr bwMode="auto">
           <a:xfrm>
-            <a:off x="7422384" y="2256740"/>
+            <a:off x="7697680" y="2256740"/>
             <a:ext cx="3482565" cy="1486892"/>
           </a:xfrm>
           <a:prstGeom prst="rect">
@@ -9598,7 +10245,7 @@
         </p:nvSpPr>
         <p:spPr>
           <a:xfrm>
-            <a:off x="7422384" y="3707227"/>
+            <a:off x="7697680" y="3707227"/>
             <a:ext cx="1825864" cy="369332"/>
           </a:xfrm>
           <a:prstGeom prst="rect">
@@ -9637,7 +10284,7 @@
         </p:nvSpPr>
         <p:spPr>
           <a:xfrm>
-            <a:off x="7506393" y="4409486"/>
+            <a:off x="7781689" y="4409486"/>
             <a:ext cx="3482565" cy="1877437"/>
           </a:xfrm>
           <a:prstGeom prst="rect">
@@ -10609,8 +11256,8 @@
         </p:nvSpPr>
         <p:spPr>
           <a:xfrm>
-            <a:off x="247650" y="142892"/>
-            <a:ext cx="6977011" cy="1325563"/>
+            <a:off x="0" y="142892"/>
+            <a:ext cx="12191999" cy="1325563"/>
           </a:xfrm>
         </p:spPr>
         <p:txBody>

--- a/Project Proposal Ben.pptx
+++ b/Project Proposal Ben.pptx
@@ -8624,8 +8624,8 @@
         </p:blipFill>
         <p:spPr>
           <a:xfrm>
-            <a:off x="5309419" y="1332657"/>
-            <a:ext cx="6728673" cy="4053130"/>
+            <a:off x="5309419" y="1496517"/>
+            <a:ext cx="6489291" cy="3908934"/>
           </a:xfrm>
           <a:prstGeom prst="rect">
             <a:avLst/>
@@ -9000,7 +9000,7 @@
         </p:nvSpPr>
         <p:spPr>
           <a:xfrm>
-            <a:off x="2220225" y="5564489"/>
+            <a:off x="2220225" y="5603817"/>
             <a:ext cx="7675615" cy="551831"/>
           </a:xfrm>
           <a:prstGeom prst="rect">

--- a/Project Proposal Ben.pptx
+++ b/Project Proposal Ben.pptx
@@ -4,24 +4,29 @@
   <p:sldMasterIdLst>
     <p:sldMasterId id="2147483648" r:id="rId1"/>
   </p:sldMasterIdLst>
+  <p:notesMasterIdLst>
+    <p:notesMasterId r:id="rId21"/>
+  </p:notesMasterIdLst>
   <p:sldIdLst>
-    <p:sldId id="256" r:id="rId2"/>
-    <p:sldId id="270" r:id="rId3"/>
-    <p:sldId id="271" r:id="rId4"/>
-    <p:sldId id="260" r:id="rId5"/>
-    <p:sldId id="266" r:id="rId6"/>
-    <p:sldId id="263" r:id="rId7"/>
-    <p:sldId id="264" r:id="rId8"/>
-    <p:sldId id="265" r:id="rId9"/>
-    <p:sldId id="267" r:id="rId10"/>
-    <p:sldId id="262" r:id="rId11"/>
-    <p:sldId id="268" r:id="rId12"/>
-    <p:sldId id="269" r:id="rId13"/>
-    <p:sldId id="257" r:id="rId14"/>
-    <p:sldId id="275" r:id="rId15"/>
-    <p:sldId id="276" r:id="rId16"/>
-    <p:sldId id="277" r:id="rId17"/>
-    <p:sldId id="274" r:id="rId18"/>
+    <p:sldId id="278" r:id="rId2"/>
+    <p:sldId id="261" r:id="rId3"/>
+    <p:sldId id="270" r:id="rId4"/>
+    <p:sldId id="271" r:id="rId5"/>
+    <p:sldId id="260" r:id="rId6"/>
+    <p:sldId id="266" r:id="rId7"/>
+    <p:sldId id="263" r:id="rId8"/>
+    <p:sldId id="264" r:id="rId9"/>
+    <p:sldId id="265" r:id="rId10"/>
+    <p:sldId id="267" r:id="rId11"/>
+    <p:sldId id="262" r:id="rId12"/>
+    <p:sldId id="268" r:id="rId13"/>
+    <p:sldId id="269" r:id="rId14"/>
+    <p:sldId id="279" r:id="rId15"/>
+    <p:sldId id="257" r:id="rId16"/>
+    <p:sldId id="275" r:id="rId17"/>
+    <p:sldId id="276" r:id="rId18"/>
+    <p:sldId id="277" r:id="rId19"/>
+    <p:sldId id="274" r:id="rId20"/>
   </p:sldIdLst>
   <p:sldSz cx="12192000" cy="6858000"/>
   <p:notesSz cx="6858000" cy="9144000"/>
@@ -126,6 +131,1204 @@
     </p:ext>
   </p:extLst>
 </p:presentation>
+</file>
+
+<file path=ppt/notesMasters/notesMaster1.xml><?xml version="1.0" encoding="utf-8"?>
+<p:notesMaster xmlns:a="http://schemas.openxmlformats.org/drawingml/2006/main" xmlns:r="http://schemas.openxmlformats.org/officeDocument/2006/relationships" xmlns:p="http://schemas.openxmlformats.org/presentationml/2006/main">
+  <p:cSld>
+    <p:bg>
+      <p:bgRef idx="1001">
+        <a:schemeClr val="bg1"/>
+      </p:bgRef>
+    </p:bg>
+    <p:spTree>
+      <p:nvGrpSpPr>
+        <p:cNvPr id="1" name=""/>
+        <p:cNvGrpSpPr/>
+        <p:nvPr/>
+      </p:nvGrpSpPr>
+      <p:grpSpPr>
+        <a:xfrm>
+          <a:off x="0" y="0"/>
+          <a:ext cx="0" cy="0"/>
+          <a:chOff x="0" y="0"/>
+          <a:chExt cx="0" cy="0"/>
+        </a:xfrm>
+      </p:grpSpPr>
+      <p:sp>
+        <p:nvSpPr>
+          <p:cNvPr id="2" name="Kopfzeilenplatzhalter 1"/>
+          <p:cNvSpPr>
+            <a:spLocks noGrp="1"/>
+          </p:cNvSpPr>
+          <p:nvPr>
+            <p:ph type="hdr" sz="quarter"/>
+          </p:nvPr>
+        </p:nvSpPr>
+        <p:spPr>
+          <a:xfrm>
+            <a:off x="0" y="0"/>
+            <a:ext cx="2971800" cy="458788"/>
+          </a:xfrm>
+          <a:prstGeom prst="rect">
+            <a:avLst/>
+          </a:prstGeom>
+        </p:spPr>
+        <p:txBody>
+          <a:bodyPr vert="horz" lIns="91440" tIns="45720" rIns="91440" bIns="45720" rtlCol="0"/>
+          <a:lstStyle>
+            <a:lvl1pPr algn="l">
+              <a:defRPr sz="1200"/>
+            </a:lvl1pPr>
+          </a:lstStyle>
+          <a:p>
+            <a:endParaRPr lang="de-DE"/>
+          </a:p>
+        </p:txBody>
+      </p:sp>
+      <p:sp>
+        <p:nvSpPr>
+          <p:cNvPr id="3" name="Datumsplatzhalter 2"/>
+          <p:cNvSpPr>
+            <a:spLocks noGrp="1"/>
+          </p:cNvSpPr>
+          <p:nvPr>
+            <p:ph type="dt" idx="1"/>
+          </p:nvPr>
+        </p:nvSpPr>
+        <p:spPr>
+          <a:xfrm>
+            <a:off x="3884613" y="0"/>
+            <a:ext cx="2971800" cy="458788"/>
+          </a:xfrm>
+          <a:prstGeom prst="rect">
+            <a:avLst/>
+          </a:prstGeom>
+        </p:spPr>
+        <p:txBody>
+          <a:bodyPr vert="horz" lIns="91440" tIns="45720" rIns="91440" bIns="45720" rtlCol="0"/>
+          <a:lstStyle>
+            <a:lvl1pPr algn="r">
+              <a:defRPr sz="1200"/>
+            </a:lvl1pPr>
+          </a:lstStyle>
+          <a:p>
+            <a:fld id="{F3DC1176-C79C-4333-88B3-BCEA525AFE9D}" type="datetimeFigureOut">
+              <a:rPr lang="de-DE" smtClean="0"/>
+              <a:t>12.05.2025</a:t>
+            </a:fld>
+            <a:endParaRPr lang="de-DE"/>
+          </a:p>
+        </p:txBody>
+      </p:sp>
+      <p:sp>
+        <p:nvSpPr>
+          <p:cNvPr id="4" name="Folienbildplatzhalter 3"/>
+          <p:cNvSpPr>
+            <a:spLocks noGrp="1" noRot="1" noChangeAspect="1"/>
+          </p:cNvSpPr>
+          <p:nvPr>
+            <p:ph type="sldImg" idx="2"/>
+          </p:nvPr>
+        </p:nvSpPr>
+        <p:spPr>
+          <a:xfrm>
+            <a:off x="685800" y="1143000"/>
+            <a:ext cx="5486400" cy="3086100"/>
+          </a:xfrm>
+          <a:prstGeom prst="rect">
+            <a:avLst/>
+          </a:prstGeom>
+          <a:noFill/>
+          <a:ln w="12700">
+            <a:solidFill>
+              <a:prstClr val="black"/>
+            </a:solidFill>
+          </a:ln>
+        </p:spPr>
+        <p:txBody>
+          <a:bodyPr vert="horz" lIns="91440" tIns="45720" rIns="91440" bIns="45720" rtlCol="0" anchor="ctr"/>
+          <a:lstStyle/>
+          <a:p>
+            <a:endParaRPr lang="de-DE"/>
+          </a:p>
+        </p:txBody>
+      </p:sp>
+      <p:sp>
+        <p:nvSpPr>
+          <p:cNvPr id="5" name="Notizenplatzhalter 4"/>
+          <p:cNvSpPr>
+            <a:spLocks noGrp="1"/>
+          </p:cNvSpPr>
+          <p:nvPr>
+            <p:ph type="body" sz="quarter" idx="3"/>
+          </p:nvPr>
+        </p:nvSpPr>
+        <p:spPr>
+          <a:xfrm>
+            <a:off x="685800" y="4400550"/>
+            <a:ext cx="5486400" cy="3600450"/>
+          </a:xfrm>
+          <a:prstGeom prst="rect">
+            <a:avLst/>
+          </a:prstGeom>
+        </p:spPr>
+        <p:txBody>
+          <a:bodyPr vert="horz" lIns="91440" tIns="45720" rIns="91440" bIns="45720" rtlCol="0"/>
+          <a:lstStyle/>
+          <a:p>
+            <a:pPr lvl="0"/>
+            <a:r>
+              <a:rPr lang="de-DE"/>
+              <a:t>Mastertextformat bearbeiten</a:t>
+            </a:r>
+          </a:p>
+          <a:p>
+            <a:pPr lvl="1"/>
+            <a:r>
+              <a:rPr lang="de-DE"/>
+              <a:t>Zweite Ebene</a:t>
+            </a:r>
+          </a:p>
+          <a:p>
+            <a:pPr lvl="2"/>
+            <a:r>
+              <a:rPr lang="de-DE"/>
+              <a:t>Dritte Ebene</a:t>
+            </a:r>
+          </a:p>
+          <a:p>
+            <a:pPr lvl="3"/>
+            <a:r>
+              <a:rPr lang="de-DE"/>
+              <a:t>Vierte Ebene</a:t>
+            </a:r>
+          </a:p>
+          <a:p>
+            <a:pPr lvl="4"/>
+            <a:r>
+              <a:rPr lang="de-DE"/>
+              <a:t>Fünfte Ebene</a:t>
+            </a:r>
+          </a:p>
+        </p:txBody>
+      </p:sp>
+      <p:sp>
+        <p:nvSpPr>
+          <p:cNvPr id="6" name="Fußzeilenplatzhalter 5"/>
+          <p:cNvSpPr>
+            <a:spLocks noGrp="1"/>
+          </p:cNvSpPr>
+          <p:nvPr>
+            <p:ph type="ftr" sz="quarter" idx="4"/>
+          </p:nvPr>
+        </p:nvSpPr>
+        <p:spPr>
+          <a:xfrm>
+            <a:off x="0" y="8685213"/>
+            <a:ext cx="2971800" cy="458787"/>
+          </a:xfrm>
+          <a:prstGeom prst="rect">
+            <a:avLst/>
+          </a:prstGeom>
+        </p:spPr>
+        <p:txBody>
+          <a:bodyPr vert="horz" lIns="91440" tIns="45720" rIns="91440" bIns="45720" rtlCol="0" anchor="b"/>
+          <a:lstStyle>
+            <a:lvl1pPr algn="l">
+              <a:defRPr sz="1200"/>
+            </a:lvl1pPr>
+          </a:lstStyle>
+          <a:p>
+            <a:endParaRPr lang="de-DE"/>
+          </a:p>
+        </p:txBody>
+      </p:sp>
+      <p:sp>
+        <p:nvSpPr>
+          <p:cNvPr id="7" name="Foliennummernplatzhalter 6"/>
+          <p:cNvSpPr>
+            <a:spLocks noGrp="1"/>
+          </p:cNvSpPr>
+          <p:nvPr>
+            <p:ph type="sldNum" sz="quarter" idx="5"/>
+          </p:nvPr>
+        </p:nvSpPr>
+        <p:spPr>
+          <a:xfrm>
+            <a:off x="3884613" y="8685213"/>
+            <a:ext cx="2971800" cy="458787"/>
+          </a:xfrm>
+          <a:prstGeom prst="rect">
+            <a:avLst/>
+          </a:prstGeom>
+        </p:spPr>
+        <p:txBody>
+          <a:bodyPr vert="horz" lIns="91440" tIns="45720" rIns="91440" bIns="45720" rtlCol="0" anchor="b"/>
+          <a:lstStyle>
+            <a:lvl1pPr algn="r">
+              <a:defRPr sz="1200"/>
+            </a:lvl1pPr>
+          </a:lstStyle>
+          <a:p>
+            <a:fld id="{5CE5EABD-9B00-4D4A-AB75-54D2757912B9}" type="slidenum">
+              <a:rPr lang="de-DE" smtClean="0"/>
+              <a:t>‹Nr.›</a:t>
+            </a:fld>
+            <a:endParaRPr lang="de-DE"/>
+          </a:p>
+        </p:txBody>
+      </p:sp>
+    </p:spTree>
+    <p:extLst>
+      <p:ext uri="{BB962C8B-B14F-4D97-AF65-F5344CB8AC3E}">
+        <p14:creationId xmlns:p14="http://schemas.microsoft.com/office/powerpoint/2010/main" val="882541878"/>
+      </p:ext>
+    </p:extLst>
+  </p:cSld>
+  <p:clrMap bg1="lt1" tx1="dk1" bg2="lt2" tx2="dk2" accent1="accent1" accent2="accent2" accent3="accent3" accent4="accent4" accent5="accent5" accent6="accent6" hlink="hlink" folHlink="folHlink"/>
+  <p:notesStyle>
+    <a:lvl1pPr marL="0" algn="l" defTabSz="914400" rtl="0" eaLnBrk="1" latinLnBrk="0" hangingPunct="1">
+      <a:defRPr sz="1200" kern="1200">
+        <a:solidFill>
+          <a:schemeClr val="tx1"/>
+        </a:solidFill>
+        <a:latin typeface="+mn-lt"/>
+        <a:ea typeface="+mn-ea"/>
+        <a:cs typeface="+mn-cs"/>
+      </a:defRPr>
+    </a:lvl1pPr>
+    <a:lvl2pPr marL="457200" algn="l" defTabSz="914400" rtl="0" eaLnBrk="1" latinLnBrk="0" hangingPunct="1">
+      <a:defRPr sz="1200" kern="1200">
+        <a:solidFill>
+          <a:schemeClr val="tx1"/>
+        </a:solidFill>
+        <a:latin typeface="+mn-lt"/>
+        <a:ea typeface="+mn-ea"/>
+        <a:cs typeface="+mn-cs"/>
+      </a:defRPr>
+    </a:lvl2pPr>
+    <a:lvl3pPr marL="914400" algn="l" defTabSz="914400" rtl="0" eaLnBrk="1" latinLnBrk="0" hangingPunct="1">
+      <a:defRPr sz="1200" kern="1200">
+        <a:solidFill>
+          <a:schemeClr val="tx1"/>
+        </a:solidFill>
+        <a:latin typeface="+mn-lt"/>
+        <a:ea typeface="+mn-ea"/>
+        <a:cs typeface="+mn-cs"/>
+      </a:defRPr>
+    </a:lvl3pPr>
+    <a:lvl4pPr marL="1371600" algn="l" defTabSz="914400" rtl="0" eaLnBrk="1" latinLnBrk="0" hangingPunct="1">
+      <a:defRPr sz="1200" kern="1200">
+        <a:solidFill>
+          <a:schemeClr val="tx1"/>
+        </a:solidFill>
+        <a:latin typeface="+mn-lt"/>
+        <a:ea typeface="+mn-ea"/>
+        <a:cs typeface="+mn-cs"/>
+      </a:defRPr>
+    </a:lvl4pPr>
+    <a:lvl5pPr marL="1828800" algn="l" defTabSz="914400" rtl="0" eaLnBrk="1" latinLnBrk="0" hangingPunct="1">
+      <a:defRPr sz="1200" kern="1200">
+        <a:solidFill>
+          <a:schemeClr val="tx1"/>
+        </a:solidFill>
+        <a:latin typeface="+mn-lt"/>
+        <a:ea typeface="+mn-ea"/>
+        <a:cs typeface="+mn-cs"/>
+      </a:defRPr>
+    </a:lvl5pPr>
+    <a:lvl6pPr marL="2286000" algn="l" defTabSz="914400" rtl="0" eaLnBrk="1" latinLnBrk="0" hangingPunct="1">
+      <a:defRPr sz="1200" kern="1200">
+        <a:solidFill>
+          <a:schemeClr val="tx1"/>
+        </a:solidFill>
+        <a:latin typeface="+mn-lt"/>
+        <a:ea typeface="+mn-ea"/>
+        <a:cs typeface="+mn-cs"/>
+      </a:defRPr>
+    </a:lvl6pPr>
+    <a:lvl7pPr marL="2743200" algn="l" defTabSz="914400" rtl="0" eaLnBrk="1" latinLnBrk="0" hangingPunct="1">
+      <a:defRPr sz="1200" kern="1200">
+        <a:solidFill>
+          <a:schemeClr val="tx1"/>
+        </a:solidFill>
+        <a:latin typeface="+mn-lt"/>
+        <a:ea typeface="+mn-ea"/>
+        <a:cs typeface="+mn-cs"/>
+      </a:defRPr>
+    </a:lvl7pPr>
+    <a:lvl8pPr marL="3200400" algn="l" defTabSz="914400" rtl="0" eaLnBrk="1" latinLnBrk="0" hangingPunct="1">
+      <a:defRPr sz="1200" kern="1200">
+        <a:solidFill>
+          <a:schemeClr val="tx1"/>
+        </a:solidFill>
+        <a:latin typeface="+mn-lt"/>
+        <a:ea typeface="+mn-ea"/>
+        <a:cs typeface="+mn-cs"/>
+      </a:defRPr>
+    </a:lvl8pPr>
+    <a:lvl9pPr marL="3657600" algn="l" defTabSz="914400" rtl="0" eaLnBrk="1" latinLnBrk="0" hangingPunct="1">
+      <a:defRPr sz="1200" kern="1200">
+        <a:solidFill>
+          <a:schemeClr val="tx1"/>
+        </a:solidFill>
+        <a:latin typeface="+mn-lt"/>
+        <a:ea typeface="+mn-ea"/>
+        <a:cs typeface="+mn-cs"/>
+      </a:defRPr>
+    </a:lvl9pPr>
+  </p:notesStyle>
+</p:notesMaster>
+</file>
+
+<file path=ppt/notesSlides/notesSlide1.xml><?xml version="1.0" encoding="utf-8"?>
+<p:notes xmlns:a="http://schemas.openxmlformats.org/drawingml/2006/main" xmlns:r="http://schemas.openxmlformats.org/officeDocument/2006/relationships" xmlns:p="http://schemas.openxmlformats.org/presentationml/2006/main">
+  <p:cSld>
+    <p:spTree>
+      <p:nvGrpSpPr>
+        <p:cNvPr id="1" name=""/>
+        <p:cNvGrpSpPr/>
+        <p:nvPr/>
+      </p:nvGrpSpPr>
+      <p:grpSpPr>
+        <a:xfrm>
+          <a:off x="0" y="0"/>
+          <a:ext cx="0" cy="0"/>
+          <a:chOff x="0" y="0"/>
+          <a:chExt cx="0" cy="0"/>
+        </a:xfrm>
+      </p:grpSpPr>
+      <p:sp>
+        <p:nvSpPr>
+          <p:cNvPr id="2" name="Folienbildplatzhalter 1"/>
+          <p:cNvSpPr>
+            <a:spLocks noGrp="1" noRot="1" noChangeAspect="1"/>
+          </p:cNvSpPr>
+          <p:nvPr>
+            <p:ph type="sldImg"/>
+          </p:nvPr>
+        </p:nvSpPr>
+        <p:spPr/>
+      </p:sp>
+      <p:sp>
+        <p:nvSpPr>
+          <p:cNvPr id="3" name="Notizenplatzhalter 2"/>
+          <p:cNvSpPr>
+            <a:spLocks noGrp="1"/>
+          </p:cNvSpPr>
+          <p:nvPr>
+            <p:ph type="body" idx="1"/>
+          </p:nvPr>
+        </p:nvSpPr>
+        <p:spPr/>
+        <p:txBody>
+          <a:bodyPr/>
+          <a:lstStyle/>
+          <a:p>
+            <a:r>
+              <a:rPr lang="de-DE" b="0" i="0" dirty="0">
+                <a:effectLst/>
+                <a:latin typeface="gg sans"/>
+              </a:rPr>
+              <a:t>Willkommen zu unserem Vortrag. </a:t>
+            </a:r>
+          </a:p>
+          <a:p>
+            <a:r>
+              <a:rPr lang="de-DE" b="0" i="0" dirty="0">
+                <a:effectLst/>
+                <a:latin typeface="gg sans"/>
+              </a:rPr>
+              <a:t>Unsere Aufgabe ist es in der Gesamtheit aller Proteine von </a:t>
+            </a:r>
+            <a:r>
+              <a:rPr lang="de-DE" b="0" i="0" dirty="0" err="1">
+                <a:effectLst/>
+                <a:latin typeface="gg sans"/>
+              </a:rPr>
+              <a:t>HeLa</a:t>
+            </a:r>
+            <a:r>
+              <a:rPr lang="de-DE" b="0" i="0" dirty="0">
+                <a:effectLst/>
+                <a:latin typeface="gg sans"/>
+              </a:rPr>
+              <a:t>-Krebszellen, die sich von Natur aus in verschiedenen Zellzyklusphasen befinden, eine bestimmte Proteingruppe zu identifizieren. Und zwar RNA-abhängige Proteine.</a:t>
+            </a:r>
+            <a:endParaRPr lang="de-DE" dirty="0"/>
+          </a:p>
+        </p:txBody>
+      </p:sp>
+      <p:sp>
+        <p:nvSpPr>
+          <p:cNvPr id="4" name="Foliennummernplatzhalter 3"/>
+          <p:cNvSpPr>
+            <a:spLocks noGrp="1"/>
+          </p:cNvSpPr>
+          <p:nvPr>
+            <p:ph type="sldNum" sz="quarter" idx="5"/>
+          </p:nvPr>
+        </p:nvSpPr>
+        <p:spPr/>
+        <p:txBody>
+          <a:bodyPr/>
+          <a:lstStyle/>
+          <a:p>
+            <a:fld id="{C477D1A0-9F4C-48D0-B0C4-6B6E5972C69E}" type="slidenum">
+              <a:rPr lang="de-DE" smtClean="0"/>
+              <a:t>1</a:t>
+            </a:fld>
+            <a:endParaRPr lang="de-DE"/>
+          </a:p>
+        </p:txBody>
+      </p:sp>
+    </p:spTree>
+    <p:extLst>
+      <p:ext uri="{BB962C8B-B14F-4D97-AF65-F5344CB8AC3E}">
+        <p14:creationId xmlns:p14="http://schemas.microsoft.com/office/powerpoint/2010/main" val="27284168"/>
+      </p:ext>
+    </p:extLst>
+  </p:cSld>
+  <p:clrMapOvr>
+    <a:masterClrMapping/>
+  </p:clrMapOvr>
+</p:notes>
+</file>
+
+<file path=ppt/notesSlides/notesSlide2.xml><?xml version="1.0" encoding="utf-8"?>
+<p:notes xmlns:a="http://schemas.openxmlformats.org/drawingml/2006/main" xmlns:r="http://schemas.openxmlformats.org/officeDocument/2006/relationships" xmlns:p="http://schemas.openxmlformats.org/presentationml/2006/main">
+  <p:cSld>
+    <p:spTree>
+      <p:nvGrpSpPr>
+        <p:cNvPr id="1" name="">
+          <a:extLst>
+            <a:ext uri="{FF2B5EF4-FFF2-40B4-BE49-F238E27FC236}">
+              <a16:creationId xmlns:a16="http://schemas.microsoft.com/office/drawing/2014/main" id="{ADE959D8-92F4-A702-0E54-6AF5C4C6378F}"/>
+            </a:ext>
+          </a:extLst>
+        </p:cNvPr>
+        <p:cNvGrpSpPr/>
+        <p:nvPr/>
+      </p:nvGrpSpPr>
+      <p:grpSpPr>
+        <a:xfrm>
+          <a:off x="0" y="0"/>
+          <a:ext cx="0" cy="0"/>
+          <a:chOff x="0" y="0"/>
+          <a:chExt cx="0" cy="0"/>
+        </a:xfrm>
+      </p:grpSpPr>
+      <p:sp>
+        <p:nvSpPr>
+          <p:cNvPr id="2" name="Folienbildplatzhalter 1">
+            <a:extLst>
+              <a:ext uri="{FF2B5EF4-FFF2-40B4-BE49-F238E27FC236}">
+                <a16:creationId xmlns:a16="http://schemas.microsoft.com/office/drawing/2014/main" id="{68679C3D-AFA3-0764-AAF2-BD413C60D7BF}"/>
+              </a:ext>
+            </a:extLst>
+          </p:cNvPr>
+          <p:cNvSpPr>
+            <a:spLocks noGrp="1" noRot="1" noChangeAspect="1"/>
+          </p:cNvSpPr>
+          <p:nvPr>
+            <p:ph type="sldImg"/>
+          </p:nvPr>
+        </p:nvSpPr>
+        <p:spPr/>
+      </p:sp>
+      <p:sp>
+        <p:nvSpPr>
+          <p:cNvPr id="3" name="Notizenplatzhalter 2">
+            <a:extLst>
+              <a:ext uri="{FF2B5EF4-FFF2-40B4-BE49-F238E27FC236}">
+                <a16:creationId xmlns:a16="http://schemas.microsoft.com/office/drawing/2014/main" id="{BA16BFFF-5913-C2F6-AB58-901AC2A610D3}"/>
+              </a:ext>
+            </a:extLst>
+          </p:cNvPr>
+          <p:cNvSpPr>
+            <a:spLocks noGrp="1"/>
+          </p:cNvSpPr>
+          <p:nvPr>
+            <p:ph type="body" idx="1"/>
+          </p:nvPr>
+        </p:nvSpPr>
+        <p:spPr/>
+        <p:txBody>
+          <a:bodyPr/>
+          <a:lstStyle/>
+          <a:p>
+            <a:r>
+              <a:rPr lang="de-DE" b="0" i="0" dirty="0">
+                <a:effectLst/>
+                <a:latin typeface="gg sans"/>
+              </a:rPr>
+              <a:t>Was sind RNA-abhängige Proteine? </a:t>
+            </a:r>
+          </a:p>
+          <a:p>
+            <a:r>
+              <a:rPr lang="de-DE" b="0" i="0" dirty="0">
+                <a:effectLst/>
+                <a:latin typeface="gg sans"/>
+              </a:rPr>
+              <a:t>Das sind Proteine und Proteinkomplexe, die nur in Anwesenheit von RNA molekulare Interaktionen eingehen. z.B. mit andere Proteinen oder Komplexen.</a:t>
+            </a:r>
+          </a:p>
+          <a:p>
+            <a:endParaRPr lang="de-DE" b="0" i="0" dirty="0">
+              <a:effectLst/>
+              <a:latin typeface="gg sans"/>
+            </a:endParaRPr>
+          </a:p>
+          <a:p>
+            <a:r>
+              <a:rPr lang="de-DE" b="0" i="0" dirty="0">
+                <a:effectLst/>
+                <a:latin typeface="gg sans"/>
+              </a:rPr>
+              <a:t>Weshalb interessieren sich Wissenschaftler für RNA-abhängige Proteine? </a:t>
+            </a:r>
+          </a:p>
+          <a:p>
+            <a:r>
+              <a:rPr lang="de-DE" b="0" i="0" dirty="0">
+                <a:effectLst/>
+                <a:latin typeface="gg sans"/>
+              </a:rPr>
+              <a:t>Proteine, die RNA binden, üben eine Vielzahl zentraler Funktionen im RNA-Stoffwechsel und in der Regulation der Genexpression aus. </a:t>
+            </a:r>
+          </a:p>
+          <a:p>
+            <a:r>
+              <a:rPr lang="de-DE" b="0" i="0" dirty="0">
+                <a:effectLst/>
+                <a:latin typeface="gg sans"/>
+              </a:rPr>
+              <a:t>Daher sind Fehlregulationen von </a:t>
+            </a:r>
+            <a:r>
+              <a:rPr lang="de-DE" b="0" i="0" dirty="0" err="1">
+                <a:effectLst/>
+                <a:latin typeface="gg sans"/>
+              </a:rPr>
+              <a:t>RBPs</a:t>
+            </a:r>
+            <a:r>
+              <a:rPr lang="de-DE" b="0" i="0" dirty="0">
+                <a:effectLst/>
+                <a:latin typeface="gg sans"/>
+              </a:rPr>
+              <a:t> mit schweren Erkrankungen verbunden - von neurodegenerativen Störungen bis hin zu Krebs. </a:t>
+            </a:r>
+          </a:p>
+          <a:p>
+            <a:r>
+              <a:rPr lang="de-DE" b="0" i="0" dirty="0">
+                <a:effectLst/>
+                <a:latin typeface="gg sans"/>
+              </a:rPr>
+              <a:t>Durch die </a:t>
+            </a:r>
+            <a:r>
+              <a:rPr lang="de-DE" b="0" i="0" dirty="0" err="1">
+                <a:effectLst/>
+                <a:latin typeface="gg sans"/>
+              </a:rPr>
+              <a:t>Indentifikation</a:t>
+            </a:r>
+            <a:r>
+              <a:rPr lang="de-DE" b="0" i="0" dirty="0">
+                <a:effectLst/>
+                <a:latin typeface="gg sans"/>
+              </a:rPr>
+              <a:t> von </a:t>
+            </a:r>
+            <a:r>
+              <a:rPr lang="de-DE" b="0" i="0" dirty="0" err="1">
+                <a:effectLst/>
+                <a:latin typeface="gg sans"/>
+              </a:rPr>
+              <a:t>RBPs</a:t>
+            </a:r>
+            <a:r>
+              <a:rPr lang="de-DE" b="0" i="0" dirty="0">
+                <a:effectLst/>
+                <a:latin typeface="gg sans"/>
+              </a:rPr>
+              <a:t> erkennen wir, dass im zellulären Kontext unseres neu-erkannten </a:t>
+            </a:r>
+            <a:r>
+              <a:rPr lang="de-DE" b="0" i="0" dirty="0" err="1">
+                <a:effectLst/>
+                <a:latin typeface="gg sans"/>
+              </a:rPr>
+              <a:t>RBPs</a:t>
+            </a:r>
+            <a:r>
+              <a:rPr lang="de-DE" b="0" i="0" dirty="0">
+                <a:effectLst/>
+                <a:latin typeface="gg sans"/>
+              </a:rPr>
+              <a:t> auch RNA eine wichtige Funktion ausüben könnte. </a:t>
+            </a:r>
+          </a:p>
+          <a:p>
+            <a:r>
+              <a:rPr lang="de-DE" b="0" i="0" dirty="0">
+                <a:effectLst/>
+                <a:latin typeface="gg sans"/>
+              </a:rPr>
+              <a:t>Durch Analyse dieser RNA-Protein Interaktionen nähern wir uns einem besseren Verständnis der molekularen Grundlagen von zellulären Prozessen. -&gt; Natürlich interessant für die Krankheitsentstehung und </a:t>
+            </a:r>
+            <a:r>
+              <a:rPr lang="de-DE" b="0" i="0" dirty="0" err="1">
+                <a:effectLst/>
+                <a:latin typeface="gg sans"/>
+              </a:rPr>
+              <a:t>Theapiemöglichkeiten</a:t>
+            </a:r>
+            <a:r>
+              <a:rPr lang="de-DE" b="0" i="0" dirty="0">
+                <a:effectLst/>
+                <a:latin typeface="gg sans"/>
+              </a:rPr>
+              <a:t>.</a:t>
+            </a:r>
+          </a:p>
+          <a:p>
+            <a:endParaRPr lang="de-DE" b="0" i="0" dirty="0">
+              <a:effectLst/>
+              <a:latin typeface="gg sans"/>
+            </a:endParaRPr>
+          </a:p>
+          <a:p>
+            <a:r>
+              <a:rPr lang="de-DE" b="0" i="0" dirty="0">
+                <a:effectLst/>
+                <a:latin typeface="gg sans"/>
+              </a:rPr>
+              <a:t>Warum verwendet wir einen unbehandelten Zelltyp, in dem sich Zellen in verschiedenen Zellzyklusphasen befinden? </a:t>
+            </a:r>
+          </a:p>
+          <a:p>
+            <a:r>
+              <a:rPr lang="de-DE" b="0" i="0" dirty="0" err="1">
+                <a:effectLst/>
+                <a:latin typeface="gg sans"/>
+              </a:rPr>
+              <a:t>Ribonukleoprotein</a:t>
+            </a:r>
+            <a:r>
+              <a:rPr lang="de-DE" b="0" i="0" dirty="0">
+                <a:effectLst/>
+                <a:latin typeface="gg sans"/>
+              </a:rPr>
+              <a:t>-Komplexe sind dynamische Zusammensetzungen aus RNA und </a:t>
+            </a:r>
+            <a:r>
+              <a:rPr lang="de-DE" b="0" i="0" dirty="0" err="1">
+                <a:effectLst/>
+                <a:latin typeface="gg sans"/>
+              </a:rPr>
+              <a:t>RBPs</a:t>
+            </a:r>
+            <a:r>
+              <a:rPr lang="de-DE" b="0" i="0" dirty="0">
+                <a:effectLst/>
+                <a:latin typeface="gg sans"/>
+              </a:rPr>
+              <a:t>. </a:t>
+            </a:r>
+          </a:p>
+          <a:p>
+            <a:r>
+              <a:rPr lang="de-DE" b="0" i="0" dirty="0">
+                <a:effectLst/>
+                <a:latin typeface="gg sans"/>
+              </a:rPr>
+              <a:t>Diese Zusammensetzung ist auch von Zellzyklus abhängig.</a:t>
+            </a:r>
+            <a:br>
+              <a:rPr lang="de-DE" dirty="0"/>
+            </a:br>
+            <a:r>
+              <a:rPr lang="de-DE" b="0" i="0" dirty="0">
+                <a:effectLst/>
+                <a:latin typeface="gg sans"/>
+              </a:rPr>
+              <a:t>Mit </a:t>
+            </a:r>
+            <a:r>
+              <a:rPr lang="de-DE" b="0" i="0" dirty="0" err="1">
+                <a:effectLst/>
+                <a:latin typeface="gg sans"/>
+              </a:rPr>
+              <a:t>unsynchronisierten</a:t>
+            </a:r>
+            <a:r>
+              <a:rPr lang="de-DE" b="0" i="0" dirty="0">
+                <a:effectLst/>
+                <a:latin typeface="gg sans"/>
+              </a:rPr>
+              <a:t> Zellen erzielen wir also ein breiteres Bild und erfassen mehr Proteine mit einer RNA-Abhängigkeit. </a:t>
+            </a:r>
+          </a:p>
+          <a:p>
+            <a:r>
+              <a:rPr lang="de-DE" b="0" i="0" dirty="0">
+                <a:effectLst/>
+                <a:latin typeface="gg sans"/>
+              </a:rPr>
+              <a:t>Wir können außerdem ausschließen, dass unsere Proteine </a:t>
+            </a:r>
+            <a:r>
+              <a:rPr lang="de-DE" b="0" i="0" dirty="0" err="1">
+                <a:effectLst/>
+                <a:latin typeface="gg sans"/>
+              </a:rPr>
+              <a:t>un</a:t>
+            </a:r>
+            <a:r>
+              <a:rPr lang="de-DE" b="0" i="0" dirty="0">
+                <a:effectLst/>
+                <a:latin typeface="gg sans"/>
+              </a:rPr>
+              <a:t> Daten beeinflusst wurden durch einen Stoff wie </a:t>
+            </a:r>
+            <a:r>
+              <a:rPr lang="de-DE" b="0" i="0" dirty="0" err="1">
+                <a:effectLst/>
+                <a:latin typeface="gg sans"/>
+              </a:rPr>
+              <a:t>Nocodazol</a:t>
+            </a:r>
+            <a:r>
+              <a:rPr lang="de-DE" b="0" i="0" dirty="0">
+                <a:effectLst/>
+                <a:latin typeface="gg sans"/>
+              </a:rPr>
+              <a:t>.</a:t>
+            </a:r>
+            <a:br>
+              <a:rPr lang="de-DE" dirty="0"/>
+            </a:br>
+            <a:endParaRPr lang="de-DE" dirty="0"/>
+          </a:p>
+          <a:p>
+            <a:endParaRPr lang="de-DE" dirty="0"/>
+          </a:p>
+        </p:txBody>
+      </p:sp>
+      <p:sp>
+        <p:nvSpPr>
+          <p:cNvPr id="4" name="Foliennummernplatzhalter 3">
+            <a:extLst>
+              <a:ext uri="{FF2B5EF4-FFF2-40B4-BE49-F238E27FC236}">
+                <a16:creationId xmlns:a16="http://schemas.microsoft.com/office/drawing/2014/main" id="{B19AF390-4E82-A7CB-6B5C-C3617B42CDED}"/>
+              </a:ext>
+            </a:extLst>
+          </p:cNvPr>
+          <p:cNvSpPr>
+            <a:spLocks noGrp="1"/>
+          </p:cNvSpPr>
+          <p:nvPr>
+            <p:ph type="sldNum" sz="quarter" idx="5"/>
+          </p:nvPr>
+        </p:nvSpPr>
+        <p:spPr/>
+        <p:txBody>
+          <a:bodyPr/>
+          <a:lstStyle/>
+          <a:p>
+            <a:fld id="{C477D1A0-9F4C-48D0-B0C4-6B6E5972C69E}" type="slidenum">
+              <a:rPr lang="de-DE" smtClean="0"/>
+              <a:t>2</a:t>
+            </a:fld>
+            <a:endParaRPr lang="de-DE"/>
+          </a:p>
+        </p:txBody>
+      </p:sp>
+    </p:spTree>
+    <p:extLst>
+      <p:ext uri="{BB962C8B-B14F-4D97-AF65-F5344CB8AC3E}">
+        <p14:creationId xmlns:p14="http://schemas.microsoft.com/office/powerpoint/2010/main" val="505011145"/>
+      </p:ext>
+    </p:extLst>
+  </p:cSld>
+  <p:clrMapOvr>
+    <a:masterClrMapping/>
+  </p:clrMapOvr>
+</p:notes>
+</file>
+
+<file path=ppt/notesSlides/notesSlide3.xml><?xml version="1.0" encoding="utf-8"?>
+<p:notes xmlns:a="http://schemas.openxmlformats.org/drawingml/2006/main" xmlns:r="http://schemas.openxmlformats.org/officeDocument/2006/relationships" xmlns:p="http://schemas.openxmlformats.org/presentationml/2006/main">
+  <p:cSld>
+    <p:spTree>
+      <p:nvGrpSpPr>
+        <p:cNvPr id="1" name="">
+          <a:extLst>
+            <a:ext uri="{FF2B5EF4-FFF2-40B4-BE49-F238E27FC236}">
+              <a16:creationId xmlns:a16="http://schemas.microsoft.com/office/drawing/2014/main" id="{C7EAD415-A748-65DB-16F2-E4A71E6B953C}"/>
+            </a:ext>
+          </a:extLst>
+        </p:cNvPr>
+        <p:cNvGrpSpPr/>
+        <p:nvPr/>
+      </p:nvGrpSpPr>
+      <p:grpSpPr>
+        <a:xfrm>
+          <a:off x="0" y="0"/>
+          <a:ext cx="0" cy="0"/>
+          <a:chOff x="0" y="0"/>
+          <a:chExt cx="0" cy="0"/>
+        </a:xfrm>
+      </p:grpSpPr>
+      <p:sp>
+        <p:nvSpPr>
+          <p:cNvPr id="2" name="Folienbildplatzhalter 1">
+            <a:extLst>
+              <a:ext uri="{FF2B5EF4-FFF2-40B4-BE49-F238E27FC236}">
+                <a16:creationId xmlns:a16="http://schemas.microsoft.com/office/drawing/2014/main" id="{1670A1C2-108C-1C1B-EE17-3C4D1F48AFD6}"/>
+              </a:ext>
+            </a:extLst>
+          </p:cNvPr>
+          <p:cNvSpPr>
+            <a:spLocks noGrp="1" noRot="1" noChangeAspect="1"/>
+          </p:cNvSpPr>
+          <p:nvPr>
+            <p:ph type="sldImg"/>
+          </p:nvPr>
+        </p:nvSpPr>
+        <p:spPr/>
+      </p:sp>
+      <p:sp>
+        <p:nvSpPr>
+          <p:cNvPr id="3" name="Notizenplatzhalter 2">
+            <a:extLst>
+              <a:ext uri="{FF2B5EF4-FFF2-40B4-BE49-F238E27FC236}">
+                <a16:creationId xmlns:a16="http://schemas.microsoft.com/office/drawing/2014/main" id="{AF3E4FDF-A65C-0C2C-E7DE-3B7A2C3078BA}"/>
+              </a:ext>
+            </a:extLst>
+          </p:cNvPr>
+          <p:cNvSpPr>
+            <a:spLocks noGrp="1"/>
+          </p:cNvSpPr>
+          <p:nvPr>
+            <p:ph type="body" idx="1"/>
+          </p:nvPr>
+        </p:nvSpPr>
+        <p:spPr/>
+        <p:txBody>
+          <a:bodyPr/>
+          <a:lstStyle/>
+          <a:p>
+            <a:r>
+              <a:rPr lang="de-DE" dirty="0"/>
+              <a:t>Welch Vorteile hat das R-Deep Verfahren?</a:t>
+            </a:r>
+          </a:p>
+          <a:p>
+            <a:pPr marL="0" marR="0" lvl="0" indent="0" algn="l" defTabSz="914400" rtl="0" eaLnBrk="1" fontAlgn="auto" latinLnBrk="0" hangingPunct="1">
+              <a:lnSpc>
+                <a:spcPct val="100000"/>
+              </a:lnSpc>
+              <a:spcBef>
+                <a:spcPts val="0"/>
+              </a:spcBef>
+              <a:spcAft>
+                <a:spcPts val="0"/>
+              </a:spcAft>
+              <a:buClrTx/>
+              <a:buSzTx/>
+              <a:buFontTx/>
+              <a:buNone/>
+              <a:tabLst/>
+              <a:defRPr/>
+            </a:pPr>
+            <a:r>
+              <a:rPr lang="de-DE" dirty="0"/>
+              <a:t>R-Deep liefert quantitative Aussagen über den Anteil jedes </a:t>
+            </a:r>
+            <a:r>
+              <a:rPr lang="de-DE" dirty="0" err="1"/>
+              <a:t>RBP</a:t>
+            </a:r>
+            <a:r>
+              <a:rPr lang="de-DE" dirty="0"/>
+              <a:t>, der tatsächlich an die RNA angelagert ist.</a:t>
+            </a:r>
+          </a:p>
+          <a:p>
+            <a:endParaRPr lang="de-DE" dirty="0"/>
+          </a:p>
+          <a:p>
+            <a:pPr marL="0" marR="0" lvl="0" indent="0" algn="l" defTabSz="914400" rtl="0" eaLnBrk="1" fontAlgn="auto" latinLnBrk="0" hangingPunct="1">
+              <a:lnSpc>
+                <a:spcPct val="100000"/>
+              </a:lnSpc>
+              <a:spcBef>
+                <a:spcPts val="0"/>
+              </a:spcBef>
+              <a:spcAft>
+                <a:spcPts val="0"/>
+              </a:spcAft>
+              <a:buClrTx/>
+              <a:buSzTx/>
+              <a:buFontTx/>
+              <a:buNone/>
+              <a:tabLst/>
+              <a:defRPr/>
+            </a:pPr>
+            <a:r>
+              <a:rPr lang="de-DE" dirty="0"/>
+              <a:t>Das Verfahren benötigt keine vorangegangenen </a:t>
+            </a:r>
+            <a:r>
+              <a:rPr lang="de-DE" dirty="0" err="1"/>
+              <a:t>Aufreinigungsverfahren</a:t>
+            </a:r>
+            <a:r>
+              <a:rPr lang="de-DE" dirty="0"/>
+              <a:t>. Wir können also darauf vertrauen, dass unsere Daten nicht verfälscht wurden durch </a:t>
+            </a:r>
+            <a:r>
+              <a:rPr lang="de-DE" dirty="0" err="1"/>
+              <a:t>Aufreinigungsschritte</a:t>
+            </a:r>
+            <a:r>
+              <a:rPr lang="de-DE" dirty="0"/>
+              <a:t>.</a:t>
+            </a:r>
+          </a:p>
+          <a:p>
+            <a:endParaRPr lang="de-DE" dirty="0"/>
+          </a:p>
+          <a:p>
+            <a:r>
+              <a:rPr lang="de-DE" dirty="0"/>
+              <a:t>Mit dem Verfahren können wir das gesamt Proteom spezifisch auf RNA-abhängige Proteine untersuchen. </a:t>
+            </a:r>
+          </a:p>
+          <a:p>
+            <a:r>
+              <a:rPr lang="de-DE" dirty="0"/>
+              <a:t>Daher finden wir mehr </a:t>
+            </a:r>
+            <a:r>
+              <a:rPr lang="de-DE" dirty="0" err="1"/>
+              <a:t>RBPs</a:t>
+            </a:r>
+            <a:r>
+              <a:rPr lang="de-DE" dirty="0"/>
+              <a:t>. Wenn wir nur nach bestimmten Proteinsequenzen gesucht hätten, wie einer RNA-bindenden Domäne, fänden wir nur kanonische </a:t>
+            </a:r>
+            <a:r>
+              <a:rPr lang="de-DE" dirty="0" err="1"/>
+              <a:t>RBDs</a:t>
+            </a:r>
+            <a:r>
+              <a:rPr lang="de-DE" dirty="0"/>
+              <a:t>. Die meisten </a:t>
+            </a:r>
+            <a:r>
+              <a:rPr lang="de-DE" dirty="0" err="1"/>
+              <a:t>RBDs</a:t>
+            </a:r>
+            <a:r>
+              <a:rPr lang="de-DE" dirty="0"/>
+              <a:t> sind jedoch nicht-kanonisch und besitzen daher eben keine RNA-binden Domänen. Diese nicht-kanonischen </a:t>
+            </a:r>
+            <a:r>
+              <a:rPr lang="de-DE" dirty="0" err="1"/>
+              <a:t>RBPs</a:t>
+            </a:r>
+            <a:r>
+              <a:rPr lang="de-DE" dirty="0"/>
+              <a:t> können wir mit dem R-Deep-Verfahren finden.</a:t>
+            </a:r>
+          </a:p>
+          <a:p>
+            <a:r>
+              <a:rPr lang="de-DE" dirty="0"/>
+              <a:t>Es gibt auch ein Verfahren, dass nur </a:t>
+            </a:r>
+            <a:r>
+              <a:rPr lang="de-DE" dirty="0" err="1"/>
+              <a:t>RBPs</a:t>
+            </a:r>
+            <a:r>
+              <a:rPr lang="de-DE" dirty="0"/>
+              <a:t> findet, die an RNAs mit Poly-A-Schwanz binden. Also viele mRNAs.</a:t>
+            </a:r>
+          </a:p>
+          <a:p>
+            <a:r>
+              <a:rPr lang="de-DE" dirty="0"/>
+              <a:t>Mit dem R-Deep Verfahren finden wir neben den mRNA-bindenden Proteinen auch </a:t>
+            </a:r>
+            <a:r>
+              <a:rPr lang="de-DE" dirty="0" err="1"/>
+              <a:t>RBPs</a:t>
+            </a:r>
+            <a:r>
+              <a:rPr lang="de-DE" dirty="0"/>
+              <a:t>, die an Lange nicht-kodierenden RNAs binden. Gerade diese Klasse an RNAs ist an zahlreichen Prozessen in den Zellen und in der Krankheitsentstehung z.B. von Krebs beteiligt. </a:t>
+            </a:r>
+          </a:p>
+          <a:p>
+            <a:r>
+              <a:rPr lang="de-DE" dirty="0"/>
+              <a:t>Das R-Deep Verfahren ist mit de spezifischen Suche nach RNA-abhängigen Proteinen somit mächtiger im Bezug auf die Anzahl an </a:t>
+            </a:r>
+            <a:r>
+              <a:rPr lang="de-DE" dirty="0" err="1"/>
+              <a:t>RBPs</a:t>
+            </a:r>
+            <a:r>
+              <a:rPr lang="de-DE" dirty="0"/>
+              <a:t>, die wir finden können.</a:t>
+            </a:r>
+          </a:p>
+          <a:p>
+            <a:endParaRPr lang="de-DE" dirty="0"/>
+          </a:p>
+          <a:p>
+            <a:pPr marL="0" marR="0" lvl="0" indent="0" algn="l" defTabSz="914400" rtl="0" eaLnBrk="1" fontAlgn="auto" latinLnBrk="0" hangingPunct="1">
+              <a:lnSpc>
+                <a:spcPct val="100000"/>
+              </a:lnSpc>
+              <a:spcBef>
+                <a:spcPts val="0"/>
+              </a:spcBef>
+              <a:spcAft>
+                <a:spcPts val="0"/>
+              </a:spcAft>
+              <a:buClrTx/>
+              <a:buSzTx/>
+              <a:buFontTx/>
+              <a:buNone/>
+              <a:tabLst/>
+              <a:defRPr/>
+            </a:pPr>
+            <a:r>
+              <a:rPr lang="de-DE" dirty="0"/>
+              <a:t>Limitationen sind: Identifiziert nicht die „</a:t>
+            </a:r>
+            <a:r>
+              <a:rPr lang="de-DE" dirty="0" err="1"/>
+              <a:t>binding</a:t>
+            </a:r>
+            <a:r>
+              <a:rPr lang="de-DE" dirty="0"/>
+              <a:t> </a:t>
+            </a:r>
+            <a:r>
+              <a:rPr lang="de-DE" dirty="0" err="1"/>
+              <a:t>sites</a:t>
+            </a:r>
+            <a:r>
+              <a:rPr lang="de-DE" dirty="0"/>
+              <a:t>“, keine Unterscheidung zwischen direkten und indirekten Interaktionen</a:t>
+            </a:r>
+          </a:p>
+          <a:p>
+            <a:endParaRPr lang="de-DE" dirty="0"/>
+          </a:p>
+          <a:p>
+            <a:endParaRPr lang="de-DE" dirty="0"/>
+          </a:p>
+          <a:p>
+            <a:r>
+              <a:rPr lang="de-DE" dirty="0">
+                <a:effectLst>
+                  <a:outerShdw blurRad="38100" dist="38100" dir="2700000" algn="tl">
+                    <a:srgbClr val="000000">
+                      <a:alpha val="43137"/>
+                    </a:srgbClr>
+                  </a:outerShdw>
+                </a:effectLst>
+              </a:rPr>
+              <a:t>Notiz</a:t>
+            </a:r>
+            <a:r>
+              <a:rPr lang="de-DE" dirty="0"/>
+              <a:t>:</a:t>
+            </a:r>
+          </a:p>
+          <a:p>
+            <a:r>
+              <a:rPr lang="de-DE" dirty="0"/>
+              <a:t>„Basiert nicht auf den Unterschieden von Affinität oder Eigenschaften der einzelnen Proteine, auch nicht auf bestimmten RNA/Protein-Sequenzen, liefert quantitative Aussagen über den Anteil jedes </a:t>
+            </a:r>
+            <a:r>
+              <a:rPr lang="de-DE" dirty="0" err="1"/>
+              <a:t>RBP</a:t>
+            </a:r>
+            <a:r>
+              <a:rPr lang="de-DE" dirty="0"/>
+              <a:t>, der tatsächlich an die RNA angelagert ist“</a:t>
+            </a:r>
+            <a:endParaRPr lang="de-DE" b="0" i="0" dirty="0">
+              <a:effectLst/>
+              <a:latin typeface="gg sans"/>
+            </a:endParaRPr>
+          </a:p>
+          <a:p>
+            <a:r>
+              <a:rPr lang="de-DE" b="0" i="0" dirty="0">
+                <a:effectLst/>
+                <a:latin typeface="gg sans"/>
+              </a:rPr>
+              <a:t>Keine Anreichungsverfahren</a:t>
+            </a:r>
+          </a:p>
+          <a:p>
+            <a:endParaRPr lang="de-DE" dirty="0"/>
+          </a:p>
+        </p:txBody>
+      </p:sp>
+      <p:sp>
+        <p:nvSpPr>
+          <p:cNvPr id="4" name="Foliennummernplatzhalter 3">
+            <a:extLst>
+              <a:ext uri="{FF2B5EF4-FFF2-40B4-BE49-F238E27FC236}">
+                <a16:creationId xmlns:a16="http://schemas.microsoft.com/office/drawing/2014/main" id="{183ECF23-1C2D-E442-300F-8D001574FCCB}"/>
+              </a:ext>
+            </a:extLst>
+          </p:cNvPr>
+          <p:cNvSpPr>
+            <a:spLocks noGrp="1"/>
+          </p:cNvSpPr>
+          <p:nvPr>
+            <p:ph type="sldNum" sz="quarter" idx="5"/>
+          </p:nvPr>
+        </p:nvSpPr>
+        <p:spPr/>
+        <p:txBody>
+          <a:bodyPr/>
+          <a:lstStyle/>
+          <a:p>
+            <a:fld id="{C477D1A0-9F4C-48D0-B0C4-6B6E5972C69E}" type="slidenum">
+              <a:rPr lang="de-DE" smtClean="0"/>
+              <a:t>14</a:t>
+            </a:fld>
+            <a:endParaRPr lang="de-DE"/>
+          </a:p>
+        </p:txBody>
+      </p:sp>
+    </p:spTree>
+    <p:extLst>
+      <p:ext uri="{BB962C8B-B14F-4D97-AF65-F5344CB8AC3E}">
+        <p14:creationId xmlns:p14="http://schemas.microsoft.com/office/powerpoint/2010/main" val="442332022"/>
+      </p:ext>
+    </p:extLst>
+  </p:cSld>
+  <p:clrMapOvr>
+    <a:masterClrMapping/>
+  </p:clrMapOvr>
+</p:notes>
 </file>
 
 <file path=ppt/slideLayouts/slideLayout1.xml><?xml version="1.0" encoding="utf-8"?>
@@ -3425,7 +4628,7 @@
             </a:r>
             <a:r>
               <a:rPr lang="en-GB" noProof="0" dirty="0"/>
-              <a:t>RNA-binding proteins in non-synchronized HeLa cells</a:t>
+              <a:t>RNA-dependent proteins in non-synchronized HeLa cells</a:t>
             </a:r>
           </a:p>
           <a:p>
@@ -3460,7 +4663,7 @@
     </p:spTree>
     <p:extLst>
       <p:ext uri="{BB962C8B-B14F-4D97-AF65-F5344CB8AC3E}">
-        <p14:creationId xmlns:p14="http://schemas.microsoft.com/office/powerpoint/2010/main" val="542427326"/>
+        <p14:creationId xmlns:p14="http://schemas.microsoft.com/office/powerpoint/2010/main" val="861820440"/>
       </p:ext>
     </p:extLst>
   </p:cSld>
@@ -3471,6 +4674,126 @@
 </file>
 
 <file path=ppt/slides/slide10.xml><?xml version="1.0" encoding="utf-8"?>
+<p:sld xmlns:a="http://schemas.openxmlformats.org/drawingml/2006/main" xmlns:r="http://schemas.openxmlformats.org/officeDocument/2006/relationships" xmlns:p="http://schemas.openxmlformats.org/presentationml/2006/main">
+  <p:cSld>
+    <p:spTree>
+      <p:nvGrpSpPr>
+        <p:cNvPr id="1" name=""/>
+        <p:cNvGrpSpPr/>
+        <p:nvPr/>
+      </p:nvGrpSpPr>
+      <p:grpSpPr>
+        <a:xfrm>
+          <a:off x="0" y="0"/>
+          <a:ext cx="0" cy="0"/>
+          <a:chOff x="0" y="0"/>
+          <a:chExt cx="0" cy="0"/>
+        </a:xfrm>
+      </p:grpSpPr>
+      <p:pic>
+        <p:nvPicPr>
+          <p:cNvPr id="2" name="Picture 1" descr="A comparison of a graph&#10;&#10;AI-generated content may be incorrect.">
+            <a:extLst>
+              <a:ext uri="{FF2B5EF4-FFF2-40B4-BE49-F238E27FC236}">
+                <a16:creationId xmlns:a16="http://schemas.microsoft.com/office/drawing/2014/main" id="{4A73FD8A-1DFB-7CC1-7CFB-C06F98CBF7F8}"/>
+              </a:ext>
+            </a:extLst>
+          </p:cNvPr>
+          <p:cNvPicPr>
+            <a:picLocks noChangeAspect="1"/>
+          </p:cNvPicPr>
+          <p:nvPr/>
+        </p:nvPicPr>
+        <p:blipFill>
+          <a:blip r:embed="rId2">
+            <a:extLst>
+              <a:ext uri="{28A0092B-C50C-407E-A947-70E740481C1C}">
+                <a14:useLocalDpi xmlns:a14="http://schemas.microsoft.com/office/drawing/2010/main" val="0"/>
+              </a:ext>
+            </a:extLst>
+          </a:blip>
+          <a:srcRect t="5391"/>
+          <a:stretch/>
+        </p:blipFill>
+        <p:spPr>
+          <a:xfrm>
+            <a:off x="860288" y="1253880"/>
+            <a:ext cx="10471424" cy="4350240"/>
+          </a:xfrm>
+          <a:prstGeom prst="rect">
+            <a:avLst/>
+          </a:prstGeom>
+        </p:spPr>
+      </p:pic>
+      <p:sp>
+        <p:nvSpPr>
+          <p:cNvPr id="3" name="TextBox 2">
+            <a:extLst>
+              <a:ext uri="{FF2B5EF4-FFF2-40B4-BE49-F238E27FC236}">
+                <a16:creationId xmlns:a16="http://schemas.microsoft.com/office/drawing/2014/main" id="{6D65A147-8C7A-6117-BA6C-A252DC013A91}"/>
+              </a:ext>
+            </a:extLst>
+          </p:cNvPr>
+          <p:cNvSpPr txBox="1"/>
+          <p:nvPr/>
+        </p:nvSpPr>
+        <p:spPr>
+          <a:xfrm>
+            <a:off x="860288" y="5716978"/>
+            <a:ext cx="4572000" cy="246221"/>
+          </a:xfrm>
+          <a:prstGeom prst="rect">
+            <a:avLst/>
+          </a:prstGeom>
+          <a:noFill/>
+        </p:spPr>
+        <p:txBody>
+          <a:bodyPr wrap="square" rtlCol="0">
+            <a:spAutoFit/>
+          </a:bodyPr>
+          <a:lstStyle/>
+          <a:p>
+            <a:r>
+              <a:rPr lang="en-GB" sz="1000" u="sng" noProof="0" dirty="0" err="1"/>
+              <a:t>Bioinfo</a:t>
+            </a:r>
+            <a:r>
+              <a:rPr lang="en-GB" sz="1000" u="sng" noProof="0" dirty="0"/>
+              <a:t>-Slides </a:t>
+            </a:r>
+            <a:r>
+              <a:rPr lang="en-GB" sz="1000" u="sng" noProof="0" dirty="0" err="1"/>
+              <a:t>aus</a:t>
+            </a:r>
+            <a:r>
+              <a:rPr lang="en-GB" sz="1000" u="sng" noProof="0" dirty="0"/>
+              <a:t> </a:t>
+            </a:r>
+            <a:r>
+              <a:rPr lang="en-GB" sz="1000" u="sng" noProof="0" dirty="0" err="1"/>
+              <a:t>dem</a:t>
+            </a:r>
+            <a:r>
+              <a:rPr lang="en-GB" sz="1000" u="sng" noProof="0" dirty="0"/>
+              <a:t> 3. Semester</a:t>
+            </a:r>
+          </a:p>
+        </p:txBody>
+      </p:sp>
+    </p:spTree>
+    <p:extLst>
+      <p:ext uri="{BB962C8B-B14F-4D97-AF65-F5344CB8AC3E}">
+        <p14:creationId xmlns:p14="http://schemas.microsoft.com/office/powerpoint/2010/main" val="3608344811"/>
+      </p:ext>
+    </p:extLst>
+  </p:cSld>
+  <p:clrMapOvr>
+    <a:masterClrMapping/>
+  </p:clrMapOvr>
+</p:sld>
+</file>
+
+<file path=ppt/slides/slide11.xml><?xml version="1.0" encoding="utf-8"?>
 <p:sld xmlns:a="http://schemas.openxmlformats.org/drawingml/2006/main" xmlns:r="http://schemas.openxmlformats.org/officeDocument/2006/relationships" xmlns:p="http://schemas.openxmlformats.org/presentationml/2006/main">
   <p:cSld>
     <p:spTree>
@@ -4358,7 +5681,7 @@
 </p:sld>
 </file>
 
-<file path=ppt/slides/slide11.xml><?xml version="1.0" encoding="utf-8"?>
+<file path=ppt/slides/slide12.xml><?xml version="1.0" encoding="utf-8"?>
 <p:sld xmlns:a="http://schemas.openxmlformats.org/drawingml/2006/main" xmlns:r="http://schemas.openxmlformats.org/officeDocument/2006/relationships" xmlns:p="http://schemas.openxmlformats.org/presentationml/2006/main">
   <p:cSld>
     <p:spTree>
@@ -4424,8 +5747,8 @@
 </p:sld>
 </file>
 
-<file path=ppt/slides/slide12.xml><?xml version="1.0" encoding="utf-8"?>
-<p:sld xmlns:a="http://schemas.openxmlformats.org/drawingml/2006/main" xmlns:r="http://schemas.openxmlformats.org/officeDocument/2006/relationships" xmlns:p="http://schemas.openxmlformats.org/presentationml/2006/main">
+<file path=ppt/slides/slide13.xml><?xml version="1.0" encoding="utf-8"?>
+<p:sld xmlns:a="http://schemas.openxmlformats.org/drawingml/2006/main" xmlns:r="http://schemas.openxmlformats.org/officeDocument/2006/relationships" xmlns:p="http://schemas.openxmlformats.org/presentationml/2006/main" show="0">
   <p:cSld>
     <p:spTree>
       <p:nvGrpSpPr>
@@ -4673,8 +5996,353 @@
 </p:sld>
 </file>
 
-<file path=ppt/slides/slide13.xml><?xml version="1.0" encoding="utf-8"?>
-<p:sld xmlns:a="http://schemas.openxmlformats.org/drawingml/2006/main" xmlns:r="http://schemas.openxmlformats.org/officeDocument/2006/relationships" xmlns:p="http://schemas.openxmlformats.org/presentationml/2006/main">
+<file path=ppt/slides/slide14.xml><?xml version="1.0" encoding="utf-8"?>
+<p:sld xmlns:a="http://schemas.openxmlformats.org/drawingml/2006/main" xmlns:r="http://schemas.openxmlformats.org/officeDocument/2006/relationships" xmlns:p="http://schemas.openxmlformats.org/presentationml/2006/main" show="0">
+  <p:cSld>
+    <p:spTree>
+      <p:nvGrpSpPr>
+        <p:cNvPr id="1" name="">
+          <a:extLst>
+            <a:ext uri="{FF2B5EF4-FFF2-40B4-BE49-F238E27FC236}">
+              <a16:creationId xmlns:a16="http://schemas.microsoft.com/office/drawing/2014/main" id="{7B5977AA-C150-0137-617D-9D1C659DF3CB}"/>
+            </a:ext>
+          </a:extLst>
+        </p:cNvPr>
+        <p:cNvGrpSpPr/>
+        <p:nvPr/>
+      </p:nvGrpSpPr>
+      <p:grpSpPr>
+        <a:xfrm>
+          <a:off x="0" y="0"/>
+          <a:ext cx="0" cy="0"/>
+          <a:chOff x="0" y="0"/>
+          <a:chExt cx="0" cy="0"/>
+        </a:xfrm>
+      </p:grpSpPr>
+      <p:sp>
+        <p:nvSpPr>
+          <p:cNvPr id="2" name="Title 1">
+            <a:extLst>
+              <a:ext uri="{FF2B5EF4-FFF2-40B4-BE49-F238E27FC236}">
+                <a16:creationId xmlns:a16="http://schemas.microsoft.com/office/drawing/2014/main" id="{43BCC231-F31D-096B-C111-7A43E862A945}"/>
+              </a:ext>
+            </a:extLst>
+          </p:cNvPr>
+          <p:cNvSpPr>
+            <a:spLocks noGrp="1"/>
+          </p:cNvSpPr>
+          <p:nvPr>
+            <p:ph type="title"/>
+          </p:nvPr>
+        </p:nvSpPr>
+        <p:spPr>
+          <a:xfrm>
+            <a:off x="0" y="365125"/>
+            <a:ext cx="12192000" cy="1325563"/>
+          </a:xfrm>
+        </p:spPr>
+        <p:txBody>
+          <a:bodyPr>
+            <a:normAutofit/>
+          </a:bodyPr>
+          <a:lstStyle/>
+          <a:p>
+            <a:pPr algn="ctr"/>
+            <a:r>
+              <a:rPr lang="en-GB" noProof="0" dirty="0"/>
+              <a:t>R-</a:t>
+            </a:r>
+            <a:r>
+              <a:rPr lang="en-GB" noProof="0" dirty="0" err="1"/>
+              <a:t>DeeP</a:t>
+            </a:r>
+            <a:endParaRPr lang="en-GB" sz="2800" noProof="0" dirty="0"/>
+          </a:p>
+        </p:txBody>
+      </p:sp>
+      <p:sp>
+        <p:nvSpPr>
+          <p:cNvPr id="5" name="Textfeld 4">
+            <a:extLst>
+              <a:ext uri="{FF2B5EF4-FFF2-40B4-BE49-F238E27FC236}">
+                <a16:creationId xmlns:a16="http://schemas.microsoft.com/office/drawing/2014/main" id="{B18040C7-34DD-D410-780D-59672910261B}"/>
+              </a:ext>
+            </a:extLst>
+          </p:cNvPr>
+          <p:cNvSpPr txBox="1"/>
+          <p:nvPr/>
+        </p:nvSpPr>
+        <p:spPr>
+          <a:xfrm>
+            <a:off x="649009" y="2270349"/>
+            <a:ext cx="5587409" cy="1938992"/>
+          </a:xfrm>
+          <a:prstGeom prst="rect">
+            <a:avLst/>
+          </a:prstGeom>
+          <a:noFill/>
+        </p:spPr>
+        <p:txBody>
+          <a:bodyPr wrap="square">
+            <a:spAutoFit/>
+          </a:bodyPr>
+          <a:lstStyle/>
+          <a:p>
+            <a:r>
+              <a:rPr lang="de-DE" sz="2400" dirty="0"/>
+              <a:t>Advantages</a:t>
+            </a:r>
+          </a:p>
+          <a:p>
+            <a:pPr marL="342900" indent="-342900">
+              <a:buFont typeface="Arial" panose="020B0604020202020204" pitchFamily="34" charset="0"/>
+              <a:buChar char="•"/>
+            </a:pPr>
+            <a:endParaRPr lang="de-DE" sz="2400" dirty="0"/>
+          </a:p>
+          <a:p>
+            <a:pPr marL="342900" indent="-342900">
+              <a:buFont typeface="Arial" panose="020B0604020202020204" pitchFamily="34" charset="0"/>
+              <a:buChar char="•"/>
+            </a:pPr>
+            <a:r>
+              <a:rPr lang="de-DE" sz="2400" dirty="0"/>
+              <a:t>Quantitative </a:t>
+            </a:r>
+            <a:r>
+              <a:rPr lang="de-DE" sz="2400" dirty="0" err="1"/>
+              <a:t>information</a:t>
+            </a:r>
+            <a:endParaRPr lang="de-DE" sz="2400" dirty="0"/>
+          </a:p>
+          <a:p>
+            <a:pPr marL="342900" indent="-342900">
+              <a:buFont typeface="Arial" panose="020B0604020202020204" pitchFamily="34" charset="0"/>
+              <a:buChar char="•"/>
+            </a:pPr>
+            <a:r>
+              <a:rPr lang="de-DE" sz="2400" dirty="0" err="1"/>
+              <a:t>independent</a:t>
+            </a:r>
+            <a:r>
+              <a:rPr lang="de-DE" sz="2400" dirty="0"/>
+              <a:t> </a:t>
+            </a:r>
+            <a:r>
+              <a:rPr lang="de-DE" sz="2400" dirty="0" err="1"/>
+              <a:t>of</a:t>
+            </a:r>
+            <a:r>
+              <a:rPr lang="de-DE" sz="2400" dirty="0"/>
+              <a:t> </a:t>
+            </a:r>
+            <a:r>
+              <a:rPr lang="de-DE" sz="2400" dirty="0" err="1"/>
+              <a:t>purifiction</a:t>
+            </a:r>
+            <a:r>
+              <a:rPr lang="de-DE" sz="2400" dirty="0"/>
+              <a:t> </a:t>
+            </a:r>
+            <a:r>
+              <a:rPr lang="de-DE" sz="2400" dirty="0" err="1"/>
+              <a:t>procedures</a:t>
+            </a:r>
+            <a:endParaRPr lang="de-DE" sz="2400" dirty="0"/>
+          </a:p>
+          <a:p>
+            <a:pPr marL="342900" indent="-342900">
+              <a:buFont typeface="Arial" panose="020B0604020202020204" pitchFamily="34" charset="0"/>
+              <a:buChar char="•"/>
+            </a:pPr>
+            <a:r>
+              <a:rPr lang="de-DE" sz="2400" dirty="0" err="1"/>
+              <a:t>specific</a:t>
+            </a:r>
+            <a:r>
+              <a:rPr lang="de-DE" sz="2400" dirty="0"/>
+              <a:t> </a:t>
+            </a:r>
+            <a:r>
+              <a:rPr lang="de-DE" sz="2400" dirty="0" err="1"/>
+              <a:t>fo</a:t>
+            </a:r>
+            <a:r>
+              <a:rPr lang="de-DE" sz="2400" dirty="0"/>
+              <a:t> RNA-</a:t>
+            </a:r>
+            <a:r>
+              <a:rPr lang="de-DE" sz="2400" dirty="0" err="1"/>
+              <a:t>dependency</a:t>
+            </a:r>
+            <a:endParaRPr lang="de-DE" sz="2400" dirty="0"/>
+          </a:p>
+        </p:txBody>
+      </p:sp>
+      <p:sp>
+        <p:nvSpPr>
+          <p:cNvPr id="9" name="Textfeld 8">
+            <a:extLst>
+              <a:ext uri="{FF2B5EF4-FFF2-40B4-BE49-F238E27FC236}">
+                <a16:creationId xmlns:a16="http://schemas.microsoft.com/office/drawing/2014/main" id="{745AB5B2-8D37-6882-86D2-47AE48ECA0B5}"/>
+              </a:ext>
+            </a:extLst>
+          </p:cNvPr>
+          <p:cNvSpPr txBox="1"/>
+          <p:nvPr/>
+        </p:nvSpPr>
+        <p:spPr>
+          <a:xfrm>
+            <a:off x="6236418" y="2270349"/>
+            <a:ext cx="6096000" cy="1938992"/>
+          </a:xfrm>
+          <a:prstGeom prst="rect">
+            <a:avLst/>
+          </a:prstGeom>
+          <a:noFill/>
+        </p:spPr>
+        <p:txBody>
+          <a:bodyPr wrap="square">
+            <a:spAutoFit/>
+          </a:bodyPr>
+          <a:lstStyle/>
+          <a:p>
+            <a:r>
+              <a:rPr lang="de-DE" sz="2400" dirty="0" err="1"/>
+              <a:t>Limitations</a:t>
+            </a:r>
+            <a:endParaRPr lang="de-DE" sz="2400" dirty="0"/>
+          </a:p>
+          <a:p>
+            <a:endParaRPr lang="de-DE" sz="2400" dirty="0"/>
+          </a:p>
+          <a:p>
+            <a:pPr marL="342900" indent="-342900">
+              <a:buFont typeface="Arial" panose="020B0604020202020204" pitchFamily="34" charset="0"/>
+              <a:buChar char="•"/>
+            </a:pPr>
+            <a:r>
+              <a:rPr lang="de-DE" sz="2400" dirty="0" err="1"/>
+              <a:t>No</a:t>
+            </a:r>
+            <a:r>
+              <a:rPr lang="de-DE" sz="2400" dirty="0"/>
+              <a:t> </a:t>
+            </a:r>
+            <a:r>
+              <a:rPr lang="de-DE" sz="2400" dirty="0" err="1"/>
+              <a:t>idenfitication</a:t>
+            </a:r>
+            <a:r>
+              <a:rPr lang="de-DE" sz="2400" dirty="0"/>
+              <a:t> </a:t>
+            </a:r>
+            <a:r>
+              <a:rPr lang="de-DE" sz="2400" dirty="0" err="1"/>
+              <a:t>of</a:t>
+            </a:r>
+            <a:r>
+              <a:rPr lang="de-DE" sz="2400" dirty="0"/>
+              <a:t> </a:t>
+            </a:r>
+            <a:r>
+              <a:rPr lang="de-DE" sz="2400" dirty="0" err="1"/>
+              <a:t>binding</a:t>
+            </a:r>
+            <a:r>
+              <a:rPr lang="de-DE" sz="2400" dirty="0"/>
+              <a:t> </a:t>
+            </a:r>
+            <a:r>
+              <a:rPr lang="de-DE" sz="2400" dirty="0" err="1"/>
+              <a:t>sites</a:t>
+            </a:r>
+            <a:endParaRPr lang="de-DE" sz="2400" dirty="0"/>
+          </a:p>
+          <a:p>
+            <a:pPr marL="342900" indent="-342900">
+              <a:buFont typeface="Arial" panose="020B0604020202020204" pitchFamily="34" charset="0"/>
+              <a:buChar char="•"/>
+            </a:pPr>
+            <a:r>
+              <a:rPr lang="de-DE" sz="2400" dirty="0" err="1"/>
+              <a:t>No</a:t>
+            </a:r>
+            <a:r>
+              <a:rPr lang="de-DE" sz="2400" dirty="0"/>
+              <a:t> </a:t>
+            </a:r>
+            <a:r>
+              <a:rPr lang="de-DE" sz="2400" dirty="0" err="1"/>
+              <a:t>differentiation</a:t>
+            </a:r>
+            <a:r>
+              <a:rPr lang="de-DE" sz="2400" dirty="0"/>
+              <a:t> </a:t>
+            </a:r>
+            <a:r>
+              <a:rPr lang="de-DE" sz="2400" dirty="0" err="1"/>
+              <a:t>of</a:t>
+            </a:r>
+            <a:r>
+              <a:rPr lang="de-DE" sz="2400" dirty="0"/>
+              <a:t> </a:t>
+            </a:r>
+            <a:r>
+              <a:rPr lang="de-DE" sz="2400" dirty="0" err="1"/>
+              <a:t>direct</a:t>
+            </a:r>
+            <a:r>
+              <a:rPr lang="de-DE" sz="2400" dirty="0"/>
+              <a:t> and </a:t>
+            </a:r>
+            <a:r>
+              <a:rPr lang="de-DE" sz="2400" dirty="0" err="1"/>
+              <a:t>indirect</a:t>
+            </a:r>
+            <a:r>
+              <a:rPr lang="de-DE" sz="2400" dirty="0"/>
+              <a:t> </a:t>
+            </a:r>
+            <a:r>
+              <a:rPr lang="de-DE" sz="2400" dirty="0" err="1"/>
+              <a:t>interactions</a:t>
+            </a:r>
+            <a:r>
+              <a:rPr lang="de-DE" sz="2400" dirty="0"/>
+              <a:t> </a:t>
+            </a:r>
+            <a:r>
+              <a:rPr lang="de-DE" sz="2400" dirty="0" err="1"/>
+              <a:t>of</a:t>
+            </a:r>
+            <a:r>
+              <a:rPr lang="de-DE" sz="2400" dirty="0"/>
+              <a:t> </a:t>
+            </a:r>
+            <a:r>
+              <a:rPr lang="de-DE" sz="2400" dirty="0" err="1"/>
+              <a:t>RBPs</a:t>
+            </a:r>
+            <a:endParaRPr lang="de-DE" sz="2400" dirty="0"/>
+          </a:p>
+        </p:txBody>
+      </p:sp>
+    </p:spTree>
+    <p:extLst>
+      <p:ext uri="{BB962C8B-B14F-4D97-AF65-F5344CB8AC3E}">
+        <p14:creationId xmlns:p14="http://schemas.microsoft.com/office/powerpoint/2010/main" val="3232109673"/>
+      </p:ext>
+    </p:extLst>
+  </p:cSld>
+  <p:clrMapOvr>
+    <a:masterClrMapping/>
+  </p:clrMapOvr>
+</p:sld>
+</file>
+
+<file path=ppt/slides/slide15.xml><?xml version="1.0" encoding="utf-8"?>
+<p:sld xmlns:a="http://schemas.openxmlformats.org/drawingml/2006/main" xmlns:r="http://schemas.openxmlformats.org/officeDocument/2006/relationships" xmlns:p="http://schemas.openxmlformats.org/presentationml/2006/main" show="0">
   <p:cSld>
     <p:spTree>
       <p:nvGrpSpPr>
@@ -4936,8 +6604,8 @@
 </p:sld>
 </file>
 
-<file path=ppt/slides/slide14.xml><?xml version="1.0" encoding="utf-8"?>
-<p:sld xmlns:a="http://schemas.openxmlformats.org/drawingml/2006/main" xmlns:r="http://schemas.openxmlformats.org/officeDocument/2006/relationships" xmlns:p="http://schemas.openxmlformats.org/presentationml/2006/main">
+<file path=ppt/slides/slide16.xml><?xml version="1.0" encoding="utf-8"?>
+<p:sld xmlns:a="http://schemas.openxmlformats.org/drawingml/2006/main" xmlns:r="http://schemas.openxmlformats.org/officeDocument/2006/relationships" xmlns:p="http://schemas.openxmlformats.org/presentationml/2006/main" show="0">
   <p:cSld>
     <p:spTree>
       <p:nvGrpSpPr>
@@ -6132,8 +7800,8 @@
 </p:sld>
 </file>
 
-<file path=ppt/slides/slide15.xml><?xml version="1.0" encoding="utf-8"?>
-<p:sld xmlns:a="http://schemas.openxmlformats.org/drawingml/2006/main" xmlns:r="http://schemas.openxmlformats.org/officeDocument/2006/relationships" xmlns:p="http://schemas.openxmlformats.org/presentationml/2006/main">
+<file path=ppt/slides/slide17.xml><?xml version="1.0" encoding="utf-8"?>
+<p:sld xmlns:a="http://schemas.openxmlformats.org/drawingml/2006/main" xmlns:r="http://schemas.openxmlformats.org/officeDocument/2006/relationships" xmlns:p="http://schemas.openxmlformats.org/presentationml/2006/main" show="0">
   <p:cSld>
     <p:spTree>
       <p:nvGrpSpPr>
@@ -7203,8 +8871,8 @@
 </p:sld>
 </file>
 
-<file path=ppt/slides/slide16.xml><?xml version="1.0" encoding="utf-8"?>
-<p:sld xmlns:a="http://schemas.openxmlformats.org/drawingml/2006/main" xmlns:r="http://schemas.openxmlformats.org/officeDocument/2006/relationships" xmlns:p="http://schemas.openxmlformats.org/presentationml/2006/main">
+<file path=ppt/slides/slide18.xml><?xml version="1.0" encoding="utf-8"?>
+<p:sld xmlns:a="http://schemas.openxmlformats.org/drawingml/2006/main" xmlns:r="http://schemas.openxmlformats.org/officeDocument/2006/relationships" xmlns:p="http://schemas.openxmlformats.org/presentationml/2006/main" show="0">
   <p:cSld>
     <p:spTree>
       <p:nvGrpSpPr>
@@ -8038,8 +9706,8 @@
 </p:sld>
 </file>
 
-<file path=ppt/slides/slide17.xml><?xml version="1.0" encoding="utf-8"?>
-<p:sld xmlns:a="http://schemas.openxmlformats.org/drawingml/2006/main" xmlns:r="http://schemas.openxmlformats.org/officeDocument/2006/relationships" xmlns:p="http://schemas.openxmlformats.org/presentationml/2006/main">
+<file path=ppt/slides/slide19.xml><?xml version="1.0" encoding="utf-8"?>
+<p:sld xmlns:a="http://schemas.openxmlformats.org/drawingml/2006/main" xmlns:r="http://schemas.openxmlformats.org/officeDocument/2006/relationships" xmlns:p="http://schemas.openxmlformats.org/presentationml/2006/main" show="0">
   <p:cSld>
     <p:spTree>
       <p:nvGrpSpPr>
@@ -8581,6 +10249,436 @@
         <p:cNvPr id="1" name="">
           <a:extLst>
             <a:ext uri="{FF2B5EF4-FFF2-40B4-BE49-F238E27FC236}">
+              <a16:creationId xmlns:a16="http://schemas.microsoft.com/office/drawing/2014/main" id="{7BCE4239-353B-35FF-83D0-F3FAC36EA850}"/>
+            </a:ext>
+          </a:extLst>
+        </p:cNvPr>
+        <p:cNvGrpSpPr/>
+        <p:nvPr/>
+      </p:nvGrpSpPr>
+      <p:grpSpPr>
+        <a:xfrm>
+          <a:off x="0" y="0"/>
+          <a:ext cx="0" cy="0"/>
+          <a:chOff x="0" y="0"/>
+          <a:chExt cx="0" cy="0"/>
+        </a:xfrm>
+      </p:grpSpPr>
+      <p:sp>
+        <p:nvSpPr>
+          <p:cNvPr id="2" name="Title 1">
+            <a:extLst>
+              <a:ext uri="{FF2B5EF4-FFF2-40B4-BE49-F238E27FC236}">
+                <a16:creationId xmlns:a16="http://schemas.microsoft.com/office/drawing/2014/main" id="{2E784005-2C1F-22B7-1F8A-6E9F7CED12E1}"/>
+              </a:ext>
+            </a:extLst>
+          </p:cNvPr>
+          <p:cNvSpPr>
+            <a:spLocks noGrp="1"/>
+          </p:cNvSpPr>
+          <p:nvPr>
+            <p:ph type="title"/>
+          </p:nvPr>
+        </p:nvSpPr>
+        <p:spPr>
+          <a:xfrm>
+            <a:off x="0" y="365125"/>
+            <a:ext cx="12192000" cy="1325563"/>
+          </a:xfrm>
+        </p:spPr>
+        <p:txBody>
+          <a:bodyPr>
+            <a:normAutofit/>
+          </a:bodyPr>
+          <a:lstStyle/>
+          <a:p>
+            <a:pPr algn="ctr"/>
+            <a:r>
+              <a:rPr lang="en-GB" noProof="0" dirty="0"/>
+              <a:t>RNA-dependent proteins</a:t>
+            </a:r>
+            <a:endParaRPr lang="en-GB" sz="2800" noProof="0" dirty="0"/>
+          </a:p>
+        </p:txBody>
+      </p:sp>
+      <p:pic>
+        <p:nvPicPr>
+          <p:cNvPr id="6" name="Picture 5" descr="A cartoon of a ladder and a tree&#10;&#10;AI-generated content may be incorrect.">
+            <a:extLst>
+              <a:ext uri="{FF2B5EF4-FFF2-40B4-BE49-F238E27FC236}">
+                <a16:creationId xmlns:a16="http://schemas.microsoft.com/office/drawing/2014/main" id="{396D2326-6A34-8546-E077-3E24C6FC9960}"/>
+              </a:ext>
+            </a:extLst>
+          </p:cNvPr>
+          <p:cNvPicPr>
+            <a:picLocks noChangeAspect="1"/>
+          </p:cNvPicPr>
+          <p:nvPr/>
+        </p:nvPicPr>
+        <p:blipFill>
+          <a:blip r:embed="rId3">
+            <a:extLst>
+              <a:ext uri="{28A0092B-C50C-407E-A947-70E740481C1C}">
+                <a14:useLocalDpi xmlns:a14="http://schemas.microsoft.com/office/drawing/2010/main" val="0"/>
+              </a:ext>
+            </a:extLst>
+          </a:blip>
+          <a:srcRect l="37033" r="1"/>
+          <a:stretch/>
+        </p:blipFill>
+        <p:spPr>
+          <a:xfrm>
+            <a:off x="520409" y="1817081"/>
+            <a:ext cx="3597812" cy="4000108"/>
+          </a:xfrm>
+          <a:prstGeom prst="rect">
+            <a:avLst/>
+          </a:prstGeom>
+        </p:spPr>
+      </p:pic>
+      <p:pic>
+        <p:nvPicPr>
+          <p:cNvPr id="8" name="Picture 7" descr="A diagram of a ladder and brain&#10;&#10;AI-generated content may be incorrect.">
+            <a:extLst>
+              <a:ext uri="{FF2B5EF4-FFF2-40B4-BE49-F238E27FC236}">
+                <a16:creationId xmlns:a16="http://schemas.microsoft.com/office/drawing/2014/main" id="{3FD1A5A0-9772-0167-0EB3-35171872DC8D}"/>
+              </a:ext>
+            </a:extLst>
+          </p:cNvPr>
+          <p:cNvPicPr>
+            <a:picLocks noChangeAspect="1"/>
+          </p:cNvPicPr>
+          <p:nvPr/>
+        </p:nvPicPr>
+        <p:blipFill>
+          <a:blip r:embed="rId4">
+            <a:extLst>
+              <a:ext uri="{28A0092B-C50C-407E-A947-70E740481C1C}">
+                <a14:useLocalDpi xmlns:a14="http://schemas.microsoft.com/office/drawing/2010/main" val="0"/>
+              </a:ext>
+            </a:extLst>
+          </a:blip>
+          <a:srcRect l="37040"/>
+          <a:stretch/>
+        </p:blipFill>
+        <p:spPr>
+          <a:xfrm>
+            <a:off x="4118221" y="1817082"/>
+            <a:ext cx="3597812" cy="4000108"/>
+          </a:xfrm>
+          <a:prstGeom prst="rect">
+            <a:avLst/>
+          </a:prstGeom>
+        </p:spPr>
+      </p:pic>
+      <p:sp>
+        <p:nvSpPr>
+          <p:cNvPr id="4" name="Textfeld 3">
+            <a:extLst>
+              <a:ext uri="{FF2B5EF4-FFF2-40B4-BE49-F238E27FC236}">
+                <a16:creationId xmlns:a16="http://schemas.microsoft.com/office/drawing/2014/main" id="{C215E2A0-7560-E927-2FA4-818ABFA9F693}"/>
+              </a:ext>
+            </a:extLst>
+          </p:cNvPr>
+          <p:cNvSpPr txBox="1"/>
+          <p:nvPr/>
+        </p:nvSpPr>
+        <p:spPr>
+          <a:xfrm>
+            <a:off x="2896497" y="1355416"/>
+            <a:ext cx="6094206" cy="461665"/>
+          </a:xfrm>
+          <a:prstGeom prst="rect">
+            <a:avLst/>
+          </a:prstGeom>
+          <a:noFill/>
+        </p:spPr>
+        <p:txBody>
+          <a:bodyPr wrap="square">
+            <a:spAutoFit/>
+          </a:bodyPr>
+          <a:lstStyle/>
+          <a:p>
+            <a:pPr algn="ctr"/>
+            <a:r>
+              <a:rPr lang="en-GB" sz="2400" dirty="0"/>
+              <a:t>non-synchronized HeLa cells</a:t>
+            </a:r>
+          </a:p>
+        </p:txBody>
+      </p:sp>
+      <p:sp>
+        <p:nvSpPr>
+          <p:cNvPr id="7" name="Textfeld 6">
+            <a:extLst>
+              <a:ext uri="{FF2B5EF4-FFF2-40B4-BE49-F238E27FC236}">
+                <a16:creationId xmlns:a16="http://schemas.microsoft.com/office/drawing/2014/main" id="{7BA205B4-B358-94B7-D49C-A842E966CCDF}"/>
+              </a:ext>
+            </a:extLst>
+          </p:cNvPr>
+          <p:cNvSpPr txBox="1"/>
+          <p:nvPr/>
+        </p:nvSpPr>
+        <p:spPr>
+          <a:xfrm>
+            <a:off x="8219068" y="2455596"/>
+            <a:ext cx="3247217" cy="2677656"/>
+          </a:xfrm>
+          <a:prstGeom prst="rect">
+            <a:avLst/>
+          </a:prstGeom>
+          <a:noFill/>
+        </p:spPr>
+        <p:txBody>
+          <a:bodyPr wrap="square">
+            <a:spAutoFit/>
+          </a:bodyPr>
+          <a:lstStyle/>
+          <a:p>
+            <a:pPr marL="342900" indent="-342900">
+              <a:buFont typeface="Arial" panose="020B0604020202020204" pitchFamily="34" charset="0"/>
+              <a:buChar char="•"/>
+            </a:pPr>
+            <a:r>
+              <a:rPr lang="de-DE" sz="2400" dirty="0"/>
+              <a:t>RNA </a:t>
+            </a:r>
+            <a:r>
+              <a:rPr lang="de-DE" sz="2400" dirty="0" err="1"/>
+              <a:t>metabolism</a:t>
+            </a:r>
+            <a:r>
+              <a:rPr lang="de-DE" sz="2400" dirty="0"/>
+              <a:t> &amp; </a:t>
+            </a:r>
+            <a:r>
+              <a:rPr lang="de-DE" sz="2400" dirty="0" err="1"/>
+              <a:t>regulation</a:t>
+            </a:r>
+            <a:r>
+              <a:rPr lang="de-DE" sz="2400" dirty="0"/>
+              <a:t> </a:t>
+            </a:r>
+            <a:r>
+              <a:rPr lang="de-DE" sz="2400" dirty="0" err="1"/>
+              <a:t>of</a:t>
+            </a:r>
+            <a:r>
+              <a:rPr lang="de-DE" sz="2400" dirty="0"/>
+              <a:t> </a:t>
+            </a:r>
+            <a:r>
+              <a:rPr lang="de-DE" sz="2400" dirty="0" err="1"/>
+              <a:t>gene</a:t>
+            </a:r>
+            <a:r>
+              <a:rPr lang="de-DE" sz="2400" dirty="0"/>
+              <a:t> </a:t>
+            </a:r>
+            <a:r>
+              <a:rPr lang="de-DE" sz="2400" dirty="0" err="1"/>
+              <a:t>expression</a:t>
+            </a:r>
+            <a:endParaRPr lang="de-DE" sz="2400" dirty="0"/>
+          </a:p>
+          <a:p>
+            <a:pPr marL="342900" indent="-342900">
+              <a:buFont typeface="Arial" panose="020B0604020202020204" pitchFamily="34" charset="0"/>
+              <a:buChar char="•"/>
+            </a:pPr>
+            <a:r>
+              <a:rPr lang="de-DE" sz="2400" dirty="0" err="1"/>
+              <a:t>Defects</a:t>
+            </a:r>
+            <a:r>
+              <a:rPr lang="de-DE" sz="2400" dirty="0"/>
+              <a:t> </a:t>
+            </a:r>
+            <a:r>
+              <a:rPr lang="de-DE" sz="2400" dirty="0" err="1"/>
+              <a:t>are</a:t>
+            </a:r>
+            <a:r>
+              <a:rPr lang="de-DE" sz="2400" dirty="0"/>
+              <a:t> </a:t>
+            </a:r>
+            <a:r>
+              <a:rPr lang="de-DE" sz="2400" dirty="0" err="1"/>
+              <a:t>linked</a:t>
+            </a:r>
+            <a:r>
+              <a:rPr lang="de-DE" sz="2400" dirty="0"/>
+              <a:t> </a:t>
+            </a:r>
+            <a:r>
+              <a:rPr lang="de-DE" sz="2400" dirty="0" err="1"/>
+              <a:t>to</a:t>
+            </a:r>
+            <a:r>
+              <a:rPr lang="de-DE" sz="2400" dirty="0"/>
+              <a:t>  neurodegenerative </a:t>
+            </a:r>
+            <a:r>
+              <a:rPr lang="de-DE" sz="2400" dirty="0" err="1"/>
+              <a:t>disorders</a:t>
+            </a:r>
+            <a:r>
+              <a:rPr lang="de-DE" sz="2400" dirty="0"/>
+              <a:t> and </a:t>
+            </a:r>
+            <a:r>
+              <a:rPr lang="de-DE" sz="2400" dirty="0" err="1"/>
+              <a:t>cancer</a:t>
+            </a:r>
+            <a:r>
+              <a:rPr lang="de-DE" sz="2400" dirty="0"/>
+              <a:t> </a:t>
+            </a:r>
+            <a:endParaRPr lang="de-DE" dirty="0"/>
+          </a:p>
+        </p:txBody>
+      </p:sp>
+    </p:spTree>
+    <p:extLst>
+      <p:ext uri="{BB962C8B-B14F-4D97-AF65-F5344CB8AC3E}">
+        <p14:creationId xmlns:p14="http://schemas.microsoft.com/office/powerpoint/2010/main" val="2817312223"/>
+      </p:ext>
+    </p:extLst>
+  </p:cSld>
+  <p:clrMapOvr>
+    <a:masterClrMapping/>
+  </p:clrMapOvr>
+  <p:timing>
+    <p:tnLst>
+      <p:par>
+        <p:cTn id="1" dur="indefinite" restart="never" nodeType="tmRoot">
+          <p:childTnLst>
+            <p:seq concurrent="1" nextAc="seek">
+              <p:cTn id="2" dur="indefinite" nodeType="mainSeq">
+                <p:childTnLst>
+                  <p:par>
+                    <p:cTn id="3" fill="hold">
+                      <p:stCondLst>
+                        <p:cond delay="indefinite"/>
+                      </p:stCondLst>
+                      <p:childTnLst>
+                        <p:par>
+                          <p:cTn id="4" fill="hold">
+                            <p:stCondLst>
+                              <p:cond delay="0"/>
+                            </p:stCondLst>
+                            <p:childTnLst>
+                              <p:par>
+                                <p:cTn id="5" presetID="1" presetClass="entr" presetSubtype="0" fill="hold" nodeType="clickEffect">
+                                  <p:stCondLst>
+                                    <p:cond delay="0"/>
+                                  </p:stCondLst>
+                                  <p:childTnLst>
+                                    <p:set>
+                                      <p:cBhvr>
+                                        <p:cTn id="6" dur="1" fill="hold">
+                                          <p:stCondLst>
+                                            <p:cond delay="0"/>
+                                          </p:stCondLst>
+                                        </p:cTn>
+                                        <p:tgtEl>
+                                          <p:spTgt spid="6"/>
+                                        </p:tgtEl>
+                                        <p:attrNameLst>
+                                          <p:attrName>style.visibility</p:attrName>
+                                        </p:attrNameLst>
+                                      </p:cBhvr>
+                                      <p:to>
+                                        <p:strVal val="visible"/>
+                                      </p:to>
+                                    </p:set>
+                                  </p:childTnLst>
+                                </p:cTn>
+                              </p:par>
+                            </p:childTnLst>
+                          </p:cTn>
+                        </p:par>
+                      </p:childTnLst>
+                    </p:cTn>
+                  </p:par>
+                  <p:par>
+                    <p:cTn id="7" fill="hold">
+                      <p:stCondLst>
+                        <p:cond delay="indefinite"/>
+                      </p:stCondLst>
+                      <p:childTnLst>
+                        <p:par>
+                          <p:cTn id="8" fill="hold">
+                            <p:stCondLst>
+                              <p:cond delay="0"/>
+                            </p:stCondLst>
+                            <p:childTnLst>
+                              <p:par>
+                                <p:cTn id="9" presetID="1" presetClass="entr" presetSubtype="0" fill="hold" nodeType="clickEffect">
+                                  <p:stCondLst>
+                                    <p:cond delay="0"/>
+                                  </p:stCondLst>
+                                  <p:childTnLst>
+                                    <p:set>
+                                      <p:cBhvr>
+                                        <p:cTn id="10" dur="1" fill="hold">
+                                          <p:stCondLst>
+                                            <p:cond delay="0"/>
+                                          </p:stCondLst>
+                                        </p:cTn>
+                                        <p:tgtEl>
+                                          <p:spTgt spid="8"/>
+                                        </p:tgtEl>
+                                        <p:attrNameLst>
+                                          <p:attrName>style.visibility</p:attrName>
+                                        </p:attrNameLst>
+                                      </p:cBhvr>
+                                      <p:to>
+                                        <p:strVal val="visible"/>
+                                      </p:to>
+                                    </p:set>
+                                  </p:childTnLst>
+                                </p:cTn>
+                              </p:par>
+                            </p:childTnLst>
+                          </p:cTn>
+                        </p:par>
+                      </p:childTnLst>
+                    </p:cTn>
+                  </p:par>
+                </p:childTnLst>
+              </p:cTn>
+              <p:prevCondLst>
+                <p:cond evt="onPrev" delay="0">
+                  <p:tgtEl>
+                    <p:sldTgt/>
+                  </p:tgtEl>
+                </p:cond>
+              </p:prevCondLst>
+              <p:nextCondLst>
+                <p:cond evt="onNext" delay="0">
+                  <p:tgtEl>
+                    <p:sldTgt/>
+                  </p:tgtEl>
+                </p:cond>
+              </p:nextCondLst>
+            </p:seq>
+          </p:childTnLst>
+        </p:cTn>
+      </p:par>
+    </p:tnLst>
+  </p:timing>
+</p:sld>
+</file>
+
+<file path=ppt/slides/slide3.xml><?xml version="1.0" encoding="utf-8"?>
+<p:sld xmlns:a="http://schemas.openxmlformats.org/drawingml/2006/main" xmlns:r="http://schemas.openxmlformats.org/officeDocument/2006/relationships" xmlns:p="http://schemas.openxmlformats.org/presentationml/2006/main">
+  <p:cSld>
+    <p:spTree>
+      <p:nvGrpSpPr>
+        <p:cNvPr id="1" name="">
+          <a:extLst>
+            <a:ext uri="{FF2B5EF4-FFF2-40B4-BE49-F238E27FC236}">
               <a16:creationId xmlns:a16="http://schemas.microsoft.com/office/drawing/2014/main" id="{321B6A4F-2666-3D27-E198-AE0F72A47203}"/>
             </a:ext>
           </a:extLst>
@@ -8624,8 +10722,8 @@
         </p:blipFill>
         <p:spPr>
           <a:xfrm>
-            <a:off x="5309419" y="1496517"/>
-            <a:ext cx="6489291" cy="3908934"/>
+            <a:off x="5309419" y="1450485"/>
+            <a:ext cx="6565709" cy="3954966"/>
           </a:xfrm>
           <a:prstGeom prst="rect">
             <a:avLst/>
@@ -9438,7 +11536,7 @@
         </p:nvSpPr>
         <p:spPr>
           <a:xfrm>
-            <a:off x="5309419" y="1332657"/>
+            <a:off x="5309419" y="1480491"/>
             <a:ext cx="227781" cy="369332"/>
           </a:xfrm>
           <a:prstGeom prst="rect">
@@ -9769,7 +11867,7 @@
 </p:sld>
 </file>
 
-<file path=ppt/slides/slide3.xml><?xml version="1.0" encoding="utf-8"?>
+<file path=ppt/slides/slide4.xml><?xml version="1.0" encoding="utf-8"?>
 <p:sld xmlns:a="http://schemas.openxmlformats.org/drawingml/2006/main" xmlns:r="http://schemas.openxmlformats.org/officeDocument/2006/relationships" xmlns:p="http://schemas.openxmlformats.org/presentationml/2006/main">
   <p:cSld>
     <p:spTree>
@@ -10835,7 +12933,7 @@
 </p:sld>
 </file>
 
-<file path=ppt/slides/slide4.xml><?xml version="1.0" encoding="utf-8"?>
+<file path=ppt/slides/slide5.xml><?xml version="1.0" encoding="utf-8"?>
 <p:sld xmlns:a="http://schemas.openxmlformats.org/drawingml/2006/main" xmlns:r="http://schemas.openxmlformats.org/officeDocument/2006/relationships" xmlns:p="http://schemas.openxmlformats.org/presentationml/2006/main">
   <p:cSld>
     <p:spTree>
@@ -11664,7 +13762,7 @@
 </p:sld>
 </file>
 
-<file path=ppt/slides/slide5.xml><?xml version="1.0" encoding="utf-8"?>
+<file path=ppt/slides/slide6.xml><?xml version="1.0" encoding="utf-8"?>
 <p:sld xmlns:a="http://schemas.openxmlformats.org/drawingml/2006/main" xmlns:r="http://schemas.openxmlformats.org/officeDocument/2006/relationships" xmlns:p="http://schemas.openxmlformats.org/presentationml/2006/main">
   <p:cSld>
     <p:spTree>
@@ -11817,7 +13915,7 @@
 </p:sld>
 </file>
 
-<file path=ppt/slides/slide6.xml><?xml version="1.0" encoding="utf-8"?>
+<file path=ppt/slides/slide7.xml><?xml version="1.0" encoding="utf-8"?>
 <p:sld xmlns:a="http://schemas.openxmlformats.org/drawingml/2006/main" xmlns:r="http://schemas.openxmlformats.org/officeDocument/2006/relationships" xmlns:p="http://schemas.openxmlformats.org/presentationml/2006/main">
   <p:cSld>
     <p:spTree>
@@ -12748,7 +14846,7 @@
 </p:sld>
 </file>
 
-<file path=ppt/slides/slide7.xml><?xml version="1.0" encoding="utf-8"?>
+<file path=ppt/slides/slide8.xml><?xml version="1.0" encoding="utf-8"?>
 <p:sld xmlns:a="http://schemas.openxmlformats.org/drawingml/2006/main" xmlns:r="http://schemas.openxmlformats.org/officeDocument/2006/relationships" xmlns:p="http://schemas.openxmlformats.org/presentationml/2006/main">
   <p:cSld>
     <p:spTree>
@@ -13572,7 +15670,7 @@
 </p:sld>
 </file>
 
-<file path=ppt/slides/slide8.xml><?xml version="1.0" encoding="utf-8"?>
+<file path=ppt/slides/slide9.xml><?xml version="1.0" encoding="utf-8"?>
 <p:sld xmlns:a="http://schemas.openxmlformats.org/drawingml/2006/main" xmlns:r="http://schemas.openxmlformats.org/officeDocument/2006/relationships" xmlns:p="http://schemas.openxmlformats.org/presentationml/2006/main">
   <p:cSld>
     <p:spTree>
@@ -14308,126 +16406,6 @@
 </p:sld>
 </file>
 
-<file path=ppt/slides/slide9.xml><?xml version="1.0" encoding="utf-8"?>
-<p:sld xmlns:a="http://schemas.openxmlformats.org/drawingml/2006/main" xmlns:r="http://schemas.openxmlformats.org/officeDocument/2006/relationships" xmlns:p="http://schemas.openxmlformats.org/presentationml/2006/main">
-  <p:cSld>
-    <p:spTree>
-      <p:nvGrpSpPr>
-        <p:cNvPr id="1" name=""/>
-        <p:cNvGrpSpPr/>
-        <p:nvPr/>
-      </p:nvGrpSpPr>
-      <p:grpSpPr>
-        <a:xfrm>
-          <a:off x="0" y="0"/>
-          <a:ext cx="0" cy="0"/>
-          <a:chOff x="0" y="0"/>
-          <a:chExt cx="0" cy="0"/>
-        </a:xfrm>
-      </p:grpSpPr>
-      <p:pic>
-        <p:nvPicPr>
-          <p:cNvPr id="2" name="Picture 1" descr="A comparison of a graph&#10;&#10;AI-generated content may be incorrect.">
-            <a:extLst>
-              <a:ext uri="{FF2B5EF4-FFF2-40B4-BE49-F238E27FC236}">
-                <a16:creationId xmlns:a16="http://schemas.microsoft.com/office/drawing/2014/main" id="{4A73FD8A-1DFB-7CC1-7CFB-C06F98CBF7F8}"/>
-              </a:ext>
-            </a:extLst>
-          </p:cNvPr>
-          <p:cNvPicPr>
-            <a:picLocks noChangeAspect="1"/>
-          </p:cNvPicPr>
-          <p:nvPr/>
-        </p:nvPicPr>
-        <p:blipFill>
-          <a:blip r:embed="rId2">
-            <a:extLst>
-              <a:ext uri="{28A0092B-C50C-407E-A947-70E740481C1C}">
-                <a14:useLocalDpi xmlns:a14="http://schemas.microsoft.com/office/drawing/2010/main" val="0"/>
-              </a:ext>
-            </a:extLst>
-          </a:blip>
-          <a:srcRect t="5391"/>
-          <a:stretch/>
-        </p:blipFill>
-        <p:spPr>
-          <a:xfrm>
-            <a:off x="860288" y="1253880"/>
-            <a:ext cx="10471424" cy="4350240"/>
-          </a:xfrm>
-          <a:prstGeom prst="rect">
-            <a:avLst/>
-          </a:prstGeom>
-        </p:spPr>
-      </p:pic>
-      <p:sp>
-        <p:nvSpPr>
-          <p:cNvPr id="3" name="TextBox 2">
-            <a:extLst>
-              <a:ext uri="{FF2B5EF4-FFF2-40B4-BE49-F238E27FC236}">
-                <a16:creationId xmlns:a16="http://schemas.microsoft.com/office/drawing/2014/main" id="{6D65A147-8C7A-6117-BA6C-A252DC013A91}"/>
-              </a:ext>
-            </a:extLst>
-          </p:cNvPr>
-          <p:cNvSpPr txBox="1"/>
-          <p:nvPr/>
-        </p:nvSpPr>
-        <p:spPr>
-          <a:xfrm>
-            <a:off x="860288" y="5716978"/>
-            <a:ext cx="4572000" cy="246221"/>
-          </a:xfrm>
-          <a:prstGeom prst="rect">
-            <a:avLst/>
-          </a:prstGeom>
-          <a:noFill/>
-        </p:spPr>
-        <p:txBody>
-          <a:bodyPr wrap="square" rtlCol="0">
-            <a:spAutoFit/>
-          </a:bodyPr>
-          <a:lstStyle/>
-          <a:p>
-            <a:r>
-              <a:rPr lang="en-GB" sz="1000" u="sng" noProof="0" dirty="0" err="1"/>
-              <a:t>Bioinfo</a:t>
-            </a:r>
-            <a:r>
-              <a:rPr lang="en-GB" sz="1000" u="sng" noProof="0" dirty="0"/>
-              <a:t>-Slides </a:t>
-            </a:r>
-            <a:r>
-              <a:rPr lang="en-GB" sz="1000" u="sng" noProof="0" dirty="0" err="1"/>
-              <a:t>aus</a:t>
-            </a:r>
-            <a:r>
-              <a:rPr lang="en-GB" sz="1000" u="sng" noProof="0" dirty="0"/>
-              <a:t> </a:t>
-            </a:r>
-            <a:r>
-              <a:rPr lang="en-GB" sz="1000" u="sng" noProof="0" dirty="0" err="1"/>
-              <a:t>dem</a:t>
-            </a:r>
-            <a:r>
-              <a:rPr lang="en-GB" sz="1000" u="sng" noProof="0" dirty="0"/>
-              <a:t> 3. Semester</a:t>
-            </a:r>
-          </a:p>
-        </p:txBody>
-      </p:sp>
-    </p:spTree>
-    <p:extLst>
-      <p:ext uri="{BB962C8B-B14F-4D97-AF65-F5344CB8AC3E}">
-        <p14:creationId xmlns:p14="http://schemas.microsoft.com/office/powerpoint/2010/main" val="3608344811"/>
-      </p:ext>
-    </p:extLst>
-  </p:cSld>
-  <p:clrMapOvr>
-    <a:masterClrMapping/>
-  </p:clrMapOvr>
-</p:sld>
-</file>
-
 <file path=ppt/theme/theme1.xml><?xml version="1.0" encoding="utf-8"?>
 <a:theme xmlns:a="http://schemas.openxmlformats.org/drawingml/2006/main" name="Office Theme">
   <a:themeElements>
@@ -14741,4 +16719,319 @@
     </a:ext>
   </a:extLst>
 </a:theme>
+</file>
+
+<file path=ppt/theme/theme2.xml><?xml version="1.0" encoding="utf-8"?>
+<a:theme xmlns:a="http://schemas.openxmlformats.org/drawingml/2006/main" name="Office">
+  <a:themeElements>
+    <a:clrScheme name="Office">
+      <a:dk1>
+        <a:sysClr val="windowText" lastClr="000000"/>
+      </a:dk1>
+      <a:lt1>
+        <a:sysClr val="window" lastClr="FFFFFF"/>
+      </a:lt1>
+      <a:dk2>
+        <a:srgbClr val="0E2841"/>
+      </a:dk2>
+      <a:lt2>
+        <a:srgbClr val="E8E8E8"/>
+      </a:lt2>
+      <a:accent1>
+        <a:srgbClr val="156082"/>
+      </a:accent1>
+      <a:accent2>
+        <a:srgbClr val="E97132"/>
+      </a:accent2>
+      <a:accent3>
+        <a:srgbClr val="196B24"/>
+      </a:accent3>
+      <a:accent4>
+        <a:srgbClr val="0F9ED5"/>
+      </a:accent4>
+      <a:accent5>
+        <a:srgbClr val="A02B93"/>
+      </a:accent5>
+      <a:accent6>
+        <a:srgbClr val="4EA72E"/>
+      </a:accent6>
+      <a:hlink>
+        <a:srgbClr val="467886"/>
+      </a:hlink>
+      <a:folHlink>
+        <a:srgbClr val="96607D"/>
+      </a:folHlink>
+    </a:clrScheme>
+    <a:fontScheme name="Office">
+      <a:majorFont>
+        <a:latin typeface="Aptos Display" panose="02110004020202020204"/>
+        <a:ea typeface=""/>
+        <a:cs typeface=""/>
+        <a:font script="Jpan" typeface="游ゴシック Light"/>
+        <a:font script="Hang" typeface="맑은 고딕"/>
+        <a:font script="Hans" typeface="等线 Light"/>
+        <a:font script="Hant" typeface="新細明體"/>
+        <a:font script="Arab" typeface="Times New Roman"/>
+        <a:font script="Hebr" typeface="Times New Roman"/>
+        <a:font script="Thai" typeface="Angsana New"/>
+        <a:font script="Ethi" typeface="Nyala"/>
+        <a:font script="Beng" typeface="Vrinda"/>
+        <a:font script="Gujr" typeface="Shruti"/>
+        <a:font script="Khmr" typeface="MoolBoran"/>
+        <a:font script="Knda" typeface="Tunga"/>
+        <a:font script="Guru" typeface="Raavi"/>
+        <a:font script="Cans" typeface="Euphemia"/>
+        <a:font script="Cher" typeface="Plantagenet Cherokee"/>
+        <a:font script="Yiii" typeface="Microsoft Yi Baiti"/>
+        <a:font script="Tibt" typeface="Microsoft Himalaya"/>
+        <a:font script="Thaa" typeface="MV Boli"/>
+        <a:font script="Deva" typeface="Mangal"/>
+        <a:font script="Telu" typeface="Gautami"/>
+        <a:font script="Taml" typeface="Latha"/>
+        <a:font script="Syrc" typeface="Estrangelo Edessa"/>
+        <a:font script="Orya" typeface="Kalinga"/>
+        <a:font script="Mlym" typeface="Kartika"/>
+        <a:font script="Laoo" typeface="DokChampa"/>
+        <a:font script="Sinh" typeface="Iskoola Pota"/>
+        <a:font script="Mong" typeface="Mongolian Baiti"/>
+        <a:font script="Viet" typeface="Times New Roman"/>
+        <a:font script="Uigh" typeface="Microsoft Uighur"/>
+        <a:font script="Geor" typeface="Sylfaen"/>
+        <a:font script="Armn" typeface="Arial"/>
+        <a:font script="Bugi" typeface="Leelawadee UI"/>
+        <a:font script="Bopo" typeface="Microsoft JhengHei"/>
+        <a:font script="Java" typeface="Javanese Text"/>
+        <a:font script="Lisu" typeface="Segoe UI"/>
+        <a:font script="Mymr" typeface="Myanmar Text"/>
+        <a:font script="Nkoo" typeface="Ebrima"/>
+        <a:font script="Olck" typeface="Nirmala UI"/>
+        <a:font script="Osma" typeface="Ebrima"/>
+        <a:font script="Phag" typeface="Phagspa"/>
+        <a:font script="Syrn" typeface="Estrangelo Edessa"/>
+        <a:font script="Syrj" typeface="Estrangelo Edessa"/>
+        <a:font script="Syre" typeface="Estrangelo Edessa"/>
+        <a:font script="Sora" typeface="Nirmala UI"/>
+        <a:font script="Tale" typeface="Microsoft Tai Le"/>
+        <a:font script="Talu" typeface="Microsoft New Tai Lue"/>
+        <a:font script="Tfng" typeface="Ebrima"/>
+      </a:majorFont>
+      <a:minorFont>
+        <a:latin typeface="Aptos" panose="02110004020202020204"/>
+        <a:ea typeface=""/>
+        <a:cs typeface=""/>
+        <a:font script="Jpan" typeface="游ゴシック"/>
+        <a:font script="Hang" typeface="맑은 고딕"/>
+        <a:font script="Hans" typeface="等线"/>
+        <a:font script="Hant" typeface="新細明體"/>
+        <a:font script="Arab" typeface="Arial"/>
+        <a:font script="Hebr" typeface="Arial"/>
+        <a:font script="Thai" typeface="Cordia New"/>
+        <a:font script="Ethi" typeface="Nyala"/>
+        <a:font script="Beng" typeface="Vrinda"/>
+        <a:font script="Gujr" typeface="Shruti"/>
+        <a:font script="Khmr" typeface="DaunPenh"/>
+        <a:font script="Knda" typeface="Tunga"/>
+        <a:font script="Guru" typeface="Raavi"/>
+        <a:font script="Cans" typeface="Euphemia"/>
+        <a:font script="Cher" typeface="Plantagenet Cherokee"/>
+        <a:font script="Yiii" typeface="Microsoft Yi Baiti"/>
+        <a:font script="Tibt" typeface="Microsoft Himalaya"/>
+        <a:font script="Thaa" typeface="MV Boli"/>
+        <a:font script="Deva" typeface="Mangal"/>
+        <a:font script="Telu" typeface="Gautami"/>
+        <a:font script="Taml" typeface="Latha"/>
+        <a:font script="Syrc" typeface="Estrangelo Edessa"/>
+        <a:font script="Orya" typeface="Kalinga"/>
+        <a:font script="Mlym" typeface="Kartika"/>
+        <a:font script="Laoo" typeface="DokChampa"/>
+        <a:font script="Sinh" typeface="Iskoola Pota"/>
+        <a:font script="Mong" typeface="Mongolian Baiti"/>
+        <a:font script="Viet" typeface="Arial"/>
+        <a:font script="Uigh" typeface="Microsoft Uighur"/>
+        <a:font script="Geor" typeface="Sylfaen"/>
+        <a:font script="Armn" typeface="Arial"/>
+        <a:font script="Bugi" typeface="Leelawadee UI"/>
+        <a:font script="Bopo" typeface="Microsoft JhengHei"/>
+        <a:font script="Java" typeface="Javanese Text"/>
+        <a:font script="Lisu" typeface="Segoe UI"/>
+        <a:font script="Mymr" typeface="Myanmar Text"/>
+        <a:font script="Nkoo" typeface="Ebrima"/>
+        <a:font script="Olck" typeface="Nirmala UI"/>
+        <a:font script="Osma" typeface="Ebrima"/>
+        <a:font script="Phag" typeface="Phagspa"/>
+        <a:font script="Syrn" typeface="Estrangelo Edessa"/>
+        <a:font script="Syrj" typeface="Estrangelo Edessa"/>
+        <a:font script="Syre" typeface="Estrangelo Edessa"/>
+        <a:font script="Sora" typeface="Nirmala UI"/>
+        <a:font script="Tale" typeface="Microsoft Tai Le"/>
+        <a:font script="Talu" typeface="Microsoft New Tai Lue"/>
+        <a:font script="Tfng" typeface="Ebrima"/>
+      </a:minorFont>
+    </a:fontScheme>
+    <a:fmtScheme name="Office">
+      <a:fillStyleLst>
+        <a:solidFill>
+          <a:schemeClr val="phClr"/>
+        </a:solidFill>
+        <a:gradFill rotWithShape="1">
+          <a:gsLst>
+            <a:gs pos="0">
+              <a:schemeClr val="phClr">
+                <a:lumMod val="110000"/>
+                <a:satMod val="105000"/>
+                <a:tint val="67000"/>
+              </a:schemeClr>
+            </a:gs>
+            <a:gs pos="50000">
+              <a:schemeClr val="phClr">
+                <a:lumMod val="105000"/>
+                <a:satMod val="103000"/>
+                <a:tint val="73000"/>
+              </a:schemeClr>
+            </a:gs>
+            <a:gs pos="100000">
+              <a:schemeClr val="phClr">
+                <a:lumMod val="105000"/>
+                <a:satMod val="109000"/>
+                <a:tint val="81000"/>
+              </a:schemeClr>
+            </a:gs>
+          </a:gsLst>
+          <a:lin ang="5400000" scaled="0"/>
+        </a:gradFill>
+        <a:gradFill rotWithShape="1">
+          <a:gsLst>
+            <a:gs pos="0">
+              <a:schemeClr val="phClr">
+                <a:satMod val="103000"/>
+                <a:lumMod val="102000"/>
+                <a:tint val="94000"/>
+              </a:schemeClr>
+            </a:gs>
+            <a:gs pos="50000">
+              <a:schemeClr val="phClr">
+                <a:satMod val="110000"/>
+                <a:lumMod val="100000"/>
+                <a:shade val="100000"/>
+              </a:schemeClr>
+            </a:gs>
+            <a:gs pos="100000">
+              <a:schemeClr val="phClr">
+                <a:lumMod val="99000"/>
+                <a:satMod val="120000"/>
+                <a:shade val="78000"/>
+              </a:schemeClr>
+            </a:gs>
+          </a:gsLst>
+          <a:lin ang="5400000" scaled="0"/>
+        </a:gradFill>
+      </a:fillStyleLst>
+      <a:lnStyleLst>
+        <a:ln w="12700" cap="flat" cmpd="sng" algn="ctr">
+          <a:solidFill>
+            <a:schemeClr val="phClr"/>
+          </a:solidFill>
+          <a:prstDash val="solid"/>
+          <a:miter lim="800000"/>
+        </a:ln>
+        <a:ln w="19050" cap="flat" cmpd="sng" algn="ctr">
+          <a:solidFill>
+            <a:schemeClr val="phClr"/>
+          </a:solidFill>
+          <a:prstDash val="solid"/>
+          <a:miter lim="800000"/>
+        </a:ln>
+        <a:ln w="25400" cap="flat" cmpd="sng" algn="ctr">
+          <a:solidFill>
+            <a:schemeClr val="phClr"/>
+          </a:solidFill>
+          <a:prstDash val="solid"/>
+          <a:miter lim="800000"/>
+        </a:ln>
+      </a:lnStyleLst>
+      <a:effectStyleLst>
+        <a:effectStyle>
+          <a:effectLst/>
+        </a:effectStyle>
+        <a:effectStyle>
+          <a:effectLst/>
+        </a:effectStyle>
+        <a:effectStyle>
+          <a:effectLst>
+            <a:outerShdw blurRad="57150" dist="19050" dir="5400000" algn="ctr" rotWithShape="0">
+              <a:srgbClr val="000000">
+                <a:alpha val="63000"/>
+              </a:srgbClr>
+            </a:outerShdw>
+          </a:effectLst>
+        </a:effectStyle>
+      </a:effectStyleLst>
+      <a:bgFillStyleLst>
+        <a:solidFill>
+          <a:schemeClr val="phClr"/>
+        </a:solidFill>
+        <a:solidFill>
+          <a:schemeClr val="phClr">
+            <a:tint val="95000"/>
+            <a:satMod val="170000"/>
+          </a:schemeClr>
+        </a:solidFill>
+        <a:gradFill rotWithShape="1">
+          <a:gsLst>
+            <a:gs pos="0">
+              <a:schemeClr val="phClr">
+                <a:tint val="93000"/>
+                <a:satMod val="150000"/>
+                <a:shade val="98000"/>
+                <a:lumMod val="102000"/>
+              </a:schemeClr>
+            </a:gs>
+            <a:gs pos="50000">
+              <a:schemeClr val="phClr">
+                <a:tint val="98000"/>
+                <a:satMod val="130000"/>
+                <a:shade val="90000"/>
+                <a:lumMod val="103000"/>
+              </a:schemeClr>
+            </a:gs>
+            <a:gs pos="100000">
+              <a:schemeClr val="phClr">
+                <a:shade val="63000"/>
+                <a:satMod val="120000"/>
+              </a:schemeClr>
+            </a:gs>
+          </a:gsLst>
+          <a:lin ang="5400000" scaled="0"/>
+        </a:gradFill>
+      </a:bgFillStyleLst>
+    </a:fmtScheme>
+  </a:themeElements>
+  <a:objectDefaults>
+    <a:lnDef>
+      <a:spPr/>
+      <a:bodyPr/>
+      <a:lstStyle/>
+      <a:style>
+        <a:lnRef idx="2">
+          <a:schemeClr val="accent1"/>
+        </a:lnRef>
+        <a:fillRef idx="0">
+          <a:schemeClr val="accent1"/>
+        </a:fillRef>
+        <a:effectRef idx="1">
+          <a:schemeClr val="accent1"/>
+        </a:effectRef>
+        <a:fontRef idx="minor">
+          <a:schemeClr val="tx1"/>
+        </a:fontRef>
+      </a:style>
+    </a:lnDef>
+  </a:objectDefaults>
+  <a:extraClrSchemeLst/>
+  <a:extLst>
+    <a:ext uri="{05A4C25C-085E-4340-85A3-A5531E510DB2}">
+      <thm15:themeFamily xmlns:thm15="http://schemas.microsoft.com/office/thememl/2012/main" name="Office Theme" id="{2E142A2C-CD16-42D6-873A-C26D2A0506FA}" vid="{1BDDFF52-6CD6-40A5-AB3C-68EB2F1E4D0A}"/>
+    </a:ext>
+  </a:extLst>
+</a:theme>
 </file>
--- a/Project Proposal Ben.pptx
+++ b/Project Proposal Ben.pptx
@@ -4,24 +4,29 @@
   <p:sldMasterIdLst>
     <p:sldMasterId id="2147483648" r:id="rId1"/>
   </p:sldMasterIdLst>
+  <p:notesMasterIdLst>
+    <p:notesMasterId r:id="rId21"/>
+  </p:notesMasterIdLst>
   <p:sldIdLst>
-    <p:sldId id="256" r:id="rId2"/>
-    <p:sldId id="270" r:id="rId3"/>
-    <p:sldId id="271" r:id="rId4"/>
-    <p:sldId id="260" r:id="rId5"/>
-    <p:sldId id="266" r:id="rId6"/>
-    <p:sldId id="263" r:id="rId7"/>
-    <p:sldId id="264" r:id="rId8"/>
-    <p:sldId id="265" r:id="rId9"/>
-    <p:sldId id="267" r:id="rId10"/>
-    <p:sldId id="262" r:id="rId11"/>
-    <p:sldId id="268" r:id="rId12"/>
-    <p:sldId id="269" r:id="rId13"/>
-    <p:sldId id="257" r:id="rId14"/>
-    <p:sldId id="275" r:id="rId15"/>
-    <p:sldId id="276" r:id="rId16"/>
-    <p:sldId id="277" r:id="rId17"/>
-    <p:sldId id="274" r:id="rId18"/>
+    <p:sldId id="278" r:id="rId2"/>
+    <p:sldId id="261" r:id="rId3"/>
+    <p:sldId id="270" r:id="rId4"/>
+    <p:sldId id="271" r:id="rId5"/>
+    <p:sldId id="260" r:id="rId6"/>
+    <p:sldId id="266" r:id="rId7"/>
+    <p:sldId id="263" r:id="rId8"/>
+    <p:sldId id="264" r:id="rId9"/>
+    <p:sldId id="265" r:id="rId10"/>
+    <p:sldId id="267" r:id="rId11"/>
+    <p:sldId id="262" r:id="rId12"/>
+    <p:sldId id="268" r:id="rId13"/>
+    <p:sldId id="269" r:id="rId14"/>
+    <p:sldId id="279" r:id="rId15"/>
+    <p:sldId id="257" r:id="rId16"/>
+    <p:sldId id="275" r:id="rId17"/>
+    <p:sldId id="276" r:id="rId18"/>
+    <p:sldId id="277" r:id="rId19"/>
+    <p:sldId id="274" r:id="rId20"/>
   </p:sldIdLst>
   <p:sldSz cx="12192000" cy="6858000"/>
   <p:notesSz cx="6858000" cy="9144000"/>
@@ -126,6 +131,1204 @@
     </p:ext>
   </p:extLst>
 </p:presentation>
+</file>
+
+<file path=ppt/notesMasters/notesMaster1.xml><?xml version="1.0" encoding="utf-8"?>
+<p:notesMaster xmlns:a="http://schemas.openxmlformats.org/drawingml/2006/main" xmlns:r="http://schemas.openxmlformats.org/officeDocument/2006/relationships" xmlns:p="http://schemas.openxmlformats.org/presentationml/2006/main">
+  <p:cSld>
+    <p:bg>
+      <p:bgRef idx="1001">
+        <a:schemeClr val="bg1"/>
+      </p:bgRef>
+    </p:bg>
+    <p:spTree>
+      <p:nvGrpSpPr>
+        <p:cNvPr id="1" name=""/>
+        <p:cNvGrpSpPr/>
+        <p:nvPr/>
+      </p:nvGrpSpPr>
+      <p:grpSpPr>
+        <a:xfrm>
+          <a:off x="0" y="0"/>
+          <a:ext cx="0" cy="0"/>
+          <a:chOff x="0" y="0"/>
+          <a:chExt cx="0" cy="0"/>
+        </a:xfrm>
+      </p:grpSpPr>
+      <p:sp>
+        <p:nvSpPr>
+          <p:cNvPr id="2" name="Kopfzeilenplatzhalter 1"/>
+          <p:cNvSpPr>
+            <a:spLocks noGrp="1"/>
+          </p:cNvSpPr>
+          <p:nvPr>
+            <p:ph type="hdr" sz="quarter"/>
+          </p:nvPr>
+        </p:nvSpPr>
+        <p:spPr>
+          <a:xfrm>
+            <a:off x="0" y="0"/>
+            <a:ext cx="2971800" cy="458788"/>
+          </a:xfrm>
+          <a:prstGeom prst="rect">
+            <a:avLst/>
+          </a:prstGeom>
+        </p:spPr>
+        <p:txBody>
+          <a:bodyPr vert="horz" lIns="91440" tIns="45720" rIns="91440" bIns="45720" rtlCol="0"/>
+          <a:lstStyle>
+            <a:lvl1pPr algn="l">
+              <a:defRPr sz="1200"/>
+            </a:lvl1pPr>
+          </a:lstStyle>
+          <a:p>
+            <a:endParaRPr lang="de-DE"/>
+          </a:p>
+        </p:txBody>
+      </p:sp>
+      <p:sp>
+        <p:nvSpPr>
+          <p:cNvPr id="3" name="Datumsplatzhalter 2"/>
+          <p:cNvSpPr>
+            <a:spLocks noGrp="1"/>
+          </p:cNvSpPr>
+          <p:nvPr>
+            <p:ph type="dt" idx="1"/>
+          </p:nvPr>
+        </p:nvSpPr>
+        <p:spPr>
+          <a:xfrm>
+            <a:off x="3884613" y="0"/>
+            <a:ext cx="2971800" cy="458788"/>
+          </a:xfrm>
+          <a:prstGeom prst="rect">
+            <a:avLst/>
+          </a:prstGeom>
+        </p:spPr>
+        <p:txBody>
+          <a:bodyPr vert="horz" lIns="91440" tIns="45720" rIns="91440" bIns="45720" rtlCol="0"/>
+          <a:lstStyle>
+            <a:lvl1pPr algn="r">
+              <a:defRPr sz="1200"/>
+            </a:lvl1pPr>
+          </a:lstStyle>
+          <a:p>
+            <a:fld id="{F3DC1176-C79C-4333-88B3-BCEA525AFE9D}" type="datetimeFigureOut">
+              <a:rPr lang="de-DE" smtClean="0"/>
+              <a:t>12.05.2025</a:t>
+            </a:fld>
+            <a:endParaRPr lang="de-DE"/>
+          </a:p>
+        </p:txBody>
+      </p:sp>
+      <p:sp>
+        <p:nvSpPr>
+          <p:cNvPr id="4" name="Folienbildplatzhalter 3"/>
+          <p:cNvSpPr>
+            <a:spLocks noGrp="1" noRot="1" noChangeAspect="1"/>
+          </p:cNvSpPr>
+          <p:nvPr>
+            <p:ph type="sldImg" idx="2"/>
+          </p:nvPr>
+        </p:nvSpPr>
+        <p:spPr>
+          <a:xfrm>
+            <a:off x="685800" y="1143000"/>
+            <a:ext cx="5486400" cy="3086100"/>
+          </a:xfrm>
+          <a:prstGeom prst="rect">
+            <a:avLst/>
+          </a:prstGeom>
+          <a:noFill/>
+          <a:ln w="12700">
+            <a:solidFill>
+              <a:prstClr val="black"/>
+            </a:solidFill>
+          </a:ln>
+        </p:spPr>
+        <p:txBody>
+          <a:bodyPr vert="horz" lIns="91440" tIns="45720" rIns="91440" bIns="45720" rtlCol="0" anchor="ctr"/>
+          <a:lstStyle/>
+          <a:p>
+            <a:endParaRPr lang="de-DE"/>
+          </a:p>
+        </p:txBody>
+      </p:sp>
+      <p:sp>
+        <p:nvSpPr>
+          <p:cNvPr id="5" name="Notizenplatzhalter 4"/>
+          <p:cNvSpPr>
+            <a:spLocks noGrp="1"/>
+          </p:cNvSpPr>
+          <p:nvPr>
+            <p:ph type="body" sz="quarter" idx="3"/>
+          </p:nvPr>
+        </p:nvSpPr>
+        <p:spPr>
+          <a:xfrm>
+            <a:off x="685800" y="4400550"/>
+            <a:ext cx="5486400" cy="3600450"/>
+          </a:xfrm>
+          <a:prstGeom prst="rect">
+            <a:avLst/>
+          </a:prstGeom>
+        </p:spPr>
+        <p:txBody>
+          <a:bodyPr vert="horz" lIns="91440" tIns="45720" rIns="91440" bIns="45720" rtlCol="0"/>
+          <a:lstStyle/>
+          <a:p>
+            <a:pPr lvl="0"/>
+            <a:r>
+              <a:rPr lang="de-DE"/>
+              <a:t>Mastertextformat bearbeiten</a:t>
+            </a:r>
+          </a:p>
+          <a:p>
+            <a:pPr lvl="1"/>
+            <a:r>
+              <a:rPr lang="de-DE"/>
+              <a:t>Zweite Ebene</a:t>
+            </a:r>
+          </a:p>
+          <a:p>
+            <a:pPr lvl="2"/>
+            <a:r>
+              <a:rPr lang="de-DE"/>
+              <a:t>Dritte Ebene</a:t>
+            </a:r>
+          </a:p>
+          <a:p>
+            <a:pPr lvl="3"/>
+            <a:r>
+              <a:rPr lang="de-DE"/>
+              <a:t>Vierte Ebene</a:t>
+            </a:r>
+          </a:p>
+          <a:p>
+            <a:pPr lvl="4"/>
+            <a:r>
+              <a:rPr lang="de-DE"/>
+              <a:t>Fünfte Ebene</a:t>
+            </a:r>
+          </a:p>
+        </p:txBody>
+      </p:sp>
+      <p:sp>
+        <p:nvSpPr>
+          <p:cNvPr id="6" name="Fußzeilenplatzhalter 5"/>
+          <p:cNvSpPr>
+            <a:spLocks noGrp="1"/>
+          </p:cNvSpPr>
+          <p:nvPr>
+            <p:ph type="ftr" sz="quarter" idx="4"/>
+          </p:nvPr>
+        </p:nvSpPr>
+        <p:spPr>
+          <a:xfrm>
+            <a:off x="0" y="8685213"/>
+            <a:ext cx="2971800" cy="458787"/>
+          </a:xfrm>
+          <a:prstGeom prst="rect">
+            <a:avLst/>
+          </a:prstGeom>
+        </p:spPr>
+        <p:txBody>
+          <a:bodyPr vert="horz" lIns="91440" tIns="45720" rIns="91440" bIns="45720" rtlCol="0" anchor="b"/>
+          <a:lstStyle>
+            <a:lvl1pPr algn="l">
+              <a:defRPr sz="1200"/>
+            </a:lvl1pPr>
+          </a:lstStyle>
+          <a:p>
+            <a:endParaRPr lang="de-DE"/>
+          </a:p>
+        </p:txBody>
+      </p:sp>
+      <p:sp>
+        <p:nvSpPr>
+          <p:cNvPr id="7" name="Foliennummernplatzhalter 6"/>
+          <p:cNvSpPr>
+            <a:spLocks noGrp="1"/>
+          </p:cNvSpPr>
+          <p:nvPr>
+            <p:ph type="sldNum" sz="quarter" idx="5"/>
+          </p:nvPr>
+        </p:nvSpPr>
+        <p:spPr>
+          <a:xfrm>
+            <a:off x="3884613" y="8685213"/>
+            <a:ext cx="2971800" cy="458787"/>
+          </a:xfrm>
+          <a:prstGeom prst="rect">
+            <a:avLst/>
+          </a:prstGeom>
+        </p:spPr>
+        <p:txBody>
+          <a:bodyPr vert="horz" lIns="91440" tIns="45720" rIns="91440" bIns="45720" rtlCol="0" anchor="b"/>
+          <a:lstStyle>
+            <a:lvl1pPr algn="r">
+              <a:defRPr sz="1200"/>
+            </a:lvl1pPr>
+          </a:lstStyle>
+          <a:p>
+            <a:fld id="{5CE5EABD-9B00-4D4A-AB75-54D2757912B9}" type="slidenum">
+              <a:rPr lang="de-DE" smtClean="0"/>
+              <a:t>‹Nr.›</a:t>
+            </a:fld>
+            <a:endParaRPr lang="de-DE"/>
+          </a:p>
+        </p:txBody>
+      </p:sp>
+    </p:spTree>
+    <p:extLst>
+      <p:ext uri="{BB962C8B-B14F-4D97-AF65-F5344CB8AC3E}">
+        <p14:creationId xmlns:p14="http://schemas.microsoft.com/office/powerpoint/2010/main" val="882541878"/>
+      </p:ext>
+    </p:extLst>
+  </p:cSld>
+  <p:clrMap bg1="lt1" tx1="dk1" bg2="lt2" tx2="dk2" accent1="accent1" accent2="accent2" accent3="accent3" accent4="accent4" accent5="accent5" accent6="accent6" hlink="hlink" folHlink="folHlink"/>
+  <p:notesStyle>
+    <a:lvl1pPr marL="0" algn="l" defTabSz="914400" rtl="0" eaLnBrk="1" latinLnBrk="0" hangingPunct="1">
+      <a:defRPr sz="1200" kern="1200">
+        <a:solidFill>
+          <a:schemeClr val="tx1"/>
+        </a:solidFill>
+        <a:latin typeface="+mn-lt"/>
+        <a:ea typeface="+mn-ea"/>
+        <a:cs typeface="+mn-cs"/>
+      </a:defRPr>
+    </a:lvl1pPr>
+    <a:lvl2pPr marL="457200" algn="l" defTabSz="914400" rtl="0" eaLnBrk="1" latinLnBrk="0" hangingPunct="1">
+      <a:defRPr sz="1200" kern="1200">
+        <a:solidFill>
+          <a:schemeClr val="tx1"/>
+        </a:solidFill>
+        <a:latin typeface="+mn-lt"/>
+        <a:ea typeface="+mn-ea"/>
+        <a:cs typeface="+mn-cs"/>
+      </a:defRPr>
+    </a:lvl2pPr>
+    <a:lvl3pPr marL="914400" algn="l" defTabSz="914400" rtl="0" eaLnBrk="1" latinLnBrk="0" hangingPunct="1">
+      <a:defRPr sz="1200" kern="1200">
+        <a:solidFill>
+          <a:schemeClr val="tx1"/>
+        </a:solidFill>
+        <a:latin typeface="+mn-lt"/>
+        <a:ea typeface="+mn-ea"/>
+        <a:cs typeface="+mn-cs"/>
+      </a:defRPr>
+    </a:lvl3pPr>
+    <a:lvl4pPr marL="1371600" algn="l" defTabSz="914400" rtl="0" eaLnBrk="1" latinLnBrk="0" hangingPunct="1">
+      <a:defRPr sz="1200" kern="1200">
+        <a:solidFill>
+          <a:schemeClr val="tx1"/>
+        </a:solidFill>
+        <a:latin typeface="+mn-lt"/>
+        <a:ea typeface="+mn-ea"/>
+        <a:cs typeface="+mn-cs"/>
+      </a:defRPr>
+    </a:lvl4pPr>
+    <a:lvl5pPr marL="1828800" algn="l" defTabSz="914400" rtl="0" eaLnBrk="1" latinLnBrk="0" hangingPunct="1">
+      <a:defRPr sz="1200" kern="1200">
+        <a:solidFill>
+          <a:schemeClr val="tx1"/>
+        </a:solidFill>
+        <a:latin typeface="+mn-lt"/>
+        <a:ea typeface="+mn-ea"/>
+        <a:cs typeface="+mn-cs"/>
+      </a:defRPr>
+    </a:lvl5pPr>
+    <a:lvl6pPr marL="2286000" algn="l" defTabSz="914400" rtl="0" eaLnBrk="1" latinLnBrk="0" hangingPunct="1">
+      <a:defRPr sz="1200" kern="1200">
+        <a:solidFill>
+          <a:schemeClr val="tx1"/>
+        </a:solidFill>
+        <a:latin typeface="+mn-lt"/>
+        <a:ea typeface="+mn-ea"/>
+        <a:cs typeface="+mn-cs"/>
+      </a:defRPr>
+    </a:lvl6pPr>
+    <a:lvl7pPr marL="2743200" algn="l" defTabSz="914400" rtl="0" eaLnBrk="1" latinLnBrk="0" hangingPunct="1">
+      <a:defRPr sz="1200" kern="1200">
+        <a:solidFill>
+          <a:schemeClr val="tx1"/>
+        </a:solidFill>
+        <a:latin typeface="+mn-lt"/>
+        <a:ea typeface="+mn-ea"/>
+        <a:cs typeface="+mn-cs"/>
+      </a:defRPr>
+    </a:lvl7pPr>
+    <a:lvl8pPr marL="3200400" algn="l" defTabSz="914400" rtl="0" eaLnBrk="1" latinLnBrk="0" hangingPunct="1">
+      <a:defRPr sz="1200" kern="1200">
+        <a:solidFill>
+          <a:schemeClr val="tx1"/>
+        </a:solidFill>
+        <a:latin typeface="+mn-lt"/>
+        <a:ea typeface="+mn-ea"/>
+        <a:cs typeface="+mn-cs"/>
+      </a:defRPr>
+    </a:lvl8pPr>
+    <a:lvl9pPr marL="3657600" algn="l" defTabSz="914400" rtl="0" eaLnBrk="1" latinLnBrk="0" hangingPunct="1">
+      <a:defRPr sz="1200" kern="1200">
+        <a:solidFill>
+          <a:schemeClr val="tx1"/>
+        </a:solidFill>
+        <a:latin typeface="+mn-lt"/>
+        <a:ea typeface="+mn-ea"/>
+        <a:cs typeface="+mn-cs"/>
+      </a:defRPr>
+    </a:lvl9pPr>
+  </p:notesStyle>
+</p:notesMaster>
+</file>
+
+<file path=ppt/notesSlides/notesSlide1.xml><?xml version="1.0" encoding="utf-8"?>
+<p:notes xmlns:a="http://schemas.openxmlformats.org/drawingml/2006/main" xmlns:r="http://schemas.openxmlformats.org/officeDocument/2006/relationships" xmlns:p="http://schemas.openxmlformats.org/presentationml/2006/main">
+  <p:cSld>
+    <p:spTree>
+      <p:nvGrpSpPr>
+        <p:cNvPr id="1" name=""/>
+        <p:cNvGrpSpPr/>
+        <p:nvPr/>
+      </p:nvGrpSpPr>
+      <p:grpSpPr>
+        <a:xfrm>
+          <a:off x="0" y="0"/>
+          <a:ext cx="0" cy="0"/>
+          <a:chOff x="0" y="0"/>
+          <a:chExt cx="0" cy="0"/>
+        </a:xfrm>
+      </p:grpSpPr>
+      <p:sp>
+        <p:nvSpPr>
+          <p:cNvPr id="2" name="Folienbildplatzhalter 1"/>
+          <p:cNvSpPr>
+            <a:spLocks noGrp="1" noRot="1" noChangeAspect="1"/>
+          </p:cNvSpPr>
+          <p:nvPr>
+            <p:ph type="sldImg"/>
+          </p:nvPr>
+        </p:nvSpPr>
+        <p:spPr/>
+      </p:sp>
+      <p:sp>
+        <p:nvSpPr>
+          <p:cNvPr id="3" name="Notizenplatzhalter 2"/>
+          <p:cNvSpPr>
+            <a:spLocks noGrp="1"/>
+          </p:cNvSpPr>
+          <p:nvPr>
+            <p:ph type="body" idx="1"/>
+          </p:nvPr>
+        </p:nvSpPr>
+        <p:spPr/>
+        <p:txBody>
+          <a:bodyPr/>
+          <a:lstStyle/>
+          <a:p>
+            <a:r>
+              <a:rPr lang="de-DE" b="0" i="0" dirty="0">
+                <a:effectLst/>
+                <a:latin typeface="gg sans"/>
+              </a:rPr>
+              <a:t>Willkommen zu unserem Vortrag. </a:t>
+            </a:r>
+          </a:p>
+          <a:p>
+            <a:r>
+              <a:rPr lang="de-DE" b="0" i="0" dirty="0">
+                <a:effectLst/>
+                <a:latin typeface="gg sans"/>
+              </a:rPr>
+              <a:t>Unsere Aufgabe ist es in der Gesamtheit aller Proteine von </a:t>
+            </a:r>
+            <a:r>
+              <a:rPr lang="de-DE" b="0" i="0" dirty="0" err="1">
+                <a:effectLst/>
+                <a:latin typeface="gg sans"/>
+              </a:rPr>
+              <a:t>HeLa</a:t>
+            </a:r>
+            <a:r>
+              <a:rPr lang="de-DE" b="0" i="0" dirty="0">
+                <a:effectLst/>
+                <a:latin typeface="gg sans"/>
+              </a:rPr>
+              <a:t>-Krebszellen, die sich von Natur aus in verschiedenen Zellzyklusphasen befinden, eine bestimmte Proteingruppe zu identifizieren. Und zwar RNA-abhängige Proteine.</a:t>
+            </a:r>
+            <a:endParaRPr lang="de-DE" dirty="0"/>
+          </a:p>
+        </p:txBody>
+      </p:sp>
+      <p:sp>
+        <p:nvSpPr>
+          <p:cNvPr id="4" name="Foliennummernplatzhalter 3"/>
+          <p:cNvSpPr>
+            <a:spLocks noGrp="1"/>
+          </p:cNvSpPr>
+          <p:nvPr>
+            <p:ph type="sldNum" sz="quarter" idx="5"/>
+          </p:nvPr>
+        </p:nvSpPr>
+        <p:spPr/>
+        <p:txBody>
+          <a:bodyPr/>
+          <a:lstStyle/>
+          <a:p>
+            <a:fld id="{C477D1A0-9F4C-48D0-B0C4-6B6E5972C69E}" type="slidenum">
+              <a:rPr lang="de-DE" smtClean="0"/>
+              <a:t>1</a:t>
+            </a:fld>
+            <a:endParaRPr lang="de-DE"/>
+          </a:p>
+        </p:txBody>
+      </p:sp>
+    </p:spTree>
+    <p:extLst>
+      <p:ext uri="{BB962C8B-B14F-4D97-AF65-F5344CB8AC3E}">
+        <p14:creationId xmlns:p14="http://schemas.microsoft.com/office/powerpoint/2010/main" val="27284168"/>
+      </p:ext>
+    </p:extLst>
+  </p:cSld>
+  <p:clrMapOvr>
+    <a:masterClrMapping/>
+  </p:clrMapOvr>
+</p:notes>
+</file>
+
+<file path=ppt/notesSlides/notesSlide2.xml><?xml version="1.0" encoding="utf-8"?>
+<p:notes xmlns:a="http://schemas.openxmlformats.org/drawingml/2006/main" xmlns:r="http://schemas.openxmlformats.org/officeDocument/2006/relationships" xmlns:p="http://schemas.openxmlformats.org/presentationml/2006/main">
+  <p:cSld>
+    <p:spTree>
+      <p:nvGrpSpPr>
+        <p:cNvPr id="1" name="">
+          <a:extLst>
+            <a:ext uri="{FF2B5EF4-FFF2-40B4-BE49-F238E27FC236}">
+              <a16:creationId xmlns:a16="http://schemas.microsoft.com/office/drawing/2014/main" id="{ADE959D8-92F4-A702-0E54-6AF5C4C6378F}"/>
+            </a:ext>
+          </a:extLst>
+        </p:cNvPr>
+        <p:cNvGrpSpPr/>
+        <p:nvPr/>
+      </p:nvGrpSpPr>
+      <p:grpSpPr>
+        <a:xfrm>
+          <a:off x="0" y="0"/>
+          <a:ext cx="0" cy="0"/>
+          <a:chOff x="0" y="0"/>
+          <a:chExt cx="0" cy="0"/>
+        </a:xfrm>
+      </p:grpSpPr>
+      <p:sp>
+        <p:nvSpPr>
+          <p:cNvPr id="2" name="Folienbildplatzhalter 1">
+            <a:extLst>
+              <a:ext uri="{FF2B5EF4-FFF2-40B4-BE49-F238E27FC236}">
+                <a16:creationId xmlns:a16="http://schemas.microsoft.com/office/drawing/2014/main" id="{68679C3D-AFA3-0764-AAF2-BD413C60D7BF}"/>
+              </a:ext>
+            </a:extLst>
+          </p:cNvPr>
+          <p:cNvSpPr>
+            <a:spLocks noGrp="1" noRot="1" noChangeAspect="1"/>
+          </p:cNvSpPr>
+          <p:nvPr>
+            <p:ph type="sldImg"/>
+          </p:nvPr>
+        </p:nvSpPr>
+        <p:spPr/>
+      </p:sp>
+      <p:sp>
+        <p:nvSpPr>
+          <p:cNvPr id="3" name="Notizenplatzhalter 2">
+            <a:extLst>
+              <a:ext uri="{FF2B5EF4-FFF2-40B4-BE49-F238E27FC236}">
+                <a16:creationId xmlns:a16="http://schemas.microsoft.com/office/drawing/2014/main" id="{BA16BFFF-5913-C2F6-AB58-901AC2A610D3}"/>
+              </a:ext>
+            </a:extLst>
+          </p:cNvPr>
+          <p:cNvSpPr>
+            <a:spLocks noGrp="1"/>
+          </p:cNvSpPr>
+          <p:nvPr>
+            <p:ph type="body" idx="1"/>
+          </p:nvPr>
+        </p:nvSpPr>
+        <p:spPr/>
+        <p:txBody>
+          <a:bodyPr/>
+          <a:lstStyle/>
+          <a:p>
+            <a:r>
+              <a:rPr lang="de-DE" b="0" i="0" dirty="0">
+                <a:effectLst/>
+                <a:latin typeface="gg sans"/>
+              </a:rPr>
+              <a:t>Was sind RNA-abhängige Proteine? </a:t>
+            </a:r>
+          </a:p>
+          <a:p>
+            <a:r>
+              <a:rPr lang="de-DE" b="0" i="0" dirty="0">
+                <a:effectLst/>
+                <a:latin typeface="gg sans"/>
+              </a:rPr>
+              <a:t>Das sind Proteine und Proteinkomplexe, die nur in Anwesenheit von RNA molekulare Interaktionen eingehen. z.B. mit andere Proteinen oder Komplexen.</a:t>
+            </a:r>
+          </a:p>
+          <a:p>
+            <a:endParaRPr lang="de-DE" b="0" i="0" dirty="0">
+              <a:effectLst/>
+              <a:latin typeface="gg sans"/>
+            </a:endParaRPr>
+          </a:p>
+          <a:p>
+            <a:r>
+              <a:rPr lang="de-DE" b="0" i="0" dirty="0">
+                <a:effectLst/>
+                <a:latin typeface="gg sans"/>
+              </a:rPr>
+              <a:t>Weshalb interessieren sich Wissenschaftler für RNA-abhängige Proteine? </a:t>
+            </a:r>
+          </a:p>
+          <a:p>
+            <a:r>
+              <a:rPr lang="de-DE" b="0" i="0" dirty="0">
+                <a:effectLst/>
+                <a:latin typeface="gg sans"/>
+              </a:rPr>
+              <a:t>Proteine, die RNA binden, üben eine Vielzahl zentraler Funktionen im RNA-Stoffwechsel und in der Regulation der Genexpression aus. </a:t>
+            </a:r>
+          </a:p>
+          <a:p>
+            <a:r>
+              <a:rPr lang="de-DE" b="0" i="0" dirty="0">
+                <a:effectLst/>
+                <a:latin typeface="gg sans"/>
+              </a:rPr>
+              <a:t>Daher sind Fehlregulationen von </a:t>
+            </a:r>
+            <a:r>
+              <a:rPr lang="de-DE" b="0" i="0" dirty="0" err="1">
+                <a:effectLst/>
+                <a:latin typeface="gg sans"/>
+              </a:rPr>
+              <a:t>RBPs</a:t>
+            </a:r>
+            <a:r>
+              <a:rPr lang="de-DE" b="0" i="0" dirty="0">
+                <a:effectLst/>
+                <a:latin typeface="gg sans"/>
+              </a:rPr>
+              <a:t> mit schweren Erkrankungen verbunden - von neurodegenerativen Störungen bis hin zu Krebs. </a:t>
+            </a:r>
+          </a:p>
+          <a:p>
+            <a:r>
+              <a:rPr lang="de-DE" b="0" i="0" dirty="0">
+                <a:effectLst/>
+                <a:latin typeface="gg sans"/>
+              </a:rPr>
+              <a:t>Durch die </a:t>
+            </a:r>
+            <a:r>
+              <a:rPr lang="de-DE" b="0" i="0" dirty="0" err="1">
+                <a:effectLst/>
+                <a:latin typeface="gg sans"/>
+              </a:rPr>
+              <a:t>Indentifikation</a:t>
+            </a:r>
+            <a:r>
+              <a:rPr lang="de-DE" b="0" i="0" dirty="0">
+                <a:effectLst/>
+                <a:latin typeface="gg sans"/>
+              </a:rPr>
+              <a:t> von </a:t>
+            </a:r>
+            <a:r>
+              <a:rPr lang="de-DE" b="0" i="0" dirty="0" err="1">
+                <a:effectLst/>
+                <a:latin typeface="gg sans"/>
+              </a:rPr>
+              <a:t>RBPs</a:t>
+            </a:r>
+            <a:r>
+              <a:rPr lang="de-DE" b="0" i="0" dirty="0">
+                <a:effectLst/>
+                <a:latin typeface="gg sans"/>
+              </a:rPr>
+              <a:t> erkennen wir, dass im zellulären Kontext unseres neu-erkannten </a:t>
+            </a:r>
+            <a:r>
+              <a:rPr lang="de-DE" b="0" i="0" dirty="0" err="1">
+                <a:effectLst/>
+                <a:latin typeface="gg sans"/>
+              </a:rPr>
+              <a:t>RBPs</a:t>
+            </a:r>
+            <a:r>
+              <a:rPr lang="de-DE" b="0" i="0" dirty="0">
+                <a:effectLst/>
+                <a:latin typeface="gg sans"/>
+              </a:rPr>
+              <a:t> auch RNA eine wichtige Funktion ausüben könnte. </a:t>
+            </a:r>
+          </a:p>
+          <a:p>
+            <a:r>
+              <a:rPr lang="de-DE" b="0" i="0" dirty="0">
+                <a:effectLst/>
+                <a:latin typeface="gg sans"/>
+              </a:rPr>
+              <a:t>Durch Analyse dieser RNA-Protein Interaktionen nähern wir uns einem besseren Verständnis der molekularen Grundlagen von zellulären Prozessen. -&gt; Natürlich interessant für die Krankheitsentstehung und </a:t>
+            </a:r>
+            <a:r>
+              <a:rPr lang="de-DE" b="0" i="0" dirty="0" err="1">
+                <a:effectLst/>
+                <a:latin typeface="gg sans"/>
+              </a:rPr>
+              <a:t>Theapiemöglichkeiten</a:t>
+            </a:r>
+            <a:r>
+              <a:rPr lang="de-DE" b="0" i="0" dirty="0">
+                <a:effectLst/>
+                <a:latin typeface="gg sans"/>
+              </a:rPr>
+              <a:t>.</a:t>
+            </a:r>
+          </a:p>
+          <a:p>
+            <a:endParaRPr lang="de-DE" b="0" i="0" dirty="0">
+              <a:effectLst/>
+              <a:latin typeface="gg sans"/>
+            </a:endParaRPr>
+          </a:p>
+          <a:p>
+            <a:r>
+              <a:rPr lang="de-DE" b="0" i="0" dirty="0">
+                <a:effectLst/>
+                <a:latin typeface="gg sans"/>
+              </a:rPr>
+              <a:t>Warum verwendet wir einen unbehandelten Zelltyp, in dem sich Zellen in verschiedenen Zellzyklusphasen befinden? </a:t>
+            </a:r>
+          </a:p>
+          <a:p>
+            <a:r>
+              <a:rPr lang="de-DE" b="0" i="0" dirty="0" err="1">
+                <a:effectLst/>
+                <a:latin typeface="gg sans"/>
+              </a:rPr>
+              <a:t>Ribonukleoprotein</a:t>
+            </a:r>
+            <a:r>
+              <a:rPr lang="de-DE" b="0" i="0" dirty="0">
+                <a:effectLst/>
+                <a:latin typeface="gg sans"/>
+              </a:rPr>
+              <a:t>-Komplexe sind dynamische Zusammensetzungen aus RNA und </a:t>
+            </a:r>
+            <a:r>
+              <a:rPr lang="de-DE" b="0" i="0" dirty="0" err="1">
+                <a:effectLst/>
+                <a:latin typeface="gg sans"/>
+              </a:rPr>
+              <a:t>RBPs</a:t>
+            </a:r>
+            <a:r>
+              <a:rPr lang="de-DE" b="0" i="0" dirty="0">
+                <a:effectLst/>
+                <a:latin typeface="gg sans"/>
+              </a:rPr>
+              <a:t>. </a:t>
+            </a:r>
+          </a:p>
+          <a:p>
+            <a:r>
+              <a:rPr lang="de-DE" b="0" i="0" dirty="0">
+                <a:effectLst/>
+                <a:latin typeface="gg sans"/>
+              </a:rPr>
+              <a:t>Diese Zusammensetzung ist auch von Zellzyklus abhängig.</a:t>
+            </a:r>
+            <a:br>
+              <a:rPr lang="de-DE" dirty="0"/>
+            </a:br>
+            <a:r>
+              <a:rPr lang="de-DE" b="0" i="0" dirty="0">
+                <a:effectLst/>
+                <a:latin typeface="gg sans"/>
+              </a:rPr>
+              <a:t>Mit </a:t>
+            </a:r>
+            <a:r>
+              <a:rPr lang="de-DE" b="0" i="0" dirty="0" err="1">
+                <a:effectLst/>
+                <a:latin typeface="gg sans"/>
+              </a:rPr>
+              <a:t>unsynchronisierten</a:t>
+            </a:r>
+            <a:r>
+              <a:rPr lang="de-DE" b="0" i="0" dirty="0">
+                <a:effectLst/>
+                <a:latin typeface="gg sans"/>
+              </a:rPr>
+              <a:t> Zellen erzielen wir also ein breiteres Bild und erfassen mehr Proteine mit einer RNA-Abhängigkeit. </a:t>
+            </a:r>
+          </a:p>
+          <a:p>
+            <a:r>
+              <a:rPr lang="de-DE" b="0" i="0" dirty="0">
+                <a:effectLst/>
+                <a:latin typeface="gg sans"/>
+              </a:rPr>
+              <a:t>Wir können außerdem ausschließen, dass unsere Proteine </a:t>
+            </a:r>
+            <a:r>
+              <a:rPr lang="de-DE" b="0" i="0" dirty="0" err="1">
+                <a:effectLst/>
+                <a:latin typeface="gg sans"/>
+              </a:rPr>
+              <a:t>un</a:t>
+            </a:r>
+            <a:r>
+              <a:rPr lang="de-DE" b="0" i="0" dirty="0">
+                <a:effectLst/>
+                <a:latin typeface="gg sans"/>
+              </a:rPr>
+              <a:t> Daten beeinflusst wurden durch einen Stoff wie </a:t>
+            </a:r>
+            <a:r>
+              <a:rPr lang="de-DE" b="0" i="0" dirty="0" err="1">
+                <a:effectLst/>
+                <a:latin typeface="gg sans"/>
+              </a:rPr>
+              <a:t>Nocodazol</a:t>
+            </a:r>
+            <a:r>
+              <a:rPr lang="de-DE" b="0" i="0" dirty="0">
+                <a:effectLst/>
+                <a:latin typeface="gg sans"/>
+              </a:rPr>
+              <a:t>.</a:t>
+            </a:r>
+            <a:br>
+              <a:rPr lang="de-DE" dirty="0"/>
+            </a:br>
+            <a:endParaRPr lang="de-DE" dirty="0"/>
+          </a:p>
+          <a:p>
+            <a:endParaRPr lang="de-DE" dirty="0"/>
+          </a:p>
+        </p:txBody>
+      </p:sp>
+      <p:sp>
+        <p:nvSpPr>
+          <p:cNvPr id="4" name="Foliennummernplatzhalter 3">
+            <a:extLst>
+              <a:ext uri="{FF2B5EF4-FFF2-40B4-BE49-F238E27FC236}">
+                <a16:creationId xmlns:a16="http://schemas.microsoft.com/office/drawing/2014/main" id="{B19AF390-4E82-A7CB-6B5C-C3617B42CDED}"/>
+              </a:ext>
+            </a:extLst>
+          </p:cNvPr>
+          <p:cNvSpPr>
+            <a:spLocks noGrp="1"/>
+          </p:cNvSpPr>
+          <p:nvPr>
+            <p:ph type="sldNum" sz="quarter" idx="5"/>
+          </p:nvPr>
+        </p:nvSpPr>
+        <p:spPr/>
+        <p:txBody>
+          <a:bodyPr/>
+          <a:lstStyle/>
+          <a:p>
+            <a:fld id="{C477D1A0-9F4C-48D0-B0C4-6B6E5972C69E}" type="slidenum">
+              <a:rPr lang="de-DE" smtClean="0"/>
+              <a:t>2</a:t>
+            </a:fld>
+            <a:endParaRPr lang="de-DE"/>
+          </a:p>
+        </p:txBody>
+      </p:sp>
+    </p:spTree>
+    <p:extLst>
+      <p:ext uri="{BB962C8B-B14F-4D97-AF65-F5344CB8AC3E}">
+        <p14:creationId xmlns:p14="http://schemas.microsoft.com/office/powerpoint/2010/main" val="505011145"/>
+      </p:ext>
+    </p:extLst>
+  </p:cSld>
+  <p:clrMapOvr>
+    <a:masterClrMapping/>
+  </p:clrMapOvr>
+</p:notes>
+</file>
+
+<file path=ppt/notesSlides/notesSlide3.xml><?xml version="1.0" encoding="utf-8"?>
+<p:notes xmlns:a="http://schemas.openxmlformats.org/drawingml/2006/main" xmlns:r="http://schemas.openxmlformats.org/officeDocument/2006/relationships" xmlns:p="http://schemas.openxmlformats.org/presentationml/2006/main">
+  <p:cSld>
+    <p:spTree>
+      <p:nvGrpSpPr>
+        <p:cNvPr id="1" name="">
+          <a:extLst>
+            <a:ext uri="{FF2B5EF4-FFF2-40B4-BE49-F238E27FC236}">
+              <a16:creationId xmlns:a16="http://schemas.microsoft.com/office/drawing/2014/main" id="{C7EAD415-A748-65DB-16F2-E4A71E6B953C}"/>
+            </a:ext>
+          </a:extLst>
+        </p:cNvPr>
+        <p:cNvGrpSpPr/>
+        <p:nvPr/>
+      </p:nvGrpSpPr>
+      <p:grpSpPr>
+        <a:xfrm>
+          <a:off x="0" y="0"/>
+          <a:ext cx="0" cy="0"/>
+          <a:chOff x="0" y="0"/>
+          <a:chExt cx="0" cy="0"/>
+        </a:xfrm>
+      </p:grpSpPr>
+      <p:sp>
+        <p:nvSpPr>
+          <p:cNvPr id="2" name="Folienbildplatzhalter 1">
+            <a:extLst>
+              <a:ext uri="{FF2B5EF4-FFF2-40B4-BE49-F238E27FC236}">
+                <a16:creationId xmlns:a16="http://schemas.microsoft.com/office/drawing/2014/main" id="{1670A1C2-108C-1C1B-EE17-3C4D1F48AFD6}"/>
+              </a:ext>
+            </a:extLst>
+          </p:cNvPr>
+          <p:cNvSpPr>
+            <a:spLocks noGrp="1" noRot="1" noChangeAspect="1"/>
+          </p:cNvSpPr>
+          <p:nvPr>
+            <p:ph type="sldImg"/>
+          </p:nvPr>
+        </p:nvSpPr>
+        <p:spPr/>
+      </p:sp>
+      <p:sp>
+        <p:nvSpPr>
+          <p:cNvPr id="3" name="Notizenplatzhalter 2">
+            <a:extLst>
+              <a:ext uri="{FF2B5EF4-FFF2-40B4-BE49-F238E27FC236}">
+                <a16:creationId xmlns:a16="http://schemas.microsoft.com/office/drawing/2014/main" id="{AF3E4FDF-A65C-0C2C-E7DE-3B7A2C3078BA}"/>
+              </a:ext>
+            </a:extLst>
+          </p:cNvPr>
+          <p:cNvSpPr>
+            <a:spLocks noGrp="1"/>
+          </p:cNvSpPr>
+          <p:nvPr>
+            <p:ph type="body" idx="1"/>
+          </p:nvPr>
+        </p:nvSpPr>
+        <p:spPr/>
+        <p:txBody>
+          <a:bodyPr/>
+          <a:lstStyle/>
+          <a:p>
+            <a:r>
+              <a:rPr lang="de-DE" dirty="0"/>
+              <a:t>Welch Vorteile hat das R-Deep Verfahren?</a:t>
+            </a:r>
+          </a:p>
+          <a:p>
+            <a:pPr marL="0" marR="0" lvl="0" indent="0" algn="l" defTabSz="914400" rtl="0" eaLnBrk="1" fontAlgn="auto" latinLnBrk="0" hangingPunct="1">
+              <a:lnSpc>
+                <a:spcPct val="100000"/>
+              </a:lnSpc>
+              <a:spcBef>
+                <a:spcPts val="0"/>
+              </a:spcBef>
+              <a:spcAft>
+                <a:spcPts val="0"/>
+              </a:spcAft>
+              <a:buClrTx/>
+              <a:buSzTx/>
+              <a:buFontTx/>
+              <a:buNone/>
+              <a:tabLst/>
+              <a:defRPr/>
+            </a:pPr>
+            <a:r>
+              <a:rPr lang="de-DE" dirty="0"/>
+              <a:t>R-Deep liefert quantitative Aussagen über den Anteil jedes </a:t>
+            </a:r>
+            <a:r>
+              <a:rPr lang="de-DE" dirty="0" err="1"/>
+              <a:t>RBP</a:t>
+            </a:r>
+            <a:r>
+              <a:rPr lang="de-DE" dirty="0"/>
+              <a:t>, der tatsächlich an die RNA angelagert ist.</a:t>
+            </a:r>
+          </a:p>
+          <a:p>
+            <a:endParaRPr lang="de-DE" dirty="0"/>
+          </a:p>
+          <a:p>
+            <a:pPr marL="0" marR="0" lvl="0" indent="0" algn="l" defTabSz="914400" rtl="0" eaLnBrk="1" fontAlgn="auto" latinLnBrk="0" hangingPunct="1">
+              <a:lnSpc>
+                <a:spcPct val="100000"/>
+              </a:lnSpc>
+              <a:spcBef>
+                <a:spcPts val="0"/>
+              </a:spcBef>
+              <a:spcAft>
+                <a:spcPts val="0"/>
+              </a:spcAft>
+              <a:buClrTx/>
+              <a:buSzTx/>
+              <a:buFontTx/>
+              <a:buNone/>
+              <a:tabLst/>
+              <a:defRPr/>
+            </a:pPr>
+            <a:r>
+              <a:rPr lang="de-DE" dirty="0"/>
+              <a:t>Das Verfahren benötigt keine vorangegangenen </a:t>
+            </a:r>
+            <a:r>
+              <a:rPr lang="de-DE" dirty="0" err="1"/>
+              <a:t>Aufreinigungsverfahren</a:t>
+            </a:r>
+            <a:r>
+              <a:rPr lang="de-DE" dirty="0"/>
+              <a:t>. Wir können also darauf vertrauen, dass unsere Daten nicht verfälscht wurden durch </a:t>
+            </a:r>
+            <a:r>
+              <a:rPr lang="de-DE" dirty="0" err="1"/>
+              <a:t>Aufreinigungsschritte</a:t>
+            </a:r>
+            <a:r>
+              <a:rPr lang="de-DE" dirty="0"/>
+              <a:t>.</a:t>
+            </a:r>
+          </a:p>
+          <a:p>
+            <a:endParaRPr lang="de-DE" dirty="0"/>
+          </a:p>
+          <a:p>
+            <a:r>
+              <a:rPr lang="de-DE" dirty="0"/>
+              <a:t>Mit dem Verfahren können wir das gesamt Proteom spezifisch auf RNA-abhängige Proteine untersuchen. </a:t>
+            </a:r>
+          </a:p>
+          <a:p>
+            <a:r>
+              <a:rPr lang="de-DE" dirty="0"/>
+              <a:t>Daher finden wir mehr </a:t>
+            </a:r>
+            <a:r>
+              <a:rPr lang="de-DE" dirty="0" err="1"/>
+              <a:t>RBPs</a:t>
+            </a:r>
+            <a:r>
+              <a:rPr lang="de-DE" dirty="0"/>
+              <a:t>. Wenn wir nur nach bestimmten Proteinsequenzen gesucht hätten, wie einer RNA-bindenden Domäne, fänden wir nur kanonische </a:t>
+            </a:r>
+            <a:r>
+              <a:rPr lang="de-DE" dirty="0" err="1"/>
+              <a:t>RBDs</a:t>
+            </a:r>
+            <a:r>
+              <a:rPr lang="de-DE" dirty="0"/>
+              <a:t>. Die meisten </a:t>
+            </a:r>
+            <a:r>
+              <a:rPr lang="de-DE" dirty="0" err="1"/>
+              <a:t>RBDs</a:t>
+            </a:r>
+            <a:r>
+              <a:rPr lang="de-DE" dirty="0"/>
+              <a:t> sind jedoch nicht-kanonisch und besitzen daher eben keine RNA-binden Domänen. Diese nicht-kanonischen </a:t>
+            </a:r>
+            <a:r>
+              <a:rPr lang="de-DE" dirty="0" err="1"/>
+              <a:t>RBPs</a:t>
+            </a:r>
+            <a:r>
+              <a:rPr lang="de-DE" dirty="0"/>
+              <a:t> können wir mit dem R-Deep-Verfahren finden.</a:t>
+            </a:r>
+          </a:p>
+          <a:p>
+            <a:r>
+              <a:rPr lang="de-DE" dirty="0"/>
+              <a:t>Es gibt auch ein Verfahren, dass nur </a:t>
+            </a:r>
+            <a:r>
+              <a:rPr lang="de-DE" dirty="0" err="1"/>
+              <a:t>RBPs</a:t>
+            </a:r>
+            <a:r>
+              <a:rPr lang="de-DE" dirty="0"/>
+              <a:t> findet, die an RNAs mit Poly-A-Schwanz binden. Also viele mRNAs.</a:t>
+            </a:r>
+          </a:p>
+          <a:p>
+            <a:r>
+              <a:rPr lang="de-DE" dirty="0"/>
+              <a:t>Mit dem R-Deep Verfahren finden wir neben den mRNA-bindenden Proteinen auch </a:t>
+            </a:r>
+            <a:r>
+              <a:rPr lang="de-DE" dirty="0" err="1"/>
+              <a:t>RBPs</a:t>
+            </a:r>
+            <a:r>
+              <a:rPr lang="de-DE" dirty="0"/>
+              <a:t>, die an Lange nicht-kodierenden RNAs binden. Gerade diese Klasse an RNAs ist an zahlreichen Prozessen in den Zellen und in der Krankheitsentstehung z.B. von Krebs beteiligt. </a:t>
+            </a:r>
+          </a:p>
+          <a:p>
+            <a:r>
+              <a:rPr lang="de-DE" dirty="0"/>
+              <a:t>Das R-Deep Verfahren ist mit de spezifischen Suche nach RNA-abhängigen Proteinen somit mächtiger im Bezug auf die Anzahl an </a:t>
+            </a:r>
+            <a:r>
+              <a:rPr lang="de-DE" dirty="0" err="1"/>
+              <a:t>RBPs</a:t>
+            </a:r>
+            <a:r>
+              <a:rPr lang="de-DE" dirty="0"/>
+              <a:t>, die wir finden können.</a:t>
+            </a:r>
+          </a:p>
+          <a:p>
+            <a:endParaRPr lang="de-DE" dirty="0"/>
+          </a:p>
+          <a:p>
+            <a:pPr marL="0" marR="0" lvl="0" indent="0" algn="l" defTabSz="914400" rtl="0" eaLnBrk="1" fontAlgn="auto" latinLnBrk="0" hangingPunct="1">
+              <a:lnSpc>
+                <a:spcPct val="100000"/>
+              </a:lnSpc>
+              <a:spcBef>
+                <a:spcPts val="0"/>
+              </a:spcBef>
+              <a:spcAft>
+                <a:spcPts val="0"/>
+              </a:spcAft>
+              <a:buClrTx/>
+              <a:buSzTx/>
+              <a:buFontTx/>
+              <a:buNone/>
+              <a:tabLst/>
+              <a:defRPr/>
+            </a:pPr>
+            <a:r>
+              <a:rPr lang="de-DE" dirty="0"/>
+              <a:t>Limitationen sind: Identifiziert nicht die „</a:t>
+            </a:r>
+            <a:r>
+              <a:rPr lang="de-DE" dirty="0" err="1"/>
+              <a:t>binding</a:t>
+            </a:r>
+            <a:r>
+              <a:rPr lang="de-DE" dirty="0"/>
+              <a:t> </a:t>
+            </a:r>
+            <a:r>
+              <a:rPr lang="de-DE" dirty="0" err="1"/>
+              <a:t>sites</a:t>
+            </a:r>
+            <a:r>
+              <a:rPr lang="de-DE" dirty="0"/>
+              <a:t>“, keine Unterscheidung zwischen direkten und indirekten Interaktionen</a:t>
+            </a:r>
+          </a:p>
+          <a:p>
+            <a:endParaRPr lang="de-DE" dirty="0"/>
+          </a:p>
+          <a:p>
+            <a:endParaRPr lang="de-DE" dirty="0"/>
+          </a:p>
+          <a:p>
+            <a:r>
+              <a:rPr lang="de-DE" dirty="0">
+                <a:effectLst>
+                  <a:outerShdw blurRad="38100" dist="38100" dir="2700000" algn="tl">
+                    <a:srgbClr val="000000">
+                      <a:alpha val="43137"/>
+                    </a:srgbClr>
+                  </a:outerShdw>
+                </a:effectLst>
+              </a:rPr>
+              <a:t>Notiz</a:t>
+            </a:r>
+            <a:r>
+              <a:rPr lang="de-DE" dirty="0"/>
+              <a:t>:</a:t>
+            </a:r>
+          </a:p>
+          <a:p>
+            <a:r>
+              <a:rPr lang="de-DE" dirty="0"/>
+              <a:t>„Basiert nicht auf den Unterschieden von Affinität oder Eigenschaften der einzelnen Proteine, auch nicht auf bestimmten RNA/Protein-Sequenzen, liefert quantitative Aussagen über den Anteil jedes </a:t>
+            </a:r>
+            <a:r>
+              <a:rPr lang="de-DE" dirty="0" err="1"/>
+              <a:t>RBP</a:t>
+            </a:r>
+            <a:r>
+              <a:rPr lang="de-DE" dirty="0"/>
+              <a:t>, der tatsächlich an die RNA angelagert ist“</a:t>
+            </a:r>
+            <a:endParaRPr lang="de-DE" b="0" i="0" dirty="0">
+              <a:effectLst/>
+              <a:latin typeface="gg sans"/>
+            </a:endParaRPr>
+          </a:p>
+          <a:p>
+            <a:r>
+              <a:rPr lang="de-DE" b="0" i="0" dirty="0">
+                <a:effectLst/>
+                <a:latin typeface="gg sans"/>
+              </a:rPr>
+              <a:t>Keine Anreichungsverfahren</a:t>
+            </a:r>
+          </a:p>
+          <a:p>
+            <a:endParaRPr lang="de-DE" dirty="0"/>
+          </a:p>
+        </p:txBody>
+      </p:sp>
+      <p:sp>
+        <p:nvSpPr>
+          <p:cNvPr id="4" name="Foliennummernplatzhalter 3">
+            <a:extLst>
+              <a:ext uri="{FF2B5EF4-FFF2-40B4-BE49-F238E27FC236}">
+                <a16:creationId xmlns:a16="http://schemas.microsoft.com/office/drawing/2014/main" id="{183ECF23-1C2D-E442-300F-8D001574FCCB}"/>
+              </a:ext>
+            </a:extLst>
+          </p:cNvPr>
+          <p:cNvSpPr>
+            <a:spLocks noGrp="1"/>
+          </p:cNvSpPr>
+          <p:nvPr>
+            <p:ph type="sldNum" sz="quarter" idx="5"/>
+          </p:nvPr>
+        </p:nvSpPr>
+        <p:spPr/>
+        <p:txBody>
+          <a:bodyPr/>
+          <a:lstStyle/>
+          <a:p>
+            <a:fld id="{C477D1A0-9F4C-48D0-B0C4-6B6E5972C69E}" type="slidenum">
+              <a:rPr lang="de-DE" smtClean="0"/>
+              <a:t>14</a:t>
+            </a:fld>
+            <a:endParaRPr lang="de-DE"/>
+          </a:p>
+        </p:txBody>
+      </p:sp>
+    </p:spTree>
+    <p:extLst>
+      <p:ext uri="{BB962C8B-B14F-4D97-AF65-F5344CB8AC3E}">
+        <p14:creationId xmlns:p14="http://schemas.microsoft.com/office/powerpoint/2010/main" val="442332022"/>
+      </p:ext>
+    </p:extLst>
+  </p:cSld>
+  <p:clrMapOvr>
+    <a:masterClrMapping/>
+  </p:clrMapOvr>
+</p:notes>
 </file>
 
 <file path=ppt/slideLayouts/slideLayout1.xml><?xml version="1.0" encoding="utf-8"?>
@@ -3425,7 +4628,7 @@
             </a:r>
             <a:r>
               <a:rPr lang="en-GB" noProof="0" dirty="0"/>
-              <a:t>RNA-binding proteins in non-synchronized HeLa cells</a:t>
+              <a:t>RNA-dependent proteins in non-synchronized HeLa cells</a:t>
             </a:r>
           </a:p>
           <a:p>
@@ -3460,7 +4663,7 @@
     </p:spTree>
     <p:extLst>
       <p:ext uri="{BB962C8B-B14F-4D97-AF65-F5344CB8AC3E}">
-        <p14:creationId xmlns:p14="http://schemas.microsoft.com/office/powerpoint/2010/main" val="542427326"/>
+        <p14:creationId xmlns:p14="http://schemas.microsoft.com/office/powerpoint/2010/main" val="861820440"/>
       </p:ext>
     </p:extLst>
   </p:cSld>
@@ -3471,6 +4674,126 @@
 </file>
 
 <file path=ppt/slides/slide10.xml><?xml version="1.0" encoding="utf-8"?>
+<p:sld xmlns:a="http://schemas.openxmlformats.org/drawingml/2006/main" xmlns:r="http://schemas.openxmlformats.org/officeDocument/2006/relationships" xmlns:p="http://schemas.openxmlformats.org/presentationml/2006/main">
+  <p:cSld>
+    <p:spTree>
+      <p:nvGrpSpPr>
+        <p:cNvPr id="1" name=""/>
+        <p:cNvGrpSpPr/>
+        <p:nvPr/>
+      </p:nvGrpSpPr>
+      <p:grpSpPr>
+        <a:xfrm>
+          <a:off x="0" y="0"/>
+          <a:ext cx="0" cy="0"/>
+          <a:chOff x="0" y="0"/>
+          <a:chExt cx="0" cy="0"/>
+        </a:xfrm>
+      </p:grpSpPr>
+      <p:pic>
+        <p:nvPicPr>
+          <p:cNvPr id="2" name="Picture 1" descr="A comparison of a graph&#10;&#10;AI-generated content may be incorrect.">
+            <a:extLst>
+              <a:ext uri="{FF2B5EF4-FFF2-40B4-BE49-F238E27FC236}">
+                <a16:creationId xmlns:a16="http://schemas.microsoft.com/office/drawing/2014/main" id="{4A73FD8A-1DFB-7CC1-7CFB-C06F98CBF7F8}"/>
+              </a:ext>
+            </a:extLst>
+          </p:cNvPr>
+          <p:cNvPicPr>
+            <a:picLocks noChangeAspect="1"/>
+          </p:cNvPicPr>
+          <p:nvPr/>
+        </p:nvPicPr>
+        <p:blipFill>
+          <a:blip r:embed="rId2">
+            <a:extLst>
+              <a:ext uri="{28A0092B-C50C-407E-A947-70E740481C1C}">
+                <a14:useLocalDpi xmlns:a14="http://schemas.microsoft.com/office/drawing/2010/main" val="0"/>
+              </a:ext>
+            </a:extLst>
+          </a:blip>
+          <a:srcRect t="5391"/>
+          <a:stretch/>
+        </p:blipFill>
+        <p:spPr>
+          <a:xfrm>
+            <a:off x="860288" y="1253880"/>
+            <a:ext cx="10471424" cy="4350240"/>
+          </a:xfrm>
+          <a:prstGeom prst="rect">
+            <a:avLst/>
+          </a:prstGeom>
+        </p:spPr>
+      </p:pic>
+      <p:sp>
+        <p:nvSpPr>
+          <p:cNvPr id="3" name="TextBox 2">
+            <a:extLst>
+              <a:ext uri="{FF2B5EF4-FFF2-40B4-BE49-F238E27FC236}">
+                <a16:creationId xmlns:a16="http://schemas.microsoft.com/office/drawing/2014/main" id="{6D65A147-8C7A-6117-BA6C-A252DC013A91}"/>
+              </a:ext>
+            </a:extLst>
+          </p:cNvPr>
+          <p:cNvSpPr txBox="1"/>
+          <p:nvPr/>
+        </p:nvSpPr>
+        <p:spPr>
+          <a:xfrm>
+            <a:off x="860288" y="5716978"/>
+            <a:ext cx="4572000" cy="246221"/>
+          </a:xfrm>
+          <a:prstGeom prst="rect">
+            <a:avLst/>
+          </a:prstGeom>
+          <a:noFill/>
+        </p:spPr>
+        <p:txBody>
+          <a:bodyPr wrap="square" rtlCol="0">
+            <a:spAutoFit/>
+          </a:bodyPr>
+          <a:lstStyle/>
+          <a:p>
+            <a:r>
+              <a:rPr lang="en-GB" sz="1000" u="sng" noProof="0" dirty="0" err="1"/>
+              <a:t>Bioinfo</a:t>
+            </a:r>
+            <a:r>
+              <a:rPr lang="en-GB" sz="1000" u="sng" noProof="0" dirty="0"/>
+              <a:t>-Slides </a:t>
+            </a:r>
+            <a:r>
+              <a:rPr lang="en-GB" sz="1000" u="sng" noProof="0" dirty="0" err="1"/>
+              <a:t>aus</a:t>
+            </a:r>
+            <a:r>
+              <a:rPr lang="en-GB" sz="1000" u="sng" noProof="0" dirty="0"/>
+              <a:t> </a:t>
+            </a:r>
+            <a:r>
+              <a:rPr lang="en-GB" sz="1000" u="sng" noProof="0" dirty="0" err="1"/>
+              <a:t>dem</a:t>
+            </a:r>
+            <a:r>
+              <a:rPr lang="en-GB" sz="1000" u="sng" noProof="0" dirty="0"/>
+              <a:t> 3. Semester</a:t>
+            </a:r>
+          </a:p>
+        </p:txBody>
+      </p:sp>
+    </p:spTree>
+    <p:extLst>
+      <p:ext uri="{BB962C8B-B14F-4D97-AF65-F5344CB8AC3E}">
+        <p14:creationId xmlns:p14="http://schemas.microsoft.com/office/powerpoint/2010/main" val="3608344811"/>
+      </p:ext>
+    </p:extLst>
+  </p:cSld>
+  <p:clrMapOvr>
+    <a:masterClrMapping/>
+  </p:clrMapOvr>
+</p:sld>
+</file>
+
+<file path=ppt/slides/slide11.xml><?xml version="1.0" encoding="utf-8"?>
 <p:sld xmlns:a="http://schemas.openxmlformats.org/drawingml/2006/main" xmlns:r="http://schemas.openxmlformats.org/officeDocument/2006/relationships" xmlns:p="http://schemas.openxmlformats.org/presentationml/2006/main">
   <p:cSld>
     <p:spTree>
@@ -4358,7 +5681,7 @@
 </p:sld>
 </file>
 
-<file path=ppt/slides/slide11.xml><?xml version="1.0" encoding="utf-8"?>
+<file path=ppt/slides/slide12.xml><?xml version="1.0" encoding="utf-8"?>
 <p:sld xmlns:a="http://schemas.openxmlformats.org/drawingml/2006/main" xmlns:r="http://schemas.openxmlformats.org/officeDocument/2006/relationships" xmlns:p="http://schemas.openxmlformats.org/presentationml/2006/main">
   <p:cSld>
     <p:spTree>
@@ -4424,8 +5747,8 @@
 </p:sld>
 </file>
 
-<file path=ppt/slides/slide12.xml><?xml version="1.0" encoding="utf-8"?>
-<p:sld xmlns:a="http://schemas.openxmlformats.org/drawingml/2006/main" xmlns:r="http://schemas.openxmlformats.org/officeDocument/2006/relationships" xmlns:p="http://schemas.openxmlformats.org/presentationml/2006/main">
+<file path=ppt/slides/slide13.xml><?xml version="1.0" encoding="utf-8"?>
+<p:sld xmlns:a="http://schemas.openxmlformats.org/drawingml/2006/main" xmlns:r="http://schemas.openxmlformats.org/officeDocument/2006/relationships" xmlns:p="http://schemas.openxmlformats.org/presentationml/2006/main" show="0">
   <p:cSld>
     <p:spTree>
       <p:nvGrpSpPr>
@@ -4673,8 +5996,353 @@
 </p:sld>
 </file>
 
-<file path=ppt/slides/slide13.xml><?xml version="1.0" encoding="utf-8"?>
-<p:sld xmlns:a="http://schemas.openxmlformats.org/drawingml/2006/main" xmlns:r="http://schemas.openxmlformats.org/officeDocument/2006/relationships" xmlns:p="http://schemas.openxmlformats.org/presentationml/2006/main">
+<file path=ppt/slides/slide14.xml><?xml version="1.0" encoding="utf-8"?>
+<p:sld xmlns:a="http://schemas.openxmlformats.org/drawingml/2006/main" xmlns:r="http://schemas.openxmlformats.org/officeDocument/2006/relationships" xmlns:p="http://schemas.openxmlformats.org/presentationml/2006/main" show="0">
+  <p:cSld>
+    <p:spTree>
+      <p:nvGrpSpPr>
+        <p:cNvPr id="1" name="">
+          <a:extLst>
+            <a:ext uri="{FF2B5EF4-FFF2-40B4-BE49-F238E27FC236}">
+              <a16:creationId xmlns:a16="http://schemas.microsoft.com/office/drawing/2014/main" id="{7B5977AA-C150-0137-617D-9D1C659DF3CB}"/>
+            </a:ext>
+          </a:extLst>
+        </p:cNvPr>
+        <p:cNvGrpSpPr/>
+        <p:nvPr/>
+      </p:nvGrpSpPr>
+      <p:grpSpPr>
+        <a:xfrm>
+          <a:off x="0" y="0"/>
+          <a:ext cx="0" cy="0"/>
+          <a:chOff x="0" y="0"/>
+          <a:chExt cx="0" cy="0"/>
+        </a:xfrm>
+      </p:grpSpPr>
+      <p:sp>
+        <p:nvSpPr>
+          <p:cNvPr id="2" name="Title 1">
+            <a:extLst>
+              <a:ext uri="{FF2B5EF4-FFF2-40B4-BE49-F238E27FC236}">
+                <a16:creationId xmlns:a16="http://schemas.microsoft.com/office/drawing/2014/main" id="{43BCC231-F31D-096B-C111-7A43E862A945}"/>
+              </a:ext>
+            </a:extLst>
+          </p:cNvPr>
+          <p:cNvSpPr>
+            <a:spLocks noGrp="1"/>
+          </p:cNvSpPr>
+          <p:nvPr>
+            <p:ph type="title"/>
+          </p:nvPr>
+        </p:nvSpPr>
+        <p:spPr>
+          <a:xfrm>
+            <a:off x="0" y="365125"/>
+            <a:ext cx="12192000" cy="1325563"/>
+          </a:xfrm>
+        </p:spPr>
+        <p:txBody>
+          <a:bodyPr>
+            <a:normAutofit/>
+          </a:bodyPr>
+          <a:lstStyle/>
+          <a:p>
+            <a:pPr algn="ctr"/>
+            <a:r>
+              <a:rPr lang="en-GB" noProof="0" dirty="0"/>
+              <a:t>R-</a:t>
+            </a:r>
+            <a:r>
+              <a:rPr lang="en-GB" noProof="0" dirty="0" err="1"/>
+              <a:t>DeeP</a:t>
+            </a:r>
+            <a:endParaRPr lang="en-GB" sz="2800" noProof="0" dirty="0"/>
+          </a:p>
+        </p:txBody>
+      </p:sp>
+      <p:sp>
+        <p:nvSpPr>
+          <p:cNvPr id="5" name="Textfeld 4">
+            <a:extLst>
+              <a:ext uri="{FF2B5EF4-FFF2-40B4-BE49-F238E27FC236}">
+                <a16:creationId xmlns:a16="http://schemas.microsoft.com/office/drawing/2014/main" id="{B18040C7-34DD-D410-780D-59672910261B}"/>
+              </a:ext>
+            </a:extLst>
+          </p:cNvPr>
+          <p:cNvSpPr txBox="1"/>
+          <p:nvPr/>
+        </p:nvSpPr>
+        <p:spPr>
+          <a:xfrm>
+            <a:off x="649009" y="2270349"/>
+            <a:ext cx="5587409" cy="1938992"/>
+          </a:xfrm>
+          <a:prstGeom prst="rect">
+            <a:avLst/>
+          </a:prstGeom>
+          <a:noFill/>
+        </p:spPr>
+        <p:txBody>
+          <a:bodyPr wrap="square">
+            <a:spAutoFit/>
+          </a:bodyPr>
+          <a:lstStyle/>
+          <a:p>
+            <a:r>
+              <a:rPr lang="de-DE" sz="2400" dirty="0"/>
+              <a:t>Advantages</a:t>
+            </a:r>
+          </a:p>
+          <a:p>
+            <a:pPr marL="342900" indent="-342900">
+              <a:buFont typeface="Arial" panose="020B0604020202020204" pitchFamily="34" charset="0"/>
+              <a:buChar char="•"/>
+            </a:pPr>
+            <a:endParaRPr lang="de-DE" sz="2400" dirty="0"/>
+          </a:p>
+          <a:p>
+            <a:pPr marL="342900" indent="-342900">
+              <a:buFont typeface="Arial" panose="020B0604020202020204" pitchFamily="34" charset="0"/>
+              <a:buChar char="•"/>
+            </a:pPr>
+            <a:r>
+              <a:rPr lang="de-DE" sz="2400" dirty="0"/>
+              <a:t>Quantitative </a:t>
+            </a:r>
+            <a:r>
+              <a:rPr lang="de-DE" sz="2400" dirty="0" err="1"/>
+              <a:t>information</a:t>
+            </a:r>
+            <a:endParaRPr lang="de-DE" sz="2400" dirty="0"/>
+          </a:p>
+          <a:p>
+            <a:pPr marL="342900" indent="-342900">
+              <a:buFont typeface="Arial" panose="020B0604020202020204" pitchFamily="34" charset="0"/>
+              <a:buChar char="•"/>
+            </a:pPr>
+            <a:r>
+              <a:rPr lang="de-DE" sz="2400" dirty="0" err="1"/>
+              <a:t>independent</a:t>
+            </a:r>
+            <a:r>
+              <a:rPr lang="de-DE" sz="2400" dirty="0"/>
+              <a:t> </a:t>
+            </a:r>
+            <a:r>
+              <a:rPr lang="de-DE" sz="2400" dirty="0" err="1"/>
+              <a:t>of</a:t>
+            </a:r>
+            <a:r>
+              <a:rPr lang="de-DE" sz="2400" dirty="0"/>
+              <a:t> </a:t>
+            </a:r>
+            <a:r>
+              <a:rPr lang="de-DE" sz="2400" dirty="0" err="1"/>
+              <a:t>purifiction</a:t>
+            </a:r>
+            <a:r>
+              <a:rPr lang="de-DE" sz="2400" dirty="0"/>
+              <a:t> </a:t>
+            </a:r>
+            <a:r>
+              <a:rPr lang="de-DE" sz="2400" dirty="0" err="1"/>
+              <a:t>procedures</a:t>
+            </a:r>
+            <a:endParaRPr lang="de-DE" sz="2400" dirty="0"/>
+          </a:p>
+          <a:p>
+            <a:pPr marL="342900" indent="-342900">
+              <a:buFont typeface="Arial" panose="020B0604020202020204" pitchFamily="34" charset="0"/>
+              <a:buChar char="•"/>
+            </a:pPr>
+            <a:r>
+              <a:rPr lang="de-DE" sz="2400" dirty="0" err="1"/>
+              <a:t>specific</a:t>
+            </a:r>
+            <a:r>
+              <a:rPr lang="de-DE" sz="2400" dirty="0"/>
+              <a:t> </a:t>
+            </a:r>
+            <a:r>
+              <a:rPr lang="de-DE" sz="2400" dirty="0" err="1"/>
+              <a:t>fo</a:t>
+            </a:r>
+            <a:r>
+              <a:rPr lang="de-DE" sz="2400" dirty="0"/>
+              <a:t> RNA-</a:t>
+            </a:r>
+            <a:r>
+              <a:rPr lang="de-DE" sz="2400" dirty="0" err="1"/>
+              <a:t>dependency</a:t>
+            </a:r>
+            <a:endParaRPr lang="de-DE" sz="2400" dirty="0"/>
+          </a:p>
+        </p:txBody>
+      </p:sp>
+      <p:sp>
+        <p:nvSpPr>
+          <p:cNvPr id="9" name="Textfeld 8">
+            <a:extLst>
+              <a:ext uri="{FF2B5EF4-FFF2-40B4-BE49-F238E27FC236}">
+                <a16:creationId xmlns:a16="http://schemas.microsoft.com/office/drawing/2014/main" id="{745AB5B2-8D37-6882-86D2-47AE48ECA0B5}"/>
+              </a:ext>
+            </a:extLst>
+          </p:cNvPr>
+          <p:cNvSpPr txBox="1"/>
+          <p:nvPr/>
+        </p:nvSpPr>
+        <p:spPr>
+          <a:xfrm>
+            <a:off x="6236418" y="2270349"/>
+            <a:ext cx="6096000" cy="1938992"/>
+          </a:xfrm>
+          <a:prstGeom prst="rect">
+            <a:avLst/>
+          </a:prstGeom>
+          <a:noFill/>
+        </p:spPr>
+        <p:txBody>
+          <a:bodyPr wrap="square">
+            <a:spAutoFit/>
+          </a:bodyPr>
+          <a:lstStyle/>
+          <a:p>
+            <a:r>
+              <a:rPr lang="de-DE" sz="2400" dirty="0" err="1"/>
+              <a:t>Limitations</a:t>
+            </a:r>
+            <a:endParaRPr lang="de-DE" sz="2400" dirty="0"/>
+          </a:p>
+          <a:p>
+            <a:endParaRPr lang="de-DE" sz="2400" dirty="0"/>
+          </a:p>
+          <a:p>
+            <a:pPr marL="342900" indent="-342900">
+              <a:buFont typeface="Arial" panose="020B0604020202020204" pitchFamily="34" charset="0"/>
+              <a:buChar char="•"/>
+            </a:pPr>
+            <a:r>
+              <a:rPr lang="de-DE" sz="2400" dirty="0" err="1"/>
+              <a:t>No</a:t>
+            </a:r>
+            <a:r>
+              <a:rPr lang="de-DE" sz="2400" dirty="0"/>
+              <a:t> </a:t>
+            </a:r>
+            <a:r>
+              <a:rPr lang="de-DE" sz="2400" dirty="0" err="1"/>
+              <a:t>idenfitication</a:t>
+            </a:r>
+            <a:r>
+              <a:rPr lang="de-DE" sz="2400" dirty="0"/>
+              <a:t> </a:t>
+            </a:r>
+            <a:r>
+              <a:rPr lang="de-DE" sz="2400" dirty="0" err="1"/>
+              <a:t>of</a:t>
+            </a:r>
+            <a:r>
+              <a:rPr lang="de-DE" sz="2400" dirty="0"/>
+              <a:t> </a:t>
+            </a:r>
+            <a:r>
+              <a:rPr lang="de-DE" sz="2400" dirty="0" err="1"/>
+              <a:t>binding</a:t>
+            </a:r>
+            <a:r>
+              <a:rPr lang="de-DE" sz="2400" dirty="0"/>
+              <a:t> </a:t>
+            </a:r>
+            <a:r>
+              <a:rPr lang="de-DE" sz="2400" dirty="0" err="1"/>
+              <a:t>sites</a:t>
+            </a:r>
+            <a:endParaRPr lang="de-DE" sz="2400" dirty="0"/>
+          </a:p>
+          <a:p>
+            <a:pPr marL="342900" indent="-342900">
+              <a:buFont typeface="Arial" panose="020B0604020202020204" pitchFamily="34" charset="0"/>
+              <a:buChar char="•"/>
+            </a:pPr>
+            <a:r>
+              <a:rPr lang="de-DE" sz="2400" dirty="0" err="1"/>
+              <a:t>No</a:t>
+            </a:r>
+            <a:r>
+              <a:rPr lang="de-DE" sz="2400" dirty="0"/>
+              <a:t> </a:t>
+            </a:r>
+            <a:r>
+              <a:rPr lang="de-DE" sz="2400" dirty="0" err="1"/>
+              <a:t>differentiation</a:t>
+            </a:r>
+            <a:r>
+              <a:rPr lang="de-DE" sz="2400" dirty="0"/>
+              <a:t> </a:t>
+            </a:r>
+            <a:r>
+              <a:rPr lang="de-DE" sz="2400" dirty="0" err="1"/>
+              <a:t>of</a:t>
+            </a:r>
+            <a:r>
+              <a:rPr lang="de-DE" sz="2400" dirty="0"/>
+              <a:t> </a:t>
+            </a:r>
+            <a:r>
+              <a:rPr lang="de-DE" sz="2400" dirty="0" err="1"/>
+              <a:t>direct</a:t>
+            </a:r>
+            <a:r>
+              <a:rPr lang="de-DE" sz="2400" dirty="0"/>
+              <a:t> and </a:t>
+            </a:r>
+            <a:r>
+              <a:rPr lang="de-DE" sz="2400" dirty="0" err="1"/>
+              <a:t>indirect</a:t>
+            </a:r>
+            <a:r>
+              <a:rPr lang="de-DE" sz="2400" dirty="0"/>
+              <a:t> </a:t>
+            </a:r>
+            <a:r>
+              <a:rPr lang="de-DE" sz="2400" dirty="0" err="1"/>
+              <a:t>interactions</a:t>
+            </a:r>
+            <a:r>
+              <a:rPr lang="de-DE" sz="2400" dirty="0"/>
+              <a:t> </a:t>
+            </a:r>
+            <a:r>
+              <a:rPr lang="de-DE" sz="2400" dirty="0" err="1"/>
+              <a:t>of</a:t>
+            </a:r>
+            <a:r>
+              <a:rPr lang="de-DE" sz="2400" dirty="0"/>
+              <a:t> </a:t>
+            </a:r>
+            <a:r>
+              <a:rPr lang="de-DE" sz="2400" dirty="0" err="1"/>
+              <a:t>RBPs</a:t>
+            </a:r>
+            <a:endParaRPr lang="de-DE" sz="2400" dirty="0"/>
+          </a:p>
+        </p:txBody>
+      </p:sp>
+    </p:spTree>
+    <p:extLst>
+      <p:ext uri="{BB962C8B-B14F-4D97-AF65-F5344CB8AC3E}">
+        <p14:creationId xmlns:p14="http://schemas.microsoft.com/office/powerpoint/2010/main" val="3232109673"/>
+      </p:ext>
+    </p:extLst>
+  </p:cSld>
+  <p:clrMapOvr>
+    <a:masterClrMapping/>
+  </p:clrMapOvr>
+</p:sld>
+</file>
+
+<file path=ppt/slides/slide15.xml><?xml version="1.0" encoding="utf-8"?>
+<p:sld xmlns:a="http://schemas.openxmlformats.org/drawingml/2006/main" xmlns:r="http://schemas.openxmlformats.org/officeDocument/2006/relationships" xmlns:p="http://schemas.openxmlformats.org/presentationml/2006/main" show="0">
   <p:cSld>
     <p:spTree>
       <p:nvGrpSpPr>
@@ -4936,8 +6604,8 @@
 </p:sld>
 </file>
 
-<file path=ppt/slides/slide14.xml><?xml version="1.0" encoding="utf-8"?>
-<p:sld xmlns:a="http://schemas.openxmlformats.org/drawingml/2006/main" xmlns:r="http://schemas.openxmlformats.org/officeDocument/2006/relationships" xmlns:p="http://schemas.openxmlformats.org/presentationml/2006/main">
+<file path=ppt/slides/slide16.xml><?xml version="1.0" encoding="utf-8"?>
+<p:sld xmlns:a="http://schemas.openxmlformats.org/drawingml/2006/main" xmlns:r="http://schemas.openxmlformats.org/officeDocument/2006/relationships" xmlns:p="http://schemas.openxmlformats.org/presentationml/2006/main" show="0">
   <p:cSld>
     <p:spTree>
       <p:nvGrpSpPr>
@@ -6132,8 +7800,8 @@
 </p:sld>
 </file>
 
-<file path=ppt/slides/slide15.xml><?xml version="1.0" encoding="utf-8"?>
-<p:sld xmlns:a="http://schemas.openxmlformats.org/drawingml/2006/main" xmlns:r="http://schemas.openxmlformats.org/officeDocument/2006/relationships" xmlns:p="http://schemas.openxmlformats.org/presentationml/2006/main">
+<file path=ppt/slides/slide17.xml><?xml version="1.0" encoding="utf-8"?>
+<p:sld xmlns:a="http://schemas.openxmlformats.org/drawingml/2006/main" xmlns:r="http://schemas.openxmlformats.org/officeDocument/2006/relationships" xmlns:p="http://schemas.openxmlformats.org/presentationml/2006/main" show="0">
   <p:cSld>
     <p:spTree>
       <p:nvGrpSpPr>
@@ -7203,8 +8871,8 @@
 </p:sld>
 </file>
 
-<file path=ppt/slides/slide16.xml><?xml version="1.0" encoding="utf-8"?>
-<p:sld xmlns:a="http://schemas.openxmlformats.org/drawingml/2006/main" xmlns:r="http://schemas.openxmlformats.org/officeDocument/2006/relationships" xmlns:p="http://schemas.openxmlformats.org/presentationml/2006/main">
+<file path=ppt/slides/slide18.xml><?xml version="1.0" encoding="utf-8"?>
+<p:sld xmlns:a="http://schemas.openxmlformats.org/drawingml/2006/main" xmlns:r="http://schemas.openxmlformats.org/officeDocument/2006/relationships" xmlns:p="http://schemas.openxmlformats.org/presentationml/2006/main" show="0">
   <p:cSld>
     <p:spTree>
       <p:nvGrpSpPr>
@@ -8038,8 +9706,8 @@
 </p:sld>
 </file>
 
-<file path=ppt/slides/slide17.xml><?xml version="1.0" encoding="utf-8"?>
-<p:sld xmlns:a="http://schemas.openxmlformats.org/drawingml/2006/main" xmlns:r="http://schemas.openxmlformats.org/officeDocument/2006/relationships" xmlns:p="http://schemas.openxmlformats.org/presentationml/2006/main">
+<file path=ppt/slides/slide19.xml><?xml version="1.0" encoding="utf-8"?>
+<p:sld xmlns:a="http://schemas.openxmlformats.org/drawingml/2006/main" xmlns:r="http://schemas.openxmlformats.org/officeDocument/2006/relationships" xmlns:p="http://schemas.openxmlformats.org/presentationml/2006/main" show="0">
   <p:cSld>
     <p:spTree>
       <p:nvGrpSpPr>
@@ -8581,6 +10249,444 @@
         <p:cNvPr id="1" name="">
           <a:extLst>
             <a:ext uri="{FF2B5EF4-FFF2-40B4-BE49-F238E27FC236}">
+              <a16:creationId xmlns:a16="http://schemas.microsoft.com/office/drawing/2014/main" id="{7BCE4239-353B-35FF-83D0-F3FAC36EA850}"/>
+            </a:ext>
+          </a:extLst>
+        </p:cNvPr>
+        <p:cNvGrpSpPr/>
+        <p:nvPr/>
+      </p:nvGrpSpPr>
+      <p:grpSpPr>
+        <a:xfrm>
+          <a:off x="0" y="0"/>
+          <a:ext cx="0" cy="0"/>
+          <a:chOff x="0" y="0"/>
+          <a:chExt cx="0" cy="0"/>
+        </a:xfrm>
+      </p:grpSpPr>
+      <p:sp>
+        <p:nvSpPr>
+          <p:cNvPr id="2" name="Title 1">
+            <a:extLst>
+              <a:ext uri="{FF2B5EF4-FFF2-40B4-BE49-F238E27FC236}">
+                <a16:creationId xmlns:a16="http://schemas.microsoft.com/office/drawing/2014/main" id="{2E784005-2C1F-22B7-1F8A-6E9F7CED12E1}"/>
+              </a:ext>
+            </a:extLst>
+          </p:cNvPr>
+          <p:cNvSpPr>
+            <a:spLocks noGrp="1"/>
+          </p:cNvSpPr>
+          <p:nvPr>
+            <p:ph type="title"/>
+          </p:nvPr>
+        </p:nvSpPr>
+        <p:spPr>
+          <a:xfrm>
+            <a:off x="0" y="365125"/>
+            <a:ext cx="12192000" cy="1325563"/>
+          </a:xfrm>
+        </p:spPr>
+        <p:txBody>
+          <a:bodyPr>
+            <a:normAutofit/>
+          </a:bodyPr>
+          <a:lstStyle/>
+          <a:p>
+            <a:pPr algn="ctr"/>
+            <a:r>
+              <a:rPr lang="en-GB" noProof="0" dirty="0"/>
+              <a:t>RNA-dependent proteins</a:t>
+            </a:r>
+            <a:endParaRPr lang="en-GB" sz="2800" noProof="0" dirty="0"/>
+          </a:p>
+        </p:txBody>
+      </p:sp>
+      <p:pic>
+        <p:nvPicPr>
+          <p:cNvPr id="6" name="Picture 5" descr="A cartoon of a ladder and a tree&#10;&#10;AI-generated content may be incorrect.">
+            <a:extLst>
+              <a:ext uri="{FF2B5EF4-FFF2-40B4-BE49-F238E27FC236}">
+                <a16:creationId xmlns:a16="http://schemas.microsoft.com/office/drawing/2014/main" id="{396D2326-6A34-8546-E077-3E24C6FC9960}"/>
+              </a:ext>
+            </a:extLst>
+          </p:cNvPr>
+          <p:cNvPicPr>
+            <a:picLocks noChangeAspect="1"/>
+          </p:cNvPicPr>
+          <p:nvPr/>
+        </p:nvPicPr>
+        <p:blipFill>
+          <a:blip r:embed="rId3">
+            <a:extLst>
+              <a:ext uri="{28A0092B-C50C-407E-A947-70E740481C1C}">
+                <a14:useLocalDpi xmlns:a14="http://schemas.microsoft.com/office/drawing/2010/main" val="0"/>
+              </a:ext>
+            </a:extLst>
+          </a:blip>
+          <a:srcRect l="37033" r="1"/>
+          <a:stretch/>
+        </p:blipFill>
+        <p:spPr>
+          <a:xfrm>
+            <a:off x="520409" y="1817081"/>
+            <a:ext cx="3597812" cy="4000108"/>
+          </a:xfrm>
+          <a:prstGeom prst="rect">
+            <a:avLst/>
+          </a:prstGeom>
+        </p:spPr>
+      </p:pic>
+      <p:pic>
+        <p:nvPicPr>
+          <p:cNvPr id="8" name="Picture 7" descr="A diagram of a ladder and brain&#10;&#10;AI-generated content may be incorrect.">
+            <a:extLst>
+              <a:ext uri="{FF2B5EF4-FFF2-40B4-BE49-F238E27FC236}">
+                <a16:creationId xmlns:a16="http://schemas.microsoft.com/office/drawing/2014/main" id="{3FD1A5A0-9772-0167-0EB3-35171872DC8D}"/>
+              </a:ext>
+            </a:extLst>
+          </p:cNvPr>
+          <p:cNvPicPr>
+            <a:picLocks noChangeAspect="1"/>
+          </p:cNvPicPr>
+          <p:nvPr/>
+        </p:nvPicPr>
+        <p:blipFill>
+          <a:blip r:embed="rId4">
+            <a:extLst>
+              <a:ext uri="{28A0092B-C50C-407E-A947-70E740481C1C}">
+                <a14:useLocalDpi xmlns:a14="http://schemas.microsoft.com/office/drawing/2010/main" val="0"/>
+              </a:ext>
+            </a:extLst>
+          </a:blip>
+          <a:srcRect l="37040"/>
+          <a:stretch/>
+        </p:blipFill>
+        <p:spPr>
+          <a:xfrm>
+            <a:off x="4118221" y="1817082"/>
+            <a:ext cx="3597812" cy="4000108"/>
+          </a:xfrm>
+          <a:prstGeom prst="rect">
+            <a:avLst/>
+          </a:prstGeom>
+        </p:spPr>
+      </p:pic>
+      <p:sp>
+        <p:nvSpPr>
+          <p:cNvPr id="4" name="Textfeld 3">
+            <a:extLst>
+              <a:ext uri="{FF2B5EF4-FFF2-40B4-BE49-F238E27FC236}">
+                <a16:creationId xmlns:a16="http://schemas.microsoft.com/office/drawing/2014/main" id="{C215E2A0-7560-E927-2FA4-818ABFA9F693}"/>
+              </a:ext>
+            </a:extLst>
+          </p:cNvPr>
+          <p:cNvSpPr txBox="1"/>
+          <p:nvPr/>
+        </p:nvSpPr>
+        <p:spPr>
+          <a:xfrm>
+            <a:off x="2896497" y="1355416"/>
+            <a:ext cx="6094206" cy="461665"/>
+          </a:xfrm>
+          <a:prstGeom prst="rect">
+            <a:avLst/>
+          </a:prstGeom>
+          <a:noFill/>
+        </p:spPr>
+        <p:txBody>
+          <a:bodyPr wrap="square">
+            <a:spAutoFit/>
+          </a:bodyPr>
+          <a:lstStyle/>
+          <a:p>
+            <a:pPr algn="ctr"/>
+            <a:r>
+              <a:rPr lang="en-GB" sz="2400" dirty="0"/>
+              <a:t>non-synchronized HeLa cells</a:t>
+            </a:r>
+          </a:p>
+        </p:txBody>
+      </p:sp>
+      <p:sp>
+        <p:nvSpPr>
+          <p:cNvPr id="7" name="Textfeld 6">
+            <a:extLst>
+              <a:ext uri="{FF2B5EF4-FFF2-40B4-BE49-F238E27FC236}">
+                <a16:creationId xmlns:a16="http://schemas.microsoft.com/office/drawing/2014/main" id="{7BA205B4-B358-94B7-D49C-A842E966CCDF}"/>
+              </a:ext>
+            </a:extLst>
+          </p:cNvPr>
+          <p:cNvSpPr txBox="1"/>
+          <p:nvPr/>
+        </p:nvSpPr>
+        <p:spPr>
+          <a:xfrm>
+            <a:off x="8219068" y="2455596"/>
+            <a:ext cx="3247217" cy="2677656"/>
+          </a:xfrm>
+          <a:prstGeom prst="rect">
+            <a:avLst/>
+          </a:prstGeom>
+          <a:noFill/>
+        </p:spPr>
+        <p:txBody>
+          <a:bodyPr wrap="square">
+            <a:spAutoFit/>
+          </a:bodyPr>
+          <a:lstStyle/>
+          <a:p>
+            <a:pPr marL="342900" indent="-342900">
+              <a:buFont typeface="Arial" panose="020B0604020202020204" pitchFamily="34" charset="0"/>
+              <a:buChar char="•"/>
+            </a:pPr>
+            <a:r>
+              <a:rPr lang="de-DE" sz="2400" dirty="0"/>
+              <a:t>RNA </a:t>
+            </a:r>
+            <a:r>
+              <a:rPr lang="de-DE" sz="2400" dirty="0" err="1"/>
+              <a:t>metabolism</a:t>
+            </a:r>
+            <a:r>
+              <a:rPr lang="de-DE" sz="2400" dirty="0"/>
+              <a:t> &amp; </a:t>
+            </a:r>
+            <a:r>
+              <a:rPr lang="de-DE" sz="2400" dirty="0" err="1"/>
+              <a:t>regulation</a:t>
+            </a:r>
+            <a:r>
+              <a:rPr lang="de-DE" sz="2400" dirty="0"/>
+              <a:t> </a:t>
+            </a:r>
+            <a:r>
+              <a:rPr lang="de-DE" sz="2400" dirty="0" err="1"/>
+              <a:t>of</a:t>
+            </a:r>
+            <a:r>
+              <a:rPr lang="de-DE" sz="2400" dirty="0"/>
+              <a:t> </a:t>
+            </a:r>
+            <a:r>
+              <a:rPr lang="de-DE" sz="2400" dirty="0" err="1"/>
+              <a:t>gene</a:t>
+            </a:r>
+            <a:r>
+              <a:rPr lang="de-DE" sz="2400" dirty="0"/>
+              <a:t> </a:t>
+            </a:r>
+            <a:r>
+              <a:rPr lang="de-DE" sz="2400" dirty="0" err="1"/>
+              <a:t>expression</a:t>
+            </a:r>
+            <a:endParaRPr lang="de-DE" sz="2400" dirty="0"/>
+          </a:p>
+          <a:p>
+            <a:pPr marL="342900" indent="-342900">
+              <a:buFont typeface="Arial" panose="020B0604020202020204" pitchFamily="34" charset="0"/>
+              <a:buChar char="•"/>
+            </a:pPr>
+            <a:r>
+              <a:rPr lang="de-DE" sz="2400" dirty="0" err="1"/>
+              <a:t>Defects</a:t>
+            </a:r>
+            <a:r>
+              <a:rPr lang="de-DE" sz="2400" dirty="0"/>
+              <a:t> </a:t>
+            </a:r>
+            <a:r>
+              <a:rPr lang="de-DE" sz="2400" dirty="0" err="1"/>
+              <a:t>are</a:t>
+            </a:r>
+            <a:r>
+              <a:rPr lang="de-DE" sz="2400" dirty="0"/>
+              <a:t> </a:t>
+            </a:r>
+            <a:r>
+              <a:rPr lang="de-DE" sz="2400" dirty="0" err="1"/>
+              <a:t>linked</a:t>
+            </a:r>
+            <a:r>
+              <a:rPr lang="de-DE" sz="2400" dirty="0"/>
+              <a:t> </a:t>
+            </a:r>
+            <a:r>
+              <a:rPr lang="de-DE" sz="2400" dirty="0" err="1"/>
+              <a:t>to</a:t>
+            </a:r>
+            <a:r>
+              <a:rPr lang="de-DE" sz="2400" dirty="0"/>
+              <a:t>  neurodegenerative </a:t>
+            </a:r>
+            <a:r>
+              <a:rPr lang="de-DE" sz="2400" dirty="0" err="1"/>
+              <a:t>disorders</a:t>
+            </a:r>
+            <a:r>
+              <a:rPr lang="de-DE" sz="2400" dirty="0"/>
+              <a:t> and </a:t>
+            </a:r>
+            <a:r>
+              <a:rPr lang="de-DE" sz="2400" dirty="0" err="1"/>
+              <a:t>cancer</a:t>
+            </a:r>
+            <a:r>
+              <a:rPr lang="de-DE" sz="2400" dirty="0"/>
+              <a:t> </a:t>
+            </a:r>
+            <a:endParaRPr lang="de-DE" dirty="0"/>
+          </a:p>
+        </p:txBody>
+      </p:sp>
+    </p:spTree>
+    <p:extLst>
+      <p:ext uri="{BB962C8B-B14F-4D97-AF65-F5344CB8AC3E}">
+        <p14:creationId xmlns:p14="http://schemas.microsoft.com/office/powerpoint/2010/main" val="2817312223"/>
+      </p:ext>
+    </p:extLst>
+  </p:cSld>
+  <p:clrMapOvr>
+    <a:masterClrMapping/>
+  </p:clrMapOvr>
+  <p:timing>
+    <p:tnLst>
+      <p:par>
+        <p:cTn id="1" dur="indefinite" restart="never" nodeType="tmRoot">
+          <p:childTnLst>
+            <p:seq concurrent="1" nextAc="seek">
+              <p:cTn id="2" dur="indefinite" nodeType="mainSeq">
+                <p:childTnLst>
+                  <p:par>
+                    <p:cTn id="3" fill="hold">
+                      <p:stCondLst>
+                        <p:cond delay="indefinite"/>
+                      </p:stCondLst>
+                      <p:childTnLst>
+                        <p:par>
+                          <p:cTn id="4" fill="hold">
+                            <p:stCondLst>
+                              <p:cond delay="0"/>
+                            </p:stCondLst>
+                            <p:childTnLst>
+                              <p:par>
+                                <p:cTn id="5" presetID="1" presetClass="entr" presetSubtype="0" fill="hold" nodeType="clickEffect">
+                                  <p:stCondLst>
+                                    <p:cond delay="0"/>
+                                  </p:stCondLst>
+                                  <p:childTnLst>
+                                    <p:set>
+                                      <p:cBhvr>
+                                        <p:cTn id="6" dur="1" fill="hold">
+                                          <p:stCondLst>
+                                            <p:cond delay="0"/>
+                                          </p:stCondLst>
+                                        </p:cTn>
+                                        <p:tgtEl>
+                                          <p:spTgt spid="7">
+                                            <p:txEl>
+                                              <p:pRg st="0" end="0"/>
+                                            </p:txEl>
+                                          </p:spTgt>
+                                        </p:tgtEl>
+                                        <p:attrNameLst>
+                                          <p:attrName>style.visibility</p:attrName>
+                                        </p:attrNameLst>
+                                      </p:cBhvr>
+                                      <p:to>
+                                        <p:strVal val="visible"/>
+                                      </p:to>
+                                    </p:set>
+                                  </p:childTnLst>
+                                </p:cTn>
+                              </p:par>
+                            </p:childTnLst>
+                          </p:cTn>
+                        </p:par>
+                      </p:childTnLst>
+                    </p:cTn>
+                  </p:par>
+                  <p:par>
+                    <p:cTn id="7" fill="hold">
+                      <p:stCondLst>
+                        <p:cond delay="indefinite"/>
+                      </p:stCondLst>
+                      <p:childTnLst>
+                        <p:par>
+                          <p:cTn id="8" fill="hold">
+                            <p:stCondLst>
+                              <p:cond delay="0"/>
+                            </p:stCondLst>
+                            <p:childTnLst>
+                              <p:par>
+                                <p:cTn id="9" presetID="1" presetClass="entr" presetSubtype="0" fill="hold" nodeType="clickEffect">
+                                  <p:stCondLst>
+                                    <p:cond delay="0"/>
+                                  </p:stCondLst>
+                                  <p:childTnLst>
+                                    <p:set>
+                                      <p:cBhvr>
+                                        <p:cTn id="10" dur="1" fill="hold">
+                                          <p:stCondLst>
+                                            <p:cond delay="0"/>
+                                          </p:stCondLst>
+                                        </p:cTn>
+                                        <p:tgtEl>
+                                          <p:spTgt spid="7">
+                                            <p:txEl>
+                                              <p:pRg st="1" end="1"/>
+                                            </p:txEl>
+                                          </p:spTgt>
+                                        </p:tgtEl>
+                                        <p:attrNameLst>
+                                          <p:attrName>style.visibility</p:attrName>
+                                        </p:attrNameLst>
+                                      </p:cBhvr>
+                                      <p:to>
+                                        <p:strVal val="visible"/>
+                                      </p:to>
+                                    </p:set>
+                                  </p:childTnLst>
+                                </p:cTn>
+                              </p:par>
+                            </p:childTnLst>
+                          </p:cTn>
+                        </p:par>
+                      </p:childTnLst>
+                    </p:cTn>
+                  </p:par>
+                </p:childTnLst>
+              </p:cTn>
+              <p:prevCondLst>
+                <p:cond evt="onPrev" delay="0">
+                  <p:tgtEl>
+                    <p:sldTgt/>
+                  </p:tgtEl>
+                </p:cond>
+              </p:prevCondLst>
+              <p:nextCondLst>
+                <p:cond evt="onNext" delay="0">
+                  <p:tgtEl>
+                    <p:sldTgt/>
+                  </p:tgtEl>
+                </p:cond>
+              </p:nextCondLst>
+            </p:seq>
+          </p:childTnLst>
+        </p:cTn>
+      </p:par>
+    </p:tnLst>
+  </p:timing>
+</p:sld>
+</file>
+
+<file path=ppt/slides/slide3.xml><?xml version="1.0" encoding="utf-8"?>
+<p:sld xmlns:a="http://schemas.openxmlformats.org/drawingml/2006/main" xmlns:r="http://schemas.openxmlformats.org/officeDocument/2006/relationships" xmlns:p="http://schemas.openxmlformats.org/presentationml/2006/main">
+  <p:cSld>
+    <p:spTree>
+      <p:nvGrpSpPr>
+        <p:cNvPr id="1" name="">
+          <a:extLst>
+            <a:ext uri="{FF2B5EF4-FFF2-40B4-BE49-F238E27FC236}">
               <a16:creationId xmlns:a16="http://schemas.microsoft.com/office/drawing/2014/main" id="{321B6A4F-2666-3D27-E198-AE0F72A47203}"/>
             </a:ext>
           </a:extLst>
@@ -8624,8 +10730,8 @@
         </p:blipFill>
         <p:spPr>
           <a:xfrm>
-            <a:off x="5309419" y="1332657"/>
-            <a:ext cx="6728673" cy="4053130"/>
+            <a:off x="5309419" y="1450485"/>
+            <a:ext cx="6565709" cy="3954966"/>
           </a:xfrm>
           <a:prstGeom prst="rect">
             <a:avLst/>
@@ -9000,7 +11106,7 @@
         </p:nvSpPr>
         <p:spPr>
           <a:xfrm>
-            <a:off x="2220225" y="5564489"/>
+            <a:off x="2220225" y="5603817"/>
             <a:ext cx="7675615" cy="551831"/>
           </a:xfrm>
           <a:prstGeom prst="rect">
@@ -9438,7 +11544,7 @@
         </p:nvSpPr>
         <p:spPr>
           <a:xfrm>
-            <a:off x="5309419" y="1332657"/>
+            <a:off x="5309419" y="1480491"/>
             <a:ext cx="227781" cy="369332"/>
           </a:xfrm>
           <a:prstGeom prst="rect">
@@ -9769,7 +11875,7 @@
 </p:sld>
 </file>
 
-<file path=ppt/slides/slide3.xml><?xml version="1.0" encoding="utf-8"?>
+<file path=ppt/slides/slide4.xml><?xml version="1.0" encoding="utf-8"?>
 <p:sld xmlns:a="http://schemas.openxmlformats.org/drawingml/2006/main" xmlns:r="http://schemas.openxmlformats.org/officeDocument/2006/relationships" xmlns:p="http://schemas.openxmlformats.org/presentationml/2006/main">
   <p:cSld>
     <p:spTree>
@@ -10835,7 +12941,7 @@
 </p:sld>
 </file>
 
-<file path=ppt/slides/slide4.xml><?xml version="1.0" encoding="utf-8"?>
+<file path=ppt/slides/slide5.xml><?xml version="1.0" encoding="utf-8"?>
 <p:sld xmlns:a="http://schemas.openxmlformats.org/drawingml/2006/main" xmlns:r="http://schemas.openxmlformats.org/officeDocument/2006/relationships" xmlns:p="http://schemas.openxmlformats.org/presentationml/2006/main">
   <p:cSld>
     <p:spTree>
@@ -11664,7 +13770,7 @@
 </p:sld>
 </file>
 
-<file path=ppt/slides/slide5.xml><?xml version="1.0" encoding="utf-8"?>
+<file path=ppt/slides/slide6.xml><?xml version="1.0" encoding="utf-8"?>
 <p:sld xmlns:a="http://schemas.openxmlformats.org/drawingml/2006/main" xmlns:r="http://schemas.openxmlformats.org/officeDocument/2006/relationships" xmlns:p="http://schemas.openxmlformats.org/presentationml/2006/main">
   <p:cSld>
     <p:spTree>
@@ -11817,7 +13923,7 @@
 </p:sld>
 </file>
 
-<file path=ppt/slides/slide6.xml><?xml version="1.0" encoding="utf-8"?>
+<file path=ppt/slides/slide7.xml><?xml version="1.0" encoding="utf-8"?>
 <p:sld xmlns:a="http://schemas.openxmlformats.org/drawingml/2006/main" xmlns:r="http://schemas.openxmlformats.org/officeDocument/2006/relationships" xmlns:p="http://schemas.openxmlformats.org/presentationml/2006/main">
   <p:cSld>
     <p:spTree>
@@ -12748,7 +14854,7 @@
 </p:sld>
 </file>
 
-<file path=ppt/slides/slide7.xml><?xml version="1.0" encoding="utf-8"?>
+<file path=ppt/slides/slide8.xml><?xml version="1.0" encoding="utf-8"?>
 <p:sld xmlns:a="http://schemas.openxmlformats.org/drawingml/2006/main" xmlns:r="http://schemas.openxmlformats.org/officeDocument/2006/relationships" xmlns:p="http://schemas.openxmlformats.org/presentationml/2006/main">
   <p:cSld>
     <p:spTree>
@@ -13572,7 +15678,7 @@
 </p:sld>
 </file>
 
-<file path=ppt/slides/slide8.xml><?xml version="1.0" encoding="utf-8"?>
+<file path=ppt/slides/slide9.xml><?xml version="1.0" encoding="utf-8"?>
 <p:sld xmlns:a="http://schemas.openxmlformats.org/drawingml/2006/main" xmlns:r="http://schemas.openxmlformats.org/officeDocument/2006/relationships" xmlns:p="http://schemas.openxmlformats.org/presentationml/2006/main">
   <p:cSld>
     <p:spTree>
@@ -14308,126 +16414,6 @@
 </p:sld>
 </file>
 
-<file path=ppt/slides/slide9.xml><?xml version="1.0" encoding="utf-8"?>
-<p:sld xmlns:a="http://schemas.openxmlformats.org/drawingml/2006/main" xmlns:r="http://schemas.openxmlformats.org/officeDocument/2006/relationships" xmlns:p="http://schemas.openxmlformats.org/presentationml/2006/main">
-  <p:cSld>
-    <p:spTree>
-      <p:nvGrpSpPr>
-        <p:cNvPr id="1" name=""/>
-        <p:cNvGrpSpPr/>
-        <p:nvPr/>
-      </p:nvGrpSpPr>
-      <p:grpSpPr>
-        <a:xfrm>
-          <a:off x="0" y="0"/>
-          <a:ext cx="0" cy="0"/>
-          <a:chOff x="0" y="0"/>
-          <a:chExt cx="0" cy="0"/>
-        </a:xfrm>
-      </p:grpSpPr>
-      <p:pic>
-        <p:nvPicPr>
-          <p:cNvPr id="2" name="Picture 1" descr="A comparison of a graph&#10;&#10;AI-generated content may be incorrect.">
-            <a:extLst>
-              <a:ext uri="{FF2B5EF4-FFF2-40B4-BE49-F238E27FC236}">
-                <a16:creationId xmlns:a16="http://schemas.microsoft.com/office/drawing/2014/main" id="{4A73FD8A-1DFB-7CC1-7CFB-C06F98CBF7F8}"/>
-              </a:ext>
-            </a:extLst>
-          </p:cNvPr>
-          <p:cNvPicPr>
-            <a:picLocks noChangeAspect="1"/>
-          </p:cNvPicPr>
-          <p:nvPr/>
-        </p:nvPicPr>
-        <p:blipFill>
-          <a:blip r:embed="rId2">
-            <a:extLst>
-              <a:ext uri="{28A0092B-C50C-407E-A947-70E740481C1C}">
-                <a14:useLocalDpi xmlns:a14="http://schemas.microsoft.com/office/drawing/2010/main" val="0"/>
-              </a:ext>
-            </a:extLst>
-          </a:blip>
-          <a:srcRect t="5391"/>
-          <a:stretch/>
-        </p:blipFill>
-        <p:spPr>
-          <a:xfrm>
-            <a:off x="860288" y="1253880"/>
-            <a:ext cx="10471424" cy="4350240"/>
-          </a:xfrm>
-          <a:prstGeom prst="rect">
-            <a:avLst/>
-          </a:prstGeom>
-        </p:spPr>
-      </p:pic>
-      <p:sp>
-        <p:nvSpPr>
-          <p:cNvPr id="3" name="TextBox 2">
-            <a:extLst>
-              <a:ext uri="{FF2B5EF4-FFF2-40B4-BE49-F238E27FC236}">
-                <a16:creationId xmlns:a16="http://schemas.microsoft.com/office/drawing/2014/main" id="{6D65A147-8C7A-6117-BA6C-A252DC013A91}"/>
-              </a:ext>
-            </a:extLst>
-          </p:cNvPr>
-          <p:cNvSpPr txBox="1"/>
-          <p:nvPr/>
-        </p:nvSpPr>
-        <p:spPr>
-          <a:xfrm>
-            <a:off x="860288" y="5716978"/>
-            <a:ext cx="4572000" cy="246221"/>
-          </a:xfrm>
-          <a:prstGeom prst="rect">
-            <a:avLst/>
-          </a:prstGeom>
-          <a:noFill/>
-        </p:spPr>
-        <p:txBody>
-          <a:bodyPr wrap="square" rtlCol="0">
-            <a:spAutoFit/>
-          </a:bodyPr>
-          <a:lstStyle/>
-          <a:p>
-            <a:r>
-              <a:rPr lang="en-GB" sz="1000" u="sng" noProof="0" dirty="0" err="1"/>
-              <a:t>Bioinfo</a:t>
-            </a:r>
-            <a:r>
-              <a:rPr lang="en-GB" sz="1000" u="sng" noProof="0" dirty="0"/>
-              <a:t>-Slides </a:t>
-            </a:r>
-            <a:r>
-              <a:rPr lang="en-GB" sz="1000" u="sng" noProof="0" dirty="0" err="1"/>
-              <a:t>aus</a:t>
-            </a:r>
-            <a:r>
-              <a:rPr lang="en-GB" sz="1000" u="sng" noProof="0" dirty="0"/>
-              <a:t> </a:t>
-            </a:r>
-            <a:r>
-              <a:rPr lang="en-GB" sz="1000" u="sng" noProof="0" dirty="0" err="1"/>
-              <a:t>dem</a:t>
-            </a:r>
-            <a:r>
-              <a:rPr lang="en-GB" sz="1000" u="sng" noProof="0" dirty="0"/>
-              <a:t> 3. Semester</a:t>
-            </a:r>
-          </a:p>
-        </p:txBody>
-      </p:sp>
-    </p:spTree>
-    <p:extLst>
-      <p:ext uri="{BB962C8B-B14F-4D97-AF65-F5344CB8AC3E}">
-        <p14:creationId xmlns:p14="http://schemas.microsoft.com/office/powerpoint/2010/main" val="3608344811"/>
-      </p:ext>
-    </p:extLst>
-  </p:cSld>
-  <p:clrMapOvr>
-    <a:masterClrMapping/>
-  </p:clrMapOvr>
-</p:sld>
-</file>
-
 <file path=ppt/theme/theme1.xml><?xml version="1.0" encoding="utf-8"?>
 <a:theme xmlns:a="http://schemas.openxmlformats.org/drawingml/2006/main" name="Office Theme">
   <a:themeElements>
@@ -14741,4 +16727,319 @@
     </a:ext>
   </a:extLst>
 </a:theme>
+</file>
+
+<file path=ppt/theme/theme2.xml><?xml version="1.0" encoding="utf-8"?>
+<a:theme xmlns:a="http://schemas.openxmlformats.org/drawingml/2006/main" name="Office">
+  <a:themeElements>
+    <a:clrScheme name="Office">
+      <a:dk1>
+        <a:sysClr val="windowText" lastClr="000000"/>
+      </a:dk1>
+      <a:lt1>
+        <a:sysClr val="window" lastClr="FFFFFF"/>
+      </a:lt1>
+      <a:dk2>
+        <a:srgbClr val="0E2841"/>
+      </a:dk2>
+      <a:lt2>
+        <a:srgbClr val="E8E8E8"/>
+      </a:lt2>
+      <a:accent1>
+        <a:srgbClr val="156082"/>
+      </a:accent1>
+      <a:accent2>
+        <a:srgbClr val="E97132"/>
+      </a:accent2>
+      <a:accent3>
+        <a:srgbClr val="196B24"/>
+      </a:accent3>
+      <a:accent4>
+        <a:srgbClr val="0F9ED5"/>
+      </a:accent4>
+      <a:accent5>
+        <a:srgbClr val="A02B93"/>
+      </a:accent5>
+      <a:accent6>
+        <a:srgbClr val="4EA72E"/>
+      </a:accent6>
+      <a:hlink>
+        <a:srgbClr val="467886"/>
+      </a:hlink>
+      <a:folHlink>
+        <a:srgbClr val="96607D"/>
+      </a:folHlink>
+    </a:clrScheme>
+    <a:fontScheme name="Office">
+      <a:majorFont>
+        <a:latin typeface="Aptos Display" panose="02110004020202020204"/>
+        <a:ea typeface=""/>
+        <a:cs typeface=""/>
+        <a:font script="Jpan" typeface="游ゴシック Light"/>
+        <a:font script="Hang" typeface="맑은 고딕"/>
+        <a:font script="Hans" typeface="等线 Light"/>
+        <a:font script="Hant" typeface="新細明體"/>
+        <a:font script="Arab" typeface="Times New Roman"/>
+        <a:font script="Hebr" typeface="Times New Roman"/>
+        <a:font script="Thai" typeface="Angsana New"/>
+        <a:font script="Ethi" typeface="Nyala"/>
+        <a:font script="Beng" typeface="Vrinda"/>
+        <a:font script="Gujr" typeface="Shruti"/>
+        <a:font script="Khmr" typeface="MoolBoran"/>
+        <a:font script="Knda" typeface="Tunga"/>
+        <a:font script="Guru" typeface="Raavi"/>
+        <a:font script="Cans" typeface="Euphemia"/>
+        <a:font script="Cher" typeface="Plantagenet Cherokee"/>
+        <a:font script="Yiii" typeface="Microsoft Yi Baiti"/>
+        <a:font script="Tibt" typeface="Microsoft Himalaya"/>
+        <a:font script="Thaa" typeface="MV Boli"/>
+        <a:font script="Deva" typeface="Mangal"/>
+        <a:font script="Telu" typeface="Gautami"/>
+        <a:font script="Taml" typeface="Latha"/>
+        <a:font script="Syrc" typeface="Estrangelo Edessa"/>
+        <a:font script="Orya" typeface="Kalinga"/>
+        <a:font script="Mlym" typeface="Kartika"/>
+        <a:font script="Laoo" typeface="DokChampa"/>
+        <a:font script="Sinh" typeface="Iskoola Pota"/>
+        <a:font script="Mong" typeface="Mongolian Baiti"/>
+        <a:font script="Viet" typeface="Times New Roman"/>
+        <a:font script="Uigh" typeface="Microsoft Uighur"/>
+        <a:font script="Geor" typeface="Sylfaen"/>
+        <a:font script="Armn" typeface="Arial"/>
+        <a:font script="Bugi" typeface="Leelawadee UI"/>
+        <a:font script="Bopo" typeface="Microsoft JhengHei"/>
+        <a:font script="Java" typeface="Javanese Text"/>
+        <a:font script="Lisu" typeface="Segoe UI"/>
+        <a:font script="Mymr" typeface="Myanmar Text"/>
+        <a:font script="Nkoo" typeface="Ebrima"/>
+        <a:font script="Olck" typeface="Nirmala UI"/>
+        <a:font script="Osma" typeface="Ebrima"/>
+        <a:font script="Phag" typeface="Phagspa"/>
+        <a:font script="Syrn" typeface="Estrangelo Edessa"/>
+        <a:font script="Syrj" typeface="Estrangelo Edessa"/>
+        <a:font script="Syre" typeface="Estrangelo Edessa"/>
+        <a:font script="Sora" typeface="Nirmala UI"/>
+        <a:font script="Tale" typeface="Microsoft Tai Le"/>
+        <a:font script="Talu" typeface="Microsoft New Tai Lue"/>
+        <a:font script="Tfng" typeface="Ebrima"/>
+      </a:majorFont>
+      <a:minorFont>
+        <a:latin typeface="Aptos" panose="02110004020202020204"/>
+        <a:ea typeface=""/>
+        <a:cs typeface=""/>
+        <a:font script="Jpan" typeface="游ゴシック"/>
+        <a:font script="Hang" typeface="맑은 고딕"/>
+        <a:font script="Hans" typeface="等线"/>
+        <a:font script="Hant" typeface="新細明體"/>
+        <a:font script="Arab" typeface="Arial"/>
+        <a:font script="Hebr" typeface="Arial"/>
+        <a:font script="Thai" typeface="Cordia New"/>
+        <a:font script="Ethi" typeface="Nyala"/>
+        <a:font script="Beng" typeface="Vrinda"/>
+        <a:font script="Gujr" typeface="Shruti"/>
+        <a:font script="Khmr" typeface="DaunPenh"/>
+        <a:font script="Knda" typeface="Tunga"/>
+        <a:font script="Guru" typeface="Raavi"/>
+        <a:font script="Cans" typeface="Euphemia"/>
+        <a:font script="Cher" typeface="Plantagenet Cherokee"/>
+        <a:font script="Yiii" typeface="Microsoft Yi Baiti"/>
+        <a:font script="Tibt" typeface="Microsoft Himalaya"/>
+        <a:font script="Thaa" typeface="MV Boli"/>
+        <a:font script="Deva" typeface="Mangal"/>
+        <a:font script="Telu" typeface="Gautami"/>
+        <a:font script="Taml" typeface="Latha"/>
+        <a:font script="Syrc" typeface="Estrangelo Edessa"/>
+        <a:font script="Orya" typeface="Kalinga"/>
+        <a:font script="Mlym" typeface="Kartika"/>
+        <a:font script="Laoo" typeface="DokChampa"/>
+        <a:font script="Sinh" typeface="Iskoola Pota"/>
+        <a:font script="Mong" typeface="Mongolian Baiti"/>
+        <a:font script="Viet" typeface="Arial"/>
+        <a:font script="Uigh" typeface="Microsoft Uighur"/>
+        <a:font script="Geor" typeface="Sylfaen"/>
+        <a:font script="Armn" typeface="Arial"/>
+        <a:font script="Bugi" typeface="Leelawadee UI"/>
+        <a:font script="Bopo" typeface="Microsoft JhengHei"/>
+        <a:font script="Java" typeface="Javanese Text"/>
+        <a:font script="Lisu" typeface="Segoe UI"/>
+        <a:font script="Mymr" typeface="Myanmar Text"/>
+        <a:font script="Nkoo" typeface="Ebrima"/>
+        <a:font script="Olck" typeface="Nirmala UI"/>
+        <a:font script="Osma" typeface="Ebrima"/>
+        <a:font script="Phag" typeface="Phagspa"/>
+        <a:font script="Syrn" typeface="Estrangelo Edessa"/>
+        <a:font script="Syrj" typeface="Estrangelo Edessa"/>
+        <a:font script="Syre" typeface="Estrangelo Edessa"/>
+        <a:font script="Sora" typeface="Nirmala UI"/>
+        <a:font script="Tale" typeface="Microsoft Tai Le"/>
+        <a:font script="Talu" typeface="Microsoft New Tai Lue"/>
+        <a:font script="Tfng" typeface="Ebrima"/>
+      </a:minorFont>
+    </a:fontScheme>
+    <a:fmtScheme name="Office">
+      <a:fillStyleLst>
+        <a:solidFill>
+          <a:schemeClr val="phClr"/>
+        </a:solidFill>
+        <a:gradFill rotWithShape="1">
+          <a:gsLst>
+            <a:gs pos="0">
+              <a:schemeClr val="phClr">
+                <a:lumMod val="110000"/>
+                <a:satMod val="105000"/>
+                <a:tint val="67000"/>
+              </a:schemeClr>
+            </a:gs>
+            <a:gs pos="50000">
+              <a:schemeClr val="phClr">
+                <a:lumMod val="105000"/>
+                <a:satMod val="103000"/>
+                <a:tint val="73000"/>
+              </a:schemeClr>
+            </a:gs>
+            <a:gs pos="100000">
+              <a:schemeClr val="phClr">
+                <a:lumMod val="105000"/>
+                <a:satMod val="109000"/>
+                <a:tint val="81000"/>
+              </a:schemeClr>
+            </a:gs>
+          </a:gsLst>
+          <a:lin ang="5400000" scaled="0"/>
+        </a:gradFill>
+        <a:gradFill rotWithShape="1">
+          <a:gsLst>
+            <a:gs pos="0">
+              <a:schemeClr val="phClr">
+                <a:satMod val="103000"/>
+                <a:lumMod val="102000"/>
+                <a:tint val="94000"/>
+              </a:schemeClr>
+            </a:gs>
+            <a:gs pos="50000">
+              <a:schemeClr val="phClr">
+                <a:satMod val="110000"/>
+                <a:lumMod val="100000"/>
+                <a:shade val="100000"/>
+              </a:schemeClr>
+            </a:gs>
+            <a:gs pos="100000">
+              <a:schemeClr val="phClr">
+                <a:lumMod val="99000"/>
+                <a:satMod val="120000"/>
+                <a:shade val="78000"/>
+              </a:schemeClr>
+            </a:gs>
+          </a:gsLst>
+          <a:lin ang="5400000" scaled="0"/>
+        </a:gradFill>
+      </a:fillStyleLst>
+      <a:lnStyleLst>
+        <a:ln w="12700" cap="flat" cmpd="sng" algn="ctr">
+          <a:solidFill>
+            <a:schemeClr val="phClr"/>
+          </a:solidFill>
+          <a:prstDash val="solid"/>
+          <a:miter lim="800000"/>
+        </a:ln>
+        <a:ln w="19050" cap="flat" cmpd="sng" algn="ctr">
+          <a:solidFill>
+            <a:schemeClr val="phClr"/>
+          </a:solidFill>
+          <a:prstDash val="solid"/>
+          <a:miter lim="800000"/>
+        </a:ln>
+        <a:ln w="25400" cap="flat" cmpd="sng" algn="ctr">
+          <a:solidFill>
+            <a:schemeClr val="phClr"/>
+          </a:solidFill>
+          <a:prstDash val="solid"/>
+          <a:miter lim="800000"/>
+        </a:ln>
+      </a:lnStyleLst>
+      <a:effectStyleLst>
+        <a:effectStyle>
+          <a:effectLst/>
+        </a:effectStyle>
+        <a:effectStyle>
+          <a:effectLst/>
+        </a:effectStyle>
+        <a:effectStyle>
+          <a:effectLst>
+            <a:outerShdw blurRad="57150" dist="19050" dir="5400000" algn="ctr" rotWithShape="0">
+              <a:srgbClr val="000000">
+                <a:alpha val="63000"/>
+              </a:srgbClr>
+            </a:outerShdw>
+          </a:effectLst>
+        </a:effectStyle>
+      </a:effectStyleLst>
+      <a:bgFillStyleLst>
+        <a:solidFill>
+          <a:schemeClr val="phClr"/>
+        </a:solidFill>
+        <a:solidFill>
+          <a:schemeClr val="phClr">
+            <a:tint val="95000"/>
+            <a:satMod val="170000"/>
+          </a:schemeClr>
+        </a:solidFill>
+        <a:gradFill rotWithShape="1">
+          <a:gsLst>
+            <a:gs pos="0">
+              <a:schemeClr val="phClr">
+                <a:tint val="93000"/>
+                <a:satMod val="150000"/>
+                <a:shade val="98000"/>
+                <a:lumMod val="102000"/>
+              </a:schemeClr>
+            </a:gs>
+            <a:gs pos="50000">
+              <a:schemeClr val="phClr">
+                <a:tint val="98000"/>
+                <a:satMod val="130000"/>
+                <a:shade val="90000"/>
+                <a:lumMod val="103000"/>
+              </a:schemeClr>
+            </a:gs>
+            <a:gs pos="100000">
+              <a:schemeClr val="phClr">
+                <a:shade val="63000"/>
+                <a:satMod val="120000"/>
+              </a:schemeClr>
+            </a:gs>
+          </a:gsLst>
+          <a:lin ang="5400000" scaled="0"/>
+        </a:gradFill>
+      </a:bgFillStyleLst>
+    </a:fmtScheme>
+  </a:themeElements>
+  <a:objectDefaults>
+    <a:lnDef>
+      <a:spPr/>
+      <a:bodyPr/>
+      <a:lstStyle/>
+      <a:style>
+        <a:lnRef idx="2">
+          <a:schemeClr val="accent1"/>
+        </a:lnRef>
+        <a:fillRef idx="0">
+          <a:schemeClr val="accent1"/>
+        </a:fillRef>
+        <a:effectRef idx="1">
+          <a:schemeClr val="accent1"/>
+        </a:effectRef>
+        <a:fontRef idx="minor">
+          <a:schemeClr val="tx1"/>
+        </a:fontRef>
+      </a:style>
+    </a:lnDef>
+  </a:objectDefaults>
+  <a:extraClrSchemeLst/>
+  <a:extLst>
+    <a:ext uri="{05A4C25C-085E-4340-85A3-A5531E510DB2}">
+      <thm15:themeFamily xmlns:thm15="http://schemas.microsoft.com/office/thememl/2012/main" name="Office Theme" id="{2E142A2C-CD16-42D6-873A-C26D2A0506FA}" vid="{1BDDFF52-6CD6-40A5-AB3C-68EB2F1E4D0A}"/>
+    </a:ext>
+  </a:extLst>
+</a:theme>
 </file>
--- a/Project Proposal Ben.pptx
+++ b/Project Proposal Ben.pptx
@@ -373,7 +373,7 @@
           <a:p>
             <a:fld id="{5CE5EABD-9B00-4D4A-AB75-54D2757912B9}" type="slidenum">
               <a:rPr lang="de-DE" smtClean="0"/>
-              <a:t>‹Nr.›</a:t>
+              <a:t>‹#›</a:t>
             </a:fld>
             <a:endParaRPr lang="de-DE"/>
           </a:p>
@@ -1534,7 +1534,7 @@
           <a:p>
             <a:fld id="{76CD8E94-8180-4651-B6B5-5A5ABA3C85A7}" type="slidenum">
               <a:rPr lang="de-DE" smtClean="0"/>
-              <a:t>‹Nr.›</a:t>
+              <a:t>‹#›</a:t>
             </a:fld>
             <a:endParaRPr lang="de-DE"/>
           </a:p>
@@ -1734,7 +1734,7 @@
           <a:p>
             <a:fld id="{76CD8E94-8180-4651-B6B5-5A5ABA3C85A7}" type="slidenum">
               <a:rPr lang="de-DE" smtClean="0"/>
-              <a:t>‹Nr.›</a:t>
+              <a:t>‹#›</a:t>
             </a:fld>
             <a:endParaRPr lang="de-DE"/>
           </a:p>
@@ -1944,7 +1944,7 @@
           <a:p>
             <a:fld id="{76CD8E94-8180-4651-B6B5-5A5ABA3C85A7}" type="slidenum">
               <a:rPr lang="de-DE" smtClean="0"/>
-              <a:t>‹Nr.›</a:t>
+              <a:t>‹#›</a:t>
             </a:fld>
             <a:endParaRPr lang="de-DE"/>
           </a:p>
@@ -2144,7 +2144,7 @@
           <a:p>
             <a:fld id="{76CD8E94-8180-4651-B6B5-5A5ABA3C85A7}" type="slidenum">
               <a:rPr lang="de-DE" smtClean="0"/>
-              <a:t>‹Nr.›</a:t>
+              <a:t>‹#›</a:t>
             </a:fld>
             <a:endParaRPr lang="de-DE"/>
           </a:p>
@@ -2420,7 +2420,7 @@
           <a:p>
             <a:fld id="{76CD8E94-8180-4651-B6B5-5A5ABA3C85A7}" type="slidenum">
               <a:rPr lang="de-DE" smtClean="0"/>
-              <a:t>‹Nr.›</a:t>
+              <a:t>‹#›</a:t>
             </a:fld>
             <a:endParaRPr lang="de-DE"/>
           </a:p>
@@ -2688,7 +2688,7 @@
           <a:p>
             <a:fld id="{76CD8E94-8180-4651-B6B5-5A5ABA3C85A7}" type="slidenum">
               <a:rPr lang="de-DE" smtClean="0"/>
-              <a:t>‹Nr.›</a:t>
+              <a:t>‹#›</a:t>
             </a:fld>
             <a:endParaRPr lang="de-DE"/>
           </a:p>
@@ -3103,7 +3103,7 @@
           <a:p>
             <a:fld id="{76CD8E94-8180-4651-B6B5-5A5ABA3C85A7}" type="slidenum">
               <a:rPr lang="de-DE" smtClean="0"/>
-              <a:t>‹Nr.›</a:t>
+              <a:t>‹#›</a:t>
             </a:fld>
             <a:endParaRPr lang="de-DE"/>
           </a:p>
@@ -3245,7 +3245,7 @@
           <a:p>
             <a:fld id="{76CD8E94-8180-4651-B6B5-5A5ABA3C85A7}" type="slidenum">
               <a:rPr lang="de-DE" smtClean="0"/>
-              <a:t>‹Nr.›</a:t>
+              <a:t>‹#›</a:t>
             </a:fld>
             <a:endParaRPr lang="de-DE"/>
           </a:p>
@@ -3358,7 +3358,7 @@
           <a:p>
             <a:fld id="{76CD8E94-8180-4651-B6B5-5A5ABA3C85A7}" type="slidenum">
               <a:rPr lang="de-DE" smtClean="0"/>
-              <a:t>‹Nr.›</a:t>
+              <a:t>‹#›</a:t>
             </a:fld>
             <a:endParaRPr lang="de-DE"/>
           </a:p>
@@ -3671,7 +3671,7 @@
           <a:p>
             <a:fld id="{76CD8E94-8180-4651-B6B5-5A5ABA3C85A7}" type="slidenum">
               <a:rPr lang="de-DE" smtClean="0"/>
-              <a:t>‹Nr.›</a:t>
+              <a:t>‹#›</a:t>
             </a:fld>
             <a:endParaRPr lang="de-DE"/>
           </a:p>
@@ -3960,7 +3960,7 @@
           <a:p>
             <a:fld id="{76CD8E94-8180-4651-B6B5-5A5ABA3C85A7}" type="slidenum">
               <a:rPr lang="de-DE" smtClean="0"/>
-              <a:t>‹Nr.›</a:t>
+              <a:t>‹#›</a:t>
             </a:fld>
             <a:endParaRPr lang="de-DE"/>
           </a:p>
@@ -4239,7 +4239,7 @@
           <a:p>
             <a:fld id="{76CD8E94-8180-4651-B6B5-5A5ABA3C85A7}" type="slidenum">
               <a:rPr lang="de-DE" smtClean="0"/>
-              <a:t>‹Nr.›</a:t>
+              <a:t>‹#›</a:t>
             </a:fld>
             <a:endParaRPr lang="de-DE"/>
           </a:p>
@@ -4754,29 +4754,14 @@
           <a:lstStyle/>
           <a:p>
             <a:r>
-              <a:rPr lang="en-GB" sz="1000" u="sng" noProof="0" dirty="0" err="1"/>
+              <a:rPr lang="en-US" sz="1000" u="sng" noProof="0" dirty="0" err="1"/>
               <a:t>Bioinfo</a:t>
             </a:r>
             <a:r>
-              <a:rPr lang="en-GB" sz="1000" u="sng" noProof="0" dirty="0"/>
-              <a:t>-Slides </a:t>
-            </a:r>
-            <a:r>
-              <a:rPr lang="en-GB" sz="1000" u="sng" noProof="0" dirty="0" err="1"/>
-              <a:t>aus</a:t>
-            </a:r>
-            <a:r>
-              <a:rPr lang="en-GB" sz="1000" u="sng" noProof="0" dirty="0"/>
-              <a:t> </a:t>
-            </a:r>
-            <a:r>
-              <a:rPr lang="en-GB" sz="1000" u="sng" noProof="0" dirty="0" err="1"/>
-              <a:t>dem</a:t>
-            </a:r>
-            <a:r>
-              <a:rPr lang="en-GB" sz="1000" u="sng" noProof="0" dirty="0"/>
-              <a:t> 3. Semester</a:t>
-            </a:r>
+              <a:rPr lang="en-US" sz="1000" u="sng" noProof="0" dirty="0"/>
+              <a:t> slides from the 3rd semester</a:t>
+            </a:r>
+            <a:endParaRPr lang="en-GB" sz="1000" u="sng" noProof="0" dirty="0"/>
           </a:p>
         </p:txBody>
       </p:sp>
@@ -5250,7 +5235,7 @@
           <a:p>
             <a:pPr algn="ctr"/>
             <a:r>
-              <a:rPr lang="de-DE" dirty="0"/>
+              <a:rPr lang="en-GB" noProof="0" dirty="0"/>
               <a:t>16.06.-06.07.</a:t>
             </a:r>
           </a:p>
@@ -5793,53 +5778,247 @@
           <a:lstStyle/>
           <a:p>
             <a:r>
-              <a:rPr lang="de-DE" dirty="0"/>
-              <a:t>Vorteile: Enrichment-</a:t>
-            </a:r>
-            <a:r>
-              <a:rPr lang="de-DE" dirty="0" err="1"/>
-              <a:t>free</a:t>
-            </a:r>
-            <a:r>
-              <a:rPr lang="de-DE" dirty="0"/>
-              <a:t>: Basiert nicht auf den Unterschieden von Affinität oder Eigenschaften der einzelnen Proteine, auch nicht auf bestimmten RNA/Protein-Sequenzen, liefert quantitative Aussagen über den Anteil jedes </a:t>
-            </a:r>
-            <a:r>
-              <a:rPr lang="de-DE" dirty="0" err="1"/>
-              <a:t>RBP</a:t>
-            </a:r>
-            <a:r>
-              <a:rPr lang="de-DE" dirty="0"/>
-              <a:t>, der tatsächlich an die RNA angelagert ist</a:t>
-            </a:r>
-          </a:p>
-          <a:p>
-            <a:r>
-              <a:rPr lang="de-DE" dirty="0"/>
-              <a:t>Limitationen: Identifiziert nicht die </a:t>
-            </a:r>
-            <a:r>
-              <a:rPr lang="de-DE" dirty="0" err="1"/>
-              <a:t>binding</a:t>
-            </a:r>
-            <a:r>
-              <a:rPr lang="de-DE" dirty="0"/>
+              <a:rPr lang="en-GB" noProof="0" dirty="0" err="1"/>
+              <a:t>Vorteile</a:t>
+            </a:r>
+            <a:r>
+              <a:rPr lang="en-GB" noProof="0" dirty="0"/>
+              <a:t>: Enrichment-free: </a:t>
+            </a:r>
+            <a:r>
+              <a:rPr lang="en-GB" noProof="0" dirty="0" err="1"/>
+              <a:t>Basiert</a:t>
+            </a:r>
+            <a:r>
+              <a:rPr lang="en-GB" noProof="0" dirty="0"/>
               <a:t> </a:t>
             </a:r>
             <a:r>
-              <a:rPr lang="de-DE" dirty="0" err="1"/>
-              <a:t>sites</a:t>
-            </a:r>
-            <a:r>
-              <a:rPr lang="de-DE" dirty="0"/>
-              <a:t>, keine Unterscheidung zwischen direkten und indirekten Interaktionen</a:t>
-            </a:r>
+              <a:rPr lang="en-GB" noProof="0" dirty="0" err="1"/>
+              <a:t>nicht</a:t>
+            </a:r>
+            <a:r>
+              <a:rPr lang="en-GB" noProof="0" dirty="0"/>
+              <a:t> auf den </a:t>
+            </a:r>
+            <a:r>
+              <a:rPr lang="en-GB" noProof="0" dirty="0" err="1"/>
+              <a:t>Unterschieden</a:t>
+            </a:r>
+            <a:r>
+              <a:rPr lang="en-GB" noProof="0" dirty="0"/>
+              <a:t> von </a:t>
+            </a:r>
+            <a:r>
+              <a:rPr lang="en-GB" noProof="0" dirty="0" err="1"/>
+              <a:t>Affinität</a:t>
+            </a:r>
+            <a:r>
+              <a:rPr lang="en-GB" noProof="0" dirty="0"/>
+              <a:t> </a:t>
+            </a:r>
+            <a:r>
+              <a:rPr lang="en-GB" noProof="0" dirty="0" err="1"/>
+              <a:t>oder</a:t>
+            </a:r>
+            <a:r>
+              <a:rPr lang="en-GB" noProof="0" dirty="0"/>
+              <a:t> </a:t>
+            </a:r>
+            <a:r>
+              <a:rPr lang="en-GB" noProof="0" dirty="0" err="1"/>
+              <a:t>Eigenschaften</a:t>
+            </a:r>
+            <a:r>
+              <a:rPr lang="en-GB" noProof="0" dirty="0"/>
+              <a:t> der </a:t>
+            </a:r>
+            <a:r>
+              <a:rPr lang="en-GB" noProof="0" dirty="0" err="1"/>
+              <a:t>einzelnen</a:t>
+            </a:r>
+            <a:r>
+              <a:rPr lang="en-GB" noProof="0" dirty="0"/>
+              <a:t> </a:t>
+            </a:r>
+            <a:r>
+              <a:rPr lang="en-GB" noProof="0" dirty="0" err="1"/>
+              <a:t>Proteine</a:t>
+            </a:r>
+            <a:r>
+              <a:rPr lang="en-GB" noProof="0" dirty="0"/>
+              <a:t>, </a:t>
+            </a:r>
+            <a:r>
+              <a:rPr lang="en-GB" noProof="0" dirty="0" err="1"/>
+              <a:t>auch</a:t>
+            </a:r>
+            <a:r>
+              <a:rPr lang="en-GB" noProof="0" dirty="0"/>
+              <a:t> </a:t>
+            </a:r>
+            <a:r>
+              <a:rPr lang="en-GB" noProof="0" dirty="0" err="1"/>
+              <a:t>nicht</a:t>
+            </a:r>
+            <a:r>
+              <a:rPr lang="en-GB" noProof="0" dirty="0"/>
+              <a:t> auf </a:t>
+            </a:r>
+            <a:r>
+              <a:rPr lang="en-GB" noProof="0" dirty="0" err="1"/>
+              <a:t>bestimmten</a:t>
+            </a:r>
+            <a:r>
+              <a:rPr lang="en-GB" noProof="0" dirty="0"/>
+              <a:t> RNA/Protein-</a:t>
+            </a:r>
+            <a:r>
+              <a:rPr lang="en-GB" noProof="0" dirty="0" err="1"/>
+              <a:t>Sequenzen</a:t>
+            </a:r>
+            <a:r>
+              <a:rPr lang="en-GB" noProof="0" dirty="0"/>
+              <a:t>, </a:t>
+            </a:r>
+            <a:r>
+              <a:rPr lang="en-GB" noProof="0" dirty="0" err="1"/>
+              <a:t>liefert</a:t>
+            </a:r>
+            <a:r>
+              <a:rPr lang="en-GB" noProof="0" dirty="0"/>
+              <a:t> quantitative </a:t>
+            </a:r>
+            <a:r>
+              <a:rPr lang="en-GB" noProof="0" dirty="0" err="1"/>
+              <a:t>Aussagen</a:t>
+            </a:r>
+            <a:r>
+              <a:rPr lang="en-GB" noProof="0" dirty="0"/>
+              <a:t> </a:t>
+            </a:r>
+            <a:r>
+              <a:rPr lang="en-GB" noProof="0" dirty="0" err="1"/>
+              <a:t>über</a:t>
+            </a:r>
+            <a:r>
+              <a:rPr lang="en-GB" noProof="0" dirty="0"/>
+              <a:t> den </a:t>
+            </a:r>
+            <a:r>
+              <a:rPr lang="en-GB" noProof="0" dirty="0" err="1"/>
+              <a:t>Anteil</a:t>
+            </a:r>
+            <a:r>
+              <a:rPr lang="en-GB" noProof="0" dirty="0"/>
+              <a:t> </a:t>
+            </a:r>
+            <a:r>
+              <a:rPr lang="en-GB" noProof="0" dirty="0" err="1"/>
+              <a:t>jedes</a:t>
+            </a:r>
+            <a:r>
+              <a:rPr lang="en-GB" noProof="0" dirty="0"/>
+              <a:t> RBP, der </a:t>
+            </a:r>
+            <a:r>
+              <a:rPr lang="en-GB" noProof="0" dirty="0" err="1"/>
+              <a:t>tatsächlich</a:t>
+            </a:r>
+            <a:r>
+              <a:rPr lang="en-GB" noProof="0" dirty="0"/>
+              <a:t> an die RNA </a:t>
+            </a:r>
+            <a:r>
+              <a:rPr lang="en-GB" noProof="0" dirty="0" err="1"/>
+              <a:t>angelagert</a:t>
+            </a:r>
+            <a:r>
+              <a:rPr lang="en-GB" noProof="0" dirty="0"/>
+              <a:t> </a:t>
+            </a:r>
+            <a:r>
+              <a:rPr lang="en-GB" noProof="0" dirty="0" err="1"/>
+              <a:t>ist</a:t>
+            </a:r>
+            <a:endParaRPr lang="en-GB" noProof="0" dirty="0"/>
+          </a:p>
+          <a:p>
+            <a:r>
+              <a:rPr lang="en-GB" noProof="0" dirty="0" err="1"/>
+              <a:t>Limitationen</a:t>
+            </a:r>
+            <a:r>
+              <a:rPr lang="en-GB" noProof="0" dirty="0"/>
+              <a:t>: </a:t>
+            </a:r>
+            <a:r>
+              <a:rPr lang="en-GB" noProof="0" dirty="0" err="1"/>
+              <a:t>Identifiziert</a:t>
+            </a:r>
+            <a:r>
+              <a:rPr lang="en-GB" noProof="0" dirty="0"/>
+              <a:t> </a:t>
+            </a:r>
+            <a:r>
+              <a:rPr lang="en-GB" noProof="0" dirty="0" err="1"/>
+              <a:t>nicht</a:t>
+            </a:r>
+            <a:r>
+              <a:rPr lang="en-GB" noProof="0" dirty="0"/>
+              <a:t> die binding sites, </a:t>
+            </a:r>
+            <a:r>
+              <a:rPr lang="en-GB" noProof="0" dirty="0" err="1"/>
+              <a:t>keine</a:t>
+            </a:r>
+            <a:r>
+              <a:rPr lang="en-GB" noProof="0" dirty="0"/>
+              <a:t> </a:t>
+            </a:r>
+            <a:r>
+              <a:rPr lang="en-GB" noProof="0" dirty="0" err="1"/>
+              <a:t>Unterscheidung</a:t>
+            </a:r>
+            <a:r>
+              <a:rPr lang="en-GB" noProof="0" dirty="0"/>
+              <a:t> </a:t>
+            </a:r>
+            <a:r>
+              <a:rPr lang="en-GB" noProof="0" dirty="0" err="1"/>
+              <a:t>zwischen</a:t>
+            </a:r>
+            <a:r>
+              <a:rPr lang="en-GB" noProof="0" dirty="0"/>
+              <a:t> </a:t>
+            </a:r>
+            <a:r>
+              <a:rPr lang="en-GB" noProof="0" dirty="0" err="1"/>
+              <a:t>direkten</a:t>
+            </a:r>
+            <a:r>
+              <a:rPr lang="en-GB" noProof="0" dirty="0"/>
+              <a:t> und </a:t>
+            </a:r>
+            <a:r>
+              <a:rPr lang="en-GB" noProof="0" dirty="0" err="1"/>
+              <a:t>indirekten</a:t>
+            </a:r>
+            <a:r>
+              <a:rPr lang="en-GB" noProof="0" dirty="0"/>
+              <a:t> </a:t>
+            </a:r>
+            <a:r>
+              <a:rPr lang="en-GB" noProof="0" dirty="0" err="1"/>
+              <a:t>Interaktionen</a:t>
+            </a:r>
+            <a:endParaRPr lang="en-GB" noProof="0" dirty="0"/>
           </a:p>
           <a:p>
             <a:pPr marL="0" indent="0">
               <a:buNone/>
             </a:pPr>
-            <a:endParaRPr lang="de-DE" dirty="0"/>
+            <a:endParaRPr lang="en-GB" noProof="0" dirty="0"/>
           </a:p>
         </p:txBody>
       </p:sp>
@@ -5872,113 +6051,25 @@
           <a:lstStyle/>
           <a:p>
             <a:r>
-              <a:rPr lang="de-DE" dirty="0" err="1"/>
-              <a:t>Detection</a:t>
-            </a:r>
-            <a:r>
-              <a:rPr lang="de-DE" dirty="0"/>
-              <a:t> </a:t>
-            </a:r>
-            <a:r>
-              <a:rPr lang="de-DE" dirty="0" err="1"/>
-              <a:t>of</a:t>
-            </a:r>
-            <a:r>
-              <a:rPr lang="de-DE" dirty="0"/>
-              <a:t> all RNA-</a:t>
-            </a:r>
-            <a:r>
-              <a:rPr lang="de-DE" dirty="0" err="1"/>
-              <a:t>dependent</a:t>
-            </a:r>
-            <a:r>
-              <a:rPr lang="de-DE" dirty="0"/>
-              <a:t> </a:t>
-            </a:r>
-            <a:r>
-              <a:rPr lang="de-DE" dirty="0" err="1"/>
-              <a:t>proteins</a:t>
-            </a:r>
-            <a:r>
-              <a:rPr lang="de-DE" dirty="0"/>
-              <a:t>, </a:t>
-            </a:r>
-            <a:r>
-              <a:rPr lang="de-DE" dirty="0" err="1"/>
-              <a:t>that</a:t>
-            </a:r>
-            <a:r>
-              <a:rPr lang="de-DE" dirty="0"/>
-              <a:t> </a:t>
-            </a:r>
-            <a:r>
-              <a:rPr lang="de-DE" dirty="0" err="1"/>
-              <a:t>interact</a:t>
-            </a:r>
-            <a:r>
-              <a:rPr lang="de-DE" dirty="0"/>
-              <a:t> </a:t>
-            </a:r>
-            <a:r>
-              <a:rPr lang="de-DE" dirty="0" err="1"/>
+              <a:rPr lang="en-GB" noProof="0" dirty="0"/>
+              <a:t>Detection of all RNA-dependent proteins, that interact </a:t>
+            </a:r>
+            <a:r>
+              <a:rPr lang="en-GB" noProof="0" dirty="0" err="1"/>
               <a:t>direclty</a:t>
             </a:r>
             <a:r>
-              <a:rPr lang="de-DE" dirty="0"/>
-              <a:t> </a:t>
-            </a:r>
-            <a:r>
-              <a:rPr lang="de-DE" dirty="0" err="1"/>
-              <a:t>or</a:t>
-            </a:r>
-            <a:r>
-              <a:rPr lang="de-DE" dirty="0"/>
-              <a:t> </a:t>
-            </a:r>
-            <a:r>
-              <a:rPr lang="de-DE" dirty="0" err="1"/>
-              <a:t>indirectly</a:t>
-            </a:r>
-            <a:r>
-              <a:rPr lang="de-DE" dirty="0"/>
-              <a:t> </a:t>
-            </a:r>
-            <a:r>
-              <a:rPr lang="de-DE" dirty="0" err="1"/>
-              <a:t>with</a:t>
-            </a:r>
-            <a:r>
-              <a:rPr lang="de-DE" dirty="0"/>
-              <a:t> RNA</a:t>
-            </a:r>
-          </a:p>
-          <a:p>
-            <a:endParaRPr lang="de-DE" dirty="0"/>
-          </a:p>
-          <a:p>
-            <a:r>
-              <a:rPr lang="de-DE" dirty="0" err="1"/>
-              <a:t>Proteome-wide</a:t>
-            </a:r>
-            <a:r>
-              <a:rPr lang="de-DE" dirty="0"/>
-              <a:t>, </a:t>
-            </a:r>
-            <a:r>
-              <a:rPr lang="de-DE" dirty="0" err="1"/>
-              <a:t>unbiased</a:t>
-            </a:r>
-            <a:r>
-              <a:rPr lang="de-DE" dirty="0"/>
-              <a:t>, </a:t>
-            </a:r>
-            <a:r>
-              <a:rPr lang="de-DE" dirty="0" err="1"/>
-              <a:t>enrichment-free</a:t>
-            </a:r>
-            <a:r>
-              <a:rPr lang="de-DE" dirty="0"/>
-              <a:t> screen </a:t>
+              <a:rPr lang="en-GB" noProof="0" dirty="0"/>
+              <a:t> or indirectly with RNA</a:t>
+            </a:r>
+          </a:p>
+          <a:p>
+            <a:endParaRPr lang="en-GB" noProof="0" dirty="0"/>
+          </a:p>
+          <a:p>
+            <a:r>
+              <a:rPr lang="en-GB" noProof="0" dirty="0"/>
+              <a:t>Proteome-wide, unbiased, enrichment-free screen </a:t>
             </a:r>
           </a:p>
         </p:txBody>
@@ -6089,7 +6180,7 @@
           <a:lstStyle/>
           <a:p>
             <a:r>
-              <a:rPr lang="de-DE" sz="2400" dirty="0"/>
+              <a:rPr lang="en-GB" sz="2400" noProof="0" dirty="0"/>
               <a:t>Advantages</a:t>
             </a:r>
           </a:p>
@@ -6098,7 +6189,7 @@
               <a:buFont typeface="Arial" panose="020B0604020202020204" pitchFamily="34" charset="0"/>
               <a:buChar char="•"/>
             </a:pPr>
-            <a:endParaRPr lang="de-DE" sz="2400" dirty="0"/>
+            <a:endParaRPr lang="en-GB" sz="2400" noProof="0" dirty="0"/>
           </a:p>
           <a:p>
             <a:pPr marL="342900" indent="-342900">
@@ -6106,14 +6197,9 @@
               <a:buChar char="•"/>
             </a:pPr>
             <a:r>
-              <a:rPr lang="de-DE" sz="2400" dirty="0"/>
-              <a:t>Quantitative </a:t>
-            </a:r>
-            <a:r>
-              <a:rPr lang="de-DE" sz="2400" dirty="0" err="1"/>
-              <a:t>information</a:t>
-            </a:r>
-            <a:endParaRPr lang="de-DE" sz="2400" dirty="0"/>
+              <a:rPr lang="en-GB" sz="2400" noProof="0" dirty="0"/>
+              <a:t>Quantitative information</a:t>
+            </a:r>
           </a:p>
           <a:p>
             <a:pPr marL="342900" indent="-342900">
@@ -6121,34 +6207,17 @@
               <a:buChar char="•"/>
             </a:pPr>
             <a:r>
-              <a:rPr lang="de-DE" sz="2400" dirty="0" err="1"/>
-              <a:t>independent</a:t>
-            </a:r>
-            <a:r>
-              <a:rPr lang="de-DE" sz="2400" dirty="0"/>
-              <a:t> </a:t>
-            </a:r>
-            <a:r>
-              <a:rPr lang="de-DE" sz="2400" dirty="0" err="1"/>
-              <a:t>of</a:t>
-            </a:r>
-            <a:r>
-              <a:rPr lang="de-DE" sz="2400" dirty="0"/>
-              <a:t> </a:t>
-            </a:r>
-            <a:r>
-              <a:rPr lang="de-DE" sz="2400" dirty="0" err="1"/>
+              <a:rPr lang="en-GB" sz="2400" noProof="0" dirty="0"/>
+              <a:t>independent of </a:t>
+            </a:r>
+            <a:r>
+              <a:rPr lang="en-GB" sz="2400" noProof="0" dirty="0" err="1"/>
               <a:t>purifiction</a:t>
             </a:r>
             <a:r>
-              <a:rPr lang="de-DE" sz="2400" dirty="0"/>
-              <a:t> </a:t>
-            </a:r>
-            <a:r>
-              <a:rPr lang="de-DE" sz="2400" dirty="0" err="1"/>
-              <a:t>procedures</a:t>
-            </a:r>
-            <a:endParaRPr lang="de-DE" sz="2400" dirty="0"/>
+              <a:rPr lang="en-GB" sz="2400" noProof="0" dirty="0"/>
+              <a:t> procedures</a:t>
+            </a:r>
           </a:p>
           <a:p>
             <a:pPr marL="342900" indent="-342900">
@@ -6156,26 +6225,17 @@
               <a:buChar char="•"/>
             </a:pPr>
             <a:r>
-              <a:rPr lang="de-DE" sz="2400" dirty="0" err="1"/>
-              <a:t>specific</a:t>
-            </a:r>
-            <a:r>
-              <a:rPr lang="de-DE" sz="2400" dirty="0"/>
-              <a:t> </a:t>
-            </a:r>
-            <a:r>
-              <a:rPr lang="de-DE" sz="2400" dirty="0" err="1"/>
+              <a:rPr lang="en-GB" sz="2400" noProof="0" dirty="0"/>
+              <a:t>specific </a:t>
+            </a:r>
+            <a:r>
+              <a:rPr lang="en-GB" sz="2400" noProof="0" dirty="0" err="1"/>
               <a:t>fo</a:t>
             </a:r>
             <a:r>
-              <a:rPr lang="de-DE" sz="2400" dirty="0"/>
-              <a:t> RNA-</a:t>
-            </a:r>
-            <a:r>
-              <a:rPr lang="de-DE" sz="2400" dirty="0" err="1"/>
-              <a:t>dependency</a:t>
-            </a:r>
-            <a:endParaRPr lang="de-DE" sz="2400" dirty="0"/>
+              <a:rPr lang="en-GB" sz="2400" noProof="0" dirty="0"/>
+              <a:t> RNA-dependency</a:t>
+            </a:r>
           </a:p>
         </p:txBody>
       </p:sp>
@@ -6208,13 +6268,12 @@
           <a:lstStyle/>
           <a:p>
             <a:r>
-              <a:rPr lang="de-DE" sz="2400" dirty="0" err="1"/>
+              <a:rPr lang="en-GB" sz="2400" noProof="0" dirty="0"/>
               <a:t>Limitations</a:t>
             </a:r>
-            <a:endParaRPr lang="de-DE" sz="2400" dirty="0"/>
-          </a:p>
-          <a:p>
-            <a:endParaRPr lang="de-DE" sz="2400" dirty="0"/>
+          </a:p>
+          <a:p>
+            <a:endParaRPr lang="en-GB" sz="2400" noProof="0" dirty="0"/>
           </a:p>
           <a:p>
             <a:pPr marL="342900" indent="-342900">
@@ -6222,42 +6281,17 @@
               <a:buChar char="•"/>
             </a:pPr>
             <a:r>
-              <a:rPr lang="de-DE" sz="2400" dirty="0" err="1"/>
-              <a:t>No</a:t>
-            </a:r>
-            <a:r>
-              <a:rPr lang="de-DE" sz="2400" dirty="0"/>
-              <a:t> </a:t>
-            </a:r>
-            <a:r>
-              <a:rPr lang="de-DE" sz="2400" dirty="0" err="1"/>
+              <a:rPr lang="en-GB" sz="2400" noProof="0" dirty="0"/>
+              <a:t>No </a:t>
+            </a:r>
+            <a:r>
+              <a:rPr lang="en-GB" sz="2400" noProof="0" dirty="0" err="1"/>
               <a:t>idenfitication</a:t>
             </a:r>
             <a:r>
-              <a:rPr lang="de-DE" sz="2400" dirty="0"/>
-              <a:t> </a:t>
-            </a:r>
-            <a:r>
-              <a:rPr lang="de-DE" sz="2400" dirty="0" err="1"/>
-              <a:t>of</a:t>
-            </a:r>
-            <a:r>
-              <a:rPr lang="de-DE" sz="2400" dirty="0"/>
-              <a:t> </a:t>
-            </a:r>
-            <a:r>
-              <a:rPr lang="de-DE" sz="2400" dirty="0" err="1"/>
-              <a:t>binding</a:t>
-            </a:r>
-            <a:r>
-              <a:rPr lang="de-DE" sz="2400" dirty="0"/>
-              <a:t> </a:t>
-            </a:r>
-            <a:r>
-              <a:rPr lang="de-DE" sz="2400" dirty="0" err="1"/>
-              <a:t>sites</a:t>
-            </a:r>
-            <a:endParaRPr lang="de-DE" sz="2400" dirty="0"/>
+              <a:rPr lang="en-GB" sz="2400" noProof="0" dirty="0"/>
+              <a:t> of binding sites</a:t>
+            </a:r>
           </a:p>
           <a:p>
             <a:pPr marL="342900" indent="-342900">
@@ -6265,66 +6299,9 @@
               <a:buChar char="•"/>
             </a:pPr>
             <a:r>
-              <a:rPr lang="de-DE" sz="2400" dirty="0" err="1"/>
-              <a:t>No</a:t>
-            </a:r>
-            <a:r>
-              <a:rPr lang="de-DE" sz="2400" dirty="0"/>
-              <a:t> </a:t>
-            </a:r>
-            <a:r>
-              <a:rPr lang="de-DE" sz="2400" dirty="0" err="1"/>
-              <a:t>differentiation</a:t>
-            </a:r>
-            <a:r>
-              <a:rPr lang="de-DE" sz="2400" dirty="0"/>
-              <a:t> </a:t>
-            </a:r>
-            <a:r>
-              <a:rPr lang="de-DE" sz="2400" dirty="0" err="1"/>
-              <a:t>of</a:t>
-            </a:r>
-            <a:r>
-              <a:rPr lang="de-DE" sz="2400" dirty="0"/>
-              <a:t> </a:t>
-            </a:r>
-            <a:r>
-              <a:rPr lang="de-DE" sz="2400" dirty="0" err="1"/>
-              <a:t>direct</a:t>
-            </a:r>
-            <a:r>
-              <a:rPr lang="de-DE" sz="2400" dirty="0"/>
-              <a:t> and </a:t>
-            </a:r>
-            <a:r>
-              <a:rPr lang="de-DE" sz="2400" dirty="0" err="1"/>
-              <a:t>indirect</a:t>
-            </a:r>
-            <a:r>
-              <a:rPr lang="de-DE" sz="2400" dirty="0"/>
-              <a:t> </a:t>
-            </a:r>
-            <a:r>
-              <a:rPr lang="de-DE" sz="2400" dirty="0" err="1"/>
-              <a:t>interactions</a:t>
-            </a:r>
-            <a:r>
-              <a:rPr lang="de-DE" sz="2400" dirty="0"/>
-              <a:t> </a:t>
-            </a:r>
-            <a:r>
-              <a:rPr lang="de-DE" sz="2400" dirty="0" err="1"/>
-              <a:t>of</a:t>
-            </a:r>
-            <a:r>
-              <a:rPr lang="de-DE" sz="2400" dirty="0"/>
-              <a:t> </a:t>
-            </a:r>
-            <a:r>
-              <a:rPr lang="de-DE" sz="2400" dirty="0" err="1"/>
-              <a:t>RBPs</a:t>
-            </a:r>
-            <a:endParaRPr lang="de-DE" sz="2400" dirty="0"/>
+              <a:rPr lang="en-GB" sz="2400" noProof="0" dirty="0"/>
+              <a:t>No differentiation of direct and indirect interactions of RBPs</a:t>
+            </a:r>
           </a:p>
         </p:txBody>
       </p:sp>
@@ -6691,24 +6668,16 @@
           <a:p>
             <a:pPr algn="ctr"/>
             <a:r>
-              <a:rPr lang="de-DE" dirty="0"/>
+              <a:rPr lang="en-GB" noProof="0" dirty="0"/>
               <a:t>R-</a:t>
             </a:r>
             <a:r>
-              <a:rPr lang="de-DE" dirty="0" err="1"/>
+              <a:rPr lang="en-GB" noProof="0" dirty="0" err="1"/>
               <a:t>DeeP</a:t>
             </a:r>
             <a:r>
-              <a:rPr lang="de-DE" dirty="0"/>
-              <a:t> – </a:t>
-            </a:r>
-            <a:r>
-              <a:rPr lang="de-DE" dirty="0" err="1"/>
-              <a:t>Principle</a:t>
-            </a:r>
-            <a:r>
-              <a:rPr lang="de-DE" dirty="0"/>
-              <a:t> </a:t>
+              <a:rPr lang="en-GB" noProof="0" dirty="0"/>
+              <a:t> – Principle </a:t>
             </a:r>
           </a:p>
         </p:txBody>
@@ -6747,70 +6716,10 @@
               </a:lnSpc>
             </a:pPr>
             <a:r>
-              <a:rPr lang="de-DE" sz="2000" dirty="0">
+              <a:rPr lang="en-GB" sz="2000" noProof="0" dirty="0">
                 <a:sym typeface="Wingdings" panose="05000000000000000000" pitchFamily="2" charset="2"/>
               </a:rPr>
-              <a:t>RNA </a:t>
-            </a:r>
-            <a:r>
-              <a:rPr lang="de-DE" sz="2000" dirty="0" err="1">
-                <a:sym typeface="Wingdings" panose="05000000000000000000" pitchFamily="2" charset="2"/>
-              </a:rPr>
-              <a:t>degradation</a:t>
-            </a:r>
-            <a:r>
-              <a:rPr lang="de-DE" sz="2000" dirty="0">
-                <a:sym typeface="Wingdings" panose="05000000000000000000" pitchFamily="2" charset="2"/>
-              </a:rPr>
-              <a:t> </a:t>
-            </a:r>
-            <a:r>
-              <a:rPr lang="de-DE" sz="2000" dirty="0" err="1">
-                <a:sym typeface="Wingdings" panose="05000000000000000000" pitchFamily="2" charset="2"/>
-              </a:rPr>
-              <a:t>leads</a:t>
-            </a:r>
-            <a:r>
-              <a:rPr lang="de-DE" sz="2000" dirty="0">
-                <a:sym typeface="Wingdings" panose="05000000000000000000" pitchFamily="2" charset="2"/>
-              </a:rPr>
-              <a:t> </a:t>
-            </a:r>
-            <a:r>
-              <a:rPr lang="de-DE" sz="2000" dirty="0" err="1">
-                <a:sym typeface="Wingdings" panose="05000000000000000000" pitchFamily="2" charset="2"/>
-              </a:rPr>
-              <a:t>to</a:t>
-            </a:r>
-            <a:r>
-              <a:rPr lang="de-DE" sz="2000" dirty="0">
-                <a:sym typeface="Wingdings" panose="05000000000000000000" pitchFamily="2" charset="2"/>
-              </a:rPr>
-              <a:t> </a:t>
-            </a:r>
-            <a:r>
-              <a:rPr lang="de-DE" sz="2000" dirty="0" err="1">
-                <a:sym typeface="Wingdings" panose="05000000000000000000" pitchFamily="2" charset="2"/>
-              </a:rPr>
-              <a:t>dissolved</a:t>
-            </a:r>
-            <a:r>
-              <a:rPr lang="de-DE" sz="2000" dirty="0">
-                <a:sym typeface="Wingdings" panose="05000000000000000000" pitchFamily="2" charset="2"/>
-              </a:rPr>
-              <a:t> RNP-</a:t>
-            </a:r>
-            <a:r>
-              <a:rPr lang="de-DE" sz="2000" dirty="0" err="1">
-                <a:sym typeface="Wingdings" panose="05000000000000000000" pitchFamily="2" charset="2"/>
-              </a:rPr>
-              <a:t>complexes</a:t>
-            </a:r>
-            <a:r>
-              <a:rPr lang="de-DE" sz="2000" dirty="0">
-                <a:sym typeface="Wingdings" panose="05000000000000000000" pitchFamily="2" charset="2"/>
-              </a:rPr>
-              <a:t> </a:t>
+              <a:t>RNA degradation leads to dissolved RNP-complexes </a:t>
             </a:r>
           </a:p>
           <a:p>
@@ -6820,7 +6729,7 @@
               </a:lnSpc>
               <a:buNone/>
             </a:pPr>
-            <a:endParaRPr lang="de-DE" sz="800" dirty="0">
+            <a:endParaRPr lang="en-GB" sz="800" noProof="0" dirty="0">
               <a:sym typeface="Wingdings" panose="05000000000000000000" pitchFamily="2" charset="2"/>
             </a:endParaRPr>
           </a:p>
@@ -6831,81 +6740,21 @@
               </a:lnSpc>
             </a:pPr>
             <a:r>
-              <a:rPr lang="de-DE" sz="2000" dirty="0" err="1">
+              <a:rPr lang="en-GB" sz="2000" noProof="0" dirty="0">
                 <a:sym typeface="Wingdings" panose="05000000000000000000" pitchFamily="2" charset="2"/>
               </a:rPr>
-              <a:t>Released</a:t>
-            </a:r>
-            <a:r>
-              <a:rPr lang="de-DE" sz="2000" dirty="0">
-                <a:sym typeface="Wingdings" panose="05000000000000000000" pitchFamily="2" charset="2"/>
-              </a:rPr>
-              <a:t> </a:t>
-            </a:r>
-            <a:r>
-              <a:rPr lang="de-DE" sz="2000" dirty="0" err="1">
-                <a:sym typeface="Wingdings" panose="05000000000000000000" pitchFamily="2" charset="2"/>
-              </a:rPr>
-              <a:t>proteins</a:t>
-            </a:r>
-            <a:r>
-              <a:rPr lang="de-DE" sz="2000" dirty="0">
-                <a:sym typeface="Wingdings" panose="05000000000000000000" pitchFamily="2" charset="2"/>
-              </a:rPr>
-              <a:t> </a:t>
-            </a:r>
-            <a:r>
-              <a:rPr lang="de-DE" sz="2000" dirty="0" err="1">
-                <a:sym typeface="Wingdings" panose="05000000000000000000" pitchFamily="2" charset="2"/>
-              </a:rPr>
-              <a:t>migrate</a:t>
-            </a:r>
-            <a:r>
-              <a:rPr lang="de-DE" sz="2000" dirty="0">
-                <a:sym typeface="Wingdings" panose="05000000000000000000" pitchFamily="2" charset="2"/>
-              </a:rPr>
-              <a:t> </a:t>
-            </a:r>
-            <a:r>
-              <a:rPr lang="de-DE" sz="2000" dirty="0" err="1">
-                <a:sym typeface="Wingdings" panose="05000000000000000000" pitchFamily="2" charset="2"/>
-              </a:rPr>
-              <a:t>into</a:t>
-            </a:r>
-            <a:r>
-              <a:rPr lang="de-DE" sz="2000" dirty="0">
-                <a:sym typeface="Wingdings" panose="05000000000000000000" pitchFamily="2" charset="2"/>
-              </a:rPr>
-              <a:t> different </a:t>
+              <a:t>Released proteins migrate into different </a:t>
             </a:r>
             <a:br>
-              <a:rPr lang="de-DE" sz="2000" dirty="0">
+              <a:rPr lang="en-GB" sz="2000" noProof="0" dirty="0">
                 <a:sym typeface="Wingdings" panose="05000000000000000000" pitchFamily="2" charset="2"/>
               </a:rPr>
             </a:br>
             <a:r>
-              <a:rPr lang="de-DE" sz="2000" dirty="0" err="1">
+              <a:rPr lang="en-GB" sz="2000" noProof="0" dirty="0">
                 <a:sym typeface="Wingdings" panose="05000000000000000000" pitchFamily="2" charset="2"/>
               </a:rPr>
-              <a:t>density</a:t>
-            </a:r>
-            <a:r>
-              <a:rPr lang="de-DE" sz="2000" dirty="0">
-                <a:sym typeface="Wingdings" panose="05000000000000000000" pitchFamily="2" charset="2"/>
-              </a:rPr>
-              <a:t> </a:t>
-            </a:r>
-            <a:r>
-              <a:rPr lang="de-DE" sz="2000" dirty="0" err="1">
-                <a:sym typeface="Wingdings" panose="05000000000000000000" pitchFamily="2" charset="2"/>
-              </a:rPr>
-              <a:t>fractions</a:t>
-            </a:r>
-            <a:r>
-              <a:rPr lang="de-DE" sz="2000" dirty="0">
-                <a:sym typeface="Wingdings" panose="05000000000000000000" pitchFamily="2" charset="2"/>
-              </a:rPr>
-              <a:t> </a:t>
+              <a:t>density fractions </a:t>
             </a:r>
           </a:p>
           <a:p>
@@ -6915,7 +6764,7 @@
               </a:lnSpc>
               <a:buNone/>
             </a:pPr>
-            <a:endParaRPr lang="de-DE" sz="800" dirty="0"/>
+            <a:endParaRPr lang="en-GB" sz="800" noProof="0" dirty="0"/>
           </a:p>
           <a:p>
             <a:pPr>
@@ -6924,96 +6773,18 @@
               </a:lnSpc>
             </a:pPr>
             <a:r>
-              <a:rPr lang="de-DE" sz="2000" dirty="0" err="1">
+              <a:rPr lang="en-GB" sz="2000" noProof="0" dirty="0">
                 <a:sym typeface="Wingdings" panose="05000000000000000000" pitchFamily="2" charset="2"/>
               </a:rPr>
-              <a:t>Quantity</a:t>
-            </a:r>
-            <a:r>
-              <a:rPr lang="de-DE" sz="2000" dirty="0">
-                <a:sym typeface="Wingdings" panose="05000000000000000000" pitchFamily="2" charset="2"/>
-              </a:rPr>
-              <a:t> </a:t>
-            </a:r>
-            <a:r>
-              <a:rPr lang="de-DE" sz="2000" dirty="0" err="1">
-                <a:sym typeface="Wingdings" panose="05000000000000000000" pitchFamily="2" charset="2"/>
-              </a:rPr>
-              <a:t>of</a:t>
-            </a:r>
-            <a:r>
-              <a:rPr lang="de-DE" sz="2000" dirty="0">
-                <a:sym typeface="Wingdings" panose="05000000000000000000" pitchFamily="2" charset="2"/>
-              </a:rPr>
-              <a:t> </a:t>
-            </a:r>
-            <a:r>
-              <a:rPr lang="de-DE" sz="2000" dirty="0" err="1">
-                <a:sym typeface="Wingdings" panose="05000000000000000000" pitchFamily="2" charset="2"/>
-              </a:rPr>
-              <a:t>peptides</a:t>
-            </a:r>
-            <a:r>
-              <a:rPr lang="de-DE" sz="2000" dirty="0">
-                <a:sym typeface="Wingdings" panose="05000000000000000000" pitchFamily="2" charset="2"/>
-              </a:rPr>
-              <a:t> in </a:t>
-            </a:r>
-            <a:r>
-              <a:rPr lang="de-DE" sz="2000" dirty="0" err="1">
-                <a:sym typeface="Wingdings" panose="05000000000000000000" pitchFamily="2" charset="2"/>
-              </a:rPr>
-              <a:t>the</a:t>
-            </a:r>
-            <a:r>
-              <a:rPr lang="de-DE" sz="2000" dirty="0">
-                <a:sym typeface="Wingdings" panose="05000000000000000000" pitchFamily="2" charset="2"/>
-              </a:rPr>
-              <a:t> different </a:t>
-            </a:r>
-            <a:r>
-              <a:rPr lang="de-DE" sz="2000" dirty="0" err="1">
-                <a:sym typeface="Wingdings" panose="05000000000000000000" pitchFamily="2" charset="2"/>
-              </a:rPr>
-              <a:t>density</a:t>
-            </a:r>
-            <a:r>
-              <a:rPr lang="de-DE" sz="2000" dirty="0">
-                <a:sym typeface="Wingdings" panose="05000000000000000000" pitchFamily="2" charset="2"/>
-              </a:rPr>
-              <a:t> </a:t>
-            </a:r>
-            <a:r>
-              <a:rPr lang="de-DE" sz="2000" dirty="0" err="1">
-                <a:sym typeface="Wingdings" panose="05000000000000000000" pitchFamily="2" charset="2"/>
-              </a:rPr>
-              <a:t>fractions</a:t>
-            </a:r>
-            <a:r>
-              <a:rPr lang="de-DE" sz="2000" dirty="0">
-                <a:sym typeface="Wingdings" panose="05000000000000000000" pitchFamily="2" charset="2"/>
-              </a:rPr>
-              <a:t> </a:t>
-            </a:r>
-            <a:r>
-              <a:rPr lang="de-DE" sz="2000" dirty="0" err="1">
-                <a:sym typeface="Wingdings" panose="05000000000000000000" pitchFamily="2" charset="2"/>
-              </a:rPr>
-              <a:t>is</a:t>
-            </a:r>
-            <a:r>
-              <a:rPr lang="de-DE" sz="2000" dirty="0">
-                <a:sym typeface="Wingdings" panose="05000000000000000000" pitchFamily="2" charset="2"/>
-              </a:rPr>
-              <a:t> </a:t>
-            </a:r>
-            <a:r>
-              <a:rPr lang="de-DE" sz="2000" dirty="0" err="1">
+              <a:t>Quantity of peptides in the different density fractions is </a:t>
+            </a:r>
+            <a:r>
+              <a:rPr lang="en-GB" sz="2000" noProof="0" dirty="0" err="1">
                 <a:sym typeface="Wingdings" panose="05000000000000000000" pitchFamily="2" charset="2"/>
               </a:rPr>
               <a:t>analyzed</a:t>
             </a:r>
-            <a:endParaRPr lang="de-DE" sz="2000" dirty="0"/>
+            <a:endParaRPr lang="en-GB" sz="2000" noProof="0" dirty="0"/>
           </a:p>
         </p:txBody>
       </p:sp>
@@ -7051,48 +6822,8 @@
           <a:lstStyle/>
           <a:p>
             <a:r>
-              <a:rPr lang="de-DE" sz="2400" dirty="0"/>
-              <a:t>An RNA-</a:t>
-            </a:r>
-            <a:r>
-              <a:rPr lang="de-DE" sz="2400" dirty="0" err="1"/>
-              <a:t>dependent</a:t>
-            </a:r>
-            <a:r>
-              <a:rPr lang="de-DE" sz="2400" dirty="0"/>
-              <a:t> </a:t>
-            </a:r>
-            <a:r>
-              <a:rPr lang="de-DE" sz="2400" dirty="0" err="1"/>
-              <a:t>protein</a:t>
-            </a:r>
-            <a:r>
-              <a:rPr lang="de-DE" sz="2400" dirty="0"/>
-              <a:t> </a:t>
-            </a:r>
-            <a:r>
-              <a:rPr lang="de-DE" sz="2400" dirty="0" err="1"/>
-              <a:t>must</a:t>
-            </a:r>
-            <a:r>
-              <a:rPr lang="de-DE" sz="2400" dirty="0"/>
-              <a:t> </a:t>
-            </a:r>
-            <a:r>
-              <a:rPr lang="de-DE" sz="2400" dirty="0" err="1"/>
-              <a:t>exhibit</a:t>
-            </a:r>
-            <a:r>
-              <a:rPr lang="de-DE" sz="2400" dirty="0"/>
-              <a:t> a </a:t>
-            </a:r>
-            <a:r>
-              <a:rPr lang="de-DE" sz="2400" dirty="0" err="1"/>
-              <a:t>significant</a:t>
-            </a:r>
-            <a:r>
-              <a:rPr lang="de-DE" sz="2400" dirty="0"/>
-              <a:t> shift </a:t>
+              <a:rPr lang="en-GB" sz="2400" noProof="0" dirty="0"/>
+              <a:t>An RNA-dependent protein must exhibit a significant shift </a:t>
             </a:r>
           </a:p>
         </p:txBody>
@@ -7126,127 +6857,17 @@
           <a:lstStyle/>
           <a:p>
             <a:r>
-              <a:rPr lang="de-DE" sz="1200" dirty="0" err="1">
+              <a:rPr lang="en-GB" sz="1200" noProof="0" dirty="0">
                 <a:solidFill>
                   <a:schemeClr val="bg1">
                     <a:lumMod val="65000"/>
                   </a:schemeClr>
                 </a:solidFill>
               </a:rPr>
-              <a:t>Adapted</a:t>
-            </a:r>
-            <a:r>
-              <a:rPr lang="de-DE" sz="1200" dirty="0">
-                <a:solidFill>
-                  <a:schemeClr val="bg1">
-                    <a:lumMod val="65000"/>
-                  </a:schemeClr>
-                </a:solidFill>
-              </a:rPr>
-              <a:t> </a:t>
-            </a:r>
-            <a:r>
-              <a:rPr lang="de-DE" sz="1200" dirty="0" err="1">
-                <a:solidFill>
-                  <a:schemeClr val="bg1">
-                    <a:lumMod val="65000"/>
-                  </a:schemeClr>
-                </a:solidFill>
-              </a:rPr>
-              <a:t>from</a:t>
-            </a:r>
-            <a:r>
-              <a:rPr lang="de-DE" sz="1200" dirty="0">
-                <a:solidFill>
-                  <a:schemeClr val="bg1">
-                    <a:lumMod val="65000"/>
-                  </a:schemeClr>
-                </a:solidFill>
-              </a:rPr>
-              <a:t>: Caudron-Herger, M., </a:t>
-            </a:r>
-            <a:r>
-              <a:rPr lang="de-DE" sz="1200" dirty="0" err="1">
-                <a:solidFill>
-                  <a:schemeClr val="bg1">
-                    <a:lumMod val="65000"/>
-                  </a:schemeClr>
-                </a:solidFill>
-              </a:rPr>
-              <a:t>Rusin</a:t>
-            </a:r>
-            <a:r>
-              <a:rPr lang="de-DE" sz="1200" dirty="0">
-                <a:solidFill>
-                  <a:schemeClr val="bg1">
-                    <a:lumMod val="65000"/>
-                  </a:schemeClr>
-                </a:solidFill>
-              </a:rPr>
-              <a:t>, </a:t>
-            </a:r>
-            <a:r>
-              <a:rPr lang="de-DE" sz="1200" dirty="0" err="1">
-                <a:solidFill>
-                  <a:schemeClr val="bg1">
-                    <a:lumMod val="65000"/>
-                  </a:schemeClr>
-                </a:solidFill>
-              </a:rPr>
-              <a:t>S.F</a:t>
-            </a:r>
-            <a:r>
-              <a:rPr lang="de-DE" sz="1200" dirty="0">
-                <a:solidFill>
-                  <a:schemeClr val="bg1">
-                    <a:lumMod val="65000"/>
-                  </a:schemeClr>
-                </a:solidFill>
-              </a:rPr>
-              <a:t>., Adamo, M.E., Seiler, J., Schmid, </a:t>
-            </a:r>
-            <a:r>
-              <a:rPr lang="de-DE" sz="1200" dirty="0" err="1">
-                <a:solidFill>
-                  <a:schemeClr val="bg1">
-                    <a:lumMod val="65000"/>
-                  </a:schemeClr>
-                </a:solidFill>
-              </a:rPr>
-              <a:t>V.K</a:t>
-            </a:r>
-            <a:r>
-              <a:rPr lang="de-DE" sz="1200" dirty="0">
-                <a:solidFill>
-                  <a:schemeClr val="bg1">
-                    <a:lumMod val="65000"/>
-                  </a:schemeClr>
-                </a:solidFill>
-              </a:rPr>
-              <a:t>., </a:t>
-            </a:r>
-            <a:r>
-              <a:rPr lang="de-DE" sz="1200" dirty="0" err="1">
-                <a:solidFill>
-                  <a:schemeClr val="bg1">
-                    <a:lumMod val="65000"/>
-                  </a:schemeClr>
-                </a:solidFill>
-              </a:rPr>
-              <a:t>Barreau</a:t>
-            </a:r>
-            <a:r>
-              <a:rPr lang="de-DE" sz="1200" dirty="0">
-                <a:solidFill>
-                  <a:schemeClr val="bg1">
-                    <a:lumMod val="65000"/>
-                  </a:schemeClr>
-                </a:solidFill>
-              </a:rPr>
-              <a:t>, E., Kettenbach, A.N., and Diederichs, S. (2019). R-</a:t>
-            </a:r>
-            <a:r>
-              <a:rPr lang="de-DE" sz="1200" dirty="0" err="1">
+              <a:t>Adapted from: Caudron-Herger, M., Rusin, S.F., Adamo, M.E., Seiler, J., Schmid, V.K., Barreau, E., Kettenbach, A.N., and Diederichs, S. (2019). R-</a:t>
+            </a:r>
+            <a:r>
+              <a:rPr lang="en-GB" sz="1200" noProof="0" dirty="0" err="1">
                 <a:solidFill>
                   <a:schemeClr val="bg1">
                     <a:lumMod val="65000"/>
@@ -7256,177 +6877,17 @@
               <a:t>DeeP</a:t>
             </a:r>
             <a:r>
-              <a:rPr lang="de-DE" sz="1200" dirty="0">
+              <a:rPr lang="en-GB" sz="1200" noProof="0" dirty="0">
                 <a:solidFill>
                   <a:schemeClr val="bg1">
                     <a:lumMod val="65000"/>
                   </a:schemeClr>
                 </a:solidFill>
               </a:rPr>
-              <a:t>: </a:t>
-            </a:r>
-            <a:r>
-              <a:rPr lang="de-DE" sz="1200" dirty="0" err="1">
-                <a:solidFill>
-                  <a:schemeClr val="bg1">
-                    <a:lumMod val="65000"/>
-                  </a:schemeClr>
-                </a:solidFill>
-              </a:rPr>
-              <a:t>Proteome-wide</a:t>
-            </a:r>
-            <a:r>
-              <a:rPr lang="de-DE" sz="1200" dirty="0">
-                <a:solidFill>
-                  <a:schemeClr val="bg1">
-                    <a:lumMod val="65000"/>
-                  </a:schemeClr>
-                </a:solidFill>
-              </a:rPr>
-              <a:t> and Quantitative </a:t>
-            </a:r>
-            <a:r>
-              <a:rPr lang="de-DE" sz="1200" dirty="0" err="1">
-                <a:solidFill>
-                  <a:schemeClr val="bg1">
-                    <a:lumMod val="65000"/>
-                  </a:schemeClr>
-                </a:solidFill>
-              </a:rPr>
-              <a:t>Identification</a:t>
-            </a:r>
-            <a:r>
-              <a:rPr lang="de-DE" sz="1200" dirty="0">
-                <a:solidFill>
-                  <a:schemeClr val="bg1">
-                    <a:lumMod val="65000"/>
-                  </a:schemeClr>
-                </a:solidFill>
-              </a:rPr>
-              <a:t> </a:t>
-            </a:r>
-            <a:r>
-              <a:rPr lang="de-DE" sz="1200" dirty="0" err="1">
-                <a:solidFill>
-                  <a:schemeClr val="bg1">
-                    <a:lumMod val="65000"/>
-                  </a:schemeClr>
-                </a:solidFill>
-              </a:rPr>
-              <a:t>of</a:t>
-            </a:r>
-            <a:r>
-              <a:rPr lang="de-DE" sz="1200" dirty="0">
-                <a:solidFill>
-                  <a:schemeClr val="bg1">
-                    <a:lumMod val="65000"/>
-                  </a:schemeClr>
-                </a:solidFill>
-              </a:rPr>
-              <a:t> RNA-</a:t>
-            </a:r>
-            <a:r>
-              <a:rPr lang="de-DE" sz="1200" dirty="0" err="1">
-                <a:solidFill>
-                  <a:schemeClr val="bg1">
-                    <a:lumMod val="65000"/>
-                  </a:schemeClr>
-                </a:solidFill>
-              </a:rPr>
-              <a:t>Dependent</a:t>
-            </a:r>
-            <a:r>
-              <a:rPr lang="de-DE" sz="1200" dirty="0">
-                <a:solidFill>
-                  <a:schemeClr val="bg1">
-                    <a:lumMod val="65000"/>
-                  </a:schemeClr>
-                </a:solidFill>
-              </a:rPr>
-              <a:t> Proteins </a:t>
-            </a:r>
-            <a:r>
-              <a:rPr lang="de-DE" sz="1200" dirty="0" err="1">
-                <a:solidFill>
-                  <a:schemeClr val="bg1">
-                    <a:lumMod val="65000"/>
-                  </a:schemeClr>
-                </a:solidFill>
-              </a:rPr>
-              <a:t>by</a:t>
-            </a:r>
-            <a:r>
-              <a:rPr lang="de-DE" sz="1200" dirty="0">
-                <a:solidFill>
-                  <a:schemeClr val="bg1">
-                    <a:lumMod val="65000"/>
-                  </a:schemeClr>
-                </a:solidFill>
-              </a:rPr>
-              <a:t> Density Gradient </a:t>
-            </a:r>
-            <a:r>
-              <a:rPr lang="de-DE" sz="1200" dirty="0" err="1">
-                <a:solidFill>
-                  <a:schemeClr val="bg1">
-                    <a:lumMod val="65000"/>
-                  </a:schemeClr>
-                </a:solidFill>
-              </a:rPr>
-              <a:t>Ultracentrifugation</a:t>
-            </a:r>
-            <a:r>
-              <a:rPr lang="de-DE" sz="1200" dirty="0">
-                <a:solidFill>
-                  <a:schemeClr val="bg1">
-                    <a:lumMod val="65000"/>
-                  </a:schemeClr>
-                </a:solidFill>
-              </a:rPr>
-              <a:t>. </a:t>
-            </a:r>
-            <a:r>
-              <a:rPr lang="de-DE" sz="1200" dirty="0" err="1">
-                <a:solidFill>
-                  <a:schemeClr val="bg1">
-                    <a:lumMod val="65000"/>
-                  </a:schemeClr>
-                </a:solidFill>
-              </a:rPr>
-              <a:t>Molecular</a:t>
-            </a:r>
-            <a:r>
-              <a:rPr lang="de-DE" sz="1200" dirty="0">
-                <a:solidFill>
-                  <a:schemeClr val="bg1">
-                    <a:lumMod val="65000"/>
-                  </a:schemeClr>
-                </a:solidFill>
-              </a:rPr>
-              <a:t> </a:t>
-            </a:r>
-            <a:r>
-              <a:rPr lang="de-DE" sz="1200" dirty="0" err="1">
-                <a:solidFill>
-                  <a:schemeClr val="bg1">
-                    <a:lumMod val="65000"/>
-                  </a:schemeClr>
-                </a:solidFill>
-              </a:rPr>
-              <a:t>Cell</a:t>
-            </a:r>
-            <a:r>
-              <a:rPr lang="de-DE" sz="1200" dirty="0">
-                <a:solidFill>
-                  <a:schemeClr val="bg1">
-                    <a:lumMod val="65000"/>
-                  </a:schemeClr>
-                </a:solidFill>
-              </a:rPr>
-              <a:t> </a:t>
-            </a:r>
-            <a:r>
-              <a:rPr lang="de-DE" sz="1200" i="1" dirty="0">
+              <a:t>: Proteome-wide and Quantitative Identification of RNA-Dependent Proteins by Density Gradient Ultracentrifugation. Molecular Cell </a:t>
+            </a:r>
+            <a:r>
+              <a:rPr lang="en-GB" sz="1200" i="1" noProof="0" dirty="0">
                 <a:solidFill>
                   <a:schemeClr val="bg1">
                     <a:lumMod val="65000"/>
@@ -7436,7 +6897,7 @@
               <a:t>75</a:t>
             </a:r>
             <a:r>
-              <a:rPr lang="de-DE" sz="1200" i="0" dirty="0">
+              <a:rPr lang="en-GB" sz="1200" i="0" noProof="0" dirty="0">
                 <a:solidFill>
                   <a:schemeClr val="bg1">
                     <a:lumMod val="65000"/>
@@ -7445,7 +6906,7 @@
               </a:rPr>
               <a:t>, 184-199.e110.</a:t>
             </a:r>
-            <a:endParaRPr lang="de-DE" sz="1200" dirty="0">
+            <a:endParaRPr lang="en-GB" sz="1200" noProof="0" dirty="0">
               <a:solidFill>
                 <a:schemeClr val="bg1">
                   <a:lumMod val="65000"/>
@@ -7485,7 +6946,7 @@
           </a:bodyPr>
           <a:lstStyle/>
           <a:p>
-            <a:endParaRPr lang="de-DE" dirty="0"/>
+            <a:endParaRPr lang="en-GB" noProof="0" dirty="0"/>
           </a:p>
         </p:txBody>
       </p:sp>
@@ -7850,36 +7311,8 @@
           <a:lstStyle/>
           <a:p>
             <a:r>
-              <a:rPr lang="de-DE" dirty="0" err="1"/>
-              <a:t>Meaning</a:t>
-            </a:r>
-            <a:r>
-              <a:rPr lang="de-DE" dirty="0"/>
-              <a:t> </a:t>
-            </a:r>
-            <a:r>
-              <a:rPr lang="de-DE" dirty="0" err="1"/>
-              <a:t>of</a:t>
-            </a:r>
-            <a:r>
-              <a:rPr lang="de-DE" dirty="0"/>
-              <a:t> </a:t>
-            </a:r>
-            <a:r>
-              <a:rPr lang="de-DE" dirty="0" err="1"/>
-              <a:t>the</a:t>
-            </a:r>
-            <a:r>
-              <a:rPr lang="de-DE" dirty="0"/>
-              <a:t> </a:t>
-            </a:r>
-            <a:r>
-              <a:rPr lang="de-DE" dirty="0" err="1"/>
-              <a:t>shifts</a:t>
-            </a:r>
-            <a:r>
-              <a:rPr lang="de-DE" dirty="0"/>
-              <a:t>  </a:t>
+              <a:rPr lang="en-GB" noProof="0" dirty="0"/>
+              <a:t>Meaning of the shifts  </a:t>
             </a:r>
           </a:p>
         </p:txBody>
@@ -7960,12 +7393,8 @@
           <a:lstStyle/>
           <a:p>
             <a:r>
-              <a:rPr lang="de-DE" dirty="0" err="1"/>
-              <a:t>Left</a:t>
-            </a:r>
-            <a:r>
-              <a:rPr lang="de-DE" dirty="0"/>
-              <a:t> shift (1.)</a:t>
+              <a:rPr lang="en-GB" noProof="0" dirty="0"/>
+              <a:t>Left shift (1.)</a:t>
             </a:r>
           </a:p>
         </p:txBody>
@@ -8046,7 +7475,7 @@
           <a:lstStyle/>
           <a:p>
             <a:r>
-              <a:rPr lang="de-DE" dirty="0"/>
+              <a:rPr lang="en-GB" noProof="0" dirty="0"/>
               <a:t>Right shift (1.)</a:t>
             </a:r>
           </a:p>
@@ -8128,12 +7557,8 @@
           <a:lstStyle/>
           <a:p>
             <a:r>
-              <a:rPr lang="de-DE" dirty="0" err="1"/>
-              <a:t>No</a:t>
-            </a:r>
-            <a:r>
-              <a:rPr lang="de-DE" dirty="0"/>
-              <a:t> shift (3.)</a:t>
+              <a:rPr lang="en-GB" noProof="0" dirty="0"/>
+              <a:t>No shift (3.)</a:t>
             </a:r>
           </a:p>
         </p:txBody>
@@ -8214,7 +7639,7 @@
           <a:lstStyle/>
           <a:p>
             <a:r>
-              <a:rPr lang="de-DE" dirty="0"/>
+              <a:rPr lang="en-GB" noProof="0" dirty="0"/>
               <a:t>Partial shift (2.) </a:t>
             </a:r>
           </a:p>
@@ -8296,12 +7721,8 @@
           <a:lstStyle/>
           <a:p>
             <a:r>
-              <a:rPr lang="de-DE" dirty="0" err="1"/>
-              <a:t>Precipitated</a:t>
-            </a:r>
-            <a:r>
-              <a:rPr lang="de-DE" dirty="0"/>
-              <a:t> (1.)</a:t>
+              <a:rPr lang="en-GB" noProof="0" dirty="0"/>
+              <a:t>Precipitated (1.)</a:t>
             </a:r>
           </a:p>
         </p:txBody>
@@ -8340,77 +7761,35 @@
           <a:lstStyle/>
           <a:p>
             <a:r>
-              <a:rPr lang="de-DE" sz="2000" dirty="0"/>
-              <a:t>Classification </a:t>
-            </a:r>
-            <a:r>
-              <a:rPr lang="de-DE" sz="2000" dirty="0" err="1"/>
-              <a:t>of</a:t>
-            </a:r>
-            <a:r>
-              <a:rPr lang="de-DE" sz="2000" dirty="0"/>
-              <a:t> </a:t>
-            </a:r>
-            <a:r>
-              <a:rPr lang="de-DE" sz="2000" dirty="0" err="1"/>
-              <a:t>proteins</a:t>
-            </a:r>
-            <a:r>
-              <a:rPr lang="de-DE" sz="2000" dirty="0"/>
-              <a:t>:</a:t>
-            </a:r>
-          </a:p>
-          <a:p>
-            <a:endParaRPr lang="de-DE" sz="2000" dirty="0"/>
-          </a:p>
-          <a:p>
-            <a:r>
-              <a:rPr lang="de-DE" sz="2000" dirty="0"/>
-              <a:t>1. RNA-</a:t>
-            </a:r>
-            <a:r>
-              <a:rPr lang="de-DE" sz="2000" dirty="0" err="1"/>
-              <a:t>dependent</a:t>
-            </a:r>
-            <a:endParaRPr lang="de-DE" sz="2000" dirty="0"/>
-          </a:p>
-          <a:p>
-            <a:endParaRPr lang="de-DE" sz="800" dirty="0"/>
-          </a:p>
-          <a:p>
-            <a:r>
-              <a:rPr lang="de-DE" sz="2000" dirty="0"/>
-              <a:t>2. </a:t>
-            </a:r>
-            <a:r>
-              <a:rPr lang="de-DE" sz="2000" dirty="0" err="1"/>
-              <a:t>Partially</a:t>
-            </a:r>
-            <a:r>
-              <a:rPr lang="de-DE" sz="2000" dirty="0"/>
-              <a:t> RNA-</a:t>
-            </a:r>
-            <a:r>
-              <a:rPr lang="de-DE" sz="2000" dirty="0" err="1"/>
-              <a:t>dependent</a:t>
-            </a:r>
-            <a:endParaRPr lang="de-DE" sz="2000" dirty="0"/>
-          </a:p>
-          <a:p>
-            <a:endParaRPr lang="de-DE" sz="800" dirty="0"/>
-          </a:p>
-          <a:p>
-            <a:r>
-              <a:rPr lang="de-DE" sz="2000" dirty="0"/>
-              <a:t>3. Not RNA-</a:t>
-            </a:r>
-            <a:r>
-              <a:rPr lang="de-DE" sz="2000" dirty="0" err="1"/>
-              <a:t>dependent</a:t>
-            </a:r>
-            <a:r>
-              <a:rPr lang="de-DE" sz="2000" dirty="0"/>
-              <a:t> </a:t>
+              <a:rPr lang="en-GB" sz="2000" noProof="0" dirty="0"/>
+              <a:t>Classification of proteins:</a:t>
+            </a:r>
+          </a:p>
+          <a:p>
+            <a:endParaRPr lang="en-GB" sz="2000" noProof="0" dirty="0"/>
+          </a:p>
+          <a:p>
+            <a:r>
+              <a:rPr lang="en-GB" sz="2000" noProof="0" dirty="0"/>
+              <a:t>1. RNA-dependent</a:t>
+            </a:r>
+          </a:p>
+          <a:p>
+            <a:endParaRPr lang="en-GB" sz="800" noProof="0" dirty="0"/>
+          </a:p>
+          <a:p>
+            <a:r>
+              <a:rPr lang="en-GB" sz="2000" noProof="0" dirty="0"/>
+              <a:t>2. Partially RNA-dependent</a:t>
+            </a:r>
+          </a:p>
+          <a:p>
+            <a:endParaRPr lang="en-GB" sz="800" noProof="0" dirty="0"/>
+          </a:p>
+          <a:p>
+            <a:r>
+              <a:rPr lang="en-GB" sz="2000" noProof="0" dirty="0"/>
+              <a:t>3. Not RNA-dependent </a:t>
             </a:r>
           </a:p>
         </p:txBody>
@@ -8923,135 +8302,42 @@
           <a:lstStyle/>
           <a:p>
             <a:r>
-              <a:rPr lang="de-DE" sz="2000" dirty="0" err="1"/>
-              <a:t>Mass</a:t>
-            </a:r>
-            <a:r>
-              <a:rPr lang="de-DE" sz="2000" dirty="0"/>
-              <a:t> </a:t>
-            </a:r>
-            <a:r>
-              <a:rPr lang="de-DE" sz="2000" dirty="0" err="1"/>
-              <a:t>spectrometric</a:t>
-            </a:r>
-            <a:r>
-              <a:rPr lang="de-DE" sz="2000" dirty="0"/>
-              <a:t> quantitative </a:t>
-            </a:r>
-            <a:r>
-              <a:rPr lang="de-DE" sz="2000" dirty="0" err="1"/>
-              <a:t>results</a:t>
-            </a:r>
-            <a:r>
-              <a:rPr lang="de-DE" sz="2000" dirty="0"/>
-              <a:t> per </a:t>
-            </a:r>
-            <a:r>
-              <a:rPr lang="de-DE" sz="2000" dirty="0" err="1"/>
-              <a:t>protein</a:t>
-            </a:r>
-            <a:r>
-              <a:rPr lang="de-DE" sz="2000" dirty="0"/>
-              <a:t> per </a:t>
-            </a:r>
-            <a:r>
-              <a:rPr lang="de-DE" sz="2000" dirty="0" err="1"/>
-              <a:t>fraction</a:t>
-            </a:r>
-            <a:endParaRPr lang="de-DE" sz="2000" dirty="0"/>
+              <a:rPr lang="en-GB" sz="2000" noProof="0" dirty="0"/>
+              <a:t>Mass spectrometric quantitative results per protein per fraction</a:t>
+            </a:r>
           </a:p>
           <a:p>
             <a:pPr marL="0" indent="0">
               <a:buNone/>
             </a:pPr>
-            <a:endParaRPr lang="de-DE" sz="800" dirty="0"/>
-          </a:p>
-          <a:p>
-            <a:r>
-              <a:rPr lang="de-DE" sz="2000" dirty="0" err="1"/>
-              <a:t>Comparison</a:t>
-            </a:r>
-            <a:r>
-              <a:rPr lang="de-DE" sz="2000" dirty="0"/>
-              <a:t> </a:t>
-            </a:r>
-            <a:r>
-              <a:rPr lang="de-DE" sz="2000" dirty="0" err="1"/>
-              <a:t>of</a:t>
-            </a:r>
-            <a:r>
-              <a:rPr lang="de-DE" sz="2000" dirty="0"/>
-              <a:t> </a:t>
-            </a:r>
-            <a:r>
-              <a:rPr lang="de-DE" sz="2000" dirty="0" err="1"/>
-              <a:t>the</a:t>
-            </a:r>
-            <a:r>
-              <a:rPr lang="de-DE" sz="2000" dirty="0"/>
-              <a:t> </a:t>
-            </a:r>
-            <a:r>
-              <a:rPr lang="de-DE" sz="2000" dirty="0" err="1"/>
+            <a:endParaRPr lang="en-GB" sz="800" noProof="0" dirty="0"/>
+          </a:p>
+          <a:p>
+            <a:r>
+              <a:rPr lang="en-GB" sz="2000" noProof="0" dirty="0"/>
+              <a:t>Comparison of the </a:t>
+            </a:r>
+            <a:r>
+              <a:rPr lang="en-GB" sz="2000" noProof="0" dirty="0" err="1"/>
               <a:t>occurence</a:t>
             </a:r>
             <a:r>
-              <a:rPr lang="de-DE" sz="2000" dirty="0"/>
-              <a:t> </a:t>
-            </a:r>
-            <a:r>
-              <a:rPr lang="de-DE" sz="2000" dirty="0" err="1"/>
-              <a:t>of</a:t>
-            </a:r>
-            <a:r>
-              <a:rPr lang="de-DE" sz="2000" dirty="0"/>
-              <a:t> </a:t>
-            </a:r>
-            <a:r>
-              <a:rPr lang="de-DE" sz="2000" dirty="0" err="1"/>
-              <a:t>proteins</a:t>
-            </a:r>
-            <a:r>
-              <a:rPr lang="de-DE" sz="2000" dirty="0"/>
-              <a:t> in different </a:t>
-            </a:r>
-            <a:r>
-              <a:rPr lang="de-DE" sz="2000" dirty="0" err="1"/>
-              <a:t>fractions</a:t>
-            </a:r>
-            <a:r>
-              <a:rPr lang="de-DE" sz="2000" dirty="0"/>
-              <a:t> </a:t>
-            </a:r>
-            <a:r>
-              <a:rPr lang="de-DE" sz="2000" dirty="0" err="1"/>
-              <a:t>of</a:t>
-            </a:r>
-            <a:r>
-              <a:rPr lang="de-DE" sz="2000" dirty="0"/>
-              <a:t> Control and </a:t>
-            </a:r>
-            <a:r>
-              <a:rPr lang="de-DE" sz="2000" dirty="0" err="1"/>
-              <a:t>RNase</a:t>
-            </a:r>
-            <a:r>
-              <a:rPr lang="de-DE" sz="2000" dirty="0"/>
-              <a:t> </a:t>
-            </a:r>
-          </a:p>
-          <a:p>
-            <a:endParaRPr lang="de-DE" sz="800" dirty="0"/>
-          </a:p>
-          <a:p>
-            <a:endParaRPr lang="de-DE" sz="800" dirty="0"/>
+              <a:rPr lang="en-GB" sz="2000" noProof="0" dirty="0"/>
+              <a:t> of proteins in different fractions of Control and RNase </a:t>
+            </a:r>
+          </a:p>
+          <a:p>
+            <a:endParaRPr lang="en-GB" sz="800" noProof="0" dirty="0"/>
+          </a:p>
+          <a:p>
+            <a:endParaRPr lang="en-GB" sz="800" noProof="0" dirty="0"/>
           </a:p>
           <a:p>
             <a:pPr marL="0" indent="0">
               <a:buNone/>
             </a:pPr>
             <a:r>
-              <a:rPr lang="de-DE" b="1" dirty="0">
+              <a:rPr lang="en-GB" b="1" noProof="0" dirty="0">
                 <a:sym typeface="Wingdings" panose="05000000000000000000" pitchFamily="2" charset="2"/>
               </a:rPr>
               <a:t> </a:t>
@@ -9060,19 +8346,18 @@
               <a:rPr lang="en-GB" b="1" noProof="0" dirty="0"/>
               <a:t>Which proteins are RNA-dependent?</a:t>
             </a:r>
-            <a:endParaRPr lang="de-DE" b="1" dirty="0"/>
           </a:p>
           <a:p>
             <a:pPr marL="0" indent="0">
               <a:buNone/>
             </a:pPr>
-            <a:endParaRPr lang="de-DE" dirty="0"/>
+            <a:endParaRPr lang="en-GB" noProof="0" dirty="0"/>
           </a:p>
           <a:p>
             <a:pPr marL="0" indent="0">
               <a:buNone/>
             </a:pPr>
-            <a:endParaRPr lang="de-DE" dirty="0"/>
+            <a:endParaRPr lang="en-GB" noProof="0" dirty="0"/>
           </a:p>
         </p:txBody>
       </p:sp>
@@ -9188,24 +8473,8 @@
           <a:p>
             <a:pPr algn="ctr"/>
             <a:r>
-              <a:rPr lang="de-DE" sz="1400" dirty="0"/>
-              <a:t>Control and </a:t>
-            </a:r>
-            <a:r>
-              <a:rPr lang="de-DE" sz="1400" dirty="0" err="1"/>
-              <a:t>RNase</a:t>
-            </a:r>
-            <a:r>
-              <a:rPr lang="de-DE" sz="1400" dirty="0"/>
-              <a:t> </a:t>
-            </a:r>
-            <a:r>
-              <a:rPr lang="de-DE" sz="1400" dirty="0" err="1"/>
-              <a:t>fractions</a:t>
-            </a:r>
-            <a:r>
-              <a:rPr lang="de-DE" sz="1400" dirty="0"/>
-              <a:t> </a:t>
+              <a:rPr lang="en-GB" sz="1400" noProof="0" dirty="0"/>
+              <a:t>Control and RNase fractions </a:t>
             </a:r>
           </a:p>
         </p:txBody>
@@ -9239,7 +8508,7 @@
           <a:lstStyle/>
           <a:p>
             <a:r>
-              <a:rPr lang="de-DE" sz="1400" dirty="0"/>
+              <a:rPr lang="en-GB" sz="1400" noProof="0" dirty="0"/>
               <a:t>Different Proteins </a:t>
             </a:r>
           </a:p>
@@ -9274,7 +8543,7 @@
           <a:lstStyle/>
           <a:p>
             <a:r>
-              <a:rPr lang="de-DE" dirty="0"/>
+              <a:rPr lang="en-GB" noProof="0" dirty="0"/>
               <a:t>Dimension: 4765 x 150</a:t>
             </a:r>
           </a:p>
@@ -9308,52 +8577,8 @@
           <a:p>
             <a:pPr algn="ctr"/>
             <a:r>
-              <a:rPr lang="de-DE" dirty="0" err="1"/>
-              <a:t>What</a:t>
-            </a:r>
-            <a:r>
-              <a:rPr lang="de-DE" dirty="0"/>
-              <a:t> </a:t>
-            </a:r>
-            <a:r>
-              <a:rPr lang="de-DE" dirty="0" err="1"/>
-              <a:t>is</a:t>
-            </a:r>
-            <a:r>
-              <a:rPr lang="de-DE" dirty="0"/>
-              <a:t> </a:t>
-            </a:r>
-            <a:r>
-              <a:rPr lang="de-DE" dirty="0" err="1"/>
-              <a:t>our</a:t>
-            </a:r>
-            <a:r>
-              <a:rPr lang="de-DE" dirty="0"/>
-              <a:t> </a:t>
-            </a:r>
-            <a:r>
-              <a:rPr lang="de-DE" dirty="0" err="1"/>
-              <a:t>data</a:t>
-            </a:r>
-            <a:r>
-              <a:rPr lang="de-DE" dirty="0"/>
-              <a:t> </a:t>
-            </a:r>
-            <a:r>
-              <a:rPr lang="de-DE" dirty="0" err="1"/>
-              <a:t>set</a:t>
-            </a:r>
-            <a:r>
-              <a:rPr lang="de-DE" dirty="0"/>
-              <a:t> </a:t>
-            </a:r>
-            <a:r>
-              <a:rPr lang="de-DE" dirty="0" err="1"/>
-              <a:t>showing</a:t>
-            </a:r>
-            <a:r>
-              <a:rPr lang="de-DE" dirty="0"/>
-              <a:t>?  </a:t>
+              <a:rPr lang="en-GB" noProof="0" dirty="0"/>
+              <a:t>What is our data set showing?  </a:t>
             </a:r>
           </a:p>
         </p:txBody>
@@ -9758,124 +8983,42 @@
           <a:lstStyle/>
           <a:p>
             <a:r>
-              <a:rPr lang="de-DE" sz="2000" dirty="0" err="1"/>
-              <a:t>Mass</a:t>
-            </a:r>
-            <a:r>
-              <a:rPr lang="de-DE" sz="2000" dirty="0"/>
-              <a:t> </a:t>
-            </a:r>
-            <a:r>
-              <a:rPr lang="de-DE" sz="2000" dirty="0" err="1"/>
-              <a:t>spectrometric</a:t>
-            </a:r>
-            <a:r>
-              <a:rPr lang="de-DE" sz="2000" dirty="0"/>
-              <a:t> quantitative </a:t>
-            </a:r>
-            <a:r>
-              <a:rPr lang="de-DE" sz="2000" dirty="0" err="1"/>
-              <a:t>results</a:t>
-            </a:r>
-            <a:r>
-              <a:rPr lang="de-DE" sz="2000" dirty="0"/>
-              <a:t> per </a:t>
-            </a:r>
-            <a:r>
-              <a:rPr lang="de-DE" sz="2000" dirty="0" err="1"/>
-              <a:t>protein</a:t>
-            </a:r>
-            <a:r>
-              <a:rPr lang="de-DE" sz="2000" dirty="0"/>
-              <a:t> per </a:t>
-            </a:r>
-            <a:r>
-              <a:rPr lang="de-DE" sz="2000" dirty="0" err="1"/>
-              <a:t>fraction</a:t>
-            </a:r>
-            <a:endParaRPr lang="de-DE" sz="2000" dirty="0"/>
+              <a:rPr lang="en-GB" sz="2000" noProof="0" dirty="0"/>
+              <a:t>Mass spectrometric quantitative results per protein per fraction</a:t>
+            </a:r>
           </a:p>
           <a:p>
             <a:pPr marL="0" indent="0">
               <a:buNone/>
             </a:pPr>
-            <a:endParaRPr lang="de-DE" sz="800" dirty="0"/>
-          </a:p>
-          <a:p>
-            <a:r>
-              <a:rPr lang="de-DE" sz="2000" dirty="0" err="1"/>
-              <a:t>Allows</a:t>
-            </a:r>
-            <a:r>
-              <a:rPr lang="de-DE" sz="2000" dirty="0"/>
-              <a:t> relative </a:t>
-            </a:r>
-            <a:r>
-              <a:rPr lang="de-DE" sz="2000" dirty="0" err="1"/>
-              <a:t>comparison</a:t>
-            </a:r>
-            <a:r>
-              <a:rPr lang="de-DE" sz="2000" dirty="0"/>
-              <a:t> </a:t>
-            </a:r>
-            <a:r>
-              <a:rPr lang="de-DE" sz="2000" dirty="0" err="1"/>
-              <a:t>of</a:t>
-            </a:r>
-            <a:r>
-              <a:rPr lang="de-DE" sz="2000" dirty="0"/>
-              <a:t> </a:t>
-            </a:r>
-            <a:r>
-              <a:rPr lang="de-DE" sz="2000" dirty="0" err="1"/>
-              <a:t>the</a:t>
-            </a:r>
-            <a:r>
-              <a:rPr lang="de-DE" sz="2000" dirty="0"/>
-              <a:t> </a:t>
-            </a:r>
-            <a:r>
-              <a:rPr lang="de-DE" sz="2000" dirty="0" err="1"/>
+            <a:endParaRPr lang="en-GB" sz="800" noProof="0" dirty="0"/>
+          </a:p>
+          <a:p>
+            <a:r>
+              <a:rPr lang="en-GB" sz="2000" noProof="0" dirty="0"/>
+              <a:t>Allows relative comparison of the </a:t>
+            </a:r>
+            <a:r>
+              <a:rPr lang="en-GB" sz="2000" noProof="0" dirty="0" err="1"/>
               <a:t>occurence</a:t>
             </a:r>
             <a:r>
-              <a:rPr lang="de-DE" sz="2000" dirty="0"/>
-              <a:t> </a:t>
-            </a:r>
-            <a:r>
-              <a:rPr lang="de-DE" sz="2000" dirty="0" err="1"/>
-              <a:t>of</a:t>
-            </a:r>
-            <a:r>
-              <a:rPr lang="de-DE" sz="2000" dirty="0"/>
-              <a:t> </a:t>
-            </a:r>
-            <a:r>
-              <a:rPr lang="de-DE" sz="2000" dirty="0" err="1"/>
-              <a:t>proteins</a:t>
-            </a:r>
-            <a:r>
-              <a:rPr lang="de-DE" sz="2000" dirty="0"/>
-              <a:t> in different </a:t>
-            </a:r>
-            <a:r>
-              <a:rPr lang="de-DE" sz="2000" dirty="0" err="1"/>
-              <a:t>fractions</a:t>
-            </a:r>
-            <a:endParaRPr lang="de-DE" sz="2000" dirty="0"/>
+              <a:rPr lang="en-GB" sz="2000" noProof="0" dirty="0"/>
+              <a:t> of proteins in different fractions</a:t>
+            </a:r>
           </a:p>
           <a:p>
             <a:pPr marL="0" indent="0">
               <a:buNone/>
             </a:pPr>
-            <a:endParaRPr lang="de-DE" sz="800" dirty="0"/>
+            <a:endParaRPr lang="en-GB" sz="800" noProof="0" dirty="0"/>
           </a:p>
           <a:p>
             <a:pPr marL="0" indent="0">
               <a:buNone/>
             </a:pPr>
             <a:r>
-              <a:rPr lang="de-DE" sz="2400" b="1" dirty="0">
+              <a:rPr lang="en-GB" sz="2400" b="1" noProof="0" dirty="0">
                 <a:sym typeface="Wingdings" panose="05000000000000000000" pitchFamily="2" charset="2"/>
               </a:rPr>
               <a:t> </a:t>
@@ -9884,19 +9027,18 @@
               <a:rPr lang="en-GB" sz="2400" b="1" noProof="0" dirty="0"/>
               <a:t>Which proteins in the non-synchronized HeLa cells are RNA-dependent proteins?</a:t>
             </a:r>
-            <a:endParaRPr lang="de-DE" sz="2400" b="1" dirty="0"/>
           </a:p>
           <a:p>
             <a:pPr marL="0" indent="0">
               <a:buNone/>
             </a:pPr>
-            <a:endParaRPr lang="de-DE" dirty="0"/>
+            <a:endParaRPr lang="en-GB" noProof="0" dirty="0"/>
           </a:p>
           <a:p>
             <a:pPr marL="0" indent="0">
               <a:buNone/>
             </a:pPr>
-            <a:endParaRPr lang="de-DE" dirty="0"/>
+            <a:endParaRPr lang="en-GB" noProof="0" dirty="0"/>
           </a:p>
         </p:txBody>
       </p:sp>
@@ -10012,32 +9154,8 @@
           <a:p>
             <a:pPr algn="ctr"/>
             <a:r>
-              <a:rPr lang="de-DE" sz="1400" dirty="0"/>
-              <a:t>Control and </a:t>
-            </a:r>
-            <a:r>
-              <a:rPr lang="de-DE" sz="1400" dirty="0" err="1"/>
-              <a:t>RNase</a:t>
-            </a:r>
-            <a:r>
-              <a:rPr lang="de-DE" sz="1400" dirty="0"/>
-              <a:t> </a:t>
-            </a:r>
-            <a:r>
-              <a:rPr lang="de-DE" sz="1400" dirty="0" err="1"/>
-              <a:t>fractions</a:t>
-            </a:r>
-            <a:r>
-              <a:rPr lang="de-DE" sz="1400" dirty="0"/>
-              <a:t> 1-25 in </a:t>
-            </a:r>
-            <a:r>
-              <a:rPr lang="de-DE" sz="1400" dirty="0" err="1"/>
-              <a:t>triplicates</a:t>
-            </a:r>
-            <a:r>
-              <a:rPr lang="de-DE" sz="1400" dirty="0"/>
-              <a:t> </a:t>
+              <a:rPr lang="en-GB" sz="1400" noProof="0" dirty="0"/>
+              <a:t>Control and RNase fractions 1-25 in triplicates </a:t>
             </a:r>
           </a:p>
         </p:txBody>
@@ -10071,7 +9189,7 @@
           <a:lstStyle/>
           <a:p>
             <a:r>
-              <a:rPr lang="de-DE" sz="1400" dirty="0"/>
+              <a:rPr lang="en-GB" sz="1400" noProof="0" dirty="0"/>
               <a:t>Different Proteins </a:t>
             </a:r>
           </a:p>
@@ -10106,7 +9224,7 @@
           <a:lstStyle/>
           <a:p>
             <a:r>
-              <a:rPr lang="de-DE" dirty="0"/>
+              <a:rPr lang="en-GB" noProof="0" dirty="0"/>
               <a:t>Dimension: 4765 x 150</a:t>
             </a:r>
           </a:p>
@@ -10140,52 +9258,8 @@
           <a:p>
             <a:pPr algn="ctr"/>
             <a:r>
-              <a:rPr lang="de-DE" dirty="0" err="1"/>
-              <a:t>What</a:t>
-            </a:r>
-            <a:r>
-              <a:rPr lang="de-DE" dirty="0"/>
-              <a:t> </a:t>
-            </a:r>
-            <a:r>
-              <a:rPr lang="de-DE" dirty="0" err="1"/>
-              <a:t>is</a:t>
-            </a:r>
-            <a:r>
-              <a:rPr lang="de-DE" dirty="0"/>
-              <a:t> </a:t>
-            </a:r>
-            <a:r>
-              <a:rPr lang="de-DE" dirty="0" err="1"/>
-              <a:t>our</a:t>
-            </a:r>
-            <a:r>
-              <a:rPr lang="de-DE" dirty="0"/>
-              <a:t> </a:t>
-            </a:r>
-            <a:r>
-              <a:rPr lang="de-DE" dirty="0" err="1"/>
-              <a:t>data</a:t>
-            </a:r>
-            <a:r>
-              <a:rPr lang="de-DE" dirty="0"/>
-              <a:t> </a:t>
-            </a:r>
-            <a:r>
-              <a:rPr lang="de-DE" dirty="0" err="1"/>
-              <a:t>set</a:t>
-            </a:r>
-            <a:r>
-              <a:rPr lang="de-DE" dirty="0"/>
-              <a:t> </a:t>
-            </a:r>
-            <a:r>
-              <a:rPr lang="de-DE" dirty="0" err="1"/>
-              <a:t>showing</a:t>
-            </a:r>
-            <a:r>
-              <a:rPr lang="de-DE" dirty="0"/>
-              <a:t>?  </a:t>
+              <a:rPr lang="en-GB" noProof="0" dirty="0"/>
+              <a:t>What is our data set showing?  </a:t>
             </a:r>
           </a:p>
         </p:txBody>
@@ -10401,7 +9475,7 @@
           <a:p>
             <a:pPr algn="ctr"/>
             <a:r>
-              <a:rPr lang="en-GB" sz="2400" dirty="0"/>
+              <a:rPr lang="en-GB" sz="2400" noProof="0" dirty="0"/>
               <a:t>non-synchronized HeLa cells</a:t>
             </a:r>
           </a:p>
@@ -10440,46 +9514,9 @@
               <a:buChar char="•"/>
             </a:pPr>
             <a:r>
-              <a:rPr lang="de-DE" sz="2400" dirty="0"/>
-              <a:t>RNA </a:t>
-            </a:r>
-            <a:r>
-              <a:rPr lang="de-DE" sz="2400" dirty="0" err="1"/>
-              <a:t>metabolism</a:t>
-            </a:r>
-            <a:r>
-              <a:rPr lang="de-DE" sz="2400" dirty="0"/>
-              <a:t> &amp; </a:t>
-            </a:r>
-            <a:r>
-              <a:rPr lang="de-DE" sz="2400" dirty="0" err="1"/>
-              <a:t>regulation</a:t>
-            </a:r>
-            <a:r>
-              <a:rPr lang="de-DE" sz="2400" dirty="0"/>
-              <a:t> </a:t>
-            </a:r>
-            <a:r>
-              <a:rPr lang="de-DE" sz="2400" dirty="0" err="1"/>
-              <a:t>of</a:t>
-            </a:r>
-            <a:r>
-              <a:rPr lang="de-DE" sz="2400" dirty="0"/>
-              <a:t> </a:t>
-            </a:r>
-            <a:r>
-              <a:rPr lang="de-DE" sz="2400" dirty="0" err="1"/>
-              <a:t>gene</a:t>
-            </a:r>
-            <a:r>
-              <a:rPr lang="de-DE" sz="2400" dirty="0"/>
-              <a:t> </a:t>
-            </a:r>
-            <a:r>
-              <a:rPr lang="de-DE" sz="2400" dirty="0" err="1"/>
-              <a:t>expression</a:t>
-            </a:r>
-            <a:endParaRPr lang="de-DE" sz="2400" dirty="0"/>
+              <a:rPr lang="en-GB" sz="2400" noProof="0" dirty="0"/>
+              <a:t>RNA metabolism &amp; regulation of gene expression</a:t>
+            </a:r>
           </a:p>
           <a:p>
             <a:pPr marL="342900" indent="-342900">
@@ -10487,54 +9524,10 @@
               <a:buChar char="•"/>
             </a:pPr>
             <a:r>
-              <a:rPr lang="de-DE" sz="2400" dirty="0" err="1"/>
-              <a:t>Defects</a:t>
-            </a:r>
-            <a:r>
-              <a:rPr lang="de-DE" sz="2400" dirty="0"/>
-              <a:t> </a:t>
-            </a:r>
-            <a:r>
-              <a:rPr lang="de-DE" sz="2400" dirty="0" err="1"/>
-              <a:t>are</a:t>
-            </a:r>
-            <a:r>
-              <a:rPr lang="de-DE" sz="2400" dirty="0"/>
-              <a:t> </a:t>
-            </a:r>
-            <a:r>
-              <a:rPr lang="de-DE" sz="2400" dirty="0" err="1"/>
-              <a:t>linked</a:t>
-            </a:r>
-            <a:r>
-              <a:rPr lang="de-DE" sz="2400" dirty="0"/>
-              <a:t> </a:t>
-            </a:r>
-            <a:r>
-              <a:rPr lang="de-DE" sz="2400" dirty="0" err="1"/>
-              <a:t>to</a:t>
-            </a:r>
-            <a:r>
-              <a:rPr lang="de-DE" sz="2400" dirty="0"/>
-              <a:t>  neurodegenerative </a:t>
-            </a:r>
-            <a:r>
-              <a:rPr lang="de-DE" sz="2400" dirty="0" err="1"/>
-              <a:t>disorders</a:t>
-            </a:r>
-            <a:r>
-              <a:rPr lang="de-DE" sz="2400" dirty="0"/>
-              <a:t> and </a:t>
-            </a:r>
-            <a:r>
-              <a:rPr lang="de-DE" sz="2400" dirty="0" err="1"/>
-              <a:t>cancer</a:t>
-            </a:r>
-            <a:r>
-              <a:rPr lang="de-DE" sz="2400" dirty="0"/>
-              <a:t> </a:t>
-            </a:r>
-            <a:endParaRPr lang="de-DE" dirty="0"/>
+              <a:rPr lang="en-GB" sz="2400" noProof="0" dirty="0"/>
+              <a:t>Defects are linked to  neurodegenerative disorders and cancer </a:t>
+            </a:r>
+            <a:endParaRPr lang="en-GB" noProof="0" dirty="0"/>
           </a:p>
         </p:txBody>
       </p:sp>
@@ -10766,24 +9759,16 @@
           <a:p>
             <a:pPr algn="ctr"/>
             <a:r>
-              <a:rPr lang="de-DE" dirty="0"/>
+              <a:rPr lang="en-GB" noProof="0" dirty="0"/>
               <a:t>R-</a:t>
             </a:r>
             <a:r>
-              <a:rPr lang="de-DE" dirty="0" err="1"/>
+              <a:rPr lang="en-GB" noProof="0" dirty="0" err="1"/>
               <a:t>DeeP</a:t>
             </a:r>
             <a:r>
-              <a:rPr lang="de-DE" dirty="0"/>
-              <a:t> – </a:t>
-            </a:r>
-            <a:r>
-              <a:rPr lang="de-DE" dirty="0" err="1"/>
-              <a:t>Principle</a:t>
-            </a:r>
-            <a:r>
-              <a:rPr lang="de-DE" dirty="0"/>
-              <a:t> </a:t>
+              <a:rPr lang="en-GB" noProof="0" dirty="0"/>
+              <a:t> – Principle </a:t>
             </a:r>
           </a:p>
         </p:txBody>
@@ -10822,70 +9807,10 @@
               </a:lnSpc>
             </a:pPr>
             <a:r>
-              <a:rPr lang="de-DE" sz="2000" dirty="0">
+              <a:rPr lang="en-GB" sz="2000" noProof="0" dirty="0">
                 <a:sym typeface="Wingdings" panose="05000000000000000000" pitchFamily="2" charset="2"/>
               </a:rPr>
-              <a:t>RNA </a:t>
-            </a:r>
-            <a:r>
-              <a:rPr lang="de-DE" sz="2000" dirty="0" err="1">
-                <a:sym typeface="Wingdings" panose="05000000000000000000" pitchFamily="2" charset="2"/>
-              </a:rPr>
-              <a:t>degradation</a:t>
-            </a:r>
-            <a:r>
-              <a:rPr lang="de-DE" sz="2000" dirty="0">
-                <a:sym typeface="Wingdings" panose="05000000000000000000" pitchFamily="2" charset="2"/>
-              </a:rPr>
-              <a:t> </a:t>
-            </a:r>
-            <a:r>
-              <a:rPr lang="de-DE" sz="2000" dirty="0" err="1">
-                <a:sym typeface="Wingdings" panose="05000000000000000000" pitchFamily="2" charset="2"/>
-              </a:rPr>
-              <a:t>leads</a:t>
-            </a:r>
-            <a:r>
-              <a:rPr lang="de-DE" sz="2000" dirty="0">
-                <a:sym typeface="Wingdings" panose="05000000000000000000" pitchFamily="2" charset="2"/>
-              </a:rPr>
-              <a:t> </a:t>
-            </a:r>
-            <a:r>
-              <a:rPr lang="de-DE" sz="2000" dirty="0" err="1">
-                <a:sym typeface="Wingdings" panose="05000000000000000000" pitchFamily="2" charset="2"/>
-              </a:rPr>
-              <a:t>to</a:t>
-            </a:r>
-            <a:r>
-              <a:rPr lang="de-DE" sz="2000" dirty="0">
-                <a:sym typeface="Wingdings" panose="05000000000000000000" pitchFamily="2" charset="2"/>
-              </a:rPr>
-              <a:t> </a:t>
-            </a:r>
-            <a:r>
-              <a:rPr lang="de-DE" sz="2000" dirty="0" err="1">
-                <a:sym typeface="Wingdings" panose="05000000000000000000" pitchFamily="2" charset="2"/>
-              </a:rPr>
-              <a:t>dissolved</a:t>
-            </a:r>
-            <a:r>
-              <a:rPr lang="de-DE" sz="2000" dirty="0">
-                <a:sym typeface="Wingdings" panose="05000000000000000000" pitchFamily="2" charset="2"/>
-              </a:rPr>
-              <a:t> RNP-</a:t>
-            </a:r>
-            <a:r>
-              <a:rPr lang="de-DE" sz="2000" dirty="0" err="1">
-                <a:sym typeface="Wingdings" panose="05000000000000000000" pitchFamily="2" charset="2"/>
-              </a:rPr>
-              <a:t>complexes</a:t>
-            </a:r>
-            <a:r>
-              <a:rPr lang="de-DE" sz="2000" dirty="0">
-                <a:sym typeface="Wingdings" panose="05000000000000000000" pitchFamily="2" charset="2"/>
-              </a:rPr>
-              <a:t> </a:t>
+              <a:t>RNA degradation leads to dissolved RNP-complexes </a:t>
             </a:r>
           </a:p>
           <a:p>
@@ -10895,7 +9820,7 @@
               </a:lnSpc>
               <a:buNone/>
             </a:pPr>
-            <a:endParaRPr lang="de-DE" sz="800" dirty="0">
+            <a:endParaRPr lang="en-GB" sz="800" noProof="0" dirty="0">
               <a:sym typeface="Wingdings" panose="05000000000000000000" pitchFamily="2" charset="2"/>
             </a:endParaRPr>
           </a:p>
@@ -10906,81 +9831,21 @@
               </a:lnSpc>
             </a:pPr>
             <a:r>
-              <a:rPr lang="de-DE" sz="2000" dirty="0" err="1">
+              <a:rPr lang="en-GB" sz="2000" noProof="0" dirty="0">
                 <a:sym typeface="Wingdings" panose="05000000000000000000" pitchFamily="2" charset="2"/>
               </a:rPr>
-              <a:t>Released</a:t>
-            </a:r>
-            <a:r>
-              <a:rPr lang="de-DE" sz="2000" dirty="0">
-                <a:sym typeface="Wingdings" panose="05000000000000000000" pitchFamily="2" charset="2"/>
-              </a:rPr>
-              <a:t> </a:t>
-            </a:r>
-            <a:r>
-              <a:rPr lang="de-DE" sz="2000" dirty="0" err="1">
-                <a:sym typeface="Wingdings" panose="05000000000000000000" pitchFamily="2" charset="2"/>
-              </a:rPr>
-              <a:t>proteins</a:t>
-            </a:r>
-            <a:r>
-              <a:rPr lang="de-DE" sz="2000" dirty="0">
-                <a:sym typeface="Wingdings" panose="05000000000000000000" pitchFamily="2" charset="2"/>
-              </a:rPr>
-              <a:t> </a:t>
-            </a:r>
-            <a:r>
-              <a:rPr lang="de-DE" sz="2000" dirty="0" err="1">
-                <a:sym typeface="Wingdings" panose="05000000000000000000" pitchFamily="2" charset="2"/>
-              </a:rPr>
-              <a:t>migrate</a:t>
-            </a:r>
-            <a:r>
-              <a:rPr lang="de-DE" sz="2000" dirty="0">
-                <a:sym typeface="Wingdings" panose="05000000000000000000" pitchFamily="2" charset="2"/>
-              </a:rPr>
-              <a:t> </a:t>
-            </a:r>
-            <a:r>
-              <a:rPr lang="de-DE" sz="2000" dirty="0" err="1">
-                <a:sym typeface="Wingdings" panose="05000000000000000000" pitchFamily="2" charset="2"/>
-              </a:rPr>
-              <a:t>into</a:t>
-            </a:r>
-            <a:r>
-              <a:rPr lang="de-DE" sz="2000" dirty="0">
-                <a:sym typeface="Wingdings" panose="05000000000000000000" pitchFamily="2" charset="2"/>
-              </a:rPr>
-              <a:t> different </a:t>
+              <a:t>Released proteins migrate into different </a:t>
             </a:r>
             <a:br>
-              <a:rPr lang="de-DE" sz="2000" dirty="0">
+              <a:rPr lang="en-GB" sz="2000" noProof="0" dirty="0">
                 <a:sym typeface="Wingdings" panose="05000000000000000000" pitchFamily="2" charset="2"/>
               </a:rPr>
             </a:br>
             <a:r>
-              <a:rPr lang="de-DE" sz="2000" dirty="0" err="1">
+              <a:rPr lang="en-GB" sz="2000" noProof="0" dirty="0">
                 <a:sym typeface="Wingdings" panose="05000000000000000000" pitchFamily="2" charset="2"/>
               </a:rPr>
-              <a:t>density</a:t>
-            </a:r>
-            <a:r>
-              <a:rPr lang="de-DE" sz="2000" dirty="0">
-                <a:sym typeface="Wingdings" panose="05000000000000000000" pitchFamily="2" charset="2"/>
-              </a:rPr>
-              <a:t> </a:t>
-            </a:r>
-            <a:r>
-              <a:rPr lang="de-DE" sz="2000" dirty="0" err="1">
-                <a:sym typeface="Wingdings" panose="05000000000000000000" pitchFamily="2" charset="2"/>
-              </a:rPr>
-              <a:t>fractions</a:t>
-            </a:r>
-            <a:r>
-              <a:rPr lang="de-DE" sz="2000" dirty="0">
-                <a:sym typeface="Wingdings" panose="05000000000000000000" pitchFamily="2" charset="2"/>
-              </a:rPr>
-              <a:t> </a:t>
+              <a:t>density fractions </a:t>
             </a:r>
           </a:p>
           <a:p>
@@ -10990,7 +9855,7 @@
               </a:lnSpc>
               <a:buNone/>
             </a:pPr>
-            <a:endParaRPr lang="de-DE" sz="800" dirty="0"/>
+            <a:endParaRPr lang="en-GB" sz="800" noProof="0" dirty="0"/>
           </a:p>
           <a:p>
             <a:pPr>
@@ -10999,96 +9864,18 @@
               </a:lnSpc>
             </a:pPr>
             <a:r>
-              <a:rPr lang="de-DE" sz="2000" dirty="0" err="1">
+              <a:rPr lang="en-GB" sz="2000" noProof="0" dirty="0">
                 <a:sym typeface="Wingdings" panose="05000000000000000000" pitchFamily="2" charset="2"/>
               </a:rPr>
-              <a:t>Quantity</a:t>
-            </a:r>
-            <a:r>
-              <a:rPr lang="de-DE" sz="2000" dirty="0">
-                <a:sym typeface="Wingdings" panose="05000000000000000000" pitchFamily="2" charset="2"/>
-              </a:rPr>
-              <a:t> </a:t>
-            </a:r>
-            <a:r>
-              <a:rPr lang="de-DE" sz="2000" dirty="0" err="1">
-                <a:sym typeface="Wingdings" panose="05000000000000000000" pitchFamily="2" charset="2"/>
-              </a:rPr>
-              <a:t>of</a:t>
-            </a:r>
-            <a:r>
-              <a:rPr lang="de-DE" sz="2000" dirty="0">
-                <a:sym typeface="Wingdings" panose="05000000000000000000" pitchFamily="2" charset="2"/>
-              </a:rPr>
-              <a:t> </a:t>
-            </a:r>
-            <a:r>
-              <a:rPr lang="de-DE" sz="2000" dirty="0" err="1">
-                <a:sym typeface="Wingdings" panose="05000000000000000000" pitchFamily="2" charset="2"/>
-              </a:rPr>
-              <a:t>peptides</a:t>
-            </a:r>
-            <a:r>
-              <a:rPr lang="de-DE" sz="2000" dirty="0">
-                <a:sym typeface="Wingdings" panose="05000000000000000000" pitchFamily="2" charset="2"/>
-              </a:rPr>
-              <a:t> in </a:t>
-            </a:r>
-            <a:r>
-              <a:rPr lang="de-DE" sz="2000" dirty="0" err="1">
-                <a:sym typeface="Wingdings" panose="05000000000000000000" pitchFamily="2" charset="2"/>
-              </a:rPr>
-              <a:t>the</a:t>
-            </a:r>
-            <a:r>
-              <a:rPr lang="de-DE" sz="2000" dirty="0">
-                <a:sym typeface="Wingdings" panose="05000000000000000000" pitchFamily="2" charset="2"/>
-              </a:rPr>
-              <a:t> different </a:t>
-            </a:r>
-            <a:r>
-              <a:rPr lang="de-DE" sz="2000" dirty="0" err="1">
-                <a:sym typeface="Wingdings" panose="05000000000000000000" pitchFamily="2" charset="2"/>
-              </a:rPr>
-              <a:t>density</a:t>
-            </a:r>
-            <a:r>
-              <a:rPr lang="de-DE" sz="2000" dirty="0">
-                <a:sym typeface="Wingdings" panose="05000000000000000000" pitchFamily="2" charset="2"/>
-              </a:rPr>
-              <a:t> </a:t>
-            </a:r>
-            <a:r>
-              <a:rPr lang="de-DE" sz="2000" dirty="0" err="1">
-                <a:sym typeface="Wingdings" panose="05000000000000000000" pitchFamily="2" charset="2"/>
-              </a:rPr>
-              <a:t>fractions</a:t>
-            </a:r>
-            <a:r>
-              <a:rPr lang="de-DE" sz="2000" dirty="0">
-                <a:sym typeface="Wingdings" panose="05000000000000000000" pitchFamily="2" charset="2"/>
-              </a:rPr>
-              <a:t> </a:t>
-            </a:r>
-            <a:r>
-              <a:rPr lang="de-DE" sz="2000" dirty="0" err="1">
-                <a:sym typeface="Wingdings" panose="05000000000000000000" pitchFamily="2" charset="2"/>
-              </a:rPr>
-              <a:t>is</a:t>
-            </a:r>
-            <a:r>
-              <a:rPr lang="de-DE" sz="2000" dirty="0">
-                <a:sym typeface="Wingdings" panose="05000000000000000000" pitchFamily="2" charset="2"/>
-              </a:rPr>
-              <a:t> </a:t>
-            </a:r>
-            <a:r>
-              <a:rPr lang="de-DE" sz="2000" dirty="0" err="1">
+              <a:t>Quantity of peptides in the different density fractions is </a:t>
+            </a:r>
+            <a:r>
+              <a:rPr lang="en-GB" sz="2000" noProof="0" dirty="0" err="1">
                 <a:sym typeface="Wingdings" panose="05000000000000000000" pitchFamily="2" charset="2"/>
               </a:rPr>
               <a:t>analyzed</a:t>
             </a:r>
-            <a:endParaRPr lang="de-DE" sz="2000" dirty="0"/>
+            <a:endParaRPr lang="en-GB" sz="2000" noProof="0" dirty="0"/>
           </a:p>
         </p:txBody>
       </p:sp>
@@ -11126,48 +9913,8 @@
           <a:lstStyle/>
           <a:p>
             <a:r>
-              <a:rPr lang="de-DE" sz="2400" dirty="0"/>
-              <a:t>An RNA-</a:t>
-            </a:r>
-            <a:r>
-              <a:rPr lang="de-DE" sz="2400" dirty="0" err="1"/>
-              <a:t>dependent</a:t>
-            </a:r>
-            <a:r>
-              <a:rPr lang="de-DE" sz="2400" dirty="0"/>
-              <a:t> </a:t>
-            </a:r>
-            <a:r>
-              <a:rPr lang="de-DE" sz="2400" dirty="0" err="1"/>
-              <a:t>protein</a:t>
-            </a:r>
-            <a:r>
-              <a:rPr lang="de-DE" sz="2400" dirty="0"/>
-              <a:t> </a:t>
-            </a:r>
-            <a:r>
-              <a:rPr lang="de-DE" sz="2400" dirty="0" err="1"/>
-              <a:t>must</a:t>
-            </a:r>
-            <a:r>
-              <a:rPr lang="de-DE" sz="2400" dirty="0"/>
-              <a:t> </a:t>
-            </a:r>
-            <a:r>
-              <a:rPr lang="de-DE" sz="2400" dirty="0" err="1"/>
-              <a:t>exhibit</a:t>
-            </a:r>
-            <a:r>
-              <a:rPr lang="de-DE" sz="2400" dirty="0"/>
-              <a:t> a </a:t>
-            </a:r>
-            <a:r>
-              <a:rPr lang="de-DE" sz="2400" dirty="0" err="1"/>
-              <a:t>significant</a:t>
-            </a:r>
-            <a:r>
-              <a:rPr lang="de-DE" sz="2400" dirty="0"/>
-              <a:t> shift </a:t>
+              <a:rPr lang="en-GB" sz="2400" noProof="0" dirty="0"/>
+              <a:t>An RNA-dependent protein must exhibit a significant shift </a:t>
             </a:r>
           </a:p>
         </p:txBody>
@@ -11201,127 +9948,17 @@
           <a:lstStyle/>
           <a:p>
             <a:r>
-              <a:rPr lang="de-DE" sz="1200" dirty="0" err="1">
+              <a:rPr lang="en-GB" sz="1200" noProof="0" dirty="0">
                 <a:solidFill>
                   <a:schemeClr val="bg1">
                     <a:lumMod val="65000"/>
                   </a:schemeClr>
                 </a:solidFill>
               </a:rPr>
-              <a:t>Adapted</a:t>
-            </a:r>
-            <a:r>
-              <a:rPr lang="de-DE" sz="1200" dirty="0">
-                <a:solidFill>
-                  <a:schemeClr val="bg1">
-                    <a:lumMod val="65000"/>
-                  </a:schemeClr>
-                </a:solidFill>
-              </a:rPr>
-              <a:t> </a:t>
-            </a:r>
-            <a:r>
-              <a:rPr lang="de-DE" sz="1200" dirty="0" err="1">
-                <a:solidFill>
-                  <a:schemeClr val="bg1">
-                    <a:lumMod val="65000"/>
-                  </a:schemeClr>
-                </a:solidFill>
-              </a:rPr>
-              <a:t>from</a:t>
-            </a:r>
-            <a:r>
-              <a:rPr lang="de-DE" sz="1200" dirty="0">
-                <a:solidFill>
-                  <a:schemeClr val="bg1">
-                    <a:lumMod val="65000"/>
-                  </a:schemeClr>
-                </a:solidFill>
-              </a:rPr>
-              <a:t>: Caudron-Herger, M., </a:t>
-            </a:r>
-            <a:r>
-              <a:rPr lang="de-DE" sz="1200" dirty="0" err="1">
-                <a:solidFill>
-                  <a:schemeClr val="bg1">
-                    <a:lumMod val="65000"/>
-                  </a:schemeClr>
-                </a:solidFill>
-              </a:rPr>
-              <a:t>Rusin</a:t>
-            </a:r>
-            <a:r>
-              <a:rPr lang="de-DE" sz="1200" dirty="0">
-                <a:solidFill>
-                  <a:schemeClr val="bg1">
-                    <a:lumMod val="65000"/>
-                  </a:schemeClr>
-                </a:solidFill>
-              </a:rPr>
-              <a:t>, </a:t>
-            </a:r>
-            <a:r>
-              <a:rPr lang="de-DE" sz="1200" dirty="0" err="1">
-                <a:solidFill>
-                  <a:schemeClr val="bg1">
-                    <a:lumMod val="65000"/>
-                  </a:schemeClr>
-                </a:solidFill>
-              </a:rPr>
-              <a:t>S.F</a:t>
-            </a:r>
-            <a:r>
-              <a:rPr lang="de-DE" sz="1200" dirty="0">
-                <a:solidFill>
-                  <a:schemeClr val="bg1">
-                    <a:lumMod val="65000"/>
-                  </a:schemeClr>
-                </a:solidFill>
-              </a:rPr>
-              <a:t>., Adamo, M.E., Seiler, J., Schmid, </a:t>
-            </a:r>
-            <a:r>
-              <a:rPr lang="de-DE" sz="1200" dirty="0" err="1">
-                <a:solidFill>
-                  <a:schemeClr val="bg1">
-                    <a:lumMod val="65000"/>
-                  </a:schemeClr>
-                </a:solidFill>
-              </a:rPr>
-              <a:t>V.K</a:t>
-            </a:r>
-            <a:r>
-              <a:rPr lang="de-DE" sz="1200" dirty="0">
-                <a:solidFill>
-                  <a:schemeClr val="bg1">
-                    <a:lumMod val="65000"/>
-                  </a:schemeClr>
-                </a:solidFill>
-              </a:rPr>
-              <a:t>., </a:t>
-            </a:r>
-            <a:r>
-              <a:rPr lang="de-DE" sz="1200" dirty="0" err="1">
-                <a:solidFill>
-                  <a:schemeClr val="bg1">
-                    <a:lumMod val="65000"/>
-                  </a:schemeClr>
-                </a:solidFill>
-              </a:rPr>
-              <a:t>Barreau</a:t>
-            </a:r>
-            <a:r>
-              <a:rPr lang="de-DE" sz="1200" dirty="0">
-                <a:solidFill>
-                  <a:schemeClr val="bg1">
-                    <a:lumMod val="65000"/>
-                  </a:schemeClr>
-                </a:solidFill>
-              </a:rPr>
-              <a:t>, E., Kettenbach, A.N., and Diederichs, S. (2019). R-</a:t>
-            </a:r>
-            <a:r>
-              <a:rPr lang="de-DE" sz="1200" dirty="0" err="1">
+              <a:t>Adapted from: Caudron-Herger, M., Rusin, S.F., Adamo, M.E., Seiler, J., Schmid, V.K., Barreau, E., Kettenbach, A.N., and Diederichs, S. (2019). R-</a:t>
+            </a:r>
+            <a:r>
+              <a:rPr lang="en-GB" sz="1200" noProof="0" dirty="0" err="1">
                 <a:solidFill>
                   <a:schemeClr val="bg1">
                     <a:lumMod val="65000"/>
@@ -11331,177 +9968,17 @@
               <a:t>DeeP</a:t>
             </a:r>
             <a:r>
-              <a:rPr lang="de-DE" sz="1200" dirty="0">
+              <a:rPr lang="en-GB" sz="1200" noProof="0" dirty="0">
                 <a:solidFill>
                   <a:schemeClr val="bg1">
                     <a:lumMod val="65000"/>
                   </a:schemeClr>
                 </a:solidFill>
               </a:rPr>
-              <a:t>: </a:t>
-            </a:r>
-            <a:r>
-              <a:rPr lang="de-DE" sz="1200" dirty="0" err="1">
-                <a:solidFill>
-                  <a:schemeClr val="bg1">
-                    <a:lumMod val="65000"/>
-                  </a:schemeClr>
-                </a:solidFill>
-              </a:rPr>
-              <a:t>Proteome-wide</a:t>
-            </a:r>
-            <a:r>
-              <a:rPr lang="de-DE" sz="1200" dirty="0">
-                <a:solidFill>
-                  <a:schemeClr val="bg1">
-                    <a:lumMod val="65000"/>
-                  </a:schemeClr>
-                </a:solidFill>
-              </a:rPr>
-              <a:t> and Quantitative </a:t>
-            </a:r>
-            <a:r>
-              <a:rPr lang="de-DE" sz="1200" dirty="0" err="1">
-                <a:solidFill>
-                  <a:schemeClr val="bg1">
-                    <a:lumMod val="65000"/>
-                  </a:schemeClr>
-                </a:solidFill>
-              </a:rPr>
-              <a:t>Identification</a:t>
-            </a:r>
-            <a:r>
-              <a:rPr lang="de-DE" sz="1200" dirty="0">
-                <a:solidFill>
-                  <a:schemeClr val="bg1">
-                    <a:lumMod val="65000"/>
-                  </a:schemeClr>
-                </a:solidFill>
-              </a:rPr>
-              <a:t> </a:t>
-            </a:r>
-            <a:r>
-              <a:rPr lang="de-DE" sz="1200" dirty="0" err="1">
-                <a:solidFill>
-                  <a:schemeClr val="bg1">
-                    <a:lumMod val="65000"/>
-                  </a:schemeClr>
-                </a:solidFill>
-              </a:rPr>
-              <a:t>of</a:t>
-            </a:r>
-            <a:r>
-              <a:rPr lang="de-DE" sz="1200" dirty="0">
-                <a:solidFill>
-                  <a:schemeClr val="bg1">
-                    <a:lumMod val="65000"/>
-                  </a:schemeClr>
-                </a:solidFill>
-              </a:rPr>
-              <a:t> RNA-</a:t>
-            </a:r>
-            <a:r>
-              <a:rPr lang="de-DE" sz="1200" dirty="0" err="1">
-                <a:solidFill>
-                  <a:schemeClr val="bg1">
-                    <a:lumMod val="65000"/>
-                  </a:schemeClr>
-                </a:solidFill>
-              </a:rPr>
-              <a:t>Dependent</a:t>
-            </a:r>
-            <a:r>
-              <a:rPr lang="de-DE" sz="1200" dirty="0">
-                <a:solidFill>
-                  <a:schemeClr val="bg1">
-                    <a:lumMod val="65000"/>
-                  </a:schemeClr>
-                </a:solidFill>
-              </a:rPr>
-              <a:t> Proteins </a:t>
-            </a:r>
-            <a:r>
-              <a:rPr lang="de-DE" sz="1200" dirty="0" err="1">
-                <a:solidFill>
-                  <a:schemeClr val="bg1">
-                    <a:lumMod val="65000"/>
-                  </a:schemeClr>
-                </a:solidFill>
-              </a:rPr>
-              <a:t>by</a:t>
-            </a:r>
-            <a:r>
-              <a:rPr lang="de-DE" sz="1200" dirty="0">
-                <a:solidFill>
-                  <a:schemeClr val="bg1">
-                    <a:lumMod val="65000"/>
-                  </a:schemeClr>
-                </a:solidFill>
-              </a:rPr>
-              <a:t> Density Gradient </a:t>
-            </a:r>
-            <a:r>
-              <a:rPr lang="de-DE" sz="1200" dirty="0" err="1">
-                <a:solidFill>
-                  <a:schemeClr val="bg1">
-                    <a:lumMod val="65000"/>
-                  </a:schemeClr>
-                </a:solidFill>
-              </a:rPr>
-              <a:t>Ultracentrifugation</a:t>
-            </a:r>
-            <a:r>
-              <a:rPr lang="de-DE" sz="1200" dirty="0">
-                <a:solidFill>
-                  <a:schemeClr val="bg1">
-                    <a:lumMod val="65000"/>
-                  </a:schemeClr>
-                </a:solidFill>
-              </a:rPr>
-              <a:t>. </a:t>
-            </a:r>
-            <a:r>
-              <a:rPr lang="de-DE" sz="1200" dirty="0" err="1">
-                <a:solidFill>
-                  <a:schemeClr val="bg1">
-                    <a:lumMod val="65000"/>
-                  </a:schemeClr>
-                </a:solidFill>
-              </a:rPr>
-              <a:t>Molecular</a:t>
-            </a:r>
-            <a:r>
-              <a:rPr lang="de-DE" sz="1200" dirty="0">
-                <a:solidFill>
-                  <a:schemeClr val="bg1">
-                    <a:lumMod val="65000"/>
-                  </a:schemeClr>
-                </a:solidFill>
-              </a:rPr>
-              <a:t> </a:t>
-            </a:r>
-            <a:r>
-              <a:rPr lang="de-DE" sz="1200" dirty="0" err="1">
-                <a:solidFill>
-                  <a:schemeClr val="bg1">
-                    <a:lumMod val="65000"/>
-                  </a:schemeClr>
-                </a:solidFill>
-              </a:rPr>
-              <a:t>Cell</a:t>
-            </a:r>
-            <a:r>
-              <a:rPr lang="de-DE" sz="1200" dirty="0">
-                <a:solidFill>
-                  <a:schemeClr val="bg1">
-                    <a:lumMod val="65000"/>
-                  </a:schemeClr>
-                </a:solidFill>
-              </a:rPr>
-              <a:t> </a:t>
-            </a:r>
-            <a:r>
-              <a:rPr lang="de-DE" sz="1200" i="1" dirty="0">
+              <a:t>: Proteome-wide and Quantitative Identification of RNA-Dependent Proteins by Density Gradient Ultracentrifugation. Molecular Cell </a:t>
+            </a:r>
+            <a:r>
+              <a:rPr lang="en-GB" sz="1200" i="1" noProof="0" dirty="0">
                 <a:solidFill>
                   <a:schemeClr val="bg1">
                     <a:lumMod val="65000"/>
@@ -11511,7 +9988,7 @@
               <a:t>75</a:t>
             </a:r>
             <a:r>
-              <a:rPr lang="de-DE" sz="1200" i="0" dirty="0">
+              <a:rPr lang="en-GB" sz="1200" i="0" noProof="0" dirty="0">
                 <a:solidFill>
                   <a:schemeClr val="bg1">
                     <a:lumMod val="65000"/>
@@ -11520,7 +9997,7 @@
               </a:rPr>
               <a:t>, 184-199.e110.</a:t>
             </a:r>
-            <a:endParaRPr lang="de-DE" sz="1200" dirty="0">
+            <a:endParaRPr lang="en-GB" sz="1200" noProof="0" dirty="0">
               <a:solidFill>
                 <a:schemeClr val="bg1">
                   <a:lumMod val="65000"/>
@@ -11560,7 +10037,7 @@
           </a:bodyPr>
           <a:lstStyle/>
           <a:p>
-            <a:endParaRPr lang="de-DE" dirty="0"/>
+            <a:endParaRPr lang="en-GB" noProof="0" dirty="0"/>
           </a:p>
         </p:txBody>
       </p:sp>
@@ -11920,36 +10397,8 @@
           <a:p>
             <a:pPr algn="ctr"/>
             <a:r>
-              <a:rPr lang="de-DE" dirty="0" err="1"/>
-              <a:t>Meaning</a:t>
-            </a:r>
-            <a:r>
-              <a:rPr lang="de-DE" dirty="0"/>
-              <a:t> </a:t>
-            </a:r>
-            <a:r>
-              <a:rPr lang="de-DE" dirty="0" err="1"/>
-              <a:t>of</a:t>
-            </a:r>
-            <a:r>
-              <a:rPr lang="de-DE" dirty="0"/>
-              <a:t> </a:t>
-            </a:r>
-            <a:r>
-              <a:rPr lang="de-DE" dirty="0" err="1"/>
-              <a:t>the</a:t>
-            </a:r>
-            <a:r>
-              <a:rPr lang="de-DE" dirty="0"/>
-              <a:t> </a:t>
-            </a:r>
-            <a:r>
-              <a:rPr lang="de-DE" dirty="0" err="1"/>
-              <a:t>shifts</a:t>
-            </a:r>
-            <a:r>
-              <a:rPr lang="de-DE" dirty="0"/>
-              <a:t>  </a:t>
+              <a:rPr lang="en-GB" noProof="0" dirty="0"/>
+              <a:t>Meaning of the shifts  </a:t>
             </a:r>
           </a:p>
         </p:txBody>
@@ -12030,12 +10479,8 @@
           <a:lstStyle/>
           <a:p>
             <a:r>
-              <a:rPr lang="de-DE" dirty="0" err="1"/>
-              <a:t>Left</a:t>
-            </a:r>
-            <a:r>
-              <a:rPr lang="de-DE" dirty="0"/>
-              <a:t> shift (1.)</a:t>
+              <a:rPr lang="en-GB" noProof="0" dirty="0"/>
+              <a:t>Left shift (1.)</a:t>
             </a:r>
           </a:p>
         </p:txBody>
@@ -12116,7 +10561,7 @@
           <a:lstStyle/>
           <a:p>
             <a:r>
-              <a:rPr lang="de-DE" dirty="0"/>
+              <a:rPr lang="en-GB" noProof="0" dirty="0"/>
               <a:t>Right shift (1.)</a:t>
             </a:r>
           </a:p>
@@ -12198,12 +10643,8 @@
           <a:lstStyle/>
           <a:p>
             <a:r>
-              <a:rPr lang="de-DE" dirty="0" err="1"/>
-              <a:t>No</a:t>
-            </a:r>
-            <a:r>
-              <a:rPr lang="de-DE" dirty="0"/>
-              <a:t> shift (3.)</a:t>
+              <a:rPr lang="en-GB" noProof="0" dirty="0"/>
+              <a:t>No shift (3.)</a:t>
             </a:r>
           </a:p>
         </p:txBody>
@@ -12284,7 +10725,7 @@
           <a:lstStyle/>
           <a:p>
             <a:r>
-              <a:rPr lang="de-DE" dirty="0"/>
+              <a:rPr lang="en-GB" noProof="0" dirty="0"/>
               <a:t>Partial shift (2.) </a:t>
             </a:r>
           </a:p>
@@ -12366,12 +10807,8 @@
           <a:lstStyle/>
           <a:p>
             <a:r>
-              <a:rPr lang="de-DE" dirty="0" err="1"/>
-              <a:t>Precipitated</a:t>
-            </a:r>
-            <a:r>
-              <a:rPr lang="de-DE" dirty="0"/>
-              <a:t> (1.)</a:t>
+              <a:rPr lang="en-GB" noProof="0" dirty="0"/>
+              <a:t>Precipitated (1.)</a:t>
             </a:r>
           </a:p>
         </p:txBody>
@@ -12410,77 +10847,35 @@
           <a:lstStyle/>
           <a:p>
             <a:r>
-              <a:rPr lang="de-DE" sz="2000" dirty="0"/>
-              <a:t>Classification </a:t>
-            </a:r>
-            <a:r>
-              <a:rPr lang="de-DE" sz="2000" dirty="0" err="1"/>
-              <a:t>of</a:t>
-            </a:r>
-            <a:r>
-              <a:rPr lang="de-DE" sz="2000" dirty="0"/>
-              <a:t> </a:t>
-            </a:r>
-            <a:r>
-              <a:rPr lang="de-DE" sz="2000" dirty="0" err="1"/>
-              <a:t>proteins</a:t>
-            </a:r>
-            <a:r>
-              <a:rPr lang="de-DE" sz="2000" dirty="0"/>
-              <a:t>:</a:t>
-            </a:r>
-          </a:p>
-          <a:p>
-            <a:endParaRPr lang="de-DE" sz="2000" dirty="0"/>
-          </a:p>
-          <a:p>
-            <a:r>
-              <a:rPr lang="de-DE" sz="2000" dirty="0"/>
-              <a:t>1. RNA-</a:t>
-            </a:r>
-            <a:r>
-              <a:rPr lang="de-DE" sz="2000" dirty="0" err="1"/>
-              <a:t>dependent</a:t>
-            </a:r>
-            <a:endParaRPr lang="de-DE" sz="2000" dirty="0"/>
-          </a:p>
-          <a:p>
-            <a:endParaRPr lang="de-DE" sz="800" dirty="0"/>
-          </a:p>
-          <a:p>
-            <a:r>
-              <a:rPr lang="de-DE" sz="2000" dirty="0"/>
-              <a:t>2. </a:t>
-            </a:r>
-            <a:r>
-              <a:rPr lang="de-DE" sz="2000" dirty="0" err="1"/>
-              <a:t>Partially</a:t>
-            </a:r>
-            <a:r>
-              <a:rPr lang="de-DE" sz="2000" dirty="0"/>
-              <a:t> RNA-</a:t>
-            </a:r>
-            <a:r>
-              <a:rPr lang="de-DE" sz="2000" dirty="0" err="1"/>
-              <a:t>dependent</a:t>
-            </a:r>
-            <a:endParaRPr lang="de-DE" sz="2000" dirty="0"/>
-          </a:p>
-          <a:p>
-            <a:endParaRPr lang="de-DE" sz="800" dirty="0"/>
-          </a:p>
-          <a:p>
-            <a:r>
-              <a:rPr lang="de-DE" sz="2000" dirty="0"/>
-              <a:t>3. Not RNA-</a:t>
-            </a:r>
-            <a:r>
-              <a:rPr lang="de-DE" sz="2000" dirty="0" err="1"/>
-              <a:t>dependent</a:t>
-            </a:r>
-            <a:r>
-              <a:rPr lang="de-DE" sz="2000" dirty="0"/>
-              <a:t> </a:t>
+              <a:rPr lang="en-GB" sz="2000" noProof="0" dirty="0"/>
+              <a:t>Classification of proteins:</a:t>
+            </a:r>
+          </a:p>
+          <a:p>
+            <a:endParaRPr lang="en-GB" sz="2000" noProof="0" dirty="0"/>
+          </a:p>
+          <a:p>
+            <a:r>
+              <a:rPr lang="en-GB" sz="2000" noProof="0" dirty="0"/>
+              <a:t>1. RNA-dependent</a:t>
+            </a:r>
+          </a:p>
+          <a:p>
+            <a:endParaRPr lang="en-GB" sz="800" noProof="0" dirty="0"/>
+          </a:p>
+          <a:p>
+            <a:r>
+              <a:rPr lang="en-GB" sz="2000" noProof="0" dirty="0"/>
+              <a:t>2. Partially RNA-dependent</a:t>
+            </a:r>
+          </a:p>
+          <a:p>
+            <a:endParaRPr lang="en-GB" sz="800" noProof="0" dirty="0"/>
+          </a:p>
+          <a:p>
+            <a:r>
+              <a:rPr lang="en-GB" sz="2000" noProof="0" dirty="0"/>
+              <a:t>3. Not RNA-dependent </a:t>
             </a:r>
           </a:p>
         </p:txBody>
@@ -12987,135 +11382,34 @@
           <a:lstStyle/>
           <a:p>
             <a:r>
-              <a:rPr lang="de-DE" sz="2000" dirty="0" err="1"/>
-              <a:t>Mass</a:t>
-            </a:r>
-            <a:r>
-              <a:rPr lang="de-DE" sz="2000" dirty="0"/>
-              <a:t> </a:t>
-            </a:r>
-            <a:r>
-              <a:rPr lang="de-DE" sz="2000" dirty="0" err="1"/>
-              <a:t>spectrometric</a:t>
-            </a:r>
-            <a:r>
-              <a:rPr lang="de-DE" sz="2000" dirty="0"/>
-              <a:t> quantitative </a:t>
-            </a:r>
-            <a:r>
-              <a:rPr lang="de-DE" sz="2000" dirty="0" err="1"/>
-              <a:t>results</a:t>
-            </a:r>
-            <a:r>
-              <a:rPr lang="de-DE" sz="2000" dirty="0"/>
-              <a:t> per </a:t>
-            </a:r>
-            <a:r>
-              <a:rPr lang="de-DE" sz="2000" dirty="0" err="1"/>
-              <a:t>protein</a:t>
-            </a:r>
-            <a:r>
-              <a:rPr lang="de-DE" sz="2000" dirty="0"/>
-              <a:t> per </a:t>
-            </a:r>
-            <a:r>
-              <a:rPr lang="de-DE" sz="2000" dirty="0" err="1"/>
-              <a:t>fraction</a:t>
-            </a:r>
-            <a:endParaRPr lang="de-DE" sz="2000" dirty="0"/>
+              <a:rPr lang="en-GB" sz="2000" noProof="0" dirty="0"/>
+              <a:t>Mass spectrometric quantitative results per protein per fraction</a:t>
+            </a:r>
           </a:p>
           <a:p>
             <a:pPr marL="0" indent="0">
               <a:buNone/>
             </a:pPr>
-            <a:endParaRPr lang="de-DE" sz="800" dirty="0"/>
-          </a:p>
-          <a:p>
-            <a:r>
-              <a:rPr lang="de-DE" sz="2000" dirty="0" err="1"/>
-              <a:t>Comparison</a:t>
-            </a:r>
-            <a:r>
-              <a:rPr lang="de-DE" sz="2000" dirty="0"/>
-              <a:t> </a:t>
-            </a:r>
-            <a:r>
-              <a:rPr lang="de-DE" sz="2000" dirty="0" err="1"/>
-              <a:t>of</a:t>
-            </a:r>
-            <a:r>
-              <a:rPr lang="de-DE" sz="2000" dirty="0"/>
-              <a:t> </a:t>
-            </a:r>
-            <a:r>
-              <a:rPr lang="de-DE" sz="2000" dirty="0" err="1"/>
-              <a:t>the</a:t>
-            </a:r>
-            <a:r>
-              <a:rPr lang="de-DE" sz="2000" dirty="0"/>
-              <a:t> </a:t>
-            </a:r>
-            <a:r>
-              <a:rPr lang="de-DE" sz="2000" dirty="0" err="1"/>
-              <a:t>occurence</a:t>
-            </a:r>
-            <a:r>
-              <a:rPr lang="de-DE" sz="2000" dirty="0"/>
-              <a:t> </a:t>
-            </a:r>
-            <a:r>
-              <a:rPr lang="de-DE" sz="2000" dirty="0" err="1"/>
-              <a:t>of</a:t>
-            </a:r>
-            <a:r>
-              <a:rPr lang="de-DE" sz="2000" dirty="0"/>
-              <a:t> </a:t>
-            </a:r>
-            <a:r>
-              <a:rPr lang="de-DE" sz="2000" dirty="0" err="1"/>
-              <a:t>proteins</a:t>
-            </a:r>
-            <a:r>
-              <a:rPr lang="de-DE" sz="2000" dirty="0"/>
-              <a:t> in different </a:t>
-            </a:r>
-            <a:r>
-              <a:rPr lang="de-DE" sz="2000" dirty="0" err="1"/>
-              <a:t>fractions</a:t>
-            </a:r>
-            <a:r>
-              <a:rPr lang="de-DE" sz="2000" dirty="0"/>
-              <a:t> </a:t>
-            </a:r>
-            <a:r>
-              <a:rPr lang="de-DE" sz="2000" dirty="0" err="1"/>
-              <a:t>of</a:t>
-            </a:r>
-            <a:r>
-              <a:rPr lang="de-DE" sz="2000" dirty="0"/>
-              <a:t> Control and </a:t>
-            </a:r>
-            <a:r>
-              <a:rPr lang="de-DE" sz="2000" dirty="0" err="1"/>
-              <a:t>RNase</a:t>
-            </a:r>
-            <a:r>
-              <a:rPr lang="de-DE" sz="2000" dirty="0"/>
-              <a:t> </a:t>
-            </a:r>
-          </a:p>
-          <a:p>
-            <a:endParaRPr lang="de-DE" sz="800" dirty="0"/>
-          </a:p>
-          <a:p>
-            <a:endParaRPr lang="de-DE" sz="800" dirty="0"/>
+            <a:endParaRPr lang="en-GB" sz="800" noProof="0" dirty="0"/>
+          </a:p>
+          <a:p>
+            <a:r>
+              <a:rPr lang="en-GB" sz="2000" noProof="0" dirty="0"/>
+              <a:t>Comparison of the occurrence of proteins in different fractions of Control and RNase </a:t>
+            </a:r>
+          </a:p>
+          <a:p>
+            <a:endParaRPr lang="en-GB" sz="800" noProof="0" dirty="0"/>
+          </a:p>
+          <a:p>
+            <a:endParaRPr lang="en-GB" sz="800" noProof="0" dirty="0"/>
           </a:p>
           <a:p>
             <a:pPr marL="0" indent="0">
               <a:buNone/>
             </a:pPr>
             <a:r>
-              <a:rPr lang="de-DE" b="1" dirty="0">
+              <a:rPr lang="en-GB" b="1" noProof="0" dirty="0">
                 <a:sym typeface="Wingdings" panose="05000000000000000000" pitchFamily="2" charset="2"/>
               </a:rPr>
               <a:t> </a:t>
@@ -13124,19 +11418,18 @@
               <a:rPr lang="en-GB" b="1" noProof="0" dirty="0"/>
               <a:t>Which proteins are RNA-dependent?</a:t>
             </a:r>
-            <a:endParaRPr lang="de-DE" b="1" dirty="0"/>
           </a:p>
           <a:p>
             <a:pPr marL="0" indent="0">
               <a:buNone/>
             </a:pPr>
-            <a:endParaRPr lang="de-DE" dirty="0"/>
+            <a:endParaRPr lang="en-GB" noProof="0" dirty="0"/>
           </a:p>
           <a:p>
             <a:pPr marL="0" indent="0">
               <a:buNone/>
             </a:pPr>
-            <a:endParaRPr lang="de-DE" dirty="0"/>
+            <a:endParaRPr lang="en-GB" noProof="0" dirty="0"/>
           </a:p>
         </p:txBody>
       </p:sp>
@@ -13252,24 +11545,8 @@
           <a:p>
             <a:pPr algn="ctr"/>
             <a:r>
-              <a:rPr lang="de-DE" sz="1400" dirty="0"/>
-              <a:t>Control and </a:t>
-            </a:r>
-            <a:r>
-              <a:rPr lang="de-DE" sz="1400" dirty="0" err="1"/>
-              <a:t>RNase</a:t>
-            </a:r>
-            <a:r>
-              <a:rPr lang="de-DE" sz="1400" dirty="0"/>
-              <a:t> </a:t>
-            </a:r>
-            <a:r>
-              <a:rPr lang="de-DE" sz="1400" dirty="0" err="1"/>
-              <a:t>fractions</a:t>
-            </a:r>
-            <a:r>
-              <a:rPr lang="de-DE" sz="1400" dirty="0"/>
-              <a:t> </a:t>
+              <a:rPr lang="en-GB" sz="1400" noProof="0" dirty="0"/>
+              <a:t>Control and RNase fractions </a:t>
             </a:r>
           </a:p>
         </p:txBody>
@@ -13303,7 +11580,7 @@
           <a:lstStyle/>
           <a:p>
             <a:r>
-              <a:rPr lang="de-DE" sz="1400" dirty="0"/>
+              <a:rPr lang="en-GB" sz="1400" noProof="0" dirty="0"/>
               <a:t>Different Proteins </a:t>
             </a:r>
           </a:p>
@@ -13338,7 +11615,7 @@
           <a:lstStyle/>
           <a:p>
             <a:r>
-              <a:rPr lang="de-DE" dirty="0"/>
+              <a:rPr lang="en-GB" noProof="0" dirty="0"/>
               <a:t>Dimension: 4765 x 150</a:t>
             </a:r>
           </a:p>
@@ -13372,52 +11649,8 @@
           <a:p>
             <a:pPr algn="ctr"/>
             <a:r>
-              <a:rPr lang="de-DE" dirty="0" err="1"/>
-              <a:t>What</a:t>
-            </a:r>
-            <a:r>
-              <a:rPr lang="de-DE" dirty="0"/>
-              <a:t> </a:t>
-            </a:r>
-            <a:r>
-              <a:rPr lang="de-DE" dirty="0" err="1"/>
-              <a:t>is</a:t>
-            </a:r>
-            <a:r>
-              <a:rPr lang="de-DE" dirty="0"/>
-              <a:t> </a:t>
-            </a:r>
-            <a:r>
-              <a:rPr lang="de-DE" dirty="0" err="1"/>
-              <a:t>our</a:t>
-            </a:r>
-            <a:r>
-              <a:rPr lang="de-DE" dirty="0"/>
-              <a:t> </a:t>
-            </a:r>
-            <a:r>
-              <a:rPr lang="de-DE" dirty="0" err="1"/>
-              <a:t>data</a:t>
-            </a:r>
-            <a:r>
-              <a:rPr lang="de-DE" dirty="0"/>
-              <a:t> </a:t>
-            </a:r>
-            <a:r>
-              <a:rPr lang="de-DE" dirty="0" err="1"/>
-              <a:t>set</a:t>
-            </a:r>
-            <a:r>
-              <a:rPr lang="de-DE" dirty="0"/>
-              <a:t> </a:t>
-            </a:r>
-            <a:r>
-              <a:rPr lang="de-DE" dirty="0" err="1"/>
-              <a:t>showing</a:t>
-            </a:r>
-            <a:r>
-              <a:rPr lang="de-DE" dirty="0"/>
-              <a:t>?  </a:t>
+              <a:rPr lang="en-GB" noProof="0" dirty="0"/>
+              <a:t>What is our data set showing?  </a:t>
             </a:r>
           </a:p>
         </p:txBody>
@@ -14368,29 +12601,14 @@
           <a:lstStyle/>
           <a:p>
             <a:r>
-              <a:rPr lang="en-GB" sz="1000" u="sng" noProof="0" dirty="0" err="1"/>
+              <a:rPr lang="en-US" sz="1000" u="sng" noProof="0" dirty="0" err="1"/>
               <a:t>Bioinfo</a:t>
             </a:r>
             <a:r>
-              <a:rPr lang="en-GB" sz="1000" u="sng" noProof="0" dirty="0"/>
-              <a:t>-Slides </a:t>
-            </a:r>
-            <a:r>
-              <a:rPr lang="en-GB" sz="1000" u="sng" noProof="0" dirty="0" err="1"/>
-              <a:t>aus</a:t>
-            </a:r>
-            <a:r>
-              <a:rPr lang="en-GB" sz="1000" u="sng" noProof="0" dirty="0"/>
-              <a:t> </a:t>
-            </a:r>
-            <a:r>
-              <a:rPr lang="en-GB" sz="1000" u="sng" noProof="0" dirty="0" err="1"/>
-              <a:t>dem</a:t>
-            </a:r>
-            <a:r>
-              <a:rPr lang="en-GB" sz="1000" u="sng" noProof="0" dirty="0"/>
-              <a:t> 3. Semester</a:t>
-            </a:r>
+              <a:rPr lang="en-US" sz="1000" u="sng" noProof="0" dirty="0"/>
+              <a:t> slides from the 3rd semester</a:t>
+            </a:r>
+            <a:endParaRPr lang="en-GB" sz="1000" u="sng" noProof="0" dirty="0"/>
           </a:p>
         </p:txBody>
       </p:sp>
@@ -14424,7 +12642,7 @@
           <a:p>
             <a:pPr algn="ctr"/>
             <a:r>
-              <a:rPr lang="de-DE" dirty="0"/>
+              <a:rPr lang="en-GB" noProof="0" dirty="0"/>
               <a:t>19.05.-25.05.</a:t>
             </a:r>
           </a:p>
@@ -15242,29 +13460,14 @@
           <a:lstStyle/>
           <a:p>
             <a:r>
-              <a:rPr lang="en-GB" sz="1000" u="sng" noProof="0" dirty="0" err="1"/>
+              <a:rPr lang="en-US" sz="1000" u="sng" noProof="0" dirty="0" err="1"/>
               <a:t>Bioinfo</a:t>
             </a:r>
             <a:r>
-              <a:rPr lang="en-GB" sz="1000" u="sng" noProof="0" dirty="0"/>
-              <a:t>-Slides </a:t>
-            </a:r>
-            <a:r>
-              <a:rPr lang="en-GB" sz="1000" u="sng" noProof="0" dirty="0" err="1"/>
-              <a:t>aus</a:t>
-            </a:r>
-            <a:r>
-              <a:rPr lang="en-GB" sz="1000" u="sng" noProof="0" dirty="0"/>
-              <a:t> </a:t>
-            </a:r>
-            <a:r>
-              <a:rPr lang="en-GB" sz="1000" u="sng" noProof="0" dirty="0" err="1"/>
-              <a:t>dem</a:t>
-            </a:r>
-            <a:r>
-              <a:rPr lang="en-GB" sz="1000" u="sng" noProof="0" dirty="0"/>
-              <a:t> 3. Semester</a:t>
-            </a:r>
+              <a:rPr lang="en-US" sz="1000" u="sng" noProof="0" dirty="0"/>
+              <a:t> slides from the 3rd semester</a:t>
+            </a:r>
+            <a:endParaRPr lang="en-GB" sz="1000" u="sng" noProof="0" dirty="0"/>
           </a:p>
         </p:txBody>
       </p:sp>
@@ -15298,7 +13501,7 @@
           <a:p>
             <a:pPr algn="ctr"/>
             <a:r>
-              <a:rPr lang="de-DE" dirty="0"/>
+              <a:rPr lang="en-GB" noProof="0" dirty="0"/>
               <a:t>26.05.-01.06.</a:t>
             </a:r>
           </a:p>
@@ -15945,14 +14148,13 @@
               </a:ext>
             </a:extLst>
           </a:blip>
-          <a:stretch>
-            <a:fillRect/>
-          </a:stretch>
+          <a:srcRect t="3086"/>
+          <a:stretch/>
         </p:blipFill>
         <p:spPr>
           <a:xfrm>
-            <a:off x="7239001" y="1650999"/>
-            <a:ext cx="4953000" cy="4664477"/>
+            <a:off x="7081299" y="1651001"/>
+            <a:ext cx="5110702" cy="4664476"/>
           </a:xfrm>
           <a:prstGeom prst="rect">
             <a:avLst/>
@@ -15981,13 +14183,13 @@
               </a:ext>
             </a:extLst>
           </a:blip>
-          <a:srcRect l="442"/>
+          <a:srcRect l="442" t="4961"/>
           <a:stretch/>
         </p:blipFill>
         <p:spPr>
           <a:xfrm>
-            <a:off x="6045201" y="1650999"/>
-            <a:ext cx="6062135" cy="4607908"/>
+            <a:off x="5796493" y="1707771"/>
+            <a:ext cx="6456887" cy="4664477"/>
           </a:xfrm>
           <a:prstGeom prst="rect">
             <a:avLst/>
@@ -16023,29 +14225,14 @@
           <a:lstStyle/>
           <a:p>
             <a:r>
-              <a:rPr lang="en-GB" sz="1000" u="sng" noProof="0" dirty="0" err="1"/>
+              <a:rPr lang="en-US" sz="1000" u="sng" noProof="0" dirty="0" err="1"/>
               <a:t>Bioinfo</a:t>
             </a:r>
             <a:r>
-              <a:rPr lang="en-GB" sz="1000" u="sng" noProof="0" dirty="0"/>
-              <a:t>-Slides </a:t>
-            </a:r>
-            <a:r>
-              <a:rPr lang="en-GB" sz="1000" u="sng" noProof="0" dirty="0" err="1"/>
-              <a:t>aus</a:t>
-            </a:r>
-            <a:r>
-              <a:rPr lang="en-GB" sz="1000" u="sng" noProof="0" dirty="0"/>
-              <a:t> </a:t>
-            </a:r>
-            <a:r>
-              <a:rPr lang="en-GB" sz="1000" u="sng" noProof="0" dirty="0" err="1"/>
-              <a:t>dem</a:t>
-            </a:r>
-            <a:r>
-              <a:rPr lang="en-GB" sz="1000" u="sng" noProof="0" dirty="0"/>
-              <a:t> 3. Semester</a:t>
-            </a:r>
+              <a:rPr lang="en-US" sz="1000" u="sng" noProof="0" dirty="0"/>
+              <a:t> slides from the 3rd semester</a:t>
+            </a:r>
+            <a:endParaRPr lang="en-GB" sz="1000" u="sng" noProof="0" dirty="0"/>
           </a:p>
         </p:txBody>
       </p:sp>
@@ -16079,7 +14266,7 @@
           <a:p>
             <a:pPr algn="ctr"/>
             <a:r>
-              <a:rPr lang="de-DE" dirty="0"/>
+              <a:rPr lang="en-GB" noProof="0" dirty="0"/>
               <a:t>02.06.-15.06.</a:t>
             </a:r>
           </a:p>
